--- a/notes/csc402-ln018.pptx
+++ b/notes/csc402-ln018.pptx
@@ -236,17 +236,17 @@
           </a:ln>
           <a:extLst>
             <a:ext uri="{FAA26D3D-D897-4be2-8F04-BA451C77F1D7}">
-              <ma14:placeholderFlag xmlns:ma14="http://schemas.microsoft.com/office/mac/drawingml/2011/main" val="1"/>
-            </a:ext>
-            <a:ext uri="{909E8E84-426E-40dd-AFC4-6F175D3DCCD1}">
-              <a14:hiddenFill xmlns="" xmlns:a14="http://schemas.microsoft.com/office/drawing/2010/main">
+              <ma14:placeholderFlag xmlns:ma14="http://schemas.microsoft.com/office/mac/drawingml/2011/main" xmlns="" val="1"/>
+            </a:ext>
+            <a:ext uri="{909E8E84-426E-40dd-AFC4-6F175D3DCCD1}">
+              <a14:hiddenFill xmlns:a14="http://schemas.microsoft.com/office/drawing/2010/main" xmlns="">
                 <a:solidFill>
                   <a:schemeClr val="accent1"/>
                 </a:solidFill>
               </a14:hiddenFill>
             </a:ext>
             <a:ext uri="{91240B29-F687-4f45-9708-019B960494DF}">
-              <a14:hiddenLine xmlns="" xmlns:a14="http://schemas.microsoft.com/office/drawing/2010/main" w="9525">
+              <a14:hiddenLine xmlns:a14="http://schemas.microsoft.com/office/drawing/2010/main" xmlns="" w="9525">
                 <a:solidFill>
                   <a:schemeClr val="tx1"/>
                 </a:solidFill>
@@ -297,17 +297,17 @@
           </a:ln>
           <a:extLst>
             <a:ext uri="{FAA26D3D-D897-4be2-8F04-BA451C77F1D7}">
-              <ma14:placeholderFlag xmlns:ma14="http://schemas.microsoft.com/office/mac/drawingml/2011/main" val="1"/>
-            </a:ext>
-            <a:ext uri="{909E8E84-426E-40dd-AFC4-6F175D3DCCD1}">
-              <a14:hiddenFill xmlns="" xmlns:a14="http://schemas.microsoft.com/office/drawing/2010/main">
+              <ma14:placeholderFlag xmlns:ma14="http://schemas.microsoft.com/office/mac/drawingml/2011/main" xmlns="" val="1"/>
+            </a:ext>
+            <a:ext uri="{909E8E84-426E-40dd-AFC4-6F175D3DCCD1}">
+              <a14:hiddenFill xmlns:a14="http://schemas.microsoft.com/office/drawing/2010/main" xmlns="">
                 <a:solidFill>
                   <a:schemeClr val="accent1"/>
                 </a:solidFill>
               </a14:hiddenFill>
             </a:ext>
             <a:ext uri="{91240B29-F687-4f45-9708-019B960494DF}">
-              <a14:hiddenLine xmlns="" xmlns:a14="http://schemas.microsoft.com/office/drawing/2010/main" w="9525">
+              <a14:hiddenLine xmlns:a14="http://schemas.microsoft.com/office/drawing/2010/main" xmlns="" w="9525">
                 <a:solidFill>
                   <a:schemeClr val="tx1"/>
                 </a:solidFill>
@@ -364,7 +364,7 @@
           <a:effectLst/>
           <a:extLst>
             <a:ext uri="{AF507438-7753-43e0-B8FC-AC1667EBCBE1}">
-              <a14:hiddenEffects xmlns="" xmlns:a14="http://schemas.microsoft.com/office/drawing/2010/main">
+              <a14:hiddenEffects xmlns:a14="http://schemas.microsoft.com/office/drawing/2010/main" xmlns="">
                 <a:effectLst>
                   <a:outerShdw blurRad="63500" dist="38099" dir="2700000" algn="ctr" rotWithShape="0">
                     <a:srgbClr val="000000">
@@ -375,7 +375,7 @@
               </a14:hiddenEffects>
             </a:ext>
             <a:ext uri="{53640926-AAD7-44d8-BBD7-CCE9431645EC}">
-              <a14:shadowObscured xmlns="" xmlns:a14="http://schemas.microsoft.com/office/drawing/2010/main" val="1"/>
+              <a14:shadowObscured xmlns:a14="http://schemas.microsoft.com/office/drawing/2010/main" xmlns="" val="1"/>
             </a:ext>
           </a:extLst>
         </p:spPr>
@@ -404,17 +404,17 @@
           </a:ln>
           <a:extLst>
             <a:ext uri="{FAA26D3D-D897-4be2-8F04-BA451C77F1D7}">
-              <ma14:placeholderFlag xmlns:ma14="http://schemas.microsoft.com/office/mac/drawingml/2011/main" val="1"/>
-            </a:ext>
-            <a:ext uri="{909E8E84-426E-40dd-AFC4-6F175D3DCCD1}">
-              <a14:hiddenFill xmlns="" xmlns:a14="http://schemas.microsoft.com/office/drawing/2010/main">
+              <ma14:placeholderFlag xmlns:ma14="http://schemas.microsoft.com/office/mac/drawingml/2011/main" xmlns="" val="1"/>
+            </a:ext>
+            <a:ext uri="{909E8E84-426E-40dd-AFC4-6F175D3DCCD1}">
+              <a14:hiddenFill xmlns:a14="http://schemas.microsoft.com/office/drawing/2010/main" xmlns="">
                 <a:solidFill>
                   <a:schemeClr val="accent1"/>
                 </a:solidFill>
               </a14:hiddenFill>
             </a:ext>
             <a:ext uri="{91240B29-F687-4f45-9708-019B960494DF}">
-              <a14:hiddenLine xmlns="" xmlns:a14="http://schemas.microsoft.com/office/drawing/2010/main" w="9525">
+              <a14:hiddenLine xmlns:a14="http://schemas.microsoft.com/office/drawing/2010/main" xmlns="" w="9525">
                 <a:solidFill>
                   <a:schemeClr val="tx1"/>
                 </a:solidFill>
@@ -493,17 +493,17 @@
           </a:ln>
           <a:extLst>
             <a:ext uri="{FAA26D3D-D897-4be2-8F04-BA451C77F1D7}">
-              <ma14:placeholderFlag xmlns:ma14="http://schemas.microsoft.com/office/mac/drawingml/2011/main" val="1"/>
-            </a:ext>
-            <a:ext uri="{909E8E84-426E-40dd-AFC4-6F175D3DCCD1}">
-              <a14:hiddenFill xmlns="" xmlns:a14="http://schemas.microsoft.com/office/drawing/2010/main">
+              <ma14:placeholderFlag xmlns:ma14="http://schemas.microsoft.com/office/mac/drawingml/2011/main" xmlns="" val="1"/>
+            </a:ext>
+            <a:ext uri="{909E8E84-426E-40dd-AFC4-6F175D3DCCD1}">
+              <a14:hiddenFill xmlns:a14="http://schemas.microsoft.com/office/drawing/2010/main" xmlns="">
                 <a:solidFill>
                   <a:schemeClr val="accent1"/>
                 </a:solidFill>
               </a14:hiddenFill>
             </a:ext>
             <a:ext uri="{91240B29-F687-4f45-9708-019B960494DF}">
-              <a14:hiddenLine xmlns="" xmlns:a14="http://schemas.microsoft.com/office/drawing/2010/main" w="9525">
+              <a14:hiddenLine xmlns:a14="http://schemas.microsoft.com/office/drawing/2010/main" xmlns="" w="9525">
                 <a:solidFill>
                   <a:schemeClr val="tx1"/>
                 </a:solidFill>
@@ -554,17 +554,17 @@
           </a:ln>
           <a:extLst>
             <a:ext uri="{FAA26D3D-D897-4be2-8F04-BA451C77F1D7}">
-              <ma14:placeholderFlag xmlns:ma14="http://schemas.microsoft.com/office/mac/drawingml/2011/main" val="1"/>
-            </a:ext>
-            <a:ext uri="{909E8E84-426E-40dd-AFC4-6F175D3DCCD1}">
-              <a14:hiddenFill xmlns="" xmlns:a14="http://schemas.microsoft.com/office/drawing/2010/main">
+              <ma14:placeholderFlag xmlns:ma14="http://schemas.microsoft.com/office/mac/drawingml/2011/main" xmlns="" val="1"/>
+            </a:ext>
+            <a:ext uri="{909E8E84-426E-40dd-AFC4-6F175D3DCCD1}">
+              <a14:hiddenFill xmlns:a14="http://schemas.microsoft.com/office/drawing/2010/main" xmlns="">
                 <a:solidFill>
                   <a:schemeClr val="accent1"/>
                 </a:solidFill>
               </a14:hiddenFill>
             </a:ext>
             <a:ext uri="{91240B29-F687-4f45-9708-019B960494DF}">
-              <a14:hiddenLine xmlns="" xmlns:a14="http://schemas.microsoft.com/office/drawing/2010/main" w="9525">
+              <a14:hiddenLine xmlns:a14="http://schemas.microsoft.com/office/drawing/2010/main" xmlns="" w="9525">
                 <a:solidFill>
                   <a:schemeClr val="tx1"/>
                 </a:solidFill>
@@ -786,7 +786,7 @@
           <a:ln/>
           <a:extLst>
             <a:ext uri="{FAA26D3D-D897-4be2-8F04-BA451C77F1D7}">
-              <ma14:placeholderFlag xmlns:ma14="http://schemas.microsoft.com/office/mac/drawingml/2011/main" val="1"/>
+              <ma14:placeholderFlag xmlns:ma14="http://schemas.microsoft.com/office/mac/drawingml/2011/main" xmlns="" val="1"/>
             </a:ext>
           </a:extLst>
         </p:spPr>
@@ -875,7 +875,7 @@
           <a:ln/>
           <a:extLst>
             <a:ext uri="{FAA26D3D-D897-4be2-8F04-BA451C77F1D7}">
-              <ma14:placeholderFlag xmlns:ma14="http://schemas.microsoft.com/office/mac/drawingml/2011/main" val="1"/>
+              <ma14:placeholderFlag xmlns:ma14="http://schemas.microsoft.com/office/mac/drawingml/2011/main" xmlns="" val="1"/>
             </a:ext>
           </a:extLst>
         </p:spPr>
@@ -981,7 +981,7 @@
           </a:ln>
           <a:extLst>
             <a:ext uri="{FAA26D3D-D897-4be2-8F04-BA451C77F1D7}">
-              <ma14:placeholderFlag xmlns:ma14="http://schemas.microsoft.com/office/mac/drawingml/2011/main" val="1"/>
+              <ma14:placeholderFlag xmlns:ma14="http://schemas.microsoft.com/office/mac/drawingml/2011/main" xmlns="" val="1"/>
             </a:ext>
           </a:extLst>
         </p:spPr>
@@ -1017,7 +1017,7 @@
           </a:ln>
           <a:extLst>
             <a:ext uri="{FAA26D3D-D897-4be2-8F04-BA451C77F1D7}">
-              <ma14:placeholderFlag xmlns:ma14="http://schemas.microsoft.com/office/mac/drawingml/2011/main" val="1"/>
+              <ma14:placeholderFlag xmlns:ma14="http://schemas.microsoft.com/office/mac/drawingml/2011/main" xmlns="" val="1"/>
             </a:ext>
           </a:extLst>
         </p:spPr>
@@ -1111,7 +1111,7 @@
           </a:ln>
           <a:extLst>
             <a:ext uri="{FAA26D3D-D897-4be2-8F04-BA451C77F1D7}">
-              <ma14:placeholderFlag xmlns:ma14="http://schemas.microsoft.com/office/mac/drawingml/2011/main" val="1"/>
+              <ma14:placeholderFlag xmlns:ma14="http://schemas.microsoft.com/office/mac/drawingml/2011/main" xmlns="" val="1"/>
             </a:ext>
           </a:extLst>
         </p:spPr>
@@ -1147,7 +1147,7 @@
           </a:ln>
           <a:extLst>
             <a:ext uri="{FAA26D3D-D897-4be2-8F04-BA451C77F1D7}">
-              <ma14:placeholderFlag xmlns:ma14="http://schemas.microsoft.com/office/mac/drawingml/2011/main" val="1"/>
+              <ma14:placeholderFlag xmlns:ma14="http://schemas.microsoft.com/office/mac/drawingml/2011/main" xmlns="" val="1"/>
             </a:ext>
           </a:extLst>
         </p:spPr>
@@ -1241,7 +1241,7 @@
           </a:ln>
           <a:extLst>
             <a:ext uri="{FAA26D3D-D897-4be2-8F04-BA451C77F1D7}">
-              <ma14:placeholderFlag xmlns:ma14="http://schemas.microsoft.com/office/mac/drawingml/2011/main" val="1"/>
+              <ma14:placeholderFlag xmlns:ma14="http://schemas.microsoft.com/office/mac/drawingml/2011/main" xmlns="" val="1"/>
             </a:ext>
           </a:extLst>
         </p:spPr>
@@ -1277,7 +1277,7 @@
           </a:ln>
           <a:extLst>
             <a:ext uri="{FAA26D3D-D897-4be2-8F04-BA451C77F1D7}">
-              <ma14:placeholderFlag xmlns:ma14="http://schemas.microsoft.com/office/mac/drawingml/2011/main" val="1"/>
+              <ma14:placeholderFlag xmlns:ma14="http://schemas.microsoft.com/office/mac/drawingml/2011/main" xmlns="" val="1"/>
             </a:ext>
           </a:extLst>
         </p:spPr>
@@ -1371,7 +1371,7 @@
           </a:ln>
           <a:extLst>
             <a:ext uri="{FAA26D3D-D897-4be2-8F04-BA451C77F1D7}">
-              <ma14:placeholderFlag xmlns:ma14="http://schemas.microsoft.com/office/mac/drawingml/2011/main" val="1"/>
+              <ma14:placeholderFlag xmlns:ma14="http://schemas.microsoft.com/office/mac/drawingml/2011/main" xmlns="" val="1"/>
             </a:ext>
           </a:extLst>
         </p:spPr>
@@ -1407,7 +1407,7 @@
           </a:ln>
           <a:extLst>
             <a:ext uri="{FAA26D3D-D897-4be2-8F04-BA451C77F1D7}">
-              <ma14:placeholderFlag xmlns:ma14="http://schemas.microsoft.com/office/mac/drawingml/2011/main" val="1"/>
+              <ma14:placeholderFlag xmlns:ma14="http://schemas.microsoft.com/office/mac/drawingml/2011/main" xmlns="" val="1"/>
             </a:ext>
           </a:extLst>
         </p:spPr>
@@ -1501,7 +1501,7 @@
           </a:ln>
           <a:extLst>
             <a:ext uri="{FAA26D3D-D897-4be2-8F04-BA451C77F1D7}">
-              <ma14:placeholderFlag xmlns:ma14="http://schemas.microsoft.com/office/mac/drawingml/2011/main" val="1"/>
+              <ma14:placeholderFlag xmlns:ma14="http://schemas.microsoft.com/office/mac/drawingml/2011/main" xmlns="" val="1"/>
             </a:ext>
           </a:extLst>
         </p:spPr>
@@ -1537,7 +1537,7 @@
           </a:ln>
           <a:extLst>
             <a:ext uri="{FAA26D3D-D897-4be2-8F04-BA451C77F1D7}">
-              <ma14:placeholderFlag xmlns:ma14="http://schemas.microsoft.com/office/mac/drawingml/2011/main" val="1"/>
+              <ma14:placeholderFlag xmlns:ma14="http://schemas.microsoft.com/office/mac/drawingml/2011/main" xmlns="" val="1"/>
             </a:ext>
           </a:extLst>
         </p:spPr>
@@ -1631,7 +1631,7 @@
           </a:ln>
           <a:extLst>
             <a:ext uri="{FAA26D3D-D897-4be2-8F04-BA451C77F1D7}">
-              <ma14:placeholderFlag xmlns:ma14="http://schemas.microsoft.com/office/mac/drawingml/2011/main" val="1"/>
+              <ma14:placeholderFlag xmlns:ma14="http://schemas.microsoft.com/office/mac/drawingml/2011/main" xmlns="" val="1"/>
             </a:ext>
           </a:extLst>
         </p:spPr>
@@ -1667,7 +1667,7 @@
           </a:ln>
           <a:extLst>
             <a:ext uri="{FAA26D3D-D897-4be2-8F04-BA451C77F1D7}">
-              <ma14:placeholderFlag xmlns:ma14="http://schemas.microsoft.com/office/mac/drawingml/2011/main" val="1"/>
+              <ma14:placeholderFlag xmlns:ma14="http://schemas.microsoft.com/office/mac/drawingml/2011/main" xmlns="" val="1"/>
             </a:ext>
           </a:extLst>
         </p:spPr>
@@ -1761,7 +1761,7 @@
           </a:ln>
           <a:extLst>
             <a:ext uri="{FAA26D3D-D897-4be2-8F04-BA451C77F1D7}">
-              <ma14:placeholderFlag xmlns:ma14="http://schemas.microsoft.com/office/mac/drawingml/2011/main" val="1"/>
+              <ma14:placeholderFlag xmlns:ma14="http://schemas.microsoft.com/office/mac/drawingml/2011/main" xmlns="" val="1"/>
             </a:ext>
           </a:extLst>
         </p:spPr>
@@ -1797,7 +1797,7 @@
           </a:ln>
           <a:extLst>
             <a:ext uri="{FAA26D3D-D897-4be2-8F04-BA451C77F1D7}">
-              <ma14:placeholderFlag xmlns:ma14="http://schemas.microsoft.com/office/mac/drawingml/2011/main" val="1"/>
+              <ma14:placeholderFlag xmlns:ma14="http://schemas.microsoft.com/office/mac/drawingml/2011/main" xmlns="" val="1"/>
             </a:ext>
           </a:extLst>
         </p:spPr>
@@ -1891,7 +1891,7 @@
           </a:ln>
           <a:extLst>
             <a:ext uri="{FAA26D3D-D897-4be2-8F04-BA451C77F1D7}">
-              <ma14:placeholderFlag xmlns:ma14="http://schemas.microsoft.com/office/mac/drawingml/2011/main" val="1"/>
+              <ma14:placeholderFlag xmlns:ma14="http://schemas.microsoft.com/office/mac/drawingml/2011/main" xmlns="" val="1"/>
             </a:ext>
           </a:extLst>
         </p:spPr>
@@ -1927,7 +1927,7 @@
           </a:ln>
           <a:extLst>
             <a:ext uri="{FAA26D3D-D897-4be2-8F04-BA451C77F1D7}">
-              <ma14:placeholderFlag xmlns:ma14="http://schemas.microsoft.com/office/mac/drawingml/2011/main" val="1"/>
+              <ma14:placeholderFlag xmlns:ma14="http://schemas.microsoft.com/office/mac/drawingml/2011/main" xmlns="" val="1"/>
             </a:ext>
           </a:extLst>
         </p:spPr>
@@ -2021,7 +2021,7 @@
           </a:ln>
           <a:extLst>
             <a:ext uri="{FAA26D3D-D897-4be2-8F04-BA451C77F1D7}">
-              <ma14:placeholderFlag xmlns:ma14="http://schemas.microsoft.com/office/mac/drawingml/2011/main" val="1"/>
+              <ma14:placeholderFlag xmlns:ma14="http://schemas.microsoft.com/office/mac/drawingml/2011/main" xmlns="" val="1"/>
             </a:ext>
           </a:extLst>
         </p:spPr>
@@ -2057,7 +2057,7 @@
           </a:ln>
           <a:extLst>
             <a:ext uri="{FAA26D3D-D897-4be2-8F04-BA451C77F1D7}">
-              <ma14:placeholderFlag xmlns:ma14="http://schemas.microsoft.com/office/mac/drawingml/2011/main" val="1"/>
+              <ma14:placeholderFlag xmlns:ma14="http://schemas.microsoft.com/office/mac/drawingml/2011/main" xmlns="" val="1"/>
             </a:ext>
           </a:extLst>
         </p:spPr>
@@ -2134,7 +2134,7 @@
           <a:ln/>
           <a:extLst>
             <a:ext uri="{FAA26D3D-D897-4be2-8F04-BA451C77F1D7}">
-              <ma14:placeholderFlag xmlns:ma14="http://schemas.microsoft.com/office/mac/drawingml/2011/main" val="1"/>
+              <ma14:placeholderFlag xmlns:ma14="http://schemas.microsoft.com/office/mac/drawingml/2011/main" xmlns="" val="1"/>
             </a:ext>
           </a:extLst>
         </p:spPr>
@@ -2240,7 +2240,7 @@
           </a:ln>
           <a:extLst>
             <a:ext uri="{FAA26D3D-D897-4be2-8F04-BA451C77F1D7}">
-              <ma14:placeholderFlag xmlns:ma14="http://schemas.microsoft.com/office/mac/drawingml/2011/main" val="1"/>
+              <ma14:placeholderFlag xmlns:ma14="http://schemas.microsoft.com/office/mac/drawingml/2011/main" xmlns="" val="1"/>
             </a:ext>
           </a:extLst>
         </p:spPr>
@@ -2276,7 +2276,7 @@
           </a:ln>
           <a:extLst>
             <a:ext uri="{FAA26D3D-D897-4be2-8F04-BA451C77F1D7}">
-              <ma14:placeholderFlag xmlns:ma14="http://schemas.microsoft.com/office/mac/drawingml/2011/main" val="1"/>
+              <ma14:placeholderFlag xmlns:ma14="http://schemas.microsoft.com/office/mac/drawingml/2011/main" xmlns="" val="1"/>
             </a:ext>
           </a:extLst>
         </p:spPr>
@@ -2370,7 +2370,7 @@
           </a:ln>
           <a:extLst>
             <a:ext uri="{FAA26D3D-D897-4be2-8F04-BA451C77F1D7}">
-              <ma14:placeholderFlag xmlns:ma14="http://schemas.microsoft.com/office/mac/drawingml/2011/main" val="1"/>
+              <ma14:placeholderFlag xmlns:ma14="http://schemas.microsoft.com/office/mac/drawingml/2011/main" xmlns="" val="1"/>
             </a:ext>
           </a:extLst>
         </p:spPr>
@@ -2406,7 +2406,7 @@
           </a:ln>
           <a:extLst>
             <a:ext uri="{FAA26D3D-D897-4be2-8F04-BA451C77F1D7}">
-              <ma14:placeholderFlag xmlns:ma14="http://schemas.microsoft.com/office/mac/drawingml/2011/main" val="1"/>
+              <ma14:placeholderFlag xmlns:ma14="http://schemas.microsoft.com/office/mac/drawingml/2011/main" xmlns="" val="1"/>
             </a:ext>
           </a:extLst>
         </p:spPr>
@@ -2500,7 +2500,7 @@
           </a:ln>
           <a:extLst>
             <a:ext uri="{FAA26D3D-D897-4be2-8F04-BA451C77F1D7}">
-              <ma14:placeholderFlag xmlns:ma14="http://schemas.microsoft.com/office/mac/drawingml/2011/main" val="1"/>
+              <ma14:placeholderFlag xmlns:ma14="http://schemas.microsoft.com/office/mac/drawingml/2011/main" xmlns="" val="1"/>
             </a:ext>
           </a:extLst>
         </p:spPr>
@@ -2536,7 +2536,7 @@
           </a:ln>
           <a:extLst>
             <a:ext uri="{FAA26D3D-D897-4be2-8F04-BA451C77F1D7}">
-              <ma14:placeholderFlag xmlns:ma14="http://schemas.microsoft.com/office/mac/drawingml/2011/main" val="1"/>
+              <ma14:placeholderFlag xmlns:ma14="http://schemas.microsoft.com/office/mac/drawingml/2011/main" xmlns="" val="1"/>
             </a:ext>
           </a:extLst>
         </p:spPr>
@@ -2630,7 +2630,7 @@
           </a:ln>
           <a:extLst>
             <a:ext uri="{FAA26D3D-D897-4be2-8F04-BA451C77F1D7}">
-              <ma14:placeholderFlag xmlns:ma14="http://schemas.microsoft.com/office/mac/drawingml/2011/main" val="1"/>
+              <ma14:placeholderFlag xmlns:ma14="http://schemas.microsoft.com/office/mac/drawingml/2011/main" xmlns="" val="1"/>
             </a:ext>
           </a:extLst>
         </p:spPr>
@@ -2666,7 +2666,7 @@
           </a:ln>
           <a:extLst>
             <a:ext uri="{FAA26D3D-D897-4be2-8F04-BA451C77F1D7}">
-              <ma14:placeholderFlag xmlns:ma14="http://schemas.microsoft.com/office/mac/drawingml/2011/main" val="1"/>
+              <ma14:placeholderFlag xmlns:ma14="http://schemas.microsoft.com/office/mac/drawingml/2011/main" xmlns="" val="1"/>
             </a:ext>
           </a:extLst>
         </p:spPr>
@@ -2760,7 +2760,7 @@
           </a:ln>
           <a:extLst>
             <a:ext uri="{FAA26D3D-D897-4be2-8F04-BA451C77F1D7}">
-              <ma14:placeholderFlag xmlns:ma14="http://schemas.microsoft.com/office/mac/drawingml/2011/main" val="1"/>
+              <ma14:placeholderFlag xmlns:ma14="http://schemas.microsoft.com/office/mac/drawingml/2011/main" xmlns="" val="1"/>
             </a:ext>
           </a:extLst>
         </p:spPr>
@@ -2796,7 +2796,7 @@
           </a:ln>
           <a:extLst>
             <a:ext uri="{FAA26D3D-D897-4be2-8F04-BA451C77F1D7}">
-              <ma14:placeholderFlag xmlns:ma14="http://schemas.microsoft.com/office/mac/drawingml/2011/main" val="1"/>
+              <ma14:placeholderFlag xmlns:ma14="http://schemas.microsoft.com/office/mac/drawingml/2011/main" xmlns="" val="1"/>
             </a:ext>
           </a:extLst>
         </p:spPr>
@@ -2890,7 +2890,7 @@
           </a:ln>
           <a:extLst>
             <a:ext uri="{FAA26D3D-D897-4be2-8F04-BA451C77F1D7}">
-              <ma14:placeholderFlag xmlns:ma14="http://schemas.microsoft.com/office/mac/drawingml/2011/main" val="1"/>
+              <ma14:placeholderFlag xmlns:ma14="http://schemas.microsoft.com/office/mac/drawingml/2011/main" xmlns="" val="1"/>
             </a:ext>
           </a:extLst>
         </p:spPr>
@@ -2926,7 +2926,7 @@
           </a:ln>
           <a:extLst>
             <a:ext uri="{FAA26D3D-D897-4be2-8F04-BA451C77F1D7}">
-              <ma14:placeholderFlag xmlns:ma14="http://schemas.microsoft.com/office/mac/drawingml/2011/main" val="1"/>
+              <ma14:placeholderFlag xmlns:ma14="http://schemas.microsoft.com/office/mac/drawingml/2011/main" xmlns="" val="1"/>
             </a:ext>
           </a:extLst>
         </p:spPr>
@@ -3003,7 +3003,7 @@
           <a:ln/>
           <a:extLst>
             <a:ext uri="{FAA26D3D-D897-4be2-8F04-BA451C77F1D7}">
-              <ma14:placeholderFlag xmlns:ma14="http://schemas.microsoft.com/office/mac/drawingml/2011/main" val="1"/>
+              <ma14:placeholderFlag xmlns:ma14="http://schemas.microsoft.com/office/mac/drawingml/2011/main" xmlns="" val="1"/>
             </a:ext>
           </a:extLst>
         </p:spPr>
@@ -3092,7 +3092,7 @@
           <a:ln/>
           <a:extLst>
             <a:ext uri="{FAA26D3D-D897-4be2-8F04-BA451C77F1D7}">
-              <ma14:placeholderFlag xmlns:ma14="http://schemas.microsoft.com/office/mac/drawingml/2011/main" val="1"/>
+              <ma14:placeholderFlag xmlns:ma14="http://schemas.microsoft.com/office/mac/drawingml/2011/main" xmlns="" val="1"/>
             </a:ext>
           </a:extLst>
         </p:spPr>
@@ -3181,7 +3181,7 @@
           <a:ln/>
           <a:extLst>
             <a:ext uri="{FAA26D3D-D897-4be2-8F04-BA451C77F1D7}">
-              <ma14:placeholderFlag xmlns:ma14="http://schemas.microsoft.com/office/mac/drawingml/2011/main" val="1"/>
+              <ma14:placeholderFlag xmlns:ma14="http://schemas.microsoft.com/office/mac/drawingml/2011/main" xmlns="" val="1"/>
             </a:ext>
           </a:extLst>
         </p:spPr>
@@ -3270,7 +3270,7 @@
           <a:ln/>
           <a:extLst>
             <a:ext uri="{FAA26D3D-D897-4be2-8F04-BA451C77F1D7}">
-              <ma14:placeholderFlag xmlns:ma14="http://schemas.microsoft.com/office/mac/drawingml/2011/main" val="1"/>
+              <ma14:placeholderFlag xmlns:ma14="http://schemas.microsoft.com/office/mac/drawingml/2011/main" xmlns="" val="1"/>
             </a:ext>
           </a:extLst>
         </p:spPr>
@@ -3359,7 +3359,7 @@
           <a:ln/>
           <a:extLst>
             <a:ext uri="{FAA26D3D-D897-4be2-8F04-BA451C77F1D7}">
-              <ma14:placeholderFlag xmlns:ma14="http://schemas.microsoft.com/office/mac/drawingml/2011/main" val="1"/>
+              <ma14:placeholderFlag xmlns:ma14="http://schemas.microsoft.com/office/mac/drawingml/2011/main" xmlns="" val="1"/>
             </a:ext>
           </a:extLst>
         </p:spPr>
@@ -3448,7 +3448,7 @@
           <a:ln/>
           <a:extLst>
             <a:ext uri="{FAA26D3D-D897-4be2-8F04-BA451C77F1D7}">
-              <ma14:placeholderFlag xmlns:ma14="http://schemas.microsoft.com/office/mac/drawingml/2011/main" val="1"/>
+              <ma14:placeholderFlag xmlns:ma14="http://schemas.microsoft.com/office/mac/drawingml/2011/main" xmlns="" val="1"/>
             </a:ext>
           </a:extLst>
         </p:spPr>
@@ -3537,7 +3537,7 @@
           <a:ln/>
           <a:extLst>
             <a:ext uri="{FAA26D3D-D897-4be2-8F04-BA451C77F1D7}">
-              <ma14:placeholderFlag xmlns:ma14="http://schemas.microsoft.com/office/mac/drawingml/2011/main" val="1"/>
+              <ma14:placeholderFlag xmlns:ma14="http://schemas.microsoft.com/office/mac/drawingml/2011/main" xmlns="" val="1"/>
             </a:ext>
           </a:extLst>
         </p:spPr>
@@ -3614,12 +3614,12 @@
           <a:effectLst/>
           <a:extLst>
             <a:ext uri="{909E8E84-426E-40dd-AFC4-6F175D3DCCD1}">
-              <a14:hiddenFill xmlns="" xmlns:a14="http://schemas.microsoft.com/office/drawing/2010/main">
+              <a14:hiddenFill xmlns:a14="http://schemas.microsoft.com/office/drawing/2010/main" xmlns="">
                 <a:noFill/>
               </a14:hiddenFill>
             </a:ext>
             <a:ext uri="{AF507438-7753-43e0-B8FC-AC1667EBCBE1}">
-              <a14:hiddenEffects xmlns="" xmlns:a14="http://schemas.microsoft.com/office/drawing/2010/main">
+              <a14:hiddenEffects xmlns:a14="http://schemas.microsoft.com/office/drawing/2010/main" xmlns="">
                 <a:effectLst>
                   <a:outerShdw blurRad="63500" dist="38099" dir="2700000" algn="ctr" rotWithShape="0">
                     <a:schemeClr val="bg2">
@@ -3665,7 +3665,7 @@
           <a:p>
             <a:pPr lvl="0"/>
             <a:r>
-              <a:rPr lang="en-US" noProof="0" smtClean="0"/>
+              <a:rPr lang="en-US" noProof="0"/>
               <a:t>Click to edit Master title style</a:t>
             </a:r>
           </a:p>
@@ -3699,7 +3699,7 @@
           <a:p>
             <a:pPr lvl="0"/>
             <a:r>
-              <a:rPr lang="en-US" noProof="0" smtClean="0"/>
+              <a:rPr lang="en-US" noProof="0"/>
               <a:t>Click to edit Master subtitle style</a:t>
             </a:r>
           </a:p>
@@ -3820,7 +3820,7 @@
             <a:effectLst/>
             <a:extLst>
               <a:ext uri="{91240B29-F687-4f45-9708-019B960494DF}">
-                <a14:hiddenLine xmlns="" xmlns:a14="http://schemas.microsoft.com/office/drawing/2010/main" w="9525">
+                <a14:hiddenLine xmlns:a14="http://schemas.microsoft.com/office/drawing/2010/main" xmlns="" w="9525">
                   <a:solidFill>
                     <a:schemeClr val="tx1"/>
                   </a:solidFill>
@@ -3830,7 +3830,7 @@
                 </a14:hiddenLine>
               </a:ext>
               <a:ext uri="{AF507438-7753-43e0-B8FC-AC1667EBCBE1}">
-                <a14:hiddenEffects xmlns="" xmlns:a14="http://schemas.microsoft.com/office/drawing/2010/main">
+                <a14:hiddenEffects xmlns:a14="http://schemas.microsoft.com/office/drawing/2010/main" xmlns="">
                   <a:effectLst>
                     <a:outerShdw blurRad="63500" dist="38099" dir="2700000" algn="ctr" rotWithShape="0">
                       <a:schemeClr val="bg2">
@@ -3875,7 +3875,7 @@
             <a:effectLst/>
             <a:extLst>
               <a:ext uri="{91240B29-F687-4f45-9708-019B960494DF}">
-                <a14:hiddenLine xmlns="" xmlns:a14="http://schemas.microsoft.com/office/drawing/2010/main" w="9525">
+                <a14:hiddenLine xmlns:a14="http://schemas.microsoft.com/office/drawing/2010/main" xmlns="" w="9525">
                   <a:solidFill>
                     <a:schemeClr val="tx1"/>
                   </a:solidFill>
@@ -3885,7 +3885,7 @@
                 </a14:hiddenLine>
               </a:ext>
               <a:ext uri="{AF507438-7753-43e0-B8FC-AC1667EBCBE1}">
-                <a14:hiddenEffects xmlns="" xmlns:a14="http://schemas.microsoft.com/office/drawing/2010/main">
+                <a14:hiddenEffects xmlns:a14="http://schemas.microsoft.com/office/drawing/2010/main" xmlns="">
                   <a:effectLst>
                     <a:outerShdw blurRad="63500" dist="38099" dir="2700000" algn="ctr" rotWithShape="0">
                       <a:schemeClr val="bg2">
@@ -3930,7 +3930,7 @@
             <a:effectLst/>
             <a:extLst>
               <a:ext uri="{91240B29-F687-4f45-9708-019B960494DF}">
-                <a14:hiddenLine xmlns="" xmlns:a14="http://schemas.microsoft.com/office/drawing/2010/main" w="9525">
+                <a14:hiddenLine xmlns:a14="http://schemas.microsoft.com/office/drawing/2010/main" xmlns="" w="9525">
                   <a:solidFill>
                     <a:schemeClr val="tx1"/>
                   </a:solidFill>
@@ -3940,7 +3940,7 @@
                 </a14:hiddenLine>
               </a:ext>
               <a:ext uri="{AF507438-7753-43e0-B8FC-AC1667EBCBE1}">
-                <a14:hiddenEffects xmlns="" xmlns:a14="http://schemas.microsoft.com/office/drawing/2010/main">
+                <a14:hiddenEffects xmlns:a14="http://schemas.microsoft.com/office/drawing/2010/main" xmlns="">
                   <a:effectLst>
                     <a:outerShdw blurRad="63500" dist="38099" dir="2700000" algn="ctr" rotWithShape="0">
                       <a:schemeClr val="bg2">
@@ -3985,7 +3985,7 @@
             <a:effectLst/>
             <a:extLst>
               <a:ext uri="{91240B29-F687-4f45-9708-019B960494DF}">
-                <a14:hiddenLine xmlns="" xmlns:a14="http://schemas.microsoft.com/office/drawing/2010/main" w="9525">
+                <a14:hiddenLine xmlns:a14="http://schemas.microsoft.com/office/drawing/2010/main" xmlns="" w="9525">
                   <a:solidFill>
                     <a:schemeClr val="tx1"/>
                   </a:solidFill>
@@ -3995,7 +3995,7 @@
                 </a14:hiddenLine>
               </a:ext>
               <a:ext uri="{AF507438-7753-43e0-B8FC-AC1667EBCBE1}">
-                <a14:hiddenEffects xmlns="" xmlns:a14="http://schemas.microsoft.com/office/drawing/2010/main">
+                <a14:hiddenEffects xmlns:a14="http://schemas.microsoft.com/office/drawing/2010/main" xmlns="">
                   <a:effectLst>
                     <a:outerShdw blurRad="63500" dist="38099" dir="2700000" algn="ctr" rotWithShape="0">
                       <a:schemeClr val="bg2">
@@ -4040,7 +4040,7 @@
             <a:effectLst/>
             <a:extLst>
               <a:ext uri="{91240B29-F687-4f45-9708-019B960494DF}">
-                <a14:hiddenLine xmlns="" xmlns:a14="http://schemas.microsoft.com/office/drawing/2010/main" w="9525">
+                <a14:hiddenLine xmlns:a14="http://schemas.microsoft.com/office/drawing/2010/main" xmlns="" w="9525">
                   <a:solidFill>
                     <a:schemeClr val="tx1"/>
                   </a:solidFill>
@@ -4050,7 +4050,7 @@
                 </a14:hiddenLine>
               </a:ext>
               <a:ext uri="{AF507438-7753-43e0-B8FC-AC1667EBCBE1}">
-                <a14:hiddenEffects xmlns="" xmlns:a14="http://schemas.microsoft.com/office/drawing/2010/main">
+                <a14:hiddenEffects xmlns:a14="http://schemas.microsoft.com/office/drawing/2010/main" xmlns="">
                   <a:effectLst>
                     <a:outerShdw blurRad="63500" dist="38099" dir="2700000" algn="ctr" rotWithShape="0">
                       <a:schemeClr val="bg2">
@@ -4095,7 +4095,7 @@
             <a:effectLst/>
             <a:extLst>
               <a:ext uri="{91240B29-F687-4f45-9708-019B960494DF}">
-                <a14:hiddenLine xmlns="" xmlns:a14="http://schemas.microsoft.com/office/drawing/2010/main" w="9525">
+                <a14:hiddenLine xmlns:a14="http://schemas.microsoft.com/office/drawing/2010/main" xmlns="" w="9525">
                   <a:solidFill>
                     <a:schemeClr val="tx1"/>
                   </a:solidFill>
@@ -4105,7 +4105,7 @@
                 </a14:hiddenLine>
               </a:ext>
               <a:ext uri="{AF507438-7753-43e0-B8FC-AC1667EBCBE1}">
-                <a14:hiddenEffects xmlns="" xmlns:a14="http://schemas.microsoft.com/office/drawing/2010/main">
+                <a14:hiddenEffects xmlns:a14="http://schemas.microsoft.com/office/drawing/2010/main" xmlns="">
                   <a:effectLst>
                     <a:outerShdw blurRad="63500" dist="38099" dir="2700000" algn="ctr" rotWithShape="0">
                       <a:schemeClr val="bg2">
@@ -4150,7 +4150,7 @@
             <a:effectLst/>
             <a:extLst>
               <a:ext uri="{91240B29-F687-4f45-9708-019B960494DF}">
-                <a14:hiddenLine xmlns="" xmlns:a14="http://schemas.microsoft.com/office/drawing/2010/main" w="9525">
+                <a14:hiddenLine xmlns:a14="http://schemas.microsoft.com/office/drawing/2010/main" xmlns="" w="9525">
                   <a:solidFill>
                     <a:schemeClr val="tx1"/>
                   </a:solidFill>
@@ -4160,7 +4160,7 @@
                 </a14:hiddenLine>
               </a:ext>
               <a:ext uri="{AF507438-7753-43e0-B8FC-AC1667EBCBE1}">
-                <a14:hiddenEffects xmlns="" xmlns:a14="http://schemas.microsoft.com/office/drawing/2010/main">
+                <a14:hiddenEffects xmlns:a14="http://schemas.microsoft.com/office/drawing/2010/main" xmlns="">
                   <a:effectLst>
                     <a:outerShdw blurRad="63500" dist="38099" dir="2700000" algn="ctr" rotWithShape="0">
                       <a:schemeClr val="bg2">
@@ -4205,7 +4205,7 @@
             <a:effectLst/>
             <a:extLst>
               <a:ext uri="{91240B29-F687-4f45-9708-019B960494DF}">
-                <a14:hiddenLine xmlns="" xmlns:a14="http://schemas.microsoft.com/office/drawing/2010/main" w="9525">
+                <a14:hiddenLine xmlns:a14="http://schemas.microsoft.com/office/drawing/2010/main" xmlns="" w="9525">
                   <a:solidFill>
                     <a:schemeClr val="tx1"/>
                   </a:solidFill>
@@ -4215,7 +4215,7 @@
                 </a14:hiddenLine>
               </a:ext>
               <a:ext uri="{AF507438-7753-43e0-B8FC-AC1667EBCBE1}">
-                <a14:hiddenEffects xmlns="" xmlns:a14="http://schemas.microsoft.com/office/drawing/2010/main">
+                <a14:hiddenEffects xmlns:a14="http://schemas.microsoft.com/office/drawing/2010/main" xmlns="">
                   <a:effectLst>
                     <a:outerShdw blurRad="63500" dist="38099" dir="2700000" algn="ctr" rotWithShape="0">
                       <a:schemeClr val="bg2">
@@ -4260,7 +4260,7 @@
             <a:effectLst/>
             <a:extLst>
               <a:ext uri="{91240B29-F687-4f45-9708-019B960494DF}">
-                <a14:hiddenLine xmlns="" xmlns:a14="http://schemas.microsoft.com/office/drawing/2010/main" w="9525">
+                <a14:hiddenLine xmlns:a14="http://schemas.microsoft.com/office/drawing/2010/main" xmlns="" w="9525">
                   <a:solidFill>
                     <a:schemeClr val="tx1"/>
                   </a:solidFill>
@@ -4270,7 +4270,7 @@
                 </a14:hiddenLine>
               </a:ext>
               <a:ext uri="{AF507438-7753-43e0-B8FC-AC1667EBCBE1}">
-                <a14:hiddenEffects xmlns="" xmlns:a14="http://schemas.microsoft.com/office/drawing/2010/main">
+                <a14:hiddenEffects xmlns:a14="http://schemas.microsoft.com/office/drawing/2010/main" xmlns="">
                   <a:effectLst>
                     <a:outerShdw blurRad="63500" dist="38099" dir="2700000" algn="ctr" rotWithShape="0">
                       <a:schemeClr val="bg2">
@@ -4315,7 +4315,7 @@
             <a:effectLst/>
             <a:extLst>
               <a:ext uri="{91240B29-F687-4f45-9708-019B960494DF}">
-                <a14:hiddenLine xmlns="" xmlns:a14="http://schemas.microsoft.com/office/drawing/2010/main" w="9525">
+                <a14:hiddenLine xmlns:a14="http://schemas.microsoft.com/office/drawing/2010/main" xmlns="" w="9525">
                   <a:solidFill>
                     <a:schemeClr val="tx1"/>
                   </a:solidFill>
@@ -4325,7 +4325,7 @@
                 </a14:hiddenLine>
               </a:ext>
               <a:ext uri="{AF507438-7753-43e0-B8FC-AC1667EBCBE1}">
-                <a14:hiddenEffects xmlns="" xmlns:a14="http://schemas.microsoft.com/office/drawing/2010/main">
+                <a14:hiddenEffects xmlns:a14="http://schemas.microsoft.com/office/drawing/2010/main" xmlns="">
                   <a:effectLst>
                     <a:outerShdw blurRad="63500" dist="38099" dir="2700000" algn="ctr" rotWithShape="0">
                       <a:schemeClr val="bg2">
@@ -4370,7 +4370,7 @@
             <a:effectLst/>
             <a:extLst>
               <a:ext uri="{91240B29-F687-4f45-9708-019B960494DF}">
-                <a14:hiddenLine xmlns="" xmlns:a14="http://schemas.microsoft.com/office/drawing/2010/main" w="9525">
+                <a14:hiddenLine xmlns:a14="http://schemas.microsoft.com/office/drawing/2010/main" xmlns="" w="9525">
                   <a:solidFill>
                     <a:schemeClr val="tx1"/>
                   </a:solidFill>
@@ -4380,7 +4380,7 @@
                 </a14:hiddenLine>
               </a:ext>
               <a:ext uri="{AF507438-7753-43e0-B8FC-AC1667EBCBE1}">
-                <a14:hiddenEffects xmlns="" xmlns:a14="http://schemas.microsoft.com/office/drawing/2010/main">
+                <a14:hiddenEffects xmlns:a14="http://schemas.microsoft.com/office/drawing/2010/main" xmlns="">
                   <a:effectLst>
                     <a:outerShdw blurRad="63500" dist="38099" dir="2700000" algn="ctr" rotWithShape="0">
                       <a:schemeClr val="bg2">
@@ -4425,7 +4425,7 @@
             <a:effectLst/>
             <a:extLst>
               <a:ext uri="{91240B29-F687-4f45-9708-019B960494DF}">
-                <a14:hiddenLine xmlns="" xmlns:a14="http://schemas.microsoft.com/office/drawing/2010/main" w="9525">
+                <a14:hiddenLine xmlns:a14="http://schemas.microsoft.com/office/drawing/2010/main" xmlns="" w="9525">
                   <a:solidFill>
                     <a:schemeClr val="tx1"/>
                   </a:solidFill>
@@ -4435,7 +4435,7 @@
                 </a14:hiddenLine>
               </a:ext>
               <a:ext uri="{AF507438-7753-43e0-B8FC-AC1667EBCBE1}">
-                <a14:hiddenEffects xmlns="" xmlns:a14="http://schemas.microsoft.com/office/drawing/2010/main">
+                <a14:hiddenEffects xmlns:a14="http://schemas.microsoft.com/office/drawing/2010/main" xmlns="">
                   <a:effectLst>
                     <a:outerShdw blurRad="63500" dist="38099" dir="2700000" algn="ctr" rotWithShape="0">
                       <a:schemeClr val="bg2">
@@ -4480,7 +4480,7 @@
             <a:effectLst/>
             <a:extLst>
               <a:ext uri="{91240B29-F687-4f45-9708-019B960494DF}">
-                <a14:hiddenLine xmlns="" xmlns:a14="http://schemas.microsoft.com/office/drawing/2010/main" w="9525">
+                <a14:hiddenLine xmlns:a14="http://schemas.microsoft.com/office/drawing/2010/main" xmlns="" w="9525">
                   <a:solidFill>
                     <a:schemeClr val="tx1"/>
                   </a:solidFill>
@@ -4490,7 +4490,7 @@
                 </a14:hiddenLine>
               </a:ext>
               <a:ext uri="{AF507438-7753-43e0-B8FC-AC1667EBCBE1}">
-                <a14:hiddenEffects xmlns="" xmlns:a14="http://schemas.microsoft.com/office/drawing/2010/main">
+                <a14:hiddenEffects xmlns:a14="http://schemas.microsoft.com/office/drawing/2010/main" xmlns="">
                   <a:effectLst>
                     <a:outerShdw blurRad="63500" dist="38099" dir="2700000" algn="ctr" rotWithShape="0">
                       <a:schemeClr val="bg2">
@@ -4535,7 +4535,7 @@
             <a:effectLst/>
             <a:extLst>
               <a:ext uri="{91240B29-F687-4f45-9708-019B960494DF}">
-                <a14:hiddenLine xmlns="" xmlns:a14="http://schemas.microsoft.com/office/drawing/2010/main" w="9525">
+                <a14:hiddenLine xmlns:a14="http://schemas.microsoft.com/office/drawing/2010/main" xmlns="" w="9525">
                   <a:solidFill>
                     <a:schemeClr val="tx1"/>
                   </a:solidFill>
@@ -4545,7 +4545,7 @@
                 </a14:hiddenLine>
               </a:ext>
               <a:ext uri="{AF507438-7753-43e0-B8FC-AC1667EBCBE1}">
-                <a14:hiddenEffects xmlns="" xmlns:a14="http://schemas.microsoft.com/office/drawing/2010/main">
+                <a14:hiddenEffects xmlns:a14="http://schemas.microsoft.com/office/drawing/2010/main" xmlns="">
                   <a:effectLst>
                     <a:outerShdw blurRad="63500" dist="38099" dir="2700000" algn="ctr" rotWithShape="0">
                       <a:schemeClr val="bg2">
@@ -4590,7 +4590,7 @@
             <a:effectLst/>
             <a:extLst>
               <a:ext uri="{91240B29-F687-4f45-9708-019B960494DF}">
-                <a14:hiddenLine xmlns="" xmlns:a14="http://schemas.microsoft.com/office/drawing/2010/main" w="9525">
+                <a14:hiddenLine xmlns:a14="http://schemas.microsoft.com/office/drawing/2010/main" xmlns="" w="9525">
                   <a:solidFill>
                     <a:schemeClr val="tx1"/>
                   </a:solidFill>
@@ -4600,7 +4600,7 @@
                 </a14:hiddenLine>
               </a:ext>
               <a:ext uri="{AF507438-7753-43e0-B8FC-AC1667EBCBE1}">
-                <a14:hiddenEffects xmlns="" xmlns:a14="http://schemas.microsoft.com/office/drawing/2010/main">
+                <a14:hiddenEffects xmlns:a14="http://schemas.microsoft.com/office/drawing/2010/main" xmlns="">
                   <a:effectLst>
                     <a:outerShdw blurRad="63500" dist="38099" dir="2700000" algn="ctr" rotWithShape="0">
                       <a:schemeClr val="bg2">
@@ -4645,7 +4645,7 @@
             <a:effectLst/>
             <a:extLst>
               <a:ext uri="{91240B29-F687-4f45-9708-019B960494DF}">
-                <a14:hiddenLine xmlns="" xmlns:a14="http://schemas.microsoft.com/office/drawing/2010/main" w="9525">
+                <a14:hiddenLine xmlns:a14="http://schemas.microsoft.com/office/drawing/2010/main" xmlns="" w="9525">
                   <a:solidFill>
                     <a:schemeClr val="tx1"/>
                   </a:solidFill>
@@ -4655,7 +4655,7 @@
                 </a14:hiddenLine>
               </a:ext>
               <a:ext uri="{AF507438-7753-43e0-B8FC-AC1667EBCBE1}">
-                <a14:hiddenEffects xmlns="" xmlns:a14="http://schemas.microsoft.com/office/drawing/2010/main">
+                <a14:hiddenEffects xmlns:a14="http://schemas.microsoft.com/office/drawing/2010/main" xmlns="">
                   <a:effectLst>
                     <a:outerShdw blurRad="63500" dist="38099" dir="2700000" algn="ctr" rotWithShape="0">
                       <a:schemeClr val="bg2">
@@ -4700,7 +4700,7 @@
             <a:effectLst/>
             <a:extLst>
               <a:ext uri="{91240B29-F687-4f45-9708-019B960494DF}">
-                <a14:hiddenLine xmlns="" xmlns:a14="http://schemas.microsoft.com/office/drawing/2010/main" w="9525">
+                <a14:hiddenLine xmlns:a14="http://schemas.microsoft.com/office/drawing/2010/main" xmlns="" w="9525">
                   <a:solidFill>
                     <a:schemeClr val="tx1"/>
                   </a:solidFill>
@@ -4710,7 +4710,7 @@
                 </a14:hiddenLine>
               </a:ext>
               <a:ext uri="{AF507438-7753-43e0-B8FC-AC1667EBCBE1}">
-                <a14:hiddenEffects xmlns="" xmlns:a14="http://schemas.microsoft.com/office/drawing/2010/main">
+                <a14:hiddenEffects xmlns:a14="http://schemas.microsoft.com/office/drawing/2010/main" xmlns="">
                   <a:effectLst>
                     <a:outerShdw blurRad="63500" dist="38099" dir="2700000" algn="ctr" rotWithShape="0">
                       <a:schemeClr val="bg2">
@@ -4755,7 +4755,7 @@
             <a:effectLst/>
             <a:extLst>
               <a:ext uri="{91240B29-F687-4f45-9708-019B960494DF}">
-                <a14:hiddenLine xmlns="" xmlns:a14="http://schemas.microsoft.com/office/drawing/2010/main" w="9525">
+                <a14:hiddenLine xmlns:a14="http://schemas.microsoft.com/office/drawing/2010/main" xmlns="" w="9525">
                   <a:solidFill>
                     <a:schemeClr val="tx1"/>
                   </a:solidFill>
@@ -4765,7 +4765,7 @@
                 </a14:hiddenLine>
               </a:ext>
               <a:ext uri="{AF507438-7753-43e0-B8FC-AC1667EBCBE1}">
-                <a14:hiddenEffects xmlns="" xmlns:a14="http://schemas.microsoft.com/office/drawing/2010/main">
+                <a14:hiddenEffects xmlns:a14="http://schemas.microsoft.com/office/drawing/2010/main" xmlns="">
                   <a:effectLst>
                     <a:outerShdw blurRad="63500" dist="38099" dir="2700000" algn="ctr" rotWithShape="0">
                       <a:schemeClr val="bg2">
@@ -4810,7 +4810,7 @@
             <a:effectLst/>
             <a:extLst>
               <a:ext uri="{91240B29-F687-4f45-9708-019B960494DF}">
-                <a14:hiddenLine xmlns="" xmlns:a14="http://schemas.microsoft.com/office/drawing/2010/main" w="9525">
+                <a14:hiddenLine xmlns:a14="http://schemas.microsoft.com/office/drawing/2010/main" xmlns="" w="9525">
                   <a:solidFill>
                     <a:schemeClr val="tx1"/>
                   </a:solidFill>
@@ -4820,7 +4820,7 @@
                 </a14:hiddenLine>
               </a:ext>
               <a:ext uri="{AF507438-7753-43e0-B8FC-AC1667EBCBE1}">
-                <a14:hiddenEffects xmlns="" xmlns:a14="http://schemas.microsoft.com/office/drawing/2010/main">
+                <a14:hiddenEffects xmlns:a14="http://schemas.microsoft.com/office/drawing/2010/main" xmlns="">
                   <a:effectLst>
                     <a:outerShdw blurRad="63500" dist="38099" dir="2700000" algn="ctr" rotWithShape="0">
                       <a:schemeClr val="bg2">
@@ -4865,7 +4865,7 @@
             <a:effectLst/>
             <a:extLst>
               <a:ext uri="{91240B29-F687-4f45-9708-019B960494DF}">
-                <a14:hiddenLine xmlns="" xmlns:a14="http://schemas.microsoft.com/office/drawing/2010/main" w="9525">
+                <a14:hiddenLine xmlns:a14="http://schemas.microsoft.com/office/drawing/2010/main" xmlns="" w="9525">
                   <a:solidFill>
                     <a:schemeClr val="tx1"/>
                   </a:solidFill>
@@ -4875,7 +4875,7 @@
                 </a14:hiddenLine>
               </a:ext>
               <a:ext uri="{AF507438-7753-43e0-B8FC-AC1667EBCBE1}">
-                <a14:hiddenEffects xmlns="" xmlns:a14="http://schemas.microsoft.com/office/drawing/2010/main">
+                <a14:hiddenEffects xmlns:a14="http://schemas.microsoft.com/office/drawing/2010/main" xmlns="">
                   <a:effectLst>
                     <a:outerShdw blurRad="63500" dist="38099" dir="2700000" algn="ctr" rotWithShape="0">
                       <a:schemeClr val="bg2">
@@ -4920,7 +4920,7 @@
             <a:effectLst/>
             <a:extLst>
               <a:ext uri="{91240B29-F687-4f45-9708-019B960494DF}">
-                <a14:hiddenLine xmlns="" xmlns:a14="http://schemas.microsoft.com/office/drawing/2010/main" w="9525">
+                <a14:hiddenLine xmlns:a14="http://schemas.microsoft.com/office/drawing/2010/main" xmlns="" w="9525">
                   <a:solidFill>
                     <a:schemeClr val="tx1"/>
                   </a:solidFill>
@@ -4930,7 +4930,7 @@
                 </a14:hiddenLine>
               </a:ext>
               <a:ext uri="{AF507438-7753-43e0-B8FC-AC1667EBCBE1}">
-                <a14:hiddenEffects xmlns="" xmlns:a14="http://schemas.microsoft.com/office/drawing/2010/main">
+                <a14:hiddenEffects xmlns:a14="http://schemas.microsoft.com/office/drawing/2010/main" xmlns="">
                   <a:effectLst>
                     <a:outerShdw blurRad="63500" dist="38099" dir="2700000" algn="ctr" rotWithShape="0">
                       <a:schemeClr val="bg2">
@@ -4975,7 +4975,7 @@
             <a:effectLst/>
             <a:extLst>
               <a:ext uri="{91240B29-F687-4f45-9708-019B960494DF}">
-                <a14:hiddenLine xmlns="" xmlns:a14="http://schemas.microsoft.com/office/drawing/2010/main" w="9525">
+                <a14:hiddenLine xmlns:a14="http://schemas.microsoft.com/office/drawing/2010/main" xmlns="" w="9525">
                   <a:solidFill>
                     <a:schemeClr val="tx1"/>
                   </a:solidFill>
@@ -4985,7 +4985,7 @@
                 </a14:hiddenLine>
               </a:ext>
               <a:ext uri="{AF507438-7753-43e0-B8FC-AC1667EBCBE1}">
-                <a14:hiddenEffects xmlns="" xmlns:a14="http://schemas.microsoft.com/office/drawing/2010/main">
+                <a14:hiddenEffects xmlns:a14="http://schemas.microsoft.com/office/drawing/2010/main" xmlns="">
                   <a:effectLst>
                     <a:outerShdw blurRad="63500" dist="38099" dir="2700000" algn="ctr" rotWithShape="0">
                       <a:schemeClr val="bg2">
@@ -5030,7 +5030,7 @@
             <a:effectLst/>
             <a:extLst>
               <a:ext uri="{91240B29-F687-4f45-9708-019B960494DF}">
-                <a14:hiddenLine xmlns="" xmlns:a14="http://schemas.microsoft.com/office/drawing/2010/main" w="9525">
+                <a14:hiddenLine xmlns:a14="http://schemas.microsoft.com/office/drawing/2010/main" xmlns="" w="9525">
                   <a:solidFill>
                     <a:schemeClr val="tx1"/>
                   </a:solidFill>
@@ -5040,7 +5040,7 @@
                 </a14:hiddenLine>
               </a:ext>
               <a:ext uri="{AF507438-7753-43e0-B8FC-AC1667EBCBE1}">
-                <a14:hiddenEffects xmlns="" xmlns:a14="http://schemas.microsoft.com/office/drawing/2010/main">
+                <a14:hiddenEffects xmlns:a14="http://schemas.microsoft.com/office/drawing/2010/main" xmlns="">
                   <a:effectLst>
                     <a:outerShdw blurRad="63500" dist="38099" dir="2700000" algn="ctr" rotWithShape="0">
                       <a:schemeClr val="bg2">
@@ -5085,7 +5085,7 @@
             <a:effectLst/>
             <a:extLst>
               <a:ext uri="{91240B29-F687-4f45-9708-019B960494DF}">
-                <a14:hiddenLine xmlns="" xmlns:a14="http://schemas.microsoft.com/office/drawing/2010/main" w="9525">
+                <a14:hiddenLine xmlns:a14="http://schemas.microsoft.com/office/drawing/2010/main" xmlns="" w="9525">
                   <a:solidFill>
                     <a:schemeClr val="tx1"/>
                   </a:solidFill>
@@ -5095,7 +5095,7 @@
                 </a14:hiddenLine>
               </a:ext>
               <a:ext uri="{AF507438-7753-43e0-B8FC-AC1667EBCBE1}">
-                <a14:hiddenEffects xmlns="" xmlns:a14="http://schemas.microsoft.com/office/drawing/2010/main">
+                <a14:hiddenEffects xmlns:a14="http://schemas.microsoft.com/office/drawing/2010/main" xmlns="">
                   <a:effectLst>
                     <a:outerShdw blurRad="63500" dist="38099" dir="2700000" algn="ctr" rotWithShape="0">
                       <a:schemeClr val="bg2">
@@ -5140,7 +5140,7 @@
             <a:effectLst/>
             <a:extLst>
               <a:ext uri="{91240B29-F687-4f45-9708-019B960494DF}">
-                <a14:hiddenLine xmlns="" xmlns:a14="http://schemas.microsoft.com/office/drawing/2010/main" w="9525">
+                <a14:hiddenLine xmlns:a14="http://schemas.microsoft.com/office/drawing/2010/main" xmlns="" w="9525">
                   <a:solidFill>
                     <a:schemeClr val="tx1"/>
                   </a:solidFill>
@@ -5150,7 +5150,7 @@
                 </a14:hiddenLine>
               </a:ext>
               <a:ext uri="{AF507438-7753-43e0-B8FC-AC1667EBCBE1}">
-                <a14:hiddenEffects xmlns="" xmlns:a14="http://schemas.microsoft.com/office/drawing/2010/main">
+                <a14:hiddenEffects xmlns:a14="http://schemas.microsoft.com/office/drawing/2010/main" xmlns="">
                   <a:effectLst>
                     <a:outerShdw blurRad="63500" dist="38099" dir="2700000" algn="ctr" rotWithShape="0">
                       <a:schemeClr val="bg2">
@@ -5195,7 +5195,7 @@
             <a:effectLst/>
             <a:extLst>
               <a:ext uri="{91240B29-F687-4f45-9708-019B960494DF}">
-                <a14:hiddenLine xmlns="" xmlns:a14="http://schemas.microsoft.com/office/drawing/2010/main" w="9525">
+                <a14:hiddenLine xmlns:a14="http://schemas.microsoft.com/office/drawing/2010/main" xmlns="" w="9525">
                   <a:solidFill>
                     <a:schemeClr val="tx1"/>
                   </a:solidFill>
@@ -5205,7 +5205,7 @@
                 </a14:hiddenLine>
               </a:ext>
               <a:ext uri="{AF507438-7753-43e0-B8FC-AC1667EBCBE1}">
-                <a14:hiddenEffects xmlns="" xmlns:a14="http://schemas.microsoft.com/office/drawing/2010/main">
+                <a14:hiddenEffects xmlns:a14="http://schemas.microsoft.com/office/drawing/2010/main" xmlns="">
                   <a:effectLst>
                     <a:outerShdw blurRad="63500" dist="38099" dir="2700000" algn="ctr" rotWithShape="0">
                       <a:schemeClr val="bg2">
@@ -5250,7 +5250,7 @@
             <a:effectLst/>
             <a:extLst>
               <a:ext uri="{91240B29-F687-4f45-9708-019B960494DF}">
-                <a14:hiddenLine xmlns="" xmlns:a14="http://schemas.microsoft.com/office/drawing/2010/main" w="9525">
+                <a14:hiddenLine xmlns:a14="http://schemas.microsoft.com/office/drawing/2010/main" xmlns="" w="9525">
                   <a:solidFill>
                     <a:schemeClr val="tx1"/>
                   </a:solidFill>
@@ -5260,7 +5260,7 @@
                 </a14:hiddenLine>
               </a:ext>
               <a:ext uri="{AF507438-7753-43e0-B8FC-AC1667EBCBE1}">
-                <a14:hiddenEffects xmlns="" xmlns:a14="http://schemas.microsoft.com/office/drawing/2010/main">
+                <a14:hiddenEffects xmlns:a14="http://schemas.microsoft.com/office/drawing/2010/main" xmlns="">
                   <a:effectLst>
                     <a:outerShdw blurRad="63500" dist="38099" dir="2700000" algn="ctr" rotWithShape="0">
                       <a:schemeClr val="bg2">
@@ -5305,7 +5305,7 @@
             <a:effectLst/>
             <a:extLst>
               <a:ext uri="{91240B29-F687-4f45-9708-019B960494DF}">
-                <a14:hiddenLine xmlns="" xmlns:a14="http://schemas.microsoft.com/office/drawing/2010/main" w="9525">
+                <a14:hiddenLine xmlns:a14="http://schemas.microsoft.com/office/drawing/2010/main" xmlns="" w="9525">
                   <a:solidFill>
                     <a:schemeClr val="tx1"/>
                   </a:solidFill>
@@ -5315,7 +5315,7 @@
                 </a14:hiddenLine>
               </a:ext>
               <a:ext uri="{AF507438-7753-43e0-B8FC-AC1667EBCBE1}">
-                <a14:hiddenEffects xmlns="" xmlns:a14="http://schemas.microsoft.com/office/drawing/2010/main">
+                <a14:hiddenEffects xmlns:a14="http://schemas.microsoft.com/office/drawing/2010/main" xmlns="">
                   <a:effectLst>
                     <a:outerShdw blurRad="63500" dist="38099" dir="2700000" algn="ctr" rotWithShape="0">
                       <a:schemeClr val="bg2">
@@ -5360,7 +5360,7 @@
             <a:effectLst/>
             <a:extLst>
               <a:ext uri="{91240B29-F687-4f45-9708-019B960494DF}">
-                <a14:hiddenLine xmlns="" xmlns:a14="http://schemas.microsoft.com/office/drawing/2010/main" w="9525">
+                <a14:hiddenLine xmlns:a14="http://schemas.microsoft.com/office/drawing/2010/main" xmlns="" w="9525">
                   <a:solidFill>
                     <a:schemeClr val="tx1"/>
                   </a:solidFill>
@@ -5370,7 +5370,7 @@
                 </a14:hiddenLine>
               </a:ext>
               <a:ext uri="{AF507438-7753-43e0-B8FC-AC1667EBCBE1}">
-                <a14:hiddenEffects xmlns="" xmlns:a14="http://schemas.microsoft.com/office/drawing/2010/main">
+                <a14:hiddenEffects xmlns:a14="http://schemas.microsoft.com/office/drawing/2010/main" xmlns="">
                   <a:effectLst>
                     <a:outerShdw blurRad="63500" dist="38099" dir="2700000" algn="ctr" rotWithShape="0">
                       <a:schemeClr val="bg2">
@@ -5415,7 +5415,7 @@
             <a:effectLst/>
             <a:extLst>
               <a:ext uri="{91240B29-F687-4f45-9708-019B960494DF}">
-                <a14:hiddenLine xmlns="" xmlns:a14="http://schemas.microsoft.com/office/drawing/2010/main" w="9525">
+                <a14:hiddenLine xmlns:a14="http://schemas.microsoft.com/office/drawing/2010/main" xmlns="" w="9525">
                   <a:solidFill>
                     <a:schemeClr val="tx1"/>
                   </a:solidFill>
@@ -5425,7 +5425,7 @@
                 </a14:hiddenLine>
               </a:ext>
               <a:ext uri="{AF507438-7753-43e0-B8FC-AC1667EBCBE1}">
-                <a14:hiddenEffects xmlns="" xmlns:a14="http://schemas.microsoft.com/office/drawing/2010/main">
+                <a14:hiddenEffects xmlns:a14="http://schemas.microsoft.com/office/drawing/2010/main" xmlns="">
                   <a:effectLst>
                     <a:outerShdw blurRad="63500" dist="38099" dir="2700000" algn="ctr" rotWithShape="0">
                       <a:schemeClr val="bg2">
@@ -5470,7 +5470,7 @@
             <a:effectLst/>
             <a:extLst>
               <a:ext uri="{91240B29-F687-4f45-9708-019B960494DF}">
-                <a14:hiddenLine xmlns="" xmlns:a14="http://schemas.microsoft.com/office/drawing/2010/main" w="9525">
+                <a14:hiddenLine xmlns:a14="http://schemas.microsoft.com/office/drawing/2010/main" xmlns="" w="9525">
                   <a:solidFill>
                     <a:schemeClr val="tx1"/>
                   </a:solidFill>
@@ -5480,7 +5480,7 @@
                 </a14:hiddenLine>
               </a:ext>
               <a:ext uri="{AF507438-7753-43e0-B8FC-AC1667EBCBE1}">
-                <a14:hiddenEffects xmlns="" xmlns:a14="http://schemas.microsoft.com/office/drawing/2010/main">
+                <a14:hiddenEffects xmlns:a14="http://schemas.microsoft.com/office/drawing/2010/main" xmlns="">
                   <a:effectLst>
                     <a:outerShdw blurRad="63500" dist="38099" dir="2700000" algn="ctr" rotWithShape="0">
                       <a:schemeClr val="bg2">
@@ -5529,12 +5529,12 @@
           <a:effectLst/>
           <a:extLst>
             <a:ext uri="{909E8E84-426E-40dd-AFC4-6F175D3DCCD1}">
-              <a14:hiddenFill xmlns="" xmlns:a14="http://schemas.microsoft.com/office/drawing/2010/main">
+              <a14:hiddenFill xmlns:a14="http://schemas.microsoft.com/office/drawing/2010/main" xmlns="">
                 <a:noFill/>
               </a14:hiddenFill>
             </a:ext>
             <a:ext uri="{AF507438-7753-43e0-B8FC-AC1667EBCBE1}">
-              <a14:hiddenEffects xmlns="" xmlns:a14="http://schemas.microsoft.com/office/drawing/2010/main">
+              <a14:hiddenEffects xmlns:a14="http://schemas.microsoft.com/office/drawing/2010/main" xmlns="">
                 <a:effectLst>
                   <a:outerShdw blurRad="63500" dist="38099" dir="2700000" algn="ctr" rotWithShape="0">
                     <a:schemeClr val="bg2">
@@ -5559,13 +5559,6 @@
   <p:clrMapOvr>
     <a:masterClrMapping/>
   </p:clrMapOvr>
-  <p:timing>
-    <p:tnLst>
-      <p:par>
-        <p:cTn id="1" dur="indefinite" restart="never" nodeType="tmRoot"/>
-      </p:par>
-    </p:tnLst>
-  </p:timing>
 </p:sldLayout>
 </file>
 
@@ -5602,10 +5595,9 @@
           <a:lstStyle/>
           <a:p>
             <a:r>
-              <a:rPr lang="en-US" smtClean="0"/>
+              <a:rPr lang="en-US"/>
               <a:t>Click to edit Master title style</a:t>
             </a:r>
-            <a:endParaRPr lang="en-US"/>
           </a:p>
         </p:txBody>
       </p:sp>
@@ -5626,38 +5618,37 @@
           <a:p>
             <a:pPr lvl="0"/>
             <a:r>
-              <a:rPr lang="en-US" smtClean="0"/>
+              <a:rPr lang="en-US"/>
               <a:t>Click to edit Master text styles</a:t>
             </a:r>
           </a:p>
           <a:p>
             <a:pPr lvl="1"/>
             <a:r>
-              <a:rPr lang="en-US" smtClean="0"/>
+              <a:rPr lang="en-US"/>
               <a:t>Second level</a:t>
             </a:r>
           </a:p>
           <a:p>
             <a:pPr lvl="2"/>
             <a:r>
-              <a:rPr lang="en-US" smtClean="0"/>
+              <a:rPr lang="en-US"/>
               <a:t>Third level</a:t>
             </a:r>
           </a:p>
           <a:p>
             <a:pPr lvl="3"/>
             <a:r>
-              <a:rPr lang="en-US" smtClean="0"/>
+              <a:rPr lang="en-US"/>
               <a:t>Fourth level</a:t>
             </a:r>
           </a:p>
           <a:p>
             <a:pPr lvl="4"/>
             <a:r>
-              <a:rPr lang="en-US" smtClean="0"/>
+              <a:rPr lang="en-US"/>
               <a:t>Fifth level</a:t>
             </a:r>
-            <a:endParaRPr lang="en-US"/>
           </a:p>
         </p:txBody>
       </p:sp>
@@ -5786,10 +5777,9 @@
           <a:lstStyle/>
           <a:p>
             <a:r>
-              <a:rPr lang="en-US" smtClean="0"/>
+              <a:rPr lang="en-US"/>
               <a:t>Click to edit Master title style</a:t>
             </a:r>
-            <a:endParaRPr lang="en-US"/>
           </a:p>
         </p:txBody>
       </p:sp>
@@ -5815,38 +5805,37 @@
           <a:p>
             <a:pPr lvl="0"/>
             <a:r>
-              <a:rPr lang="en-US" smtClean="0"/>
+              <a:rPr lang="en-US"/>
               <a:t>Click to edit Master text styles</a:t>
             </a:r>
           </a:p>
           <a:p>
             <a:pPr lvl="1"/>
             <a:r>
-              <a:rPr lang="en-US" smtClean="0"/>
+              <a:rPr lang="en-US"/>
               <a:t>Second level</a:t>
             </a:r>
           </a:p>
           <a:p>
             <a:pPr lvl="2"/>
             <a:r>
-              <a:rPr lang="en-US" smtClean="0"/>
+              <a:rPr lang="en-US"/>
               <a:t>Third level</a:t>
             </a:r>
           </a:p>
           <a:p>
             <a:pPr lvl="3"/>
             <a:r>
-              <a:rPr lang="en-US" smtClean="0"/>
+              <a:rPr lang="en-US"/>
               <a:t>Fourth level</a:t>
             </a:r>
           </a:p>
           <a:p>
             <a:pPr lvl="4"/>
             <a:r>
-              <a:rPr lang="en-US" smtClean="0"/>
+              <a:rPr lang="en-US"/>
               <a:t>Fifth level</a:t>
             </a:r>
-            <a:endParaRPr lang="en-US"/>
           </a:p>
         </p:txBody>
       </p:sp>
@@ -5970,10 +5959,9 @@
           <a:lstStyle/>
           <a:p>
             <a:r>
-              <a:rPr lang="en-US" smtClean="0"/>
+              <a:rPr lang="en-US"/>
               <a:t>Click to edit Master title style</a:t>
             </a:r>
-            <a:endParaRPr lang="en-US"/>
           </a:p>
         </p:txBody>
       </p:sp>
@@ -5994,38 +5982,37 @@
           <a:p>
             <a:pPr lvl="0"/>
             <a:r>
-              <a:rPr lang="en-US" smtClean="0"/>
+              <a:rPr lang="en-US"/>
               <a:t>Click to edit Master text styles</a:t>
             </a:r>
           </a:p>
           <a:p>
             <a:pPr lvl="1"/>
             <a:r>
-              <a:rPr lang="en-US" smtClean="0"/>
+              <a:rPr lang="en-US"/>
               <a:t>Second level</a:t>
             </a:r>
           </a:p>
           <a:p>
             <a:pPr lvl="2"/>
             <a:r>
-              <a:rPr lang="en-US" smtClean="0"/>
+              <a:rPr lang="en-US"/>
               <a:t>Third level</a:t>
             </a:r>
           </a:p>
           <a:p>
             <a:pPr lvl="3"/>
             <a:r>
-              <a:rPr lang="en-US" smtClean="0"/>
+              <a:rPr lang="en-US"/>
               <a:t>Fourth level</a:t>
             </a:r>
           </a:p>
           <a:p>
             <a:pPr lvl="4"/>
             <a:r>
-              <a:rPr lang="en-US" smtClean="0"/>
+              <a:rPr lang="en-US"/>
               <a:t>Fifth level</a:t>
             </a:r>
-            <a:endParaRPr lang="en-US"/>
           </a:p>
         </p:txBody>
       </p:sp>
@@ -6158,10 +6145,9 @@
           </a:lstStyle>
           <a:p>
             <a:r>
-              <a:rPr lang="en-US" smtClean="0"/>
+              <a:rPr lang="en-US"/>
               <a:t>Click to edit Master title style</a:t>
             </a:r>
-            <a:endParaRPr lang="en-US"/>
           </a:p>
         </p:txBody>
       </p:sp>
@@ -6224,7 +6210,7 @@
           <a:p>
             <a:pPr lvl="0"/>
             <a:r>
-              <a:rPr lang="en-US" smtClean="0"/>
+              <a:rPr lang="en-US"/>
               <a:t>Click to edit Master text styles</a:t>
             </a:r>
           </a:p>
@@ -6350,10 +6336,9 @@
           <a:lstStyle/>
           <a:p>
             <a:r>
-              <a:rPr lang="en-US" smtClean="0"/>
+              <a:rPr lang="en-US"/>
               <a:t>Click to edit Master title style</a:t>
             </a:r>
-            <a:endParaRPr lang="en-US"/>
           </a:p>
         </p:txBody>
       </p:sp>
@@ -6407,38 +6392,37 @@
           <a:p>
             <a:pPr lvl="0"/>
             <a:r>
-              <a:rPr lang="en-US" smtClean="0"/>
+              <a:rPr lang="en-US"/>
               <a:t>Click to edit Master text styles</a:t>
             </a:r>
           </a:p>
           <a:p>
             <a:pPr lvl="1"/>
             <a:r>
-              <a:rPr lang="en-US" smtClean="0"/>
+              <a:rPr lang="en-US"/>
               <a:t>Second level</a:t>
             </a:r>
           </a:p>
           <a:p>
             <a:pPr lvl="2"/>
             <a:r>
-              <a:rPr lang="en-US" smtClean="0"/>
+              <a:rPr lang="en-US"/>
               <a:t>Third level</a:t>
             </a:r>
           </a:p>
           <a:p>
             <a:pPr lvl="3"/>
             <a:r>
-              <a:rPr lang="en-US" smtClean="0"/>
+              <a:rPr lang="en-US"/>
               <a:t>Fourth level</a:t>
             </a:r>
           </a:p>
           <a:p>
             <a:pPr lvl="4"/>
             <a:r>
-              <a:rPr lang="en-US" smtClean="0"/>
+              <a:rPr lang="en-US"/>
               <a:t>Fifth level</a:t>
             </a:r>
-            <a:endParaRPr lang="en-US"/>
           </a:p>
         </p:txBody>
       </p:sp>
@@ -6492,38 +6476,37 @@
           <a:p>
             <a:pPr lvl="0"/>
             <a:r>
-              <a:rPr lang="en-US" smtClean="0"/>
+              <a:rPr lang="en-US"/>
               <a:t>Click to edit Master text styles</a:t>
             </a:r>
           </a:p>
           <a:p>
             <a:pPr lvl="1"/>
             <a:r>
-              <a:rPr lang="en-US" smtClean="0"/>
+              <a:rPr lang="en-US"/>
               <a:t>Second level</a:t>
             </a:r>
           </a:p>
           <a:p>
             <a:pPr lvl="2"/>
             <a:r>
-              <a:rPr lang="en-US" smtClean="0"/>
+              <a:rPr lang="en-US"/>
               <a:t>Third level</a:t>
             </a:r>
           </a:p>
           <a:p>
             <a:pPr lvl="3"/>
             <a:r>
-              <a:rPr lang="en-US" smtClean="0"/>
+              <a:rPr lang="en-US"/>
               <a:t>Fourth level</a:t>
             </a:r>
           </a:p>
           <a:p>
             <a:pPr lvl="4"/>
             <a:r>
-              <a:rPr lang="en-US" smtClean="0"/>
+              <a:rPr lang="en-US"/>
               <a:t>Fifth level</a:t>
             </a:r>
-            <a:endParaRPr lang="en-US"/>
           </a:p>
         </p:txBody>
       </p:sp>
@@ -6656,10 +6639,9 @@
           </a:lstStyle>
           <a:p>
             <a:r>
-              <a:rPr lang="en-US" smtClean="0"/>
+              <a:rPr lang="en-US"/>
               <a:t>Click to edit Master title style</a:t>
             </a:r>
-            <a:endParaRPr lang="en-US"/>
           </a:p>
         </p:txBody>
       </p:sp>
@@ -6722,7 +6704,7 @@
           <a:p>
             <a:pPr lvl="0"/>
             <a:r>
-              <a:rPr lang="en-US" smtClean="0"/>
+              <a:rPr lang="en-US"/>
               <a:t>Click to edit Master text styles</a:t>
             </a:r>
           </a:p>
@@ -6778,38 +6760,37 @@
           <a:p>
             <a:pPr lvl="0"/>
             <a:r>
-              <a:rPr lang="en-US" smtClean="0"/>
+              <a:rPr lang="en-US"/>
               <a:t>Click to edit Master text styles</a:t>
             </a:r>
           </a:p>
           <a:p>
             <a:pPr lvl="1"/>
             <a:r>
-              <a:rPr lang="en-US" smtClean="0"/>
+              <a:rPr lang="en-US"/>
               <a:t>Second level</a:t>
             </a:r>
           </a:p>
           <a:p>
             <a:pPr lvl="2"/>
             <a:r>
-              <a:rPr lang="en-US" smtClean="0"/>
+              <a:rPr lang="en-US"/>
               <a:t>Third level</a:t>
             </a:r>
           </a:p>
           <a:p>
             <a:pPr lvl="3"/>
             <a:r>
-              <a:rPr lang="en-US" smtClean="0"/>
+              <a:rPr lang="en-US"/>
               <a:t>Fourth level</a:t>
             </a:r>
           </a:p>
           <a:p>
             <a:pPr lvl="4"/>
             <a:r>
-              <a:rPr lang="en-US" smtClean="0"/>
+              <a:rPr lang="en-US"/>
               <a:t>Fifth level</a:t>
             </a:r>
-            <a:endParaRPr lang="en-US"/>
           </a:p>
         </p:txBody>
       </p:sp>
@@ -6872,7 +6853,7 @@
           <a:p>
             <a:pPr lvl="0"/>
             <a:r>
-              <a:rPr lang="en-US" smtClean="0"/>
+              <a:rPr lang="en-US"/>
               <a:t>Click to edit Master text styles</a:t>
             </a:r>
           </a:p>
@@ -6928,38 +6909,37 @@
           <a:p>
             <a:pPr lvl="0"/>
             <a:r>
-              <a:rPr lang="en-US" smtClean="0"/>
+              <a:rPr lang="en-US"/>
               <a:t>Click to edit Master text styles</a:t>
             </a:r>
           </a:p>
           <a:p>
             <a:pPr lvl="1"/>
             <a:r>
-              <a:rPr lang="en-US" smtClean="0"/>
+              <a:rPr lang="en-US"/>
               <a:t>Second level</a:t>
             </a:r>
           </a:p>
           <a:p>
             <a:pPr lvl="2"/>
             <a:r>
-              <a:rPr lang="en-US" smtClean="0"/>
+              <a:rPr lang="en-US"/>
               <a:t>Third level</a:t>
             </a:r>
           </a:p>
           <a:p>
             <a:pPr lvl="3"/>
             <a:r>
-              <a:rPr lang="en-US" smtClean="0"/>
+              <a:rPr lang="en-US"/>
               <a:t>Fourth level</a:t>
             </a:r>
           </a:p>
           <a:p>
             <a:pPr lvl="4"/>
             <a:r>
-              <a:rPr lang="en-US" smtClean="0"/>
+              <a:rPr lang="en-US"/>
               <a:t>Fifth level</a:t>
             </a:r>
-            <a:endParaRPr lang="en-US"/>
           </a:p>
         </p:txBody>
       </p:sp>
@@ -7083,10 +7063,9 @@
           <a:lstStyle/>
           <a:p>
             <a:r>
-              <a:rPr lang="en-US" smtClean="0"/>
+              <a:rPr lang="en-US"/>
               <a:t>Click to edit Master title style</a:t>
             </a:r>
-            <a:endParaRPr lang="en-US"/>
           </a:p>
         </p:txBody>
       </p:sp>
@@ -7323,10 +7302,9 @@
           </a:lstStyle>
           <a:p>
             <a:r>
-              <a:rPr lang="en-US" smtClean="0"/>
+              <a:rPr lang="en-US"/>
               <a:t>Click to edit Master title style</a:t>
             </a:r>
-            <a:endParaRPr lang="en-US"/>
           </a:p>
         </p:txBody>
       </p:sp>
@@ -7380,38 +7358,37 @@
           <a:p>
             <a:pPr lvl="0"/>
             <a:r>
-              <a:rPr lang="en-US" smtClean="0"/>
+              <a:rPr lang="en-US"/>
               <a:t>Click to edit Master text styles</a:t>
             </a:r>
           </a:p>
           <a:p>
             <a:pPr lvl="1"/>
             <a:r>
-              <a:rPr lang="en-US" smtClean="0"/>
+              <a:rPr lang="en-US"/>
               <a:t>Second level</a:t>
             </a:r>
           </a:p>
           <a:p>
             <a:pPr lvl="2"/>
             <a:r>
-              <a:rPr lang="en-US" smtClean="0"/>
+              <a:rPr lang="en-US"/>
               <a:t>Third level</a:t>
             </a:r>
           </a:p>
           <a:p>
             <a:pPr lvl="3"/>
             <a:r>
-              <a:rPr lang="en-US" smtClean="0"/>
+              <a:rPr lang="en-US"/>
               <a:t>Fourth level</a:t>
             </a:r>
           </a:p>
           <a:p>
             <a:pPr lvl="4"/>
             <a:r>
-              <a:rPr lang="en-US" smtClean="0"/>
+              <a:rPr lang="en-US"/>
               <a:t>Fifth level</a:t>
             </a:r>
-            <a:endParaRPr lang="en-US"/>
           </a:p>
         </p:txBody>
       </p:sp>
@@ -7474,7 +7451,7 @@
           <a:p>
             <a:pPr lvl="0"/>
             <a:r>
-              <a:rPr lang="en-US" smtClean="0"/>
+              <a:rPr lang="en-US"/>
               <a:t>Click to edit Master text styles</a:t>
             </a:r>
           </a:p>
@@ -7609,10 +7586,9 @@
           </a:lstStyle>
           <a:p>
             <a:r>
-              <a:rPr lang="en-US" smtClean="0"/>
+              <a:rPr lang="en-US"/>
               <a:t>Click to edit Master title style</a:t>
             </a:r>
-            <a:endParaRPr lang="en-US"/>
           </a:p>
         </p:txBody>
       </p:sp>
@@ -7736,7 +7712,7 @@
           <a:p>
             <a:pPr lvl="0"/>
             <a:r>
-              <a:rPr lang="en-US" smtClean="0"/>
+              <a:rPr lang="en-US"/>
               <a:t>Click to edit Master text styles</a:t>
             </a:r>
           </a:p>
@@ -7882,12 +7858,12 @@
           <a:effectLst/>
           <a:extLst>
             <a:ext uri="{909E8E84-426E-40dd-AFC4-6F175D3DCCD1}">
-              <a14:hiddenFill xmlns="" xmlns:a14="http://schemas.microsoft.com/office/drawing/2010/main">
+              <a14:hiddenFill xmlns:a14="http://schemas.microsoft.com/office/drawing/2010/main" xmlns="">
                 <a:noFill/>
               </a14:hiddenFill>
             </a:ext>
             <a:ext uri="{AF507438-7753-43e0-B8FC-AC1667EBCBE1}">
-              <a14:hiddenEffects xmlns="" xmlns:a14="http://schemas.microsoft.com/office/drawing/2010/main">
+              <a14:hiddenEffects xmlns:a14="http://schemas.microsoft.com/office/drawing/2010/main" xmlns="">
                 <a:effectLst>
                   <a:outerShdw blurRad="63500" dist="38099" dir="2700000" algn="ctr" rotWithShape="0">
                     <a:schemeClr val="bg2">
@@ -7932,17 +7908,17 @@
           <a:effectLst/>
           <a:extLst>
             <a:ext uri="{FAA26D3D-D897-4be2-8F04-BA451C77F1D7}">
-              <ma14:placeholderFlag xmlns:ma14="http://schemas.microsoft.com/office/mac/drawingml/2011/main" val="1"/>
-            </a:ext>
-            <a:ext uri="{909E8E84-426E-40dd-AFC4-6F175D3DCCD1}">
-              <a14:hiddenFill xmlns="" xmlns:a14="http://schemas.microsoft.com/office/drawing/2010/main">
+              <ma14:placeholderFlag xmlns:ma14="http://schemas.microsoft.com/office/mac/drawingml/2011/main" xmlns="" val="1"/>
+            </a:ext>
+            <a:ext uri="{909E8E84-426E-40dd-AFC4-6F175D3DCCD1}">
+              <a14:hiddenFill xmlns:a14="http://schemas.microsoft.com/office/drawing/2010/main" xmlns="">
                 <a:solidFill>
                   <a:schemeClr val="accent1"/>
                 </a:solidFill>
               </a14:hiddenFill>
             </a:ext>
             <a:ext uri="{91240B29-F687-4f45-9708-019B960494DF}">
-              <a14:hiddenLine xmlns="" xmlns:a14="http://schemas.microsoft.com/office/drawing/2010/main" w="9525">
+              <a14:hiddenLine xmlns:a14="http://schemas.microsoft.com/office/drawing/2010/main" xmlns="" w="9525">
                 <a:solidFill>
                   <a:schemeClr val="tx1"/>
                 </a:solidFill>
@@ -7952,7 +7928,7 @@
               </a14:hiddenLine>
             </a:ext>
             <a:ext uri="{AF507438-7753-43e0-B8FC-AC1667EBCBE1}">
-              <a14:hiddenEffects xmlns="" xmlns:a14="http://schemas.microsoft.com/office/drawing/2010/main">
+              <a14:hiddenEffects xmlns:a14="http://schemas.microsoft.com/office/drawing/2010/main" xmlns="">
                 <a:effectLst>
                   <a:outerShdw blurRad="63500" dist="38099" dir="2700000" algn="ctr" rotWithShape="0">
                     <a:schemeClr val="bg2">
@@ -8005,17 +7981,17 @@
           <a:effectLst/>
           <a:extLst>
             <a:ext uri="{FAA26D3D-D897-4be2-8F04-BA451C77F1D7}">
-              <ma14:placeholderFlag xmlns:ma14="http://schemas.microsoft.com/office/mac/drawingml/2011/main" val="1"/>
-            </a:ext>
-            <a:ext uri="{909E8E84-426E-40dd-AFC4-6F175D3DCCD1}">
-              <a14:hiddenFill xmlns="" xmlns:a14="http://schemas.microsoft.com/office/drawing/2010/main">
+              <ma14:placeholderFlag xmlns:ma14="http://schemas.microsoft.com/office/mac/drawingml/2011/main" xmlns="" val="1"/>
+            </a:ext>
+            <a:ext uri="{909E8E84-426E-40dd-AFC4-6F175D3DCCD1}">
+              <a14:hiddenFill xmlns:a14="http://schemas.microsoft.com/office/drawing/2010/main" xmlns="">
                 <a:solidFill>
                   <a:schemeClr val="accent1"/>
                 </a:solidFill>
               </a14:hiddenFill>
             </a:ext>
             <a:ext uri="{91240B29-F687-4f45-9708-019B960494DF}">
-              <a14:hiddenLine xmlns="" xmlns:a14="http://schemas.microsoft.com/office/drawing/2010/main" w="9525">
+              <a14:hiddenLine xmlns:a14="http://schemas.microsoft.com/office/drawing/2010/main" xmlns="" w="9525">
                 <a:solidFill>
                   <a:schemeClr val="tx1"/>
                 </a:solidFill>
@@ -8025,7 +8001,7 @@
               </a14:hiddenLine>
             </a:ext>
             <a:ext uri="{AF507438-7753-43e0-B8FC-AC1667EBCBE1}">
-              <a14:hiddenEffects xmlns="" xmlns:a14="http://schemas.microsoft.com/office/drawing/2010/main">
+              <a14:hiddenEffects xmlns:a14="http://schemas.microsoft.com/office/drawing/2010/main" xmlns="">
                 <a:effectLst>
                   <a:outerShdw blurRad="63500" dist="38099" dir="2700000" algn="ctr" rotWithShape="0">
                     <a:schemeClr val="bg2">
@@ -8106,17 +8082,17 @@
           <a:effectLst/>
           <a:extLst>
             <a:ext uri="{FAA26D3D-D897-4be2-8F04-BA451C77F1D7}">
-              <ma14:placeholderFlag xmlns:ma14="http://schemas.microsoft.com/office/mac/drawingml/2011/main" val="1"/>
-            </a:ext>
-            <a:ext uri="{909E8E84-426E-40dd-AFC4-6F175D3DCCD1}">
-              <a14:hiddenFill xmlns="" xmlns:a14="http://schemas.microsoft.com/office/drawing/2010/main">
+              <ma14:placeholderFlag xmlns:ma14="http://schemas.microsoft.com/office/mac/drawingml/2011/main" xmlns="" val="1"/>
+            </a:ext>
+            <a:ext uri="{909E8E84-426E-40dd-AFC4-6F175D3DCCD1}">
+              <a14:hiddenFill xmlns:a14="http://schemas.microsoft.com/office/drawing/2010/main" xmlns="">
                 <a:solidFill>
                   <a:schemeClr val="accent1"/>
                 </a:solidFill>
               </a14:hiddenFill>
             </a:ext>
             <a:ext uri="{91240B29-F687-4f45-9708-019B960494DF}">
-              <a14:hiddenLine xmlns="" xmlns:a14="http://schemas.microsoft.com/office/drawing/2010/main" w="9525">
+              <a14:hiddenLine xmlns:a14="http://schemas.microsoft.com/office/drawing/2010/main" xmlns="" w="9525">
                 <a:solidFill>
                   <a:schemeClr val="tx1"/>
                 </a:solidFill>
@@ -8126,7 +8102,7 @@
               </a14:hiddenLine>
             </a:ext>
             <a:ext uri="{AF507438-7753-43e0-B8FC-AC1667EBCBE1}">
-              <a14:hiddenEffects xmlns="" xmlns:a14="http://schemas.microsoft.com/office/drawing/2010/main">
+              <a14:hiddenEffects xmlns:a14="http://schemas.microsoft.com/office/drawing/2010/main" xmlns="">
                 <a:effectLst>
                   <a:outerShdw blurRad="63500" dist="38099" dir="2700000" algn="ctr" rotWithShape="0">
                     <a:schemeClr val="bg2">
@@ -8179,17 +8155,17 @@
           <a:effectLst/>
           <a:extLst>
             <a:ext uri="{FAA26D3D-D897-4be2-8F04-BA451C77F1D7}">
-              <ma14:placeholderFlag xmlns:ma14="http://schemas.microsoft.com/office/mac/drawingml/2011/main" val="1"/>
-            </a:ext>
-            <a:ext uri="{909E8E84-426E-40dd-AFC4-6F175D3DCCD1}">
-              <a14:hiddenFill xmlns="" xmlns:a14="http://schemas.microsoft.com/office/drawing/2010/main">
+              <ma14:placeholderFlag xmlns:ma14="http://schemas.microsoft.com/office/mac/drawingml/2011/main" xmlns="" val="1"/>
+            </a:ext>
+            <a:ext uri="{909E8E84-426E-40dd-AFC4-6F175D3DCCD1}">
+              <a14:hiddenFill xmlns:a14="http://schemas.microsoft.com/office/drawing/2010/main" xmlns="">
                 <a:solidFill>
                   <a:schemeClr val="accent1"/>
                 </a:solidFill>
               </a14:hiddenFill>
             </a:ext>
             <a:ext uri="{91240B29-F687-4f45-9708-019B960494DF}">
-              <a14:hiddenLine xmlns="" xmlns:a14="http://schemas.microsoft.com/office/drawing/2010/main" w="9525">
+              <a14:hiddenLine xmlns:a14="http://schemas.microsoft.com/office/drawing/2010/main" xmlns="" w="9525">
                 <a:solidFill>
                   <a:schemeClr val="tx1"/>
                 </a:solidFill>
@@ -8199,7 +8175,7 @@
               </a14:hiddenLine>
             </a:ext>
             <a:ext uri="{AF507438-7753-43e0-B8FC-AC1667EBCBE1}">
-              <a14:hiddenEffects xmlns="" xmlns:a14="http://schemas.microsoft.com/office/drawing/2010/main">
+              <a14:hiddenEffects xmlns:a14="http://schemas.microsoft.com/office/drawing/2010/main" xmlns="">
                 <a:effectLst>
                   <a:outerShdw blurRad="63500" dist="38099" dir="2700000" algn="ctr" rotWithShape="0">
                     <a:schemeClr val="bg2">
@@ -8252,17 +8228,17 @@
           <a:effectLst/>
           <a:extLst>
             <a:ext uri="{FAA26D3D-D897-4be2-8F04-BA451C77F1D7}">
-              <ma14:placeholderFlag xmlns:ma14="http://schemas.microsoft.com/office/mac/drawingml/2011/main" val="1"/>
-            </a:ext>
-            <a:ext uri="{909E8E84-426E-40dd-AFC4-6F175D3DCCD1}">
-              <a14:hiddenFill xmlns="" xmlns:a14="http://schemas.microsoft.com/office/drawing/2010/main">
+              <ma14:placeholderFlag xmlns:ma14="http://schemas.microsoft.com/office/mac/drawingml/2011/main" xmlns="" val="1"/>
+            </a:ext>
+            <a:ext uri="{909E8E84-426E-40dd-AFC4-6F175D3DCCD1}">
+              <a14:hiddenFill xmlns:a14="http://schemas.microsoft.com/office/drawing/2010/main" xmlns="">
                 <a:solidFill>
                   <a:schemeClr val="accent1"/>
                 </a:solidFill>
               </a14:hiddenFill>
             </a:ext>
             <a:ext uri="{91240B29-F687-4f45-9708-019B960494DF}">
-              <a14:hiddenLine xmlns="" xmlns:a14="http://schemas.microsoft.com/office/drawing/2010/main" w="9525">
+              <a14:hiddenLine xmlns:a14="http://schemas.microsoft.com/office/drawing/2010/main" xmlns="" w="9525">
                 <a:solidFill>
                   <a:schemeClr val="tx1"/>
                 </a:solidFill>
@@ -8272,7 +8248,7 @@
               </a14:hiddenLine>
             </a:ext>
             <a:ext uri="{AF507438-7753-43e0-B8FC-AC1667EBCBE1}">
-              <a14:hiddenEffects xmlns="" xmlns:a14="http://schemas.microsoft.com/office/drawing/2010/main">
+              <a14:hiddenEffects xmlns:a14="http://schemas.microsoft.com/office/drawing/2010/main" xmlns="">
                 <a:effectLst>
                   <a:outerShdw blurRad="63500" dist="38099" dir="2700000" algn="ctr" rotWithShape="0">
                     <a:schemeClr val="bg2">
@@ -8346,7 +8322,7 @@
             <a:effectLst/>
             <a:extLst>
               <a:ext uri="{91240B29-F687-4f45-9708-019B960494DF}">
-                <a14:hiddenLine xmlns="" xmlns:a14="http://schemas.microsoft.com/office/drawing/2010/main" w="9525">
+                <a14:hiddenLine xmlns:a14="http://schemas.microsoft.com/office/drawing/2010/main" xmlns="" w="9525">
                   <a:solidFill>
                     <a:schemeClr val="tx1"/>
                   </a:solidFill>
@@ -8356,7 +8332,7 @@
                 </a14:hiddenLine>
               </a:ext>
               <a:ext uri="{AF507438-7753-43e0-B8FC-AC1667EBCBE1}">
-                <a14:hiddenEffects xmlns="" xmlns:a14="http://schemas.microsoft.com/office/drawing/2010/main">
+                <a14:hiddenEffects xmlns:a14="http://schemas.microsoft.com/office/drawing/2010/main" xmlns="">
                   <a:effectLst>
                     <a:outerShdw blurRad="63500" dist="38099" dir="2700000" algn="ctr" rotWithShape="0">
                       <a:schemeClr val="bg2">
@@ -8401,7 +8377,7 @@
             <a:effectLst/>
             <a:extLst>
               <a:ext uri="{91240B29-F687-4f45-9708-019B960494DF}">
-                <a14:hiddenLine xmlns="" xmlns:a14="http://schemas.microsoft.com/office/drawing/2010/main" w="9525">
+                <a14:hiddenLine xmlns:a14="http://schemas.microsoft.com/office/drawing/2010/main" xmlns="" w="9525">
                   <a:solidFill>
                     <a:schemeClr val="tx1"/>
                   </a:solidFill>
@@ -8411,7 +8387,7 @@
                 </a14:hiddenLine>
               </a:ext>
               <a:ext uri="{AF507438-7753-43e0-B8FC-AC1667EBCBE1}">
-                <a14:hiddenEffects xmlns="" xmlns:a14="http://schemas.microsoft.com/office/drawing/2010/main">
+                <a14:hiddenEffects xmlns:a14="http://schemas.microsoft.com/office/drawing/2010/main" xmlns="">
                   <a:effectLst>
                     <a:outerShdw blurRad="63500" dist="38099" dir="2700000" algn="ctr" rotWithShape="0">
                       <a:schemeClr val="bg2">
@@ -8456,7 +8432,7 @@
             <a:effectLst/>
             <a:extLst>
               <a:ext uri="{91240B29-F687-4f45-9708-019B960494DF}">
-                <a14:hiddenLine xmlns="" xmlns:a14="http://schemas.microsoft.com/office/drawing/2010/main" w="9525">
+                <a14:hiddenLine xmlns:a14="http://schemas.microsoft.com/office/drawing/2010/main" xmlns="" w="9525">
                   <a:solidFill>
                     <a:schemeClr val="tx1"/>
                   </a:solidFill>
@@ -8466,7 +8442,7 @@
                 </a14:hiddenLine>
               </a:ext>
               <a:ext uri="{AF507438-7753-43e0-B8FC-AC1667EBCBE1}">
-                <a14:hiddenEffects xmlns="" xmlns:a14="http://schemas.microsoft.com/office/drawing/2010/main">
+                <a14:hiddenEffects xmlns:a14="http://schemas.microsoft.com/office/drawing/2010/main" xmlns="">
                   <a:effectLst>
                     <a:outerShdw blurRad="63500" dist="38099" dir="2700000" algn="ctr" rotWithShape="0">
                       <a:schemeClr val="bg2">
@@ -8511,7 +8487,7 @@
             <a:effectLst/>
             <a:extLst>
               <a:ext uri="{91240B29-F687-4f45-9708-019B960494DF}">
-                <a14:hiddenLine xmlns="" xmlns:a14="http://schemas.microsoft.com/office/drawing/2010/main" w="9525">
+                <a14:hiddenLine xmlns:a14="http://schemas.microsoft.com/office/drawing/2010/main" xmlns="" w="9525">
                   <a:solidFill>
                     <a:schemeClr val="tx1"/>
                   </a:solidFill>
@@ -8521,7 +8497,7 @@
                 </a14:hiddenLine>
               </a:ext>
               <a:ext uri="{AF507438-7753-43e0-B8FC-AC1667EBCBE1}">
-                <a14:hiddenEffects xmlns="" xmlns:a14="http://schemas.microsoft.com/office/drawing/2010/main">
+                <a14:hiddenEffects xmlns:a14="http://schemas.microsoft.com/office/drawing/2010/main" xmlns="">
                   <a:effectLst>
                     <a:outerShdw blurRad="63500" dist="38099" dir="2700000" algn="ctr" rotWithShape="0">
                       <a:schemeClr val="bg2">
@@ -8566,7 +8542,7 @@
             <a:effectLst/>
             <a:extLst>
               <a:ext uri="{91240B29-F687-4f45-9708-019B960494DF}">
-                <a14:hiddenLine xmlns="" xmlns:a14="http://schemas.microsoft.com/office/drawing/2010/main" w="9525">
+                <a14:hiddenLine xmlns:a14="http://schemas.microsoft.com/office/drawing/2010/main" xmlns="" w="9525">
                   <a:solidFill>
                     <a:schemeClr val="tx1"/>
                   </a:solidFill>
@@ -8576,7 +8552,7 @@
                 </a14:hiddenLine>
               </a:ext>
               <a:ext uri="{AF507438-7753-43e0-B8FC-AC1667EBCBE1}">
-                <a14:hiddenEffects xmlns="" xmlns:a14="http://schemas.microsoft.com/office/drawing/2010/main">
+                <a14:hiddenEffects xmlns:a14="http://schemas.microsoft.com/office/drawing/2010/main" xmlns="">
                   <a:effectLst>
                     <a:outerShdw blurRad="63500" dist="38099" dir="2700000" algn="ctr" rotWithShape="0">
                       <a:schemeClr val="bg2">
@@ -8621,7 +8597,7 @@
             <a:effectLst/>
             <a:extLst>
               <a:ext uri="{91240B29-F687-4f45-9708-019B960494DF}">
-                <a14:hiddenLine xmlns="" xmlns:a14="http://schemas.microsoft.com/office/drawing/2010/main" w="9525">
+                <a14:hiddenLine xmlns:a14="http://schemas.microsoft.com/office/drawing/2010/main" xmlns="" w="9525">
                   <a:solidFill>
                     <a:schemeClr val="tx1"/>
                   </a:solidFill>
@@ -8631,7 +8607,7 @@
                 </a14:hiddenLine>
               </a:ext>
               <a:ext uri="{AF507438-7753-43e0-B8FC-AC1667EBCBE1}">
-                <a14:hiddenEffects xmlns="" xmlns:a14="http://schemas.microsoft.com/office/drawing/2010/main">
+                <a14:hiddenEffects xmlns:a14="http://schemas.microsoft.com/office/drawing/2010/main" xmlns="">
                   <a:effectLst>
                     <a:outerShdw blurRad="63500" dist="38099" dir="2700000" algn="ctr" rotWithShape="0">
                       <a:schemeClr val="bg2">
@@ -8676,7 +8652,7 @@
             <a:effectLst/>
             <a:extLst>
               <a:ext uri="{91240B29-F687-4f45-9708-019B960494DF}">
-                <a14:hiddenLine xmlns="" xmlns:a14="http://schemas.microsoft.com/office/drawing/2010/main" w="9525">
+                <a14:hiddenLine xmlns:a14="http://schemas.microsoft.com/office/drawing/2010/main" xmlns="" w="9525">
                   <a:solidFill>
                     <a:schemeClr val="tx1"/>
                   </a:solidFill>
@@ -8686,7 +8662,7 @@
                 </a14:hiddenLine>
               </a:ext>
               <a:ext uri="{AF507438-7753-43e0-B8FC-AC1667EBCBE1}">
-                <a14:hiddenEffects xmlns="" xmlns:a14="http://schemas.microsoft.com/office/drawing/2010/main">
+                <a14:hiddenEffects xmlns:a14="http://schemas.microsoft.com/office/drawing/2010/main" xmlns="">
                   <a:effectLst>
                     <a:outerShdw blurRad="63500" dist="38099" dir="2700000" algn="ctr" rotWithShape="0">
                       <a:schemeClr val="bg2">
@@ -8731,7 +8707,7 @@
             <a:effectLst/>
             <a:extLst>
               <a:ext uri="{91240B29-F687-4f45-9708-019B960494DF}">
-                <a14:hiddenLine xmlns="" xmlns:a14="http://schemas.microsoft.com/office/drawing/2010/main" w="9525">
+                <a14:hiddenLine xmlns:a14="http://schemas.microsoft.com/office/drawing/2010/main" xmlns="" w="9525">
                   <a:solidFill>
                     <a:schemeClr val="tx1"/>
                   </a:solidFill>
@@ -8741,7 +8717,7 @@
                 </a14:hiddenLine>
               </a:ext>
               <a:ext uri="{AF507438-7753-43e0-B8FC-AC1667EBCBE1}">
-                <a14:hiddenEffects xmlns="" xmlns:a14="http://schemas.microsoft.com/office/drawing/2010/main">
+                <a14:hiddenEffects xmlns:a14="http://schemas.microsoft.com/office/drawing/2010/main" xmlns="">
                   <a:effectLst>
                     <a:outerShdw blurRad="63500" dist="38099" dir="2700000" algn="ctr" rotWithShape="0">
                       <a:schemeClr val="bg2">
@@ -8786,7 +8762,7 @@
             <a:effectLst/>
             <a:extLst>
               <a:ext uri="{91240B29-F687-4f45-9708-019B960494DF}">
-                <a14:hiddenLine xmlns="" xmlns:a14="http://schemas.microsoft.com/office/drawing/2010/main" w="9525">
+                <a14:hiddenLine xmlns:a14="http://schemas.microsoft.com/office/drawing/2010/main" xmlns="" w="9525">
                   <a:solidFill>
                     <a:schemeClr val="tx1"/>
                   </a:solidFill>
@@ -8796,7 +8772,7 @@
                 </a14:hiddenLine>
               </a:ext>
               <a:ext uri="{AF507438-7753-43e0-B8FC-AC1667EBCBE1}">
-                <a14:hiddenEffects xmlns="" xmlns:a14="http://schemas.microsoft.com/office/drawing/2010/main">
+                <a14:hiddenEffects xmlns:a14="http://schemas.microsoft.com/office/drawing/2010/main" xmlns="">
                   <a:effectLst>
                     <a:outerShdw blurRad="63500" dist="38099" dir="2700000" algn="ctr" rotWithShape="0">
                       <a:schemeClr val="bg2">
@@ -8841,7 +8817,7 @@
             <a:effectLst/>
             <a:extLst>
               <a:ext uri="{91240B29-F687-4f45-9708-019B960494DF}">
-                <a14:hiddenLine xmlns="" xmlns:a14="http://schemas.microsoft.com/office/drawing/2010/main" w="9525">
+                <a14:hiddenLine xmlns:a14="http://schemas.microsoft.com/office/drawing/2010/main" xmlns="" w="9525">
                   <a:solidFill>
                     <a:schemeClr val="tx1"/>
                   </a:solidFill>
@@ -8851,7 +8827,7 @@
                 </a14:hiddenLine>
               </a:ext>
               <a:ext uri="{AF507438-7753-43e0-B8FC-AC1667EBCBE1}">
-                <a14:hiddenEffects xmlns="" xmlns:a14="http://schemas.microsoft.com/office/drawing/2010/main">
+                <a14:hiddenEffects xmlns:a14="http://schemas.microsoft.com/office/drawing/2010/main" xmlns="">
                   <a:effectLst>
                     <a:outerShdw blurRad="63500" dist="38099" dir="2700000" algn="ctr" rotWithShape="0">
                       <a:schemeClr val="bg2">
@@ -8896,7 +8872,7 @@
             <a:effectLst/>
             <a:extLst>
               <a:ext uri="{91240B29-F687-4f45-9708-019B960494DF}">
-                <a14:hiddenLine xmlns="" xmlns:a14="http://schemas.microsoft.com/office/drawing/2010/main" w="9525">
+                <a14:hiddenLine xmlns:a14="http://schemas.microsoft.com/office/drawing/2010/main" xmlns="" w="9525">
                   <a:solidFill>
                     <a:schemeClr val="tx1"/>
                   </a:solidFill>
@@ -8906,7 +8882,7 @@
                 </a14:hiddenLine>
               </a:ext>
               <a:ext uri="{AF507438-7753-43e0-B8FC-AC1667EBCBE1}">
-                <a14:hiddenEffects xmlns="" xmlns:a14="http://schemas.microsoft.com/office/drawing/2010/main">
+                <a14:hiddenEffects xmlns:a14="http://schemas.microsoft.com/office/drawing/2010/main" xmlns="">
                   <a:effectLst>
                     <a:outerShdw blurRad="63500" dist="38099" dir="2700000" algn="ctr" rotWithShape="0">
                       <a:schemeClr val="bg2">
@@ -8951,7 +8927,7 @@
             <a:effectLst/>
             <a:extLst>
               <a:ext uri="{91240B29-F687-4f45-9708-019B960494DF}">
-                <a14:hiddenLine xmlns="" xmlns:a14="http://schemas.microsoft.com/office/drawing/2010/main" w="9525">
+                <a14:hiddenLine xmlns:a14="http://schemas.microsoft.com/office/drawing/2010/main" xmlns="" w="9525">
                   <a:solidFill>
                     <a:schemeClr val="tx1"/>
                   </a:solidFill>
@@ -8961,7 +8937,7 @@
                 </a14:hiddenLine>
               </a:ext>
               <a:ext uri="{AF507438-7753-43e0-B8FC-AC1667EBCBE1}">
-                <a14:hiddenEffects xmlns="" xmlns:a14="http://schemas.microsoft.com/office/drawing/2010/main">
+                <a14:hiddenEffects xmlns:a14="http://schemas.microsoft.com/office/drawing/2010/main" xmlns="">
                   <a:effectLst>
                     <a:outerShdw blurRad="63500" dist="38099" dir="2700000" algn="ctr" rotWithShape="0">
                       <a:schemeClr val="bg2">
@@ -9006,7 +8982,7 @@
             <a:effectLst/>
             <a:extLst>
               <a:ext uri="{91240B29-F687-4f45-9708-019B960494DF}">
-                <a14:hiddenLine xmlns="" xmlns:a14="http://schemas.microsoft.com/office/drawing/2010/main" w="9525">
+                <a14:hiddenLine xmlns:a14="http://schemas.microsoft.com/office/drawing/2010/main" xmlns="" w="9525">
                   <a:solidFill>
                     <a:schemeClr val="tx1"/>
                   </a:solidFill>
@@ -9016,7 +8992,7 @@
                 </a14:hiddenLine>
               </a:ext>
               <a:ext uri="{AF507438-7753-43e0-B8FC-AC1667EBCBE1}">
-                <a14:hiddenEffects xmlns="" xmlns:a14="http://schemas.microsoft.com/office/drawing/2010/main">
+                <a14:hiddenEffects xmlns:a14="http://schemas.microsoft.com/office/drawing/2010/main" xmlns="">
                   <a:effectLst>
                     <a:outerShdw blurRad="63500" dist="38099" dir="2700000" algn="ctr" rotWithShape="0">
                       <a:schemeClr val="bg2">
@@ -9061,7 +9037,7 @@
             <a:effectLst/>
             <a:extLst>
               <a:ext uri="{91240B29-F687-4f45-9708-019B960494DF}">
-                <a14:hiddenLine xmlns="" xmlns:a14="http://schemas.microsoft.com/office/drawing/2010/main" w="9525">
+                <a14:hiddenLine xmlns:a14="http://schemas.microsoft.com/office/drawing/2010/main" xmlns="" w="9525">
                   <a:solidFill>
                     <a:schemeClr val="tx1"/>
                   </a:solidFill>
@@ -9071,7 +9047,7 @@
                 </a14:hiddenLine>
               </a:ext>
               <a:ext uri="{AF507438-7753-43e0-B8FC-AC1667EBCBE1}">
-                <a14:hiddenEffects xmlns="" xmlns:a14="http://schemas.microsoft.com/office/drawing/2010/main">
+                <a14:hiddenEffects xmlns:a14="http://schemas.microsoft.com/office/drawing/2010/main" xmlns="">
                   <a:effectLst>
                     <a:outerShdw blurRad="63500" dist="38099" dir="2700000" algn="ctr" rotWithShape="0">
                       <a:schemeClr val="bg2">
@@ -9116,7 +9092,7 @@
             <a:effectLst/>
             <a:extLst>
               <a:ext uri="{91240B29-F687-4f45-9708-019B960494DF}">
-                <a14:hiddenLine xmlns="" xmlns:a14="http://schemas.microsoft.com/office/drawing/2010/main" w="9525">
+                <a14:hiddenLine xmlns:a14="http://schemas.microsoft.com/office/drawing/2010/main" xmlns="" w="9525">
                   <a:solidFill>
                     <a:schemeClr val="tx1"/>
                   </a:solidFill>
@@ -9126,7 +9102,7 @@
                 </a14:hiddenLine>
               </a:ext>
               <a:ext uri="{AF507438-7753-43e0-B8FC-AC1667EBCBE1}">
-                <a14:hiddenEffects xmlns="" xmlns:a14="http://schemas.microsoft.com/office/drawing/2010/main">
+                <a14:hiddenEffects xmlns:a14="http://schemas.microsoft.com/office/drawing/2010/main" xmlns="">
                   <a:effectLst>
                     <a:outerShdw blurRad="63500" dist="38099" dir="2700000" algn="ctr" rotWithShape="0">
                       <a:schemeClr val="bg2">
@@ -9171,7 +9147,7 @@
             <a:effectLst/>
             <a:extLst>
               <a:ext uri="{91240B29-F687-4f45-9708-019B960494DF}">
-                <a14:hiddenLine xmlns="" xmlns:a14="http://schemas.microsoft.com/office/drawing/2010/main" w="9525">
+                <a14:hiddenLine xmlns:a14="http://schemas.microsoft.com/office/drawing/2010/main" xmlns="" w="9525">
                   <a:solidFill>
                     <a:schemeClr val="tx1"/>
                   </a:solidFill>
@@ -9181,7 +9157,7 @@
                 </a14:hiddenLine>
               </a:ext>
               <a:ext uri="{AF507438-7753-43e0-B8FC-AC1667EBCBE1}">
-                <a14:hiddenEffects xmlns="" xmlns:a14="http://schemas.microsoft.com/office/drawing/2010/main">
+                <a14:hiddenEffects xmlns:a14="http://schemas.microsoft.com/office/drawing/2010/main" xmlns="">
                   <a:effectLst>
                     <a:outerShdw blurRad="63500" dist="38099" dir="2700000" algn="ctr" rotWithShape="0">
                       <a:schemeClr val="bg2">
@@ -9226,7 +9202,7 @@
             <a:effectLst/>
             <a:extLst>
               <a:ext uri="{91240B29-F687-4f45-9708-019B960494DF}">
-                <a14:hiddenLine xmlns="" xmlns:a14="http://schemas.microsoft.com/office/drawing/2010/main" w="9525">
+                <a14:hiddenLine xmlns:a14="http://schemas.microsoft.com/office/drawing/2010/main" xmlns="" w="9525">
                   <a:solidFill>
                     <a:schemeClr val="tx1"/>
                   </a:solidFill>
@@ -9236,7 +9212,7 @@
                 </a14:hiddenLine>
               </a:ext>
               <a:ext uri="{AF507438-7753-43e0-B8FC-AC1667EBCBE1}">
-                <a14:hiddenEffects xmlns="" xmlns:a14="http://schemas.microsoft.com/office/drawing/2010/main">
+                <a14:hiddenEffects xmlns:a14="http://schemas.microsoft.com/office/drawing/2010/main" xmlns="">
                   <a:effectLst>
                     <a:outerShdw blurRad="63500" dist="38099" dir="2700000" algn="ctr" rotWithShape="0">
                       <a:schemeClr val="bg2">
@@ -9281,7 +9257,7 @@
             <a:effectLst/>
             <a:extLst>
               <a:ext uri="{91240B29-F687-4f45-9708-019B960494DF}">
-                <a14:hiddenLine xmlns="" xmlns:a14="http://schemas.microsoft.com/office/drawing/2010/main" w="9525">
+                <a14:hiddenLine xmlns:a14="http://schemas.microsoft.com/office/drawing/2010/main" xmlns="" w="9525">
                   <a:solidFill>
                     <a:schemeClr val="tx1"/>
                   </a:solidFill>
@@ -9291,7 +9267,7 @@
                 </a14:hiddenLine>
               </a:ext>
               <a:ext uri="{AF507438-7753-43e0-B8FC-AC1667EBCBE1}">
-                <a14:hiddenEffects xmlns="" xmlns:a14="http://schemas.microsoft.com/office/drawing/2010/main">
+                <a14:hiddenEffects xmlns:a14="http://schemas.microsoft.com/office/drawing/2010/main" xmlns="">
                   <a:effectLst>
                     <a:outerShdw blurRad="63500" dist="38099" dir="2700000" algn="ctr" rotWithShape="0">
                       <a:schemeClr val="bg2">
@@ -9336,7 +9312,7 @@
             <a:effectLst/>
             <a:extLst>
               <a:ext uri="{91240B29-F687-4f45-9708-019B960494DF}">
-                <a14:hiddenLine xmlns="" xmlns:a14="http://schemas.microsoft.com/office/drawing/2010/main" w="9525">
+                <a14:hiddenLine xmlns:a14="http://schemas.microsoft.com/office/drawing/2010/main" xmlns="" w="9525">
                   <a:solidFill>
                     <a:schemeClr val="tx1"/>
                   </a:solidFill>
@@ -9346,7 +9322,7 @@
                 </a14:hiddenLine>
               </a:ext>
               <a:ext uri="{AF507438-7753-43e0-B8FC-AC1667EBCBE1}">
-                <a14:hiddenEffects xmlns="" xmlns:a14="http://schemas.microsoft.com/office/drawing/2010/main">
+                <a14:hiddenEffects xmlns:a14="http://schemas.microsoft.com/office/drawing/2010/main" xmlns="">
                   <a:effectLst>
                     <a:outerShdw blurRad="63500" dist="38099" dir="2700000" algn="ctr" rotWithShape="0">
                       <a:schemeClr val="bg2">
@@ -9391,7 +9367,7 @@
             <a:effectLst/>
             <a:extLst>
               <a:ext uri="{91240B29-F687-4f45-9708-019B960494DF}">
-                <a14:hiddenLine xmlns="" xmlns:a14="http://schemas.microsoft.com/office/drawing/2010/main" w="9525">
+                <a14:hiddenLine xmlns:a14="http://schemas.microsoft.com/office/drawing/2010/main" xmlns="" w="9525">
                   <a:solidFill>
                     <a:schemeClr val="tx1"/>
                   </a:solidFill>
@@ -9401,7 +9377,7 @@
                 </a14:hiddenLine>
               </a:ext>
               <a:ext uri="{AF507438-7753-43e0-B8FC-AC1667EBCBE1}">
-                <a14:hiddenEffects xmlns="" xmlns:a14="http://schemas.microsoft.com/office/drawing/2010/main">
+                <a14:hiddenEffects xmlns:a14="http://schemas.microsoft.com/office/drawing/2010/main" xmlns="">
                   <a:effectLst>
                     <a:outerShdw blurRad="63500" dist="38099" dir="2700000" algn="ctr" rotWithShape="0">
                       <a:schemeClr val="bg2">
@@ -9446,7 +9422,7 @@
             <a:effectLst/>
             <a:extLst>
               <a:ext uri="{91240B29-F687-4f45-9708-019B960494DF}">
-                <a14:hiddenLine xmlns="" xmlns:a14="http://schemas.microsoft.com/office/drawing/2010/main" w="9525">
+                <a14:hiddenLine xmlns:a14="http://schemas.microsoft.com/office/drawing/2010/main" xmlns="" w="9525">
                   <a:solidFill>
                     <a:schemeClr val="tx1"/>
                   </a:solidFill>
@@ -9456,7 +9432,7 @@
                 </a14:hiddenLine>
               </a:ext>
               <a:ext uri="{AF507438-7753-43e0-B8FC-AC1667EBCBE1}">
-                <a14:hiddenEffects xmlns="" xmlns:a14="http://schemas.microsoft.com/office/drawing/2010/main">
+                <a14:hiddenEffects xmlns:a14="http://schemas.microsoft.com/office/drawing/2010/main" xmlns="">
                   <a:effectLst>
                     <a:outerShdw blurRad="63500" dist="38099" dir="2700000" algn="ctr" rotWithShape="0">
                       <a:schemeClr val="bg2">
@@ -9501,7 +9477,7 @@
             <a:effectLst/>
             <a:extLst>
               <a:ext uri="{91240B29-F687-4f45-9708-019B960494DF}">
-                <a14:hiddenLine xmlns="" xmlns:a14="http://schemas.microsoft.com/office/drawing/2010/main" w="9525">
+                <a14:hiddenLine xmlns:a14="http://schemas.microsoft.com/office/drawing/2010/main" xmlns="" w="9525">
                   <a:solidFill>
                     <a:schemeClr val="tx1"/>
                   </a:solidFill>
@@ -9511,7 +9487,7 @@
                 </a14:hiddenLine>
               </a:ext>
               <a:ext uri="{AF507438-7753-43e0-B8FC-AC1667EBCBE1}">
-                <a14:hiddenEffects xmlns="" xmlns:a14="http://schemas.microsoft.com/office/drawing/2010/main">
+                <a14:hiddenEffects xmlns:a14="http://schemas.microsoft.com/office/drawing/2010/main" xmlns="">
                   <a:effectLst>
                     <a:outerShdw blurRad="63500" dist="38099" dir="2700000" algn="ctr" rotWithShape="0">
                       <a:schemeClr val="bg2">
@@ -9556,7 +9532,7 @@
             <a:effectLst/>
             <a:extLst>
               <a:ext uri="{91240B29-F687-4f45-9708-019B960494DF}">
-                <a14:hiddenLine xmlns="" xmlns:a14="http://schemas.microsoft.com/office/drawing/2010/main" w="9525">
+                <a14:hiddenLine xmlns:a14="http://schemas.microsoft.com/office/drawing/2010/main" xmlns="" w="9525">
                   <a:solidFill>
                     <a:schemeClr val="tx1"/>
                   </a:solidFill>
@@ -9566,7 +9542,7 @@
                 </a14:hiddenLine>
               </a:ext>
               <a:ext uri="{AF507438-7753-43e0-B8FC-AC1667EBCBE1}">
-                <a14:hiddenEffects xmlns="" xmlns:a14="http://schemas.microsoft.com/office/drawing/2010/main">
+                <a14:hiddenEffects xmlns:a14="http://schemas.microsoft.com/office/drawing/2010/main" xmlns="">
                   <a:effectLst>
                     <a:outerShdw blurRad="63500" dist="38099" dir="2700000" algn="ctr" rotWithShape="0">
                       <a:schemeClr val="bg2">
@@ -9611,7 +9587,7 @@
             <a:effectLst/>
             <a:extLst>
               <a:ext uri="{91240B29-F687-4f45-9708-019B960494DF}">
-                <a14:hiddenLine xmlns="" xmlns:a14="http://schemas.microsoft.com/office/drawing/2010/main" w="9525">
+                <a14:hiddenLine xmlns:a14="http://schemas.microsoft.com/office/drawing/2010/main" xmlns="" w="9525">
                   <a:solidFill>
                     <a:schemeClr val="tx1"/>
                   </a:solidFill>
@@ -9621,7 +9597,7 @@
                 </a14:hiddenLine>
               </a:ext>
               <a:ext uri="{AF507438-7753-43e0-B8FC-AC1667EBCBE1}">
-                <a14:hiddenEffects xmlns="" xmlns:a14="http://schemas.microsoft.com/office/drawing/2010/main">
+                <a14:hiddenEffects xmlns:a14="http://schemas.microsoft.com/office/drawing/2010/main" xmlns="">
                   <a:effectLst>
                     <a:outerShdw blurRad="63500" dist="38099" dir="2700000" algn="ctr" rotWithShape="0">
                       <a:schemeClr val="bg2">
@@ -9666,7 +9642,7 @@
             <a:effectLst/>
             <a:extLst>
               <a:ext uri="{91240B29-F687-4f45-9708-019B960494DF}">
-                <a14:hiddenLine xmlns="" xmlns:a14="http://schemas.microsoft.com/office/drawing/2010/main" w="9525">
+                <a14:hiddenLine xmlns:a14="http://schemas.microsoft.com/office/drawing/2010/main" xmlns="" w="9525">
                   <a:solidFill>
                     <a:schemeClr val="tx1"/>
                   </a:solidFill>
@@ -9676,7 +9652,7 @@
                 </a14:hiddenLine>
               </a:ext>
               <a:ext uri="{AF507438-7753-43e0-B8FC-AC1667EBCBE1}">
-                <a14:hiddenEffects xmlns="" xmlns:a14="http://schemas.microsoft.com/office/drawing/2010/main">
+                <a14:hiddenEffects xmlns:a14="http://schemas.microsoft.com/office/drawing/2010/main" xmlns="">
                   <a:effectLst>
                     <a:outerShdw blurRad="63500" dist="38099" dir="2700000" algn="ctr" rotWithShape="0">
                       <a:schemeClr val="bg2">
@@ -9721,7 +9697,7 @@
             <a:effectLst/>
             <a:extLst>
               <a:ext uri="{91240B29-F687-4f45-9708-019B960494DF}">
-                <a14:hiddenLine xmlns="" xmlns:a14="http://schemas.microsoft.com/office/drawing/2010/main" w="9525">
+                <a14:hiddenLine xmlns:a14="http://schemas.microsoft.com/office/drawing/2010/main" xmlns="" w="9525">
                   <a:solidFill>
                     <a:schemeClr val="tx1"/>
                   </a:solidFill>
@@ -9731,7 +9707,7 @@
                 </a14:hiddenLine>
               </a:ext>
               <a:ext uri="{AF507438-7753-43e0-B8FC-AC1667EBCBE1}">
-                <a14:hiddenEffects xmlns="" xmlns:a14="http://schemas.microsoft.com/office/drawing/2010/main">
+                <a14:hiddenEffects xmlns:a14="http://schemas.microsoft.com/office/drawing/2010/main" xmlns="">
                   <a:effectLst>
                     <a:outerShdw blurRad="63500" dist="38099" dir="2700000" algn="ctr" rotWithShape="0">
                       <a:schemeClr val="bg2">
@@ -9776,7 +9752,7 @@
             <a:effectLst/>
             <a:extLst>
               <a:ext uri="{91240B29-F687-4f45-9708-019B960494DF}">
-                <a14:hiddenLine xmlns="" xmlns:a14="http://schemas.microsoft.com/office/drawing/2010/main" w="9525">
+                <a14:hiddenLine xmlns:a14="http://schemas.microsoft.com/office/drawing/2010/main" xmlns="" w="9525">
                   <a:solidFill>
                     <a:schemeClr val="tx1"/>
                   </a:solidFill>
@@ -9786,7 +9762,7 @@
                 </a14:hiddenLine>
               </a:ext>
               <a:ext uri="{AF507438-7753-43e0-B8FC-AC1667EBCBE1}">
-                <a14:hiddenEffects xmlns="" xmlns:a14="http://schemas.microsoft.com/office/drawing/2010/main">
+                <a14:hiddenEffects xmlns:a14="http://schemas.microsoft.com/office/drawing/2010/main" xmlns="">
                   <a:effectLst>
                     <a:outerShdw blurRad="63500" dist="38099" dir="2700000" algn="ctr" rotWithShape="0">
                       <a:schemeClr val="bg2">
@@ -9831,7 +9807,7 @@
             <a:effectLst/>
             <a:extLst>
               <a:ext uri="{91240B29-F687-4f45-9708-019B960494DF}">
-                <a14:hiddenLine xmlns="" xmlns:a14="http://schemas.microsoft.com/office/drawing/2010/main" w="9525">
+                <a14:hiddenLine xmlns:a14="http://schemas.microsoft.com/office/drawing/2010/main" xmlns="" w="9525">
                   <a:solidFill>
                     <a:schemeClr val="tx1"/>
                   </a:solidFill>
@@ -9841,7 +9817,7 @@
                 </a14:hiddenLine>
               </a:ext>
               <a:ext uri="{AF507438-7753-43e0-B8FC-AC1667EBCBE1}">
-                <a14:hiddenEffects xmlns="" xmlns:a14="http://schemas.microsoft.com/office/drawing/2010/main">
+                <a14:hiddenEffects xmlns:a14="http://schemas.microsoft.com/office/drawing/2010/main" xmlns="">
                   <a:effectLst>
                     <a:outerShdw blurRad="63500" dist="38099" dir="2700000" algn="ctr" rotWithShape="0">
                       <a:schemeClr val="bg2">
@@ -9886,7 +9862,7 @@
             <a:effectLst/>
             <a:extLst>
               <a:ext uri="{91240B29-F687-4f45-9708-019B960494DF}">
-                <a14:hiddenLine xmlns="" xmlns:a14="http://schemas.microsoft.com/office/drawing/2010/main" w="9525">
+                <a14:hiddenLine xmlns:a14="http://schemas.microsoft.com/office/drawing/2010/main" xmlns="" w="9525">
                   <a:solidFill>
                     <a:schemeClr val="tx1"/>
                   </a:solidFill>
@@ -9896,7 +9872,7 @@
                 </a14:hiddenLine>
               </a:ext>
               <a:ext uri="{AF507438-7753-43e0-B8FC-AC1667EBCBE1}">
-                <a14:hiddenEffects xmlns="" xmlns:a14="http://schemas.microsoft.com/office/drawing/2010/main">
+                <a14:hiddenEffects xmlns:a14="http://schemas.microsoft.com/office/drawing/2010/main" xmlns="">
                   <a:effectLst>
                     <a:outerShdw blurRad="63500" dist="38099" dir="2700000" algn="ctr" rotWithShape="0">
                       <a:schemeClr val="bg2">
@@ -9941,7 +9917,7 @@
             <a:effectLst/>
             <a:extLst>
               <a:ext uri="{91240B29-F687-4f45-9708-019B960494DF}">
-                <a14:hiddenLine xmlns="" xmlns:a14="http://schemas.microsoft.com/office/drawing/2010/main" w="9525">
+                <a14:hiddenLine xmlns:a14="http://schemas.microsoft.com/office/drawing/2010/main" xmlns="" w="9525">
                   <a:solidFill>
                     <a:schemeClr val="tx1"/>
                   </a:solidFill>
@@ -9951,7 +9927,7 @@
                 </a14:hiddenLine>
               </a:ext>
               <a:ext uri="{AF507438-7753-43e0-B8FC-AC1667EBCBE1}">
-                <a14:hiddenEffects xmlns="" xmlns:a14="http://schemas.microsoft.com/office/drawing/2010/main">
+                <a14:hiddenEffects xmlns:a14="http://schemas.microsoft.com/office/drawing/2010/main" xmlns="">
                   <a:effectLst>
                     <a:outerShdw blurRad="63500" dist="38099" dir="2700000" algn="ctr" rotWithShape="0">
                       <a:schemeClr val="bg2">
@@ -9996,7 +9972,7 @@
             <a:effectLst/>
             <a:extLst>
               <a:ext uri="{91240B29-F687-4f45-9708-019B960494DF}">
-                <a14:hiddenLine xmlns="" xmlns:a14="http://schemas.microsoft.com/office/drawing/2010/main" w="9525">
+                <a14:hiddenLine xmlns:a14="http://schemas.microsoft.com/office/drawing/2010/main" xmlns="" w="9525">
                   <a:solidFill>
                     <a:schemeClr val="tx1"/>
                   </a:solidFill>
@@ -10006,7 +9982,7 @@
                 </a14:hiddenLine>
               </a:ext>
               <a:ext uri="{AF507438-7753-43e0-B8FC-AC1667EBCBE1}">
-                <a14:hiddenEffects xmlns="" xmlns:a14="http://schemas.microsoft.com/office/drawing/2010/main">
+                <a14:hiddenEffects xmlns:a14="http://schemas.microsoft.com/office/drawing/2010/main" xmlns="">
                   <a:effectLst>
                     <a:outerShdw blurRad="63500" dist="38099" dir="2700000" algn="ctr" rotWithShape="0">
                       <a:schemeClr val="bg2">
@@ -10043,13 +10019,6 @@
     <p:sldLayoutId id="2147483659" r:id="rId10"/>
     <p:sldLayoutId id="2147483660" r:id="rId11"/>
   </p:sldLayoutIdLst>
-  <p:timing>
-    <p:tnLst>
-      <p:par>
-        <p:cTn id="1" dur="indefinite" restart="never" nodeType="tmRoot"/>
-      </p:par>
-    </p:tnLst>
-  </p:timing>
   <p:txStyles>
     <p:titleStyle>
       <a:lvl1pPr algn="l" rtl="0" fontAlgn="base">
@@ -10543,31 +10512,7 @@
             </a:pPr>
             <a:r>
               <a:rPr lang="en-US" dirty="0"/>
-              <a:t>We extend our </a:t>
-            </a:r>
-            <a:r>
-              <a:rPr lang="en-US" dirty="0" smtClean="0"/>
-              <a:t>Cuppa3 </a:t>
-            </a:r>
-            <a:r>
-              <a:rPr lang="en-US" dirty="0"/>
-              <a:t>language to </a:t>
-            </a:r>
-            <a:r>
-              <a:rPr lang="en-US" dirty="0" smtClean="0"/>
-              <a:t>Cuppa4 </a:t>
-            </a:r>
-            <a:r>
-              <a:rPr lang="en-US" dirty="0"/>
-              <a:t>with the addition of a type system with </a:t>
-            </a:r>
-            <a:r>
-              <a:rPr lang="en-US" dirty="0" smtClean="0"/>
-              <a:t>four types</a:t>
-            </a:r>
-            <a:r>
-              <a:rPr lang="en-US" dirty="0"/>
-              <a:t>:</a:t>
+              <a:t>We extend our Cuppa3 language to Cuppa4 with the addition of a type system with four types:</a:t>
             </a:r>
           </a:p>
           <a:p>
@@ -10601,11 +10546,7 @@
             </a:pPr>
             <a:r>
               <a:rPr lang="en-US" dirty="0"/>
-              <a:t>s</a:t>
-            </a:r>
-            <a:r>
-              <a:rPr lang="en-US" dirty="0" smtClean="0"/>
-              <a:t>tring</a:t>
+              <a:t>string</a:t>
             </a:r>
           </a:p>
           <a:p>
@@ -10615,10 +10556,9 @@
               </a:lnSpc>
             </a:pPr>
             <a:r>
-              <a:rPr lang="en-US" dirty="0" smtClean="0"/>
+              <a:rPr lang="en-US" dirty="0"/>
               <a:t>void</a:t>
             </a:r>
-            <a:endParaRPr lang="en-US" dirty="0"/>
           </a:p>
           <a:p>
             <a:pPr>
@@ -10636,15 +10576,7 @@
             </a:r>
             <a:r>
               <a:rPr lang="en-US" dirty="0"/>
-              <a:t> is a subtype of </a:t>
-            </a:r>
-            <a:r>
-              <a:rPr lang="en-US" dirty="0" smtClean="0"/>
-              <a:t>float and float is a subtype of string, </a:t>
-            </a:r>
-            <a:r>
-              <a:rPr lang="en-US" dirty="0"/>
-              <a:t>that is, a compiler/interpreter is allowed to insert widening conversions and should flag errors for narrowing conversions.</a:t>
+              <a:t> is a subtype of float and float is a subtype of string, that is, a compiler/interpreter is allowed to insert widening conversions and should flag errors for narrowing conversions.</a:t>
             </a:r>
           </a:p>
         </p:txBody>
@@ -10654,13 +10586,6 @@
   <p:clrMapOvr>
     <a:masterClrMapping/>
   </p:clrMapOvr>
-  <p:timing>
-    <p:tnLst>
-      <p:par>
-        <p:cTn id="1" dur="indefinite" restart="never" nodeType="tmRoot"/>
-      </p:par>
-    </p:tnLst>
-  </p:timing>
 </p:sld>
 </file>
 
@@ -10752,14 +10677,14 @@
           </a:ln>
           <a:extLst>
             <a:ext uri="{909E8E84-426E-40dd-AFC4-6F175D3DCCD1}">
-              <a14:hiddenFill xmlns="" xmlns:a14="http://schemas.microsoft.com/office/drawing/2010/main">
+              <a14:hiddenFill xmlns:a14="http://schemas.microsoft.com/office/drawing/2010/main" xmlns="">
                 <a:solidFill>
                   <a:schemeClr val="accent1"/>
                 </a:solidFill>
               </a14:hiddenFill>
             </a:ext>
             <a:ext uri="{91240B29-F687-4f45-9708-019B960494DF}">
-              <a14:hiddenLine xmlns="" xmlns:a14="http://schemas.microsoft.com/office/drawing/2010/main" w="9525">
+              <a14:hiddenLine xmlns:a14="http://schemas.microsoft.com/office/drawing/2010/main" xmlns="" w="9525">
                 <a:solidFill>
                   <a:schemeClr val="tx1"/>
                 </a:solidFill>
@@ -10805,14 +10730,14 @@
           </a:ln>
           <a:extLst>
             <a:ext uri="{909E8E84-426E-40dd-AFC4-6F175D3DCCD1}">
-              <a14:hiddenFill xmlns="" xmlns:a14="http://schemas.microsoft.com/office/drawing/2010/main">
+              <a14:hiddenFill xmlns:a14="http://schemas.microsoft.com/office/drawing/2010/main" xmlns="">
                 <a:solidFill>
                   <a:schemeClr val="accent1"/>
                 </a:solidFill>
               </a14:hiddenFill>
             </a:ext>
             <a:ext uri="{91240B29-F687-4f45-9708-019B960494DF}">
-              <a14:hiddenLine xmlns="" xmlns:a14="http://schemas.microsoft.com/office/drawing/2010/main" w="9525">
+              <a14:hiddenLine xmlns:a14="http://schemas.microsoft.com/office/drawing/2010/main" xmlns="" w="9525">
                 <a:solidFill>
                   <a:schemeClr val="tx1"/>
                 </a:solidFill>
@@ -10858,14 +10783,14 @@
           </a:ln>
           <a:extLst>
             <a:ext uri="{909E8E84-426E-40dd-AFC4-6F175D3DCCD1}">
-              <a14:hiddenFill xmlns="" xmlns:a14="http://schemas.microsoft.com/office/drawing/2010/main">
+              <a14:hiddenFill xmlns:a14="http://schemas.microsoft.com/office/drawing/2010/main" xmlns="">
                 <a:solidFill>
                   <a:schemeClr val="accent1"/>
                 </a:solidFill>
               </a14:hiddenFill>
             </a:ext>
             <a:ext uri="{91240B29-F687-4f45-9708-019B960494DF}">
-              <a14:hiddenLine xmlns="" xmlns:a14="http://schemas.microsoft.com/office/drawing/2010/main" w="9525">
+              <a14:hiddenLine xmlns:a14="http://schemas.microsoft.com/office/drawing/2010/main" xmlns="" w="9525">
                 <a:solidFill>
                   <a:schemeClr val="tx1"/>
                 </a:solidFill>
@@ -10911,14 +10836,14 @@
           </a:ln>
           <a:extLst>
             <a:ext uri="{909E8E84-426E-40dd-AFC4-6F175D3DCCD1}">
-              <a14:hiddenFill xmlns="" xmlns:a14="http://schemas.microsoft.com/office/drawing/2010/main">
+              <a14:hiddenFill xmlns:a14="http://schemas.microsoft.com/office/drawing/2010/main" xmlns="">
                 <a:solidFill>
                   <a:schemeClr val="accent1"/>
                 </a:solidFill>
               </a14:hiddenFill>
             </a:ext>
             <a:ext uri="{91240B29-F687-4f45-9708-019B960494DF}">
-              <a14:hiddenLine xmlns="" xmlns:a14="http://schemas.microsoft.com/office/drawing/2010/main" w="9525">
+              <a14:hiddenLine xmlns:a14="http://schemas.microsoft.com/office/drawing/2010/main" xmlns="" w="9525">
                 <a:solidFill>
                   <a:schemeClr val="tx1"/>
                 </a:solidFill>
@@ -10964,14 +10889,14 @@
           </a:ln>
           <a:extLst>
             <a:ext uri="{909E8E84-426E-40dd-AFC4-6F175D3DCCD1}">
-              <a14:hiddenFill xmlns="" xmlns:a14="http://schemas.microsoft.com/office/drawing/2010/main">
+              <a14:hiddenFill xmlns:a14="http://schemas.microsoft.com/office/drawing/2010/main" xmlns="">
                 <a:solidFill>
                   <a:schemeClr val="accent1"/>
                 </a:solidFill>
               </a14:hiddenFill>
             </a:ext>
             <a:ext uri="{91240B29-F687-4f45-9708-019B960494DF}">
-              <a14:hiddenLine xmlns="" xmlns:a14="http://schemas.microsoft.com/office/drawing/2010/main" w="9525">
+              <a14:hiddenLine xmlns:a14="http://schemas.microsoft.com/office/drawing/2010/main" xmlns="" w="9525">
                 <a:solidFill>
                   <a:schemeClr val="tx1"/>
                 </a:solidFill>
@@ -11017,14 +10942,14 @@
           </a:ln>
           <a:extLst>
             <a:ext uri="{909E8E84-426E-40dd-AFC4-6F175D3DCCD1}">
-              <a14:hiddenFill xmlns="" xmlns:a14="http://schemas.microsoft.com/office/drawing/2010/main">
+              <a14:hiddenFill xmlns:a14="http://schemas.microsoft.com/office/drawing/2010/main" xmlns="">
                 <a:solidFill>
                   <a:schemeClr val="accent1"/>
                 </a:solidFill>
               </a14:hiddenFill>
             </a:ext>
             <a:ext uri="{91240B29-F687-4f45-9708-019B960494DF}">
-              <a14:hiddenLine xmlns="" xmlns:a14="http://schemas.microsoft.com/office/drawing/2010/main" w="9525">
+              <a14:hiddenLine xmlns:a14="http://schemas.microsoft.com/office/drawing/2010/main" xmlns="" w="9525">
                 <a:solidFill>
                   <a:schemeClr val="tx1"/>
                 </a:solidFill>
@@ -11070,14 +10995,14 @@
           </a:ln>
           <a:extLst>
             <a:ext uri="{909E8E84-426E-40dd-AFC4-6F175D3DCCD1}">
-              <a14:hiddenFill xmlns="" xmlns:a14="http://schemas.microsoft.com/office/drawing/2010/main">
+              <a14:hiddenFill xmlns:a14="http://schemas.microsoft.com/office/drawing/2010/main" xmlns="">
                 <a:solidFill>
                   <a:schemeClr val="accent1"/>
                 </a:solidFill>
               </a14:hiddenFill>
             </a:ext>
             <a:ext uri="{91240B29-F687-4f45-9708-019B960494DF}">
-              <a14:hiddenLine xmlns="" xmlns:a14="http://schemas.microsoft.com/office/drawing/2010/main" w="9525">
+              <a14:hiddenLine xmlns:a14="http://schemas.microsoft.com/office/drawing/2010/main" xmlns="" w="9525">
                 <a:solidFill>
                   <a:schemeClr val="tx1"/>
                 </a:solidFill>
@@ -11123,14 +11048,14 @@
           </a:ln>
           <a:extLst>
             <a:ext uri="{909E8E84-426E-40dd-AFC4-6F175D3DCCD1}">
-              <a14:hiddenFill xmlns="" xmlns:a14="http://schemas.microsoft.com/office/drawing/2010/main">
+              <a14:hiddenFill xmlns:a14="http://schemas.microsoft.com/office/drawing/2010/main" xmlns="">
                 <a:solidFill>
                   <a:schemeClr val="accent1"/>
                 </a:solidFill>
               </a14:hiddenFill>
             </a:ext>
             <a:ext uri="{91240B29-F687-4f45-9708-019B960494DF}">
-              <a14:hiddenLine xmlns="" xmlns:a14="http://schemas.microsoft.com/office/drawing/2010/main" w="9525">
+              <a14:hiddenLine xmlns:a14="http://schemas.microsoft.com/office/drawing/2010/main" xmlns="" w="9525">
                 <a:solidFill>
                   <a:schemeClr val="tx1"/>
                 </a:solidFill>
@@ -11176,14 +11101,14 @@
           </a:ln>
           <a:extLst>
             <a:ext uri="{909E8E84-426E-40dd-AFC4-6F175D3DCCD1}">
-              <a14:hiddenFill xmlns="" xmlns:a14="http://schemas.microsoft.com/office/drawing/2010/main">
+              <a14:hiddenFill xmlns:a14="http://schemas.microsoft.com/office/drawing/2010/main" xmlns="">
                 <a:solidFill>
                   <a:schemeClr val="accent1"/>
                 </a:solidFill>
               </a14:hiddenFill>
             </a:ext>
             <a:ext uri="{91240B29-F687-4f45-9708-019B960494DF}">
-              <a14:hiddenLine xmlns="" xmlns:a14="http://schemas.microsoft.com/office/drawing/2010/main" w="9525">
+              <a14:hiddenLine xmlns:a14="http://schemas.microsoft.com/office/drawing/2010/main" xmlns="" w="9525">
                 <a:solidFill>
                   <a:schemeClr val="tx1"/>
                 </a:solidFill>
@@ -11229,14 +11154,14 @@
           </a:ln>
           <a:extLst>
             <a:ext uri="{909E8E84-426E-40dd-AFC4-6F175D3DCCD1}">
-              <a14:hiddenFill xmlns="" xmlns:a14="http://schemas.microsoft.com/office/drawing/2010/main">
+              <a14:hiddenFill xmlns:a14="http://schemas.microsoft.com/office/drawing/2010/main" xmlns="">
                 <a:solidFill>
                   <a:schemeClr val="accent1"/>
                 </a:solidFill>
               </a14:hiddenFill>
             </a:ext>
             <a:ext uri="{91240B29-F687-4f45-9708-019B960494DF}">
-              <a14:hiddenLine xmlns="" xmlns:a14="http://schemas.microsoft.com/office/drawing/2010/main" w="9525">
+              <a14:hiddenLine xmlns:a14="http://schemas.microsoft.com/office/drawing/2010/main" xmlns="" w="9525">
                 <a:solidFill>
                   <a:schemeClr val="tx1"/>
                 </a:solidFill>
@@ -11282,14 +11207,14 @@
           </a:ln>
           <a:extLst>
             <a:ext uri="{909E8E84-426E-40dd-AFC4-6F175D3DCCD1}">
-              <a14:hiddenFill xmlns="" xmlns:a14="http://schemas.microsoft.com/office/drawing/2010/main">
+              <a14:hiddenFill xmlns:a14="http://schemas.microsoft.com/office/drawing/2010/main" xmlns="">
                 <a:solidFill>
                   <a:schemeClr val="accent1"/>
                 </a:solidFill>
               </a14:hiddenFill>
             </a:ext>
             <a:ext uri="{91240B29-F687-4f45-9708-019B960494DF}">
-              <a14:hiddenLine xmlns="" xmlns:a14="http://schemas.microsoft.com/office/drawing/2010/main" w="9525">
+              <a14:hiddenLine xmlns:a14="http://schemas.microsoft.com/office/drawing/2010/main" xmlns="" w="9525">
                 <a:solidFill>
                   <a:schemeClr val="tx1"/>
                 </a:solidFill>
@@ -11342,7 +11267,7 @@
           </a:ln>
           <a:extLst>
             <a:ext uri="{909E8E84-426E-40dd-AFC4-6F175D3DCCD1}">
-              <a14:hiddenFill xmlns="" xmlns:a14="http://schemas.microsoft.com/office/drawing/2010/main">
+              <a14:hiddenFill xmlns:a14="http://schemas.microsoft.com/office/drawing/2010/main" xmlns="">
                 <a:noFill/>
               </a14:hiddenFill>
             </a:ext>
@@ -11378,7 +11303,7 @@
           </a:ln>
           <a:extLst>
             <a:ext uri="{909E8E84-426E-40dd-AFC4-6F175D3DCCD1}">
-              <a14:hiddenFill xmlns="" xmlns:a14="http://schemas.microsoft.com/office/drawing/2010/main">
+              <a14:hiddenFill xmlns:a14="http://schemas.microsoft.com/office/drawing/2010/main" xmlns="">
                 <a:noFill/>
               </a14:hiddenFill>
             </a:ext>
@@ -11414,7 +11339,7 @@
           </a:ln>
           <a:extLst>
             <a:ext uri="{909E8E84-426E-40dd-AFC4-6F175D3DCCD1}">
-              <a14:hiddenFill xmlns="" xmlns:a14="http://schemas.microsoft.com/office/drawing/2010/main">
+              <a14:hiddenFill xmlns:a14="http://schemas.microsoft.com/office/drawing/2010/main" xmlns="">
                 <a:noFill/>
               </a14:hiddenFill>
             </a:ext>
@@ -11450,7 +11375,7 @@
           </a:ln>
           <a:extLst>
             <a:ext uri="{909E8E84-426E-40dd-AFC4-6F175D3DCCD1}">
-              <a14:hiddenFill xmlns="" xmlns:a14="http://schemas.microsoft.com/office/drawing/2010/main">
+              <a14:hiddenFill xmlns:a14="http://schemas.microsoft.com/office/drawing/2010/main" xmlns="">
                 <a:noFill/>
               </a14:hiddenFill>
             </a:ext>
@@ -11486,7 +11411,7 @@
           </a:ln>
           <a:extLst>
             <a:ext uri="{909E8E84-426E-40dd-AFC4-6F175D3DCCD1}">
-              <a14:hiddenFill xmlns="" xmlns:a14="http://schemas.microsoft.com/office/drawing/2010/main">
+              <a14:hiddenFill xmlns:a14="http://schemas.microsoft.com/office/drawing/2010/main" xmlns="">
                 <a:noFill/>
               </a14:hiddenFill>
             </a:ext>
@@ -11522,7 +11447,7 @@
           </a:ln>
           <a:extLst>
             <a:ext uri="{909E8E84-426E-40dd-AFC4-6F175D3DCCD1}">
-              <a14:hiddenFill xmlns="" xmlns:a14="http://schemas.microsoft.com/office/drawing/2010/main">
+              <a14:hiddenFill xmlns:a14="http://schemas.microsoft.com/office/drawing/2010/main" xmlns="">
                 <a:noFill/>
               </a14:hiddenFill>
             </a:ext>
@@ -11558,7 +11483,7 @@
           </a:ln>
           <a:extLst>
             <a:ext uri="{909E8E84-426E-40dd-AFC4-6F175D3DCCD1}">
-              <a14:hiddenFill xmlns="" xmlns:a14="http://schemas.microsoft.com/office/drawing/2010/main">
+              <a14:hiddenFill xmlns:a14="http://schemas.microsoft.com/office/drawing/2010/main" xmlns="">
                 <a:noFill/>
               </a14:hiddenFill>
             </a:ext>
@@ -11594,7 +11519,7 @@
           </a:ln>
           <a:extLst>
             <a:ext uri="{909E8E84-426E-40dd-AFC4-6F175D3DCCD1}">
-              <a14:hiddenFill xmlns="" xmlns:a14="http://schemas.microsoft.com/office/drawing/2010/main">
+              <a14:hiddenFill xmlns:a14="http://schemas.microsoft.com/office/drawing/2010/main" xmlns="">
                 <a:noFill/>
               </a14:hiddenFill>
             </a:ext>
@@ -11630,7 +11555,7 @@
           </a:ln>
           <a:extLst>
             <a:ext uri="{909E8E84-426E-40dd-AFC4-6F175D3DCCD1}">
-              <a14:hiddenFill xmlns="" xmlns:a14="http://schemas.microsoft.com/office/drawing/2010/main">
+              <a14:hiddenFill xmlns:a14="http://schemas.microsoft.com/office/drawing/2010/main" xmlns="">
                 <a:noFill/>
               </a14:hiddenFill>
             </a:ext>
@@ -11666,7 +11591,7 @@
           </a:ln>
           <a:extLst>
             <a:ext uri="{909E8E84-426E-40dd-AFC4-6F175D3DCCD1}">
-              <a14:hiddenFill xmlns="" xmlns:a14="http://schemas.microsoft.com/office/drawing/2010/main">
+              <a14:hiddenFill xmlns:a14="http://schemas.microsoft.com/office/drawing/2010/main" xmlns="">
                 <a:noFill/>
               </a14:hiddenFill>
             </a:ext>
@@ -11695,14 +11620,14 @@
           </a:ln>
           <a:extLst>
             <a:ext uri="{909E8E84-426E-40dd-AFC4-6F175D3DCCD1}">
-              <a14:hiddenFill xmlns="" xmlns:a14="http://schemas.microsoft.com/office/drawing/2010/main">
+              <a14:hiddenFill xmlns:a14="http://schemas.microsoft.com/office/drawing/2010/main" xmlns="">
                 <a:solidFill>
                   <a:schemeClr val="accent1"/>
                 </a:solidFill>
               </a14:hiddenFill>
             </a:ext>
             <a:ext uri="{91240B29-F687-4f45-9708-019B960494DF}">
-              <a14:hiddenLine xmlns="" xmlns:a14="http://schemas.microsoft.com/office/drawing/2010/main" w="9525">
+              <a14:hiddenLine xmlns:a14="http://schemas.microsoft.com/office/drawing/2010/main" xmlns="" w="9525">
                 <a:solidFill>
                   <a:schemeClr val="tx1"/>
                 </a:solidFill>
@@ -11752,14 +11677,14 @@
           </a:ln>
           <a:extLst>
             <a:ext uri="{909E8E84-426E-40dd-AFC4-6F175D3DCCD1}">
-              <a14:hiddenFill xmlns="" xmlns:a14="http://schemas.microsoft.com/office/drawing/2010/main">
+              <a14:hiddenFill xmlns:a14="http://schemas.microsoft.com/office/drawing/2010/main" xmlns="">
                 <a:solidFill>
                   <a:schemeClr val="accent1"/>
                 </a:solidFill>
               </a14:hiddenFill>
             </a:ext>
             <a:ext uri="{91240B29-F687-4f45-9708-019B960494DF}">
-              <a14:hiddenLine xmlns="" xmlns:a14="http://schemas.microsoft.com/office/drawing/2010/main" w="9525">
+              <a14:hiddenLine xmlns:a14="http://schemas.microsoft.com/office/drawing/2010/main" xmlns="" w="9525">
                 <a:solidFill>
                   <a:schemeClr val="tx1"/>
                 </a:solidFill>
@@ -11809,14 +11734,14 @@
           </a:ln>
           <a:extLst>
             <a:ext uri="{909E8E84-426E-40dd-AFC4-6F175D3DCCD1}">
-              <a14:hiddenFill xmlns="" xmlns:a14="http://schemas.microsoft.com/office/drawing/2010/main">
+              <a14:hiddenFill xmlns:a14="http://schemas.microsoft.com/office/drawing/2010/main" xmlns="">
                 <a:solidFill>
                   <a:schemeClr val="accent1"/>
                 </a:solidFill>
               </a14:hiddenFill>
             </a:ext>
             <a:ext uri="{91240B29-F687-4f45-9708-019B960494DF}">
-              <a14:hiddenLine xmlns="" xmlns:a14="http://schemas.microsoft.com/office/drawing/2010/main" w="9525">
+              <a14:hiddenLine xmlns:a14="http://schemas.microsoft.com/office/drawing/2010/main" xmlns="" w="9525">
                 <a:solidFill>
                   <a:schemeClr val="tx1"/>
                 </a:solidFill>
@@ -11866,14 +11791,14 @@
           </a:ln>
           <a:extLst>
             <a:ext uri="{909E8E84-426E-40dd-AFC4-6F175D3DCCD1}">
-              <a14:hiddenFill xmlns="" xmlns:a14="http://schemas.microsoft.com/office/drawing/2010/main">
+              <a14:hiddenFill xmlns:a14="http://schemas.microsoft.com/office/drawing/2010/main" xmlns="">
                 <a:solidFill>
                   <a:schemeClr val="accent1"/>
                 </a:solidFill>
               </a14:hiddenFill>
             </a:ext>
             <a:ext uri="{91240B29-F687-4f45-9708-019B960494DF}">
-              <a14:hiddenLine xmlns="" xmlns:a14="http://schemas.microsoft.com/office/drawing/2010/main" w="9525">
+              <a14:hiddenLine xmlns:a14="http://schemas.microsoft.com/office/drawing/2010/main" xmlns="" w="9525">
                 <a:solidFill>
                   <a:schemeClr val="tx1"/>
                 </a:solidFill>
@@ -11923,14 +11848,14 @@
           </a:ln>
           <a:extLst>
             <a:ext uri="{909E8E84-426E-40dd-AFC4-6F175D3DCCD1}">
-              <a14:hiddenFill xmlns="" xmlns:a14="http://schemas.microsoft.com/office/drawing/2010/main">
+              <a14:hiddenFill xmlns:a14="http://schemas.microsoft.com/office/drawing/2010/main" xmlns="">
                 <a:solidFill>
                   <a:schemeClr val="accent1"/>
                 </a:solidFill>
               </a14:hiddenFill>
             </a:ext>
             <a:ext uri="{91240B29-F687-4f45-9708-019B960494DF}">
-              <a14:hiddenLine xmlns="" xmlns:a14="http://schemas.microsoft.com/office/drawing/2010/main" w="9525">
+              <a14:hiddenLine xmlns:a14="http://schemas.microsoft.com/office/drawing/2010/main" xmlns="" w="9525">
                 <a:solidFill>
                   <a:schemeClr val="tx1"/>
                 </a:solidFill>
@@ -11984,7 +11909,7 @@
           </a:ln>
           <a:extLst>
             <a:ext uri="{909E8E84-426E-40dd-AFC4-6F175D3DCCD1}">
-              <a14:hiddenFill xmlns="" xmlns:a14="http://schemas.microsoft.com/office/drawing/2010/main">
+              <a14:hiddenFill xmlns:a14="http://schemas.microsoft.com/office/drawing/2010/main" xmlns="">
                 <a:solidFill>
                   <a:schemeClr val="accent1"/>
                 </a:solidFill>
@@ -12028,13 +11953,6 @@
   <p:clrMapOvr>
     <a:masterClrMapping/>
   </p:clrMapOvr>
-  <p:timing>
-    <p:tnLst>
-      <p:par>
-        <p:cTn id="1" dur="indefinite" restart="never" nodeType="tmRoot"/>
-      </p:par>
-    </p:tnLst>
-  </p:timing>
 </p:sld>
 </file>
 
@@ -12126,14 +12044,14 @@
           </a:ln>
           <a:extLst>
             <a:ext uri="{909E8E84-426E-40dd-AFC4-6F175D3DCCD1}">
-              <a14:hiddenFill xmlns="" xmlns:a14="http://schemas.microsoft.com/office/drawing/2010/main">
+              <a14:hiddenFill xmlns:a14="http://schemas.microsoft.com/office/drawing/2010/main" xmlns="">
                 <a:solidFill>
                   <a:schemeClr val="accent1"/>
                 </a:solidFill>
               </a14:hiddenFill>
             </a:ext>
             <a:ext uri="{91240B29-F687-4f45-9708-019B960494DF}">
-              <a14:hiddenLine xmlns="" xmlns:a14="http://schemas.microsoft.com/office/drawing/2010/main" w="9525">
+              <a14:hiddenLine xmlns:a14="http://schemas.microsoft.com/office/drawing/2010/main" xmlns="" w="9525">
                 <a:solidFill>
                   <a:schemeClr val="tx1"/>
                 </a:solidFill>
@@ -12179,14 +12097,14 @@
           </a:ln>
           <a:extLst>
             <a:ext uri="{909E8E84-426E-40dd-AFC4-6F175D3DCCD1}">
-              <a14:hiddenFill xmlns="" xmlns:a14="http://schemas.microsoft.com/office/drawing/2010/main">
+              <a14:hiddenFill xmlns:a14="http://schemas.microsoft.com/office/drawing/2010/main" xmlns="">
                 <a:solidFill>
                   <a:schemeClr val="accent1"/>
                 </a:solidFill>
               </a14:hiddenFill>
             </a:ext>
             <a:ext uri="{91240B29-F687-4f45-9708-019B960494DF}">
-              <a14:hiddenLine xmlns="" xmlns:a14="http://schemas.microsoft.com/office/drawing/2010/main" w="9525">
+              <a14:hiddenLine xmlns:a14="http://schemas.microsoft.com/office/drawing/2010/main" xmlns="" w="9525">
                 <a:solidFill>
                   <a:schemeClr val="tx1"/>
                 </a:solidFill>
@@ -12232,14 +12150,14 @@
           </a:ln>
           <a:extLst>
             <a:ext uri="{909E8E84-426E-40dd-AFC4-6F175D3DCCD1}">
-              <a14:hiddenFill xmlns="" xmlns:a14="http://schemas.microsoft.com/office/drawing/2010/main">
+              <a14:hiddenFill xmlns:a14="http://schemas.microsoft.com/office/drawing/2010/main" xmlns="">
                 <a:solidFill>
                   <a:schemeClr val="accent1"/>
                 </a:solidFill>
               </a14:hiddenFill>
             </a:ext>
             <a:ext uri="{91240B29-F687-4f45-9708-019B960494DF}">
-              <a14:hiddenLine xmlns="" xmlns:a14="http://schemas.microsoft.com/office/drawing/2010/main" w="9525">
+              <a14:hiddenLine xmlns:a14="http://schemas.microsoft.com/office/drawing/2010/main" xmlns="" w="9525">
                 <a:solidFill>
                   <a:schemeClr val="tx1"/>
                 </a:solidFill>
@@ -12285,14 +12203,14 @@
           </a:ln>
           <a:extLst>
             <a:ext uri="{909E8E84-426E-40dd-AFC4-6F175D3DCCD1}">
-              <a14:hiddenFill xmlns="" xmlns:a14="http://schemas.microsoft.com/office/drawing/2010/main">
+              <a14:hiddenFill xmlns:a14="http://schemas.microsoft.com/office/drawing/2010/main" xmlns="">
                 <a:solidFill>
                   <a:schemeClr val="accent1"/>
                 </a:solidFill>
               </a14:hiddenFill>
             </a:ext>
             <a:ext uri="{91240B29-F687-4f45-9708-019B960494DF}">
-              <a14:hiddenLine xmlns="" xmlns:a14="http://schemas.microsoft.com/office/drawing/2010/main" w="9525">
+              <a14:hiddenLine xmlns:a14="http://schemas.microsoft.com/office/drawing/2010/main" xmlns="" w="9525">
                 <a:solidFill>
                   <a:schemeClr val="tx1"/>
                 </a:solidFill>
@@ -12338,14 +12256,14 @@
           </a:ln>
           <a:extLst>
             <a:ext uri="{909E8E84-426E-40dd-AFC4-6F175D3DCCD1}">
-              <a14:hiddenFill xmlns="" xmlns:a14="http://schemas.microsoft.com/office/drawing/2010/main">
+              <a14:hiddenFill xmlns:a14="http://schemas.microsoft.com/office/drawing/2010/main" xmlns="">
                 <a:solidFill>
                   <a:schemeClr val="accent1"/>
                 </a:solidFill>
               </a14:hiddenFill>
             </a:ext>
             <a:ext uri="{91240B29-F687-4f45-9708-019B960494DF}">
-              <a14:hiddenLine xmlns="" xmlns:a14="http://schemas.microsoft.com/office/drawing/2010/main" w="9525">
+              <a14:hiddenLine xmlns:a14="http://schemas.microsoft.com/office/drawing/2010/main" xmlns="" w="9525">
                 <a:solidFill>
                   <a:schemeClr val="tx1"/>
                 </a:solidFill>
@@ -12391,14 +12309,14 @@
           </a:ln>
           <a:extLst>
             <a:ext uri="{909E8E84-426E-40dd-AFC4-6F175D3DCCD1}">
-              <a14:hiddenFill xmlns="" xmlns:a14="http://schemas.microsoft.com/office/drawing/2010/main">
+              <a14:hiddenFill xmlns:a14="http://schemas.microsoft.com/office/drawing/2010/main" xmlns="">
                 <a:solidFill>
                   <a:schemeClr val="accent1"/>
                 </a:solidFill>
               </a14:hiddenFill>
             </a:ext>
             <a:ext uri="{91240B29-F687-4f45-9708-019B960494DF}">
-              <a14:hiddenLine xmlns="" xmlns:a14="http://schemas.microsoft.com/office/drawing/2010/main" w="9525">
+              <a14:hiddenLine xmlns:a14="http://schemas.microsoft.com/office/drawing/2010/main" xmlns="" w="9525">
                 <a:solidFill>
                   <a:schemeClr val="tx1"/>
                 </a:solidFill>
@@ -12444,14 +12362,14 @@
           </a:ln>
           <a:extLst>
             <a:ext uri="{909E8E84-426E-40dd-AFC4-6F175D3DCCD1}">
-              <a14:hiddenFill xmlns="" xmlns:a14="http://schemas.microsoft.com/office/drawing/2010/main">
+              <a14:hiddenFill xmlns:a14="http://schemas.microsoft.com/office/drawing/2010/main" xmlns="">
                 <a:solidFill>
                   <a:schemeClr val="accent1"/>
                 </a:solidFill>
               </a14:hiddenFill>
             </a:ext>
             <a:ext uri="{91240B29-F687-4f45-9708-019B960494DF}">
-              <a14:hiddenLine xmlns="" xmlns:a14="http://schemas.microsoft.com/office/drawing/2010/main" w="9525">
+              <a14:hiddenLine xmlns:a14="http://schemas.microsoft.com/office/drawing/2010/main" xmlns="" w="9525">
                 <a:solidFill>
                   <a:schemeClr val="tx1"/>
                 </a:solidFill>
@@ -12497,14 +12415,14 @@
           </a:ln>
           <a:extLst>
             <a:ext uri="{909E8E84-426E-40dd-AFC4-6F175D3DCCD1}">
-              <a14:hiddenFill xmlns="" xmlns:a14="http://schemas.microsoft.com/office/drawing/2010/main">
+              <a14:hiddenFill xmlns:a14="http://schemas.microsoft.com/office/drawing/2010/main" xmlns="">
                 <a:solidFill>
                   <a:schemeClr val="accent1"/>
                 </a:solidFill>
               </a14:hiddenFill>
             </a:ext>
             <a:ext uri="{91240B29-F687-4f45-9708-019B960494DF}">
-              <a14:hiddenLine xmlns="" xmlns:a14="http://schemas.microsoft.com/office/drawing/2010/main" w="9525">
+              <a14:hiddenLine xmlns:a14="http://schemas.microsoft.com/office/drawing/2010/main" xmlns="" w="9525">
                 <a:solidFill>
                   <a:schemeClr val="tx1"/>
                 </a:solidFill>
@@ -12550,14 +12468,14 @@
           </a:ln>
           <a:extLst>
             <a:ext uri="{909E8E84-426E-40dd-AFC4-6F175D3DCCD1}">
-              <a14:hiddenFill xmlns="" xmlns:a14="http://schemas.microsoft.com/office/drawing/2010/main">
+              <a14:hiddenFill xmlns:a14="http://schemas.microsoft.com/office/drawing/2010/main" xmlns="">
                 <a:solidFill>
                   <a:schemeClr val="accent1"/>
                 </a:solidFill>
               </a14:hiddenFill>
             </a:ext>
             <a:ext uri="{91240B29-F687-4f45-9708-019B960494DF}">
-              <a14:hiddenLine xmlns="" xmlns:a14="http://schemas.microsoft.com/office/drawing/2010/main" w="9525">
+              <a14:hiddenLine xmlns:a14="http://schemas.microsoft.com/office/drawing/2010/main" xmlns="" w="9525">
                 <a:solidFill>
                   <a:schemeClr val="tx1"/>
                 </a:solidFill>
@@ -12603,14 +12521,14 @@
           </a:ln>
           <a:extLst>
             <a:ext uri="{909E8E84-426E-40dd-AFC4-6F175D3DCCD1}">
-              <a14:hiddenFill xmlns="" xmlns:a14="http://schemas.microsoft.com/office/drawing/2010/main">
+              <a14:hiddenFill xmlns:a14="http://schemas.microsoft.com/office/drawing/2010/main" xmlns="">
                 <a:solidFill>
                   <a:schemeClr val="accent1"/>
                 </a:solidFill>
               </a14:hiddenFill>
             </a:ext>
             <a:ext uri="{91240B29-F687-4f45-9708-019B960494DF}">
-              <a14:hiddenLine xmlns="" xmlns:a14="http://schemas.microsoft.com/office/drawing/2010/main" w="9525">
+              <a14:hiddenLine xmlns:a14="http://schemas.microsoft.com/office/drawing/2010/main" xmlns="" w="9525">
                 <a:solidFill>
                   <a:schemeClr val="tx1"/>
                 </a:solidFill>
@@ -12656,14 +12574,14 @@
           </a:ln>
           <a:extLst>
             <a:ext uri="{909E8E84-426E-40dd-AFC4-6F175D3DCCD1}">
-              <a14:hiddenFill xmlns="" xmlns:a14="http://schemas.microsoft.com/office/drawing/2010/main">
+              <a14:hiddenFill xmlns:a14="http://schemas.microsoft.com/office/drawing/2010/main" xmlns="">
                 <a:solidFill>
                   <a:schemeClr val="accent1"/>
                 </a:solidFill>
               </a14:hiddenFill>
             </a:ext>
             <a:ext uri="{91240B29-F687-4f45-9708-019B960494DF}">
-              <a14:hiddenLine xmlns="" xmlns:a14="http://schemas.microsoft.com/office/drawing/2010/main" w="9525">
+              <a14:hiddenLine xmlns:a14="http://schemas.microsoft.com/office/drawing/2010/main" xmlns="" w="9525">
                 <a:solidFill>
                   <a:schemeClr val="tx1"/>
                 </a:solidFill>
@@ -12716,7 +12634,7 @@
           </a:ln>
           <a:extLst>
             <a:ext uri="{909E8E84-426E-40dd-AFC4-6F175D3DCCD1}">
-              <a14:hiddenFill xmlns="" xmlns:a14="http://schemas.microsoft.com/office/drawing/2010/main">
+              <a14:hiddenFill xmlns:a14="http://schemas.microsoft.com/office/drawing/2010/main" xmlns="">
                 <a:noFill/>
               </a14:hiddenFill>
             </a:ext>
@@ -12752,7 +12670,7 @@
           </a:ln>
           <a:extLst>
             <a:ext uri="{909E8E84-426E-40dd-AFC4-6F175D3DCCD1}">
-              <a14:hiddenFill xmlns="" xmlns:a14="http://schemas.microsoft.com/office/drawing/2010/main">
+              <a14:hiddenFill xmlns:a14="http://schemas.microsoft.com/office/drawing/2010/main" xmlns="">
                 <a:noFill/>
               </a14:hiddenFill>
             </a:ext>
@@ -12788,7 +12706,7 @@
           </a:ln>
           <a:extLst>
             <a:ext uri="{909E8E84-426E-40dd-AFC4-6F175D3DCCD1}">
-              <a14:hiddenFill xmlns="" xmlns:a14="http://schemas.microsoft.com/office/drawing/2010/main">
+              <a14:hiddenFill xmlns:a14="http://schemas.microsoft.com/office/drawing/2010/main" xmlns="">
                 <a:noFill/>
               </a14:hiddenFill>
             </a:ext>
@@ -12824,7 +12742,7 @@
           </a:ln>
           <a:extLst>
             <a:ext uri="{909E8E84-426E-40dd-AFC4-6F175D3DCCD1}">
-              <a14:hiddenFill xmlns="" xmlns:a14="http://schemas.microsoft.com/office/drawing/2010/main">
+              <a14:hiddenFill xmlns:a14="http://schemas.microsoft.com/office/drawing/2010/main" xmlns="">
                 <a:noFill/>
               </a14:hiddenFill>
             </a:ext>
@@ -12860,7 +12778,7 @@
           </a:ln>
           <a:extLst>
             <a:ext uri="{909E8E84-426E-40dd-AFC4-6F175D3DCCD1}">
-              <a14:hiddenFill xmlns="" xmlns:a14="http://schemas.microsoft.com/office/drawing/2010/main">
+              <a14:hiddenFill xmlns:a14="http://schemas.microsoft.com/office/drawing/2010/main" xmlns="">
                 <a:noFill/>
               </a14:hiddenFill>
             </a:ext>
@@ -12896,7 +12814,7 @@
           </a:ln>
           <a:extLst>
             <a:ext uri="{909E8E84-426E-40dd-AFC4-6F175D3DCCD1}">
-              <a14:hiddenFill xmlns="" xmlns:a14="http://schemas.microsoft.com/office/drawing/2010/main">
+              <a14:hiddenFill xmlns:a14="http://schemas.microsoft.com/office/drawing/2010/main" xmlns="">
                 <a:noFill/>
               </a14:hiddenFill>
             </a:ext>
@@ -12932,7 +12850,7 @@
           </a:ln>
           <a:extLst>
             <a:ext uri="{909E8E84-426E-40dd-AFC4-6F175D3DCCD1}">
-              <a14:hiddenFill xmlns="" xmlns:a14="http://schemas.microsoft.com/office/drawing/2010/main">
+              <a14:hiddenFill xmlns:a14="http://schemas.microsoft.com/office/drawing/2010/main" xmlns="">
                 <a:noFill/>
               </a14:hiddenFill>
             </a:ext>
@@ -12968,7 +12886,7 @@
           </a:ln>
           <a:extLst>
             <a:ext uri="{909E8E84-426E-40dd-AFC4-6F175D3DCCD1}">
-              <a14:hiddenFill xmlns="" xmlns:a14="http://schemas.microsoft.com/office/drawing/2010/main">
+              <a14:hiddenFill xmlns:a14="http://schemas.microsoft.com/office/drawing/2010/main" xmlns="">
                 <a:noFill/>
               </a14:hiddenFill>
             </a:ext>
@@ -13004,7 +12922,7 @@
           </a:ln>
           <a:extLst>
             <a:ext uri="{909E8E84-426E-40dd-AFC4-6F175D3DCCD1}">
-              <a14:hiddenFill xmlns="" xmlns:a14="http://schemas.microsoft.com/office/drawing/2010/main">
+              <a14:hiddenFill xmlns:a14="http://schemas.microsoft.com/office/drawing/2010/main" xmlns="">
                 <a:noFill/>
               </a14:hiddenFill>
             </a:ext>
@@ -13040,7 +12958,7 @@
           </a:ln>
           <a:extLst>
             <a:ext uri="{909E8E84-426E-40dd-AFC4-6F175D3DCCD1}">
-              <a14:hiddenFill xmlns="" xmlns:a14="http://schemas.microsoft.com/office/drawing/2010/main">
+              <a14:hiddenFill xmlns:a14="http://schemas.microsoft.com/office/drawing/2010/main" xmlns="">
                 <a:noFill/>
               </a14:hiddenFill>
             </a:ext>
@@ -13069,14 +12987,14 @@
           </a:ln>
           <a:extLst>
             <a:ext uri="{909E8E84-426E-40dd-AFC4-6F175D3DCCD1}">
-              <a14:hiddenFill xmlns="" xmlns:a14="http://schemas.microsoft.com/office/drawing/2010/main">
+              <a14:hiddenFill xmlns:a14="http://schemas.microsoft.com/office/drawing/2010/main" xmlns="">
                 <a:solidFill>
                   <a:schemeClr val="accent1"/>
                 </a:solidFill>
               </a14:hiddenFill>
             </a:ext>
             <a:ext uri="{91240B29-F687-4f45-9708-019B960494DF}">
-              <a14:hiddenLine xmlns="" xmlns:a14="http://schemas.microsoft.com/office/drawing/2010/main" w="9525">
+              <a14:hiddenLine xmlns:a14="http://schemas.microsoft.com/office/drawing/2010/main" xmlns="" w="9525">
                 <a:solidFill>
                   <a:schemeClr val="tx1"/>
                 </a:solidFill>
@@ -13126,14 +13044,14 @@
           </a:ln>
           <a:extLst>
             <a:ext uri="{909E8E84-426E-40dd-AFC4-6F175D3DCCD1}">
-              <a14:hiddenFill xmlns="" xmlns:a14="http://schemas.microsoft.com/office/drawing/2010/main">
+              <a14:hiddenFill xmlns:a14="http://schemas.microsoft.com/office/drawing/2010/main" xmlns="">
                 <a:solidFill>
                   <a:schemeClr val="accent1"/>
                 </a:solidFill>
               </a14:hiddenFill>
             </a:ext>
             <a:ext uri="{91240B29-F687-4f45-9708-019B960494DF}">
-              <a14:hiddenLine xmlns="" xmlns:a14="http://schemas.microsoft.com/office/drawing/2010/main" w="9525">
+              <a14:hiddenLine xmlns:a14="http://schemas.microsoft.com/office/drawing/2010/main" xmlns="" w="9525">
                 <a:solidFill>
                   <a:schemeClr val="tx1"/>
                 </a:solidFill>
@@ -13183,14 +13101,14 @@
           </a:ln>
           <a:extLst>
             <a:ext uri="{909E8E84-426E-40dd-AFC4-6F175D3DCCD1}">
-              <a14:hiddenFill xmlns="" xmlns:a14="http://schemas.microsoft.com/office/drawing/2010/main">
+              <a14:hiddenFill xmlns:a14="http://schemas.microsoft.com/office/drawing/2010/main" xmlns="">
                 <a:solidFill>
                   <a:schemeClr val="accent1"/>
                 </a:solidFill>
               </a14:hiddenFill>
             </a:ext>
             <a:ext uri="{91240B29-F687-4f45-9708-019B960494DF}">
-              <a14:hiddenLine xmlns="" xmlns:a14="http://schemas.microsoft.com/office/drawing/2010/main" w="9525">
+              <a14:hiddenLine xmlns:a14="http://schemas.microsoft.com/office/drawing/2010/main" xmlns="" w="9525">
                 <a:solidFill>
                   <a:schemeClr val="tx1"/>
                 </a:solidFill>
@@ -13240,14 +13158,14 @@
           </a:ln>
           <a:extLst>
             <a:ext uri="{909E8E84-426E-40dd-AFC4-6F175D3DCCD1}">
-              <a14:hiddenFill xmlns="" xmlns:a14="http://schemas.microsoft.com/office/drawing/2010/main">
+              <a14:hiddenFill xmlns:a14="http://schemas.microsoft.com/office/drawing/2010/main" xmlns="">
                 <a:solidFill>
                   <a:schemeClr val="accent1"/>
                 </a:solidFill>
               </a14:hiddenFill>
             </a:ext>
             <a:ext uri="{91240B29-F687-4f45-9708-019B960494DF}">
-              <a14:hiddenLine xmlns="" xmlns:a14="http://schemas.microsoft.com/office/drawing/2010/main" w="9525">
+              <a14:hiddenLine xmlns:a14="http://schemas.microsoft.com/office/drawing/2010/main" xmlns="" w="9525">
                 <a:solidFill>
                   <a:schemeClr val="tx1"/>
                 </a:solidFill>
@@ -13297,14 +13215,14 @@
           </a:ln>
           <a:extLst>
             <a:ext uri="{909E8E84-426E-40dd-AFC4-6F175D3DCCD1}">
-              <a14:hiddenFill xmlns="" xmlns:a14="http://schemas.microsoft.com/office/drawing/2010/main">
+              <a14:hiddenFill xmlns:a14="http://schemas.microsoft.com/office/drawing/2010/main" xmlns="">
                 <a:solidFill>
                   <a:schemeClr val="accent1"/>
                 </a:solidFill>
               </a14:hiddenFill>
             </a:ext>
             <a:ext uri="{91240B29-F687-4f45-9708-019B960494DF}">
-              <a14:hiddenLine xmlns="" xmlns:a14="http://schemas.microsoft.com/office/drawing/2010/main" w="9525">
+              <a14:hiddenLine xmlns:a14="http://schemas.microsoft.com/office/drawing/2010/main" xmlns="" w="9525">
                 <a:solidFill>
                   <a:schemeClr val="tx1"/>
                 </a:solidFill>
@@ -13353,14 +13271,14 @@
           </a:ln>
           <a:extLst>
             <a:ext uri="{909E8E84-426E-40dd-AFC4-6F175D3DCCD1}">
-              <a14:hiddenFill xmlns="" xmlns:a14="http://schemas.microsoft.com/office/drawing/2010/main">
+              <a14:hiddenFill xmlns:a14="http://schemas.microsoft.com/office/drawing/2010/main" xmlns="">
                 <a:solidFill>
                   <a:schemeClr val="accent1"/>
                 </a:solidFill>
               </a14:hiddenFill>
             </a:ext>
             <a:ext uri="{91240B29-F687-4f45-9708-019B960494DF}">
-              <a14:hiddenLine xmlns="" xmlns:a14="http://schemas.microsoft.com/office/drawing/2010/main" w="9525">
+              <a14:hiddenLine xmlns:a14="http://schemas.microsoft.com/office/drawing/2010/main" xmlns="" w="9525">
                 <a:solidFill>
                   <a:schemeClr val="tx1"/>
                 </a:solidFill>
@@ -13415,7 +13333,7 @@
           </a:ln>
           <a:extLst>
             <a:ext uri="{909E8E84-426E-40dd-AFC4-6F175D3DCCD1}">
-              <a14:hiddenFill xmlns="" xmlns:a14="http://schemas.microsoft.com/office/drawing/2010/main">
+              <a14:hiddenFill xmlns:a14="http://schemas.microsoft.com/office/drawing/2010/main" xmlns="">
                 <a:solidFill>
                   <a:schemeClr val="accent1"/>
                 </a:solidFill>
@@ -13459,13 +13377,6 @@
   <p:clrMapOvr>
     <a:masterClrMapping/>
   </p:clrMapOvr>
-  <p:timing>
-    <p:tnLst>
-      <p:par>
-        <p:cTn id="1" dur="indefinite" restart="never" nodeType="tmRoot"/>
-      </p:par>
-    </p:tnLst>
-  </p:timing>
 </p:sld>
 </file>
 
@@ -13557,14 +13468,14 @@
           </a:ln>
           <a:extLst>
             <a:ext uri="{909E8E84-426E-40dd-AFC4-6F175D3DCCD1}">
-              <a14:hiddenFill xmlns="" xmlns:a14="http://schemas.microsoft.com/office/drawing/2010/main">
+              <a14:hiddenFill xmlns:a14="http://schemas.microsoft.com/office/drawing/2010/main" xmlns="">
                 <a:solidFill>
                   <a:schemeClr val="accent1"/>
                 </a:solidFill>
               </a14:hiddenFill>
             </a:ext>
             <a:ext uri="{91240B29-F687-4f45-9708-019B960494DF}">
-              <a14:hiddenLine xmlns="" xmlns:a14="http://schemas.microsoft.com/office/drawing/2010/main" w="9525">
+              <a14:hiddenLine xmlns:a14="http://schemas.microsoft.com/office/drawing/2010/main" xmlns="" w="9525">
                 <a:solidFill>
                   <a:schemeClr val="tx1"/>
                 </a:solidFill>
@@ -13610,14 +13521,14 @@
           </a:ln>
           <a:extLst>
             <a:ext uri="{909E8E84-426E-40dd-AFC4-6F175D3DCCD1}">
-              <a14:hiddenFill xmlns="" xmlns:a14="http://schemas.microsoft.com/office/drawing/2010/main">
+              <a14:hiddenFill xmlns:a14="http://schemas.microsoft.com/office/drawing/2010/main" xmlns="">
                 <a:solidFill>
                   <a:schemeClr val="accent1"/>
                 </a:solidFill>
               </a14:hiddenFill>
             </a:ext>
             <a:ext uri="{91240B29-F687-4f45-9708-019B960494DF}">
-              <a14:hiddenLine xmlns="" xmlns:a14="http://schemas.microsoft.com/office/drawing/2010/main" w="9525">
+              <a14:hiddenLine xmlns:a14="http://schemas.microsoft.com/office/drawing/2010/main" xmlns="" w="9525">
                 <a:solidFill>
                   <a:schemeClr val="tx1"/>
                 </a:solidFill>
@@ -13663,14 +13574,14 @@
           </a:ln>
           <a:extLst>
             <a:ext uri="{909E8E84-426E-40dd-AFC4-6F175D3DCCD1}">
-              <a14:hiddenFill xmlns="" xmlns:a14="http://schemas.microsoft.com/office/drawing/2010/main">
+              <a14:hiddenFill xmlns:a14="http://schemas.microsoft.com/office/drawing/2010/main" xmlns="">
                 <a:solidFill>
                   <a:schemeClr val="accent1"/>
                 </a:solidFill>
               </a14:hiddenFill>
             </a:ext>
             <a:ext uri="{91240B29-F687-4f45-9708-019B960494DF}">
-              <a14:hiddenLine xmlns="" xmlns:a14="http://schemas.microsoft.com/office/drawing/2010/main" w="9525">
+              <a14:hiddenLine xmlns:a14="http://schemas.microsoft.com/office/drawing/2010/main" xmlns="" w="9525">
                 <a:solidFill>
                   <a:schemeClr val="tx1"/>
                 </a:solidFill>
@@ -13716,14 +13627,14 @@
           </a:ln>
           <a:extLst>
             <a:ext uri="{909E8E84-426E-40dd-AFC4-6F175D3DCCD1}">
-              <a14:hiddenFill xmlns="" xmlns:a14="http://schemas.microsoft.com/office/drawing/2010/main">
+              <a14:hiddenFill xmlns:a14="http://schemas.microsoft.com/office/drawing/2010/main" xmlns="">
                 <a:solidFill>
                   <a:schemeClr val="accent1"/>
                 </a:solidFill>
               </a14:hiddenFill>
             </a:ext>
             <a:ext uri="{91240B29-F687-4f45-9708-019B960494DF}">
-              <a14:hiddenLine xmlns="" xmlns:a14="http://schemas.microsoft.com/office/drawing/2010/main" w="9525">
+              <a14:hiddenLine xmlns:a14="http://schemas.microsoft.com/office/drawing/2010/main" xmlns="" w="9525">
                 <a:solidFill>
                   <a:schemeClr val="tx1"/>
                 </a:solidFill>
@@ -13769,14 +13680,14 @@
           </a:ln>
           <a:extLst>
             <a:ext uri="{909E8E84-426E-40dd-AFC4-6F175D3DCCD1}">
-              <a14:hiddenFill xmlns="" xmlns:a14="http://schemas.microsoft.com/office/drawing/2010/main">
+              <a14:hiddenFill xmlns:a14="http://schemas.microsoft.com/office/drawing/2010/main" xmlns="">
                 <a:solidFill>
                   <a:schemeClr val="accent1"/>
                 </a:solidFill>
               </a14:hiddenFill>
             </a:ext>
             <a:ext uri="{91240B29-F687-4f45-9708-019B960494DF}">
-              <a14:hiddenLine xmlns="" xmlns:a14="http://schemas.microsoft.com/office/drawing/2010/main" w="9525">
+              <a14:hiddenLine xmlns:a14="http://schemas.microsoft.com/office/drawing/2010/main" xmlns="" w="9525">
                 <a:solidFill>
                   <a:schemeClr val="tx1"/>
                 </a:solidFill>
@@ -13822,14 +13733,14 @@
           </a:ln>
           <a:extLst>
             <a:ext uri="{909E8E84-426E-40dd-AFC4-6F175D3DCCD1}">
-              <a14:hiddenFill xmlns="" xmlns:a14="http://schemas.microsoft.com/office/drawing/2010/main">
+              <a14:hiddenFill xmlns:a14="http://schemas.microsoft.com/office/drawing/2010/main" xmlns="">
                 <a:solidFill>
                   <a:schemeClr val="accent1"/>
                 </a:solidFill>
               </a14:hiddenFill>
             </a:ext>
             <a:ext uri="{91240B29-F687-4f45-9708-019B960494DF}">
-              <a14:hiddenLine xmlns="" xmlns:a14="http://schemas.microsoft.com/office/drawing/2010/main" w="9525">
+              <a14:hiddenLine xmlns:a14="http://schemas.microsoft.com/office/drawing/2010/main" xmlns="" w="9525">
                 <a:solidFill>
                   <a:schemeClr val="tx1"/>
                 </a:solidFill>
@@ -13875,14 +13786,14 @@
           </a:ln>
           <a:extLst>
             <a:ext uri="{909E8E84-426E-40dd-AFC4-6F175D3DCCD1}">
-              <a14:hiddenFill xmlns="" xmlns:a14="http://schemas.microsoft.com/office/drawing/2010/main">
+              <a14:hiddenFill xmlns:a14="http://schemas.microsoft.com/office/drawing/2010/main" xmlns="">
                 <a:solidFill>
                   <a:schemeClr val="accent1"/>
                 </a:solidFill>
               </a14:hiddenFill>
             </a:ext>
             <a:ext uri="{91240B29-F687-4f45-9708-019B960494DF}">
-              <a14:hiddenLine xmlns="" xmlns:a14="http://schemas.microsoft.com/office/drawing/2010/main" w="9525">
+              <a14:hiddenLine xmlns:a14="http://schemas.microsoft.com/office/drawing/2010/main" xmlns="" w="9525">
                 <a:solidFill>
                   <a:schemeClr val="tx1"/>
                 </a:solidFill>
@@ -13928,14 +13839,14 @@
           </a:ln>
           <a:extLst>
             <a:ext uri="{909E8E84-426E-40dd-AFC4-6F175D3DCCD1}">
-              <a14:hiddenFill xmlns="" xmlns:a14="http://schemas.microsoft.com/office/drawing/2010/main">
+              <a14:hiddenFill xmlns:a14="http://schemas.microsoft.com/office/drawing/2010/main" xmlns="">
                 <a:solidFill>
                   <a:schemeClr val="accent1"/>
                 </a:solidFill>
               </a14:hiddenFill>
             </a:ext>
             <a:ext uri="{91240B29-F687-4f45-9708-019B960494DF}">
-              <a14:hiddenLine xmlns="" xmlns:a14="http://schemas.microsoft.com/office/drawing/2010/main" w="9525">
+              <a14:hiddenLine xmlns:a14="http://schemas.microsoft.com/office/drawing/2010/main" xmlns="" w="9525">
                 <a:solidFill>
                   <a:schemeClr val="tx1"/>
                 </a:solidFill>
@@ -13981,14 +13892,14 @@
           </a:ln>
           <a:extLst>
             <a:ext uri="{909E8E84-426E-40dd-AFC4-6F175D3DCCD1}">
-              <a14:hiddenFill xmlns="" xmlns:a14="http://schemas.microsoft.com/office/drawing/2010/main">
+              <a14:hiddenFill xmlns:a14="http://schemas.microsoft.com/office/drawing/2010/main" xmlns="">
                 <a:solidFill>
                   <a:schemeClr val="accent1"/>
                 </a:solidFill>
               </a14:hiddenFill>
             </a:ext>
             <a:ext uri="{91240B29-F687-4f45-9708-019B960494DF}">
-              <a14:hiddenLine xmlns="" xmlns:a14="http://schemas.microsoft.com/office/drawing/2010/main" w="9525">
+              <a14:hiddenLine xmlns:a14="http://schemas.microsoft.com/office/drawing/2010/main" xmlns="" w="9525">
                 <a:solidFill>
                   <a:schemeClr val="tx1"/>
                 </a:solidFill>
@@ -14034,14 +13945,14 @@
           </a:ln>
           <a:extLst>
             <a:ext uri="{909E8E84-426E-40dd-AFC4-6F175D3DCCD1}">
-              <a14:hiddenFill xmlns="" xmlns:a14="http://schemas.microsoft.com/office/drawing/2010/main">
+              <a14:hiddenFill xmlns:a14="http://schemas.microsoft.com/office/drawing/2010/main" xmlns="">
                 <a:solidFill>
                   <a:schemeClr val="accent1"/>
                 </a:solidFill>
               </a14:hiddenFill>
             </a:ext>
             <a:ext uri="{91240B29-F687-4f45-9708-019B960494DF}">
-              <a14:hiddenLine xmlns="" xmlns:a14="http://schemas.microsoft.com/office/drawing/2010/main" w="9525">
+              <a14:hiddenLine xmlns:a14="http://schemas.microsoft.com/office/drawing/2010/main" xmlns="" w="9525">
                 <a:solidFill>
                   <a:schemeClr val="tx1"/>
                 </a:solidFill>
@@ -14087,14 +13998,14 @@
           </a:ln>
           <a:extLst>
             <a:ext uri="{909E8E84-426E-40dd-AFC4-6F175D3DCCD1}">
-              <a14:hiddenFill xmlns="" xmlns:a14="http://schemas.microsoft.com/office/drawing/2010/main">
+              <a14:hiddenFill xmlns:a14="http://schemas.microsoft.com/office/drawing/2010/main" xmlns="">
                 <a:solidFill>
                   <a:schemeClr val="accent1"/>
                 </a:solidFill>
               </a14:hiddenFill>
             </a:ext>
             <a:ext uri="{91240B29-F687-4f45-9708-019B960494DF}">
-              <a14:hiddenLine xmlns="" xmlns:a14="http://schemas.microsoft.com/office/drawing/2010/main" w="9525">
+              <a14:hiddenLine xmlns:a14="http://schemas.microsoft.com/office/drawing/2010/main" xmlns="" w="9525">
                 <a:solidFill>
                   <a:schemeClr val="tx1"/>
                 </a:solidFill>
@@ -14147,7 +14058,7 @@
           </a:ln>
           <a:extLst>
             <a:ext uri="{909E8E84-426E-40dd-AFC4-6F175D3DCCD1}">
-              <a14:hiddenFill xmlns="" xmlns:a14="http://schemas.microsoft.com/office/drawing/2010/main">
+              <a14:hiddenFill xmlns:a14="http://schemas.microsoft.com/office/drawing/2010/main" xmlns="">
                 <a:noFill/>
               </a14:hiddenFill>
             </a:ext>
@@ -14183,7 +14094,7 @@
           </a:ln>
           <a:extLst>
             <a:ext uri="{909E8E84-426E-40dd-AFC4-6F175D3DCCD1}">
-              <a14:hiddenFill xmlns="" xmlns:a14="http://schemas.microsoft.com/office/drawing/2010/main">
+              <a14:hiddenFill xmlns:a14="http://schemas.microsoft.com/office/drawing/2010/main" xmlns="">
                 <a:noFill/>
               </a14:hiddenFill>
             </a:ext>
@@ -14219,7 +14130,7 @@
           </a:ln>
           <a:extLst>
             <a:ext uri="{909E8E84-426E-40dd-AFC4-6F175D3DCCD1}">
-              <a14:hiddenFill xmlns="" xmlns:a14="http://schemas.microsoft.com/office/drawing/2010/main">
+              <a14:hiddenFill xmlns:a14="http://schemas.microsoft.com/office/drawing/2010/main" xmlns="">
                 <a:noFill/>
               </a14:hiddenFill>
             </a:ext>
@@ -14255,7 +14166,7 @@
           </a:ln>
           <a:extLst>
             <a:ext uri="{909E8E84-426E-40dd-AFC4-6F175D3DCCD1}">
-              <a14:hiddenFill xmlns="" xmlns:a14="http://schemas.microsoft.com/office/drawing/2010/main">
+              <a14:hiddenFill xmlns:a14="http://schemas.microsoft.com/office/drawing/2010/main" xmlns="">
                 <a:noFill/>
               </a14:hiddenFill>
             </a:ext>
@@ -14291,7 +14202,7 @@
           </a:ln>
           <a:extLst>
             <a:ext uri="{909E8E84-426E-40dd-AFC4-6F175D3DCCD1}">
-              <a14:hiddenFill xmlns="" xmlns:a14="http://schemas.microsoft.com/office/drawing/2010/main">
+              <a14:hiddenFill xmlns:a14="http://schemas.microsoft.com/office/drawing/2010/main" xmlns="">
                 <a:noFill/>
               </a14:hiddenFill>
             </a:ext>
@@ -14327,7 +14238,7 @@
           </a:ln>
           <a:extLst>
             <a:ext uri="{909E8E84-426E-40dd-AFC4-6F175D3DCCD1}">
-              <a14:hiddenFill xmlns="" xmlns:a14="http://schemas.microsoft.com/office/drawing/2010/main">
+              <a14:hiddenFill xmlns:a14="http://schemas.microsoft.com/office/drawing/2010/main" xmlns="">
                 <a:noFill/>
               </a14:hiddenFill>
             </a:ext>
@@ -14363,7 +14274,7 @@
           </a:ln>
           <a:extLst>
             <a:ext uri="{909E8E84-426E-40dd-AFC4-6F175D3DCCD1}">
-              <a14:hiddenFill xmlns="" xmlns:a14="http://schemas.microsoft.com/office/drawing/2010/main">
+              <a14:hiddenFill xmlns:a14="http://schemas.microsoft.com/office/drawing/2010/main" xmlns="">
                 <a:noFill/>
               </a14:hiddenFill>
             </a:ext>
@@ -14399,7 +14310,7 @@
           </a:ln>
           <a:extLst>
             <a:ext uri="{909E8E84-426E-40dd-AFC4-6F175D3DCCD1}">
-              <a14:hiddenFill xmlns="" xmlns:a14="http://schemas.microsoft.com/office/drawing/2010/main">
+              <a14:hiddenFill xmlns:a14="http://schemas.microsoft.com/office/drawing/2010/main" xmlns="">
                 <a:noFill/>
               </a14:hiddenFill>
             </a:ext>
@@ -14435,7 +14346,7 @@
           </a:ln>
           <a:extLst>
             <a:ext uri="{909E8E84-426E-40dd-AFC4-6F175D3DCCD1}">
-              <a14:hiddenFill xmlns="" xmlns:a14="http://schemas.microsoft.com/office/drawing/2010/main">
+              <a14:hiddenFill xmlns:a14="http://schemas.microsoft.com/office/drawing/2010/main" xmlns="">
                 <a:noFill/>
               </a14:hiddenFill>
             </a:ext>
@@ -14471,7 +14382,7 @@
           </a:ln>
           <a:extLst>
             <a:ext uri="{909E8E84-426E-40dd-AFC4-6F175D3DCCD1}">
-              <a14:hiddenFill xmlns="" xmlns:a14="http://schemas.microsoft.com/office/drawing/2010/main">
+              <a14:hiddenFill xmlns:a14="http://schemas.microsoft.com/office/drawing/2010/main" xmlns="">
                 <a:noFill/>
               </a14:hiddenFill>
             </a:ext>
@@ -14500,14 +14411,14 @@
           </a:ln>
           <a:extLst>
             <a:ext uri="{909E8E84-426E-40dd-AFC4-6F175D3DCCD1}">
-              <a14:hiddenFill xmlns="" xmlns:a14="http://schemas.microsoft.com/office/drawing/2010/main">
+              <a14:hiddenFill xmlns:a14="http://schemas.microsoft.com/office/drawing/2010/main" xmlns="">
                 <a:solidFill>
                   <a:schemeClr val="accent1"/>
                 </a:solidFill>
               </a14:hiddenFill>
             </a:ext>
             <a:ext uri="{91240B29-F687-4f45-9708-019B960494DF}">
-              <a14:hiddenLine xmlns="" xmlns:a14="http://schemas.microsoft.com/office/drawing/2010/main" w="9525">
+              <a14:hiddenLine xmlns:a14="http://schemas.microsoft.com/office/drawing/2010/main" xmlns="" w="9525">
                 <a:solidFill>
                   <a:schemeClr val="tx1"/>
                 </a:solidFill>
@@ -14557,14 +14468,14 @@
           </a:ln>
           <a:extLst>
             <a:ext uri="{909E8E84-426E-40dd-AFC4-6F175D3DCCD1}">
-              <a14:hiddenFill xmlns="" xmlns:a14="http://schemas.microsoft.com/office/drawing/2010/main">
+              <a14:hiddenFill xmlns:a14="http://schemas.microsoft.com/office/drawing/2010/main" xmlns="">
                 <a:solidFill>
                   <a:schemeClr val="accent1"/>
                 </a:solidFill>
               </a14:hiddenFill>
             </a:ext>
             <a:ext uri="{91240B29-F687-4f45-9708-019B960494DF}">
-              <a14:hiddenLine xmlns="" xmlns:a14="http://schemas.microsoft.com/office/drawing/2010/main" w="9525">
+              <a14:hiddenLine xmlns:a14="http://schemas.microsoft.com/office/drawing/2010/main" xmlns="" w="9525">
                 <a:solidFill>
                   <a:schemeClr val="tx1"/>
                 </a:solidFill>
@@ -14614,14 +14525,14 @@
           </a:ln>
           <a:extLst>
             <a:ext uri="{909E8E84-426E-40dd-AFC4-6F175D3DCCD1}">
-              <a14:hiddenFill xmlns="" xmlns:a14="http://schemas.microsoft.com/office/drawing/2010/main">
+              <a14:hiddenFill xmlns:a14="http://schemas.microsoft.com/office/drawing/2010/main" xmlns="">
                 <a:solidFill>
                   <a:schemeClr val="accent1"/>
                 </a:solidFill>
               </a14:hiddenFill>
             </a:ext>
             <a:ext uri="{91240B29-F687-4f45-9708-019B960494DF}">
-              <a14:hiddenLine xmlns="" xmlns:a14="http://schemas.microsoft.com/office/drawing/2010/main" w="9525">
+              <a14:hiddenLine xmlns:a14="http://schemas.microsoft.com/office/drawing/2010/main" xmlns="" w="9525">
                 <a:solidFill>
                   <a:schemeClr val="tx1"/>
                 </a:solidFill>
@@ -14671,14 +14582,14 @@
           </a:ln>
           <a:extLst>
             <a:ext uri="{909E8E84-426E-40dd-AFC4-6F175D3DCCD1}">
-              <a14:hiddenFill xmlns="" xmlns:a14="http://schemas.microsoft.com/office/drawing/2010/main">
+              <a14:hiddenFill xmlns:a14="http://schemas.microsoft.com/office/drawing/2010/main" xmlns="">
                 <a:solidFill>
                   <a:schemeClr val="accent1"/>
                 </a:solidFill>
               </a14:hiddenFill>
             </a:ext>
             <a:ext uri="{91240B29-F687-4f45-9708-019B960494DF}">
-              <a14:hiddenLine xmlns="" xmlns:a14="http://schemas.microsoft.com/office/drawing/2010/main" w="9525">
+              <a14:hiddenLine xmlns:a14="http://schemas.microsoft.com/office/drawing/2010/main" xmlns="" w="9525">
                 <a:solidFill>
                   <a:schemeClr val="tx1"/>
                 </a:solidFill>
@@ -14728,14 +14639,14 @@
           </a:ln>
           <a:extLst>
             <a:ext uri="{909E8E84-426E-40dd-AFC4-6F175D3DCCD1}">
-              <a14:hiddenFill xmlns="" xmlns:a14="http://schemas.microsoft.com/office/drawing/2010/main">
+              <a14:hiddenFill xmlns:a14="http://schemas.microsoft.com/office/drawing/2010/main" xmlns="">
                 <a:solidFill>
                   <a:schemeClr val="accent1"/>
                 </a:solidFill>
               </a14:hiddenFill>
             </a:ext>
             <a:ext uri="{91240B29-F687-4f45-9708-019B960494DF}">
-              <a14:hiddenLine xmlns="" xmlns:a14="http://schemas.microsoft.com/office/drawing/2010/main" w="9525">
+              <a14:hiddenLine xmlns:a14="http://schemas.microsoft.com/office/drawing/2010/main" xmlns="" w="9525">
                 <a:solidFill>
                   <a:schemeClr val="tx1"/>
                 </a:solidFill>
@@ -14784,14 +14695,14 @@
           </a:ln>
           <a:extLst>
             <a:ext uri="{909E8E84-426E-40dd-AFC4-6F175D3DCCD1}">
-              <a14:hiddenFill xmlns="" xmlns:a14="http://schemas.microsoft.com/office/drawing/2010/main">
+              <a14:hiddenFill xmlns:a14="http://schemas.microsoft.com/office/drawing/2010/main" xmlns="">
                 <a:solidFill>
                   <a:schemeClr val="accent1"/>
                 </a:solidFill>
               </a14:hiddenFill>
             </a:ext>
             <a:ext uri="{91240B29-F687-4f45-9708-019B960494DF}">
-              <a14:hiddenLine xmlns="" xmlns:a14="http://schemas.microsoft.com/office/drawing/2010/main" w="9525">
+              <a14:hiddenLine xmlns:a14="http://schemas.microsoft.com/office/drawing/2010/main" xmlns="" w="9525">
                 <a:solidFill>
                   <a:schemeClr val="tx1"/>
                 </a:solidFill>
@@ -14841,14 +14752,14 @@
           </a:ln>
           <a:extLst>
             <a:ext uri="{909E8E84-426E-40dd-AFC4-6F175D3DCCD1}">
-              <a14:hiddenFill xmlns="" xmlns:a14="http://schemas.microsoft.com/office/drawing/2010/main">
+              <a14:hiddenFill xmlns:a14="http://schemas.microsoft.com/office/drawing/2010/main" xmlns="">
                 <a:solidFill>
                   <a:schemeClr val="accent1"/>
                 </a:solidFill>
               </a14:hiddenFill>
             </a:ext>
             <a:ext uri="{91240B29-F687-4f45-9708-019B960494DF}">
-              <a14:hiddenLine xmlns="" xmlns:a14="http://schemas.microsoft.com/office/drawing/2010/main" w="9525">
+              <a14:hiddenLine xmlns:a14="http://schemas.microsoft.com/office/drawing/2010/main" xmlns="" w="9525">
                 <a:solidFill>
                   <a:schemeClr val="tx1"/>
                 </a:solidFill>
@@ -14898,14 +14809,14 @@
           </a:ln>
           <a:extLst>
             <a:ext uri="{909E8E84-426E-40dd-AFC4-6F175D3DCCD1}">
-              <a14:hiddenFill xmlns="" xmlns:a14="http://schemas.microsoft.com/office/drawing/2010/main">
+              <a14:hiddenFill xmlns:a14="http://schemas.microsoft.com/office/drawing/2010/main" xmlns="">
                 <a:solidFill>
                   <a:schemeClr val="accent1"/>
                 </a:solidFill>
               </a14:hiddenFill>
             </a:ext>
             <a:ext uri="{91240B29-F687-4f45-9708-019B960494DF}">
-              <a14:hiddenLine xmlns="" xmlns:a14="http://schemas.microsoft.com/office/drawing/2010/main" w="9525">
+              <a14:hiddenLine xmlns:a14="http://schemas.microsoft.com/office/drawing/2010/main" xmlns="" w="9525">
                 <a:solidFill>
                   <a:schemeClr val="tx1"/>
                 </a:solidFill>
@@ -14959,7 +14870,7 @@
           </a:ln>
           <a:extLst>
             <a:ext uri="{909E8E84-426E-40dd-AFC4-6F175D3DCCD1}">
-              <a14:hiddenFill xmlns="" xmlns:a14="http://schemas.microsoft.com/office/drawing/2010/main">
+              <a14:hiddenFill xmlns:a14="http://schemas.microsoft.com/office/drawing/2010/main" xmlns="">
                 <a:solidFill>
                   <a:schemeClr val="accent1"/>
                 </a:solidFill>
@@ -15003,13 +14914,6 @@
   <p:clrMapOvr>
     <a:masterClrMapping/>
   </p:clrMapOvr>
-  <p:timing>
-    <p:tnLst>
-      <p:par>
-        <p:cTn id="1" dur="indefinite" restart="never" nodeType="tmRoot"/>
-      </p:par>
-    </p:tnLst>
-  </p:timing>
 </p:sld>
 </file>
 
@@ -15106,14 +15010,14 @@
           </a:ln>
           <a:extLst>
             <a:ext uri="{909E8E84-426E-40dd-AFC4-6F175D3DCCD1}">
-              <a14:hiddenFill xmlns="" xmlns:a14="http://schemas.microsoft.com/office/drawing/2010/main">
+              <a14:hiddenFill xmlns:a14="http://schemas.microsoft.com/office/drawing/2010/main" xmlns="">
                 <a:solidFill>
                   <a:schemeClr val="accent1"/>
                 </a:solidFill>
               </a14:hiddenFill>
             </a:ext>
             <a:ext uri="{91240B29-F687-4f45-9708-019B960494DF}">
-              <a14:hiddenLine xmlns="" xmlns:a14="http://schemas.microsoft.com/office/drawing/2010/main" w="9525">
+              <a14:hiddenLine xmlns:a14="http://schemas.microsoft.com/office/drawing/2010/main" xmlns="" w="9525">
                 <a:solidFill>
                   <a:schemeClr val="tx1"/>
                 </a:solidFill>
@@ -15159,14 +15063,14 @@
           </a:ln>
           <a:extLst>
             <a:ext uri="{909E8E84-426E-40dd-AFC4-6F175D3DCCD1}">
-              <a14:hiddenFill xmlns="" xmlns:a14="http://schemas.microsoft.com/office/drawing/2010/main">
+              <a14:hiddenFill xmlns:a14="http://schemas.microsoft.com/office/drawing/2010/main" xmlns="">
                 <a:solidFill>
                   <a:schemeClr val="accent1"/>
                 </a:solidFill>
               </a14:hiddenFill>
             </a:ext>
             <a:ext uri="{91240B29-F687-4f45-9708-019B960494DF}">
-              <a14:hiddenLine xmlns="" xmlns:a14="http://schemas.microsoft.com/office/drawing/2010/main" w="9525">
+              <a14:hiddenLine xmlns:a14="http://schemas.microsoft.com/office/drawing/2010/main" xmlns="" w="9525">
                 <a:solidFill>
                   <a:schemeClr val="tx1"/>
                 </a:solidFill>
@@ -15212,14 +15116,14 @@
           </a:ln>
           <a:extLst>
             <a:ext uri="{909E8E84-426E-40dd-AFC4-6F175D3DCCD1}">
-              <a14:hiddenFill xmlns="" xmlns:a14="http://schemas.microsoft.com/office/drawing/2010/main">
+              <a14:hiddenFill xmlns:a14="http://schemas.microsoft.com/office/drawing/2010/main" xmlns="">
                 <a:solidFill>
                   <a:schemeClr val="accent1"/>
                 </a:solidFill>
               </a14:hiddenFill>
             </a:ext>
             <a:ext uri="{91240B29-F687-4f45-9708-019B960494DF}">
-              <a14:hiddenLine xmlns="" xmlns:a14="http://schemas.microsoft.com/office/drawing/2010/main" w="9525">
+              <a14:hiddenLine xmlns:a14="http://schemas.microsoft.com/office/drawing/2010/main" xmlns="" w="9525">
                 <a:solidFill>
                   <a:schemeClr val="tx1"/>
                 </a:solidFill>
@@ -15265,14 +15169,14 @@
           </a:ln>
           <a:extLst>
             <a:ext uri="{909E8E84-426E-40dd-AFC4-6F175D3DCCD1}">
-              <a14:hiddenFill xmlns="" xmlns:a14="http://schemas.microsoft.com/office/drawing/2010/main">
+              <a14:hiddenFill xmlns:a14="http://schemas.microsoft.com/office/drawing/2010/main" xmlns="">
                 <a:solidFill>
                   <a:schemeClr val="accent1"/>
                 </a:solidFill>
               </a14:hiddenFill>
             </a:ext>
             <a:ext uri="{91240B29-F687-4f45-9708-019B960494DF}">
-              <a14:hiddenLine xmlns="" xmlns:a14="http://schemas.microsoft.com/office/drawing/2010/main" w="9525">
+              <a14:hiddenLine xmlns:a14="http://schemas.microsoft.com/office/drawing/2010/main" xmlns="" w="9525">
                 <a:solidFill>
                   <a:schemeClr val="tx1"/>
                 </a:solidFill>
@@ -15318,14 +15222,14 @@
           </a:ln>
           <a:extLst>
             <a:ext uri="{909E8E84-426E-40dd-AFC4-6F175D3DCCD1}">
-              <a14:hiddenFill xmlns="" xmlns:a14="http://schemas.microsoft.com/office/drawing/2010/main">
+              <a14:hiddenFill xmlns:a14="http://schemas.microsoft.com/office/drawing/2010/main" xmlns="">
                 <a:solidFill>
                   <a:schemeClr val="accent1"/>
                 </a:solidFill>
               </a14:hiddenFill>
             </a:ext>
             <a:ext uri="{91240B29-F687-4f45-9708-019B960494DF}">
-              <a14:hiddenLine xmlns="" xmlns:a14="http://schemas.microsoft.com/office/drawing/2010/main" w="9525">
+              <a14:hiddenLine xmlns:a14="http://schemas.microsoft.com/office/drawing/2010/main" xmlns="" w="9525">
                 <a:solidFill>
                   <a:schemeClr val="tx1"/>
                 </a:solidFill>
@@ -15371,14 +15275,14 @@
           </a:ln>
           <a:extLst>
             <a:ext uri="{909E8E84-426E-40dd-AFC4-6F175D3DCCD1}">
-              <a14:hiddenFill xmlns="" xmlns:a14="http://schemas.microsoft.com/office/drawing/2010/main">
+              <a14:hiddenFill xmlns:a14="http://schemas.microsoft.com/office/drawing/2010/main" xmlns="">
                 <a:solidFill>
                   <a:schemeClr val="accent1"/>
                 </a:solidFill>
               </a14:hiddenFill>
             </a:ext>
             <a:ext uri="{91240B29-F687-4f45-9708-019B960494DF}">
-              <a14:hiddenLine xmlns="" xmlns:a14="http://schemas.microsoft.com/office/drawing/2010/main" w="9525">
+              <a14:hiddenLine xmlns:a14="http://schemas.microsoft.com/office/drawing/2010/main" xmlns="" w="9525">
                 <a:solidFill>
                   <a:schemeClr val="tx1"/>
                 </a:solidFill>
@@ -15424,14 +15328,14 @@
           </a:ln>
           <a:extLst>
             <a:ext uri="{909E8E84-426E-40dd-AFC4-6F175D3DCCD1}">
-              <a14:hiddenFill xmlns="" xmlns:a14="http://schemas.microsoft.com/office/drawing/2010/main">
+              <a14:hiddenFill xmlns:a14="http://schemas.microsoft.com/office/drawing/2010/main" xmlns="">
                 <a:solidFill>
                   <a:schemeClr val="accent1"/>
                 </a:solidFill>
               </a14:hiddenFill>
             </a:ext>
             <a:ext uri="{91240B29-F687-4f45-9708-019B960494DF}">
-              <a14:hiddenLine xmlns="" xmlns:a14="http://schemas.microsoft.com/office/drawing/2010/main" w="9525">
+              <a14:hiddenLine xmlns:a14="http://schemas.microsoft.com/office/drawing/2010/main" xmlns="" w="9525">
                 <a:solidFill>
                   <a:schemeClr val="tx1"/>
                 </a:solidFill>
@@ -15477,14 +15381,14 @@
           </a:ln>
           <a:extLst>
             <a:ext uri="{909E8E84-426E-40dd-AFC4-6F175D3DCCD1}">
-              <a14:hiddenFill xmlns="" xmlns:a14="http://schemas.microsoft.com/office/drawing/2010/main">
+              <a14:hiddenFill xmlns:a14="http://schemas.microsoft.com/office/drawing/2010/main" xmlns="">
                 <a:solidFill>
                   <a:schemeClr val="accent1"/>
                 </a:solidFill>
               </a14:hiddenFill>
             </a:ext>
             <a:ext uri="{91240B29-F687-4f45-9708-019B960494DF}">
-              <a14:hiddenLine xmlns="" xmlns:a14="http://schemas.microsoft.com/office/drawing/2010/main" w="9525">
+              <a14:hiddenLine xmlns:a14="http://schemas.microsoft.com/office/drawing/2010/main" xmlns="" w="9525">
                 <a:solidFill>
                   <a:schemeClr val="tx1"/>
                 </a:solidFill>
@@ -15530,14 +15434,14 @@
           </a:ln>
           <a:extLst>
             <a:ext uri="{909E8E84-426E-40dd-AFC4-6F175D3DCCD1}">
-              <a14:hiddenFill xmlns="" xmlns:a14="http://schemas.microsoft.com/office/drawing/2010/main">
+              <a14:hiddenFill xmlns:a14="http://schemas.microsoft.com/office/drawing/2010/main" xmlns="">
                 <a:solidFill>
                   <a:schemeClr val="accent1"/>
                 </a:solidFill>
               </a14:hiddenFill>
             </a:ext>
             <a:ext uri="{91240B29-F687-4f45-9708-019B960494DF}">
-              <a14:hiddenLine xmlns="" xmlns:a14="http://schemas.microsoft.com/office/drawing/2010/main" w="9525">
+              <a14:hiddenLine xmlns:a14="http://schemas.microsoft.com/office/drawing/2010/main" xmlns="" w="9525">
                 <a:solidFill>
                   <a:schemeClr val="tx1"/>
                 </a:solidFill>
@@ -15583,14 +15487,14 @@
           </a:ln>
           <a:extLst>
             <a:ext uri="{909E8E84-426E-40dd-AFC4-6F175D3DCCD1}">
-              <a14:hiddenFill xmlns="" xmlns:a14="http://schemas.microsoft.com/office/drawing/2010/main">
+              <a14:hiddenFill xmlns:a14="http://schemas.microsoft.com/office/drawing/2010/main" xmlns="">
                 <a:solidFill>
                   <a:schemeClr val="accent1"/>
                 </a:solidFill>
               </a14:hiddenFill>
             </a:ext>
             <a:ext uri="{91240B29-F687-4f45-9708-019B960494DF}">
-              <a14:hiddenLine xmlns="" xmlns:a14="http://schemas.microsoft.com/office/drawing/2010/main" w="9525">
+              <a14:hiddenLine xmlns:a14="http://schemas.microsoft.com/office/drawing/2010/main" xmlns="" w="9525">
                 <a:solidFill>
                   <a:schemeClr val="tx1"/>
                 </a:solidFill>
@@ -15636,14 +15540,14 @@
           </a:ln>
           <a:extLst>
             <a:ext uri="{909E8E84-426E-40dd-AFC4-6F175D3DCCD1}">
-              <a14:hiddenFill xmlns="" xmlns:a14="http://schemas.microsoft.com/office/drawing/2010/main">
+              <a14:hiddenFill xmlns:a14="http://schemas.microsoft.com/office/drawing/2010/main" xmlns="">
                 <a:solidFill>
                   <a:schemeClr val="accent1"/>
                 </a:solidFill>
               </a14:hiddenFill>
             </a:ext>
             <a:ext uri="{91240B29-F687-4f45-9708-019B960494DF}">
-              <a14:hiddenLine xmlns="" xmlns:a14="http://schemas.microsoft.com/office/drawing/2010/main" w="9525">
+              <a14:hiddenLine xmlns:a14="http://schemas.microsoft.com/office/drawing/2010/main" xmlns="" w="9525">
                 <a:solidFill>
                   <a:schemeClr val="tx1"/>
                 </a:solidFill>
@@ -15696,7 +15600,7 @@
           </a:ln>
           <a:extLst>
             <a:ext uri="{909E8E84-426E-40dd-AFC4-6F175D3DCCD1}">
-              <a14:hiddenFill xmlns="" xmlns:a14="http://schemas.microsoft.com/office/drawing/2010/main">
+              <a14:hiddenFill xmlns:a14="http://schemas.microsoft.com/office/drawing/2010/main" xmlns="">
                 <a:noFill/>
               </a14:hiddenFill>
             </a:ext>
@@ -15732,7 +15636,7 @@
           </a:ln>
           <a:extLst>
             <a:ext uri="{909E8E84-426E-40dd-AFC4-6F175D3DCCD1}">
-              <a14:hiddenFill xmlns="" xmlns:a14="http://schemas.microsoft.com/office/drawing/2010/main">
+              <a14:hiddenFill xmlns:a14="http://schemas.microsoft.com/office/drawing/2010/main" xmlns="">
                 <a:noFill/>
               </a14:hiddenFill>
             </a:ext>
@@ -15768,7 +15672,7 @@
           </a:ln>
           <a:extLst>
             <a:ext uri="{909E8E84-426E-40dd-AFC4-6F175D3DCCD1}">
-              <a14:hiddenFill xmlns="" xmlns:a14="http://schemas.microsoft.com/office/drawing/2010/main">
+              <a14:hiddenFill xmlns:a14="http://schemas.microsoft.com/office/drawing/2010/main" xmlns="">
                 <a:noFill/>
               </a14:hiddenFill>
             </a:ext>
@@ -15804,7 +15708,7 @@
           </a:ln>
           <a:extLst>
             <a:ext uri="{909E8E84-426E-40dd-AFC4-6F175D3DCCD1}">
-              <a14:hiddenFill xmlns="" xmlns:a14="http://schemas.microsoft.com/office/drawing/2010/main">
+              <a14:hiddenFill xmlns:a14="http://schemas.microsoft.com/office/drawing/2010/main" xmlns="">
                 <a:noFill/>
               </a14:hiddenFill>
             </a:ext>
@@ -15840,7 +15744,7 @@
           </a:ln>
           <a:extLst>
             <a:ext uri="{909E8E84-426E-40dd-AFC4-6F175D3DCCD1}">
-              <a14:hiddenFill xmlns="" xmlns:a14="http://schemas.microsoft.com/office/drawing/2010/main">
+              <a14:hiddenFill xmlns:a14="http://schemas.microsoft.com/office/drawing/2010/main" xmlns="">
                 <a:noFill/>
               </a14:hiddenFill>
             </a:ext>
@@ -15876,7 +15780,7 @@
           </a:ln>
           <a:extLst>
             <a:ext uri="{909E8E84-426E-40dd-AFC4-6F175D3DCCD1}">
-              <a14:hiddenFill xmlns="" xmlns:a14="http://schemas.microsoft.com/office/drawing/2010/main">
+              <a14:hiddenFill xmlns:a14="http://schemas.microsoft.com/office/drawing/2010/main" xmlns="">
                 <a:noFill/>
               </a14:hiddenFill>
             </a:ext>
@@ -15912,7 +15816,7 @@
           </a:ln>
           <a:extLst>
             <a:ext uri="{909E8E84-426E-40dd-AFC4-6F175D3DCCD1}">
-              <a14:hiddenFill xmlns="" xmlns:a14="http://schemas.microsoft.com/office/drawing/2010/main">
+              <a14:hiddenFill xmlns:a14="http://schemas.microsoft.com/office/drawing/2010/main" xmlns="">
                 <a:noFill/>
               </a14:hiddenFill>
             </a:ext>
@@ -15948,7 +15852,7 @@
           </a:ln>
           <a:extLst>
             <a:ext uri="{909E8E84-426E-40dd-AFC4-6F175D3DCCD1}">
-              <a14:hiddenFill xmlns="" xmlns:a14="http://schemas.microsoft.com/office/drawing/2010/main">
+              <a14:hiddenFill xmlns:a14="http://schemas.microsoft.com/office/drawing/2010/main" xmlns="">
                 <a:noFill/>
               </a14:hiddenFill>
             </a:ext>
@@ -15984,7 +15888,7 @@
           </a:ln>
           <a:extLst>
             <a:ext uri="{909E8E84-426E-40dd-AFC4-6F175D3DCCD1}">
-              <a14:hiddenFill xmlns="" xmlns:a14="http://schemas.microsoft.com/office/drawing/2010/main">
+              <a14:hiddenFill xmlns:a14="http://schemas.microsoft.com/office/drawing/2010/main" xmlns="">
                 <a:noFill/>
               </a14:hiddenFill>
             </a:ext>
@@ -16020,7 +15924,7 @@
           </a:ln>
           <a:extLst>
             <a:ext uri="{909E8E84-426E-40dd-AFC4-6F175D3DCCD1}">
-              <a14:hiddenFill xmlns="" xmlns:a14="http://schemas.microsoft.com/office/drawing/2010/main">
+              <a14:hiddenFill xmlns:a14="http://schemas.microsoft.com/office/drawing/2010/main" xmlns="">
                 <a:noFill/>
               </a14:hiddenFill>
             </a:ext>
@@ -16054,7 +15958,7 @@
           </a:ln>
           <a:extLst>
             <a:ext uri="{909E8E84-426E-40dd-AFC4-6F175D3DCCD1}">
-              <a14:hiddenFill xmlns="" xmlns:a14="http://schemas.microsoft.com/office/drawing/2010/main">
+              <a14:hiddenFill xmlns:a14="http://schemas.microsoft.com/office/drawing/2010/main" xmlns="">
                 <a:solidFill>
                   <a:schemeClr val="accent1"/>
                 </a:solidFill>
@@ -16098,13 +16002,6 @@
   <p:clrMapOvr>
     <a:masterClrMapping/>
   </p:clrMapOvr>
-  <p:timing>
-    <p:tnLst>
-      <p:par>
-        <p:cTn id="1" dur="indefinite" restart="never" nodeType="tmRoot"/>
-      </p:par>
-    </p:tnLst>
-  </p:timing>
 </p:sld>
 </file>
 
@@ -16201,14 +16098,14 @@
           </a:ln>
           <a:extLst>
             <a:ext uri="{909E8E84-426E-40dd-AFC4-6F175D3DCCD1}">
-              <a14:hiddenFill xmlns="" xmlns:a14="http://schemas.microsoft.com/office/drawing/2010/main">
+              <a14:hiddenFill xmlns:a14="http://schemas.microsoft.com/office/drawing/2010/main" xmlns="">
                 <a:solidFill>
                   <a:schemeClr val="accent1"/>
                 </a:solidFill>
               </a14:hiddenFill>
             </a:ext>
             <a:ext uri="{91240B29-F687-4f45-9708-019B960494DF}">
-              <a14:hiddenLine xmlns="" xmlns:a14="http://schemas.microsoft.com/office/drawing/2010/main" w="9525">
+              <a14:hiddenLine xmlns:a14="http://schemas.microsoft.com/office/drawing/2010/main" xmlns="" w="9525">
                 <a:solidFill>
                   <a:schemeClr val="tx1"/>
                 </a:solidFill>
@@ -16254,14 +16151,14 @@
           </a:ln>
           <a:extLst>
             <a:ext uri="{909E8E84-426E-40dd-AFC4-6F175D3DCCD1}">
-              <a14:hiddenFill xmlns="" xmlns:a14="http://schemas.microsoft.com/office/drawing/2010/main">
+              <a14:hiddenFill xmlns:a14="http://schemas.microsoft.com/office/drawing/2010/main" xmlns="">
                 <a:solidFill>
                   <a:schemeClr val="accent1"/>
                 </a:solidFill>
               </a14:hiddenFill>
             </a:ext>
             <a:ext uri="{91240B29-F687-4f45-9708-019B960494DF}">
-              <a14:hiddenLine xmlns="" xmlns:a14="http://schemas.microsoft.com/office/drawing/2010/main" w="9525">
+              <a14:hiddenLine xmlns:a14="http://schemas.microsoft.com/office/drawing/2010/main" xmlns="" w="9525">
                 <a:solidFill>
                   <a:schemeClr val="tx1"/>
                 </a:solidFill>
@@ -16307,14 +16204,14 @@
           </a:ln>
           <a:extLst>
             <a:ext uri="{909E8E84-426E-40dd-AFC4-6F175D3DCCD1}">
-              <a14:hiddenFill xmlns="" xmlns:a14="http://schemas.microsoft.com/office/drawing/2010/main">
+              <a14:hiddenFill xmlns:a14="http://schemas.microsoft.com/office/drawing/2010/main" xmlns="">
                 <a:solidFill>
                   <a:schemeClr val="accent1"/>
                 </a:solidFill>
               </a14:hiddenFill>
             </a:ext>
             <a:ext uri="{91240B29-F687-4f45-9708-019B960494DF}">
-              <a14:hiddenLine xmlns="" xmlns:a14="http://schemas.microsoft.com/office/drawing/2010/main" w="9525">
+              <a14:hiddenLine xmlns:a14="http://schemas.microsoft.com/office/drawing/2010/main" xmlns="" w="9525">
                 <a:solidFill>
                   <a:schemeClr val="tx1"/>
                 </a:solidFill>
@@ -16360,14 +16257,14 @@
           </a:ln>
           <a:extLst>
             <a:ext uri="{909E8E84-426E-40dd-AFC4-6F175D3DCCD1}">
-              <a14:hiddenFill xmlns="" xmlns:a14="http://schemas.microsoft.com/office/drawing/2010/main">
+              <a14:hiddenFill xmlns:a14="http://schemas.microsoft.com/office/drawing/2010/main" xmlns="">
                 <a:solidFill>
                   <a:schemeClr val="accent1"/>
                 </a:solidFill>
               </a14:hiddenFill>
             </a:ext>
             <a:ext uri="{91240B29-F687-4f45-9708-019B960494DF}">
-              <a14:hiddenLine xmlns="" xmlns:a14="http://schemas.microsoft.com/office/drawing/2010/main" w="9525">
+              <a14:hiddenLine xmlns:a14="http://schemas.microsoft.com/office/drawing/2010/main" xmlns="" w="9525">
                 <a:solidFill>
                   <a:schemeClr val="tx1"/>
                 </a:solidFill>
@@ -16413,14 +16310,14 @@
           </a:ln>
           <a:extLst>
             <a:ext uri="{909E8E84-426E-40dd-AFC4-6F175D3DCCD1}">
-              <a14:hiddenFill xmlns="" xmlns:a14="http://schemas.microsoft.com/office/drawing/2010/main">
+              <a14:hiddenFill xmlns:a14="http://schemas.microsoft.com/office/drawing/2010/main" xmlns="">
                 <a:solidFill>
                   <a:schemeClr val="accent1"/>
                 </a:solidFill>
               </a14:hiddenFill>
             </a:ext>
             <a:ext uri="{91240B29-F687-4f45-9708-019B960494DF}">
-              <a14:hiddenLine xmlns="" xmlns:a14="http://schemas.microsoft.com/office/drawing/2010/main" w="9525">
+              <a14:hiddenLine xmlns:a14="http://schemas.microsoft.com/office/drawing/2010/main" xmlns="" w="9525">
                 <a:solidFill>
                   <a:schemeClr val="tx1"/>
                 </a:solidFill>
@@ -16466,14 +16363,14 @@
           </a:ln>
           <a:extLst>
             <a:ext uri="{909E8E84-426E-40dd-AFC4-6F175D3DCCD1}">
-              <a14:hiddenFill xmlns="" xmlns:a14="http://schemas.microsoft.com/office/drawing/2010/main">
+              <a14:hiddenFill xmlns:a14="http://schemas.microsoft.com/office/drawing/2010/main" xmlns="">
                 <a:solidFill>
                   <a:schemeClr val="accent1"/>
                 </a:solidFill>
               </a14:hiddenFill>
             </a:ext>
             <a:ext uri="{91240B29-F687-4f45-9708-019B960494DF}">
-              <a14:hiddenLine xmlns="" xmlns:a14="http://schemas.microsoft.com/office/drawing/2010/main" w="9525">
+              <a14:hiddenLine xmlns:a14="http://schemas.microsoft.com/office/drawing/2010/main" xmlns="" w="9525">
                 <a:solidFill>
                   <a:schemeClr val="tx1"/>
                 </a:solidFill>
@@ -16519,14 +16416,14 @@
           </a:ln>
           <a:extLst>
             <a:ext uri="{909E8E84-426E-40dd-AFC4-6F175D3DCCD1}">
-              <a14:hiddenFill xmlns="" xmlns:a14="http://schemas.microsoft.com/office/drawing/2010/main">
+              <a14:hiddenFill xmlns:a14="http://schemas.microsoft.com/office/drawing/2010/main" xmlns="">
                 <a:solidFill>
                   <a:schemeClr val="accent1"/>
                 </a:solidFill>
               </a14:hiddenFill>
             </a:ext>
             <a:ext uri="{91240B29-F687-4f45-9708-019B960494DF}">
-              <a14:hiddenLine xmlns="" xmlns:a14="http://schemas.microsoft.com/office/drawing/2010/main" w="9525">
+              <a14:hiddenLine xmlns:a14="http://schemas.microsoft.com/office/drawing/2010/main" xmlns="" w="9525">
                 <a:solidFill>
                   <a:schemeClr val="tx1"/>
                 </a:solidFill>
@@ -16572,14 +16469,14 @@
           </a:ln>
           <a:extLst>
             <a:ext uri="{909E8E84-426E-40dd-AFC4-6F175D3DCCD1}">
-              <a14:hiddenFill xmlns="" xmlns:a14="http://schemas.microsoft.com/office/drawing/2010/main">
+              <a14:hiddenFill xmlns:a14="http://schemas.microsoft.com/office/drawing/2010/main" xmlns="">
                 <a:solidFill>
                   <a:schemeClr val="accent1"/>
                 </a:solidFill>
               </a14:hiddenFill>
             </a:ext>
             <a:ext uri="{91240B29-F687-4f45-9708-019B960494DF}">
-              <a14:hiddenLine xmlns="" xmlns:a14="http://schemas.microsoft.com/office/drawing/2010/main" w="9525">
+              <a14:hiddenLine xmlns:a14="http://schemas.microsoft.com/office/drawing/2010/main" xmlns="" w="9525">
                 <a:solidFill>
                   <a:schemeClr val="tx1"/>
                 </a:solidFill>
@@ -16625,14 +16522,14 @@
           </a:ln>
           <a:extLst>
             <a:ext uri="{909E8E84-426E-40dd-AFC4-6F175D3DCCD1}">
-              <a14:hiddenFill xmlns="" xmlns:a14="http://schemas.microsoft.com/office/drawing/2010/main">
+              <a14:hiddenFill xmlns:a14="http://schemas.microsoft.com/office/drawing/2010/main" xmlns="">
                 <a:solidFill>
                   <a:schemeClr val="accent1"/>
                 </a:solidFill>
               </a14:hiddenFill>
             </a:ext>
             <a:ext uri="{91240B29-F687-4f45-9708-019B960494DF}">
-              <a14:hiddenLine xmlns="" xmlns:a14="http://schemas.microsoft.com/office/drawing/2010/main" w="9525">
+              <a14:hiddenLine xmlns:a14="http://schemas.microsoft.com/office/drawing/2010/main" xmlns="" w="9525">
                 <a:solidFill>
                   <a:schemeClr val="tx1"/>
                 </a:solidFill>
@@ -16678,14 +16575,14 @@
           </a:ln>
           <a:extLst>
             <a:ext uri="{909E8E84-426E-40dd-AFC4-6F175D3DCCD1}">
-              <a14:hiddenFill xmlns="" xmlns:a14="http://schemas.microsoft.com/office/drawing/2010/main">
+              <a14:hiddenFill xmlns:a14="http://schemas.microsoft.com/office/drawing/2010/main" xmlns="">
                 <a:solidFill>
                   <a:schemeClr val="accent1"/>
                 </a:solidFill>
               </a14:hiddenFill>
             </a:ext>
             <a:ext uri="{91240B29-F687-4f45-9708-019B960494DF}">
-              <a14:hiddenLine xmlns="" xmlns:a14="http://schemas.microsoft.com/office/drawing/2010/main" w="9525">
+              <a14:hiddenLine xmlns:a14="http://schemas.microsoft.com/office/drawing/2010/main" xmlns="" w="9525">
                 <a:solidFill>
                   <a:schemeClr val="tx1"/>
                 </a:solidFill>
@@ -16731,14 +16628,14 @@
           </a:ln>
           <a:extLst>
             <a:ext uri="{909E8E84-426E-40dd-AFC4-6F175D3DCCD1}">
-              <a14:hiddenFill xmlns="" xmlns:a14="http://schemas.microsoft.com/office/drawing/2010/main">
+              <a14:hiddenFill xmlns:a14="http://schemas.microsoft.com/office/drawing/2010/main" xmlns="">
                 <a:solidFill>
                   <a:schemeClr val="accent1"/>
                 </a:solidFill>
               </a14:hiddenFill>
             </a:ext>
             <a:ext uri="{91240B29-F687-4f45-9708-019B960494DF}">
-              <a14:hiddenLine xmlns="" xmlns:a14="http://schemas.microsoft.com/office/drawing/2010/main" w="9525">
+              <a14:hiddenLine xmlns:a14="http://schemas.microsoft.com/office/drawing/2010/main" xmlns="" w="9525">
                 <a:solidFill>
                   <a:schemeClr val="tx1"/>
                 </a:solidFill>
@@ -16791,7 +16688,7 @@
           </a:ln>
           <a:extLst>
             <a:ext uri="{909E8E84-426E-40dd-AFC4-6F175D3DCCD1}">
-              <a14:hiddenFill xmlns="" xmlns:a14="http://schemas.microsoft.com/office/drawing/2010/main">
+              <a14:hiddenFill xmlns:a14="http://schemas.microsoft.com/office/drawing/2010/main" xmlns="">
                 <a:noFill/>
               </a14:hiddenFill>
             </a:ext>
@@ -16827,7 +16724,7 @@
           </a:ln>
           <a:extLst>
             <a:ext uri="{909E8E84-426E-40dd-AFC4-6F175D3DCCD1}">
-              <a14:hiddenFill xmlns="" xmlns:a14="http://schemas.microsoft.com/office/drawing/2010/main">
+              <a14:hiddenFill xmlns:a14="http://schemas.microsoft.com/office/drawing/2010/main" xmlns="">
                 <a:noFill/>
               </a14:hiddenFill>
             </a:ext>
@@ -16863,7 +16760,7 @@
           </a:ln>
           <a:extLst>
             <a:ext uri="{909E8E84-426E-40dd-AFC4-6F175D3DCCD1}">
-              <a14:hiddenFill xmlns="" xmlns:a14="http://schemas.microsoft.com/office/drawing/2010/main">
+              <a14:hiddenFill xmlns:a14="http://schemas.microsoft.com/office/drawing/2010/main" xmlns="">
                 <a:noFill/>
               </a14:hiddenFill>
             </a:ext>
@@ -16899,7 +16796,7 @@
           </a:ln>
           <a:extLst>
             <a:ext uri="{909E8E84-426E-40dd-AFC4-6F175D3DCCD1}">
-              <a14:hiddenFill xmlns="" xmlns:a14="http://schemas.microsoft.com/office/drawing/2010/main">
+              <a14:hiddenFill xmlns:a14="http://schemas.microsoft.com/office/drawing/2010/main" xmlns="">
                 <a:noFill/>
               </a14:hiddenFill>
             </a:ext>
@@ -16935,7 +16832,7 @@
           </a:ln>
           <a:extLst>
             <a:ext uri="{909E8E84-426E-40dd-AFC4-6F175D3DCCD1}">
-              <a14:hiddenFill xmlns="" xmlns:a14="http://schemas.microsoft.com/office/drawing/2010/main">
+              <a14:hiddenFill xmlns:a14="http://schemas.microsoft.com/office/drawing/2010/main" xmlns="">
                 <a:noFill/>
               </a14:hiddenFill>
             </a:ext>
@@ -16971,7 +16868,7 @@
           </a:ln>
           <a:extLst>
             <a:ext uri="{909E8E84-426E-40dd-AFC4-6F175D3DCCD1}">
-              <a14:hiddenFill xmlns="" xmlns:a14="http://schemas.microsoft.com/office/drawing/2010/main">
+              <a14:hiddenFill xmlns:a14="http://schemas.microsoft.com/office/drawing/2010/main" xmlns="">
                 <a:noFill/>
               </a14:hiddenFill>
             </a:ext>
@@ -17007,7 +16904,7 @@
           </a:ln>
           <a:extLst>
             <a:ext uri="{909E8E84-426E-40dd-AFC4-6F175D3DCCD1}">
-              <a14:hiddenFill xmlns="" xmlns:a14="http://schemas.microsoft.com/office/drawing/2010/main">
+              <a14:hiddenFill xmlns:a14="http://schemas.microsoft.com/office/drawing/2010/main" xmlns="">
                 <a:noFill/>
               </a14:hiddenFill>
             </a:ext>
@@ -17043,7 +16940,7 @@
           </a:ln>
           <a:extLst>
             <a:ext uri="{909E8E84-426E-40dd-AFC4-6F175D3DCCD1}">
-              <a14:hiddenFill xmlns="" xmlns:a14="http://schemas.microsoft.com/office/drawing/2010/main">
+              <a14:hiddenFill xmlns:a14="http://schemas.microsoft.com/office/drawing/2010/main" xmlns="">
                 <a:noFill/>
               </a14:hiddenFill>
             </a:ext>
@@ -17079,7 +16976,7 @@
           </a:ln>
           <a:extLst>
             <a:ext uri="{909E8E84-426E-40dd-AFC4-6F175D3DCCD1}">
-              <a14:hiddenFill xmlns="" xmlns:a14="http://schemas.microsoft.com/office/drawing/2010/main">
+              <a14:hiddenFill xmlns:a14="http://schemas.microsoft.com/office/drawing/2010/main" xmlns="">
                 <a:noFill/>
               </a14:hiddenFill>
             </a:ext>
@@ -17115,7 +17012,7 @@
           </a:ln>
           <a:extLst>
             <a:ext uri="{909E8E84-426E-40dd-AFC4-6F175D3DCCD1}">
-              <a14:hiddenFill xmlns="" xmlns:a14="http://schemas.microsoft.com/office/drawing/2010/main">
+              <a14:hiddenFill xmlns:a14="http://schemas.microsoft.com/office/drawing/2010/main" xmlns="">
                 <a:noFill/>
               </a14:hiddenFill>
             </a:ext>
@@ -17144,14 +17041,14 @@
           </a:ln>
           <a:extLst>
             <a:ext uri="{909E8E84-426E-40dd-AFC4-6F175D3DCCD1}">
-              <a14:hiddenFill xmlns="" xmlns:a14="http://schemas.microsoft.com/office/drawing/2010/main">
+              <a14:hiddenFill xmlns:a14="http://schemas.microsoft.com/office/drawing/2010/main" xmlns="">
                 <a:solidFill>
                   <a:schemeClr val="accent1"/>
                 </a:solidFill>
               </a14:hiddenFill>
             </a:ext>
             <a:ext uri="{91240B29-F687-4f45-9708-019B960494DF}">
-              <a14:hiddenLine xmlns="" xmlns:a14="http://schemas.microsoft.com/office/drawing/2010/main" w="9525">
+              <a14:hiddenLine xmlns:a14="http://schemas.microsoft.com/office/drawing/2010/main" xmlns="" w="9525">
                 <a:solidFill>
                   <a:schemeClr val="tx1"/>
                 </a:solidFill>
@@ -17202,7 +17099,7 @@
           </a:ln>
           <a:extLst>
             <a:ext uri="{909E8E84-426E-40dd-AFC4-6F175D3DCCD1}">
-              <a14:hiddenFill xmlns="" xmlns:a14="http://schemas.microsoft.com/office/drawing/2010/main">
+              <a14:hiddenFill xmlns:a14="http://schemas.microsoft.com/office/drawing/2010/main" xmlns="">
                 <a:solidFill>
                   <a:schemeClr val="accent1"/>
                 </a:solidFill>
@@ -17246,13 +17143,6 @@
   <p:clrMapOvr>
     <a:masterClrMapping/>
   </p:clrMapOvr>
-  <p:timing>
-    <p:tnLst>
-      <p:par>
-        <p:cTn id="1" dur="indefinite" restart="never" nodeType="tmRoot"/>
-      </p:par>
-    </p:tnLst>
-  </p:timing>
 </p:sld>
 </file>
 
@@ -17349,14 +17239,14 @@
           </a:ln>
           <a:extLst>
             <a:ext uri="{909E8E84-426E-40dd-AFC4-6F175D3DCCD1}">
-              <a14:hiddenFill xmlns="" xmlns:a14="http://schemas.microsoft.com/office/drawing/2010/main">
+              <a14:hiddenFill xmlns:a14="http://schemas.microsoft.com/office/drawing/2010/main" xmlns="">
                 <a:solidFill>
                   <a:schemeClr val="accent1"/>
                 </a:solidFill>
               </a14:hiddenFill>
             </a:ext>
             <a:ext uri="{91240B29-F687-4f45-9708-019B960494DF}">
-              <a14:hiddenLine xmlns="" xmlns:a14="http://schemas.microsoft.com/office/drawing/2010/main" w="9525">
+              <a14:hiddenLine xmlns:a14="http://schemas.microsoft.com/office/drawing/2010/main" xmlns="" w="9525">
                 <a:solidFill>
                   <a:schemeClr val="tx1"/>
                 </a:solidFill>
@@ -17402,14 +17292,14 @@
           </a:ln>
           <a:extLst>
             <a:ext uri="{909E8E84-426E-40dd-AFC4-6F175D3DCCD1}">
-              <a14:hiddenFill xmlns="" xmlns:a14="http://schemas.microsoft.com/office/drawing/2010/main">
+              <a14:hiddenFill xmlns:a14="http://schemas.microsoft.com/office/drawing/2010/main" xmlns="">
                 <a:solidFill>
                   <a:schemeClr val="accent1"/>
                 </a:solidFill>
               </a14:hiddenFill>
             </a:ext>
             <a:ext uri="{91240B29-F687-4f45-9708-019B960494DF}">
-              <a14:hiddenLine xmlns="" xmlns:a14="http://schemas.microsoft.com/office/drawing/2010/main" w="9525">
+              <a14:hiddenLine xmlns:a14="http://schemas.microsoft.com/office/drawing/2010/main" xmlns="" w="9525">
                 <a:solidFill>
                   <a:schemeClr val="tx1"/>
                 </a:solidFill>
@@ -17455,14 +17345,14 @@
           </a:ln>
           <a:extLst>
             <a:ext uri="{909E8E84-426E-40dd-AFC4-6F175D3DCCD1}">
-              <a14:hiddenFill xmlns="" xmlns:a14="http://schemas.microsoft.com/office/drawing/2010/main">
+              <a14:hiddenFill xmlns:a14="http://schemas.microsoft.com/office/drawing/2010/main" xmlns="">
                 <a:solidFill>
                   <a:schemeClr val="accent1"/>
                 </a:solidFill>
               </a14:hiddenFill>
             </a:ext>
             <a:ext uri="{91240B29-F687-4f45-9708-019B960494DF}">
-              <a14:hiddenLine xmlns="" xmlns:a14="http://schemas.microsoft.com/office/drawing/2010/main" w="9525">
+              <a14:hiddenLine xmlns:a14="http://schemas.microsoft.com/office/drawing/2010/main" xmlns="" w="9525">
                 <a:solidFill>
                   <a:schemeClr val="tx1"/>
                 </a:solidFill>
@@ -17508,14 +17398,14 @@
           </a:ln>
           <a:extLst>
             <a:ext uri="{909E8E84-426E-40dd-AFC4-6F175D3DCCD1}">
-              <a14:hiddenFill xmlns="" xmlns:a14="http://schemas.microsoft.com/office/drawing/2010/main">
+              <a14:hiddenFill xmlns:a14="http://schemas.microsoft.com/office/drawing/2010/main" xmlns="">
                 <a:solidFill>
                   <a:schemeClr val="accent1"/>
                 </a:solidFill>
               </a14:hiddenFill>
             </a:ext>
             <a:ext uri="{91240B29-F687-4f45-9708-019B960494DF}">
-              <a14:hiddenLine xmlns="" xmlns:a14="http://schemas.microsoft.com/office/drawing/2010/main" w="9525">
+              <a14:hiddenLine xmlns:a14="http://schemas.microsoft.com/office/drawing/2010/main" xmlns="" w="9525">
                 <a:solidFill>
                   <a:schemeClr val="tx1"/>
                 </a:solidFill>
@@ -17561,14 +17451,14 @@
           </a:ln>
           <a:extLst>
             <a:ext uri="{909E8E84-426E-40dd-AFC4-6F175D3DCCD1}">
-              <a14:hiddenFill xmlns="" xmlns:a14="http://schemas.microsoft.com/office/drawing/2010/main">
+              <a14:hiddenFill xmlns:a14="http://schemas.microsoft.com/office/drawing/2010/main" xmlns="">
                 <a:solidFill>
                   <a:schemeClr val="accent1"/>
                 </a:solidFill>
               </a14:hiddenFill>
             </a:ext>
             <a:ext uri="{91240B29-F687-4f45-9708-019B960494DF}">
-              <a14:hiddenLine xmlns="" xmlns:a14="http://schemas.microsoft.com/office/drawing/2010/main" w="9525">
+              <a14:hiddenLine xmlns:a14="http://schemas.microsoft.com/office/drawing/2010/main" xmlns="" w="9525">
                 <a:solidFill>
                   <a:schemeClr val="tx1"/>
                 </a:solidFill>
@@ -17614,14 +17504,14 @@
           </a:ln>
           <a:extLst>
             <a:ext uri="{909E8E84-426E-40dd-AFC4-6F175D3DCCD1}">
-              <a14:hiddenFill xmlns="" xmlns:a14="http://schemas.microsoft.com/office/drawing/2010/main">
+              <a14:hiddenFill xmlns:a14="http://schemas.microsoft.com/office/drawing/2010/main" xmlns="">
                 <a:solidFill>
                   <a:schemeClr val="accent1"/>
                 </a:solidFill>
               </a14:hiddenFill>
             </a:ext>
             <a:ext uri="{91240B29-F687-4f45-9708-019B960494DF}">
-              <a14:hiddenLine xmlns="" xmlns:a14="http://schemas.microsoft.com/office/drawing/2010/main" w="9525">
+              <a14:hiddenLine xmlns:a14="http://schemas.microsoft.com/office/drawing/2010/main" xmlns="" w="9525">
                 <a:solidFill>
                   <a:schemeClr val="tx1"/>
                 </a:solidFill>
@@ -17667,14 +17557,14 @@
           </a:ln>
           <a:extLst>
             <a:ext uri="{909E8E84-426E-40dd-AFC4-6F175D3DCCD1}">
-              <a14:hiddenFill xmlns="" xmlns:a14="http://schemas.microsoft.com/office/drawing/2010/main">
+              <a14:hiddenFill xmlns:a14="http://schemas.microsoft.com/office/drawing/2010/main" xmlns="">
                 <a:solidFill>
                   <a:schemeClr val="accent1"/>
                 </a:solidFill>
               </a14:hiddenFill>
             </a:ext>
             <a:ext uri="{91240B29-F687-4f45-9708-019B960494DF}">
-              <a14:hiddenLine xmlns="" xmlns:a14="http://schemas.microsoft.com/office/drawing/2010/main" w="9525">
+              <a14:hiddenLine xmlns:a14="http://schemas.microsoft.com/office/drawing/2010/main" xmlns="" w="9525">
                 <a:solidFill>
                   <a:schemeClr val="tx1"/>
                 </a:solidFill>
@@ -17720,14 +17610,14 @@
           </a:ln>
           <a:extLst>
             <a:ext uri="{909E8E84-426E-40dd-AFC4-6F175D3DCCD1}">
-              <a14:hiddenFill xmlns="" xmlns:a14="http://schemas.microsoft.com/office/drawing/2010/main">
+              <a14:hiddenFill xmlns:a14="http://schemas.microsoft.com/office/drawing/2010/main" xmlns="">
                 <a:solidFill>
                   <a:schemeClr val="accent1"/>
                 </a:solidFill>
               </a14:hiddenFill>
             </a:ext>
             <a:ext uri="{91240B29-F687-4f45-9708-019B960494DF}">
-              <a14:hiddenLine xmlns="" xmlns:a14="http://schemas.microsoft.com/office/drawing/2010/main" w="9525">
+              <a14:hiddenLine xmlns:a14="http://schemas.microsoft.com/office/drawing/2010/main" xmlns="" w="9525">
                 <a:solidFill>
                   <a:schemeClr val="tx1"/>
                 </a:solidFill>
@@ -17773,14 +17663,14 @@
           </a:ln>
           <a:extLst>
             <a:ext uri="{909E8E84-426E-40dd-AFC4-6F175D3DCCD1}">
-              <a14:hiddenFill xmlns="" xmlns:a14="http://schemas.microsoft.com/office/drawing/2010/main">
+              <a14:hiddenFill xmlns:a14="http://schemas.microsoft.com/office/drawing/2010/main" xmlns="">
                 <a:solidFill>
                   <a:schemeClr val="accent1"/>
                 </a:solidFill>
               </a14:hiddenFill>
             </a:ext>
             <a:ext uri="{91240B29-F687-4f45-9708-019B960494DF}">
-              <a14:hiddenLine xmlns="" xmlns:a14="http://schemas.microsoft.com/office/drawing/2010/main" w="9525">
+              <a14:hiddenLine xmlns:a14="http://schemas.microsoft.com/office/drawing/2010/main" xmlns="" w="9525">
                 <a:solidFill>
                   <a:schemeClr val="tx1"/>
                 </a:solidFill>
@@ -17826,14 +17716,14 @@
           </a:ln>
           <a:extLst>
             <a:ext uri="{909E8E84-426E-40dd-AFC4-6F175D3DCCD1}">
-              <a14:hiddenFill xmlns="" xmlns:a14="http://schemas.microsoft.com/office/drawing/2010/main">
+              <a14:hiddenFill xmlns:a14="http://schemas.microsoft.com/office/drawing/2010/main" xmlns="">
                 <a:solidFill>
                   <a:schemeClr val="accent1"/>
                 </a:solidFill>
               </a14:hiddenFill>
             </a:ext>
             <a:ext uri="{91240B29-F687-4f45-9708-019B960494DF}">
-              <a14:hiddenLine xmlns="" xmlns:a14="http://schemas.microsoft.com/office/drawing/2010/main" w="9525">
+              <a14:hiddenLine xmlns:a14="http://schemas.microsoft.com/office/drawing/2010/main" xmlns="" w="9525">
                 <a:solidFill>
                   <a:schemeClr val="tx1"/>
                 </a:solidFill>
@@ -17879,14 +17769,14 @@
           </a:ln>
           <a:extLst>
             <a:ext uri="{909E8E84-426E-40dd-AFC4-6F175D3DCCD1}">
-              <a14:hiddenFill xmlns="" xmlns:a14="http://schemas.microsoft.com/office/drawing/2010/main">
+              <a14:hiddenFill xmlns:a14="http://schemas.microsoft.com/office/drawing/2010/main" xmlns="">
                 <a:solidFill>
                   <a:schemeClr val="accent1"/>
                 </a:solidFill>
               </a14:hiddenFill>
             </a:ext>
             <a:ext uri="{91240B29-F687-4f45-9708-019B960494DF}">
-              <a14:hiddenLine xmlns="" xmlns:a14="http://schemas.microsoft.com/office/drawing/2010/main" w="9525">
+              <a14:hiddenLine xmlns:a14="http://schemas.microsoft.com/office/drawing/2010/main" xmlns="" w="9525">
                 <a:solidFill>
                   <a:schemeClr val="tx1"/>
                 </a:solidFill>
@@ -17939,7 +17829,7 @@
           </a:ln>
           <a:extLst>
             <a:ext uri="{909E8E84-426E-40dd-AFC4-6F175D3DCCD1}">
-              <a14:hiddenFill xmlns="" xmlns:a14="http://schemas.microsoft.com/office/drawing/2010/main">
+              <a14:hiddenFill xmlns:a14="http://schemas.microsoft.com/office/drawing/2010/main" xmlns="">
                 <a:noFill/>
               </a14:hiddenFill>
             </a:ext>
@@ -17975,7 +17865,7 @@
           </a:ln>
           <a:extLst>
             <a:ext uri="{909E8E84-426E-40dd-AFC4-6F175D3DCCD1}">
-              <a14:hiddenFill xmlns="" xmlns:a14="http://schemas.microsoft.com/office/drawing/2010/main">
+              <a14:hiddenFill xmlns:a14="http://schemas.microsoft.com/office/drawing/2010/main" xmlns="">
                 <a:noFill/>
               </a14:hiddenFill>
             </a:ext>
@@ -18011,7 +17901,7 @@
           </a:ln>
           <a:extLst>
             <a:ext uri="{909E8E84-426E-40dd-AFC4-6F175D3DCCD1}">
-              <a14:hiddenFill xmlns="" xmlns:a14="http://schemas.microsoft.com/office/drawing/2010/main">
+              <a14:hiddenFill xmlns:a14="http://schemas.microsoft.com/office/drawing/2010/main" xmlns="">
                 <a:noFill/>
               </a14:hiddenFill>
             </a:ext>
@@ -18047,7 +17937,7 @@
           </a:ln>
           <a:extLst>
             <a:ext uri="{909E8E84-426E-40dd-AFC4-6F175D3DCCD1}">
-              <a14:hiddenFill xmlns="" xmlns:a14="http://schemas.microsoft.com/office/drawing/2010/main">
+              <a14:hiddenFill xmlns:a14="http://schemas.microsoft.com/office/drawing/2010/main" xmlns="">
                 <a:noFill/>
               </a14:hiddenFill>
             </a:ext>
@@ -18083,7 +17973,7 @@
           </a:ln>
           <a:extLst>
             <a:ext uri="{909E8E84-426E-40dd-AFC4-6F175D3DCCD1}">
-              <a14:hiddenFill xmlns="" xmlns:a14="http://schemas.microsoft.com/office/drawing/2010/main">
+              <a14:hiddenFill xmlns:a14="http://schemas.microsoft.com/office/drawing/2010/main" xmlns="">
                 <a:noFill/>
               </a14:hiddenFill>
             </a:ext>
@@ -18119,7 +18009,7 @@
           </a:ln>
           <a:extLst>
             <a:ext uri="{909E8E84-426E-40dd-AFC4-6F175D3DCCD1}">
-              <a14:hiddenFill xmlns="" xmlns:a14="http://schemas.microsoft.com/office/drawing/2010/main">
+              <a14:hiddenFill xmlns:a14="http://schemas.microsoft.com/office/drawing/2010/main" xmlns="">
                 <a:noFill/>
               </a14:hiddenFill>
             </a:ext>
@@ -18155,7 +18045,7 @@
           </a:ln>
           <a:extLst>
             <a:ext uri="{909E8E84-426E-40dd-AFC4-6F175D3DCCD1}">
-              <a14:hiddenFill xmlns="" xmlns:a14="http://schemas.microsoft.com/office/drawing/2010/main">
+              <a14:hiddenFill xmlns:a14="http://schemas.microsoft.com/office/drawing/2010/main" xmlns="">
                 <a:noFill/>
               </a14:hiddenFill>
             </a:ext>
@@ -18191,7 +18081,7 @@
           </a:ln>
           <a:extLst>
             <a:ext uri="{909E8E84-426E-40dd-AFC4-6F175D3DCCD1}">
-              <a14:hiddenFill xmlns="" xmlns:a14="http://schemas.microsoft.com/office/drawing/2010/main">
+              <a14:hiddenFill xmlns:a14="http://schemas.microsoft.com/office/drawing/2010/main" xmlns="">
                 <a:noFill/>
               </a14:hiddenFill>
             </a:ext>
@@ -18227,7 +18117,7 @@
           </a:ln>
           <a:extLst>
             <a:ext uri="{909E8E84-426E-40dd-AFC4-6F175D3DCCD1}">
-              <a14:hiddenFill xmlns="" xmlns:a14="http://schemas.microsoft.com/office/drawing/2010/main">
+              <a14:hiddenFill xmlns:a14="http://schemas.microsoft.com/office/drawing/2010/main" xmlns="">
                 <a:noFill/>
               </a14:hiddenFill>
             </a:ext>
@@ -18263,7 +18153,7 @@
           </a:ln>
           <a:extLst>
             <a:ext uri="{909E8E84-426E-40dd-AFC4-6F175D3DCCD1}">
-              <a14:hiddenFill xmlns="" xmlns:a14="http://schemas.microsoft.com/office/drawing/2010/main">
+              <a14:hiddenFill xmlns:a14="http://schemas.microsoft.com/office/drawing/2010/main" xmlns="">
                 <a:noFill/>
               </a14:hiddenFill>
             </a:ext>
@@ -18292,14 +18182,14 @@
           </a:ln>
           <a:extLst>
             <a:ext uri="{909E8E84-426E-40dd-AFC4-6F175D3DCCD1}">
-              <a14:hiddenFill xmlns="" xmlns:a14="http://schemas.microsoft.com/office/drawing/2010/main">
+              <a14:hiddenFill xmlns:a14="http://schemas.microsoft.com/office/drawing/2010/main" xmlns="">
                 <a:solidFill>
                   <a:schemeClr val="accent1"/>
                 </a:solidFill>
               </a14:hiddenFill>
             </a:ext>
             <a:ext uri="{91240B29-F687-4f45-9708-019B960494DF}">
-              <a14:hiddenLine xmlns="" xmlns:a14="http://schemas.microsoft.com/office/drawing/2010/main" w="9525">
+              <a14:hiddenLine xmlns:a14="http://schemas.microsoft.com/office/drawing/2010/main" xmlns="" w="9525">
                 <a:solidFill>
                   <a:schemeClr val="tx1"/>
                 </a:solidFill>
@@ -18345,14 +18235,14 @@
           </a:ln>
           <a:extLst>
             <a:ext uri="{909E8E84-426E-40dd-AFC4-6F175D3DCCD1}">
-              <a14:hiddenFill xmlns="" xmlns:a14="http://schemas.microsoft.com/office/drawing/2010/main">
+              <a14:hiddenFill xmlns:a14="http://schemas.microsoft.com/office/drawing/2010/main" xmlns="">
                 <a:solidFill>
                   <a:schemeClr val="accent1"/>
                 </a:solidFill>
               </a14:hiddenFill>
             </a:ext>
             <a:ext uri="{91240B29-F687-4f45-9708-019B960494DF}">
-              <a14:hiddenLine xmlns="" xmlns:a14="http://schemas.microsoft.com/office/drawing/2010/main" w="9525">
+              <a14:hiddenLine xmlns:a14="http://schemas.microsoft.com/office/drawing/2010/main" xmlns="" w="9525">
                 <a:solidFill>
                   <a:schemeClr val="tx1"/>
                 </a:solidFill>
@@ -18410,7 +18300,7 @@
           </a:ln>
           <a:extLst>
             <a:ext uri="{909E8E84-426E-40dd-AFC4-6F175D3DCCD1}">
-              <a14:hiddenFill xmlns="" xmlns:a14="http://schemas.microsoft.com/office/drawing/2010/main">
+              <a14:hiddenFill xmlns:a14="http://schemas.microsoft.com/office/drawing/2010/main" xmlns="">
                 <a:solidFill>
                   <a:schemeClr val="accent1"/>
                 </a:solidFill>
@@ -18471,14 +18361,14 @@
           </a:ln>
           <a:extLst>
             <a:ext uri="{909E8E84-426E-40dd-AFC4-6F175D3DCCD1}">
-              <a14:hiddenFill xmlns="" xmlns:a14="http://schemas.microsoft.com/office/drawing/2010/main">
+              <a14:hiddenFill xmlns:a14="http://schemas.microsoft.com/office/drawing/2010/main" xmlns="">
                 <a:solidFill>
                   <a:schemeClr val="accent1"/>
                 </a:solidFill>
               </a14:hiddenFill>
             </a:ext>
             <a:ext uri="{91240B29-F687-4f45-9708-019B960494DF}">
-              <a14:hiddenLine xmlns="" xmlns:a14="http://schemas.microsoft.com/office/drawing/2010/main" w="9525">
+              <a14:hiddenLine xmlns:a14="http://schemas.microsoft.com/office/drawing/2010/main" xmlns="" w="9525">
                 <a:solidFill>
                   <a:schemeClr val="tx1"/>
                 </a:solidFill>
@@ -18535,7 +18425,7 @@
           </a:ln>
           <a:extLst>
             <a:ext uri="{909E8E84-426E-40dd-AFC4-6F175D3DCCD1}">
-              <a14:hiddenFill xmlns="" xmlns:a14="http://schemas.microsoft.com/office/drawing/2010/main">
+              <a14:hiddenFill xmlns:a14="http://schemas.microsoft.com/office/drawing/2010/main" xmlns="">
                 <a:noFill/>
               </a14:hiddenFill>
             </a:ext>
@@ -18554,13 +18444,6 @@
   <p:clrMapOvr>
     <a:masterClrMapping/>
   </p:clrMapOvr>
-  <p:timing>
-    <p:tnLst>
-      <p:par>
-        <p:cTn id="1" dur="indefinite" restart="never" nodeType="tmRoot"/>
-      </p:par>
-    </p:tnLst>
-  </p:timing>
 </p:sld>
 </file>
 
@@ -18657,14 +18540,14 @@
           </a:ln>
           <a:extLst>
             <a:ext uri="{909E8E84-426E-40dd-AFC4-6F175D3DCCD1}">
-              <a14:hiddenFill xmlns="" xmlns:a14="http://schemas.microsoft.com/office/drawing/2010/main">
+              <a14:hiddenFill xmlns:a14="http://schemas.microsoft.com/office/drawing/2010/main" xmlns="">
                 <a:solidFill>
                   <a:schemeClr val="accent1"/>
                 </a:solidFill>
               </a14:hiddenFill>
             </a:ext>
             <a:ext uri="{91240B29-F687-4f45-9708-019B960494DF}">
-              <a14:hiddenLine xmlns="" xmlns:a14="http://schemas.microsoft.com/office/drawing/2010/main" w="9525">
+              <a14:hiddenLine xmlns:a14="http://schemas.microsoft.com/office/drawing/2010/main" xmlns="" w="9525">
                 <a:solidFill>
                   <a:schemeClr val="tx1"/>
                 </a:solidFill>
@@ -18710,14 +18593,14 @@
           </a:ln>
           <a:extLst>
             <a:ext uri="{909E8E84-426E-40dd-AFC4-6F175D3DCCD1}">
-              <a14:hiddenFill xmlns="" xmlns:a14="http://schemas.microsoft.com/office/drawing/2010/main">
+              <a14:hiddenFill xmlns:a14="http://schemas.microsoft.com/office/drawing/2010/main" xmlns="">
                 <a:solidFill>
                   <a:schemeClr val="accent1"/>
                 </a:solidFill>
               </a14:hiddenFill>
             </a:ext>
             <a:ext uri="{91240B29-F687-4f45-9708-019B960494DF}">
-              <a14:hiddenLine xmlns="" xmlns:a14="http://schemas.microsoft.com/office/drawing/2010/main" w="9525">
+              <a14:hiddenLine xmlns:a14="http://schemas.microsoft.com/office/drawing/2010/main" xmlns="" w="9525">
                 <a:solidFill>
                   <a:schemeClr val="tx1"/>
                 </a:solidFill>
@@ -18763,14 +18646,14 @@
           </a:ln>
           <a:extLst>
             <a:ext uri="{909E8E84-426E-40dd-AFC4-6F175D3DCCD1}">
-              <a14:hiddenFill xmlns="" xmlns:a14="http://schemas.microsoft.com/office/drawing/2010/main">
+              <a14:hiddenFill xmlns:a14="http://schemas.microsoft.com/office/drawing/2010/main" xmlns="">
                 <a:solidFill>
                   <a:schemeClr val="accent1"/>
                 </a:solidFill>
               </a14:hiddenFill>
             </a:ext>
             <a:ext uri="{91240B29-F687-4f45-9708-019B960494DF}">
-              <a14:hiddenLine xmlns="" xmlns:a14="http://schemas.microsoft.com/office/drawing/2010/main" w="9525">
+              <a14:hiddenLine xmlns:a14="http://schemas.microsoft.com/office/drawing/2010/main" xmlns="" w="9525">
                 <a:solidFill>
                   <a:schemeClr val="tx1"/>
                 </a:solidFill>
@@ -18816,14 +18699,14 @@
           </a:ln>
           <a:extLst>
             <a:ext uri="{909E8E84-426E-40dd-AFC4-6F175D3DCCD1}">
-              <a14:hiddenFill xmlns="" xmlns:a14="http://schemas.microsoft.com/office/drawing/2010/main">
+              <a14:hiddenFill xmlns:a14="http://schemas.microsoft.com/office/drawing/2010/main" xmlns="">
                 <a:solidFill>
                   <a:schemeClr val="accent1"/>
                 </a:solidFill>
               </a14:hiddenFill>
             </a:ext>
             <a:ext uri="{91240B29-F687-4f45-9708-019B960494DF}">
-              <a14:hiddenLine xmlns="" xmlns:a14="http://schemas.microsoft.com/office/drawing/2010/main" w="9525">
+              <a14:hiddenLine xmlns:a14="http://schemas.microsoft.com/office/drawing/2010/main" xmlns="" w="9525">
                 <a:solidFill>
                   <a:schemeClr val="tx1"/>
                 </a:solidFill>
@@ -18869,14 +18752,14 @@
           </a:ln>
           <a:extLst>
             <a:ext uri="{909E8E84-426E-40dd-AFC4-6F175D3DCCD1}">
-              <a14:hiddenFill xmlns="" xmlns:a14="http://schemas.microsoft.com/office/drawing/2010/main">
+              <a14:hiddenFill xmlns:a14="http://schemas.microsoft.com/office/drawing/2010/main" xmlns="">
                 <a:solidFill>
                   <a:schemeClr val="accent1"/>
                 </a:solidFill>
               </a14:hiddenFill>
             </a:ext>
             <a:ext uri="{91240B29-F687-4f45-9708-019B960494DF}">
-              <a14:hiddenLine xmlns="" xmlns:a14="http://schemas.microsoft.com/office/drawing/2010/main" w="9525">
+              <a14:hiddenLine xmlns:a14="http://schemas.microsoft.com/office/drawing/2010/main" xmlns="" w="9525">
                 <a:solidFill>
                   <a:schemeClr val="tx1"/>
                 </a:solidFill>
@@ -18922,14 +18805,14 @@
           </a:ln>
           <a:extLst>
             <a:ext uri="{909E8E84-426E-40dd-AFC4-6F175D3DCCD1}">
-              <a14:hiddenFill xmlns="" xmlns:a14="http://schemas.microsoft.com/office/drawing/2010/main">
+              <a14:hiddenFill xmlns:a14="http://schemas.microsoft.com/office/drawing/2010/main" xmlns="">
                 <a:solidFill>
                   <a:schemeClr val="accent1"/>
                 </a:solidFill>
               </a14:hiddenFill>
             </a:ext>
             <a:ext uri="{91240B29-F687-4f45-9708-019B960494DF}">
-              <a14:hiddenLine xmlns="" xmlns:a14="http://schemas.microsoft.com/office/drawing/2010/main" w="9525">
+              <a14:hiddenLine xmlns:a14="http://schemas.microsoft.com/office/drawing/2010/main" xmlns="" w="9525">
                 <a:solidFill>
                   <a:schemeClr val="tx1"/>
                 </a:solidFill>
@@ -18975,14 +18858,14 @@
           </a:ln>
           <a:extLst>
             <a:ext uri="{909E8E84-426E-40dd-AFC4-6F175D3DCCD1}">
-              <a14:hiddenFill xmlns="" xmlns:a14="http://schemas.microsoft.com/office/drawing/2010/main">
+              <a14:hiddenFill xmlns:a14="http://schemas.microsoft.com/office/drawing/2010/main" xmlns="">
                 <a:solidFill>
                   <a:schemeClr val="accent1"/>
                 </a:solidFill>
               </a14:hiddenFill>
             </a:ext>
             <a:ext uri="{91240B29-F687-4f45-9708-019B960494DF}">
-              <a14:hiddenLine xmlns="" xmlns:a14="http://schemas.microsoft.com/office/drawing/2010/main" w="9525">
+              <a14:hiddenLine xmlns:a14="http://schemas.microsoft.com/office/drawing/2010/main" xmlns="" w="9525">
                 <a:solidFill>
                   <a:schemeClr val="tx1"/>
                 </a:solidFill>
@@ -19028,14 +18911,14 @@
           </a:ln>
           <a:extLst>
             <a:ext uri="{909E8E84-426E-40dd-AFC4-6F175D3DCCD1}">
-              <a14:hiddenFill xmlns="" xmlns:a14="http://schemas.microsoft.com/office/drawing/2010/main">
+              <a14:hiddenFill xmlns:a14="http://schemas.microsoft.com/office/drawing/2010/main" xmlns="">
                 <a:solidFill>
                   <a:schemeClr val="accent1"/>
                 </a:solidFill>
               </a14:hiddenFill>
             </a:ext>
             <a:ext uri="{91240B29-F687-4f45-9708-019B960494DF}">
-              <a14:hiddenLine xmlns="" xmlns:a14="http://schemas.microsoft.com/office/drawing/2010/main" w="9525">
+              <a14:hiddenLine xmlns:a14="http://schemas.microsoft.com/office/drawing/2010/main" xmlns="" w="9525">
                 <a:solidFill>
                   <a:schemeClr val="tx1"/>
                 </a:solidFill>
@@ -19081,14 +18964,14 @@
           </a:ln>
           <a:extLst>
             <a:ext uri="{909E8E84-426E-40dd-AFC4-6F175D3DCCD1}">
-              <a14:hiddenFill xmlns="" xmlns:a14="http://schemas.microsoft.com/office/drawing/2010/main">
+              <a14:hiddenFill xmlns:a14="http://schemas.microsoft.com/office/drawing/2010/main" xmlns="">
                 <a:solidFill>
                   <a:schemeClr val="accent1"/>
                 </a:solidFill>
               </a14:hiddenFill>
             </a:ext>
             <a:ext uri="{91240B29-F687-4f45-9708-019B960494DF}">
-              <a14:hiddenLine xmlns="" xmlns:a14="http://schemas.microsoft.com/office/drawing/2010/main" w="9525">
+              <a14:hiddenLine xmlns:a14="http://schemas.microsoft.com/office/drawing/2010/main" xmlns="" w="9525">
                 <a:solidFill>
                   <a:schemeClr val="tx1"/>
                 </a:solidFill>
@@ -19134,14 +19017,14 @@
           </a:ln>
           <a:extLst>
             <a:ext uri="{909E8E84-426E-40dd-AFC4-6F175D3DCCD1}">
-              <a14:hiddenFill xmlns="" xmlns:a14="http://schemas.microsoft.com/office/drawing/2010/main">
+              <a14:hiddenFill xmlns:a14="http://schemas.microsoft.com/office/drawing/2010/main" xmlns="">
                 <a:solidFill>
                   <a:schemeClr val="accent1"/>
                 </a:solidFill>
               </a14:hiddenFill>
             </a:ext>
             <a:ext uri="{91240B29-F687-4f45-9708-019B960494DF}">
-              <a14:hiddenLine xmlns="" xmlns:a14="http://schemas.microsoft.com/office/drawing/2010/main" w="9525">
+              <a14:hiddenLine xmlns:a14="http://schemas.microsoft.com/office/drawing/2010/main" xmlns="" w="9525">
                 <a:solidFill>
                   <a:schemeClr val="tx1"/>
                 </a:solidFill>
@@ -19187,14 +19070,14 @@
           </a:ln>
           <a:extLst>
             <a:ext uri="{909E8E84-426E-40dd-AFC4-6F175D3DCCD1}">
-              <a14:hiddenFill xmlns="" xmlns:a14="http://schemas.microsoft.com/office/drawing/2010/main">
+              <a14:hiddenFill xmlns:a14="http://schemas.microsoft.com/office/drawing/2010/main" xmlns="">
                 <a:solidFill>
                   <a:schemeClr val="accent1"/>
                 </a:solidFill>
               </a14:hiddenFill>
             </a:ext>
             <a:ext uri="{91240B29-F687-4f45-9708-019B960494DF}">
-              <a14:hiddenLine xmlns="" xmlns:a14="http://schemas.microsoft.com/office/drawing/2010/main" w="9525">
+              <a14:hiddenLine xmlns:a14="http://schemas.microsoft.com/office/drawing/2010/main" xmlns="" w="9525">
                 <a:solidFill>
                   <a:schemeClr val="tx1"/>
                 </a:solidFill>
@@ -19247,7 +19130,7 @@
           </a:ln>
           <a:extLst>
             <a:ext uri="{909E8E84-426E-40dd-AFC4-6F175D3DCCD1}">
-              <a14:hiddenFill xmlns="" xmlns:a14="http://schemas.microsoft.com/office/drawing/2010/main">
+              <a14:hiddenFill xmlns:a14="http://schemas.microsoft.com/office/drawing/2010/main" xmlns="">
                 <a:noFill/>
               </a14:hiddenFill>
             </a:ext>
@@ -19283,7 +19166,7 @@
           </a:ln>
           <a:extLst>
             <a:ext uri="{909E8E84-426E-40dd-AFC4-6F175D3DCCD1}">
-              <a14:hiddenFill xmlns="" xmlns:a14="http://schemas.microsoft.com/office/drawing/2010/main">
+              <a14:hiddenFill xmlns:a14="http://schemas.microsoft.com/office/drawing/2010/main" xmlns="">
                 <a:noFill/>
               </a14:hiddenFill>
             </a:ext>
@@ -19319,7 +19202,7 @@
           </a:ln>
           <a:extLst>
             <a:ext uri="{909E8E84-426E-40dd-AFC4-6F175D3DCCD1}">
-              <a14:hiddenFill xmlns="" xmlns:a14="http://schemas.microsoft.com/office/drawing/2010/main">
+              <a14:hiddenFill xmlns:a14="http://schemas.microsoft.com/office/drawing/2010/main" xmlns="">
                 <a:noFill/>
               </a14:hiddenFill>
             </a:ext>
@@ -19355,7 +19238,7 @@
           </a:ln>
           <a:extLst>
             <a:ext uri="{909E8E84-426E-40dd-AFC4-6F175D3DCCD1}">
-              <a14:hiddenFill xmlns="" xmlns:a14="http://schemas.microsoft.com/office/drawing/2010/main">
+              <a14:hiddenFill xmlns:a14="http://schemas.microsoft.com/office/drawing/2010/main" xmlns="">
                 <a:noFill/>
               </a14:hiddenFill>
             </a:ext>
@@ -19391,7 +19274,7 @@
           </a:ln>
           <a:extLst>
             <a:ext uri="{909E8E84-426E-40dd-AFC4-6F175D3DCCD1}">
-              <a14:hiddenFill xmlns="" xmlns:a14="http://schemas.microsoft.com/office/drawing/2010/main">
+              <a14:hiddenFill xmlns:a14="http://schemas.microsoft.com/office/drawing/2010/main" xmlns="">
                 <a:noFill/>
               </a14:hiddenFill>
             </a:ext>
@@ -19427,7 +19310,7 @@
           </a:ln>
           <a:extLst>
             <a:ext uri="{909E8E84-426E-40dd-AFC4-6F175D3DCCD1}">
-              <a14:hiddenFill xmlns="" xmlns:a14="http://schemas.microsoft.com/office/drawing/2010/main">
+              <a14:hiddenFill xmlns:a14="http://schemas.microsoft.com/office/drawing/2010/main" xmlns="">
                 <a:noFill/>
               </a14:hiddenFill>
             </a:ext>
@@ -19463,7 +19346,7 @@
           </a:ln>
           <a:extLst>
             <a:ext uri="{909E8E84-426E-40dd-AFC4-6F175D3DCCD1}">
-              <a14:hiddenFill xmlns="" xmlns:a14="http://schemas.microsoft.com/office/drawing/2010/main">
+              <a14:hiddenFill xmlns:a14="http://schemas.microsoft.com/office/drawing/2010/main" xmlns="">
                 <a:noFill/>
               </a14:hiddenFill>
             </a:ext>
@@ -19499,7 +19382,7 @@
           </a:ln>
           <a:extLst>
             <a:ext uri="{909E8E84-426E-40dd-AFC4-6F175D3DCCD1}">
-              <a14:hiddenFill xmlns="" xmlns:a14="http://schemas.microsoft.com/office/drawing/2010/main">
+              <a14:hiddenFill xmlns:a14="http://schemas.microsoft.com/office/drawing/2010/main" xmlns="">
                 <a:noFill/>
               </a14:hiddenFill>
             </a:ext>
@@ -19535,7 +19418,7 @@
           </a:ln>
           <a:extLst>
             <a:ext uri="{909E8E84-426E-40dd-AFC4-6F175D3DCCD1}">
-              <a14:hiddenFill xmlns="" xmlns:a14="http://schemas.microsoft.com/office/drawing/2010/main">
+              <a14:hiddenFill xmlns:a14="http://schemas.microsoft.com/office/drawing/2010/main" xmlns="">
                 <a:noFill/>
               </a14:hiddenFill>
             </a:ext>
@@ -19571,7 +19454,7 @@
           </a:ln>
           <a:extLst>
             <a:ext uri="{909E8E84-426E-40dd-AFC4-6F175D3DCCD1}">
-              <a14:hiddenFill xmlns="" xmlns:a14="http://schemas.microsoft.com/office/drawing/2010/main">
+              <a14:hiddenFill xmlns:a14="http://schemas.microsoft.com/office/drawing/2010/main" xmlns="">
                 <a:noFill/>
               </a14:hiddenFill>
             </a:ext>
@@ -19600,14 +19483,14 @@
           </a:ln>
           <a:extLst>
             <a:ext uri="{909E8E84-426E-40dd-AFC4-6F175D3DCCD1}">
-              <a14:hiddenFill xmlns="" xmlns:a14="http://schemas.microsoft.com/office/drawing/2010/main">
+              <a14:hiddenFill xmlns:a14="http://schemas.microsoft.com/office/drawing/2010/main" xmlns="">
                 <a:solidFill>
                   <a:schemeClr val="accent1"/>
                 </a:solidFill>
               </a14:hiddenFill>
             </a:ext>
             <a:ext uri="{91240B29-F687-4f45-9708-019B960494DF}">
-              <a14:hiddenLine xmlns="" xmlns:a14="http://schemas.microsoft.com/office/drawing/2010/main" w="9525">
+              <a14:hiddenLine xmlns:a14="http://schemas.microsoft.com/office/drawing/2010/main" xmlns="" w="9525">
                 <a:solidFill>
                   <a:schemeClr val="tx1"/>
                 </a:solidFill>
@@ -19653,14 +19536,14 @@
           </a:ln>
           <a:extLst>
             <a:ext uri="{909E8E84-426E-40dd-AFC4-6F175D3DCCD1}">
-              <a14:hiddenFill xmlns="" xmlns:a14="http://schemas.microsoft.com/office/drawing/2010/main">
+              <a14:hiddenFill xmlns:a14="http://schemas.microsoft.com/office/drawing/2010/main" xmlns="">
                 <a:solidFill>
                   <a:schemeClr val="accent1"/>
                 </a:solidFill>
               </a14:hiddenFill>
             </a:ext>
             <a:ext uri="{91240B29-F687-4f45-9708-019B960494DF}">
-              <a14:hiddenLine xmlns="" xmlns:a14="http://schemas.microsoft.com/office/drawing/2010/main" w="9525">
+              <a14:hiddenLine xmlns:a14="http://schemas.microsoft.com/office/drawing/2010/main" xmlns="" w="9525">
                 <a:solidFill>
                   <a:schemeClr val="tx1"/>
                 </a:solidFill>
@@ -19713,14 +19596,14 @@
           </a:ln>
           <a:extLst>
             <a:ext uri="{909E8E84-426E-40dd-AFC4-6F175D3DCCD1}">
-              <a14:hiddenFill xmlns="" xmlns:a14="http://schemas.microsoft.com/office/drawing/2010/main">
+              <a14:hiddenFill xmlns:a14="http://schemas.microsoft.com/office/drawing/2010/main" xmlns="">
                 <a:solidFill>
                   <a:schemeClr val="accent1"/>
                 </a:solidFill>
               </a14:hiddenFill>
             </a:ext>
             <a:ext uri="{91240B29-F687-4f45-9708-019B960494DF}">
-              <a14:hiddenLine xmlns="" xmlns:a14="http://schemas.microsoft.com/office/drawing/2010/main" w="9525">
+              <a14:hiddenLine xmlns:a14="http://schemas.microsoft.com/office/drawing/2010/main" xmlns="" w="9525">
                 <a:solidFill>
                   <a:schemeClr val="tx1"/>
                 </a:solidFill>
@@ -19771,7 +19654,7 @@
           </a:ln>
           <a:extLst>
             <a:ext uri="{909E8E84-426E-40dd-AFC4-6F175D3DCCD1}">
-              <a14:hiddenFill xmlns="" xmlns:a14="http://schemas.microsoft.com/office/drawing/2010/main">
+              <a14:hiddenFill xmlns:a14="http://schemas.microsoft.com/office/drawing/2010/main" xmlns="">
                 <a:solidFill>
                   <a:schemeClr val="accent1"/>
                 </a:solidFill>
@@ -19815,13 +19698,6 @@
   <p:clrMapOvr>
     <a:masterClrMapping/>
   </p:clrMapOvr>
-  <p:timing>
-    <p:tnLst>
-      <p:par>
-        <p:cTn id="1" dur="indefinite" restart="never" nodeType="tmRoot"/>
-      </p:par>
-    </p:tnLst>
-  </p:timing>
 </p:sld>
 </file>
 
@@ -19918,14 +19794,14 @@
           </a:ln>
           <a:extLst>
             <a:ext uri="{909E8E84-426E-40dd-AFC4-6F175D3DCCD1}">
-              <a14:hiddenFill xmlns="" xmlns:a14="http://schemas.microsoft.com/office/drawing/2010/main">
+              <a14:hiddenFill xmlns:a14="http://schemas.microsoft.com/office/drawing/2010/main" xmlns="">
                 <a:solidFill>
                   <a:schemeClr val="accent1"/>
                 </a:solidFill>
               </a14:hiddenFill>
             </a:ext>
             <a:ext uri="{91240B29-F687-4f45-9708-019B960494DF}">
-              <a14:hiddenLine xmlns="" xmlns:a14="http://schemas.microsoft.com/office/drawing/2010/main" w="9525">
+              <a14:hiddenLine xmlns:a14="http://schemas.microsoft.com/office/drawing/2010/main" xmlns="" w="9525">
                 <a:solidFill>
                   <a:schemeClr val="tx1"/>
                 </a:solidFill>
@@ -19971,14 +19847,14 @@
           </a:ln>
           <a:extLst>
             <a:ext uri="{909E8E84-426E-40dd-AFC4-6F175D3DCCD1}">
-              <a14:hiddenFill xmlns="" xmlns:a14="http://schemas.microsoft.com/office/drawing/2010/main">
+              <a14:hiddenFill xmlns:a14="http://schemas.microsoft.com/office/drawing/2010/main" xmlns="">
                 <a:solidFill>
                   <a:schemeClr val="accent1"/>
                 </a:solidFill>
               </a14:hiddenFill>
             </a:ext>
             <a:ext uri="{91240B29-F687-4f45-9708-019B960494DF}">
-              <a14:hiddenLine xmlns="" xmlns:a14="http://schemas.microsoft.com/office/drawing/2010/main" w="9525">
+              <a14:hiddenLine xmlns:a14="http://schemas.microsoft.com/office/drawing/2010/main" xmlns="" w="9525">
                 <a:solidFill>
                   <a:schemeClr val="tx1"/>
                 </a:solidFill>
@@ -20024,14 +19900,14 @@
           </a:ln>
           <a:extLst>
             <a:ext uri="{909E8E84-426E-40dd-AFC4-6F175D3DCCD1}">
-              <a14:hiddenFill xmlns="" xmlns:a14="http://schemas.microsoft.com/office/drawing/2010/main">
+              <a14:hiddenFill xmlns:a14="http://schemas.microsoft.com/office/drawing/2010/main" xmlns="">
                 <a:solidFill>
                   <a:schemeClr val="accent1"/>
                 </a:solidFill>
               </a14:hiddenFill>
             </a:ext>
             <a:ext uri="{91240B29-F687-4f45-9708-019B960494DF}">
-              <a14:hiddenLine xmlns="" xmlns:a14="http://schemas.microsoft.com/office/drawing/2010/main" w="9525">
+              <a14:hiddenLine xmlns:a14="http://schemas.microsoft.com/office/drawing/2010/main" xmlns="" w="9525">
                 <a:solidFill>
                   <a:schemeClr val="tx1"/>
                 </a:solidFill>
@@ -20077,14 +19953,14 @@
           </a:ln>
           <a:extLst>
             <a:ext uri="{909E8E84-426E-40dd-AFC4-6F175D3DCCD1}">
-              <a14:hiddenFill xmlns="" xmlns:a14="http://schemas.microsoft.com/office/drawing/2010/main">
+              <a14:hiddenFill xmlns:a14="http://schemas.microsoft.com/office/drawing/2010/main" xmlns="">
                 <a:solidFill>
                   <a:schemeClr val="accent1"/>
                 </a:solidFill>
               </a14:hiddenFill>
             </a:ext>
             <a:ext uri="{91240B29-F687-4f45-9708-019B960494DF}">
-              <a14:hiddenLine xmlns="" xmlns:a14="http://schemas.microsoft.com/office/drawing/2010/main" w="9525">
+              <a14:hiddenLine xmlns:a14="http://schemas.microsoft.com/office/drawing/2010/main" xmlns="" w="9525">
                 <a:solidFill>
                   <a:schemeClr val="tx1"/>
                 </a:solidFill>
@@ -20130,14 +20006,14 @@
           </a:ln>
           <a:extLst>
             <a:ext uri="{909E8E84-426E-40dd-AFC4-6F175D3DCCD1}">
-              <a14:hiddenFill xmlns="" xmlns:a14="http://schemas.microsoft.com/office/drawing/2010/main">
+              <a14:hiddenFill xmlns:a14="http://schemas.microsoft.com/office/drawing/2010/main" xmlns="">
                 <a:solidFill>
                   <a:schemeClr val="accent1"/>
                 </a:solidFill>
               </a14:hiddenFill>
             </a:ext>
             <a:ext uri="{91240B29-F687-4f45-9708-019B960494DF}">
-              <a14:hiddenLine xmlns="" xmlns:a14="http://schemas.microsoft.com/office/drawing/2010/main" w="9525">
+              <a14:hiddenLine xmlns:a14="http://schemas.microsoft.com/office/drawing/2010/main" xmlns="" w="9525">
                 <a:solidFill>
                   <a:schemeClr val="tx1"/>
                 </a:solidFill>
@@ -20183,14 +20059,14 @@
           </a:ln>
           <a:extLst>
             <a:ext uri="{909E8E84-426E-40dd-AFC4-6F175D3DCCD1}">
-              <a14:hiddenFill xmlns="" xmlns:a14="http://schemas.microsoft.com/office/drawing/2010/main">
+              <a14:hiddenFill xmlns:a14="http://schemas.microsoft.com/office/drawing/2010/main" xmlns="">
                 <a:solidFill>
                   <a:schemeClr val="accent1"/>
                 </a:solidFill>
               </a14:hiddenFill>
             </a:ext>
             <a:ext uri="{91240B29-F687-4f45-9708-019B960494DF}">
-              <a14:hiddenLine xmlns="" xmlns:a14="http://schemas.microsoft.com/office/drawing/2010/main" w="9525">
+              <a14:hiddenLine xmlns:a14="http://schemas.microsoft.com/office/drawing/2010/main" xmlns="" w="9525">
                 <a:solidFill>
                   <a:schemeClr val="tx1"/>
                 </a:solidFill>
@@ -20236,14 +20112,14 @@
           </a:ln>
           <a:extLst>
             <a:ext uri="{909E8E84-426E-40dd-AFC4-6F175D3DCCD1}">
-              <a14:hiddenFill xmlns="" xmlns:a14="http://schemas.microsoft.com/office/drawing/2010/main">
+              <a14:hiddenFill xmlns:a14="http://schemas.microsoft.com/office/drawing/2010/main" xmlns="">
                 <a:solidFill>
                   <a:schemeClr val="accent1"/>
                 </a:solidFill>
               </a14:hiddenFill>
             </a:ext>
             <a:ext uri="{91240B29-F687-4f45-9708-019B960494DF}">
-              <a14:hiddenLine xmlns="" xmlns:a14="http://schemas.microsoft.com/office/drawing/2010/main" w="9525">
+              <a14:hiddenLine xmlns:a14="http://schemas.microsoft.com/office/drawing/2010/main" xmlns="" w="9525">
                 <a:solidFill>
                   <a:schemeClr val="tx1"/>
                 </a:solidFill>
@@ -20289,14 +20165,14 @@
           </a:ln>
           <a:extLst>
             <a:ext uri="{909E8E84-426E-40dd-AFC4-6F175D3DCCD1}">
-              <a14:hiddenFill xmlns="" xmlns:a14="http://schemas.microsoft.com/office/drawing/2010/main">
+              <a14:hiddenFill xmlns:a14="http://schemas.microsoft.com/office/drawing/2010/main" xmlns="">
                 <a:solidFill>
                   <a:schemeClr val="accent1"/>
                 </a:solidFill>
               </a14:hiddenFill>
             </a:ext>
             <a:ext uri="{91240B29-F687-4f45-9708-019B960494DF}">
-              <a14:hiddenLine xmlns="" xmlns:a14="http://schemas.microsoft.com/office/drawing/2010/main" w="9525">
+              <a14:hiddenLine xmlns:a14="http://schemas.microsoft.com/office/drawing/2010/main" xmlns="" w="9525">
                 <a:solidFill>
                   <a:schemeClr val="tx1"/>
                 </a:solidFill>
@@ -20342,14 +20218,14 @@
           </a:ln>
           <a:extLst>
             <a:ext uri="{909E8E84-426E-40dd-AFC4-6F175D3DCCD1}">
-              <a14:hiddenFill xmlns="" xmlns:a14="http://schemas.microsoft.com/office/drawing/2010/main">
+              <a14:hiddenFill xmlns:a14="http://schemas.microsoft.com/office/drawing/2010/main" xmlns="">
                 <a:solidFill>
                   <a:schemeClr val="accent1"/>
                 </a:solidFill>
               </a14:hiddenFill>
             </a:ext>
             <a:ext uri="{91240B29-F687-4f45-9708-019B960494DF}">
-              <a14:hiddenLine xmlns="" xmlns:a14="http://schemas.microsoft.com/office/drawing/2010/main" w="9525">
+              <a14:hiddenLine xmlns:a14="http://schemas.microsoft.com/office/drawing/2010/main" xmlns="" w="9525">
                 <a:solidFill>
                   <a:schemeClr val="tx1"/>
                 </a:solidFill>
@@ -20395,14 +20271,14 @@
           </a:ln>
           <a:extLst>
             <a:ext uri="{909E8E84-426E-40dd-AFC4-6F175D3DCCD1}">
-              <a14:hiddenFill xmlns="" xmlns:a14="http://schemas.microsoft.com/office/drawing/2010/main">
+              <a14:hiddenFill xmlns:a14="http://schemas.microsoft.com/office/drawing/2010/main" xmlns="">
                 <a:solidFill>
                   <a:schemeClr val="accent1"/>
                 </a:solidFill>
               </a14:hiddenFill>
             </a:ext>
             <a:ext uri="{91240B29-F687-4f45-9708-019B960494DF}">
-              <a14:hiddenLine xmlns="" xmlns:a14="http://schemas.microsoft.com/office/drawing/2010/main" w="9525">
+              <a14:hiddenLine xmlns:a14="http://schemas.microsoft.com/office/drawing/2010/main" xmlns="" w="9525">
                 <a:solidFill>
                   <a:schemeClr val="tx1"/>
                 </a:solidFill>
@@ -20448,14 +20324,14 @@
           </a:ln>
           <a:extLst>
             <a:ext uri="{909E8E84-426E-40dd-AFC4-6F175D3DCCD1}">
-              <a14:hiddenFill xmlns="" xmlns:a14="http://schemas.microsoft.com/office/drawing/2010/main">
+              <a14:hiddenFill xmlns:a14="http://schemas.microsoft.com/office/drawing/2010/main" xmlns="">
                 <a:solidFill>
                   <a:schemeClr val="accent1"/>
                 </a:solidFill>
               </a14:hiddenFill>
             </a:ext>
             <a:ext uri="{91240B29-F687-4f45-9708-019B960494DF}">
-              <a14:hiddenLine xmlns="" xmlns:a14="http://schemas.microsoft.com/office/drawing/2010/main" w="9525">
+              <a14:hiddenLine xmlns:a14="http://schemas.microsoft.com/office/drawing/2010/main" xmlns="" w="9525">
                 <a:solidFill>
                   <a:schemeClr val="tx1"/>
                 </a:solidFill>
@@ -20508,7 +20384,7 @@
           </a:ln>
           <a:extLst>
             <a:ext uri="{909E8E84-426E-40dd-AFC4-6F175D3DCCD1}">
-              <a14:hiddenFill xmlns="" xmlns:a14="http://schemas.microsoft.com/office/drawing/2010/main">
+              <a14:hiddenFill xmlns:a14="http://schemas.microsoft.com/office/drawing/2010/main" xmlns="">
                 <a:noFill/>
               </a14:hiddenFill>
             </a:ext>
@@ -20544,7 +20420,7 @@
           </a:ln>
           <a:extLst>
             <a:ext uri="{909E8E84-426E-40dd-AFC4-6F175D3DCCD1}">
-              <a14:hiddenFill xmlns="" xmlns:a14="http://schemas.microsoft.com/office/drawing/2010/main">
+              <a14:hiddenFill xmlns:a14="http://schemas.microsoft.com/office/drawing/2010/main" xmlns="">
                 <a:noFill/>
               </a14:hiddenFill>
             </a:ext>
@@ -20580,7 +20456,7 @@
           </a:ln>
           <a:extLst>
             <a:ext uri="{909E8E84-426E-40dd-AFC4-6F175D3DCCD1}">
-              <a14:hiddenFill xmlns="" xmlns:a14="http://schemas.microsoft.com/office/drawing/2010/main">
+              <a14:hiddenFill xmlns:a14="http://schemas.microsoft.com/office/drawing/2010/main" xmlns="">
                 <a:noFill/>
               </a14:hiddenFill>
             </a:ext>
@@ -20616,7 +20492,7 @@
           </a:ln>
           <a:extLst>
             <a:ext uri="{909E8E84-426E-40dd-AFC4-6F175D3DCCD1}">
-              <a14:hiddenFill xmlns="" xmlns:a14="http://schemas.microsoft.com/office/drawing/2010/main">
+              <a14:hiddenFill xmlns:a14="http://schemas.microsoft.com/office/drawing/2010/main" xmlns="">
                 <a:noFill/>
               </a14:hiddenFill>
             </a:ext>
@@ -20652,7 +20528,7 @@
           </a:ln>
           <a:extLst>
             <a:ext uri="{909E8E84-426E-40dd-AFC4-6F175D3DCCD1}">
-              <a14:hiddenFill xmlns="" xmlns:a14="http://schemas.microsoft.com/office/drawing/2010/main">
+              <a14:hiddenFill xmlns:a14="http://schemas.microsoft.com/office/drawing/2010/main" xmlns="">
                 <a:noFill/>
               </a14:hiddenFill>
             </a:ext>
@@ -20688,7 +20564,7 @@
           </a:ln>
           <a:extLst>
             <a:ext uri="{909E8E84-426E-40dd-AFC4-6F175D3DCCD1}">
-              <a14:hiddenFill xmlns="" xmlns:a14="http://schemas.microsoft.com/office/drawing/2010/main">
+              <a14:hiddenFill xmlns:a14="http://schemas.microsoft.com/office/drawing/2010/main" xmlns="">
                 <a:noFill/>
               </a14:hiddenFill>
             </a:ext>
@@ -20724,7 +20600,7 @@
           </a:ln>
           <a:extLst>
             <a:ext uri="{909E8E84-426E-40dd-AFC4-6F175D3DCCD1}">
-              <a14:hiddenFill xmlns="" xmlns:a14="http://schemas.microsoft.com/office/drawing/2010/main">
+              <a14:hiddenFill xmlns:a14="http://schemas.microsoft.com/office/drawing/2010/main" xmlns="">
                 <a:noFill/>
               </a14:hiddenFill>
             </a:ext>
@@ -20760,7 +20636,7 @@
           </a:ln>
           <a:extLst>
             <a:ext uri="{909E8E84-426E-40dd-AFC4-6F175D3DCCD1}">
-              <a14:hiddenFill xmlns="" xmlns:a14="http://schemas.microsoft.com/office/drawing/2010/main">
+              <a14:hiddenFill xmlns:a14="http://schemas.microsoft.com/office/drawing/2010/main" xmlns="">
                 <a:noFill/>
               </a14:hiddenFill>
             </a:ext>
@@ -20796,7 +20672,7 @@
           </a:ln>
           <a:extLst>
             <a:ext uri="{909E8E84-426E-40dd-AFC4-6F175D3DCCD1}">
-              <a14:hiddenFill xmlns="" xmlns:a14="http://schemas.microsoft.com/office/drawing/2010/main">
+              <a14:hiddenFill xmlns:a14="http://schemas.microsoft.com/office/drawing/2010/main" xmlns="">
                 <a:noFill/>
               </a14:hiddenFill>
             </a:ext>
@@ -20832,7 +20708,7 @@
           </a:ln>
           <a:extLst>
             <a:ext uri="{909E8E84-426E-40dd-AFC4-6F175D3DCCD1}">
-              <a14:hiddenFill xmlns="" xmlns:a14="http://schemas.microsoft.com/office/drawing/2010/main">
+              <a14:hiddenFill xmlns:a14="http://schemas.microsoft.com/office/drawing/2010/main" xmlns="">
                 <a:noFill/>
               </a14:hiddenFill>
             </a:ext>
@@ -20861,14 +20737,14 @@
           </a:ln>
           <a:extLst>
             <a:ext uri="{909E8E84-426E-40dd-AFC4-6F175D3DCCD1}">
-              <a14:hiddenFill xmlns="" xmlns:a14="http://schemas.microsoft.com/office/drawing/2010/main">
+              <a14:hiddenFill xmlns:a14="http://schemas.microsoft.com/office/drawing/2010/main" xmlns="">
                 <a:solidFill>
                   <a:schemeClr val="accent1"/>
                 </a:solidFill>
               </a14:hiddenFill>
             </a:ext>
             <a:ext uri="{91240B29-F687-4f45-9708-019B960494DF}">
-              <a14:hiddenLine xmlns="" xmlns:a14="http://schemas.microsoft.com/office/drawing/2010/main" w="9525">
+              <a14:hiddenLine xmlns:a14="http://schemas.microsoft.com/office/drawing/2010/main" xmlns="" w="9525">
                 <a:solidFill>
                   <a:schemeClr val="tx1"/>
                 </a:solidFill>
@@ -20914,14 +20790,14 @@
           </a:ln>
           <a:extLst>
             <a:ext uri="{909E8E84-426E-40dd-AFC4-6F175D3DCCD1}">
-              <a14:hiddenFill xmlns="" xmlns:a14="http://schemas.microsoft.com/office/drawing/2010/main">
+              <a14:hiddenFill xmlns:a14="http://schemas.microsoft.com/office/drawing/2010/main" xmlns="">
                 <a:solidFill>
                   <a:schemeClr val="accent1"/>
                 </a:solidFill>
               </a14:hiddenFill>
             </a:ext>
             <a:ext uri="{91240B29-F687-4f45-9708-019B960494DF}">
-              <a14:hiddenLine xmlns="" xmlns:a14="http://schemas.microsoft.com/office/drawing/2010/main" w="9525">
+              <a14:hiddenLine xmlns:a14="http://schemas.microsoft.com/office/drawing/2010/main" xmlns="" w="9525">
                 <a:solidFill>
                   <a:schemeClr val="tx1"/>
                 </a:solidFill>
@@ -20974,14 +20850,14 @@
           </a:ln>
           <a:extLst>
             <a:ext uri="{909E8E84-426E-40dd-AFC4-6F175D3DCCD1}">
-              <a14:hiddenFill xmlns="" xmlns:a14="http://schemas.microsoft.com/office/drawing/2010/main">
+              <a14:hiddenFill xmlns:a14="http://schemas.microsoft.com/office/drawing/2010/main" xmlns="">
                 <a:solidFill>
                   <a:schemeClr val="accent1"/>
                 </a:solidFill>
               </a14:hiddenFill>
             </a:ext>
             <a:ext uri="{91240B29-F687-4f45-9708-019B960494DF}">
-              <a14:hiddenLine xmlns="" xmlns:a14="http://schemas.microsoft.com/office/drawing/2010/main" w="9525">
+              <a14:hiddenLine xmlns:a14="http://schemas.microsoft.com/office/drawing/2010/main" xmlns="" w="9525">
                 <a:solidFill>
                   <a:schemeClr val="tx1"/>
                 </a:solidFill>
@@ -21027,14 +20903,14 @@
           </a:ln>
           <a:extLst>
             <a:ext uri="{909E8E84-426E-40dd-AFC4-6F175D3DCCD1}">
-              <a14:hiddenFill xmlns="" xmlns:a14="http://schemas.microsoft.com/office/drawing/2010/main">
+              <a14:hiddenFill xmlns:a14="http://schemas.microsoft.com/office/drawing/2010/main" xmlns="">
                 <a:solidFill>
                   <a:schemeClr val="accent1"/>
                 </a:solidFill>
               </a14:hiddenFill>
             </a:ext>
             <a:ext uri="{91240B29-F687-4f45-9708-019B960494DF}">
-              <a14:hiddenLine xmlns="" xmlns:a14="http://schemas.microsoft.com/office/drawing/2010/main" w="9525">
+              <a14:hiddenLine xmlns:a14="http://schemas.microsoft.com/office/drawing/2010/main" xmlns="" w="9525">
                 <a:solidFill>
                   <a:schemeClr val="tx1"/>
                 </a:solidFill>
@@ -21080,14 +20956,14 @@
           </a:ln>
           <a:extLst>
             <a:ext uri="{909E8E84-426E-40dd-AFC4-6F175D3DCCD1}">
-              <a14:hiddenFill xmlns="" xmlns:a14="http://schemas.microsoft.com/office/drawing/2010/main">
+              <a14:hiddenFill xmlns:a14="http://schemas.microsoft.com/office/drawing/2010/main" xmlns="">
                 <a:solidFill>
                   <a:schemeClr val="accent1"/>
                 </a:solidFill>
               </a14:hiddenFill>
             </a:ext>
             <a:ext uri="{91240B29-F687-4f45-9708-019B960494DF}">
-              <a14:hiddenLine xmlns="" xmlns:a14="http://schemas.microsoft.com/office/drawing/2010/main" w="9525">
+              <a14:hiddenLine xmlns:a14="http://schemas.microsoft.com/office/drawing/2010/main" xmlns="" w="9525">
                 <a:solidFill>
                   <a:schemeClr val="tx1"/>
                 </a:solidFill>
@@ -21148,7 +21024,7 @@
           </a:ln>
           <a:extLst>
             <a:ext uri="{909E8E84-426E-40dd-AFC4-6F175D3DCCD1}">
-              <a14:hiddenFill xmlns="" xmlns:a14="http://schemas.microsoft.com/office/drawing/2010/main">
+              <a14:hiddenFill xmlns:a14="http://schemas.microsoft.com/office/drawing/2010/main" xmlns="">
                 <a:solidFill>
                   <a:schemeClr val="accent1"/>
                 </a:solidFill>
@@ -21192,13 +21068,6 @@
   <p:clrMapOvr>
     <a:masterClrMapping/>
   </p:clrMapOvr>
-  <p:timing>
-    <p:tnLst>
-      <p:par>
-        <p:cTn id="1" dur="indefinite" restart="never" nodeType="tmRoot"/>
-      </p:par>
-    </p:tnLst>
-  </p:timing>
 </p:sld>
 </file>
 
@@ -21295,14 +21164,14 @@
           </a:ln>
           <a:extLst>
             <a:ext uri="{909E8E84-426E-40dd-AFC4-6F175D3DCCD1}">
-              <a14:hiddenFill xmlns="" xmlns:a14="http://schemas.microsoft.com/office/drawing/2010/main">
+              <a14:hiddenFill xmlns:a14="http://schemas.microsoft.com/office/drawing/2010/main" xmlns="">
                 <a:solidFill>
                   <a:schemeClr val="accent1"/>
                 </a:solidFill>
               </a14:hiddenFill>
             </a:ext>
             <a:ext uri="{91240B29-F687-4f45-9708-019B960494DF}">
-              <a14:hiddenLine xmlns="" xmlns:a14="http://schemas.microsoft.com/office/drawing/2010/main" w="9525">
+              <a14:hiddenLine xmlns:a14="http://schemas.microsoft.com/office/drawing/2010/main" xmlns="" w="9525">
                 <a:solidFill>
                   <a:schemeClr val="tx1"/>
                 </a:solidFill>
@@ -21348,14 +21217,14 @@
           </a:ln>
           <a:extLst>
             <a:ext uri="{909E8E84-426E-40dd-AFC4-6F175D3DCCD1}">
-              <a14:hiddenFill xmlns="" xmlns:a14="http://schemas.microsoft.com/office/drawing/2010/main">
+              <a14:hiddenFill xmlns:a14="http://schemas.microsoft.com/office/drawing/2010/main" xmlns="">
                 <a:solidFill>
                   <a:schemeClr val="accent1"/>
                 </a:solidFill>
               </a14:hiddenFill>
             </a:ext>
             <a:ext uri="{91240B29-F687-4f45-9708-019B960494DF}">
-              <a14:hiddenLine xmlns="" xmlns:a14="http://schemas.microsoft.com/office/drawing/2010/main" w="9525">
+              <a14:hiddenLine xmlns:a14="http://schemas.microsoft.com/office/drawing/2010/main" xmlns="" w="9525">
                 <a:solidFill>
                   <a:schemeClr val="tx1"/>
                 </a:solidFill>
@@ -21401,14 +21270,14 @@
           </a:ln>
           <a:extLst>
             <a:ext uri="{909E8E84-426E-40dd-AFC4-6F175D3DCCD1}">
-              <a14:hiddenFill xmlns="" xmlns:a14="http://schemas.microsoft.com/office/drawing/2010/main">
+              <a14:hiddenFill xmlns:a14="http://schemas.microsoft.com/office/drawing/2010/main" xmlns="">
                 <a:solidFill>
                   <a:schemeClr val="accent1"/>
                 </a:solidFill>
               </a14:hiddenFill>
             </a:ext>
             <a:ext uri="{91240B29-F687-4f45-9708-019B960494DF}">
-              <a14:hiddenLine xmlns="" xmlns:a14="http://schemas.microsoft.com/office/drawing/2010/main" w="9525">
+              <a14:hiddenLine xmlns:a14="http://schemas.microsoft.com/office/drawing/2010/main" xmlns="" w="9525">
                 <a:solidFill>
                   <a:schemeClr val="tx1"/>
                 </a:solidFill>
@@ -21454,14 +21323,14 @@
           </a:ln>
           <a:extLst>
             <a:ext uri="{909E8E84-426E-40dd-AFC4-6F175D3DCCD1}">
-              <a14:hiddenFill xmlns="" xmlns:a14="http://schemas.microsoft.com/office/drawing/2010/main">
+              <a14:hiddenFill xmlns:a14="http://schemas.microsoft.com/office/drawing/2010/main" xmlns="">
                 <a:solidFill>
                   <a:schemeClr val="accent1"/>
                 </a:solidFill>
               </a14:hiddenFill>
             </a:ext>
             <a:ext uri="{91240B29-F687-4f45-9708-019B960494DF}">
-              <a14:hiddenLine xmlns="" xmlns:a14="http://schemas.microsoft.com/office/drawing/2010/main" w="9525">
+              <a14:hiddenLine xmlns:a14="http://schemas.microsoft.com/office/drawing/2010/main" xmlns="" w="9525">
                 <a:solidFill>
                   <a:schemeClr val="tx1"/>
                 </a:solidFill>
@@ -21507,14 +21376,14 @@
           </a:ln>
           <a:extLst>
             <a:ext uri="{909E8E84-426E-40dd-AFC4-6F175D3DCCD1}">
-              <a14:hiddenFill xmlns="" xmlns:a14="http://schemas.microsoft.com/office/drawing/2010/main">
+              <a14:hiddenFill xmlns:a14="http://schemas.microsoft.com/office/drawing/2010/main" xmlns="">
                 <a:solidFill>
                   <a:schemeClr val="accent1"/>
                 </a:solidFill>
               </a14:hiddenFill>
             </a:ext>
             <a:ext uri="{91240B29-F687-4f45-9708-019B960494DF}">
-              <a14:hiddenLine xmlns="" xmlns:a14="http://schemas.microsoft.com/office/drawing/2010/main" w="9525">
+              <a14:hiddenLine xmlns:a14="http://schemas.microsoft.com/office/drawing/2010/main" xmlns="" w="9525">
                 <a:solidFill>
                   <a:schemeClr val="tx1"/>
                 </a:solidFill>
@@ -21560,14 +21429,14 @@
           </a:ln>
           <a:extLst>
             <a:ext uri="{909E8E84-426E-40dd-AFC4-6F175D3DCCD1}">
-              <a14:hiddenFill xmlns="" xmlns:a14="http://schemas.microsoft.com/office/drawing/2010/main">
+              <a14:hiddenFill xmlns:a14="http://schemas.microsoft.com/office/drawing/2010/main" xmlns="">
                 <a:solidFill>
                   <a:schemeClr val="accent1"/>
                 </a:solidFill>
               </a14:hiddenFill>
             </a:ext>
             <a:ext uri="{91240B29-F687-4f45-9708-019B960494DF}">
-              <a14:hiddenLine xmlns="" xmlns:a14="http://schemas.microsoft.com/office/drawing/2010/main" w="9525">
+              <a14:hiddenLine xmlns:a14="http://schemas.microsoft.com/office/drawing/2010/main" xmlns="" w="9525">
                 <a:solidFill>
                   <a:schemeClr val="tx1"/>
                 </a:solidFill>
@@ -21613,14 +21482,14 @@
           </a:ln>
           <a:extLst>
             <a:ext uri="{909E8E84-426E-40dd-AFC4-6F175D3DCCD1}">
-              <a14:hiddenFill xmlns="" xmlns:a14="http://schemas.microsoft.com/office/drawing/2010/main">
+              <a14:hiddenFill xmlns:a14="http://schemas.microsoft.com/office/drawing/2010/main" xmlns="">
                 <a:solidFill>
                   <a:schemeClr val="accent1"/>
                 </a:solidFill>
               </a14:hiddenFill>
             </a:ext>
             <a:ext uri="{91240B29-F687-4f45-9708-019B960494DF}">
-              <a14:hiddenLine xmlns="" xmlns:a14="http://schemas.microsoft.com/office/drawing/2010/main" w="9525">
+              <a14:hiddenLine xmlns:a14="http://schemas.microsoft.com/office/drawing/2010/main" xmlns="" w="9525">
                 <a:solidFill>
                   <a:schemeClr val="tx1"/>
                 </a:solidFill>
@@ -21666,14 +21535,14 @@
           </a:ln>
           <a:extLst>
             <a:ext uri="{909E8E84-426E-40dd-AFC4-6F175D3DCCD1}">
-              <a14:hiddenFill xmlns="" xmlns:a14="http://schemas.microsoft.com/office/drawing/2010/main">
+              <a14:hiddenFill xmlns:a14="http://schemas.microsoft.com/office/drawing/2010/main" xmlns="">
                 <a:solidFill>
                   <a:schemeClr val="accent1"/>
                 </a:solidFill>
               </a14:hiddenFill>
             </a:ext>
             <a:ext uri="{91240B29-F687-4f45-9708-019B960494DF}">
-              <a14:hiddenLine xmlns="" xmlns:a14="http://schemas.microsoft.com/office/drawing/2010/main" w="9525">
+              <a14:hiddenLine xmlns:a14="http://schemas.microsoft.com/office/drawing/2010/main" xmlns="" w="9525">
                 <a:solidFill>
                   <a:schemeClr val="tx1"/>
                 </a:solidFill>
@@ -21719,14 +21588,14 @@
           </a:ln>
           <a:extLst>
             <a:ext uri="{909E8E84-426E-40dd-AFC4-6F175D3DCCD1}">
-              <a14:hiddenFill xmlns="" xmlns:a14="http://schemas.microsoft.com/office/drawing/2010/main">
+              <a14:hiddenFill xmlns:a14="http://schemas.microsoft.com/office/drawing/2010/main" xmlns="">
                 <a:solidFill>
                   <a:schemeClr val="accent1"/>
                 </a:solidFill>
               </a14:hiddenFill>
             </a:ext>
             <a:ext uri="{91240B29-F687-4f45-9708-019B960494DF}">
-              <a14:hiddenLine xmlns="" xmlns:a14="http://schemas.microsoft.com/office/drawing/2010/main" w="9525">
+              <a14:hiddenLine xmlns:a14="http://schemas.microsoft.com/office/drawing/2010/main" xmlns="" w="9525">
                 <a:solidFill>
                   <a:schemeClr val="tx1"/>
                 </a:solidFill>
@@ -21772,14 +21641,14 @@
           </a:ln>
           <a:extLst>
             <a:ext uri="{909E8E84-426E-40dd-AFC4-6F175D3DCCD1}">
-              <a14:hiddenFill xmlns="" xmlns:a14="http://schemas.microsoft.com/office/drawing/2010/main">
+              <a14:hiddenFill xmlns:a14="http://schemas.microsoft.com/office/drawing/2010/main" xmlns="">
                 <a:solidFill>
                   <a:schemeClr val="accent1"/>
                 </a:solidFill>
               </a14:hiddenFill>
             </a:ext>
             <a:ext uri="{91240B29-F687-4f45-9708-019B960494DF}">
-              <a14:hiddenLine xmlns="" xmlns:a14="http://schemas.microsoft.com/office/drawing/2010/main" w="9525">
+              <a14:hiddenLine xmlns:a14="http://schemas.microsoft.com/office/drawing/2010/main" xmlns="" w="9525">
                 <a:solidFill>
                   <a:schemeClr val="tx1"/>
                 </a:solidFill>
@@ -21825,14 +21694,14 @@
           </a:ln>
           <a:extLst>
             <a:ext uri="{909E8E84-426E-40dd-AFC4-6F175D3DCCD1}">
-              <a14:hiddenFill xmlns="" xmlns:a14="http://schemas.microsoft.com/office/drawing/2010/main">
+              <a14:hiddenFill xmlns:a14="http://schemas.microsoft.com/office/drawing/2010/main" xmlns="">
                 <a:solidFill>
                   <a:schemeClr val="accent1"/>
                 </a:solidFill>
               </a14:hiddenFill>
             </a:ext>
             <a:ext uri="{91240B29-F687-4f45-9708-019B960494DF}">
-              <a14:hiddenLine xmlns="" xmlns:a14="http://schemas.microsoft.com/office/drawing/2010/main" w="9525">
+              <a14:hiddenLine xmlns:a14="http://schemas.microsoft.com/office/drawing/2010/main" xmlns="" w="9525">
                 <a:solidFill>
                   <a:schemeClr val="tx1"/>
                 </a:solidFill>
@@ -21885,7 +21754,7 @@
           </a:ln>
           <a:extLst>
             <a:ext uri="{909E8E84-426E-40dd-AFC4-6F175D3DCCD1}">
-              <a14:hiddenFill xmlns="" xmlns:a14="http://schemas.microsoft.com/office/drawing/2010/main">
+              <a14:hiddenFill xmlns:a14="http://schemas.microsoft.com/office/drawing/2010/main" xmlns="">
                 <a:noFill/>
               </a14:hiddenFill>
             </a:ext>
@@ -21921,7 +21790,7 @@
           </a:ln>
           <a:extLst>
             <a:ext uri="{909E8E84-426E-40dd-AFC4-6F175D3DCCD1}">
-              <a14:hiddenFill xmlns="" xmlns:a14="http://schemas.microsoft.com/office/drawing/2010/main">
+              <a14:hiddenFill xmlns:a14="http://schemas.microsoft.com/office/drawing/2010/main" xmlns="">
                 <a:noFill/>
               </a14:hiddenFill>
             </a:ext>
@@ -21957,7 +21826,7 @@
           </a:ln>
           <a:extLst>
             <a:ext uri="{909E8E84-426E-40dd-AFC4-6F175D3DCCD1}">
-              <a14:hiddenFill xmlns="" xmlns:a14="http://schemas.microsoft.com/office/drawing/2010/main">
+              <a14:hiddenFill xmlns:a14="http://schemas.microsoft.com/office/drawing/2010/main" xmlns="">
                 <a:noFill/>
               </a14:hiddenFill>
             </a:ext>
@@ -21993,7 +21862,7 @@
           </a:ln>
           <a:extLst>
             <a:ext uri="{909E8E84-426E-40dd-AFC4-6F175D3DCCD1}">
-              <a14:hiddenFill xmlns="" xmlns:a14="http://schemas.microsoft.com/office/drawing/2010/main">
+              <a14:hiddenFill xmlns:a14="http://schemas.microsoft.com/office/drawing/2010/main" xmlns="">
                 <a:noFill/>
               </a14:hiddenFill>
             </a:ext>
@@ -22029,7 +21898,7 @@
           </a:ln>
           <a:extLst>
             <a:ext uri="{909E8E84-426E-40dd-AFC4-6F175D3DCCD1}">
-              <a14:hiddenFill xmlns="" xmlns:a14="http://schemas.microsoft.com/office/drawing/2010/main">
+              <a14:hiddenFill xmlns:a14="http://schemas.microsoft.com/office/drawing/2010/main" xmlns="">
                 <a:noFill/>
               </a14:hiddenFill>
             </a:ext>
@@ -22065,7 +21934,7 @@
           </a:ln>
           <a:extLst>
             <a:ext uri="{909E8E84-426E-40dd-AFC4-6F175D3DCCD1}">
-              <a14:hiddenFill xmlns="" xmlns:a14="http://schemas.microsoft.com/office/drawing/2010/main">
+              <a14:hiddenFill xmlns:a14="http://schemas.microsoft.com/office/drawing/2010/main" xmlns="">
                 <a:noFill/>
               </a14:hiddenFill>
             </a:ext>
@@ -22101,7 +21970,7 @@
           </a:ln>
           <a:extLst>
             <a:ext uri="{909E8E84-426E-40dd-AFC4-6F175D3DCCD1}">
-              <a14:hiddenFill xmlns="" xmlns:a14="http://schemas.microsoft.com/office/drawing/2010/main">
+              <a14:hiddenFill xmlns:a14="http://schemas.microsoft.com/office/drawing/2010/main" xmlns="">
                 <a:noFill/>
               </a14:hiddenFill>
             </a:ext>
@@ -22137,7 +22006,7 @@
           </a:ln>
           <a:extLst>
             <a:ext uri="{909E8E84-426E-40dd-AFC4-6F175D3DCCD1}">
-              <a14:hiddenFill xmlns="" xmlns:a14="http://schemas.microsoft.com/office/drawing/2010/main">
+              <a14:hiddenFill xmlns:a14="http://schemas.microsoft.com/office/drawing/2010/main" xmlns="">
                 <a:noFill/>
               </a14:hiddenFill>
             </a:ext>
@@ -22173,7 +22042,7 @@
           </a:ln>
           <a:extLst>
             <a:ext uri="{909E8E84-426E-40dd-AFC4-6F175D3DCCD1}">
-              <a14:hiddenFill xmlns="" xmlns:a14="http://schemas.microsoft.com/office/drawing/2010/main">
+              <a14:hiddenFill xmlns:a14="http://schemas.microsoft.com/office/drawing/2010/main" xmlns="">
                 <a:noFill/>
               </a14:hiddenFill>
             </a:ext>
@@ -22209,7 +22078,7 @@
           </a:ln>
           <a:extLst>
             <a:ext uri="{909E8E84-426E-40dd-AFC4-6F175D3DCCD1}">
-              <a14:hiddenFill xmlns="" xmlns:a14="http://schemas.microsoft.com/office/drawing/2010/main">
+              <a14:hiddenFill xmlns:a14="http://schemas.microsoft.com/office/drawing/2010/main" xmlns="">
                 <a:noFill/>
               </a14:hiddenFill>
             </a:ext>
@@ -22238,14 +22107,14 @@
           </a:ln>
           <a:extLst>
             <a:ext uri="{909E8E84-426E-40dd-AFC4-6F175D3DCCD1}">
-              <a14:hiddenFill xmlns="" xmlns:a14="http://schemas.microsoft.com/office/drawing/2010/main">
+              <a14:hiddenFill xmlns:a14="http://schemas.microsoft.com/office/drawing/2010/main" xmlns="">
                 <a:solidFill>
                   <a:schemeClr val="accent1"/>
                 </a:solidFill>
               </a14:hiddenFill>
             </a:ext>
             <a:ext uri="{91240B29-F687-4f45-9708-019B960494DF}">
-              <a14:hiddenLine xmlns="" xmlns:a14="http://schemas.microsoft.com/office/drawing/2010/main" w="9525">
+              <a14:hiddenLine xmlns:a14="http://schemas.microsoft.com/office/drawing/2010/main" xmlns="" w="9525">
                 <a:solidFill>
                   <a:schemeClr val="tx1"/>
                 </a:solidFill>
@@ -22291,14 +22160,14 @@
           </a:ln>
           <a:extLst>
             <a:ext uri="{909E8E84-426E-40dd-AFC4-6F175D3DCCD1}">
-              <a14:hiddenFill xmlns="" xmlns:a14="http://schemas.microsoft.com/office/drawing/2010/main">
+              <a14:hiddenFill xmlns:a14="http://schemas.microsoft.com/office/drawing/2010/main" xmlns="">
                 <a:solidFill>
                   <a:schemeClr val="accent1"/>
                 </a:solidFill>
               </a14:hiddenFill>
             </a:ext>
             <a:ext uri="{91240B29-F687-4f45-9708-019B960494DF}">
-              <a14:hiddenLine xmlns="" xmlns:a14="http://schemas.microsoft.com/office/drawing/2010/main" w="9525">
+              <a14:hiddenLine xmlns:a14="http://schemas.microsoft.com/office/drawing/2010/main" xmlns="" w="9525">
                 <a:solidFill>
                   <a:schemeClr val="tx1"/>
                 </a:solidFill>
@@ -22351,14 +22220,14 @@
           </a:ln>
           <a:extLst>
             <a:ext uri="{909E8E84-426E-40dd-AFC4-6F175D3DCCD1}">
-              <a14:hiddenFill xmlns="" xmlns:a14="http://schemas.microsoft.com/office/drawing/2010/main">
+              <a14:hiddenFill xmlns:a14="http://schemas.microsoft.com/office/drawing/2010/main" xmlns="">
                 <a:solidFill>
                   <a:schemeClr val="accent1"/>
                 </a:solidFill>
               </a14:hiddenFill>
             </a:ext>
             <a:ext uri="{91240B29-F687-4f45-9708-019B960494DF}">
-              <a14:hiddenLine xmlns="" xmlns:a14="http://schemas.microsoft.com/office/drawing/2010/main" w="9525">
+              <a14:hiddenLine xmlns:a14="http://schemas.microsoft.com/office/drawing/2010/main" xmlns="" w="9525">
                 <a:solidFill>
                   <a:schemeClr val="tx1"/>
                 </a:solidFill>
@@ -22404,14 +22273,14 @@
           </a:ln>
           <a:extLst>
             <a:ext uri="{909E8E84-426E-40dd-AFC4-6F175D3DCCD1}">
-              <a14:hiddenFill xmlns="" xmlns:a14="http://schemas.microsoft.com/office/drawing/2010/main">
+              <a14:hiddenFill xmlns:a14="http://schemas.microsoft.com/office/drawing/2010/main" xmlns="">
                 <a:solidFill>
                   <a:schemeClr val="accent1"/>
                 </a:solidFill>
               </a14:hiddenFill>
             </a:ext>
             <a:ext uri="{91240B29-F687-4f45-9708-019B960494DF}">
-              <a14:hiddenLine xmlns="" xmlns:a14="http://schemas.microsoft.com/office/drawing/2010/main" w="9525">
+              <a14:hiddenLine xmlns:a14="http://schemas.microsoft.com/office/drawing/2010/main" xmlns="" w="9525">
                 <a:solidFill>
                   <a:schemeClr val="tx1"/>
                 </a:solidFill>
@@ -22457,14 +22326,14 @@
           </a:ln>
           <a:extLst>
             <a:ext uri="{909E8E84-426E-40dd-AFC4-6F175D3DCCD1}">
-              <a14:hiddenFill xmlns="" xmlns:a14="http://schemas.microsoft.com/office/drawing/2010/main">
+              <a14:hiddenFill xmlns:a14="http://schemas.microsoft.com/office/drawing/2010/main" xmlns="">
                 <a:solidFill>
                   <a:schemeClr val="accent1"/>
                 </a:solidFill>
               </a14:hiddenFill>
             </a:ext>
             <a:ext uri="{91240B29-F687-4f45-9708-019B960494DF}">
-              <a14:hiddenLine xmlns="" xmlns:a14="http://schemas.microsoft.com/office/drawing/2010/main" w="9525">
+              <a14:hiddenLine xmlns:a14="http://schemas.microsoft.com/office/drawing/2010/main" xmlns="" w="9525">
                 <a:solidFill>
                   <a:schemeClr val="tx1"/>
                 </a:solidFill>
@@ -22520,14 +22389,14 @@
           </a:ln>
           <a:extLst>
             <a:ext uri="{909E8E84-426E-40dd-AFC4-6F175D3DCCD1}">
-              <a14:hiddenFill xmlns="" xmlns:a14="http://schemas.microsoft.com/office/drawing/2010/main">
+              <a14:hiddenFill xmlns:a14="http://schemas.microsoft.com/office/drawing/2010/main" xmlns="">
                 <a:solidFill>
                   <a:schemeClr val="accent1"/>
                 </a:solidFill>
               </a14:hiddenFill>
             </a:ext>
             <a:ext uri="{91240B29-F687-4f45-9708-019B960494DF}">
-              <a14:hiddenLine xmlns="" xmlns:a14="http://schemas.microsoft.com/office/drawing/2010/main" w="9525">
+              <a14:hiddenLine xmlns:a14="http://schemas.microsoft.com/office/drawing/2010/main" xmlns="" w="9525">
                 <a:solidFill>
                   <a:schemeClr val="tx1"/>
                 </a:solidFill>
@@ -22578,7 +22447,7 @@
           </a:ln>
           <a:extLst>
             <a:ext uri="{909E8E84-426E-40dd-AFC4-6F175D3DCCD1}">
-              <a14:hiddenFill xmlns="" xmlns:a14="http://schemas.microsoft.com/office/drawing/2010/main">
+              <a14:hiddenFill xmlns:a14="http://schemas.microsoft.com/office/drawing/2010/main" xmlns="">
                 <a:solidFill>
                   <a:schemeClr val="accent1"/>
                 </a:solidFill>
@@ -22622,13 +22491,6 @@
   <p:clrMapOvr>
     <a:masterClrMapping/>
   </p:clrMapOvr>
-  <p:timing>
-    <p:tnLst>
-      <p:par>
-        <p:cTn id="1" dur="indefinite" restart="never" nodeType="tmRoot"/>
-      </p:par>
-    </p:tnLst>
-  </p:timing>
 </p:sld>
 </file>
 
@@ -22730,7 +22592,7 @@
           </a:ln>
           <a:extLst>
             <a:ext uri="{909E8E84-426E-40dd-AFC4-6F175D3DCCD1}">
-              <a14:hiddenFill xmlns="" xmlns:a14="http://schemas.microsoft.com/office/drawing/2010/main">
+              <a14:hiddenFill xmlns:a14="http://schemas.microsoft.com/office/drawing/2010/main" xmlns="">
                 <a:solidFill>
                   <a:schemeClr val="accent1"/>
                 </a:solidFill>
@@ -22791,14 +22653,14 @@
           </a:ln>
           <a:extLst>
             <a:ext uri="{909E8E84-426E-40dd-AFC4-6F175D3DCCD1}">
-              <a14:hiddenFill xmlns="" xmlns:a14="http://schemas.microsoft.com/office/drawing/2010/main">
+              <a14:hiddenFill xmlns:a14="http://schemas.microsoft.com/office/drawing/2010/main" xmlns="">
                 <a:solidFill>
                   <a:schemeClr val="accent1"/>
                 </a:solidFill>
               </a14:hiddenFill>
             </a:ext>
             <a:ext uri="{91240B29-F687-4f45-9708-019B960494DF}">
-              <a14:hiddenLine xmlns="" xmlns:a14="http://schemas.microsoft.com/office/drawing/2010/main" w="9525">
+              <a14:hiddenLine xmlns:a14="http://schemas.microsoft.com/office/drawing/2010/main" xmlns="" w="9525">
                 <a:solidFill>
                   <a:schemeClr val="tx1"/>
                 </a:solidFill>
@@ -22844,14 +22706,14 @@
           </a:ln>
           <a:extLst>
             <a:ext uri="{909E8E84-426E-40dd-AFC4-6F175D3DCCD1}">
-              <a14:hiddenFill xmlns="" xmlns:a14="http://schemas.microsoft.com/office/drawing/2010/main">
+              <a14:hiddenFill xmlns:a14="http://schemas.microsoft.com/office/drawing/2010/main" xmlns="">
                 <a:solidFill>
                   <a:schemeClr val="accent1"/>
                 </a:solidFill>
               </a14:hiddenFill>
             </a:ext>
             <a:ext uri="{91240B29-F687-4f45-9708-019B960494DF}">
-              <a14:hiddenLine xmlns="" xmlns:a14="http://schemas.microsoft.com/office/drawing/2010/main" w="9525">
+              <a14:hiddenLine xmlns:a14="http://schemas.microsoft.com/office/drawing/2010/main" xmlns="" w="9525">
                 <a:solidFill>
                   <a:schemeClr val="tx1"/>
                 </a:solidFill>
@@ -22897,14 +22759,14 @@
           </a:ln>
           <a:extLst>
             <a:ext uri="{909E8E84-426E-40dd-AFC4-6F175D3DCCD1}">
-              <a14:hiddenFill xmlns="" xmlns:a14="http://schemas.microsoft.com/office/drawing/2010/main">
+              <a14:hiddenFill xmlns:a14="http://schemas.microsoft.com/office/drawing/2010/main" xmlns="">
                 <a:solidFill>
                   <a:schemeClr val="accent1"/>
                 </a:solidFill>
               </a14:hiddenFill>
             </a:ext>
             <a:ext uri="{91240B29-F687-4f45-9708-019B960494DF}">
-              <a14:hiddenLine xmlns="" xmlns:a14="http://schemas.microsoft.com/office/drawing/2010/main" w="9525">
+              <a14:hiddenLine xmlns:a14="http://schemas.microsoft.com/office/drawing/2010/main" xmlns="" w="9525">
                 <a:solidFill>
                   <a:schemeClr val="tx1"/>
                 </a:solidFill>
@@ -22950,14 +22812,14 @@
           </a:ln>
           <a:extLst>
             <a:ext uri="{909E8E84-426E-40dd-AFC4-6F175D3DCCD1}">
-              <a14:hiddenFill xmlns="" xmlns:a14="http://schemas.microsoft.com/office/drawing/2010/main">
+              <a14:hiddenFill xmlns:a14="http://schemas.microsoft.com/office/drawing/2010/main" xmlns="">
                 <a:solidFill>
                   <a:schemeClr val="accent1"/>
                 </a:solidFill>
               </a14:hiddenFill>
             </a:ext>
             <a:ext uri="{91240B29-F687-4f45-9708-019B960494DF}">
-              <a14:hiddenLine xmlns="" xmlns:a14="http://schemas.microsoft.com/office/drawing/2010/main" w="9525">
+              <a14:hiddenLine xmlns:a14="http://schemas.microsoft.com/office/drawing/2010/main" xmlns="" w="9525">
                 <a:solidFill>
                   <a:schemeClr val="tx1"/>
                 </a:solidFill>
@@ -23003,14 +22865,14 @@
           </a:ln>
           <a:extLst>
             <a:ext uri="{909E8E84-426E-40dd-AFC4-6F175D3DCCD1}">
-              <a14:hiddenFill xmlns="" xmlns:a14="http://schemas.microsoft.com/office/drawing/2010/main">
+              <a14:hiddenFill xmlns:a14="http://schemas.microsoft.com/office/drawing/2010/main" xmlns="">
                 <a:solidFill>
                   <a:schemeClr val="accent1"/>
                 </a:solidFill>
               </a14:hiddenFill>
             </a:ext>
             <a:ext uri="{91240B29-F687-4f45-9708-019B960494DF}">
-              <a14:hiddenLine xmlns="" xmlns:a14="http://schemas.microsoft.com/office/drawing/2010/main" w="9525">
+              <a14:hiddenLine xmlns:a14="http://schemas.microsoft.com/office/drawing/2010/main" xmlns="" w="9525">
                 <a:solidFill>
                   <a:schemeClr val="tx1"/>
                 </a:solidFill>
@@ -23056,14 +22918,14 @@
           </a:ln>
           <a:extLst>
             <a:ext uri="{909E8E84-426E-40dd-AFC4-6F175D3DCCD1}">
-              <a14:hiddenFill xmlns="" xmlns:a14="http://schemas.microsoft.com/office/drawing/2010/main">
+              <a14:hiddenFill xmlns:a14="http://schemas.microsoft.com/office/drawing/2010/main" xmlns="">
                 <a:solidFill>
                   <a:schemeClr val="accent1"/>
                 </a:solidFill>
               </a14:hiddenFill>
             </a:ext>
             <a:ext uri="{91240B29-F687-4f45-9708-019B960494DF}">
-              <a14:hiddenLine xmlns="" xmlns:a14="http://schemas.microsoft.com/office/drawing/2010/main" w="9525">
+              <a14:hiddenLine xmlns:a14="http://schemas.microsoft.com/office/drawing/2010/main" xmlns="" w="9525">
                 <a:solidFill>
                   <a:schemeClr val="tx1"/>
                 </a:solidFill>
@@ -23109,14 +22971,14 @@
           </a:ln>
           <a:extLst>
             <a:ext uri="{909E8E84-426E-40dd-AFC4-6F175D3DCCD1}">
-              <a14:hiddenFill xmlns="" xmlns:a14="http://schemas.microsoft.com/office/drawing/2010/main">
+              <a14:hiddenFill xmlns:a14="http://schemas.microsoft.com/office/drawing/2010/main" xmlns="">
                 <a:solidFill>
                   <a:schemeClr val="accent1"/>
                 </a:solidFill>
               </a14:hiddenFill>
             </a:ext>
             <a:ext uri="{91240B29-F687-4f45-9708-019B960494DF}">
-              <a14:hiddenLine xmlns="" xmlns:a14="http://schemas.microsoft.com/office/drawing/2010/main" w="9525">
+              <a14:hiddenLine xmlns:a14="http://schemas.microsoft.com/office/drawing/2010/main" xmlns="" w="9525">
                 <a:solidFill>
                   <a:schemeClr val="tx1"/>
                 </a:solidFill>
@@ -23162,14 +23024,14 @@
           </a:ln>
           <a:extLst>
             <a:ext uri="{909E8E84-426E-40dd-AFC4-6F175D3DCCD1}">
-              <a14:hiddenFill xmlns="" xmlns:a14="http://schemas.microsoft.com/office/drawing/2010/main">
+              <a14:hiddenFill xmlns:a14="http://schemas.microsoft.com/office/drawing/2010/main" xmlns="">
                 <a:solidFill>
                   <a:schemeClr val="accent1"/>
                 </a:solidFill>
               </a14:hiddenFill>
             </a:ext>
             <a:ext uri="{91240B29-F687-4f45-9708-019B960494DF}">
-              <a14:hiddenLine xmlns="" xmlns:a14="http://schemas.microsoft.com/office/drawing/2010/main" w="9525">
+              <a14:hiddenLine xmlns:a14="http://schemas.microsoft.com/office/drawing/2010/main" xmlns="" w="9525">
                 <a:solidFill>
                   <a:schemeClr val="tx1"/>
                 </a:solidFill>
@@ -23215,14 +23077,14 @@
           </a:ln>
           <a:extLst>
             <a:ext uri="{909E8E84-426E-40dd-AFC4-6F175D3DCCD1}">
-              <a14:hiddenFill xmlns="" xmlns:a14="http://schemas.microsoft.com/office/drawing/2010/main">
+              <a14:hiddenFill xmlns:a14="http://schemas.microsoft.com/office/drawing/2010/main" xmlns="">
                 <a:solidFill>
                   <a:schemeClr val="accent1"/>
                 </a:solidFill>
               </a14:hiddenFill>
             </a:ext>
             <a:ext uri="{91240B29-F687-4f45-9708-019B960494DF}">
-              <a14:hiddenLine xmlns="" xmlns:a14="http://schemas.microsoft.com/office/drawing/2010/main" w="9525">
+              <a14:hiddenLine xmlns:a14="http://schemas.microsoft.com/office/drawing/2010/main" xmlns="" w="9525">
                 <a:solidFill>
                   <a:schemeClr val="tx1"/>
                 </a:solidFill>
@@ -23268,14 +23130,14 @@
           </a:ln>
           <a:extLst>
             <a:ext uri="{909E8E84-426E-40dd-AFC4-6F175D3DCCD1}">
-              <a14:hiddenFill xmlns="" xmlns:a14="http://schemas.microsoft.com/office/drawing/2010/main">
+              <a14:hiddenFill xmlns:a14="http://schemas.microsoft.com/office/drawing/2010/main" xmlns="">
                 <a:solidFill>
                   <a:schemeClr val="accent1"/>
                 </a:solidFill>
               </a14:hiddenFill>
             </a:ext>
             <a:ext uri="{91240B29-F687-4f45-9708-019B960494DF}">
-              <a14:hiddenLine xmlns="" xmlns:a14="http://schemas.microsoft.com/office/drawing/2010/main" w="9525">
+              <a14:hiddenLine xmlns:a14="http://schemas.microsoft.com/office/drawing/2010/main" xmlns="" w="9525">
                 <a:solidFill>
                   <a:schemeClr val="tx1"/>
                 </a:solidFill>
@@ -23321,14 +23183,14 @@
           </a:ln>
           <a:extLst>
             <a:ext uri="{909E8E84-426E-40dd-AFC4-6F175D3DCCD1}">
-              <a14:hiddenFill xmlns="" xmlns:a14="http://schemas.microsoft.com/office/drawing/2010/main">
+              <a14:hiddenFill xmlns:a14="http://schemas.microsoft.com/office/drawing/2010/main" xmlns="">
                 <a:solidFill>
                   <a:schemeClr val="accent1"/>
                 </a:solidFill>
               </a14:hiddenFill>
             </a:ext>
             <a:ext uri="{91240B29-F687-4f45-9708-019B960494DF}">
-              <a14:hiddenLine xmlns="" xmlns:a14="http://schemas.microsoft.com/office/drawing/2010/main" w="9525">
+              <a14:hiddenLine xmlns:a14="http://schemas.microsoft.com/office/drawing/2010/main" xmlns="" w="9525">
                 <a:solidFill>
                   <a:schemeClr val="tx1"/>
                 </a:solidFill>
@@ -23381,7 +23243,7 @@
           </a:ln>
           <a:extLst>
             <a:ext uri="{909E8E84-426E-40dd-AFC4-6F175D3DCCD1}">
-              <a14:hiddenFill xmlns="" xmlns:a14="http://schemas.microsoft.com/office/drawing/2010/main">
+              <a14:hiddenFill xmlns:a14="http://schemas.microsoft.com/office/drawing/2010/main" xmlns="">
                 <a:noFill/>
               </a14:hiddenFill>
             </a:ext>
@@ -23417,7 +23279,7 @@
           </a:ln>
           <a:extLst>
             <a:ext uri="{909E8E84-426E-40dd-AFC4-6F175D3DCCD1}">
-              <a14:hiddenFill xmlns="" xmlns:a14="http://schemas.microsoft.com/office/drawing/2010/main">
+              <a14:hiddenFill xmlns:a14="http://schemas.microsoft.com/office/drawing/2010/main" xmlns="">
                 <a:noFill/>
               </a14:hiddenFill>
             </a:ext>
@@ -23453,7 +23315,7 @@
           </a:ln>
           <a:extLst>
             <a:ext uri="{909E8E84-426E-40dd-AFC4-6F175D3DCCD1}">
-              <a14:hiddenFill xmlns="" xmlns:a14="http://schemas.microsoft.com/office/drawing/2010/main">
+              <a14:hiddenFill xmlns:a14="http://schemas.microsoft.com/office/drawing/2010/main" xmlns="">
                 <a:noFill/>
               </a14:hiddenFill>
             </a:ext>
@@ -23489,7 +23351,7 @@
           </a:ln>
           <a:extLst>
             <a:ext uri="{909E8E84-426E-40dd-AFC4-6F175D3DCCD1}">
-              <a14:hiddenFill xmlns="" xmlns:a14="http://schemas.microsoft.com/office/drawing/2010/main">
+              <a14:hiddenFill xmlns:a14="http://schemas.microsoft.com/office/drawing/2010/main" xmlns="">
                 <a:noFill/>
               </a14:hiddenFill>
             </a:ext>
@@ -23525,7 +23387,7 @@
           </a:ln>
           <a:extLst>
             <a:ext uri="{909E8E84-426E-40dd-AFC4-6F175D3DCCD1}">
-              <a14:hiddenFill xmlns="" xmlns:a14="http://schemas.microsoft.com/office/drawing/2010/main">
+              <a14:hiddenFill xmlns:a14="http://schemas.microsoft.com/office/drawing/2010/main" xmlns="">
                 <a:noFill/>
               </a14:hiddenFill>
             </a:ext>
@@ -23561,7 +23423,7 @@
           </a:ln>
           <a:extLst>
             <a:ext uri="{909E8E84-426E-40dd-AFC4-6F175D3DCCD1}">
-              <a14:hiddenFill xmlns="" xmlns:a14="http://schemas.microsoft.com/office/drawing/2010/main">
+              <a14:hiddenFill xmlns:a14="http://schemas.microsoft.com/office/drawing/2010/main" xmlns="">
                 <a:noFill/>
               </a14:hiddenFill>
             </a:ext>
@@ -23597,7 +23459,7 @@
           </a:ln>
           <a:extLst>
             <a:ext uri="{909E8E84-426E-40dd-AFC4-6F175D3DCCD1}">
-              <a14:hiddenFill xmlns="" xmlns:a14="http://schemas.microsoft.com/office/drawing/2010/main">
+              <a14:hiddenFill xmlns:a14="http://schemas.microsoft.com/office/drawing/2010/main" xmlns="">
                 <a:noFill/>
               </a14:hiddenFill>
             </a:ext>
@@ -23633,7 +23495,7 @@
           </a:ln>
           <a:extLst>
             <a:ext uri="{909E8E84-426E-40dd-AFC4-6F175D3DCCD1}">
-              <a14:hiddenFill xmlns="" xmlns:a14="http://schemas.microsoft.com/office/drawing/2010/main">
+              <a14:hiddenFill xmlns:a14="http://schemas.microsoft.com/office/drawing/2010/main" xmlns="">
                 <a:noFill/>
               </a14:hiddenFill>
             </a:ext>
@@ -23669,7 +23531,7 @@
           </a:ln>
           <a:extLst>
             <a:ext uri="{909E8E84-426E-40dd-AFC4-6F175D3DCCD1}">
-              <a14:hiddenFill xmlns="" xmlns:a14="http://schemas.microsoft.com/office/drawing/2010/main">
+              <a14:hiddenFill xmlns:a14="http://schemas.microsoft.com/office/drawing/2010/main" xmlns="">
                 <a:noFill/>
               </a14:hiddenFill>
             </a:ext>
@@ -23705,7 +23567,7 @@
           </a:ln>
           <a:extLst>
             <a:ext uri="{909E8E84-426E-40dd-AFC4-6F175D3DCCD1}">
-              <a14:hiddenFill xmlns="" xmlns:a14="http://schemas.microsoft.com/office/drawing/2010/main">
+              <a14:hiddenFill xmlns:a14="http://schemas.microsoft.com/office/drawing/2010/main" xmlns="">
                 <a:noFill/>
               </a14:hiddenFill>
             </a:ext>
@@ -23734,14 +23596,14 @@
           </a:ln>
           <a:extLst>
             <a:ext uri="{909E8E84-426E-40dd-AFC4-6F175D3DCCD1}">
-              <a14:hiddenFill xmlns="" xmlns:a14="http://schemas.microsoft.com/office/drawing/2010/main">
+              <a14:hiddenFill xmlns:a14="http://schemas.microsoft.com/office/drawing/2010/main" xmlns="">
                 <a:solidFill>
                   <a:schemeClr val="accent1"/>
                 </a:solidFill>
               </a14:hiddenFill>
             </a:ext>
             <a:ext uri="{91240B29-F687-4f45-9708-019B960494DF}">
-              <a14:hiddenLine xmlns="" xmlns:a14="http://schemas.microsoft.com/office/drawing/2010/main" w="9525">
+              <a14:hiddenLine xmlns:a14="http://schemas.microsoft.com/office/drawing/2010/main" xmlns="" w="9525">
                 <a:solidFill>
                   <a:schemeClr val="tx1"/>
                 </a:solidFill>
@@ -23787,14 +23649,14 @@
           </a:ln>
           <a:extLst>
             <a:ext uri="{909E8E84-426E-40dd-AFC4-6F175D3DCCD1}">
-              <a14:hiddenFill xmlns="" xmlns:a14="http://schemas.microsoft.com/office/drawing/2010/main">
+              <a14:hiddenFill xmlns:a14="http://schemas.microsoft.com/office/drawing/2010/main" xmlns="">
                 <a:solidFill>
                   <a:schemeClr val="accent1"/>
                 </a:solidFill>
               </a14:hiddenFill>
             </a:ext>
             <a:ext uri="{91240B29-F687-4f45-9708-019B960494DF}">
-              <a14:hiddenLine xmlns="" xmlns:a14="http://schemas.microsoft.com/office/drawing/2010/main" w="9525">
+              <a14:hiddenLine xmlns:a14="http://schemas.microsoft.com/office/drawing/2010/main" xmlns="" w="9525">
                 <a:solidFill>
                   <a:schemeClr val="tx1"/>
                 </a:solidFill>
@@ -23847,14 +23709,14 @@
           </a:ln>
           <a:extLst>
             <a:ext uri="{909E8E84-426E-40dd-AFC4-6F175D3DCCD1}">
-              <a14:hiddenFill xmlns="" xmlns:a14="http://schemas.microsoft.com/office/drawing/2010/main">
+              <a14:hiddenFill xmlns:a14="http://schemas.microsoft.com/office/drawing/2010/main" xmlns="">
                 <a:solidFill>
                   <a:schemeClr val="accent1"/>
                 </a:solidFill>
               </a14:hiddenFill>
             </a:ext>
             <a:ext uri="{91240B29-F687-4f45-9708-019B960494DF}">
-              <a14:hiddenLine xmlns="" xmlns:a14="http://schemas.microsoft.com/office/drawing/2010/main" w="9525">
+              <a14:hiddenLine xmlns:a14="http://schemas.microsoft.com/office/drawing/2010/main" xmlns="" w="9525">
                 <a:solidFill>
                   <a:schemeClr val="tx1"/>
                 </a:solidFill>
@@ -23900,14 +23762,14 @@
           </a:ln>
           <a:extLst>
             <a:ext uri="{909E8E84-426E-40dd-AFC4-6F175D3DCCD1}">
-              <a14:hiddenFill xmlns="" xmlns:a14="http://schemas.microsoft.com/office/drawing/2010/main">
+              <a14:hiddenFill xmlns:a14="http://schemas.microsoft.com/office/drawing/2010/main" xmlns="">
                 <a:solidFill>
                   <a:schemeClr val="accent1"/>
                 </a:solidFill>
               </a14:hiddenFill>
             </a:ext>
             <a:ext uri="{91240B29-F687-4f45-9708-019B960494DF}">
-              <a14:hiddenLine xmlns="" xmlns:a14="http://schemas.microsoft.com/office/drawing/2010/main" w="9525">
+              <a14:hiddenLine xmlns:a14="http://schemas.microsoft.com/office/drawing/2010/main" xmlns="" w="9525">
                 <a:solidFill>
                   <a:schemeClr val="tx1"/>
                 </a:solidFill>
@@ -23953,14 +23815,14 @@
           </a:ln>
           <a:extLst>
             <a:ext uri="{909E8E84-426E-40dd-AFC4-6F175D3DCCD1}">
-              <a14:hiddenFill xmlns="" xmlns:a14="http://schemas.microsoft.com/office/drawing/2010/main">
+              <a14:hiddenFill xmlns:a14="http://schemas.microsoft.com/office/drawing/2010/main" xmlns="">
                 <a:solidFill>
                   <a:schemeClr val="accent1"/>
                 </a:solidFill>
               </a14:hiddenFill>
             </a:ext>
             <a:ext uri="{91240B29-F687-4f45-9708-019B960494DF}">
-              <a14:hiddenLine xmlns="" xmlns:a14="http://schemas.microsoft.com/office/drawing/2010/main" w="9525">
+              <a14:hiddenLine xmlns:a14="http://schemas.microsoft.com/office/drawing/2010/main" xmlns="" w="9525">
                 <a:solidFill>
                   <a:schemeClr val="tx1"/>
                 </a:solidFill>
@@ -24016,14 +23878,14 @@
           </a:ln>
           <a:extLst>
             <a:ext uri="{909E8E84-426E-40dd-AFC4-6F175D3DCCD1}">
-              <a14:hiddenFill xmlns="" xmlns:a14="http://schemas.microsoft.com/office/drawing/2010/main">
+              <a14:hiddenFill xmlns:a14="http://schemas.microsoft.com/office/drawing/2010/main" xmlns="">
                 <a:solidFill>
                   <a:schemeClr val="accent1"/>
                 </a:solidFill>
               </a14:hiddenFill>
             </a:ext>
             <a:ext uri="{91240B29-F687-4f45-9708-019B960494DF}">
-              <a14:hiddenLine xmlns="" xmlns:a14="http://schemas.microsoft.com/office/drawing/2010/main" w="9525">
+              <a14:hiddenLine xmlns:a14="http://schemas.microsoft.com/office/drawing/2010/main" xmlns="" w="9525">
                 <a:solidFill>
                   <a:schemeClr val="tx1"/>
                 </a:solidFill>
@@ -24069,14 +23931,14 @@
           </a:ln>
           <a:extLst>
             <a:ext uri="{909E8E84-426E-40dd-AFC4-6F175D3DCCD1}">
-              <a14:hiddenFill xmlns="" xmlns:a14="http://schemas.microsoft.com/office/drawing/2010/main">
+              <a14:hiddenFill xmlns:a14="http://schemas.microsoft.com/office/drawing/2010/main" xmlns="">
                 <a:solidFill>
                   <a:schemeClr val="accent1"/>
                 </a:solidFill>
               </a14:hiddenFill>
             </a:ext>
             <a:ext uri="{91240B29-F687-4f45-9708-019B960494DF}">
-              <a14:hiddenLine xmlns="" xmlns:a14="http://schemas.microsoft.com/office/drawing/2010/main" w="9525">
+              <a14:hiddenLine xmlns:a14="http://schemas.microsoft.com/office/drawing/2010/main" xmlns="" w="9525">
                 <a:solidFill>
                   <a:schemeClr val="tx1"/>
                 </a:solidFill>
@@ -24122,14 +23984,14 @@
           </a:ln>
           <a:extLst>
             <a:ext uri="{909E8E84-426E-40dd-AFC4-6F175D3DCCD1}">
-              <a14:hiddenFill xmlns="" xmlns:a14="http://schemas.microsoft.com/office/drawing/2010/main">
+              <a14:hiddenFill xmlns:a14="http://schemas.microsoft.com/office/drawing/2010/main" xmlns="">
                 <a:solidFill>
                   <a:schemeClr val="accent1"/>
                 </a:solidFill>
               </a14:hiddenFill>
             </a:ext>
             <a:ext uri="{91240B29-F687-4f45-9708-019B960494DF}">
-              <a14:hiddenLine xmlns="" xmlns:a14="http://schemas.microsoft.com/office/drawing/2010/main" w="9525">
+              <a14:hiddenLine xmlns:a14="http://schemas.microsoft.com/office/drawing/2010/main" xmlns="" w="9525">
                 <a:solidFill>
                   <a:schemeClr val="tx1"/>
                 </a:solidFill>
@@ -24161,13 +24023,6 @@
   <p:clrMapOvr>
     <a:masterClrMapping/>
   </p:clrMapOvr>
-  <p:timing>
-    <p:tnLst>
-      <p:par>
-        <p:cTn id="1" dur="indefinite" restart="never" nodeType="tmRoot"/>
-      </p:par>
-    </p:tnLst>
-  </p:timing>
 </p:sld>
 </file>
 
@@ -24269,7 +24124,7 @@
           </a:ln>
           <a:extLst>
             <a:ext uri="{909E8E84-426E-40dd-AFC4-6F175D3DCCD1}">
-              <a14:hiddenFill xmlns="" xmlns:a14="http://schemas.microsoft.com/office/drawing/2010/main">
+              <a14:hiddenFill xmlns:a14="http://schemas.microsoft.com/office/drawing/2010/main" xmlns="">
                 <a:solidFill>
                   <a:schemeClr val="accent1"/>
                 </a:solidFill>
@@ -24329,15 +24184,7 @@
           <a:p>
             <a:r>
               <a:rPr lang="en-US" sz="1600" dirty="0"/>
-              <a:t>put "the result </a:t>
-            </a:r>
-            <a:r>
-              <a:rPr lang="en-US" sz="1600" dirty="0" smtClean="0"/>
-              <a:t>is” + y</a:t>
-            </a:r>
-            <a:r>
-              <a:rPr lang="en-US" sz="1600" dirty="0"/>
-              <a:t>;</a:t>
+              <a:t>put "the result is” + y;</a:t>
             </a:r>
           </a:p>
         </p:txBody>
@@ -24369,7 +24216,7 @@
           </a:ln>
           <a:extLst>
             <a:ext uri="{909E8E84-426E-40dd-AFC4-6F175D3DCCD1}">
-              <a14:hiddenFill xmlns="" xmlns:a14="http://schemas.microsoft.com/office/drawing/2010/main">
+              <a14:hiddenFill xmlns:a14="http://schemas.microsoft.com/office/drawing/2010/main" xmlns="">
                 <a:solidFill>
                   <a:schemeClr val="accent1"/>
                 </a:solidFill>
@@ -24474,62 +24321,38 @@
           <a:p>
             <a:r>
               <a:rPr lang="en-US" sz="1600" dirty="0"/>
-              <a:t>put </a:t>
-            </a:r>
-            <a:r>
-              <a:rPr lang="en-US" sz="1600" dirty="0" smtClean="0"/>
-              <a:t>v + </a:t>
-            </a:r>
-            <a:r>
-              <a:rPr lang="ja-JP" altLang="en-US" sz="1600" dirty="0" smtClean="0"/>
+              <a:t>put v + </a:t>
+            </a:r>
+            <a:r>
+              <a:rPr lang="ja-JP" altLang="en-US" sz="1600" dirty="0"/>
               <a:t>”</a:t>
             </a:r>
             <a:r>
-              <a:rPr lang="en-US" sz="1600" dirty="0" smtClean="0"/>
-              <a:t> </a:t>
-            </a:r>
-            <a:r>
               <a:rPr lang="en-US" sz="1600" dirty="0"/>
-              <a:t>to the power of </a:t>
-            </a:r>
-            <a:r>
-              <a:rPr lang="ja-JP" altLang="en-US" sz="1600" dirty="0" smtClean="0"/>
+              <a:t> to the power of </a:t>
+            </a:r>
+            <a:r>
+              <a:rPr lang="ja-JP" altLang="en-US" sz="1600" dirty="0"/>
               <a:t>“</a:t>
             </a:r>
             <a:r>
               <a:rPr lang="en-US" altLang="ja-JP" sz="1600" dirty="0"/>
-              <a:t> </a:t>
-            </a:r>
-            <a:r>
-              <a:rPr lang="en-US" altLang="ja-JP" sz="1600" dirty="0" smtClean="0"/>
-              <a:t>+ </a:t>
-            </a:r>
-            <a:r>
-              <a:rPr lang="en-US" sz="1600" dirty="0" smtClean="0"/>
-              <a:t>p</a:t>
+              <a:t> + </a:t>
             </a:r>
             <a:r>
               <a:rPr lang="en-US" sz="1600" dirty="0"/>
-              <a:t> </a:t>
-            </a:r>
-            <a:r>
-              <a:rPr lang="en-US" sz="1600" dirty="0" smtClean="0"/>
-              <a:t>+</a:t>
-            </a:r>
-            <a:r>
-              <a:rPr lang="ja-JP" altLang="en-US" sz="1600" dirty="0" smtClean="0"/>
+              <a:t>p +</a:t>
+            </a:r>
+            <a:r>
+              <a:rPr lang="ja-JP" altLang="en-US" sz="1600" dirty="0"/>
               <a:t>”</a:t>
             </a:r>
             <a:r>
-              <a:rPr lang="en-US" sz="1600" dirty="0" smtClean="0"/>
-              <a:t> </a:t>
-            </a:r>
-            <a:r>
               <a:rPr lang="en-US" sz="1600" dirty="0"/>
-              <a:t>is </a:t>
-            </a:r>
-            <a:r>
-              <a:rPr lang="ja-JP" altLang="en-US" sz="1600" dirty="0" smtClean="0"/>
+              <a:t> is </a:t>
+            </a:r>
+            <a:r>
+              <a:rPr lang="ja-JP" altLang="en-US" sz="1600" dirty="0"/>
               <a:t>“</a:t>
             </a:r>
             <a:r>
@@ -24537,12 +24360,8 @@
               <a:t>+</a:t>
             </a:r>
             <a:r>
-              <a:rPr lang="en-US" sz="1600" dirty="0" smtClean="0"/>
-              <a:t>result</a:t>
-            </a:r>
-            <a:r>
               <a:rPr lang="en-US" sz="1600" dirty="0"/>
-              <a:t>;</a:t>
+              <a:t>result;</a:t>
             </a:r>
           </a:p>
           <a:p>
@@ -24555,21 +24374,6 @@
   <p:clrMapOvr>
     <a:masterClrMapping/>
   </p:clrMapOvr>
-  <mc:AlternateContent xmlns:mc="http://schemas.openxmlformats.org/markup-compatibility/2006" xmlns:p14="http://schemas.microsoft.com/office/powerpoint/2010/main">
-    <mc:Choice Requires="p14">
-      <p:transition spd="slow" p14:dur="2000"/>
-    </mc:Choice>
-    <mc:Fallback xmlns="">
-      <p:transition spd="slow"/>
-    </mc:Fallback>
-  </mc:AlternateContent>
-  <p:timing>
-    <p:tnLst>
-      <p:par>
-        <p:cTn id="1" dur="indefinite" restart="never" nodeType="tmRoot"/>
-      </p:par>
-    </p:tnLst>
-  </p:timing>
 </p:sld>
 </file>
 
@@ -24671,7 +24475,7 @@
           </a:ln>
           <a:extLst>
             <a:ext uri="{909E8E84-426E-40dd-AFC4-6F175D3DCCD1}">
-              <a14:hiddenFill xmlns="" xmlns:a14="http://schemas.microsoft.com/office/drawing/2010/main">
+              <a14:hiddenFill xmlns:a14="http://schemas.microsoft.com/office/drawing/2010/main" xmlns="">
                 <a:solidFill>
                   <a:schemeClr val="accent1"/>
                 </a:solidFill>
@@ -24726,14 +24530,14 @@
           </a:ln>
           <a:extLst>
             <a:ext uri="{909E8E84-426E-40dd-AFC4-6F175D3DCCD1}">
-              <a14:hiddenFill xmlns="" xmlns:a14="http://schemas.microsoft.com/office/drawing/2010/main">
+              <a14:hiddenFill xmlns:a14="http://schemas.microsoft.com/office/drawing/2010/main" xmlns="">
                 <a:solidFill>
                   <a:schemeClr val="accent1"/>
                 </a:solidFill>
               </a14:hiddenFill>
             </a:ext>
             <a:ext uri="{91240B29-F687-4f45-9708-019B960494DF}">
-              <a14:hiddenLine xmlns="" xmlns:a14="http://schemas.microsoft.com/office/drawing/2010/main" w="9525">
+              <a14:hiddenLine xmlns:a14="http://schemas.microsoft.com/office/drawing/2010/main" xmlns="" w="9525">
                 <a:solidFill>
                   <a:schemeClr val="tx1"/>
                 </a:solidFill>
@@ -24779,14 +24583,14 @@
           </a:ln>
           <a:extLst>
             <a:ext uri="{909E8E84-426E-40dd-AFC4-6F175D3DCCD1}">
-              <a14:hiddenFill xmlns="" xmlns:a14="http://schemas.microsoft.com/office/drawing/2010/main">
+              <a14:hiddenFill xmlns:a14="http://schemas.microsoft.com/office/drawing/2010/main" xmlns="">
                 <a:solidFill>
                   <a:schemeClr val="accent1"/>
                 </a:solidFill>
               </a14:hiddenFill>
             </a:ext>
             <a:ext uri="{91240B29-F687-4f45-9708-019B960494DF}">
-              <a14:hiddenLine xmlns="" xmlns:a14="http://schemas.microsoft.com/office/drawing/2010/main" w="9525">
+              <a14:hiddenLine xmlns:a14="http://schemas.microsoft.com/office/drawing/2010/main" xmlns="" w="9525">
                 <a:solidFill>
                   <a:schemeClr val="tx1"/>
                 </a:solidFill>
@@ -24832,14 +24636,14 @@
           </a:ln>
           <a:extLst>
             <a:ext uri="{909E8E84-426E-40dd-AFC4-6F175D3DCCD1}">
-              <a14:hiddenFill xmlns="" xmlns:a14="http://schemas.microsoft.com/office/drawing/2010/main">
+              <a14:hiddenFill xmlns:a14="http://schemas.microsoft.com/office/drawing/2010/main" xmlns="">
                 <a:solidFill>
                   <a:schemeClr val="accent1"/>
                 </a:solidFill>
               </a14:hiddenFill>
             </a:ext>
             <a:ext uri="{91240B29-F687-4f45-9708-019B960494DF}">
-              <a14:hiddenLine xmlns="" xmlns:a14="http://schemas.microsoft.com/office/drawing/2010/main" w="9525">
+              <a14:hiddenLine xmlns:a14="http://schemas.microsoft.com/office/drawing/2010/main" xmlns="" w="9525">
                 <a:solidFill>
                   <a:schemeClr val="tx1"/>
                 </a:solidFill>
@@ -24885,14 +24689,14 @@
           </a:ln>
           <a:extLst>
             <a:ext uri="{909E8E84-426E-40dd-AFC4-6F175D3DCCD1}">
-              <a14:hiddenFill xmlns="" xmlns:a14="http://schemas.microsoft.com/office/drawing/2010/main">
+              <a14:hiddenFill xmlns:a14="http://schemas.microsoft.com/office/drawing/2010/main" xmlns="">
                 <a:solidFill>
                   <a:schemeClr val="accent1"/>
                 </a:solidFill>
               </a14:hiddenFill>
             </a:ext>
             <a:ext uri="{91240B29-F687-4f45-9708-019B960494DF}">
-              <a14:hiddenLine xmlns="" xmlns:a14="http://schemas.microsoft.com/office/drawing/2010/main" w="9525">
+              <a14:hiddenLine xmlns:a14="http://schemas.microsoft.com/office/drawing/2010/main" xmlns="" w="9525">
                 <a:solidFill>
                   <a:schemeClr val="tx1"/>
                 </a:solidFill>
@@ -24938,14 +24742,14 @@
           </a:ln>
           <a:extLst>
             <a:ext uri="{909E8E84-426E-40dd-AFC4-6F175D3DCCD1}">
-              <a14:hiddenFill xmlns="" xmlns:a14="http://schemas.microsoft.com/office/drawing/2010/main">
+              <a14:hiddenFill xmlns:a14="http://schemas.microsoft.com/office/drawing/2010/main" xmlns="">
                 <a:solidFill>
                   <a:schemeClr val="accent1"/>
                 </a:solidFill>
               </a14:hiddenFill>
             </a:ext>
             <a:ext uri="{91240B29-F687-4f45-9708-019B960494DF}">
-              <a14:hiddenLine xmlns="" xmlns:a14="http://schemas.microsoft.com/office/drawing/2010/main" w="9525">
+              <a14:hiddenLine xmlns:a14="http://schemas.microsoft.com/office/drawing/2010/main" xmlns="" w="9525">
                 <a:solidFill>
                   <a:schemeClr val="tx1"/>
                 </a:solidFill>
@@ -24998,7 +24802,7 @@
           </a:ln>
           <a:extLst>
             <a:ext uri="{909E8E84-426E-40dd-AFC4-6F175D3DCCD1}">
-              <a14:hiddenFill xmlns="" xmlns:a14="http://schemas.microsoft.com/office/drawing/2010/main">
+              <a14:hiddenFill xmlns:a14="http://schemas.microsoft.com/office/drawing/2010/main" xmlns="">
                 <a:noFill/>
               </a14:hiddenFill>
             </a:ext>
@@ -25034,7 +24838,7 @@
           </a:ln>
           <a:extLst>
             <a:ext uri="{909E8E84-426E-40dd-AFC4-6F175D3DCCD1}">
-              <a14:hiddenFill xmlns="" xmlns:a14="http://schemas.microsoft.com/office/drawing/2010/main">
+              <a14:hiddenFill xmlns:a14="http://schemas.microsoft.com/office/drawing/2010/main" xmlns="">
                 <a:noFill/>
               </a14:hiddenFill>
             </a:ext>
@@ -25070,7 +24874,7 @@
           </a:ln>
           <a:extLst>
             <a:ext uri="{909E8E84-426E-40dd-AFC4-6F175D3DCCD1}">
-              <a14:hiddenFill xmlns="" xmlns:a14="http://schemas.microsoft.com/office/drawing/2010/main">
+              <a14:hiddenFill xmlns:a14="http://schemas.microsoft.com/office/drawing/2010/main" xmlns="">
                 <a:noFill/>
               </a14:hiddenFill>
             </a:ext>
@@ -25106,7 +24910,7 @@
           </a:ln>
           <a:extLst>
             <a:ext uri="{909E8E84-426E-40dd-AFC4-6F175D3DCCD1}">
-              <a14:hiddenFill xmlns="" xmlns:a14="http://schemas.microsoft.com/office/drawing/2010/main">
+              <a14:hiddenFill xmlns:a14="http://schemas.microsoft.com/office/drawing/2010/main" xmlns="">
                 <a:noFill/>
               </a14:hiddenFill>
             </a:ext>
@@ -25135,14 +24939,14 @@
           </a:ln>
           <a:extLst>
             <a:ext uri="{909E8E84-426E-40dd-AFC4-6F175D3DCCD1}">
-              <a14:hiddenFill xmlns="" xmlns:a14="http://schemas.microsoft.com/office/drawing/2010/main">
+              <a14:hiddenFill xmlns:a14="http://schemas.microsoft.com/office/drawing/2010/main" xmlns="">
                 <a:solidFill>
                   <a:schemeClr val="accent1"/>
                 </a:solidFill>
               </a14:hiddenFill>
             </a:ext>
             <a:ext uri="{91240B29-F687-4f45-9708-019B960494DF}">
-              <a14:hiddenLine xmlns="" xmlns:a14="http://schemas.microsoft.com/office/drawing/2010/main" w="9525">
+              <a14:hiddenLine xmlns:a14="http://schemas.microsoft.com/office/drawing/2010/main" xmlns="" w="9525">
                 <a:solidFill>
                   <a:schemeClr val="tx1"/>
                 </a:solidFill>
@@ -25188,14 +24992,14 @@
           </a:ln>
           <a:extLst>
             <a:ext uri="{909E8E84-426E-40dd-AFC4-6F175D3DCCD1}">
-              <a14:hiddenFill xmlns="" xmlns:a14="http://schemas.microsoft.com/office/drawing/2010/main">
+              <a14:hiddenFill xmlns:a14="http://schemas.microsoft.com/office/drawing/2010/main" xmlns="">
                 <a:solidFill>
                   <a:schemeClr val="accent1"/>
                 </a:solidFill>
               </a14:hiddenFill>
             </a:ext>
             <a:ext uri="{91240B29-F687-4f45-9708-019B960494DF}">
-              <a14:hiddenLine xmlns="" xmlns:a14="http://schemas.microsoft.com/office/drawing/2010/main" w="9525">
+              <a14:hiddenLine xmlns:a14="http://schemas.microsoft.com/office/drawing/2010/main" xmlns="" w="9525">
                 <a:solidFill>
                   <a:schemeClr val="tx1"/>
                 </a:solidFill>
@@ -25248,7 +25052,7 @@
           </a:ln>
           <a:extLst>
             <a:ext uri="{909E8E84-426E-40dd-AFC4-6F175D3DCCD1}">
-              <a14:hiddenFill xmlns="" xmlns:a14="http://schemas.microsoft.com/office/drawing/2010/main">
+              <a14:hiddenFill xmlns:a14="http://schemas.microsoft.com/office/drawing/2010/main" xmlns="">
                 <a:noFill/>
               </a14:hiddenFill>
             </a:ext>
@@ -25284,7 +25088,7 @@
           </a:ln>
           <a:extLst>
             <a:ext uri="{909E8E84-426E-40dd-AFC4-6F175D3DCCD1}">
-              <a14:hiddenFill xmlns="" xmlns:a14="http://schemas.microsoft.com/office/drawing/2010/main">
+              <a14:hiddenFill xmlns:a14="http://schemas.microsoft.com/office/drawing/2010/main" xmlns="">
                 <a:noFill/>
               </a14:hiddenFill>
             </a:ext>
@@ -25296,13 +25100,6 @@
   <p:clrMapOvr>
     <a:masterClrMapping/>
   </p:clrMapOvr>
-  <p:timing>
-    <p:tnLst>
-      <p:par>
-        <p:cTn id="1" dur="indefinite" restart="never" nodeType="tmRoot"/>
-      </p:par>
-    </p:tnLst>
-  </p:timing>
 </p:sld>
 </file>
 
@@ -25404,7 +25201,7 @@
           </a:ln>
           <a:extLst>
             <a:ext uri="{909E8E84-426E-40dd-AFC4-6F175D3DCCD1}">
-              <a14:hiddenFill xmlns="" xmlns:a14="http://schemas.microsoft.com/office/drawing/2010/main">
+              <a14:hiddenFill xmlns:a14="http://schemas.microsoft.com/office/drawing/2010/main" xmlns="">
                 <a:solidFill>
                   <a:schemeClr val="accent1"/>
                 </a:solidFill>
@@ -25459,14 +25256,14 @@
           </a:ln>
           <a:extLst>
             <a:ext uri="{909E8E84-426E-40dd-AFC4-6F175D3DCCD1}">
-              <a14:hiddenFill xmlns="" xmlns:a14="http://schemas.microsoft.com/office/drawing/2010/main">
+              <a14:hiddenFill xmlns:a14="http://schemas.microsoft.com/office/drawing/2010/main" xmlns="">
                 <a:solidFill>
                   <a:schemeClr val="accent1"/>
                 </a:solidFill>
               </a14:hiddenFill>
             </a:ext>
             <a:ext uri="{91240B29-F687-4f45-9708-019B960494DF}">
-              <a14:hiddenLine xmlns="" xmlns:a14="http://schemas.microsoft.com/office/drawing/2010/main" w="9525">
+              <a14:hiddenLine xmlns:a14="http://schemas.microsoft.com/office/drawing/2010/main" xmlns="" w="9525">
                 <a:solidFill>
                   <a:schemeClr val="tx1"/>
                 </a:solidFill>
@@ -25512,14 +25309,14 @@
           </a:ln>
           <a:extLst>
             <a:ext uri="{909E8E84-426E-40dd-AFC4-6F175D3DCCD1}">
-              <a14:hiddenFill xmlns="" xmlns:a14="http://schemas.microsoft.com/office/drawing/2010/main">
+              <a14:hiddenFill xmlns:a14="http://schemas.microsoft.com/office/drawing/2010/main" xmlns="">
                 <a:solidFill>
                   <a:schemeClr val="accent1"/>
                 </a:solidFill>
               </a14:hiddenFill>
             </a:ext>
             <a:ext uri="{91240B29-F687-4f45-9708-019B960494DF}">
-              <a14:hiddenLine xmlns="" xmlns:a14="http://schemas.microsoft.com/office/drawing/2010/main" w="9525">
+              <a14:hiddenLine xmlns:a14="http://schemas.microsoft.com/office/drawing/2010/main" xmlns="" w="9525">
                 <a:solidFill>
                   <a:schemeClr val="tx1"/>
                 </a:solidFill>
@@ -25565,14 +25362,14 @@
           </a:ln>
           <a:extLst>
             <a:ext uri="{909E8E84-426E-40dd-AFC4-6F175D3DCCD1}">
-              <a14:hiddenFill xmlns="" xmlns:a14="http://schemas.microsoft.com/office/drawing/2010/main">
+              <a14:hiddenFill xmlns:a14="http://schemas.microsoft.com/office/drawing/2010/main" xmlns="">
                 <a:solidFill>
                   <a:schemeClr val="accent1"/>
                 </a:solidFill>
               </a14:hiddenFill>
             </a:ext>
             <a:ext uri="{91240B29-F687-4f45-9708-019B960494DF}">
-              <a14:hiddenLine xmlns="" xmlns:a14="http://schemas.microsoft.com/office/drawing/2010/main" w="9525">
+              <a14:hiddenLine xmlns:a14="http://schemas.microsoft.com/office/drawing/2010/main" xmlns="" w="9525">
                 <a:solidFill>
                   <a:schemeClr val="tx1"/>
                 </a:solidFill>
@@ -25618,14 +25415,14 @@
           </a:ln>
           <a:extLst>
             <a:ext uri="{909E8E84-426E-40dd-AFC4-6F175D3DCCD1}">
-              <a14:hiddenFill xmlns="" xmlns:a14="http://schemas.microsoft.com/office/drawing/2010/main">
+              <a14:hiddenFill xmlns:a14="http://schemas.microsoft.com/office/drawing/2010/main" xmlns="">
                 <a:solidFill>
                   <a:schemeClr val="accent1"/>
                 </a:solidFill>
               </a14:hiddenFill>
             </a:ext>
             <a:ext uri="{91240B29-F687-4f45-9708-019B960494DF}">
-              <a14:hiddenLine xmlns="" xmlns:a14="http://schemas.microsoft.com/office/drawing/2010/main" w="9525">
+              <a14:hiddenLine xmlns:a14="http://schemas.microsoft.com/office/drawing/2010/main" xmlns="" w="9525">
                 <a:solidFill>
                   <a:schemeClr val="tx1"/>
                 </a:solidFill>
@@ -25671,14 +25468,14 @@
           </a:ln>
           <a:extLst>
             <a:ext uri="{909E8E84-426E-40dd-AFC4-6F175D3DCCD1}">
-              <a14:hiddenFill xmlns="" xmlns:a14="http://schemas.microsoft.com/office/drawing/2010/main">
+              <a14:hiddenFill xmlns:a14="http://schemas.microsoft.com/office/drawing/2010/main" xmlns="">
                 <a:solidFill>
                   <a:schemeClr val="accent1"/>
                 </a:solidFill>
               </a14:hiddenFill>
             </a:ext>
             <a:ext uri="{91240B29-F687-4f45-9708-019B960494DF}">
-              <a14:hiddenLine xmlns="" xmlns:a14="http://schemas.microsoft.com/office/drawing/2010/main" w="9525">
+              <a14:hiddenLine xmlns:a14="http://schemas.microsoft.com/office/drawing/2010/main" xmlns="" w="9525">
                 <a:solidFill>
                   <a:schemeClr val="tx1"/>
                 </a:solidFill>
@@ -25731,7 +25528,7 @@
           </a:ln>
           <a:extLst>
             <a:ext uri="{909E8E84-426E-40dd-AFC4-6F175D3DCCD1}">
-              <a14:hiddenFill xmlns="" xmlns:a14="http://schemas.microsoft.com/office/drawing/2010/main">
+              <a14:hiddenFill xmlns:a14="http://schemas.microsoft.com/office/drawing/2010/main" xmlns="">
                 <a:noFill/>
               </a14:hiddenFill>
             </a:ext>
@@ -25767,7 +25564,7 @@
           </a:ln>
           <a:extLst>
             <a:ext uri="{909E8E84-426E-40dd-AFC4-6F175D3DCCD1}">
-              <a14:hiddenFill xmlns="" xmlns:a14="http://schemas.microsoft.com/office/drawing/2010/main">
+              <a14:hiddenFill xmlns:a14="http://schemas.microsoft.com/office/drawing/2010/main" xmlns="">
                 <a:noFill/>
               </a14:hiddenFill>
             </a:ext>
@@ -25803,7 +25600,7 @@
           </a:ln>
           <a:extLst>
             <a:ext uri="{909E8E84-426E-40dd-AFC4-6F175D3DCCD1}">
-              <a14:hiddenFill xmlns="" xmlns:a14="http://schemas.microsoft.com/office/drawing/2010/main">
+              <a14:hiddenFill xmlns:a14="http://schemas.microsoft.com/office/drawing/2010/main" xmlns="">
                 <a:noFill/>
               </a14:hiddenFill>
             </a:ext>
@@ -25839,7 +25636,7 @@
           </a:ln>
           <a:extLst>
             <a:ext uri="{909E8E84-426E-40dd-AFC4-6F175D3DCCD1}">
-              <a14:hiddenFill xmlns="" xmlns:a14="http://schemas.microsoft.com/office/drawing/2010/main">
+              <a14:hiddenFill xmlns:a14="http://schemas.microsoft.com/office/drawing/2010/main" xmlns="">
                 <a:noFill/>
               </a14:hiddenFill>
             </a:ext>
@@ -25868,14 +25665,14 @@
           </a:ln>
           <a:extLst>
             <a:ext uri="{909E8E84-426E-40dd-AFC4-6F175D3DCCD1}">
-              <a14:hiddenFill xmlns="" xmlns:a14="http://schemas.microsoft.com/office/drawing/2010/main">
+              <a14:hiddenFill xmlns:a14="http://schemas.microsoft.com/office/drawing/2010/main" xmlns="">
                 <a:solidFill>
                   <a:schemeClr val="accent1"/>
                 </a:solidFill>
               </a14:hiddenFill>
             </a:ext>
             <a:ext uri="{91240B29-F687-4f45-9708-019B960494DF}">
-              <a14:hiddenLine xmlns="" xmlns:a14="http://schemas.microsoft.com/office/drawing/2010/main" w="9525">
+              <a14:hiddenLine xmlns:a14="http://schemas.microsoft.com/office/drawing/2010/main" xmlns="" w="9525">
                 <a:solidFill>
                   <a:schemeClr val="tx1"/>
                 </a:solidFill>
@@ -25921,14 +25718,14 @@
           </a:ln>
           <a:extLst>
             <a:ext uri="{909E8E84-426E-40dd-AFC4-6F175D3DCCD1}">
-              <a14:hiddenFill xmlns="" xmlns:a14="http://schemas.microsoft.com/office/drawing/2010/main">
+              <a14:hiddenFill xmlns:a14="http://schemas.microsoft.com/office/drawing/2010/main" xmlns="">
                 <a:solidFill>
                   <a:schemeClr val="accent1"/>
                 </a:solidFill>
               </a14:hiddenFill>
             </a:ext>
             <a:ext uri="{91240B29-F687-4f45-9708-019B960494DF}">
-              <a14:hiddenLine xmlns="" xmlns:a14="http://schemas.microsoft.com/office/drawing/2010/main" w="9525">
+              <a14:hiddenLine xmlns:a14="http://schemas.microsoft.com/office/drawing/2010/main" xmlns="" w="9525">
                 <a:solidFill>
                   <a:schemeClr val="tx1"/>
                 </a:solidFill>
@@ -25981,7 +25778,7 @@
           </a:ln>
           <a:extLst>
             <a:ext uri="{909E8E84-426E-40dd-AFC4-6F175D3DCCD1}">
-              <a14:hiddenFill xmlns="" xmlns:a14="http://schemas.microsoft.com/office/drawing/2010/main">
+              <a14:hiddenFill xmlns:a14="http://schemas.microsoft.com/office/drawing/2010/main" xmlns="">
                 <a:noFill/>
               </a14:hiddenFill>
             </a:ext>
@@ -26017,7 +25814,7 @@
           </a:ln>
           <a:extLst>
             <a:ext uri="{909E8E84-426E-40dd-AFC4-6F175D3DCCD1}">
-              <a14:hiddenFill xmlns="" xmlns:a14="http://schemas.microsoft.com/office/drawing/2010/main">
+              <a14:hiddenFill xmlns:a14="http://schemas.microsoft.com/office/drawing/2010/main" xmlns="">
                 <a:noFill/>
               </a14:hiddenFill>
             </a:ext>
@@ -26046,14 +25843,14 @@
           </a:ln>
           <a:extLst>
             <a:ext uri="{909E8E84-426E-40dd-AFC4-6F175D3DCCD1}">
-              <a14:hiddenFill xmlns="" xmlns:a14="http://schemas.microsoft.com/office/drawing/2010/main">
+              <a14:hiddenFill xmlns:a14="http://schemas.microsoft.com/office/drawing/2010/main" xmlns="">
                 <a:solidFill>
                   <a:schemeClr val="accent1"/>
                 </a:solidFill>
               </a14:hiddenFill>
             </a:ext>
             <a:ext uri="{91240B29-F687-4f45-9708-019B960494DF}">
-              <a14:hiddenLine xmlns="" xmlns:a14="http://schemas.microsoft.com/office/drawing/2010/main" w="9525">
+              <a14:hiddenLine xmlns:a14="http://schemas.microsoft.com/office/drawing/2010/main" xmlns="" w="9525">
                 <a:solidFill>
                   <a:schemeClr val="tx1"/>
                 </a:solidFill>
@@ -26106,14 +25903,14 @@
           </a:ln>
           <a:extLst>
             <a:ext uri="{909E8E84-426E-40dd-AFC4-6F175D3DCCD1}">
-              <a14:hiddenFill xmlns="" xmlns:a14="http://schemas.microsoft.com/office/drawing/2010/main">
+              <a14:hiddenFill xmlns:a14="http://schemas.microsoft.com/office/drawing/2010/main" xmlns="">
                 <a:solidFill>
                   <a:schemeClr val="accent1"/>
                 </a:solidFill>
               </a14:hiddenFill>
             </a:ext>
             <a:ext uri="{91240B29-F687-4f45-9708-019B960494DF}">
-              <a14:hiddenLine xmlns="" xmlns:a14="http://schemas.microsoft.com/office/drawing/2010/main" w="9525">
+              <a14:hiddenLine xmlns:a14="http://schemas.microsoft.com/office/drawing/2010/main" xmlns="" w="9525">
                 <a:solidFill>
                   <a:schemeClr val="tx1"/>
                 </a:solidFill>
@@ -26164,7 +25961,7 @@
           </a:ln>
           <a:extLst>
             <a:ext uri="{909E8E84-426E-40dd-AFC4-6F175D3DCCD1}">
-              <a14:hiddenFill xmlns="" xmlns:a14="http://schemas.microsoft.com/office/drawing/2010/main">
+              <a14:hiddenFill xmlns:a14="http://schemas.microsoft.com/office/drawing/2010/main" xmlns="">
                 <a:noFill/>
               </a14:hiddenFill>
             </a:ext>
@@ -26183,13 +25980,6 @@
   <p:clrMapOvr>
     <a:masterClrMapping/>
   </p:clrMapOvr>
-  <p:timing>
-    <p:tnLst>
-      <p:par>
-        <p:cTn id="1" dur="indefinite" restart="never" nodeType="tmRoot"/>
-      </p:par>
-    </p:tnLst>
-  </p:timing>
 </p:sld>
 </file>
 
@@ -26291,7 +26081,7 @@
           </a:ln>
           <a:extLst>
             <a:ext uri="{909E8E84-426E-40dd-AFC4-6F175D3DCCD1}">
-              <a14:hiddenFill xmlns="" xmlns:a14="http://schemas.microsoft.com/office/drawing/2010/main">
+              <a14:hiddenFill xmlns:a14="http://schemas.microsoft.com/office/drawing/2010/main" xmlns="">
                 <a:solidFill>
                   <a:schemeClr val="accent1"/>
                 </a:solidFill>
@@ -26346,14 +26136,14 @@
           </a:ln>
           <a:extLst>
             <a:ext uri="{909E8E84-426E-40dd-AFC4-6F175D3DCCD1}">
-              <a14:hiddenFill xmlns="" xmlns:a14="http://schemas.microsoft.com/office/drawing/2010/main">
+              <a14:hiddenFill xmlns:a14="http://schemas.microsoft.com/office/drawing/2010/main" xmlns="">
                 <a:solidFill>
                   <a:schemeClr val="accent1"/>
                 </a:solidFill>
               </a14:hiddenFill>
             </a:ext>
             <a:ext uri="{91240B29-F687-4f45-9708-019B960494DF}">
-              <a14:hiddenLine xmlns="" xmlns:a14="http://schemas.microsoft.com/office/drawing/2010/main" w="9525">
+              <a14:hiddenLine xmlns:a14="http://schemas.microsoft.com/office/drawing/2010/main" xmlns="" w="9525">
                 <a:solidFill>
                   <a:schemeClr val="tx1"/>
                 </a:solidFill>
@@ -26399,14 +26189,14 @@
           </a:ln>
           <a:extLst>
             <a:ext uri="{909E8E84-426E-40dd-AFC4-6F175D3DCCD1}">
-              <a14:hiddenFill xmlns="" xmlns:a14="http://schemas.microsoft.com/office/drawing/2010/main">
+              <a14:hiddenFill xmlns:a14="http://schemas.microsoft.com/office/drawing/2010/main" xmlns="">
                 <a:solidFill>
                   <a:schemeClr val="accent1"/>
                 </a:solidFill>
               </a14:hiddenFill>
             </a:ext>
             <a:ext uri="{91240B29-F687-4f45-9708-019B960494DF}">
-              <a14:hiddenLine xmlns="" xmlns:a14="http://schemas.microsoft.com/office/drawing/2010/main" w="9525">
+              <a14:hiddenLine xmlns:a14="http://schemas.microsoft.com/office/drawing/2010/main" xmlns="" w="9525">
                 <a:solidFill>
                   <a:schemeClr val="tx1"/>
                 </a:solidFill>
@@ -26452,14 +26242,14 @@
           </a:ln>
           <a:extLst>
             <a:ext uri="{909E8E84-426E-40dd-AFC4-6F175D3DCCD1}">
-              <a14:hiddenFill xmlns="" xmlns:a14="http://schemas.microsoft.com/office/drawing/2010/main">
+              <a14:hiddenFill xmlns:a14="http://schemas.microsoft.com/office/drawing/2010/main" xmlns="">
                 <a:solidFill>
                   <a:schemeClr val="accent1"/>
                 </a:solidFill>
               </a14:hiddenFill>
             </a:ext>
             <a:ext uri="{91240B29-F687-4f45-9708-019B960494DF}">
-              <a14:hiddenLine xmlns="" xmlns:a14="http://schemas.microsoft.com/office/drawing/2010/main" w="9525">
+              <a14:hiddenLine xmlns:a14="http://schemas.microsoft.com/office/drawing/2010/main" xmlns="" w="9525">
                 <a:solidFill>
                   <a:schemeClr val="tx1"/>
                 </a:solidFill>
@@ -26505,14 +26295,14 @@
           </a:ln>
           <a:extLst>
             <a:ext uri="{909E8E84-426E-40dd-AFC4-6F175D3DCCD1}">
-              <a14:hiddenFill xmlns="" xmlns:a14="http://schemas.microsoft.com/office/drawing/2010/main">
+              <a14:hiddenFill xmlns:a14="http://schemas.microsoft.com/office/drawing/2010/main" xmlns="">
                 <a:solidFill>
                   <a:schemeClr val="accent1"/>
                 </a:solidFill>
               </a14:hiddenFill>
             </a:ext>
             <a:ext uri="{91240B29-F687-4f45-9708-019B960494DF}">
-              <a14:hiddenLine xmlns="" xmlns:a14="http://schemas.microsoft.com/office/drawing/2010/main" w="9525">
+              <a14:hiddenLine xmlns:a14="http://schemas.microsoft.com/office/drawing/2010/main" xmlns="" w="9525">
                 <a:solidFill>
                   <a:schemeClr val="tx1"/>
                 </a:solidFill>
@@ -26558,14 +26348,14 @@
           </a:ln>
           <a:extLst>
             <a:ext uri="{909E8E84-426E-40dd-AFC4-6F175D3DCCD1}">
-              <a14:hiddenFill xmlns="" xmlns:a14="http://schemas.microsoft.com/office/drawing/2010/main">
+              <a14:hiddenFill xmlns:a14="http://schemas.microsoft.com/office/drawing/2010/main" xmlns="">
                 <a:solidFill>
                   <a:schemeClr val="accent1"/>
                 </a:solidFill>
               </a14:hiddenFill>
             </a:ext>
             <a:ext uri="{91240B29-F687-4f45-9708-019B960494DF}">
-              <a14:hiddenLine xmlns="" xmlns:a14="http://schemas.microsoft.com/office/drawing/2010/main" w="9525">
+              <a14:hiddenLine xmlns:a14="http://schemas.microsoft.com/office/drawing/2010/main" xmlns="" w="9525">
                 <a:solidFill>
                   <a:schemeClr val="tx1"/>
                 </a:solidFill>
@@ -26618,7 +26408,7 @@
           </a:ln>
           <a:extLst>
             <a:ext uri="{909E8E84-426E-40dd-AFC4-6F175D3DCCD1}">
-              <a14:hiddenFill xmlns="" xmlns:a14="http://schemas.microsoft.com/office/drawing/2010/main">
+              <a14:hiddenFill xmlns:a14="http://schemas.microsoft.com/office/drawing/2010/main" xmlns="">
                 <a:noFill/>
               </a14:hiddenFill>
             </a:ext>
@@ -26654,7 +26444,7 @@
           </a:ln>
           <a:extLst>
             <a:ext uri="{909E8E84-426E-40dd-AFC4-6F175D3DCCD1}">
-              <a14:hiddenFill xmlns="" xmlns:a14="http://schemas.microsoft.com/office/drawing/2010/main">
+              <a14:hiddenFill xmlns:a14="http://schemas.microsoft.com/office/drawing/2010/main" xmlns="">
                 <a:noFill/>
               </a14:hiddenFill>
             </a:ext>
@@ -26690,7 +26480,7 @@
           </a:ln>
           <a:extLst>
             <a:ext uri="{909E8E84-426E-40dd-AFC4-6F175D3DCCD1}">
-              <a14:hiddenFill xmlns="" xmlns:a14="http://schemas.microsoft.com/office/drawing/2010/main">
+              <a14:hiddenFill xmlns:a14="http://schemas.microsoft.com/office/drawing/2010/main" xmlns="">
                 <a:noFill/>
               </a14:hiddenFill>
             </a:ext>
@@ -26726,7 +26516,7 @@
           </a:ln>
           <a:extLst>
             <a:ext uri="{909E8E84-426E-40dd-AFC4-6F175D3DCCD1}">
-              <a14:hiddenFill xmlns="" xmlns:a14="http://schemas.microsoft.com/office/drawing/2010/main">
+              <a14:hiddenFill xmlns:a14="http://schemas.microsoft.com/office/drawing/2010/main" xmlns="">
                 <a:noFill/>
               </a14:hiddenFill>
             </a:ext>
@@ -26755,14 +26545,14 @@
           </a:ln>
           <a:extLst>
             <a:ext uri="{909E8E84-426E-40dd-AFC4-6F175D3DCCD1}">
-              <a14:hiddenFill xmlns="" xmlns:a14="http://schemas.microsoft.com/office/drawing/2010/main">
+              <a14:hiddenFill xmlns:a14="http://schemas.microsoft.com/office/drawing/2010/main" xmlns="">
                 <a:solidFill>
                   <a:schemeClr val="accent1"/>
                 </a:solidFill>
               </a14:hiddenFill>
             </a:ext>
             <a:ext uri="{91240B29-F687-4f45-9708-019B960494DF}">
-              <a14:hiddenLine xmlns="" xmlns:a14="http://schemas.microsoft.com/office/drawing/2010/main" w="9525">
+              <a14:hiddenLine xmlns:a14="http://schemas.microsoft.com/office/drawing/2010/main" xmlns="" w="9525">
                 <a:solidFill>
                   <a:schemeClr val="tx1"/>
                 </a:solidFill>
@@ -26808,14 +26598,14 @@
           </a:ln>
           <a:extLst>
             <a:ext uri="{909E8E84-426E-40dd-AFC4-6F175D3DCCD1}">
-              <a14:hiddenFill xmlns="" xmlns:a14="http://schemas.microsoft.com/office/drawing/2010/main">
+              <a14:hiddenFill xmlns:a14="http://schemas.microsoft.com/office/drawing/2010/main" xmlns="">
                 <a:solidFill>
                   <a:schemeClr val="accent1"/>
                 </a:solidFill>
               </a14:hiddenFill>
             </a:ext>
             <a:ext uri="{91240B29-F687-4f45-9708-019B960494DF}">
-              <a14:hiddenLine xmlns="" xmlns:a14="http://schemas.microsoft.com/office/drawing/2010/main" w="9525">
+              <a14:hiddenLine xmlns:a14="http://schemas.microsoft.com/office/drawing/2010/main" xmlns="" w="9525">
                 <a:solidFill>
                   <a:schemeClr val="tx1"/>
                 </a:solidFill>
@@ -26868,7 +26658,7 @@
           </a:ln>
           <a:extLst>
             <a:ext uri="{909E8E84-426E-40dd-AFC4-6F175D3DCCD1}">
-              <a14:hiddenFill xmlns="" xmlns:a14="http://schemas.microsoft.com/office/drawing/2010/main">
+              <a14:hiddenFill xmlns:a14="http://schemas.microsoft.com/office/drawing/2010/main" xmlns="">
                 <a:noFill/>
               </a14:hiddenFill>
             </a:ext>
@@ -26904,7 +26694,7 @@
           </a:ln>
           <a:extLst>
             <a:ext uri="{909E8E84-426E-40dd-AFC4-6F175D3DCCD1}">
-              <a14:hiddenFill xmlns="" xmlns:a14="http://schemas.microsoft.com/office/drawing/2010/main">
+              <a14:hiddenFill xmlns:a14="http://schemas.microsoft.com/office/drawing/2010/main" xmlns="">
                 <a:noFill/>
               </a14:hiddenFill>
             </a:ext>
@@ -26933,14 +26723,14 @@
           </a:ln>
           <a:extLst>
             <a:ext uri="{909E8E84-426E-40dd-AFC4-6F175D3DCCD1}">
-              <a14:hiddenFill xmlns="" xmlns:a14="http://schemas.microsoft.com/office/drawing/2010/main">
+              <a14:hiddenFill xmlns:a14="http://schemas.microsoft.com/office/drawing/2010/main" xmlns="">
                 <a:solidFill>
                   <a:schemeClr val="accent1"/>
                 </a:solidFill>
               </a14:hiddenFill>
             </a:ext>
             <a:ext uri="{91240B29-F687-4f45-9708-019B960494DF}">
-              <a14:hiddenLine xmlns="" xmlns:a14="http://schemas.microsoft.com/office/drawing/2010/main" w="9525">
+              <a14:hiddenLine xmlns:a14="http://schemas.microsoft.com/office/drawing/2010/main" xmlns="" w="9525">
                 <a:solidFill>
                   <a:schemeClr val="tx1"/>
                 </a:solidFill>
@@ -26993,14 +26783,14 @@
           </a:ln>
           <a:extLst>
             <a:ext uri="{909E8E84-426E-40dd-AFC4-6F175D3DCCD1}">
-              <a14:hiddenFill xmlns="" xmlns:a14="http://schemas.microsoft.com/office/drawing/2010/main">
+              <a14:hiddenFill xmlns:a14="http://schemas.microsoft.com/office/drawing/2010/main" xmlns="">
                 <a:solidFill>
                   <a:schemeClr val="accent1"/>
                 </a:solidFill>
               </a14:hiddenFill>
             </a:ext>
             <a:ext uri="{91240B29-F687-4f45-9708-019B960494DF}">
-              <a14:hiddenLine xmlns="" xmlns:a14="http://schemas.microsoft.com/office/drawing/2010/main" w="9525">
+              <a14:hiddenLine xmlns:a14="http://schemas.microsoft.com/office/drawing/2010/main" xmlns="" w="9525">
                 <a:solidFill>
                   <a:schemeClr val="tx1"/>
                 </a:solidFill>
@@ -27029,13 +26819,6 @@
   <p:clrMapOvr>
     <a:masterClrMapping/>
   </p:clrMapOvr>
-  <p:timing>
-    <p:tnLst>
-      <p:par>
-        <p:cTn id="1" dur="indefinite" restart="never" nodeType="tmRoot"/>
-      </p:par>
-    </p:tnLst>
-  </p:timing>
 </p:sld>
 </file>
 
@@ -27137,7 +26920,7 @@
           </a:ln>
           <a:extLst>
             <a:ext uri="{909E8E84-426E-40dd-AFC4-6F175D3DCCD1}">
-              <a14:hiddenFill xmlns="" xmlns:a14="http://schemas.microsoft.com/office/drawing/2010/main">
+              <a14:hiddenFill xmlns:a14="http://schemas.microsoft.com/office/drawing/2010/main" xmlns="">
                 <a:solidFill>
                   <a:schemeClr val="accent1"/>
                 </a:solidFill>
@@ -27192,14 +26975,14 @@
           </a:ln>
           <a:extLst>
             <a:ext uri="{909E8E84-426E-40dd-AFC4-6F175D3DCCD1}">
-              <a14:hiddenFill xmlns="" xmlns:a14="http://schemas.microsoft.com/office/drawing/2010/main">
+              <a14:hiddenFill xmlns:a14="http://schemas.microsoft.com/office/drawing/2010/main" xmlns="">
                 <a:solidFill>
                   <a:schemeClr val="accent1"/>
                 </a:solidFill>
               </a14:hiddenFill>
             </a:ext>
             <a:ext uri="{91240B29-F687-4f45-9708-019B960494DF}">
-              <a14:hiddenLine xmlns="" xmlns:a14="http://schemas.microsoft.com/office/drawing/2010/main" w="9525">
+              <a14:hiddenLine xmlns:a14="http://schemas.microsoft.com/office/drawing/2010/main" xmlns="" w="9525">
                 <a:solidFill>
                   <a:schemeClr val="tx1"/>
                 </a:solidFill>
@@ -27245,14 +27028,14 @@
           </a:ln>
           <a:extLst>
             <a:ext uri="{909E8E84-426E-40dd-AFC4-6F175D3DCCD1}">
-              <a14:hiddenFill xmlns="" xmlns:a14="http://schemas.microsoft.com/office/drawing/2010/main">
+              <a14:hiddenFill xmlns:a14="http://schemas.microsoft.com/office/drawing/2010/main" xmlns="">
                 <a:solidFill>
                   <a:schemeClr val="accent1"/>
                 </a:solidFill>
               </a14:hiddenFill>
             </a:ext>
             <a:ext uri="{91240B29-F687-4f45-9708-019B960494DF}">
-              <a14:hiddenLine xmlns="" xmlns:a14="http://schemas.microsoft.com/office/drawing/2010/main" w="9525">
+              <a14:hiddenLine xmlns:a14="http://schemas.microsoft.com/office/drawing/2010/main" xmlns="" w="9525">
                 <a:solidFill>
                   <a:schemeClr val="tx1"/>
                 </a:solidFill>
@@ -27298,14 +27081,14 @@
           </a:ln>
           <a:extLst>
             <a:ext uri="{909E8E84-426E-40dd-AFC4-6F175D3DCCD1}">
-              <a14:hiddenFill xmlns="" xmlns:a14="http://schemas.microsoft.com/office/drawing/2010/main">
+              <a14:hiddenFill xmlns:a14="http://schemas.microsoft.com/office/drawing/2010/main" xmlns="">
                 <a:solidFill>
                   <a:schemeClr val="accent1"/>
                 </a:solidFill>
               </a14:hiddenFill>
             </a:ext>
             <a:ext uri="{91240B29-F687-4f45-9708-019B960494DF}">
-              <a14:hiddenLine xmlns="" xmlns:a14="http://schemas.microsoft.com/office/drawing/2010/main" w="9525">
+              <a14:hiddenLine xmlns:a14="http://schemas.microsoft.com/office/drawing/2010/main" xmlns="" w="9525">
                 <a:solidFill>
                   <a:schemeClr val="tx1"/>
                 </a:solidFill>
@@ -27351,14 +27134,14 @@
           </a:ln>
           <a:extLst>
             <a:ext uri="{909E8E84-426E-40dd-AFC4-6F175D3DCCD1}">
-              <a14:hiddenFill xmlns="" xmlns:a14="http://schemas.microsoft.com/office/drawing/2010/main">
+              <a14:hiddenFill xmlns:a14="http://schemas.microsoft.com/office/drawing/2010/main" xmlns="">
                 <a:solidFill>
                   <a:schemeClr val="accent1"/>
                 </a:solidFill>
               </a14:hiddenFill>
             </a:ext>
             <a:ext uri="{91240B29-F687-4f45-9708-019B960494DF}">
-              <a14:hiddenLine xmlns="" xmlns:a14="http://schemas.microsoft.com/office/drawing/2010/main" w="9525">
+              <a14:hiddenLine xmlns:a14="http://schemas.microsoft.com/office/drawing/2010/main" xmlns="" w="9525">
                 <a:solidFill>
                   <a:schemeClr val="tx1"/>
                 </a:solidFill>
@@ -27404,14 +27187,14 @@
           </a:ln>
           <a:extLst>
             <a:ext uri="{909E8E84-426E-40dd-AFC4-6F175D3DCCD1}">
-              <a14:hiddenFill xmlns="" xmlns:a14="http://schemas.microsoft.com/office/drawing/2010/main">
+              <a14:hiddenFill xmlns:a14="http://schemas.microsoft.com/office/drawing/2010/main" xmlns="">
                 <a:solidFill>
                   <a:schemeClr val="accent1"/>
                 </a:solidFill>
               </a14:hiddenFill>
             </a:ext>
             <a:ext uri="{91240B29-F687-4f45-9708-019B960494DF}">
-              <a14:hiddenLine xmlns="" xmlns:a14="http://schemas.microsoft.com/office/drawing/2010/main" w="9525">
+              <a14:hiddenLine xmlns:a14="http://schemas.microsoft.com/office/drawing/2010/main" xmlns="" w="9525">
                 <a:solidFill>
                   <a:schemeClr val="tx1"/>
                 </a:solidFill>
@@ -27464,7 +27247,7 @@
           </a:ln>
           <a:extLst>
             <a:ext uri="{909E8E84-426E-40dd-AFC4-6F175D3DCCD1}">
-              <a14:hiddenFill xmlns="" xmlns:a14="http://schemas.microsoft.com/office/drawing/2010/main">
+              <a14:hiddenFill xmlns:a14="http://schemas.microsoft.com/office/drawing/2010/main" xmlns="">
                 <a:noFill/>
               </a14:hiddenFill>
             </a:ext>
@@ -27500,7 +27283,7 @@
           </a:ln>
           <a:extLst>
             <a:ext uri="{909E8E84-426E-40dd-AFC4-6F175D3DCCD1}">
-              <a14:hiddenFill xmlns="" xmlns:a14="http://schemas.microsoft.com/office/drawing/2010/main">
+              <a14:hiddenFill xmlns:a14="http://schemas.microsoft.com/office/drawing/2010/main" xmlns="">
                 <a:noFill/>
               </a14:hiddenFill>
             </a:ext>
@@ -27536,7 +27319,7 @@
           </a:ln>
           <a:extLst>
             <a:ext uri="{909E8E84-426E-40dd-AFC4-6F175D3DCCD1}">
-              <a14:hiddenFill xmlns="" xmlns:a14="http://schemas.microsoft.com/office/drawing/2010/main">
+              <a14:hiddenFill xmlns:a14="http://schemas.microsoft.com/office/drawing/2010/main" xmlns="">
                 <a:noFill/>
               </a14:hiddenFill>
             </a:ext>
@@ -27572,7 +27355,7 @@
           </a:ln>
           <a:extLst>
             <a:ext uri="{909E8E84-426E-40dd-AFC4-6F175D3DCCD1}">
-              <a14:hiddenFill xmlns="" xmlns:a14="http://schemas.microsoft.com/office/drawing/2010/main">
+              <a14:hiddenFill xmlns:a14="http://schemas.microsoft.com/office/drawing/2010/main" xmlns="">
                 <a:noFill/>
               </a14:hiddenFill>
             </a:ext>
@@ -27601,14 +27384,14 @@
           </a:ln>
           <a:extLst>
             <a:ext uri="{909E8E84-426E-40dd-AFC4-6F175D3DCCD1}">
-              <a14:hiddenFill xmlns="" xmlns:a14="http://schemas.microsoft.com/office/drawing/2010/main">
+              <a14:hiddenFill xmlns:a14="http://schemas.microsoft.com/office/drawing/2010/main" xmlns="">
                 <a:solidFill>
                   <a:schemeClr val="accent1"/>
                 </a:solidFill>
               </a14:hiddenFill>
             </a:ext>
             <a:ext uri="{91240B29-F687-4f45-9708-019B960494DF}">
-              <a14:hiddenLine xmlns="" xmlns:a14="http://schemas.microsoft.com/office/drawing/2010/main" w="9525">
+              <a14:hiddenLine xmlns:a14="http://schemas.microsoft.com/office/drawing/2010/main" xmlns="" w="9525">
                 <a:solidFill>
                   <a:schemeClr val="tx1"/>
                 </a:solidFill>
@@ -27654,14 +27437,14 @@
           </a:ln>
           <a:extLst>
             <a:ext uri="{909E8E84-426E-40dd-AFC4-6F175D3DCCD1}">
-              <a14:hiddenFill xmlns="" xmlns:a14="http://schemas.microsoft.com/office/drawing/2010/main">
+              <a14:hiddenFill xmlns:a14="http://schemas.microsoft.com/office/drawing/2010/main" xmlns="">
                 <a:solidFill>
                   <a:schemeClr val="accent1"/>
                 </a:solidFill>
               </a14:hiddenFill>
             </a:ext>
             <a:ext uri="{91240B29-F687-4f45-9708-019B960494DF}">
-              <a14:hiddenLine xmlns="" xmlns:a14="http://schemas.microsoft.com/office/drawing/2010/main" w="9525">
+              <a14:hiddenLine xmlns:a14="http://schemas.microsoft.com/office/drawing/2010/main" xmlns="" w="9525">
                 <a:solidFill>
                   <a:schemeClr val="tx1"/>
                 </a:solidFill>
@@ -27714,7 +27497,7 @@
           </a:ln>
           <a:extLst>
             <a:ext uri="{909E8E84-426E-40dd-AFC4-6F175D3DCCD1}">
-              <a14:hiddenFill xmlns="" xmlns:a14="http://schemas.microsoft.com/office/drawing/2010/main">
+              <a14:hiddenFill xmlns:a14="http://schemas.microsoft.com/office/drawing/2010/main" xmlns="">
                 <a:noFill/>
               </a14:hiddenFill>
             </a:ext>
@@ -27750,7 +27533,7 @@
           </a:ln>
           <a:extLst>
             <a:ext uri="{909E8E84-426E-40dd-AFC4-6F175D3DCCD1}">
-              <a14:hiddenFill xmlns="" xmlns:a14="http://schemas.microsoft.com/office/drawing/2010/main">
+              <a14:hiddenFill xmlns:a14="http://schemas.microsoft.com/office/drawing/2010/main" xmlns="">
                 <a:noFill/>
               </a14:hiddenFill>
             </a:ext>
@@ -27779,14 +27562,14 @@
           </a:ln>
           <a:extLst>
             <a:ext uri="{909E8E84-426E-40dd-AFC4-6F175D3DCCD1}">
-              <a14:hiddenFill xmlns="" xmlns:a14="http://schemas.microsoft.com/office/drawing/2010/main">
+              <a14:hiddenFill xmlns:a14="http://schemas.microsoft.com/office/drawing/2010/main" xmlns="">
                 <a:solidFill>
                   <a:schemeClr val="accent1"/>
                 </a:solidFill>
               </a14:hiddenFill>
             </a:ext>
             <a:ext uri="{91240B29-F687-4f45-9708-019B960494DF}">
-              <a14:hiddenLine xmlns="" xmlns:a14="http://schemas.microsoft.com/office/drawing/2010/main" w="9525">
+              <a14:hiddenLine xmlns:a14="http://schemas.microsoft.com/office/drawing/2010/main" xmlns="" w="9525">
                 <a:solidFill>
                   <a:schemeClr val="tx1"/>
                 </a:solidFill>
@@ -27839,14 +27622,14 @@
           </a:ln>
           <a:extLst>
             <a:ext uri="{909E8E84-426E-40dd-AFC4-6F175D3DCCD1}">
-              <a14:hiddenFill xmlns="" xmlns:a14="http://schemas.microsoft.com/office/drawing/2010/main">
+              <a14:hiddenFill xmlns:a14="http://schemas.microsoft.com/office/drawing/2010/main" xmlns="">
                 <a:solidFill>
                   <a:schemeClr val="accent1"/>
                 </a:solidFill>
               </a14:hiddenFill>
             </a:ext>
             <a:ext uri="{91240B29-F687-4f45-9708-019B960494DF}">
-              <a14:hiddenLine xmlns="" xmlns:a14="http://schemas.microsoft.com/office/drawing/2010/main" w="9525">
+              <a14:hiddenLine xmlns:a14="http://schemas.microsoft.com/office/drawing/2010/main" xmlns="" w="9525">
                 <a:solidFill>
                   <a:schemeClr val="tx1"/>
                 </a:solidFill>
@@ -27892,14 +27675,14 @@
           </a:ln>
           <a:extLst>
             <a:ext uri="{909E8E84-426E-40dd-AFC4-6F175D3DCCD1}">
-              <a14:hiddenFill xmlns="" xmlns:a14="http://schemas.microsoft.com/office/drawing/2010/main">
+              <a14:hiddenFill xmlns:a14="http://schemas.microsoft.com/office/drawing/2010/main" xmlns="">
                 <a:solidFill>
                   <a:schemeClr val="accent1"/>
                 </a:solidFill>
               </a14:hiddenFill>
             </a:ext>
             <a:ext uri="{91240B29-F687-4f45-9708-019B960494DF}">
-              <a14:hiddenLine xmlns="" xmlns:a14="http://schemas.microsoft.com/office/drawing/2010/main" w="9525">
+              <a14:hiddenLine xmlns:a14="http://schemas.microsoft.com/office/drawing/2010/main" xmlns="" w="9525">
                 <a:solidFill>
                   <a:schemeClr val="tx1"/>
                 </a:solidFill>
@@ -27928,13 +27711,6 @@
   <p:clrMapOvr>
     <a:masterClrMapping/>
   </p:clrMapOvr>
-  <p:timing>
-    <p:tnLst>
-      <p:par>
-        <p:cTn id="1" dur="indefinite" restart="never" nodeType="tmRoot"/>
-      </p:par>
-    </p:tnLst>
-  </p:timing>
 </p:sld>
 </file>
 
@@ -28036,7 +27812,7 @@
           </a:ln>
           <a:extLst>
             <a:ext uri="{909E8E84-426E-40dd-AFC4-6F175D3DCCD1}">
-              <a14:hiddenFill xmlns="" xmlns:a14="http://schemas.microsoft.com/office/drawing/2010/main">
+              <a14:hiddenFill xmlns:a14="http://schemas.microsoft.com/office/drawing/2010/main" xmlns="">
                 <a:solidFill>
                   <a:schemeClr val="accent1"/>
                 </a:solidFill>
@@ -28091,14 +27867,14 @@
           </a:ln>
           <a:extLst>
             <a:ext uri="{909E8E84-426E-40dd-AFC4-6F175D3DCCD1}">
-              <a14:hiddenFill xmlns="" xmlns:a14="http://schemas.microsoft.com/office/drawing/2010/main">
+              <a14:hiddenFill xmlns:a14="http://schemas.microsoft.com/office/drawing/2010/main" xmlns="">
                 <a:solidFill>
                   <a:schemeClr val="accent1"/>
                 </a:solidFill>
               </a14:hiddenFill>
             </a:ext>
             <a:ext uri="{91240B29-F687-4f45-9708-019B960494DF}">
-              <a14:hiddenLine xmlns="" xmlns:a14="http://schemas.microsoft.com/office/drawing/2010/main" w="9525">
+              <a14:hiddenLine xmlns:a14="http://schemas.microsoft.com/office/drawing/2010/main" xmlns="" w="9525">
                 <a:solidFill>
                   <a:schemeClr val="tx1"/>
                 </a:solidFill>
@@ -28144,14 +27920,14 @@
           </a:ln>
           <a:extLst>
             <a:ext uri="{909E8E84-426E-40dd-AFC4-6F175D3DCCD1}">
-              <a14:hiddenFill xmlns="" xmlns:a14="http://schemas.microsoft.com/office/drawing/2010/main">
+              <a14:hiddenFill xmlns:a14="http://schemas.microsoft.com/office/drawing/2010/main" xmlns="">
                 <a:solidFill>
                   <a:schemeClr val="accent1"/>
                 </a:solidFill>
               </a14:hiddenFill>
             </a:ext>
             <a:ext uri="{91240B29-F687-4f45-9708-019B960494DF}">
-              <a14:hiddenLine xmlns="" xmlns:a14="http://schemas.microsoft.com/office/drawing/2010/main" w="9525">
+              <a14:hiddenLine xmlns:a14="http://schemas.microsoft.com/office/drawing/2010/main" xmlns="" w="9525">
                 <a:solidFill>
                   <a:schemeClr val="tx1"/>
                 </a:solidFill>
@@ -28197,14 +27973,14 @@
           </a:ln>
           <a:extLst>
             <a:ext uri="{909E8E84-426E-40dd-AFC4-6F175D3DCCD1}">
-              <a14:hiddenFill xmlns="" xmlns:a14="http://schemas.microsoft.com/office/drawing/2010/main">
+              <a14:hiddenFill xmlns:a14="http://schemas.microsoft.com/office/drawing/2010/main" xmlns="">
                 <a:solidFill>
                   <a:schemeClr val="accent1"/>
                 </a:solidFill>
               </a14:hiddenFill>
             </a:ext>
             <a:ext uri="{91240B29-F687-4f45-9708-019B960494DF}">
-              <a14:hiddenLine xmlns="" xmlns:a14="http://schemas.microsoft.com/office/drawing/2010/main" w="9525">
+              <a14:hiddenLine xmlns:a14="http://schemas.microsoft.com/office/drawing/2010/main" xmlns="" w="9525">
                 <a:solidFill>
                   <a:schemeClr val="tx1"/>
                 </a:solidFill>
@@ -28250,14 +28026,14 @@
           </a:ln>
           <a:extLst>
             <a:ext uri="{909E8E84-426E-40dd-AFC4-6F175D3DCCD1}">
-              <a14:hiddenFill xmlns="" xmlns:a14="http://schemas.microsoft.com/office/drawing/2010/main">
+              <a14:hiddenFill xmlns:a14="http://schemas.microsoft.com/office/drawing/2010/main" xmlns="">
                 <a:solidFill>
                   <a:schemeClr val="accent1"/>
                 </a:solidFill>
               </a14:hiddenFill>
             </a:ext>
             <a:ext uri="{91240B29-F687-4f45-9708-019B960494DF}">
-              <a14:hiddenLine xmlns="" xmlns:a14="http://schemas.microsoft.com/office/drawing/2010/main" w="9525">
+              <a14:hiddenLine xmlns:a14="http://schemas.microsoft.com/office/drawing/2010/main" xmlns="" w="9525">
                 <a:solidFill>
                   <a:schemeClr val="tx1"/>
                 </a:solidFill>
@@ -28303,14 +28079,14 @@
           </a:ln>
           <a:extLst>
             <a:ext uri="{909E8E84-426E-40dd-AFC4-6F175D3DCCD1}">
-              <a14:hiddenFill xmlns="" xmlns:a14="http://schemas.microsoft.com/office/drawing/2010/main">
+              <a14:hiddenFill xmlns:a14="http://schemas.microsoft.com/office/drawing/2010/main" xmlns="">
                 <a:solidFill>
                   <a:schemeClr val="accent1"/>
                 </a:solidFill>
               </a14:hiddenFill>
             </a:ext>
             <a:ext uri="{91240B29-F687-4f45-9708-019B960494DF}">
-              <a14:hiddenLine xmlns="" xmlns:a14="http://schemas.microsoft.com/office/drawing/2010/main" w="9525">
+              <a14:hiddenLine xmlns:a14="http://schemas.microsoft.com/office/drawing/2010/main" xmlns="" w="9525">
                 <a:solidFill>
                   <a:schemeClr val="tx1"/>
                 </a:solidFill>
@@ -28363,7 +28139,7 @@
           </a:ln>
           <a:extLst>
             <a:ext uri="{909E8E84-426E-40dd-AFC4-6F175D3DCCD1}">
-              <a14:hiddenFill xmlns="" xmlns:a14="http://schemas.microsoft.com/office/drawing/2010/main">
+              <a14:hiddenFill xmlns:a14="http://schemas.microsoft.com/office/drawing/2010/main" xmlns="">
                 <a:noFill/>
               </a14:hiddenFill>
             </a:ext>
@@ -28399,7 +28175,7 @@
           </a:ln>
           <a:extLst>
             <a:ext uri="{909E8E84-426E-40dd-AFC4-6F175D3DCCD1}">
-              <a14:hiddenFill xmlns="" xmlns:a14="http://schemas.microsoft.com/office/drawing/2010/main">
+              <a14:hiddenFill xmlns:a14="http://schemas.microsoft.com/office/drawing/2010/main" xmlns="">
                 <a:noFill/>
               </a14:hiddenFill>
             </a:ext>
@@ -28435,7 +28211,7 @@
           </a:ln>
           <a:extLst>
             <a:ext uri="{909E8E84-426E-40dd-AFC4-6F175D3DCCD1}">
-              <a14:hiddenFill xmlns="" xmlns:a14="http://schemas.microsoft.com/office/drawing/2010/main">
+              <a14:hiddenFill xmlns:a14="http://schemas.microsoft.com/office/drawing/2010/main" xmlns="">
                 <a:noFill/>
               </a14:hiddenFill>
             </a:ext>
@@ -28471,7 +28247,7 @@
           </a:ln>
           <a:extLst>
             <a:ext uri="{909E8E84-426E-40dd-AFC4-6F175D3DCCD1}">
-              <a14:hiddenFill xmlns="" xmlns:a14="http://schemas.microsoft.com/office/drawing/2010/main">
+              <a14:hiddenFill xmlns:a14="http://schemas.microsoft.com/office/drawing/2010/main" xmlns="">
                 <a:noFill/>
               </a14:hiddenFill>
             </a:ext>
@@ -28500,14 +28276,14 @@
           </a:ln>
           <a:extLst>
             <a:ext uri="{909E8E84-426E-40dd-AFC4-6F175D3DCCD1}">
-              <a14:hiddenFill xmlns="" xmlns:a14="http://schemas.microsoft.com/office/drawing/2010/main">
+              <a14:hiddenFill xmlns:a14="http://schemas.microsoft.com/office/drawing/2010/main" xmlns="">
                 <a:solidFill>
                   <a:schemeClr val="accent1"/>
                 </a:solidFill>
               </a14:hiddenFill>
             </a:ext>
             <a:ext uri="{91240B29-F687-4f45-9708-019B960494DF}">
-              <a14:hiddenLine xmlns="" xmlns:a14="http://schemas.microsoft.com/office/drawing/2010/main" w="9525">
+              <a14:hiddenLine xmlns:a14="http://schemas.microsoft.com/office/drawing/2010/main" xmlns="" w="9525">
                 <a:solidFill>
                   <a:schemeClr val="tx1"/>
                 </a:solidFill>
@@ -28553,14 +28329,14 @@
           </a:ln>
           <a:extLst>
             <a:ext uri="{909E8E84-426E-40dd-AFC4-6F175D3DCCD1}">
-              <a14:hiddenFill xmlns="" xmlns:a14="http://schemas.microsoft.com/office/drawing/2010/main">
+              <a14:hiddenFill xmlns:a14="http://schemas.microsoft.com/office/drawing/2010/main" xmlns="">
                 <a:solidFill>
                   <a:schemeClr val="accent1"/>
                 </a:solidFill>
               </a14:hiddenFill>
             </a:ext>
             <a:ext uri="{91240B29-F687-4f45-9708-019B960494DF}">
-              <a14:hiddenLine xmlns="" xmlns:a14="http://schemas.microsoft.com/office/drawing/2010/main" w="9525">
+              <a14:hiddenLine xmlns:a14="http://schemas.microsoft.com/office/drawing/2010/main" xmlns="" w="9525">
                 <a:solidFill>
                   <a:schemeClr val="tx1"/>
                 </a:solidFill>
@@ -28613,7 +28389,7 @@
           </a:ln>
           <a:extLst>
             <a:ext uri="{909E8E84-426E-40dd-AFC4-6F175D3DCCD1}">
-              <a14:hiddenFill xmlns="" xmlns:a14="http://schemas.microsoft.com/office/drawing/2010/main">
+              <a14:hiddenFill xmlns:a14="http://schemas.microsoft.com/office/drawing/2010/main" xmlns="">
                 <a:noFill/>
               </a14:hiddenFill>
             </a:ext>
@@ -28649,7 +28425,7 @@
           </a:ln>
           <a:extLst>
             <a:ext uri="{909E8E84-426E-40dd-AFC4-6F175D3DCCD1}">
-              <a14:hiddenFill xmlns="" xmlns:a14="http://schemas.microsoft.com/office/drawing/2010/main">
+              <a14:hiddenFill xmlns:a14="http://schemas.microsoft.com/office/drawing/2010/main" xmlns="">
                 <a:noFill/>
               </a14:hiddenFill>
             </a:ext>
@@ -28678,14 +28454,14 @@
           </a:ln>
           <a:extLst>
             <a:ext uri="{909E8E84-426E-40dd-AFC4-6F175D3DCCD1}">
-              <a14:hiddenFill xmlns="" xmlns:a14="http://schemas.microsoft.com/office/drawing/2010/main">
+              <a14:hiddenFill xmlns:a14="http://schemas.microsoft.com/office/drawing/2010/main" xmlns="">
                 <a:solidFill>
                   <a:schemeClr val="accent1"/>
                 </a:solidFill>
               </a14:hiddenFill>
             </a:ext>
             <a:ext uri="{91240B29-F687-4f45-9708-019B960494DF}">
-              <a14:hiddenLine xmlns="" xmlns:a14="http://schemas.microsoft.com/office/drawing/2010/main" w="9525">
+              <a14:hiddenLine xmlns:a14="http://schemas.microsoft.com/office/drawing/2010/main" xmlns="" w="9525">
                 <a:solidFill>
                   <a:schemeClr val="tx1"/>
                 </a:solidFill>
@@ -28738,14 +28514,14 @@
           </a:ln>
           <a:extLst>
             <a:ext uri="{909E8E84-426E-40dd-AFC4-6F175D3DCCD1}">
-              <a14:hiddenFill xmlns="" xmlns:a14="http://schemas.microsoft.com/office/drawing/2010/main">
+              <a14:hiddenFill xmlns:a14="http://schemas.microsoft.com/office/drawing/2010/main" xmlns="">
                 <a:solidFill>
                   <a:schemeClr val="accent1"/>
                 </a:solidFill>
               </a14:hiddenFill>
             </a:ext>
             <a:ext uri="{91240B29-F687-4f45-9708-019B960494DF}">
-              <a14:hiddenLine xmlns="" xmlns:a14="http://schemas.microsoft.com/office/drawing/2010/main" w="9525">
+              <a14:hiddenLine xmlns:a14="http://schemas.microsoft.com/office/drawing/2010/main" xmlns="" w="9525">
                 <a:solidFill>
                   <a:schemeClr val="tx1"/>
                 </a:solidFill>
@@ -28791,14 +28567,14 @@
           </a:ln>
           <a:extLst>
             <a:ext uri="{909E8E84-426E-40dd-AFC4-6F175D3DCCD1}">
-              <a14:hiddenFill xmlns="" xmlns:a14="http://schemas.microsoft.com/office/drawing/2010/main">
+              <a14:hiddenFill xmlns:a14="http://schemas.microsoft.com/office/drawing/2010/main" xmlns="">
                 <a:solidFill>
                   <a:schemeClr val="accent1"/>
                 </a:solidFill>
               </a14:hiddenFill>
             </a:ext>
             <a:ext uri="{91240B29-F687-4f45-9708-019B960494DF}">
-              <a14:hiddenLine xmlns="" xmlns:a14="http://schemas.microsoft.com/office/drawing/2010/main" w="9525">
+              <a14:hiddenLine xmlns:a14="http://schemas.microsoft.com/office/drawing/2010/main" xmlns="" w="9525">
                 <a:solidFill>
                   <a:schemeClr val="tx1"/>
                 </a:solidFill>
@@ -28844,14 +28620,14 @@
           </a:ln>
           <a:extLst>
             <a:ext uri="{909E8E84-426E-40dd-AFC4-6F175D3DCCD1}">
-              <a14:hiddenFill xmlns="" xmlns:a14="http://schemas.microsoft.com/office/drawing/2010/main">
+              <a14:hiddenFill xmlns:a14="http://schemas.microsoft.com/office/drawing/2010/main" xmlns="">
                 <a:solidFill>
                   <a:schemeClr val="accent1"/>
                 </a:solidFill>
               </a14:hiddenFill>
             </a:ext>
             <a:ext uri="{91240B29-F687-4f45-9708-019B960494DF}">
-              <a14:hiddenLine xmlns="" xmlns:a14="http://schemas.microsoft.com/office/drawing/2010/main" w="9525">
+              <a14:hiddenLine xmlns:a14="http://schemas.microsoft.com/office/drawing/2010/main" xmlns="" w="9525">
                 <a:solidFill>
                   <a:schemeClr val="tx1"/>
                 </a:solidFill>
@@ -28897,14 +28673,14 @@
           </a:ln>
           <a:extLst>
             <a:ext uri="{909E8E84-426E-40dd-AFC4-6F175D3DCCD1}">
-              <a14:hiddenFill xmlns="" xmlns:a14="http://schemas.microsoft.com/office/drawing/2010/main">
+              <a14:hiddenFill xmlns:a14="http://schemas.microsoft.com/office/drawing/2010/main" xmlns="">
                 <a:solidFill>
                   <a:schemeClr val="accent1"/>
                 </a:solidFill>
               </a14:hiddenFill>
             </a:ext>
             <a:ext uri="{91240B29-F687-4f45-9708-019B960494DF}">
-              <a14:hiddenLine xmlns="" xmlns:a14="http://schemas.microsoft.com/office/drawing/2010/main" w="9525">
+              <a14:hiddenLine xmlns:a14="http://schemas.microsoft.com/office/drawing/2010/main" xmlns="" w="9525">
                 <a:solidFill>
                   <a:schemeClr val="tx1"/>
                 </a:solidFill>
@@ -28936,13 +28712,6 @@
   <p:clrMapOvr>
     <a:masterClrMapping/>
   </p:clrMapOvr>
-  <p:timing>
-    <p:tnLst>
-      <p:par>
-        <p:cTn id="1" dur="indefinite" restart="never" nodeType="tmRoot"/>
-      </p:par>
-    </p:tnLst>
-  </p:timing>
 </p:sld>
 </file>
 
@@ -29044,7 +28813,7 @@
           </a:ln>
           <a:extLst>
             <a:ext uri="{909E8E84-426E-40dd-AFC4-6F175D3DCCD1}">
-              <a14:hiddenFill xmlns="" xmlns:a14="http://schemas.microsoft.com/office/drawing/2010/main">
+              <a14:hiddenFill xmlns:a14="http://schemas.microsoft.com/office/drawing/2010/main" xmlns="">
                 <a:solidFill>
                   <a:schemeClr val="accent1"/>
                 </a:solidFill>
@@ -29099,14 +28868,14 @@
           </a:ln>
           <a:extLst>
             <a:ext uri="{909E8E84-426E-40dd-AFC4-6F175D3DCCD1}">
-              <a14:hiddenFill xmlns="" xmlns:a14="http://schemas.microsoft.com/office/drawing/2010/main">
+              <a14:hiddenFill xmlns:a14="http://schemas.microsoft.com/office/drawing/2010/main" xmlns="">
                 <a:solidFill>
                   <a:schemeClr val="accent1"/>
                 </a:solidFill>
               </a14:hiddenFill>
             </a:ext>
             <a:ext uri="{91240B29-F687-4f45-9708-019B960494DF}">
-              <a14:hiddenLine xmlns="" xmlns:a14="http://schemas.microsoft.com/office/drawing/2010/main" w="9525">
+              <a14:hiddenLine xmlns:a14="http://schemas.microsoft.com/office/drawing/2010/main" xmlns="" w="9525">
                 <a:solidFill>
                   <a:schemeClr val="tx1"/>
                 </a:solidFill>
@@ -29152,14 +28921,14 @@
           </a:ln>
           <a:extLst>
             <a:ext uri="{909E8E84-426E-40dd-AFC4-6F175D3DCCD1}">
-              <a14:hiddenFill xmlns="" xmlns:a14="http://schemas.microsoft.com/office/drawing/2010/main">
+              <a14:hiddenFill xmlns:a14="http://schemas.microsoft.com/office/drawing/2010/main" xmlns="">
                 <a:solidFill>
                   <a:schemeClr val="accent1"/>
                 </a:solidFill>
               </a14:hiddenFill>
             </a:ext>
             <a:ext uri="{91240B29-F687-4f45-9708-019B960494DF}">
-              <a14:hiddenLine xmlns="" xmlns:a14="http://schemas.microsoft.com/office/drawing/2010/main" w="9525">
+              <a14:hiddenLine xmlns:a14="http://schemas.microsoft.com/office/drawing/2010/main" xmlns="" w="9525">
                 <a:solidFill>
                   <a:schemeClr val="tx1"/>
                 </a:solidFill>
@@ -29205,14 +28974,14 @@
           </a:ln>
           <a:extLst>
             <a:ext uri="{909E8E84-426E-40dd-AFC4-6F175D3DCCD1}">
-              <a14:hiddenFill xmlns="" xmlns:a14="http://schemas.microsoft.com/office/drawing/2010/main">
+              <a14:hiddenFill xmlns:a14="http://schemas.microsoft.com/office/drawing/2010/main" xmlns="">
                 <a:solidFill>
                   <a:schemeClr val="accent1"/>
                 </a:solidFill>
               </a14:hiddenFill>
             </a:ext>
             <a:ext uri="{91240B29-F687-4f45-9708-019B960494DF}">
-              <a14:hiddenLine xmlns="" xmlns:a14="http://schemas.microsoft.com/office/drawing/2010/main" w="9525">
+              <a14:hiddenLine xmlns:a14="http://schemas.microsoft.com/office/drawing/2010/main" xmlns="" w="9525">
                 <a:solidFill>
                   <a:schemeClr val="tx1"/>
                 </a:solidFill>
@@ -29258,14 +29027,14 @@
           </a:ln>
           <a:extLst>
             <a:ext uri="{909E8E84-426E-40dd-AFC4-6F175D3DCCD1}">
-              <a14:hiddenFill xmlns="" xmlns:a14="http://schemas.microsoft.com/office/drawing/2010/main">
+              <a14:hiddenFill xmlns:a14="http://schemas.microsoft.com/office/drawing/2010/main" xmlns="">
                 <a:solidFill>
                   <a:schemeClr val="accent1"/>
                 </a:solidFill>
               </a14:hiddenFill>
             </a:ext>
             <a:ext uri="{91240B29-F687-4f45-9708-019B960494DF}">
-              <a14:hiddenLine xmlns="" xmlns:a14="http://schemas.microsoft.com/office/drawing/2010/main" w="9525">
+              <a14:hiddenLine xmlns:a14="http://schemas.microsoft.com/office/drawing/2010/main" xmlns="" w="9525">
                 <a:solidFill>
                   <a:schemeClr val="tx1"/>
                 </a:solidFill>
@@ -29311,14 +29080,14 @@
           </a:ln>
           <a:extLst>
             <a:ext uri="{909E8E84-426E-40dd-AFC4-6F175D3DCCD1}">
-              <a14:hiddenFill xmlns="" xmlns:a14="http://schemas.microsoft.com/office/drawing/2010/main">
+              <a14:hiddenFill xmlns:a14="http://schemas.microsoft.com/office/drawing/2010/main" xmlns="">
                 <a:solidFill>
                   <a:schemeClr val="accent1"/>
                 </a:solidFill>
               </a14:hiddenFill>
             </a:ext>
             <a:ext uri="{91240B29-F687-4f45-9708-019B960494DF}">
-              <a14:hiddenLine xmlns="" xmlns:a14="http://schemas.microsoft.com/office/drawing/2010/main" w="9525">
+              <a14:hiddenLine xmlns:a14="http://schemas.microsoft.com/office/drawing/2010/main" xmlns="" w="9525">
                 <a:solidFill>
                   <a:schemeClr val="tx1"/>
                 </a:solidFill>
@@ -29371,7 +29140,7 @@
           </a:ln>
           <a:extLst>
             <a:ext uri="{909E8E84-426E-40dd-AFC4-6F175D3DCCD1}">
-              <a14:hiddenFill xmlns="" xmlns:a14="http://schemas.microsoft.com/office/drawing/2010/main">
+              <a14:hiddenFill xmlns:a14="http://schemas.microsoft.com/office/drawing/2010/main" xmlns="">
                 <a:noFill/>
               </a14:hiddenFill>
             </a:ext>
@@ -29407,7 +29176,7 @@
           </a:ln>
           <a:extLst>
             <a:ext uri="{909E8E84-426E-40dd-AFC4-6F175D3DCCD1}">
-              <a14:hiddenFill xmlns="" xmlns:a14="http://schemas.microsoft.com/office/drawing/2010/main">
+              <a14:hiddenFill xmlns:a14="http://schemas.microsoft.com/office/drawing/2010/main" xmlns="">
                 <a:noFill/>
               </a14:hiddenFill>
             </a:ext>
@@ -29443,7 +29212,7 @@
           </a:ln>
           <a:extLst>
             <a:ext uri="{909E8E84-426E-40dd-AFC4-6F175D3DCCD1}">
-              <a14:hiddenFill xmlns="" xmlns:a14="http://schemas.microsoft.com/office/drawing/2010/main">
+              <a14:hiddenFill xmlns:a14="http://schemas.microsoft.com/office/drawing/2010/main" xmlns="">
                 <a:noFill/>
               </a14:hiddenFill>
             </a:ext>
@@ -29479,7 +29248,7 @@
           </a:ln>
           <a:extLst>
             <a:ext uri="{909E8E84-426E-40dd-AFC4-6F175D3DCCD1}">
-              <a14:hiddenFill xmlns="" xmlns:a14="http://schemas.microsoft.com/office/drawing/2010/main">
+              <a14:hiddenFill xmlns:a14="http://schemas.microsoft.com/office/drawing/2010/main" xmlns="">
                 <a:noFill/>
               </a14:hiddenFill>
             </a:ext>
@@ -29508,14 +29277,14 @@
           </a:ln>
           <a:extLst>
             <a:ext uri="{909E8E84-426E-40dd-AFC4-6F175D3DCCD1}">
-              <a14:hiddenFill xmlns="" xmlns:a14="http://schemas.microsoft.com/office/drawing/2010/main">
+              <a14:hiddenFill xmlns:a14="http://schemas.microsoft.com/office/drawing/2010/main" xmlns="">
                 <a:solidFill>
                   <a:schemeClr val="accent1"/>
                 </a:solidFill>
               </a14:hiddenFill>
             </a:ext>
             <a:ext uri="{91240B29-F687-4f45-9708-019B960494DF}">
-              <a14:hiddenLine xmlns="" xmlns:a14="http://schemas.microsoft.com/office/drawing/2010/main" w="9525">
+              <a14:hiddenLine xmlns:a14="http://schemas.microsoft.com/office/drawing/2010/main" xmlns="" w="9525">
                 <a:solidFill>
                   <a:schemeClr val="tx1"/>
                 </a:solidFill>
@@ -29561,14 +29330,14 @@
           </a:ln>
           <a:extLst>
             <a:ext uri="{909E8E84-426E-40dd-AFC4-6F175D3DCCD1}">
-              <a14:hiddenFill xmlns="" xmlns:a14="http://schemas.microsoft.com/office/drawing/2010/main">
+              <a14:hiddenFill xmlns:a14="http://schemas.microsoft.com/office/drawing/2010/main" xmlns="">
                 <a:solidFill>
                   <a:schemeClr val="accent1"/>
                 </a:solidFill>
               </a14:hiddenFill>
             </a:ext>
             <a:ext uri="{91240B29-F687-4f45-9708-019B960494DF}">
-              <a14:hiddenLine xmlns="" xmlns:a14="http://schemas.microsoft.com/office/drawing/2010/main" w="9525">
+              <a14:hiddenLine xmlns:a14="http://schemas.microsoft.com/office/drawing/2010/main" xmlns="" w="9525">
                 <a:solidFill>
                   <a:schemeClr val="tx1"/>
                 </a:solidFill>
@@ -29621,7 +29390,7 @@
           </a:ln>
           <a:extLst>
             <a:ext uri="{909E8E84-426E-40dd-AFC4-6F175D3DCCD1}">
-              <a14:hiddenFill xmlns="" xmlns:a14="http://schemas.microsoft.com/office/drawing/2010/main">
+              <a14:hiddenFill xmlns:a14="http://schemas.microsoft.com/office/drawing/2010/main" xmlns="">
                 <a:noFill/>
               </a14:hiddenFill>
             </a:ext>
@@ -29657,7 +29426,7 @@
           </a:ln>
           <a:extLst>
             <a:ext uri="{909E8E84-426E-40dd-AFC4-6F175D3DCCD1}">
-              <a14:hiddenFill xmlns="" xmlns:a14="http://schemas.microsoft.com/office/drawing/2010/main">
+              <a14:hiddenFill xmlns:a14="http://schemas.microsoft.com/office/drawing/2010/main" xmlns="">
                 <a:noFill/>
               </a14:hiddenFill>
             </a:ext>
@@ -29669,13 +29438,6 @@
   <p:clrMapOvr>
     <a:masterClrMapping/>
   </p:clrMapOvr>
-  <p:timing>
-    <p:tnLst>
-      <p:par>
-        <p:cTn id="1" dur="indefinite" restart="never" nodeType="tmRoot"/>
-      </p:par>
-    </p:tnLst>
-  </p:timing>
 </p:sld>
 </file>
 
@@ -29777,7 +29539,7 @@
           </a:ln>
           <a:extLst>
             <a:ext uri="{909E8E84-426E-40dd-AFC4-6F175D3DCCD1}">
-              <a14:hiddenFill xmlns="" xmlns:a14="http://schemas.microsoft.com/office/drawing/2010/main">
+              <a14:hiddenFill xmlns:a14="http://schemas.microsoft.com/office/drawing/2010/main" xmlns="">
                 <a:solidFill>
                   <a:schemeClr val="accent1"/>
                 </a:solidFill>
@@ -29832,14 +29594,14 @@
           </a:ln>
           <a:extLst>
             <a:ext uri="{909E8E84-426E-40dd-AFC4-6F175D3DCCD1}">
-              <a14:hiddenFill xmlns="" xmlns:a14="http://schemas.microsoft.com/office/drawing/2010/main">
+              <a14:hiddenFill xmlns:a14="http://schemas.microsoft.com/office/drawing/2010/main" xmlns="">
                 <a:solidFill>
                   <a:schemeClr val="accent1"/>
                 </a:solidFill>
               </a14:hiddenFill>
             </a:ext>
             <a:ext uri="{91240B29-F687-4f45-9708-019B960494DF}">
-              <a14:hiddenLine xmlns="" xmlns:a14="http://schemas.microsoft.com/office/drawing/2010/main" w="9525">
+              <a14:hiddenLine xmlns:a14="http://schemas.microsoft.com/office/drawing/2010/main" xmlns="" w="9525">
                 <a:solidFill>
                   <a:schemeClr val="tx1"/>
                 </a:solidFill>
@@ -29885,14 +29647,14 @@
           </a:ln>
           <a:extLst>
             <a:ext uri="{909E8E84-426E-40dd-AFC4-6F175D3DCCD1}">
-              <a14:hiddenFill xmlns="" xmlns:a14="http://schemas.microsoft.com/office/drawing/2010/main">
+              <a14:hiddenFill xmlns:a14="http://schemas.microsoft.com/office/drawing/2010/main" xmlns="">
                 <a:solidFill>
                   <a:schemeClr val="accent1"/>
                 </a:solidFill>
               </a14:hiddenFill>
             </a:ext>
             <a:ext uri="{91240B29-F687-4f45-9708-019B960494DF}">
-              <a14:hiddenLine xmlns="" xmlns:a14="http://schemas.microsoft.com/office/drawing/2010/main" w="9525">
+              <a14:hiddenLine xmlns:a14="http://schemas.microsoft.com/office/drawing/2010/main" xmlns="" w="9525">
                 <a:solidFill>
                   <a:schemeClr val="tx1"/>
                 </a:solidFill>
@@ -29938,14 +29700,14 @@
           </a:ln>
           <a:extLst>
             <a:ext uri="{909E8E84-426E-40dd-AFC4-6F175D3DCCD1}">
-              <a14:hiddenFill xmlns="" xmlns:a14="http://schemas.microsoft.com/office/drawing/2010/main">
+              <a14:hiddenFill xmlns:a14="http://schemas.microsoft.com/office/drawing/2010/main" xmlns="">
                 <a:solidFill>
                   <a:schemeClr val="accent1"/>
                 </a:solidFill>
               </a14:hiddenFill>
             </a:ext>
             <a:ext uri="{91240B29-F687-4f45-9708-019B960494DF}">
-              <a14:hiddenLine xmlns="" xmlns:a14="http://schemas.microsoft.com/office/drawing/2010/main" w="9525">
+              <a14:hiddenLine xmlns:a14="http://schemas.microsoft.com/office/drawing/2010/main" xmlns="" w="9525">
                 <a:solidFill>
                   <a:schemeClr val="tx1"/>
                 </a:solidFill>
@@ -29991,14 +29753,14 @@
           </a:ln>
           <a:extLst>
             <a:ext uri="{909E8E84-426E-40dd-AFC4-6F175D3DCCD1}">
-              <a14:hiddenFill xmlns="" xmlns:a14="http://schemas.microsoft.com/office/drawing/2010/main">
+              <a14:hiddenFill xmlns:a14="http://schemas.microsoft.com/office/drawing/2010/main" xmlns="">
                 <a:solidFill>
                   <a:schemeClr val="accent1"/>
                 </a:solidFill>
               </a14:hiddenFill>
             </a:ext>
             <a:ext uri="{91240B29-F687-4f45-9708-019B960494DF}">
-              <a14:hiddenLine xmlns="" xmlns:a14="http://schemas.microsoft.com/office/drawing/2010/main" w="9525">
+              <a14:hiddenLine xmlns:a14="http://schemas.microsoft.com/office/drawing/2010/main" xmlns="" w="9525">
                 <a:solidFill>
                   <a:schemeClr val="tx1"/>
                 </a:solidFill>
@@ -30044,14 +29806,14 @@
           </a:ln>
           <a:extLst>
             <a:ext uri="{909E8E84-426E-40dd-AFC4-6F175D3DCCD1}">
-              <a14:hiddenFill xmlns="" xmlns:a14="http://schemas.microsoft.com/office/drawing/2010/main">
+              <a14:hiddenFill xmlns:a14="http://schemas.microsoft.com/office/drawing/2010/main" xmlns="">
                 <a:solidFill>
                   <a:schemeClr val="accent1"/>
                 </a:solidFill>
               </a14:hiddenFill>
             </a:ext>
             <a:ext uri="{91240B29-F687-4f45-9708-019B960494DF}">
-              <a14:hiddenLine xmlns="" xmlns:a14="http://schemas.microsoft.com/office/drawing/2010/main" w="9525">
+              <a14:hiddenLine xmlns:a14="http://schemas.microsoft.com/office/drawing/2010/main" xmlns="" w="9525">
                 <a:solidFill>
                   <a:schemeClr val="tx1"/>
                 </a:solidFill>
@@ -30104,7 +29866,7 @@
           </a:ln>
           <a:extLst>
             <a:ext uri="{909E8E84-426E-40dd-AFC4-6F175D3DCCD1}">
-              <a14:hiddenFill xmlns="" xmlns:a14="http://schemas.microsoft.com/office/drawing/2010/main">
+              <a14:hiddenFill xmlns:a14="http://schemas.microsoft.com/office/drawing/2010/main" xmlns="">
                 <a:noFill/>
               </a14:hiddenFill>
             </a:ext>
@@ -30140,7 +29902,7 @@
           </a:ln>
           <a:extLst>
             <a:ext uri="{909E8E84-426E-40dd-AFC4-6F175D3DCCD1}">
-              <a14:hiddenFill xmlns="" xmlns:a14="http://schemas.microsoft.com/office/drawing/2010/main">
+              <a14:hiddenFill xmlns:a14="http://schemas.microsoft.com/office/drawing/2010/main" xmlns="">
                 <a:noFill/>
               </a14:hiddenFill>
             </a:ext>
@@ -30176,7 +29938,7 @@
           </a:ln>
           <a:extLst>
             <a:ext uri="{909E8E84-426E-40dd-AFC4-6F175D3DCCD1}">
-              <a14:hiddenFill xmlns="" xmlns:a14="http://schemas.microsoft.com/office/drawing/2010/main">
+              <a14:hiddenFill xmlns:a14="http://schemas.microsoft.com/office/drawing/2010/main" xmlns="">
                 <a:noFill/>
               </a14:hiddenFill>
             </a:ext>
@@ -30212,7 +29974,7 @@
           </a:ln>
           <a:extLst>
             <a:ext uri="{909E8E84-426E-40dd-AFC4-6F175D3DCCD1}">
-              <a14:hiddenFill xmlns="" xmlns:a14="http://schemas.microsoft.com/office/drawing/2010/main">
+              <a14:hiddenFill xmlns:a14="http://schemas.microsoft.com/office/drawing/2010/main" xmlns="">
                 <a:noFill/>
               </a14:hiddenFill>
             </a:ext>
@@ -30241,14 +30003,14 @@
           </a:ln>
           <a:extLst>
             <a:ext uri="{909E8E84-426E-40dd-AFC4-6F175D3DCCD1}">
-              <a14:hiddenFill xmlns="" xmlns:a14="http://schemas.microsoft.com/office/drawing/2010/main">
+              <a14:hiddenFill xmlns:a14="http://schemas.microsoft.com/office/drawing/2010/main" xmlns="">
                 <a:solidFill>
                   <a:schemeClr val="accent1"/>
                 </a:solidFill>
               </a14:hiddenFill>
             </a:ext>
             <a:ext uri="{91240B29-F687-4f45-9708-019B960494DF}">
-              <a14:hiddenLine xmlns="" xmlns:a14="http://schemas.microsoft.com/office/drawing/2010/main" w="9525">
+              <a14:hiddenLine xmlns:a14="http://schemas.microsoft.com/office/drawing/2010/main" xmlns="" w="9525">
                 <a:solidFill>
                   <a:schemeClr val="tx1"/>
                 </a:solidFill>
@@ -30294,14 +30056,14 @@
           </a:ln>
           <a:extLst>
             <a:ext uri="{909E8E84-426E-40dd-AFC4-6F175D3DCCD1}">
-              <a14:hiddenFill xmlns="" xmlns:a14="http://schemas.microsoft.com/office/drawing/2010/main">
+              <a14:hiddenFill xmlns:a14="http://schemas.microsoft.com/office/drawing/2010/main" xmlns="">
                 <a:solidFill>
                   <a:schemeClr val="accent1"/>
                 </a:solidFill>
               </a14:hiddenFill>
             </a:ext>
             <a:ext uri="{91240B29-F687-4f45-9708-019B960494DF}">
-              <a14:hiddenLine xmlns="" xmlns:a14="http://schemas.microsoft.com/office/drawing/2010/main" w="9525">
+              <a14:hiddenLine xmlns:a14="http://schemas.microsoft.com/office/drawing/2010/main" xmlns="" w="9525">
                 <a:solidFill>
                   <a:schemeClr val="tx1"/>
                 </a:solidFill>
@@ -30354,7 +30116,7 @@
           </a:ln>
           <a:extLst>
             <a:ext uri="{909E8E84-426E-40dd-AFC4-6F175D3DCCD1}">
-              <a14:hiddenFill xmlns="" xmlns:a14="http://schemas.microsoft.com/office/drawing/2010/main">
+              <a14:hiddenFill xmlns:a14="http://schemas.microsoft.com/office/drawing/2010/main" xmlns="">
                 <a:noFill/>
               </a14:hiddenFill>
             </a:ext>
@@ -30390,7 +30152,7 @@
           </a:ln>
           <a:extLst>
             <a:ext uri="{909E8E84-426E-40dd-AFC4-6F175D3DCCD1}">
-              <a14:hiddenFill xmlns="" xmlns:a14="http://schemas.microsoft.com/office/drawing/2010/main">
+              <a14:hiddenFill xmlns:a14="http://schemas.microsoft.com/office/drawing/2010/main" xmlns="">
                 <a:noFill/>
               </a14:hiddenFill>
             </a:ext>
@@ -30419,14 +30181,14 @@
           </a:ln>
           <a:extLst>
             <a:ext uri="{909E8E84-426E-40dd-AFC4-6F175D3DCCD1}">
-              <a14:hiddenFill xmlns="" xmlns:a14="http://schemas.microsoft.com/office/drawing/2010/main">
+              <a14:hiddenFill xmlns:a14="http://schemas.microsoft.com/office/drawing/2010/main" xmlns="">
                 <a:solidFill>
                   <a:schemeClr val="accent1"/>
                 </a:solidFill>
               </a14:hiddenFill>
             </a:ext>
             <a:ext uri="{91240B29-F687-4f45-9708-019B960494DF}">
-              <a14:hiddenLine xmlns="" xmlns:a14="http://schemas.microsoft.com/office/drawing/2010/main" w="9525">
+              <a14:hiddenLine xmlns:a14="http://schemas.microsoft.com/office/drawing/2010/main" xmlns="" w="9525">
                 <a:solidFill>
                   <a:schemeClr val="tx1"/>
                 </a:solidFill>
@@ -30462,13 +30224,6 @@
   <p:clrMapOvr>
     <a:masterClrMapping/>
   </p:clrMapOvr>
-  <p:timing>
-    <p:tnLst>
-      <p:par>
-        <p:cTn id="1" dur="indefinite" restart="never" nodeType="tmRoot"/>
-      </p:par>
-    </p:tnLst>
-  </p:timing>
 </p:sld>
 </file>
 
@@ -30570,7 +30325,7 @@
           </a:ln>
           <a:extLst>
             <a:ext uri="{909E8E84-426E-40dd-AFC4-6F175D3DCCD1}">
-              <a14:hiddenFill xmlns="" xmlns:a14="http://schemas.microsoft.com/office/drawing/2010/main">
+              <a14:hiddenFill xmlns:a14="http://schemas.microsoft.com/office/drawing/2010/main" xmlns="">
                 <a:solidFill>
                   <a:schemeClr val="accent1"/>
                 </a:solidFill>
@@ -30625,14 +30380,14 @@
           </a:ln>
           <a:extLst>
             <a:ext uri="{909E8E84-426E-40dd-AFC4-6F175D3DCCD1}">
-              <a14:hiddenFill xmlns="" xmlns:a14="http://schemas.microsoft.com/office/drawing/2010/main">
+              <a14:hiddenFill xmlns:a14="http://schemas.microsoft.com/office/drawing/2010/main" xmlns="">
                 <a:solidFill>
                   <a:schemeClr val="accent1"/>
                 </a:solidFill>
               </a14:hiddenFill>
             </a:ext>
             <a:ext uri="{91240B29-F687-4f45-9708-019B960494DF}">
-              <a14:hiddenLine xmlns="" xmlns:a14="http://schemas.microsoft.com/office/drawing/2010/main" w="9525">
+              <a14:hiddenLine xmlns:a14="http://schemas.microsoft.com/office/drawing/2010/main" xmlns="" w="9525">
                 <a:solidFill>
                   <a:schemeClr val="tx1"/>
                 </a:solidFill>
@@ -30678,14 +30433,14 @@
           </a:ln>
           <a:extLst>
             <a:ext uri="{909E8E84-426E-40dd-AFC4-6F175D3DCCD1}">
-              <a14:hiddenFill xmlns="" xmlns:a14="http://schemas.microsoft.com/office/drawing/2010/main">
+              <a14:hiddenFill xmlns:a14="http://schemas.microsoft.com/office/drawing/2010/main" xmlns="">
                 <a:solidFill>
                   <a:schemeClr val="accent1"/>
                 </a:solidFill>
               </a14:hiddenFill>
             </a:ext>
             <a:ext uri="{91240B29-F687-4f45-9708-019B960494DF}">
-              <a14:hiddenLine xmlns="" xmlns:a14="http://schemas.microsoft.com/office/drawing/2010/main" w="9525">
+              <a14:hiddenLine xmlns:a14="http://schemas.microsoft.com/office/drawing/2010/main" xmlns="" w="9525">
                 <a:solidFill>
                   <a:schemeClr val="tx1"/>
                 </a:solidFill>
@@ -30731,14 +30486,14 @@
           </a:ln>
           <a:extLst>
             <a:ext uri="{909E8E84-426E-40dd-AFC4-6F175D3DCCD1}">
-              <a14:hiddenFill xmlns="" xmlns:a14="http://schemas.microsoft.com/office/drawing/2010/main">
+              <a14:hiddenFill xmlns:a14="http://schemas.microsoft.com/office/drawing/2010/main" xmlns="">
                 <a:solidFill>
                   <a:schemeClr val="accent1"/>
                 </a:solidFill>
               </a14:hiddenFill>
             </a:ext>
             <a:ext uri="{91240B29-F687-4f45-9708-019B960494DF}">
-              <a14:hiddenLine xmlns="" xmlns:a14="http://schemas.microsoft.com/office/drawing/2010/main" w="9525">
+              <a14:hiddenLine xmlns:a14="http://schemas.microsoft.com/office/drawing/2010/main" xmlns="" w="9525">
                 <a:solidFill>
                   <a:schemeClr val="tx1"/>
                 </a:solidFill>
@@ -30784,14 +30539,14 @@
           </a:ln>
           <a:extLst>
             <a:ext uri="{909E8E84-426E-40dd-AFC4-6F175D3DCCD1}">
-              <a14:hiddenFill xmlns="" xmlns:a14="http://schemas.microsoft.com/office/drawing/2010/main">
+              <a14:hiddenFill xmlns:a14="http://schemas.microsoft.com/office/drawing/2010/main" xmlns="">
                 <a:solidFill>
                   <a:schemeClr val="accent1"/>
                 </a:solidFill>
               </a14:hiddenFill>
             </a:ext>
             <a:ext uri="{91240B29-F687-4f45-9708-019B960494DF}">
-              <a14:hiddenLine xmlns="" xmlns:a14="http://schemas.microsoft.com/office/drawing/2010/main" w="9525">
+              <a14:hiddenLine xmlns:a14="http://schemas.microsoft.com/office/drawing/2010/main" xmlns="" w="9525">
                 <a:solidFill>
                   <a:schemeClr val="tx1"/>
                 </a:solidFill>
@@ -30837,14 +30592,14 @@
           </a:ln>
           <a:extLst>
             <a:ext uri="{909E8E84-426E-40dd-AFC4-6F175D3DCCD1}">
-              <a14:hiddenFill xmlns="" xmlns:a14="http://schemas.microsoft.com/office/drawing/2010/main">
+              <a14:hiddenFill xmlns:a14="http://schemas.microsoft.com/office/drawing/2010/main" xmlns="">
                 <a:solidFill>
                   <a:schemeClr val="accent1"/>
                 </a:solidFill>
               </a14:hiddenFill>
             </a:ext>
             <a:ext uri="{91240B29-F687-4f45-9708-019B960494DF}">
-              <a14:hiddenLine xmlns="" xmlns:a14="http://schemas.microsoft.com/office/drawing/2010/main" w="9525">
+              <a14:hiddenLine xmlns:a14="http://schemas.microsoft.com/office/drawing/2010/main" xmlns="" w="9525">
                 <a:solidFill>
                   <a:schemeClr val="tx1"/>
                 </a:solidFill>
@@ -30897,7 +30652,7 @@
           </a:ln>
           <a:extLst>
             <a:ext uri="{909E8E84-426E-40dd-AFC4-6F175D3DCCD1}">
-              <a14:hiddenFill xmlns="" xmlns:a14="http://schemas.microsoft.com/office/drawing/2010/main">
+              <a14:hiddenFill xmlns:a14="http://schemas.microsoft.com/office/drawing/2010/main" xmlns="">
                 <a:noFill/>
               </a14:hiddenFill>
             </a:ext>
@@ -30933,7 +30688,7 @@
           </a:ln>
           <a:extLst>
             <a:ext uri="{909E8E84-426E-40dd-AFC4-6F175D3DCCD1}">
-              <a14:hiddenFill xmlns="" xmlns:a14="http://schemas.microsoft.com/office/drawing/2010/main">
+              <a14:hiddenFill xmlns:a14="http://schemas.microsoft.com/office/drawing/2010/main" xmlns="">
                 <a:noFill/>
               </a14:hiddenFill>
             </a:ext>
@@ -30969,7 +30724,7 @@
           </a:ln>
           <a:extLst>
             <a:ext uri="{909E8E84-426E-40dd-AFC4-6F175D3DCCD1}">
-              <a14:hiddenFill xmlns="" xmlns:a14="http://schemas.microsoft.com/office/drawing/2010/main">
+              <a14:hiddenFill xmlns:a14="http://schemas.microsoft.com/office/drawing/2010/main" xmlns="">
                 <a:noFill/>
               </a14:hiddenFill>
             </a:ext>
@@ -31005,7 +30760,7 @@
           </a:ln>
           <a:extLst>
             <a:ext uri="{909E8E84-426E-40dd-AFC4-6F175D3DCCD1}">
-              <a14:hiddenFill xmlns="" xmlns:a14="http://schemas.microsoft.com/office/drawing/2010/main">
+              <a14:hiddenFill xmlns:a14="http://schemas.microsoft.com/office/drawing/2010/main" xmlns="">
                 <a:noFill/>
               </a14:hiddenFill>
             </a:ext>
@@ -31034,14 +30789,14 @@
           </a:ln>
           <a:extLst>
             <a:ext uri="{909E8E84-426E-40dd-AFC4-6F175D3DCCD1}">
-              <a14:hiddenFill xmlns="" xmlns:a14="http://schemas.microsoft.com/office/drawing/2010/main">
+              <a14:hiddenFill xmlns:a14="http://schemas.microsoft.com/office/drawing/2010/main" xmlns="">
                 <a:solidFill>
                   <a:schemeClr val="accent1"/>
                 </a:solidFill>
               </a14:hiddenFill>
             </a:ext>
             <a:ext uri="{91240B29-F687-4f45-9708-019B960494DF}">
-              <a14:hiddenLine xmlns="" xmlns:a14="http://schemas.microsoft.com/office/drawing/2010/main" w="9525">
+              <a14:hiddenLine xmlns:a14="http://schemas.microsoft.com/office/drawing/2010/main" xmlns="" w="9525">
                 <a:solidFill>
                   <a:schemeClr val="tx1"/>
                 </a:solidFill>
@@ -31087,14 +30842,14 @@
           </a:ln>
           <a:extLst>
             <a:ext uri="{909E8E84-426E-40dd-AFC4-6F175D3DCCD1}">
-              <a14:hiddenFill xmlns="" xmlns:a14="http://schemas.microsoft.com/office/drawing/2010/main">
+              <a14:hiddenFill xmlns:a14="http://schemas.microsoft.com/office/drawing/2010/main" xmlns="">
                 <a:solidFill>
                   <a:schemeClr val="accent1"/>
                 </a:solidFill>
               </a14:hiddenFill>
             </a:ext>
             <a:ext uri="{91240B29-F687-4f45-9708-019B960494DF}">
-              <a14:hiddenLine xmlns="" xmlns:a14="http://schemas.microsoft.com/office/drawing/2010/main" w="9525">
+              <a14:hiddenLine xmlns:a14="http://schemas.microsoft.com/office/drawing/2010/main" xmlns="" w="9525">
                 <a:solidFill>
                   <a:schemeClr val="tx1"/>
                 </a:solidFill>
@@ -31147,7 +30902,7 @@
           </a:ln>
           <a:extLst>
             <a:ext uri="{909E8E84-426E-40dd-AFC4-6F175D3DCCD1}">
-              <a14:hiddenFill xmlns="" xmlns:a14="http://schemas.microsoft.com/office/drawing/2010/main">
+              <a14:hiddenFill xmlns:a14="http://schemas.microsoft.com/office/drawing/2010/main" xmlns="">
                 <a:noFill/>
               </a14:hiddenFill>
             </a:ext>
@@ -31183,7 +30938,7 @@
           </a:ln>
           <a:extLst>
             <a:ext uri="{909E8E84-426E-40dd-AFC4-6F175D3DCCD1}">
-              <a14:hiddenFill xmlns="" xmlns:a14="http://schemas.microsoft.com/office/drawing/2010/main">
+              <a14:hiddenFill xmlns:a14="http://schemas.microsoft.com/office/drawing/2010/main" xmlns="">
                 <a:noFill/>
               </a14:hiddenFill>
             </a:ext>
@@ -31212,14 +30967,14 @@
           </a:ln>
           <a:extLst>
             <a:ext uri="{909E8E84-426E-40dd-AFC4-6F175D3DCCD1}">
-              <a14:hiddenFill xmlns="" xmlns:a14="http://schemas.microsoft.com/office/drawing/2010/main">
+              <a14:hiddenFill xmlns:a14="http://schemas.microsoft.com/office/drawing/2010/main" xmlns="">
                 <a:solidFill>
                   <a:schemeClr val="accent1"/>
                 </a:solidFill>
               </a14:hiddenFill>
             </a:ext>
             <a:ext uri="{91240B29-F687-4f45-9708-019B960494DF}">
-              <a14:hiddenLine xmlns="" xmlns:a14="http://schemas.microsoft.com/office/drawing/2010/main" w="9525">
+              <a14:hiddenLine xmlns:a14="http://schemas.microsoft.com/office/drawing/2010/main" xmlns="" w="9525">
                 <a:solidFill>
                   <a:schemeClr val="tx1"/>
                 </a:solidFill>
@@ -31272,14 +31027,14 @@
           </a:ln>
           <a:extLst>
             <a:ext uri="{909E8E84-426E-40dd-AFC4-6F175D3DCCD1}">
-              <a14:hiddenFill xmlns="" xmlns:a14="http://schemas.microsoft.com/office/drawing/2010/main">
+              <a14:hiddenFill xmlns:a14="http://schemas.microsoft.com/office/drawing/2010/main" xmlns="">
                 <a:solidFill>
                   <a:schemeClr val="accent1"/>
                 </a:solidFill>
               </a14:hiddenFill>
             </a:ext>
             <a:ext uri="{91240B29-F687-4f45-9708-019B960494DF}">
-              <a14:hiddenLine xmlns="" xmlns:a14="http://schemas.microsoft.com/office/drawing/2010/main" w="9525">
+              <a14:hiddenLine xmlns:a14="http://schemas.microsoft.com/office/drawing/2010/main" xmlns="" w="9525">
                 <a:solidFill>
                   <a:schemeClr val="tx1"/>
                 </a:solidFill>
@@ -31325,14 +31080,14 @@
           </a:ln>
           <a:extLst>
             <a:ext uri="{909E8E84-426E-40dd-AFC4-6F175D3DCCD1}">
-              <a14:hiddenFill xmlns="" xmlns:a14="http://schemas.microsoft.com/office/drawing/2010/main">
+              <a14:hiddenFill xmlns:a14="http://schemas.microsoft.com/office/drawing/2010/main" xmlns="">
                 <a:solidFill>
                   <a:schemeClr val="accent1"/>
                 </a:solidFill>
               </a14:hiddenFill>
             </a:ext>
             <a:ext uri="{91240B29-F687-4f45-9708-019B960494DF}">
-              <a14:hiddenLine xmlns="" xmlns:a14="http://schemas.microsoft.com/office/drawing/2010/main" w="9525">
+              <a14:hiddenLine xmlns:a14="http://schemas.microsoft.com/office/drawing/2010/main" xmlns="" w="9525">
                 <a:solidFill>
                   <a:schemeClr val="tx1"/>
                 </a:solidFill>
@@ -31367,13 +31122,6 @@
   <p:clrMapOvr>
     <a:masterClrMapping/>
   </p:clrMapOvr>
-  <p:timing>
-    <p:tnLst>
-      <p:par>
-        <p:cTn id="1" dur="indefinite" restart="never" nodeType="tmRoot"/>
-      </p:par>
-    </p:tnLst>
-  </p:timing>
 </p:sld>
 </file>
 
@@ -31432,37 +31180,36 @@
           <a:lstStyle/>
           <a:p>
             <a:r>
-              <a:rPr lang="en-US" sz="2600" dirty="0" smtClean="0"/>
+              <a:rPr lang="en-US" sz="2600" dirty="0"/>
               <a:t>Even though Cuppa4 is statically typed we will implement a dynamic type checker</a:t>
             </a:r>
           </a:p>
           <a:p>
             <a:pPr lvl="1"/>
             <a:r>
-              <a:rPr lang="en-US" sz="2200" dirty="0" smtClean="0"/>
+              <a:rPr lang="en-US" sz="2200" dirty="0"/>
               <a:t>Type propagation is done as part of the interpretation!</a:t>
             </a:r>
           </a:p>
           <a:p>
             <a:r>
-              <a:rPr lang="en-US" dirty="0" smtClean="0"/>
+              <a:rPr lang="en-US" dirty="0"/>
               <a:t>Central to our implementation is the </a:t>
             </a:r>
             <a:r>
-              <a:rPr lang="en-US" u="sng" dirty="0" smtClean="0"/>
+              <a:rPr lang="en-US" u="sng" dirty="0"/>
               <a:t>type promotion table</a:t>
             </a:r>
             <a:r>
-              <a:rPr lang="en-US" dirty="0" smtClean="0"/>
+              <a:rPr lang="en-US" dirty="0"/>
               <a:t> that implements our type hierarchy.</a:t>
             </a:r>
           </a:p>
           <a:p>
             <a:r>
-              <a:rPr lang="en-US" dirty="0" smtClean="0"/>
+              <a:rPr lang="en-US" dirty="0"/>
               <a:t>We use the type promotion table to implement our type propagation and type checking</a:t>
             </a:r>
-            <a:endParaRPr lang="en-US" dirty="0"/>
           </a:p>
         </p:txBody>
       </p:sp>
@@ -31471,13 +31218,6 @@
   <p:clrMapOvr>
     <a:masterClrMapping/>
   </p:clrMapOvr>
-  <p:timing>
-    <p:tnLst>
-      <p:par>
-        <p:cTn id="1" dur="indefinite" restart="never" nodeType="tmRoot"/>
-      </p:par>
-    </p:tnLst>
-  </p:timing>
 </p:sld>
 </file>
 
@@ -31515,13 +31255,8 @@
           <a:p>
             <a:r>
               <a:rPr lang="en-US" dirty="0"/>
-              <a:t>Type system </a:t>
-            </a:r>
-            <a:r>
-              <a:rPr lang="en-US" dirty="0" smtClean="0"/>
-              <a:t>implementation: Type Promotion Table</a:t>
-            </a:r>
-            <a:endParaRPr lang="en-US" dirty="0"/>
+              <a:t>Type system implementation: Type Promotion Table</a:t>
+            </a:r>
           </a:p>
         </p:txBody>
       </p:sp>
@@ -31564,13 +31299,6 @@
   <p:clrMapOvr>
     <a:masterClrMapping/>
   </p:clrMapOvr>
-  <p:timing>
-    <p:tnLst>
-      <p:par>
-        <p:cTn id="1" dur="indefinite" restart="never" nodeType="tmRoot"/>
-      </p:par>
-    </p:tnLst>
-  </p:timing>
 </p:sld>
 </file>
 
@@ -31608,13 +31336,8 @@
           <a:p>
             <a:r>
               <a:rPr lang="en-US" dirty="0"/>
-              <a:t>Type system </a:t>
-            </a:r>
-            <a:r>
-              <a:rPr lang="en-US" dirty="0" smtClean="0"/>
-              <a:t>implementation: Syntax</a:t>
-            </a:r>
-            <a:endParaRPr lang="en-US" dirty="0"/>
+              <a:t>Type system implementation: Syntax</a:t>
+            </a:r>
           </a:p>
         </p:txBody>
       </p:sp>
@@ -31723,13 +31446,8 @@
           <a:p>
             <a:r>
               <a:rPr lang="en-US" dirty="0"/>
-              <a:t>Type system </a:t>
-            </a:r>
-            <a:r>
-              <a:rPr lang="en-US" dirty="0" smtClean="0"/>
-              <a:t>implementation: Symbol Table</a:t>
-            </a:r>
-            <a:endParaRPr lang="en-US" dirty="0"/>
+              <a:t>Type system implementation: Symbol Table</a:t>
+            </a:r>
           </a:p>
         </p:txBody>
       </p:sp>
@@ -31772,13 +31490,6 @@
   <p:clrMapOvr>
     <a:masterClrMapping/>
   </p:clrMapOvr>
-  <p:timing>
-    <p:tnLst>
-      <p:par>
-        <p:cTn id="1" dur="indefinite" restart="never" nodeType="tmRoot"/>
-      </p:par>
-    </p:tnLst>
-  </p:timing>
 </p:sld>
 </file>
 
@@ -31816,13 +31527,8 @@
           <a:p>
             <a:r>
               <a:rPr lang="en-US" dirty="0"/>
-              <a:t>Type system </a:t>
-            </a:r>
-            <a:r>
-              <a:rPr lang="en-US" dirty="0" smtClean="0"/>
-              <a:t>implementation: Walk</a:t>
-            </a:r>
-            <a:endParaRPr lang="en-US" dirty="0"/>
+              <a:t>Type system implementation: Walk</a:t>
+            </a:r>
           </a:p>
         </p:txBody>
       </p:sp>
@@ -31894,13 +31600,6 @@
   <p:clrMapOvr>
     <a:masterClrMapping/>
   </p:clrMapOvr>
-  <p:timing>
-    <p:tnLst>
-      <p:par>
-        <p:cTn id="1" dur="indefinite" restart="never" nodeType="tmRoot"/>
-      </p:par>
-    </p:tnLst>
-  </p:timing>
 </p:sld>
 </file>
 
@@ -31938,13 +31637,8 @@
           <a:p>
             <a:r>
               <a:rPr lang="en-US" dirty="0"/>
-              <a:t>Type system </a:t>
-            </a:r>
-            <a:r>
-              <a:rPr lang="en-US" dirty="0" smtClean="0"/>
-              <a:t>implementation</a:t>
-            </a:r>
-            <a:endParaRPr lang="en-US" dirty="0"/>
+              <a:t>Type system implementation</a:t>
+            </a:r>
           </a:p>
         </p:txBody>
       </p:sp>
@@ -32057,13 +31751,6 @@
   <p:clrMapOvr>
     <a:masterClrMapping/>
   </p:clrMapOvr>
-  <p:timing>
-    <p:tnLst>
-      <p:par>
-        <p:cTn id="1" dur="indefinite" restart="never" nodeType="tmRoot"/>
-      </p:par>
-    </p:tnLst>
-  </p:timing>
 </p:sld>
 </file>
 
@@ -32101,13 +31788,8 @@
           <a:p>
             <a:r>
               <a:rPr lang="en-US" dirty="0"/>
-              <a:t>Type system </a:t>
-            </a:r>
-            <a:r>
-              <a:rPr lang="en-US" dirty="0" smtClean="0"/>
-              <a:t>implementation: Syntax</a:t>
-            </a:r>
-            <a:endParaRPr lang="en-US" dirty="0"/>
+              <a:t>Type system implementation: Syntax</a:t>
+            </a:r>
           </a:p>
         </p:txBody>
       </p:sp>
@@ -32238,15 +31920,7 @@
             <a:pPr lvl="1"/>
             <a:r>
               <a:rPr lang="en-US" dirty="0"/>
-              <a:t>Type propagation is the systematic tagging </a:t>
-            </a:r>
-            <a:r>
-              <a:rPr lang="en-US" dirty="0" smtClean="0"/>
-              <a:t>of an </a:t>
-            </a:r>
-            <a:r>
-              <a:rPr lang="en-US" dirty="0"/>
-              <a:t>AST from leafs up with type information.</a:t>
+              <a:t>Type propagation is the systematic tagging of an AST from leafs up with type information.</a:t>
             </a:r>
           </a:p>
         </p:txBody>
@@ -32256,13 +31930,6 @@
   <p:clrMapOvr>
     <a:masterClrMapping/>
   </p:clrMapOvr>
-  <p:timing>
-    <p:tnLst>
-      <p:par>
-        <p:cTn id="1" dur="indefinite" restart="never" nodeType="tmRoot"/>
-      </p:par>
-    </p:tnLst>
-  </p:timing>
 </p:sld>
 </file>
 
@@ -32359,7 +32026,7 @@
           </a:ln>
           <a:extLst>
             <a:ext uri="{909E8E84-426E-40dd-AFC4-6F175D3DCCD1}">
-              <a14:hiddenFill xmlns="" xmlns:a14="http://schemas.microsoft.com/office/drawing/2010/main">
+              <a14:hiddenFill xmlns:a14="http://schemas.microsoft.com/office/drawing/2010/main" xmlns="">
                 <a:solidFill>
                   <a:schemeClr val="accent1"/>
                 </a:solidFill>
@@ -32420,14 +32087,14 @@
           </a:ln>
           <a:extLst>
             <a:ext uri="{909E8E84-426E-40dd-AFC4-6F175D3DCCD1}">
-              <a14:hiddenFill xmlns="" xmlns:a14="http://schemas.microsoft.com/office/drawing/2010/main">
+              <a14:hiddenFill xmlns:a14="http://schemas.microsoft.com/office/drawing/2010/main" xmlns="">
                 <a:solidFill>
                   <a:schemeClr val="accent1"/>
                 </a:solidFill>
               </a14:hiddenFill>
             </a:ext>
             <a:ext uri="{91240B29-F687-4f45-9708-019B960494DF}">
-              <a14:hiddenLine xmlns="" xmlns:a14="http://schemas.microsoft.com/office/drawing/2010/main" w="9525">
+              <a14:hiddenLine xmlns:a14="http://schemas.microsoft.com/office/drawing/2010/main" xmlns="" w="9525">
                 <a:solidFill>
                   <a:schemeClr val="tx1"/>
                 </a:solidFill>
@@ -32473,14 +32140,14 @@
           </a:ln>
           <a:extLst>
             <a:ext uri="{909E8E84-426E-40dd-AFC4-6F175D3DCCD1}">
-              <a14:hiddenFill xmlns="" xmlns:a14="http://schemas.microsoft.com/office/drawing/2010/main">
+              <a14:hiddenFill xmlns:a14="http://schemas.microsoft.com/office/drawing/2010/main" xmlns="">
                 <a:solidFill>
                   <a:schemeClr val="accent1"/>
                 </a:solidFill>
               </a14:hiddenFill>
             </a:ext>
             <a:ext uri="{91240B29-F687-4f45-9708-019B960494DF}">
-              <a14:hiddenLine xmlns="" xmlns:a14="http://schemas.microsoft.com/office/drawing/2010/main" w="9525">
+              <a14:hiddenLine xmlns:a14="http://schemas.microsoft.com/office/drawing/2010/main" xmlns="" w="9525">
                 <a:solidFill>
                   <a:schemeClr val="tx1"/>
                 </a:solidFill>
@@ -32526,14 +32193,14 @@
           </a:ln>
           <a:extLst>
             <a:ext uri="{909E8E84-426E-40dd-AFC4-6F175D3DCCD1}">
-              <a14:hiddenFill xmlns="" xmlns:a14="http://schemas.microsoft.com/office/drawing/2010/main">
+              <a14:hiddenFill xmlns:a14="http://schemas.microsoft.com/office/drawing/2010/main" xmlns="">
                 <a:solidFill>
                   <a:schemeClr val="accent1"/>
                 </a:solidFill>
               </a14:hiddenFill>
             </a:ext>
             <a:ext uri="{91240B29-F687-4f45-9708-019B960494DF}">
-              <a14:hiddenLine xmlns="" xmlns:a14="http://schemas.microsoft.com/office/drawing/2010/main" w="9525">
+              <a14:hiddenLine xmlns:a14="http://schemas.microsoft.com/office/drawing/2010/main" xmlns="" w="9525">
                 <a:solidFill>
                   <a:schemeClr val="tx1"/>
                 </a:solidFill>
@@ -32579,14 +32246,14 @@
           </a:ln>
           <a:extLst>
             <a:ext uri="{909E8E84-426E-40dd-AFC4-6F175D3DCCD1}">
-              <a14:hiddenFill xmlns="" xmlns:a14="http://schemas.microsoft.com/office/drawing/2010/main">
+              <a14:hiddenFill xmlns:a14="http://schemas.microsoft.com/office/drawing/2010/main" xmlns="">
                 <a:solidFill>
                   <a:schemeClr val="accent1"/>
                 </a:solidFill>
               </a14:hiddenFill>
             </a:ext>
             <a:ext uri="{91240B29-F687-4f45-9708-019B960494DF}">
-              <a14:hiddenLine xmlns="" xmlns:a14="http://schemas.microsoft.com/office/drawing/2010/main" w="9525">
+              <a14:hiddenLine xmlns:a14="http://schemas.microsoft.com/office/drawing/2010/main" xmlns="" w="9525">
                 <a:solidFill>
                   <a:schemeClr val="tx1"/>
                 </a:solidFill>
@@ -32632,14 +32299,14 @@
           </a:ln>
           <a:extLst>
             <a:ext uri="{909E8E84-426E-40dd-AFC4-6F175D3DCCD1}">
-              <a14:hiddenFill xmlns="" xmlns:a14="http://schemas.microsoft.com/office/drawing/2010/main">
+              <a14:hiddenFill xmlns:a14="http://schemas.microsoft.com/office/drawing/2010/main" xmlns="">
                 <a:solidFill>
                   <a:schemeClr val="accent1"/>
                 </a:solidFill>
               </a14:hiddenFill>
             </a:ext>
             <a:ext uri="{91240B29-F687-4f45-9708-019B960494DF}">
-              <a14:hiddenLine xmlns="" xmlns:a14="http://schemas.microsoft.com/office/drawing/2010/main" w="9525">
+              <a14:hiddenLine xmlns:a14="http://schemas.microsoft.com/office/drawing/2010/main" xmlns="" w="9525">
                 <a:solidFill>
                   <a:schemeClr val="tx1"/>
                 </a:solidFill>
@@ -32685,14 +32352,14 @@
           </a:ln>
           <a:extLst>
             <a:ext uri="{909E8E84-426E-40dd-AFC4-6F175D3DCCD1}">
-              <a14:hiddenFill xmlns="" xmlns:a14="http://schemas.microsoft.com/office/drawing/2010/main">
+              <a14:hiddenFill xmlns:a14="http://schemas.microsoft.com/office/drawing/2010/main" xmlns="">
                 <a:solidFill>
                   <a:schemeClr val="accent1"/>
                 </a:solidFill>
               </a14:hiddenFill>
             </a:ext>
             <a:ext uri="{91240B29-F687-4f45-9708-019B960494DF}">
-              <a14:hiddenLine xmlns="" xmlns:a14="http://schemas.microsoft.com/office/drawing/2010/main" w="9525">
+              <a14:hiddenLine xmlns:a14="http://schemas.microsoft.com/office/drawing/2010/main" xmlns="" w="9525">
                 <a:solidFill>
                   <a:schemeClr val="tx1"/>
                 </a:solidFill>
@@ -32738,14 +32405,14 @@
           </a:ln>
           <a:extLst>
             <a:ext uri="{909E8E84-426E-40dd-AFC4-6F175D3DCCD1}">
-              <a14:hiddenFill xmlns="" xmlns:a14="http://schemas.microsoft.com/office/drawing/2010/main">
+              <a14:hiddenFill xmlns:a14="http://schemas.microsoft.com/office/drawing/2010/main" xmlns="">
                 <a:solidFill>
                   <a:schemeClr val="accent1"/>
                 </a:solidFill>
               </a14:hiddenFill>
             </a:ext>
             <a:ext uri="{91240B29-F687-4f45-9708-019B960494DF}">
-              <a14:hiddenLine xmlns="" xmlns:a14="http://schemas.microsoft.com/office/drawing/2010/main" w="9525">
+              <a14:hiddenLine xmlns:a14="http://schemas.microsoft.com/office/drawing/2010/main" xmlns="" w="9525">
                 <a:solidFill>
                   <a:schemeClr val="tx1"/>
                 </a:solidFill>
@@ -32791,14 +32458,14 @@
           </a:ln>
           <a:extLst>
             <a:ext uri="{909E8E84-426E-40dd-AFC4-6F175D3DCCD1}">
-              <a14:hiddenFill xmlns="" xmlns:a14="http://schemas.microsoft.com/office/drawing/2010/main">
+              <a14:hiddenFill xmlns:a14="http://schemas.microsoft.com/office/drawing/2010/main" xmlns="">
                 <a:solidFill>
                   <a:schemeClr val="accent1"/>
                 </a:solidFill>
               </a14:hiddenFill>
             </a:ext>
             <a:ext uri="{91240B29-F687-4f45-9708-019B960494DF}">
-              <a14:hiddenLine xmlns="" xmlns:a14="http://schemas.microsoft.com/office/drawing/2010/main" w="9525">
+              <a14:hiddenLine xmlns:a14="http://schemas.microsoft.com/office/drawing/2010/main" xmlns="" w="9525">
                 <a:solidFill>
                   <a:schemeClr val="tx1"/>
                 </a:solidFill>
@@ -32844,14 +32511,14 @@
           </a:ln>
           <a:extLst>
             <a:ext uri="{909E8E84-426E-40dd-AFC4-6F175D3DCCD1}">
-              <a14:hiddenFill xmlns="" xmlns:a14="http://schemas.microsoft.com/office/drawing/2010/main">
+              <a14:hiddenFill xmlns:a14="http://schemas.microsoft.com/office/drawing/2010/main" xmlns="">
                 <a:solidFill>
                   <a:schemeClr val="accent1"/>
                 </a:solidFill>
               </a14:hiddenFill>
             </a:ext>
             <a:ext uri="{91240B29-F687-4f45-9708-019B960494DF}">
-              <a14:hiddenLine xmlns="" xmlns:a14="http://schemas.microsoft.com/office/drawing/2010/main" w="9525">
+              <a14:hiddenLine xmlns:a14="http://schemas.microsoft.com/office/drawing/2010/main" xmlns="" w="9525">
                 <a:solidFill>
                   <a:schemeClr val="tx1"/>
                 </a:solidFill>
@@ -32897,14 +32564,14 @@
           </a:ln>
           <a:extLst>
             <a:ext uri="{909E8E84-426E-40dd-AFC4-6F175D3DCCD1}">
-              <a14:hiddenFill xmlns="" xmlns:a14="http://schemas.microsoft.com/office/drawing/2010/main">
+              <a14:hiddenFill xmlns:a14="http://schemas.microsoft.com/office/drawing/2010/main" xmlns="">
                 <a:solidFill>
                   <a:schemeClr val="accent1"/>
                 </a:solidFill>
               </a14:hiddenFill>
             </a:ext>
             <a:ext uri="{91240B29-F687-4f45-9708-019B960494DF}">
-              <a14:hiddenLine xmlns="" xmlns:a14="http://schemas.microsoft.com/office/drawing/2010/main" w="9525">
+              <a14:hiddenLine xmlns:a14="http://schemas.microsoft.com/office/drawing/2010/main" xmlns="" w="9525">
                 <a:solidFill>
                   <a:schemeClr val="tx1"/>
                 </a:solidFill>
@@ -32950,14 +32617,14 @@
           </a:ln>
           <a:extLst>
             <a:ext uri="{909E8E84-426E-40dd-AFC4-6F175D3DCCD1}">
-              <a14:hiddenFill xmlns="" xmlns:a14="http://schemas.microsoft.com/office/drawing/2010/main">
+              <a14:hiddenFill xmlns:a14="http://schemas.microsoft.com/office/drawing/2010/main" xmlns="">
                 <a:solidFill>
                   <a:schemeClr val="accent1"/>
                 </a:solidFill>
               </a14:hiddenFill>
             </a:ext>
             <a:ext uri="{91240B29-F687-4f45-9708-019B960494DF}">
-              <a14:hiddenLine xmlns="" xmlns:a14="http://schemas.microsoft.com/office/drawing/2010/main" w="9525">
+              <a14:hiddenLine xmlns:a14="http://schemas.microsoft.com/office/drawing/2010/main" xmlns="" w="9525">
                 <a:solidFill>
                   <a:schemeClr val="tx1"/>
                 </a:solidFill>
@@ -33010,7 +32677,7 @@
           </a:ln>
           <a:extLst>
             <a:ext uri="{909E8E84-426E-40dd-AFC4-6F175D3DCCD1}">
-              <a14:hiddenFill xmlns="" xmlns:a14="http://schemas.microsoft.com/office/drawing/2010/main">
+              <a14:hiddenFill xmlns:a14="http://schemas.microsoft.com/office/drawing/2010/main" xmlns="">
                 <a:noFill/>
               </a14:hiddenFill>
             </a:ext>
@@ -33046,7 +32713,7 @@
           </a:ln>
           <a:extLst>
             <a:ext uri="{909E8E84-426E-40dd-AFC4-6F175D3DCCD1}">
-              <a14:hiddenFill xmlns="" xmlns:a14="http://schemas.microsoft.com/office/drawing/2010/main">
+              <a14:hiddenFill xmlns:a14="http://schemas.microsoft.com/office/drawing/2010/main" xmlns="">
                 <a:noFill/>
               </a14:hiddenFill>
             </a:ext>
@@ -33082,7 +32749,7 @@
           </a:ln>
           <a:extLst>
             <a:ext uri="{909E8E84-426E-40dd-AFC4-6F175D3DCCD1}">
-              <a14:hiddenFill xmlns="" xmlns:a14="http://schemas.microsoft.com/office/drawing/2010/main">
+              <a14:hiddenFill xmlns:a14="http://schemas.microsoft.com/office/drawing/2010/main" xmlns="">
                 <a:noFill/>
               </a14:hiddenFill>
             </a:ext>
@@ -33118,7 +32785,7 @@
           </a:ln>
           <a:extLst>
             <a:ext uri="{909E8E84-426E-40dd-AFC4-6F175D3DCCD1}">
-              <a14:hiddenFill xmlns="" xmlns:a14="http://schemas.microsoft.com/office/drawing/2010/main">
+              <a14:hiddenFill xmlns:a14="http://schemas.microsoft.com/office/drawing/2010/main" xmlns="">
                 <a:noFill/>
               </a14:hiddenFill>
             </a:ext>
@@ -33154,7 +32821,7 @@
           </a:ln>
           <a:extLst>
             <a:ext uri="{909E8E84-426E-40dd-AFC4-6F175D3DCCD1}">
-              <a14:hiddenFill xmlns="" xmlns:a14="http://schemas.microsoft.com/office/drawing/2010/main">
+              <a14:hiddenFill xmlns:a14="http://schemas.microsoft.com/office/drawing/2010/main" xmlns="">
                 <a:noFill/>
               </a14:hiddenFill>
             </a:ext>
@@ -33190,7 +32857,7 @@
           </a:ln>
           <a:extLst>
             <a:ext uri="{909E8E84-426E-40dd-AFC4-6F175D3DCCD1}">
-              <a14:hiddenFill xmlns="" xmlns:a14="http://schemas.microsoft.com/office/drawing/2010/main">
+              <a14:hiddenFill xmlns:a14="http://schemas.microsoft.com/office/drawing/2010/main" xmlns="">
                 <a:noFill/>
               </a14:hiddenFill>
             </a:ext>
@@ -33226,7 +32893,7 @@
           </a:ln>
           <a:extLst>
             <a:ext uri="{909E8E84-426E-40dd-AFC4-6F175D3DCCD1}">
-              <a14:hiddenFill xmlns="" xmlns:a14="http://schemas.microsoft.com/office/drawing/2010/main">
+              <a14:hiddenFill xmlns:a14="http://schemas.microsoft.com/office/drawing/2010/main" xmlns="">
                 <a:noFill/>
               </a14:hiddenFill>
             </a:ext>
@@ -33262,7 +32929,7 @@
           </a:ln>
           <a:extLst>
             <a:ext uri="{909E8E84-426E-40dd-AFC4-6F175D3DCCD1}">
-              <a14:hiddenFill xmlns="" xmlns:a14="http://schemas.microsoft.com/office/drawing/2010/main">
+              <a14:hiddenFill xmlns:a14="http://schemas.microsoft.com/office/drawing/2010/main" xmlns="">
                 <a:noFill/>
               </a14:hiddenFill>
             </a:ext>
@@ -33298,7 +32965,7 @@
           </a:ln>
           <a:extLst>
             <a:ext uri="{909E8E84-426E-40dd-AFC4-6F175D3DCCD1}">
-              <a14:hiddenFill xmlns="" xmlns:a14="http://schemas.microsoft.com/office/drawing/2010/main">
+              <a14:hiddenFill xmlns:a14="http://schemas.microsoft.com/office/drawing/2010/main" xmlns="">
                 <a:noFill/>
               </a14:hiddenFill>
             </a:ext>
@@ -33334,7 +33001,7 @@
           </a:ln>
           <a:extLst>
             <a:ext uri="{909E8E84-426E-40dd-AFC4-6F175D3DCCD1}">
-              <a14:hiddenFill xmlns="" xmlns:a14="http://schemas.microsoft.com/office/drawing/2010/main">
+              <a14:hiddenFill xmlns:a14="http://schemas.microsoft.com/office/drawing/2010/main" xmlns="">
                 <a:noFill/>
               </a14:hiddenFill>
             </a:ext>
@@ -33346,13 +33013,6 @@
   <p:clrMapOvr>
     <a:masterClrMapping/>
   </p:clrMapOvr>
-  <p:timing>
-    <p:tnLst>
-      <p:par>
-        <p:cTn id="1" dur="indefinite" restart="never" nodeType="tmRoot"/>
-      </p:par>
-    </p:tnLst>
-  </p:timing>
 </p:sld>
 </file>
 
@@ -33444,14 +33104,14 @@
           </a:ln>
           <a:extLst>
             <a:ext uri="{909E8E84-426E-40dd-AFC4-6F175D3DCCD1}">
-              <a14:hiddenFill xmlns="" xmlns:a14="http://schemas.microsoft.com/office/drawing/2010/main">
+              <a14:hiddenFill xmlns:a14="http://schemas.microsoft.com/office/drawing/2010/main" xmlns="">
                 <a:solidFill>
                   <a:schemeClr val="accent1"/>
                 </a:solidFill>
               </a14:hiddenFill>
             </a:ext>
             <a:ext uri="{91240B29-F687-4f45-9708-019B960494DF}">
-              <a14:hiddenLine xmlns="" xmlns:a14="http://schemas.microsoft.com/office/drawing/2010/main" w="9525">
+              <a14:hiddenLine xmlns:a14="http://schemas.microsoft.com/office/drawing/2010/main" xmlns="" w="9525">
                 <a:solidFill>
                   <a:schemeClr val="tx1"/>
                 </a:solidFill>
@@ -33497,14 +33157,14 @@
           </a:ln>
           <a:extLst>
             <a:ext uri="{909E8E84-426E-40dd-AFC4-6F175D3DCCD1}">
-              <a14:hiddenFill xmlns="" xmlns:a14="http://schemas.microsoft.com/office/drawing/2010/main">
+              <a14:hiddenFill xmlns:a14="http://schemas.microsoft.com/office/drawing/2010/main" xmlns="">
                 <a:solidFill>
                   <a:schemeClr val="accent1"/>
                 </a:solidFill>
               </a14:hiddenFill>
             </a:ext>
             <a:ext uri="{91240B29-F687-4f45-9708-019B960494DF}">
-              <a14:hiddenLine xmlns="" xmlns:a14="http://schemas.microsoft.com/office/drawing/2010/main" w="9525">
+              <a14:hiddenLine xmlns:a14="http://schemas.microsoft.com/office/drawing/2010/main" xmlns="" w="9525">
                 <a:solidFill>
                   <a:schemeClr val="tx1"/>
                 </a:solidFill>
@@ -33550,14 +33210,14 @@
           </a:ln>
           <a:extLst>
             <a:ext uri="{909E8E84-426E-40dd-AFC4-6F175D3DCCD1}">
-              <a14:hiddenFill xmlns="" xmlns:a14="http://schemas.microsoft.com/office/drawing/2010/main">
+              <a14:hiddenFill xmlns:a14="http://schemas.microsoft.com/office/drawing/2010/main" xmlns="">
                 <a:solidFill>
                   <a:schemeClr val="accent1"/>
                 </a:solidFill>
               </a14:hiddenFill>
             </a:ext>
             <a:ext uri="{91240B29-F687-4f45-9708-019B960494DF}">
-              <a14:hiddenLine xmlns="" xmlns:a14="http://schemas.microsoft.com/office/drawing/2010/main" w="9525">
+              <a14:hiddenLine xmlns:a14="http://schemas.microsoft.com/office/drawing/2010/main" xmlns="" w="9525">
                 <a:solidFill>
                   <a:schemeClr val="tx1"/>
                 </a:solidFill>
@@ -33603,14 +33263,14 @@
           </a:ln>
           <a:extLst>
             <a:ext uri="{909E8E84-426E-40dd-AFC4-6F175D3DCCD1}">
-              <a14:hiddenFill xmlns="" xmlns:a14="http://schemas.microsoft.com/office/drawing/2010/main">
+              <a14:hiddenFill xmlns:a14="http://schemas.microsoft.com/office/drawing/2010/main" xmlns="">
                 <a:solidFill>
                   <a:schemeClr val="accent1"/>
                 </a:solidFill>
               </a14:hiddenFill>
             </a:ext>
             <a:ext uri="{91240B29-F687-4f45-9708-019B960494DF}">
-              <a14:hiddenLine xmlns="" xmlns:a14="http://schemas.microsoft.com/office/drawing/2010/main" w="9525">
+              <a14:hiddenLine xmlns:a14="http://schemas.microsoft.com/office/drawing/2010/main" xmlns="" w="9525">
                 <a:solidFill>
                   <a:schemeClr val="tx1"/>
                 </a:solidFill>
@@ -33656,14 +33316,14 @@
           </a:ln>
           <a:extLst>
             <a:ext uri="{909E8E84-426E-40dd-AFC4-6F175D3DCCD1}">
-              <a14:hiddenFill xmlns="" xmlns:a14="http://schemas.microsoft.com/office/drawing/2010/main">
+              <a14:hiddenFill xmlns:a14="http://schemas.microsoft.com/office/drawing/2010/main" xmlns="">
                 <a:solidFill>
                   <a:schemeClr val="accent1"/>
                 </a:solidFill>
               </a14:hiddenFill>
             </a:ext>
             <a:ext uri="{91240B29-F687-4f45-9708-019B960494DF}">
-              <a14:hiddenLine xmlns="" xmlns:a14="http://schemas.microsoft.com/office/drawing/2010/main" w="9525">
+              <a14:hiddenLine xmlns:a14="http://schemas.microsoft.com/office/drawing/2010/main" xmlns="" w="9525">
                 <a:solidFill>
                   <a:schemeClr val="tx1"/>
                 </a:solidFill>
@@ -33709,14 +33369,14 @@
           </a:ln>
           <a:extLst>
             <a:ext uri="{909E8E84-426E-40dd-AFC4-6F175D3DCCD1}">
-              <a14:hiddenFill xmlns="" xmlns:a14="http://schemas.microsoft.com/office/drawing/2010/main">
+              <a14:hiddenFill xmlns:a14="http://schemas.microsoft.com/office/drawing/2010/main" xmlns="">
                 <a:solidFill>
                   <a:schemeClr val="accent1"/>
                 </a:solidFill>
               </a14:hiddenFill>
             </a:ext>
             <a:ext uri="{91240B29-F687-4f45-9708-019B960494DF}">
-              <a14:hiddenLine xmlns="" xmlns:a14="http://schemas.microsoft.com/office/drawing/2010/main" w="9525">
+              <a14:hiddenLine xmlns:a14="http://schemas.microsoft.com/office/drawing/2010/main" xmlns="" w="9525">
                 <a:solidFill>
                   <a:schemeClr val="tx1"/>
                 </a:solidFill>
@@ -33762,14 +33422,14 @@
           </a:ln>
           <a:extLst>
             <a:ext uri="{909E8E84-426E-40dd-AFC4-6F175D3DCCD1}">
-              <a14:hiddenFill xmlns="" xmlns:a14="http://schemas.microsoft.com/office/drawing/2010/main">
+              <a14:hiddenFill xmlns:a14="http://schemas.microsoft.com/office/drawing/2010/main" xmlns="">
                 <a:solidFill>
                   <a:schemeClr val="accent1"/>
                 </a:solidFill>
               </a14:hiddenFill>
             </a:ext>
             <a:ext uri="{91240B29-F687-4f45-9708-019B960494DF}">
-              <a14:hiddenLine xmlns="" xmlns:a14="http://schemas.microsoft.com/office/drawing/2010/main" w="9525">
+              <a14:hiddenLine xmlns:a14="http://schemas.microsoft.com/office/drawing/2010/main" xmlns="" w="9525">
                 <a:solidFill>
                   <a:schemeClr val="tx1"/>
                 </a:solidFill>
@@ -33815,14 +33475,14 @@
           </a:ln>
           <a:extLst>
             <a:ext uri="{909E8E84-426E-40dd-AFC4-6F175D3DCCD1}">
-              <a14:hiddenFill xmlns="" xmlns:a14="http://schemas.microsoft.com/office/drawing/2010/main">
+              <a14:hiddenFill xmlns:a14="http://schemas.microsoft.com/office/drawing/2010/main" xmlns="">
                 <a:solidFill>
                   <a:schemeClr val="accent1"/>
                 </a:solidFill>
               </a14:hiddenFill>
             </a:ext>
             <a:ext uri="{91240B29-F687-4f45-9708-019B960494DF}">
-              <a14:hiddenLine xmlns="" xmlns:a14="http://schemas.microsoft.com/office/drawing/2010/main" w="9525">
+              <a14:hiddenLine xmlns:a14="http://schemas.microsoft.com/office/drawing/2010/main" xmlns="" w="9525">
                 <a:solidFill>
                   <a:schemeClr val="tx1"/>
                 </a:solidFill>
@@ -33868,14 +33528,14 @@
           </a:ln>
           <a:extLst>
             <a:ext uri="{909E8E84-426E-40dd-AFC4-6F175D3DCCD1}">
-              <a14:hiddenFill xmlns="" xmlns:a14="http://schemas.microsoft.com/office/drawing/2010/main">
+              <a14:hiddenFill xmlns:a14="http://schemas.microsoft.com/office/drawing/2010/main" xmlns="">
                 <a:solidFill>
                   <a:schemeClr val="accent1"/>
                 </a:solidFill>
               </a14:hiddenFill>
             </a:ext>
             <a:ext uri="{91240B29-F687-4f45-9708-019B960494DF}">
-              <a14:hiddenLine xmlns="" xmlns:a14="http://schemas.microsoft.com/office/drawing/2010/main" w="9525">
+              <a14:hiddenLine xmlns:a14="http://schemas.microsoft.com/office/drawing/2010/main" xmlns="" w="9525">
                 <a:solidFill>
                   <a:schemeClr val="tx1"/>
                 </a:solidFill>
@@ -33921,14 +33581,14 @@
           </a:ln>
           <a:extLst>
             <a:ext uri="{909E8E84-426E-40dd-AFC4-6F175D3DCCD1}">
-              <a14:hiddenFill xmlns="" xmlns:a14="http://schemas.microsoft.com/office/drawing/2010/main">
+              <a14:hiddenFill xmlns:a14="http://schemas.microsoft.com/office/drawing/2010/main" xmlns="">
                 <a:solidFill>
                   <a:schemeClr val="accent1"/>
                 </a:solidFill>
               </a14:hiddenFill>
             </a:ext>
             <a:ext uri="{91240B29-F687-4f45-9708-019B960494DF}">
-              <a14:hiddenLine xmlns="" xmlns:a14="http://schemas.microsoft.com/office/drawing/2010/main" w="9525">
+              <a14:hiddenLine xmlns:a14="http://schemas.microsoft.com/office/drawing/2010/main" xmlns="" w="9525">
                 <a:solidFill>
                   <a:schemeClr val="tx1"/>
                 </a:solidFill>
@@ -33974,14 +33634,14 @@
           </a:ln>
           <a:extLst>
             <a:ext uri="{909E8E84-426E-40dd-AFC4-6F175D3DCCD1}">
-              <a14:hiddenFill xmlns="" xmlns:a14="http://schemas.microsoft.com/office/drawing/2010/main">
+              <a14:hiddenFill xmlns:a14="http://schemas.microsoft.com/office/drawing/2010/main" xmlns="">
                 <a:solidFill>
                   <a:schemeClr val="accent1"/>
                 </a:solidFill>
               </a14:hiddenFill>
             </a:ext>
             <a:ext uri="{91240B29-F687-4f45-9708-019B960494DF}">
-              <a14:hiddenLine xmlns="" xmlns:a14="http://schemas.microsoft.com/office/drawing/2010/main" w="9525">
+              <a14:hiddenLine xmlns:a14="http://schemas.microsoft.com/office/drawing/2010/main" xmlns="" w="9525">
                 <a:solidFill>
                   <a:schemeClr val="tx1"/>
                 </a:solidFill>
@@ -34034,7 +33694,7 @@
           </a:ln>
           <a:extLst>
             <a:ext uri="{909E8E84-426E-40dd-AFC4-6F175D3DCCD1}">
-              <a14:hiddenFill xmlns="" xmlns:a14="http://schemas.microsoft.com/office/drawing/2010/main">
+              <a14:hiddenFill xmlns:a14="http://schemas.microsoft.com/office/drawing/2010/main" xmlns="">
                 <a:noFill/>
               </a14:hiddenFill>
             </a:ext>
@@ -34070,7 +33730,7 @@
           </a:ln>
           <a:extLst>
             <a:ext uri="{909E8E84-426E-40dd-AFC4-6F175D3DCCD1}">
-              <a14:hiddenFill xmlns="" xmlns:a14="http://schemas.microsoft.com/office/drawing/2010/main">
+              <a14:hiddenFill xmlns:a14="http://schemas.microsoft.com/office/drawing/2010/main" xmlns="">
                 <a:noFill/>
               </a14:hiddenFill>
             </a:ext>
@@ -34106,7 +33766,7 @@
           </a:ln>
           <a:extLst>
             <a:ext uri="{909E8E84-426E-40dd-AFC4-6F175D3DCCD1}">
-              <a14:hiddenFill xmlns="" xmlns:a14="http://schemas.microsoft.com/office/drawing/2010/main">
+              <a14:hiddenFill xmlns:a14="http://schemas.microsoft.com/office/drawing/2010/main" xmlns="">
                 <a:noFill/>
               </a14:hiddenFill>
             </a:ext>
@@ -34142,7 +33802,7 @@
           </a:ln>
           <a:extLst>
             <a:ext uri="{909E8E84-426E-40dd-AFC4-6F175D3DCCD1}">
-              <a14:hiddenFill xmlns="" xmlns:a14="http://schemas.microsoft.com/office/drawing/2010/main">
+              <a14:hiddenFill xmlns:a14="http://schemas.microsoft.com/office/drawing/2010/main" xmlns="">
                 <a:noFill/>
               </a14:hiddenFill>
             </a:ext>
@@ -34178,7 +33838,7 @@
           </a:ln>
           <a:extLst>
             <a:ext uri="{909E8E84-426E-40dd-AFC4-6F175D3DCCD1}">
-              <a14:hiddenFill xmlns="" xmlns:a14="http://schemas.microsoft.com/office/drawing/2010/main">
+              <a14:hiddenFill xmlns:a14="http://schemas.microsoft.com/office/drawing/2010/main" xmlns="">
                 <a:noFill/>
               </a14:hiddenFill>
             </a:ext>
@@ -34214,7 +33874,7 @@
           </a:ln>
           <a:extLst>
             <a:ext uri="{909E8E84-426E-40dd-AFC4-6F175D3DCCD1}">
-              <a14:hiddenFill xmlns="" xmlns:a14="http://schemas.microsoft.com/office/drawing/2010/main">
+              <a14:hiddenFill xmlns:a14="http://schemas.microsoft.com/office/drawing/2010/main" xmlns="">
                 <a:noFill/>
               </a14:hiddenFill>
             </a:ext>
@@ -34250,7 +33910,7 @@
           </a:ln>
           <a:extLst>
             <a:ext uri="{909E8E84-426E-40dd-AFC4-6F175D3DCCD1}">
-              <a14:hiddenFill xmlns="" xmlns:a14="http://schemas.microsoft.com/office/drawing/2010/main">
+              <a14:hiddenFill xmlns:a14="http://schemas.microsoft.com/office/drawing/2010/main" xmlns="">
                 <a:noFill/>
               </a14:hiddenFill>
             </a:ext>
@@ -34286,7 +33946,7 @@
           </a:ln>
           <a:extLst>
             <a:ext uri="{909E8E84-426E-40dd-AFC4-6F175D3DCCD1}">
-              <a14:hiddenFill xmlns="" xmlns:a14="http://schemas.microsoft.com/office/drawing/2010/main">
+              <a14:hiddenFill xmlns:a14="http://schemas.microsoft.com/office/drawing/2010/main" xmlns="">
                 <a:noFill/>
               </a14:hiddenFill>
             </a:ext>
@@ -34322,7 +33982,7 @@
           </a:ln>
           <a:extLst>
             <a:ext uri="{909E8E84-426E-40dd-AFC4-6F175D3DCCD1}">
-              <a14:hiddenFill xmlns="" xmlns:a14="http://schemas.microsoft.com/office/drawing/2010/main">
+              <a14:hiddenFill xmlns:a14="http://schemas.microsoft.com/office/drawing/2010/main" xmlns="">
                 <a:noFill/>
               </a14:hiddenFill>
             </a:ext>
@@ -34358,7 +34018,7 @@
           </a:ln>
           <a:extLst>
             <a:ext uri="{909E8E84-426E-40dd-AFC4-6F175D3DCCD1}">
-              <a14:hiddenFill xmlns="" xmlns:a14="http://schemas.microsoft.com/office/drawing/2010/main">
+              <a14:hiddenFill xmlns:a14="http://schemas.microsoft.com/office/drawing/2010/main" xmlns="">
                 <a:noFill/>
               </a14:hiddenFill>
             </a:ext>
@@ -34387,14 +34047,14 @@
           </a:ln>
           <a:extLst>
             <a:ext uri="{909E8E84-426E-40dd-AFC4-6F175D3DCCD1}">
-              <a14:hiddenFill xmlns="" xmlns:a14="http://schemas.microsoft.com/office/drawing/2010/main">
+              <a14:hiddenFill xmlns:a14="http://schemas.microsoft.com/office/drawing/2010/main" xmlns="">
                 <a:solidFill>
                   <a:schemeClr val="accent1"/>
                 </a:solidFill>
               </a14:hiddenFill>
             </a:ext>
             <a:ext uri="{91240B29-F687-4f45-9708-019B960494DF}">
-              <a14:hiddenLine xmlns="" xmlns:a14="http://schemas.microsoft.com/office/drawing/2010/main" w="9525">
+              <a14:hiddenLine xmlns:a14="http://schemas.microsoft.com/office/drawing/2010/main" xmlns="" w="9525">
                 <a:solidFill>
                   <a:schemeClr val="tx1"/>
                 </a:solidFill>
@@ -34449,7 +34109,7 @@
           </a:ln>
           <a:extLst>
             <a:ext uri="{909E8E84-426E-40dd-AFC4-6F175D3DCCD1}">
-              <a14:hiddenFill xmlns="" xmlns:a14="http://schemas.microsoft.com/office/drawing/2010/main">
+              <a14:hiddenFill xmlns:a14="http://schemas.microsoft.com/office/drawing/2010/main" xmlns="">
                 <a:solidFill>
                   <a:schemeClr val="accent1"/>
                 </a:solidFill>
@@ -34493,13 +34153,6 @@
   <p:clrMapOvr>
     <a:masterClrMapping/>
   </p:clrMapOvr>
-  <p:timing>
-    <p:tnLst>
-      <p:par>
-        <p:cTn id="1" dur="indefinite" restart="never" nodeType="tmRoot"/>
-      </p:par>
-    </p:tnLst>
-  </p:timing>
 </p:sld>
 </file>
 
@@ -34591,14 +34244,14 @@
           </a:ln>
           <a:extLst>
             <a:ext uri="{909E8E84-426E-40dd-AFC4-6F175D3DCCD1}">
-              <a14:hiddenFill xmlns="" xmlns:a14="http://schemas.microsoft.com/office/drawing/2010/main">
+              <a14:hiddenFill xmlns:a14="http://schemas.microsoft.com/office/drawing/2010/main" xmlns="">
                 <a:solidFill>
                   <a:schemeClr val="accent1"/>
                 </a:solidFill>
               </a14:hiddenFill>
             </a:ext>
             <a:ext uri="{91240B29-F687-4f45-9708-019B960494DF}">
-              <a14:hiddenLine xmlns="" xmlns:a14="http://schemas.microsoft.com/office/drawing/2010/main" w="9525">
+              <a14:hiddenLine xmlns:a14="http://schemas.microsoft.com/office/drawing/2010/main" xmlns="" w="9525">
                 <a:solidFill>
                   <a:schemeClr val="tx1"/>
                 </a:solidFill>
@@ -34644,14 +34297,14 @@
           </a:ln>
           <a:extLst>
             <a:ext uri="{909E8E84-426E-40dd-AFC4-6F175D3DCCD1}">
-              <a14:hiddenFill xmlns="" xmlns:a14="http://schemas.microsoft.com/office/drawing/2010/main">
+              <a14:hiddenFill xmlns:a14="http://schemas.microsoft.com/office/drawing/2010/main" xmlns="">
                 <a:solidFill>
                   <a:schemeClr val="accent1"/>
                 </a:solidFill>
               </a14:hiddenFill>
             </a:ext>
             <a:ext uri="{91240B29-F687-4f45-9708-019B960494DF}">
-              <a14:hiddenLine xmlns="" xmlns:a14="http://schemas.microsoft.com/office/drawing/2010/main" w="9525">
+              <a14:hiddenLine xmlns:a14="http://schemas.microsoft.com/office/drawing/2010/main" xmlns="" w="9525">
                 <a:solidFill>
                   <a:schemeClr val="tx1"/>
                 </a:solidFill>
@@ -34697,14 +34350,14 @@
           </a:ln>
           <a:extLst>
             <a:ext uri="{909E8E84-426E-40dd-AFC4-6F175D3DCCD1}">
-              <a14:hiddenFill xmlns="" xmlns:a14="http://schemas.microsoft.com/office/drawing/2010/main">
+              <a14:hiddenFill xmlns:a14="http://schemas.microsoft.com/office/drawing/2010/main" xmlns="">
                 <a:solidFill>
                   <a:schemeClr val="accent1"/>
                 </a:solidFill>
               </a14:hiddenFill>
             </a:ext>
             <a:ext uri="{91240B29-F687-4f45-9708-019B960494DF}">
-              <a14:hiddenLine xmlns="" xmlns:a14="http://schemas.microsoft.com/office/drawing/2010/main" w="9525">
+              <a14:hiddenLine xmlns:a14="http://schemas.microsoft.com/office/drawing/2010/main" xmlns="" w="9525">
                 <a:solidFill>
                   <a:schemeClr val="tx1"/>
                 </a:solidFill>
@@ -34750,14 +34403,14 @@
           </a:ln>
           <a:extLst>
             <a:ext uri="{909E8E84-426E-40dd-AFC4-6F175D3DCCD1}">
-              <a14:hiddenFill xmlns="" xmlns:a14="http://schemas.microsoft.com/office/drawing/2010/main">
+              <a14:hiddenFill xmlns:a14="http://schemas.microsoft.com/office/drawing/2010/main" xmlns="">
                 <a:solidFill>
                   <a:schemeClr val="accent1"/>
                 </a:solidFill>
               </a14:hiddenFill>
             </a:ext>
             <a:ext uri="{91240B29-F687-4f45-9708-019B960494DF}">
-              <a14:hiddenLine xmlns="" xmlns:a14="http://schemas.microsoft.com/office/drawing/2010/main" w="9525">
+              <a14:hiddenLine xmlns:a14="http://schemas.microsoft.com/office/drawing/2010/main" xmlns="" w="9525">
                 <a:solidFill>
                   <a:schemeClr val="tx1"/>
                 </a:solidFill>
@@ -34803,14 +34456,14 @@
           </a:ln>
           <a:extLst>
             <a:ext uri="{909E8E84-426E-40dd-AFC4-6F175D3DCCD1}">
-              <a14:hiddenFill xmlns="" xmlns:a14="http://schemas.microsoft.com/office/drawing/2010/main">
+              <a14:hiddenFill xmlns:a14="http://schemas.microsoft.com/office/drawing/2010/main" xmlns="">
                 <a:solidFill>
                   <a:schemeClr val="accent1"/>
                 </a:solidFill>
               </a14:hiddenFill>
             </a:ext>
             <a:ext uri="{91240B29-F687-4f45-9708-019B960494DF}">
-              <a14:hiddenLine xmlns="" xmlns:a14="http://schemas.microsoft.com/office/drawing/2010/main" w="9525">
+              <a14:hiddenLine xmlns:a14="http://schemas.microsoft.com/office/drawing/2010/main" xmlns="" w="9525">
                 <a:solidFill>
                   <a:schemeClr val="tx1"/>
                 </a:solidFill>
@@ -34856,14 +34509,14 @@
           </a:ln>
           <a:extLst>
             <a:ext uri="{909E8E84-426E-40dd-AFC4-6F175D3DCCD1}">
-              <a14:hiddenFill xmlns="" xmlns:a14="http://schemas.microsoft.com/office/drawing/2010/main">
+              <a14:hiddenFill xmlns:a14="http://schemas.microsoft.com/office/drawing/2010/main" xmlns="">
                 <a:solidFill>
                   <a:schemeClr val="accent1"/>
                 </a:solidFill>
               </a14:hiddenFill>
             </a:ext>
             <a:ext uri="{91240B29-F687-4f45-9708-019B960494DF}">
-              <a14:hiddenLine xmlns="" xmlns:a14="http://schemas.microsoft.com/office/drawing/2010/main" w="9525">
+              <a14:hiddenLine xmlns:a14="http://schemas.microsoft.com/office/drawing/2010/main" xmlns="" w="9525">
                 <a:solidFill>
                   <a:schemeClr val="tx1"/>
                 </a:solidFill>
@@ -34909,14 +34562,14 @@
           </a:ln>
           <a:extLst>
             <a:ext uri="{909E8E84-426E-40dd-AFC4-6F175D3DCCD1}">
-              <a14:hiddenFill xmlns="" xmlns:a14="http://schemas.microsoft.com/office/drawing/2010/main">
+              <a14:hiddenFill xmlns:a14="http://schemas.microsoft.com/office/drawing/2010/main" xmlns="">
                 <a:solidFill>
                   <a:schemeClr val="accent1"/>
                 </a:solidFill>
               </a14:hiddenFill>
             </a:ext>
             <a:ext uri="{91240B29-F687-4f45-9708-019B960494DF}">
-              <a14:hiddenLine xmlns="" xmlns:a14="http://schemas.microsoft.com/office/drawing/2010/main" w="9525">
+              <a14:hiddenLine xmlns:a14="http://schemas.microsoft.com/office/drawing/2010/main" xmlns="" w="9525">
                 <a:solidFill>
                   <a:schemeClr val="tx1"/>
                 </a:solidFill>
@@ -34962,14 +34615,14 @@
           </a:ln>
           <a:extLst>
             <a:ext uri="{909E8E84-426E-40dd-AFC4-6F175D3DCCD1}">
-              <a14:hiddenFill xmlns="" xmlns:a14="http://schemas.microsoft.com/office/drawing/2010/main">
+              <a14:hiddenFill xmlns:a14="http://schemas.microsoft.com/office/drawing/2010/main" xmlns="">
                 <a:solidFill>
                   <a:schemeClr val="accent1"/>
                 </a:solidFill>
               </a14:hiddenFill>
             </a:ext>
             <a:ext uri="{91240B29-F687-4f45-9708-019B960494DF}">
-              <a14:hiddenLine xmlns="" xmlns:a14="http://schemas.microsoft.com/office/drawing/2010/main" w="9525">
+              <a14:hiddenLine xmlns:a14="http://schemas.microsoft.com/office/drawing/2010/main" xmlns="" w="9525">
                 <a:solidFill>
                   <a:schemeClr val="tx1"/>
                 </a:solidFill>
@@ -35015,14 +34668,14 @@
           </a:ln>
           <a:extLst>
             <a:ext uri="{909E8E84-426E-40dd-AFC4-6F175D3DCCD1}">
-              <a14:hiddenFill xmlns="" xmlns:a14="http://schemas.microsoft.com/office/drawing/2010/main">
+              <a14:hiddenFill xmlns:a14="http://schemas.microsoft.com/office/drawing/2010/main" xmlns="">
                 <a:solidFill>
                   <a:schemeClr val="accent1"/>
                 </a:solidFill>
               </a14:hiddenFill>
             </a:ext>
             <a:ext uri="{91240B29-F687-4f45-9708-019B960494DF}">
-              <a14:hiddenLine xmlns="" xmlns:a14="http://schemas.microsoft.com/office/drawing/2010/main" w="9525">
+              <a14:hiddenLine xmlns:a14="http://schemas.microsoft.com/office/drawing/2010/main" xmlns="" w="9525">
                 <a:solidFill>
                   <a:schemeClr val="tx1"/>
                 </a:solidFill>
@@ -35068,14 +34721,14 @@
           </a:ln>
           <a:extLst>
             <a:ext uri="{909E8E84-426E-40dd-AFC4-6F175D3DCCD1}">
-              <a14:hiddenFill xmlns="" xmlns:a14="http://schemas.microsoft.com/office/drawing/2010/main">
+              <a14:hiddenFill xmlns:a14="http://schemas.microsoft.com/office/drawing/2010/main" xmlns="">
                 <a:solidFill>
                   <a:schemeClr val="accent1"/>
                 </a:solidFill>
               </a14:hiddenFill>
             </a:ext>
             <a:ext uri="{91240B29-F687-4f45-9708-019B960494DF}">
-              <a14:hiddenLine xmlns="" xmlns:a14="http://schemas.microsoft.com/office/drawing/2010/main" w="9525">
+              <a14:hiddenLine xmlns:a14="http://schemas.microsoft.com/office/drawing/2010/main" xmlns="" w="9525">
                 <a:solidFill>
                   <a:schemeClr val="tx1"/>
                 </a:solidFill>
@@ -35121,14 +34774,14 @@
           </a:ln>
           <a:extLst>
             <a:ext uri="{909E8E84-426E-40dd-AFC4-6F175D3DCCD1}">
-              <a14:hiddenFill xmlns="" xmlns:a14="http://schemas.microsoft.com/office/drawing/2010/main">
+              <a14:hiddenFill xmlns:a14="http://schemas.microsoft.com/office/drawing/2010/main" xmlns="">
                 <a:solidFill>
                   <a:schemeClr val="accent1"/>
                 </a:solidFill>
               </a14:hiddenFill>
             </a:ext>
             <a:ext uri="{91240B29-F687-4f45-9708-019B960494DF}">
-              <a14:hiddenLine xmlns="" xmlns:a14="http://schemas.microsoft.com/office/drawing/2010/main" w="9525">
+              <a14:hiddenLine xmlns:a14="http://schemas.microsoft.com/office/drawing/2010/main" xmlns="" w="9525">
                 <a:solidFill>
                   <a:schemeClr val="tx1"/>
                 </a:solidFill>
@@ -35181,7 +34834,7 @@
           </a:ln>
           <a:extLst>
             <a:ext uri="{909E8E84-426E-40dd-AFC4-6F175D3DCCD1}">
-              <a14:hiddenFill xmlns="" xmlns:a14="http://schemas.microsoft.com/office/drawing/2010/main">
+              <a14:hiddenFill xmlns:a14="http://schemas.microsoft.com/office/drawing/2010/main" xmlns="">
                 <a:noFill/>
               </a14:hiddenFill>
             </a:ext>
@@ -35217,7 +34870,7 @@
           </a:ln>
           <a:extLst>
             <a:ext uri="{909E8E84-426E-40dd-AFC4-6F175D3DCCD1}">
-              <a14:hiddenFill xmlns="" xmlns:a14="http://schemas.microsoft.com/office/drawing/2010/main">
+              <a14:hiddenFill xmlns:a14="http://schemas.microsoft.com/office/drawing/2010/main" xmlns="">
                 <a:noFill/>
               </a14:hiddenFill>
             </a:ext>
@@ -35253,7 +34906,7 @@
           </a:ln>
           <a:extLst>
             <a:ext uri="{909E8E84-426E-40dd-AFC4-6F175D3DCCD1}">
-              <a14:hiddenFill xmlns="" xmlns:a14="http://schemas.microsoft.com/office/drawing/2010/main">
+              <a14:hiddenFill xmlns:a14="http://schemas.microsoft.com/office/drawing/2010/main" xmlns="">
                 <a:noFill/>
               </a14:hiddenFill>
             </a:ext>
@@ -35289,7 +34942,7 @@
           </a:ln>
           <a:extLst>
             <a:ext uri="{909E8E84-426E-40dd-AFC4-6F175D3DCCD1}">
-              <a14:hiddenFill xmlns="" xmlns:a14="http://schemas.microsoft.com/office/drawing/2010/main">
+              <a14:hiddenFill xmlns:a14="http://schemas.microsoft.com/office/drawing/2010/main" xmlns="">
                 <a:noFill/>
               </a14:hiddenFill>
             </a:ext>
@@ -35325,7 +34978,7 @@
           </a:ln>
           <a:extLst>
             <a:ext uri="{909E8E84-426E-40dd-AFC4-6F175D3DCCD1}">
-              <a14:hiddenFill xmlns="" xmlns:a14="http://schemas.microsoft.com/office/drawing/2010/main">
+              <a14:hiddenFill xmlns:a14="http://schemas.microsoft.com/office/drawing/2010/main" xmlns="">
                 <a:noFill/>
               </a14:hiddenFill>
             </a:ext>
@@ -35361,7 +35014,7 @@
           </a:ln>
           <a:extLst>
             <a:ext uri="{909E8E84-426E-40dd-AFC4-6F175D3DCCD1}">
-              <a14:hiddenFill xmlns="" xmlns:a14="http://schemas.microsoft.com/office/drawing/2010/main">
+              <a14:hiddenFill xmlns:a14="http://schemas.microsoft.com/office/drawing/2010/main" xmlns="">
                 <a:noFill/>
               </a14:hiddenFill>
             </a:ext>
@@ -35397,7 +35050,7 @@
           </a:ln>
           <a:extLst>
             <a:ext uri="{909E8E84-426E-40dd-AFC4-6F175D3DCCD1}">
-              <a14:hiddenFill xmlns="" xmlns:a14="http://schemas.microsoft.com/office/drawing/2010/main">
+              <a14:hiddenFill xmlns:a14="http://schemas.microsoft.com/office/drawing/2010/main" xmlns="">
                 <a:noFill/>
               </a14:hiddenFill>
             </a:ext>
@@ -35433,7 +35086,7 @@
           </a:ln>
           <a:extLst>
             <a:ext uri="{909E8E84-426E-40dd-AFC4-6F175D3DCCD1}">
-              <a14:hiddenFill xmlns="" xmlns:a14="http://schemas.microsoft.com/office/drawing/2010/main">
+              <a14:hiddenFill xmlns:a14="http://schemas.microsoft.com/office/drawing/2010/main" xmlns="">
                 <a:noFill/>
               </a14:hiddenFill>
             </a:ext>
@@ -35469,7 +35122,7 @@
           </a:ln>
           <a:extLst>
             <a:ext uri="{909E8E84-426E-40dd-AFC4-6F175D3DCCD1}">
-              <a14:hiddenFill xmlns="" xmlns:a14="http://schemas.microsoft.com/office/drawing/2010/main">
+              <a14:hiddenFill xmlns:a14="http://schemas.microsoft.com/office/drawing/2010/main" xmlns="">
                 <a:noFill/>
               </a14:hiddenFill>
             </a:ext>
@@ -35505,7 +35158,7 @@
           </a:ln>
           <a:extLst>
             <a:ext uri="{909E8E84-426E-40dd-AFC4-6F175D3DCCD1}">
-              <a14:hiddenFill xmlns="" xmlns:a14="http://schemas.microsoft.com/office/drawing/2010/main">
+              <a14:hiddenFill xmlns:a14="http://schemas.microsoft.com/office/drawing/2010/main" xmlns="">
                 <a:noFill/>
               </a14:hiddenFill>
             </a:ext>
@@ -35534,14 +35187,14 @@
           </a:ln>
           <a:extLst>
             <a:ext uri="{909E8E84-426E-40dd-AFC4-6F175D3DCCD1}">
-              <a14:hiddenFill xmlns="" xmlns:a14="http://schemas.microsoft.com/office/drawing/2010/main">
+              <a14:hiddenFill xmlns:a14="http://schemas.microsoft.com/office/drawing/2010/main" xmlns="">
                 <a:solidFill>
                   <a:schemeClr val="accent1"/>
                 </a:solidFill>
               </a14:hiddenFill>
             </a:ext>
             <a:ext uri="{91240B29-F687-4f45-9708-019B960494DF}">
-              <a14:hiddenLine xmlns="" xmlns:a14="http://schemas.microsoft.com/office/drawing/2010/main" w="9525">
+              <a14:hiddenLine xmlns:a14="http://schemas.microsoft.com/office/drawing/2010/main" xmlns="" w="9525">
                 <a:solidFill>
                   <a:schemeClr val="tx1"/>
                 </a:solidFill>
@@ -35591,14 +35244,14 @@
           </a:ln>
           <a:extLst>
             <a:ext uri="{909E8E84-426E-40dd-AFC4-6F175D3DCCD1}">
-              <a14:hiddenFill xmlns="" xmlns:a14="http://schemas.microsoft.com/office/drawing/2010/main">
+              <a14:hiddenFill xmlns:a14="http://schemas.microsoft.com/office/drawing/2010/main" xmlns="">
                 <a:solidFill>
                   <a:schemeClr val="accent1"/>
                 </a:solidFill>
               </a14:hiddenFill>
             </a:ext>
             <a:ext uri="{91240B29-F687-4f45-9708-019B960494DF}">
-              <a14:hiddenLine xmlns="" xmlns:a14="http://schemas.microsoft.com/office/drawing/2010/main" w="9525">
+              <a14:hiddenLine xmlns:a14="http://schemas.microsoft.com/office/drawing/2010/main" xmlns="" w="9525">
                 <a:solidFill>
                   <a:schemeClr val="tx1"/>
                 </a:solidFill>
@@ -35653,7 +35306,7 @@
           </a:ln>
           <a:extLst>
             <a:ext uri="{909E8E84-426E-40dd-AFC4-6F175D3DCCD1}">
-              <a14:hiddenFill xmlns="" xmlns:a14="http://schemas.microsoft.com/office/drawing/2010/main">
+              <a14:hiddenFill xmlns:a14="http://schemas.microsoft.com/office/drawing/2010/main" xmlns="">
                 <a:solidFill>
                   <a:schemeClr val="accent1"/>
                 </a:solidFill>
@@ -35697,13 +35350,6 @@
   <p:clrMapOvr>
     <a:masterClrMapping/>
   </p:clrMapOvr>
-  <p:timing>
-    <p:tnLst>
-      <p:par>
-        <p:cTn id="1" dur="indefinite" restart="never" nodeType="tmRoot"/>
-      </p:par>
-    </p:tnLst>
-  </p:timing>
 </p:sld>
 </file>
 
@@ -35795,14 +35441,14 @@
           </a:ln>
           <a:extLst>
             <a:ext uri="{909E8E84-426E-40dd-AFC4-6F175D3DCCD1}">
-              <a14:hiddenFill xmlns="" xmlns:a14="http://schemas.microsoft.com/office/drawing/2010/main">
+              <a14:hiddenFill xmlns:a14="http://schemas.microsoft.com/office/drawing/2010/main" xmlns="">
                 <a:solidFill>
                   <a:schemeClr val="accent1"/>
                 </a:solidFill>
               </a14:hiddenFill>
             </a:ext>
             <a:ext uri="{91240B29-F687-4f45-9708-019B960494DF}">
-              <a14:hiddenLine xmlns="" xmlns:a14="http://schemas.microsoft.com/office/drawing/2010/main" w="9525">
+              <a14:hiddenLine xmlns:a14="http://schemas.microsoft.com/office/drawing/2010/main" xmlns="" w="9525">
                 <a:solidFill>
                   <a:schemeClr val="tx1"/>
                 </a:solidFill>
@@ -35848,14 +35494,14 @@
           </a:ln>
           <a:extLst>
             <a:ext uri="{909E8E84-426E-40dd-AFC4-6F175D3DCCD1}">
-              <a14:hiddenFill xmlns="" xmlns:a14="http://schemas.microsoft.com/office/drawing/2010/main">
+              <a14:hiddenFill xmlns:a14="http://schemas.microsoft.com/office/drawing/2010/main" xmlns="">
                 <a:solidFill>
                   <a:schemeClr val="accent1"/>
                 </a:solidFill>
               </a14:hiddenFill>
             </a:ext>
             <a:ext uri="{91240B29-F687-4f45-9708-019B960494DF}">
-              <a14:hiddenLine xmlns="" xmlns:a14="http://schemas.microsoft.com/office/drawing/2010/main" w="9525">
+              <a14:hiddenLine xmlns:a14="http://schemas.microsoft.com/office/drawing/2010/main" xmlns="" w="9525">
                 <a:solidFill>
                   <a:schemeClr val="tx1"/>
                 </a:solidFill>
@@ -35901,14 +35547,14 @@
           </a:ln>
           <a:extLst>
             <a:ext uri="{909E8E84-426E-40dd-AFC4-6F175D3DCCD1}">
-              <a14:hiddenFill xmlns="" xmlns:a14="http://schemas.microsoft.com/office/drawing/2010/main">
+              <a14:hiddenFill xmlns:a14="http://schemas.microsoft.com/office/drawing/2010/main" xmlns="">
                 <a:solidFill>
                   <a:schemeClr val="accent1"/>
                 </a:solidFill>
               </a14:hiddenFill>
             </a:ext>
             <a:ext uri="{91240B29-F687-4f45-9708-019B960494DF}">
-              <a14:hiddenLine xmlns="" xmlns:a14="http://schemas.microsoft.com/office/drawing/2010/main" w="9525">
+              <a14:hiddenLine xmlns:a14="http://schemas.microsoft.com/office/drawing/2010/main" xmlns="" w="9525">
                 <a:solidFill>
                   <a:schemeClr val="tx1"/>
                 </a:solidFill>
@@ -35954,14 +35600,14 @@
           </a:ln>
           <a:extLst>
             <a:ext uri="{909E8E84-426E-40dd-AFC4-6F175D3DCCD1}">
-              <a14:hiddenFill xmlns="" xmlns:a14="http://schemas.microsoft.com/office/drawing/2010/main">
+              <a14:hiddenFill xmlns:a14="http://schemas.microsoft.com/office/drawing/2010/main" xmlns="">
                 <a:solidFill>
                   <a:schemeClr val="accent1"/>
                 </a:solidFill>
               </a14:hiddenFill>
             </a:ext>
             <a:ext uri="{91240B29-F687-4f45-9708-019B960494DF}">
-              <a14:hiddenLine xmlns="" xmlns:a14="http://schemas.microsoft.com/office/drawing/2010/main" w="9525">
+              <a14:hiddenLine xmlns:a14="http://schemas.microsoft.com/office/drawing/2010/main" xmlns="" w="9525">
                 <a:solidFill>
                   <a:schemeClr val="tx1"/>
                 </a:solidFill>
@@ -36007,14 +35653,14 @@
           </a:ln>
           <a:extLst>
             <a:ext uri="{909E8E84-426E-40dd-AFC4-6F175D3DCCD1}">
-              <a14:hiddenFill xmlns="" xmlns:a14="http://schemas.microsoft.com/office/drawing/2010/main">
+              <a14:hiddenFill xmlns:a14="http://schemas.microsoft.com/office/drawing/2010/main" xmlns="">
                 <a:solidFill>
                   <a:schemeClr val="accent1"/>
                 </a:solidFill>
               </a14:hiddenFill>
             </a:ext>
             <a:ext uri="{91240B29-F687-4f45-9708-019B960494DF}">
-              <a14:hiddenLine xmlns="" xmlns:a14="http://schemas.microsoft.com/office/drawing/2010/main" w="9525">
+              <a14:hiddenLine xmlns:a14="http://schemas.microsoft.com/office/drawing/2010/main" xmlns="" w="9525">
                 <a:solidFill>
                   <a:schemeClr val="tx1"/>
                 </a:solidFill>
@@ -36060,14 +35706,14 @@
           </a:ln>
           <a:extLst>
             <a:ext uri="{909E8E84-426E-40dd-AFC4-6F175D3DCCD1}">
-              <a14:hiddenFill xmlns="" xmlns:a14="http://schemas.microsoft.com/office/drawing/2010/main">
+              <a14:hiddenFill xmlns:a14="http://schemas.microsoft.com/office/drawing/2010/main" xmlns="">
                 <a:solidFill>
                   <a:schemeClr val="accent1"/>
                 </a:solidFill>
               </a14:hiddenFill>
             </a:ext>
             <a:ext uri="{91240B29-F687-4f45-9708-019B960494DF}">
-              <a14:hiddenLine xmlns="" xmlns:a14="http://schemas.microsoft.com/office/drawing/2010/main" w="9525">
+              <a14:hiddenLine xmlns:a14="http://schemas.microsoft.com/office/drawing/2010/main" xmlns="" w="9525">
                 <a:solidFill>
                   <a:schemeClr val="tx1"/>
                 </a:solidFill>
@@ -36113,14 +35759,14 @@
           </a:ln>
           <a:extLst>
             <a:ext uri="{909E8E84-426E-40dd-AFC4-6F175D3DCCD1}">
-              <a14:hiddenFill xmlns="" xmlns:a14="http://schemas.microsoft.com/office/drawing/2010/main">
+              <a14:hiddenFill xmlns:a14="http://schemas.microsoft.com/office/drawing/2010/main" xmlns="">
                 <a:solidFill>
                   <a:schemeClr val="accent1"/>
                 </a:solidFill>
               </a14:hiddenFill>
             </a:ext>
             <a:ext uri="{91240B29-F687-4f45-9708-019B960494DF}">
-              <a14:hiddenLine xmlns="" xmlns:a14="http://schemas.microsoft.com/office/drawing/2010/main" w="9525">
+              <a14:hiddenLine xmlns:a14="http://schemas.microsoft.com/office/drawing/2010/main" xmlns="" w="9525">
                 <a:solidFill>
                   <a:schemeClr val="tx1"/>
                 </a:solidFill>
@@ -36166,14 +35812,14 @@
           </a:ln>
           <a:extLst>
             <a:ext uri="{909E8E84-426E-40dd-AFC4-6F175D3DCCD1}">
-              <a14:hiddenFill xmlns="" xmlns:a14="http://schemas.microsoft.com/office/drawing/2010/main">
+              <a14:hiddenFill xmlns:a14="http://schemas.microsoft.com/office/drawing/2010/main" xmlns="">
                 <a:solidFill>
                   <a:schemeClr val="accent1"/>
                 </a:solidFill>
               </a14:hiddenFill>
             </a:ext>
             <a:ext uri="{91240B29-F687-4f45-9708-019B960494DF}">
-              <a14:hiddenLine xmlns="" xmlns:a14="http://schemas.microsoft.com/office/drawing/2010/main" w="9525">
+              <a14:hiddenLine xmlns:a14="http://schemas.microsoft.com/office/drawing/2010/main" xmlns="" w="9525">
                 <a:solidFill>
                   <a:schemeClr val="tx1"/>
                 </a:solidFill>
@@ -36219,14 +35865,14 @@
           </a:ln>
           <a:extLst>
             <a:ext uri="{909E8E84-426E-40dd-AFC4-6F175D3DCCD1}">
-              <a14:hiddenFill xmlns="" xmlns:a14="http://schemas.microsoft.com/office/drawing/2010/main">
+              <a14:hiddenFill xmlns:a14="http://schemas.microsoft.com/office/drawing/2010/main" xmlns="">
                 <a:solidFill>
                   <a:schemeClr val="accent1"/>
                 </a:solidFill>
               </a14:hiddenFill>
             </a:ext>
             <a:ext uri="{91240B29-F687-4f45-9708-019B960494DF}">
-              <a14:hiddenLine xmlns="" xmlns:a14="http://schemas.microsoft.com/office/drawing/2010/main" w="9525">
+              <a14:hiddenLine xmlns:a14="http://schemas.microsoft.com/office/drawing/2010/main" xmlns="" w="9525">
                 <a:solidFill>
                   <a:schemeClr val="tx1"/>
                 </a:solidFill>
@@ -36272,14 +35918,14 @@
           </a:ln>
           <a:extLst>
             <a:ext uri="{909E8E84-426E-40dd-AFC4-6F175D3DCCD1}">
-              <a14:hiddenFill xmlns="" xmlns:a14="http://schemas.microsoft.com/office/drawing/2010/main">
+              <a14:hiddenFill xmlns:a14="http://schemas.microsoft.com/office/drawing/2010/main" xmlns="">
                 <a:solidFill>
                   <a:schemeClr val="accent1"/>
                 </a:solidFill>
               </a14:hiddenFill>
             </a:ext>
             <a:ext uri="{91240B29-F687-4f45-9708-019B960494DF}">
-              <a14:hiddenLine xmlns="" xmlns:a14="http://schemas.microsoft.com/office/drawing/2010/main" w="9525">
+              <a14:hiddenLine xmlns:a14="http://schemas.microsoft.com/office/drawing/2010/main" xmlns="" w="9525">
                 <a:solidFill>
                   <a:schemeClr val="tx1"/>
                 </a:solidFill>
@@ -36325,14 +35971,14 @@
           </a:ln>
           <a:extLst>
             <a:ext uri="{909E8E84-426E-40dd-AFC4-6F175D3DCCD1}">
-              <a14:hiddenFill xmlns="" xmlns:a14="http://schemas.microsoft.com/office/drawing/2010/main">
+              <a14:hiddenFill xmlns:a14="http://schemas.microsoft.com/office/drawing/2010/main" xmlns="">
                 <a:solidFill>
                   <a:schemeClr val="accent1"/>
                 </a:solidFill>
               </a14:hiddenFill>
             </a:ext>
             <a:ext uri="{91240B29-F687-4f45-9708-019B960494DF}">
-              <a14:hiddenLine xmlns="" xmlns:a14="http://schemas.microsoft.com/office/drawing/2010/main" w="9525">
+              <a14:hiddenLine xmlns:a14="http://schemas.microsoft.com/office/drawing/2010/main" xmlns="" w="9525">
                 <a:solidFill>
                   <a:schemeClr val="tx1"/>
                 </a:solidFill>
@@ -36385,7 +36031,7 @@
           </a:ln>
           <a:extLst>
             <a:ext uri="{909E8E84-426E-40dd-AFC4-6F175D3DCCD1}">
-              <a14:hiddenFill xmlns="" xmlns:a14="http://schemas.microsoft.com/office/drawing/2010/main">
+              <a14:hiddenFill xmlns:a14="http://schemas.microsoft.com/office/drawing/2010/main" xmlns="">
                 <a:noFill/>
               </a14:hiddenFill>
             </a:ext>
@@ -36421,7 +36067,7 @@
           </a:ln>
           <a:extLst>
             <a:ext uri="{909E8E84-426E-40dd-AFC4-6F175D3DCCD1}">
-              <a14:hiddenFill xmlns="" xmlns:a14="http://schemas.microsoft.com/office/drawing/2010/main">
+              <a14:hiddenFill xmlns:a14="http://schemas.microsoft.com/office/drawing/2010/main" xmlns="">
                 <a:noFill/>
               </a14:hiddenFill>
             </a:ext>
@@ -36457,7 +36103,7 @@
           </a:ln>
           <a:extLst>
             <a:ext uri="{909E8E84-426E-40dd-AFC4-6F175D3DCCD1}">
-              <a14:hiddenFill xmlns="" xmlns:a14="http://schemas.microsoft.com/office/drawing/2010/main">
+              <a14:hiddenFill xmlns:a14="http://schemas.microsoft.com/office/drawing/2010/main" xmlns="">
                 <a:noFill/>
               </a14:hiddenFill>
             </a:ext>
@@ -36493,7 +36139,7 @@
           </a:ln>
           <a:extLst>
             <a:ext uri="{909E8E84-426E-40dd-AFC4-6F175D3DCCD1}">
-              <a14:hiddenFill xmlns="" xmlns:a14="http://schemas.microsoft.com/office/drawing/2010/main">
+              <a14:hiddenFill xmlns:a14="http://schemas.microsoft.com/office/drawing/2010/main" xmlns="">
                 <a:noFill/>
               </a14:hiddenFill>
             </a:ext>
@@ -36529,7 +36175,7 @@
           </a:ln>
           <a:extLst>
             <a:ext uri="{909E8E84-426E-40dd-AFC4-6F175D3DCCD1}">
-              <a14:hiddenFill xmlns="" xmlns:a14="http://schemas.microsoft.com/office/drawing/2010/main">
+              <a14:hiddenFill xmlns:a14="http://schemas.microsoft.com/office/drawing/2010/main" xmlns="">
                 <a:noFill/>
               </a14:hiddenFill>
             </a:ext>
@@ -36565,7 +36211,7 @@
           </a:ln>
           <a:extLst>
             <a:ext uri="{909E8E84-426E-40dd-AFC4-6F175D3DCCD1}">
-              <a14:hiddenFill xmlns="" xmlns:a14="http://schemas.microsoft.com/office/drawing/2010/main">
+              <a14:hiddenFill xmlns:a14="http://schemas.microsoft.com/office/drawing/2010/main" xmlns="">
                 <a:noFill/>
               </a14:hiddenFill>
             </a:ext>
@@ -36601,7 +36247,7 @@
           </a:ln>
           <a:extLst>
             <a:ext uri="{909E8E84-426E-40dd-AFC4-6F175D3DCCD1}">
-              <a14:hiddenFill xmlns="" xmlns:a14="http://schemas.microsoft.com/office/drawing/2010/main">
+              <a14:hiddenFill xmlns:a14="http://schemas.microsoft.com/office/drawing/2010/main" xmlns="">
                 <a:noFill/>
               </a14:hiddenFill>
             </a:ext>
@@ -36637,7 +36283,7 @@
           </a:ln>
           <a:extLst>
             <a:ext uri="{909E8E84-426E-40dd-AFC4-6F175D3DCCD1}">
-              <a14:hiddenFill xmlns="" xmlns:a14="http://schemas.microsoft.com/office/drawing/2010/main">
+              <a14:hiddenFill xmlns:a14="http://schemas.microsoft.com/office/drawing/2010/main" xmlns="">
                 <a:noFill/>
               </a14:hiddenFill>
             </a:ext>
@@ -36673,7 +36319,7 @@
           </a:ln>
           <a:extLst>
             <a:ext uri="{909E8E84-426E-40dd-AFC4-6F175D3DCCD1}">
-              <a14:hiddenFill xmlns="" xmlns:a14="http://schemas.microsoft.com/office/drawing/2010/main">
+              <a14:hiddenFill xmlns:a14="http://schemas.microsoft.com/office/drawing/2010/main" xmlns="">
                 <a:noFill/>
               </a14:hiddenFill>
             </a:ext>
@@ -36709,7 +36355,7 @@
           </a:ln>
           <a:extLst>
             <a:ext uri="{909E8E84-426E-40dd-AFC4-6F175D3DCCD1}">
-              <a14:hiddenFill xmlns="" xmlns:a14="http://schemas.microsoft.com/office/drawing/2010/main">
+              <a14:hiddenFill xmlns:a14="http://schemas.microsoft.com/office/drawing/2010/main" xmlns="">
                 <a:noFill/>
               </a14:hiddenFill>
             </a:ext>
@@ -36738,14 +36384,14 @@
           </a:ln>
           <a:extLst>
             <a:ext uri="{909E8E84-426E-40dd-AFC4-6F175D3DCCD1}">
-              <a14:hiddenFill xmlns="" xmlns:a14="http://schemas.microsoft.com/office/drawing/2010/main">
+              <a14:hiddenFill xmlns:a14="http://schemas.microsoft.com/office/drawing/2010/main" xmlns="">
                 <a:solidFill>
                   <a:schemeClr val="accent1"/>
                 </a:solidFill>
               </a14:hiddenFill>
             </a:ext>
             <a:ext uri="{91240B29-F687-4f45-9708-019B960494DF}">
-              <a14:hiddenLine xmlns="" xmlns:a14="http://schemas.microsoft.com/office/drawing/2010/main" w="9525">
+              <a14:hiddenLine xmlns:a14="http://schemas.microsoft.com/office/drawing/2010/main" xmlns="" w="9525">
                 <a:solidFill>
                   <a:schemeClr val="tx1"/>
                 </a:solidFill>
@@ -36795,14 +36441,14 @@
           </a:ln>
           <a:extLst>
             <a:ext uri="{909E8E84-426E-40dd-AFC4-6F175D3DCCD1}">
-              <a14:hiddenFill xmlns="" xmlns:a14="http://schemas.microsoft.com/office/drawing/2010/main">
+              <a14:hiddenFill xmlns:a14="http://schemas.microsoft.com/office/drawing/2010/main" xmlns="">
                 <a:solidFill>
                   <a:schemeClr val="accent1"/>
                 </a:solidFill>
               </a14:hiddenFill>
             </a:ext>
             <a:ext uri="{91240B29-F687-4f45-9708-019B960494DF}">
-              <a14:hiddenLine xmlns="" xmlns:a14="http://schemas.microsoft.com/office/drawing/2010/main" w="9525">
+              <a14:hiddenLine xmlns:a14="http://schemas.microsoft.com/office/drawing/2010/main" xmlns="" w="9525">
                 <a:solidFill>
                   <a:schemeClr val="tx1"/>
                 </a:solidFill>
@@ -36852,14 +36498,14 @@
           </a:ln>
           <a:extLst>
             <a:ext uri="{909E8E84-426E-40dd-AFC4-6F175D3DCCD1}">
-              <a14:hiddenFill xmlns="" xmlns:a14="http://schemas.microsoft.com/office/drawing/2010/main">
+              <a14:hiddenFill xmlns:a14="http://schemas.microsoft.com/office/drawing/2010/main" xmlns="">
                 <a:solidFill>
                   <a:schemeClr val="accent1"/>
                 </a:solidFill>
               </a14:hiddenFill>
             </a:ext>
             <a:ext uri="{91240B29-F687-4f45-9708-019B960494DF}">
-              <a14:hiddenLine xmlns="" xmlns:a14="http://schemas.microsoft.com/office/drawing/2010/main" w="9525">
+              <a14:hiddenLine xmlns:a14="http://schemas.microsoft.com/office/drawing/2010/main" xmlns="" w="9525">
                 <a:solidFill>
                   <a:schemeClr val="tx1"/>
                 </a:solidFill>
@@ -36914,7 +36560,7 @@
           </a:ln>
           <a:extLst>
             <a:ext uri="{909E8E84-426E-40dd-AFC4-6F175D3DCCD1}">
-              <a14:hiddenFill xmlns="" xmlns:a14="http://schemas.microsoft.com/office/drawing/2010/main">
+              <a14:hiddenFill xmlns:a14="http://schemas.microsoft.com/office/drawing/2010/main" xmlns="">
                 <a:solidFill>
                   <a:schemeClr val="accent1"/>
                 </a:solidFill>
@@ -36958,13 +36604,6 @@
   <p:clrMapOvr>
     <a:masterClrMapping/>
   </p:clrMapOvr>
-  <p:timing>
-    <p:tnLst>
-      <p:par>
-        <p:cTn id="1" dur="indefinite" restart="never" nodeType="tmRoot"/>
-      </p:par>
-    </p:tnLst>
-  </p:timing>
 </p:sld>
 </file>
 
@@ -37214,7 +36853,7 @@
         <a:effectLst/>
         <a:extLst>
           <a:ext uri="{AF507438-7753-43e0-B8FC-AC1667EBCBE1}">
-            <a14:hiddenEffects xmlns="" xmlns:a14="http://schemas.microsoft.com/office/drawing/2010/main">
+            <a14:hiddenEffects xmlns:a14="http://schemas.microsoft.com/office/drawing/2010/main" xmlns="">
               <a:effectLst>
                 <a:outerShdw blurRad="63500" dist="38099" dir="2700000" algn="ctr" rotWithShape="0">
                   <a:schemeClr val="bg2">
@@ -37291,7 +36930,7 @@
         <a:effectLst/>
         <a:extLst>
           <a:ext uri="{AF507438-7753-43e0-B8FC-AC1667EBCBE1}">
-            <a14:hiddenEffects xmlns="" xmlns:a14="http://schemas.microsoft.com/office/drawing/2010/main">
+            <a14:hiddenEffects xmlns:a14="http://schemas.microsoft.com/office/drawing/2010/main" xmlns="">
               <a:effectLst>
                 <a:outerShdw blurRad="63500" dist="38099" dir="2700000" algn="ctr" rotWithShape="0">
                   <a:schemeClr val="bg2">

--- a/notes/csc402-ln018.pptx
+++ b/notes/csc402-ln018.pptx
@@ -5,7 +5,7 @@
     <p:sldMasterId id="2147483649" r:id="rId1"/>
   </p:sldMasterIdLst>
   <p:notesMasterIdLst>
-    <p:notesMasterId r:id="rId36"/>
+    <p:notesMasterId r:id="rId46"/>
   </p:notesMasterIdLst>
   <p:sldIdLst>
     <p:sldId id="256" r:id="rId2"/>
@@ -37,11 +37,21 @@
     <p:sldId id="310" r:id="rId28"/>
     <p:sldId id="311" r:id="rId29"/>
     <p:sldId id="312" r:id="rId30"/>
-    <p:sldId id="287" r:id="rId31"/>
-    <p:sldId id="306" r:id="rId32"/>
-    <p:sldId id="308" r:id="rId33"/>
-    <p:sldId id="307" r:id="rId34"/>
-    <p:sldId id="309" r:id="rId35"/>
+    <p:sldId id="308" r:id="rId31"/>
+    <p:sldId id="314" r:id="rId32"/>
+    <p:sldId id="287" r:id="rId33"/>
+    <p:sldId id="306" r:id="rId34"/>
+    <p:sldId id="313" r:id="rId35"/>
+    <p:sldId id="315" r:id="rId36"/>
+    <p:sldId id="307" r:id="rId37"/>
+    <p:sldId id="317" r:id="rId38"/>
+    <p:sldId id="316" r:id="rId39"/>
+    <p:sldId id="318" r:id="rId40"/>
+    <p:sldId id="319" r:id="rId41"/>
+    <p:sldId id="320" r:id="rId42"/>
+    <p:sldId id="321" r:id="rId43"/>
+    <p:sldId id="322" r:id="rId44"/>
+    <p:sldId id="309" r:id="rId45"/>
   </p:sldIdLst>
   <p:sldSz cx="9144000" cy="6858000" type="screen4x3"/>
   <p:notesSz cx="6858000" cy="9144000"/>
@@ -30461,6 +30471,49 @@
           </a:ln>
         </p:spPr>
       </p:pic>
+      <p:sp>
+        <p:nvSpPr>
+          <p:cNvPr id="11" name="TextBox 10">
+            <a:extLst>
+              <a:ext uri="{FF2B5EF4-FFF2-40B4-BE49-F238E27FC236}">
+                <a16:creationId xmlns:a16="http://schemas.microsoft.com/office/drawing/2014/main" id="{821397EE-80B9-E546-ADC4-5AB94C3E5C2C}"/>
+              </a:ext>
+            </a:extLst>
+          </p:cNvPr>
+          <p:cNvSpPr txBox="1"/>
+          <p:nvPr/>
+        </p:nvSpPr>
+        <p:spPr>
+          <a:xfrm>
+            <a:off x="914400" y="3983277"/>
+            <a:ext cx="1646605" cy="307777"/>
+          </a:xfrm>
+          <a:prstGeom prst="rect">
+            <a:avLst/>
+          </a:prstGeom>
+          <a:noFill/>
+        </p:spPr>
+        <p:txBody>
+          <a:bodyPr wrap="none" rtlCol="0">
+            <a:spAutoFit/>
+          </a:bodyPr>
+          <a:lstStyle/>
+          <a:p>
+            <a:r>
+              <a:rPr lang="en-US" sz="1400" dirty="0"/>
+              <a:t>(</a:t>
+            </a:r>
+            <a:r>
+              <a:rPr lang="en-US" sz="1400" dirty="0" err="1"/>
+              <a:t>float,float</a:t>
+            </a:r>
+            <a:r>
+              <a:rPr lang="en-US" sz="1400" dirty="0"/>
+              <a:t>) → float</a:t>
+            </a:r>
+          </a:p>
+        </p:txBody>
+      </p:sp>
     </p:spTree>
     <p:extLst>
       <p:ext uri="{BB962C8B-B14F-4D97-AF65-F5344CB8AC3E}">
@@ -30631,62 +30684,107 @@
           <a:lstStyle/>
           <a:p>
             <a:r>
-              <a:rPr lang="en-US"/>
-              <a:t>Type system implementation</a:t>
-            </a:r>
-          </a:p>
-        </p:txBody>
-      </p:sp>
-      <p:sp>
-        <p:nvSpPr>
-          <p:cNvPr id="72707" name="Rectangle 3"/>
+              <a:rPr lang="en-US" dirty="0"/>
+              <a:t>Symbol Table</a:t>
+            </a:r>
+          </a:p>
+        </p:txBody>
+      </p:sp>
+      <p:sp>
+        <p:nvSpPr>
+          <p:cNvPr id="2" name="Content Placeholder 1">
+            <a:extLst>
+              <a:ext uri="{FF2B5EF4-FFF2-40B4-BE49-F238E27FC236}">
+                <a16:creationId xmlns:a16="http://schemas.microsoft.com/office/drawing/2014/main" id="{D3EE8B34-B85F-3F49-96CC-530ED2597A8A}"/>
+              </a:ext>
+            </a:extLst>
+          </p:cNvPr>
           <p:cNvSpPr>
-            <a:spLocks noGrp="1" noChangeArrowheads="1"/>
+            <a:spLocks noGrp="1"/>
           </p:cNvSpPr>
           <p:nvPr>
-            <p:ph type="body" idx="1"/>
+            <p:ph idx="1"/>
           </p:nvPr>
         </p:nvSpPr>
-        <p:spPr/>
-        <p:txBody>
-          <a:bodyPr/>
-          <a:lstStyle/>
-          <a:p>
-            <a:r>
-              <a:rPr lang="en-US" sz="2600" dirty="0"/>
-              <a:t>Even though Cuppa4 is statically typed we will implement a dynamic type checker</a:t>
+        <p:spPr>
+          <a:xfrm>
+            <a:off x="457200" y="1719263"/>
+            <a:ext cx="8229600" cy="2928937"/>
+          </a:xfrm>
+        </p:spPr>
+        <p:txBody>
+          <a:bodyPr>
+            <a:normAutofit fontScale="92500" lnSpcReduction="10000"/>
+          </a:bodyPr>
+          <a:lstStyle/>
+          <a:p>
+            <a:r>
+              <a:rPr lang="en-US" dirty="0"/>
+              <a:t>Almost identical symbol table!</a:t>
+            </a:r>
+          </a:p>
+          <a:p>
+            <a:r>
+              <a:rPr lang="en-US" dirty="0"/>
+              <a:t>We are using the same approach as we did in Cuppa3:</a:t>
             </a:r>
           </a:p>
           <a:p>
             <a:pPr lvl="1"/>
             <a:r>
-              <a:rPr lang="en-US" sz="2200" dirty="0"/>
-              <a:t>Type propagation is done as part of the interpretation!</a:t>
-            </a:r>
-          </a:p>
-          <a:p>
-            <a:r>
               <a:rPr lang="en-US" dirty="0"/>
-              <a:t>Central to our implementation is the </a:t>
-            </a:r>
-            <a:r>
-              <a:rPr lang="en-US" u="sng" dirty="0"/>
-              <a:t>type promotion table</a:t>
-            </a:r>
+              <a:t>Use tags in the symbol table to figure out what kind of types we bound into the symbol table.</a:t>
+            </a:r>
+          </a:p>
+          <a:p>
             <a:r>
               <a:rPr lang="en-US" dirty="0"/>
-              <a:t> that implements our type hierarchy.</a:t>
-            </a:r>
-          </a:p>
-          <a:p>
-            <a:r>
-              <a:rPr lang="en-US" dirty="0"/>
-              <a:t>We use the type promotion table to implement our type propagation and type checking</a:t>
-            </a:r>
-          </a:p>
-        </p:txBody>
-      </p:sp>
+              <a:t>We have to keep track of the return types of functions…we do that at the block scope level.</a:t>
+            </a:r>
+          </a:p>
+        </p:txBody>
+      </p:sp>
+      <p:pic>
+        <p:nvPicPr>
+          <p:cNvPr id="4" name="Picture 3">
+            <a:extLst>
+              <a:ext uri="{FF2B5EF4-FFF2-40B4-BE49-F238E27FC236}">
+                <a16:creationId xmlns:a16="http://schemas.microsoft.com/office/drawing/2014/main" id="{8E49AE12-2E33-4645-9E5E-12D4F4BACE39}"/>
+              </a:ext>
+            </a:extLst>
+          </p:cNvPr>
+          <p:cNvPicPr>
+            <a:picLocks noChangeAspect="1"/>
+          </p:cNvPicPr>
+          <p:nvPr/>
+        </p:nvPicPr>
+        <p:blipFill>
+          <a:blip r:embed="rId2"/>
+          <a:stretch>
+            <a:fillRect/>
+          </a:stretch>
+        </p:blipFill>
+        <p:spPr>
+          <a:xfrm>
+            <a:off x="1295400" y="4876800"/>
+            <a:ext cx="5403850" cy="1781747"/>
+          </a:xfrm>
+          <a:prstGeom prst="rect">
+            <a:avLst/>
+          </a:prstGeom>
+          <a:ln>
+            <a:solidFill>
+              <a:schemeClr val="tx1"/>
+            </a:solidFill>
+          </a:ln>
+        </p:spPr>
+      </p:pic>
     </p:spTree>
+    <p:extLst>
+      <p:ext uri="{BB962C8B-B14F-4D97-AF65-F5344CB8AC3E}">
+        <p14:creationId xmlns:p14="http://schemas.microsoft.com/office/powerpoint/2010/main" val="1328751428"/>
+      </p:ext>
+    </p:extLst>
   </p:cSld>
   <p:clrMapOvr>
     <a:masterClrMapping/>
@@ -30713,9 +30811,15 @@
       </p:grpSpPr>
       <p:sp>
         <p:nvSpPr>
-          <p:cNvPr id="72706" name="Rectangle 2"/>
+          <p:cNvPr id="2" name="Title 1">
+            <a:extLst>
+              <a:ext uri="{FF2B5EF4-FFF2-40B4-BE49-F238E27FC236}">
+                <a16:creationId xmlns:a16="http://schemas.microsoft.com/office/drawing/2014/main" id="{58090E07-CB5E-ED4E-992C-93F1FD564264}"/>
+              </a:ext>
+            </a:extLst>
+          </p:cNvPr>
           <p:cNvSpPr>
-            <a:spLocks noGrp="1" noChangeArrowheads="1"/>
+            <a:spLocks noGrp="1"/>
           </p:cNvSpPr>
           <p:nvPr>
             <p:ph type="title"/>
@@ -30728,14 +30832,80 @@
           <a:p>
             <a:r>
               <a:rPr lang="en-US" dirty="0"/>
-              <a:t>Type system implementation: Type Promotion Table</a:t>
+              <a:t>The Type Checker</a:t>
+            </a:r>
+          </a:p>
+        </p:txBody>
+      </p:sp>
+      <p:sp>
+        <p:nvSpPr>
+          <p:cNvPr id="3" name="Content Placeholder 2">
+            <a:extLst>
+              <a:ext uri="{FF2B5EF4-FFF2-40B4-BE49-F238E27FC236}">
+                <a16:creationId xmlns:a16="http://schemas.microsoft.com/office/drawing/2014/main" id="{97CDFF19-AFD2-DF43-9EB9-5EFF7A0F8A45}"/>
+              </a:ext>
+            </a:extLst>
+          </p:cNvPr>
+          <p:cNvSpPr>
+            <a:spLocks noGrp="1"/>
+          </p:cNvSpPr>
+          <p:nvPr>
+            <p:ph idx="1"/>
+          </p:nvPr>
+        </p:nvSpPr>
+        <p:spPr>
+          <a:xfrm>
+            <a:off x="457200" y="1719263"/>
+            <a:ext cx="8229600" cy="3081337"/>
+          </a:xfrm>
+        </p:spPr>
+        <p:txBody>
+          <a:bodyPr>
+            <a:normAutofit fontScale="77500" lnSpcReduction="20000"/>
+          </a:bodyPr>
+          <a:lstStyle/>
+          <a:p>
+            <a:r>
+              <a:rPr lang="en-US" dirty="0"/>
+              <a:t>As we saw, the type checker is a tree walker</a:t>
+            </a:r>
+          </a:p>
+          <a:p>
+            <a:r>
+              <a:rPr lang="en-US" dirty="0"/>
+              <a:t>Turns out that out that it looks very similar to an interpretation walker with one important difference:</a:t>
+            </a:r>
+            <a:br>
+              <a:rPr lang="en-US" dirty="0"/>
+            </a:br>
+            <a:r>
+              <a:rPr lang="en-US" dirty="0"/>
+              <a:t>    ☞ It computes TYPES rather than values.</a:t>
+            </a:r>
+          </a:p>
+          <a:p>
+            <a:r>
+              <a:rPr lang="en-US" dirty="0"/>
+              <a:t>Types for us are tuples where the first component of the tuple tells us what kind of type we are looking</a:t>
+            </a:r>
+          </a:p>
+          <a:p>
+            <a:r>
+              <a:rPr lang="en-US" dirty="0"/>
+              <a:t>We are using tuples because complex types such as function types need to store additional information such return type and argument types, e.g.</a:t>
             </a:r>
           </a:p>
         </p:txBody>
       </p:sp>
       <p:pic>
         <p:nvPicPr>
-          <p:cNvPr id="2" name="Picture 1"/>
+          <p:cNvPr id="4" name="Picture 3">
+            <a:extLst>
+              <a:ext uri="{FF2B5EF4-FFF2-40B4-BE49-F238E27FC236}">
+                <a16:creationId xmlns:a16="http://schemas.microsoft.com/office/drawing/2014/main" id="{66D036BD-4881-754E-A1DA-A582DBA6D796}"/>
+              </a:ext>
+            </a:extLst>
+          </p:cNvPr>
           <p:cNvPicPr>
             <a:picLocks noChangeAspect="1"/>
           </p:cNvPicPr>
@@ -30749,8 +30919,8 @@
         </p:blipFill>
         <p:spPr>
           <a:xfrm>
-            <a:off x="707524" y="1600200"/>
-            <a:ext cx="7321550" cy="5088059"/>
+            <a:off x="2743200" y="4800600"/>
+            <a:ext cx="2424672" cy="1540135"/>
           </a:xfrm>
           <a:prstGeom prst="rect">
             <a:avLst/>
@@ -30765,7 +30935,7 @@
     </p:spTree>
     <p:extLst>
       <p:ext uri="{BB962C8B-B14F-4D97-AF65-F5344CB8AC3E}">
-        <p14:creationId xmlns:p14="http://schemas.microsoft.com/office/powerpoint/2010/main" val="992831111"/>
+        <p14:creationId xmlns:p14="http://schemas.microsoft.com/office/powerpoint/2010/main" val="2817899975"/>
       </p:ext>
     </p:extLst>
   </p:cSld>
@@ -30809,14 +30979,63 @@
           <a:p>
             <a:r>
               <a:rPr lang="en-US" dirty="0"/>
-              <a:t>Type system implementation: Symbol Table</a:t>
+              <a:t>The Type Checker</a:t>
+            </a:r>
+          </a:p>
+        </p:txBody>
+      </p:sp>
+      <p:sp>
+        <p:nvSpPr>
+          <p:cNvPr id="72707" name="Rectangle 3"/>
+          <p:cNvSpPr>
+            <a:spLocks noGrp="1" noChangeArrowheads="1"/>
+          </p:cNvSpPr>
+          <p:nvPr>
+            <p:ph type="body" idx="1"/>
+          </p:nvPr>
+        </p:nvSpPr>
+        <p:spPr>
+          <a:xfrm>
+            <a:off x="457200" y="1719263"/>
+            <a:ext cx="8229600" cy="1176337"/>
+          </a:xfrm>
+        </p:spPr>
+        <p:txBody>
+          <a:bodyPr>
+            <a:normAutofit fontScale="62500" lnSpcReduction="20000"/>
+          </a:bodyPr>
+          <a:lstStyle/>
+          <a:p>
+            <a:r>
+              <a:rPr lang="en-US" dirty="0"/>
+              <a:t>Central to our implementation is the </a:t>
+            </a:r>
+            <a:r>
+              <a:rPr lang="en-US" u="sng" dirty="0"/>
+              <a:t>type promotion table</a:t>
+            </a:r>
+            <a:r>
+              <a:rPr lang="en-US" dirty="0"/>
+              <a:t> that implements our type hierarchy.</a:t>
+            </a:r>
+          </a:p>
+          <a:p>
+            <a:r>
+              <a:rPr lang="en-US" dirty="0"/>
+              <a:t>We use the type promotion table to implement our type propagation and type checking</a:t>
             </a:r>
           </a:p>
         </p:txBody>
       </p:sp>
       <p:pic>
         <p:nvPicPr>
-          <p:cNvPr id="3" name="Picture 2"/>
+          <p:cNvPr id="2" name="Picture 1">
+            <a:extLst>
+              <a:ext uri="{FF2B5EF4-FFF2-40B4-BE49-F238E27FC236}">
+                <a16:creationId xmlns:a16="http://schemas.microsoft.com/office/drawing/2014/main" id="{47C775A1-6514-BB4B-88BB-7F40F09B85D5}"/>
+              </a:ext>
+            </a:extLst>
+          </p:cNvPr>
           <p:cNvPicPr>
             <a:picLocks noChangeAspect="1"/>
           </p:cNvPicPr>
@@ -30830,8 +31049,8 @@
         </p:blipFill>
         <p:spPr>
           <a:xfrm>
-            <a:off x="1003300" y="1676400"/>
-            <a:ext cx="6997700" cy="4699000"/>
+            <a:off x="927100" y="3048000"/>
+            <a:ext cx="5486400" cy="2502166"/>
           </a:xfrm>
           <a:prstGeom prst="rect">
             <a:avLst/>
@@ -30843,12 +31062,77 @@
           </a:ln>
         </p:spPr>
       </p:pic>
+      <p:sp>
+        <p:nvSpPr>
+          <p:cNvPr id="3" name="TextBox 2">
+            <a:extLst>
+              <a:ext uri="{FF2B5EF4-FFF2-40B4-BE49-F238E27FC236}">
+                <a16:creationId xmlns:a16="http://schemas.microsoft.com/office/drawing/2014/main" id="{2AF2EC4B-2A4D-B141-81F8-9A49EE0A14BE}"/>
+              </a:ext>
+            </a:extLst>
+          </p:cNvPr>
+          <p:cNvSpPr txBox="1"/>
+          <p:nvPr/>
+        </p:nvSpPr>
+        <p:spPr>
+          <a:xfrm>
+            <a:off x="927100" y="6146800"/>
+            <a:ext cx="4887877" cy="307777"/>
+          </a:xfrm>
+          <a:prstGeom prst="rect">
+            <a:avLst/>
+          </a:prstGeom>
+          <a:noFill/>
+        </p:spPr>
+        <p:txBody>
+          <a:bodyPr wrap="none" rtlCol="0">
+            <a:spAutoFit/>
+          </a:bodyPr>
+          <a:lstStyle/>
+          <a:p>
+            <a:r>
+              <a:rPr lang="en-US" sz="1400" dirty="0"/>
+              <a:t>Note: function types are not supported in our type hierarchy</a:t>
+            </a:r>
+          </a:p>
+        </p:txBody>
+      </p:sp>
+      <p:sp>
+        <p:nvSpPr>
+          <p:cNvPr id="4" name="TextBox 3">
+            <a:extLst>
+              <a:ext uri="{FF2B5EF4-FFF2-40B4-BE49-F238E27FC236}">
+                <a16:creationId xmlns:a16="http://schemas.microsoft.com/office/drawing/2014/main" id="{19332839-2213-8A41-B523-8B4B774A27B7}"/>
+              </a:ext>
+            </a:extLst>
+          </p:cNvPr>
+          <p:cNvSpPr txBox="1"/>
+          <p:nvPr/>
+        </p:nvSpPr>
+        <p:spPr>
+          <a:xfrm>
+            <a:off x="6858000" y="3808512"/>
+            <a:ext cx="1537600" cy="307777"/>
+          </a:xfrm>
+          <a:prstGeom prst="rect">
+            <a:avLst/>
+          </a:prstGeom>
+          <a:noFill/>
+        </p:spPr>
+        <p:txBody>
+          <a:bodyPr wrap="none" rtlCol="0">
+            <a:spAutoFit/>
+          </a:bodyPr>
+          <a:lstStyle/>
+          <a:p>
+            <a:r>
+              <a:rPr lang="en-US" sz="1400" dirty="0"/>
+              <a:t>cuppa4_types.py</a:t>
+            </a:r>
+          </a:p>
+        </p:txBody>
+      </p:sp>
     </p:spTree>
-    <p:extLst>
-      <p:ext uri="{BB962C8B-B14F-4D97-AF65-F5344CB8AC3E}">
-        <p14:creationId xmlns:p14="http://schemas.microsoft.com/office/powerpoint/2010/main" val="1328751428"/>
-      </p:ext>
-    </p:extLst>
   </p:cSld>
   <p:clrMapOvr>
     <a:masterClrMapping/>
@@ -30890,14 +31174,53 @@
           <a:p>
             <a:r>
               <a:rPr lang="en-US" dirty="0"/>
-              <a:t>Type system implementation: Walk</a:t>
+              <a:t>The Type Checker</a:t>
+            </a:r>
+          </a:p>
+        </p:txBody>
+      </p:sp>
+      <p:sp>
+        <p:nvSpPr>
+          <p:cNvPr id="5" name="Content Placeholder 4">
+            <a:extLst>
+              <a:ext uri="{FF2B5EF4-FFF2-40B4-BE49-F238E27FC236}">
+                <a16:creationId xmlns:a16="http://schemas.microsoft.com/office/drawing/2014/main" id="{4AED4247-EABD-A945-B30C-2A970F0B7C43}"/>
+              </a:ext>
+            </a:extLst>
+          </p:cNvPr>
+          <p:cNvSpPr>
+            <a:spLocks noGrp="1"/>
+          </p:cNvSpPr>
+          <p:nvPr>
+            <p:ph idx="1"/>
+          </p:nvPr>
+        </p:nvSpPr>
+        <p:spPr>
+          <a:xfrm>
+            <a:off x="457200" y="1719263"/>
+            <a:ext cx="8229600" cy="1023937"/>
+          </a:xfrm>
+        </p:spPr>
+        <p:txBody>
+          <a:bodyPr/>
+          <a:lstStyle/>
+          <a:p>
+            <a:r>
+              <a:rPr lang="en-US" dirty="0"/>
+              <a:t>The type checker uses a number of tables to coerce types</a:t>
             </a:r>
           </a:p>
         </p:txBody>
       </p:sp>
       <p:pic>
         <p:nvPicPr>
-          <p:cNvPr id="3" name="Picture 2"/>
+          <p:cNvPr id="4" name="Picture 3">
+            <a:extLst>
+              <a:ext uri="{FF2B5EF4-FFF2-40B4-BE49-F238E27FC236}">
+                <a16:creationId xmlns:a16="http://schemas.microsoft.com/office/drawing/2014/main" id="{0CF8EFD6-977B-A943-B79C-9414EE90DFBA}"/>
+              </a:ext>
+            </a:extLst>
+          </p:cNvPr>
           <p:cNvPicPr>
             <a:picLocks noChangeAspect="1"/>
           </p:cNvPicPr>
@@ -30911,8 +31234,8 @@
         </p:blipFill>
         <p:spPr>
           <a:xfrm>
-            <a:off x="481263" y="1524000"/>
-            <a:ext cx="5594350" cy="2566216"/>
+            <a:off x="457200" y="3048000"/>
+            <a:ext cx="8472222" cy="3476021"/>
           </a:xfrm>
           <a:prstGeom prst="rect">
             <a:avLst/>
@@ -30924,39 +31247,45 @@
           </a:ln>
         </p:spPr>
       </p:pic>
-      <p:pic>
-        <p:nvPicPr>
-          <p:cNvPr id="4" name="Picture 3"/>
-          <p:cNvPicPr>
-            <a:picLocks noChangeAspect="1"/>
-          </p:cNvPicPr>
-          <p:nvPr/>
-        </p:nvPicPr>
-        <p:blipFill>
-          <a:blip r:embed="rId3"/>
-          <a:stretch>
-            <a:fillRect/>
-          </a:stretch>
-        </p:blipFill>
+      <p:sp>
+        <p:nvSpPr>
+          <p:cNvPr id="8" name="TextBox 7">
+            <a:extLst>
+              <a:ext uri="{FF2B5EF4-FFF2-40B4-BE49-F238E27FC236}">
+                <a16:creationId xmlns:a16="http://schemas.microsoft.com/office/drawing/2014/main" id="{D591B81F-5EF8-064A-A8FF-0C8D643E5825}"/>
+              </a:ext>
+            </a:extLst>
+          </p:cNvPr>
+          <p:cNvSpPr txBox="1"/>
+          <p:nvPr/>
+        </p:nvSpPr>
         <p:spPr>
           <a:xfrm>
-            <a:off x="2743200" y="4343400"/>
-            <a:ext cx="5759450" cy="2366107"/>
+            <a:off x="6324600" y="2587823"/>
+            <a:ext cx="1537600" cy="307777"/>
           </a:xfrm>
           <a:prstGeom prst="rect">
             <a:avLst/>
           </a:prstGeom>
-          <a:ln>
-            <a:solidFill>
-              <a:schemeClr val="tx1"/>
-            </a:solidFill>
-          </a:ln>
-        </p:spPr>
-      </p:pic>
+          <a:noFill/>
+        </p:spPr>
+        <p:txBody>
+          <a:bodyPr wrap="none" rtlCol="0">
+            <a:spAutoFit/>
+          </a:bodyPr>
+          <a:lstStyle/>
+          <a:p>
+            <a:r>
+              <a:rPr lang="en-US" sz="1400" dirty="0"/>
+              <a:t>cuppa4_types.py</a:t>
+            </a:r>
+          </a:p>
+        </p:txBody>
+      </p:sp>
     </p:spTree>
     <p:extLst>
       <p:ext uri="{BB962C8B-B14F-4D97-AF65-F5344CB8AC3E}">
-        <p14:creationId xmlns:p14="http://schemas.microsoft.com/office/powerpoint/2010/main" val="605429171"/>
+        <p14:creationId xmlns:p14="http://schemas.microsoft.com/office/powerpoint/2010/main" val="992831111"/>
       </p:ext>
     </p:extLst>
   </p:cSld>
@@ -30985,9 +31314,15 @@
       </p:grpSpPr>
       <p:sp>
         <p:nvSpPr>
-          <p:cNvPr id="72706" name="Rectangle 2"/>
+          <p:cNvPr id="2" name="Title 1">
+            <a:extLst>
+              <a:ext uri="{FF2B5EF4-FFF2-40B4-BE49-F238E27FC236}">
+                <a16:creationId xmlns:a16="http://schemas.microsoft.com/office/drawing/2014/main" id="{3FFFD718-7B3C-6341-96E9-9F51CF6DED75}"/>
+              </a:ext>
+            </a:extLst>
+          </p:cNvPr>
           <p:cNvSpPr>
-            <a:spLocks noGrp="1" noChangeArrowheads="1"/>
+            <a:spLocks noGrp="1"/>
           </p:cNvSpPr>
           <p:nvPr>
             <p:ph type="title"/>
@@ -31000,14 +31335,53 @@
           <a:p>
             <a:r>
               <a:rPr lang="en-US" dirty="0"/>
-              <a:t>Type system implementation</a:t>
+              <a:t>The Type Checker</a:t>
+            </a:r>
+          </a:p>
+        </p:txBody>
+      </p:sp>
+      <p:sp>
+        <p:nvSpPr>
+          <p:cNvPr id="5" name="Content Placeholder 4">
+            <a:extLst>
+              <a:ext uri="{FF2B5EF4-FFF2-40B4-BE49-F238E27FC236}">
+                <a16:creationId xmlns:a16="http://schemas.microsoft.com/office/drawing/2014/main" id="{8617981E-A6E9-4B41-9B9D-011ADD9F21AF}"/>
+              </a:ext>
+            </a:extLst>
+          </p:cNvPr>
+          <p:cNvSpPr>
+            <a:spLocks noGrp="1"/>
+          </p:cNvSpPr>
+          <p:nvPr>
+            <p:ph idx="1"/>
+          </p:nvPr>
+        </p:nvSpPr>
+        <p:spPr>
+          <a:xfrm>
+            <a:off x="457200" y="1719263"/>
+            <a:ext cx="8229600" cy="1100137"/>
+          </a:xfrm>
+        </p:spPr>
+        <p:txBody>
+          <a:bodyPr/>
+          <a:lstStyle/>
+          <a:p>
+            <a:r>
+              <a:rPr lang="en-US" dirty="0"/>
+              <a:t>Interface functions to tables</a:t>
             </a:r>
           </a:p>
         </p:txBody>
       </p:sp>
       <p:pic>
         <p:nvPicPr>
-          <p:cNvPr id="2" name="Picture 1"/>
+          <p:cNvPr id="4" name="Picture 3">
+            <a:extLst>
+              <a:ext uri="{FF2B5EF4-FFF2-40B4-BE49-F238E27FC236}">
+                <a16:creationId xmlns:a16="http://schemas.microsoft.com/office/drawing/2014/main" id="{479126A4-7116-0D4F-959B-6F5066E54BF2}"/>
+              </a:ext>
+            </a:extLst>
+          </p:cNvPr>
           <p:cNvPicPr>
             <a:picLocks noChangeAspect="1"/>
           </p:cNvPicPr>
@@ -31021,20 +31395,399 @@
         </p:blipFill>
         <p:spPr>
           <a:xfrm>
-            <a:off x="457200" y="1600200"/>
-            <a:ext cx="5105400" cy="580428"/>
+            <a:off x="1524000" y="3032369"/>
+            <a:ext cx="5181600" cy="3321538"/>
           </a:xfrm>
           <a:prstGeom prst="rect">
             <a:avLst/>
           </a:prstGeom>
           <a:ln>
-            <a:noFill/>
+            <a:solidFill>
+              <a:schemeClr val="tx1"/>
+            </a:solidFill>
           </a:ln>
         </p:spPr>
       </p:pic>
+      <p:sp>
+        <p:nvSpPr>
+          <p:cNvPr id="6" name="TextBox 5">
+            <a:extLst>
+              <a:ext uri="{FF2B5EF4-FFF2-40B4-BE49-F238E27FC236}">
+                <a16:creationId xmlns:a16="http://schemas.microsoft.com/office/drawing/2014/main" id="{D9068684-388A-D445-8D31-BD57A65E8785}"/>
+              </a:ext>
+            </a:extLst>
+          </p:cNvPr>
+          <p:cNvSpPr txBox="1"/>
+          <p:nvPr/>
+        </p:nvSpPr>
+        <p:spPr>
+          <a:xfrm>
+            <a:off x="7086600" y="3289300"/>
+            <a:ext cx="1537600" cy="307777"/>
+          </a:xfrm>
+          <a:prstGeom prst="rect">
+            <a:avLst/>
+          </a:prstGeom>
+          <a:noFill/>
+        </p:spPr>
+        <p:txBody>
+          <a:bodyPr wrap="none" rtlCol="0">
+            <a:spAutoFit/>
+          </a:bodyPr>
+          <a:lstStyle/>
+          <a:p>
+            <a:r>
+              <a:rPr lang="en-US" sz="1400" dirty="0"/>
+              <a:t>cuppa4_types.py</a:t>
+            </a:r>
+          </a:p>
+        </p:txBody>
+      </p:sp>
+    </p:spTree>
+    <p:extLst>
+      <p:ext uri="{BB962C8B-B14F-4D97-AF65-F5344CB8AC3E}">
+        <p14:creationId xmlns:p14="http://schemas.microsoft.com/office/powerpoint/2010/main" val="4287855915"/>
+      </p:ext>
+    </p:extLst>
+  </p:cSld>
+  <p:clrMapOvr>
+    <a:masterClrMapping/>
+  </p:clrMapOvr>
+</p:sld>
+</file>
+
+<file path=ppt/slides/slide35.xml><?xml version="1.0" encoding="utf-8"?>
+<p:sld xmlns:a="http://schemas.openxmlformats.org/drawingml/2006/main" xmlns:r="http://schemas.openxmlformats.org/officeDocument/2006/relationships" xmlns:p="http://schemas.openxmlformats.org/presentationml/2006/main">
+  <p:cSld>
+    <p:spTree>
+      <p:nvGrpSpPr>
+        <p:cNvPr id="1" name=""/>
+        <p:cNvGrpSpPr/>
+        <p:nvPr/>
+      </p:nvGrpSpPr>
+      <p:grpSpPr>
+        <a:xfrm>
+          <a:off x="0" y="0"/>
+          <a:ext cx="0" cy="0"/>
+          <a:chOff x="0" y="0"/>
+          <a:chExt cx="0" cy="0"/>
+        </a:xfrm>
+      </p:grpSpPr>
+      <p:sp>
+        <p:nvSpPr>
+          <p:cNvPr id="2" name="Title 1">
+            <a:extLst>
+              <a:ext uri="{FF2B5EF4-FFF2-40B4-BE49-F238E27FC236}">
+                <a16:creationId xmlns:a16="http://schemas.microsoft.com/office/drawing/2014/main" id="{0AF0FE17-6DEC-114D-BEF4-5CF1910A8BC9}"/>
+              </a:ext>
+            </a:extLst>
+          </p:cNvPr>
+          <p:cNvSpPr>
+            <a:spLocks noGrp="1"/>
+          </p:cNvSpPr>
+          <p:nvPr>
+            <p:ph type="title"/>
+          </p:nvPr>
+        </p:nvSpPr>
+        <p:spPr/>
+        <p:txBody>
+          <a:bodyPr/>
+          <a:lstStyle/>
+          <a:p>
+            <a:r>
+              <a:rPr lang="en-US" dirty="0"/>
+              <a:t>The Tree Walker</a:t>
+            </a:r>
+          </a:p>
+        </p:txBody>
+      </p:sp>
+      <p:sp>
+        <p:nvSpPr>
+          <p:cNvPr id="3" name="Content Placeholder 2">
+            <a:extLst>
+              <a:ext uri="{FF2B5EF4-FFF2-40B4-BE49-F238E27FC236}">
+                <a16:creationId xmlns:a16="http://schemas.microsoft.com/office/drawing/2014/main" id="{C64D1373-0C83-B048-A50B-8504805F8C65}"/>
+              </a:ext>
+            </a:extLst>
+          </p:cNvPr>
+          <p:cNvSpPr>
+            <a:spLocks noGrp="1"/>
+          </p:cNvSpPr>
+          <p:nvPr>
+            <p:ph idx="1"/>
+          </p:nvPr>
+        </p:nvSpPr>
+        <p:spPr>
+          <a:xfrm>
+            <a:off x="457200" y="1719263"/>
+            <a:ext cx="3200400" cy="1295400"/>
+          </a:xfrm>
+        </p:spPr>
+        <p:txBody>
+          <a:bodyPr>
+            <a:normAutofit fontScale="85000" lnSpcReduction="10000"/>
+          </a:bodyPr>
+          <a:lstStyle/>
+          <a:p>
+            <a:r>
+              <a:rPr lang="en-US" dirty="0"/>
+              <a:t>Architecture wise looks like all our other tree walkers</a:t>
+            </a:r>
+          </a:p>
+        </p:txBody>
+      </p:sp>
+      <p:sp>
+        <p:nvSpPr>
+          <p:cNvPr id="4" name="TextBox 3">
+            <a:extLst>
+              <a:ext uri="{FF2B5EF4-FFF2-40B4-BE49-F238E27FC236}">
+                <a16:creationId xmlns:a16="http://schemas.microsoft.com/office/drawing/2014/main" id="{42AD572E-CA20-3C48-B2AC-FAED3F45FA47}"/>
+              </a:ext>
+            </a:extLst>
+          </p:cNvPr>
+          <p:cNvSpPr txBox="1"/>
+          <p:nvPr/>
+        </p:nvSpPr>
+        <p:spPr>
+          <a:xfrm>
+            <a:off x="1099445" y="4419600"/>
+            <a:ext cx="1915909" cy="307777"/>
+          </a:xfrm>
+          <a:prstGeom prst="rect">
+            <a:avLst/>
+          </a:prstGeom>
+          <a:noFill/>
+        </p:spPr>
+        <p:txBody>
+          <a:bodyPr wrap="none" rtlCol="0">
+            <a:spAutoFit/>
+          </a:bodyPr>
+          <a:lstStyle/>
+          <a:p>
+            <a:r>
+              <a:rPr lang="en-US" sz="1400" dirty="0"/>
+              <a:t>cuppa4_typecheck.py</a:t>
+            </a:r>
+          </a:p>
+        </p:txBody>
+      </p:sp>
       <p:pic>
         <p:nvPicPr>
-          <p:cNvPr id="5" name="Picture 4"/>
+          <p:cNvPr id="6" name="Picture 5">
+            <a:extLst>
+              <a:ext uri="{FF2B5EF4-FFF2-40B4-BE49-F238E27FC236}">
+                <a16:creationId xmlns:a16="http://schemas.microsoft.com/office/drawing/2014/main" id="{B1A6415A-C2DA-8C4B-857F-4F155D8E7A81}"/>
+              </a:ext>
+            </a:extLst>
+          </p:cNvPr>
+          <p:cNvPicPr>
+            <a:picLocks noChangeAspect="1"/>
+          </p:cNvPicPr>
+          <p:nvPr/>
+        </p:nvPicPr>
+        <p:blipFill>
+          <a:blip r:embed="rId2"/>
+          <a:stretch>
+            <a:fillRect/>
+          </a:stretch>
+        </p:blipFill>
+        <p:spPr>
+          <a:xfrm>
+            <a:off x="4075743" y="457200"/>
+            <a:ext cx="4611057" cy="6172200"/>
+          </a:xfrm>
+          <a:prstGeom prst="rect">
+            <a:avLst/>
+          </a:prstGeom>
+          <a:ln>
+            <a:solidFill>
+              <a:schemeClr val="tx1"/>
+            </a:solidFill>
+          </a:ln>
+        </p:spPr>
+      </p:pic>
+    </p:spTree>
+    <p:extLst>
+      <p:ext uri="{BB962C8B-B14F-4D97-AF65-F5344CB8AC3E}">
+        <p14:creationId xmlns:p14="http://schemas.microsoft.com/office/powerpoint/2010/main" val="817959658"/>
+      </p:ext>
+    </p:extLst>
+  </p:cSld>
+  <p:clrMapOvr>
+    <a:masterClrMapping/>
+  </p:clrMapOvr>
+</p:sld>
+</file>
+
+<file path=ppt/slides/slide36.xml><?xml version="1.0" encoding="utf-8"?>
+<p:sld xmlns:a="http://schemas.openxmlformats.org/drawingml/2006/main" xmlns:r="http://schemas.openxmlformats.org/officeDocument/2006/relationships" xmlns:p="http://schemas.openxmlformats.org/presentationml/2006/main">
+  <p:cSld>
+    <p:spTree>
+      <p:nvGrpSpPr>
+        <p:cNvPr id="1" name=""/>
+        <p:cNvGrpSpPr/>
+        <p:nvPr/>
+      </p:nvGrpSpPr>
+      <p:grpSpPr>
+        <a:xfrm>
+          <a:off x="0" y="0"/>
+          <a:ext cx="0" cy="0"/>
+          <a:chOff x="0" y="0"/>
+          <a:chExt cx="0" cy="0"/>
+        </a:xfrm>
+      </p:grpSpPr>
+      <p:sp>
+        <p:nvSpPr>
+          <p:cNvPr id="72706" name="Rectangle 2"/>
+          <p:cNvSpPr>
+            <a:spLocks noGrp="1" noChangeArrowheads="1"/>
+          </p:cNvSpPr>
+          <p:nvPr>
+            <p:ph type="title"/>
+          </p:nvPr>
+        </p:nvSpPr>
+        <p:spPr/>
+        <p:txBody>
+          <a:bodyPr/>
+          <a:lstStyle/>
+          <a:p>
+            <a:r>
+              <a:rPr lang="en-US" dirty="0"/>
+              <a:t>The Tree Walker - Statements</a:t>
+            </a:r>
+          </a:p>
+        </p:txBody>
+      </p:sp>
+      <p:pic>
+        <p:nvPicPr>
+          <p:cNvPr id="2" name="Picture 1">
+            <a:extLst>
+              <a:ext uri="{FF2B5EF4-FFF2-40B4-BE49-F238E27FC236}">
+                <a16:creationId xmlns:a16="http://schemas.microsoft.com/office/drawing/2014/main" id="{1ADF68A1-14A5-B24A-920C-FA7958142A53}"/>
+              </a:ext>
+            </a:extLst>
+          </p:cNvPr>
+          <p:cNvPicPr>
+            <a:picLocks noChangeAspect="1"/>
+          </p:cNvPicPr>
+          <p:nvPr/>
+        </p:nvPicPr>
+        <p:blipFill>
+          <a:blip r:embed="rId2"/>
+          <a:stretch>
+            <a:fillRect/>
+          </a:stretch>
+        </p:blipFill>
+        <p:spPr>
+          <a:xfrm>
+            <a:off x="457200" y="1494253"/>
+            <a:ext cx="5149850" cy="1979197"/>
+          </a:xfrm>
+          <a:prstGeom prst="rect">
+            <a:avLst/>
+          </a:prstGeom>
+          <a:ln>
+            <a:solidFill>
+              <a:schemeClr val="tx1"/>
+            </a:solidFill>
+          </a:ln>
+        </p:spPr>
+      </p:pic>
+      <p:sp>
+        <p:nvSpPr>
+          <p:cNvPr id="5" name="Right Arrow 4">
+            <a:extLst>
+              <a:ext uri="{FF2B5EF4-FFF2-40B4-BE49-F238E27FC236}">
+                <a16:creationId xmlns:a16="http://schemas.microsoft.com/office/drawing/2014/main" id="{F0CECB32-6DE7-2044-803D-CE4143655375}"/>
+              </a:ext>
+            </a:extLst>
+          </p:cNvPr>
+          <p:cNvSpPr/>
+          <p:nvPr/>
+        </p:nvSpPr>
+        <p:spPr bwMode="auto">
+          <a:xfrm>
+            <a:off x="228600" y="2590800"/>
+            <a:ext cx="381000" cy="228600"/>
+          </a:xfrm>
+          <a:prstGeom prst="rightArrow">
+            <a:avLst/>
+          </a:prstGeom>
+          <a:solidFill>
+            <a:srgbClr val="FF0000"/>
+          </a:solidFill>
+          <a:ln w="9525" cap="flat" cmpd="sng" algn="ctr">
+            <a:solidFill>
+              <a:schemeClr val="tx1"/>
+            </a:solidFill>
+            <a:prstDash val="solid"/>
+            <a:round/>
+            <a:headEnd type="none" w="med" len="med"/>
+            <a:tailEnd type="none" w="med" len="med"/>
+          </a:ln>
+          <a:effectLst/>
+          <a:extLst>
+            <a:ext uri="{AF507438-7753-43e0-B8FC-AC1667EBCBE1}">
+              <a14:hiddenEffects xmlns:a14="http://schemas.microsoft.com/office/drawing/2010/main" xmlns="">
+                <a:effectLst>
+                  <a:outerShdw blurRad="63500" dist="38099" dir="2700000" algn="ctr" rotWithShape="0">
+                    <a:schemeClr val="bg2">
+                      <a:alpha val="74998"/>
+                    </a:schemeClr>
+                  </a:outerShdw>
+                </a:effectLst>
+              </a14:hiddenEffects>
+            </a:ext>
+          </a:extLst>
+        </p:spPr>
+        <p:txBody>
+          <a:bodyPr vert="horz" wrap="square" lIns="91440" tIns="45720" rIns="91440" bIns="45720" numCol="1" rtlCol="0" anchor="t" anchorCtr="0" compatLnSpc="1">
+            <a:prstTxWarp prst="textNoShape">
+              <a:avLst/>
+            </a:prstTxWarp>
+          </a:bodyPr>
+          <a:lstStyle/>
+          <a:p>
+            <a:pPr marL="0" marR="0" indent="0" algn="l" defTabSz="914400" rtl="0" eaLnBrk="0" fontAlgn="base" latinLnBrk="0" hangingPunct="0">
+              <a:lnSpc>
+                <a:spcPct val="100000"/>
+              </a:lnSpc>
+              <a:spcBef>
+                <a:spcPct val="0"/>
+              </a:spcBef>
+              <a:spcAft>
+                <a:spcPct val="0"/>
+              </a:spcAft>
+              <a:buClrTx/>
+              <a:buSzTx/>
+              <a:buFontTx/>
+              <a:buNone/>
+              <a:tabLst/>
+            </a:pPr>
+            <a:endParaRPr kumimoji="0" lang="en-US" sz="1200" b="0" i="0" u="none" strike="noStrike" cap="none" normalizeH="0" baseline="0">
+              <a:ln>
+                <a:noFill/>
+              </a:ln>
+              <a:solidFill>
+                <a:srgbClr val="FF0000"/>
+              </a:solidFill>
+              <a:effectLst/>
+              <a:latin typeface="Arial" charset="0"/>
+              <a:ea typeface="ＭＳ Ｐゴシック" charset="0"/>
+              <a:cs typeface="ＭＳ Ｐゴシック" charset="0"/>
+            </a:endParaRPr>
+          </a:p>
+        </p:txBody>
+      </p:sp>
+      <p:pic>
+        <p:nvPicPr>
+          <p:cNvPr id="6" name="Picture 5">
+            <a:extLst>
+              <a:ext uri="{FF2B5EF4-FFF2-40B4-BE49-F238E27FC236}">
+                <a16:creationId xmlns:a16="http://schemas.microsoft.com/office/drawing/2014/main" id="{02B09CD6-2522-A64B-BB3E-DCA1F4A772EA}"/>
+              </a:ext>
+            </a:extLst>
+          </p:cNvPr>
           <p:cNvPicPr>
             <a:picLocks noChangeAspect="1"/>
           </p:cNvPicPr>
@@ -31048,17 +31801,28 @@
         </p:blipFill>
         <p:spPr>
           <a:xfrm>
-            <a:off x="457200" y="2379232"/>
-            <a:ext cx="3581400" cy="1732560"/>
+            <a:off x="419100" y="4648200"/>
+            <a:ext cx="5835650" cy="1952489"/>
           </a:xfrm>
           <a:prstGeom prst="rect">
             <a:avLst/>
           </a:prstGeom>
+          <a:ln>
+            <a:solidFill>
+              <a:schemeClr val="tx1"/>
+            </a:solidFill>
+          </a:ln>
         </p:spPr>
       </p:pic>
       <p:pic>
         <p:nvPicPr>
-          <p:cNvPr id="6" name="Picture 5"/>
+          <p:cNvPr id="7" name="Picture 6">
+            <a:extLst>
+              <a:ext uri="{FF2B5EF4-FFF2-40B4-BE49-F238E27FC236}">
+                <a16:creationId xmlns:a16="http://schemas.microsoft.com/office/drawing/2014/main" id="{95877591-30E0-8A41-88E0-D7CE649394CF}"/>
+              </a:ext>
+            </a:extLst>
+          </p:cNvPr>
           <p:cNvPicPr>
             <a:picLocks noChangeAspect="1"/>
           </p:cNvPicPr>
@@ -31072,17 +31836,782 @@
         </p:blipFill>
         <p:spPr>
           <a:xfrm>
-            <a:off x="457200" y="4079708"/>
-            <a:ext cx="3460750" cy="2692863"/>
+            <a:off x="2895600" y="3185209"/>
+            <a:ext cx="5664200" cy="2178538"/>
           </a:xfrm>
           <a:prstGeom prst="rect">
             <a:avLst/>
           </a:prstGeom>
+          <a:ln>
+            <a:solidFill>
+              <a:schemeClr val="tx1"/>
+            </a:solidFill>
+          </a:ln>
+        </p:spPr>
+      </p:pic>
+      <p:sp>
+        <p:nvSpPr>
+          <p:cNvPr id="8" name="TextBox 7">
+            <a:extLst>
+              <a:ext uri="{FF2B5EF4-FFF2-40B4-BE49-F238E27FC236}">
+                <a16:creationId xmlns:a16="http://schemas.microsoft.com/office/drawing/2014/main" id="{A4C6469B-11EE-F046-B445-B5BFC164ECBF}"/>
+              </a:ext>
+            </a:extLst>
+          </p:cNvPr>
+          <p:cNvSpPr txBox="1"/>
+          <p:nvPr/>
+        </p:nvSpPr>
+        <p:spPr>
+          <a:xfrm>
+            <a:off x="6273800" y="1981200"/>
+            <a:ext cx="2294218" cy="523220"/>
+          </a:xfrm>
+          <a:prstGeom prst="rect">
+            <a:avLst/>
+          </a:prstGeom>
+          <a:noFill/>
+        </p:spPr>
+        <p:txBody>
+          <a:bodyPr wrap="none" rtlCol="0">
+            <a:spAutoFit/>
+          </a:bodyPr>
+          <a:lstStyle/>
+          <a:p>
+            <a:r>
+              <a:rPr lang="en-US" sz="1400" dirty="0"/>
+              <a:t>No value computation, just</a:t>
+            </a:r>
+            <a:br>
+              <a:rPr lang="en-US" sz="1400" dirty="0"/>
+            </a:br>
+            <a:r>
+              <a:rPr lang="en-US" sz="1400" dirty="0"/>
+              <a:t>type propagation!</a:t>
+            </a:r>
+          </a:p>
+        </p:txBody>
+      </p:sp>
+    </p:spTree>
+    <p:extLst>
+      <p:ext uri="{BB962C8B-B14F-4D97-AF65-F5344CB8AC3E}">
+        <p14:creationId xmlns:p14="http://schemas.microsoft.com/office/powerpoint/2010/main" val="605429171"/>
+      </p:ext>
+    </p:extLst>
+  </p:cSld>
+  <p:clrMapOvr>
+    <a:masterClrMapping/>
+  </p:clrMapOvr>
+</p:sld>
+</file>
+
+<file path=ppt/slides/slide37.xml><?xml version="1.0" encoding="utf-8"?>
+<p:sld xmlns:a="http://schemas.openxmlformats.org/drawingml/2006/main" xmlns:r="http://schemas.openxmlformats.org/officeDocument/2006/relationships" xmlns:p="http://schemas.openxmlformats.org/presentationml/2006/main">
+  <p:cSld>
+    <p:spTree>
+      <p:nvGrpSpPr>
+        <p:cNvPr id="1" name=""/>
+        <p:cNvGrpSpPr/>
+        <p:nvPr/>
+      </p:nvGrpSpPr>
+      <p:grpSpPr>
+        <a:xfrm>
+          <a:off x="0" y="0"/>
+          <a:ext cx="0" cy="0"/>
+          <a:chOff x="0" y="0"/>
+          <a:chExt cx="0" cy="0"/>
+        </a:xfrm>
+      </p:grpSpPr>
+      <p:sp>
+        <p:nvSpPr>
+          <p:cNvPr id="2" name="Title 1">
+            <a:extLst>
+              <a:ext uri="{FF2B5EF4-FFF2-40B4-BE49-F238E27FC236}">
+                <a16:creationId xmlns:a16="http://schemas.microsoft.com/office/drawing/2014/main" id="{B5364951-77F6-2A4B-93C2-D3D2D6D71ADD}"/>
+              </a:ext>
+            </a:extLst>
+          </p:cNvPr>
+          <p:cNvSpPr>
+            <a:spLocks noGrp="1"/>
+          </p:cNvSpPr>
+          <p:nvPr>
+            <p:ph type="title"/>
+          </p:nvPr>
+        </p:nvSpPr>
+        <p:spPr/>
+        <p:txBody>
+          <a:bodyPr/>
+          <a:lstStyle/>
+          <a:p>
+            <a:r>
+              <a:rPr lang="en-US" dirty="0"/>
+              <a:t>The Tree Walker - Declarations</a:t>
+            </a:r>
+          </a:p>
+        </p:txBody>
+      </p:sp>
+      <p:pic>
+        <p:nvPicPr>
+          <p:cNvPr id="3" name="Picture 2">
+            <a:extLst>
+              <a:ext uri="{FF2B5EF4-FFF2-40B4-BE49-F238E27FC236}">
+                <a16:creationId xmlns:a16="http://schemas.microsoft.com/office/drawing/2014/main" id="{1FEC082B-87A1-3345-9532-94D57FC3281A}"/>
+              </a:ext>
+            </a:extLst>
+          </p:cNvPr>
+          <p:cNvPicPr>
+            <a:picLocks noChangeAspect="1"/>
+          </p:cNvPicPr>
+          <p:nvPr/>
+        </p:nvPicPr>
+        <p:blipFill>
+          <a:blip r:embed="rId2"/>
+          <a:stretch>
+            <a:fillRect/>
+          </a:stretch>
+        </p:blipFill>
+        <p:spPr>
+          <a:xfrm>
+            <a:off x="304800" y="1493839"/>
+            <a:ext cx="5715000" cy="2023390"/>
+          </a:xfrm>
+          <a:prstGeom prst="rect">
+            <a:avLst/>
+          </a:prstGeom>
+          <a:ln>
+            <a:solidFill>
+              <a:schemeClr val="tx1"/>
+            </a:solidFill>
+          </a:ln>
         </p:spPr>
       </p:pic>
       <p:pic>
         <p:nvPicPr>
-          <p:cNvPr id="7" name="Picture 6"/>
+          <p:cNvPr id="4" name="Picture 3">
+            <a:extLst>
+              <a:ext uri="{FF2B5EF4-FFF2-40B4-BE49-F238E27FC236}">
+                <a16:creationId xmlns:a16="http://schemas.microsoft.com/office/drawing/2014/main" id="{69D9382A-64C6-474A-9D52-B23724A9A274}"/>
+              </a:ext>
+            </a:extLst>
+          </p:cNvPr>
+          <p:cNvPicPr>
+            <a:picLocks noChangeAspect="1"/>
+          </p:cNvPicPr>
+          <p:nvPr/>
+        </p:nvPicPr>
+        <p:blipFill>
+          <a:blip r:embed="rId3"/>
+          <a:stretch>
+            <a:fillRect/>
+          </a:stretch>
+        </p:blipFill>
+        <p:spPr>
+          <a:xfrm>
+            <a:off x="380999" y="3810000"/>
+            <a:ext cx="3510951" cy="2514600"/>
+          </a:xfrm>
+          <a:prstGeom prst="rect">
+            <a:avLst/>
+          </a:prstGeom>
+          <a:ln>
+            <a:solidFill>
+              <a:schemeClr val="tx1"/>
+            </a:solidFill>
+          </a:ln>
+        </p:spPr>
+      </p:pic>
+      <p:sp>
+        <p:nvSpPr>
+          <p:cNvPr id="5" name="Right Arrow 4">
+            <a:extLst>
+              <a:ext uri="{FF2B5EF4-FFF2-40B4-BE49-F238E27FC236}">
+                <a16:creationId xmlns:a16="http://schemas.microsoft.com/office/drawing/2014/main" id="{D9AB8581-F50B-CB46-B6AD-BF75ED86599C}"/>
+              </a:ext>
+            </a:extLst>
+          </p:cNvPr>
+          <p:cNvSpPr/>
+          <p:nvPr/>
+        </p:nvSpPr>
+        <p:spPr bwMode="auto">
+          <a:xfrm>
+            <a:off x="228600" y="5334000"/>
+            <a:ext cx="304800" cy="228600"/>
+          </a:xfrm>
+          <a:prstGeom prst="rightArrow">
+            <a:avLst/>
+          </a:prstGeom>
+          <a:solidFill>
+            <a:srgbClr val="FF0000"/>
+          </a:solidFill>
+          <a:ln w="9525" cap="flat" cmpd="sng" algn="ctr">
+            <a:solidFill>
+              <a:schemeClr val="tx1"/>
+            </a:solidFill>
+            <a:prstDash val="solid"/>
+            <a:round/>
+            <a:headEnd type="none" w="med" len="med"/>
+            <a:tailEnd type="none" w="med" len="med"/>
+          </a:ln>
+          <a:effectLst/>
+          <a:extLst>
+            <a:ext uri="{AF507438-7753-43e0-B8FC-AC1667EBCBE1}">
+              <a14:hiddenEffects xmlns:a14="http://schemas.microsoft.com/office/drawing/2010/main" xmlns="">
+                <a:effectLst>
+                  <a:outerShdw blurRad="63500" dist="38099" dir="2700000" algn="ctr" rotWithShape="0">
+                    <a:schemeClr val="bg2">
+                      <a:alpha val="74998"/>
+                    </a:schemeClr>
+                  </a:outerShdw>
+                </a:effectLst>
+              </a14:hiddenEffects>
+            </a:ext>
+          </a:extLst>
+        </p:spPr>
+        <p:txBody>
+          <a:bodyPr vert="horz" wrap="square" lIns="91440" tIns="45720" rIns="91440" bIns="45720" numCol="1" rtlCol="0" anchor="t" anchorCtr="0" compatLnSpc="1">
+            <a:prstTxWarp prst="textNoShape">
+              <a:avLst/>
+            </a:prstTxWarp>
+          </a:bodyPr>
+          <a:lstStyle/>
+          <a:p>
+            <a:pPr marL="0" marR="0" indent="0" algn="l" defTabSz="914400" rtl="0" eaLnBrk="0" fontAlgn="base" latinLnBrk="0" hangingPunct="0">
+              <a:lnSpc>
+                <a:spcPct val="100000"/>
+              </a:lnSpc>
+              <a:spcBef>
+                <a:spcPct val="0"/>
+              </a:spcBef>
+              <a:spcAft>
+                <a:spcPct val="0"/>
+              </a:spcAft>
+              <a:buClrTx/>
+              <a:buSzTx/>
+              <a:buFontTx/>
+              <a:buNone/>
+              <a:tabLst/>
+            </a:pPr>
+            <a:endParaRPr kumimoji="0" lang="en-US" sz="1200" b="0" i="0" u="none" strike="noStrike" cap="none" normalizeH="0" baseline="0">
+              <a:ln>
+                <a:noFill/>
+              </a:ln>
+              <a:solidFill>
+                <a:srgbClr val="FF0000"/>
+              </a:solidFill>
+              <a:effectLst/>
+              <a:latin typeface="Arial" charset="0"/>
+              <a:ea typeface="ＭＳ Ｐゴシック" charset="0"/>
+              <a:cs typeface="ＭＳ Ｐゴシック" charset="0"/>
+            </a:endParaRPr>
+          </a:p>
+        </p:txBody>
+      </p:sp>
+      <p:pic>
+        <p:nvPicPr>
+          <p:cNvPr id="6" name="Picture 5">
+            <a:extLst>
+              <a:ext uri="{FF2B5EF4-FFF2-40B4-BE49-F238E27FC236}">
+                <a16:creationId xmlns:a16="http://schemas.microsoft.com/office/drawing/2014/main" id="{4CDE9789-9DD6-834B-9BD8-60EF0F87866C}"/>
+              </a:ext>
+            </a:extLst>
+          </p:cNvPr>
+          <p:cNvPicPr>
+            <a:picLocks noChangeAspect="1"/>
+          </p:cNvPicPr>
+          <p:nvPr/>
+        </p:nvPicPr>
+        <p:blipFill>
+          <a:blip r:embed="rId4"/>
+          <a:stretch>
+            <a:fillRect/>
+          </a:stretch>
+        </p:blipFill>
+        <p:spPr>
+          <a:xfrm>
+            <a:off x="3981450" y="3200400"/>
+            <a:ext cx="5086350" cy="2219175"/>
+          </a:xfrm>
+          <a:prstGeom prst="rect">
+            <a:avLst/>
+          </a:prstGeom>
+          <a:ln>
+            <a:solidFill>
+              <a:schemeClr val="tx1"/>
+            </a:solidFill>
+          </a:ln>
+        </p:spPr>
+      </p:pic>
+      <p:sp>
+        <p:nvSpPr>
+          <p:cNvPr id="7" name="Right Arrow 6">
+            <a:extLst>
+              <a:ext uri="{FF2B5EF4-FFF2-40B4-BE49-F238E27FC236}">
+                <a16:creationId xmlns:a16="http://schemas.microsoft.com/office/drawing/2014/main" id="{CAB0F165-5C86-6245-83F9-59A3A31C973E}"/>
+              </a:ext>
+            </a:extLst>
+          </p:cNvPr>
+          <p:cNvSpPr/>
+          <p:nvPr/>
+        </p:nvSpPr>
+        <p:spPr bwMode="auto">
+          <a:xfrm flipH="1">
+            <a:off x="2590800" y="3048000"/>
+            <a:ext cx="304800" cy="228600"/>
+          </a:xfrm>
+          <a:prstGeom prst="rightArrow">
+            <a:avLst/>
+          </a:prstGeom>
+          <a:solidFill>
+            <a:srgbClr val="FF0000"/>
+          </a:solidFill>
+          <a:ln w="9525" cap="flat" cmpd="sng" algn="ctr">
+            <a:solidFill>
+              <a:schemeClr val="tx1"/>
+            </a:solidFill>
+            <a:prstDash val="solid"/>
+            <a:round/>
+            <a:headEnd type="none" w="med" len="med"/>
+            <a:tailEnd type="none" w="med" len="med"/>
+          </a:ln>
+          <a:effectLst/>
+          <a:extLst>
+            <a:ext uri="{AF507438-7753-43e0-B8FC-AC1667EBCBE1}">
+              <a14:hiddenEffects xmlns:a14="http://schemas.microsoft.com/office/drawing/2010/main" xmlns="">
+                <a:effectLst>
+                  <a:outerShdw blurRad="63500" dist="38099" dir="2700000" algn="ctr" rotWithShape="0">
+                    <a:schemeClr val="bg2">
+                      <a:alpha val="74998"/>
+                    </a:schemeClr>
+                  </a:outerShdw>
+                </a:effectLst>
+              </a14:hiddenEffects>
+            </a:ext>
+          </a:extLst>
+        </p:spPr>
+        <p:txBody>
+          <a:bodyPr vert="horz" wrap="square" lIns="91440" tIns="45720" rIns="91440" bIns="45720" numCol="1" rtlCol="0" anchor="t" anchorCtr="0" compatLnSpc="1">
+            <a:prstTxWarp prst="textNoShape">
+              <a:avLst/>
+            </a:prstTxWarp>
+          </a:bodyPr>
+          <a:lstStyle/>
+          <a:p>
+            <a:pPr marL="0" marR="0" indent="0" algn="l" defTabSz="914400" rtl="0" eaLnBrk="0" fontAlgn="base" latinLnBrk="0" hangingPunct="0">
+              <a:lnSpc>
+                <a:spcPct val="100000"/>
+              </a:lnSpc>
+              <a:spcBef>
+                <a:spcPct val="0"/>
+              </a:spcBef>
+              <a:spcAft>
+                <a:spcPct val="0"/>
+              </a:spcAft>
+              <a:buClrTx/>
+              <a:buSzTx/>
+              <a:buFontTx/>
+              <a:buNone/>
+              <a:tabLst/>
+            </a:pPr>
+            <a:endParaRPr kumimoji="0" lang="en-US" sz="1200" b="0" i="0" u="none" strike="noStrike" cap="none" normalizeH="0" baseline="0">
+              <a:ln>
+                <a:noFill/>
+              </a:ln>
+              <a:solidFill>
+                <a:srgbClr val="FF0000"/>
+              </a:solidFill>
+              <a:effectLst/>
+              <a:latin typeface="Arial" charset="0"/>
+              <a:ea typeface="ＭＳ Ｐゴシック" charset="0"/>
+              <a:cs typeface="ＭＳ Ｐゴシック" charset="0"/>
+            </a:endParaRPr>
+          </a:p>
+        </p:txBody>
+      </p:sp>
+    </p:spTree>
+    <p:extLst>
+      <p:ext uri="{BB962C8B-B14F-4D97-AF65-F5344CB8AC3E}">
+        <p14:creationId xmlns:p14="http://schemas.microsoft.com/office/powerpoint/2010/main" val="444568876"/>
+      </p:ext>
+    </p:extLst>
+  </p:cSld>
+  <p:clrMapOvr>
+    <a:masterClrMapping/>
+  </p:clrMapOvr>
+</p:sld>
+</file>
+
+<file path=ppt/slides/slide38.xml><?xml version="1.0" encoding="utf-8"?>
+<p:sld xmlns:a="http://schemas.openxmlformats.org/drawingml/2006/main" xmlns:r="http://schemas.openxmlformats.org/officeDocument/2006/relationships" xmlns:p="http://schemas.openxmlformats.org/presentationml/2006/main">
+  <p:cSld>
+    <p:spTree>
+      <p:nvGrpSpPr>
+        <p:cNvPr id="1" name=""/>
+        <p:cNvGrpSpPr/>
+        <p:nvPr/>
+      </p:nvGrpSpPr>
+      <p:grpSpPr>
+        <a:xfrm>
+          <a:off x="0" y="0"/>
+          <a:ext cx="0" cy="0"/>
+          <a:chOff x="0" y="0"/>
+          <a:chExt cx="0" cy="0"/>
+        </a:xfrm>
+      </p:grpSpPr>
+      <p:sp>
+        <p:nvSpPr>
+          <p:cNvPr id="2" name="Title 1">
+            <a:extLst>
+              <a:ext uri="{FF2B5EF4-FFF2-40B4-BE49-F238E27FC236}">
+                <a16:creationId xmlns:a16="http://schemas.microsoft.com/office/drawing/2014/main" id="{42E3209C-A741-994F-A21D-24AE202973A0}"/>
+              </a:ext>
+            </a:extLst>
+          </p:cNvPr>
+          <p:cNvSpPr>
+            <a:spLocks noGrp="1"/>
+          </p:cNvSpPr>
+          <p:nvPr>
+            <p:ph type="title"/>
+          </p:nvPr>
+        </p:nvSpPr>
+        <p:spPr/>
+        <p:txBody>
+          <a:bodyPr/>
+          <a:lstStyle/>
+          <a:p>
+            <a:r>
+              <a:rPr lang="en-US" dirty="0"/>
+              <a:t>The Tree Walker - Expressions</a:t>
+            </a:r>
+          </a:p>
+        </p:txBody>
+      </p:sp>
+      <p:grpSp>
+        <p:nvGrpSpPr>
+          <p:cNvPr id="9" name="Group 8">
+            <a:extLst>
+              <a:ext uri="{FF2B5EF4-FFF2-40B4-BE49-F238E27FC236}">
+                <a16:creationId xmlns:a16="http://schemas.microsoft.com/office/drawing/2014/main" id="{2F6E60B5-AD6A-C549-B4C2-2C19324C867D}"/>
+              </a:ext>
+            </a:extLst>
+          </p:cNvPr>
+          <p:cNvGrpSpPr/>
+          <p:nvPr/>
+        </p:nvGrpSpPr>
+        <p:grpSpPr>
+          <a:xfrm>
+            <a:off x="527050" y="3289300"/>
+            <a:ext cx="2667000" cy="1663700"/>
+            <a:chOff x="457200" y="3943350"/>
+            <a:chExt cx="2667000" cy="1663700"/>
+          </a:xfrm>
+        </p:grpSpPr>
+        <p:pic>
+          <p:nvPicPr>
+            <p:cNvPr id="3" name="Picture 2">
+              <a:extLst>
+                <a:ext uri="{FF2B5EF4-FFF2-40B4-BE49-F238E27FC236}">
+                  <a16:creationId xmlns:a16="http://schemas.microsoft.com/office/drawing/2014/main" id="{4B95C26E-CAB5-4E45-BC20-05871B550284}"/>
+                </a:ext>
+              </a:extLst>
+            </p:cNvPr>
+            <p:cNvPicPr>
+              <a:picLocks noChangeAspect="1"/>
+            </p:cNvPicPr>
+            <p:nvPr/>
+          </p:nvPicPr>
+          <p:blipFill>
+            <a:blip r:embed="rId2"/>
+            <a:stretch>
+              <a:fillRect/>
+            </a:stretch>
+          </p:blipFill>
+          <p:spPr>
+            <a:xfrm>
+              <a:off x="457200" y="3943350"/>
+              <a:ext cx="2501900" cy="1663700"/>
+            </a:xfrm>
+            <a:prstGeom prst="rect">
+              <a:avLst/>
+            </a:prstGeom>
+            <a:ln>
+              <a:solidFill>
+                <a:schemeClr val="tx1"/>
+              </a:solidFill>
+            </a:ln>
+          </p:spPr>
+        </p:pic>
+        <p:sp>
+          <p:nvSpPr>
+            <p:cNvPr id="4" name="Left Arrow 3">
+              <a:extLst>
+                <a:ext uri="{FF2B5EF4-FFF2-40B4-BE49-F238E27FC236}">
+                  <a16:creationId xmlns:a16="http://schemas.microsoft.com/office/drawing/2014/main" id="{24B88FC3-6999-3F48-8ED3-3E10A7AC07DB}"/>
+                </a:ext>
+              </a:extLst>
+            </p:cNvPr>
+            <p:cNvSpPr/>
+            <p:nvPr/>
+          </p:nvSpPr>
+          <p:spPr bwMode="auto">
+            <a:xfrm>
+              <a:off x="2743200" y="5378450"/>
+              <a:ext cx="381000" cy="228600"/>
+            </a:xfrm>
+            <a:prstGeom prst="leftArrow">
+              <a:avLst/>
+            </a:prstGeom>
+            <a:solidFill>
+              <a:srgbClr val="FF0000"/>
+            </a:solidFill>
+            <a:ln w="9525" cap="flat" cmpd="sng" algn="ctr">
+              <a:solidFill>
+                <a:schemeClr val="tx1"/>
+              </a:solidFill>
+              <a:prstDash val="solid"/>
+              <a:round/>
+              <a:headEnd type="none" w="med" len="med"/>
+              <a:tailEnd type="none" w="med" len="med"/>
+            </a:ln>
+            <a:effectLst/>
+            <a:extLst>
+              <a:ext uri="{AF507438-7753-43e0-B8FC-AC1667EBCBE1}">
+                <a14:hiddenEffects xmlns:a14="http://schemas.microsoft.com/office/drawing/2010/main" xmlns="">
+                  <a:effectLst>
+                    <a:outerShdw blurRad="63500" dist="38099" dir="2700000" algn="ctr" rotWithShape="0">
+                      <a:schemeClr val="bg2">
+                        <a:alpha val="74998"/>
+                      </a:schemeClr>
+                    </a:outerShdw>
+                  </a:effectLst>
+                </a14:hiddenEffects>
+              </a:ext>
+            </a:extLst>
+          </p:spPr>
+          <p:txBody>
+            <a:bodyPr vert="horz" wrap="square" lIns="91440" tIns="45720" rIns="91440" bIns="45720" numCol="1" rtlCol="0" anchor="t" anchorCtr="0" compatLnSpc="1">
+              <a:prstTxWarp prst="textNoShape">
+                <a:avLst/>
+              </a:prstTxWarp>
+            </a:bodyPr>
+            <a:lstStyle/>
+            <a:p>
+              <a:pPr marL="0" marR="0" indent="0" algn="l" defTabSz="914400" rtl="0" eaLnBrk="0" fontAlgn="base" latinLnBrk="0" hangingPunct="0">
+                <a:lnSpc>
+                  <a:spcPct val="100000"/>
+                </a:lnSpc>
+                <a:spcBef>
+                  <a:spcPct val="0"/>
+                </a:spcBef>
+                <a:spcAft>
+                  <a:spcPct val="0"/>
+                </a:spcAft>
+                <a:buClrTx/>
+                <a:buSzTx/>
+                <a:buFontTx/>
+                <a:buNone/>
+                <a:tabLst/>
+              </a:pPr>
+              <a:endParaRPr kumimoji="0" lang="en-US" sz="1200" b="0" i="0" u="none" strike="noStrike" cap="none" normalizeH="0" baseline="0">
+                <a:ln>
+                  <a:noFill/>
+                </a:ln>
+                <a:solidFill>
+                  <a:srgbClr val="FF0000"/>
+                </a:solidFill>
+                <a:effectLst/>
+                <a:latin typeface="Arial" charset="0"/>
+                <a:ea typeface="ＭＳ Ｐゴシック" charset="0"/>
+                <a:cs typeface="ＭＳ Ｐゴシック" charset="0"/>
+              </a:endParaRPr>
+            </a:p>
+          </p:txBody>
+        </p:sp>
+      </p:grpSp>
+      <p:grpSp>
+        <p:nvGrpSpPr>
+          <p:cNvPr id="10" name="Group 9">
+            <a:extLst>
+              <a:ext uri="{FF2B5EF4-FFF2-40B4-BE49-F238E27FC236}">
+                <a16:creationId xmlns:a16="http://schemas.microsoft.com/office/drawing/2014/main" id="{C59186C9-D266-9840-B502-ABC464727EDA}"/>
+              </a:ext>
+            </a:extLst>
+          </p:cNvPr>
+          <p:cNvGrpSpPr/>
+          <p:nvPr/>
+        </p:nvGrpSpPr>
+        <p:grpSpPr>
+          <a:xfrm>
+            <a:off x="3587752" y="2800350"/>
+            <a:ext cx="4724400" cy="2012950"/>
+            <a:chOff x="3962400" y="4006850"/>
+            <a:chExt cx="4724400" cy="2012950"/>
+          </a:xfrm>
+        </p:grpSpPr>
+        <p:pic>
+          <p:nvPicPr>
+            <p:cNvPr id="5" name="Picture 4">
+              <a:extLst>
+                <a:ext uri="{FF2B5EF4-FFF2-40B4-BE49-F238E27FC236}">
+                  <a16:creationId xmlns:a16="http://schemas.microsoft.com/office/drawing/2014/main" id="{6E583186-5BC3-5240-9E0C-4A706F2B12CE}"/>
+                </a:ext>
+              </a:extLst>
+            </p:cNvPr>
+            <p:cNvPicPr>
+              <a:picLocks noChangeAspect="1"/>
+            </p:cNvPicPr>
+            <p:nvPr/>
+          </p:nvPicPr>
+          <p:blipFill>
+            <a:blip r:embed="rId3"/>
+            <a:stretch>
+              <a:fillRect/>
+            </a:stretch>
+          </p:blipFill>
+          <p:spPr>
+            <a:xfrm>
+              <a:off x="4077915" y="4006850"/>
+              <a:ext cx="4608885" cy="2012950"/>
+            </a:xfrm>
+            <a:prstGeom prst="rect">
+              <a:avLst/>
+            </a:prstGeom>
+            <a:ln>
+              <a:solidFill>
+                <a:schemeClr val="tx1"/>
+              </a:solidFill>
+            </a:ln>
+          </p:spPr>
+        </p:pic>
+        <p:sp>
+          <p:nvSpPr>
+            <p:cNvPr id="6" name="Left Arrow 5">
+              <a:extLst>
+                <a:ext uri="{FF2B5EF4-FFF2-40B4-BE49-F238E27FC236}">
+                  <a16:creationId xmlns:a16="http://schemas.microsoft.com/office/drawing/2014/main" id="{3566132B-445A-4A4B-B4B2-147921CB08A1}"/>
+                </a:ext>
+              </a:extLst>
+            </p:cNvPr>
+            <p:cNvSpPr/>
+            <p:nvPr/>
+          </p:nvSpPr>
+          <p:spPr bwMode="auto">
+            <a:xfrm flipH="1">
+              <a:off x="3962400" y="5073650"/>
+              <a:ext cx="381000" cy="228600"/>
+            </a:xfrm>
+            <a:prstGeom prst="leftArrow">
+              <a:avLst/>
+            </a:prstGeom>
+            <a:solidFill>
+              <a:srgbClr val="FF0000"/>
+            </a:solidFill>
+            <a:ln w="9525" cap="flat" cmpd="sng" algn="ctr">
+              <a:solidFill>
+                <a:schemeClr val="tx1"/>
+              </a:solidFill>
+              <a:prstDash val="solid"/>
+              <a:round/>
+              <a:headEnd type="none" w="med" len="med"/>
+              <a:tailEnd type="none" w="med" len="med"/>
+            </a:ln>
+            <a:effectLst/>
+            <a:extLst>
+              <a:ext uri="{AF507438-7753-43e0-B8FC-AC1667EBCBE1}">
+                <a14:hiddenEffects xmlns:a14="http://schemas.microsoft.com/office/drawing/2010/main" xmlns="">
+                  <a:effectLst>
+                    <a:outerShdw blurRad="63500" dist="38099" dir="2700000" algn="ctr" rotWithShape="0">
+                      <a:schemeClr val="bg2">
+                        <a:alpha val="74998"/>
+                      </a:schemeClr>
+                    </a:outerShdw>
+                  </a:effectLst>
+                </a14:hiddenEffects>
+              </a:ext>
+            </a:extLst>
+          </p:spPr>
+          <p:txBody>
+            <a:bodyPr vert="horz" wrap="square" lIns="91440" tIns="45720" rIns="91440" bIns="45720" numCol="1" rtlCol="0" anchor="t" anchorCtr="0" compatLnSpc="1">
+              <a:prstTxWarp prst="textNoShape">
+                <a:avLst/>
+              </a:prstTxWarp>
+            </a:bodyPr>
+            <a:lstStyle/>
+            <a:p>
+              <a:pPr marL="0" marR="0" indent="0" algn="l" defTabSz="914400" rtl="0" eaLnBrk="0" fontAlgn="base" latinLnBrk="0" hangingPunct="0">
+                <a:lnSpc>
+                  <a:spcPct val="100000"/>
+                </a:lnSpc>
+                <a:spcBef>
+                  <a:spcPct val="0"/>
+                </a:spcBef>
+                <a:spcAft>
+                  <a:spcPct val="0"/>
+                </a:spcAft>
+                <a:buClrTx/>
+                <a:buSzTx/>
+                <a:buFontTx/>
+                <a:buNone/>
+                <a:tabLst/>
+              </a:pPr>
+              <a:endParaRPr kumimoji="0" lang="en-US" sz="1200" b="0" i="0" u="none" strike="noStrike" cap="none" normalizeH="0" baseline="0">
+                <a:ln>
+                  <a:noFill/>
+                </a:ln>
+                <a:solidFill>
+                  <a:srgbClr val="FF0000"/>
+                </a:solidFill>
+                <a:effectLst/>
+                <a:latin typeface="Arial" charset="0"/>
+                <a:ea typeface="ＭＳ Ｐゴシック" charset="0"/>
+                <a:cs typeface="ＭＳ Ｐゴシック" charset="0"/>
+              </a:endParaRPr>
+            </a:p>
+          </p:txBody>
+        </p:sp>
+      </p:grpSp>
+      <p:pic>
+        <p:nvPicPr>
+          <p:cNvPr id="7" name="Picture 6">
+            <a:extLst>
+              <a:ext uri="{FF2B5EF4-FFF2-40B4-BE49-F238E27FC236}">
+                <a16:creationId xmlns:a16="http://schemas.microsoft.com/office/drawing/2014/main" id="{20569FC6-70C0-B049-8A5E-407B4B961C33}"/>
+              </a:ext>
+            </a:extLst>
+          </p:cNvPr>
+          <p:cNvPicPr>
+            <a:picLocks noChangeAspect="1"/>
+          </p:cNvPicPr>
+          <p:nvPr/>
+        </p:nvPicPr>
+        <p:blipFill>
+          <a:blip r:embed="rId4"/>
+          <a:stretch>
+            <a:fillRect/>
+          </a:stretch>
+        </p:blipFill>
+        <p:spPr>
+          <a:xfrm>
+            <a:off x="457200" y="1771650"/>
+            <a:ext cx="2806700" cy="1130300"/>
+          </a:xfrm>
+          <a:prstGeom prst="rect">
+            <a:avLst/>
+          </a:prstGeom>
+          <a:ln>
+            <a:solidFill>
+              <a:schemeClr val="tx1"/>
+            </a:solidFill>
+          </a:ln>
+        </p:spPr>
+      </p:pic>
+      <p:pic>
+        <p:nvPicPr>
+          <p:cNvPr id="8" name="Picture 7">
+            <a:extLst>
+              <a:ext uri="{FF2B5EF4-FFF2-40B4-BE49-F238E27FC236}">
+                <a16:creationId xmlns:a16="http://schemas.microsoft.com/office/drawing/2014/main" id="{DB0AAC52-E2B2-4C4A-B3A6-08506649D143}"/>
+              </a:ext>
+            </a:extLst>
+          </p:cNvPr>
           <p:cNvPicPr>
             <a:picLocks noChangeAspect="1"/>
           </p:cNvPicPr>
@@ -31096,18 +32625,305 @@
         </p:blipFill>
         <p:spPr>
           <a:xfrm>
-            <a:off x="4495800" y="3048000"/>
-            <a:ext cx="3962400" cy="2593571"/>
+            <a:off x="4101688" y="1397000"/>
+            <a:ext cx="2714546" cy="1409700"/>
           </a:xfrm>
           <a:prstGeom prst="rect">
             <a:avLst/>
           </a:prstGeom>
+          <a:ln>
+            <a:solidFill>
+              <a:schemeClr val="tx1"/>
+            </a:solidFill>
+          </a:ln>
         </p:spPr>
       </p:pic>
+      <p:pic>
+        <p:nvPicPr>
+          <p:cNvPr id="11" name="Picture 10">
+            <a:extLst>
+              <a:ext uri="{FF2B5EF4-FFF2-40B4-BE49-F238E27FC236}">
+                <a16:creationId xmlns:a16="http://schemas.microsoft.com/office/drawing/2014/main" id="{8BF9E418-0244-2846-BB35-78D4B5E4BD67}"/>
+              </a:ext>
+            </a:extLst>
+          </p:cNvPr>
+          <p:cNvPicPr>
+            <a:picLocks noChangeAspect="1"/>
+          </p:cNvPicPr>
+          <p:nvPr/>
+        </p:nvPicPr>
+        <p:blipFill>
+          <a:blip r:embed="rId6"/>
+          <a:stretch>
+            <a:fillRect/>
+          </a:stretch>
+        </p:blipFill>
+        <p:spPr>
+          <a:xfrm>
+            <a:off x="3222706" y="4953000"/>
+            <a:ext cx="2714546" cy="1596106"/>
+          </a:xfrm>
+          <a:prstGeom prst="rect">
+            <a:avLst/>
+          </a:prstGeom>
+          <a:ln>
+            <a:solidFill>
+              <a:schemeClr val="tx1"/>
+            </a:solidFill>
+          </a:ln>
+        </p:spPr>
+      </p:pic>
+      <p:sp>
+        <p:nvSpPr>
+          <p:cNvPr id="12" name="TextBox 11">
+            <a:extLst>
+              <a:ext uri="{FF2B5EF4-FFF2-40B4-BE49-F238E27FC236}">
+                <a16:creationId xmlns:a16="http://schemas.microsoft.com/office/drawing/2014/main" id="{5335580D-F0E0-3F4C-9EEC-8AB70083F45A}"/>
+              </a:ext>
+            </a:extLst>
+          </p:cNvPr>
+          <p:cNvSpPr txBox="1"/>
+          <p:nvPr/>
+        </p:nvSpPr>
+        <p:spPr>
+          <a:xfrm>
+            <a:off x="6248400" y="5660092"/>
+            <a:ext cx="2294218" cy="523220"/>
+          </a:xfrm>
+          <a:prstGeom prst="rect">
+            <a:avLst/>
+          </a:prstGeom>
+          <a:noFill/>
+        </p:spPr>
+        <p:txBody>
+          <a:bodyPr wrap="none" rtlCol="0">
+            <a:spAutoFit/>
+          </a:bodyPr>
+          <a:lstStyle/>
+          <a:p>
+            <a:r>
+              <a:rPr lang="en-US" sz="1400" dirty="0"/>
+              <a:t>No value computation, just</a:t>
+            </a:r>
+            <a:br>
+              <a:rPr lang="en-US" sz="1400" dirty="0"/>
+            </a:br>
+            <a:r>
+              <a:rPr lang="en-US" sz="1400" dirty="0"/>
+              <a:t>type propagation!</a:t>
+            </a:r>
+          </a:p>
+        </p:txBody>
+      </p:sp>
     </p:spTree>
     <p:extLst>
       <p:ext uri="{BB962C8B-B14F-4D97-AF65-F5344CB8AC3E}">
-        <p14:creationId xmlns:p14="http://schemas.microsoft.com/office/powerpoint/2010/main" val="1412015018"/>
+        <p14:creationId xmlns:p14="http://schemas.microsoft.com/office/powerpoint/2010/main" val="3053416754"/>
+      </p:ext>
+    </p:extLst>
+  </p:cSld>
+  <p:clrMapOvr>
+    <a:masterClrMapping/>
+  </p:clrMapOvr>
+</p:sld>
+</file>
+
+<file path=ppt/slides/slide39.xml><?xml version="1.0" encoding="utf-8"?>
+<p:sld xmlns:a="http://schemas.openxmlformats.org/drawingml/2006/main" xmlns:r="http://schemas.openxmlformats.org/officeDocument/2006/relationships" xmlns:p="http://schemas.openxmlformats.org/presentationml/2006/main">
+  <p:cSld>
+    <p:spTree>
+      <p:nvGrpSpPr>
+        <p:cNvPr id="1" name=""/>
+        <p:cNvGrpSpPr/>
+        <p:nvPr/>
+      </p:nvGrpSpPr>
+      <p:grpSpPr>
+        <a:xfrm>
+          <a:off x="0" y="0"/>
+          <a:ext cx="0" cy="0"/>
+          <a:chOff x="0" y="0"/>
+          <a:chExt cx="0" cy="0"/>
+        </a:xfrm>
+      </p:grpSpPr>
+      <p:sp>
+        <p:nvSpPr>
+          <p:cNvPr id="2" name="Title 1">
+            <a:extLst>
+              <a:ext uri="{FF2B5EF4-FFF2-40B4-BE49-F238E27FC236}">
+                <a16:creationId xmlns:a16="http://schemas.microsoft.com/office/drawing/2014/main" id="{3B53E666-F81F-B14A-B8EB-D2AA0F2BAD9C}"/>
+              </a:ext>
+            </a:extLst>
+          </p:cNvPr>
+          <p:cNvSpPr>
+            <a:spLocks noGrp="1"/>
+          </p:cNvSpPr>
+          <p:nvPr>
+            <p:ph type="title"/>
+          </p:nvPr>
+        </p:nvSpPr>
+        <p:spPr/>
+        <p:txBody>
+          <a:bodyPr/>
+          <a:lstStyle/>
+          <a:p>
+            <a:r>
+              <a:rPr lang="en-US" dirty="0"/>
+              <a:t>The Tree Walker - Calls</a:t>
+            </a:r>
+          </a:p>
+        </p:txBody>
+      </p:sp>
+      <p:pic>
+        <p:nvPicPr>
+          <p:cNvPr id="3" name="Picture 2">
+            <a:extLst>
+              <a:ext uri="{FF2B5EF4-FFF2-40B4-BE49-F238E27FC236}">
+                <a16:creationId xmlns:a16="http://schemas.microsoft.com/office/drawing/2014/main" id="{73C6BC06-B818-354F-8513-DA26EFB70647}"/>
+              </a:ext>
+            </a:extLst>
+          </p:cNvPr>
+          <p:cNvPicPr>
+            <a:picLocks noChangeAspect="1"/>
+          </p:cNvPicPr>
+          <p:nvPr/>
+        </p:nvPicPr>
+        <p:blipFill>
+          <a:blip r:embed="rId2"/>
+          <a:stretch>
+            <a:fillRect/>
+          </a:stretch>
+        </p:blipFill>
+        <p:spPr>
+          <a:xfrm>
+            <a:off x="304800" y="1600200"/>
+            <a:ext cx="3562350" cy="1394966"/>
+          </a:xfrm>
+          <a:prstGeom prst="rect">
+            <a:avLst/>
+          </a:prstGeom>
+          <a:ln>
+            <a:solidFill>
+              <a:schemeClr val="tx1"/>
+            </a:solidFill>
+          </a:ln>
+        </p:spPr>
+      </p:pic>
+      <p:pic>
+        <p:nvPicPr>
+          <p:cNvPr id="4" name="Picture 3">
+            <a:extLst>
+              <a:ext uri="{FF2B5EF4-FFF2-40B4-BE49-F238E27FC236}">
+                <a16:creationId xmlns:a16="http://schemas.microsoft.com/office/drawing/2014/main" id="{B789DDD6-343B-8C4F-AB06-C0053353E129}"/>
+              </a:ext>
+            </a:extLst>
+          </p:cNvPr>
+          <p:cNvPicPr>
+            <a:picLocks noChangeAspect="1"/>
+          </p:cNvPicPr>
+          <p:nvPr/>
+        </p:nvPicPr>
+        <p:blipFill>
+          <a:blip r:embed="rId3"/>
+          <a:stretch>
+            <a:fillRect/>
+          </a:stretch>
+        </p:blipFill>
+        <p:spPr>
+          <a:xfrm>
+            <a:off x="4495800" y="1308170"/>
+            <a:ext cx="3505200" cy="1372586"/>
+          </a:xfrm>
+          <a:prstGeom prst="rect">
+            <a:avLst/>
+          </a:prstGeom>
+          <a:ln>
+            <a:solidFill>
+              <a:schemeClr val="tx1"/>
+            </a:solidFill>
+          </a:ln>
+        </p:spPr>
+      </p:pic>
+      <p:pic>
+        <p:nvPicPr>
+          <p:cNvPr id="5" name="Picture 4">
+            <a:extLst>
+              <a:ext uri="{FF2B5EF4-FFF2-40B4-BE49-F238E27FC236}">
+                <a16:creationId xmlns:a16="http://schemas.microsoft.com/office/drawing/2014/main" id="{9AE97B11-E3BF-9546-A1CD-B4BF64128DE4}"/>
+              </a:ext>
+            </a:extLst>
+          </p:cNvPr>
+          <p:cNvPicPr>
+            <a:picLocks noChangeAspect="1"/>
+          </p:cNvPicPr>
+          <p:nvPr/>
+        </p:nvPicPr>
+        <p:blipFill>
+          <a:blip r:embed="rId4"/>
+          <a:stretch>
+            <a:fillRect/>
+          </a:stretch>
+        </p:blipFill>
+        <p:spPr>
+          <a:xfrm>
+            <a:off x="2819400" y="2743200"/>
+            <a:ext cx="5321300" cy="3909527"/>
+          </a:xfrm>
+          <a:prstGeom prst="rect">
+            <a:avLst/>
+          </a:prstGeom>
+          <a:ln>
+            <a:solidFill>
+              <a:schemeClr val="tx1"/>
+            </a:solidFill>
+          </a:ln>
+        </p:spPr>
+      </p:pic>
+      <p:sp>
+        <p:nvSpPr>
+          <p:cNvPr id="6" name="TextBox 5">
+            <a:extLst>
+              <a:ext uri="{FF2B5EF4-FFF2-40B4-BE49-F238E27FC236}">
+                <a16:creationId xmlns:a16="http://schemas.microsoft.com/office/drawing/2014/main" id="{FA39D278-99EE-1940-A90C-FA91BA0EDD42}"/>
+              </a:ext>
+            </a:extLst>
+          </p:cNvPr>
+          <p:cNvSpPr txBox="1"/>
+          <p:nvPr/>
+        </p:nvSpPr>
+        <p:spPr>
+          <a:xfrm>
+            <a:off x="330200" y="4996190"/>
+            <a:ext cx="2294218" cy="523220"/>
+          </a:xfrm>
+          <a:prstGeom prst="rect">
+            <a:avLst/>
+          </a:prstGeom>
+          <a:noFill/>
+        </p:spPr>
+        <p:txBody>
+          <a:bodyPr wrap="none" rtlCol="0">
+            <a:spAutoFit/>
+          </a:bodyPr>
+          <a:lstStyle/>
+          <a:p>
+            <a:r>
+              <a:rPr lang="en-US" sz="1400" dirty="0"/>
+              <a:t>No value computation, just</a:t>
+            </a:r>
+            <a:br>
+              <a:rPr lang="en-US" sz="1400" dirty="0"/>
+            </a:br>
+            <a:r>
+              <a:rPr lang="en-US" sz="1400" dirty="0"/>
+              <a:t>type propagation!</a:t>
+            </a:r>
+          </a:p>
+        </p:txBody>
+      </p:sp>
+    </p:spTree>
+    <p:extLst>
+      <p:ext uri="{BB962C8B-B14F-4D97-AF65-F5344CB8AC3E}">
+        <p14:creationId xmlns:p14="http://schemas.microsoft.com/office/powerpoint/2010/main" val="3925633787"/>
       </p:ext>
     </p:extLst>
   </p:cSld>
@@ -31208,6 +33024,942 @@
         </p:txBody>
       </p:sp>
     </p:spTree>
+  </p:cSld>
+  <p:clrMapOvr>
+    <a:masterClrMapping/>
+  </p:clrMapOvr>
+</p:sld>
+</file>
+
+<file path=ppt/slides/slide40.xml><?xml version="1.0" encoding="utf-8"?>
+<p:sld xmlns:a="http://schemas.openxmlformats.org/drawingml/2006/main" xmlns:r="http://schemas.openxmlformats.org/officeDocument/2006/relationships" xmlns:p="http://schemas.openxmlformats.org/presentationml/2006/main">
+  <p:cSld>
+    <p:spTree>
+      <p:nvGrpSpPr>
+        <p:cNvPr id="1" name=""/>
+        <p:cNvGrpSpPr/>
+        <p:nvPr/>
+      </p:nvGrpSpPr>
+      <p:grpSpPr>
+        <a:xfrm>
+          <a:off x="0" y="0"/>
+          <a:ext cx="0" cy="0"/>
+          <a:chOff x="0" y="0"/>
+          <a:chExt cx="0" cy="0"/>
+        </a:xfrm>
+      </p:grpSpPr>
+      <p:sp>
+        <p:nvSpPr>
+          <p:cNvPr id="2" name="Title 1">
+            <a:extLst>
+              <a:ext uri="{FF2B5EF4-FFF2-40B4-BE49-F238E27FC236}">
+                <a16:creationId xmlns:a16="http://schemas.microsoft.com/office/drawing/2014/main" id="{6547FCEF-0615-C640-B07D-94A622BEAAB9}"/>
+              </a:ext>
+            </a:extLst>
+          </p:cNvPr>
+          <p:cNvSpPr>
+            <a:spLocks noGrp="1"/>
+          </p:cNvSpPr>
+          <p:nvPr>
+            <p:ph type="title"/>
+          </p:nvPr>
+        </p:nvSpPr>
+        <p:spPr/>
+        <p:txBody>
+          <a:bodyPr/>
+          <a:lstStyle/>
+          <a:p>
+            <a:r>
+              <a:rPr lang="en-US" dirty="0"/>
+              <a:t>The Interpreter Tree Walk</a:t>
+            </a:r>
+          </a:p>
+        </p:txBody>
+      </p:sp>
+      <p:sp>
+        <p:nvSpPr>
+          <p:cNvPr id="3" name="Content Placeholder 2">
+            <a:extLst>
+              <a:ext uri="{FF2B5EF4-FFF2-40B4-BE49-F238E27FC236}">
+                <a16:creationId xmlns:a16="http://schemas.microsoft.com/office/drawing/2014/main" id="{67C97EE4-A240-0A43-94C7-725AFADD0C47}"/>
+              </a:ext>
+            </a:extLst>
+          </p:cNvPr>
+          <p:cNvSpPr>
+            <a:spLocks noGrp="1"/>
+          </p:cNvSpPr>
+          <p:nvPr>
+            <p:ph idx="1"/>
+          </p:nvPr>
+        </p:nvSpPr>
+        <p:spPr>
+          <a:xfrm>
+            <a:off x="457200" y="1719263"/>
+            <a:ext cx="8229600" cy="2547937"/>
+          </a:xfrm>
+        </p:spPr>
+        <p:txBody>
+          <a:bodyPr>
+            <a:normAutofit fontScale="92500" lnSpcReduction="10000"/>
+          </a:bodyPr>
+          <a:lstStyle/>
+          <a:p>
+            <a:r>
+              <a:rPr lang="en-US" dirty="0"/>
+              <a:t>The interpreter tree walker walks the type checked AST and computes…wait for it…</a:t>
+            </a:r>
+            <a:br>
+              <a:rPr lang="en-US" dirty="0"/>
+            </a:br>
+            <a:r>
+              <a:rPr lang="en-US" dirty="0"/>
+              <a:t>  ☞ Values! </a:t>
+            </a:r>
+            <a:br>
+              <a:rPr lang="en-US" dirty="0"/>
+            </a:br>
+            <a:r>
+              <a:rPr lang="en-US" dirty="0"/>
+              <a:t>Well, actually we compute type-value tuples.</a:t>
+            </a:r>
+          </a:p>
+          <a:p>
+            <a:r>
+              <a:rPr lang="en-US" dirty="0"/>
+              <a:t>It uses the type coercion table.</a:t>
+            </a:r>
+          </a:p>
+          <a:p>
+            <a:pPr lvl="1"/>
+            <a:r>
+              <a:rPr lang="en-US" dirty="0"/>
+              <a:t>Look up appropriate type conversion functions</a:t>
+            </a:r>
+          </a:p>
+        </p:txBody>
+      </p:sp>
+      <p:pic>
+        <p:nvPicPr>
+          <p:cNvPr id="4" name="Picture 3">
+            <a:extLst>
+              <a:ext uri="{FF2B5EF4-FFF2-40B4-BE49-F238E27FC236}">
+                <a16:creationId xmlns:a16="http://schemas.microsoft.com/office/drawing/2014/main" id="{22FB12A7-10E6-444D-A106-431B37545ACC}"/>
+              </a:ext>
+            </a:extLst>
+          </p:cNvPr>
+          <p:cNvPicPr>
+            <a:picLocks noChangeAspect="1"/>
+          </p:cNvPicPr>
+          <p:nvPr/>
+        </p:nvPicPr>
+        <p:blipFill>
+          <a:blip r:embed="rId2"/>
+          <a:stretch>
+            <a:fillRect/>
+          </a:stretch>
+        </p:blipFill>
+        <p:spPr>
+          <a:xfrm>
+            <a:off x="2590800" y="4724400"/>
+            <a:ext cx="3784600" cy="927100"/>
+          </a:xfrm>
+          <a:prstGeom prst="rect">
+            <a:avLst/>
+          </a:prstGeom>
+          <a:ln>
+            <a:solidFill>
+              <a:schemeClr val="tx1"/>
+            </a:solidFill>
+          </a:ln>
+        </p:spPr>
+      </p:pic>
+    </p:spTree>
+    <p:extLst>
+      <p:ext uri="{BB962C8B-B14F-4D97-AF65-F5344CB8AC3E}">
+        <p14:creationId xmlns:p14="http://schemas.microsoft.com/office/powerpoint/2010/main" val="1484770039"/>
+      </p:ext>
+    </p:extLst>
+  </p:cSld>
+  <p:clrMapOvr>
+    <a:masterClrMapping/>
+  </p:clrMapOvr>
+</p:sld>
+</file>
+
+<file path=ppt/slides/slide41.xml><?xml version="1.0" encoding="utf-8"?>
+<p:sld xmlns:a="http://schemas.openxmlformats.org/drawingml/2006/main" xmlns:r="http://schemas.openxmlformats.org/officeDocument/2006/relationships" xmlns:p="http://schemas.openxmlformats.org/presentationml/2006/main">
+  <p:cSld>
+    <p:spTree>
+      <p:nvGrpSpPr>
+        <p:cNvPr id="1" name=""/>
+        <p:cNvGrpSpPr/>
+        <p:nvPr/>
+      </p:nvGrpSpPr>
+      <p:grpSpPr>
+        <a:xfrm>
+          <a:off x="0" y="0"/>
+          <a:ext cx="0" cy="0"/>
+          <a:chOff x="0" y="0"/>
+          <a:chExt cx="0" cy="0"/>
+        </a:xfrm>
+      </p:grpSpPr>
+      <p:sp>
+        <p:nvSpPr>
+          <p:cNvPr id="2" name="Title 1">
+            <a:extLst>
+              <a:ext uri="{FF2B5EF4-FFF2-40B4-BE49-F238E27FC236}">
+                <a16:creationId xmlns:a16="http://schemas.microsoft.com/office/drawing/2014/main" id="{386F30FA-F698-6745-A510-8368AD223B6B}"/>
+              </a:ext>
+            </a:extLst>
+          </p:cNvPr>
+          <p:cNvSpPr>
+            <a:spLocks noGrp="1"/>
+          </p:cNvSpPr>
+          <p:nvPr>
+            <p:ph type="title"/>
+          </p:nvPr>
+        </p:nvSpPr>
+        <p:spPr/>
+        <p:txBody>
+          <a:bodyPr/>
+          <a:lstStyle/>
+          <a:p>
+            <a:r>
+              <a:rPr lang="en-US" dirty="0"/>
+              <a:t>The Interpreter Tree Walk -- Expressions</a:t>
+            </a:r>
+          </a:p>
+        </p:txBody>
+      </p:sp>
+      <p:pic>
+        <p:nvPicPr>
+          <p:cNvPr id="4" name="Picture 3">
+            <a:extLst>
+              <a:ext uri="{FF2B5EF4-FFF2-40B4-BE49-F238E27FC236}">
+                <a16:creationId xmlns:a16="http://schemas.microsoft.com/office/drawing/2014/main" id="{B4DCED1D-ACC1-EA4C-AA3D-220375FEEECB}"/>
+              </a:ext>
+            </a:extLst>
+          </p:cNvPr>
+          <p:cNvPicPr>
+            <a:picLocks noChangeAspect="1"/>
+          </p:cNvPicPr>
+          <p:nvPr/>
+        </p:nvPicPr>
+        <p:blipFill>
+          <a:blip r:embed="rId2"/>
+          <a:stretch>
+            <a:fillRect/>
+          </a:stretch>
+        </p:blipFill>
+        <p:spPr>
+          <a:xfrm>
+            <a:off x="457200" y="1600200"/>
+            <a:ext cx="3657600" cy="1771159"/>
+          </a:xfrm>
+          <a:prstGeom prst="rect">
+            <a:avLst/>
+          </a:prstGeom>
+          <a:ln>
+            <a:solidFill>
+              <a:schemeClr val="tx1"/>
+            </a:solidFill>
+          </a:ln>
+        </p:spPr>
+      </p:pic>
+      <p:pic>
+        <p:nvPicPr>
+          <p:cNvPr id="5" name="Picture 4">
+            <a:extLst>
+              <a:ext uri="{FF2B5EF4-FFF2-40B4-BE49-F238E27FC236}">
+                <a16:creationId xmlns:a16="http://schemas.microsoft.com/office/drawing/2014/main" id="{C1B249B6-E04C-D34E-9F32-6B4878AF9C2C}"/>
+              </a:ext>
+            </a:extLst>
+          </p:cNvPr>
+          <p:cNvPicPr>
+            <a:picLocks noChangeAspect="1"/>
+          </p:cNvPicPr>
+          <p:nvPr/>
+        </p:nvPicPr>
+        <p:blipFill>
+          <a:blip r:embed="rId3"/>
+          <a:stretch>
+            <a:fillRect/>
+          </a:stretch>
+        </p:blipFill>
+        <p:spPr>
+          <a:xfrm>
+            <a:off x="4572000" y="1471844"/>
+            <a:ext cx="3054350" cy="1957156"/>
+          </a:xfrm>
+          <a:prstGeom prst="rect">
+            <a:avLst/>
+          </a:prstGeom>
+          <a:ln>
+            <a:solidFill>
+              <a:schemeClr val="tx1"/>
+            </a:solidFill>
+          </a:ln>
+        </p:spPr>
+      </p:pic>
+      <p:pic>
+        <p:nvPicPr>
+          <p:cNvPr id="6" name="Picture 5">
+            <a:extLst>
+              <a:ext uri="{FF2B5EF4-FFF2-40B4-BE49-F238E27FC236}">
+                <a16:creationId xmlns:a16="http://schemas.microsoft.com/office/drawing/2014/main" id="{469F16B4-29CA-BF49-BC8E-6E21FD7848CE}"/>
+              </a:ext>
+            </a:extLst>
+          </p:cNvPr>
+          <p:cNvPicPr>
+            <a:picLocks noChangeAspect="1"/>
+          </p:cNvPicPr>
+          <p:nvPr/>
+        </p:nvPicPr>
+        <p:blipFill>
+          <a:blip r:embed="rId4"/>
+          <a:stretch>
+            <a:fillRect/>
+          </a:stretch>
+        </p:blipFill>
+        <p:spPr>
+          <a:xfrm>
+            <a:off x="444500" y="3505200"/>
+            <a:ext cx="4508500" cy="1160604"/>
+          </a:xfrm>
+          <a:prstGeom prst="rect">
+            <a:avLst/>
+          </a:prstGeom>
+          <a:ln>
+            <a:solidFill>
+              <a:schemeClr val="tx1"/>
+            </a:solidFill>
+          </a:ln>
+        </p:spPr>
+      </p:pic>
+      <p:pic>
+        <p:nvPicPr>
+          <p:cNvPr id="7" name="Picture 6">
+            <a:extLst>
+              <a:ext uri="{FF2B5EF4-FFF2-40B4-BE49-F238E27FC236}">
+                <a16:creationId xmlns:a16="http://schemas.microsoft.com/office/drawing/2014/main" id="{0838822A-693D-1641-9246-A454B2DC2585}"/>
+              </a:ext>
+            </a:extLst>
+          </p:cNvPr>
+          <p:cNvPicPr>
+            <a:picLocks noChangeAspect="1"/>
+          </p:cNvPicPr>
+          <p:nvPr/>
+        </p:nvPicPr>
+        <p:blipFill>
+          <a:blip r:embed="rId5"/>
+          <a:stretch>
+            <a:fillRect/>
+          </a:stretch>
+        </p:blipFill>
+        <p:spPr>
+          <a:xfrm>
+            <a:off x="3463925" y="4799645"/>
+            <a:ext cx="5270500" cy="1781728"/>
+          </a:xfrm>
+          <a:prstGeom prst="rect">
+            <a:avLst/>
+          </a:prstGeom>
+          <a:ln>
+            <a:solidFill>
+              <a:schemeClr val="tx1"/>
+            </a:solidFill>
+          </a:ln>
+        </p:spPr>
+      </p:pic>
+      <p:sp>
+        <p:nvSpPr>
+          <p:cNvPr id="8" name="TextBox 7">
+            <a:extLst>
+              <a:ext uri="{FF2B5EF4-FFF2-40B4-BE49-F238E27FC236}">
+                <a16:creationId xmlns:a16="http://schemas.microsoft.com/office/drawing/2014/main" id="{5E0EB44A-03C9-AC43-97DE-ADDFFE46E419}"/>
+              </a:ext>
+            </a:extLst>
+          </p:cNvPr>
+          <p:cNvSpPr txBox="1"/>
+          <p:nvPr/>
+        </p:nvSpPr>
+        <p:spPr>
+          <a:xfrm>
+            <a:off x="355600" y="5156200"/>
+            <a:ext cx="2234907" cy="738664"/>
+          </a:xfrm>
+          <a:prstGeom prst="rect">
+            <a:avLst/>
+          </a:prstGeom>
+          <a:noFill/>
+        </p:spPr>
+        <p:txBody>
+          <a:bodyPr wrap="none" rtlCol="0">
+            <a:spAutoFit/>
+          </a:bodyPr>
+          <a:lstStyle/>
+          <a:p>
+            <a:r>
+              <a:rPr lang="en-US" sz="1400" dirty="0"/>
+              <a:t>Very little error checking!</a:t>
+            </a:r>
+            <a:br>
+              <a:rPr lang="en-US" sz="1400" dirty="0"/>
+            </a:br>
+            <a:r>
+              <a:rPr lang="en-US" sz="1400" dirty="0"/>
+              <a:t>All that is done in the type</a:t>
+            </a:r>
+            <a:br>
+              <a:rPr lang="en-US" sz="1400" dirty="0"/>
+            </a:br>
+            <a:r>
+              <a:rPr lang="en-US" sz="1400" dirty="0"/>
+              <a:t>checker!</a:t>
+            </a:r>
+          </a:p>
+        </p:txBody>
+      </p:sp>
+    </p:spTree>
+    <p:extLst>
+      <p:ext uri="{BB962C8B-B14F-4D97-AF65-F5344CB8AC3E}">
+        <p14:creationId xmlns:p14="http://schemas.microsoft.com/office/powerpoint/2010/main" val="2400729289"/>
+      </p:ext>
+    </p:extLst>
+  </p:cSld>
+  <p:clrMapOvr>
+    <a:masterClrMapping/>
+  </p:clrMapOvr>
+</p:sld>
+</file>
+
+<file path=ppt/slides/slide42.xml><?xml version="1.0" encoding="utf-8"?>
+<p:sld xmlns:a="http://schemas.openxmlformats.org/drawingml/2006/main" xmlns:r="http://schemas.openxmlformats.org/officeDocument/2006/relationships" xmlns:p="http://schemas.openxmlformats.org/presentationml/2006/main">
+  <p:cSld>
+    <p:spTree>
+      <p:nvGrpSpPr>
+        <p:cNvPr id="1" name=""/>
+        <p:cNvGrpSpPr/>
+        <p:nvPr/>
+      </p:nvGrpSpPr>
+      <p:grpSpPr>
+        <a:xfrm>
+          <a:off x="0" y="0"/>
+          <a:ext cx="0" cy="0"/>
+          <a:chOff x="0" y="0"/>
+          <a:chExt cx="0" cy="0"/>
+        </a:xfrm>
+      </p:grpSpPr>
+      <p:sp>
+        <p:nvSpPr>
+          <p:cNvPr id="2" name="Title 1">
+            <a:extLst>
+              <a:ext uri="{FF2B5EF4-FFF2-40B4-BE49-F238E27FC236}">
+                <a16:creationId xmlns:a16="http://schemas.microsoft.com/office/drawing/2014/main" id="{FB7A425D-A5D6-F549-8907-66DC8D261270}"/>
+              </a:ext>
+            </a:extLst>
+          </p:cNvPr>
+          <p:cNvSpPr>
+            <a:spLocks noGrp="1"/>
+          </p:cNvSpPr>
+          <p:nvPr>
+            <p:ph type="title"/>
+          </p:nvPr>
+        </p:nvSpPr>
+        <p:spPr/>
+        <p:txBody>
+          <a:bodyPr/>
+          <a:lstStyle/>
+          <a:p>
+            <a:r>
+              <a:rPr lang="en-US" dirty="0"/>
+              <a:t>The Interpreter Tree Walk -- Statements</a:t>
+            </a:r>
+          </a:p>
+        </p:txBody>
+      </p:sp>
+      <p:pic>
+        <p:nvPicPr>
+          <p:cNvPr id="3" name="Picture 2">
+            <a:extLst>
+              <a:ext uri="{FF2B5EF4-FFF2-40B4-BE49-F238E27FC236}">
+                <a16:creationId xmlns:a16="http://schemas.microsoft.com/office/drawing/2014/main" id="{220AA735-B7D6-AD46-8FC0-3A5B9F4B2611}"/>
+              </a:ext>
+            </a:extLst>
+          </p:cNvPr>
+          <p:cNvPicPr>
+            <a:picLocks noChangeAspect="1"/>
+          </p:cNvPicPr>
+          <p:nvPr/>
+        </p:nvPicPr>
+        <p:blipFill>
+          <a:blip r:embed="rId2"/>
+          <a:stretch>
+            <a:fillRect/>
+          </a:stretch>
+        </p:blipFill>
+        <p:spPr>
+          <a:xfrm>
+            <a:off x="431800" y="1828801"/>
+            <a:ext cx="4978400" cy="1623856"/>
+          </a:xfrm>
+          <a:prstGeom prst="rect">
+            <a:avLst/>
+          </a:prstGeom>
+          <a:ln>
+            <a:solidFill>
+              <a:schemeClr val="tx1"/>
+            </a:solidFill>
+          </a:ln>
+        </p:spPr>
+      </p:pic>
+      <p:pic>
+        <p:nvPicPr>
+          <p:cNvPr id="4" name="Picture 3">
+            <a:extLst>
+              <a:ext uri="{FF2B5EF4-FFF2-40B4-BE49-F238E27FC236}">
+                <a16:creationId xmlns:a16="http://schemas.microsoft.com/office/drawing/2014/main" id="{CC1A3FC5-7D56-4C41-A586-CB8626C2C099}"/>
+              </a:ext>
+            </a:extLst>
+          </p:cNvPr>
+          <p:cNvPicPr>
+            <a:picLocks noChangeAspect="1"/>
+          </p:cNvPicPr>
+          <p:nvPr/>
+        </p:nvPicPr>
+        <p:blipFill>
+          <a:blip r:embed="rId3"/>
+          <a:stretch>
+            <a:fillRect/>
+          </a:stretch>
+        </p:blipFill>
+        <p:spPr>
+          <a:xfrm>
+            <a:off x="4572000" y="1676400"/>
+            <a:ext cx="3810000" cy="1011296"/>
+          </a:xfrm>
+          <a:prstGeom prst="rect">
+            <a:avLst/>
+          </a:prstGeom>
+          <a:ln>
+            <a:solidFill>
+              <a:schemeClr val="tx1"/>
+            </a:solidFill>
+          </a:ln>
+        </p:spPr>
+      </p:pic>
+      <p:pic>
+        <p:nvPicPr>
+          <p:cNvPr id="5" name="Picture 4">
+            <a:extLst>
+              <a:ext uri="{FF2B5EF4-FFF2-40B4-BE49-F238E27FC236}">
+                <a16:creationId xmlns:a16="http://schemas.microsoft.com/office/drawing/2014/main" id="{E5A74182-47D9-D54A-94F9-0F152B079B96}"/>
+              </a:ext>
+            </a:extLst>
+          </p:cNvPr>
+          <p:cNvPicPr>
+            <a:picLocks noChangeAspect="1"/>
+          </p:cNvPicPr>
+          <p:nvPr/>
+        </p:nvPicPr>
+        <p:blipFill>
+          <a:blip r:embed="rId4"/>
+          <a:stretch>
+            <a:fillRect/>
+          </a:stretch>
+        </p:blipFill>
+        <p:spPr>
+          <a:xfrm>
+            <a:off x="431800" y="3733800"/>
+            <a:ext cx="2346070" cy="1447800"/>
+          </a:xfrm>
+          <a:prstGeom prst="rect">
+            <a:avLst/>
+          </a:prstGeom>
+          <a:ln>
+            <a:solidFill>
+              <a:schemeClr val="tx1"/>
+            </a:solidFill>
+          </a:ln>
+        </p:spPr>
+      </p:pic>
+      <p:pic>
+        <p:nvPicPr>
+          <p:cNvPr id="6" name="Picture 5">
+            <a:extLst>
+              <a:ext uri="{FF2B5EF4-FFF2-40B4-BE49-F238E27FC236}">
+                <a16:creationId xmlns:a16="http://schemas.microsoft.com/office/drawing/2014/main" id="{CD19C48A-E9A1-1C4C-9737-08AE7608B240}"/>
+              </a:ext>
+            </a:extLst>
+          </p:cNvPr>
+          <p:cNvPicPr>
+            <a:picLocks noChangeAspect="1"/>
+          </p:cNvPicPr>
+          <p:nvPr/>
+        </p:nvPicPr>
+        <p:blipFill>
+          <a:blip r:embed="rId5"/>
+          <a:stretch>
+            <a:fillRect/>
+          </a:stretch>
+        </p:blipFill>
+        <p:spPr>
+          <a:xfrm>
+            <a:off x="3200400" y="3122517"/>
+            <a:ext cx="3810000" cy="1556340"/>
+          </a:xfrm>
+          <a:prstGeom prst="rect">
+            <a:avLst/>
+          </a:prstGeom>
+          <a:ln>
+            <a:solidFill>
+              <a:schemeClr val="tx1"/>
+            </a:solidFill>
+          </a:ln>
+        </p:spPr>
+      </p:pic>
+      <p:pic>
+        <p:nvPicPr>
+          <p:cNvPr id="7" name="Picture 6">
+            <a:extLst>
+              <a:ext uri="{FF2B5EF4-FFF2-40B4-BE49-F238E27FC236}">
+                <a16:creationId xmlns:a16="http://schemas.microsoft.com/office/drawing/2014/main" id="{B3F3C513-3054-6140-9BEF-DF43DE71D024}"/>
+              </a:ext>
+            </a:extLst>
+          </p:cNvPr>
+          <p:cNvPicPr>
+            <a:picLocks noChangeAspect="1"/>
+          </p:cNvPicPr>
+          <p:nvPr/>
+        </p:nvPicPr>
+        <p:blipFill>
+          <a:blip r:embed="rId6"/>
+          <a:stretch>
+            <a:fillRect/>
+          </a:stretch>
+        </p:blipFill>
+        <p:spPr>
+          <a:xfrm>
+            <a:off x="2511680" y="4960000"/>
+            <a:ext cx="5463920" cy="1524556"/>
+          </a:xfrm>
+          <a:prstGeom prst="rect">
+            <a:avLst/>
+          </a:prstGeom>
+          <a:ln>
+            <a:solidFill>
+              <a:schemeClr val="tx1"/>
+            </a:solidFill>
+          </a:ln>
+        </p:spPr>
+      </p:pic>
+    </p:spTree>
+    <p:extLst>
+      <p:ext uri="{BB962C8B-B14F-4D97-AF65-F5344CB8AC3E}">
+        <p14:creationId xmlns:p14="http://schemas.microsoft.com/office/powerpoint/2010/main" val="2844276144"/>
+      </p:ext>
+    </p:extLst>
+  </p:cSld>
+  <p:clrMapOvr>
+    <a:masterClrMapping/>
+  </p:clrMapOvr>
+</p:sld>
+</file>
+
+<file path=ppt/slides/slide43.xml><?xml version="1.0" encoding="utf-8"?>
+<p:sld xmlns:a="http://schemas.openxmlformats.org/drawingml/2006/main" xmlns:r="http://schemas.openxmlformats.org/officeDocument/2006/relationships" xmlns:p="http://schemas.openxmlformats.org/presentationml/2006/main">
+  <p:cSld>
+    <p:spTree>
+      <p:nvGrpSpPr>
+        <p:cNvPr id="1" name=""/>
+        <p:cNvGrpSpPr/>
+        <p:nvPr/>
+      </p:nvGrpSpPr>
+      <p:grpSpPr>
+        <a:xfrm>
+          <a:off x="0" y="0"/>
+          <a:ext cx="0" cy="0"/>
+          <a:chOff x="0" y="0"/>
+          <a:chExt cx="0" cy="0"/>
+        </a:xfrm>
+      </p:grpSpPr>
+      <p:sp>
+        <p:nvSpPr>
+          <p:cNvPr id="2" name="Title 1">
+            <a:extLst>
+              <a:ext uri="{FF2B5EF4-FFF2-40B4-BE49-F238E27FC236}">
+                <a16:creationId xmlns:a16="http://schemas.microsoft.com/office/drawing/2014/main" id="{0268AA20-6B73-6E48-8132-C93C2DA98AC1}"/>
+              </a:ext>
+            </a:extLst>
+          </p:cNvPr>
+          <p:cNvSpPr>
+            <a:spLocks noGrp="1"/>
+          </p:cNvSpPr>
+          <p:nvPr>
+            <p:ph type="title"/>
+          </p:nvPr>
+        </p:nvSpPr>
+        <p:spPr/>
+        <p:txBody>
+          <a:bodyPr/>
+          <a:lstStyle/>
+          <a:p>
+            <a:r>
+              <a:rPr lang="en-US" dirty="0"/>
+              <a:t>The Interpreter Tree Walk – Handle Call</a:t>
+            </a:r>
+          </a:p>
+        </p:txBody>
+      </p:sp>
+      <p:pic>
+        <p:nvPicPr>
+          <p:cNvPr id="4" name="Picture 3">
+            <a:extLst>
+              <a:ext uri="{FF2B5EF4-FFF2-40B4-BE49-F238E27FC236}">
+                <a16:creationId xmlns:a16="http://schemas.microsoft.com/office/drawing/2014/main" id="{3CC52413-D7F6-DE44-BD21-2AC3EA350AD4}"/>
+              </a:ext>
+            </a:extLst>
+          </p:cNvPr>
+          <p:cNvPicPr>
+            <a:picLocks noChangeAspect="1"/>
+          </p:cNvPicPr>
+          <p:nvPr/>
+        </p:nvPicPr>
+        <p:blipFill>
+          <a:blip r:embed="rId2"/>
+          <a:stretch>
+            <a:fillRect/>
+          </a:stretch>
+        </p:blipFill>
+        <p:spPr>
+          <a:xfrm>
+            <a:off x="1295400" y="1417638"/>
+            <a:ext cx="6059736" cy="5059362"/>
+          </a:xfrm>
+          <a:prstGeom prst="rect">
+            <a:avLst/>
+          </a:prstGeom>
+          <a:ln>
+            <a:solidFill>
+              <a:schemeClr val="tx1"/>
+            </a:solidFill>
+          </a:ln>
+        </p:spPr>
+      </p:pic>
+      <p:sp>
+        <p:nvSpPr>
+          <p:cNvPr id="5" name="Left Arrow 4">
+            <a:extLst>
+              <a:ext uri="{FF2B5EF4-FFF2-40B4-BE49-F238E27FC236}">
+                <a16:creationId xmlns:a16="http://schemas.microsoft.com/office/drawing/2014/main" id="{41479127-4E2F-CE48-A13A-AFEE55AD7B51}"/>
+              </a:ext>
+            </a:extLst>
+          </p:cNvPr>
+          <p:cNvSpPr/>
+          <p:nvPr/>
+        </p:nvSpPr>
+        <p:spPr bwMode="auto">
+          <a:xfrm>
+            <a:off x="3810000" y="3657600"/>
+            <a:ext cx="304800" cy="228600"/>
+          </a:xfrm>
+          <a:prstGeom prst="leftArrow">
+            <a:avLst/>
+          </a:prstGeom>
+          <a:solidFill>
+            <a:srgbClr val="FF0000"/>
+          </a:solidFill>
+          <a:ln w="9525" cap="flat" cmpd="sng" algn="ctr">
+            <a:solidFill>
+              <a:schemeClr val="tx1"/>
+            </a:solidFill>
+            <a:prstDash val="solid"/>
+            <a:round/>
+            <a:headEnd type="none" w="med" len="med"/>
+            <a:tailEnd type="none" w="med" len="med"/>
+          </a:ln>
+          <a:effectLst/>
+          <a:extLst>
+            <a:ext uri="{AF507438-7753-43e0-B8FC-AC1667EBCBE1}">
+              <a14:hiddenEffects xmlns:a14="http://schemas.microsoft.com/office/drawing/2010/main" xmlns="">
+                <a:effectLst>
+                  <a:outerShdw blurRad="63500" dist="38099" dir="2700000" algn="ctr" rotWithShape="0">
+                    <a:schemeClr val="bg2">
+                      <a:alpha val="74998"/>
+                    </a:schemeClr>
+                  </a:outerShdw>
+                </a:effectLst>
+              </a14:hiddenEffects>
+            </a:ext>
+          </a:extLst>
+        </p:spPr>
+        <p:txBody>
+          <a:bodyPr vert="horz" wrap="square" lIns="91440" tIns="45720" rIns="91440" bIns="45720" numCol="1" rtlCol="0" anchor="t" anchorCtr="0" compatLnSpc="1">
+            <a:prstTxWarp prst="textNoShape">
+              <a:avLst/>
+            </a:prstTxWarp>
+          </a:bodyPr>
+          <a:lstStyle/>
+          <a:p>
+            <a:pPr marL="0" marR="0" indent="0" algn="l" defTabSz="914400" rtl="0" eaLnBrk="0" fontAlgn="base" latinLnBrk="0" hangingPunct="0">
+              <a:lnSpc>
+                <a:spcPct val="100000"/>
+              </a:lnSpc>
+              <a:spcBef>
+                <a:spcPct val="0"/>
+              </a:spcBef>
+              <a:spcAft>
+                <a:spcPct val="0"/>
+              </a:spcAft>
+              <a:buClrTx/>
+              <a:buSzTx/>
+              <a:buFontTx/>
+              <a:buNone/>
+              <a:tabLst/>
+            </a:pPr>
+            <a:endParaRPr kumimoji="0" lang="en-US" sz="1200" b="0" i="0" u="none" strike="noStrike" cap="none" normalizeH="0" baseline="0">
+              <a:ln>
+                <a:noFill/>
+              </a:ln>
+              <a:solidFill>
+                <a:srgbClr val="FF0000"/>
+              </a:solidFill>
+              <a:effectLst/>
+              <a:latin typeface="Arial" charset="0"/>
+              <a:ea typeface="ＭＳ Ｐゴシック" charset="0"/>
+              <a:cs typeface="ＭＳ Ｐゴシック" charset="0"/>
+            </a:endParaRPr>
+          </a:p>
+        </p:txBody>
+      </p:sp>
+    </p:spTree>
+    <p:extLst>
+      <p:ext uri="{BB962C8B-B14F-4D97-AF65-F5344CB8AC3E}">
+        <p14:creationId xmlns:p14="http://schemas.microsoft.com/office/powerpoint/2010/main" val="2070326016"/>
+      </p:ext>
+    </p:extLst>
+  </p:cSld>
+  <p:clrMapOvr>
+    <a:masterClrMapping/>
+  </p:clrMapOvr>
+</p:sld>
+</file>
+
+<file path=ppt/slides/slide44.xml><?xml version="1.0" encoding="utf-8"?>
+<p:sld xmlns:a="http://schemas.openxmlformats.org/drawingml/2006/main" xmlns:r="http://schemas.openxmlformats.org/officeDocument/2006/relationships" xmlns:p="http://schemas.openxmlformats.org/presentationml/2006/main">
+  <p:cSld>
+    <p:spTree>
+      <p:nvGrpSpPr>
+        <p:cNvPr id="1" name=""/>
+        <p:cNvGrpSpPr/>
+        <p:nvPr/>
+      </p:nvGrpSpPr>
+      <p:grpSpPr>
+        <a:xfrm>
+          <a:off x="0" y="0"/>
+          <a:ext cx="0" cy="0"/>
+          <a:chOff x="0" y="0"/>
+          <a:chExt cx="0" cy="0"/>
+        </a:xfrm>
+      </p:grpSpPr>
+      <p:sp>
+        <p:nvSpPr>
+          <p:cNvPr id="72706" name="Rectangle 2"/>
+          <p:cNvSpPr>
+            <a:spLocks noGrp="1" noChangeArrowheads="1"/>
+          </p:cNvSpPr>
+          <p:nvPr>
+            <p:ph type="title"/>
+          </p:nvPr>
+        </p:nvSpPr>
+        <p:spPr/>
+        <p:txBody>
+          <a:bodyPr/>
+          <a:lstStyle/>
+          <a:p>
+            <a:r>
+              <a:rPr lang="en-US" dirty="0"/>
+              <a:t>Running the Interpreter</a:t>
+            </a:r>
+          </a:p>
+        </p:txBody>
+      </p:sp>
+      <p:pic>
+        <p:nvPicPr>
+          <p:cNvPr id="3" name="Picture 2">
+            <a:extLst>
+              <a:ext uri="{FF2B5EF4-FFF2-40B4-BE49-F238E27FC236}">
+                <a16:creationId xmlns:a16="http://schemas.microsoft.com/office/drawing/2014/main" id="{B53FB5B2-010D-594C-AB5F-1E7202B9C6C0}"/>
+              </a:ext>
+            </a:extLst>
+          </p:cNvPr>
+          <p:cNvPicPr>
+            <a:picLocks noChangeAspect="1"/>
+          </p:cNvPicPr>
+          <p:nvPr/>
+        </p:nvPicPr>
+        <p:blipFill>
+          <a:blip r:embed="rId2"/>
+          <a:stretch>
+            <a:fillRect/>
+          </a:stretch>
+        </p:blipFill>
+        <p:spPr>
+          <a:xfrm>
+            <a:off x="609600" y="1430338"/>
+            <a:ext cx="3962400" cy="4056743"/>
+          </a:xfrm>
+          <a:prstGeom prst="rect">
+            <a:avLst/>
+          </a:prstGeom>
+          <a:ln>
+            <a:solidFill>
+              <a:schemeClr val="tx1"/>
+            </a:solidFill>
+          </a:ln>
+        </p:spPr>
+      </p:pic>
+      <p:pic>
+        <p:nvPicPr>
+          <p:cNvPr id="4" name="Picture 3">
+            <a:extLst>
+              <a:ext uri="{FF2B5EF4-FFF2-40B4-BE49-F238E27FC236}">
+                <a16:creationId xmlns:a16="http://schemas.microsoft.com/office/drawing/2014/main" id="{3C9E4351-7390-A945-AD37-141B94327153}"/>
+              </a:ext>
+            </a:extLst>
+          </p:cNvPr>
+          <p:cNvPicPr>
+            <a:picLocks noChangeAspect="1"/>
+          </p:cNvPicPr>
+          <p:nvPr/>
+        </p:nvPicPr>
+        <p:blipFill>
+          <a:blip r:embed="rId3"/>
+          <a:stretch>
+            <a:fillRect/>
+          </a:stretch>
+        </p:blipFill>
+        <p:spPr>
+          <a:xfrm>
+            <a:off x="3429000" y="4721903"/>
+            <a:ext cx="4997450" cy="1988459"/>
+          </a:xfrm>
+          <a:prstGeom prst="rect">
+            <a:avLst/>
+          </a:prstGeom>
+          <a:ln>
+            <a:solidFill>
+              <a:schemeClr val="tx1"/>
+            </a:solidFill>
+          </a:ln>
+        </p:spPr>
+      </p:pic>
+    </p:spTree>
+    <p:extLst>
+      <p:ext uri="{BB962C8B-B14F-4D97-AF65-F5344CB8AC3E}">
+        <p14:creationId xmlns:p14="http://schemas.microsoft.com/office/powerpoint/2010/main" val="1412015018"/>
+      </p:ext>
+    </p:extLst>
   </p:cSld>
   <p:clrMapOvr>
     <a:masterClrMapping/>

--- a/notes/csc402-ln018.pptx
+++ b/notes/csc402-ln018.pptx
@@ -248,17 +248,17 @@
           </a:ln>
           <a:extLst>
             <a:ext uri="{FAA26D3D-D897-4be2-8F04-BA451C77F1D7}">
-              <ma14:placeholderFlag xmlns="" xmlns:ma14="http://schemas.microsoft.com/office/mac/drawingml/2011/main" val="1"/>
-            </a:ext>
-            <a:ext uri="{909E8E84-426E-40dd-AFC4-6F175D3DCCD1}">
-              <a14:hiddenFill xmlns="" xmlns:a14="http://schemas.microsoft.com/office/drawing/2010/main">
+              <ma14:placeholderFlag xmlns:ma14="http://schemas.microsoft.com/office/mac/drawingml/2011/main" xmlns="" val="1"/>
+            </a:ext>
+            <a:ext uri="{909E8E84-426E-40dd-AFC4-6F175D3DCCD1}">
+              <a14:hiddenFill xmlns:a14="http://schemas.microsoft.com/office/drawing/2010/main" xmlns="">
                 <a:solidFill>
                   <a:schemeClr val="accent1"/>
                 </a:solidFill>
               </a14:hiddenFill>
             </a:ext>
             <a:ext uri="{91240B29-F687-4f45-9708-019B960494DF}">
-              <a14:hiddenLine xmlns="" xmlns:a14="http://schemas.microsoft.com/office/drawing/2010/main" w="9525">
+              <a14:hiddenLine xmlns:a14="http://schemas.microsoft.com/office/drawing/2010/main" xmlns="" w="9525">
                 <a:solidFill>
                   <a:schemeClr val="tx1"/>
                 </a:solidFill>
@@ -309,17 +309,17 @@
           </a:ln>
           <a:extLst>
             <a:ext uri="{FAA26D3D-D897-4be2-8F04-BA451C77F1D7}">
-              <ma14:placeholderFlag xmlns="" xmlns:ma14="http://schemas.microsoft.com/office/mac/drawingml/2011/main" val="1"/>
-            </a:ext>
-            <a:ext uri="{909E8E84-426E-40dd-AFC4-6F175D3DCCD1}">
-              <a14:hiddenFill xmlns="" xmlns:a14="http://schemas.microsoft.com/office/drawing/2010/main">
+              <ma14:placeholderFlag xmlns:ma14="http://schemas.microsoft.com/office/mac/drawingml/2011/main" xmlns="" val="1"/>
+            </a:ext>
+            <a:ext uri="{909E8E84-426E-40dd-AFC4-6F175D3DCCD1}">
+              <a14:hiddenFill xmlns:a14="http://schemas.microsoft.com/office/drawing/2010/main" xmlns="">
                 <a:solidFill>
                   <a:schemeClr val="accent1"/>
                 </a:solidFill>
               </a14:hiddenFill>
             </a:ext>
             <a:ext uri="{91240B29-F687-4f45-9708-019B960494DF}">
-              <a14:hiddenLine xmlns="" xmlns:a14="http://schemas.microsoft.com/office/drawing/2010/main" w="9525">
+              <a14:hiddenLine xmlns:a14="http://schemas.microsoft.com/office/drawing/2010/main" xmlns="" w="9525">
                 <a:solidFill>
                   <a:schemeClr val="tx1"/>
                 </a:solidFill>
@@ -376,7 +376,7 @@
           <a:effectLst/>
           <a:extLst>
             <a:ext uri="{AF507438-7753-43e0-B8FC-AC1667EBCBE1}">
-              <a14:hiddenEffects xmlns="" xmlns:a14="http://schemas.microsoft.com/office/drawing/2010/main">
+              <a14:hiddenEffects xmlns:a14="http://schemas.microsoft.com/office/drawing/2010/main" xmlns="">
                 <a:effectLst>
                   <a:outerShdw blurRad="63500" dist="38099" dir="2700000" algn="ctr" rotWithShape="0">
                     <a:srgbClr val="000000">
@@ -387,7 +387,7 @@
               </a14:hiddenEffects>
             </a:ext>
             <a:ext uri="{53640926-AAD7-44d8-BBD7-CCE9431645EC}">
-              <a14:shadowObscured xmlns="" xmlns:a14="http://schemas.microsoft.com/office/drawing/2010/main" val="1"/>
+              <a14:shadowObscured xmlns:a14="http://schemas.microsoft.com/office/drawing/2010/main" xmlns="" val="1"/>
             </a:ext>
           </a:extLst>
         </p:spPr>
@@ -416,17 +416,17 @@
           </a:ln>
           <a:extLst>
             <a:ext uri="{FAA26D3D-D897-4be2-8F04-BA451C77F1D7}">
-              <ma14:placeholderFlag xmlns="" xmlns:ma14="http://schemas.microsoft.com/office/mac/drawingml/2011/main" val="1"/>
-            </a:ext>
-            <a:ext uri="{909E8E84-426E-40dd-AFC4-6F175D3DCCD1}">
-              <a14:hiddenFill xmlns="" xmlns:a14="http://schemas.microsoft.com/office/drawing/2010/main">
+              <ma14:placeholderFlag xmlns:ma14="http://schemas.microsoft.com/office/mac/drawingml/2011/main" xmlns="" val="1"/>
+            </a:ext>
+            <a:ext uri="{909E8E84-426E-40dd-AFC4-6F175D3DCCD1}">
+              <a14:hiddenFill xmlns:a14="http://schemas.microsoft.com/office/drawing/2010/main" xmlns="">
                 <a:solidFill>
                   <a:schemeClr val="accent1"/>
                 </a:solidFill>
               </a14:hiddenFill>
             </a:ext>
             <a:ext uri="{91240B29-F687-4f45-9708-019B960494DF}">
-              <a14:hiddenLine xmlns="" xmlns:a14="http://schemas.microsoft.com/office/drawing/2010/main" w="9525">
+              <a14:hiddenLine xmlns:a14="http://schemas.microsoft.com/office/drawing/2010/main" xmlns="" w="9525">
                 <a:solidFill>
                   <a:schemeClr val="tx1"/>
                 </a:solidFill>
@@ -505,17 +505,17 @@
           </a:ln>
           <a:extLst>
             <a:ext uri="{FAA26D3D-D897-4be2-8F04-BA451C77F1D7}">
-              <ma14:placeholderFlag xmlns="" xmlns:ma14="http://schemas.microsoft.com/office/mac/drawingml/2011/main" val="1"/>
-            </a:ext>
-            <a:ext uri="{909E8E84-426E-40dd-AFC4-6F175D3DCCD1}">
-              <a14:hiddenFill xmlns="" xmlns:a14="http://schemas.microsoft.com/office/drawing/2010/main">
+              <ma14:placeholderFlag xmlns:ma14="http://schemas.microsoft.com/office/mac/drawingml/2011/main" xmlns="" val="1"/>
+            </a:ext>
+            <a:ext uri="{909E8E84-426E-40dd-AFC4-6F175D3DCCD1}">
+              <a14:hiddenFill xmlns:a14="http://schemas.microsoft.com/office/drawing/2010/main" xmlns="">
                 <a:solidFill>
                   <a:schemeClr val="accent1"/>
                 </a:solidFill>
               </a14:hiddenFill>
             </a:ext>
             <a:ext uri="{91240B29-F687-4f45-9708-019B960494DF}">
-              <a14:hiddenLine xmlns="" xmlns:a14="http://schemas.microsoft.com/office/drawing/2010/main" w="9525">
+              <a14:hiddenLine xmlns:a14="http://schemas.microsoft.com/office/drawing/2010/main" xmlns="" w="9525">
                 <a:solidFill>
                   <a:schemeClr val="tx1"/>
                 </a:solidFill>
@@ -566,17 +566,17 @@
           </a:ln>
           <a:extLst>
             <a:ext uri="{FAA26D3D-D897-4be2-8F04-BA451C77F1D7}">
-              <ma14:placeholderFlag xmlns="" xmlns:ma14="http://schemas.microsoft.com/office/mac/drawingml/2011/main" val="1"/>
-            </a:ext>
-            <a:ext uri="{909E8E84-426E-40dd-AFC4-6F175D3DCCD1}">
-              <a14:hiddenFill xmlns="" xmlns:a14="http://schemas.microsoft.com/office/drawing/2010/main">
+              <ma14:placeholderFlag xmlns:ma14="http://schemas.microsoft.com/office/mac/drawingml/2011/main" xmlns="" val="1"/>
+            </a:ext>
+            <a:ext uri="{909E8E84-426E-40dd-AFC4-6F175D3DCCD1}">
+              <a14:hiddenFill xmlns:a14="http://schemas.microsoft.com/office/drawing/2010/main" xmlns="">
                 <a:solidFill>
                   <a:schemeClr val="accent1"/>
                 </a:solidFill>
               </a14:hiddenFill>
             </a:ext>
             <a:ext uri="{91240B29-F687-4f45-9708-019B960494DF}">
-              <a14:hiddenLine xmlns="" xmlns:a14="http://schemas.microsoft.com/office/drawing/2010/main" w="9525">
+              <a14:hiddenLine xmlns:a14="http://schemas.microsoft.com/office/drawing/2010/main" xmlns="" w="9525">
                 <a:solidFill>
                   <a:schemeClr val="tx1"/>
                 </a:solidFill>
@@ -798,7 +798,7 @@
           <a:ln/>
           <a:extLst>
             <a:ext uri="{FAA26D3D-D897-4be2-8F04-BA451C77F1D7}">
-              <ma14:placeholderFlag xmlns="" xmlns:ma14="http://schemas.microsoft.com/office/mac/drawingml/2011/main" val="1"/>
+              <ma14:placeholderFlag xmlns:ma14="http://schemas.microsoft.com/office/mac/drawingml/2011/main" xmlns="" val="1"/>
             </a:ext>
           </a:extLst>
         </p:spPr>
@@ -887,7 +887,7 @@
           <a:ln/>
           <a:extLst>
             <a:ext uri="{FAA26D3D-D897-4be2-8F04-BA451C77F1D7}">
-              <ma14:placeholderFlag xmlns="" xmlns:ma14="http://schemas.microsoft.com/office/mac/drawingml/2011/main" val="1"/>
+              <ma14:placeholderFlag xmlns:ma14="http://schemas.microsoft.com/office/mac/drawingml/2011/main" xmlns="" val="1"/>
             </a:ext>
           </a:extLst>
         </p:spPr>
@@ -993,7 +993,7 @@
           </a:ln>
           <a:extLst>
             <a:ext uri="{FAA26D3D-D897-4be2-8F04-BA451C77F1D7}">
-              <ma14:placeholderFlag xmlns="" xmlns:ma14="http://schemas.microsoft.com/office/mac/drawingml/2011/main" val="1"/>
+              <ma14:placeholderFlag xmlns:ma14="http://schemas.microsoft.com/office/mac/drawingml/2011/main" xmlns="" val="1"/>
             </a:ext>
           </a:extLst>
         </p:spPr>
@@ -1029,7 +1029,7 @@
           </a:ln>
           <a:extLst>
             <a:ext uri="{FAA26D3D-D897-4be2-8F04-BA451C77F1D7}">
-              <ma14:placeholderFlag xmlns="" xmlns:ma14="http://schemas.microsoft.com/office/mac/drawingml/2011/main" val="1"/>
+              <ma14:placeholderFlag xmlns:ma14="http://schemas.microsoft.com/office/mac/drawingml/2011/main" xmlns="" val="1"/>
             </a:ext>
           </a:extLst>
         </p:spPr>
@@ -1123,7 +1123,7 @@
           </a:ln>
           <a:extLst>
             <a:ext uri="{FAA26D3D-D897-4be2-8F04-BA451C77F1D7}">
-              <ma14:placeholderFlag xmlns="" xmlns:ma14="http://schemas.microsoft.com/office/mac/drawingml/2011/main" val="1"/>
+              <ma14:placeholderFlag xmlns:ma14="http://schemas.microsoft.com/office/mac/drawingml/2011/main" xmlns="" val="1"/>
             </a:ext>
           </a:extLst>
         </p:spPr>
@@ -1159,7 +1159,7 @@
           </a:ln>
           <a:extLst>
             <a:ext uri="{FAA26D3D-D897-4be2-8F04-BA451C77F1D7}">
-              <ma14:placeholderFlag xmlns="" xmlns:ma14="http://schemas.microsoft.com/office/mac/drawingml/2011/main" val="1"/>
+              <ma14:placeholderFlag xmlns:ma14="http://schemas.microsoft.com/office/mac/drawingml/2011/main" xmlns="" val="1"/>
             </a:ext>
           </a:extLst>
         </p:spPr>
@@ -1253,7 +1253,7 @@
           </a:ln>
           <a:extLst>
             <a:ext uri="{FAA26D3D-D897-4be2-8F04-BA451C77F1D7}">
-              <ma14:placeholderFlag xmlns="" xmlns:ma14="http://schemas.microsoft.com/office/mac/drawingml/2011/main" val="1"/>
+              <ma14:placeholderFlag xmlns:ma14="http://schemas.microsoft.com/office/mac/drawingml/2011/main" xmlns="" val="1"/>
             </a:ext>
           </a:extLst>
         </p:spPr>
@@ -1289,7 +1289,7 @@
           </a:ln>
           <a:extLst>
             <a:ext uri="{FAA26D3D-D897-4be2-8F04-BA451C77F1D7}">
-              <ma14:placeholderFlag xmlns="" xmlns:ma14="http://schemas.microsoft.com/office/mac/drawingml/2011/main" val="1"/>
+              <ma14:placeholderFlag xmlns:ma14="http://schemas.microsoft.com/office/mac/drawingml/2011/main" xmlns="" val="1"/>
             </a:ext>
           </a:extLst>
         </p:spPr>
@@ -1383,7 +1383,7 @@
           </a:ln>
           <a:extLst>
             <a:ext uri="{FAA26D3D-D897-4be2-8F04-BA451C77F1D7}">
-              <ma14:placeholderFlag xmlns="" xmlns:ma14="http://schemas.microsoft.com/office/mac/drawingml/2011/main" val="1"/>
+              <ma14:placeholderFlag xmlns:ma14="http://schemas.microsoft.com/office/mac/drawingml/2011/main" xmlns="" val="1"/>
             </a:ext>
           </a:extLst>
         </p:spPr>
@@ -1419,7 +1419,7 @@
           </a:ln>
           <a:extLst>
             <a:ext uri="{FAA26D3D-D897-4be2-8F04-BA451C77F1D7}">
-              <ma14:placeholderFlag xmlns="" xmlns:ma14="http://schemas.microsoft.com/office/mac/drawingml/2011/main" val="1"/>
+              <ma14:placeholderFlag xmlns:ma14="http://schemas.microsoft.com/office/mac/drawingml/2011/main" xmlns="" val="1"/>
             </a:ext>
           </a:extLst>
         </p:spPr>
@@ -1513,7 +1513,7 @@
           </a:ln>
           <a:extLst>
             <a:ext uri="{FAA26D3D-D897-4be2-8F04-BA451C77F1D7}">
-              <ma14:placeholderFlag xmlns="" xmlns:ma14="http://schemas.microsoft.com/office/mac/drawingml/2011/main" val="1"/>
+              <ma14:placeholderFlag xmlns:ma14="http://schemas.microsoft.com/office/mac/drawingml/2011/main" xmlns="" val="1"/>
             </a:ext>
           </a:extLst>
         </p:spPr>
@@ -1549,7 +1549,7 @@
           </a:ln>
           <a:extLst>
             <a:ext uri="{FAA26D3D-D897-4be2-8F04-BA451C77F1D7}">
-              <ma14:placeholderFlag xmlns="" xmlns:ma14="http://schemas.microsoft.com/office/mac/drawingml/2011/main" val="1"/>
+              <ma14:placeholderFlag xmlns:ma14="http://schemas.microsoft.com/office/mac/drawingml/2011/main" xmlns="" val="1"/>
             </a:ext>
           </a:extLst>
         </p:spPr>
@@ -1643,7 +1643,7 @@
           </a:ln>
           <a:extLst>
             <a:ext uri="{FAA26D3D-D897-4be2-8F04-BA451C77F1D7}">
-              <ma14:placeholderFlag xmlns="" xmlns:ma14="http://schemas.microsoft.com/office/mac/drawingml/2011/main" val="1"/>
+              <ma14:placeholderFlag xmlns:ma14="http://schemas.microsoft.com/office/mac/drawingml/2011/main" xmlns="" val="1"/>
             </a:ext>
           </a:extLst>
         </p:spPr>
@@ -1679,7 +1679,7 @@
           </a:ln>
           <a:extLst>
             <a:ext uri="{FAA26D3D-D897-4be2-8F04-BA451C77F1D7}">
-              <ma14:placeholderFlag xmlns="" xmlns:ma14="http://schemas.microsoft.com/office/mac/drawingml/2011/main" val="1"/>
+              <ma14:placeholderFlag xmlns:ma14="http://schemas.microsoft.com/office/mac/drawingml/2011/main" xmlns="" val="1"/>
             </a:ext>
           </a:extLst>
         </p:spPr>
@@ -1773,7 +1773,7 @@
           </a:ln>
           <a:extLst>
             <a:ext uri="{FAA26D3D-D897-4be2-8F04-BA451C77F1D7}">
-              <ma14:placeholderFlag xmlns="" xmlns:ma14="http://schemas.microsoft.com/office/mac/drawingml/2011/main" val="1"/>
+              <ma14:placeholderFlag xmlns:ma14="http://schemas.microsoft.com/office/mac/drawingml/2011/main" xmlns="" val="1"/>
             </a:ext>
           </a:extLst>
         </p:spPr>
@@ -1809,7 +1809,7 @@
           </a:ln>
           <a:extLst>
             <a:ext uri="{FAA26D3D-D897-4be2-8F04-BA451C77F1D7}">
-              <ma14:placeholderFlag xmlns="" xmlns:ma14="http://schemas.microsoft.com/office/mac/drawingml/2011/main" val="1"/>
+              <ma14:placeholderFlag xmlns:ma14="http://schemas.microsoft.com/office/mac/drawingml/2011/main" xmlns="" val="1"/>
             </a:ext>
           </a:extLst>
         </p:spPr>
@@ -1903,7 +1903,7 @@
           </a:ln>
           <a:extLst>
             <a:ext uri="{FAA26D3D-D897-4be2-8F04-BA451C77F1D7}">
-              <ma14:placeholderFlag xmlns="" xmlns:ma14="http://schemas.microsoft.com/office/mac/drawingml/2011/main" val="1"/>
+              <ma14:placeholderFlag xmlns:ma14="http://schemas.microsoft.com/office/mac/drawingml/2011/main" xmlns="" val="1"/>
             </a:ext>
           </a:extLst>
         </p:spPr>
@@ -1939,7 +1939,7 @@
           </a:ln>
           <a:extLst>
             <a:ext uri="{FAA26D3D-D897-4be2-8F04-BA451C77F1D7}">
-              <ma14:placeholderFlag xmlns="" xmlns:ma14="http://schemas.microsoft.com/office/mac/drawingml/2011/main" val="1"/>
+              <ma14:placeholderFlag xmlns:ma14="http://schemas.microsoft.com/office/mac/drawingml/2011/main" xmlns="" val="1"/>
             </a:ext>
           </a:extLst>
         </p:spPr>
@@ -2033,7 +2033,7 @@
           </a:ln>
           <a:extLst>
             <a:ext uri="{FAA26D3D-D897-4be2-8F04-BA451C77F1D7}">
-              <ma14:placeholderFlag xmlns="" xmlns:ma14="http://schemas.microsoft.com/office/mac/drawingml/2011/main" val="1"/>
+              <ma14:placeholderFlag xmlns:ma14="http://schemas.microsoft.com/office/mac/drawingml/2011/main" xmlns="" val="1"/>
             </a:ext>
           </a:extLst>
         </p:spPr>
@@ -2069,7 +2069,7 @@
           </a:ln>
           <a:extLst>
             <a:ext uri="{FAA26D3D-D897-4be2-8F04-BA451C77F1D7}">
-              <ma14:placeholderFlag xmlns="" xmlns:ma14="http://schemas.microsoft.com/office/mac/drawingml/2011/main" val="1"/>
+              <ma14:placeholderFlag xmlns:ma14="http://schemas.microsoft.com/office/mac/drawingml/2011/main" xmlns="" val="1"/>
             </a:ext>
           </a:extLst>
         </p:spPr>
@@ -2146,7 +2146,7 @@
           <a:ln/>
           <a:extLst>
             <a:ext uri="{FAA26D3D-D897-4be2-8F04-BA451C77F1D7}">
-              <ma14:placeholderFlag xmlns="" xmlns:ma14="http://schemas.microsoft.com/office/mac/drawingml/2011/main" val="1"/>
+              <ma14:placeholderFlag xmlns:ma14="http://schemas.microsoft.com/office/mac/drawingml/2011/main" xmlns="" val="1"/>
             </a:ext>
           </a:extLst>
         </p:spPr>
@@ -2252,7 +2252,7 @@
           </a:ln>
           <a:extLst>
             <a:ext uri="{FAA26D3D-D897-4be2-8F04-BA451C77F1D7}">
-              <ma14:placeholderFlag xmlns="" xmlns:ma14="http://schemas.microsoft.com/office/mac/drawingml/2011/main" val="1"/>
+              <ma14:placeholderFlag xmlns:ma14="http://schemas.microsoft.com/office/mac/drawingml/2011/main" xmlns="" val="1"/>
             </a:ext>
           </a:extLst>
         </p:spPr>
@@ -2288,7 +2288,7 @@
           </a:ln>
           <a:extLst>
             <a:ext uri="{FAA26D3D-D897-4be2-8F04-BA451C77F1D7}">
-              <ma14:placeholderFlag xmlns="" xmlns:ma14="http://schemas.microsoft.com/office/mac/drawingml/2011/main" val="1"/>
+              <ma14:placeholderFlag xmlns:ma14="http://schemas.microsoft.com/office/mac/drawingml/2011/main" xmlns="" val="1"/>
             </a:ext>
           </a:extLst>
         </p:spPr>
@@ -2382,7 +2382,7 @@
           </a:ln>
           <a:extLst>
             <a:ext uri="{FAA26D3D-D897-4be2-8F04-BA451C77F1D7}">
-              <ma14:placeholderFlag xmlns="" xmlns:ma14="http://schemas.microsoft.com/office/mac/drawingml/2011/main" val="1"/>
+              <ma14:placeholderFlag xmlns:ma14="http://schemas.microsoft.com/office/mac/drawingml/2011/main" xmlns="" val="1"/>
             </a:ext>
           </a:extLst>
         </p:spPr>
@@ -2418,7 +2418,7 @@
           </a:ln>
           <a:extLst>
             <a:ext uri="{FAA26D3D-D897-4be2-8F04-BA451C77F1D7}">
-              <ma14:placeholderFlag xmlns="" xmlns:ma14="http://schemas.microsoft.com/office/mac/drawingml/2011/main" val="1"/>
+              <ma14:placeholderFlag xmlns:ma14="http://schemas.microsoft.com/office/mac/drawingml/2011/main" xmlns="" val="1"/>
             </a:ext>
           </a:extLst>
         </p:spPr>
@@ -2512,7 +2512,7 @@
           </a:ln>
           <a:extLst>
             <a:ext uri="{FAA26D3D-D897-4be2-8F04-BA451C77F1D7}">
-              <ma14:placeholderFlag xmlns="" xmlns:ma14="http://schemas.microsoft.com/office/mac/drawingml/2011/main" val="1"/>
+              <ma14:placeholderFlag xmlns:ma14="http://schemas.microsoft.com/office/mac/drawingml/2011/main" xmlns="" val="1"/>
             </a:ext>
           </a:extLst>
         </p:spPr>
@@ -2548,7 +2548,7 @@
           </a:ln>
           <a:extLst>
             <a:ext uri="{FAA26D3D-D897-4be2-8F04-BA451C77F1D7}">
-              <ma14:placeholderFlag xmlns="" xmlns:ma14="http://schemas.microsoft.com/office/mac/drawingml/2011/main" val="1"/>
+              <ma14:placeholderFlag xmlns:ma14="http://schemas.microsoft.com/office/mac/drawingml/2011/main" xmlns="" val="1"/>
             </a:ext>
           </a:extLst>
         </p:spPr>
@@ -2642,7 +2642,7 @@
           </a:ln>
           <a:extLst>
             <a:ext uri="{FAA26D3D-D897-4be2-8F04-BA451C77F1D7}">
-              <ma14:placeholderFlag xmlns="" xmlns:ma14="http://schemas.microsoft.com/office/mac/drawingml/2011/main" val="1"/>
+              <ma14:placeholderFlag xmlns:ma14="http://schemas.microsoft.com/office/mac/drawingml/2011/main" xmlns="" val="1"/>
             </a:ext>
           </a:extLst>
         </p:spPr>
@@ -2678,7 +2678,7 @@
           </a:ln>
           <a:extLst>
             <a:ext uri="{FAA26D3D-D897-4be2-8F04-BA451C77F1D7}">
-              <ma14:placeholderFlag xmlns="" xmlns:ma14="http://schemas.microsoft.com/office/mac/drawingml/2011/main" val="1"/>
+              <ma14:placeholderFlag xmlns:ma14="http://schemas.microsoft.com/office/mac/drawingml/2011/main" xmlns="" val="1"/>
             </a:ext>
           </a:extLst>
         </p:spPr>
@@ -2772,7 +2772,7 @@
           </a:ln>
           <a:extLst>
             <a:ext uri="{FAA26D3D-D897-4be2-8F04-BA451C77F1D7}">
-              <ma14:placeholderFlag xmlns="" xmlns:ma14="http://schemas.microsoft.com/office/mac/drawingml/2011/main" val="1"/>
+              <ma14:placeholderFlag xmlns:ma14="http://schemas.microsoft.com/office/mac/drawingml/2011/main" xmlns="" val="1"/>
             </a:ext>
           </a:extLst>
         </p:spPr>
@@ -2808,7 +2808,7 @@
           </a:ln>
           <a:extLst>
             <a:ext uri="{FAA26D3D-D897-4be2-8F04-BA451C77F1D7}">
-              <ma14:placeholderFlag xmlns="" xmlns:ma14="http://schemas.microsoft.com/office/mac/drawingml/2011/main" val="1"/>
+              <ma14:placeholderFlag xmlns:ma14="http://schemas.microsoft.com/office/mac/drawingml/2011/main" xmlns="" val="1"/>
             </a:ext>
           </a:extLst>
         </p:spPr>
@@ -2902,7 +2902,7 @@
           </a:ln>
           <a:extLst>
             <a:ext uri="{FAA26D3D-D897-4be2-8F04-BA451C77F1D7}">
-              <ma14:placeholderFlag xmlns="" xmlns:ma14="http://schemas.microsoft.com/office/mac/drawingml/2011/main" val="1"/>
+              <ma14:placeholderFlag xmlns:ma14="http://schemas.microsoft.com/office/mac/drawingml/2011/main" xmlns="" val="1"/>
             </a:ext>
           </a:extLst>
         </p:spPr>
@@ -2938,7 +2938,7 @@
           </a:ln>
           <a:extLst>
             <a:ext uri="{FAA26D3D-D897-4be2-8F04-BA451C77F1D7}">
-              <ma14:placeholderFlag xmlns="" xmlns:ma14="http://schemas.microsoft.com/office/mac/drawingml/2011/main" val="1"/>
+              <ma14:placeholderFlag xmlns:ma14="http://schemas.microsoft.com/office/mac/drawingml/2011/main" xmlns="" val="1"/>
             </a:ext>
           </a:extLst>
         </p:spPr>
@@ -3015,7 +3015,7 @@
           <a:ln/>
           <a:extLst>
             <a:ext uri="{FAA26D3D-D897-4be2-8F04-BA451C77F1D7}">
-              <ma14:placeholderFlag xmlns="" xmlns:ma14="http://schemas.microsoft.com/office/mac/drawingml/2011/main" val="1"/>
+              <ma14:placeholderFlag xmlns:ma14="http://schemas.microsoft.com/office/mac/drawingml/2011/main" xmlns="" val="1"/>
             </a:ext>
           </a:extLst>
         </p:spPr>
@@ -3104,7 +3104,7 @@
           <a:ln/>
           <a:extLst>
             <a:ext uri="{FAA26D3D-D897-4be2-8F04-BA451C77F1D7}">
-              <ma14:placeholderFlag xmlns="" xmlns:ma14="http://schemas.microsoft.com/office/mac/drawingml/2011/main" val="1"/>
+              <ma14:placeholderFlag xmlns:ma14="http://schemas.microsoft.com/office/mac/drawingml/2011/main" xmlns="" val="1"/>
             </a:ext>
           </a:extLst>
         </p:spPr>
@@ -3193,7 +3193,7 @@
           <a:ln/>
           <a:extLst>
             <a:ext uri="{FAA26D3D-D897-4be2-8F04-BA451C77F1D7}">
-              <ma14:placeholderFlag xmlns="" xmlns:ma14="http://schemas.microsoft.com/office/mac/drawingml/2011/main" val="1"/>
+              <ma14:placeholderFlag xmlns:ma14="http://schemas.microsoft.com/office/mac/drawingml/2011/main" xmlns="" val="1"/>
             </a:ext>
           </a:extLst>
         </p:spPr>
@@ -3282,7 +3282,7 @@
           <a:ln/>
           <a:extLst>
             <a:ext uri="{FAA26D3D-D897-4be2-8F04-BA451C77F1D7}">
-              <ma14:placeholderFlag xmlns="" xmlns:ma14="http://schemas.microsoft.com/office/mac/drawingml/2011/main" val="1"/>
+              <ma14:placeholderFlag xmlns:ma14="http://schemas.microsoft.com/office/mac/drawingml/2011/main" xmlns="" val="1"/>
             </a:ext>
           </a:extLst>
         </p:spPr>
@@ -3371,7 +3371,7 @@
           <a:ln/>
           <a:extLst>
             <a:ext uri="{FAA26D3D-D897-4be2-8F04-BA451C77F1D7}">
-              <ma14:placeholderFlag xmlns="" xmlns:ma14="http://schemas.microsoft.com/office/mac/drawingml/2011/main" val="1"/>
+              <ma14:placeholderFlag xmlns:ma14="http://schemas.microsoft.com/office/mac/drawingml/2011/main" xmlns="" val="1"/>
             </a:ext>
           </a:extLst>
         </p:spPr>
@@ -3460,7 +3460,7 @@
           <a:ln/>
           <a:extLst>
             <a:ext uri="{FAA26D3D-D897-4be2-8F04-BA451C77F1D7}">
-              <ma14:placeholderFlag xmlns="" xmlns:ma14="http://schemas.microsoft.com/office/mac/drawingml/2011/main" val="1"/>
+              <ma14:placeholderFlag xmlns:ma14="http://schemas.microsoft.com/office/mac/drawingml/2011/main" xmlns="" val="1"/>
             </a:ext>
           </a:extLst>
         </p:spPr>
@@ -3549,7 +3549,7 @@
           <a:ln/>
           <a:extLst>
             <a:ext uri="{FAA26D3D-D897-4be2-8F04-BA451C77F1D7}">
-              <ma14:placeholderFlag xmlns="" xmlns:ma14="http://schemas.microsoft.com/office/mac/drawingml/2011/main" val="1"/>
+              <ma14:placeholderFlag xmlns:ma14="http://schemas.microsoft.com/office/mac/drawingml/2011/main" xmlns="" val="1"/>
             </a:ext>
           </a:extLst>
         </p:spPr>
@@ -3626,12 +3626,12 @@
           <a:effectLst/>
           <a:extLst>
             <a:ext uri="{909E8E84-426E-40dd-AFC4-6F175D3DCCD1}">
-              <a14:hiddenFill xmlns="" xmlns:a14="http://schemas.microsoft.com/office/drawing/2010/main">
+              <a14:hiddenFill xmlns:a14="http://schemas.microsoft.com/office/drawing/2010/main" xmlns="">
                 <a:noFill/>
               </a14:hiddenFill>
             </a:ext>
             <a:ext uri="{AF507438-7753-43e0-B8FC-AC1667EBCBE1}">
-              <a14:hiddenEffects xmlns="" xmlns:a14="http://schemas.microsoft.com/office/drawing/2010/main">
+              <a14:hiddenEffects xmlns:a14="http://schemas.microsoft.com/office/drawing/2010/main" xmlns="">
                 <a:effectLst>
                   <a:outerShdw blurRad="63500" dist="38099" dir="2700000" algn="ctr" rotWithShape="0">
                     <a:schemeClr val="bg2">
@@ -3832,7 +3832,7 @@
             <a:effectLst/>
             <a:extLst>
               <a:ext uri="{91240B29-F687-4f45-9708-019B960494DF}">
-                <a14:hiddenLine xmlns="" xmlns:a14="http://schemas.microsoft.com/office/drawing/2010/main" w="9525">
+                <a14:hiddenLine xmlns:a14="http://schemas.microsoft.com/office/drawing/2010/main" xmlns="" w="9525">
                   <a:solidFill>
                     <a:schemeClr val="tx1"/>
                   </a:solidFill>
@@ -3842,7 +3842,7 @@
                 </a14:hiddenLine>
               </a:ext>
               <a:ext uri="{AF507438-7753-43e0-B8FC-AC1667EBCBE1}">
-                <a14:hiddenEffects xmlns="" xmlns:a14="http://schemas.microsoft.com/office/drawing/2010/main">
+                <a14:hiddenEffects xmlns:a14="http://schemas.microsoft.com/office/drawing/2010/main" xmlns="">
                   <a:effectLst>
                     <a:outerShdw blurRad="63500" dist="38099" dir="2700000" algn="ctr" rotWithShape="0">
                       <a:schemeClr val="bg2">
@@ -3887,7 +3887,7 @@
             <a:effectLst/>
             <a:extLst>
               <a:ext uri="{91240B29-F687-4f45-9708-019B960494DF}">
-                <a14:hiddenLine xmlns="" xmlns:a14="http://schemas.microsoft.com/office/drawing/2010/main" w="9525">
+                <a14:hiddenLine xmlns:a14="http://schemas.microsoft.com/office/drawing/2010/main" xmlns="" w="9525">
                   <a:solidFill>
                     <a:schemeClr val="tx1"/>
                   </a:solidFill>
@@ -3897,7 +3897,7 @@
                 </a14:hiddenLine>
               </a:ext>
               <a:ext uri="{AF507438-7753-43e0-B8FC-AC1667EBCBE1}">
-                <a14:hiddenEffects xmlns="" xmlns:a14="http://schemas.microsoft.com/office/drawing/2010/main">
+                <a14:hiddenEffects xmlns:a14="http://schemas.microsoft.com/office/drawing/2010/main" xmlns="">
                   <a:effectLst>
                     <a:outerShdw blurRad="63500" dist="38099" dir="2700000" algn="ctr" rotWithShape="0">
                       <a:schemeClr val="bg2">
@@ -3942,7 +3942,7 @@
             <a:effectLst/>
             <a:extLst>
               <a:ext uri="{91240B29-F687-4f45-9708-019B960494DF}">
-                <a14:hiddenLine xmlns="" xmlns:a14="http://schemas.microsoft.com/office/drawing/2010/main" w="9525">
+                <a14:hiddenLine xmlns:a14="http://schemas.microsoft.com/office/drawing/2010/main" xmlns="" w="9525">
                   <a:solidFill>
                     <a:schemeClr val="tx1"/>
                   </a:solidFill>
@@ -3952,7 +3952,7 @@
                 </a14:hiddenLine>
               </a:ext>
               <a:ext uri="{AF507438-7753-43e0-B8FC-AC1667EBCBE1}">
-                <a14:hiddenEffects xmlns="" xmlns:a14="http://schemas.microsoft.com/office/drawing/2010/main">
+                <a14:hiddenEffects xmlns:a14="http://schemas.microsoft.com/office/drawing/2010/main" xmlns="">
                   <a:effectLst>
                     <a:outerShdw blurRad="63500" dist="38099" dir="2700000" algn="ctr" rotWithShape="0">
                       <a:schemeClr val="bg2">
@@ -3997,7 +3997,7 @@
             <a:effectLst/>
             <a:extLst>
               <a:ext uri="{91240B29-F687-4f45-9708-019B960494DF}">
-                <a14:hiddenLine xmlns="" xmlns:a14="http://schemas.microsoft.com/office/drawing/2010/main" w="9525">
+                <a14:hiddenLine xmlns:a14="http://schemas.microsoft.com/office/drawing/2010/main" xmlns="" w="9525">
                   <a:solidFill>
                     <a:schemeClr val="tx1"/>
                   </a:solidFill>
@@ -4007,7 +4007,7 @@
                 </a14:hiddenLine>
               </a:ext>
               <a:ext uri="{AF507438-7753-43e0-B8FC-AC1667EBCBE1}">
-                <a14:hiddenEffects xmlns="" xmlns:a14="http://schemas.microsoft.com/office/drawing/2010/main">
+                <a14:hiddenEffects xmlns:a14="http://schemas.microsoft.com/office/drawing/2010/main" xmlns="">
                   <a:effectLst>
                     <a:outerShdw blurRad="63500" dist="38099" dir="2700000" algn="ctr" rotWithShape="0">
                       <a:schemeClr val="bg2">
@@ -4052,7 +4052,7 @@
             <a:effectLst/>
             <a:extLst>
               <a:ext uri="{91240B29-F687-4f45-9708-019B960494DF}">
-                <a14:hiddenLine xmlns="" xmlns:a14="http://schemas.microsoft.com/office/drawing/2010/main" w="9525">
+                <a14:hiddenLine xmlns:a14="http://schemas.microsoft.com/office/drawing/2010/main" xmlns="" w="9525">
                   <a:solidFill>
                     <a:schemeClr val="tx1"/>
                   </a:solidFill>
@@ -4062,7 +4062,7 @@
                 </a14:hiddenLine>
               </a:ext>
               <a:ext uri="{AF507438-7753-43e0-B8FC-AC1667EBCBE1}">
-                <a14:hiddenEffects xmlns="" xmlns:a14="http://schemas.microsoft.com/office/drawing/2010/main">
+                <a14:hiddenEffects xmlns:a14="http://schemas.microsoft.com/office/drawing/2010/main" xmlns="">
                   <a:effectLst>
                     <a:outerShdw blurRad="63500" dist="38099" dir="2700000" algn="ctr" rotWithShape="0">
                       <a:schemeClr val="bg2">
@@ -4107,7 +4107,7 @@
             <a:effectLst/>
             <a:extLst>
               <a:ext uri="{91240B29-F687-4f45-9708-019B960494DF}">
-                <a14:hiddenLine xmlns="" xmlns:a14="http://schemas.microsoft.com/office/drawing/2010/main" w="9525">
+                <a14:hiddenLine xmlns:a14="http://schemas.microsoft.com/office/drawing/2010/main" xmlns="" w="9525">
                   <a:solidFill>
                     <a:schemeClr val="tx1"/>
                   </a:solidFill>
@@ -4117,7 +4117,7 @@
                 </a14:hiddenLine>
               </a:ext>
               <a:ext uri="{AF507438-7753-43e0-B8FC-AC1667EBCBE1}">
-                <a14:hiddenEffects xmlns="" xmlns:a14="http://schemas.microsoft.com/office/drawing/2010/main">
+                <a14:hiddenEffects xmlns:a14="http://schemas.microsoft.com/office/drawing/2010/main" xmlns="">
                   <a:effectLst>
                     <a:outerShdw blurRad="63500" dist="38099" dir="2700000" algn="ctr" rotWithShape="0">
                       <a:schemeClr val="bg2">
@@ -4162,7 +4162,7 @@
             <a:effectLst/>
             <a:extLst>
               <a:ext uri="{91240B29-F687-4f45-9708-019B960494DF}">
-                <a14:hiddenLine xmlns="" xmlns:a14="http://schemas.microsoft.com/office/drawing/2010/main" w="9525">
+                <a14:hiddenLine xmlns:a14="http://schemas.microsoft.com/office/drawing/2010/main" xmlns="" w="9525">
                   <a:solidFill>
                     <a:schemeClr val="tx1"/>
                   </a:solidFill>
@@ -4172,7 +4172,7 @@
                 </a14:hiddenLine>
               </a:ext>
               <a:ext uri="{AF507438-7753-43e0-B8FC-AC1667EBCBE1}">
-                <a14:hiddenEffects xmlns="" xmlns:a14="http://schemas.microsoft.com/office/drawing/2010/main">
+                <a14:hiddenEffects xmlns:a14="http://schemas.microsoft.com/office/drawing/2010/main" xmlns="">
                   <a:effectLst>
                     <a:outerShdw blurRad="63500" dist="38099" dir="2700000" algn="ctr" rotWithShape="0">
                       <a:schemeClr val="bg2">
@@ -4217,7 +4217,7 @@
             <a:effectLst/>
             <a:extLst>
               <a:ext uri="{91240B29-F687-4f45-9708-019B960494DF}">
-                <a14:hiddenLine xmlns="" xmlns:a14="http://schemas.microsoft.com/office/drawing/2010/main" w="9525">
+                <a14:hiddenLine xmlns:a14="http://schemas.microsoft.com/office/drawing/2010/main" xmlns="" w="9525">
                   <a:solidFill>
                     <a:schemeClr val="tx1"/>
                   </a:solidFill>
@@ -4227,7 +4227,7 @@
                 </a14:hiddenLine>
               </a:ext>
               <a:ext uri="{AF507438-7753-43e0-B8FC-AC1667EBCBE1}">
-                <a14:hiddenEffects xmlns="" xmlns:a14="http://schemas.microsoft.com/office/drawing/2010/main">
+                <a14:hiddenEffects xmlns:a14="http://schemas.microsoft.com/office/drawing/2010/main" xmlns="">
                   <a:effectLst>
                     <a:outerShdw blurRad="63500" dist="38099" dir="2700000" algn="ctr" rotWithShape="0">
                       <a:schemeClr val="bg2">
@@ -4272,7 +4272,7 @@
             <a:effectLst/>
             <a:extLst>
               <a:ext uri="{91240B29-F687-4f45-9708-019B960494DF}">
-                <a14:hiddenLine xmlns="" xmlns:a14="http://schemas.microsoft.com/office/drawing/2010/main" w="9525">
+                <a14:hiddenLine xmlns:a14="http://schemas.microsoft.com/office/drawing/2010/main" xmlns="" w="9525">
                   <a:solidFill>
                     <a:schemeClr val="tx1"/>
                   </a:solidFill>
@@ -4282,7 +4282,7 @@
                 </a14:hiddenLine>
               </a:ext>
               <a:ext uri="{AF507438-7753-43e0-B8FC-AC1667EBCBE1}">
-                <a14:hiddenEffects xmlns="" xmlns:a14="http://schemas.microsoft.com/office/drawing/2010/main">
+                <a14:hiddenEffects xmlns:a14="http://schemas.microsoft.com/office/drawing/2010/main" xmlns="">
                   <a:effectLst>
                     <a:outerShdw blurRad="63500" dist="38099" dir="2700000" algn="ctr" rotWithShape="0">
                       <a:schemeClr val="bg2">
@@ -4327,7 +4327,7 @@
             <a:effectLst/>
             <a:extLst>
               <a:ext uri="{91240B29-F687-4f45-9708-019B960494DF}">
-                <a14:hiddenLine xmlns="" xmlns:a14="http://schemas.microsoft.com/office/drawing/2010/main" w="9525">
+                <a14:hiddenLine xmlns:a14="http://schemas.microsoft.com/office/drawing/2010/main" xmlns="" w="9525">
                   <a:solidFill>
                     <a:schemeClr val="tx1"/>
                   </a:solidFill>
@@ -4337,7 +4337,7 @@
                 </a14:hiddenLine>
               </a:ext>
               <a:ext uri="{AF507438-7753-43e0-B8FC-AC1667EBCBE1}">
-                <a14:hiddenEffects xmlns="" xmlns:a14="http://schemas.microsoft.com/office/drawing/2010/main">
+                <a14:hiddenEffects xmlns:a14="http://schemas.microsoft.com/office/drawing/2010/main" xmlns="">
                   <a:effectLst>
                     <a:outerShdw blurRad="63500" dist="38099" dir="2700000" algn="ctr" rotWithShape="0">
                       <a:schemeClr val="bg2">
@@ -4382,7 +4382,7 @@
             <a:effectLst/>
             <a:extLst>
               <a:ext uri="{91240B29-F687-4f45-9708-019B960494DF}">
-                <a14:hiddenLine xmlns="" xmlns:a14="http://schemas.microsoft.com/office/drawing/2010/main" w="9525">
+                <a14:hiddenLine xmlns:a14="http://schemas.microsoft.com/office/drawing/2010/main" xmlns="" w="9525">
                   <a:solidFill>
                     <a:schemeClr val="tx1"/>
                   </a:solidFill>
@@ -4392,7 +4392,7 @@
                 </a14:hiddenLine>
               </a:ext>
               <a:ext uri="{AF507438-7753-43e0-B8FC-AC1667EBCBE1}">
-                <a14:hiddenEffects xmlns="" xmlns:a14="http://schemas.microsoft.com/office/drawing/2010/main">
+                <a14:hiddenEffects xmlns:a14="http://schemas.microsoft.com/office/drawing/2010/main" xmlns="">
                   <a:effectLst>
                     <a:outerShdw blurRad="63500" dist="38099" dir="2700000" algn="ctr" rotWithShape="0">
                       <a:schemeClr val="bg2">
@@ -4437,7 +4437,7 @@
             <a:effectLst/>
             <a:extLst>
               <a:ext uri="{91240B29-F687-4f45-9708-019B960494DF}">
-                <a14:hiddenLine xmlns="" xmlns:a14="http://schemas.microsoft.com/office/drawing/2010/main" w="9525">
+                <a14:hiddenLine xmlns:a14="http://schemas.microsoft.com/office/drawing/2010/main" xmlns="" w="9525">
                   <a:solidFill>
                     <a:schemeClr val="tx1"/>
                   </a:solidFill>
@@ -4447,7 +4447,7 @@
                 </a14:hiddenLine>
               </a:ext>
               <a:ext uri="{AF507438-7753-43e0-B8FC-AC1667EBCBE1}">
-                <a14:hiddenEffects xmlns="" xmlns:a14="http://schemas.microsoft.com/office/drawing/2010/main">
+                <a14:hiddenEffects xmlns:a14="http://schemas.microsoft.com/office/drawing/2010/main" xmlns="">
                   <a:effectLst>
                     <a:outerShdw blurRad="63500" dist="38099" dir="2700000" algn="ctr" rotWithShape="0">
                       <a:schemeClr val="bg2">
@@ -4492,7 +4492,7 @@
             <a:effectLst/>
             <a:extLst>
               <a:ext uri="{91240B29-F687-4f45-9708-019B960494DF}">
-                <a14:hiddenLine xmlns="" xmlns:a14="http://schemas.microsoft.com/office/drawing/2010/main" w="9525">
+                <a14:hiddenLine xmlns:a14="http://schemas.microsoft.com/office/drawing/2010/main" xmlns="" w="9525">
                   <a:solidFill>
                     <a:schemeClr val="tx1"/>
                   </a:solidFill>
@@ -4502,7 +4502,7 @@
                 </a14:hiddenLine>
               </a:ext>
               <a:ext uri="{AF507438-7753-43e0-B8FC-AC1667EBCBE1}">
-                <a14:hiddenEffects xmlns="" xmlns:a14="http://schemas.microsoft.com/office/drawing/2010/main">
+                <a14:hiddenEffects xmlns:a14="http://schemas.microsoft.com/office/drawing/2010/main" xmlns="">
                   <a:effectLst>
                     <a:outerShdw blurRad="63500" dist="38099" dir="2700000" algn="ctr" rotWithShape="0">
                       <a:schemeClr val="bg2">
@@ -4547,7 +4547,7 @@
             <a:effectLst/>
             <a:extLst>
               <a:ext uri="{91240B29-F687-4f45-9708-019B960494DF}">
-                <a14:hiddenLine xmlns="" xmlns:a14="http://schemas.microsoft.com/office/drawing/2010/main" w="9525">
+                <a14:hiddenLine xmlns:a14="http://schemas.microsoft.com/office/drawing/2010/main" xmlns="" w="9525">
                   <a:solidFill>
                     <a:schemeClr val="tx1"/>
                   </a:solidFill>
@@ -4557,7 +4557,7 @@
                 </a14:hiddenLine>
               </a:ext>
               <a:ext uri="{AF507438-7753-43e0-B8FC-AC1667EBCBE1}">
-                <a14:hiddenEffects xmlns="" xmlns:a14="http://schemas.microsoft.com/office/drawing/2010/main">
+                <a14:hiddenEffects xmlns:a14="http://schemas.microsoft.com/office/drawing/2010/main" xmlns="">
                   <a:effectLst>
                     <a:outerShdw blurRad="63500" dist="38099" dir="2700000" algn="ctr" rotWithShape="0">
                       <a:schemeClr val="bg2">
@@ -4602,7 +4602,7 @@
             <a:effectLst/>
             <a:extLst>
               <a:ext uri="{91240B29-F687-4f45-9708-019B960494DF}">
-                <a14:hiddenLine xmlns="" xmlns:a14="http://schemas.microsoft.com/office/drawing/2010/main" w="9525">
+                <a14:hiddenLine xmlns:a14="http://schemas.microsoft.com/office/drawing/2010/main" xmlns="" w="9525">
                   <a:solidFill>
                     <a:schemeClr val="tx1"/>
                   </a:solidFill>
@@ -4612,7 +4612,7 @@
                 </a14:hiddenLine>
               </a:ext>
               <a:ext uri="{AF507438-7753-43e0-B8FC-AC1667EBCBE1}">
-                <a14:hiddenEffects xmlns="" xmlns:a14="http://schemas.microsoft.com/office/drawing/2010/main">
+                <a14:hiddenEffects xmlns:a14="http://schemas.microsoft.com/office/drawing/2010/main" xmlns="">
                   <a:effectLst>
                     <a:outerShdw blurRad="63500" dist="38099" dir="2700000" algn="ctr" rotWithShape="0">
                       <a:schemeClr val="bg2">
@@ -4657,7 +4657,7 @@
             <a:effectLst/>
             <a:extLst>
               <a:ext uri="{91240B29-F687-4f45-9708-019B960494DF}">
-                <a14:hiddenLine xmlns="" xmlns:a14="http://schemas.microsoft.com/office/drawing/2010/main" w="9525">
+                <a14:hiddenLine xmlns:a14="http://schemas.microsoft.com/office/drawing/2010/main" xmlns="" w="9525">
                   <a:solidFill>
                     <a:schemeClr val="tx1"/>
                   </a:solidFill>
@@ -4667,7 +4667,7 @@
                 </a14:hiddenLine>
               </a:ext>
               <a:ext uri="{AF507438-7753-43e0-B8FC-AC1667EBCBE1}">
-                <a14:hiddenEffects xmlns="" xmlns:a14="http://schemas.microsoft.com/office/drawing/2010/main">
+                <a14:hiddenEffects xmlns:a14="http://schemas.microsoft.com/office/drawing/2010/main" xmlns="">
                   <a:effectLst>
                     <a:outerShdw blurRad="63500" dist="38099" dir="2700000" algn="ctr" rotWithShape="0">
                       <a:schemeClr val="bg2">
@@ -4712,7 +4712,7 @@
             <a:effectLst/>
             <a:extLst>
               <a:ext uri="{91240B29-F687-4f45-9708-019B960494DF}">
-                <a14:hiddenLine xmlns="" xmlns:a14="http://schemas.microsoft.com/office/drawing/2010/main" w="9525">
+                <a14:hiddenLine xmlns:a14="http://schemas.microsoft.com/office/drawing/2010/main" xmlns="" w="9525">
                   <a:solidFill>
                     <a:schemeClr val="tx1"/>
                   </a:solidFill>
@@ -4722,7 +4722,7 @@
                 </a14:hiddenLine>
               </a:ext>
               <a:ext uri="{AF507438-7753-43e0-B8FC-AC1667EBCBE1}">
-                <a14:hiddenEffects xmlns="" xmlns:a14="http://schemas.microsoft.com/office/drawing/2010/main">
+                <a14:hiddenEffects xmlns:a14="http://schemas.microsoft.com/office/drawing/2010/main" xmlns="">
                   <a:effectLst>
                     <a:outerShdw blurRad="63500" dist="38099" dir="2700000" algn="ctr" rotWithShape="0">
                       <a:schemeClr val="bg2">
@@ -4767,7 +4767,7 @@
             <a:effectLst/>
             <a:extLst>
               <a:ext uri="{91240B29-F687-4f45-9708-019B960494DF}">
-                <a14:hiddenLine xmlns="" xmlns:a14="http://schemas.microsoft.com/office/drawing/2010/main" w="9525">
+                <a14:hiddenLine xmlns:a14="http://schemas.microsoft.com/office/drawing/2010/main" xmlns="" w="9525">
                   <a:solidFill>
                     <a:schemeClr val="tx1"/>
                   </a:solidFill>
@@ -4777,7 +4777,7 @@
                 </a14:hiddenLine>
               </a:ext>
               <a:ext uri="{AF507438-7753-43e0-B8FC-AC1667EBCBE1}">
-                <a14:hiddenEffects xmlns="" xmlns:a14="http://schemas.microsoft.com/office/drawing/2010/main">
+                <a14:hiddenEffects xmlns:a14="http://schemas.microsoft.com/office/drawing/2010/main" xmlns="">
                   <a:effectLst>
                     <a:outerShdw blurRad="63500" dist="38099" dir="2700000" algn="ctr" rotWithShape="0">
                       <a:schemeClr val="bg2">
@@ -4822,7 +4822,7 @@
             <a:effectLst/>
             <a:extLst>
               <a:ext uri="{91240B29-F687-4f45-9708-019B960494DF}">
-                <a14:hiddenLine xmlns="" xmlns:a14="http://schemas.microsoft.com/office/drawing/2010/main" w="9525">
+                <a14:hiddenLine xmlns:a14="http://schemas.microsoft.com/office/drawing/2010/main" xmlns="" w="9525">
                   <a:solidFill>
                     <a:schemeClr val="tx1"/>
                   </a:solidFill>
@@ -4832,7 +4832,7 @@
                 </a14:hiddenLine>
               </a:ext>
               <a:ext uri="{AF507438-7753-43e0-B8FC-AC1667EBCBE1}">
-                <a14:hiddenEffects xmlns="" xmlns:a14="http://schemas.microsoft.com/office/drawing/2010/main">
+                <a14:hiddenEffects xmlns:a14="http://schemas.microsoft.com/office/drawing/2010/main" xmlns="">
                   <a:effectLst>
                     <a:outerShdw blurRad="63500" dist="38099" dir="2700000" algn="ctr" rotWithShape="0">
                       <a:schemeClr val="bg2">
@@ -4877,7 +4877,7 @@
             <a:effectLst/>
             <a:extLst>
               <a:ext uri="{91240B29-F687-4f45-9708-019B960494DF}">
-                <a14:hiddenLine xmlns="" xmlns:a14="http://schemas.microsoft.com/office/drawing/2010/main" w="9525">
+                <a14:hiddenLine xmlns:a14="http://schemas.microsoft.com/office/drawing/2010/main" xmlns="" w="9525">
                   <a:solidFill>
                     <a:schemeClr val="tx1"/>
                   </a:solidFill>
@@ -4887,7 +4887,7 @@
                 </a14:hiddenLine>
               </a:ext>
               <a:ext uri="{AF507438-7753-43e0-B8FC-AC1667EBCBE1}">
-                <a14:hiddenEffects xmlns="" xmlns:a14="http://schemas.microsoft.com/office/drawing/2010/main">
+                <a14:hiddenEffects xmlns:a14="http://schemas.microsoft.com/office/drawing/2010/main" xmlns="">
                   <a:effectLst>
                     <a:outerShdw blurRad="63500" dist="38099" dir="2700000" algn="ctr" rotWithShape="0">
                       <a:schemeClr val="bg2">
@@ -4932,7 +4932,7 @@
             <a:effectLst/>
             <a:extLst>
               <a:ext uri="{91240B29-F687-4f45-9708-019B960494DF}">
-                <a14:hiddenLine xmlns="" xmlns:a14="http://schemas.microsoft.com/office/drawing/2010/main" w="9525">
+                <a14:hiddenLine xmlns:a14="http://schemas.microsoft.com/office/drawing/2010/main" xmlns="" w="9525">
                   <a:solidFill>
                     <a:schemeClr val="tx1"/>
                   </a:solidFill>
@@ -4942,7 +4942,7 @@
                 </a14:hiddenLine>
               </a:ext>
               <a:ext uri="{AF507438-7753-43e0-B8FC-AC1667EBCBE1}">
-                <a14:hiddenEffects xmlns="" xmlns:a14="http://schemas.microsoft.com/office/drawing/2010/main">
+                <a14:hiddenEffects xmlns:a14="http://schemas.microsoft.com/office/drawing/2010/main" xmlns="">
                   <a:effectLst>
                     <a:outerShdw blurRad="63500" dist="38099" dir="2700000" algn="ctr" rotWithShape="0">
                       <a:schemeClr val="bg2">
@@ -4987,7 +4987,7 @@
             <a:effectLst/>
             <a:extLst>
               <a:ext uri="{91240B29-F687-4f45-9708-019B960494DF}">
-                <a14:hiddenLine xmlns="" xmlns:a14="http://schemas.microsoft.com/office/drawing/2010/main" w="9525">
+                <a14:hiddenLine xmlns:a14="http://schemas.microsoft.com/office/drawing/2010/main" xmlns="" w="9525">
                   <a:solidFill>
                     <a:schemeClr val="tx1"/>
                   </a:solidFill>
@@ -4997,7 +4997,7 @@
                 </a14:hiddenLine>
               </a:ext>
               <a:ext uri="{AF507438-7753-43e0-B8FC-AC1667EBCBE1}">
-                <a14:hiddenEffects xmlns="" xmlns:a14="http://schemas.microsoft.com/office/drawing/2010/main">
+                <a14:hiddenEffects xmlns:a14="http://schemas.microsoft.com/office/drawing/2010/main" xmlns="">
                   <a:effectLst>
                     <a:outerShdw blurRad="63500" dist="38099" dir="2700000" algn="ctr" rotWithShape="0">
                       <a:schemeClr val="bg2">
@@ -5042,7 +5042,7 @@
             <a:effectLst/>
             <a:extLst>
               <a:ext uri="{91240B29-F687-4f45-9708-019B960494DF}">
-                <a14:hiddenLine xmlns="" xmlns:a14="http://schemas.microsoft.com/office/drawing/2010/main" w="9525">
+                <a14:hiddenLine xmlns:a14="http://schemas.microsoft.com/office/drawing/2010/main" xmlns="" w="9525">
                   <a:solidFill>
                     <a:schemeClr val="tx1"/>
                   </a:solidFill>
@@ -5052,7 +5052,7 @@
                 </a14:hiddenLine>
               </a:ext>
               <a:ext uri="{AF507438-7753-43e0-B8FC-AC1667EBCBE1}">
-                <a14:hiddenEffects xmlns="" xmlns:a14="http://schemas.microsoft.com/office/drawing/2010/main">
+                <a14:hiddenEffects xmlns:a14="http://schemas.microsoft.com/office/drawing/2010/main" xmlns="">
                   <a:effectLst>
                     <a:outerShdw blurRad="63500" dist="38099" dir="2700000" algn="ctr" rotWithShape="0">
                       <a:schemeClr val="bg2">
@@ -5097,7 +5097,7 @@
             <a:effectLst/>
             <a:extLst>
               <a:ext uri="{91240B29-F687-4f45-9708-019B960494DF}">
-                <a14:hiddenLine xmlns="" xmlns:a14="http://schemas.microsoft.com/office/drawing/2010/main" w="9525">
+                <a14:hiddenLine xmlns:a14="http://schemas.microsoft.com/office/drawing/2010/main" xmlns="" w="9525">
                   <a:solidFill>
                     <a:schemeClr val="tx1"/>
                   </a:solidFill>
@@ -5107,7 +5107,7 @@
                 </a14:hiddenLine>
               </a:ext>
               <a:ext uri="{AF507438-7753-43e0-B8FC-AC1667EBCBE1}">
-                <a14:hiddenEffects xmlns="" xmlns:a14="http://schemas.microsoft.com/office/drawing/2010/main">
+                <a14:hiddenEffects xmlns:a14="http://schemas.microsoft.com/office/drawing/2010/main" xmlns="">
                   <a:effectLst>
                     <a:outerShdw blurRad="63500" dist="38099" dir="2700000" algn="ctr" rotWithShape="0">
                       <a:schemeClr val="bg2">
@@ -5152,7 +5152,7 @@
             <a:effectLst/>
             <a:extLst>
               <a:ext uri="{91240B29-F687-4f45-9708-019B960494DF}">
-                <a14:hiddenLine xmlns="" xmlns:a14="http://schemas.microsoft.com/office/drawing/2010/main" w="9525">
+                <a14:hiddenLine xmlns:a14="http://schemas.microsoft.com/office/drawing/2010/main" xmlns="" w="9525">
                   <a:solidFill>
                     <a:schemeClr val="tx1"/>
                   </a:solidFill>
@@ -5162,7 +5162,7 @@
                 </a14:hiddenLine>
               </a:ext>
               <a:ext uri="{AF507438-7753-43e0-B8FC-AC1667EBCBE1}">
-                <a14:hiddenEffects xmlns="" xmlns:a14="http://schemas.microsoft.com/office/drawing/2010/main">
+                <a14:hiddenEffects xmlns:a14="http://schemas.microsoft.com/office/drawing/2010/main" xmlns="">
                   <a:effectLst>
                     <a:outerShdw blurRad="63500" dist="38099" dir="2700000" algn="ctr" rotWithShape="0">
                       <a:schemeClr val="bg2">
@@ -5207,7 +5207,7 @@
             <a:effectLst/>
             <a:extLst>
               <a:ext uri="{91240B29-F687-4f45-9708-019B960494DF}">
-                <a14:hiddenLine xmlns="" xmlns:a14="http://schemas.microsoft.com/office/drawing/2010/main" w="9525">
+                <a14:hiddenLine xmlns:a14="http://schemas.microsoft.com/office/drawing/2010/main" xmlns="" w="9525">
                   <a:solidFill>
                     <a:schemeClr val="tx1"/>
                   </a:solidFill>
@@ -5217,7 +5217,7 @@
                 </a14:hiddenLine>
               </a:ext>
               <a:ext uri="{AF507438-7753-43e0-B8FC-AC1667EBCBE1}">
-                <a14:hiddenEffects xmlns="" xmlns:a14="http://schemas.microsoft.com/office/drawing/2010/main">
+                <a14:hiddenEffects xmlns:a14="http://schemas.microsoft.com/office/drawing/2010/main" xmlns="">
                   <a:effectLst>
                     <a:outerShdw blurRad="63500" dist="38099" dir="2700000" algn="ctr" rotWithShape="0">
                       <a:schemeClr val="bg2">
@@ -5262,7 +5262,7 @@
             <a:effectLst/>
             <a:extLst>
               <a:ext uri="{91240B29-F687-4f45-9708-019B960494DF}">
-                <a14:hiddenLine xmlns="" xmlns:a14="http://schemas.microsoft.com/office/drawing/2010/main" w="9525">
+                <a14:hiddenLine xmlns:a14="http://schemas.microsoft.com/office/drawing/2010/main" xmlns="" w="9525">
                   <a:solidFill>
                     <a:schemeClr val="tx1"/>
                   </a:solidFill>
@@ -5272,7 +5272,7 @@
                 </a14:hiddenLine>
               </a:ext>
               <a:ext uri="{AF507438-7753-43e0-B8FC-AC1667EBCBE1}">
-                <a14:hiddenEffects xmlns="" xmlns:a14="http://schemas.microsoft.com/office/drawing/2010/main">
+                <a14:hiddenEffects xmlns:a14="http://schemas.microsoft.com/office/drawing/2010/main" xmlns="">
                   <a:effectLst>
                     <a:outerShdw blurRad="63500" dist="38099" dir="2700000" algn="ctr" rotWithShape="0">
                       <a:schemeClr val="bg2">
@@ -5317,7 +5317,7 @@
             <a:effectLst/>
             <a:extLst>
               <a:ext uri="{91240B29-F687-4f45-9708-019B960494DF}">
-                <a14:hiddenLine xmlns="" xmlns:a14="http://schemas.microsoft.com/office/drawing/2010/main" w="9525">
+                <a14:hiddenLine xmlns:a14="http://schemas.microsoft.com/office/drawing/2010/main" xmlns="" w="9525">
                   <a:solidFill>
                     <a:schemeClr val="tx1"/>
                   </a:solidFill>
@@ -5327,7 +5327,7 @@
                 </a14:hiddenLine>
               </a:ext>
               <a:ext uri="{AF507438-7753-43e0-B8FC-AC1667EBCBE1}">
-                <a14:hiddenEffects xmlns="" xmlns:a14="http://schemas.microsoft.com/office/drawing/2010/main">
+                <a14:hiddenEffects xmlns:a14="http://schemas.microsoft.com/office/drawing/2010/main" xmlns="">
                   <a:effectLst>
                     <a:outerShdw blurRad="63500" dist="38099" dir="2700000" algn="ctr" rotWithShape="0">
                       <a:schemeClr val="bg2">
@@ -5372,7 +5372,7 @@
             <a:effectLst/>
             <a:extLst>
               <a:ext uri="{91240B29-F687-4f45-9708-019B960494DF}">
-                <a14:hiddenLine xmlns="" xmlns:a14="http://schemas.microsoft.com/office/drawing/2010/main" w="9525">
+                <a14:hiddenLine xmlns:a14="http://schemas.microsoft.com/office/drawing/2010/main" xmlns="" w="9525">
                   <a:solidFill>
                     <a:schemeClr val="tx1"/>
                   </a:solidFill>
@@ -5382,7 +5382,7 @@
                 </a14:hiddenLine>
               </a:ext>
               <a:ext uri="{AF507438-7753-43e0-B8FC-AC1667EBCBE1}">
-                <a14:hiddenEffects xmlns="" xmlns:a14="http://schemas.microsoft.com/office/drawing/2010/main">
+                <a14:hiddenEffects xmlns:a14="http://schemas.microsoft.com/office/drawing/2010/main" xmlns="">
                   <a:effectLst>
                     <a:outerShdw blurRad="63500" dist="38099" dir="2700000" algn="ctr" rotWithShape="0">
                       <a:schemeClr val="bg2">
@@ -5427,7 +5427,7 @@
             <a:effectLst/>
             <a:extLst>
               <a:ext uri="{91240B29-F687-4f45-9708-019B960494DF}">
-                <a14:hiddenLine xmlns="" xmlns:a14="http://schemas.microsoft.com/office/drawing/2010/main" w="9525">
+                <a14:hiddenLine xmlns:a14="http://schemas.microsoft.com/office/drawing/2010/main" xmlns="" w="9525">
                   <a:solidFill>
                     <a:schemeClr val="tx1"/>
                   </a:solidFill>
@@ -5437,7 +5437,7 @@
                 </a14:hiddenLine>
               </a:ext>
               <a:ext uri="{AF507438-7753-43e0-B8FC-AC1667EBCBE1}">
-                <a14:hiddenEffects xmlns="" xmlns:a14="http://schemas.microsoft.com/office/drawing/2010/main">
+                <a14:hiddenEffects xmlns:a14="http://schemas.microsoft.com/office/drawing/2010/main" xmlns="">
                   <a:effectLst>
                     <a:outerShdw blurRad="63500" dist="38099" dir="2700000" algn="ctr" rotWithShape="0">
                       <a:schemeClr val="bg2">
@@ -5482,7 +5482,7 @@
             <a:effectLst/>
             <a:extLst>
               <a:ext uri="{91240B29-F687-4f45-9708-019B960494DF}">
-                <a14:hiddenLine xmlns="" xmlns:a14="http://schemas.microsoft.com/office/drawing/2010/main" w="9525">
+                <a14:hiddenLine xmlns:a14="http://schemas.microsoft.com/office/drawing/2010/main" xmlns="" w="9525">
                   <a:solidFill>
                     <a:schemeClr val="tx1"/>
                   </a:solidFill>
@@ -5492,7 +5492,7 @@
                 </a14:hiddenLine>
               </a:ext>
               <a:ext uri="{AF507438-7753-43e0-B8FC-AC1667EBCBE1}">
-                <a14:hiddenEffects xmlns="" xmlns:a14="http://schemas.microsoft.com/office/drawing/2010/main">
+                <a14:hiddenEffects xmlns:a14="http://schemas.microsoft.com/office/drawing/2010/main" xmlns="">
                   <a:effectLst>
                     <a:outerShdw blurRad="63500" dist="38099" dir="2700000" algn="ctr" rotWithShape="0">
                       <a:schemeClr val="bg2">
@@ -5541,12 +5541,12 @@
           <a:effectLst/>
           <a:extLst>
             <a:ext uri="{909E8E84-426E-40dd-AFC4-6F175D3DCCD1}">
-              <a14:hiddenFill xmlns="" xmlns:a14="http://schemas.microsoft.com/office/drawing/2010/main">
+              <a14:hiddenFill xmlns:a14="http://schemas.microsoft.com/office/drawing/2010/main" xmlns="">
                 <a:noFill/>
               </a14:hiddenFill>
             </a:ext>
             <a:ext uri="{AF507438-7753-43e0-B8FC-AC1667EBCBE1}">
-              <a14:hiddenEffects xmlns="" xmlns:a14="http://schemas.microsoft.com/office/drawing/2010/main">
+              <a14:hiddenEffects xmlns:a14="http://schemas.microsoft.com/office/drawing/2010/main" xmlns="">
                 <a:effectLst>
                   <a:outerShdw blurRad="63500" dist="38099" dir="2700000" algn="ctr" rotWithShape="0">
                     <a:schemeClr val="bg2">
@@ -7870,12 +7870,12 @@
           <a:effectLst/>
           <a:extLst>
             <a:ext uri="{909E8E84-426E-40dd-AFC4-6F175D3DCCD1}">
-              <a14:hiddenFill xmlns="" xmlns:a14="http://schemas.microsoft.com/office/drawing/2010/main">
+              <a14:hiddenFill xmlns:a14="http://schemas.microsoft.com/office/drawing/2010/main" xmlns="">
                 <a:noFill/>
               </a14:hiddenFill>
             </a:ext>
             <a:ext uri="{AF507438-7753-43e0-B8FC-AC1667EBCBE1}">
-              <a14:hiddenEffects xmlns="" xmlns:a14="http://schemas.microsoft.com/office/drawing/2010/main">
+              <a14:hiddenEffects xmlns:a14="http://schemas.microsoft.com/office/drawing/2010/main" xmlns="">
                 <a:effectLst>
                   <a:outerShdw blurRad="63500" dist="38099" dir="2700000" algn="ctr" rotWithShape="0">
                     <a:schemeClr val="bg2">
@@ -7920,17 +7920,17 @@
           <a:effectLst/>
           <a:extLst>
             <a:ext uri="{FAA26D3D-D897-4be2-8F04-BA451C77F1D7}">
-              <ma14:placeholderFlag xmlns="" xmlns:ma14="http://schemas.microsoft.com/office/mac/drawingml/2011/main" val="1"/>
-            </a:ext>
-            <a:ext uri="{909E8E84-426E-40dd-AFC4-6F175D3DCCD1}">
-              <a14:hiddenFill xmlns="" xmlns:a14="http://schemas.microsoft.com/office/drawing/2010/main">
+              <ma14:placeholderFlag xmlns:ma14="http://schemas.microsoft.com/office/mac/drawingml/2011/main" xmlns="" val="1"/>
+            </a:ext>
+            <a:ext uri="{909E8E84-426E-40dd-AFC4-6F175D3DCCD1}">
+              <a14:hiddenFill xmlns:a14="http://schemas.microsoft.com/office/drawing/2010/main" xmlns="">
                 <a:solidFill>
                   <a:schemeClr val="accent1"/>
                 </a:solidFill>
               </a14:hiddenFill>
             </a:ext>
             <a:ext uri="{91240B29-F687-4f45-9708-019B960494DF}">
-              <a14:hiddenLine xmlns="" xmlns:a14="http://schemas.microsoft.com/office/drawing/2010/main" w="9525">
+              <a14:hiddenLine xmlns:a14="http://schemas.microsoft.com/office/drawing/2010/main" xmlns="" w="9525">
                 <a:solidFill>
                   <a:schemeClr val="tx1"/>
                 </a:solidFill>
@@ -7940,7 +7940,7 @@
               </a14:hiddenLine>
             </a:ext>
             <a:ext uri="{AF507438-7753-43e0-B8FC-AC1667EBCBE1}">
-              <a14:hiddenEffects xmlns="" xmlns:a14="http://schemas.microsoft.com/office/drawing/2010/main">
+              <a14:hiddenEffects xmlns:a14="http://schemas.microsoft.com/office/drawing/2010/main" xmlns="">
                 <a:effectLst>
                   <a:outerShdw blurRad="63500" dist="38099" dir="2700000" algn="ctr" rotWithShape="0">
                     <a:schemeClr val="bg2">
@@ -7993,17 +7993,17 @@
           <a:effectLst/>
           <a:extLst>
             <a:ext uri="{FAA26D3D-D897-4be2-8F04-BA451C77F1D7}">
-              <ma14:placeholderFlag xmlns="" xmlns:ma14="http://schemas.microsoft.com/office/mac/drawingml/2011/main" val="1"/>
-            </a:ext>
-            <a:ext uri="{909E8E84-426E-40dd-AFC4-6F175D3DCCD1}">
-              <a14:hiddenFill xmlns="" xmlns:a14="http://schemas.microsoft.com/office/drawing/2010/main">
+              <ma14:placeholderFlag xmlns:ma14="http://schemas.microsoft.com/office/mac/drawingml/2011/main" xmlns="" val="1"/>
+            </a:ext>
+            <a:ext uri="{909E8E84-426E-40dd-AFC4-6F175D3DCCD1}">
+              <a14:hiddenFill xmlns:a14="http://schemas.microsoft.com/office/drawing/2010/main" xmlns="">
                 <a:solidFill>
                   <a:schemeClr val="accent1"/>
                 </a:solidFill>
               </a14:hiddenFill>
             </a:ext>
             <a:ext uri="{91240B29-F687-4f45-9708-019B960494DF}">
-              <a14:hiddenLine xmlns="" xmlns:a14="http://schemas.microsoft.com/office/drawing/2010/main" w="9525">
+              <a14:hiddenLine xmlns:a14="http://schemas.microsoft.com/office/drawing/2010/main" xmlns="" w="9525">
                 <a:solidFill>
                   <a:schemeClr val="tx1"/>
                 </a:solidFill>
@@ -8013,7 +8013,7 @@
               </a14:hiddenLine>
             </a:ext>
             <a:ext uri="{AF507438-7753-43e0-B8FC-AC1667EBCBE1}">
-              <a14:hiddenEffects xmlns="" xmlns:a14="http://schemas.microsoft.com/office/drawing/2010/main">
+              <a14:hiddenEffects xmlns:a14="http://schemas.microsoft.com/office/drawing/2010/main" xmlns="">
                 <a:effectLst>
                   <a:outerShdw blurRad="63500" dist="38099" dir="2700000" algn="ctr" rotWithShape="0">
                     <a:schemeClr val="bg2">
@@ -8094,17 +8094,17 @@
           <a:effectLst/>
           <a:extLst>
             <a:ext uri="{FAA26D3D-D897-4be2-8F04-BA451C77F1D7}">
-              <ma14:placeholderFlag xmlns="" xmlns:ma14="http://schemas.microsoft.com/office/mac/drawingml/2011/main" val="1"/>
-            </a:ext>
-            <a:ext uri="{909E8E84-426E-40dd-AFC4-6F175D3DCCD1}">
-              <a14:hiddenFill xmlns="" xmlns:a14="http://schemas.microsoft.com/office/drawing/2010/main">
+              <ma14:placeholderFlag xmlns:ma14="http://schemas.microsoft.com/office/mac/drawingml/2011/main" xmlns="" val="1"/>
+            </a:ext>
+            <a:ext uri="{909E8E84-426E-40dd-AFC4-6F175D3DCCD1}">
+              <a14:hiddenFill xmlns:a14="http://schemas.microsoft.com/office/drawing/2010/main" xmlns="">
                 <a:solidFill>
                   <a:schemeClr val="accent1"/>
                 </a:solidFill>
               </a14:hiddenFill>
             </a:ext>
             <a:ext uri="{91240B29-F687-4f45-9708-019B960494DF}">
-              <a14:hiddenLine xmlns="" xmlns:a14="http://schemas.microsoft.com/office/drawing/2010/main" w="9525">
+              <a14:hiddenLine xmlns:a14="http://schemas.microsoft.com/office/drawing/2010/main" xmlns="" w="9525">
                 <a:solidFill>
                   <a:schemeClr val="tx1"/>
                 </a:solidFill>
@@ -8114,7 +8114,7 @@
               </a14:hiddenLine>
             </a:ext>
             <a:ext uri="{AF507438-7753-43e0-B8FC-AC1667EBCBE1}">
-              <a14:hiddenEffects xmlns="" xmlns:a14="http://schemas.microsoft.com/office/drawing/2010/main">
+              <a14:hiddenEffects xmlns:a14="http://schemas.microsoft.com/office/drawing/2010/main" xmlns="">
                 <a:effectLst>
                   <a:outerShdw blurRad="63500" dist="38099" dir="2700000" algn="ctr" rotWithShape="0">
                     <a:schemeClr val="bg2">
@@ -8167,17 +8167,17 @@
           <a:effectLst/>
           <a:extLst>
             <a:ext uri="{FAA26D3D-D897-4be2-8F04-BA451C77F1D7}">
-              <ma14:placeholderFlag xmlns="" xmlns:ma14="http://schemas.microsoft.com/office/mac/drawingml/2011/main" val="1"/>
-            </a:ext>
-            <a:ext uri="{909E8E84-426E-40dd-AFC4-6F175D3DCCD1}">
-              <a14:hiddenFill xmlns="" xmlns:a14="http://schemas.microsoft.com/office/drawing/2010/main">
+              <ma14:placeholderFlag xmlns:ma14="http://schemas.microsoft.com/office/mac/drawingml/2011/main" xmlns="" val="1"/>
+            </a:ext>
+            <a:ext uri="{909E8E84-426E-40dd-AFC4-6F175D3DCCD1}">
+              <a14:hiddenFill xmlns:a14="http://schemas.microsoft.com/office/drawing/2010/main" xmlns="">
                 <a:solidFill>
                   <a:schemeClr val="accent1"/>
                 </a:solidFill>
               </a14:hiddenFill>
             </a:ext>
             <a:ext uri="{91240B29-F687-4f45-9708-019B960494DF}">
-              <a14:hiddenLine xmlns="" xmlns:a14="http://schemas.microsoft.com/office/drawing/2010/main" w="9525">
+              <a14:hiddenLine xmlns:a14="http://schemas.microsoft.com/office/drawing/2010/main" xmlns="" w="9525">
                 <a:solidFill>
                   <a:schemeClr val="tx1"/>
                 </a:solidFill>
@@ -8187,7 +8187,7 @@
               </a14:hiddenLine>
             </a:ext>
             <a:ext uri="{AF507438-7753-43e0-B8FC-AC1667EBCBE1}">
-              <a14:hiddenEffects xmlns="" xmlns:a14="http://schemas.microsoft.com/office/drawing/2010/main">
+              <a14:hiddenEffects xmlns:a14="http://schemas.microsoft.com/office/drawing/2010/main" xmlns="">
                 <a:effectLst>
                   <a:outerShdw blurRad="63500" dist="38099" dir="2700000" algn="ctr" rotWithShape="0">
                     <a:schemeClr val="bg2">
@@ -8240,17 +8240,17 @@
           <a:effectLst/>
           <a:extLst>
             <a:ext uri="{FAA26D3D-D897-4be2-8F04-BA451C77F1D7}">
-              <ma14:placeholderFlag xmlns="" xmlns:ma14="http://schemas.microsoft.com/office/mac/drawingml/2011/main" val="1"/>
-            </a:ext>
-            <a:ext uri="{909E8E84-426E-40dd-AFC4-6F175D3DCCD1}">
-              <a14:hiddenFill xmlns="" xmlns:a14="http://schemas.microsoft.com/office/drawing/2010/main">
+              <ma14:placeholderFlag xmlns:ma14="http://schemas.microsoft.com/office/mac/drawingml/2011/main" xmlns="" val="1"/>
+            </a:ext>
+            <a:ext uri="{909E8E84-426E-40dd-AFC4-6F175D3DCCD1}">
+              <a14:hiddenFill xmlns:a14="http://schemas.microsoft.com/office/drawing/2010/main" xmlns="">
                 <a:solidFill>
                   <a:schemeClr val="accent1"/>
                 </a:solidFill>
               </a14:hiddenFill>
             </a:ext>
             <a:ext uri="{91240B29-F687-4f45-9708-019B960494DF}">
-              <a14:hiddenLine xmlns="" xmlns:a14="http://schemas.microsoft.com/office/drawing/2010/main" w="9525">
+              <a14:hiddenLine xmlns:a14="http://schemas.microsoft.com/office/drawing/2010/main" xmlns="" w="9525">
                 <a:solidFill>
                   <a:schemeClr val="tx1"/>
                 </a:solidFill>
@@ -8260,7 +8260,7 @@
               </a14:hiddenLine>
             </a:ext>
             <a:ext uri="{AF507438-7753-43e0-B8FC-AC1667EBCBE1}">
-              <a14:hiddenEffects xmlns="" xmlns:a14="http://schemas.microsoft.com/office/drawing/2010/main">
+              <a14:hiddenEffects xmlns:a14="http://schemas.microsoft.com/office/drawing/2010/main" xmlns="">
                 <a:effectLst>
                   <a:outerShdw blurRad="63500" dist="38099" dir="2700000" algn="ctr" rotWithShape="0">
                     <a:schemeClr val="bg2">
@@ -8334,7 +8334,7 @@
             <a:effectLst/>
             <a:extLst>
               <a:ext uri="{91240B29-F687-4f45-9708-019B960494DF}">
-                <a14:hiddenLine xmlns="" xmlns:a14="http://schemas.microsoft.com/office/drawing/2010/main" w="9525">
+                <a14:hiddenLine xmlns:a14="http://schemas.microsoft.com/office/drawing/2010/main" xmlns="" w="9525">
                   <a:solidFill>
                     <a:schemeClr val="tx1"/>
                   </a:solidFill>
@@ -8344,7 +8344,7 @@
                 </a14:hiddenLine>
               </a:ext>
               <a:ext uri="{AF507438-7753-43e0-B8FC-AC1667EBCBE1}">
-                <a14:hiddenEffects xmlns="" xmlns:a14="http://schemas.microsoft.com/office/drawing/2010/main">
+                <a14:hiddenEffects xmlns:a14="http://schemas.microsoft.com/office/drawing/2010/main" xmlns="">
                   <a:effectLst>
                     <a:outerShdw blurRad="63500" dist="38099" dir="2700000" algn="ctr" rotWithShape="0">
                       <a:schemeClr val="bg2">
@@ -8389,7 +8389,7 @@
             <a:effectLst/>
             <a:extLst>
               <a:ext uri="{91240B29-F687-4f45-9708-019B960494DF}">
-                <a14:hiddenLine xmlns="" xmlns:a14="http://schemas.microsoft.com/office/drawing/2010/main" w="9525">
+                <a14:hiddenLine xmlns:a14="http://schemas.microsoft.com/office/drawing/2010/main" xmlns="" w="9525">
                   <a:solidFill>
                     <a:schemeClr val="tx1"/>
                   </a:solidFill>
@@ -8399,7 +8399,7 @@
                 </a14:hiddenLine>
               </a:ext>
               <a:ext uri="{AF507438-7753-43e0-B8FC-AC1667EBCBE1}">
-                <a14:hiddenEffects xmlns="" xmlns:a14="http://schemas.microsoft.com/office/drawing/2010/main">
+                <a14:hiddenEffects xmlns:a14="http://schemas.microsoft.com/office/drawing/2010/main" xmlns="">
                   <a:effectLst>
                     <a:outerShdw blurRad="63500" dist="38099" dir="2700000" algn="ctr" rotWithShape="0">
                       <a:schemeClr val="bg2">
@@ -8444,7 +8444,7 @@
             <a:effectLst/>
             <a:extLst>
               <a:ext uri="{91240B29-F687-4f45-9708-019B960494DF}">
-                <a14:hiddenLine xmlns="" xmlns:a14="http://schemas.microsoft.com/office/drawing/2010/main" w="9525">
+                <a14:hiddenLine xmlns:a14="http://schemas.microsoft.com/office/drawing/2010/main" xmlns="" w="9525">
                   <a:solidFill>
                     <a:schemeClr val="tx1"/>
                   </a:solidFill>
@@ -8454,7 +8454,7 @@
                 </a14:hiddenLine>
               </a:ext>
               <a:ext uri="{AF507438-7753-43e0-B8FC-AC1667EBCBE1}">
-                <a14:hiddenEffects xmlns="" xmlns:a14="http://schemas.microsoft.com/office/drawing/2010/main">
+                <a14:hiddenEffects xmlns:a14="http://schemas.microsoft.com/office/drawing/2010/main" xmlns="">
                   <a:effectLst>
                     <a:outerShdw blurRad="63500" dist="38099" dir="2700000" algn="ctr" rotWithShape="0">
                       <a:schemeClr val="bg2">
@@ -8499,7 +8499,7 @@
             <a:effectLst/>
             <a:extLst>
               <a:ext uri="{91240B29-F687-4f45-9708-019B960494DF}">
-                <a14:hiddenLine xmlns="" xmlns:a14="http://schemas.microsoft.com/office/drawing/2010/main" w="9525">
+                <a14:hiddenLine xmlns:a14="http://schemas.microsoft.com/office/drawing/2010/main" xmlns="" w="9525">
                   <a:solidFill>
                     <a:schemeClr val="tx1"/>
                   </a:solidFill>
@@ -8509,7 +8509,7 @@
                 </a14:hiddenLine>
               </a:ext>
               <a:ext uri="{AF507438-7753-43e0-B8FC-AC1667EBCBE1}">
-                <a14:hiddenEffects xmlns="" xmlns:a14="http://schemas.microsoft.com/office/drawing/2010/main">
+                <a14:hiddenEffects xmlns:a14="http://schemas.microsoft.com/office/drawing/2010/main" xmlns="">
                   <a:effectLst>
                     <a:outerShdw blurRad="63500" dist="38099" dir="2700000" algn="ctr" rotWithShape="0">
                       <a:schemeClr val="bg2">
@@ -8554,7 +8554,7 @@
             <a:effectLst/>
             <a:extLst>
               <a:ext uri="{91240B29-F687-4f45-9708-019B960494DF}">
-                <a14:hiddenLine xmlns="" xmlns:a14="http://schemas.microsoft.com/office/drawing/2010/main" w="9525">
+                <a14:hiddenLine xmlns:a14="http://schemas.microsoft.com/office/drawing/2010/main" xmlns="" w="9525">
                   <a:solidFill>
                     <a:schemeClr val="tx1"/>
                   </a:solidFill>
@@ -8564,7 +8564,7 @@
                 </a14:hiddenLine>
               </a:ext>
               <a:ext uri="{AF507438-7753-43e0-B8FC-AC1667EBCBE1}">
-                <a14:hiddenEffects xmlns="" xmlns:a14="http://schemas.microsoft.com/office/drawing/2010/main">
+                <a14:hiddenEffects xmlns:a14="http://schemas.microsoft.com/office/drawing/2010/main" xmlns="">
                   <a:effectLst>
                     <a:outerShdw blurRad="63500" dist="38099" dir="2700000" algn="ctr" rotWithShape="0">
                       <a:schemeClr val="bg2">
@@ -8609,7 +8609,7 @@
             <a:effectLst/>
             <a:extLst>
               <a:ext uri="{91240B29-F687-4f45-9708-019B960494DF}">
-                <a14:hiddenLine xmlns="" xmlns:a14="http://schemas.microsoft.com/office/drawing/2010/main" w="9525">
+                <a14:hiddenLine xmlns:a14="http://schemas.microsoft.com/office/drawing/2010/main" xmlns="" w="9525">
                   <a:solidFill>
                     <a:schemeClr val="tx1"/>
                   </a:solidFill>
@@ -8619,7 +8619,7 @@
                 </a14:hiddenLine>
               </a:ext>
               <a:ext uri="{AF507438-7753-43e0-B8FC-AC1667EBCBE1}">
-                <a14:hiddenEffects xmlns="" xmlns:a14="http://schemas.microsoft.com/office/drawing/2010/main">
+                <a14:hiddenEffects xmlns:a14="http://schemas.microsoft.com/office/drawing/2010/main" xmlns="">
                   <a:effectLst>
                     <a:outerShdw blurRad="63500" dist="38099" dir="2700000" algn="ctr" rotWithShape="0">
                       <a:schemeClr val="bg2">
@@ -8664,7 +8664,7 @@
             <a:effectLst/>
             <a:extLst>
               <a:ext uri="{91240B29-F687-4f45-9708-019B960494DF}">
-                <a14:hiddenLine xmlns="" xmlns:a14="http://schemas.microsoft.com/office/drawing/2010/main" w="9525">
+                <a14:hiddenLine xmlns:a14="http://schemas.microsoft.com/office/drawing/2010/main" xmlns="" w="9525">
                   <a:solidFill>
                     <a:schemeClr val="tx1"/>
                   </a:solidFill>
@@ -8674,7 +8674,7 @@
                 </a14:hiddenLine>
               </a:ext>
               <a:ext uri="{AF507438-7753-43e0-B8FC-AC1667EBCBE1}">
-                <a14:hiddenEffects xmlns="" xmlns:a14="http://schemas.microsoft.com/office/drawing/2010/main">
+                <a14:hiddenEffects xmlns:a14="http://schemas.microsoft.com/office/drawing/2010/main" xmlns="">
                   <a:effectLst>
                     <a:outerShdw blurRad="63500" dist="38099" dir="2700000" algn="ctr" rotWithShape="0">
                       <a:schemeClr val="bg2">
@@ -8719,7 +8719,7 @@
             <a:effectLst/>
             <a:extLst>
               <a:ext uri="{91240B29-F687-4f45-9708-019B960494DF}">
-                <a14:hiddenLine xmlns="" xmlns:a14="http://schemas.microsoft.com/office/drawing/2010/main" w="9525">
+                <a14:hiddenLine xmlns:a14="http://schemas.microsoft.com/office/drawing/2010/main" xmlns="" w="9525">
                   <a:solidFill>
                     <a:schemeClr val="tx1"/>
                   </a:solidFill>
@@ -8729,7 +8729,7 @@
                 </a14:hiddenLine>
               </a:ext>
               <a:ext uri="{AF507438-7753-43e0-B8FC-AC1667EBCBE1}">
-                <a14:hiddenEffects xmlns="" xmlns:a14="http://schemas.microsoft.com/office/drawing/2010/main">
+                <a14:hiddenEffects xmlns:a14="http://schemas.microsoft.com/office/drawing/2010/main" xmlns="">
                   <a:effectLst>
                     <a:outerShdw blurRad="63500" dist="38099" dir="2700000" algn="ctr" rotWithShape="0">
                       <a:schemeClr val="bg2">
@@ -8774,7 +8774,7 @@
             <a:effectLst/>
             <a:extLst>
               <a:ext uri="{91240B29-F687-4f45-9708-019B960494DF}">
-                <a14:hiddenLine xmlns="" xmlns:a14="http://schemas.microsoft.com/office/drawing/2010/main" w="9525">
+                <a14:hiddenLine xmlns:a14="http://schemas.microsoft.com/office/drawing/2010/main" xmlns="" w="9525">
                   <a:solidFill>
                     <a:schemeClr val="tx1"/>
                   </a:solidFill>
@@ -8784,7 +8784,7 @@
                 </a14:hiddenLine>
               </a:ext>
               <a:ext uri="{AF507438-7753-43e0-B8FC-AC1667EBCBE1}">
-                <a14:hiddenEffects xmlns="" xmlns:a14="http://schemas.microsoft.com/office/drawing/2010/main">
+                <a14:hiddenEffects xmlns:a14="http://schemas.microsoft.com/office/drawing/2010/main" xmlns="">
                   <a:effectLst>
                     <a:outerShdw blurRad="63500" dist="38099" dir="2700000" algn="ctr" rotWithShape="0">
                       <a:schemeClr val="bg2">
@@ -8829,7 +8829,7 @@
             <a:effectLst/>
             <a:extLst>
               <a:ext uri="{91240B29-F687-4f45-9708-019B960494DF}">
-                <a14:hiddenLine xmlns="" xmlns:a14="http://schemas.microsoft.com/office/drawing/2010/main" w="9525">
+                <a14:hiddenLine xmlns:a14="http://schemas.microsoft.com/office/drawing/2010/main" xmlns="" w="9525">
                   <a:solidFill>
                     <a:schemeClr val="tx1"/>
                   </a:solidFill>
@@ -8839,7 +8839,7 @@
                 </a14:hiddenLine>
               </a:ext>
               <a:ext uri="{AF507438-7753-43e0-B8FC-AC1667EBCBE1}">
-                <a14:hiddenEffects xmlns="" xmlns:a14="http://schemas.microsoft.com/office/drawing/2010/main">
+                <a14:hiddenEffects xmlns:a14="http://schemas.microsoft.com/office/drawing/2010/main" xmlns="">
                   <a:effectLst>
                     <a:outerShdw blurRad="63500" dist="38099" dir="2700000" algn="ctr" rotWithShape="0">
                       <a:schemeClr val="bg2">
@@ -8884,7 +8884,7 @@
             <a:effectLst/>
             <a:extLst>
               <a:ext uri="{91240B29-F687-4f45-9708-019B960494DF}">
-                <a14:hiddenLine xmlns="" xmlns:a14="http://schemas.microsoft.com/office/drawing/2010/main" w="9525">
+                <a14:hiddenLine xmlns:a14="http://schemas.microsoft.com/office/drawing/2010/main" xmlns="" w="9525">
                   <a:solidFill>
                     <a:schemeClr val="tx1"/>
                   </a:solidFill>
@@ -8894,7 +8894,7 @@
                 </a14:hiddenLine>
               </a:ext>
               <a:ext uri="{AF507438-7753-43e0-B8FC-AC1667EBCBE1}">
-                <a14:hiddenEffects xmlns="" xmlns:a14="http://schemas.microsoft.com/office/drawing/2010/main">
+                <a14:hiddenEffects xmlns:a14="http://schemas.microsoft.com/office/drawing/2010/main" xmlns="">
                   <a:effectLst>
                     <a:outerShdw blurRad="63500" dist="38099" dir="2700000" algn="ctr" rotWithShape="0">
                       <a:schemeClr val="bg2">
@@ -8939,7 +8939,7 @@
             <a:effectLst/>
             <a:extLst>
               <a:ext uri="{91240B29-F687-4f45-9708-019B960494DF}">
-                <a14:hiddenLine xmlns="" xmlns:a14="http://schemas.microsoft.com/office/drawing/2010/main" w="9525">
+                <a14:hiddenLine xmlns:a14="http://schemas.microsoft.com/office/drawing/2010/main" xmlns="" w="9525">
                   <a:solidFill>
                     <a:schemeClr val="tx1"/>
                   </a:solidFill>
@@ -8949,7 +8949,7 @@
                 </a14:hiddenLine>
               </a:ext>
               <a:ext uri="{AF507438-7753-43e0-B8FC-AC1667EBCBE1}">
-                <a14:hiddenEffects xmlns="" xmlns:a14="http://schemas.microsoft.com/office/drawing/2010/main">
+                <a14:hiddenEffects xmlns:a14="http://schemas.microsoft.com/office/drawing/2010/main" xmlns="">
                   <a:effectLst>
                     <a:outerShdw blurRad="63500" dist="38099" dir="2700000" algn="ctr" rotWithShape="0">
                       <a:schemeClr val="bg2">
@@ -8994,7 +8994,7 @@
             <a:effectLst/>
             <a:extLst>
               <a:ext uri="{91240B29-F687-4f45-9708-019B960494DF}">
-                <a14:hiddenLine xmlns="" xmlns:a14="http://schemas.microsoft.com/office/drawing/2010/main" w="9525">
+                <a14:hiddenLine xmlns:a14="http://schemas.microsoft.com/office/drawing/2010/main" xmlns="" w="9525">
                   <a:solidFill>
                     <a:schemeClr val="tx1"/>
                   </a:solidFill>
@@ -9004,7 +9004,7 @@
                 </a14:hiddenLine>
               </a:ext>
               <a:ext uri="{AF507438-7753-43e0-B8FC-AC1667EBCBE1}">
-                <a14:hiddenEffects xmlns="" xmlns:a14="http://schemas.microsoft.com/office/drawing/2010/main">
+                <a14:hiddenEffects xmlns:a14="http://schemas.microsoft.com/office/drawing/2010/main" xmlns="">
                   <a:effectLst>
                     <a:outerShdw blurRad="63500" dist="38099" dir="2700000" algn="ctr" rotWithShape="0">
                       <a:schemeClr val="bg2">
@@ -9049,7 +9049,7 @@
             <a:effectLst/>
             <a:extLst>
               <a:ext uri="{91240B29-F687-4f45-9708-019B960494DF}">
-                <a14:hiddenLine xmlns="" xmlns:a14="http://schemas.microsoft.com/office/drawing/2010/main" w="9525">
+                <a14:hiddenLine xmlns:a14="http://schemas.microsoft.com/office/drawing/2010/main" xmlns="" w="9525">
                   <a:solidFill>
                     <a:schemeClr val="tx1"/>
                   </a:solidFill>
@@ -9059,7 +9059,7 @@
                 </a14:hiddenLine>
               </a:ext>
               <a:ext uri="{AF507438-7753-43e0-B8FC-AC1667EBCBE1}">
-                <a14:hiddenEffects xmlns="" xmlns:a14="http://schemas.microsoft.com/office/drawing/2010/main">
+                <a14:hiddenEffects xmlns:a14="http://schemas.microsoft.com/office/drawing/2010/main" xmlns="">
                   <a:effectLst>
                     <a:outerShdw blurRad="63500" dist="38099" dir="2700000" algn="ctr" rotWithShape="0">
                       <a:schemeClr val="bg2">
@@ -9104,7 +9104,7 @@
             <a:effectLst/>
             <a:extLst>
               <a:ext uri="{91240B29-F687-4f45-9708-019B960494DF}">
-                <a14:hiddenLine xmlns="" xmlns:a14="http://schemas.microsoft.com/office/drawing/2010/main" w="9525">
+                <a14:hiddenLine xmlns:a14="http://schemas.microsoft.com/office/drawing/2010/main" xmlns="" w="9525">
                   <a:solidFill>
                     <a:schemeClr val="tx1"/>
                   </a:solidFill>
@@ -9114,7 +9114,7 @@
                 </a14:hiddenLine>
               </a:ext>
               <a:ext uri="{AF507438-7753-43e0-B8FC-AC1667EBCBE1}">
-                <a14:hiddenEffects xmlns="" xmlns:a14="http://schemas.microsoft.com/office/drawing/2010/main">
+                <a14:hiddenEffects xmlns:a14="http://schemas.microsoft.com/office/drawing/2010/main" xmlns="">
                   <a:effectLst>
                     <a:outerShdw blurRad="63500" dist="38099" dir="2700000" algn="ctr" rotWithShape="0">
                       <a:schemeClr val="bg2">
@@ -9159,7 +9159,7 @@
             <a:effectLst/>
             <a:extLst>
               <a:ext uri="{91240B29-F687-4f45-9708-019B960494DF}">
-                <a14:hiddenLine xmlns="" xmlns:a14="http://schemas.microsoft.com/office/drawing/2010/main" w="9525">
+                <a14:hiddenLine xmlns:a14="http://schemas.microsoft.com/office/drawing/2010/main" xmlns="" w="9525">
                   <a:solidFill>
                     <a:schemeClr val="tx1"/>
                   </a:solidFill>
@@ -9169,7 +9169,7 @@
                 </a14:hiddenLine>
               </a:ext>
               <a:ext uri="{AF507438-7753-43e0-B8FC-AC1667EBCBE1}">
-                <a14:hiddenEffects xmlns="" xmlns:a14="http://schemas.microsoft.com/office/drawing/2010/main">
+                <a14:hiddenEffects xmlns:a14="http://schemas.microsoft.com/office/drawing/2010/main" xmlns="">
                   <a:effectLst>
                     <a:outerShdw blurRad="63500" dist="38099" dir="2700000" algn="ctr" rotWithShape="0">
                       <a:schemeClr val="bg2">
@@ -9214,7 +9214,7 @@
             <a:effectLst/>
             <a:extLst>
               <a:ext uri="{91240B29-F687-4f45-9708-019B960494DF}">
-                <a14:hiddenLine xmlns="" xmlns:a14="http://schemas.microsoft.com/office/drawing/2010/main" w="9525">
+                <a14:hiddenLine xmlns:a14="http://schemas.microsoft.com/office/drawing/2010/main" xmlns="" w="9525">
                   <a:solidFill>
                     <a:schemeClr val="tx1"/>
                   </a:solidFill>
@@ -9224,7 +9224,7 @@
                 </a14:hiddenLine>
               </a:ext>
               <a:ext uri="{AF507438-7753-43e0-B8FC-AC1667EBCBE1}">
-                <a14:hiddenEffects xmlns="" xmlns:a14="http://schemas.microsoft.com/office/drawing/2010/main">
+                <a14:hiddenEffects xmlns:a14="http://schemas.microsoft.com/office/drawing/2010/main" xmlns="">
                   <a:effectLst>
                     <a:outerShdw blurRad="63500" dist="38099" dir="2700000" algn="ctr" rotWithShape="0">
                       <a:schemeClr val="bg2">
@@ -9269,7 +9269,7 @@
             <a:effectLst/>
             <a:extLst>
               <a:ext uri="{91240B29-F687-4f45-9708-019B960494DF}">
-                <a14:hiddenLine xmlns="" xmlns:a14="http://schemas.microsoft.com/office/drawing/2010/main" w="9525">
+                <a14:hiddenLine xmlns:a14="http://schemas.microsoft.com/office/drawing/2010/main" xmlns="" w="9525">
                   <a:solidFill>
                     <a:schemeClr val="tx1"/>
                   </a:solidFill>
@@ -9279,7 +9279,7 @@
                 </a14:hiddenLine>
               </a:ext>
               <a:ext uri="{AF507438-7753-43e0-B8FC-AC1667EBCBE1}">
-                <a14:hiddenEffects xmlns="" xmlns:a14="http://schemas.microsoft.com/office/drawing/2010/main">
+                <a14:hiddenEffects xmlns:a14="http://schemas.microsoft.com/office/drawing/2010/main" xmlns="">
                   <a:effectLst>
                     <a:outerShdw blurRad="63500" dist="38099" dir="2700000" algn="ctr" rotWithShape="0">
                       <a:schemeClr val="bg2">
@@ -9324,7 +9324,7 @@
             <a:effectLst/>
             <a:extLst>
               <a:ext uri="{91240B29-F687-4f45-9708-019B960494DF}">
-                <a14:hiddenLine xmlns="" xmlns:a14="http://schemas.microsoft.com/office/drawing/2010/main" w="9525">
+                <a14:hiddenLine xmlns:a14="http://schemas.microsoft.com/office/drawing/2010/main" xmlns="" w="9525">
                   <a:solidFill>
                     <a:schemeClr val="tx1"/>
                   </a:solidFill>
@@ -9334,7 +9334,7 @@
                 </a14:hiddenLine>
               </a:ext>
               <a:ext uri="{AF507438-7753-43e0-B8FC-AC1667EBCBE1}">
-                <a14:hiddenEffects xmlns="" xmlns:a14="http://schemas.microsoft.com/office/drawing/2010/main">
+                <a14:hiddenEffects xmlns:a14="http://schemas.microsoft.com/office/drawing/2010/main" xmlns="">
                   <a:effectLst>
                     <a:outerShdw blurRad="63500" dist="38099" dir="2700000" algn="ctr" rotWithShape="0">
                       <a:schemeClr val="bg2">
@@ -9379,7 +9379,7 @@
             <a:effectLst/>
             <a:extLst>
               <a:ext uri="{91240B29-F687-4f45-9708-019B960494DF}">
-                <a14:hiddenLine xmlns="" xmlns:a14="http://schemas.microsoft.com/office/drawing/2010/main" w="9525">
+                <a14:hiddenLine xmlns:a14="http://schemas.microsoft.com/office/drawing/2010/main" xmlns="" w="9525">
                   <a:solidFill>
                     <a:schemeClr val="tx1"/>
                   </a:solidFill>
@@ -9389,7 +9389,7 @@
                 </a14:hiddenLine>
               </a:ext>
               <a:ext uri="{AF507438-7753-43e0-B8FC-AC1667EBCBE1}">
-                <a14:hiddenEffects xmlns="" xmlns:a14="http://schemas.microsoft.com/office/drawing/2010/main">
+                <a14:hiddenEffects xmlns:a14="http://schemas.microsoft.com/office/drawing/2010/main" xmlns="">
                   <a:effectLst>
                     <a:outerShdw blurRad="63500" dist="38099" dir="2700000" algn="ctr" rotWithShape="0">
                       <a:schemeClr val="bg2">
@@ -9434,7 +9434,7 @@
             <a:effectLst/>
             <a:extLst>
               <a:ext uri="{91240B29-F687-4f45-9708-019B960494DF}">
-                <a14:hiddenLine xmlns="" xmlns:a14="http://schemas.microsoft.com/office/drawing/2010/main" w="9525">
+                <a14:hiddenLine xmlns:a14="http://schemas.microsoft.com/office/drawing/2010/main" xmlns="" w="9525">
                   <a:solidFill>
                     <a:schemeClr val="tx1"/>
                   </a:solidFill>
@@ -9444,7 +9444,7 @@
                 </a14:hiddenLine>
               </a:ext>
               <a:ext uri="{AF507438-7753-43e0-B8FC-AC1667EBCBE1}">
-                <a14:hiddenEffects xmlns="" xmlns:a14="http://schemas.microsoft.com/office/drawing/2010/main">
+                <a14:hiddenEffects xmlns:a14="http://schemas.microsoft.com/office/drawing/2010/main" xmlns="">
                   <a:effectLst>
                     <a:outerShdw blurRad="63500" dist="38099" dir="2700000" algn="ctr" rotWithShape="0">
                       <a:schemeClr val="bg2">
@@ -9489,7 +9489,7 @@
             <a:effectLst/>
             <a:extLst>
               <a:ext uri="{91240B29-F687-4f45-9708-019B960494DF}">
-                <a14:hiddenLine xmlns="" xmlns:a14="http://schemas.microsoft.com/office/drawing/2010/main" w="9525">
+                <a14:hiddenLine xmlns:a14="http://schemas.microsoft.com/office/drawing/2010/main" xmlns="" w="9525">
                   <a:solidFill>
                     <a:schemeClr val="tx1"/>
                   </a:solidFill>
@@ -9499,7 +9499,7 @@
                 </a14:hiddenLine>
               </a:ext>
               <a:ext uri="{AF507438-7753-43e0-B8FC-AC1667EBCBE1}">
-                <a14:hiddenEffects xmlns="" xmlns:a14="http://schemas.microsoft.com/office/drawing/2010/main">
+                <a14:hiddenEffects xmlns:a14="http://schemas.microsoft.com/office/drawing/2010/main" xmlns="">
                   <a:effectLst>
                     <a:outerShdw blurRad="63500" dist="38099" dir="2700000" algn="ctr" rotWithShape="0">
                       <a:schemeClr val="bg2">
@@ -9544,7 +9544,7 @@
             <a:effectLst/>
             <a:extLst>
               <a:ext uri="{91240B29-F687-4f45-9708-019B960494DF}">
-                <a14:hiddenLine xmlns="" xmlns:a14="http://schemas.microsoft.com/office/drawing/2010/main" w="9525">
+                <a14:hiddenLine xmlns:a14="http://schemas.microsoft.com/office/drawing/2010/main" xmlns="" w="9525">
                   <a:solidFill>
                     <a:schemeClr val="tx1"/>
                   </a:solidFill>
@@ -9554,7 +9554,7 @@
                 </a14:hiddenLine>
               </a:ext>
               <a:ext uri="{AF507438-7753-43e0-B8FC-AC1667EBCBE1}">
-                <a14:hiddenEffects xmlns="" xmlns:a14="http://schemas.microsoft.com/office/drawing/2010/main">
+                <a14:hiddenEffects xmlns:a14="http://schemas.microsoft.com/office/drawing/2010/main" xmlns="">
                   <a:effectLst>
                     <a:outerShdw blurRad="63500" dist="38099" dir="2700000" algn="ctr" rotWithShape="0">
                       <a:schemeClr val="bg2">
@@ -9599,7 +9599,7 @@
             <a:effectLst/>
             <a:extLst>
               <a:ext uri="{91240B29-F687-4f45-9708-019B960494DF}">
-                <a14:hiddenLine xmlns="" xmlns:a14="http://schemas.microsoft.com/office/drawing/2010/main" w="9525">
+                <a14:hiddenLine xmlns:a14="http://schemas.microsoft.com/office/drawing/2010/main" xmlns="" w="9525">
                   <a:solidFill>
                     <a:schemeClr val="tx1"/>
                   </a:solidFill>
@@ -9609,7 +9609,7 @@
                 </a14:hiddenLine>
               </a:ext>
               <a:ext uri="{AF507438-7753-43e0-B8FC-AC1667EBCBE1}">
-                <a14:hiddenEffects xmlns="" xmlns:a14="http://schemas.microsoft.com/office/drawing/2010/main">
+                <a14:hiddenEffects xmlns:a14="http://schemas.microsoft.com/office/drawing/2010/main" xmlns="">
                   <a:effectLst>
                     <a:outerShdw blurRad="63500" dist="38099" dir="2700000" algn="ctr" rotWithShape="0">
                       <a:schemeClr val="bg2">
@@ -9654,7 +9654,7 @@
             <a:effectLst/>
             <a:extLst>
               <a:ext uri="{91240B29-F687-4f45-9708-019B960494DF}">
-                <a14:hiddenLine xmlns="" xmlns:a14="http://schemas.microsoft.com/office/drawing/2010/main" w="9525">
+                <a14:hiddenLine xmlns:a14="http://schemas.microsoft.com/office/drawing/2010/main" xmlns="" w="9525">
                   <a:solidFill>
                     <a:schemeClr val="tx1"/>
                   </a:solidFill>
@@ -9664,7 +9664,7 @@
                 </a14:hiddenLine>
               </a:ext>
               <a:ext uri="{AF507438-7753-43e0-B8FC-AC1667EBCBE1}">
-                <a14:hiddenEffects xmlns="" xmlns:a14="http://schemas.microsoft.com/office/drawing/2010/main">
+                <a14:hiddenEffects xmlns:a14="http://schemas.microsoft.com/office/drawing/2010/main" xmlns="">
                   <a:effectLst>
                     <a:outerShdw blurRad="63500" dist="38099" dir="2700000" algn="ctr" rotWithShape="0">
                       <a:schemeClr val="bg2">
@@ -9709,7 +9709,7 @@
             <a:effectLst/>
             <a:extLst>
               <a:ext uri="{91240B29-F687-4f45-9708-019B960494DF}">
-                <a14:hiddenLine xmlns="" xmlns:a14="http://schemas.microsoft.com/office/drawing/2010/main" w="9525">
+                <a14:hiddenLine xmlns:a14="http://schemas.microsoft.com/office/drawing/2010/main" xmlns="" w="9525">
                   <a:solidFill>
                     <a:schemeClr val="tx1"/>
                   </a:solidFill>
@@ -9719,7 +9719,7 @@
                 </a14:hiddenLine>
               </a:ext>
               <a:ext uri="{AF507438-7753-43e0-B8FC-AC1667EBCBE1}">
-                <a14:hiddenEffects xmlns="" xmlns:a14="http://schemas.microsoft.com/office/drawing/2010/main">
+                <a14:hiddenEffects xmlns:a14="http://schemas.microsoft.com/office/drawing/2010/main" xmlns="">
                   <a:effectLst>
                     <a:outerShdw blurRad="63500" dist="38099" dir="2700000" algn="ctr" rotWithShape="0">
                       <a:schemeClr val="bg2">
@@ -9764,7 +9764,7 @@
             <a:effectLst/>
             <a:extLst>
               <a:ext uri="{91240B29-F687-4f45-9708-019B960494DF}">
-                <a14:hiddenLine xmlns="" xmlns:a14="http://schemas.microsoft.com/office/drawing/2010/main" w="9525">
+                <a14:hiddenLine xmlns:a14="http://schemas.microsoft.com/office/drawing/2010/main" xmlns="" w="9525">
                   <a:solidFill>
                     <a:schemeClr val="tx1"/>
                   </a:solidFill>
@@ -9774,7 +9774,7 @@
                 </a14:hiddenLine>
               </a:ext>
               <a:ext uri="{AF507438-7753-43e0-B8FC-AC1667EBCBE1}">
-                <a14:hiddenEffects xmlns="" xmlns:a14="http://schemas.microsoft.com/office/drawing/2010/main">
+                <a14:hiddenEffects xmlns:a14="http://schemas.microsoft.com/office/drawing/2010/main" xmlns="">
                   <a:effectLst>
                     <a:outerShdw blurRad="63500" dist="38099" dir="2700000" algn="ctr" rotWithShape="0">
                       <a:schemeClr val="bg2">
@@ -9819,7 +9819,7 @@
             <a:effectLst/>
             <a:extLst>
               <a:ext uri="{91240B29-F687-4f45-9708-019B960494DF}">
-                <a14:hiddenLine xmlns="" xmlns:a14="http://schemas.microsoft.com/office/drawing/2010/main" w="9525">
+                <a14:hiddenLine xmlns:a14="http://schemas.microsoft.com/office/drawing/2010/main" xmlns="" w="9525">
                   <a:solidFill>
                     <a:schemeClr val="tx1"/>
                   </a:solidFill>
@@ -9829,7 +9829,7 @@
                 </a14:hiddenLine>
               </a:ext>
               <a:ext uri="{AF507438-7753-43e0-B8FC-AC1667EBCBE1}">
-                <a14:hiddenEffects xmlns="" xmlns:a14="http://schemas.microsoft.com/office/drawing/2010/main">
+                <a14:hiddenEffects xmlns:a14="http://schemas.microsoft.com/office/drawing/2010/main" xmlns="">
                   <a:effectLst>
                     <a:outerShdw blurRad="63500" dist="38099" dir="2700000" algn="ctr" rotWithShape="0">
                       <a:schemeClr val="bg2">
@@ -9874,7 +9874,7 @@
             <a:effectLst/>
             <a:extLst>
               <a:ext uri="{91240B29-F687-4f45-9708-019B960494DF}">
-                <a14:hiddenLine xmlns="" xmlns:a14="http://schemas.microsoft.com/office/drawing/2010/main" w="9525">
+                <a14:hiddenLine xmlns:a14="http://schemas.microsoft.com/office/drawing/2010/main" xmlns="" w="9525">
                   <a:solidFill>
                     <a:schemeClr val="tx1"/>
                   </a:solidFill>
@@ -9884,7 +9884,7 @@
                 </a14:hiddenLine>
               </a:ext>
               <a:ext uri="{AF507438-7753-43e0-B8FC-AC1667EBCBE1}">
-                <a14:hiddenEffects xmlns="" xmlns:a14="http://schemas.microsoft.com/office/drawing/2010/main">
+                <a14:hiddenEffects xmlns:a14="http://schemas.microsoft.com/office/drawing/2010/main" xmlns="">
                   <a:effectLst>
                     <a:outerShdw blurRad="63500" dist="38099" dir="2700000" algn="ctr" rotWithShape="0">
                       <a:schemeClr val="bg2">
@@ -9929,7 +9929,7 @@
             <a:effectLst/>
             <a:extLst>
               <a:ext uri="{91240B29-F687-4f45-9708-019B960494DF}">
-                <a14:hiddenLine xmlns="" xmlns:a14="http://schemas.microsoft.com/office/drawing/2010/main" w="9525">
+                <a14:hiddenLine xmlns:a14="http://schemas.microsoft.com/office/drawing/2010/main" xmlns="" w="9525">
                   <a:solidFill>
                     <a:schemeClr val="tx1"/>
                   </a:solidFill>
@@ -9939,7 +9939,7 @@
                 </a14:hiddenLine>
               </a:ext>
               <a:ext uri="{AF507438-7753-43e0-B8FC-AC1667EBCBE1}">
-                <a14:hiddenEffects xmlns="" xmlns:a14="http://schemas.microsoft.com/office/drawing/2010/main">
+                <a14:hiddenEffects xmlns:a14="http://schemas.microsoft.com/office/drawing/2010/main" xmlns="">
                   <a:effectLst>
                     <a:outerShdw blurRad="63500" dist="38099" dir="2700000" algn="ctr" rotWithShape="0">
                       <a:schemeClr val="bg2">
@@ -9984,7 +9984,7 @@
             <a:effectLst/>
             <a:extLst>
               <a:ext uri="{91240B29-F687-4f45-9708-019B960494DF}">
-                <a14:hiddenLine xmlns="" xmlns:a14="http://schemas.microsoft.com/office/drawing/2010/main" w="9525">
+                <a14:hiddenLine xmlns:a14="http://schemas.microsoft.com/office/drawing/2010/main" xmlns="" w="9525">
                   <a:solidFill>
                     <a:schemeClr val="tx1"/>
                   </a:solidFill>
@@ -9994,7 +9994,7 @@
                 </a14:hiddenLine>
               </a:ext>
               <a:ext uri="{AF507438-7753-43e0-B8FC-AC1667EBCBE1}">
-                <a14:hiddenEffects xmlns="" xmlns:a14="http://schemas.microsoft.com/office/drawing/2010/main">
+                <a14:hiddenEffects xmlns:a14="http://schemas.microsoft.com/office/drawing/2010/main" xmlns="">
                   <a:effectLst>
                     <a:outerShdw blurRad="63500" dist="38099" dir="2700000" algn="ctr" rotWithShape="0">
                       <a:schemeClr val="bg2">
@@ -10691,14 +10691,14 @@
           </a:ln>
           <a:extLst>
             <a:ext uri="{909E8E84-426E-40dd-AFC4-6F175D3DCCD1}">
-              <a14:hiddenFill xmlns="" xmlns:a14="http://schemas.microsoft.com/office/drawing/2010/main">
+              <a14:hiddenFill xmlns:a14="http://schemas.microsoft.com/office/drawing/2010/main" xmlns="">
                 <a:solidFill>
                   <a:schemeClr val="accent1"/>
                 </a:solidFill>
               </a14:hiddenFill>
             </a:ext>
             <a:ext uri="{91240B29-F687-4f45-9708-019B960494DF}">
-              <a14:hiddenLine xmlns="" xmlns:a14="http://schemas.microsoft.com/office/drawing/2010/main" w="9525">
+              <a14:hiddenLine xmlns:a14="http://schemas.microsoft.com/office/drawing/2010/main" xmlns="" w="9525">
                 <a:solidFill>
                   <a:schemeClr val="tx1"/>
                 </a:solidFill>
@@ -10744,14 +10744,14 @@
           </a:ln>
           <a:extLst>
             <a:ext uri="{909E8E84-426E-40dd-AFC4-6F175D3DCCD1}">
-              <a14:hiddenFill xmlns="" xmlns:a14="http://schemas.microsoft.com/office/drawing/2010/main">
+              <a14:hiddenFill xmlns:a14="http://schemas.microsoft.com/office/drawing/2010/main" xmlns="">
                 <a:solidFill>
                   <a:schemeClr val="accent1"/>
                 </a:solidFill>
               </a14:hiddenFill>
             </a:ext>
             <a:ext uri="{91240B29-F687-4f45-9708-019B960494DF}">
-              <a14:hiddenLine xmlns="" xmlns:a14="http://schemas.microsoft.com/office/drawing/2010/main" w="9525">
+              <a14:hiddenLine xmlns:a14="http://schemas.microsoft.com/office/drawing/2010/main" xmlns="" w="9525">
                 <a:solidFill>
                   <a:schemeClr val="tx1"/>
                 </a:solidFill>
@@ -10797,14 +10797,14 @@
           </a:ln>
           <a:extLst>
             <a:ext uri="{909E8E84-426E-40dd-AFC4-6F175D3DCCD1}">
-              <a14:hiddenFill xmlns="" xmlns:a14="http://schemas.microsoft.com/office/drawing/2010/main">
+              <a14:hiddenFill xmlns:a14="http://schemas.microsoft.com/office/drawing/2010/main" xmlns="">
                 <a:solidFill>
                   <a:schemeClr val="accent1"/>
                 </a:solidFill>
               </a14:hiddenFill>
             </a:ext>
             <a:ext uri="{91240B29-F687-4f45-9708-019B960494DF}">
-              <a14:hiddenLine xmlns="" xmlns:a14="http://schemas.microsoft.com/office/drawing/2010/main" w="9525">
+              <a14:hiddenLine xmlns:a14="http://schemas.microsoft.com/office/drawing/2010/main" xmlns="" w="9525">
                 <a:solidFill>
                   <a:schemeClr val="tx1"/>
                 </a:solidFill>
@@ -10850,14 +10850,14 @@
           </a:ln>
           <a:extLst>
             <a:ext uri="{909E8E84-426E-40dd-AFC4-6F175D3DCCD1}">
-              <a14:hiddenFill xmlns="" xmlns:a14="http://schemas.microsoft.com/office/drawing/2010/main">
+              <a14:hiddenFill xmlns:a14="http://schemas.microsoft.com/office/drawing/2010/main" xmlns="">
                 <a:solidFill>
                   <a:schemeClr val="accent1"/>
                 </a:solidFill>
               </a14:hiddenFill>
             </a:ext>
             <a:ext uri="{91240B29-F687-4f45-9708-019B960494DF}">
-              <a14:hiddenLine xmlns="" xmlns:a14="http://schemas.microsoft.com/office/drawing/2010/main" w="9525">
+              <a14:hiddenLine xmlns:a14="http://schemas.microsoft.com/office/drawing/2010/main" xmlns="" w="9525">
                 <a:solidFill>
                   <a:schemeClr val="tx1"/>
                 </a:solidFill>
@@ -10903,14 +10903,14 @@
           </a:ln>
           <a:extLst>
             <a:ext uri="{909E8E84-426E-40dd-AFC4-6F175D3DCCD1}">
-              <a14:hiddenFill xmlns="" xmlns:a14="http://schemas.microsoft.com/office/drawing/2010/main">
+              <a14:hiddenFill xmlns:a14="http://schemas.microsoft.com/office/drawing/2010/main" xmlns="">
                 <a:solidFill>
                   <a:schemeClr val="accent1"/>
                 </a:solidFill>
               </a14:hiddenFill>
             </a:ext>
             <a:ext uri="{91240B29-F687-4f45-9708-019B960494DF}">
-              <a14:hiddenLine xmlns="" xmlns:a14="http://schemas.microsoft.com/office/drawing/2010/main" w="9525">
+              <a14:hiddenLine xmlns:a14="http://schemas.microsoft.com/office/drawing/2010/main" xmlns="" w="9525">
                 <a:solidFill>
                   <a:schemeClr val="tx1"/>
                 </a:solidFill>
@@ -10956,14 +10956,14 @@
           </a:ln>
           <a:extLst>
             <a:ext uri="{909E8E84-426E-40dd-AFC4-6F175D3DCCD1}">
-              <a14:hiddenFill xmlns="" xmlns:a14="http://schemas.microsoft.com/office/drawing/2010/main">
+              <a14:hiddenFill xmlns:a14="http://schemas.microsoft.com/office/drawing/2010/main" xmlns="">
                 <a:solidFill>
                   <a:schemeClr val="accent1"/>
                 </a:solidFill>
               </a14:hiddenFill>
             </a:ext>
             <a:ext uri="{91240B29-F687-4f45-9708-019B960494DF}">
-              <a14:hiddenLine xmlns="" xmlns:a14="http://schemas.microsoft.com/office/drawing/2010/main" w="9525">
+              <a14:hiddenLine xmlns:a14="http://schemas.microsoft.com/office/drawing/2010/main" xmlns="" w="9525">
                 <a:solidFill>
                   <a:schemeClr val="tx1"/>
                 </a:solidFill>
@@ -11009,14 +11009,14 @@
           </a:ln>
           <a:extLst>
             <a:ext uri="{909E8E84-426E-40dd-AFC4-6F175D3DCCD1}">
-              <a14:hiddenFill xmlns="" xmlns:a14="http://schemas.microsoft.com/office/drawing/2010/main">
+              <a14:hiddenFill xmlns:a14="http://schemas.microsoft.com/office/drawing/2010/main" xmlns="">
                 <a:solidFill>
                   <a:schemeClr val="accent1"/>
                 </a:solidFill>
               </a14:hiddenFill>
             </a:ext>
             <a:ext uri="{91240B29-F687-4f45-9708-019B960494DF}">
-              <a14:hiddenLine xmlns="" xmlns:a14="http://schemas.microsoft.com/office/drawing/2010/main" w="9525">
+              <a14:hiddenLine xmlns:a14="http://schemas.microsoft.com/office/drawing/2010/main" xmlns="" w="9525">
                 <a:solidFill>
                   <a:schemeClr val="tx1"/>
                 </a:solidFill>
@@ -11062,14 +11062,14 @@
           </a:ln>
           <a:extLst>
             <a:ext uri="{909E8E84-426E-40dd-AFC4-6F175D3DCCD1}">
-              <a14:hiddenFill xmlns="" xmlns:a14="http://schemas.microsoft.com/office/drawing/2010/main">
+              <a14:hiddenFill xmlns:a14="http://schemas.microsoft.com/office/drawing/2010/main" xmlns="">
                 <a:solidFill>
                   <a:schemeClr val="accent1"/>
                 </a:solidFill>
               </a14:hiddenFill>
             </a:ext>
             <a:ext uri="{91240B29-F687-4f45-9708-019B960494DF}">
-              <a14:hiddenLine xmlns="" xmlns:a14="http://schemas.microsoft.com/office/drawing/2010/main" w="9525">
+              <a14:hiddenLine xmlns:a14="http://schemas.microsoft.com/office/drawing/2010/main" xmlns="" w="9525">
                 <a:solidFill>
                   <a:schemeClr val="tx1"/>
                 </a:solidFill>
@@ -11115,14 +11115,14 @@
           </a:ln>
           <a:extLst>
             <a:ext uri="{909E8E84-426E-40dd-AFC4-6F175D3DCCD1}">
-              <a14:hiddenFill xmlns="" xmlns:a14="http://schemas.microsoft.com/office/drawing/2010/main">
+              <a14:hiddenFill xmlns:a14="http://schemas.microsoft.com/office/drawing/2010/main" xmlns="">
                 <a:solidFill>
                   <a:schemeClr val="accent1"/>
                 </a:solidFill>
               </a14:hiddenFill>
             </a:ext>
             <a:ext uri="{91240B29-F687-4f45-9708-019B960494DF}">
-              <a14:hiddenLine xmlns="" xmlns:a14="http://schemas.microsoft.com/office/drawing/2010/main" w="9525">
+              <a14:hiddenLine xmlns:a14="http://schemas.microsoft.com/office/drawing/2010/main" xmlns="" w="9525">
                 <a:solidFill>
                   <a:schemeClr val="tx1"/>
                 </a:solidFill>
@@ -11168,14 +11168,14 @@
           </a:ln>
           <a:extLst>
             <a:ext uri="{909E8E84-426E-40dd-AFC4-6F175D3DCCD1}">
-              <a14:hiddenFill xmlns="" xmlns:a14="http://schemas.microsoft.com/office/drawing/2010/main">
+              <a14:hiddenFill xmlns:a14="http://schemas.microsoft.com/office/drawing/2010/main" xmlns="">
                 <a:solidFill>
                   <a:schemeClr val="accent1"/>
                 </a:solidFill>
               </a14:hiddenFill>
             </a:ext>
             <a:ext uri="{91240B29-F687-4f45-9708-019B960494DF}">
-              <a14:hiddenLine xmlns="" xmlns:a14="http://schemas.microsoft.com/office/drawing/2010/main" w="9525">
+              <a14:hiddenLine xmlns:a14="http://schemas.microsoft.com/office/drawing/2010/main" xmlns="" w="9525">
                 <a:solidFill>
                   <a:schemeClr val="tx1"/>
                 </a:solidFill>
@@ -11221,14 +11221,14 @@
           </a:ln>
           <a:extLst>
             <a:ext uri="{909E8E84-426E-40dd-AFC4-6F175D3DCCD1}">
-              <a14:hiddenFill xmlns="" xmlns:a14="http://schemas.microsoft.com/office/drawing/2010/main">
+              <a14:hiddenFill xmlns:a14="http://schemas.microsoft.com/office/drawing/2010/main" xmlns="">
                 <a:solidFill>
                   <a:schemeClr val="accent1"/>
                 </a:solidFill>
               </a14:hiddenFill>
             </a:ext>
             <a:ext uri="{91240B29-F687-4f45-9708-019B960494DF}">
-              <a14:hiddenLine xmlns="" xmlns:a14="http://schemas.microsoft.com/office/drawing/2010/main" w="9525">
+              <a14:hiddenLine xmlns:a14="http://schemas.microsoft.com/office/drawing/2010/main" xmlns="" w="9525">
                 <a:solidFill>
                   <a:schemeClr val="tx1"/>
                 </a:solidFill>
@@ -11281,7 +11281,7 @@
           </a:ln>
           <a:extLst>
             <a:ext uri="{909E8E84-426E-40dd-AFC4-6F175D3DCCD1}">
-              <a14:hiddenFill xmlns="" xmlns:a14="http://schemas.microsoft.com/office/drawing/2010/main">
+              <a14:hiddenFill xmlns:a14="http://schemas.microsoft.com/office/drawing/2010/main" xmlns="">
                 <a:noFill/>
               </a14:hiddenFill>
             </a:ext>
@@ -11317,7 +11317,7 @@
           </a:ln>
           <a:extLst>
             <a:ext uri="{909E8E84-426E-40dd-AFC4-6F175D3DCCD1}">
-              <a14:hiddenFill xmlns="" xmlns:a14="http://schemas.microsoft.com/office/drawing/2010/main">
+              <a14:hiddenFill xmlns:a14="http://schemas.microsoft.com/office/drawing/2010/main" xmlns="">
                 <a:noFill/>
               </a14:hiddenFill>
             </a:ext>
@@ -11353,7 +11353,7 @@
           </a:ln>
           <a:extLst>
             <a:ext uri="{909E8E84-426E-40dd-AFC4-6F175D3DCCD1}">
-              <a14:hiddenFill xmlns="" xmlns:a14="http://schemas.microsoft.com/office/drawing/2010/main">
+              <a14:hiddenFill xmlns:a14="http://schemas.microsoft.com/office/drawing/2010/main" xmlns="">
                 <a:noFill/>
               </a14:hiddenFill>
             </a:ext>
@@ -11389,7 +11389,7 @@
           </a:ln>
           <a:extLst>
             <a:ext uri="{909E8E84-426E-40dd-AFC4-6F175D3DCCD1}">
-              <a14:hiddenFill xmlns="" xmlns:a14="http://schemas.microsoft.com/office/drawing/2010/main">
+              <a14:hiddenFill xmlns:a14="http://schemas.microsoft.com/office/drawing/2010/main" xmlns="">
                 <a:noFill/>
               </a14:hiddenFill>
             </a:ext>
@@ -11425,7 +11425,7 @@
           </a:ln>
           <a:extLst>
             <a:ext uri="{909E8E84-426E-40dd-AFC4-6F175D3DCCD1}">
-              <a14:hiddenFill xmlns="" xmlns:a14="http://schemas.microsoft.com/office/drawing/2010/main">
+              <a14:hiddenFill xmlns:a14="http://schemas.microsoft.com/office/drawing/2010/main" xmlns="">
                 <a:noFill/>
               </a14:hiddenFill>
             </a:ext>
@@ -11461,7 +11461,7 @@
           </a:ln>
           <a:extLst>
             <a:ext uri="{909E8E84-426E-40dd-AFC4-6F175D3DCCD1}">
-              <a14:hiddenFill xmlns="" xmlns:a14="http://schemas.microsoft.com/office/drawing/2010/main">
+              <a14:hiddenFill xmlns:a14="http://schemas.microsoft.com/office/drawing/2010/main" xmlns="">
                 <a:noFill/>
               </a14:hiddenFill>
             </a:ext>
@@ -11497,7 +11497,7 @@
           </a:ln>
           <a:extLst>
             <a:ext uri="{909E8E84-426E-40dd-AFC4-6F175D3DCCD1}">
-              <a14:hiddenFill xmlns="" xmlns:a14="http://schemas.microsoft.com/office/drawing/2010/main">
+              <a14:hiddenFill xmlns:a14="http://schemas.microsoft.com/office/drawing/2010/main" xmlns="">
                 <a:noFill/>
               </a14:hiddenFill>
             </a:ext>
@@ -11533,7 +11533,7 @@
           </a:ln>
           <a:extLst>
             <a:ext uri="{909E8E84-426E-40dd-AFC4-6F175D3DCCD1}">
-              <a14:hiddenFill xmlns="" xmlns:a14="http://schemas.microsoft.com/office/drawing/2010/main">
+              <a14:hiddenFill xmlns:a14="http://schemas.microsoft.com/office/drawing/2010/main" xmlns="">
                 <a:noFill/>
               </a14:hiddenFill>
             </a:ext>
@@ -11569,7 +11569,7 @@
           </a:ln>
           <a:extLst>
             <a:ext uri="{909E8E84-426E-40dd-AFC4-6F175D3DCCD1}">
-              <a14:hiddenFill xmlns="" xmlns:a14="http://schemas.microsoft.com/office/drawing/2010/main">
+              <a14:hiddenFill xmlns:a14="http://schemas.microsoft.com/office/drawing/2010/main" xmlns="">
                 <a:noFill/>
               </a14:hiddenFill>
             </a:ext>
@@ -11605,7 +11605,7 @@
           </a:ln>
           <a:extLst>
             <a:ext uri="{909E8E84-426E-40dd-AFC4-6F175D3DCCD1}">
-              <a14:hiddenFill xmlns="" xmlns:a14="http://schemas.microsoft.com/office/drawing/2010/main">
+              <a14:hiddenFill xmlns:a14="http://schemas.microsoft.com/office/drawing/2010/main" xmlns="">
                 <a:noFill/>
               </a14:hiddenFill>
             </a:ext>
@@ -11634,14 +11634,14 @@
           </a:ln>
           <a:extLst>
             <a:ext uri="{909E8E84-426E-40dd-AFC4-6F175D3DCCD1}">
-              <a14:hiddenFill xmlns="" xmlns:a14="http://schemas.microsoft.com/office/drawing/2010/main">
+              <a14:hiddenFill xmlns:a14="http://schemas.microsoft.com/office/drawing/2010/main" xmlns="">
                 <a:solidFill>
                   <a:schemeClr val="accent1"/>
                 </a:solidFill>
               </a14:hiddenFill>
             </a:ext>
             <a:ext uri="{91240B29-F687-4f45-9708-019B960494DF}">
-              <a14:hiddenLine xmlns="" xmlns:a14="http://schemas.microsoft.com/office/drawing/2010/main" w="9525">
+              <a14:hiddenLine xmlns:a14="http://schemas.microsoft.com/office/drawing/2010/main" xmlns="" w="9525">
                 <a:solidFill>
                   <a:schemeClr val="tx1"/>
                 </a:solidFill>
@@ -11691,14 +11691,14 @@
           </a:ln>
           <a:extLst>
             <a:ext uri="{909E8E84-426E-40dd-AFC4-6F175D3DCCD1}">
-              <a14:hiddenFill xmlns="" xmlns:a14="http://schemas.microsoft.com/office/drawing/2010/main">
+              <a14:hiddenFill xmlns:a14="http://schemas.microsoft.com/office/drawing/2010/main" xmlns="">
                 <a:solidFill>
                   <a:schemeClr val="accent1"/>
                 </a:solidFill>
               </a14:hiddenFill>
             </a:ext>
             <a:ext uri="{91240B29-F687-4f45-9708-019B960494DF}">
-              <a14:hiddenLine xmlns="" xmlns:a14="http://schemas.microsoft.com/office/drawing/2010/main" w="9525">
+              <a14:hiddenLine xmlns:a14="http://schemas.microsoft.com/office/drawing/2010/main" xmlns="" w="9525">
                 <a:solidFill>
                   <a:schemeClr val="tx1"/>
                 </a:solidFill>
@@ -11748,14 +11748,14 @@
           </a:ln>
           <a:extLst>
             <a:ext uri="{909E8E84-426E-40dd-AFC4-6F175D3DCCD1}">
-              <a14:hiddenFill xmlns="" xmlns:a14="http://schemas.microsoft.com/office/drawing/2010/main">
+              <a14:hiddenFill xmlns:a14="http://schemas.microsoft.com/office/drawing/2010/main" xmlns="">
                 <a:solidFill>
                   <a:schemeClr val="accent1"/>
                 </a:solidFill>
               </a14:hiddenFill>
             </a:ext>
             <a:ext uri="{91240B29-F687-4f45-9708-019B960494DF}">
-              <a14:hiddenLine xmlns="" xmlns:a14="http://schemas.microsoft.com/office/drawing/2010/main" w="9525">
+              <a14:hiddenLine xmlns:a14="http://schemas.microsoft.com/office/drawing/2010/main" xmlns="" w="9525">
                 <a:solidFill>
                   <a:schemeClr val="tx1"/>
                 </a:solidFill>
@@ -11805,14 +11805,14 @@
           </a:ln>
           <a:extLst>
             <a:ext uri="{909E8E84-426E-40dd-AFC4-6F175D3DCCD1}">
-              <a14:hiddenFill xmlns="" xmlns:a14="http://schemas.microsoft.com/office/drawing/2010/main">
+              <a14:hiddenFill xmlns:a14="http://schemas.microsoft.com/office/drawing/2010/main" xmlns="">
                 <a:solidFill>
                   <a:schemeClr val="accent1"/>
                 </a:solidFill>
               </a14:hiddenFill>
             </a:ext>
             <a:ext uri="{91240B29-F687-4f45-9708-019B960494DF}">
-              <a14:hiddenLine xmlns="" xmlns:a14="http://schemas.microsoft.com/office/drawing/2010/main" w="9525">
+              <a14:hiddenLine xmlns:a14="http://schemas.microsoft.com/office/drawing/2010/main" xmlns="" w="9525">
                 <a:solidFill>
                   <a:schemeClr val="tx1"/>
                 </a:solidFill>
@@ -11862,14 +11862,14 @@
           </a:ln>
           <a:extLst>
             <a:ext uri="{909E8E84-426E-40dd-AFC4-6F175D3DCCD1}">
-              <a14:hiddenFill xmlns="" xmlns:a14="http://schemas.microsoft.com/office/drawing/2010/main">
+              <a14:hiddenFill xmlns:a14="http://schemas.microsoft.com/office/drawing/2010/main" xmlns="">
                 <a:solidFill>
                   <a:schemeClr val="accent1"/>
                 </a:solidFill>
               </a14:hiddenFill>
             </a:ext>
             <a:ext uri="{91240B29-F687-4f45-9708-019B960494DF}">
-              <a14:hiddenLine xmlns="" xmlns:a14="http://schemas.microsoft.com/office/drawing/2010/main" w="9525">
+              <a14:hiddenLine xmlns:a14="http://schemas.microsoft.com/office/drawing/2010/main" xmlns="" w="9525">
                 <a:solidFill>
                   <a:schemeClr val="tx1"/>
                 </a:solidFill>
@@ -11918,14 +11918,14 @@
           </a:ln>
           <a:extLst>
             <a:ext uri="{909E8E84-426E-40dd-AFC4-6F175D3DCCD1}">
-              <a14:hiddenFill xmlns="" xmlns:a14="http://schemas.microsoft.com/office/drawing/2010/main">
+              <a14:hiddenFill xmlns:a14="http://schemas.microsoft.com/office/drawing/2010/main" xmlns="">
                 <a:solidFill>
                   <a:schemeClr val="accent1"/>
                 </a:solidFill>
               </a14:hiddenFill>
             </a:ext>
             <a:ext uri="{91240B29-F687-4f45-9708-019B960494DF}">
-              <a14:hiddenLine xmlns="" xmlns:a14="http://schemas.microsoft.com/office/drawing/2010/main" w="9525">
+              <a14:hiddenLine xmlns:a14="http://schemas.microsoft.com/office/drawing/2010/main" xmlns="" w="9525">
                 <a:solidFill>
                   <a:schemeClr val="tx1"/>
                 </a:solidFill>
@@ -11980,7 +11980,7 @@
           </a:ln>
           <a:extLst>
             <a:ext uri="{909E8E84-426E-40dd-AFC4-6F175D3DCCD1}">
-              <a14:hiddenFill xmlns="" xmlns:a14="http://schemas.microsoft.com/office/drawing/2010/main">
+              <a14:hiddenFill xmlns:a14="http://schemas.microsoft.com/office/drawing/2010/main" xmlns="">
                 <a:solidFill>
                   <a:schemeClr val="accent1"/>
                 </a:solidFill>
@@ -12115,14 +12115,14 @@
           </a:ln>
           <a:extLst>
             <a:ext uri="{909E8E84-426E-40dd-AFC4-6F175D3DCCD1}">
-              <a14:hiddenFill xmlns="" xmlns:a14="http://schemas.microsoft.com/office/drawing/2010/main">
+              <a14:hiddenFill xmlns:a14="http://schemas.microsoft.com/office/drawing/2010/main" xmlns="">
                 <a:solidFill>
                   <a:schemeClr val="accent1"/>
                 </a:solidFill>
               </a14:hiddenFill>
             </a:ext>
             <a:ext uri="{91240B29-F687-4f45-9708-019B960494DF}">
-              <a14:hiddenLine xmlns="" xmlns:a14="http://schemas.microsoft.com/office/drawing/2010/main" w="9525">
+              <a14:hiddenLine xmlns:a14="http://schemas.microsoft.com/office/drawing/2010/main" xmlns="" w="9525">
                 <a:solidFill>
                   <a:schemeClr val="tx1"/>
                 </a:solidFill>
@@ -12168,14 +12168,14 @@
           </a:ln>
           <a:extLst>
             <a:ext uri="{909E8E84-426E-40dd-AFC4-6F175D3DCCD1}">
-              <a14:hiddenFill xmlns="" xmlns:a14="http://schemas.microsoft.com/office/drawing/2010/main">
+              <a14:hiddenFill xmlns:a14="http://schemas.microsoft.com/office/drawing/2010/main" xmlns="">
                 <a:solidFill>
                   <a:schemeClr val="accent1"/>
                 </a:solidFill>
               </a14:hiddenFill>
             </a:ext>
             <a:ext uri="{91240B29-F687-4f45-9708-019B960494DF}">
-              <a14:hiddenLine xmlns="" xmlns:a14="http://schemas.microsoft.com/office/drawing/2010/main" w="9525">
+              <a14:hiddenLine xmlns:a14="http://schemas.microsoft.com/office/drawing/2010/main" xmlns="" w="9525">
                 <a:solidFill>
                   <a:schemeClr val="tx1"/>
                 </a:solidFill>
@@ -12221,14 +12221,14 @@
           </a:ln>
           <a:extLst>
             <a:ext uri="{909E8E84-426E-40dd-AFC4-6F175D3DCCD1}">
-              <a14:hiddenFill xmlns="" xmlns:a14="http://schemas.microsoft.com/office/drawing/2010/main">
+              <a14:hiddenFill xmlns:a14="http://schemas.microsoft.com/office/drawing/2010/main" xmlns="">
                 <a:solidFill>
                   <a:schemeClr val="accent1"/>
                 </a:solidFill>
               </a14:hiddenFill>
             </a:ext>
             <a:ext uri="{91240B29-F687-4f45-9708-019B960494DF}">
-              <a14:hiddenLine xmlns="" xmlns:a14="http://schemas.microsoft.com/office/drawing/2010/main" w="9525">
+              <a14:hiddenLine xmlns:a14="http://schemas.microsoft.com/office/drawing/2010/main" xmlns="" w="9525">
                 <a:solidFill>
                   <a:schemeClr val="tx1"/>
                 </a:solidFill>
@@ -12274,14 +12274,14 @@
           </a:ln>
           <a:extLst>
             <a:ext uri="{909E8E84-426E-40dd-AFC4-6F175D3DCCD1}">
-              <a14:hiddenFill xmlns="" xmlns:a14="http://schemas.microsoft.com/office/drawing/2010/main">
+              <a14:hiddenFill xmlns:a14="http://schemas.microsoft.com/office/drawing/2010/main" xmlns="">
                 <a:solidFill>
                   <a:schemeClr val="accent1"/>
                 </a:solidFill>
               </a14:hiddenFill>
             </a:ext>
             <a:ext uri="{91240B29-F687-4f45-9708-019B960494DF}">
-              <a14:hiddenLine xmlns="" xmlns:a14="http://schemas.microsoft.com/office/drawing/2010/main" w="9525">
+              <a14:hiddenLine xmlns:a14="http://schemas.microsoft.com/office/drawing/2010/main" xmlns="" w="9525">
                 <a:solidFill>
                   <a:schemeClr val="tx1"/>
                 </a:solidFill>
@@ -12327,14 +12327,14 @@
           </a:ln>
           <a:extLst>
             <a:ext uri="{909E8E84-426E-40dd-AFC4-6F175D3DCCD1}">
-              <a14:hiddenFill xmlns="" xmlns:a14="http://schemas.microsoft.com/office/drawing/2010/main">
+              <a14:hiddenFill xmlns:a14="http://schemas.microsoft.com/office/drawing/2010/main" xmlns="">
                 <a:solidFill>
                   <a:schemeClr val="accent1"/>
                 </a:solidFill>
               </a14:hiddenFill>
             </a:ext>
             <a:ext uri="{91240B29-F687-4f45-9708-019B960494DF}">
-              <a14:hiddenLine xmlns="" xmlns:a14="http://schemas.microsoft.com/office/drawing/2010/main" w="9525">
+              <a14:hiddenLine xmlns:a14="http://schemas.microsoft.com/office/drawing/2010/main" xmlns="" w="9525">
                 <a:solidFill>
                   <a:schemeClr val="tx1"/>
                 </a:solidFill>
@@ -12380,14 +12380,14 @@
           </a:ln>
           <a:extLst>
             <a:ext uri="{909E8E84-426E-40dd-AFC4-6F175D3DCCD1}">
-              <a14:hiddenFill xmlns="" xmlns:a14="http://schemas.microsoft.com/office/drawing/2010/main">
+              <a14:hiddenFill xmlns:a14="http://schemas.microsoft.com/office/drawing/2010/main" xmlns="">
                 <a:solidFill>
                   <a:schemeClr val="accent1"/>
                 </a:solidFill>
               </a14:hiddenFill>
             </a:ext>
             <a:ext uri="{91240B29-F687-4f45-9708-019B960494DF}">
-              <a14:hiddenLine xmlns="" xmlns:a14="http://schemas.microsoft.com/office/drawing/2010/main" w="9525">
+              <a14:hiddenLine xmlns:a14="http://schemas.microsoft.com/office/drawing/2010/main" xmlns="" w="9525">
                 <a:solidFill>
                   <a:schemeClr val="tx1"/>
                 </a:solidFill>
@@ -12433,14 +12433,14 @@
           </a:ln>
           <a:extLst>
             <a:ext uri="{909E8E84-426E-40dd-AFC4-6F175D3DCCD1}">
-              <a14:hiddenFill xmlns="" xmlns:a14="http://schemas.microsoft.com/office/drawing/2010/main">
+              <a14:hiddenFill xmlns:a14="http://schemas.microsoft.com/office/drawing/2010/main" xmlns="">
                 <a:solidFill>
                   <a:schemeClr val="accent1"/>
                 </a:solidFill>
               </a14:hiddenFill>
             </a:ext>
             <a:ext uri="{91240B29-F687-4f45-9708-019B960494DF}">
-              <a14:hiddenLine xmlns="" xmlns:a14="http://schemas.microsoft.com/office/drawing/2010/main" w="9525">
+              <a14:hiddenLine xmlns:a14="http://schemas.microsoft.com/office/drawing/2010/main" xmlns="" w="9525">
                 <a:solidFill>
                   <a:schemeClr val="tx1"/>
                 </a:solidFill>
@@ -12486,14 +12486,14 @@
           </a:ln>
           <a:extLst>
             <a:ext uri="{909E8E84-426E-40dd-AFC4-6F175D3DCCD1}">
-              <a14:hiddenFill xmlns="" xmlns:a14="http://schemas.microsoft.com/office/drawing/2010/main">
+              <a14:hiddenFill xmlns:a14="http://schemas.microsoft.com/office/drawing/2010/main" xmlns="">
                 <a:solidFill>
                   <a:schemeClr val="accent1"/>
                 </a:solidFill>
               </a14:hiddenFill>
             </a:ext>
             <a:ext uri="{91240B29-F687-4f45-9708-019B960494DF}">
-              <a14:hiddenLine xmlns="" xmlns:a14="http://schemas.microsoft.com/office/drawing/2010/main" w="9525">
+              <a14:hiddenLine xmlns:a14="http://schemas.microsoft.com/office/drawing/2010/main" xmlns="" w="9525">
                 <a:solidFill>
                   <a:schemeClr val="tx1"/>
                 </a:solidFill>
@@ -12539,14 +12539,14 @@
           </a:ln>
           <a:extLst>
             <a:ext uri="{909E8E84-426E-40dd-AFC4-6F175D3DCCD1}">
-              <a14:hiddenFill xmlns="" xmlns:a14="http://schemas.microsoft.com/office/drawing/2010/main">
+              <a14:hiddenFill xmlns:a14="http://schemas.microsoft.com/office/drawing/2010/main" xmlns="">
                 <a:solidFill>
                   <a:schemeClr val="accent1"/>
                 </a:solidFill>
               </a14:hiddenFill>
             </a:ext>
             <a:ext uri="{91240B29-F687-4f45-9708-019B960494DF}">
-              <a14:hiddenLine xmlns="" xmlns:a14="http://schemas.microsoft.com/office/drawing/2010/main" w="9525">
+              <a14:hiddenLine xmlns:a14="http://schemas.microsoft.com/office/drawing/2010/main" xmlns="" w="9525">
                 <a:solidFill>
                   <a:schemeClr val="tx1"/>
                 </a:solidFill>
@@ -12592,14 +12592,14 @@
           </a:ln>
           <a:extLst>
             <a:ext uri="{909E8E84-426E-40dd-AFC4-6F175D3DCCD1}">
-              <a14:hiddenFill xmlns="" xmlns:a14="http://schemas.microsoft.com/office/drawing/2010/main">
+              <a14:hiddenFill xmlns:a14="http://schemas.microsoft.com/office/drawing/2010/main" xmlns="">
                 <a:solidFill>
                   <a:schemeClr val="accent1"/>
                 </a:solidFill>
               </a14:hiddenFill>
             </a:ext>
             <a:ext uri="{91240B29-F687-4f45-9708-019B960494DF}">
-              <a14:hiddenLine xmlns="" xmlns:a14="http://schemas.microsoft.com/office/drawing/2010/main" w="9525">
+              <a14:hiddenLine xmlns:a14="http://schemas.microsoft.com/office/drawing/2010/main" xmlns="" w="9525">
                 <a:solidFill>
                   <a:schemeClr val="tx1"/>
                 </a:solidFill>
@@ -12645,14 +12645,14 @@
           </a:ln>
           <a:extLst>
             <a:ext uri="{909E8E84-426E-40dd-AFC4-6F175D3DCCD1}">
-              <a14:hiddenFill xmlns="" xmlns:a14="http://schemas.microsoft.com/office/drawing/2010/main">
+              <a14:hiddenFill xmlns:a14="http://schemas.microsoft.com/office/drawing/2010/main" xmlns="">
                 <a:solidFill>
                   <a:schemeClr val="accent1"/>
                 </a:solidFill>
               </a14:hiddenFill>
             </a:ext>
             <a:ext uri="{91240B29-F687-4f45-9708-019B960494DF}">
-              <a14:hiddenLine xmlns="" xmlns:a14="http://schemas.microsoft.com/office/drawing/2010/main" w="9525">
+              <a14:hiddenLine xmlns:a14="http://schemas.microsoft.com/office/drawing/2010/main" xmlns="" w="9525">
                 <a:solidFill>
                   <a:schemeClr val="tx1"/>
                 </a:solidFill>
@@ -12705,7 +12705,7 @@
           </a:ln>
           <a:extLst>
             <a:ext uri="{909E8E84-426E-40dd-AFC4-6F175D3DCCD1}">
-              <a14:hiddenFill xmlns="" xmlns:a14="http://schemas.microsoft.com/office/drawing/2010/main">
+              <a14:hiddenFill xmlns:a14="http://schemas.microsoft.com/office/drawing/2010/main" xmlns="">
                 <a:noFill/>
               </a14:hiddenFill>
             </a:ext>
@@ -12741,7 +12741,7 @@
           </a:ln>
           <a:extLst>
             <a:ext uri="{909E8E84-426E-40dd-AFC4-6F175D3DCCD1}">
-              <a14:hiddenFill xmlns="" xmlns:a14="http://schemas.microsoft.com/office/drawing/2010/main">
+              <a14:hiddenFill xmlns:a14="http://schemas.microsoft.com/office/drawing/2010/main" xmlns="">
                 <a:noFill/>
               </a14:hiddenFill>
             </a:ext>
@@ -12777,7 +12777,7 @@
           </a:ln>
           <a:extLst>
             <a:ext uri="{909E8E84-426E-40dd-AFC4-6F175D3DCCD1}">
-              <a14:hiddenFill xmlns="" xmlns:a14="http://schemas.microsoft.com/office/drawing/2010/main">
+              <a14:hiddenFill xmlns:a14="http://schemas.microsoft.com/office/drawing/2010/main" xmlns="">
                 <a:noFill/>
               </a14:hiddenFill>
             </a:ext>
@@ -12813,7 +12813,7 @@
           </a:ln>
           <a:extLst>
             <a:ext uri="{909E8E84-426E-40dd-AFC4-6F175D3DCCD1}">
-              <a14:hiddenFill xmlns="" xmlns:a14="http://schemas.microsoft.com/office/drawing/2010/main">
+              <a14:hiddenFill xmlns:a14="http://schemas.microsoft.com/office/drawing/2010/main" xmlns="">
                 <a:noFill/>
               </a14:hiddenFill>
             </a:ext>
@@ -12849,7 +12849,7 @@
           </a:ln>
           <a:extLst>
             <a:ext uri="{909E8E84-426E-40dd-AFC4-6F175D3DCCD1}">
-              <a14:hiddenFill xmlns="" xmlns:a14="http://schemas.microsoft.com/office/drawing/2010/main">
+              <a14:hiddenFill xmlns:a14="http://schemas.microsoft.com/office/drawing/2010/main" xmlns="">
                 <a:noFill/>
               </a14:hiddenFill>
             </a:ext>
@@ -12885,7 +12885,7 @@
           </a:ln>
           <a:extLst>
             <a:ext uri="{909E8E84-426E-40dd-AFC4-6F175D3DCCD1}">
-              <a14:hiddenFill xmlns="" xmlns:a14="http://schemas.microsoft.com/office/drawing/2010/main">
+              <a14:hiddenFill xmlns:a14="http://schemas.microsoft.com/office/drawing/2010/main" xmlns="">
                 <a:noFill/>
               </a14:hiddenFill>
             </a:ext>
@@ -12921,7 +12921,7 @@
           </a:ln>
           <a:extLst>
             <a:ext uri="{909E8E84-426E-40dd-AFC4-6F175D3DCCD1}">
-              <a14:hiddenFill xmlns="" xmlns:a14="http://schemas.microsoft.com/office/drawing/2010/main">
+              <a14:hiddenFill xmlns:a14="http://schemas.microsoft.com/office/drawing/2010/main" xmlns="">
                 <a:noFill/>
               </a14:hiddenFill>
             </a:ext>
@@ -12957,7 +12957,7 @@
           </a:ln>
           <a:extLst>
             <a:ext uri="{909E8E84-426E-40dd-AFC4-6F175D3DCCD1}">
-              <a14:hiddenFill xmlns="" xmlns:a14="http://schemas.microsoft.com/office/drawing/2010/main">
+              <a14:hiddenFill xmlns:a14="http://schemas.microsoft.com/office/drawing/2010/main" xmlns="">
                 <a:noFill/>
               </a14:hiddenFill>
             </a:ext>
@@ -12993,7 +12993,7 @@
           </a:ln>
           <a:extLst>
             <a:ext uri="{909E8E84-426E-40dd-AFC4-6F175D3DCCD1}">
-              <a14:hiddenFill xmlns="" xmlns:a14="http://schemas.microsoft.com/office/drawing/2010/main">
+              <a14:hiddenFill xmlns:a14="http://schemas.microsoft.com/office/drawing/2010/main" xmlns="">
                 <a:noFill/>
               </a14:hiddenFill>
             </a:ext>
@@ -13029,7 +13029,7 @@
           </a:ln>
           <a:extLst>
             <a:ext uri="{909E8E84-426E-40dd-AFC4-6F175D3DCCD1}">
-              <a14:hiddenFill xmlns="" xmlns:a14="http://schemas.microsoft.com/office/drawing/2010/main">
+              <a14:hiddenFill xmlns:a14="http://schemas.microsoft.com/office/drawing/2010/main" xmlns="">
                 <a:noFill/>
               </a14:hiddenFill>
             </a:ext>
@@ -13058,14 +13058,14 @@
           </a:ln>
           <a:extLst>
             <a:ext uri="{909E8E84-426E-40dd-AFC4-6F175D3DCCD1}">
-              <a14:hiddenFill xmlns="" xmlns:a14="http://schemas.microsoft.com/office/drawing/2010/main">
+              <a14:hiddenFill xmlns:a14="http://schemas.microsoft.com/office/drawing/2010/main" xmlns="">
                 <a:solidFill>
                   <a:schemeClr val="accent1"/>
                 </a:solidFill>
               </a14:hiddenFill>
             </a:ext>
             <a:ext uri="{91240B29-F687-4f45-9708-019B960494DF}">
-              <a14:hiddenLine xmlns="" xmlns:a14="http://schemas.microsoft.com/office/drawing/2010/main" w="9525">
+              <a14:hiddenLine xmlns:a14="http://schemas.microsoft.com/office/drawing/2010/main" xmlns="" w="9525">
                 <a:solidFill>
                   <a:schemeClr val="tx1"/>
                 </a:solidFill>
@@ -13115,14 +13115,14 @@
           </a:ln>
           <a:extLst>
             <a:ext uri="{909E8E84-426E-40dd-AFC4-6F175D3DCCD1}">
-              <a14:hiddenFill xmlns="" xmlns:a14="http://schemas.microsoft.com/office/drawing/2010/main">
+              <a14:hiddenFill xmlns:a14="http://schemas.microsoft.com/office/drawing/2010/main" xmlns="">
                 <a:solidFill>
                   <a:schemeClr val="accent1"/>
                 </a:solidFill>
               </a14:hiddenFill>
             </a:ext>
             <a:ext uri="{91240B29-F687-4f45-9708-019B960494DF}">
-              <a14:hiddenLine xmlns="" xmlns:a14="http://schemas.microsoft.com/office/drawing/2010/main" w="9525">
+              <a14:hiddenLine xmlns:a14="http://schemas.microsoft.com/office/drawing/2010/main" xmlns="" w="9525">
                 <a:solidFill>
                   <a:schemeClr val="tx1"/>
                 </a:solidFill>
@@ -13172,14 +13172,14 @@
           </a:ln>
           <a:extLst>
             <a:ext uri="{909E8E84-426E-40dd-AFC4-6F175D3DCCD1}">
-              <a14:hiddenFill xmlns="" xmlns:a14="http://schemas.microsoft.com/office/drawing/2010/main">
+              <a14:hiddenFill xmlns:a14="http://schemas.microsoft.com/office/drawing/2010/main" xmlns="">
                 <a:solidFill>
                   <a:schemeClr val="accent1"/>
                 </a:solidFill>
               </a14:hiddenFill>
             </a:ext>
             <a:ext uri="{91240B29-F687-4f45-9708-019B960494DF}">
-              <a14:hiddenLine xmlns="" xmlns:a14="http://schemas.microsoft.com/office/drawing/2010/main" w="9525">
+              <a14:hiddenLine xmlns:a14="http://schemas.microsoft.com/office/drawing/2010/main" xmlns="" w="9525">
                 <a:solidFill>
                   <a:schemeClr val="tx1"/>
                 </a:solidFill>
@@ -13229,14 +13229,14 @@
           </a:ln>
           <a:extLst>
             <a:ext uri="{909E8E84-426E-40dd-AFC4-6F175D3DCCD1}">
-              <a14:hiddenFill xmlns="" xmlns:a14="http://schemas.microsoft.com/office/drawing/2010/main">
+              <a14:hiddenFill xmlns:a14="http://schemas.microsoft.com/office/drawing/2010/main" xmlns="">
                 <a:solidFill>
                   <a:schemeClr val="accent1"/>
                 </a:solidFill>
               </a14:hiddenFill>
             </a:ext>
             <a:ext uri="{91240B29-F687-4f45-9708-019B960494DF}">
-              <a14:hiddenLine xmlns="" xmlns:a14="http://schemas.microsoft.com/office/drawing/2010/main" w="9525">
+              <a14:hiddenLine xmlns:a14="http://schemas.microsoft.com/office/drawing/2010/main" xmlns="" w="9525">
                 <a:solidFill>
                   <a:schemeClr val="tx1"/>
                 </a:solidFill>
@@ -13286,14 +13286,14 @@
           </a:ln>
           <a:extLst>
             <a:ext uri="{909E8E84-426E-40dd-AFC4-6F175D3DCCD1}">
-              <a14:hiddenFill xmlns="" xmlns:a14="http://schemas.microsoft.com/office/drawing/2010/main">
+              <a14:hiddenFill xmlns:a14="http://schemas.microsoft.com/office/drawing/2010/main" xmlns="">
                 <a:solidFill>
                   <a:schemeClr val="accent1"/>
                 </a:solidFill>
               </a14:hiddenFill>
             </a:ext>
             <a:ext uri="{91240B29-F687-4f45-9708-019B960494DF}">
-              <a14:hiddenLine xmlns="" xmlns:a14="http://schemas.microsoft.com/office/drawing/2010/main" w="9525">
+              <a14:hiddenLine xmlns:a14="http://schemas.microsoft.com/office/drawing/2010/main" xmlns="" w="9525">
                 <a:solidFill>
                   <a:schemeClr val="tx1"/>
                 </a:solidFill>
@@ -13342,14 +13342,14 @@
           </a:ln>
           <a:extLst>
             <a:ext uri="{909E8E84-426E-40dd-AFC4-6F175D3DCCD1}">
-              <a14:hiddenFill xmlns="" xmlns:a14="http://schemas.microsoft.com/office/drawing/2010/main">
+              <a14:hiddenFill xmlns:a14="http://schemas.microsoft.com/office/drawing/2010/main" xmlns="">
                 <a:solidFill>
                   <a:schemeClr val="accent1"/>
                 </a:solidFill>
               </a14:hiddenFill>
             </a:ext>
             <a:ext uri="{91240B29-F687-4f45-9708-019B960494DF}">
-              <a14:hiddenLine xmlns="" xmlns:a14="http://schemas.microsoft.com/office/drawing/2010/main" w="9525">
+              <a14:hiddenLine xmlns:a14="http://schemas.microsoft.com/office/drawing/2010/main" xmlns="" w="9525">
                 <a:solidFill>
                   <a:schemeClr val="tx1"/>
                 </a:solidFill>
@@ -13399,14 +13399,14 @@
           </a:ln>
           <a:extLst>
             <a:ext uri="{909E8E84-426E-40dd-AFC4-6F175D3DCCD1}">
-              <a14:hiddenFill xmlns="" xmlns:a14="http://schemas.microsoft.com/office/drawing/2010/main">
+              <a14:hiddenFill xmlns:a14="http://schemas.microsoft.com/office/drawing/2010/main" xmlns="">
                 <a:solidFill>
                   <a:schemeClr val="accent1"/>
                 </a:solidFill>
               </a14:hiddenFill>
             </a:ext>
             <a:ext uri="{91240B29-F687-4f45-9708-019B960494DF}">
-              <a14:hiddenLine xmlns="" xmlns:a14="http://schemas.microsoft.com/office/drawing/2010/main" w="9525">
+              <a14:hiddenLine xmlns:a14="http://schemas.microsoft.com/office/drawing/2010/main" xmlns="" w="9525">
                 <a:solidFill>
                   <a:schemeClr val="tx1"/>
                 </a:solidFill>
@@ -13456,14 +13456,14 @@
           </a:ln>
           <a:extLst>
             <a:ext uri="{909E8E84-426E-40dd-AFC4-6F175D3DCCD1}">
-              <a14:hiddenFill xmlns="" xmlns:a14="http://schemas.microsoft.com/office/drawing/2010/main">
+              <a14:hiddenFill xmlns:a14="http://schemas.microsoft.com/office/drawing/2010/main" xmlns="">
                 <a:solidFill>
                   <a:schemeClr val="accent1"/>
                 </a:solidFill>
               </a14:hiddenFill>
             </a:ext>
             <a:ext uri="{91240B29-F687-4f45-9708-019B960494DF}">
-              <a14:hiddenLine xmlns="" xmlns:a14="http://schemas.microsoft.com/office/drawing/2010/main" w="9525">
+              <a14:hiddenLine xmlns:a14="http://schemas.microsoft.com/office/drawing/2010/main" xmlns="" w="9525">
                 <a:solidFill>
                   <a:schemeClr val="tx1"/>
                 </a:solidFill>
@@ -13517,7 +13517,7 @@
           </a:ln>
           <a:extLst>
             <a:ext uri="{909E8E84-426E-40dd-AFC4-6F175D3DCCD1}">
-              <a14:hiddenFill xmlns="" xmlns:a14="http://schemas.microsoft.com/office/drawing/2010/main">
+              <a14:hiddenFill xmlns:a14="http://schemas.microsoft.com/office/drawing/2010/main" xmlns="">
                 <a:solidFill>
                   <a:schemeClr val="accent1"/>
                 </a:solidFill>
@@ -13657,14 +13657,14 @@
           </a:ln>
           <a:extLst>
             <a:ext uri="{909E8E84-426E-40dd-AFC4-6F175D3DCCD1}">
-              <a14:hiddenFill xmlns="" xmlns:a14="http://schemas.microsoft.com/office/drawing/2010/main">
+              <a14:hiddenFill xmlns:a14="http://schemas.microsoft.com/office/drawing/2010/main" xmlns="">
                 <a:solidFill>
                   <a:schemeClr val="accent1"/>
                 </a:solidFill>
               </a14:hiddenFill>
             </a:ext>
             <a:ext uri="{91240B29-F687-4f45-9708-019B960494DF}">
-              <a14:hiddenLine xmlns="" xmlns:a14="http://schemas.microsoft.com/office/drawing/2010/main" w="9525">
+              <a14:hiddenLine xmlns:a14="http://schemas.microsoft.com/office/drawing/2010/main" xmlns="" w="9525">
                 <a:solidFill>
                   <a:schemeClr val="tx1"/>
                 </a:solidFill>
@@ -13710,14 +13710,14 @@
           </a:ln>
           <a:extLst>
             <a:ext uri="{909E8E84-426E-40dd-AFC4-6F175D3DCCD1}">
-              <a14:hiddenFill xmlns="" xmlns:a14="http://schemas.microsoft.com/office/drawing/2010/main">
+              <a14:hiddenFill xmlns:a14="http://schemas.microsoft.com/office/drawing/2010/main" xmlns="">
                 <a:solidFill>
                   <a:schemeClr val="accent1"/>
                 </a:solidFill>
               </a14:hiddenFill>
             </a:ext>
             <a:ext uri="{91240B29-F687-4f45-9708-019B960494DF}">
-              <a14:hiddenLine xmlns="" xmlns:a14="http://schemas.microsoft.com/office/drawing/2010/main" w="9525">
+              <a14:hiddenLine xmlns:a14="http://schemas.microsoft.com/office/drawing/2010/main" xmlns="" w="9525">
                 <a:solidFill>
                   <a:schemeClr val="tx1"/>
                 </a:solidFill>
@@ -13763,14 +13763,14 @@
           </a:ln>
           <a:extLst>
             <a:ext uri="{909E8E84-426E-40dd-AFC4-6F175D3DCCD1}">
-              <a14:hiddenFill xmlns="" xmlns:a14="http://schemas.microsoft.com/office/drawing/2010/main">
+              <a14:hiddenFill xmlns:a14="http://schemas.microsoft.com/office/drawing/2010/main" xmlns="">
                 <a:solidFill>
                   <a:schemeClr val="accent1"/>
                 </a:solidFill>
               </a14:hiddenFill>
             </a:ext>
             <a:ext uri="{91240B29-F687-4f45-9708-019B960494DF}">
-              <a14:hiddenLine xmlns="" xmlns:a14="http://schemas.microsoft.com/office/drawing/2010/main" w="9525">
+              <a14:hiddenLine xmlns:a14="http://schemas.microsoft.com/office/drawing/2010/main" xmlns="" w="9525">
                 <a:solidFill>
                   <a:schemeClr val="tx1"/>
                 </a:solidFill>
@@ -13816,14 +13816,14 @@
           </a:ln>
           <a:extLst>
             <a:ext uri="{909E8E84-426E-40dd-AFC4-6F175D3DCCD1}">
-              <a14:hiddenFill xmlns="" xmlns:a14="http://schemas.microsoft.com/office/drawing/2010/main">
+              <a14:hiddenFill xmlns:a14="http://schemas.microsoft.com/office/drawing/2010/main" xmlns="">
                 <a:solidFill>
                   <a:schemeClr val="accent1"/>
                 </a:solidFill>
               </a14:hiddenFill>
             </a:ext>
             <a:ext uri="{91240B29-F687-4f45-9708-019B960494DF}">
-              <a14:hiddenLine xmlns="" xmlns:a14="http://schemas.microsoft.com/office/drawing/2010/main" w="9525">
+              <a14:hiddenLine xmlns:a14="http://schemas.microsoft.com/office/drawing/2010/main" xmlns="" w="9525">
                 <a:solidFill>
                   <a:schemeClr val="tx1"/>
                 </a:solidFill>
@@ -13869,14 +13869,14 @@
           </a:ln>
           <a:extLst>
             <a:ext uri="{909E8E84-426E-40dd-AFC4-6F175D3DCCD1}">
-              <a14:hiddenFill xmlns="" xmlns:a14="http://schemas.microsoft.com/office/drawing/2010/main">
+              <a14:hiddenFill xmlns:a14="http://schemas.microsoft.com/office/drawing/2010/main" xmlns="">
                 <a:solidFill>
                   <a:schemeClr val="accent1"/>
                 </a:solidFill>
               </a14:hiddenFill>
             </a:ext>
             <a:ext uri="{91240B29-F687-4f45-9708-019B960494DF}">
-              <a14:hiddenLine xmlns="" xmlns:a14="http://schemas.microsoft.com/office/drawing/2010/main" w="9525">
+              <a14:hiddenLine xmlns:a14="http://schemas.microsoft.com/office/drawing/2010/main" xmlns="" w="9525">
                 <a:solidFill>
                   <a:schemeClr val="tx1"/>
                 </a:solidFill>
@@ -13922,14 +13922,14 @@
           </a:ln>
           <a:extLst>
             <a:ext uri="{909E8E84-426E-40dd-AFC4-6F175D3DCCD1}">
-              <a14:hiddenFill xmlns="" xmlns:a14="http://schemas.microsoft.com/office/drawing/2010/main">
+              <a14:hiddenFill xmlns:a14="http://schemas.microsoft.com/office/drawing/2010/main" xmlns="">
                 <a:solidFill>
                   <a:schemeClr val="accent1"/>
                 </a:solidFill>
               </a14:hiddenFill>
             </a:ext>
             <a:ext uri="{91240B29-F687-4f45-9708-019B960494DF}">
-              <a14:hiddenLine xmlns="" xmlns:a14="http://schemas.microsoft.com/office/drawing/2010/main" w="9525">
+              <a14:hiddenLine xmlns:a14="http://schemas.microsoft.com/office/drawing/2010/main" xmlns="" w="9525">
                 <a:solidFill>
                   <a:schemeClr val="tx1"/>
                 </a:solidFill>
@@ -13975,14 +13975,14 @@
           </a:ln>
           <a:extLst>
             <a:ext uri="{909E8E84-426E-40dd-AFC4-6F175D3DCCD1}">
-              <a14:hiddenFill xmlns="" xmlns:a14="http://schemas.microsoft.com/office/drawing/2010/main">
+              <a14:hiddenFill xmlns:a14="http://schemas.microsoft.com/office/drawing/2010/main" xmlns="">
                 <a:solidFill>
                   <a:schemeClr val="accent1"/>
                 </a:solidFill>
               </a14:hiddenFill>
             </a:ext>
             <a:ext uri="{91240B29-F687-4f45-9708-019B960494DF}">
-              <a14:hiddenLine xmlns="" xmlns:a14="http://schemas.microsoft.com/office/drawing/2010/main" w="9525">
+              <a14:hiddenLine xmlns:a14="http://schemas.microsoft.com/office/drawing/2010/main" xmlns="" w="9525">
                 <a:solidFill>
                   <a:schemeClr val="tx1"/>
                 </a:solidFill>
@@ -14028,14 +14028,14 @@
           </a:ln>
           <a:extLst>
             <a:ext uri="{909E8E84-426E-40dd-AFC4-6F175D3DCCD1}">
-              <a14:hiddenFill xmlns="" xmlns:a14="http://schemas.microsoft.com/office/drawing/2010/main">
+              <a14:hiddenFill xmlns:a14="http://schemas.microsoft.com/office/drawing/2010/main" xmlns="">
                 <a:solidFill>
                   <a:schemeClr val="accent1"/>
                 </a:solidFill>
               </a14:hiddenFill>
             </a:ext>
             <a:ext uri="{91240B29-F687-4f45-9708-019B960494DF}">
-              <a14:hiddenLine xmlns="" xmlns:a14="http://schemas.microsoft.com/office/drawing/2010/main" w="9525">
+              <a14:hiddenLine xmlns:a14="http://schemas.microsoft.com/office/drawing/2010/main" xmlns="" w="9525">
                 <a:solidFill>
                   <a:schemeClr val="tx1"/>
                 </a:solidFill>
@@ -14081,14 +14081,14 @@
           </a:ln>
           <a:extLst>
             <a:ext uri="{909E8E84-426E-40dd-AFC4-6F175D3DCCD1}">
-              <a14:hiddenFill xmlns="" xmlns:a14="http://schemas.microsoft.com/office/drawing/2010/main">
+              <a14:hiddenFill xmlns:a14="http://schemas.microsoft.com/office/drawing/2010/main" xmlns="">
                 <a:solidFill>
                   <a:schemeClr val="accent1"/>
                 </a:solidFill>
               </a14:hiddenFill>
             </a:ext>
             <a:ext uri="{91240B29-F687-4f45-9708-019B960494DF}">
-              <a14:hiddenLine xmlns="" xmlns:a14="http://schemas.microsoft.com/office/drawing/2010/main" w="9525">
+              <a14:hiddenLine xmlns:a14="http://schemas.microsoft.com/office/drawing/2010/main" xmlns="" w="9525">
                 <a:solidFill>
                   <a:schemeClr val="tx1"/>
                 </a:solidFill>
@@ -14134,14 +14134,14 @@
           </a:ln>
           <a:extLst>
             <a:ext uri="{909E8E84-426E-40dd-AFC4-6F175D3DCCD1}">
-              <a14:hiddenFill xmlns="" xmlns:a14="http://schemas.microsoft.com/office/drawing/2010/main">
+              <a14:hiddenFill xmlns:a14="http://schemas.microsoft.com/office/drawing/2010/main" xmlns="">
                 <a:solidFill>
                   <a:schemeClr val="accent1"/>
                 </a:solidFill>
               </a14:hiddenFill>
             </a:ext>
             <a:ext uri="{91240B29-F687-4f45-9708-019B960494DF}">
-              <a14:hiddenLine xmlns="" xmlns:a14="http://schemas.microsoft.com/office/drawing/2010/main" w="9525">
+              <a14:hiddenLine xmlns:a14="http://schemas.microsoft.com/office/drawing/2010/main" xmlns="" w="9525">
                 <a:solidFill>
                   <a:schemeClr val="tx1"/>
                 </a:solidFill>
@@ -14187,14 +14187,14 @@
           </a:ln>
           <a:extLst>
             <a:ext uri="{909E8E84-426E-40dd-AFC4-6F175D3DCCD1}">
-              <a14:hiddenFill xmlns="" xmlns:a14="http://schemas.microsoft.com/office/drawing/2010/main">
+              <a14:hiddenFill xmlns:a14="http://schemas.microsoft.com/office/drawing/2010/main" xmlns="">
                 <a:solidFill>
                   <a:schemeClr val="accent1"/>
                 </a:solidFill>
               </a14:hiddenFill>
             </a:ext>
             <a:ext uri="{91240B29-F687-4f45-9708-019B960494DF}">
-              <a14:hiddenLine xmlns="" xmlns:a14="http://schemas.microsoft.com/office/drawing/2010/main" w="9525">
+              <a14:hiddenLine xmlns:a14="http://schemas.microsoft.com/office/drawing/2010/main" xmlns="" w="9525">
                 <a:solidFill>
                   <a:schemeClr val="tx1"/>
                 </a:solidFill>
@@ -14247,7 +14247,7 @@
           </a:ln>
           <a:extLst>
             <a:ext uri="{909E8E84-426E-40dd-AFC4-6F175D3DCCD1}">
-              <a14:hiddenFill xmlns="" xmlns:a14="http://schemas.microsoft.com/office/drawing/2010/main">
+              <a14:hiddenFill xmlns:a14="http://schemas.microsoft.com/office/drawing/2010/main" xmlns="">
                 <a:noFill/>
               </a14:hiddenFill>
             </a:ext>
@@ -14283,7 +14283,7 @@
           </a:ln>
           <a:extLst>
             <a:ext uri="{909E8E84-426E-40dd-AFC4-6F175D3DCCD1}">
-              <a14:hiddenFill xmlns="" xmlns:a14="http://schemas.microsoft.com/office/drawing/2010/main">
+              <a14:hiddenFill xmlns:a14="http://schemas.microsoft.com/office/drawing/2010/main" xmlns="">
                 <a:noFill/>
               </a14:hiddenFill>
             </a:ext>
@@ -14319,7 +14319,7 @@
           </a:ln>
           <a:extLst>
             <a:ext uri="{909E8E84-426E-40dd-AFC4-6F175D3DCCD1}">
-              <a14:hiddenFill xmlns="" xmlns:a14="http://schemas.microsoft.com/office/drawing/2010/main">
+              <a14:hiddenFill xmlns:a14="http://schemas.microsoft.com/office/drawing/2010/main" xmlns="">
                 <a:noFill/>
               </a14:hiddenFill>
             </a:ext>
@@ -14355,7 +14355,7 @@
           </a:ln>
           <a:extLst>
             <a:ext uri="{909E8E84-426E-40dd-AFC4-6F175D3DCCD1}">
-              <a14:hiddenFill xmlns="" xmlns:a14="http://schemas.microsoft.com/office/drawing/2010/main">
+              <a14:hiddenFill xmlns:a14="http://schemas.microsoft.com/office/drawing/2010/main" xmlns="">
                 <a:noFill/>
               </a14:hiddenFill>
             </a:ext>
@@ -14391,7 +14391,7 @@
           </a:ln>
           <a:extLst>
             <a:ext uri="{909E8E84-426E-40dd-AFC4-6F175D3DCCD1}">
-              <a14:hiddenFill xmlns="" xmlns:a14="http://schemas.microsoft.com/office/drawing/2010/main">
+              <a14:hiddenFill xmlns:a14="http://schemas.microsoft.com/office/drawing/2010/main" xmlns="">
                 <a:noFill/>
               </a14:hiddenFill>
             </a:ext>
@@ -14427,7 +14427,7 @@
           </a:ln>
           <a:extLst>
             <a:ext uri="{909E8E84-426E-40dd-AFC4-6F175D3DCCD1}">
-              <a14:hiddenFill xmlns="" xmlns:a14="http://schemas.microsoft.com/office/drawing/2010/main">
+              <a14:hiddenFill xmlns:a14="http://schemas.microsoft.com/office/drawing/2010/main" xmlns="">
                 <a:noFill/>
               </a14:hiddenFill>
             </a:ext>
@@ -14463,7 +14463,7 @@
           </a:ln>
           <a:extLst>
             <a:ext uri="{909E8E84-426E-40dd-AFC4-6F175D3DCCD1}">
-              <a14:hiddenFill xmlns="" xmlns:a14="http://schemas.microsoft.com/office/drawing/2010/main">
+              <a14:hiddenFill xmlns:a14="http://schemas.microsoft.com/office/drawing/2010/main" xmlns="">
                 <a:noFill/>
               </a14:hiddenFill>
             </a:ext>
@@ -14499,7 +14499,7 @@
           </a:ln>
           <a:extLst>
             <a:ext uri="{909E8E84-426E-40dd-AFC4-6F175D3DCCD1}">
-              <a14:hiddenFill xmlns="" xmlns:a14="http://schemas.microsoft.com/office/drawing/2010/main">
+              <a14:hiddenFill xmlns:a14="http://schemas.microsoft.com/office/drawing/2010/main" xmlns="">
                 <a:noFill/>
               </a14:hiddenFill>
             </a:ext>
@@ -14535,7 +14535,7 @@
           </a:ln>
           <a:extLst>
             <a:ext uri="{909E8E84-426E-40dd-AFC4-6F175D3DCCD1}">
-              <a14:hiddenFill xmlns="" xmlns:a14="http://schemas.microsoft.com/office/drawing/2010/main">
+              <a14:hiddenFill xmlns:a14="http://schemas.microsoft.com/office/drawing/2010/main" xmlns="">
                 <a:noFill/>
               </a14:hiddenFill>
             </a:ext>
@@ -14571,7 +14571,7 @@
           </a:ln>
           <a:extLst>
             <a:ext uri="{909E8E84-426E-40dd-AFC4-6F175D3DCCD1}">
-              <a14:hiddenFill xmlns="" xmlns:a14="http://schemas.microsoft.com/office/drawing/2010/main">
+              <a14:hiddenFill xmlns:a14="http://schemas.microsoft.com/office/drawing/2010/main" xmlns="">
                 <a:noFill/>
               </a14:hiddenFill>
             </a:ext>
@@ -14605,7 +14605,7 @@
           </a:ln>
           <a:extLst>
             <a:ext uri="{909E8E84-426E-40dd-AFC4-6F175D3DCCD1}">
-              <a14:hiddenFill xmlns="" xmlns:a14="http://schemas.microsoft.com/office/drawing/2010/main">
+              <a14:hiddenFill xmlns:a14="http://schemas.microsoft.com/office/drawing/2010/main" xmlns="">
                 <a:solidFill>
                   <a:schemeClr val="accent1"/>
                 </a:solidFill>
@@ -14745,14 +14745,14 @@
           </a:ln>
           <a:extLst>
             <a:ext uri="{909E8E84-426E-40dd-AFC4-6F175D3DCCD1}">
-              <a14:hiddenFill xmlns="" xmlns:a14="http://schemas.microsoft.com/office/drawing/2010/main">
+              <a14:hiddenFill xmlns:a14="http://schemas.microsoft.com/office/drawing/2010/main" xmlns="">
                 <a:solidFill>
                   <a:schemeClr val="accent1"/>
                 </a:solidFill>
               </a14:hiddenFill>
             </a:ext>
             <a:ext uri="{91240B29-F687-4f45-9708-019B960494DF}">
-              <a14:hiddenLine xmlns="" xmlns:a14="http://schemas.microsoft.com/office/drawing/2010/main" w="9525">
+              <a14:hiddenLine xmlns:a14="http://schemas.microsoft.com/office/drawing/2010/main" xmlns="" w="9525">
                 <a:solidFill>
                   <a:schemeClr val="tx1"/>
                 </a:solidFill>
@@ -14798,14 +14798,14 @@
           </a:ln>
           <a:extLst>
             <a:ext uri="{909E8E84-426E-40dd-AFC4-6F175D3DCCD1}">
-              <a14:hiddenFill xmlns="" xmlns:a14="http://schemas.microsoft.com/office/drawing/2010/main">
+              <a14:hiddenFill xmlns:a14="http://schemas.microsoft.com/office/drawing/2010/main" xmlns="">
                 <a:solidFill>
                   <a:schemeClr val="accent1"/>
                 </a:solidFill>
               </a14:hiddenFill>
             </a:ext>
             <a:ext uri="{91240B29-F687-4f45-9708-019B960494DF}">
-              <a14:hiddenLine xmlns="" xmlns:a14="http://schemas.microsoft.com/office/drawing/2010/main" w="9525">
+              <a14:hiddenLine xmlns:a14="http://schemas.microsoft.com/office/drawing/2010/main" xmlns="" w="9525">
                 <a:solidFill>
                   <a:schemeClr val="tx1"/>
                 </a:solidFill>
@@ -14851,14 +14851,14 @@
           </a:ln>
           <a:extLst>
             <a:ext uri="{909E8E84-426E-40dd-AFC4-6F175D3DCCD1}">
-              <a14:hiddenFill xmlns="" xmlns:a14="http://schemas.microsoft.com/office/drawing/2010/main">
+              <a14:hiddenFill xmlns:a14="http://schemas.microsoft.com/office/drawing/2010/main" xmlns="">
                 <a:solidFill>
                   <a:schemeClr val="accent1"/>
                 </a:solidFill>
               </a14:hiddenFill>
             </a:ext>
             <a:ext uri="{91240B29-F687-4f45-9708-019B960494DF}">
-              <a14:hiddenLine xmlns="" xmlns:a14="http://schemas.microsoft.com/office/drawing/2010/main" w="9525">
+              <a14:hiddenLine xmlns:a14="http://schemas.microsoft.com/office/drawing/2010/main" xmlns="" w="9525">
                 <a:solidFill>
                   <a:schemeClr val="tx1"/>
                 </a:solidFill>
@@ -14904,14 +14904,14 @@
           </a:ln>
           <a:extLst>
             <a:ext uri="{909E8E84-426E-40dd-AFC4-6F175D3DCCD1}">
-              <a14:hiddenFill xmlns="" xmlns:a14="http://schemas.microsoft.com/office/drawing/2010/main">
+              <a14:hiddenFill xmlns:a14="http://schemas.microsoft.com/office/drawing/2010/main" xmlns="">
                 <a:solidFill>
                   <a:schemeClr val="accent1"/>
                 </a:solidFill>
               </a14:hiddenFill>
             </a:ext>
             <a:ext uri="{91240B29-F687-4f45-9708-019B960494DF}">
-              <a14:hiddenLine xmlns="" xmlns:a14="http://schemas.microsoft.com/office/drawing/2010/main" w="9525">
+              <a14:hiddenLine xmlns:a14="http://schemas.microsoft.com/office/drawing/2010/main" xmlns="" w="9525">
                 <a:solidFill>
                   <a:schemeClr val="tx1"/>
                 </a:solidFill>
@@ -14957,14 +14957,14 @@
           </a:ln>
           <a:extLst>
             <a:ext uri="{909E8E84-426E-40dd-AFC4-6F175D3DCCD1}">
-              <a14:hiddenFill xmlns="" xmlns:a14="http://schemas.microsoft.com/office/drawing/2010/main">
+              <a14:hiddenFill xmlns:a14="http://schemas.microsoft.com/office/drawing/2010/main" xmlns="">
                 <a:solidFill>
                   <a:schemeClr val="accent1"/>
                 </a:solidFill>
               </a14:hiddenFill>
             </a:ext>
             <a:ext uri="{91240B29-F687-4f45-9708-019B960494DF}">
-              <a14:hiddenLine xmlns="" xmlns:a14="http://schemas.microsoft.com/office/drawing/2010/main" w="9525">
+              <a14:hiddenLine xmlns:a14="http://schemas.microsoft.com/office/drawing/2010/main" xmlns="" w="9525">
                 <a:solidFill>
                   <a:schemeClr val="tx1"/>
                 </a:solidFill>
@@ -15010,14 +15010,14 @@
           </a:ln>
           <a:extLst>
             <a:ext uri="{909E8E84-426E-40dd-AFC4-6F175D3DCCD1}">
-              <a14:hiddenFill xmlns="" xmlns:a14="http://schemas.microsoft.com/office/drawing/2010/main">
+              <a14:hiddenFill xmlns:a14="http://schemas.microsoft.com/office/drawing/2010/main" xmlns="">
                 <a:solidFill>
                   <a:schemeClr val="accent1"/>
                 </a:solidFill>
               </a14:hiddenFill>
             </a:ext>
             <a:ext uri="{91240B29-F687-4f45-9708-019B960494DF}">
-              <a14:hiddenLine xmlns="" xmlns:a14="http://schemas.microsoft.com/office/drawing/2010/main" w="9525">
+              <a14:hiddenLine xmlns:a14="http://schemas.microsoft.com/office/drawing/2010/main" xmlns="" w="9525">
                 <a:solidFill>
                   <a:schemeClr val="tx1"/>
                 </a:solidFill>
@@ -15063,14 +15063,14 @@
           </a:ln>
           <a:extLst>
             <a:ext uri="{909E8E84-426E-40dd-AFC4-6F175D3DCCD1}">
-              <a14:hiddenFill xmlns="" xmlns:a14="http://schemas.microsoft.com/office/drawing/2010/main">
+              <a14:hiddenFill xmlns:a14="http://schemas.microsoft.com/office/drawing/2010/main" xmlns="">
                 <a:solidFill>
                   <a:schemeClr val="accent1"/>
                 </a:solidFill>
               </a14:hiddenFill>
             </a:ext>
             <a:ext uri="{91240B29-F687-4f45-9708-019B960494DF}">
-              <a14:hiddenLine xmlns="" xmlns:a14="http://schemas.microsoft.com/office/drawing/2010/main" w="9525">
+              <a14:hiddenLine xmlns:a14="http://schemas.microsoft.com/office/drawing/2010/main" xmlns="" w="9525">
                 <a:solidFill>
                   <a:schemeClr val="tx1"/>
                 </a:solidFill>
@@ -15116,14 +15116,14 @@
           </a:ln>
           <a:extLst>
             <a:ext uri="{909E8E84-426E-40dd-AFC4-6F175D3DCCD1}">
-              <a14:hiddenFill xmlns="" xmlns:a14="http://schemas.microsoft.com/office/drawing/2010/main">
+              <a14:hiddenFill xmlns:a14="http://schemas.microsoft.com/office/drawing/2010/main" xmlns="">
                 <a:solidFill>
                   <a:schemeClr val="accent1"/>
                 </a:solidFill>
               </a14:hiddenFill>
             </a:ext>
             <a:ext uri="{91240B29-F687-4f45-9708-019B960494DF}">
-              <a14:hiddenLine xmlns="" xmlns:a14="http://schemas.microsoft.com/office/drawing/2010/main" w="9525">
+              <a14:hiddenLine xmlns:a14="http://schemas.microsoft.com/office/drawing/2010/main" xmlns="" w="9525">
                 <a:solidFill>
                   <a:schemeClr val="tx1"/>
                 </a:solidFill>
@@ -15169,14 +15169,14 @@
           </a:ln>
           <a:extLst>
             <a:ext uri="{909E8E84-426E-40dd-AFC4-6F175D3DCCD1}">
-              <a14:hiddenFill xmlns="" xmlns:a14="http://schemas.microsoft.com/office/drawing/2010/main">
+              <a14:hiddenFill xmlns:a14="http://schemas.microsoft.com/office/drawing/2010/main" xmlns="">
                 <a:solidFill>
                   <a:schemeClr val="accent1"/>
                 </a:solidFill>
               </a14:hiddenFill>
             </a:ext>
             <a:ext uri="{91240B29-F687-4f45-9708-019B960494DF}">
-              <a14:hiddenLine xmlns="" xmlns:a14="http://schemas.microsoft.com/office/drawing/2010/main" w="9525">
+              <a14:hiddenLine xmlns:a14="http://schemas.microsoft.com/office/drawing/2010/main" xmlns="" w="9525">
                 <a:solidFill>
                   <a:schemeClr val="tx1"/>
                 </a:solidFill>
@@ -15222,14 +15222,14 @@
           </a:ln>
           <a:extLst>
             <a:ext uri="{909E8E84-426E-40dd-AFC4-6F175D3DCCD1}">
-              <a14:hiddenFill xmlns="" xmlns:a14="http://schemas.microsoft.com/office/drawing/2010/main">
+              <a14:hiddenFill xmlns:a14="http://schemas.microsoft.com/office/drawing/2010/main" xmlns="">
                 <a:solidFill>
                   <a:schemeClr val="accent1"/>
                 </a:solidFill>
               </a14:hiddenFill>
             </a:ext>
             <a:ext uri="{91240B29-F687-4f45-9708-019B960494DF}">
-              <a14:hiddenLine xmlns="" xmlns:a14="http://schemas.microsoft.com/office/drawing/2010/main" w="9525">
+              <a14:hiddenLine xmlns:a14="http://schemas.microsoft.com/office/drawing/2010/main" xmlns="" w="9525">
                 <a:solidFill>
                   <a:schemeClr val="tx1"/>
                 </a:solidFill>
@@ -15275,14 +15275,14 @@
           </a:ln>
           <a:extLst>
             <a:ext uri="{909E8E84-426E-40dd-AFC4-6F175D3DCCD1}">
-              <a14:hiddenFill xmlns="" xmlns:a14="http://schemas.microsoft.com/office/drawing/2010/main">
+              <a14:hiddenFill xmlns:a14="http://schemas.microsoft.com/office/drawing/2010/main" xmlns="">
                 <a:solidFill>
                   <a:schemeClr val="accent1"/>
                 </a:solidFill>
               </a14:hiddenFill>
             </a:ext>
             <a:ext uri="{91240B29-F687-4f45-9708-019B960494DF}">
-              <a14:hiddenLine xmlns="" xmlns:a14="http://schemas.microsoft.com/office/drawing/2010/main" w="9525">
+              <a14:hiddenLine xmlns:a14="http://schemas.microsoft.com/office/drawing/2010/main" xmlns="" w="9525">
                 <a:solidFill>
                   <a:schemeClr val="tx1"/>
                 </a:solidFill>
@@ -15335,7 +15335,7 @@
           </a:ln>
           <a:extLst>
             <a:ext uri="{909E8E84-426E-40dd-AFC4-6F175D3DCCD1}">
-              <a14:hiddenFill xmlns="" xmlns:a14="http://schemas.microsoft.com/office/drawing/2010/main">
+              <a14:hiddenFill xmlns:a14="http://schemas.microsoft.com/office/drawing/2010/main" xmlns="">
                 <a:noFill/>
               </a14:hiddenFill>
             </a:ext>
@@ -15371,7 +15371,7 @@
           </a:ln>
           <a:extLst>
             <a:ext uri="{909E8E84-426E-40dd-AFC4-6F175D3DCCD1}">
-              <a14:hiddenFill xmlns="" xmlns:a14="http://schemas.microsoft.com/office/drawing/2010/main">
+              <a14:hiddenFill xmlns:a14="http://schemas.microsoft.com/office/drawing/2010/main" xmlns="">
                 <a:noFill/>
               </a14:hiddenFill>
             </a:ext>
@@ -15407,7 +15407,7 @@
           </a:ln>
           <a:extLst>
             <a:ext uri="{909E8E84-426E-40dd-AFC4-6F175D3DCCD1}">
-              <a14:hiddenFill xmlns="" xmlns:a14="http://schemas.microsoft.com/office/drawing/2010/main">
+              <a14:hiddenFill xmlns:a14="http://schemas.microsoft.com/office/drawing/2010/main" xmlns="">
                 <a:noFill/>
               </a14:hiddenFill>
             </a:ext>
@@ -15443,7 +15443,7 @@
           </a:ln>
           <a:extLst>
             <a:ext uri="{909E8E84-426E-40dd-AFC4-6F175D3DCCD1}">
-              <a14:hiddenFill xmlns="" xmlns:a14="http://schemas.microsoft.com/office/drawing/2010/main">
+              <a14:hiddenFill xmlns:a14="http://schemas.microsoft.com/office/drawing/2010/main" xmlns="">
                 <a:noFill/>
               </a14:hiddenFill>
             </a:ext>
@@ -15479,7 +15479,7 @@
           </a:ln>
           <a:extLst>
             <a:ext uri="{909E8E84-426E-40dd-AFC4-6F175D3DCCD1}">
-              <a14:hiddenFill xmlns="" xmlns:a14="http://schemas.microsoft.com/office/drawing/2010/main">
+              <a14:hiddenFill xmlns:a14="http://schemas.microsoft.com/office/drawing/2010/main" xmlns="">
                 <a:noFill/>
               </a14:hiddenFill>
             </a:ext>
@@ -15515,7 +15515,7 @@
           </a:ln>
           <a:extLst>
             <a:ext uri="{909E8E84-426E-40dd-AFC4-6F175D3DCCD1}">
-              <a14:hiddenFill xmlns="" xmlns:a14="http://schemas.microsoft.com/office/drawing/2010/main">
+              <a14:hiddenFill xmlns:a14="http://schemas.microsoft.com/office/drawing/2010/main" xmlns="">
                 <a:noFill/>
               </a14:hiddenFill>
             </a:ext>
@@ -15551,7 +15551,7 @@
           </a:ln>
           <a:extLst>
             <a:ext uri="{909E8E84-426E-40dd-AFC4-6F175D3DCCD1}">
-              <a14:hiddenFill xmlns="" xmlns:a14="http://schemas.microsoft.com/office/drawing/2010/main">
+              <a14:hiddenFill xmlns:a14="http://schemas.microsoft.com/office/drawing/2010/main" xmlns="">
                 <a:noFill/>
               </a14:hiddenFill>
             </a:ext>
@@ -15587,7 +15587,7 @@
           </a:ln>
           <a:extLst>
             <a:ext uri="{909E8E84-426E-40dd-AFC4-6F175D3DCCD1}">
-              <a14:hiddenFill xmlns="" xmlns:a14="http://schemas.microsoft.com/office/drawing/2010/main">
+              <a14:hiddenFill xmlns:a14="http://schemas.microsoft.com/office/drawing/2010/main" xmlns="">
                 <a:noFill/>
               </a14:hiddenFill>
             </a:ext>
@@ -15623,7 +15623,7 @@
           </a:ln>
           <a:extLst>
             <a:ext uri="{909E8E84-426E-40dd-AFC4-6F175D3DCCD1}">
-              <a14:hiddenFill xmlns="" xmlns:a14="http://schemas.microsoft.com/office/drawing/2010/main">
+              <a14:hiddenFill xmlns:a14="http://schemas.microsoft.com/office/drawing/2010/main" xmlns="">
                 <a:noFill/>
               </a14:hiddenFill>
             </a:ext>
@@ -15659,7 +15659,7 @@
           </a:ln>
           <a:extLst>
             <a:ext uri="{909E8E84-426E-40dd-AFC4-6F175D3DCCD1}">
-              <a14:hiddenFill xmlns="" xmlns:a14="http://schemas.microsoft.com/office/drawing/2010/main">
+              <a14:hiddenFill xmlns:a14="http://schemas.microsoft.com/office/drawing/2010/main" xmlns="">
                 <a:noFill/>
               </a14:hiddenFill>
             </a:ext>
@@ -15688,14 +15688,14 @@
           </a:ln>
           <a:extLst>
             <a:ext uri="{909E8E84-426E-40dd-AFC4-6F175D3DCCD1}">
-              <a14:hiddenFill xmlns="" xmlns:a14="http://schemas.microsoft.com/office/drawing/2010/main">
+              <a14:hiddenFill xmlns:a14="http://schemas.microsoft.com/office/drawing/2010/main" xmlns="">
                 <a:solidFill>
                   <a:schemeClr val="accent1"/>
                 </a:solidFill>
               </a14:hiddenFill>
             </a:ext>
             <a:ext uri="{91240B29-F687-4f45-9708-019B960494DF}">
-              <a14:hiddenLine xmlns="" xmlns:a14="http://schemas.microsoft.com/office/drawing/2010/main" w="9525">
+              <a14:hiddenLine xmlns:a14="http://schemas.microsoft.com/office/drawing/2010/main" xmlns="" w="9525">
                 <a:solidFill>
                   <a:schemeClr val="tx1"/>
                 </a:solidFill>
@@ -15746,7 +15746,7 @@
           </a:ln>
           <a:extLst>
             <a:ext uri="{909E8E84-426E-40dd-AFC4-6F175D3DCCD1}">
-              <a14:hiddenFill xmlns="" xmlns:a14="http://schemas.microsoft.com/office/drawing/2010/main">
+              <a14:hiddenFill xmlns:a14="http://schemas.microsoft.com/office/drawing/2010/main" xmlns="">
                 <a:solidFill>
                   <a:schemeClr val="accent1"/>
                 </a:solidFill>
@@ -15886,14 +15886,14 @@
           </a:ln>
           <a:extLst>
             <a:ext uri="{909E8E84-426E-40dd-AFC4-6F175D3DCCD1}">
-              <a14:hiddenFill xmlns="" xmlns:a14="http://schemas.microsoft.com/office/drawing/2010/main">
+              <a14:hiddenFill xmlns:a14="http://schemas.microsoft.com/office/drawing/2010/main" xmlns="">
                 <a:solidFill>
                   <a:schemeClr val="accent1"/>
                 </a:solidFill>
               </a14:hiddenFill>
             </a:ext>
             <a:ext uri="{91240B29-F687-4f45-9708-019B960494DF}">
-              <a14:hiddenLine xmlns="" xmlns:a14="http://schemas.microsoft.com/office/drawing/2010/main" w="9525">
+              <a14:hiddenLine xmlns:a14="http://schemas.microsoft.com/office/drawing/2010/main" xmlns="" w="9525">
                 <a:solidFill>
                   <a:schemeClr val="tx1"/>
                 </a:solidFill>
@@ -15939,14 +15939,14 @@
           </a:ln>
           <a:extLst>
             <a:ext uri="{909E8E84-426E-40dd-AFC4-6F175D3DCCD1}">
-              <a14:hiddenFill xmlns="" xmlns:a14="http://schemas.microsoft.com/office/drawing/2010/main">
+              <a14:hiddenFill xmlns:a14="http://schemas.microsoft.com/office/drawing/2010/main" xmlns="">
                 <a:solidFill>
                   <a:schemeClr val="accent1"/>
                 </a:solidFill>
               </a14:hiddenFill>
             </a:ext>
             <a:ext uri="{91240B29-F687-4f45-9708-019B960494DF}">
-              <a14:hiddenLine xmlns="" xmlns:a14="http://schemas.microsoft.com/office/drawing/2010/main" w="9525">
+              <a14:hiddenLine xmlns:a14="http://schemas.microsoft.com/office/drawing/2010/main" xmlns="" w="9525">
                 <a:solidFill>
                   <a:schemeClr val="tx1"/>
                 </a:solidFill>
@@ -15992,14 +15992,14 @@
           </a:ln>
           <a:extLst>
             <a:ext uri="{909E8E84-426E-40dd-AFC4-6F175D3DCCD1}">
-              <a14:hiddenFill xmlns="" xmlns:a14="http://schemas.microsoft.com/office/drawing/2010/main">
+              <a14:hiddenFill xmlns:a14="http://schemas.microsoft.com/office/drawing/2010/main" xmlns="">
                 <a:solidFill>
                   <a:schemeClr val="accent1"/>
                 </a:solidFill>
               </a14:hiddenFill>
             </a:ext>
             <a:ext uri="{91240B29-F687-4f45-9708-019B960494DF}">
-              <a14:hiddenLine xmlns="" xmlns:a14="http://schemas.microsoft.com/office/drawing/2010/main" w="9525">
+              <a14:hiddenLine xmlns:a14="http://schemas.microsoft.com/office/drawing/2010/main" xmlns="" w="9525">
                 <a:solidFill>
                   <a:schemeClr val="tx1"/>
                 </a:solidFill>
@@ -16045,14 +16045,14 @@
           </a:ln>
           <a:extLst>
             <a:ext uri="{909E8E84-426E-40dd-AFC4-6F175D3DCCD1}">
-              <a14:hiddenFill xmlns="" xmlns:a14="http://schemas.microsoft.com/office/drawing/2010/main">
+              <a14:hiddenFill xmlns:a14="http://schemas.microsoft.com/office/drawing/2010/main" xmlns="">
                 <a:solidFill>
                   <a:schemeClr val="accent1"/>
                 </a:solidFill>
               </a14:hiddenFill>
             </a:ext>
             <a:ext uri="{91240B29-F687-4f45-9708-019B960494DF}">
-              <a14:hiddenLine xmlns="" xmlns:a14="http://schemas.microsoft.com/office/drawing/2010/main" w="9525">
+              <a14:hiddenLine xmlns:a14="http://schemas.microsoft.com/office/drawing/2010/main" xmlns="" w="9525">
                 <a:solidFill>
                   <a:schemeClr val="tx1"/>
                 </a:solidFill>
@@ -16098,14 +16098,14 @@
           </a:ln>
           <a:extLst>
             <a:ext uri="{909E8E84-426E-40dd-AFC4-6F175D3DCCD1}">
-              <a14:hiddenFill xmlns="" xmlns:a14="http://schemas.microsoft.com/office/drawing/2010/main">
+              <a14:hiddenFill xmlns:a14="http://schemas.microsoft.com/office/drawing/2010/main" xmlns="">
                 <a:solidFill>
                   <a:schemeClr val="accent1"/>
                 </a:solidFill>
               </a14:hiddenFill>
             </a:ext>
             <a:ext uri="{91240B29-F687-4f45-9708-019B960494DF}">
-              <a14:hiddenLine xmlns="" xmlns:a14="http://schemas.microsoft.com/office/drawing/2010/main" w="9525">
+              <a14:hiddenLine xmlns:a14="http://schemas.microsoft.com/office/drawing/2010/main" xmlns="" w="9525">
                 <a:solidFill>
                   <a:schemeClr val="tx1"/>
                 </a:solidFill>
@@ -16151,14 +16151,14 @@
           </a:ln>
           <a:extLst>
             <a:ext uri="{909E8E84-426E-40dd-AFC4-6F175D3DCCD1}">
-              <a14:hiddenFill xmlns="" xmlns:a14="http://schemas.microsoft.com/office/drawing/2010/main">
+              <a14:hiddenFill xmlns:a14="http://schemas.microsoft.com/office/drawing/2010/main" xmlns="">
                 <a:solidFill>
                   <a:schemeClr val="accent1"/>
                 </a:solidFill>
               </a14:hiddenFill>
             </a:ext>
             <a:ext uri="{91240B29-F687-4f45-9708-019B960494DF}">
-              <a14:hiddenLine xmlns="" xmlns:a14="http://schemas.microsoft.com/office/drawing/2010/main" w="9525">
+              <a14:hiddenLine xmlns:a14="http://schemas.microsoft.com/office/drawing/2010/main" xmlns="" w="9525">
                 <a:solidFill>
                   <a:schemeClr val="tx1"/>
                 </a:solidFill>
@@ -16204,14 +16204,14 @@
           </a:ln>
           <a:extLst>
             <a:ext uri="{909E8E84-426E-40dd-AFC4-6F175D3DCCD1}">
-              <a14:hiddenFill xmlns="" xmlns:a14="http://schemas.microsoft.com/office/drawing/2010/main">
+              <a14:hiddenFill xmlns:a14="http://schemas.microsoft.com/office/drawing/2010/main" xmlns="">
                 <a:solidFill>
                   <a:schemeClr val="accent1"/>
                 </a:solidFill>
               </a14:hiddenFill>
             </a:ext>
             <a:ext uri="{91240B29-F687-4f45-9708-019B960494DF}">
-              <a14:hiddenLine xmlns="" xmlns:a14="http://schemas.microsoft.com/office/drawing/2010/main" w="9525">
+              <a14:hiddenLine xmlns:a14="http://schemas.microsoft.com/office/drawing/2010/main" xmlns="" w="9525">
                 <a:solidFill>
                   <a:schemeClr val="tx1"/>
                 </a:solidFill>
@@ -16257,14 +16257,14 @@
           </a:ln>
           <a:extLst>
             <a:ext uri="{909E8E84-426E-40dd-AFC4-6F175D3DCCD1}">
-              <a14:hiddenFill xmlns="" xmlns:a14="http://schemas.microsoft.com/office/drawing/2010/main">
+              <a14:hiddenFill xmlns:a14="http://schemas.microsoft.com/office/drawing/2010/main" xmlns="">
                 <a:solidFill>
                   <a:schemeClr val="accent1"/>
                 </a:solidFill>
               </a14:hiddenFill>
             </a:ext>
             <a:ext uri="{91240B29-F687-4f45-9708-019B960494DF}">
-              <a14:hiddenLine xmlns="" xmlns:a14="http://schemas.microsoft.com/office/drawing/2010/main" w="9525">
+              <a14:hiddenLine xmlns:a14="http://schemas.microsoft.com/office/drawing/2010/main" xmlns="" w="9525">
                 <a:solidFill>
                   <a:schemeClr val="tx1"/>
                 </a:solidFill>
@@ -16310,14 +16310,14 @@
           </a:ln>
           <a:extLst>
             <a:ext uri="{909E8E84-426E-40dd-AFC4-6F175D3DCCD1}">
-              <a14:hiddenFill xmlns="" xmlns:a14="http://schemas.microsoft.com/office/drawing/2010/main">
+              <a14:hiddenFill xmlns:a14="http://schemas.microsoft.com/office/drawing/2010/main" xmlns="">
                 <a:solidFill>
                   <a:schemeClr val="accent1"/>
                 </a:solidFill>
               </a14:hiddenFill>
             </a:ext>
             <a:ext uri="{91240B29-F687-4f45-9708-019B960494DF}">
-              <a14:hiddenLine xmlns="" xmlns:a14="http://schemas.microsoft.com/office/drawing/2010/main" w="9525">
+              <a14:hiddenLine xmlns:a14="http://schemas.microsoft.com/office/drawing/2010/main" xmlns="" w="9525">
                 <a:solidFill>
                   <a:schemeClr val="tx1"/>
                 </a:solidFill>
@@ -16363,14 +16363,14 @@
           </a:ln>
           <a:extLst>
             <a:ext uri="{909E8E84-426E-40dd-AFC4-6F175D3DCCD1}">
-              <a14:hiddenFill xmlns="" xmlns:a14="http://schemas.microsoft.com/office/drawing/2010/main">
+              <a14:hiddenFill xmlns:a14="http://schemas.microsoft.com/office/drawing/2010/main" xmlns="">
                 <a:solidFill>
                   <a:schemeClr val="accent1"/>
                 </a:solidFill>
               </a14:hiddenFill>
             </a:ext>
             <a:ext uri="{91240B29-F687-4f45-9708-019B960494DF}">
-              <a14:hiddenLine xmlns="" xmlns:a14="http://schemas.microsoft.com/office/drawing/2010/main" w="9525">
+              <a14:hiddenLine xmlns:a14="http://schemas.microsoft.com/office/drawing/2010/main" xmlns="" w="9525">
                 <a:solidFill>
                   <a:schemeClr val="tx1"/>
                 </a:solidFill>
@@ -16416,14 +16416,14 @@
           </a:ln>
           <a:extLst>
             <a:ext uri="{909E8E84-426E-40dd-AFC4-6F175D3DCCD1}">
-              <a14:hiddenFill xmlns="" xmlns:a14="http://schemas.microsoft.com/office/drawing/2010/main">
+              <a14:hiddenFill xmlns:a14="http://schemas.microsoft.com/office/drawing/2010/main" xmlns="">
                 <a:solidFill>
                   <a:schemeClr val="accent1"/>
                 </a:solidFill>
               </a14:hiddenFill>
             </a:ext>
             <a:ext uri="{91240B29-F687-4f45-9708-019B960494DF}">
-              <a14:hiddenLine xmlns="" xmlns:a14="http://schemas.microsoft.com/office/drawing/2010/main" w="9525">
+              <a14:hiddenLine xmlns:a14="http://schemas.microsoft.com/office/drawing/2010/main" xmlns="" w="9525">
                 <a:solidFill>
                   <a:schemeClr val="tx1"/>
                 </a:solidFill>
@@ -16476,7 +16476,7 @@
           </a:ln>
           <a:extLst>
             <a:ext uri="{909E8E84-426E-40dd-AFC4-6F175D3DCCD1}">
-              <a14:hiddenFill xmlns="" xmlns:a14="http://schemas.microsoft.com/office/drawing/2010/main">
+              <a14:hiddenFill xmlns:a14="http://schemas.microsoft.com/office/drawing/2010/main" xmlns="">
                 <a:noFill/>
               </a14:hiddenFill>
             </a:ext>
@@ -16512,7 +16512,7 @@
           </a:ln>
           <a:extLst>
             <a:ext uri="{909E8E84-426E-40dd-AFC4-6F175D3DCCD1}">
-              <a14:hiddenFill xmlns="" xmlns:a14="http://schemas.microsoft.com/office/drawing/2010/main">
+              <a14:hiddenFill xmlns:a14="http://schemas.microsoft.com/office/drawing/2010/main" xmlns="">
                 <a:noFill/>
               </a14:hiddenFill>
             </a:ext>
@@ -16548,7 +16548,7 @@
           </a:ln>
           <a:extLst>
             <a:ext uri="{909E8E84-426E-40dd-AFC4-6F175D3DCCD1}">
-              <a14:hiddenFill xmlns="" xmlns:a14="http://schemas.microsoft.com/office/drawing/2010/main">
+              <a14:hiddenFill xmlns:a14="http://schemas.microsoft.com/office/drawing/2010/main" xmlns="">
                 <a:noFill/>
               </a14:hiddenFill>
             </a:ext>
@@ -16584,7 +16584,7 @@
           </a:ln>
           <a:extLst>
             <a:ext uri="{909E8E84-426E-40dd-AFC4-6F175D3DCCD1}">
-              <a14:hiddenFill xmlns="" xmlns:a14="http://schemas.microsoft.com/office/drawing/2010/main">
+              <a14:hiddenFill xmlns:a14="http://schemas.microsoft.com/office/drawing/2010/main" xmlns="">
                 <a:noFill/>
               </a14:hiddenFill>
             </a:ext>
@@ -16620,7 +16620,7 @@
           </a:ln>
           <a:extLst>
             <a:ext uri="{909E8E84-426E-40dd-AFC4-6F175D3DCCD1}">
-              <a14:hiddenFill xmlns="" xmlns:a14="http://schemas.microsoft.com/office/drawing/2010/main">
+              <a14:hiddenFill xmlns:a14="http://schemas.microsoft.com/office/drawing/2010/main" xmlns="">
                 <a:noFill/>
               </a14:hiddenFill>
             </a:ext>
@@ -16656,7 +16656,7 @@
           </a:ln>
           <a:extLst>
             <a:ext uri="{909E8E84-426E-40dd-AFC4-6F175D3DCCD1}">
-              <a14:hiddenFill xmlns="" xmlns:a14="http://schemas.microsoft.com/office/drawing/2010/main">
+              <a14:hiddenFill xmlns:a14="http://schemas.microsoft.com/office/drawing/2010/main" xmlns="">
                 <a:noFill/>
               </a14:hiddenFill>
             </a:ext>
@@ -16692,7 +16692,7 @@
           </a:ln>
           <a:extLst>
             <a:ext uri="{909E8E84-426E-40dd-AFC4-6F175D3DCCD1}">
-              <a14:hiddenFill xmlns="" xmlns:a14="http://schemas.microsoft.com/office/drawing/2010/main">
+              <a14:hiddenFill xmlns:a14="http://schemas.microsoft.com/office/drawing/2010/main" xmlns="">
                 <a:noFill/>
               </a14:hiddenFill>
             </a:ext>
@@ -16728,7 +16728,7 @@
           </a:ln>
           <a:extLst>
             <a:ext uri="{909E8E84-426E-40dd-AFC4-6F175D3DCCD1}">
-              <a14:hiddenFill xmlns="" xmlns:a14="http://schemas.microsoft.com/office/drawing/2010/main">
+              <a14:hiddenFill xmlns:a14="http://schemas.microsoft.com/office/drawing/2010/main" xmlns="">
                 <a:noFill/>
               </a14:hiddenFill>
             </a:ext>
@@ -16764,7 +16764,7 @@
           </a:ln>
           <a:extLst>
             <a:ext uri="{909E8E84-426E-40dd-AFC4-6F175D3DCCD1}">
-              <a14:hiddenFill xmlns="" xmlns:a14="http://schemas.microsoft.com/office/drawing/2010/main">
+              <a14:hiddenFill xmlns:a14="http://schemas.microsoft.com/office/drawing/2010/main" xmlns="">
                 <a:noFill/>
               </a14:hiddenFill>
             </a:ext>
@@ -16800,7 +16800,7 @@
           </a:ln>
           <a:extLst>
             <a:ext uri="{909E8E84-426E-40dd-AFC4-6F175D3DCCD1}">
-              <a14:hiddenFill xmlns="" xmlns:a14="http://schemas.microsoft.com/office/drawing/2010/main">
+              <a14:hiddenFill xmlns:a14="http://schemas.microsoft.com/office/drawing/2010/main" xmlns="">
                 <a:noFill/>
               </a14:hiddenFill>
             </a:ext>
@@ -16829,14 +16829,14 @@
           </a:ln>
           <a:extLst>
             <a:ext uri="{909E8E84-426E-40dd-AFC4-6F175D3DCCD1}">
-              <a14:hiddenFill xmlns="" xmlns:a14="http://schemas.microsoft.com/office/drawing/2010/main">
+              <a14:hiddenFill xmlns:a14="http://schemas.microsoft.com/office/drawing/2010/main" xmlns="">
                 <a:solidFill>
                   <a:schemeClr val="accent1"/>
                 </a:solidFill>
               </a14:hiddenFill>
             </a:ext>
             <a:ext uri="{91240B29-F687-4f45-9708-019B960494DF}">
-              <a14:hiddenLine xmlns="" xmlns:a14="http://schemas.microsoft.com/office/drawing/2010/main" w="9525">
+              <a14:hiddenLine xmlns:a14="http://schemas.microsoft.com/office/drawing/2010/main" xmlns="" w="9525">
                 <a:solidFill>
                   <a:schemeClr val="tx1"/>
                 </a:solidFill>
@@ -16882,14 +16882,14 @@
           </a:ln>
           <a:extLst>
             <a:ext uri="{909E8E84-426E-40dd-AFC4-6F175D3DCCD1}">
-              <a14:hiddenFill xmlns="" xmlns:a14="http://schemas.microsoft.com/office/drawing/2010/main">
+              <a14:hiddenFill xmlns:a14="http://schemas.microsoft.com/office/drawing/2010/main" xmlns="">
                 <a:solidFill>
                   <a:schemeClr val="accent1"/>
                 </a:solidFill>
               </a14:hiddenFill>
             </a:ext>
             <a:ext uri="{91240B29-F687-4f45-9708-019B960494DF}">
-              <a14:hiddenLine xmlns="" xmlns:a14="http://schemas.microsoft.com/office/drawing/2010/main" w="9525">
+              <a14:hiddenLine xmlns:a14="http://schemas.microsoft.com/office/drawing/2010/main" xmlns="" w="9525">
                 <a:solidFill>
                   <a:schemeClr val="tx1"/>
                 </a:solidFill>
@@ -16947,7 +16947,7 @@
           </a:ln>
           <a:extLst>
             <a:ext uri="{909E8E84-426E-40dd-AFC4-6F175D3DCCD1}">
-              <a14:hiddenFill xmlns="" xmlns:a14="http://schemas.microsoft.com/office/drawing/2010/main">
+              <a14:hiddenFill xmlns:a14="http://schemas.microsoft.com/office/drawing/2010/main" xmlns="">
                 <a:solidFill>
                   <a:schemeClr val="accent1"/>
                 </a:solidFill>
@@ -17008,14 +17008,14 @@
           </a:ln>
           <a:extLst>
             <a:ext uri="{909E8E84-426E-40dd-AFC4-6F175D3DCCD1}">
-              <a14:hiddenFill xmlns="" xmlns:a14="http://schemas.microsoft.com/office/drawing/2010/main">
+              <a14:hiddenFill xmlns:a14="http://schemas.microsoft.com/office/drawing/2010/main" xmlns="">
                 <a:solidFill>
                   <a:schemeClr val="accent1"/>
                 </a:solidFill>
               </a14:hiddenFill>
             </a:ext>
             <a:ext uri="{91240B29-F687-4f45-9708-019B960494DF}">
-              <a14:hiddenLine xmlns="" xmlns:a14="http://schemas.microsoft.com/office/drawing/2010/main" w="9525">
+              <a14:hiddenLine xmlns:a14="http://schemas.microsoft.com/office/drawing/2010/main" xmlns="" w="9525">
                 <a:solidFill>
                   <a:schemeClr val="tx1"/>
                 </a:solidFill>
@@ -17072,7 +17072,7 @@
           </a:ln>
           <a:extLst>
             <a:ext uri="{909E8E84-426E-40dd-AFC4-6F175D3DCCD1}">
-              <a14:hiddenFill xmlns="" xmlns:a14="http://schemas.microsoft.com/office/drawing/2010/main">
+              <a14:hiddenFill xmlns:a14="http://schemas.microsoft.com/office/drawing/2010/main" xmlns="">
                 <a:noFill/>
               </a14:hiddenFill>
             </a:ext>
@@ -17187,14 +17187,14 @@
           </a:ln>
           <a:extLst>
             <a:ext uri="{909E8E84-426E-40dd-AFC4-6F175D3DCCD1}">
-              <a14:hiddenFill xmlns="" xmlns:a14="http://schemas.microsoft.com/office/drawing/2010/main">
+              <a14:hiddenFill xmlns:a14="http://schemas.microsoft.com/office/drawing/2010/main" xmlns="">
                 <a:solidFill>
                   <a:schemeClr val="accent1"/>
                 </a:solidFill>
               </a14:hiddenFill>
             </a:ext>
             <a:ext uri="{91240B29-F687-4f45-9708-019B960494DF}">
-              <a14:hiddenLine xmlns="" xmlns:a14="http://schemas.microsoft.com/office/drawing/2010/main" w="9525">
+              <a14:hiddenLine xmlns:a14="http://schemas.microsoft.com/office/drawing/2010/main" xmlns="" w="9525">
                 <a:solidFill>
                   <a:schemeClr val="tx1"/>
                 </a:solidFill>
@@ -17240,14 +17240,14 @@
           </a:ln>
           <a:extLst>
             <a:ext uri="{909E8E84-426E-40dd-AFC4-6F175D3DCCD1}">
-              <a14:hiddenFill xmlns="" xmlns:a14="http://schemas.microsoft.com/office/drawing/2010/main">
+              <a14:hiddenFill xmlns:a14="http://schemas.microsoft.com/office/drawing/2010/main" xmlns="">
                 <a:solidFill>
                   <a:schemeClr val="accent1"/>
                 </a:solidFill>
               </a14:hiddenFill>
             </a:ext>
             <a:ext uri="{91240B29-F687-4f45-9708-019B960494DF}">
-              <a14:hiddenLine xmlns="" xmlns:a14="http://schemas.microsoft.com/office/drawing/2010/main" w="9525">
+              <a14:hiddenLine xmlns:a14="http://schemas.microsoft.com/office/drawing/2010/main" xmlns="" w="9525">
                 <a:solidFill>
                   <a:schemeClr val="tx1"/>
                 </a:solidFill>
@@ -17293,14 +17293,14 @@
           </a:ln>
           <a:extLst>
             <a:ext uri="{909E8E84-426E-40dd-AFC4-6F175D3DCCD1}">
-              <a14:hiddenFill xmlns="" xmlns:a14="http://schemas.microsoft.com/office/drawing/2010/main">
+              <a14:hiddenFill xmlns:a14="http://schemas.microsoft.com/office/drawing/2010/main" xmlns="">
                 <a:solidFill>
                   <a:schemeClr val="accent1"/>
                 </a:solidFill>
               </a14:hiddenFill>
             </a:ext>
             <a:ext uri="{91240B29-F687-4f45-9708-019B960494DF}">
-              <a14:hiddenLine xmlns="" xmlns:a14="http://schemas.microsoft.com/office/drawing/2010/main" w="9525">
+              <a14:hiddenLine xmlns:a14="http://schemas.microsoft.com/office/drawing/2010/main" xmlns="" w="9525">
                 <a:solidFill>
                   <a:schemeClr val="tx1"/>
                 </a:solidFill>
@@ -17346,14 +17346,14 @@
           </a:ln>
           <a:extLst>
             <a:ext uri="{909E8E84-426E-40dd-AFC4-6F175D3DCCD1}">
-              <a14:hiddenFill xmlns="" xmlns:a14="http://schemas.microsoft.com/office/drawing/2010/main">
+              <a14:hiddenFill xmlns:a14="http://schemas.microsoft.com/office/drawing/2010/main" xmlns="">
                 <a:solidFill>
                   <a:schemeClr val="accent1"/>
                 </a:solidFill>
               </a14:hiddenFill>
             </a:ext>
             <a:ext uri="{91240B29-F687-4f45-9708-019B960494DF}">
-              <a14:hiddenLine xmlns="" xmlns:a14="http://schemas.microsoft.com/office/drawing/2010/main" w="9525">
+              <a14:hiddenLine xmlns:a14="http://schemas.microsoft.com/office/drawing/2010/main" xmlns="" w="9525">
                 <a:solidFill>
                   <a:schemeClr val="tx1"/>
                 </a:solidFill>
@@ -17399,14 +17399,14 @@
           </a:ln>
           <a:extLst>
             <a:ext uri="{909E8E84-426E-40dd-AFC4-6F175D3DCCD1}">
-              <a14:hiddenFill xmlns="" xmlns:a14="http://schemas.microsoft.com/office/drawing/2010/main">
+              <a14:hiddenFill xmlns:a14="http://schemas.microsoft.com/office/drawing/2010/main" xmlns="">
                 <a:solidFill>
                   <a:schemeClr val="accent1"/>
                 </a:solidFill>
               </a14:hiddenFill>
             </a:ext>
             <a:ext uri="{91240B29-F687-4f45-9708-019B960494DF}">
-              <a14:hiddenLine xmlns="" xmlns:a14="http://schemas.microsoft.com/office/drawing/2010/main" w="9525">
+              <a14:hiddenLine xmlns:a14="http://schemas.microsoft.com/office/drawing/2010/main" xmlns="" w="9525">
                 <a:solidFill>
                   <a:schemeClr val="tx1"/>
                 </a:solidFill>
@@ -17452,14 +17452,14 @@
           </a:ln>
           <a:extLst>
             <a:ext uri="{909E8E84-426E-40dd-AFC4-6F175D3DCCD1}">
-              <a14:hiddenFill xmlns="" xmlns:a14="http://schemas.microsoft.com/office/drawing/2010/main">
+              <a14:hiddenFill xmlns:a14="http://schemas.microsoft.com/office/drawing/2010/main" xmlns="">
                 <a:solidFill>
                   <a:schemeClr val="accent1"/>
                 </a:solidFill>
               </a14:hiddenFill>
             </a:ext>
             <a:ext uri="{91240B29-F687-4f45-9708-019B960494DF}">
-              <a14:hiddenLine xmlns="" xmlns:a14="http://schemas.microsoft.com/office/drawing/2010/main" w="9525">
+              <a14:hiddenLine xmlns:a14="http://schemas.microsoft.com/office/drawing/2010/main" xmlns="" w="9525">
                 <a:solidFill>
                   <a:schemeClr val="tx1"/>
                 </a:solidFill>
@@ -17505,14 +17505,14 @@
           </a:ln>
           <a:extLst>
             <a:ext uri="{909E8E84-426E-40dd-AFC4-6F175D3DCCD1}">
-              <a14:hiddenFill xmlns="" xmlns:a14="http://schemas.microsoft.com/office/drawing/2010/main">
+              <a14:hiddenFill xmlns:a14="http://schemas.microsoft.com/office/drawing/2010/main" xmlns="">
                 <a:solidFill>
                   <a:schemeClr val="accent1"/>
                 </a:solidFill>
               </a14:hiddenFill>
             </a:ext>
             <a:ext uri="{91240B29-F687-4f45-9708-019B960494DF}">
-              <a14:hiddenLine xmlns="" xmlns:a14="http://schemas.microsoft.com/office/drawing/2010/main" w="9525">
+              <a14:hiddenLine xmlns:a14="http://schemas.microsoft.com/office/drawing/2010/main" xmlns="" w="9525">
                 <a:solidFill>
                   <a:schemeClr val="tx1"/>
                 </a:solidFill>
@@ -17558,14 +17558,14 @@
           </a:ln>
           <a:extLst>
             <a:ext uri="{909E8E84-426E-40dd-AFC4-6F175D3DCCD1}">
-              <a14:hiddenFill xmlns="" xmlns:a14="http://schemas.microsoft.com/office/drawing/2010/main">
+              <a14:hiddenFill xmlns:a14="http://schemas.microsoft.com/office/drawing/2010/main" xmlns="">
                 <a:solidFill>
                   <a:schemeClr val="accent1"/>
                 </a:solidFill>
               </a14:hiddenFill>
             </a:ext>
             <a:ext uri="{91240B29-F687-4f45-9708-019B960494DF}">
-              <a14:hiddenLine xmlns="" xmlns:a14="http://schemas.microsoft.com/office/drawing/2010/main" w="9525">
+              <a14:hiddenLine xmlns:a14="http://schemas.microsoft.com/office/drawing/2010/main" xmlns="" w="9525">
                 <a:solidFill>
                   <a:schemeClr val="tx1"/>
                 </a:solidFill>
@@ -17611,14 +17611,14 @@
           </a:ln>
           <a:extLst>
             <a:ext uri="{909E8E84-426E-40dd-AFC4-6F175D3DCCD1}">
-              <a14:hiddenFill xmlns="" xmlns:a14="http://schemas.microsoft.com/office/drawing/2010/main">
+              <a14:hiddenFill xmlns:a14="http://schemas.microsoft.com/office/drawing/2010/main" xmlns="">
                 <a:solidFill>
                   <a:schemeClr val="accent1"/>
                 </a:solidFill>
               </a14:hiddenFill>
             </a:ext>
             <a:ext uri="{91240B29-F687-4f45-9708-019B960494DF}">
-              <a14:hiddenLine xmlns="" xmlns:a14="http://schemas.microsoft.com/office/drawing/2010/main" w="9525">
+              <a14:hiddenLine xmlns:a14="http://schemas.microsoft.com/office/drawing/2010/main" xmlns="" w="9525">
                 <a:solidFill>
                   <a:schemeClr val="tx1"/>
                 </a:solidFill>
@@ -17664,14 +17664,14 @@
           </a:ln>
           <a:extLst>
             <a:ext uri="{909E8E84-426E-40dd-AFC4-6F175D3DCCD1}">
-              <a14:hiddenFill xmlns="" xmlns:a14="http://schemas.microsoft.com/office/drawing/2010/main">
+              <a14:hiddenFill xmlns:a14="http://schemas.microsoft.com/office/drawing/2010/main" xmlns="">
                 <a:solidFill>
                   <a:schemeClr val="accent1"/>
                 </a:solidFill>
               </a14:hiddenFill>
             </a:ext>
             <a:ext uri="{91240B29-F687-4f45-9708-019B960494DF}">
-              <a14:hiddenLine xmlns="" xmlns:a14="http://schemas.microsoft.com/office/drawing/2010/main" w="9525">
+              <a14:hiddenLine xmlns:a14="http://schemas.microsoft.com/office/drawing/2010/main" xmlns="" w="9525">
                 <a:solidFill>
                   <a:schemeClr val="tx1"/>
                 </a:solidFill>
@@ -17717,14 +17717,14 @@
           </a:ln>
           <a:extLst>
             <a:ext uri="{909E8E84-426E-40dd-AFC4-6F175D3DCCD1}">
-              <a14:hiddenFill xmlns="" xmlns:a14="http://schemas.microsoft.com/office/drawing/2010/main">
+              <a14:hiddenFill xmlns:a14="http://schemas.microsoft.com/office/drawing/2010/main" xmlns="">
                 <a:solidFill>
                   <a:schemeClr val="accent1"/>
                 </a:solidFill>
               </a14:hiddenFill>
             </a:ext>
             <a:ext uri="{91240B29-F687-4f45-9708-019B960494DF}">
-              <a14:hiddenLine xmlns="" xmlns:a14="http://schemas.microsoft.com/office/drawing/2010/main" w="9525">
+              <a14:hiddenLine xmlns:a14="http://schemas.microsoft.com/office/drawing/2010/main" xmlns="" w="9525">
                 <a:solidFill>
                   <a:schemeClr val="tx1"/>
                 </a:solidFill>
@@ -17777,7 +17777,7 @@
           </a:ln>
           <a:extLst>
             <a:ext uri="{909E8E84-426E-40dd-AFC4-6F175D3DCCD1}">
-              <a14:hiddenFill xmlns="" xmlns:a14="http://schemas.microsoft.com/office/drawing/2010/main">
+              <a14:hiddenFill xmlns:a14="http://schemas.microsoft.com/office/drawing/2010/main" xmlns="">
                 <a:noFill/>
               </a14:hiddenFill>
             </a:ext>
@@ -17813,7 +17813,7 @@
           </a:ln>
           <a:extLst>
             <a:ext uri="{909E8E84-426E-40dd-AFC4-6F175D3DCCD1}">
-              <a14:hiddenFill xmlns="" xmlns:a14="http://schemas.microsoft.com/office/drawing/2010/main">
+              <a14:hiddenFill xmlns:a14="http://schemas.microsoft.com/office/drawing/2010/main" xmlns="">
                 <a:noFill/>
               </a14:hiddenFill>
             </a:ext>
@@ -17849,7 +17849,7 @@
           </a:ln>
           <a:extLst>
             <a:ext uri="{909E8E84-426E-40dd-AFC4-6F175D3DCCD1}">
-              <a14:hiddenFill xmlns="" xmlns:a14="http://schemas.microsoft.com/office/drawing/2010/main">
+              <a14:hiddenFill xmlns:a14="http://schemas.microsoft.com/office/drawing/2010/main" xmlns="">
                 <a:noFill/>
               </a14:hiddenFill>
             </a:ext>
@@ -17885,7 +17885,7 @@
           </a:ln>
           <a:extLst>
             <a:ext uri="{909E8E84-426E-40dd-AFC4-6F175D3DCCD1}">
-              <a14:hiddenFill xmlns="" xmlns:a14="http://schemas.microsoft.com/office/drawing/2010/main">
+              <a14:hiddenFill xmlns:a14="http://schemas.microsoft.com/office/drawing/2010/main" xmlns="">
                 <a:noFill/>
               </a14:hiddenFill>
             </a:ext>
@@ -17921,7 +17921,7 @@
           </a:ln>
           <a:extLst>
             <a:ext uri="{909E8E84-426E-40dd-AFC4-6F175D3DCCD1}">
-              <a14:hiddenFill xmlns="" xmlns:a14="http://schemas.microsoft.com/office/drawing/2010/main">
+              <a14:hiddenFill xmlns:a14="http://schemas.microsoft.com/office/drawing/2010/main" xmlns="">
                 <a:noFill/>
               </a14:hiddenFill>
             </a:ext>
@@ -17957,7 +17957,7 @@
           </a:ln>
           <a:extLst>
             <a:ext uri="{909E8E84-426E-40dd-AFC4-6F175D3DCCD1}">
-              <a14:hiddenFill xmlns="" xmlns:a14="http://schemas.microsoft.com/office/drawing/2010/main">
+              <a14:hiddenFill xmlns:a14="http://schemas.microsoft.com/office/drawing/2010/main" xmlns="">
                 <a:noFill/>
               </a14:hiddenFill>
             </a:ext>
@@ -17993,7 +17993,7 @@
           </a:ln>
           <a:extLst>
             <a:ext uri="{909E8E84-426E-40dd-AFC4-6F175D3DCCD1}">
-              <a14:hiddenFill xmlns="" xmlns:a14="http://schemas.microsoft.com/office/drawing/2010/main">
+              <a14:hiddenFill xmlns:a14="http://schemas.microsoft.com/office/drawing/2010/main" xmlns="">
                 <a:noFill/>
               </a14:hiddenFill>
             </a:ext>
@@ -18029,7 +18029,7 @@
           </a:ln>
           <a:extLst>
             <a:ext uri="{909E8E84-426E-40dd-AFC4-6F175D3DCCD1}">
-              <a14:hiddenFill xmlns="" xmlns:a14="http://schemas.microsoft.com/office/drawing/2010/main">
+              <a14:hiddenFill xmlns:a14="http://schemas.microsoft.com/office/drawing/2010/main" xmlns="">
                 <a:noFill/>
               </a14:hiddenFill>
             </a:ext>
@@ -18065,7 +18065,7 @@
           </a:ln>
           <a:extLst>
             <a:ext uri="{909E8E84-426E-40dd-AFC4-6F175D3DCCD1}">
-              <a14:hiddenFill xmlns="" xmlns:a14="http://schemas.microsoft.com/office/drawing/2010/main">
+              <a14:hiddenFill xmlns:a14="http://schemas.microsoft.com/office/drawing/2010/main" xmlns="">
                 <a:noFill/>
               </a14:hiddenFill>
             </a:ext>
@@ -18101,7 +18101,7 @@
           </a:ln>
           <a:extLst>
             <a:ext uri="{909E8E84-426E-40dd-AFC4-6F175D3DCCD1}">
-              <a14:hiddenFill xmlns="" xmlns:a14="http://schemas.microsoft.com/office/drawing/2010/main">
+              <a14:hiddenFill xmlns:a14="http://schemas.microsoft.com/office/drawing/2010/main" xmlns="">
                 <a:noFill/>
               </a14:hiddenFill>
             </a:ext>
@@ -18130,14 +18130,14 @@
           </a:ln>
           <a:extLst>
             <a:ext uri="{909E8E84-426E-40dd-AFC4-6F175D3DCCD1}">
-              <a14:hiddenFill xmlns="" xmlns:a14="http://schemas.microsoft.com/office/drawing/2010/main">
+              <a14:hiddenFill xmlns:a14="http://schemas.microsoft.com/office/drawing/2010/main" xmlns="">
                 <a:solidFill>
                   <a:schemeClr val="accent1"/>
                 </a:solidFill>
               </a14:hiddenFill>
             </a:ext>
             <a:ext uri="{91240B29-F687-4f45-9708-019B960494DF}">
-              <a14:hiddenLine xmlns="" xmlns:a14="http://schemas.microsoft.com/office/drawing/2010/main" w="9525">
+              <a14:hiddenLine xmlns:a14="http://schemas.microsoft.com/office/drawing/2010/main" xmlns="" w="9525">
                 <a:solidFill>
                   <a:schemeClr val="tx1"/>
                 </a:solidFill>
@@ -18183,14 +18183,14 @@
           </a:ln>
           <a:extLst>
             <a:ext uri="{909E8E84-426E-40dd-AFC4-6F175D3DCCD1}">
-              <a14:hiddenFill xmlns="" xmlns:a14="http://schemas.microsoft.com/office/drawing/2010/main">
+              <a14:hiddenFill xmlns:a14="http://schemas.microsoft.com/office/drawing/2010/main" xmlns="">
                 <a:solidFill>
                   <a:schemeClr val="accent1"/>
                 </a:solidFill>
               </a14:hiddenFill>
             </a:ext>
             <a:ext uri="{91240B29-F687-4f45-9708-019B960494DF}">
-              <a14:hiddenLine xmlns="" xmlns:a14="http://schemas.microsoft.com/office/drawing/2010/main" w="9525">
+              <a14:hiddenLine xmlns:a14="http://schemas.microsoft.com/office/drawing/2010/main" xmlns="" w="9525">
                 <a:solidFill>
                   <a:schemeClr val="tx1"/>
                 </a:solidFill>
@@ -18243,14 +18243,14 @@
           </a:ln>
           <a:extLst>
             <a:ext uri="{909E8E84-426E-40dd-AFC4-6F175D3DCCD1}">
-              <a14:hiddenFill xmlns="" xmlns:a14="http://schemas.microsoft.com/office/drawing/2010/main">
+              <a14:hiddenFill xmlns:a14="http://schemas.microsoft.com/office/drawing/2010/main" xmlns="">
                 <a:solidFill>
                   <a:schemeClr val="accent1"/>
                 </a:solidFill>
               </a14:hiddenFill>
             </a:ext>
             <a:ext uri="{91240B29-F687-4f45-9708-019B960494DF}">
-              <a14:hiddenLine xmlns="" xmlns:a14="http://schemas.microsoft.com/office/drawing/2010/main" w="9525">
+              <a14:hiddenLine xmlns:a14="http://schemas.microsoft.com/office/drawing/2010/main" xmlns="" w="9525">
                 <a:solidFill>
                   <a:schemeClr val="tx1"/>
                 </a:solidFill>
@@ -18301,7 +18301,7 @@
           </a:ln>
           <a:extLst>
             <a:ext uri="{909E8E84-426E-40dd-AFC4-6F175D3DCCD1}">
-              <a14:hiddenFill xmlns="" xmlns:a14="http://schemas.microsoft.com/office/drawing/2010/main">
+              <a14:hiddenFill xmlns:a14="http://schemas.microsoft.com/office/drawing/2010/main" xmlns="">
                 <a:solidFill>
                   <a:schemeClr val="accent1"/>
                 </a:solidFill>
@@ -18441,14 +18441,14 @@
           </a:ln>
           <a:extLst>
             <a:ext uri="{909E8E84-426E-40dd-AFC4-6F175D3DCCD1}">
-              <a14:hiddenFill xmlns="" xmlns:a14="http://schemas.microsoft.com/office/drawing/2010/main">
+              <a14:hiddenFill xmlns:a14="http://schemas.microsoft.com/office/drawing/2010/main" xmlns="">
                 <a:solidFill>
                   <a:schemeClr val="accent1"/>
                 </a:solidFill>
               </a14:hiddenFill>
             </a:ext>
             <a:ext uri="{91240B29-F687-4f45-9708-019B960494DF}">
-              <a14:hiddenLine xmlns="" xmlns:a14="http://schemas.microsoft.com/office/drawing/2010/main" w="9525">
+              <a14:hiddenLine xmlns:a14="http://schemas.microsoft.com/office/drawing/2010/main" xmlns="" w="9525">
                 <a:solidFill>
                   <a:schemeClr val="tx1"/>
                 </a:solidFill>
@@ -18494,14 +18494,14 @@
           </a:ln>
           <a:extLst>
             <a:ext uri="{909E8E84-426E-40dd-AFC4-6F175D3DCCD1}">
-              <a14:hiddenFill xmlns="" xmlns:a14="http://schemas.microsoft.com/office/drawing/2010/main">
+              <a14:hiddenFill xmlns:a14="http://schemas.microsoft.com/office/drawing/2010/main" xmlns="">
                 <a:solidFill>
                   <a:schemeClr val="accent1"/>
                 </a:solidFill>
               </a14:hiddenFill>
             </a:ext>
             <a:ext uri="{91240B29-F687-4f45-9708-019B960494DF}">
-              <a14:hiddenLine xmlns="" xmlns:a14="http://schemas.microsoft.com/office/drawing/2010/main" w="9525">
+              <a14:hiddenLine xmlns:a14="http://schemas.microsoft.com/office/drawing/2010/main" xmlns="" w="9525">
                 <a:solidFill>
                   <a:schemeClr val="tx1"/>
                 </a:solidFill>
@@ -18547,14 +18547,14 @@
           </a:ln>
           <a:extLst>
             <a:ext uri="{909E8E84-426E-40dd-AFC4-6F175D3DCCD1}">
-              <a14:hiddenFill xmlns="" xmlns:a14="http://schemas.microsoft.com/office/drawing/2010/main">
+              <a14:hiddenFill xmlns:a14="http://schemas.microsoft.com/office/drawing/2010/main" xmlns="">
                 <a:solidFill>
                   <a:schemeClr val="accent1"/>
                 </a:solidFill>
               </a14:hiddenFill>
             </a:ext>
             <a:ext uri="{91240B29-F687-4f45-9708-019B960494DF}">
-              <a14:hiddenLine xmlns="" xmlns:a14="http://schemas.microsoft.com/office/drawing/2010/main" w="9525">
+              <a14:hiddenLine xmlns:a14="http://schemas.microsoft.com/office/drawing/2010/main" xmlns="" w="9525">
                 <a:solidFill>
                   <a:schemeClr val="tx1"/>
                 </a:solidFill>
@@ -18600,14 +18600,14 @@
           </a:ln>
           <a:extLst>
             <a:ext uri="{909E8E84-426E-40dd-AFC4-6F175D3DCCD1}">
-              <a14:hiddenFill xmlns="" xmlns:a14="http://schemas.microsoft.com/office/drawing/2010/main">
+              <a14:hiddenFill xmlns:a14="http://schemas.microsoft.com/office/drawing/2010/main" xmlns="">
                 <a:solidFill>
                   <a:schemeClr val="accent1"/>
                 </a:solidFill>
               </a14:hiddenFill>
             </a:ext>
             <a:ext uri="{91240B29-F687-4f45-9708-019B960494DF}">
-              <a14:hiddenLine xmlns="" xmlns:a14="http://schemas.microsoft.com/office/drawing/2010/main" w="9525">
+              <a14:hiddenLine xmlns:a14="http://schemas.microsoft.com/office/drawing/2010/main" xmlns="" w="9525">
                 <a:solidFill>
                   <a:schemeClr val="tx1"/>
                 </a:solidFill>
@@ -18653,14 +18653,14 @@
           </a:ln>
           <a:extLst>
             <a:ext uri="{909E8E84-426E-40dd-AFC4-6F175D3DCCD1}">
-              <a14:hiddenFill xmlns="" xmlns:a14="http://schemas.microsoft.com/office/drawing/2010/main">
+              <a14:hiddenFill xmlns:a14="http://schemas.microsoft.com/office/drawing/2010/main" xmlns="">
                 <a:solidFill>
                   <a:schemeClr val="accent1"/>
                 </a:solidFill>
               </a14:hiddenFill>
             </a:ext>
             <a:ext uri="{91240B29-F687-4f45-9708-019B960494DF}">
-              <a14:hiddenLine xmlns="" xmlns:a14="http://schemas.microsoft.com/office/drawing/2010/main" w="9525">
+              <a14:hiddenLine xmlns:a14="http://schemas.microsoft.com/office/drawing/2010/main" xmlns="" w="9525">
                 <a:solidFill>
                   <a:schemeClr val="tx1"/>
                 </a:solidFill>
@@ -18706,14 +18706,14 @@
           </a:ln>
           <a:extLst>
             <a:ext uri="{909E8E84-426E-40dd-AFC4-6F175D3DCCD1}">
-              <a14:hiddenFill xmlns="" xmlns:a14="http://schemas.microsoft.com/office/drawing/2010/main">
+              <a14:hiddenFill xmlns:a14="http://schemas.microsoft.com/office/drawing/2010/main" xmlns="">
                 <a:solidFill>
                   <a:schemeClr val="accent1"/>
                 </a:solidFill>
               </a14:hiddenFill>
             </a:ext>
             <a:ext uri="{91240B29-F687-4f45-9708-019B960494DF}">
-              <a14:hiddenLine xmlns="" xmlns:a14="http://schemas.microsoft.com/office/drawing/2010/main" w="9525">
+              <a14:hiddenLine xmlns:a14="http://schemas.microsoft.com/office/drawing/2010/main" xmlns="" w="9525">
                 <a:solidFill>
                   <a:schemeClr val="tx1"/>
                 </a:solidFill>
@@ -18759,14 +18759,14 @@
           </a:ln>
           <a:extLst>
             <a:ext uri="{909E8E84-426E-40dd-AFC4-6F175D3DCCD1}">
-              <a14:hiddenFill xmlns="" xmlns:a14="http://schemas.microsoft.com/office/drawing/2010/main">
+              <a14:hiddenFill xmlns:a14="http://schemas.microsoft.com/office/drawing/2010/main" xmlns="">
                 <a:solidFill>
                   <a:schemeClr val="accent1"/>
                 </a:solidFill>
               </a14:hiddenFill>
             </a:ext>
             <a:ext uri="{91240B29-F687-4f45-9708-019B960494DF}">
-              <a14:hiddenLine xmlns="" xmlns:a14="http://schemas.microsoft.com/office/drawing/2010/main" w="9525">
+              <a14:hiddenLine xmlns:a14="http://schemas.microsoft.com/office/drawing/2010/main" xmlns="" w="9525">
                 <a:solidFill>
                   <a:schemeClr val="tx1"/>
                 </a:solidFill>
@@ -18812,14 +18812,14 @@
           </a:ln>
           <a:extLst>
             <a:ext uri="{909E8E84-426E-40dd-AFC4-6F175D3DCCD1}">
-              <a14:hiddenFill xmlns="" xmlns:a14="http://schemas.microsoft.com/office/drawing/2010/main">
+              <a14:hiddenFill xmlns:a14="http://schemas.microsoft.com/office/drawing/2010/main" xmlns="">
                 <a:solidFill>
                   <a:schemeClr val="accent1"/>
                 </a:solidFill>
               </a14:hiddenFill>
             </a:ext>
             <a:ext uri="{91240B29-F687-4f45-9708-019B960494DF}">
-              <a14:hiddenLine xmlns="" xmlns:a14="http://schemas.microsoft.com/office/drawing/2010/main" w="9525">
+              <a14:hiddenLine xmlns:a14="http://schemas.microsoft.com/office/drawing/2010/main" xmlns="" w="9525">
                 <a:solidFill>
                   <a:schemeClr val="tx1"/>
                 </a:solidFill>
@@ -18865,14 +18865,14 @@
           </a:ln>
           <a:extLst>
             <a:ext uri="{909E8E84-426E-40dd-AFC4-6F175D3DCCD1}">
-              <a14:hiddenFill xmlns="" xmlns:a14="http://schemas.microsoft.com/office/drawing/2010/main">
+              <a14:hiddenFill xmlns:a14="http://schemas.microsoft.com/office/drawing/2010/main" xmlns="">
                 <a:solidFill>
                   <a:schemeClr val="accent1"/>
                 </a:solidFill>
               </a14:hiddenFill>
             </a:ext>
             <a:ext uri="{91240B29-F687-4f45-9708-019B960494DF}">
-              <a14:hiddenLine xmlns="" xmlns:a14="http://schemas.microsoft.com/office/drawing/2010/main" w="9525">
+              <a14:hiddenLine xmlns:a14="http://schemas.microsoft.com/office/drawing/2010/main" xmlns="" w="9525">
                 <a:solidFill>
                   <a:schemeClr val="tx1"/>
                 </a:solidFill>
@@ -18918,14 +18918,14 @@
           </a:ln>
           <a:extLst>
             <a:ext uri="{909E8E84-426E-40dd-AFC4-6F175D3DCCD1}">
-              <a14:hiddenFill xmlns="" xmlns:a14="http://schemas.microsoft.com/office/drawing/2010/main">
+              <a14:hiddenFill xmlns:a14="http://schemas.microsoft.com/office/drawing/2010/main" xmlns="">
                 <a:solidFill>
                   <a:schemeClr val="accent1"/>
                 </a:solidFill>
               </a14:hiddenFill>
             </a:ext>
             <a:ext uri="{91240B29-F687-4f45-9708-019B960494DF}">
-              <a14:hiddenLine xmlns="" xmlns:a14="http://schemas.microsoft.com/office/drawing/2010/main" w="9525">
+              <a14:hiddenLine xmlns:a14="http://schemas.microsoft.com/office/drawing/2010/main" xmlns="" w="9525">
                 <a:solidFill>
                   <a:schemeClr val="tx1"/>
                 </a:solidFill>
@@ -18971,14 +18971,14 @@
           </a:ln>
           <a:extLst>
             <a:ext uri="{909E8E84-426E-40dd-AFC4-6F175D3DCCD1}">
-              <a14:hiddenFill xmlns="" xmlns:a14="http://schemas.microsoft.com/office/drawing/2010/main">
+              <a14:hiddenFill xmlns:a14="http://schemas.microsoft.com/office/drawing/2010/main" xmlns="">
                 <a:solidFill>
                   <a:schemeClr val="accent1"/>
                 </a:solidFill>
               </a14:hiddenFill>
             </a:ext>
             <a:ext uri="{91240B29-F687-4f45-9708-019B960494DF}">
-              <a14:hiddenLine xmlns="" xmlns:a14="http://schemas.microsoft.com/office/drawing/2010/main" w="9525">
+              <a14:hiddenLine xmlns:a14="http://schemas.microsoft.com/office/drawing/2010/main" xmlns="" w="9525">
                 <a:solidFill>
                   <a:schemeClr val="tx1"/>
                 </a:solidFill>
@@ -19031,7 +19031,7 @@
           </a:ln>
           <a:extLst>
             <a:ext uri="{909E8E84-426E-40dd-AFC4-6F175D3DCCD1}">
-              <a14:hiddenFill xmlns="" xmlns:a14="http://schemas.microsoft.com/office/drawing/2010/main">
+              <a14:hiddenFill xmlns:a14="http://schemas.microsoft.com/office/drawing/2010/main" xmlns="">
                 <a:noFill/>
               </a14:hiddenFill>
             </a:ext>
@@ -19067,7 +19067,7 @@
           </a:ln>
           <a:extLst>
             <a:ext uri="{909E8E84-426E-40dd-AFC4-6F175D3DCCD1}">
-              <a14:hiddenFill xmlns="" xmlns:a14="http://schemas.microsoft.com/office/drawing/2010/main">
+              <a14:hiddenFill xmlns:a14="http://schemas.microsoft.com/office/drawing/2010/main" xmlns="">
                 <a:noFill/>
               </a14:hiddenFill>
             </a:ext>
@@ -19103,7 +19103,7 @@
           </a:ln>
           <a:extLst>
             <a:ext uri="{909E8E84-426E-40dd-AFC4-6F175D3DCCD1}">
-              <a14:hiddenFill xmlns="" xmlns:a14="http://schemas.microsoft.com/office/drawing/2010/main">
+              <a14:hiddenFill xmlns:a14="http://schemas.microsoft.com/office/drawing/2010/main" xmlns="">
                 <a:noFill/>
               </a14:hiddenFill>
             </a:ext>
@@ -19139,7 +19139,7 @@
           </a:ln>
           <a:extLst>
             <a:ext uri="{909E8E84-426E-40dd-AFC4-6F175D3DCCD1}">
-              <a14:hiddenFill xmlns="" xmlns:a14="http://schemas.microsoft.com/office/drawing/2010/main">
+              <a14:hiddenFill xmlns:a14="http://schemas.microsoft.com/office/drawing/2010/main" xmlns="">
                 <a:noFill/>
               </a14:hiddenFill>
             </a:ext>
@@ -19175,7 +19175,7 @@
           </a:ln>
           <a:extLst>
             <a:ext uri="{909E8E84-426E-40dd-AFC4-6F175D3DCCD1}">
-              <a14:hiddenFill xmlns="" xmlns:a14="http://schemas.microsoft.com/office/drawing/2010/main">
+              <a14:hiddenFill xmlns:a14="http://schemas.microsoft.com/office/drawing/2010/main" xmlns="">
                 <a:noFill/>
               </a14:hiddenFill>
             </a:ext>
@@ -19211,7 +19211,7 @@
           </a:ln>
           <a:extLst>
             <a:ext uri="{909E8E84-426E-40dd-AFC4-6F175D3DCCD1}">
-              <a14:hiddenFill xmlns="" xmlns:a14="http://schemas.microsoft.com/office/drawing/2010/main">
+              <a14:hiddenFill xmlns:a14="http://schemas.microsoft.com/office/drawing/2010/main" xmlns="">
                 <a:noFill/>
               </a14:hiddenFill>
             </a:ext>
@@ -19247,7 +19247,7 @@
           </a:ln>
           <a:extLst>
             <a:ext uri="{909E8E84-426E-40dd-AFC4-6F175D3DCCD1}">
-              <a14:hiddenFill xmlns="" xmlns:a14="http://schemas.microsoft.com/office/drawing/2010/main">
+              <a14:hiddenFill xmlns:a14="http://schemas.microsoft.com/office/drawing/2010/main" xmlns="">
                 <a:noFill/>
               </a14:hiddenFill>
             </a:ext>
@@ -19283,7 +19283,7 @@
           </a:ln>
           <a:extLst>
             <a:ext uri="{909E8E84-426E-40dd-AFC4-6F175D3DCCD1}">
-              <a14:hiddenFill xmlns="" xmlns:a14="http://schemas.microsoft.com/office/drawing/2010/main">
+              <a14:hiddenFill xmlns:a14="http://schemas.microsoft.com/office/drawing/2010/main" xmlns="">
                 <a:noFill/>
               </a14:hiddenFill>
             </a:ext>
@@ -19319,7 +19319,7 @@
           </a:ln>
           <a:extLst>
             <a:ext uri="{909E8E84-426E-40dd-AFC4-6F175D3DCCD1}">
-              <a14:hiddenFill xmlns="" xmlns:a14="http://schemas.microsoft.com/office/drawing/2010/main">
+              <a14:hiddenFill xmlns:a14="http://schemas.microsoft.com/office/drawing/2010/main" xmlns="">
                 <a:noFill/>
               </a14:hiddenFill>
             </a:ext>
@@ -19355,7 +19355,7 @@
           </a:ln>
           <a:extLst>
             <a:ext uri="{909E8E84-426E-40dd-AFC4-6F175D3DCCD1}">
-              <a14:hiddenFill xmlns="" xmlns:a14="http://schemas.microsoft.com/office/drawing/2010/main">
+              <a14:hiddenFill xmlns:a14="http://schemas.microsoft.com/office/drawing/2010/main" xmlns="">
                 <a:noFill/>
               </a14:hiddenFill>
             </a:ext>
@@ -19384,14 +19384,14 @@
           </a:ln>
           <a:extLst>
             <a:ext uri="{909E8E84-426E-40dd-AFC4-6F175D3DCCD1}">
-              <a14:hiddenFill xmlns="" xmlns:a14="http://schemas.microsoft.com/office/drawing/2010/main">
+              <a14:hiddenFill xmlns:a14="http://schemas.microsoft.com/office/drawing/2010/main" xmlns="">
                 <a:solidFill>
                   <a:schemeClr val="accent1"/>
                 </a:solidFill>
               </a14:hiddenFill>
             </a:ext>
             <a:ext uri="{91240B29-F687-4f45-9708-019B960494DF}">
-              <a14:hiddenLine xmlns="" xmlns:a14="http://schemas.microsoft.com/office/drawing/2010/main" w="9525">
+              <a14:hiddenLine xmlns:a14="http://schemas.microsoft.com/office/drawing/2010/main" xmlns="" w="9525">
                 <a:solidFill>
                   <a:schemeClr val="tx1"/>
                 </a:solidFill>
@@ -19437,14 +19437,14 @@
           </a:ln>
           <a:extLst>
             <a:ext uri="{909E8E84-426E-40dd-AFC4-6F175D3DCCD1}">
-              <a14:hiddenFill xmlns="" xmlns:a14="http://schemas.microsoft.com/office/drawing/2010/main">
+              <a14:hiddenFill xmlns:a14="http://schemas.microsoft.com/office/drawing/2010/main" xmlns="">
                 <a:solidFill>
                   <a:schemeClr val="accent1"/>
                 </a:solidFill>
               </a14:hiddenFill>
             </a:ext>
             <a:ext uri="{91240B29-F687-4f45-9708-019B960494DF}">
-              <a14:hiddenLine xmlns="" xmlns:a14="http://schemas.microsoft.com/office/drawing/2010/main" w="9525">
+              <a14:hiddenLine xmlns:a14="http://schemas.microsoft.com/office/drawing/2010/main" xmlns="" w="9525">
                 <a:solidFill>
                   <a:schemeClr val="tx1"/>
                 </a:solidFill>
@@ -19497,14 +19497,14 @@
           </a:ln>
           <a:extLst>
             <a:ext uri="{909E8E84-426E-40dd-AFC4-6F175D3DCCD1}">
-              <a14:hiddenFill xmlns="" xmlns:a14="http://schemas.microsoft.com/office/drawing/2010/main">
+              <a14:hiddenFill xmlns:a14="http://schemas.microsoft.com/office/drawing/2010/main" xmlns="">
                 <a:solidFill>
                   <a:schemeClr val="accent1"/>
                 </a:solidFill>
               </a14:hiddenFill>
             </a:ext>
             <a:ext uri="{91240B29-F687-4f45-9708-019B960494DF}">
-              <a14:hiddenLine xmlns="" xmlns:a14="http://schemas.microsoft.com/office/drawing/2010/main" w="9525">
+              <a14:hiddenLine xmlns:a14="http://schemas.microsoft.com/office/drawing/2010/main" xmlns="" w="9525">
                 <a:solidFill>
                   <a:schemeClr val="tx1"/>
                 </a:solidFill>
@@ -19550,14 +19550,14 @@
           </a:ln>
           <a:extLst>
             <a:ext uri="{909E8E84-426E-40dd-AFC4-6F175D3DCCD1}">
-              <a14:hiddenFill xmlns="" xmlns:a14="http://schemas.microsoft.com/office/drawing/2010/main">
+              <a14:hiddenFill xmlns:a14="http://schemas.microsoft.com/office/drawing/2010/main" xmlns="">
                 <a:solidFill>
                   <a:schemeClr val="accent1"/>
                 </a:solidFill>
               </a14:hiddenFill>
             </a:ext>
             <a:ext uri="{91240B29-F687-4f45-9708-019B960494DF}">
-              <a14:hiddenLine xmlns="" xmlns:a14="http://schemas.microsoft.com/office/drawing/2010/main" w="9525">
+              <a14:hiddenLine xmlns:a14="http://schemas.microsoft.com/office/drawing/2010/main" xmlns="" w="9525">
                 <a:solidFill>
                   <a:schemeClr val="tx1"/>
                 </a:solidFill>
@@ -19603,14 +19603,14 @@
           </a:ln>
           <a:extLst>
             <a:ext uri="{909E8E84-426E-40dd-AFC4-6F175D3DCCD1}">
-              <a14:hiddenFill xmlns="" xmlns:a14="http://schemas.microsoft.com/office/drawing/2010/main">
+              <a14:hiddenFill xmlns:a14="http://schemas.microsoft.com/office/drawing/2010/main" xmlns="">
                 <a:solidFill>
                   <a:schemeClr val="accent1"/>
                 </a:solidFill>
               </a14:hiddenFill>
             </a:ext>
             <a:ext uri="{91240B29-F687-4f45-9708-019B960494DF}">
-              <a14:hiddenLine xmlns="" xmlns:a14="http://schemas.microsoft.com/office/drawing/2010/main" w="9525">
+              <a14:hiddenLine xmlns:a14="http://schemas.microsoft.com/office/drawing/2010/main" xmlns="" w="9525">
                 <a:solidFill>
                   <a:schemeClr val="tx1"/>
                 </a:solidFill>
@@ -19671,7 +19671,7 @@
           </a:ln>
           <a:extLst>
             <a:ext uri="{909E8E84-426E-40dd-AFC4-6F175D3DCCD1}">
-              <a14:hiddenFill xmlns="" xmlns:a14="http://schemas.microsoft.com/office/drawing/2010/main">
+              <a14:hiddenFill xmlns:a14="http://schemas.microsoft.com/office/drawing/2010/main" xmlns="">
                 <a:solidFill>
                   <a:schemeClr val="accent1"/>
                 </a:solidFill>
@@ -19811,14 +19811,14 @@
           </a:ln>
           <a:extLst>
             <a:ext uri="{909E8E84-426E-40dd-AFC4-6F175D3DCCD1}">
-              <a14:hiddenFill xmlns="" xmlns:a14="http://schemas.microsoft.com/office/drawing/2010/main">
+              <a14:hiddenFill xmlns:a14="http://schemas.microsoft.com/office/drawing/2010/main" xmlns="">
                 <a:solidFill>
                   <a:schemeClr val="accent1"/>
                 </a:solidFill>
               </a14:hiddenFill>
             </a:ext>
             <a:ext uri="{91240B29-F687-4f45-9708-019B960494DF}">
-              <a14:hiddenLine xmlns="" xmlns:a14="http://schemas.microsoft.com/office/drawing/2010/main" w="9525">
+              <a14:hiddenLine xmlns:a14="http://schemas.microsoft.com/office/drawing/2010/main" xmlns="" w="9525">
                 <a:solidFill>
                   <a:schemeClr val="tx1"/>
                 </a:solidFill>
@@ -19864,14 +19864,14 @@
           </a:ln>
           <a:extLst>
             <a:ext uri="{909E8E84-426E-40dd-AFC4-6F175D3DCCD1}">
-              <a14:hiddenFill xmlns="" xmlns:a14="http://schemas.microsoft.com/office/drawing/2010/main">
+              <a14:hiddenFill xmlns:a14="http://schemas.microsoft.com/office/drawing/2010/main" xmlns="">
                 <a:solidFill>
                   <a:schemeClr val="accent1"/>
                 </a:solidFill>
               </a14:hiddenFill>
             </a:ext>
             <a:ext uri="{91240B29-F687-4f45-9708-019B960494DF}">
-              <a14:hiddenLine xmlns="" xmlns:a14="http://schemas.microsoft.com/office/drawing/2010/main" w="9525">
+              <a14:hiddenLine xmlns:a14="http://schemas.microsoft.com/office/drawing/2010/main" xmlns="" w="9525">
                 <a:solidFill>
                   <a:schemeClr val="tx1"/>
                 </a:solidFill>
@@ -19917,14 +19917,14 @@
           </a:ln>
           <a:extLst>
             <a:ext uri="{909E8E84-426E-40dd-AFC4-6F175D3DCCD1}">
-              <a14:hiddenFill xmlns="" xmlns:a14="http://schemas.microsoft.com/office/drawing/2010/main">
+              <a14:hiddenFill xmlns:a14="http://schemas.microsoft.com/office/drawing/2010/main" xmlns="">
                 <a:solidFill>
                   <a:schemeClr val="accent1"/>
                 </a:solidFill>
               </a14:hiddenFill>
             </a:ext>
             <a:ext uri="{91240B29-F687-4f45-9708-019B960494DF}">
-              <a14:hiddenLine xmlns="" xmlns:a14="http://schemas.microsoft.com/office/drawing/2010/main" w="9525">
+              <a14:hiddenLine xmlns:a14="http://schemas.microsoft.com/office/drawing/2010/main" xmlns="" w="9525">
                 <a:solidFill>
                   <a:schemeClr val="tx1"/>
                 </a:solidFill>
@@ -19970,14 +19970,14 @@
           </a:ln>
           <a:extLst>
             <a:ext uri="{909E8E84-426E-40dd-AFC4-6F175D3DCCD1}">
-              <a14:hiddenFill xmlns="" xmlns:a14="http://schemas.microsoft.com/office/drawing/2010/main">
+              <a14:hiddenFill xmlns:a14="http://schemas.microsoft.com/office/drawing/2010/main" xmlns="">
                 <a:solidFill>
                   <a:schemeClr val="accent1"/>
                 </a:solidFill>
               </a14:hiddenFill>
             </a:ext>
             <a:ext uri="{91240B29-F687-4f45-9708-019B960494DF}">
-              <a14:hiddenLine xmlns="" xmlns:a14="http://schemas.microsoft.com/office/drawing/2010/main" w="9525">
+              <a14:hiddenLine xmlns:a14="http://schemas.microsoft.com/office/drawing/2010/main" xmlns="" w="9525">
                 <a:solidFill>
                   <a:schemeClr val="tx1"/>
                 </a:solidFill>
@@ -20023,14 +20023,14 @@
           </a:ln>
           <a:extLst>
             <a:ext uri="{909E8E84-426E-40dd-AFC4-6F175D3DCCD1}">
-              <a14:hiddenFill xmlns="" xmlns:a14="http://schemas.microsoft.com/office/drawing/2010/main">
+              <a14:hiddenFill xmlns:a14="http://schemas.microsoft.com/office/drawing/2010/main" xmlns="">
                 <a:solidFill>
                   <a:schemeClr val="accent1"/>
                 </a:solidFill>
               </a14:hiddenFill>
             </a:ext>
             <a:ext uri="{91240B29-F687-4f45-9708-019B960494DF}">
-              <a14:hiddenLine xmlns="" xmlns:a14="http://schemas.microsoft.com/office/drawing/2010/main" w="9525">
+              <a14:hiddenLine xmlns:a14="http://schemas.microsoft.com/office/drawing/2010/main" xmlns="" w="9525">
                 <a:solidFill>
                   <a:schemeClr val="tx1"/>
                 </a:solidFill>
@@ -20076,14 +20076,14 @@
           </a:ln>
           <a:extLst>
             <a:ext uri="{909E8E84-426E-40dd-AFC4-6F175D3DCCD1}">
-              <a14:hiddenFill xmlns="" xmlns:a14="http://schemas.microsoft.com/office/drawing/2010/main">
+              <a14:hiddenFill xmlns:a14="http://schemas.microsoft.com/office/drawing/2010/main" xmlns="">
                 <a:solidFill>
                   <a:schemeClr val="accent1"/>
                 </a:solidFill>
               </a14:hiddenFill>
             </a:ext>
             <a:ext uri="{91240B29-F687-4f45-9708-019B960494DF}">
-              <a14:hiddenLine xmlns="" xmlns:a14="http://schemas.microsoft.com/office/drawing/2010/main" w="9525">
+              <a14:hiddenLine xmlns:a14="http://schemas.microsoft.com/office/drawing/2010/main" xmlns="" w="9525">
                 <a:solidFill>
                   <a:schemeClr val="tx1"/>
                 </a:solidFill>
@@ -20129,14 +20129,14 @@
           </a:ln>
           <a:extLst>
             <a:ext uri="{909E8E84-426E-40dd-AFC4-6F175D3DCCD1}">
-              <a14:hiddenFill xmlns="" xmlns:a14="http://schemas.microsoft.com/office/drawing/2010/main">
+              <a14:hiddenFill xmlns:a14="http://schemas.microsoft.com/office/drawing/2010/main" xmlns="">
                 <a:solidFill>
                   <a:schemeClr val="accent1"/>
                 </a:solidFill>
               </a14:hiddenFill>
             </a:ext>
             <a:ext uri="{91240B29-F687-4f45-9708-019B960494DF}">
-              <a14:hiddenLine xmlns="" xmlns:a14="http://schemas.microsoft.com/office/drawing/2010/main" w="9525">
+              <a14:hiddenLine xmlns:a14="http://schemas.microsoft.com/office/drawing/2010/main" xmlns="" w="9525">
                 <a:solidFill>
                   <a:schemeClr val="tx1"/>
                 </a:solidFill>
@@ -20182,14 +20182,14 @@
           </a:ln>
           <a:extLst>
             <a:ext uri="{909E8E84-426E-40dd-AFC4-6F175D3DCCD1}">
-              <a14:hiddenFill xmlns="" xmlns:a14="http://schemas.microsoft.com/office/drawing/2010/main">
+              <a14:hiddenFill xmlns:a14="http://schemas.microsoft.com/office/drawing/2010/main" xmlns="">
                 <a:solidFill>
                   <a:schemeClr val="accent1"/>
                 </a:solidFill>
               </a14:hiddenFill>
             </a:ext>
             <a:ext uri="{91240B29-F687-4f45-9708-019B960494DF}">
-              <a14:hiddenLine xmlns="" xmlns:a14="http://schemas.microsoft.com/office/drawing/2010/main" w="9525">
+              <a14:hiddenLine xmlns:a14="http://schemas.microsoft.com/office/drawing/2010/main" xmlns="" w="9525">
                 <a:solidFill>
                   <a:schemeClr val="tx1"/>
                 </a:solidFill>
@@ -20235,14 +20235,14 @@
           </a:ln>
           <a:extLst>
             <a:ext uri="{909E8E84-426E-40dd-AFC4-6F175D3DCCD1}">
-              <a14:hiddenFill xmlns="" xmlns:a14="http://schemas.microsoft.com/office/drawing/2010/main">
+              <a14:hiddenFill xmlns:a14="http://schemas.microsoft.com/office/drawing/2010/main" xmlns="">
                 <a:solidFill>
                   <a:schemeClr val="accent1"/>
                 </a:solidFill>
               </a14:hiddenFill>
             </a:ext>
             <a:ext uri="{91240B29-F687-4f45-9708-019B960494DF}">
-              <a14:hiddenLine xmlns="" xmlns:a14="http://schemas.microsoft.com/office/drawing/2010/main" w="9525">
+              <a14:hiddenLine xmlns:a14="http://schemas.microsoft.com/office/drawing/2010/main" xmlns="" w="9525">
                 <a:solidFill>
                   <a:schemeClr val="tx1"/>
                 </a:solidFill>
@@ -20288,14 +20288,14 @@
           </a:ln>
           <a:extLst>
             <a:ext uri="{909E8E84-426E-40dd-AFC4-6F175D3DCCD1}">
-              <a14:hiddenFill xmlns="" xmlns:a14="http://schemas.microsoft.com/office/drawing/2010/main">
+              <a14:hiddenFill xmlns:a14="http://schemas.microsoft.com/office/drawing/2010/main" xmlns="">
                 <a:solidFill>
                   <a:schemeClr val="accent1"/>
                 </a:solidFill>
               </a14:hiddenFill>
             </a:ext>
             <a:ext uri="{91240B29-F687-4f45-9708-019B960494DF}">
-              <a14:hiddenLine xmlns="" xmlns:a14="http://schemas.microsoft.com/office/drawing/2010/main" w="9525">
+              <a14:hiddenLine xmlns:a14="http://schemas.microsoft.com/office/drawing/2010/main" xmlns="" w="9525">
                 <a:solidFill>
                   <a:schemeClr val="tx1"/>
                 </a:solidFill>
@@ -20341,14 +20341,14 @@
           </a:ln>
           <a:extLst>
             <a:ext uri="{909E8E84-426E-40dd-AFC4-6F175D3DCCD1}">
-              <a14:hiddenFill xmlns="" xmlns:a14="http://schemas.microsoft.com/office/drawing/2010/main">
+              <a14:hiddenFill xmlns:a14="http://schemas.microsoft.com/office/drawing/2010/main" xmlns="">
                 <a:solidFill>
                   <a:schemeClr val="accent1"/>
                 </a:solidFill>
               </a14:hiddenFill>
             </a:ext>
             <a:ext uri="{91240B29-F687-4f45-9708-019B960494DF}">
-              <a14:hiddenLine xmlns="" xmlns:a14="http://schemas.microsoft.com/office/drawing/2010/main" w="9525">
+              <a14:hiddenLine xmlns:a14="http://schemas.microsoft.com/office/drawing/2010/main" xmlns="" w="9525">
                 <a:solidFill>
                   <a:schemeClr val="tx1"/>
                 </a:solidFill>
@@ -20401,7 +20401,7 @@
           </a:ln>
           <a:extLst>
             <a:ext uri="{909E8E84-426E-40dd-AFC4-6F175D3DCCD1}">
-              <a14:hiddenFill xmlns="" xmlns:a14="http://schemas.microsoft.com/office/drawing/2010/main">
+              <a14:hiddenFill xmlns:a14="http://schemas.microsoft.com/office/drawing/2010/main" xmlns="">
                 <a:noFill/>
               </a14:hiddenFill>
             </a:ext>
@@ -20437,7 +20437,7 @@
           </a:ln>
           <a:extLst>
             <a:ext uri="{909E8E84-426E-40dd-AFC4-6F175D3DCCD1}">
-              <a14:hiddenFill xmlns="" xmlns:a14="http://schemas.microsoft.com/office/drawing/2010/main">
+              <a14:hiddenFill xmlns:a14="http://schemas.microsoft.com/office/drawing/2010/main" xmlns="">
                 <a:noFill/>
               </a14:hiddenFill>
             </a:ext>
@@ -20473,7 +20473,7 @@
           </a:ln>
           <a:extLst>
             <a:ext uri="{909E8E84-426E-40dd-AFC4-6F175D3DCCD1}">
-              <a14:hiddenFill xmlns="" xmlns:a14="http://schemas.microsoft.com/office/drawing/2010/main">
+              <a14:hiddenFill xmlns:a14="http://schemas.microsoft.com/office/drawing/2010/main" xmlns="">
                 <a:noFill/>
               </a14:hiddenFill>
             </a:ext>
@@ -20509,7 +20509,7 @@
           </a:ln>
           <a:extLst>
             <a:ext uri="{909E8E84-426E-40dd-AFC4-6F175D3DCCD1}">
-              <a14:hiddenFill xmlns="" xmlns:a14="http://schemas.microsoft.com/office/drawing/2010/main">
+              <a14:hiddenFill xmlns:a14="http://schemas.microsoft.com/office/drawing/2010/main" xmlns="">
                 <a:noFill/>
               </a14:hiddenFill>
             </a:ext>
@@ -20545,7 +20545,7 @@
           </a:ln>
           <a:extLst>
             <a:ext uri="{909E8E84-426E-40dd-AFC4-6F175D3DCCD1}">
-              <a14:hiddenFill xmlns="" xmlns:a14="http://schemas.microsoft.com/office/drawing/2010/main">
+              <a14:hiddenFill xmlns:a14="http://schemas.microsoft.com/office/drawing/2010/main" xmlns="">
                 <a:noFill/>
               </a14:hiddenFill>
             </a:ext>
@@ -20581,7 +20581,7 @@
           </a:ln>
           <a:extLst>
             <a:ext uri="{909E8E84-426E-40dd-AFC4-6F175D3DCCD1}">
-              <a14:hiddenFill xmlns="" xmlns:a14="http://schemas.microsoft.com/office/drawing/2010/main">
+              <a14:hiddenFill xmlns:a14="http://schemas.microsoft.com/office/drawing/2010/main" xmlns="">
                 <a:noFill/>
               </a14:hiddenFill>
             </a:ext>
@@ -20617,7 +20617,7 @@
           </a:ln>
           <a:extLst>
             <a:ext uri="{909E8E84-426E-40dd-AFC4-6F175D3DCCD1}">
-              <a14:hiddenFill xmlns="" xmlns:a14="http://schemas.microsoft.com/office/drawing/2010/main">
+              <a14:hiddenFill xmlns:a14="http://schemas.microsoft.com/office/drawing/2010/main" xmlns="">
                 <a:noFill/>
               </a14:hiddenFill>
             </a:ext>
@@ -20653,7 +20653,7 @@
           </a:ln>
           <a:extLst>
             <a:ext uri="{909E8E84-426E-40dd-AFC4-6F175D3DCCD1}">
-              <a14:hiddenFill xmlns="" xmlns:a14="http://schemas.microsoft.com/office/drawing/2010/main">
+              <a14:hiddenFill xmlns:a14="http://schemas.microsoft.com/office/drawing/2010/main" xmlns="">
                 <a:noFill/>
               </a14:hiddenFill>
             </a:ext>
@@ -20689,7 +20689,7 @@
           </a:ln>
           <a:extLst>
             <a:ext uri="{909E8E84-426E-40dd-AFC4-6F175D3DCCD1}">
-              <a14:hiddenFill xmlns="" xmlns:a14="http://schemas.microsoft.com/office/drawing/2010/main">
+              <a14:hiddenFill xmlns:a14="http://schemas.microsoft.com/office/drawing/2010/main" xmlns="">
                 <a:noFill/>
               </a14:hiddenFill>
             </a:ext>
@@ -20725,7 +20725,7 @@
           </a:ln>
           <a:extLst>
             <a:ext uri="{909E8E84-426E-40dd-AFC4-6F175D3DCCD1}">
-              <a14:hiddenFill xmlns="" xmlns:a14="http://schemas.microsoft.com/office/drawing/2010/main">
+              <a14:hiddenFill xmlns:a14="http://schemas.microsoft.com/office/drawing/2010/main" xmlns="">
                 <a:noFill/>
               </a14:hiddenFill>
             </a:ext>
@@ -20754,14 +20754,14 @@
           </a:ln>
           <a:extLst>
             <a:ext uri="{909E8E84-426E-40dd-AFC4-6F175D3DCCD1}">
-              <a14:hiddenFill xmlns="" xmlns:a14="http://schemas.microsoft.com/office/drawing/2010/main">
+              <a14:hiddenFill xmlns:a14="http://schemas.microsoft.com/office/drawing/2010/main" xmlns="">
                 <a:solidFill>
                   <a:schemeClr val="accent1"/>
                 </a:solidFill>
               </a14:hiddenFill>
             </a:ext>
             <a:ext uri="{91240B29-F687-4f45-9708-019B960494DF}">
-              <a14:hiddenLine xmlns="" xmlns:a14="http://schemas.microsoft.com/office/drawing/2010/main" w="9525">
+              <a14:hiddenLine xmlns:a14="http://schemas.microsoft.com/office/drawing/2010/main" xmlns="" w="9525">
                 <a:solidFill>
                   <a:schemeClr val="tx1"/>
                 </a:solidFill>
@@ -20807,14 +20807,14 @@
           </a:ln>
           <a:extLst>
             <a:ext uri="{909E8E84-426E-40dd-AFC4-6F175D3DCCD1}">
-              <a14:hiddenFill xmlns="" xmlns:a14="http://schemas.microsoft.com/office/drawing/2010/main">
+              <a14:hiddenFill xmlns:a14="http://schemas.microsoft.com/office/drawing/2010/main" xmlns="">
                 <a:solidFill>
                   <a:schemeClr val="accent1"/>
                 </a:solidFill>
               </a14:hiddenFill>
             </a:ext>
             <a:ext uri="{91240B29-F687-4f45-9708-019B960494DF}">
-              <a14:hiddenLine xmlns="" xmlns:a14="http://schemas.microsoft.com/office/drawing/2010/main" w="9525">
+              <a14:hiddenLine xmlns:a14="http://schemas.microsoft.com/office/drawing/2010/main" xmlns="" w="9525">
                 <a:solidFill>
                   <a:schemeClr val="tx1"/>
                 </a:solidFill>
@@ -20867,14 +20867,14 @@
           </a:ln>
           <a:extLst>
             <a:ext uri="{909E8E84-426E-40dd-AFC4-6F175D3DCCD1}">
-              <a14:hiddenFill xmlns="" xmlns:a14="http://schemas.microsoft.com/office/drawing/2010/main">
+              <a14:hiddenFill xmlns:a14="http://schemas.microsoft.com/office/drawing/2010/main" xmlns="">
                 <a:solidFill>
                   <a:schemeClr val="accent1"/>
                 </a:solidFill>
               </a14:hiddenFill>
             </a:ext>
             <a:ext uri="{91240B29-F687-4f45-9708-019B960494DF}">
-              <a14:hiddenLine xmlns="" xmlns:a14="http://schemas.microsoft.com/office/drawing/2010/main" w="9525">
+              <a14:hiddenLine xmlns:a14="http://schemas.microsoft.com/office/drawing/2010/main" xmlns="" w="9525">
                 <a:solidFill>
                   <a:schemeClr val="tx1"/>
                 </a:solidFill>
@@ -20920,14 +20920,14 @@
           </a:ln>
           <a:extLst>
             <a:ext uri="{909E8E84-426E-40dd-AFC4-6F175D3DCCD1}">
-              <a14:hiddenFill xmlns="" xmlns:a14="http://schemas.microsoft.com/office/drawing/2010/main">
+              <a14:hiddenFill xmlns:a14="http://schemas.microsoft.com/office/drawing/2010/main" xmlns="">
                 <a:solidFill>
                   <a:schemeClr val="accent1"/>
                 </a:solidFill>
               </a14:hiddenFill>
             </a:ext>
             <a:ext uri="{91240B29-F687-4f45-9708-019B960494DF}">
-              <a14:hiddenLine xmlns="" xmlns:a14="http://schemas.microsoft.com/office/drawing/2010/main" w="9525">
+              <a14:hiddenLine xmlns:a14="http://schemas.microsoft.com/office/drawing/2010/main" xmlns="" w="9525">
                 <a:solidFill>
                   <a:schemeClr val="tx1"/>
                 </a:solidFill>
@@ -20973,14 +20973,14 @@
           </a:ln>
           <a:extLst>
             <a:ext uri="{909E8E84-426E-40dd-AFC4-6F175D3DCCD1}">
-              <a14:hiddenFill xmlns="" xmlns:a14="http://schemas.microsoft.com/office/drawing/2010/main">
+              <a14:hiddenFill xmlns:a14="http://schemas.microsoft.com/office/drawing/2010/main" xmlns="">
                 <a:solidFill>
                   <a:schemeClr val="accent1"/>
                 </a:solidFill>
               </a14:hiddenFill>
             </a:ext>
             <a:ext uri="{91240B29-F687-4f45-9708-019B960494DF}">
-              <a14:hiddenLine xmlns="" xmlns:a14="http://schemas.microsoft.com/office/drawing/2010/main" w="9525">
+              <a14:hiddenLine xmlns:a14="http://schemas.microsoft.com/office/drawing/2010/main" xmlns="" w="9525">
                 <a:solidFill>
                   <a:schemeClr val="tx1"/>
                 </a:solidFill>
@@ -21036,14 +21036,14 @@
           </a:ln>
           <a:extLst>
             <a:ext uri="{909E8E84-426E-40dd-AFC4-6F175D3DCCD1}">
-              <a14:hiddenFill xmlns="" xmlns:a14="http://schemas.microsoft.com/office/drawing/2010/main">
+              <a14:hiddenFill xmlns:a14="http://schemas.microsoft.com/office/drawing/2010/main" xmlns="">
                 <a:solidFill>
                   <a:schemeClr val="accent1"/>
                 </a:solidFill>
               </a14:hiddenFill>
             </a:ext>
             <a:ext uri="{91240B29-F687-4f45-9708-019B960494DF}">
-              <a14:hiddenLine xmlns="" xmlns:a14="http://schemas.microsoft.com/office/drawing/2010/main" w="9525">
+              <a14:hiddenLine xmlns:a14="http://schemas.microsoft.com/office/drawing/2010/main" xmlns="" w="9525">
                 <a:solidFill>
                   <a:schemeClr val="tx1"/>
                 </a:solidFill>
@@ -21094,7 +21094,7 @@
           </a:ln>
           <a:extLst>
             <a:ext uri="{909E8E84-426E-40dd-AFC4-6F175D3DCCD1}">
-              <a14:hiddenFill xmlns="" xmlns:a14="http://schemas.microsoft.com/office/drawing/2010/main">
+              <a14:hiddenFill xmlns:a14="http://schemas.microsoft.com/office/drawing/2010/main" xmlns="">
                 <a:solidFill>
                   <a:schemeClr val="accent1"/>
                 </a:solidFill>
@@ -21239,7 +21239,7 @@
           </a:ln>
           <a:extLst>
             <a:ext uri="{909E8E84-426E-40dd-AFC4-6F175D3DCCD1}">
-              <a14:hiddenFill xmlns="" xmlns:a14="http://schemas.microsoft.com/office/drawing/2010/main">
+              <a14:hiddenFill xmlns:a14="http://schemas.microsoft.com/office/drawing/2010/main" xmlns="">
                 <a:solidFill>
                   <a:schemeClr val="accent1"/>
                 </a:solidFill>
@@ -21300,14 +21300,14 @@
           </a:ln>
           <a:extLst>
             <a:ext uri="{909E8E84-426E-40dd-AFC4-6F175D3DCCD1}">
-              <a14:hiddenFill xmlns="" xmlns:a14="http://schemas.microsoft.com/office/drawing/2010/main">
+              <a14:hiddenFill xmlns:a14="http://schemas.microsoft.com/office/drawing/2010/main" xmlns="">
                 <a:solidFill>
                   <a:schemeClr val="accent1"/>
                 </a:solidFill>
               </a14:hiddenFill>
             </a:ext>
             <a:ext uri="{91240B29-F687-4f45-9708-019B960494DF}">
-              <a14:hiddenLine xmlns="" xmlns:a14="http://schemas.microsoft.com/office/drawing/2010/main" w="9525">
+              <a14:hiddenLine xmlns:a14="http://schemas.microsoft.com/office/drawing/2010/main" xmlns="" w="9525">
                 <a:solidFill>
                   <a:schemeClr val="tx1"/>
                 </a:solidFill>
@@ -21353,14 +21353,14 @@
           </a:ln>
           <a:extLst>
             <a:ext uri="{909E8E84-426E-40dd-AFC4-6F175D3DCCD1}">
-              <a14:hiddenFill xmlns="" xmlns:a14="http://schemas.microsoft.com/office/drawing/2010/main">
+              <a14:hiddenFill xmlns:a14="http://schemas.microsoft.com/office/drawing/2010/main" xmlns="">
                 <a:solidFill>
                   <a:schemeClr val="accent1"/>
                 </a:solidFill>
               </a14:hiddenFill>
             </a:ext>
             <a:ext uri="{91240B29-F687-4f45-9708-019B960494DF}">
-              <a14:hiddenLine xmlns="" xmlns:a14="http://schemas.microsoft.com/office/drawing/2010/main" w="9525">
+              <a14:hiddenLine xmlns:a14="http://schemas.microsoft.com/office/drawing/2010/main" xmlns="" w="9525">
                 <a:solidFill>
                   <a:schemeClr val="tx1"/>
                 </a:solidFill>
@@ -21406,14 +21406,14 @@
           </a:ln>
           <a:extLst>
             <a:ext uri="{909E8E84-426E-40dd-AFC4-6F175D3DCCD1}">
-              <a14:hiddenFill xmlns="" xmlns:a14="http://schemas.microsoft.com/office/drawing/2010/main">
+              <a14:hiddenFill xmlns:a14="http://schemas.microsoft.com/office/drawing/2010/main" xmlns="">
                 <a:solidFill>
                   <a:schemeClr val="accent1"/>
                 </a:solidFill>
               </a14:hiddenFill>
             </a:ext>
             <a:ext uri="{91240B29-F687-4f45-9708-019B960494DF}">
-              <a14:hiddenLine xmlns="" xmlns:a14="http://schemas.microsoft.com/office/drawing/2010/main" w="9525">
+              <a14:hiddenLine xmlns:a14="http://schemas.microsoft.com/office/drawing/2010/main" xmlns="" w="9525">
                 <a:solidFill>
                   <a:schemeClr val="tx1"/>
                 </a:solidFill>
@@ -21459,14 +21459,14 @@
           </a:ln>
           <a:extLst>
             <a:ext uri="{909E8E84-426E-40dd-AFC4-6F175D3DCCD1}">
-              <a14:hiddenFill xmlns="" xmlns:a14="http://schemas.microsoft.com/office/drawing/2010/main">
+              <a14:hiddenFill xmlns:a14="http://schemas.microsoft.com/office/drawing/2010/main" xmlns="">
                 <a:solidFill>
                   <a:schemeClr val="accent1"/>
                 </a:solidFill>
               </a14:hiddenFill>
             </a:ext>
             <a:ext uri="{91240B29-F687-4f45-9708-019B960494DF}">
-              <a14:hiddenLine xmlns="" xmlns:a14="http://schemas.microsoft.com/office/drawing/2010/main" w="9525">
+              <a14:hiddenLine xmlns:a14="http://schemas.microsoft.com/office/drawing/2010/main" xmlns="" w="9525">
                 <a:solidFill>
                   <a:schemeClr val="tx1"/>
                 </a:solidFill>
@@ -21512,14 +21512,14 @@
           </a:ln>
           <a:extLst>
             <a:ext uri="{909E8E84-426E-40dd-AFC4-6F175D3DCCD1}">
-              <a14:hiddenFill xmlns="" xmlns:a14="http://schemas.microsoft.com/office/drawing/2010/main">
+              <a14:hiddenFill xmlns:a14="http://schemas.microsoft.com/office/drawing/2010/main" xmlns="">
                 <a:solidFill>
                   <a:schemeClr val="accent1"/>
                 </a:solidFill>
               </a14:hiddenFill>
             </a:ext>
             <a:ext uri="{91240B29-F687-4f45-9708-019B960494DF}">
-              <a14:hiddenLine xmlns="" xmlns:a14="http://schemas.microsoft.com/office/drawing/2010/main" w="9525">
+              <a14:hiddenLine xmlns:a14="http://schemas.microsoft.com/office/drawing/2010/main" xmlns="" w="9525">
                 <a:solidFill>
                   <a:schemeClr val="tx1"/>
                 </a:solidFill>
@@ -21565,14 +21565,14 @@
           </a:ln>
           <a:extLst>
             <a:ext uri="{909E8E84-426E-40dd-AFC4-6F175D3DCCD1}">
-              <a14:hiddenFill xmlns="" xmlns:a14="http://schemas.microsoft.com/office/drawing/2010/main">
+              <a14:hiddenFill xmlns:a14="http://schemas.microsoft.com/office/drawing/2010/main" xmlns="">
                 <a:solidFill>
                   <a:schemeClr val="accent1"/>
                 </a:solidFill>
               </a14:hiddenFill>
             </a:ext>
             <a:ext uri="{91240B29-F687-4f45-9708-019B960494DF}">
-              <a14:hiddenLine xmlns="" xmlns:a14="http://schemas.microsoft.com/office/drawing/2010/main" w="9525">
+              <a14:hiddenLine xmlns:a14="http://schemas.microsoft.com/office/drawing/2010/main" xmlns="" w="9525">
                 <a:solidFill>
                   <a:schemeClr val="tx1"/>
                 </a:solidFill>
@@ -21618,14 +21618,14 @@
           </a:ln>
           <a:extLst>
             <a:ext uri="{909E8E84-426E-40dd-AFC4-6F175D3DCCD1}">
-              <a14:hiddenFill xmlns="" xmlns:a14="http://schemas.microsoft.com/office/drawing/2010/main">
+              <a14:hiddenFill xmlns:a14="http://schemas.microsoft.com/office/drawing/2010/main" xmlns="">
                 <a:solidFill>
                   <a:schemeClr val="accent1"/>
                 </a:solidFill>
               </a14:hiddenFill>
             </a:ext>
             <a:ext uri="{91240B29-F687-4f45-9708-019B960494DF}">
-              <a14:hiddenLine xmlns="" xmlns:a14="http://schemas.microsoft.com/office/drawing/2010/main" w="9525">
+              <a14:hiddenLine xmlns:a14="http://schemas.microsoft.com/office/drawing/2010/main" xmlns="" w="9525">
                 <a:solidFill>
                   <a:schemeClr val="tx1"/>
                 </a:solidFill>
@@ -21671,14 +21671,14 @@
           </a:ln>
           <a:extLst>
             <a:ext uri="{909E8E84-426E-40dd-AFC4-6F175D3DCCD1}">
-              <a14:hiddenFill xmlns="" xmlns:a14="http://schemas.microsoft.com/office/drawing/2010/main">
+              <a14:hiddenFill xmlns:a14="http://schemas.microsoft.com/office/drawing/2010/main" xmlns="">
                 <a:solidFill>
                   <a:schemeClr val="accent1"/>
                 </a:solidFill>
               </a14:hiddenFill>
             </a:ext>
             <a:ext uri="{91240B29-F687-4f45-9708-019B960494DF}">
-              <a14:hiddenLine xmlns="" xmlns:a14="http://schemas.microsoft.com/office/drawing/2010/main" w="9525">
+              <a14:hiddenLine xmlns:a14="http://schemas.microsoft.com/office/drawing/2010/main" xmlns="" w="9525">
                 <a:solidFill>
                   <a:schemeClr val="tx1"/>
                 </a:solidFill>
@@ -21724,14 +21724,14 @@
           </a:ln>
           <a:extLst>
             <a:ext uri="{909E8E84-426E-40dd-AFC4-6F175D3DCCD1}">
-              <a14:hiddenFill xmlns="" xmlns:a14="http://schemas.microsoft.com/office/drawing/2010/main">
+              <a14:hiddenFill xmlns:a14="http://schemas.microsoft.com/office/drawing/2010/main" xmlns="">
                 <a:solidFill>
                   <a:schemeClr val="accent1"/>
                 </a:solidFill>
               </a14:hiddenFill>
             </a:ext>
             <a:ext uri="{91240B29-F687-4f45-9708-019B960494DF}">
-              <a14:hiddenLine xmlns="" xmlns:a14="http://schemas.microsoft.com/office/drawing/2010/main" w="9525">
+              <a14:hiddenLine xmlns:a14="http://schemas.microsoft.com/office/drawing/2010/main" xmlns="" w="9525">
                 <a:solidFill>
                   <a:schemeClr val="tx1"/>
                 </a:solidFill>
@@ -21777,14 +21777,14 @@
           </a:ln>
           <a:extLst>
             <a:ext uri="{909E8E84-426E-40dd-AFC4-6F175D3DCCD1}">
-              <a14:hiddenFill xmlns="" xmlns:a14="http://schemas.microsoft.com/office/drawing/2010/main">
+              <a14:hiddenFill xmlns:a14="http://schemas.microsoft.com/office/drawing/2010/main" xmlns="">
                 <a:solidFill>
                   <a:schemeClr val="accent1"/>
                 </a:solidFill>
               </a14:hiddenFill>
             </a:ext>
             <a:ext uri="{91240B29-F687-4f45-9708-019B960494DF}">
-              <a14:hiddenLine xmlns="" xmlns:a14="http://schemas.microsoft.com/office/drawing/2010/main" w="9525">
+              <a14:hiddenLine xmlns:a14="http://schemas.microsoft.com/office/drawing/2010/main" xmlns="" w="9525">
                 <a:solidFill>
                   <a:schemeClr val="tx1"/>
                 </a:solidFill>
@@ -21830,14 +21830,14 @@
           </a:ln>
           <a:extLst>
             <a:ext uri="{909E8E84-426E-40dd-AFC4-6F175D3DCCD1}">
-              <a14:hiddenFill xmlns="" xmlns:a14="http://schemas.microsoft.com/office/drawing/2010/main">
+              <a14:hiddenFill xmlns:a14="http://schemas.microsoft.com/office/drawing/2010/main" xmlns="">
                 <a:solidFill>
                   <a:schemeClr val="accent1"/>
                 </a:solidFill>
               </a14:hiddenFill>
             </a:ext>
             <a:ext uri="{91240B29-F687-4f45-9708-019B960494DF}">
-              <a14:hiddenLine xmlns="" xmlns:a14="http://schemas.microsoft.com/office/drawing/2010/main" w="9525">
+              <a14:hiddenLine xmlns:a14="http://schemas.microsoft.com/office/drawing/2010/main" xmlns="" w="9525">
                 <a:solidFill>
                   <a:schemeClr val="tx1"/>
                 </a:solidFill>
@@ -21890,7 +21890,7 @@
           </a:ln>
           <a:extLst>
             <a:ext uri="{909E8E84-426E-40dd-AFC4-6F175D3DCCD1}">
-              <a14:hiddenFill xmlns="" xmlns:a14="http://schemas.microsoft.com/office/drawing/2010/main">
+              <a14:hiddenFill xmlns:a14="http://schemas.microsoft.com/office/drawing/2010/main" xmlns="">
                 <a:noFill/>
               </a14:hiddenFill>
             </a:ext>
@@ -21926,7 +21926,7 @@
           </a:ln>
           <a:extLst>
             <a:ext uri="{909E8E84-426E-40dd-AFC4-6F175D3DCCD1}">
-              <a14:hiddenFill xmlns="" xmlns:a14="http://schemas.microsoft.com/office/drawing/2010/main">
+              <a14:hiddenFill xmlns:a14="http://schemas.microsoft.com/office/drawing/2010/main" xmlns="">
                 <a:noFill/>
               </a14:hiddenFill>
             </a:ext>
@@ -21962,7 +21962,7 @@
           </a:ln>
           <a:extLst>
             <a:ext uri="{909E8E84-426E-40dd-AFC4-6F175D3DCCD1}">
-              <a14:hiddenFill xmlns="" xmlns:a14="http://schemas.microsoft.com/office/drawing/2010/main">
+              <a14:hiddenFill xmlns:a14="http://schemas.microsoft.com/office/drawing/2010/main" xmlns="">
                 <a:noFill/>
               </a14:hiddenFill>
             </a:ext>
@@ -21998,7 +21998,7 @@
           </a:ln>
           <a:extLst>
             <a:ext uri="{909E8E84-426E-40dd-AFC4-6F175D3DCCD1}">
-              <a14:hiddenFill xmlns="" xmlns:a14="http://schemas.microsoft.com/office/drawing/2010/main">
+              <a14:hiddenFill xmlns:a14="http://schemas.microsoft.com/office/drawing/2010/main" xmlns="">
                 <a:noFill/>
               </a14:hiddenFill>
             </a:ext>
@@ -22034,7 +22034,7 @@
           </a:ln>
           <a:extLst>
             <a:ext uri="{909E8E84-426E-40dd-AFC4-6F175D3DCCD1}">
-              <a14:hiddenFill xmlns="" xmlns:a14="http://schemas.microsoft.com/office/drawing/2010/main">
+              <a14:hiddenFill xmlns:a14="http://schemas.microsoft.com/office/drawing/2010/main" xmlns="">
                 <a:noFill/>
               </a14:hiddenFill>
             </a:ext>
@@ -22070,7 +22070,7 @@
           </a:ln>
           <a:extLst>
             <a:ext uri="{909E8E84-426E-40dd-AFC4-6F175D3DCCD1}">
-              <a14:hiddenFill xmlns="" xmlns:a14="http://schemas.microsoft.com/office/drawing/2010/main">
+              <a14:hiddenFill xmlns:a14="http://schemas.microsoft.com/office/drawing/2010/main" xmlns="">
                 <a:noFill/>
               </a14:hiddenFill>
             </a:ext>
@@ -22106,7 +22106,7 @@
           </a:ln>
           <a:extLst>
             <a:ext uri="{909E8E84-426E-40dd-AFC4-6F175D3DCCD1}">
-              <a14:hiddenFill xmlns="" xmlns:a14="http://schemas.microsoft.com/office/drawing/2010/main">
+              <a14:hiddenFill xmlns:a14="http://schemas.microsoft.com/office/drawing/2010/main" xmlns="">
                 <a:noFill/>
               </a14:hiddenFill>
             </a:ext>
@@ -22142,7 +22142,7 @@
           </a:ln>
           <a:extLst>
             <a:ext uri="{909E8E84-426E-40dd-AFC4-6F175D3DCCD1}">
-              <a14:hiddenFill xmlns="" xmlns:a14="http://schemas.microsoft.com/office/drawing/2010/main">
+              <a14:hiddenFill xmlns:a14="http://schemas.microsoft.com/office/drawing/2010/main" xmlns="">
                 <a:noFill/>
               </a14:hiddenFill>
             </a:ext>
@@ -22178,7 +22178,7 @@
           </a:ln>
           <a:extLst>
             <a:ext uri="{909E8E84-426E-40dd-AFC4-6F175D3DCCD1}">
-              <a14:hiddenFill xmlns="" xmlns:a14="http://schemas.microsoft.com/office/drawing/2010/main">
+              <a14:hiddenFill xmlns:a14="http://schemas.microsoft.com/office/drawing/2010/main" xmlns="">
                 <a:noFill/>
               </a14:hiddenFill>
             </a:ext>
@@ -22214,7 +22214,7 @@
           </a:ln>
           <a:extLst>
             <a:ext uri="{909E8E84-426E-40dd-AFC4-6F175D3DCCD1}">
-              <a14:hiddenFill xmlns="" xmlns:a14="http://schemas.microsoft.com/office/drawing/2010/main">
+              <a14:hiddenFill xmlns:a14="http://schemas.microsoft.com/office/drawing/2010/main" xmlns="">
                 <a:noFill/>
               </a14:hiddenFill>
             </a:ext>
@@ -22243,14 +22243,14 @@
           </a:ln>
           <a:extLst>
             <a:ext uri="{909E8E84-426E-40dd-AFC4-6F175D3DCCD1}">
-              <a14:hiddenFill xmlns="" xmlns:a14="http://schemas.microsoft.com/office/drawing/2010/main">
+              <a14:hiddenFill xmlns:a14="http://schemas.microsoft.com/office/drawing/2010/main" xmlns="">
                 <a:solidFill>
                   <a:schemeClr val="accent1"/>
                 </a:solidFill>
               </a14:hiddenFill>
             </a:ext>
             <a:ext uri="{91240B29-F687-4f45-9708-019B960494DF}">
-              <a14:hiddenLine xmlns="" xmlns:a14="http://schemas.microsoft.com/office/drawing/2010/main" w="9525">
+              <a14:hiddenLine xmlns:a14="http://schemas.microsoft.com/office/drawing/2010/main" xmlns="" w="9525">
                 <a:solidFill>
                   <a:schemeClr val="tx1"/>
                 </a:solidFill>
@@ -22296,14 +22296,14 @@
           </a:ln>
           <a:extLst>
             <a:ext uri="{909E8E84-426E-40dd-AFC4-6F175D3DCCD1}">
-              <a14:hiddenFill xmlns="" xmlns:a14="http://schemas.microsoft.com/office/drawing/2010/main">
+              <a14:hiddenFill xmlns:a14="http://schemas.microsoft.com/office/drawing/2010/main" xmlns="">
                 <a:solidFill>
                   <a:schemeClr val="accent1"/>
                 </a:solidFill>
               </a14:hiddenFill>
             </a:ext>
             <a:ext uri="{91240B29-F687-4f45-9708-019B960494DF}">
-              <a14:hiddenLine xmlns="" xmlns:a14="http://schemas.microsoft.com/office/drawing/2010/main" w="9525">
+              <a14:hiddenLine xmlns:a14="http://schemas.microsoft.com/office/drawing/2010/main" xmlns="" w="9525">
                 <a:solidFill>
                   <a:schemeClr val="tx1"/>
                 </a:solidFill>
@@ -22356,14 +22356,14 @@
           </a:ln>
           <a:extLst>
             <a:ext uri="{909E8E84-426E-40dd-AFC4-6F175D3DCCD1}">
-              <a14:hiddenFill xmlns="" xmlns:a14="http://schemas.microsoft.com/office/drawing/2010/main">
+              <a14:hiddenFill xmlns:a14="http://schemas.microsoft.com/office/drawing/2010/main" xmlns="">
                 <a:solidFill>
                   <a:schemeClr val="accent1"/>
                 </a:solidFill>
               </a14:hiddenFill>
             </a:ext>
             <a:ext uri="{91240B29-F687-4f45-9708-019B960494DF}">
-              <a14:hiddenLine xmlns="" xmlns:a14="http://schemas.microsoft.com/office/drawing/2010/main" w="9525">
+              <a14:hiddenLine xmlns:a14="http://schemas.microsoft.com/office/drawing/2010/main" xmlns="" w="9525">
                 <a:solidFill>
                   <a:schemeClr val="tx1"/>
                 </a:solidFill>
@@ -22409,14 +22409,14 @@
           </a:ln>
           <a:extLst>
             <a:ext uri="{909E8E84-426E-40dd-AFC4-6F175D3DCCD1}">
-              <a14:hiddenFill xmlns="" xmlns:a14="http://schemas.microsoft.com/office/drawing/2010/main">
+              <a14:hiddenFill xmlns:a14="http://schemas.microsoft.com/office/drawing/2010/main" xmlns="">
                 <a:solidFill>
                   <a:schemeClr val="accent1"/>
                 </a:solidFill>
               </a14:hiddenFill>
             </a:ext>
             <a:ext uri="{91240B29-F687-4f45-9708-019B960494DF}">
-              <a14:hiddenLine xmlns="" xmlns:a14="http://schemas.microsoft.com/office/drawing/2010/main" w="9525">
+              <a14:hiddenLine xmlns:a14="http://schemas.microsoft.com/office/drawing/2010/main" xmlns="" w="9525">
                 <a:solidFill>
                   <a:schemeClr val="tx1"/>
                 </a:solidFill>
@@ -22462,14 +22462,14 @@
           </a:ln>
           <a:extLst>
             <a:ext uri="{909E8E84-426E-40dd-AFC4-6F175D3DCCD1}">
-              <a14:hiddenFill xmlns="" xmlns:a14="http://schemas.microsoft.com/office/drawing/2010/main">
+              <a14:hiddenFill xmlns:a14="http://schemas.microsoft.com/office/drawing/2010/main" xmlns="">
                 <a:solidFill>
                   <a:schemeClr val="accent1"/>
                 </a:solidFill>
               </a14:hiddenFill>
             </a:ext>
             <a:ext uri="{91240B29-F687-4f45-9708-019B960494DF}">
-              <a14:hiddenLine xmlns="" xmlns:a14="http://schemas.microsoft.com/office/drawing/2010/main" w="9525">
+              <a14:hiddenLine xmlns:a14="http://schemas.microsoft.com/office/drawing/2010/main" xmlns="" w="9525">
                 <a:solidFill>
                   <a:schemeClr val="tx1"/>
                 </a:solidFill>
@@ -22525,14 +22525,14 @@
           </a:ln>
           <a:extLst>
             <a:ext uri="{909E8E84-426E-40dd-AFC4-6F175D3DCCD1}">
-              <a14:hiddenFill xmlns="" xmlns:a14="http://schemas.microsoft.com/office/drawing/2010/main">
+              <a14:hiddenFill xmlns:a14="http://schemas.microsoft.com/office/drawing/2010/main" xmlns="">
                 <a:solidFill>
                   <a:schemeClr val="accent1"/>
                 </a:solidFill>
               </a14:hiddenFill>
             </a:ext>
             <a:ext uri="{91240B29-F687-4f45-9708-019B960494DF}">
-              <a14:hiddenLine xmlns="" xmlns:a14="http://schemas.microsoft.com/office/drawing/2010/main" w="9525">
+              <a14:hiddenLine xmlns:a14="http://schemas.microsoft.com/office/drawing/2010/main" xmlns="" w="9525">
                 <a:solidFill>
                   <a:schemeClr val="tx1"/>
                 </a:solidFill>
@@ -22578,14 +22578,14 @@
           </a:ln>
           <a:extLst>
             <a:ext uri="{909E8E84-426E-40dd-AFC4-6F175D3DCCD1}">
-              <a14:hiddenFill xmlns="" xmlns:a14="http://schemas.microsoft.com/office/drawing/2010/main">
+              <a14:hiddenFill xmlns:a14="http://schemas.microsoft.com/office/drawing/2010/main" xmlns="">
                 <a:solidFill>
                   <a:schemeClr val="accent1"/>
                 </a:solidFill>
               </a14:hiddenFill>
             </a:ext>
             <a:ext uri="{91240B29-F687-4f45-9708-019B960494DF}">
-              <a14:hiddenLine xmlns="" xmlns:a14="http://schemas.microsoft.com/office/drawing/2010/main" w="9525">
+              <a14:hiddenLine xmlns:a14="http://schemas.microsoft.com/office/drawing/2010/main" xmlns="" w="9525">
                 <a:solidFill>
                   <a:schemeClr val="tx1"/>
                 </a:solidFill>
@@ -22631,14 +22631,14 @@
           </a:ln>
           <a:extLst>
             <a:ext uri="{909E8E84-426E-40dd-AFC4-6F175D3DCCD1}">
-              <a14:hiddenFill xmlns="" xmlns:a14="http://schemas.microsoft.com/office/drawing/2010/main">
+              <a14:hiddenFill xmlns:a14="http://schemas.microsoft.com/office/drawing/2010/main" xmlns="">
                 <a:solidFill>
                   <a:schemeClr val="accent1"/>
                 </a:solidFill>
               </a14:hiddenFill>
             </a:ext>
             <a:ext uri="{91240B29-F687-4f45-9708-019B960494DF}">
-              <a14:hiddenLine xmlns="" xmlns:a14="http://schemas.microsoft.com/office/drawing/2010/main" w="9525">
+              <a14:hiddenLine xmlns:a14="http://schemas.microsoft.com/office/drawing/2010/main" xmlns="" w="9525">
                 <a:solidFill>
                   <a:schemeClr val="tx1"/>
                 </a:solidFill>
@@ -22771,7 +22771,7 @@
           </a:ln>
           <a:extLst>
             <a:ext uri="{909E8E84-426E-40dd-AFC4-6F175D3DCCD1}">
-              <a14:hiddenFill xmlns="" xmlns:a14="http://schemas.microsoft.com/office/drawing/2010/main">
+              <a14:hiddenFill xmlns:a14="http://schemas.microsoft.com/office/drawing/2010/main" xmlns="">
                 <a:solidFill>
                   <a:schemeClr val="accent1"/>
                 </a:solidFill>
@@ -22826,14 +22826,14 @@
           </a:ln>
           <a:extLst>
             <a:ext uri="{909E8E84-426E-40dd-AFC4-6F175D3DCCD1}">
-              <a14:hiddenFill xmlns="" xmlns:a14="http://schemas.microsoft.com/office/drawing/2010/main">
+              <a14:hiddenFill xmlns:a14="http://schemas.microsoft.com/office/drawing/2010/main" xmlns="">
                 <a:solidFill>
                   <a:schemeClr val="accent1"/>
                 </a:solidFill>
               </a14:hiddenFill>
             </a:ext>
             <a:ext uri="{91240B29-F687-4f45-9708-019B960494DF}">
-              <a14:hiddenLine xmlns="" xmlns:a14="http://schemas.microsoft.com/office/drawing/2010/main" w="9525">
+              <a14:hiddenLine xmlns:a14="http://schemas.microsoft.com/office/drawing/2010/main" xmlns="" w="9525">
                 <a:solidFill>
                   <a:schemeClr val="tx1"/>
                 </a:solidFill>
@@ -22879,14 +22879,14 @@
           </a:ln>
           <a:extLst>
             <a:ext uri="{909E8E84-426E-40dd-AFC4-6F175D3DCCD1}">
-              <a14:hiddenFill xmlns="" xmlns:a14="http://schemas.microsoft.com/office/drawing/2010/main">
+              <a14:hiddenFill xmlns:a14="http://schemas.microsoft.com/office/drawing/2010/main" xmlns="">
                 <a:solidFill>
                   <a:schemeClr val="accent1"/>
                 </a:solidFill>
               </a14:hiddenFill>
             </a:ext>
             <a:ext uri="{91240B29-F687-4f45-9708-019B960494DF}">
-              <a14:hiddenLine xmlns="" xmlns:a14="http://schemas.microsoft.com/office/drawing/2010/main" w="9525">
+              <a14:hiddenLine xmlns:a14="http://schemas.microsoft.com/office/drawing/2010/main" xmlns="" w="9525">
                 <a:solidFill>
                   <a:schemeClr val="tx1"/>
                 </a:solidFill>
@@ -22932,14 +22932,14 @@
           </a:ln>
           <a:extLst>
             <a:ext uri="{909E8E84-426E-40dd-AFC4-6F175D3DCCD1}">
-              <a14:hiddenFill xmlns="" xmlns:a14="http://schemas.microsoft.com/office/drawing/2010/main">
+              <a14:hiddenFill xmlns:a14="http://schemas.microsoft.com/office/drawing/2010/main" xmlns="">
                 <a:solidFill>
                   <a:schemeClr val="accent1"/>
                 </a:solidFill>
               </a14:hiddenFill>
             </a:ext>
             <a:ext uri="{91240B29-F687-4f45-9708-019B960494DF}">
-              <a14:hiddenLine xmlns="" xmlns:a14="http://schemas.microsoft.com/office/drawing/2010/main" w="9525">
+              <a14:hiddenLine xmlns:a14="http://schemas.microsoft.com/office/drawing/2010/main" xmlns="" w="9525">
                 <a:solidFill>
                   <a:schemeClr val="tx1"/>
                 </a:solidFill>
@@ -22985,14 +22985,14 @@
           </a:ln>
           <a:extLst>
             <a:ext uri="{909E8E84-426E-40dd-AFC4-6F175D3DCCD1}">
-              <a14:hiddenFill xmlns="" xmlns:a14="http://schemas.microsoft.com/office/drawing/2010/main">
+              <a14:hiddenFill xmlns:a14="http://schemas.microsoft.com/office/drawing/2010/main" xmlns="">
                 <a:solidFill>
                   <a:schemeClr val="accent1"/>
                 </a:solidFill>
               </a14:hiddenFill>
             </a:ext>
             <a:ext uri="{91240B29-F687-4f45-9708-019B960494DF}">
-              <a14:hiddenLine xmlns="" xmlns:a14="http://schemas.microsoft.com/office/drawing/2010/main" w="9525">
+              <a14:hiddenLine xmlns:a14="http://schemas.microsoft.com/office/drawing/2010/main" xmlns="" w="9525">
                 <a:solidFill>
                   <a:schemeClr val="tx1"/>
                 </a:solidFill>
@@ -23038,14 +23038,14 @@
           </a:ln>
           <a:extLst>
             <a:ext uri="{909E8E84-426E-40dd-AFC4-6F175D3DCCD1}">
-              <a14:hiddenFill xmlns="" xmlns:a14="http://schemas.microsoft.com/office/drawing/2010/main">
+              <a14:hiddenFill xmlns:a14="http://schemas.microsoft.com/office/drawing/2010/main" xmlns="">
                 <a:solidFill>
                   <a:schemeClr val="accent1"/>
                 </a:solidFill>
               </a14:hiddenFill>
             </a:ext>
             <a:ext uri="{91240B29-F687-4f45-9708-019B960494DF}">
-              <a14:hiddenLine xmlns="" xmlns:a14="http://schemas.microsoft.com/office/drawing/2010/main" w="9525">
+              <a14:hiddenLine xmlns:a14="http://schemas.microsoft.com/office/drawing/2010/main" xmlns="" w="9525">
                 <a:solidFill>
                   <a:schemeClr val="tx1"/>
                 </a:solidFill>
@@ -23098,7 +23098,7 @@
           </a:ln>
           <a:extLst>
             <a:ext uri="{909E8E84-426E-40dd-AFC4-6F175D3DCCD1}">
-              <a14:hiddenFill xmlns="" xmlns:a14="http://schemas.microsoft.com/office/drawing/2010/main">
+              <a14:hiddenFill xmlns:a14="http://schemas.microsoft.com/office/drawing/2010/main" xmlns="">
                 <a:noFill/>
               </a14:hiddenFill>
             </a:ext>
@@ -23134,7 +23134,7 @@
           </a:ln>
           <a:extLst>
             <a:ext uri="{909E8E84-426E-40dd-AFC4-6F175D3DCCD1}">
-              <a14:hiddenFill xmlns="" xmlns:a14="http://schemas.microsoft.com/office/drawing/2010/main">
+              <a14:hiddenFill xmlns:a14="http://schemas.microsoft.com/office/drawing/2010/main" xmlns="">
                 <a:noFill/>
               </a14:hiddenFill>
             </a:ext>
@@ -23170,7 +23170,7 @@
           </a:ln>
           <a:extLst>
             <a:ext uri="{909E8E84-426E-40dd-AFC4-6F175D3DCCD1}">
-              <a14:hiddenFill xmlns="" xmlns:a14="http://schemas.microsoft.com/office/drawing/2010/main">
+              <a14:hiddenFill xmlns:a14="http://schemas.microsoft.com/office/drawing/2010/main" xmlns="">
                 <a:noFill/>
               </a14:hiddenFill>
             </a:ext>
@@ -23206,7 +23206,7 @@
           </a:ln>
           <a:extLst>
             <a:ext uri="{909E8E84-426E-40dd-AFC4-6F175D3DCCD1}">
-              <a14:hiddenFill xmlns="" xmlns:a14="http://schemas.microsoft.com/office/drawing/2010/main">
+              <a14:hiddenFill xmlns:a14="http://schemas.microsoft.com/office/drawing/2010/main" xmlns="">
                 <a:noFill/>
               </a14:hiddenFill>
             </a:ext>
@@ -23235,14 +23235,14 @@
           </a:ln>
           <a:extLst>
             <a:ext uri="{909E8E84-426E-40dd-AFC4-6F175D3DCCD1}">
-              <a14:hiddenFill xmlns="" xmlns:a14="http://schemas.microsoft.com/office/drawing/2010/main">
+              <a14:hiddenFill xmlns:a14="http://schemas.microsoft.com/office/drawing/2010/main" xmlns="">
                 <a:solidFill>
                   <a:schemeClr val="accent1"/>
                 </a:solidFill>
               </a14:hiddenFill>
             </a:ext>
             <a:ext uri="{91240B29-F687-4f45-9708-019B960494DF}">
-              <a14:hiddenLine xmlns="" xmlns:a14="http://schemas.microsoft.com/office/drawing/2010/main" w="9525">
+              <a14:hiddenLine xmlns:a14="http://schemas.microsoft.com/office/drawing/2010/main" xmlns="" w="9525">
                 <a:solidFill>
                   <a:schemeClr val="tx1"/>
                 </a:solidFill>
@@ -23288,14 +23288,14 @@
           </a:ln>
           <a:extLst>
             <a:ext uri="{909E8E84-426E-40dd-AFC4-6F175D3DCCD1}">
-              <a14:hiddenFill xmlns="" xmlns:a14="http://schemas.microsoft.com/office/drawing/2010/main">
+              <a14:hiddenFill xmlns:a14="http://schemas.microsoft.com/office/drawing/2010/main" xmlns="">
                 <a:solidFill>
                   <a:schemeClr val="accent1"/>
                 </a:solidFill>
               </a14:hiddenFill>
             </a:ext>
             <a:ext uri="{91240B29-F687-4f45-9708-019B960494DF}">
-              <a14:hiddenLine xmlns="" xmlns:a14="http://schemas.microsoft.com/office/drawing/2010/main" w="9525">
+              <a14:hiddenLine xmlns:a14="http://schemas.microsoft.com/office/drawing/2010/main" xmlns="" w="9525">
                 <a:solidFill>
                   <a:schemeClr val="tx1"/>
                 </a:solidFill>
@@ -23348,7 +23348,7 @@
           </a:ln>
           <a:extLst>
             <a:ext uri="{909E8E84-426E-40dd-AFC4-6F175D3DCCD1}">
-              <a14:hiddenFill xmlns="" xmlns:a14="http://schemas.microsoft.com/office/drawing/2010/main">
+              <a14:hiddenFill xmlns:a14="http://schemas.microsoft.com/office/drawing/2010/main" xmlns="">
                 <a:noFill/>
               </a14:hiddenFill>
             </a:ext>
@@ -23384,7 +23384,7 @@
           </a:ln>
           <a:extLst>
             <a:ext uri="{909E8E84-426E-40dd-AFC4-6F175D3DCCD1}">
-              <a14:hiddenFill xmlns="" xmlns:a14="http://schemas.microsoft.com/office/drawing/2010/main">
+              <a14:hiddenFill xmlns:a14="http://schemas.microsoft.com/office/drawing/2010/main" xmlns="">
                 <a:noFill/>
               </a14:hiddenFill>
             </a:ext>
@@ -23497,7 +23497,7 @@
           </a:ln>
           <a:extLst>
             <a:ext uri="{909E8E84-426E-40dd-AFC4-6F175D3DCCD1}">
-              <a14:hiddenFill xmlns="" xmlns:a14="http://schemas.microsoft.com/office/drawing/2010/main">
+              <a14:hiddenFill xmlns:a14="http://schemas.microsoft.com/office/drawing/2010/main" xmlns="">
                 <a:solidFill>
                   <a:schemeClr val="accent1"/>
                 </a:solidFill>
@@ -23589,7 +23589,7 @@
           </a:ln>
           <a:extLst>
             <a:ext uri="{909E8E84-426E-40dd-AFC4-6F175D3DCCD1}">
-              <a14:hiddenFill xmlns="" xmlns:a14="http://schemas.microsoft.com/office/drawing/2010/main">
+              <a14:hiddenFill xmlns:a14="http://schemas.microsoft.com/office/drawing/2010/main" xmlns="">
                 <a:solidFill>
                   <a:schemeClr val="accent1"/>
                 </a:solidFill>
@@ -23840,7 +23840,7 @@
           </a:ln>
           <a:extLst>
             <a:ext uri="{909E8E84-426E-40dd-AFC4-6F175D3DCCD1}">
-              <a14:hiddenFill xmlns="" xmlns:a14="http://schemas.microsoft.com/office/drawing/2010/main">
+              <a14:hiddenFill xmlns:a14="http://schemas.microsoft.com/office/drawing/2010/main" xmlns="">
                 <a:solidFill>
                   <a:schemeClr val="accent1"/>
                 </a:solidFill>
@@ -23895,14 +23895,14 @@
           </a:ln>
           <a:extLst>
             <a:ext uri="{909E8E84-426E-40dd-AFC4-6F175D3DCCD1}">
-              <a14:hiddenFill xmlns="" xmlns:a14="http://schemas.microsoft.com/office/drawing/2010/main">
+              <a14:hiddenFill xmlns:a14="http://schemas.microsoft.com/office/drawing/2010/main" xmlns="">
                 <a:solidFill>
                   <a:schemeClr val="accent1"/>
                 </a:solidFill>
               </a14:hiddenFill>
             </a:ext>
             <a:ext uri="{91240B29-F687-4f45-9708-019B960494DF}">
-              <a14:hiddenLine xmlns="" xmlns:a14="http://schemas.microsoft.com/office/drawing/2010/main" w="9525">
+              <a14:hiddenLine xmlns:a14="http://schemas.microsoft.com/office/drawing/2010/main" xmlns="" w="9525">
                 <a:solidFill>
                   <a:schemeClr val="tx1"/>
                 </a:solidFill>
@@ -23948,14 +23948,14 @@
           </a:ln>
           <a:extLst>
             <a:ext uri="{909E8E84-426E-40dd-AFC4-6F175D3DCCD1}">
-              <a14:hiddenFill xmlns="" xmlns:a14="http://schemas.microsoft.com/office/drawing/2010/main">
+              <a14:hiddenFill xmlns:a14="http://schemas.microsoft.com/office/drawing/2010/main" xmlns="">
                 <a:solidFill>
                   <a:schemeClr val="accent1"/>
                 </a:solidFill>
               </a14:hiddenFill>
             </a:ext>
             <a:ext uri="{91240B29-F687-4f45-9708-019B960494DF}">
-              <a14:hiddenLine xmlns="" xmlns:a14="http://schemas.microsoft.com/office/drawing/2010/main" w="9525">
+              <a14:hiddenLine xmlns:a14="http://schemas.microsoft.com/office/drawing/2010/main" xmlns="" w="9525">
                 <a:solidFill>
                   <a:schemeClr val="tx1"/>
                 </a:solidFill>
@@ -24001,14 +24001,14 @@
           </a:ln>
           <a:extLst>
             <a:ext uri="{909E8E84-426E-40dd-AFC4-6F175D3DCCD1}">
-              <a14:hiddenFill xmlns="" xmlns:a14="http://schemas.microsoft.com/office/drawing/2010/main">
+              <a14:hiddenFill xmlns:a14="http://schemas.microsoft.com/office/drawing/2010/main" xmlns="">
                 <a:solidFill>
                   <a:schemeClr val="accent1"/>
                 </a:solidFill>
               </a14:hiddenFill>
             </a:ext>
             <a:ext uri="{91240B29-F687-4f45-9708-019B960494DF}">
-              <a14:hiddenLine xmlns="" xmlns:a14="http://schemas.microsoft.com/office/drawing/2010/main" w="9525">
+              <a14:hiddenLine xmlns:a14="http://schemas.microsoft.com/office/drawing/2010/main" xmlns="" w="9525">
                 <a:solidFill>
                   <a:schemeClr val="tx1"/>
                 </a:solidFill>
@@ -24054,14 +24054,14 @@
           </a:ln>
           <a:extLst>
             <a:ext uri="{909E8E84-426E-40dd-AFC4-6F175D3DCCD1}">
-              <a14:hiddenFill xmlns="" xmlns:a14="http://schemas.microsoft.com/office/drawing/2010/main">
+              <a14:hiddenFill xmlns:a14="http://schemas.microsoft.com/office/drawing/2010/main" xmlns="">
                 <a:solidFill>
                   <a:schemeClr val="accent1"/>
                 </a:solidFill>
               </a14:hiddenFill>
             </a:ext>
             <a:ext uri="{91240B29-F687-4f45-9708-019B960494DF}">
-              <a14:hiddenLine xmlns="" xmlns:a14="http://schemas.microsoft.com/office/drawing/2010/main" w="9525">
+              <a14:hiddenLine xmlns:a14="http://schemas.microsoft.com/office/drawing/2010/main" xmlns="" w="9525">
                 <a:solidFill>
                   <a:schemeClr val="tx1"/>
                 </a:solidFill>
@@ -24107,14 +24107,14 @@
           </a:ln>
           <a:extLst>
             <a:ext uri="{909E8E84-426E-40dd-AFC4-6F175D3DCCD1}">
-              <a14:hiddenFill xmlns="" xmlns:a14="http://schemas.microsoft.com/office/drawing/2010/main">
+              <a14:hiddenFill xmlns:a14="http://schemas.microsoft.com/office/drawing/2010/main" xmlns="">
                 <a:solidFill>
                   <a:schemeClr val="accent1"/>
                 </a:solidFill>
               </a14:hiddenFill>
             </a:ext>
             <a:ext uri="{91240B29-F687-4f45-9708-019B960494DF}">
-              <a14:hiddenLine xmlns="" xmlns:a14="http://schemas.microsoft.com/office/drawing/2010/main" w="9525">
+              <a14:hiddenLine xmlns:a14="http://schemas.microsoft.com/office/drawing/2010/main" xmlns="" w="9525">
                 <a:solidFill>
                   <a:schemeClr val="tx1"/>
                 </a:solidFill>
@@ -24167,7 +24167,7 @@
           </a:ln>
           <a:extLst>
             <a:ext uri="{909E8E84-426E-40dd-AFC4-6F175D3DCCD1}">
-              <a14:hiddenFill xmlns="" xmlns:a14="http://schemas.microsoft.com/office/drawing/2010/main">
+              <a14:hiddenFill xmlns:a14="http://schemas.microsoft.com/office/drawing/2010/main" xmlns="">
                 <a:noFill/>
               </a14:hiddenFill>
             </a:ext>
@@ -24203,7 +24203,7 @@
           </a:ln>
           <a:extLst>
             <a:ext uri="{909E8E84-426E-40dd-AFC4-6F175D3DCCD1}">
-              <a14:hiddenFill xmlns="" xmlns:a14="http://schemas.microsoft.com/office/drawing/2010/main">
+              <a14:hiddenFill xmlns:a14="http://schemas.microsoft.com/office/drawing/2010/main" xmlns="">
                 <a:noFill/>
               </a14:hiddenFill>
             </a:ext>
@@ -24239,7 +24239,7 @@
           </a:ln>
           <a:extLst>
             <a:ext uri="{909E8E84-426E-40dd-AFC4-6F175D3DCCD1}">
-              <a14:hiddenFill xmlns="" xmlns:a14="http://schemas.microsoft.com/office/drawing/2010/main">
+              <a14:hiddenFill xmlns:a14="http://schemas.microsoft.com/office/drawing/2010/main" xmlns="">
                 <a:noFill/>
               </a14:hiddenFill>
             </a:ext>
@@ -24275,7 +24275,7 @@
           </a:ln>
           <a:extLst>
             <a:ext uri="{909E8E84-426E-40dd-AFC4-6F175D3DCCD1}">
-              <a14:hiddenFill xmlns="" xmlns:a14="http://schemas.microsoft.com/office/drawing/2010/main">
+              <a14:hiddenFill xmlns:a14="http://schemas.microsoft.com/office/drawing/2010/main" xmlns="">
                 <a:noFill/>
               </a14:hiddenFill>
             </a:ext>
@@ -24304,14 +24304,14 @@
           </a:ln>
           <a:extLst>
             <a:ext uri="{909E8E84-426E-40dd-AFC4-6F175D3DCCD1}">
-              <a14:hiddenFill xmlns="" xmlns:a14="http://schemas.microsoft.com/office/drawing/2010/main">
+              <a14:hiddenFill xmlns:a14="http://schemas.microsoft.com/office/drawing/2010/main" xmlns="">
                 <a:solidFill>
                   <a:schemeClr val="accent1"/>
                 </a:solidFill>
               </a14:hiddenFill>
             </a:ext>
             <a:ext uri="{91240B29-F687-4f45-9708-019B960494DF}">
-              <a14:hiddenLine xmlns="" xmlns:a14="http://schemas.microsoft.com/office/drawing/2010/main" w="9525">
+              <a14:hiddenLine xmlns:a14="http://schemas.microsoft.com/office/drawing/2010/main" xmlns="" w="9525">
                 <a:solidFill>
                   <a:schemeClr val="tx1"/>
                 </a:solidFill>
@@ -24357,14 +24357,14 @@
           </a:ln>
           <a:extLst>
             <a:ext uri="{909E8E84-426E-40dd-AFC4-6F175D3DCCD1}">
-              <a14:hiddenFill xmlns="" xmlns:a14="http://schemas.microsoft.com/office/drawing/2010/main">
+              <a14:hiddenFill xmlns:a14="http://schemas.microsoft.com/office/drawing/2010/main" xmlns="">
                 <a:solidFill>
                   <a:schemeClr val="accent1"/>
                 </a:solidFill>
               </a14:hiddenFill>
             </a:ext>
             <a:ext uri="{91240B29-F687-4f45-9708-019B960494DF}">
-              <a14:hiddenLine xmlns="" xmlns:a14="http://schemas.microsoft.com/office/drawing/2010/main" w="9525">
+              <a14:hiddenLine xmlns:a14="http://schemas.microsoft.com/office/drawing/2010/main" xmlns="" w="9525">
                 <a:solidFill>
                   <a:schemeClr val="tx1"/>
                 </a:solidFill>
@@ -24417,7 +24417,7 @@
           </a:ln>
           <a:extLst>
             <a:ext uri="{909E8E84-426E-40dd-AFC4-6F175D3DCCD1}">
-              <a14:hiddenFill xmlns="" xmlns:a14="http://schemas.microsoft.com/office/drawing/2010/main">
+              <a14:hiddenFill xmlns:a14="http://schemas.microsoft.com/office/drawing/2010/main" xmlns="">
                 <a:noFill/>
               </a14:hiddenFill>
             </a:ext>
@@ -24453,7 +24453,7 @@
           </a:ln>
           <a:extLst>
             <a:ext uri="{909E8E84-426E-40dd-AFC4-6F175D3DCCD1}">
-              <a14:hiddenFill xmlns="" xmlns:a14="http://schemas.microsoft.com/office/drawing/2010/main">
+              <a14:hiddenFill xmlns:a14="http://schemas.microsoft.com/office/drawing/2010/main" xmlns="">
                 <a:noFill/>
               </a14:hiddenFill>
             </a:ext>
@@ -24482,14 +24482,14 @@
           </a:ln>
           <a:extLst>
             <a:ext uri="{909E8E84-426E-40dd-AFC4-6F175D3DCCD1}">
-              <a14:hiddenFill xmlns="" xmlns:a14="http://schemas.microsoft.com/office/drawing/2010/main">
+              <a14:hiddenFill xmlns:a14="http://schemas.microsoft.com/office/drawing/2010/main" xmlns="">
                 <a:solidFill>
                   <a:schemeClr val="accent1"/>
                 </a:solidFill>
               </a14:hiddenFill>
             </a:ext>
             <a:ext uri="{91240B29-F687-4f45-9708-019B960494DF}">
-              <a14:hiddenLine xmlns="" xmlns:a14="http://schemas.microsoft.com/office/drawing/2010/main" w="9525">
+              <a14:hiddenLine xmlns:a14="http://schemas.microsoft.com/office/drawing/2010/main" xmlns="" w="9525">
                 <a:solidFill>
                   <a:schemeClr val="tx1"/>
                 </a:solidFill>
@@ -24542,14 +24542,14 @@
           </a:ln>
           <a:extLst>
             <a:ext uri="{909E8E84-426E-40dd-AFC4-6F175D3DCCD1}">
-              <a14:hiddenFill xmlns="" xmlns:a14="http://schemas.microsoft.com/office/drawing/2010/main">
+              <a14:hiddenFill xmlns:a14="http://schemas.microsoft.com/office/drawing/2010/main" xmlns="">
                 <a:solidFill>
                   <a:schemeClr val="accent1"/>
                 </a:solidFill>
               </a14:hiddenFill>
             </a:ext>
             <a:ext uri="{91240B29-F687-4f45-9708-019B960494DF}">
-              <a14:hiddenLine xmlns="" xmlns:a14="http://schemas.microsoft.com/office/drawing/2010/main" w="9525">
+              <a14:hiddenLine xmlns:a14="http://schemas.microsoft.com/office/drawing/2010/main" xmlns="" w="9525">
                 <a:solidFill>
                   <a:schemeClr val="tx1"/>
                 </a:solidFill>
@@ -24600,7 +24600,7 @@
           </a:ln>
           <a:extLst>
             <a:ext uri="{909E8E84-426E-40dd-AFC4-6F175D3DCCD1}">
-              <a14:hiddenFill xmlns="" xmlns:a14="http://schemas.microsoft.com/office/drawing/2010/main">
+              <a14:hiddenFill xmlns:a14="http://schemas.microsoft.com/office/drawing/2010/main" xmlns="">
                 <a:noFill/>
               </a14:hiddenFill>
             </a:ext>
@@ -24720,7 +24720,7 @@
           </a:ln>
           <a:extLst>
             <a:ext uri="{909E8E84-426E-40dd-AFC4-6F175D3DCCD1}">
-              <a14:hiddenFill xmlns="" xmlns:a14="http://schemas.microsoft.com/office/drawing/2010/main">
+              <a14:hiddenFill xmlns:a14="http://schemas.microsoft.com/office/drawing/2010/main" xmlns="">
                 <a:solidFill>
                   <a:schemeClr val="accent1"/>
                 </a:solidFill>
@@ -24775,14 +24775,14 @@
           </a:ln>
           <a:extLst>
             <a:ext uri="{909E8E84-426E-40dd-AFC4-6F175D3DCCD1}">
-              <a14:hiddenFill xmlns="" xmlns:a14="http://schemas.microsoft.com/office/drawing/2010/main">
+              <a14:hiddenFill xmlns:a14="http://schemas.microsoft.com/office/drawing/2010/main" xmlns="">
                 <a:solidFill>
                   <a:schemeClr val="accent1"/>
                 </a:solidFill>
               </a14:hiddenFill>
             </a:ext>
             <a:ext uri="{91240B29-F687-4f45-9708-019B960494DF}">
-              <a14:hiddenLine xmlns="" xmlns:a14="http://schemas.microsoft.com/office/drawing/2010/main" w="9525">
+              <a14:hiddenLine xmlns:a14="http://schemas.microsoft.com/office/drawing/2010/main" xmlns="" w="9525">
                 <a:solidFill>
                   <a:schemeClr val="tx1"/>
                 </a:solidFill>
@@ -24828,14 +24828,14 @@
           </a:ln>
           <a:extLst>
             <a:ext uri="{909E8E84-426E-40dd-AFC4-6F175D3DCCD1}">
-              <a14:hiddenFill xmlns="" xmlns:a14="http://schemas.microsoft.com/office/drawing/2010/main">
+              <a14:hiddenFill xmlns:a14="http://schemas.microsoft.com/office/drawing/2010/main" xmlns="">
                 <a:solidFill>
                   <a:schemeClr val="accent1"/>
                 </a:solidFill>
               </a14:hiddenFill>
             </a:ext>
             <a:ext uri="{91240B29-F687-4f45-9708-019B960494DF}">
-              <a14:hiddenLine xmlns="" xmlns:a14="http://schemas.microsoft.com/office/drawing/2010/main" w="9525">
+              <a14:hiddenLine xmlns:a14="http://schemas.microsoft.com/office/drawing/2010/main" xmlns="" w="9525">
                 <a:solidFill>
                   <a:schemeClr val="tx1"/>
                 </a:solidFill>
@@ -24881,14 +24881,14 @@
           </a:ln>
           <a:extLst>
             <a:ext uri="{909E8E84-426E-40dd-AFC4-6F175D3DCCD1}">
-              <a14:hiddenFill xmlns="" xmlns:a14="http://schemas.microsoft.com/office/drawing/2010/main">
+              <a14:hiddenFill xmlns:a14="http://schemas.microsoft.com/office/drawing/2010/main" xmlns="">
                 <a:solidFill>
                   <a:schemeClr val="accent1"/>
                 </a:solidFill>
               </a14:hiddenFill>
             </a:ext>
             <a:ext uri="{91240B29-F687-4f45-9708-019B960494DF}">
-              <a14:hiddenLine xmlns="" xmlns:a14="http://schemas.microsoft.com/office/drawing/2010/main" w="9525">
+              <a14:hiddenLine xmlns:a14="http://schemas.microsoft.com/office/drawing/2010/main" xmlns="" w="9525">
                 <a:solidFill>
                   <a:schemeClr val="tx1"/>
                 </a:solidFill>
@@ -24934,14 +24934,14 @@
           </a:ln>
           <a:extLst>
             <a:ext uri="{909E8E84-426E-40dd-AFC4-6F175D3DCCD1}">
-              <a14:hiddenFill xmlns="" xmlns:a14="http://schemas.microsoft.com/office/drawing/2010/main">
+              <a14:hiddenFill xmlns:a14="http://schemas.microsoft.com/office/drawing/2010/main" xmlns="">
                 <a:solidFill>
                   <a:schemeClr val="accent1"/>
                 </a:solidFill>
               </a14:hiddenFill>
             </a:ext>
             <a:ext uri="{91240B29-F687-4f45-9708-019B960494DF}">
-              <a14:hiddenLine xmlns="" xmlns:a14="http://schemas.microsoft.com/office/drawing/2010/main" w="9525">
+              <a14:hiddenLine xmlns:a14="http://schemas.microsoft.com/office/drawing/2010/main" xmlns="" w="9525">
                 <a:solidFill>
                   <a:schemeClr val="tx1"/>
                 </a:solidFill>
@@ -24987,14 +24987,14 @@
           </a:ln>
           <a:extLst>
             <a:ext uri="{909E8E84-426E-40dd-AFC4-6F175D3DCCD1}">
-              <a14:hiddenFill xmlns="" xmlns:a14="http://schemas.microsoft.com/office/drawing/2010/main">
+              <a14:hiddenFill xmlns:a14="http://schemas.microsoft.com/office/drawing/2010/main" xmlns="">
                 <a:solidFill>
                   <a:schemeClr val="accent1"/>
                 </a:solidFill>
               </a14:hiddenFill>
             </a:ext>
             <a:ext uri="{91240B29-F687-4f45-9708-019B960494DF}">
-              <a14:hiddenLine xmlns="" xmlns:a14="http://schemas.microsoft.com/office/drawing/2010/main" w="9525">
+              <a14:hiddenLine xmlns:a14="http://schemas.microsoft.com/office/drawing/2010/main" xmlns="" w="9525">
                 <a:solidFill>
                   <a:schemeClr val="tx1"/>
                 </a:solidFill>
@@ -25047,7 +25047,7 @@
           </a:ln>
           <a:extLst>
             <a:ext uri="{909E8E84-426E-40dd-AFC4-6F175D3DCCD1}">
-              <a14:hiddenFill xmlns="" xmlns:a14="http://schemas.microsoft.com/office/drawing/2010/main">
+              <a14:hiddenFill xmlns:a14="http://schemas.microsoft.com/office/drawing/2010/main" xmlns="">
                 <a:noFill/>
               </a14:hiddenFill>
             </a:ext>
@@ -25083,7 +25083,7 @@
           </a:ln>
           <a:extLst>
             <a:ext uri="{909E8E84-426E-40dd-AFC4-6F175D3DCCD1}">
-              <a14:hiddenFill xmlns="" xmlns:a14="http://schemas.microsoft.com/office/drawing/2010/main">
+              <a14:hiddenFill xmlns:a14="http://schemas.microsoft.com/office/drawing/2010/main" xmlns="">
                 <a:noFill/>
               </a14:hiddenFill>
             </a:ext>
@@ -25119,7 +25119,7 @@
           </a:ln>
           <a:extLst>
             <a:ext uri="{909E8E84-426E-40dd-AFC4-6F175D3DCCD1}">
-              <a14:hiddenFill xmlns="" xmlns:a14="http://schemas.microsoft.com/office/drawing/2010/main">
+              <a14:hiddenFill xmlns:a14="http://schemas.microsoft.com/office/drawing/2010/main" xmlns="">
                 <a:noFill/>
               </a14:hiddenFill>
             </a:ext>
@@ -25155,7 +25155,7 @@
           </a:ln>
           <a:extLst>
             <a:ext uri="{909E8E84-426E-40dd-AFC4-6F175D3DCCD1}">
-              <a14:hiddenFill xmlns="" xmlns:a14="http://schemas.microsoft.com/office/drawing/2010/main">
+              <a14:hiddenFill xmlns:a14="http://schemas.microsoft.com/office/drawing/2010/main" xmlns="">
                 <a:noFill/>
               </a14:hiddenFill>
             </a:ext>
@@ -25184,14 +25184,14 @@
           </a:ln>
           <a:extLst>
             <a:ext uri="{909E8E84-426E-40dd-AFC4-6F175D3DCCD1}">
-              <a14:hiddenFill xmlns="" xmlns:a14="http://schemas.microsoft.com/office/drawing/2010/main">
+              <a14:hiddenFill xmlns:a14="http://schemas.microsoft.com/office/drawing/2010/main" xmlns="">
                 <a:solidFill>
                   <a:schemeClr val="accent1"/>
                 </a:solidFill>
               </a14:hiddenFill>
             </a:ext>
             <a:ext uri="{91240B29-F687-4f45-9708-019B960494DF}">
-              <a14:hiddenLine xmlns="" xmlns:a14="http://schemas.microsoft.com/office/drawing/2010/main" w="9525">
+              <a14:hiddenLine xmlns:a14="http://schemas.microsoft.com/office/drawing/2010/main" xmlns="" w="9525">
                 <a:solidFill>
                   <a:schemeClr val="tx1"/>
                 </a:solidFill>
@@ -25237,14 +25237,14 @@
           </a:ln>
           <a:extLst>
             <a:ext uri="{909E8E84-426E-40dd-AFC4-6F175D3DCCD1}">
-              <a14:hiddenFill xmlns="" xmlns:a14="http://schemas.microsoft.com/office/drawing/2010/main">
+              <a14:hiddenFill xmlns:a14="http://schemas.microsoft.com/office/drawing/2010/main" xmlns="">
                 <a:solidFill>
                   <a:schemeClr val="accent1"/>
                 </a:solidFill>
               </a14:hiddenFill>
             </a:ext>
             <a:ext uri="{91240B29-F687-4f45-9708-019B960494DF}">
-              <a14:hiddenLine xmlns="" xmlns:a14="http://schemas.microsoft.com/office/drawing/2010/main" w="9525">
+              <a14:hiddenLine xmlns:a14="http://schemas.microsoft.com/office/drawing/2010/main" xmlns="" w="9525">
                 <a:solidFill>
                   <a:schemeClr val="tx1"/>
                 </a:solidFill>
@@ -25297,7 +25297,7 @@
           </a:ln>
           <a:extLst>
             <a:ext uri="{909E8E84-426E-40dd-AFC4-6F175D3DCCD1}">
-              <a14:hiddenFill xmlns="" xmlns:a14="http://schemas.microsoft.com/office/drawing/2010/main">
+              <a14:hiddenFill xmlns:a14="http://schemas.microsoft.com/office/drawing/2010/main" xmlns="">
                 <a:noFill/>
               </a14:hiddenFill>
             </a:ext>
@@ -25333,7 +25333,7 @@
           </a:ln>
           <a:extLst>
             <a:ext uri="{909E8E84-426E-40dd-AFC4-6F175D3DCCD1}">
-              <a14:hiddenFill xmlns="" xmlns:a14="http://schemas.microsoft.com/office/drawing/2010/main">
+              <a14:hiddenFill xmlns:a14="http://schemas.microsoft.com/office/drawing/2010/main" xmlns="">
                 <a:noFill/>
               </a14:hiddenFill>
             </a:ext>
@@ -25362,14 +25362,14 @@
           </a:ln>
           <a:extLst>
             <a:ext uri="{909E8E84-426E-40dd-AFC4-6F175D3DCCD1}">
-              <a14:hiddenFill xmlns="" xmlns:a14="http://schemas.microsoft.com/office/drawing/2010/main">
+              <a14:hiddenFill xmlns:a14="http://schemas.microsoft.com/office/drawing/2010/main" xmlns="">
                 <a:solidFill>
                   <a:schemeClr val="accent1"/>
                 </a:solidFill>
               </a14:hiddenFill>
             </a:ext>
             <a:ext uri="{91240B29-F687-4f45-9708-019B960494DF}">
-              <a14:hiddenLine xmlns="" xmlns:a14="http://schemas.microsoft.com/office/drawing/2010/main" w="9525">
+              <a14:hiddenLine xmlns:a14="http://schemas.microsoft.com/office/drawing/2010/main" xmlns="" w="9525">
                 <a:solidFill>
                   <a:schemeClr val="tx1"/>
                 </a:solidFill>
@@ -25422,14 +25422,14 @@
           </a:ln>
           <a:extLst>
             <a:ext uri="{909E8E84-426E-40dd-AFC4-6F175D3DCCD1}">
-              <a14:hiddenFill xmlns="" xmlns:a14="http://schemas.microsoft.com/office/drawing/2010/main">
+              <a14:hiddenFill xmlns:a14="http://schemas.microsoft.com/office/drawing/2010/main" xmlns="">
                 <a:solidFill>
                   <a:schemeClr val="accent1"/>
                 </a:solidFill>
               </a14:hiddenFill>
             </a:ext>
             <a:ext uri="{91240B29-F687-4f45-9708-019B960494DF}">
-              <a14:hiddenLine xmlns="" xmlns:a14="http://schemas.microsoft.com/office/drawing/2010/main" w="9525">
+              <a14:hiddenLine xmlns:a14="http://schemas.microsoft.com/office/drawing/2010/main" xmlns="" w="9525">
                 <a:solidFill>
                   <a:schemeClr val="tx1"/>
                 </a:solidFill>
@@ -25559,7 +25559,7 @@
           </a:ln>
           <a:extLst>
             <a:ext uri="{909E8E84-426E-40dd-AFC4-6F175D3DCCD1}">
-              <a14:hiddenFill xmlns="" xmlns:a14="http://schemas.microsoft.com/office/drawing/2010/main">
+              <a14:hiddenFill xmlns:a14="http://schemas.microsoft.com/office/drawing/2010/main" xmlns="">
                 <a:solidFill>
                   <a:schemeClr val="accent1"/>
                 </a:solidFill>
@@ -25614,14 +25614,14 @@
           </a:ln>
           <a:extLst>
             <a:ext uri="{909E8E84-426E-40dd-AFC4-6F175D3DCCD1}">
-              <a14:hiddenFill xmlns="" xmlns:a14="http://schemas.microsoft.com/office/drawing/2010/main">
+              <a14:hiddenFill xmlns:a14="http://schemas.microsoft.com/office/drawing/2010/main" xmlns="">
                 <a:solidFill>
                   <a:schemeClr val="accent1"/>
                 </a:solidFill>
               </a14:hiddenFill>
             </a:ext>
             <a:ext uri="{91240B29-F687-4f45-9708-019B960494DF}">
-              <a14:hiddenLine xmlns="" xmlns:a14="http://schemas.microsoft.com/office/drawing/2010/main" w="9525">
+              <a14:hiddenLine xmlns:a14="http://schemas.microsoft.com/office/drawing/2010/main" xmlns="" w="9525">
                 <a:solidFill>
                   <a:schemeClr val="tx1"/>
                 </a:solidFill>
@@ -25667,14 +25667,14 @@
           </a:ln>
           <a:extLst>
             <a:ext uri="{909E8E84-426E-40dd-AFC4-6F175D3DCCD1}">
-              <a14:hiddenFill xmlns="" xmlns:a14="http://schemas.microsoft.com/office/drawing/2010/main">
+              <a14:hiddenFill xmlns:a14="http://schemas.microsoft.com/office/drawing/2010/main" xmlns="">
                 <a:solidFill>
                   <a:schemeClr val="accent1"/>
                 </a:solidFill>
               </a14:hiddenFill>
             </a:ext>
             <a:ext uri="{91240B29-F687-4f45-9708-019B960494DF}">
-              <a14:hiddenLine xmlns="" xmlns:a14="http://schemas.microsoft.com/office/drawing/2010/main" w="9525">
+              <a14:hiddenLine xmlns:a14="http://schemas.microsoft.com/office/drawing/2010/main" xmlns="" w="9525">
                 <a:solidFill>
                   <a:schemeClr val="tx1"/>
                 </a:solidFill>
@@ -25720,14 +25720,14 @@
           </a:ln>
           <a:extLst>
             <a:ext uri="{909E8E84-426E-40dd-AFC4-6F175D3DCCD1}">
-              <a14:hiddenFill xmlns="" xmlns:a14="http://schemas.microsoft.com/office/drawing/2010/main">
+              <a14:hiddenFill xmlns:a14="http://schemas.microsoft.com/office/drawing/2010/main" xmlns="">
                 <a:solidFill>
                   <a:schemeClr val="accent1"/>
                 </a:solidFill>
               </a14:hiddenFill>
             </a:ext>
             <a:ext uri="{91240B29-F687-4f45-9708-019B960494DF}">
-              <a14:hiddenLine xmlns="" xmlns:a14="http://schemas.microsoft.com/office/drawing/2010/main" w="9525">
+              <a14:hiddenLine xmlns:a14="http://schemas.microsoft.com/office/drawing/2010/main" xmlns="" w="9525">
                 <a:solidFill>
                   <a:schemeClr val="tx1"/>
                 </a:solidFill>
@@ -25773,14 +25773,14 @@
           </a:ln>
           <a:extLst>
             <a:ext uri="{909E8E84-426E-40dd-AFC4-6F175D3DCCD1}">
-              <a14:hiddenFill xmlns="" xmlns:a14="http://schemas.microsoft.com/office/drawing/2010/main">
+              <a14:hiddenFill xmlns:a14="http://schemas.microsoft.com/office/drawing/2010/main" xmlns="">
                 <a:solidFill>
                   <a:schemeClr val="accent1"/>
                 </a:solidFill>
               </a14:hiddenFill>
             </a:ext>
             <a:ext uri="{91240B29-F687-4f45-9708-019B960494DF}">
-              <a14:hiddenLine xmlns="" xmlns:a14="http://schemas.microsoft.com/office/drawing/2010/main" w="9525">
+              <a14:hiddenLine xmlns:a14="http://schemas.microsoft.com/office/drawing/2010/main" xmlns="" w="9525">
                 <a:solidFill>
                   <a:schemeClr val="tx1"/>
                 </a:solidFill>
@@ -25826,14 +25826,14 @@
           </a:ln>
           <a:extLst>
             <a:ext uri="{909E8E84-426E-40dd-AFC4-6F175D3DCCD1}">
-              <a14:hiddenFill xmlns="" xmlns:a14="http://schemas.microsoft.com/office/drawing/2010/main">
+              <a14:hiddenFill xmlns:a14="http://schemas.microsoft.com/office/drawing/2010/main" xmlns="">
                 <a:solidFill>
                   <a:schemeClr val="accent1"/>
                 </a:solidFill>
               </a14:hiddenFill>
             </a:ext>
             <a:ext uri="{91240B29-F687-4f45-9708-019B960494DF}">
-              <a14:hiddenLine xmlns="" xmlns:a14="http://schemas.microsoft.com/office/drawing/2010/main" w="9525">
+              <a14:hiddenLine xmlns:a14="http://schemas.microsoft.com/office/drawing/2010/main" xmlns="" w="9525">
                 <a:solidFill>
                   <a:schemeClr val="tx1"/>
                 </a:solidFill>
@@ -25886,7 +25886,7 @@
           </a:ln>
           <a:extLst>
             <a:ext uri="{909E8E84-426E-40dd-AFC4-6F175D3DCCD1}">
-              <a14:hiddenFill xmlns="" xmlns:a14="http://schemas.microsoft.com/office/drawing/2010/main">
+              <a14:hiddenFill xmlns:a14="http://schemas.microsoft.com/office/drawing/2010/main" xmlns="">
                 <a:noFill/>
               </a14:hiddenFill>
             </a:ext>
@@ -25922,7 +25922,7 @@
           </a:ln>
           <a:extLst>
             <a:ext uri="{909E8E84-426E-40dd-AFC4-6F175D3DCCD1}">
-              <a14:hiddenFill xmlns="" xmlns:a14="http://schemas.microsoft.com/office/drawing/2010/main">
+              <a14:hiddenFill xmlns:a14="http://schemas.microsoft.com/office/drawing/2010/main" xmlns="">
                 <a:noFill/>
               </a14:hiddenFill>
             </a:ext>
@@ -25958,7 +25958,7 @@
           </a:ln>
           <a:extLst>
             <a:ext uri="{909E8E84-426E-40dd-AFC4-6F175D3DCCD1}">
-              <a14:hiddenFill xmlns="" xmlns:a14="http://schemas.microsoft.com/office/drawing/2010/main">
+              <a14:hiddenFill xmlns:a14="http://schemas.microsoft.com/office/drawing/2010/main" xmlns="">
                 <a:noFill/>
               </a14:hiddenFill>
             </a:ext>
@@ -25994,7 +25994,7 @@
           </a:ln>
           <a:extLst>
             <a:ext uri="{909E8E84-426E-40dd-AFC4-6F175D3DCCD1}">
-              <a14:hiddenFill xmlns="" xmlns:a14="http://schemas.microsoft.com/office/drawing/2010/main">
+              <a14:hiddenFill xmlns:a14="http://schemas.microsoft.com/office/drawing/2010/main" xmlns="">
                 <a:noFill/>
               </a14:hiddenFill>
             </a:ext>
@@ -26023,14 +26023,14 @@
           </a:ln>
           <a:extLst>
             <a:ext uri="{909E8E84-426E-40dd-AFC4-6F175D3DCCD1}">
-              <a14:hiddenFill xmlns="" xmlns:a14="http://schemas.microsoft.com/office/drawing/2010/main">
+              <a14:hiddenFill xmlns:a14="http://schemas.microsoft.com/office/drawing/2010/main" xmlns="">
                 <a:solidFill>
                   <a:schemeClr val="accent1"/>
                 </a:solidFill>
               </a14:hiddenFill>
             </a:ext>
             <a:ext uri="{91240B29-F687-4f45-9708-019B960494DF}">
-              <a14:hiddenLine xmlns="" xmlns:a14="http://schemas.microsoft.com/office/drawing/2010/main" w="9525">
+              <a14:hiddenLine xmlns:a14="http://schemas.microsoft.com/office/drawing/2010/main" xmlns="" w="9525">
                 <a:solidFill>
                   <a:schemeClr val="tx1"/>
                 </a:solidFill>
@@ -26076,14 +26076,14 @@
           </a:ln>
           <a:extLst>
             <a:ext uri="{909E8E84-426E-40dd-AFC4-6F175D3DCCD1}">
-              <a14:hiddenFill xmlns="" xmlns:a14="http://schemas.microsoft.com/office/drawing/2010/main">
+              <a14:hiddenFill xmlns:a14="http://schemas.microsoft.com/office/drawing/2010/main" xmlns="">
                 <a:solidFill>
                   <a:schemeClr val="accent1"/>
                 </a:solidFill>
               </a14:hiddenFill>
             </a:ext>
             <a:ext uri="{91240B29-F687-4f45-9708-019B960494DF}">
-              <a14:hiddenLine xmlns="" xmlns:a14="http://schemas.microsoft.com/office/drawing/2010/main" w="9525">
+              <a14:hiddenLine xmlns:a14="http://schemas.microsoft.com/office/drawing/2010/main" xmlns="" w="9525">
                 <a:solidFill>
                   <a:schemeClr val="tx1"/>
                 </a:solidFill>
@@ -26136,7 +26136,7 @@
           </a:ln>
           <a:extLst>
             <a:ext uri="{909E8E84-426E-40dd-AFC4-6F175D3DCCD1}">
-              <a14:hiddenFill xmlns="" xmlns:a14="http://schemas.microsoft.com/office/drawing/2010/main">
+              <a14:hiddenFill xmlns:a14="http://schemas.microsoft.com/office/drawing/2010/main" xmlns="">
                 <a:noFill/>
               </a14:hiddenFill>
             </a:ext>
@@ -26172,7 +26172,7 @@
           </a:ln>
           <a:extLst>
             <a:ext uri="{909E8E84-426E-40dd-AFC4-6F175D3DCCD1}">
-              <a14:hiddenFill xmlns="" xmlns:a14="http://schemas.microsoft.com/office/drawing/2010/main">
+              <a14:hiddenFill xmlns:a14="http://schemas.microsoft.com/office/drawing/2010/main" xmlns="">
                 <a:noFill/>
               </a14:hiddenFill>
             </a:ext>
@@ -26201,14 +26201,14 @@
           </a:ln>
           <a:extLst>
             <a:ext uri="{909E8E84-426E-40dd-AFC4-6F175D3DCCD1}">
-              <a14:hiddenFill xmlns="" xmlns:a14="http://schemas.microsoft.com/office/drawing/2010/main">
+              <a14:hiddenFill xmlns:a14="http://schemas.microsoft.com/office/drawing/2010/main" xmlns="">
                 <a:solidFill>
                   <a:schemeClr val="accent1"/>
                 </a:solidFill>
               </a14:hiddenFill>
             </a:ext>
             <a:ext uri="{91240B29-F687-4f45-9708-019B960494DF}">
-              <a14:hiddenLine xmlns="" xmlns:a14="http://schemas.microsoft.com/office/drawing/2010/main" w="9525">
+              <a14:hiddenLine xmlns:a14="http://schemas.microsoft.com/office/drawing/2010/main" xmlns="" w="9525">
                 <a:solidFill>
                   <a:schemeClr val="tx1"/>
                 </a:solidFill>
@@ -26261,14 +26261,14 @@
           </a:ln>
           <a:extLst>
             <a:ext uri="{909E8E84-426E-40dd-AFC4-6F175D3DCCD1}">
-              <a14:hiddenFill xmlns="" xmlns:a14="http://schemas.microsoft.com/office/drawing/2010/main">
+              <a14:hiddenFill xmlns:a14="http://schemas.microsoft.com/office/drawing/2010/main" xmlns="">
                 <a:solidFill>
                   <a:schemeClr val="accent1"/>
                 </a:solidFill>
               </a14:hiddenFill>
             </a:ext>
             <a:ext uri="{91240B29-F687-4f45-9708-019B960494DF}">
-              <a14:hiddenLine xmlns="" xmlns:a14="http://schemas.microsoft.com/office/drawing/2010/main" w="9525">
+              <a14:hiddenLine xmlns:a14="http://schemas.microsoft.com/office/drawing/2010/main" xmlns="" w="9525">
                 <a:solidFill>
                   <a:schemeClr val="tx1"/>
                 </a:solidFill>
@@ -26314,14 +26314,14 @@
           </a:ln>
           <a:extLst>
             <a:ext uri="{909E8E84-426E-40dd-AFC4-6F175D3DCCD1}">
-              <a14:hiddenFill xmlns="" xmlns:a14="http://schemas.microsoft.com/office/drawing/2010/main">
+              <a14:hiddenFill xmlns:a14="http://schemas.microsoft.com/office/drawing/2010/main" xmlns="">
                 <a:solidFill>
                   <a:schemeClr val="accent1"/>
                 </a:solidFill>
               </a14:hiddenFill>
             </a:ext>
             <a:ext uri="{91240B29-F687-4f45-9708-019B960494DF}">
-              <a14:hiddenLine xmlns="" xmlns:a14="http://schemas.microsoft.com/office/drawing/2010/main" w="9525">
+              <a14:hiddenLine xmlns:a14="http://schemas.microsoft.com/office/drawing/2010/main" xmlns="" w="9525">
                 <a:solidFill>
                   <a:schemeClr val="tx1"/>
                 </a:solidFill>
@@ -26451,7 +26451,7 @@
           </a:ln>
           <a:extLst>
             <a:ext uri="{909E8E84-426E-40dd-AFC4-6F175D3DCCD1}">
-              <a14:hiddenFill xmlns="" xmlns:a14="http://schemas.microsoft.com/office/drawing/2010/main">
+              <a14:hiddenFill xmlns:a14="http://schemas.microsoft.com/office/drawing/2010/main" xmlns="">
                 <a:solidFill>
                   <a:schemeClr val="accent1"/>
                 </a:solidFill>
@@ -26506,14 +26506,14 @@
           </a:ln>
           <a:extLst>
             <a:ext uri="{909E8E84-426E-40dd-AFC4-6F175D3DCCD1}">
-              <a14:hiddenFill xmlns="" xmlns:a14="http://schemas.microsoft.com/office/drawing/2010/main">
+              <a14:hiddenFill xmlns:a14="http://schemas.microsoft.com/office/drawing/2010/main" xmlns="">
                 <a:solidFill>
                   <a:schemeClr val="accent1"/>
                 </a:solidFill>
               </a14:hiddenFill>
             </a:ext>
             <a:ext uri="{91240B29-F687-4f45-9708-019B960494DF}">
-              <a14:hiddenLine xmlns="" xmlns:a14="http://schemas.microsoft.com/office/drawing/2010/main" w="9525">
+              <a14:hiddenLine xmlns:a14="http://schemas.microsoft.com/office/drawing/2010/main" xmlns="" w="9525">
                 <a:solidFill>
                   <a:schemeClr val="tx1"/>
                 </a:solidFill>
@@ -26559,14 +26559,14 @@
           </a:ln>
           <a:extLst>
             <a:ext uri="{909E8E84-426E-40dd-AFC4-6F175D3DCCD1}">
-              <a14:hiddenFill xmlns="" xmlns:a14="http://schemas.microsoft.com/office/drawing/2010/main">
+              <a14:hiddenFill xmlns:a14="http://schemas.microsoft.com/office/drawing/2010/main" xmlns="">
                 <a:solidFill>
                   <a:schemeClr val="accent1"/>
                 </a:solidFill>
               </a14:hiddenFill>
             </a:ext>
             <a:ext uri="{91240B29-F687-4f45-9708-019B960494DF}">
-              <a14:hiddenLine xmlns="" xmlns:a14="http://schemas.microsoft.com/office/drawing/2010/main" w="9525">
+              <a14:hiddenLine xmlns:a14="http://schemas.microsoft.com/office/drawing/2010/main" xmlns="" w="9525">
                 <a:solidFill>
                   <a:schemeClr val="tx1"/>
                 </a:solidFill>
@@ -26612,14 +26612,14 @@
           </a:ln>
           <a:extLst>
             <a:ext uri="{909E8E84-426E-40dd-AFC4-6F175D3DCCD1}">
-              <a14:hiddenFill xmlns="" xmlns:a14="http://schemas.microsoft.com/office/drawing/2010/main">
+              <a14:hiddenFill xmlns:a14="http://schemas.microsoft.com/office/drawing/2010/main" xmlns="">
                 <a:solidFill>
                   <a:schemeClr val="accent1"/>
                 </a:solidFill>
               </a14:hiddenFill>
             </a:ext>
             <a:ext uri="{91240B29-F687-4f45-9708-019B960494DF}">
-              <a14:hiddenLine xmlns="" xmlns:a14="http://schemas.microsoft.com/office/drawing/2010/main" w="9525">
+              <a14:hiddenLine xmlns:a14="http://schemas.microsoft.com/office/drawing/2010/main" xmlns="" w="9525">
                 <a:solidFill>
                   <a:schemeClr val="tx1"/>
                 </a:solidFill>
@@ -26665,14 +26665,14 @@
           </a:ln>
           <a:extLst>
             <a:ext uri="{909E8E84-426E-40dd-AFC4-6F175D3DCCD1}">
-              <a14:hiddenFill xmlns="" xmlns:a14="http://schemas.microsoft.com/office/drawing/2010/main">
+              <a14:hiddenFill xmlns:a14="http://schemas.microsoft.com/office/drawing/2010/main" xmlns="">
                 <a:solidFill>
                   <a:schemeClr val="accent1"/>
                 </a:solidFill>
               </a14:hiddenFill>
             </a:ext>
             <a:ext uri="{91240B29-F687-4f45-9708-019B960494DF}">
-              <a14:hiddenLine xmlns="" xmlns:a14="http://schemas.microsoft.com/office/drawing/2010/main" w="9525">
+              <a14:hiddenLine xmlns:a14="http://schemas.microsoft.com/office/drawing/2010/main" xmlns="" w="9525">
                 <a:solidFill>
                   <a:schemeClr val="tx1"/>
                 </a:solidFill>
@@ -26718,14 +26718,14 @@
           </a:ln>
           <a:extLst>
             <a:ext uri="{909E8E84-426E-40dd-AFC4-6F175D3DCCD1}">
-              <a14:hiddenFill xmlns="" xmlns:a14="http://schemas.microsoft.com/office/drawing/2010/main">
+              <a14:hiddenFill xmlns:a14="http://schemas.microsoft.com/office/drawing/2010/main" xmlns="">
                 <a:solidFill>
                   <a:schemeClr val="accent1"/>
                 </a:solidFill>
               </a14:hiddenFill>
             </a:ext>
             <a:ext uri="{91240B29-F687-4f45-9708-019B960494DF}">
-              <a14:hiddenLine xmlns="" xmlns:a14="http://schemas.microsoft.com/office/drawing/2010/main" w="9525">
+              <a14:hiddenLine xmlns:a14="http://schemas.microsoft.com/office/drawing/2010/main" xmlns="" w="9525">
                 <a:solidFill>
                   <a:schemeClr val="tx1"/>
                 </a:solidFill>
@@ -26778,7 +26778,7 @@
           </a:ln>
           <a:extLst>
             <a:ext uri="{909E8E84-426E-40dd-AFC4-6F175D3DCCD1}">
-              <a14:hiddenFill xmlns="" xmlns:a14="http://schemas.microsoft.com/office/drawing/2010/main">
+              <a14:hiddenFill xmlns:a14="http://schemas.microsoft.com/office/drawing/2010/main" xmlns="">
                 <a:noFill/>
               </a14:hiddenFill>
             </a:ext>
@@ -26814,7 +26814,7 @@
           </a:ln>
           <a:extLst>
             <a:ext uri="{909E8E84-426E-40dd-AFC4-6F175D3DCCD1}">
-              <a14:hiddenFill xmlns="" xmlns:a14="http://schemas.microsoft.com/office/drawing/2010/main">
+              <a14:hiddenFill xmlns:a14="http://schemas.microsoft.com/office/drawing/2010/main" xmlns="">
                 <a:noFill/>
               </a14:hiddenFill>
             </a:ext>
@@ -26850,7 +26850,7 @@
           </a:ln>
           <a:extLst>
             <a:ext uri="{909E8E84-426E-40dd-AFC4-6F175D3DCCD1}">
-              <a14:hiddenFill xmlns="" xmlns:a14="http://schemas.microsoft.com/office/drawing/2010/main">
+              <a14:hiddenFill xmlns:a14="http://schemas.microsoft.com/office/drawing/2010/main" xmlns="">
                 <a:noFill/>
               </a14:hiddenFill>
             </a:ext>
@@ -26886,7 +26886,7 @@
           </a:ln>
           <a:extLst>
             <a:ext uri="{909E8E84-426E-40dd-AFC4-6F175D3DCCD1}">
-              <a14:hiddenFill xmlns="" xmlns:a14="http://schemas.microsoft.com/office/drawing/2010/main">
+              <a14:hiddenFill xmlns:a14="http://schemas.microsoft.com/office/drawing/2010/main" xmlns="">
                 <a:noFill/>
               </a14:hiddenFill>
             </a:ext>
@@ -26915,14 +26915,14 @@
           </a:ln>
           <a:extLst>
             <a:ext uri="{909E8E84-426E-40dd-AFC4-6F175D3DCCD1}">
-              <a14:hiddenFill xmlns="" xmlns:a14="http://schemas.microsoft.com/office/drawing/2010/main">
+              <a14:hiddenFill xmlns:a14="http://schemas.microsoft.com/office/drawing/2010/main" xmlns="">
                 <a:solidFill>
                   <a:schemeClr val="accent1"/>
                 </a:solidFill>
               </a14:hiddenFill>
             </a:ext>
             <a:ext uri="{91240B29-F687-4f45-9708-019B960494DF}">
-              <a14:hiddenLine xmlns="" xmlns:a14="http://schemas.microsoft.com/office/drawing/2010/main" w="9525">
+              <a14:hiddenLine xmlns:a14="http://schemas.microsoft.com/office/drawing/2010/main" xmlns="" w="9525">
                 <a:solidFill>
                   <a:schemeClr val="tx1"/>
                 </a:solidFill>
@@ -26968,14 +26968,14 @@
           </a:ln>
           <a:extLst>
             <a:ext uri="{909E8E84-426E-40dd-AFC4-6F175D3DCCD1}">
-              <a14:hiddenFill xmlns="" xmlns:a14="http://schemas.microsoft.com/office/drawing/2010/main">
+              <a14:hiddenFill xmlns:a14="http://schemas.microsoft.com/office/drawing/2010/main" xmlns="">
                 <a:solidFill>
                   <a:schemeClr val="accent1"/>
                 </a:solidFill>
               </a14:hiddenFill>
             </a:ext>
             <a:ext uri="{91240B29-F687-4f45-9708-019B960494DF}">
-              <a14:hiddenLine xmlns="" xmlns:a14="http://schemas.microsoft.com/office/drawing/2010/main" w="9525">
+              <a14:hiddenLine xmlns:a14="http://schemas.microsoft.com/office/drawing/2010/main" xmlns="" w="9525">
                 <a:solidFill>
                   <a:schemeClr val="tx1"/>
                 </a:solidFill>
@@ -27028,7 +27028,7 @@
           </a:ln>
           <a:extLst>
             <a:ext uri="{909E8E84-426E-40dd-AFC4-6F175D3DCCD1}">
-              <a14:hiddenFill xmlns="" xmlns:a14="http://schemas.microsoft.com/office/drawing/2010/main">
+              <a14:hiddenFill xmlns:a14="http://schemas.microsoft.com/office/drawing/2010/main" xmlns="">
                 <a:noFill/>
               </a14:hiddenFill>
             </a:ext>
@@ -27064,7 +27064,7 @@
           </a:ln>
           <a:extLst>
             <a:ext uri="{909E8E84-426E-40dd-AFC4-6F175D3DCCD1}">
-              <a14:hiddenFill xmlns="" xmlns:a14="http://schemas.microsoft.com/office/drawing/2010/main">
+              <a14:hiddenFill xmlns:a14="http://schemas.microsoft.com/office/drawing/2010/main" xmlns="">
                 <a:noFill/>
               </a14:hiddenFill>
             </a:ext>
@@ -27093,14 +27093,14 @@
           </a:ln>
           <a:extLst>
             <a:ext uri="{909E8E84-426E-40dd-AFC4-6F175D3DCCD1}">
-              <a14:hiddenFill xmlns="" xmlns:a14="http://schemas.microsoft.com/office/drawing/2010/main">
+              <a14:hiddenFill xmlns:a14="http://schemas.microsoft.com/office/drawing/2010/main" xmlns="">
                 <a:solidFill>
                   <a:schemeClr val="accent1"/>
                 </a:solidFill>
               </a14:hiddenFill>
             </a:ext>
             <a:ext uri="{91240B29-F687-4f45-9708-019B960494DF}">
-              <a14:hiddenLine xmlns="" xmlns:a14="http://schemas.microsoft.com/office/drawing/2010/main" w="9525">
+              <a14:hiddenLine xmlns:a14="http://schemas.microsoft.com/office/drawing/2010/main" xmlns="" w="9525">
                 <a:solidFill>
                   <a:schemeClr val="tx1"/>
                 </a:solidFill>
@@ -27153,14 +27153,14 @@
           </a:ln>
           <a:extLst>
             <a:ext uri="{909E8E84-426E-40dd-AFC4-6F175D3DCCD1}">
-              <a14:hiddenFill xmlns="" xmlns:a14="http://schemas.microsoft.com/office/drawing/2010/main">
+              <a14:hiddenFill xmlns:a14="http://schemas.microsoft.com/office/drawing/2010/main" xmlns="">
                 <a:solidFill>
                   <a:schemeClr val="accent1"/>
                 </a:solidFill>
               </a14:hiddenFill>
             </a:ext>
             <a:ext uri="{91240B29-F687-4f45-9708-019B960494DF}">
-              <a14:hiddenLine xmlns="" xmlns:a14="http://schemas.microsoft.com/office/drawing/2010/main" w="9525">
+              <a14:hiddenLine xmlns:a14="http://schemas.microsoft.com/office/drawing/2010/main" xmlns="" w="9525">
                 <a:solidFill>
                   <a:schemeClr val="tx1"/>
                 </a:solidFill>
@@ -27206,14 +27206,14 @@
           </a:ln>
           <a:extLst>
             <a:ext uri="{909E8E84-426E-40dd-AFC4-6F175D3DCCD1}">
-              <a14:hiddenFill xmlns="" xmlns:a14="http://schemas.microsoft.com/office/drawing/2010/main">
+              <a14:hiddenFill xmlns:a14="http://schemas.microsoft.com/office/drawing/2010/main" xmlns="">
                 <a:solidFill>
                   <a:schemeClr val="accent1"/>
                 </a:solidFill>
               </a14:hiddenFill>
             </a:ext>
             <a:ext uri="{91240B29-F687-4f45-9708-019B960494DF}">
-              <a14:hiddenLine xmlns="" xmlns:a14="http://schemas.microsoft.com/office/drawing/2010/main" w="9525">
+              <a14:hiddenLine xmlns:a14="http://schemas.microsoft.com/office/drawing/2010/main" xmlns="" w="9525">
                 <a:solidFill>
                   <a:schemeClr val="tx1"/>
                 </a:solidFill>
@@ -27259,14 +27259,14 @@
           </a:ln>
           <a:extLst>
             <a:ext uri="{909E8E84-426E-40dd-AFC4-6F175D3DCCD1}">
-              <a14:hiddenFill xmlns="" xmlns:a14="http://schemas.microsoft.com/office/drawing/2010/main">
+              <a14:hiddenFill xmlns:a14="http://schemas.microsoft.com/office/drawing/2010/main" xmlns="">
                 <a:solidFill>
                   <a:schemeClr val="accent1"/>
                 </a:solidFill>
               </a14:hiddenFill>
             </a:ext>
             <a:ext uri="{91240B29-F687-4f45-9708-019B960494DF}">
-              <a14:hiddenLine xmlns="" xmlns:a14="http://schemas.microsoft.com/office/drawing/2010/main" w="9525">
+              <a14:hiddenLine xmlns:a14="http://schemas.microsoft.com/office/drawing/2010/main" xmlns="" w="9525">
                 <a:solidFill>
                   <a:schemeClr val="tx1"/>
                 </a:solidFill>
@@ -27312,14 +27312,14 @@
           </a:ln>
           <a:extLst>
             <a:ext uri="{909E8E84-426E-40dd-AFC4-6F175D3DCCD1}">
-              <a14:hiddenFill xmlns="" xmlns:a14="http://schemas.microsoft.com/office/drawing/2010/main">
+              <a14:hiddenFill xmlns:a14="http://schemas.microsoft.com/office/drawing/2010/main" xmlns="">
                 <a:solidFill>
                   <a:schemeClr val="accent1"/>
                 </a:solidFill>
               </a14:hiddenFill>
             </a:ext>
             <a:ext uri="{91240B29-F687-4f45-9708-019B960494DF}">
-              <a14:hiddenLine xmlns="" xmlns:a14="http://schemas.microsoft.com/office/drawing/2010/main" w="9525">
+              <a14:hiddenLine xmlns:a14="http://schemas.microsoft.com/office/drawing/2010/main" xmlns="" w="9525">
                 <a:solidFill>
                   <a:schemeClr val="tx1"/>
                 </a:solidFill>
@@ -27452,7 +27452,7 @@
           </a:ln>
           <a:extLst>
             <a:ext uri="{909E8E84-426E-40dd-AFC4-6F175D3DCCD1}">
-              <a14:hiddenFill xmlns="" xmlns:a14="http://schemas.microsoft.com/office/drawing/2010/main">
+              <a14:hiddenFill xmlns:a14="http://schemas.microsoft.com/office/drawing/2010/main" xmlns="">
                 <a:solidFill>
                   <a:schemeClr val="accent1"/>
                 </a:solidFill>
@@ -27507,14 +27507,14 @@
           </a:ln>
           <a:extLst>
             <a:ext uri="{909E8E84-426E-40dd-AFC4-6F175D3DCCD1}">
-              <a14:hiddenFill xmlns="" xmlns:a14="http://schemas.microsoft.com/office/drawing/2010/main">
+              <a14:hiddenFill xmlns:a14="http://schemas.microsoft.com/office/drawing/2010/main" xmlns="">
                 <a:solidFill>
                   <a:schemeClr val="accent1"/>
                 </a:solidFill>
               </a14:hiddenFill>
             </a:ext>
             <a:ext uri="{91240B29-F687-4f45-9708-019B960494DF}">
-              <a14:hiddenLine xmlns="" xmlns:a14="http://schemas.microsoft.com/office/drawing/2010/main" w="9525">
+              <a14:hiddenLine xmlns:a14="http://schemas.microsoft.com/office/drawing/2010/main" xmlns="" w="9525">
                 <a:solidFill>
                   <a:schemeClr val="tx1"/>
                 </a:solidFill>
@@ -27560,14 +27560,14 @@
           </a:ln>
           <a:extLst>
             <a:ext uri="{909E8E84-426E-40dd-AFC4-6F175D3DCCD1}">
-              <a14:hiddenFill xmlns="" xmlns:a14="http://schemas.microsoft.com/office/drawing/2010/main">
+              <a14:hiddenFill xmlns:a14="http://schemas.microsoft.com/office/drawing/2010/main" xmlns="">
                 <a:solidFill>
                   <a:schemeClr val="accent1"/>
                 </a:solidFill>
               </a14:hiddenFill>
             </a:ext>
             <a:ext uri="{91240B29-F687-4f45-9708-019B960494DF}">
-              <a14:hiddenLine xmlns="" xmlns:a14="http://schemas.microsoft.com/office/drawing/2010/main" w="9525">
+              <a14:hiddenLine xmlns:a14="http://schemas.microsoft.com/office/drawing/2010/main" xmlns="" w="9525">
                 <a:solidFill>
                   <a:schemeClr val="tx1"/>
                 </a:solidFill>
@@ -27613,14 +27613,14 @@
           </a:ln>
           <a:extLst>
             <a:ext uri="{909E8E84-426E-40dd-AFC4-6F175D3DCCD1}">
-              <a14:hiddenFill xmlns="" xmlns:a14="http://schemas.microsoft.com/office/drawing/2010/main">
+              <a14:hiddenFill xmlns:a14="http://schemas.microsoft.com/office/drawing/2010/main" xmlns="">
                 <a:solidFill>
                   <a:schemeClr val="accent1"/>
                 </a:solidFill>
               </a14:hiddenFill>
             </a:ext>
             <a:ext uri="{91240B29-F687-4f45-9708-019B960494DF}">
-              <a14:hiddenLine xmlns="" xmlns:a14="http://schemas.microsoft.com/office/drawing/2010/main" w="9525">
+              <a14:hiddenLine xmlns:a14="http://schemas.microsoft.com/office/drawing/2010/main" xmlns="" w="9525">
                 <a:solidFill>
                   <a:schemeClr val="tx1"/>
                 </a:solidFill>
@@ -27666,14 +27666,14 @@
           </a:ln>
           <a:extLst>
             <a:ext uri="{909E8E84-426E-40dd-AFC4-6F175D3DCCD1}">
-              <a14:hiddenFill xmlns="" xmlns:a14="http://schemas.microsoft.com/office/drawing/2010/main">
+              <a14:hiddenFill xmlns:a14="http://schemas.microsoft.com/office/drawing/2010/main" xmlns="">
                 <a:solidFill>
                   <a:schemeClr val="accent1"/>
                 </a:solidFill>
               </a14:hiddenFill>
             </a:ext>
             <a:ext uri="{91240B29-F687-4f45-9708-019B960494DF}">
-              <a14:hiddenLine xmlns="" xmlns:a14="http://schemas.microsoft.com/office/drawing/2010/main" w="9525">
+              <a14:hiddenLine xmlns:a14="http://schemas.microsoft.com/office/drawing/2010/main" xmlns="" w="9525">
                 <a:solidFill>
                   <a:schemeClr val="tx1"/>
                 </a:solidFill>
@@ -27719,14 +27719,14 @@
           </a:ln>
           <a:extLst>
             <a:ext uri="{909E8E84-426E-40dd-AFC4-6F175D3DCCD1}">
-              <a14:hiddenFill xmlns="" xmlns:a14="http://schemas.microsoft.com/office/drawing/2010/main">
+              <a14:hiddenFill xmlns:a14="http://schemas.microsoft.com/office/drawing/2010/main" xmlns="">
                 <a:solidFill>
                   <a:schemeClr val="accent1"/>
                 </a:solidFill>
               </a14:hiddenFill>
             </a:ext>
             <a:ext uri="{91240B29-F687-4f45-9708-019B960494DF}">
-              <a14:hiddenLine xmlns="" xmlns:a14="http://schemas.microsoft.com/office/drawing/2010/main" w="9525">
+              <a14:hiddenLine xmlns:a14="http://schemas.microsoft.com/office/drawing/2010/main" xmlns="" w="9525">
                 <a:solidFill>
                   <a:schemeClr val="tx1"/>
                 </a:solidFill>
@@ -27779,7 +27779,7 @@
           </a:ln>
           <a:extLst>
             <a:ext uri="{909E8E84-426E-40dd-AFC4-6F175D3DCCD1}">
-              <a14:hiddenFill xmlns="" xmlns:a14="http://schemas.microsoft.com/office/drawing/2010/main">
+              <a14:hiddenFill xmlns:a14="http://schemas.microsoft.com/office/drawing/2010/main" xmlns="">
                 <a:noFill/>
               </a14:hiddenFill>
             </a:ext>
@@ -27815,7 +27815,7 @@
           </a:ln>
           <a:extLst>
             <a:ext uri="{909E8E84-426E-40dd-AFC4-6F175D3DCCD1}">
-              <a14:hiddenFill xmlns="" xmlns:a14="http://schemas.microsoft.com/office/drawing/2010/main">
+              <a14:hiddenFill xmlns:a14="http://schemas.microsoft.com/office/drawing/2010/main" xmlns="">
                 <a:noFill/>
               </a14:hiddenFill>
             </a:ext>
@@ -27851,7 +27851,7 @@
           </a:ln>
           <a:extLst>
             <a:ext uri="{909E8E84-426E-40dd-AFC4-6F175D3DCCD1}">
-              <a14:hiddenFill xmlns="" xmlns:a14="http://schemas.microsoft.com/office/drawing/2010/main">
+              <a14:hiddenFill xmlns:a14="http://schemas.microsoft.com/office/drawing/2010/main" xmlns="">
                 <a:noFill/>
               </a14:hiddenFill>
             </a:ext>
@@ -27887,7 +27887,7 @@
           </a:ln>
           <a:extLst>
             <a:ext uri="{909E8E84-426E-40dd-AFC4-6F175D3DCCD1}">
-              <a14:hiddenFill xmlns="" xmlns:a14="http://schemas.microsoft.com/office/drawing/2010/main">
+              <a14:hiddenFill xmlns:a14="http://schemas.microsoft.com/office/drawing/2010/main" xmlns="">
                 <a:noFill/>
               </a14:hiddenFill>
             </a:ext>
@@ -27916,14 +27916,14 @@
           </a:ln>
           <a:extLst>
             <a:ext uri="{909E8E84-426E-40dd-AFC4-6F175D3DCCD1}">
-              <a14:hiddenFill xmlns="" xmlns:a14="http://schemas.microsoft.com/office/drawing/2010/main">
+              <a14:hiddenFill xmlns:a14="http://schemas.microsoft.com/office/drawing/2010/main" xmlns="">
                 <a:solidFill>
                   <a:schemeClr val="accent1"/>
                 </a:solidFill>
               </a14:hiddenFill>
             </a:ext>
             <a:ext uri="{91240B29-F687-4f45-9708-019B960494DF}">
-              <a14:hiddenLine xmlns="" xmlns:a14="http://schemas.microsoft.com/office/drawing/2010/main" w="9525">
+              <a14:hiddenLine xmlns:a14="http://schemas.microsoft.com/office/drawing/2010/main" xmlns="" w="9525">
                 <a:solidFill>
                   <a:schemeClr val="tx1"/>
                 </a:solidFill>
@@ -27969,14 +27969,14 @@
           </a:ln>
           <a:extLst>
             <a:ext uri="{909E8E84-426E-40dd-AFC4-6F175D3DCCD1}">
-              <a14:hiddenFill xmlns="" xmlns:a14="http://schemas.microsoft.com/office/drawing/2010/main">
+              <a14:hiddenFill xmlns:a14="http://schemas.microsoft.com/office/drawing/2010/main" xmlns="">
                 <a:solidFill>
                   <a:schemeClr val="accent1"/>
                 </a:solidFill>
               </a14:hiddenFill>
             </a:ext>
             <a:ext uri="{91240B29-F687-4f45-9708-019B960494DF}">
-              <a14:hiddenLine xmlns="" xmlns:a14="http://schemas.microsoft.com/office/drawing/2010/main" w="9525">
+              <a14:hiddenLine xmlns:a14="http://schemas.microsoft.com/office/drawing/2010/main" xmlns="" w="9525">
                 <a:solidFill>
                   <a:schemeClr val="tx1"/>
                 </a:solidFill>
@@ -28029,7 +28029,7 @@
           </a:ln>
           <a:extLst>
             <a:ext uri="{909E8E84-426E-40dd-AFC4-6F175D3DCCD1}">
-              <a14:hiddenFill xmlns="" xmlns:a14="http://schemas.microsoft.com/office/drawing/2010/main">
+              <a14:hiddenFill xmlns:a14="http://schemas.microsoft.com/office/drawing/2010/main" xmlns="">
                 <a:noFill/>
               </a14:hiddenFill>
             </a:ext>
@@ -28065,7 +28065,7 @@
           </a:ln>
           <a:extLst>
             <a:ext uri="{909E8E84-426E-40dd-AFC4-6F175D3DCCD1}">
-              <a14:hiddenFill xmlns="" xmlns:a14="http://schemas.microsoft.com/office/drawing/2010/main">
+              <a14:hiddenFill xmlns:a14="http://schemas.microsoft.com/office/drawing/2010/main" xmlns="">
                 <a:noFill/>
               </a14:hiddenFill>
             </a:ext>
@@ -28178,7 +28178,7 @@
           </a:ln>
           <a:extLst>
             <a:ext uri="{909E8E84-426E-40dd-AFC4-6F175D3DCCD1}">
-              <a14:hiddenFill xmlns="" xmlns:a14="http://schemas.microsoft.com/office/drawing/2010/main">
+              <a14:hiddenFill xmlns:a14="http://schemas.microsoft.com/office/drawing/2010/main" xmlns="">
                 <a:solidFill>
                   <a:schemeClr val="accent1"/>
                 </a:solidFill>
@@ -28233,14 +28233,14 @@
           </a:ln>
           <a:extLst>
             <a:ext uri="{909E8E84-426E-40dd-AFC4-6F175D3DCCD1}">
-              <a14:hiddenFill xmlns="" xmlns:a14="http://schemas.microsoft.com/office/drawing/2010/main">
+              <a14:hiddenFill xmlns:a14="http://schemas.microsoft.com/office/drawing/2010/main" xmlns="">
                 <a:solidFill>
                   <a:schemeClr val="accent1"/>
                 </a:solidFill>
               </a14:hiddenFill>
             </a:ext>
             <a:ext uri="{91240B29-F687-4f45-9708-019B960494DF}">
-              <a14:hiddenLine xmlns="" xmlns:a14="http://schemas.microsoft.com/office/drawing/2010/main" w="9525">
+              <a14:hiddenLine xmlns:a14="http://schemas.microsoft.com/office/drawing/2010/main" xmlns="" w="9525">
                 <a:solidFill>
                   <a:schemeClr val="tx1"/>
                 </a:solidFill>
@@ -28286,14 +28286,14 @@
           </a:ln>
           <a:extLst>
             <a:ext uri="{909E8E84-426E-40dd-AFC4-6F175D3DCCD1}">
-              <a14:hiddenFill xmlns="" xmlns:a14="http://schemas.microsoft.com/office/drawing/2010/main">
+              <a14:hiddenFill xmlns:a14="http://schemas.microsoft.com/office/drawing/2010/main" xmlns="">
                 <a:solidFill>
                   <a:schemeClr val="accent1"/>
                 </a:solidFill>
               </a14:hiddenFill>
             </a:ext>
             <a:ext uri="{91240B29-F687-4f45-9708-019B960494DF}">
-              <a14:hiddenLine xmlns="" xmlns:a14="http://schemas.microsoft.com/office/drawing/2010/main" w="9525">
+              <a14:hiddenLine xmlns:a14="http://schemas.microsoft.com/office/drawing/2010/main" xmlns="" w="9525">
                 <a:solidFill>
                   <a:schemeClr val="tx1"/>
                 </a:solidFill>
@@ -28339,14 +28339,14 @@
           </a:ln>
           <a:extLst>
             <a:ext uri="{909E8E84-426E-40dd-AFC4-6F175D3DCCD1}">
-              <a14:hiddenFill xmlns="" xmlns:a14="http://schemas.microsoft.com/office/drawing/2010/main">
+              <a14:hiddenFill xmlns:a14="http://schemas.microsoft.com/office/drawing/2010/main" xmlns="">
                 <a:solidFill>
                   <a:schemeClr val="accent1"/>
                 </a:solidFill>
               </a14:hiddenFill>
             </a:ext>
             <a:ext uri="{91240B29-F687-4f45-9708-019B960494DF}">
-              <a14:hiddenLine xmlns="" xmlns:a14="http://schemas.microsoft.com/office/drawing/2010/main" w="9525">
+              <a14:hiddenLine xmlns:a14="http://schemas.microsoft.com/office/drawing/2010/main" xmlns="" w="9525">
                 <a:solidFill>
                   <a:schemeClr val="tx1"/>
                 </a:solidFill>
@@ -28392,14 +28392,14 @@
           </a:ln>
           <a:extLst>
             <a:ext uri="{909E8E84-426E-40dd-AFC4-6F175D3DCCD1}">
-              <a14:hiddenFill xmlns="" xmlns:a14="http://schemas.microsoft.com/office/drawing/2010/main">
+              <a14:hiddenFill xmlns:a14="http://schemas.microsoft.com/office/drawing/2010/main" xmlns="">
                 <a:solidFill>
                   <a:schemeClr val="accent1"/>
                 </a:solidFill>
               </a14:hiddenFill>
             </a:ext>
             <a:ext uri="{91240B29-F687-4f45-9708-019B960494DF}">
-              <a14:hiddenLine xmlns="" xmlns:a14="http://schemas.microsoft.com/office/drawing/2010/main" w="9525">
+              <a14:hiddenLine xmlns:a14="http://schemas.microsoft.com/office/drawing/2010/main" xmlns="" w="9525">
                 <a:solidFill>
                   <a:schemeClr val="tx1"/>
                 </a:solidFill>
@@ -28445,14 +28445,14 @@
           </a:ln>
           <a:extLst>
             <a:ext uri="{909E8E84-426E-40dd-AFC4-6F175D3DCCD1}">
-              <a14:hiddenFill xmlns="" xmlns:a14="http://schemas.microsoft.com/office/drawing/2010/main">
+              <a14:hiddenFill xmlns:a14="http://schemas.microsoft.com/office/drawing/2010/main" xmlns="">
                 <a:solidFill>
                   <a:schemeClr val="accent1"/>
                 </a:solidFill>
               </a14:hiddenFill>
             </a:ext>
             <a:ext uri="{91240B29-F687-4f45-9708-019B960494DF}">
-              <a14:hiddenLine xmlns="" xmlns:a14="http://schemas.microsoft.com/office/drawing/2010/main" w="9525">
+              <a14:hiddenLine xmlns:a14="http://schemas.microsoft.com/office/drawing/2010/main" xmlns="" w="9525">
                 <a:solidFill>
                   <a:schemeClr val="tx1"/>
                 </a:solidFill>
@@ -28505,7 +28505,7 @@
           </a:ln>
           <a:extLst>
             <a:ext uri="{909E8E84-426E-40dd-AFC4-6F175D3DCCD1}">
-              <a14:hiddenFill xmlns="" xmlns:a14="http://schemas.microsoft.com/office/drawing/2010/main">
+              <a14:hiddenFill xmlns:a14="http://schemas.microsoft.com/office/drawing/2010/main" xmlns="">
                 <a:noFill/>
               </a14:hiddenFill>
             </a:ext>
@@ -28541,7 +28541,7 @@
           </a:ln>
           <a:extLst>
             <a:ext uri="{909E8E84-426E-40dd-AFC4-6F175D3DCCD1}">
-              <a14:hiddenFill xmlns="" xmlns:a14="http://schemas.microsoft.com/office/drawing/2010/main">
+              <a14:hiddenFill xmlns:a14="http://schemas.microsoft.com/office/drawing/2010/main" xmlns="">
                 <a:noFill/>
               </a14:hiddenFill>
             </a:ext>
@@ -28577,7 +28577,7 @@
           </a:ln>
           <a:extLst>
             <a:ext uri="{909E8E84-426E-40dd-AFC4-6F175D3DCCD1}">
-              <a14:hiddenFill xmlns="" xmlns:a14="http://schemas.microsoft.com/office/drawing/2010/main">
+              <a14:hiddenFill xmlns:a14="http://schemas.microsoft.com/office/drawing/2010/main" xmlns="">
                 <a:noFill/>
               </a14:hiddenFill>
             </a:ext>
@@ -28613,7 +28613,7 @@
           </a:ln>
           <a:extLst>
             <a:ext uri="{909E8E84-426E-40dd-AFC4-6F175D3DCCD1}">
-              <a14:hiddenFill xmlns="" xmlns:a14="http://schemas.microsoft.com/office/drawing/2010/main">
+              <a14:hiddenFill xmlns:a14="http://schemas.microsoft.com/office/drawing/2010/main" xmlns="">
                 <a:noFill/>
               </a14:hiddenFill>
             </a:ext>
@@ -28642,14 +28642,14 @@
           </a:ln>
           <a:extLst>
             <a:ext uri="{909E8E84-426E-40dd-AFC4-6F175D3DCCD1}">
-              <a14:hiddenFill xmlns="" xmlns:a14="http://schemas.microsoft.com/office/drawing/2010/main">
+              <a14:hiddenFill xmlns:a14="http://schemas.microsoft.com/office/drawing/2010/main" xmlns="">
                 <a:solidFill>
                   <a:schemeClr val="accent1"/>
                 </a:solidFill>
               </a14:hiddenFill>
             </a:ext>
             <a:ext uri="{91240B29-F687-4f45-9708-019B960494DF}">
-              <a14:hiddenLine xmlns="" xmlns:a14="http://schemas.microsoft.com/office/drawing/2010/main" w="9525">
+              <a14:hiddenLine xmlns:a14="http://schemas.microsoft.com/office/drawing/2010/main" xmlns="" w="9525">
                 <a:solidFill>
                   <a:schemeClr val="tx1"/>
                 </a:solidFill>
@@ -28695,14 +28695,14 @@
           </a:ln>
           <a:extLst>
             <a:ext uri="{909E8E84-426E-40dd-AFC4-6F175D3DCCD1}">
-              <a14:hiddenFill xmlns="" xmlns:a14="http://schemas.microsoft.com/office/drawing/2010/main">
+              <a14:hiddenFill xmlns:a14="http://schemas.microsoft.com/office/drawing/2010/main" xmlns="">
                 <a:solidFill>
                   <a:schemeClr val="accent1"/>
                 </a:solidFill>
               </a14:hiddenFill>
             </a:ext>
             <a:ext uri="{91240B29-F687-4f45-9708-019B960494DF}">
-              <a14:hiddenLine xmlns="" xmlns:a14="http://schemas.microsoft.com/office/drawing/2010/main" w="9525">
+              <a14:hiddenLine xmlns:a14="http://schemas.microsoft.com/office/drawing/2010/main" xmlns="" w="9525">
                 <a:solidFill>
                   <a:schemeClr val="tx1"/>
                 </a:solidFill>
@@ -28755,7 +28755,7 @@
           </a:ln>
           <a:extLst>
             <a:ext uri="{909E8E84-426E-40dd-AFC4-6F175D3DCCD1}">
-              <a14:hiddenFill xmlns="" xmlns:a14="http://schemas.microsoft.com/office/drawing/2010/main">
+              <a14:hiddenFill xmlns:a14="http://schemas.microsoft.com/office/drawing/2010/main" xmlns="">
                 <a:noFill/>
               </a14:hiddenFill>
             </a:ext>
@@ -28791,7 +28791,7 @@
           </a:ln>
           <a:extLst>
             <a:ext uri="{909E8E84-426E-40dd-AFC4-6F175D3DCCD1}">
-              <a14:hiddenFill xmlns="" xmlns:a14="http://schemas.microsoft.com/office/drawing/2010/main">
+              <a14:hiddenFill xmlns:a14="http://schemas.microsoft.com/office/drawing/2010/main" xmlns="">
                 <a:noFill/>
               </a14:hiddenFill>
             </a:ext>
@@ -28820,14 +28820,14 @@
           </a:ln>
           <a:extLst>
             <a:ext uri="{909E8E84-426E-40dd-AFC4-6F175D3DCCD1}">
-              <a14:hiddenFill xmlns="" xmlns:a14="http://schemas.microsoft.com/office/drawing/2010/main">
+              <a14:hiddenFill xmlns:a14="http://schemas.microsoft.com/office/drawing/2010/main" xmlns="">
                 <a:solidFill>
                   <a:schemeClr val="accent1"/>
                 </a:solidFill>
               </a14:hiddenFill>
             </a:ext>
             <a:ext uri="{91240B29-F687-4f45-9708-019B960494DF}">
-              <a14:hiddenLine xmlns="" xmlns:a14="http://schemas.microsoft.com/office/drawing/2010/main" w="9525">
+              <a14:hiddenLine xmlns:a14="http://schemas.microsoft.com/office/drawing/2010/main" xmlns="" w="9525">
                 <a:solidFill>
                   <a:schemeClr val="tx1"/>
                 </a:solidFill>
@@ -28964,7 +28964,7 @@
           </a:ln>
           <a:extLst>
             <a:ext uri="{909E8E84-426E-40dd-AFC4-6F175D3DCCD1}">
-              <a14:hiddenFill xmlns="" xmlns:a14="http://schemas.microsoft.com/office/drawing/2010/main">
+              <a14:hiddenFill xmlns:a14="http://schemas.microsoft.com/office/drawing/2010/main" xmlns="">
                 <a:solidFill>
                   <a:schemeClr val="accent1"/>
                 </a:solidFill>
@@ -29019,14 +29019,14 @@
           </a:ln>
           <a:extLst>
             <a:ext uri="{909E8E84-426E-40dd-AFC4-6F175D3DCCD1}">
-              <a14:hiddenFill xmlns="" xmlns:a14="http://schemas.microsoft.com/office/drawing/2010/main">
+              <a14:hiddenFill xmlns:a14="http://schemas.microsoft.com/office/drawing/2010/main" xmlns="">
                 <a:solidFill>
                   <a:schemeClr val="accent1"/>
                 </a:solidFill>
               </a14:hiddenFill>
             </a:ext>
             <a:ext uri="{91240B29-F687-4f45-9708-019B960494DF}">
-              <a14:hiddenLine xmlns="" xmlns:a14="http://schemas.microsoft.com/office/drawing/2010/main" w="9525">
+              <a14:hiddenLine xmlns:a14="http://schemas.microsoft.com/office/drawing/2010/main" xmlns="" w="9525">
                 <a:solidFill>
                   <a:schemeClr val="tx1"/>
                 </a:solidFill>
@@ -29072,14 +29072,14 @@
           </a:ln>
           <a:extLst>
             <a:ext uri="{909E8E84-426E-40dd-AFC4-6F175D3DCCD1}">
-              <a14:hiddenFill xmlns="" xmlns:a14="http://schemas.microsoft.com/office/drawing/2010/main">
+              <a14:hiddenFill xmlns:a14="http://schemas.microsoft.com/office/drawing/2010/main" xmlns="">
                 <a:solidFill>
                   <a:schemeClr val="accent1"/>
                 </a:solidFill>
               </a14:hiddenFill>
             </a:ext>
             <a:ext uri="{91240B29-F687-4f45-9708-019B960494DF}">
-              <a14:hiddenLine xmlns="" xmlns:a14="http://schemas.microsoft.com/office/drawing/2010/main" w="9525">
+              <a14:hiddenLine xmlns:a14="http://schemas.microsoft.com/office/drawing/2010/main" xmlns="" w="9525">
                 <a:solidFill>
                   <a:schemeClr val="tx1"/>
                 </a:solidFill>
@@ -29125,14 +29125,14 @@
           </a:ln>
           <a:extLst>
             <a:ext uri="{909E8E84-426E-40dd-AFC4-6F175D3DCCD1}">
-              <a14:hiddenFill xmlns="" xmlns:a14="http://schemas.microsoft.com/office/drawing/2010/main">
+              <a14:hiddenFill xmlns:a14="http://schemas.microsoft.com/office/drawing/2010/main" xmlns="">
                 <a:solidFill>
                   <a:schemeClr val="accent1"/>
                 </a:solidFill>
               </a14:hiddenFill>
             </a:ext>
             <a:ext uri="{91240B29-F687-4f45-9708-019B960494DF}">
-              <a14:hiddenLine xmlns="" xmlns:a14="http://schemas.microsoft.com/office/drawing/2010/main" w="9525">
+              <a14:hiddenLine xmlns:a14="http://schemas.microsoft.com/office/drawing/2010/main" xmlns="" w="9525">
                 <a:solidFill>
                   <a:schemeClr val="tx1"/>
                 </a:solidFill>
@@ -29178,14 +29178,14 @@
           </a:ln>
           <a:extLst>
             <a:ext uri="{909E8E84-426E-40dd-AFC4-6F175D3DCCD1}">
-              <a14:hiddenFill xmlns="" xmlns:a14="http://schemas.microsoft.com/office/drawing/2010/main">
+              <a14:hiddenFill xmlns:a14="http://schemas.microsoft.com/office/drawing/2010/main" xmlns="">
                 <a:solidFill>
                   <a:schemeClr val="accent1"/>
                 </a:solidFill>
               </a14:hiddenFill>
             </a:ext>
             <a:ext uri="{91240B29-F687-4f45-9708-019B960494DF}">
-              <a14:hiddenLine xmlns="" xmlns:a14="http://schemas.microsoft.com/office/drawing/2010/main" w="9525">
+              <a14:hiddenLine xmlns:a14="http://schemas.microsoft.com/office/drawing/2010/main" xmlns="" w="9525">
                 <a:solidFill>
                   <a:schemeClr val="tx1"/>
                 </a:solidFill>
@@ -29231,14 +29231,14 @@
           </a:ln>
           <a:extLst>
             <a:ext uri="{909E8E84-426E-40dd-AFC4-6F175D3DCCD1}">
-              <a14:hiddenFill xmlns="" xmlns:a14="http://schemas.microsoft.com/office/drawing/2010/main">
+              <a14:hiddenFill xmlns:a14="http://schemas.microsoft.com/office/drawing/2010/main" xmlns="">
                 <a:solidFill>
                   <a:schemeClr val="accent1"/>
                 </a:solidFill>
               </a14:hiddenFill>
             </a:ext>
             <a:ext uri="{91240B29-F687-4f45-9708-019B960494DF}">
-              <a14:hiddenLine xmlns="" xmlns:a14="http://schemas.microsoft.com/office/drawing/2010/main" w="9525">
+              <a14:hiddenLine xmlns:a14="http://schemas.microsoft.com/office/drawing/2010/main" xmlns="" w="9525">
                 <a:solidFill>
                   <a:schemeClr val="tx1"/>
                 </a:solidFill>
@@ -29291,7 +29291,7 @@
           </a:ln>
           <a:extLst>
             <a:ext uri="{909E8E84-426E-40dd-AFC4-6F175D3DCCD1}">
-              <a14:hiddenFill xmlns="" xmlns:a14="http://schemas.microsoft.com/office/drawing/2010/main">
+              <a14:hiddenFill xmlns:a14="http://schemas.microsoft.com/office/drawing/2010/main" xmlns="">
                 <a:noFill/>
               </a14:hiddenFill>
             </a:ext>
@@ -29327,7 +29327,7 @@
           </a:ln>
           <a:extLst>
             <a:ext uri="{909E8E84-426E-40dd-AFC4-6F175D3DCCD1}">
-              <a14:hiddenFill xmlns="" xmlns:a14="http://schemas.microsoft.com/office/drawing/2010/main">
+              <a14:hiddenFill xmlns:a14="http://schemas.microsoft.com/office/drawing/2010/main" xmlns="">
                 <a:noFill/>
               </a14:hiddenFill>
             </a:ext>
@@ -29363,7 +29363,7 @@
           </a:ln>
           <a:extLst>
             <a:ext uri="{909E8E84-426E-40dd-AFC4-6F175D3DCCD1}">
-              <a14:hiddenFill xmlns="" xmlns:a14="http://schemas.microsoft.com/office/drawing/2010/main">
+              <a14:hiddenFill xmlns:a14="http://schemas.microsoft.com/office/drawing/2010/main" xmlns="">
                 <a:noFill/>
               </a14:hiddenFill>
             </a:ext>
@@ -29399,7 +29399,7 @@
           </a:ln>
           <a:extLst>
             <a:ext uri="{909E8E84-426E-40dd-AFC4-6F175D3DCCD1}">
-              <a14:hiddenFill xmlns="" xmlns:a14="http://schemas.microsoft.com/office/drawing/2010/main">
+              <a14:hiddenFill xmlns:a14="http://schemas.microsoft.com/office/drawing/2010/main" xmlns="">
                 <a:noFill/>
               </a14:hiddenFill>
             </a:ext>
@@ -29428,14 +29428,14 @@
           </a:ln>
           <a:extLst>
             <a:ext uri="{909E8E84-426E-40dd-AFC4-6F175D3DCCD1}">
-              <a14:hiddenFill xmlns="" xmlns:a14="http://schemas.microsoft.com/office/drawing/2010/main">
+              <a14:hiddenFill xmlns:a14="http://schemas.microsoft.com/office/drawing/2010/main" xmlns="">
                 <a:solidFill>
                   <a:schemeClr val="accent1"/>
                 </a:solidFill>
               </a14:hiddenFill>
             </a:ext>
             <a:ext uri="{91240B29-F687-4f45-9708-019B960494DF}">
-              <a14:hiddenLine xmlns="" xmlns:a14="http://schemas.microsoft.com/office/drawing/2010/main" w="9525">
+              <a14:hiddenLine xmlns:a14="http://schemas.microsoft.com/office/drawing/2010/main" xmlns="" w="9525">
                 <a:solidFill>
                   <a:schemeClr val="tx1"/>
                 </a:solidFill>
@@ -29481,14 +29481,14 @@
           </a:ln>
           <a:extLst>
             <a:ext uri="{909E8E84-426E-40dd-AFC4-6F175D3DCCD1}">
-              <a14:hiddenFill xmlns="" xmlns:a14="http://schemas.microsoft.com/office/drawing/2010/main">
+              <a14:hiddenFill xmlns:a14="http://schemas.microsoft.com/office/drawing/2010/main" xmlns="">
                 <a:solidFill>
                   <a:schemeClr val="accent1"/>
                 </a:solidFill>
               </a14:hiddenFill>
             </a:ext>
             <a:ext uri="{91240B29-F687-4f45-9708-019B960494DF}">
-              <a14:hiddenLine xmlns="" xmlns:a14="http://schemas.microsoft.com/office/drawing/2010/main" w="9525">
+              <a14:hiddenLine xmlns:a14="http://schemas.microsoft.com/office/drawing/2010/main" xmlns="" w="9525">
                 <a:solidFill>
                   <a:schemeClr val="tx1"/>
                 </a:solidFill>
@@ -29541,7 +29541,7 @@
           </a:ln>
           <a:extLst>
             <a:ext uri="{909E8E84-426E-40dd-AFC4-6F175D3DCCD1}">
-              <a14:hiddenFill xmlns="" xmlns:a14="http://schemas.microsoft.com/office/drawing/2010/main">
+              <a14:hiddenFill xmlns:a14="http://schemas.microsoft.com/office/drawing/2010/main" xmlns="">
                 <a:noFill/>
               </a14:hiddenFill>
             </a:ext>
@@ -29577,7 +29577,7 @@
           </a:ln>
           <a:extLst>
             <a:ext uri="{909E8E84-426E-40dd-AFC4-6F175D3DCCD1}">
-              <a14:hiddenFill xmlns="" xmlns:a14="http://schemas.microsoft.com/office/drawing/2010/main">
+              <a14:hiddenFill xmlns:a14="http://schemas.microsoft.com/office/drawing/2010/main" xmlns="">
                 <a:noFill/>
               </a14:hiddenFill>
             </a:ext>
@@ -29606,14 +29606,14 @@
           </a:ln>
           <a:extLst>
             <a:ext uri="{909E8E84-426E-40dd-AFC4-6F175D3DCCD1}">
-              <a14:hiddenFill xmlns="" xmlns:a14="http://schemas.microsoft.com/office/drawing/2010/main">
+              <a14:hiddenFill xmlns:a14="http://schemas.microsoft.com/office/drawing/2010/main" xmlns="">
                 <a:solidFill>
                   <a:schemeClr val="accent1"/>
                 </a:solidFill>
               </a14:hiddenFill>
             </a:ext>
             <a:ext uri="{91240B29-F687-4f45-9708-019B960494DF}">
-              <a14:hiddenLine xmlns="" xmlns:a14="http://schemas.microsoft.com/office/drawing/2010/main" w="9525">
+              <a14:hiddenLine xmlns:a14="http://schemas.microsoft.com/office/drawing/2010/main" xmlns="" w="9525">
                 <a:solidFill>
                   <a:schemeClr val="tx1"/>
                 </a:solidFill>
@@ -29666,14 +29666,14 @@
           </a:ln>
           <a:extLst>
             <a:ext uri="{909E8E84-426E-40dd-AFC4-6F175D3DCCD1}">
-              <a14:hiddenFill xmlns="" xmlns:a14="http://schemas.microsoft.com/office/drawing/2010/main">
+              <a14:hiddenFill xmlns:a14="http://schemas.microsoft.com/office/drawing/2010/main" xmlns="">
                 <a:solidFill>
                   <a:schemeClr val="accent1"/>
                 </a:solidFill>
               </a14:hiddenFill>
             </a:ext>
             <a:ext uri="{91240B29-F687-4f45-9708-019B960494DF}">
-              <a14:hiddenLine xmlns="" xmlns:a14="http://schemas.microsoft.com/office/drawing/2010/main" w="9525">
+              <a14:hiddenLine xmlns:a14="http://schemas.microsoft.com/office/drawing/2010/main" xmlns="" w="9525">
                 <a:solidFill>
                   <a:schemeClr val="tx1"/>
                 </a:solidFill>
@@ -29719,14 +29719,14 @@
           </a:ln>
           <a:extLst>
             <a:ext uri="{909E8E84-426E-40dd-AFC4-6F175D3DCCD1}">
-              <a14:hiddenFill xmlns="" xmlns:a14="http://schemas.microsoft.com/office/drawing/2010/main">
+              <a14:hiddenFill xmlns:a14="http://schemas.microsoft.com/office/drawing/2010/main" xmlns="">
                 <a:solidFill>
                   <a:schemeClr val="accent1"/>
                 </a:solidFill>
               </a14:hiddenFill>
             </a:ext>
             <a:ext uri="{91240B29-F687-4f45-9708-019B960494DF}">
-              <a14:hiddenLine xmlns="" xmlns:a14="http://schemas.microsoft.com/office/drawing/2010/main" w="9525">
+              <a14:hiddenLine xmlns:a14="http://schemas.microsoft.com/office/drawing/2010/main" xmlns="" w="9525">
                 <a:solidFill>
                   <a:schemeClr val="tx1"/>
                 </a:solidFill>
@@ -30127,7 +30127,7 @@
           <a:effectLst/>
           <a:extLst>
             <a:ext uri="{AF507438-7753-43e0-B8FC-AC1667EBCBE1}">
-              <a14:hiddenEffects xmlns:a14="http://schemas.microsoft.com/office/drawing/2010/main" xmlns="">
+              <a14:hiddenEffects xmlns="" xmlns:a14="http://schemas.microsoft.com/office/drawing/2010/main">
                 <a:effectLst>
                   <a:outerShdw blurRad="63500" dist="38099" dir="2700000" algn="ctr" rotWithShape="0">
                     <a:schemeClr val="bg2">
@@ -30213,7 +30213,7 @@
           <a:effectLst/>
           <a:extLst>
             <a:ext uri="{AF507438-7753-43e0-B8FC-AC1667EBCBE1}">
-              <a14:hiddenEffects xmlns:a14="http://schemas.microsoft.com/office/drawing/2010/main" xmlns="">
+              <a14:hiddenEffects xmlns="" xmlns:a14="http://schemas.microsoft.com/office/drawing/2010/main">
                 <a:effectLst>
                   <a:outerShdw blurRad="63500" dist="38099" dir="2700000" algn="ctr" rotWithShape="0">
                     <a:schemeClr val="bg2">
@@ -30299,7 +30299,7 @@
           <a:effectLst/>
           <a:extLst>
             <a:ext uri="{AF507438-7753-43e0-B8FC-AC1667EBCBE1}">
-              <a14:hiddenEffects xmlns:a14="http://schemas.microsoft.com/office/drawing/2010/main" xmlns="">
+              <a14:hiddenEffects xmlns="" xmlns:a14="http://schemas.microsoft.com/office/drawing/2010/main">
                 <a:effectLst>
                   <a:outerShdw blurRad="63500" dist="38099" dir="2700000" algn="ctr" rotWithShape="0">
                     <a:schemeClr val="bg2">
@@ -30385,7 +30385,7 @@
           <a:effectLst/>
           <a:extLst>
             <a:ext uri="{AF507438-7753-43e0-B8FC-AC1667EBCBE1}">
-              <a14:hiddenEffects xmlns:a14="http://schemas.microsoft.com/office/drawing/2010/main" xmlns="">
+              <a14:hiddenEffects xmlns="" xmlns:a14="http://schemas.microsoft.com/office/drawing/2010/main">
                 <a:effectLst>
                   <a:outerShdw blurRad="63500" dist="38099" dir="2700000" algn="ctr" rotWithShape="0">
                     <a:schemeClr val="bg2">
@@ -31027,12 +31027,82 @@
           </a:p>
         </p:txBody>
       </p:sp>
+      <p:sp>
+        <p:nvSpPr>
+          <p:cNvPr id="3" name="TextBox 2">
+            <a:extLst>
+              <a:ext uri="{FF2B5EF4-FFF2-40B4-BE49-F238E27FC236}">
+                <a16:creationId xmlns:a16="http://schemas.microsoft.com/office/drawing/2014/main" id="{2AF2EC4B-2A4D-B141-81F8-9A49EE0A14BE}"/>
+              </a:ext>
+            </a:extLst>
+          </p:cNvPr>
+          <p:cNvSpPr txBox="1"/>
+          <p:nvPr/>
+        </p:nvSpPr>
+        <p:spPr>
+          <a:xfrm>
+            <a:off x="927100" y="6397823"/>
+            <a:ext cx="4887877" cy="307777"/>
+          </a:xfrm>
+          <a:prstGeom prst="rect">
+            <a:avLst/>
+          </a:prstGeom>
+          <a:noFill/>
+        </p:spPr>
+        <p:txBody>
+          <a:bodyPr wrap="none" rtlCol="0">
+            <a:spAutoFit/>
+          </a:bodyPr>
+          <a:lstStyle/>
+          <a:p>
+            <a:r>
+              <a:rPr lang="en-US" sz="1400" dirty="0"/>
+              <a:t>Note: function types are not supported in our type hierarchy</a:t>
+            </a:r>
+          </a:p>
+        </p:txBody>
+      </p:sp>
+      <p:sp>
+        <p:nvSpPr>
+          <p:cNvPr id="4" name="TextBox 3">
+            <a:extLst>
+              <a:ext uri="{FF2B5EF4-FFF2-40B4-BE49-F238E27FC236}">
+                <a16:creationId xmlns:a16="http://schemas.microsoft.com/office/drawing/2014/main" id="{19332839-2213-8A41-B523-8B4B774A27B7}"/>
+              </a:ext>
+            </a:extLst>
+          </p:cNvPr>
+          <p:cNvSpPr txBox="1"/>
+          <p:nvPr/>
+        </p:nvSpPr>
+        <p:spPr>
+          <a:xfrm>
+            <a:off x="6858000" y="3808512"/>
+            <a:ext cx="1537600" cy="307777"/>
+          </a:xfrm>
+          <a:prstGeom prst="rect">
+            <a:avLst/>
+          </a:prstGeom>
+          <a:noFill/>
+        </p:spPr>
+        <p:txBody>
+          <a:bodyPr wrap="none" rtlCol="0">
+            <a:spAutoFit/>
+          </a:bodyPr>
+          <a:lstStyle/>
+          <a:p>
+            <a:r>
+              <a:rPr lang="en-US" sz="1400" dirty="0"/>
+              <a:t>cuppa4_types.py</a:t>
+            </a:r>
+          </a:p>
+        </p:txBody>
+      </p:sp>
       <p:pic>
         <p:nvPicPr>
-          <p:cNvPr id="2" name="Picture 1">
+          <p:cNvPr id="5" name="Picture 4">
             <a:extLst>
               <a:ext uri="{FF2B5EF4-FFF2-40B4-BE49-F238E27FC236}">
-                <a16:creationId xmlns:a16="http://schemas.microsoft.com/office/drawing/2014/main" id="{47C775A1-6514-BB4B-88BB-7F40F09B85D5}"/>
+                <a16:creationId xmlns:a16="http://schemas.microsoft.com/office/drawing/2014/main" id="{B2D6D4EB-0B99-F34A-AE5D-9C13605D631A}"/>
               </a:ext>
             </a:extLst>
           </p:cNvPr>
@@ -31049,8 +31119,8 @@
         </p:blipFill>
         <p:spPr>
           <a:xfrm>
-            <a:off x="927100" y="3048000"/>
-            <a:ext cx="5486400" cy="2502166"/>
+            <a:off x="1219200" y="2782788"/>
+            <a:ext cx="4805516" cy="3505200"/>
           </a:xfrm>
           <a:prstGeom prst="rect">
             <a:avLst/>
@@ -31062,76 +31132,6 @@
           </a:ln>
         </p:spPr>
       </p:pic>
-      <p:sp>
-        <p:nvSpPr>
-          <p:cNvPr id="3" name="TextBox 2">
-            <a:extLst>
-              <a:ext uri="{FF2B5EF4-FFF2-40B4-BE49-F238E27FC236}">
-                <a16:creationId xmlns:a16="http://schemas.microsoft.com/office/drawing/2014/main" id="{2AF2EC4B-2A4D-B141-81F8-9A49EE0A14BE}"/>
-              </a:ext>
-            </a:extLst>
-          </p:cNvPr>
-          <p:cNvSpPr txBox="1"/>
-          <p:nvPr/>
-        </p:nvSpPr>
-        <p:spPr>
-          <a:xfrm>
-            <a:off x="927100" y="6146800"/>
-            <a:ext cx="4887877" cy="307777"/>
-          </a:xfrm>
-          <a:prstGeom prst="rect">
-            <a:avLst/>
-          </a:prstGeom>
-          <a:noFill/>
-        </p:spPr>
-        <p:txBody>
-          <a:bodyPr wrap="none" rtlCol="0">
-            <a:spAutoFit/>
-          </a:bodyPr>
-          <a:lstStyle/>
-          <a:p>
-            <a:r>
-              <a:rPr lang="en-US" sz="1400" dirty="0"/>
-              <a:t>Note: function types are not supported in our type hierarchy</a:t>
-            </a:r>
-          </a:p>
-        </p:txBody>
-      </p:sp>
-      <p:sp>
-        <p:nvSpPr>
-          <p:cNvPr id="4" name="TextBox 3">
-            <a:extLst>
-              <a:ext uri="{FF2B5EF4-FFF2-40B4-BE49-F238E27FC236}">
-                <a16:creationId xmlns:a16="http://schemas.microsoft.com/office/drawing/2014/main" id="{19332839-2213-8A41-B523-8B4B774A27B7}"/>
-              </a:ext>
-            </a:extLst>
-          </p:cNvPr>
-          <p:cNvSpPr txBox="1"/>
-          <p:nvPr/>
-        </p:nvSpPr>
-        <p:spPr>
-          <a:xfrm>
-            <a:off x="6858000" y="3808512"/>
-            <a:ext cx="1537600" cy="307777"/>
-          </a:xfrm>
-          <a:prstGeom prst="rect">
-            <a:avLst/>
-          </a:prstGeom>
-          <a:noFill/>
-        </p:spPr>
-        <p:txBody>
-          <a:bodyPr wrap="none" rtlCol="0">
-            <a:spAutoFit/>
-          </a:bodyPr>
-          <a:lstStyle/>
-          <a:p>
-            <a:r>
-              <a:rPr lang="en-US" sz="1400" dirty="0"/>
-              <a:t>cuppa4_types.py</a:t>
-            </a:r>
-          </a:p>
-        </p:txBody>
-      </p:sp>
     </p:spTree>
   </p:cSld>
   <p:clrMapOvr>
@@ -31728,7 +31728,7 @@
           <a:effectLst/>
           <a:extLst>
             <a:ext uri="{AF507438-7753-43e0-B8FC-AC1667EBCBE1}">
-              <a14:hiddenEffects xmlns:a14="http://schemas.microsoft.com/office/drawing/2010/main" xmlns="">
+              <a14:hiddenEffects xmlns="" xmlns:a14="http://schemas.microsoft.com/office/drawing/2010/main">
                 <a:effectLst>
                   <a:outerShdw blurRad="63500" dist="38099" dir="2700000" algn="ctr" rotWithShape="0">
                     <a:schemeClr val="bg2">
@@ -32054,7 +32054,7 @@
           <a:effectLst/>
           <a:extLst>
             <a:ext uri="{AF507438-7753-43e0-B8FC-AC1667EBCBE1}">
-              <a14:hiddenEffects xmlns:a14="http://schemas.microsoft.com/office/drawing/2010/main" xmlns="">
+              <a14:hiddenEffects xmlns="" xmlns:a14="http://schemas.microsoft.com/office/drawing/2010/main">
                 <a:effectLst>
                   <a:outerShdw blurRad="63500" dist="38099" dir="2700000" algn="ctr" rotWithShape="0">
                     <a:schemeClr val="bg2">
@@ -32175,7 +32175,7 @@
           <a:effectLst/>
           <a:extLst>
             <a:ext uri="{AF507438-7753-43e0-B8FC-AC1667EBCBE1}">
-              <a14:hiddenEffects xmlns:a14="http://schemas.microsoft.com/office/drawing/2010/main" xmlns="">
+              <a14:hiddenEffects xmlns="" xmlns:a14="http://schemas.microsoft.com/office/drawing/2010/main">
                 <a:effectLst>
                   <a:outerShdw blurRad="63500" dist="38099" dir="2700000" algn="ctr" rotWithShape="0">
                     <a:schemeClr val="bg2">
@@ -32374,7 +32374,7 @@
             <a:effectLst/>
             <a:extLst>
               <a:ext uri="{AF507438-7753-43e0-B8FC-AC1667EBCBE1}">
-                <a14:hiddenEffects xmlns:a14="http://schemas.microsoft.com/office/drawing/2010/main" xmlns="">
+                <a14:hiddenEffects xmlns="" xmlns:a14="http://schemas.microsoft.com/office/drawing/2010/main">
                   <a:effectLst>
                     <a:outerShdw blurRad="63500" dist="38099" dir="2700000" algn="ctr" rotWithShape="0">
                       <a:schemeClr val="bg2">
@@ -32516,7 +32516,7 @@
             <a:effectLst/>
             <a:extLst>
               <a:ext uri="{AF507438-7753-43e0-B8FC-AC1667EBCBE1}">
-                <a14:hiddenEffects xmlns:a14="http://schemas.microsoft.com/office/drawing/2010/main" xmlns="">
+                <a14:hiddenEffects xmlns="" xmlns:a14="http://schemas.microsoft.com/office/drawing/2010/main">
                   <a:effectLst>
                     <a:outerShdw blurRad="63500" dist="38099" dir="2700000" algn="ctr" rotWithShape="0">
                       <a:schemeClr val="bg2">
@@ -33781,7 +33781,7 @@
           <a:effectLst/>
           <a:extLst>
             <a:ext uri="{AF507438-7753-43e0-B8FC-AC1667EBCBE1}">
-              <a14:hiddenEffects xmlns:a14="http://schemas.microsoft.com/office/drawing/2010/main" xmlns="">
+              <a14:hiddenEffects xmlns="" xmlns:a14="http://schemas.microsoft.com/office/drawing/2010/main">
                 <a:effectLst>
                   <a:outerShdw blurRad="63500" dist="38099" dir="2700000" algn="ctr" rotWithShape="0">
                     <a:schemeClr val="bg2">
@@ -34060,7 +34060,7 @@
           </a:ln>
           <a:extLst>
             <a:ext uri="{909E8E84-426E-40dd-AFC4-6F175D3DCCD1}">
-              <a14:hiddenFill xmlns="" xmlns:a14="http://schemas.microsoft.com/office/drawing/2010/main">
+              <a14:hiddenFill xmlns:a14="http://schemas.microsoft.com/office/drawing/2010/main" xmlns="">
                 <a:solidFill>
                   <a:schemeClr val="accent1"/>
                 </a:solidFill>
@@ -34121,14 +34121,14 @@
           </a:ln>
           <a:extLst>
             <a:ext uri="{909E8E84-426E-40dd-AFC4-6F175D3DCCD1}">
-              <a14:hiddenFill xmlns="" xmlns:a14="http://schemas.microsoft.com/office/drawing/2010/main">
+              <a14:hiddenFill xmlns:a14="http://schemas.microsoft.com/office/drawing/2010/main" xmlns="">
                 <a:solidFill>
                   <a:schemeClr val="accent1"/>
                 </a:solidFill>
               </a14:hiddenFill>
             </a:ext>
             <a:ext uri="{91240B29-F687-4f45-9708-019B960494DF}">
-              <a14:hiddenLine xmlns="" xmlns:a14="http://schemas.microsoft.com/office/drawing/2010/main" w="9525">
+              <a14:hiddenLine xmlns:a14="http://schemas.microsoft.com/office/drawing/2010/main" xmlns="" w="9525">
                 <a:solidFill>
                   <a:schemeClr val="tx1"/>
                 </a:solidFill>
@@ -34174,14 +34174,14 @@
           </a:ln>
           <a:extLst>
             <a:ext uri="{909E8E84-426E-40dd-AFC4-6F175D3DCCD1}">
-              <a14:hiddenFill xmlns="" xmlns:a14="http://schemas.microsoft.com/office/drawing/2010/main">
+              <a14:hiddenFill xmlns:a14="http://schemas.microsoft.com/office/drawing/2010/main" xmlns="">
                 <a:solidFill>
                   <a:schemeClr val="accent1"/>
                 </a:solidFill>
               </a14:hiddenFill>
             </a:ext>
             <a:ext uri="{91240B29-F687-4f45-9708-019B960494DF}">
-              <a14:hiddenLine xmlns="" xmlns:a14="http://schemas.microsoft.com/office/drawing/2010/main" w="9525">
+              <a14:hiddenLine xmlns:a14="http://schemas.microsoft.com/office/drawing/2010/main" xmlns="" w="9525">
                 <a:solidFill>
                   <a:schemeClr val="tx1"/>
                 </a:solidFill>
@@ -34227,14 +34227,14 @@
           </a:ln>
           <a:extLst>
             <a:ext uri="{909E8E84-426E-40dd-AFC4-6F175D3DCCD1}">
-              <a14:hiddenFill xmlns="" xmlns:a14="http://schemas.microsoft.com/office/drawing/2010/main">
+              <a14:hiddenFill xmlns:a14="http://schemas.microsoft.com/office/drawing/2010/main" xmlns="">
                 <a:solidFill>
                   <a:schemeClr val="accent1"/>
                 </a:solidFill>
               </a14:hiddenFill>
             </a:ext>
             <a:ext uri="{91240B29-F687-4f45-9708-019B960494DF}">
-              <a14:hiddenLine xmlns="" xmlns:a14="http://schemas.microsoft.com/office/drawing/2010/main" w="9525">
+              <a14:hiddenLine xmlns:a14="http://schemas.microsoft.com/office/drawing/2010/main" xmlns="" w="9525">
                 <a:solidFill>
                   <a:schemeClr val="tx1"/>
                 </a:solidFill>
@@ -34280,14 +34280,14 @@
           </a:ln>
           <a:extLst>
             <a:ext uri="{909E8E84-426E-40dd-AFC4-6F175D3DCCD1}">
-              <a14:hiddenFill xmlns="" xmlns:a14="http://schemas.microsoft.com/office/drawing/2010/main">
+              <a14:hiddenFill xmlns:a14="http://schemas.microsoft.com/office/drawing/2010/main" xmlns="">
                 <a:solidFill>
                   <a:schemeClr val="accent1"/>
                 </a:solidFill>
               </a14:hiddenFill>
             </a:ext>
             <a:ext uri="{91240B29-F687-4f45-9708-019B960494DF}">
-              <a14:hiddenLine xmlns="" xmlns:a14="http://schemas.microsoft.com/office/drawing/2010/main" w="9525">
+              <a14:hiddenLine xmlns:a14="http://schemas.microsoft.com/office/drawing/2010/main" xmlns="" w="9525">
                 <a:solidFill>
                   <a:schemeClr val="tx1"/>
                 </a:solidFill>
@@ -34333,14 +34333,14 @@
           </a:ln>
           <a:extLst>
             <a:ext uri="{909E8E84-426E-40dd-AFC4-6F175D3DCCD1}">
-              <a14:hiddenFill xmlns="" xmlns:a14="http://schemas.microsoft.com/office/drawing/2010/main">
+              <a14:hiddenFill xmlns:a14="http://schemas.microsoft.com/office/drawing/2010/main" xmlns="">
                 <a:solidFill>
                   <a:schemeClr val="accent1"/>
                 </a:solidFill>
               </a14:hiddenFill>
             </a:ext>
             <a:ext uri="{91240B29-F687-4f45-9708-019B960494DF}">
-              <a14:hiddenLine xmlns="" xmlns:a14="http://schemas.microsoft.com/office/drawing/2010/main" w="9525">
+              <a14:hiddenLine xmlns:a14="http://schemas.microsoft.com/office/drawing/2010/main" xmlns="" w="9525">
                 <a:solidFill>
                   <a:schemeClr val="tx1"/>
                 </a:solidFill>
@@ -34386,14 +34386,14 @@
           </a:ln>
           <a:extLst>
             <a:ext uri="{909E8E84-426E-40dd-AFC4-6F175D3DCCD1}">
-              <a14:hiddenFill xmlns="" xmlns:a14="http://schemas.microsoft.com/office/drawing/2010/main">
+              <a14:hiddenFill xmlns:a14="http://schemas.microsoft.com/office/drawing/2010/main" xmlns="">
                 <a:solidFill>
                   <a:schemeClr val="accent1"/>
                 </a:solidFill>
               </a14:hiddenFill>
             </a:ext>
             <a:ext uri="{91240B29-F687-4f45-9708-019B960494DF}">
-              <a14:hiddenLine xmlns="" xmlns:a14="http://schemas.microsoft.com/office/drawing/2010/main" w="9525">
+              <a14:hiddenLine xmlns:a14="http://schemas.microsoft.com/office/drawing/2010/main" xmlns="" w="9525">
                 <a:solidFill>
                   <a:schemeClr val="tx1"/>
                 </a:solidFill>
@@ -34439,14 +34439,14 @@
           </a:ln>
           <a:extLst>
             <a:ext uri="{909E8E84-426E-40dd-AFC4-6F175D3DCCD1}">
-              <a14:hiddenFill xmlns="" xmlns:a14="http://schemas.microsoft.com/office/drawing/2010/main">
+              <a14:hiddenFill xmlns:a14="http://schemas.microsoft.com/office/drawing/2010/main" xmlns="">
                 <a:solidFill>
                   <a:schemeClr val="accent1"/>
                 </a:solidFill>
               </a14:hiddenFill>
             </a:ext>
             <a:ext uri="{91240B29-F687-4f45-9708-019B960494DF}">
-              <a14:hiddenLine xmlns="" xmlns:a14="http://schemas.microsoft.com/office/drawing/2010/main" w="9525">
+              <a14:hiddenLine xmlns:a14="http://schemas.microsoft.com/office/drawing/2010/main" xmlns="" w="9525">
                 <a:solidFill>
                   <a:schemeClr val="tx1"/>
                 </a:solidFill>
@@ -34492,14 +34492,14 @@
           </a:ln>
           <a:extLst>
             <a:ext uri="{909E8E84-426E-40dd-AFC4-6F175D3DCCD1}">
-              <a14:hiddenFill xmlns="" xmlns:a14="http://schemas.microsoft.com/office/drawing/2010/main">
+              <a14:hiddenFill xmlns:a14="http://schemas.microsoft.com/office/drawing/2010/main" xmlns="">
                 <a:solidFill>
                   <a:schemeClr val="accent1"/>
                 </a:solidFill>
               </a14:hiddenFill>
             </a:ext>
             <a:ext uri="{91240B29-F687-4f45-9708-019B960494DF}">
-              <a14:hiddenLine xmlns="" xmlns:a14="http://schemas.microsoft.com/office/drawing/2010/main" w="9525">
+              <a14:hiddenLine xmlns:a14="http://schemas.microsoft.com/office/drawing/2010/main" xmlns="" w="9525">
                 <a:solidFill>
                   <a:schemeClr val="tx1"/>
                 </a:solidFill>
@@ -34545,14 +34545,14 @@
           </a:ln>
           <a:extLst>
             <a:ext uri="{909E8E84-426E-40dd-AFC4-6F175D3DCCD1}">
-              <a14:hiddenFill xmlns="" xmlns:a14="http://schemas.microsoft.com/office/drawing/2010/main">
+              <a14:hiddenFill xmlns:a14="http://schemas.microsoft.com/office/drawing/2010/main" xmlns="">
                 <a:solidFill>
                   <a:schemeClr val="accent1"/>
                 </a:solidFill>
               </a14:hiddenFill>
             </a:ext>
             <a:ext uri="{91240B29-F687-4f45-9708-019B960494DF}">
-              <a14:hiddenLine xmlns="" xmlns:a14="http://schemas.microsoft.com/office/drawing/2010/main" w="9525">
+              <a14:hiddenLine xmlns:a14="http://schemas.microsoft.com/office/drawing/2010/main" xmlns="" w="9525">
                 <a:solidFill>
                   <a:schemeClr val="tx1"/>
                 </a:solidFill>
@@ -34598,14 +34598,14 @@
           </a:ln>
           <a:extLst>
             <a:ext uri="{909E8E84-426E-40dd-AFC4-6F175D3DCCD1}">
-              <a14:hiddenFill xmlns="" xmlns:a14="http://schemas.microsoft.com/office/drawing/2010/main">
+              <a14:hiddenFill xmlns:a14="http://schemas.microsoft.com/office/drawing/2010/main" xmlns="">
                 <a:solidFill>
                   <a:schemeClr val="accent1"/>
                 </a:solidFill>
               </a14:hiddenFill>
             </a:ext>
             <a:ext uri="{91240B29-F687-4f45-9708-019B960494DF}">
-              <a14:hiddenLine xmlns="" xmlns:a14="http://schemas.microsoft.com/office/drawing/2010/main" w="9525">
+              <a14:hiddenLine xmlns:a14="http://schemas.microsoft.com/office/drawing/2010/main" xmlns="" w="9525">
                 <a:solidFill>
                   <a:schemeClr val="tx1"/>
                 </a:solidFill>
@@ -34651,14 +34651,14 @@
           </a:ln>
           <a:extLst>
             <a:ext uri="{909E8E84-426E-40dd-AFC4-6F175D3DCCD1}">
-              <a14:hiddenFill xmlns="" xmlns:a14="http://schemas.microsoft.com/office/drawing/2010/main">
+              <a14:hiddenFill xmlns:a14="http://schemas.microsoft.com/office/drawing/2010/main" xmlns="">
                 <a:solidFill>
                   <a:schemeClr val="accent1"/>
                 </a:solidFill>
               </a14:hiddenFill>
             </a:ext>
             <a:ext uri="{91240B29-F687-4f45-9708-019B960494DF}">
-              <a14:hiddenLine xmlns="" xmlns:a14="http://schemas.microsoft.com/office/drawing/2010/main" w="9525">
+              <a14:hiddenLine xmlns:a14="http://schemas.microsoft.com/office/drawing/2010/main" xmlns="" w="9525">
                 <a:solidFill>
                   <a:schemeClr val="tx1"/>
                 </a:solidFill>
@@ -34711,7 +34711,7 @@
           </a:ln>
           <a:extLst>
             <a:ext uri="{909E8E84-426E-40dd-AFC4-6F175D3DCCD1}">
-              <a14:hiddenFill xmlns="" xmlns:a14="http://schemas.microsoft.com/office/drawing/2010/main">
+              <a14:hiddenFill xmlns:a14="http://schemas.microsoft.com/office/drawing/2010/main" xmlns="">
                 <a:noFill/>
               </a14:hiddenFill>
             </a:ext>
@@ -34747,7 +34747,7 @@
           </a:ln>
           <a:extLst>
             <a:ext uri="{909E8E84-426E-40dd-AFC4-6F175D3DCCD1}">
-              <a14:hiddenFill xmlns="" xmlns:a14="http://schemas.microsoft.com/office/drawing/2010/main">
+              <a14:hiddenFill xmlns:a14="http://schemas.microsoft.com/office/drawing/2010/main" xmlns="">
                 <a:noFill/>
               </a14:hiddenFill>
             </a:ext>
@@ -34783,7 +34783,7 @@
           </a:ln>
           <a:extLst>
             <a:ext uri="{909E8E84-426E-40dd-AFC4-6F175D3DCCD1}">
-              <a14:hiddenFill xmlns="" xmlns:a14="http://schemas.microsoft.com/office/drawing/2010/main">
+              <a14:hiddenFill xmlns:a14="http://schemas.microsoft.com/office/drawing/2010/main" xmlns="">
                 <a:noFill/>
               </a14:hiddenFill>
             </a:ext>
@@ -34819,7 +34819,7 @@
           </a:ln>
           <a:extLst>
             <a:ext uri="{909E8E84-426E-40dd-AFC4-6F175D3DCCD1}">
-              <a14:hiddenFill xmlns="" xmlns:a14="http://schemas.microsoft.com/office/drawing/2010/main">
+              <a14:hiddenFill xmlns:a14="http://schemas.microsoft.com/office/drawing/2010/main" xmlns="">
                 <a:noFill/>
               </a14:hiddenFill>
             </a:ext>
@@ -34855,7 +34855,7 @@
           </a:ln>
           <a:extLst>
             <a:ext uri="{909E8E84-426E-40dd-AFC4-6F175D3DCCD1}">
-              <a14:hiddenFill xmlns="" xmlns:a14="http://schemas.microsoft.com/office/drawing/2010/main">
+              <a14:hiddenFill xmlns:a14="http://schemas.microsoft.com/office/drawing/2010/main" xmlns="">
                 <a:noFill/>
               </a14:hiddenFill>
             </a:ext>
@@ -34891,7 +34891,7 @@
           </a:ln>
           <a:extLst>
             <a:ext uri="{909E8E84-426E-40dd-AFC4-6F175D3DCCD1}">
-              <a14:hiddenFill xmlns="" xmlns:a14="http://schemas.microsoft.com/office/drawing/2010/main">
+              <a14:hiddenFill xmlns:a14="http://schemas.microsoft.com/office/drawing/2010/main" xmlns="">
                 <a:noFill/>
               </a14:hiddenFill>
             </a:ext>
@@ -34927,7 +34927,7 @@
           </a:ln>
           <a:extLst>
             <a:ext uri="{909E8E84-426E-40dd-AFC4-6F175D3DCCD1}">
-              <a14:hiddenFill xmlns="" xmlns:a14="http://schemas.microsoft.com/office/drawing/2010/main">
+              <a14:hiddenFill xmlns:a14="http://schemas.microsoft.com/office/drawing/2010/main" xmlns="">
                 <a:noFill/>
               </a14:hiddenFill>
             </a:ext>
@@ -34963,7 +34963,7 @@
           </a:ln>
           <a:extLst>
             <a:ext uri="{909E8E84-426E-40dd-AFC4-6F175D3DCCD1}">
-              <a14:hiddenFill xmlns="" xmlns:a14="http://schemas.microsoft.com/office/drawing/2010/main">
+              <a14:hiddenFill xmlns:a14="http://schemas.microsoft.com/office/drawing/2010/main" xmlns="">
                 <a:noFill/>
               </a14:hiddenFill>
             </a:ext>
@@ -34999,7 +34999,7 @@
           </a:ln>
           <a:extLst>
             <a:ext uri="{909E8E84-426E-40dd-AFC4-6F175D3DCCD1}">
-              <a14:hiddenFill xmlns="" xmlns:a14="http://schemas.microsoft.com/office/drawing/2010/main">
+              <a14:hiddenFill xmlns:a14="http://schemas.microsoft.com/office/drawing/2010/main" xmlns="">
                 <a:noFill/>
               </a14:hiddenFill>
             </a:ext>
@@ -35035,7 +35035,7 @@
           </a:ln>
           <a:extLst>
             <a:ext uri="{909E8E84-426E-40dd-AFC4-6F175D3DCCD1}">
-              <a14:hiddenFill xmlns="" xmlns:a14="http://schemas.microsoft.com/office/drawing/2010/main">
+              <a14:hiddenFill xmlns:a14="http://schemas.microsoft.com/office/drawing/2010/main" xmlns="">
                 <a:noFill/>
               </a14:hiddenFill>
             </a:ext>
@@ -35138,14 +35138,14 @@
           </a:ln>
           <a:extLst>
             <a:ext uri="{909E8E84-426E-40dd-AFC4-6F175D3DCCD1}">
-              <a14:hiddenFill xmlns="" xmlns:a14="http://schemas.microsoft.com/office/drawing/2010/main">
+              <a14:hiddenFill xmlns:a14="http://schemas.microsoft.com/office/drawing/2010/main" xmlns="">
                 <a:solidFill>
                   <a:schemeClr val="accent1"/>
                 </a:solidFill>
               </a14:hiddenFill>
             </a:ext>
             <a:ext uri="{91240B29-F687-4f45-9708-019B960494DF}">
-              <a14:hiddenLine xmlns="" xmlns:a14="http://schemas.microsoft.com/office/drawing/2010/main" w="9525">
+              <a14:hiddenLine xmlns:a14="http://schemas.microsoft.com/office/drawing/2010/main" xmlns="" w="9525">
                 <a:solidFill>
                   <a:schemeClr val="tx1"/>
                 </a:solidFill>
@@ -35191,14 +35191,14 @@
           </a:ln>
           <a:extLst>
             <a:ext uri="{909E8E84-426E-40dd-AFC4-6F175D3DCCD1}">
-              <a14:hiddenFill xmlns="" xmlns:a14="http://schemas.microsoft.com/office/drawing/2010/main">
+              <a14:hiddenFill xmlns:a14="http://schemas.microsoft.com/office/drawing/2010/main" xmlns="">
                 <a:solidFill>
                   <a:schemeClr val="accent1"/>
                 </a:solidFill>
               </a14:hiddenFill>
             </a:ext>
             <a:ext uri="{91240B29-F687-4f45-9708-019B960494DF}">
-              <a14:hiddenLine xmlns="" xmlns:a14="http://schemas.microsoft.com/office/drawing/2010/main" w="9525">
+              <a14:hiddenLine xmlns:a14="http://schemas.microsoft.com/office/drawing/2010/main" xmlns="" w="9525">
                 <a:solidFill>
                   <a:schemeClr val="tx1"/>
                 </a:solidFill>
@@ -35244,14 +35244,14 @@
           </a:ln>
           <a:extLst>
             <a:ext uri="{909E8E84-426E-40dd-AFC4-6F175D3DCCD1}">
-              <a14:hiddenFill xmlns="" xmlns:a14="http://schemas.microsoft.com/office/drawing/2010/main">
+              <a14:hiddenFill xmlns:a14="http://schemas.microsoft.com/office/drawing/2010/main" xmlns="">
                 <a:solidFill>
                   <a:schemeClr val="accent1"/>
                 </a:solidFill>
               </a14:hiddenFill>
             </a:ext>
             <a:ext uri="{91240B29-F687-4f45-9708-019B960494DF}">
-              <a14:hiddenLine xmlns="" xmlns:a14="http://schemas.microsoft.com/office/drawing/2010/main" w="9525">
+              <a14:hiddenLine xmlns:a14="http://schemas.microsoft.com/office/drawing/2010/main" xmlns="" w="9525">
                 <a:solidFill>
                   <a:schemeClr val="tx1"/>
                 </a:solidFill>
@@ -35297,14 +35297,14 @@
           </a:ln>
           <a:extLst>
             <a:ext uri="{909E8E84-426E-40dd-AFC4-6F175D3DCCD1}">
-              <a14:hiddenFill xmlns="" xmlns:a14="http://schemas.microsoft.com/office/drawing/2010/main">
+              <a14:hiddenFill xmlns:a14="http://schemas.microsoft.com/office/drawing/2010/main" xmlns="">
                 <a:solidFill>
                   <a:schemeClr val="accent1"/>
                 </a:solidFill>
               </a14:hiddenFill>
             </a:ext>
             <a:ext uri="{91240B29-F687-4f45-9708-019B960494DF}">
-              <a14:hiddenLine xmlns="" xmlns:a14="http://schemas.microsoft.com/office/drawing/2010/main" w="9525">
+              <a14:hiddenLine xmlns:a14="http://schemas.microsoft.com/office/drawing/2010/main" xmlns="" w="9525">
                 <a:solidFill>
                   <a:schemeClr val="tx1"/>
                 </a:solidFill>
@@ -35350,14 +35350,14 @@
           </a:ln>
           <a:extLst>
             <a:ext uri="{909E8E84-426E-40dd-AFC4-6F175D3DCCD1}">
-              <a14:hiddenFill xmlns="" xmlns:a14="http://schemas.microsoft.com/office/drawing/2010/main">
+              <a14:hiddenFill xmlns:a14="http://schemas.microsoft.com/office/drawing/2010/main" xmlns="">
                 <a:solidFill>
                   <a:schemeClr val="accent1"/>
                 </a:solidFill>
               </a14:hiddenFill>
             </a:ext>
             <a:ext uri="{91240B29-F687-4f45-9708-019B960494DF}">
-              <a14:hiddenLine xmlns="" xmlns:a14="http://schemas.microsoft.com/office/drawing/2010/main" w="9525">
+              <a14:hiddenLine xmlns:a14="http://schemas.microsoft.com/office/drawing/2010/main" xmlns="" w="9525">
                 <a:solidFill>
                   <a:schemeClr val="tx1"/>
                 </a:solidFill>
@@ -35403,14 +35403,14 @@
           </a:ln>
           <a:extLst>
             <a:ext uri="{909E8E84-426E-40dd-AFC4-6F175D3DCCD1}">
-              <a14:hiddenFill xmlns="" xmlns:a14="http://schemas.microsoft.com/office/drawing/2010/main">
+              <a14:hiddenFill xmlns:a14="http://schemas.microsoft.com/office/drawing/2010/main" xmlns="">
                 <a:solidFill>
                   <a:schemeClr val="accent1"/>
                 </a:solidFill>
               </a14:hiddenFill>
             </a:ext>
             <a:ext uri="{91240B29-F687-4f45-9708-019B960494DF}">
-              <a14:hiddenLine xmlns="" xmlns:a14="http://schemas.microsoft.com/office/drawing/2010/main" w="9525">
+              <a14:hiddenLine xmlns:a14="http://schemas.microsoft.com/office/drawing/2010/main" xmlns="" w="9525">
                 <a:solidFill>
                   <a:schemeClr val="tx1"/>
                 </a:solidFill>
@@ -35456,14 +35456,14 @@
           </a:ln>
           <a:extLst>
             <a:ext uri="{909E8E84-426E-40dd-AFC4-6F175D3DCCD1}">
-              <a14:hiddenFill xmlns="" xmlns:a14="http://schemas.microsoft.com/office/drawing/2010/main">
+              <a14:hiddenFill xmlns:a14="http://schemas.microsoft.com/office/drawing/2010/main" xmlns="">
                 <a:solidFill>
                   <a:schemeClr val="accent1"/>
                 </a:solidFill>
               </a14:hiddenFill>
             </a:ext>
             <a:ext uri="{91240B29-F687-4f45-9708-019B960494DF}">
-              <a14:hiddenLine xmlns="" xmlns:a14="http://schemas.microsoft.com/office/drawing/2010/main" w="9525">
+              <a14:hiddenLine xmlns:a14="http://schemas.microsoft.com/office/drawing/2010/main" xmlns="" w="9525">
                 <a:solidFill>
                   <a:schemeClr val="tx1"/>
                 </a:solidFill>
@@ -35509,14 +35509,14 @@
           </a:ln>
           <a:extLst>
             <a:ext uri="{909E8E84-426E-40dd-AFC4-6F175D3DCCD1}">
-              <a14:hiddenFill xmlns="" xmlns:a14="http://schemas.microsoft.com/office/drawing/2010/main">
+              <a14:hiddenFill xmlns:a14="http://schemas.microsoft.com/office/drawing/2010/main" xmlns="">
                 <a:solidFill>
                   <a:schemeClr val="accent1"/>
                 </a:solidFill>
               </a14:hiddenFill>
             </a:ext>
             <a:ext uri="{91240B29-F687-4f45-9708-019B960494DF}">
-              <a14:hiddenLine xmlns="" xmlns:a14="http://schemas.microsoft.com/office/drawing/2010/main" w="9525">
+              <a14:hiddenLine xmlns:a14="http://schemas.microsoft.com/office/drawing/2010/main" xmlns="" w="9525">
                 <a:solidFill>
                   <a:schemeClr val="tx1"/>
                 </a:solidFill>
@@ -35562,14 +35562,14 @@
           </a:ln>
           <a:extLst>
             <a:ext uri="{909E8E84-426E-40dd-AFC4-6F175D3DCCD1}">
-              <a14:hiddenFill xmlns="" xmlns:a14="http://schemas.microsoft.com/office/drawing/2010/main">
+              <a14:hiddenFill xmlns:a14="http://schemas.microsoft.com/office/drawing/2010/main" xmlns="">
                 <a:solidFill>
                   <a:schemeClr val="accent1"/>
                 </a:solidFill>
               </a14:hiddenFill>
             </a:ext>
             <a:ext uri="{91240B29-F687-4f45-9708-019B960494DF}">
-              <a14:hiddenLine xmlns="" xmlns:a14="http://schemas.microsoft.com/office/drawing/2010/main" w="9525">
+              <a14:hiddenLine xmlns:a14="http://schemas.microsoft.com/office/drawing/2010/main" xmlns="" w="9525">
                 <a:solidFill>
                   <a:schemeClr val="tx1"/>
                 </a:solidFill>
@@ -35615,14 +35615,14 @@
           </a:ln>
           <a:extLst>
             <a:ext uri="{909E8E84-426E-40dd-AFC4-6F175D3DCCD1}">
-              <a14:hiddenFill xmlns="" xmlns:a14="http://schemas.microsoft.com/office/drawing/2010/main">
+              <a14:hiddenFill xmlns:a14="http://schemas.microsoft.com/office/drawing/2010/main" xmlns="">
                 <a:solidFill>
                   <a:schemeClr val="accent1"/>
                 </a:solidFill>
               </a14:hiddenFill>
             </a:ext>
             <a:ext uri="{91240B29-F687-4f45-9708-019B960494DF}">
-              <a14:hiddenLine xmlns="" xmlns:a14="http://schemas.microsoft.com/office/drawing/2010/main" w="9525">
+              <a14:hiddenLine xmlns:a14="http://schemas.microsoft.com/office/drawing/2010/main" xmlns="" w="9525">
                 <a:solidFill>
                   <a:schemeClr val="tx1"/>
                 </a:solidFill>
@@ -35668,14 +35668,14 @@
           </a:ln>
           <a:extLst>
             <a:ext uri="{909E8E84-426E-40dd-AFC4-6F175D3DCCD1}">
-              <a14:hiddenFill xmlns="" xmlns:a14="http://schemas.microsoft.com/office/drawing/2010/main">
+              <a14:hiddenFill xmlns:a14="http://schemas.microsoft.com/office/drawing/2010/main" xmlns="">
                 <a:solidFill>
                   <a:schemeClr val="accent1"/>
                 </a:solidFill>
               </a14:hiddenFill>
             </a:ext>
             <a:ext uri="{91240B29-F687-4f45-9708-019B960494DF}">
-              <a14:hiddenLine xmlns="" xmlns:a14="http://schemas.microsoft.com/office/drawing/2010/main" w="9525">
+              <a14:hiddenLine xmlns:a14="http://schemas.microsoft.com/office/drawing/2010/main" xmlns="" w="9525">
                 <a:solidFill>
                   <a:schemeClr val="tx1"/>
                 </a:solidFill>
@@ -35728,7 +35728,7 @@
           </a:ln>
           <a:extLst>
             <a:ext uri="{909E8E84-426E-40dd-AFC4-6F175D3DCCD1}">
-              <a14:hiddenFill xmlns="" xmlns:a14="http://schemas.microsoft.com/office/drawing/2010/main">
+              <a14:hiddenFill xmlns:a14="http://schemas.microsoft.com/office/drawing/2010/main" xmlns="">
                 <a:noFill/>
               </a14:hiddenFill>
             </a:ext>
@@ -35764,7 +35764,7 @@
           </a:ln>
           <a:extLst>
             <a:ext uri="{909E8E84-426E-40dd-AFC4-6F175D3DCCD1}">
-              <a14:hiddenFill xmlns="" xmlns:a14="http://schemas.microsoft.com/office/drawing/2010/main">
+              <a14:hiddenFill xmlns:a14="http://schemas.microsoft.com/office/drawing/2010/main" xmlns="">
                 <a:noFill/>
               </a14:hiddenFill>
             </a:ext>
@@ -35800,7 +35800,7 @@
           </a:ln>
           <a:extLst>
             <a:ext uri="{909E8E84-426E-40dd-AFC4-6F175D3DCCD1}">
-              <a14:hiddenFill xmlns="" xmlns:a14="http://schemas.microsoft.com/office/drawing/2010/main">
+              <a14:hiddenFill xmlns:a14="http://schemas.microsoft.com/office/drawing/2010/main" xmlns="">
                 <a:noFill/>
               </a14:hiddenFill>
             </a:ext>
@@ -35836,7 +35836,7 @@
           </a:ln>
           <a:extLst>
             <a:ext uri="{909E8E84-426E-40dd-AFC4-6F175D3DCCD1}">
-              <a14:hiddenFill xmlns="" xmlns:a14="http://schemas.microsoft.com/office/drawing/2010/main">
+              <a14:hiddenFill xmlns:a14="http://schemas.microsoft.com/office/drawing/2010/main" xmlns="">
                 <a:noFill/>
               </a14:hiddenFill>
             </a:ext>
@@ -35872,7 +35872,7 @@
           </a:ln>
           <a:extLst>
             <a:ext uri="{909E8E84-426E-40dd-AFC4-6F175D3DCCD1}">
-              <a14:hiddenFill xmlns="" xmlns:a14="http://schemas.microsoft.com/office/drawing/2010/main">
+              <a14:hiddenFill xmlns:a14="http://schemas.microsoft.com/office/drawing/2010/main" xmlns="">
                 <a:noFill/>
               </a14:hiddenFill>
             </a:ext>
@@ -35908,7 +35908,7 @@
           </a:ln>
           <a:extLst>
             <a:ext uri="{909E8E84-426E-40dd-AFC4-6F175D3DCCD1}">
-              <a14:hiddenFill xmlns="" xmlns:a14="http://schemas.microsoft.com/office/drawing/2010/main">
+              <a14:hiddenFill xmlns:a14="http://schemas.microsoft.com/office/drawing/2010/main" xmlns="">
                 <a:noFill/>
               </a14:hiddenFill>
             </a:ext>
@@ -35944,7 +35944,7 @@
           </a:ln>
           <a:extLst>
             <a:ext uri="{909E8E84-426E-40dd-AFC4-6F175D3DCCD1}">
-              <a14:hiddenFill xmlns="" xmlns:a14="http://schemas.microsoft.com/office/drawing/2010/main">
+              <a14:hiddenFill xmlns:a14="http://schemas.microsoft.com/office/drawing/2010/main" xmlns="">
                 <a:noFill/>
               </a14:hiddenFill>
             </a:ext>
@@ -35980,7 +35980,7 @@
           </a:ln>
           <a:extLst>
             <a:ext uri="{909E8E84-426E-40dd-AFC4-6F175D3DCCD1}">
-              <a14:hiddenFill xmlns="" xmlns:a14="http://schemas.microsoft.com/office/drawing/2010/main">
+              <a14:hiddenFill xmlns:a14="http://schemas.microsoft.com/office/drawing/2010/main" xmlns="">
                 <a:noFill/>
               </a14:hiddenFill>
             </a:ext>
@@ -36016,7 +36016,7 @@
           </a:ln>
           <a:extLst>
             <a:ext uri="{909E8E84-426E-40dd-AFC4-6F175D3DCCD1}">
-              <a14:hiddenFill xmlns="" xmlns:a14="http://schemas.microsoft.com/office/drawing/2010/main">
+              <a14:hiddenFill xmlns:a14="http://schemas.microsoft.com/office/drawing/2010/main" xmlns="">
                 <a:noFill/>
               </a14:hiddenFill>
             </a:ext>
@@ -36052,7 +36052,7 @@
           </a:ln>
           <a:extLst>
             <a:ext uri="{909E8E84-426E-40dd-AFC4-6F175D3DCCD1}">
-              <a14:hiddenFill xmlns="" xmlns:a14="http://schemas.microsoft.com/office/drawing/2010/main">
+              <a14:hiddenFill xmlns:a14="http://schemas.microsoft.com/office/drawing/2010/main" xmlns="">
                 <a:noFill/>
               </a14:hiddenFill>
             </a:ext>
@@ -36081,14 +36081,14 @@
           </a:ln>
           <a:extLst>
             <a:ext uri="{909E8E84-426E-40dd-AFC4-6F175D3DCCD1}">
-              <a14:hiddenFill xmlns="" xmlns:a14="http://schemas.microsoft.com/office/drawing/2010/main">
+              <a14:hiddenFill xmlns:a14="http://schemas.microsoft.com/office/drawing/2010/main" xmlns="">
                 <a:solidFill>
                   <a:schemeClr val="accent1"/>
                 </a:solidFill>
               </a14:hiddenFill>
             </a:ext>
             <a:ext uri="{91240B29-F687-4f45-9708-019B960494DF}">
-              <a14:hiddenLine xmlns="" xmlns:a14="http://schemas.microsoft.com/office/drawing/2010/main" w="9525">
+              <a14:hiddenLine xmlns:a14="http://schemas.microsoft.com/office/drawing/2010/main" xmlns="" w="9525">
                 <a:solidFill>
                   <a:schemeClr val="tx1"/>
                 </a:solidFill>
@@ -36143,7 +36143,7 @@
           </a:ln>
           <a:extLst>
             <a:ext uri="{909E8E84-426E-40dd-AFC4-6F175D3DCCD1}">
-              <a14:hiddenFill xmlns="" xmlns:a14="http://schemas.microsoft.com/office/drawing/2010/main">
+              <a14:hiddenFill xmlns:a14="http://schemas.microsoft.com/office/drawing/2010/main" xmlns="">
                 <a:solidFill>
                   <a:schemeClr val="accent1"/>
                 </a:solidFill>
@@ -36278,14 +36278,14 @@
           </a:ln>
           <a:extLst>
             <a:ext uri="{909E8E84-426E-40dd-AFC4-6F175D3DCCD1}">
-              <a14:hiddenFill xmlns="" xmlns:a14="http://schemas.microsoft.com/office/drawing/2010/main">
+              <a14:hiddenFill xmlns:a14="http://schemas.microsoft.com/office/drawing/2010/main" xmlns="">
                 <a:solidFill>
                   <a:schemeClr val="accent1"/>
                 </a:solidFill>
               </a14:hiddenFill>
             </a:ext>
             <a:ext uri="{91240B29-F687-4f45-9708-019B960494DF}">
-              <a14:hiddenLine xmlns="" xmlns:a14="http://schemas.microsoft.com/office/drawing/2010/main" w="9525">
+              <a14:hiddenLine xmlns:a14="http://schemas.microsoft.com/office/drawing/2010/main" xmlns="" w="9525">
                 <a:solidFill>
                   <a:schemeClr val="tx1"/>
                 </a:solidFill>
@@ -36331,14 +36331,14 @@
           </a:ln>
           <a:extLst>
             <a:ext uri="{909E8E84-426E-40dd-AFC4-6F175D3DCCD1}">
-              <a14:hiddenFill xmlns="" xmlns:a14="http://schemas.microsoft.com/office/drawing/2010/main">
+              <a14:hiddenFill xmlns:a14="http://schemas.microsoft.com/office/drawing/2010/main" xmlns="">
                 <a:solidFill>
                   <a:schemeClr val="accent1"/>
                 </a:solidFill>
               </a14:hiddenFill>
             </a:ext>
             <a:ext uri="{91240B29-F687-4f45-9708-019B960494DF}">
-              <a14:hiddenLine xmlns="" xmlns:a14="http://schemas.microsoft.com/office/drawing/2010/main" w="9525">
+              <a14:hiddenLine xmlns:a14="http://schemas.microsoft.com/office/drawing/2010/main" xmlns="" w="9525">
                 <a:solidFill>
                   <a:schemeClr val="tx1"/>
                 </a:solidFill>
@@ -36384,14 +36384,14 @@
           </a:ln>
           <a:extLst>
             <a:ext uri="{909E8E84-426E-40dd-AFC4-6F175D3DCCD1}">
-              <a14:hiddenFill xmlns="" xmlns:a14="http://schemas.microsoft.com/office/drawing/2010/main">
+              <a14:hiddenFill xmlns:a14="http://schemas.microsoft.com/office/drawing/2010/main" xmlns="">
                 <a:solidFill>
                   <a:schemeClr val="accent1"/>
                 </a:solidFill>
               </a14:hiddenFill>
             </a:ext>
             <a:ext uri="{91240B29-F687-4f45-9708-019B960494DF}">
-              <a14:hiddenLine xmlns="" xmlns:a14="http://schemas.microsoft.com/office/drawing/2010/main" w="9525">
+              <a14:hiddenLine xmlns:a14="http://schemas.microsoft.com/office/drawing/2010/main" xmlns="" w="9525">
                 <a:solidFill>
                   <a:schemeClr val="tx1"/>
                 </a:solidFill>
@@ -36437,14 +36437,14 @@
           </a:ln>
           <a:extLst>
             <a:ext uri="{909E8E84-426E-40dd-AFC4-6F175D3DCCD1}">
-              <a14:hiddenFill xmlns="" xmlns:a14="http://schemas.microsoft.com/office/drawing/2010/main">
+              <a14:hiddenFill xmlns:a14="http://schemas.microsoft.com/office/drawing/2010/main" xmlns="">
                 <a:solidFill>
                   <a:schemeClr val="accent1"/>
                 </a:solidFill>
               </a14:hiddenFill>
             </a:ext>
             <a:ext uri="{91240B29-F687-4f45-9708-019B960494DF}">
-              <a14:hiddenLine xmlns="" xmlns:a14="http://schemas.microsoft.com/office/drawing/2010/main" w="9525">
+              <a14:hiddenLine xmlns:a14="http://schemas.microsoft.com/office/drawing/2010/main" xmlns="" w="9525">
                 <a:solidFill>
                   <a:schemeClr val="tx1"/>
                 </a:solidFill>
@@ -36490,14 +36490,14 @@
           </a:ln>
           <a:extLst>
             <a:ext uri="{909E8E84-426E-40dd-AFC4-6F175D3DCCD1}">
-              <a14:hiddenFill xmlns="" xmlns:a14="http://schemas.microsoft.com/office/drawing/2010/main">
+              <a14:hiddenFill xmlns:a14="http://schemas.microsoft.com/office/drawing/2010/main" xmlns="">
                 <a:solidFill>
                   <a:schemeClr val="accent1"/>
                 </a:solidFill>
               </a14:hiddenFill>
             </a:ext>
             <a:ext uri="{91240B29-F687-4f45-9708-019B960494DF}">
-              <a14:hiddenLine xmlns="" xmlns:a14="http://schemas.microsoft.com/office/drawing/2010/main" w="9525">
+              <a14:hiddenLine xmlns:a14="http://schemas.microsoft.com/office/drawing/2010/main" xmlns="" w="9525">
                 <a:solidFill>
                   <a:schemeClr val="tx1"/>
                 </a:solidFill>
@@ -36543,14 +36543,14 @@
           </a:ln>
           <a:extLst>
             <a:ext uri="{909E8E84-426E-40dd-AFC4-6F175D3DCCD1}">
-              <a14:hiddenFill xmlns="" xmlns:a14="http://schemas.microsoft.com/office/drawing/2010/main">
+              <a14:hiddenFill xmlns:a14="http://schemas.microsoft.com/office/drawing/2010/main" xmlns="">
                 <a:solidFill>
                   <a:schemeClr val="accent1"/>
                 </a:solidFill>
               </a14:hiddenFill>
             </a:ext>
             <a:ext uri="{91240B29-F687-4f45-9708-019B960494DF}">
-              <a14:hiddenLine xmlns="" xmlns:a14="http://schemas.microsoft.com/office/drawing/2010/main" w="9525">
+              <a14:hiddenLine xmlns:a14="http://schemas.microsoft.com/office/drawing/2010/main" xmlns="" w="9525">
                 <a:solidFill>
                   <a:schemeClr val="tx1"/>
                 </a:solidFill>
@@ -36596,14 +36596,14 @@
           </a:ln>
           <a:extLst>
             <a:ext uri="{909E8E84-426E-40dd-AFC4-6F175D3DCCD1}">
-              <a14:hiddenFill xmlns="" xmlns:a14="http://schemas.microsoft.com/office/drawing/2010/main">
+              <a14:hiddenFill xmlns:a14="http://schemas.microsoft.com/office/drawing/2010/main" xmlns="">
                 <a:solidFill>
                   <a:schemeClr val="accent1"/>
                 </a:solidFill>
               </a14:hiddenFill>
             </a:ext>
             <a:ext uri="{91240B29-F687-4f45-9708-019B960494DF}">
-              <a14:hiddenLine xmlns="" xmlns:a14="http://schemas.microsoft.com/office/drawing/2010/main" w="9525">
+              <a14:hiddenLine xmlns:a14="http://schemas.microsoft.com/office/drawing/2010/main" xmlns="" w="9525">
                 <a:solidFill>
                   <a:schemeClr val="tx1"/>
                 </a:solidFill>
@@ -36649,14 +36649,14 @@
           </a:ln>
           <a:extLst>
             <a:ext uri="{909E8E84-426E-40dd-AFC4-6F175D3DCCD1}">
-              <a14:hiddenFill xmlns="" xmlns:a14="http://schemas.microsoft.com/office/drawing/2010/main">
+              <a14:hiddenFill xmlns:a14="http://schemas.microsoft.com/office/drawing/2010/main" xmlns="">
                 <a:solidFill>
                   <a:schemeClr val="accent1"/>
                 </a:solidFill>
               </a14:hiddenFill>
             </a:ext>
             <a:ext uri="{91240B29-F687-4f45-9708-019B960494DF}">
-              <a14:hiddenLine xmlns="" xmlns:a14="http://schemas.microsoft.com/office/drawing/2010/main" w="9525">
+              <a14:hiddenLine xmlns:a14="http://schemas.microsoft.com/office/drawing/2010/main" xmlns="" w="9525">
                 <a:solidFill>
                   <a:schemeClr val="tx1"/>
                 </a:solidFill>
@@ -36702,14 +36702,14 @@
           </a:ln>
           <a:extLst>
             <a:ext uri="{909E8E84-426E-40dd-AFC4-6F175D3DCCD1}">
-              <a14:hiddenFill xmlns="" xmlns:a14="http://schemas.microsoft.com/office/drawing/2010/main">
+              <a14:hiddenFill xmlns:a14="http://schemas.microsoft.com/office/drawing/2010/main" xmlns="">
                 <a:solidFill>
                   <a:schemeClr val="accent1"/>
                 </a:solidFill>
               </a14:hiddenFill>
             </a:ext>
             <a:ext uri="{91240B29-F687-4f45-9708-019B960494DF}">
-              <a14:hiddenLine xmlns="" xmlns:a14="http://schemas.microsoft.com/office/drawing/2010/main" w="9525">
+              <a14:hiddenLine xmlns:a14="http://schemas.microsoft.com/office/drawing/2010/main" xmlns="" w="9525">
                 <a:solidFill>
                   <a:schemeClr val="tx1"/>
                 </a:solidFill>
@@ -36755,14 +36755,14 @@
           </a:ln>
           <a:extLst>
             <a:ext uri="{909E8E84-426E-40dd-AFC4-6F175D3DCCD1}">
-              <a14:hiddenFill xmlns="" xmlns:a14="http://schemas.microsoft.com/office/drawing/2010/main">
+              <a14:hiddenFill xmlns:a14="http://schemas.microsoft.com/office/drawing/2010/main" xmlns="">
                 <a:solidFill>
                   <a:schemeClr val="accent1"/>
                 </a:solidFill>
               </a14:hiddenFill>
             </a:ext>
             <a:ext uri="{91240B29-F687-4f45-9708-019B960494DF}">
-              <a14:hiddenLine xmlns="" xmlns:a14="http://schemas.microsoft.com/office/drawing/2010/main" w="9525">
+              <a14:hiddenLine xmlns:a14="http://schemas.microsoft.com/office/drawing/2010/main" xmlns="" w="9525">
                 <a:solidFill>
                   <a:schemeClr val="tx1"/>
                 </a:solidFill>
@@ -36808,14 +36808,14 @@
           </a:ln>
           <a:extLst>
             <a:ext uri="{909E8E84-426E-40dd-AFC4-6F175D3DCCD1}">
-              <a14:hiddenFill xmlns="" xmlns:a14="http://schemas.microsoft.com/office/drawing/2010/main">
+              <a14:hiddenFill xmlns:a14="http://schemas.microsoft.com/office/drawing/2010/main" xmlns="">
                 <a:solidFill>
                   <a:schemeClr val="accent1"/>
                 </a:solidFill>
               </a14:hiddenFill>
             </a:ext>
             <a:ext uri="{91240B29-F687-4f45-9708-019B960494DF}">
-              <a14:hiddenLine xmlns="" xmlns:a14="http://schemas.microsoft.com/office/drawing/2010/main" w="9525">
+              <a14:hiddenLine xmlns:a14="http://schemas.microsoft.com/office/drawing/2010/main" xmlns="" w="9525">
                 <a:solidFill>
                   <a:schemeClr val="tx1"/>
                 </a:solidFill>
@@ -36868,7 +36868,7 @@
           </a:ln>
           <a:extLst>
             <a:ext uri="{909E8E84-426E-40dd-AFC4-6F175D3DCCD1}">
-              <a14:hiddenFill xmlns="" xmlns:a14="http://schemas.microsoft.com/office/drawing/2010/main">
+              <a14:hiddenFill xmlns:a14="http://schemas.microsoft.com/office/drawing/2010/main" xmlns="">
                 <a:noFill/>
               </a14:hiddenFill>
             </a:ext>
@@ -36904,7 +36904,7 @@
           </a:ln>
           <a:extLst>
             <a:ext uri="{909E8E84-426E-40dd-AFC4-6F175D3DCCD1}">
-              <a14:hiddenFill xmlns="" xmlns:a14="http://schemas.microsoft.com/office/drawing/2010/main">
+              <a14:hiddenFill xmlns:a14="http://schemas.microsoft.com/office/drawing/2010/main" xmlns="">
                 <a:noFill/>
               </a14:hiddenFill>
             </a:ext>
@@ -36940,7 +36940,7 @@
           </a:ln>
           <a:extLst>
             <a:ext uri="{909E8E84-426E-40dd-AFC4-6F175D3DCCD1}">
-              <a14:hiddenFill xmlns="" xmlns:a14="http://schemas.microsoft.com/office/drawing/2010/main">
+              <a14:hiddenFill xmlns:a14="http://schemas.microsoft.com/office/drawing/2010/main" xmlns="">
                 <a:noFill/>
               </a14:hiddenFill>
             </a:ext>
@@ -36976,7 +36976,7 @@
           </a:ln>
           <a:extLst>
             <a:ext uri="{909E8E84-426E-40dd-AFC4-6F175D3DCCD1}">
-              <a14:hiddenFill xmlns="" xmlns:a14="http://schemas.microsoft.com/office/drawing/2010/main">
+              <a14:hiddenFill xmlns:a14="http://schemas.microsoft.com/office/drawing/2010/main" xmlns="">
                 <a:noFill/>
               </a14:hiddenFill>
             </a:ext>
@@ -37012,7 +37012,7 @@
           </a:ln>
           <a:extLst>
             <a:ext uri="{909E8E84-426E-40dd-AFC4-6F175D3DCCD1}">
-              <a14:hiddenFill xmlns="" xmlns:a14="http://schemas.microsoft.com/office/drawing/2010/main">
+              <a14:hiddenFill xmlns:a14="http://schemas.microsoft.com/office/drawing/2010/main" xmlns="">
                 <a:noFill/>
               </a14:hiddenFill>
             </a:ext>
@@ -37048,7 +37048,7 @@
           </a:ln>
           <a:extLst>
             <a:ext uri="{909E8E84-426E-40dd-AFC4-6F175D3DCCD1}">
-              <a14:hiddenFill xmlns="" xmlns:a14="http://schemas.microsoft.com/office/drawing/2010/main">
+              <a14:hiddenFill xmlns:a14="http://schemas.microsoft.com/office/drawing/2010/main" xmlns="">
                 <a:noFill/>
               </a14:hiddenFill>
             </a:ext>
@@ -37084,7 +37084,7 @@
           </a:ln>
           <a:extLst>
             <a:ext uri="{909E8E84-426E-40dd-AFC4-6F175D3DCCD1}">
-              <a14:hiddenFill xmlns="" xmlns:a14="http://schemas.microsoft.com/office/drawing/2010/main">
+              <a14:hiddenFill xmlns:a14="http://schemas.microsoft.com/office/drawing/2010/main" xmlns="">
                 <a:noFill/>
               </a14:hiddenFill>
             </a:ext>
@@ -37120,7 +37120,7 @@
           </a:ln>
           <a:extLst>
             <a:ext uri="{909E8E84-426E-40dd-AFC4-6F175D3DCCD1}">
-              <a14:hiddenFill xmlns="" xmlns:a14="http://schemas.microsoft.com/office/drawing/2010/main">
+              <a14:hiddenFill xmlns:a14="http://schemas.microsoft.com/office/drawing/2010/main" xmlns="">
                 <a:noFill/>
               </a14:hiddenFill>
             </a:ext>
@@ -37156,7 +37156,7 @@
           </a:ln>
           <a:extLst>
             <a:ext uri="{909E8E84-426E-40dd-AFC4-6F175D3DCCD1}">
-              <a14:hiddenFill xmlns="" xmlns:a14="http://schemas.microsoft.com/office/drawing/2010/main">
+              <a14:hiddenFill xmlns:a14="http://schemas.microsoft.com/office/drawing/2010/main" xmlns="">
                 <a:noFill/>
               </a14:hiddenFill>
             </a:ext>
@@ -37192,7 +37192,7 @@
           </a:ln>
           <a:extLst>
             <a:ext uri="{909E8E84-426E-40dd-AFC4-6F175D3DCCD1}">
-              <a14:hiddenFill xmlns="" xmlns:a14="http://schemas.microsoft.com/office/drawing/2010/main">
+              <a14:hiddenFill xmlns:a14="http://schemas.microsoft.com/office/drawing/2010/main" xmlns="">
                 <a:noFill/>
               </a14:hiddenFill>
             </a:ext>
@@ -37221,14 +37221,14 @@
           </a:ln>
           <a:extLst>
             <a:ext uri="{909E8E84-426E-40dd-AFC4-6F175D3DCCD1}">
-              <a14:hiddenFill xmlns="" xmlns:a14="http://schemas.microsoft.com/office/drawing/2010/main">
+              <a14:hiddenFill xmlns:a14="http://schemas.microsoft.com/office/drawing/2010/main" xmlns="">
                 <a:solidFill>
                   <a:schemeClr val="accent1"/>
                 </a:solidFill>
               </a14:hiddenFill>
             </a:ext>
             <a:ext uri="{91240B29-F687-4f45-9708-019B960494DF}">
-              <a14:hiddenLine xmlns="" xmlns:a14="http://schemas.microsoft.com/office/drawing/2010/main" w="9525">
+              <a14:hiddenLine xmlns:a14="http://schemas.microsoft.com/office/drawing/2010/main" xmlns="" w="9525">
                 <a:solidFill>
                   <a:schemeClr val="tx1"/>
                 </a:solidFill>
@@ -37278,14 +37278,14 @@
           </a:ln>
           <a:extLst>
             <a:ext uri="{909E8E84-426E-40dd-AFC4-6F175D3DCCD1}">
-              <a14:hiddenFill xmlns="" xmlns:a14="http://schemas.microsoft.com/office/drawing/2010/main">
+              <a14:hiddenFill xmlns:a14="http://schemas.microsoft.com/office/drawing/2010/main" xmlns="">
                 <a:solidFill>
                   <a:schemeClr val="accent1"/>
                 </a:solidFill>
               </a14:hiddenFill>
             </a:ext>
             <a:ext uri="{91240B29-F687-4f45-9708-019B960494DF}">
-              <a14:hiddenLine xmlns="" xmlns:a14="http://schemas.microsoft.com/office/drawing/2010/main" w="9525">
+              <a14:hiddenLine xmlns:a14="http://schemas.microsoft.com/office/drawing/2010/main" xmlns="" w="9525">
                 <a:solidFill>
                   <a:schemeClr val="tx1"/>
                 </a:solidFill>
@@ -37340,7 +37340,7 @@
           </a:ln>
           <a:extLst>
             <a:ext uri="{909E8E84-426E-40dd-AFC4-6F175D3DCCD1}">
-              <a14:hiddenFill xmlns="" xmlns:a14="http://schemas.microsoft.com/office/drawing/2010/main">
+              <a14:hiddenFill xmlns:a14="http://schemas.microsoft.com/office/drawing/2010/main" xmlns="">
                 <a:solidFill>
                   <a:schemeClr val="accent1"/>
                 </a:solidFill>
@@ -37475,14 +37475,14 @@
           </a:ln>
           <a:extLst>
             <a:ext uri="{909E8E84-426E-40dd-AFC4-6F175D3DCCD1}">
-              <a14:hiddenFill xmlns="" xmlns:a14="http://schemas.microsoft.com/office/drawing/2010/main">
+              <a14:hiddenFill xmlns:a14="http://schemas.microsoft.com/office/drawing/2010/main" xmlns="">
                 <a:solidFill>
                   <a:schemeClr val="accent1"/>
                 </a:solidFill>
               </a14:hiddenFill>
             </a:ext>
             <a:ext uri="{91240B29-F687-4f45-9708-019B960494DF}">
-              <a14:hiddenLine xmlns="" xmlns:a14="http://schemas.microsoft.com/office/drawing/2010/main" w="9525">
+              <a14:hiddenLine xmlns:a14="http://schemas.microsoft.com/office/drawing/2010/main" xmlns="" w="9525">
                 <a:solidFill>
                   <a:schemeClr val="tx1"/>
                 </a:solidFill>
@@ -37528,14 +37528,14 @@
           </a:ln>
           <a:extLst>
             <a:ext uri="{909E8E84-426E-40dd-AFC4-6F175D3DCCD1}">
-              <a14:hiddenFill xmlns="" xmlns:a14="http://schemas.microsoft.com/office/drawing/2010/main">
+              <a14:hiddenFill xmlns:a14="http://schemas.microsoft.com/office/drawing/2010/main" xmlns="">
                 <a:solidFill>
                   <a:schemeClr val="accent1"/>
                 </a:solidFill>
               </a14:hiddenFill>
             </a:ext>
             <a:ext uri="{91240B29-F687-4f45-9708-019B960494DF}">
-              <a14:hiddenLine xmlns="" xmlns:a14="http://schemas.microsoft.com/office/drawing/2010/main" w="9525">
+              <a14:hiddenLine xmlns:a14="http://schemas.microsoft.com/office/drawing/2010/main" xmlns="" w="9525">
                 <a:solidFill>
                   <a:schemeClr val="tx1"/>
                 </a:solidFill>
@@ -37581,14 +37581,14 @@
           </a:ln>
           <a:extLst>
             <a:ext uri="{909E8E84-426E-40dd-AFC4-6F175D3DCCD1}">
-              <a14:hiddenFill xmlns="" xmlns:a14="http://schemas.microsoft.com/office/drawing/2010/main">
+              <a14:hiddenFill xmlns:a14="http://schemas.microsoft.com/office/drawing/2010/main" xmlns="">
                 <a:solidFill>
                   <a:schemeClr val="accent1"/>
                 </a:solidFill>
               </a14:hiddenFill>
             </a:ext>
             <a:ext uri="{91240B29-F687-4f45-9708-019B960494DF}">
-              <a14:hiddenLine xmlns="" xmlns:a14="http://schemas.microsoft.com/office/drawing/2010/main" w="9525">
+              <a14:hiddenLine xmlns:a14="http://schemas.microsoft.com/office/drawing/2010/main" xmlns="" w="9525">
                 <a:solidFill>
                   <a:schemeClr val="tx1"/>
                 </a:solidFill>
@@ -37634,14 +37634,14 @@
           </a:ln>
           <a:extLst>
             <a:ext uri="{909E8E84-426E-40dd-AFC4-6F175D3DCCD1}">
-              <a14:hiddenFill xmlns="" xmlns:a14="http://schemas.microsoft.com/office/drawing/2010/main">
+              <a14:hiddenFill xmlns:a14="http://schemas.microsoft.com/office/drawing/2010/main" xmlns="">
                 <a:solidFill>
                   <a:schemeClr val="accent1"/>
                 </a:solidFill>
               </a14:hiddenFill>
             </a:ext>
             <a:ext uri="{91240B29-F687-4f45-9708-019B960494DF}">
-              <a14:hiddenLine xmlns="" xmlns:a14="http://schemas.microsoft.com/office/drawing/2010/main" w="9525">
+              <a14:hiddenLine xmlns:a14="http://schemas.microsoft.com/office/drawing/2010/main" xmlns="" w="9525">
                 <a:solidFill>
                   <a:schemeClr val="tx1"/>
                 </a:solidFill>
@@ -37687,14 +37687,14 @@
           </a:ln>
           <a:extLst>
             <a:ext uri="{909E8E84-426E-40dd-AFC4-6F175D3DCCD1}">
-              <a14:hiddenFill xmlns="" xmlns:a14="http://schemas.microsoft.com/office/drawing/2010/main">
+              <a14:hiddenFill xmlns:a14="http://schemas.microsoft.com/office/drawing/2010/main" xmlns="">
                 <a:solidFill>
                   <a:schemeClr val="accent1"/>
                 </a:solidFill>
               </a14:hiddenFill>
             </a:ext>
             <a:ext uri="{91240B29-F687-4f45-9708-019B960494DF}">
-              <a14:hiddenLine xmlns="" xmlns:a14="http://schemas.microsoft.com/office/drawing/2010/main" w="9525">
+              <a14:hiddenLine xmlns:a14="http://schemas.microsoft.com/office/drawing/2010/main" xmlns="" w="9525">
                 <a:solidFill>
                   <a:schemeClr val="tx1"/>
                 </a:solidFill>
@@ -37740,14 +37740,14 @@
           </a:ln>
           <a:extLst>
             <a:ext uri="{909E8E84-426E-40dd-AFC4-6F175D3DCCD1}">
-              <a14:hiddenFill xmlns="" xmlns:a14="http://schemas.microsoft.com/office/drawing/2010/main">
+              <a14:hiddenFill xmlns:a14="http://schemas.microsoft.com/office/drawing/2010/main" xmlns="">
                 <a:solidFill>
                   <a:schemeClr val="accent1"/>
                 </a:solidFill>
               </a14:hiddenFill>
             </a:ext>
             <a:ext uri="{91240B29-F687-4f45-9708-019B960494DF}">
-              <a14:hiddenLine xmlns="" xmlns:a14="http://schemas.microsoft.com/office/drawing/2010/main" w="9525">
+              <a14:hiddenLine xmlns:a14="http://schemas.microsoft.com/office/drawing/2010/main" xmlns="" w="9525">
                 <a:solidFill>
                   <a:schemeClr val="tx1"/>
                 </a:solidFill>
@@ -37793,14 +37793,14 @@
           </a:ln>
           <a:extLst>
             <a:ext uri="{909E8E84-426E-40dd-AFC4-6F175D3DCCD1}">
-              <a14:hiddenFill xmlns="" xmlns:a14="http://schemas.microsoft.com/office/drawing/2010/main">
+              <a14:hiddenFill xmlns:a14="http://schemas.microsoft.com/office/drawing/2010/main" xmlns="">
                 <a:solidFill>
                   <a:schemeClr val="accent1"/>
                 </a:solidFill>
               </a14:hiddenFill>
             </a:ext>
             <a:ext uri="{91240B29-F687-4f45-9708-019B960494DF}">
-              <a14:hiddenLine xmlns="" xmlns:a14="http://schemas.microsoft.com/office/drawing/2010/main" w="9525">
+              <a14:hiddenLine xmlns:a14="http://schemas.microsoft.com/office/drawing/2010/main" xmlns="" w="9525">
                 <a:solidFill>
                   <a:schemeClr val="tx1"/>
                 </a:solidFill>
@@ -37846,14 +37846,14 @@
           </a:ln>
           <a:extLst>
             <a:ext uri="{909E8E84-426E-40dd-AFC4-6F175D3DCCD1}">
-              <a14:hiddenFill xmlns="" xmlns:a14="http://schemas.microsoft.com/office/drawing/2010/main">
+              <a14:hiddenFill xmlns:a14="http://schemas.microsoft.com/office/drawing/2010/main" xmlns="">
                 <a:solidFill>
                   <a:schemeClr val="accent1"/>
                 </a:solidFill>
               </a14:hiddenFill>
             </a:ext>
             <a:ext uri="{91240B29-F687-4f45-9708-019B960494DF}">
-              <a14:hiddenLine xmlns="" xmlns:a14="http://schemas.microsoft.com/office/drawing/2010/main" w="9525">
+              <a14:hiddenLine xmlns:a14="http://schemas.microsoft.com/office/drawing/2010/main" xmlns="" w="9525">
                 <a:solidFill>
                   <a:schemeClr val="tx1"/>
                 </a:solidFill>
@@ -37899,14 +37899,14 @@
           </a:ln>
           <a:extLst>
             <a:ext uri="{909E8E84-426E-40dd-AFC4-6F175D3DCCD1}">
-              <a14:hiddenFill xmlns="" xmlns:a14="http://schemas.microsoft.com/office/drawing/2010/main">
+              <a14:hiddenFill xmlns:a14="http://schemas.microsoft.com/office/drawing/2010/main" xmlns="">
                 <a:solidFill>
                   <a:schemeClr val="accent1"/>
                 </a:solidFill>
               </a14:hiddenFill>
             </a:ext>
             <a:ext uri="{91240B29-F687-4f45-9708-019B960494DF}">
-              <a14:hiddenLine xmlns="" xmlns:a14="http://schemas.microsoft.com/office/drawing/2010/main" w="9525">
+              <a14:hiddenLine xmlns:a14="http://schemas.microsoft.com/office/drawing/2010/main" xmlns="" w="9525">
                 <a:solidFill>
                   <a:schemeClr val="tx1"/>
                 </a:solidFill>
@@ -37952,14 +37952,14 @@
           </a:ln>
           <a:extLst>
             <a:ext uri="{909E8E84-426E-40dd-AFC4-6F175D3DCCD1}">
-              <a14:hiddenFill xmlns="" xmlns:a14="http://schemas.microsoft.com/office/drawing/2010/main">
+              <a14:hiddenFill xmlns:a14="http://schemas.microsoft.com/office/drawing/2010/main" xmlns="">
                 <a:solidFill>
                   <a:schemeClr val="accent1"/>
                 </a:solidFill>
               </a14:hiddenFill>
             </a:ext>
             <a:ext uri="{91240B29-F687-4f45-9708-019B960494DF}">
-              <a14:hiddenLine xmlns="" xmlns:a14="http://schemas.microsoft.com/office/drawing/2010/main" w="9525">
+              <a14:hiddenLine xmlns:a14="http://schemas.microsoft.com/office/drawing/2010/main" xmlns="" w="9525">
                 <a:solidFill>
                   <a:schemeClr val="tx1"/>
                 </a:solidFill>
@@ -38005,14 +38005,14 @@
           </a:ln>
           <a:extLst>
             <a:ext uri="{909E8E84-426E-40dd-AFC4-6F175D3DCCD1}">
-              <a14:hiddenFill xmlns="" xmlns:a14="http://schemas.microsoft.com/office/drawing/2010/main">
+              <a14:hiddenFill xmlns:a14="http://schemas.microsoft.com/office/drawing/2010/main" xmlns="">
                 <a:solidFill>
                   <a:schemeClr val="accent1"/>
                 </a:solidFill>
               </a14:hiddenFill>
             </a:ext>
             <a:ext uri="{91240B29-F687-4f45-9708-019B960494DF}">
-              <a14:hiddenLine xmlns="" xmlns:a14="http://schemas.microsoft.com/office/drawing/2010/main" w="9525">
+              <a14:hiddenLine xmlns:a14="http://schemas.microsoft.com/office/drawing/2010/main" xmlns="" w="9525">
                 <a:solidFill>
                   <a:schemeClr val="tx1"/>
                 </a:solidFill>
@@ -38065,7 +38065,7 @@
           </a:ln>
           <a:extLst>
             <a:ext uri="{909E8E84-426E-40dd-AFC4-6F175D3DCCD1}">
-              <a14:hiddenFill xmlns="" xmlns:a14="http://schemas.microsoft.com/office/drawing/2010/main">
+              <a14:hiddenFill xmlns:a14="http://schemas.microsoft.com/office/drawing/2010/main" xmlns="">
                 <a:noFill/>
               </a14:hiddenFill>
             </a:ext>
@@ -38101,7 +38101,7 @@
           </a:ln>
           <a:extLst>
             <a:ext uri="{909E8E84-426E-40dd-AFC4-6F175D3DCCD1}">
-              <a14:hiddenFill xmlns="" xmlns:a14="http://schemas.microsoft.com/office/drawing/2010/main">
+              <a14:hiddenFill xmlns:a14="http://schemas.microsoft.com/office/drawing/2010/main" xmlns="">
                 <a:noFill/>
               </a14:hiddenFill>
             </a:ext>
@@ -38137,7 +38137,7 @@
           </a:ln>
           <a:extLst>
             <a:ext uri="{909E8E84-426E-40dd-AFC4-6F175D3DCCD1}">
-              <a14:hiddenFill xmlns="" xmlns:a14="http://schemas.microsoft.com/office/drawing/2010/main">
+              <a14:hiddenFill xmlns:a14="http://schemas.microsoft.com/office/drawing/2010/main" xmlns="">
                 <a:noFill/>
               </a14:hiddenFill>
             </a:ext>
@@ -38173,7 +38173,7 @@
           </a:ln>
           <a:extLst>
             <a:ext uri="{909E8E84-426E-40dd-AFC4-6F175D3DCCD1}">
-              <a14:hiddenFill xmlns="" xmlns:a14="http://schemas.microsoft.com/office/drawing/2010/main">
+              <a14:hiddenFill xmlns:a14="http://schemas.microsoft.com/office/drawing/2010/main" xmlns="">
                 <a:noFill/>
               </a14:hiddenFill>
             </a:ext>
@@ -38209,7 +38209,7 @@
           </a:ln>
           <a:extLst>
             <a:ext uri="{909E8E84-426E-40dd-AFC4-6F175D3DCCD1}">
-              <a14:hiddenFill xmlns="" xmlns:a14="http://schemas.microsoft.com/office/drawing/2010/main">
+              <a14:hiddenFill xmlns:a14="http://schemas.microsoft.com/office/drawing/2010/main" xmlns="">
                 <a:noFill/>
               </a14:hiddenFill>
             </a:ext>
@@ -38245,7 +38245,7 @@
           </a:ln>
           <a:extLst>
             <a:ext uri="{909E8E84-426E-40dd-AFC4-6F175D3DCCD1}">
-              <a14:hiddenFill xmlns="" xmlns:a14="http://schemas.microsoft.com/office/drawing/2010/main">
+              <a14:hiddenFill xmlns:a14="http://schemas.microsoft.com/office/drawing/2010/main" xmlns="">
                 <a:noFill/>
               </a14:hiddenFill>
             </a:ext>
@@ -38281,7 +38281,7 @@
           </a:ln>
           <a:extLst>
             <a:ext uri="{909E8E84-426E-40dd-AFC4-6F175D3DCCD1}">
-              <a14:hiddenFill xmlns="" xmlns:a14="http://schemas.microsoft.com/office/drawing/2010/main">
+              <a14:hiddenFill xmlns:a14="http://schemas.microsoft.com/office/drawing/2010/main" xmlns="">
                 <a:noFill/>
               </a14:hiddenFill>
             </a:ext>
@@ -38317,7 +38317,7 @@
           </a:ln>
           <a:extLst>
             <a:ext uri="{909E8E84-426E-40dd-AFC4-6F175D3DCCD1}">
-              <a14:hiddenFill xmlns="" xmlns:a14="http://schemas.microsoft.com/office/drawing/2010/main">
+              <a14:hiddenFill xmlns:a14="http://schemas.microsoft.com/office/drawing/2010/main" xmlns="">
                 <a:noFill/>
               </a14:hiddenFill>
             </a:ext>
@@ -38353,7 +38353,7 @@
           </a:ln>
           <a:extLst>
             <a:ext uri="{909E8E84-426E-40dd-AFC4-6F175D3DCCD1}">
-              <a14:hiddenFill xmlns="" xmlns:a14="http://schemas.microsoft.com/office/drawing/2010/main">
+              <a14:hiddenFill xmlns:a14="http://schemas.microsoft.com/office/drawing/2010/main" xmlns="">
                 <a:noFill/>
               </a14:hiddenFill>
             </a:ext>
@@ -38389,7 +38389,7 @@
           </a:ln>
           <a:extLst>
             <a:ext uri="{909E8E84-426E-40dd-AFC4-6F175D3DCCD1}">
-              <a14:hiddenFill xmlns="" xmlns:a14="http://schemas.microsoft.com/office/drawing/2010/main">
+              <a14:hiddenFill xmlns:a14="http://schemas.microsoft.com/office/drawing/2010/main" xmlns="">
                 <a:noFill/>
               </a14:hiddenFill>
             </a:ext>
@@ -38418,14 +38418,14 @@
           </a:ln>
           <a:extLst>
             <a:ext uri="{909E8E84-426E-40dd-AFC4-6F175D3DCCD1}">
-              <a14:hiddenFill xmlns="" xmlns:a14="http://schemas.microsoft.com/office/drawing/2010/main">
+              <a14:hiddenFill xmlns:a14="http://schemas.microsoft.com/office/drawing/2010/main" xmlns="">
                 <a:solidFill>
                   <a:schemeClr val="accent1"/>
                 </a:solidFill>
               </a14:hiddenFill>
             </a:ext>
             <a:ext uri="{91240B29-F687-4f45-9708-019B960494DF}">
-              <a14:hiddenLine xmlns="" xmlns:a14="http://schemas.microsoft.com/office/drawing/2010/main" w="9525">
+              <a14:hiddenLine xmlns:a14="http://schemas.microsoft.com/office/drawing/2010/main" xmlns="" w="9525">
                 <a:solidFill>
                   <a:schemeClr val="tx1"/>
                 </a:solidFill>
@@ -38475,14 +38475,14 @@
           </a:ln>
           <a:extLst>
             <a:ext uri="{909E8E84-426E-40dd-AFC4-6F175D3DCCD1}">
-              <a14:hiddenFill xmlns="" xmlns:a14="http://schemas.microsoft.com/office/drawing/2010/main">
+              <a14:hiddenFill xmlns:a14="http://schemas.microsoft.com/office/drawing/2010/main" xmlns="">
                 <a:solidFill>
                   <a:schemeClr val="accent1"/>
                 </a:solidFill>
               </a14:hiddenFill>
             </a:ext>
             <a:ext uri="{91240B29-F687-4f45-9708-019B960494DF}">
-              <a14:hiddenLine xmlns="" xmlns:a14="http://schemas.microsoft.com/office/drawing/2010/main" w="9525">
+              <a14:hiddenLine xmlns:a14="http://schemas.microsoft.com/office/drawing/2010/main" xmlns="" w="9525">
                 <a:solidFill>
                   <a:schemeClr val="tx1"/>
                 </a:solidFill>
@@ -38532,14 +38532,14 @@
           </a:ln>
           <a:extLst>
             <a:ext uri="{909E8E84-426E-40dd-AFC4-6F175D3DCCD1}">
-              <a14:hiddenFill xmlns="" xmlns:a14="http://schemas.microsoft.com/office/drawing/2010/main">
+              <a14:hiddenFill xmlns:a14="http://schemas.microsoft.com/office/drawing/2010/main" xmlns="">
                 <a:solidFill>
                   <a:schemeClr val="accent1"/>
                 </a:solidFill>
               </a14:hiddenFill>
             </a:ext>
             <a:ext uri="{91240B29-F687-4f45-9708-019B960494DF}">
-              <a14:hiddenLine xmlns="" xmlns:a14="http://schemas.microsoft.com/office/drawing/2010/main" w="9525">
+              <a14:hiddenLine xmlns:a14="http://schemas.microsoft.com/office/drawing/2010/main" xmlns="" w="9525">
                 <a:solidFill>
                   <a:schemeClr val="tx1"/>
                 </a:solidFill>
@@ -38594,7 +38594,7 @@
           </a:ln>
           <a:extLst>
             <a:ext uri="{909E8E84-426E-40dd-AFC4-6F175D3DCCD1}">
-              <a14:hiddenFill xmlns="" xmlns:a14="http://schemas.microsoft.com/office/drawing/2010/main">
+              <a14:hiddenFill xmlns:a14="http://schemas.microsoft.com/office/drawing/2010/main" xmlns="">
                 <a:solidFill>
                   <a:schemeClr val="accent1"/>
                 </a:solidFill>
@@ -38729,14 +38729,14 @@
           </a:ln>
           <a:extLst>
             <a:ext uri="{909E8E84-426E-40dd-AFC4-6F175D3DCCD1}">
-              <a14:hiddenFill xmlns="" xmlns:a14="http://schemas.microsoft.com/office/drawing/2010/main">
+              <a14:hiddenFill xmlns:a14="http://schemas.microsoft.com/office/drawing/2010/main" xmlns="">
                 <a:solidFill>
                   <a:schemeClr val="accent1"/>
                 </a:solidFill>
               </a14:hiddenFill>
             </a:ext>
             <a:ext uri="{91240B29-F687-4f45-9708-019B960494DF}">
-              <a14:hiddenLine xmlns="" xmlns:a14="http://schemas.microsoft.com/office/drawing/2010/main" w="9525">
+              <a14:hiddenLine xmlns:a14="http://schemas.microsoft.com/office/drawing/2010/main" xmlns="" w="9525">
                 <a:solidFill>
                   <a:schemeClr val="tx1"/>
                 </a:solidFill>
@@ -38782,14 +38782,14 @@
           </a:ln>
           <a:extLst>
             <a:ext uri="{909E8E84-426E-40dd-AFC4-6F175D3DCCD1}">
-              <a14:hiddenFill xmlns="" xmlns:a14="http://schemas.microsoft.com/office/drawing/2010/main">
+              <a14:hiddenFill xmlns:a14="http://schemas.microsoft.com/office/drawing/2010/main" xmlns="">
                 <a:solidFill>
                   <a:schemeClr val="accent1"/>
                 </a:solidFill>
               </a14:hiddenFill>
             </a:ext>
             <a:ext uri="{91240B29-F687-4f45-9708-019B960494DF}">
-              <a14:hiddenLine xmlns="" xmlns:a14="http://schemas.microsoft.com/office/drawing/2010/main" w="9525">
+              <a14:hiddenLine xmlns:a14="http://schemas.microsoft.com/office/drawing/2010/main" xmlns="" w="9525">
                 <a:solidFill>
                   <a:schemeClr val="tx1"/>
                 </a:solidFill>
@@ -38835,14 +38835,14 @@
           </a:ln>
           <a:extLst>
             <a:ext uri="{909E8E84-426E-40dd-AFC4-6F175D3DCCD1}">
-              <a14:hiddenFill xmlns="" xmlns:a14="http://schemas.microsoft.com/office/drawing/2010/main">
+              <a14:hiddenFill xmlns:a14="http://schemas.microsoft.com/office/drawing/2010/main" xmlns="">
                 <a:solidFill>
                   <a:schemeClr val="accent1"/>
                 </a:solidFill>
               </a14:hiddenFill>
             </a:ext>
             <a:ext uri="{91240B29-F687-4f45-9708-019B960494DF}">
-              <a14:hiddenLine xmlns="" xmlns:a14="http://schemas.microsoft.com/office/drawing/2010/main" w="9525">
+              <a14:hiddenLine xmlns:a14="http://schemas.microsoft.com/office/drawing/2010/main" xmlns="" w="9525">
                 <a:solidFill>
                   <a:schemeClr val="tx1"/>
                 </a:solidFill>
@@ -38888,14 +38888,14 @@
           </a:ln>
           <a:extLst>
             <a:ext uri="{909E8E84-426E-40dd-AFC4-6F175D3DCCD1}">
-              <a14:hiddenFill xmlns="" xmlns:a14="http://schemas.microsoft.com/office/drawing/2010/main">
+              <a14:hiddenFill xmlns:a14="http://schemas.microsoft.com/office/drawing/2010/main" xmlns="">
                 <a:solidFill>
                   <a:schemeClr val="accent1"/>
                 </a:solidFill>
               </a14:hiddenFill>
             </a:ext>
             <a:ext uri="{91240B29-F687-4f45-9708-019B960494DF}">
-              <a14:hiddenLine xmlns="" xmlns:a14="http://schemas.microsoft.com/office/drawing/2010/main" w="9525">
+              <a14:hiddenLine xmlns:a14="http://schemas.microsoft.com/office/drawing/2010/main" xmlns="" w="9525">
                 <a:solidFill>
                   <a:schemeClr val="tx1"/>
                 </a:solidFill>
@@ -38941,14 +38941,14 @@
           </a:ln>
           <a:extLst>
             <a:ext uri="{909E8E84-426E-40dd-AFC4-6F175D3DCCD1}">
-              <a14:hiddenFill xmlns="" xmlns:a14="http://schemas.microsoft.com/office/drawing/2010/main">
+              <a14:hiddenFill xmlns:a14="http://schemas.microsoft.com/office/drawing/2010/main" xmlns="">
                 <a:solidFill>
                   <a:schemeClr val="accent1"/>
                 </a:solidFill>
               </a14:hiddenFill>
             </a:ext>
             <a:ext uri="{91240B29-F687-4f45-9708-019B960494DF}">
-              <a14:hiddenLine xmlns="" xmlns:a14="http://schemas.microsoft.com/office/drawing/2010/main" w="9525">
+              <a14:hiddenLine xmlns:a14="http://schemas.microsoft.com/office/drawing/2010/main" xmlns="" w="9525">
                 <a:solidFill>
                   <a:schemeClr val="tx1"/>
                 </a:solidFill>
@@ -38994,14 +38994,14 @@
           </a:ln>
           <a:extLst>
             <a:ext uri="{909E8E84-426E-40dd-AFC4-6F175D3DCCD1}">
-              <a14:hiddenFill xmlns="" xmlns:a14="http://schemas.microsoft.com/office/drawing/2010/main">
+              <a14:hiddenFill xmlns:a14="http://schemas.microsoft.com/office/drawing/2010/main" xmlns="">
                 <a:solidFill>
                   <a:schemeClr val="accent1"/>
                 </a:solidFill>
               </a14:hiddenFill>
             </a:ext>
             <a:ext uri="{91240B29-F687-4f45-9708-019B960494DF}">
-              <a14:hiddenLine xmlns="" xmlns:a14="http://schemas.microsoft.com/office/drawing/2010/main" w="9525">
+              <a14:hiddenLine xmlns:a14="http://schemas.microsoft.com/office/drawing/2010/main" xmlns="" w="9525">
                 <a:solidFill>
                   <a:schemeClr val="tx1"/>
                 </a:solidFill>
@@ -39047,14 +39047,14 @@
           </a:ln>
           <a:extLst>
             <a:ext uri="{909E8E84-426E-40dd-AFC4-6F175D3DCCD1}">
-              <a14:hiddenFill xmlns="" xmlns:a14="http://schemas.microsoft.com/office/drawing/2010/main">
+              <a14:hiddenFill xmlns:a14="http://schemas.microsoft.com/office/drawing/2010/main" xmlns="">
                 <a:solidFill>
                   <a:schemeClr val="accent1"/>
                 </a:solidFill>
               </a14:hiddenFill>
             </a:ext>
             <a:ext uri="{91240B29-F687-4f45-9708-019B960494DF}">
-              <a14:hiddenLine xmlns="" xmlns:a14="http://schemas.microsoft.com/office/drawing/2010/main" w="9525">
+              <a14:hiddenLine xmlns:a14="http://schemas.microsoft.com/office/drawing/2010/main" xmlns="" w="9525">
                 <a:solidFill>
                   <a:schemeClr val="tx1"/>
                 </a:solidFill>
@@ -39100,14 +39100,14 @@
           </a:ln>
           <a:extLst>
             <a:ext uri="{909E8E84-426E-40dd-AFC4-6F175D3DCCD1}">
-              <a14:hiddenFill xmlns="" xmlns:a14="http://schemas.microsoft.com/office/drawing/2010/main">
+              <a14:hiddenFill xmlns:a14="http://schemas.microsoft.com/office/drawing/2010/main" xmlns="">
                 <a:solidFill>
                   <a:schemeClr val="accent1"/>
                 </a:solidFill>
               </a14:hiddenFill>
             </a:ext>
             <a:ext uri="{91240B29-F687-4f45-9708-019B960494DF}">
-              <a14:hiddenLine xmlns="" xmlns:a14="http://schemas.microsoft.com/office/drawing/2010/main" w="9525">
+              <a14:hiddenLine xmlns:a14="http://schemas.microsoft.com/office/drawing/2010/main" xmlns="" w="9525">
                 <a:solidFill>
                   <a:schemeClr val="tx1"/>
                 </a:solidFill>
@@ -39153,14 +39153,14 @@
           </a:ln>
           <a:extLst>
             <a:ext uri="{909E8E84-426E-40dd-AFC4-6F175D3DCCD1}">
-              <a14:hiddenFill xmlns="" xmlns:a14="http://schemas.microsoft.com/office/drawing/2010/main">
+              <a14:hiddenFill xmlns:a14="http://schemas.microsoft.com/office/drawing/2010/main" xmlns="">
                 <a:solidFill>
                   <a:schemeClr val="accent1"/>
                 </a:solidFill>
               </a14:hiddenFill>
             </a:ext>
             <a:ext uri="{91240B29-F687-4f45-9708-019B960494DF}">
-              <a14:hiddenLine xmlns="" xmlns:a14="http://schemas.microsoft.com/office/drawing/2010/main" w="9525">
+              <a14:hiddenLine xmlns:a14="http://schemas.microsoft.com/office/drawing/2010/main" xmlns="" w="9525">
                 <a:solidFill>
                   <a:schemeClr val="tx1"/>
                 </a:solidFill>
@@ -39206,14 +39206,14 @@
           </a:ln>
           <a:extLst>
             <a:ext uri="{909E8E84-426E-40dd-AFC4-6F175D3DCCD1}">
-              <a14:hiddenFill xmlns="" xmlns:a14="http://schemas.microsoft.com/office/drawing/2010/main">
+              <a14:hiddenFill xmlns:a14="http://schemas.microsoft.com/office/drawing/2010/main" xmlns="">
                 <a:solidFill>
                   <a:schemeClr val="accent1"/>
                 </a:solidFill>
               </a14:hiddenFill>
             </a:ext>
             <a:ext uri="{91240B29-F687-4f45-9708-019B960494DF}">
-              <a14:hiddenLine xmlns="" xmlns:a14="http://schemas.microsoft.com/office/drawing/2010/main" w="9525">
+              <a14:hiddenLine xmlns:a14="http://schemas.microsoft.com/office/drawing/2010/main" xmlns="" w="9525">
                 <a:solidFill>
                   <a:schemeClr val="tx1"/>
                 </a:solidFill>
@@ -39259,14 +39259,14 @@
           </a:ln>
           <a:extLst>
             <a:ext uri="{909E8E84-426E-40dd-AFC4-6F175D3DCCD1}">
-              <a14:hiddenFill xmlns="" xmlns:a14="http://schemas.microsoft.com/office/drawing/2010/main">
+              <a14:hiddenFill xmlns:a14="http://schemas.microsoft.com/office/drawing/2010/main" xmlns="">
                 <a:solidFill>
                   <a:schemeClr val="accent1"/>
                 </a:solidFill>
               </a14:hiddenFill>
             </a:ext>
             <a:ext uri="{91240B29-F687-4f45-9708-019B960494DF}">
-              <a14:hiddenLine xmlns="" xmlns:a14="http://schemas.microsoft.com/office/drawing/2010/main" w="9525">
+              <a14:hiddenLine xmlns:a14="http://schemas.microsoft.com/office/drawing/2010/main" xmlns="" w="9525">
                 <a:solidFill>
                   <a:schemeClr val="tx1"/>
                 </a:solidFill>
@@ -39319,7 +39319,7 @@
           </a:ln>
           <a:extLst>
             <a:ext uri="{909E8E84-426E-40dd-AFC4-6F175D3DCCD1}">
-              <a14:hiddenFill xmlns="" xmlns:a14="http://schemas.microsoft.com/office/drawing/2010/main">
+              <a14:hiddenFill xmlns:a14="http://schemas.microsoft.com/office/drawing/2010/main" xmlns="">
                 <a:noFill/>
               </a14:hiddenFill>
             </a:ext>
@@ -39355,7 +39355,7 @@
           </a:ln>
           <a:extLst>
             <a:ext uri="{909E8E84-426E-40dd-AFC4-6F175D3DCCD1}">
-              <a14:hiddenFill xmlns="" xmlns:a14="http://schemas.microsoft.com/office/drawing/2010/main">
+              <a14:hiddenFill xmlns:a14="http://schemas.microsoft.com/office/drawing/2010/main" xmlns="">
                 <a:noFill/>
               </a14:hiddenFill>
             </a:ext>
@@ -39391,7 +39391,7 @@
           </a:ln>
           <a:extLst>
             <a:ext uri="{909E8E84-426E-40dd-AFC4-6F175D3DCCD1}">
-              <a14:hiddenFill xmlns="" xmlns:a14="http://schemas.microsoft.com/office/drawing/2010/main">
+              <a14:hiddenFill xmlns:a14="http://schemas.microsoft.com/office/drawing/2010/main" xmlns="">
                 <a:noFill/>
               </a14:hiddenFill>
             </a:ext>
@@ -39427,7 +39427,7 @@
           </a:ln>
           <a:extLst>
             <a:ext uri="{909E8E84-426E-40dd-AFC4-6F175D3DCCD1}">
-              <a14:hiddenFill xmlns="" xmlns:a14="http://schemas.microsoft.com/office/drawing/2010/main">
+              <a14:hiddenFill xmlns:a14="http://schemas.microsoft.com/office/drawing/2010/main" xmlns="">
                 <a:noFill/>
               </a14:hiddenFill>
             </a:ext>
@@ -39463,7 +39463,7 @@
           </a:ln>
           <a:extLst>
             <a:ext uri="{909E8E84-426E-40dd-AFC4-6F175D3DCCD1}">
-              <a14:hiddenFill xmlns="" xmlns:a14="http://schemas.microsoft.com/office/drawing/2010/main">
+              <a14:hiddenFill xmlns:a14="http://schemas.microsoft.com/office/drawing/2010/main" xmlns="">
                 <a:noFill/>
               </a14:hiddenFill>
             </a:ext>
@@ -39499,7 +39499,7 @@
           </a:ln>
           <a:extLst>
             <a:ext uri="{909E8E84-426E-40dd-AFC4-6F175D3DCCD1}">
-              <a14:hiddenFill xmlns="" xmlns:a14="http://schemas.microsoft.com/office/drawing/2010/main">
+              <a14:hiddenFill xmlns:a14="http://schemas.microsoft.com/office/drawing/2010/main" xmlns="">
                 <a:noFill/>
               </a14:hiddenFill>
             </a:ext>
@@ -39535,7 +39535,7 @@
           </a:ln>
           <a:extLst>
             <a:ext uri="{909E8E84-426E-40dd-AFC4-6F175D3DCCD1}">
-              <a14:hiddenFill xmlns="" xmlns:a14="http://schemas.microsoft.com/office/drawing/2010/main">
+              <a14:hiddenFill xmlns:a14="http://schemas.microsoft.com/office/drawing/2010/main" xmlns="">
                 <a:noFill/>
               </a14:hiddenFill>
             </a:ext>
@@ -39571,7 +39571,7 @@
           </a:ln>
           <a:extLst>
             <a:ext uri="{909E8E84-426E-40dd-AFC4-6F175D3DCCD1}">
-              <a14:hiddenFill xmlns="" xmlns:a14="http://schemas.microsoft.com/office/drawing/2010/main">
+              <a14:hiddenFill xmlns:a14="http://schemas.microsoft.com/office/drawing/2010/main" xmlns="">
                 <a:noFill/>
               </a14:hiddenFill>
             </a:ext>
@@ -39607,7 +39607,7 @@
           </a:ln>
           <a:extLst>
             <a:ext uri="{909E8E84-426E-40dd-AFC4-6F175D3DCCD1}">
-              <a14:hiddenFill xmlns="" xmlns:a14="http://schemas.microsoft.com/office/drawing/2010/main">
+              <a14:hiddenFill xmlns:a14="http://schemas.microsoft.com/office/drawing/2010/main" xmlns="">
                 <a:noFill/>
               </a14:hiddenFill>
             </a:ext>
@@ -39643,7 +39643,7 @@
           </a:ln>
           <a:extLst>
             <a:ext uri="{909E8E84-426E-40dd-AFC4-6F175D3DCCD1}">
-              <a14:hiddenFill xmlns="" xmlns:a14="http://schemas.microsoft.com/office/drawing/2010/main">
+              <a14:hiddenFill xmlns:a14="http://schemas.microsoft.com/office/drawing/2010/main" xmlns="">
                 <a:noFill/>
               </a14:hiddenFill>
             </a:ext>
@@ -39672,14 +39672,14 @@
           </a:ln>
           <a:extLst>
             <a:ext uri="{909E8E84-426E-40dd-AFC4-6F175D3DCCD1}">
-              <a14:hiddenFill xmlns="" xmlns:a14="http://schemas.microsoft.com/office/drawing/2010/main">
+              <a14:hiddenFill xmlns:a14="http://schemas.microsoft.com/office/drawing/2010/main" xmlns="">
                 <a:solidFill>
                   <a:schemeClr val="accent1"/>
                 </a:solidFill>
               </a14:hiddenFill>
             </a:ext>
             <a:ext uri="{91240B29-F687-4f45-9708-019B960494DF}">
-              <a14:hiddenLine xmlns="" xmlns:a14="http://schemas.microsoft.com/office/drawing/2010/main" w="9525">
+              <a14:hiddenLine xmlns:a14="http://schemas.microsoft.com/office/drawing/2010/main" xmlns="" w="9525">
                 <a:solidFill>
                   <a:schemeClr val="tx1"/>
                 </a:solidFill>
@@ -39729,14 +39729,14 @@
           </a:ln>
           <a:extLst>
             <a:ext uri="{909E8E84-426E-40dd-AFC4-6F175D3DCCD1}">
-              <a14:hiddenFill xmlns="" xmlns:a14="http://schemas.microsoft.com/office/drawing/2010/main">
+              <a14:hiddenFill xmlns:a14="http://schemas.microsoft.com/office/drawing/2010/main" xmlns="">
                 <a:solidFill>
                   <a:schemeClr val="accent1"/>
                 </a:solidFill>
               </a14:hiddenFill>
             </a:ext>
             <a:ext uri="{91240B29-F687-4f45-9708-019B960494DF}">
-              <a14:hiddenLine xmlns="" xmlns:a14="http://schemas.microsoft.com/office/drawing/2010/main" w="9525">
+              <a14:hiddenLine xmlns:a14="http://schemas.microsoft.com/office/drawing/2010/main" xmlns="" w="9525">
                 <a:solidFill>
                   <a:schemeClr val="tx1"/>
                 </a:solidFill>
@@ -39786,14 +39786,14 @@
           </a:ln>
           <a:extLst>
             <a:ext uri="{909E8E84-426E-40dd-AFC4-6F175D3DCCD1}">
-              <a14:hiddenFill xmlns="" xmlns:a14="http://schemas.microsoft.com/office/drawing/2010/main">
+              <a14:hiddenFill xmlns:a14="http://schemas.microsoft.com/office/drawing/2010/main" xmlns="">
                 <a:solidFill>
                   <a:schemeClr val="accent1"/>
                 </a:solidFill>
               </a14:hiddenFill>
             </a:ext>
             <a:ext uri="{91240B29-F687-4f45-9708-019B960494DF}">
-              <a14:hiddenLine xmlns="" xmlns:a14="http://schemas.microsoft.com/office/drawing/2010/main" w="9525">
+              <a14:hiddenLine xmlns:a14="http://schemas.microsoft.com/office/drawing/2010/main" xmlns="" w="9525">
                 <a:solidFill>
                   <a:schemeClr val="tx1"/>
                 </a:solidFill>
@@ -39843,14 +39843,14 @@
           </a:ln>
           <a:extLst>
             <a:ext uri="{909E8E84-426E-40dd-AFC4-6F175D3DCCD1}">
-              <a14:hiddenFill xmlns="" xmlns:a14="http://schemas.microsoft.com/office/drawing/2010/main">
+              <a14:hiddenFill xmlns:a14="http://schemas.microsoft.com/office/drawing/2010/main" xmlns="">
                 <a:solidFill>
                   <a:schemeClr val="accent1"/>
                 </a:solidFill>
               </a14:hiddenFill>
             </a:ext>
             <a:ext uri="{91240B29-F687-4f45-9708-019B960494DF}">
-              <a14:hiddenLine xmlns="" xmlns:a14="http://schemas.microsoft.com/office/drawing/2010/main" w="9525">
+              <a14:hiddenLine xmlns:a14="http://schemas.microsoft.com/office/drawing/2010/main" xmlns="" w="9525">
                 <a:solidFill>
                   <a:schemeClr val="tx1"/>
                 </a:solidFill>
@@ -39900,14 +39900,14 @@
           </a:ln>
           <a:extLst>
             <a:ext uri="{909E8E84-426E-40dd-AFC4-6F175D3DCCD1}">
-              <a14:hiddenFill xmlns="" xmlns:a14="http://schemas.microsoft.com/office/drawing/2010/main">
+              <a14:hiddenFill xmlns:a14="http://schemas.microsoft.com/office/drawing/2010/main" xmlns="">
                 <a:solidFill>
                   <a:schemeClr val="accent1"/>
                 </a:solidFill>
               </a14:hiddenFill>
             </a:ext>
             <a:ext uri="{91240B29-F687-4f45-9708-019B960494DF}">
-              <a14:hiddenLine xmlns="" xmlns:a14="http://schemas.microsoft.com/office/drawing/2010/main" w="9525">
+              <a14:hiddenLine xmlns:a14="http://schemas.microsoft.com/office/drawing/2010/main" xmlns="" w="9525">
                 <a:solidFill>
                   <a:schemeClr val="tx1"/>
                 </a:solidFill>
@@ -39961,7 +39961,7 @@
           </a:ln>
           <a:extLst>
             <a:ext uri="{909E8E84-426E-40dd-AFC4-6F175D3DCCD1}">
-              <a14:hiddenFill xmlns="" xmlns:a14="http://schemas.microsoft.com/office/drawing/2010/main">
+              <a14:hiddenFill xmlns:a14="http://schemas.microsoft.com/office/drawing/2010/main" xmlns="">
                 <a:solidFill>
                   <a:schemeClr val="accent1"/>
                 </a:solidFill>
@@ -40254,7 +40254,7 @@
         <a:effectLst/>
         <a:extLst>
           <a:ext uri="{AF507438-7753-43e0-B8FC-AC1667EBCBE1}">
-            <a14:hiddenEffects xmlns="" xmlns:a14="http://schemas.microsoft.com/office/drawing/2010/main">
+            <a14:hiddenEffects xmlns:a14="http://schemas.microsoft.com/office/drawing/2010/main" xmlns="">
               <a:effectLst>
                 <a:outerShdw blurRad="63500" dist="38099" dir="2700000" algn="ctr" rotWithShape="0">
                   <a:schemeClr val="bg2">
@@ -40331,7 +40331,7 @@
         <a:effectLst/>
         <a:extLst>
           <a:ext uri="{AF507438-7753-43e0-B8FC-AC1667EBCBE1}">
-            <a14:hiddenEffects xmlns="" xmlns:a14="http://schemas.microsoft.com/office/drawing/2010/main">
+            <a14:hiddenEffects xmlns:a14="http://schemas.microsoft.com/office/drawing/2010/main" xmlns="">
               <a:effectLst>
                 <a:outerShdw blurRad="63500" dist="38099" dir="2700000" algn="ctr" rotWithShape="0">
                   <a:schemeClr val="bg2">

--- a/notes/csc402-ln018.pptx
+++ b/notes/csc402-ln018.pptx
@@ -248,17 +248,17 @@
           </a:ln>
           <a:extLst>
             <a:ext uri="{FAA26D3D-D897-4be2-8F04-BA451C77F1D7}">
-              <ma14:placeholderFlag xmlns:ma14="http://schemas.microsoft.com/office/mac/drawingml/2011/main" xmlns="" val="1"/>
-            </a:ext>
-            <a:ext uri="{909E8E84-426E-40dd-AFC4-6F175D3DCCD1}">
-              <a14:hiddenFill xmlns:a14="http://schemas.microsoft.com/office/drawing/2010/main" xmlns="">
+              <ma14:placeholderFlag xmlns="" xmlns:ma14="http://schemas.microsoft.com/office/mac/drawingml/2011/main" val="1"/>
+            </a:ext>
+            <a:ext uri="{909E8E84-426E-40dd-AFC4-6F175D3DCCD1}">
+              <a14:hiddenFill xmlns="" xmlns:a14="http://schemas.microsoft.com/office/drawing/2010/main">
                 <a:solidFill>
                   <a:schemeClr val="accent1"/>
                 </a:solidFill>
               </a14:hiddenFill>
             </a:ext>
             <a:ext uri="{91240B29-F687-4f45-9708-019B960494DF}">
-              <a14:hiddenLine xmlns:a14="http://schemas.microsoft.com/office/drawing/2010/main" xmlns="" w="9525">
+              <a14:hiddenLine xmlns="" xmlns:a14="http://schemas.microsoft.com/office/drawing/2010/main" w="9525">
                 <a:solidFill>
                   <a:schemeClr val="tx1"/>
                 </a:solidFill>
@@ -309,17 +309,17 @@
           </a:ln>
           <a:extLst>
             <a:ext uri="{FAA26D3D-D897-4be2-8F04-BA451C77F1D7}">
-              <ma14:placeholderFlag xmlns:ma14="http://schemas.microsoft.com/office/mac/drawingml/2011/main" xmlns="" val="1"/>
-            </a:ext>
-            <a:ext uri="{909E8E84-426E-40dd-AFC4-6F175D3DCCD1}">
-              <a14:hiddenFill xmlns:a14="http://schemas.microsoft.com/office/drawing/2010/main" xmlns="">
+              <ma14:placeholderFlag xmlns="" xmlns:ma14="http://schemas.microsoft.com/office/mac/drawingml/2011/main" val="1"/>
+            </a:ext>
+            <a:ext uri="{909E8E84-426E-40dd-AFC4-6F175D3DCCD1}">
+              <a14:hiddenFill xmlns="" xmlns:a14="http://schemas.microsoft.com/office/drawing/2010/main">
                 <a:solidFill>
                   <a:schemeClr val="accent1"/>
                 </a:solidFill>
               </a14:hiddenFill>
             </a:ext>
             <a:ext uri="{91240B29-F687-4f45-9708-019B960494DF}">
-              <a14:hiddenLine xmlns:a14="http://schemas.microsoft.com/office/drawing/2010/main" xmlns="" w="9525">
+              <a14:hiddenLine xmlns="" xmlns:a14="http://schemas.microsoft.com/office/drawing/2010/main" w="9525">
                 <a:solidFill>
                   <a:schemeClr val="tx1"/>
                 </a:solidFill>
@@ -376,7 +376,7 @@
           <a:effectLst/>
           <a:extLst>
             <a:ext uri="{AF507438-7753-43e0-B8FC-AC1667EBCBE1}">
-              <a14:hiddenEffects xmlns:a14="http://schemas.microsoft.com/office/drawing/2010/main" xmlns="">
+              <a14:hiddenEffects xmlns="" xmlns:a14="http://schemas.microsoft.com/office/drawing/2010/main">
                 <a:effectLst>
                   <a:outerShdw blurRad="63500" dist="38099" dir="2700000" algn="ctr" rotWithShape="0">
                     <a:srgbClr val="000000">
@@ -387,7 +387,7 @@
               </a14:hiddenEffects>
             </a:ext>
             <a:ext uri="{53640926-AAD7-44d8-BBD7-CCE9431645EC}">
-              <a14:shadowObscured xmlns:a14="http://schemas.microsoft.com/office/drawing/2010/main" xmlns="" val="1"/>
+              <a14:shadowObscured xmlns="" xmlns:a14="http://schemas.microsoft.com/office/drawing/2010/main" val="1"/>
             </a:ext>
           </a:extLst>
         </p:spPr>
@@ -416,17 +416,17 @@
           </a:ln>
           <a:extLst>
             <a:ext uri="{FAA26D3D-D897-4be2-8F04-BA451C77F1D7}">
-              <ma14:placeholderFlag xmlns:ma14="http://schemas.microsoft.com/office/mac/drawingml/2011/main" xmlns="" val="1"/>
-            </a:ext>
-            <a:ext uri="{909E8E84-426E-40dd-AFC4-6F175D3DCCD1}">
-              <a14:hiddenFill xmlns:a14="http://schemas.microsoft.com/office/drawing/2010/main" xmlns="">
+              <ma14:placeholderFlag xmlns="" xmlns:ma14="http://schemas.microsoft.com/office/mac/drawingml/2011/main" val="1"/>
+            </a:ext>
+            <a:ext uri="{909E8E84-426E-40dd-AFC4-6F175D3DCCD1}">
+              <a14:hiddenFill xmlns="" xmlns:a14="http://schemas.microsoft.com/office/drawing/2010/main">
                 <a:solidFill>
                   <a:schemeClr val="accent1"/>
                 </a:solidFill>
               </a14:hiddenFill>
             </a:ext>
             <a:ext uri="{91240B29-F687-4f45-9708-019B960494DF}">
-              <a14:hiddenLine xmlns:a14="http://schemas.microsoft.com/office/drawing/2010/main" xmlns="" w="9525">
+              <a14:hiddenLine xmlns="" xmlns:a14="http://schemas.microsoft.com/office/drawing/2010/main" w="9525">
                 <a:solidFill>
                   <a:schemeClr val="tx1"/>
                 </a:solidFill>
@@ -505,17 +505,17 @@
           </a:ln>
           <a:extLst>
             <a:ext uri="{FAA26D3D-D897-4be2-8F04-BA451C77F1D7}">
-              <ma14:placeholderFlag xmlns:ma14="http://schemas.microsoft.com/office/mac/drawingml/2011/main" xmlns="" val="1"/>
-            </a:ext>
-            <a:ext uri="{909E8E84-426E-40dd-AFC4-6F175D3DCCD1}">
-              <a14:hiddenFill xmlns:a14="http://schemas.microsoft.com/office/drawing/2010/main" xmlns="">
+              <ma14:placeholderFlag xmlns="" xmlns:ma14="http://schemas.microsoft.com/office/mac/drawingml/2011/main" val="1"/>
+            </a:ext>
+            <a:ext uri="{909E8E84-426E-40dd-AFC4-6F175D3DCCD1}">
+              <a14:hiddenFill xmlns="" xmlns:a14="http://schemas.microsoft.com/office/drawing/2010/main">
                 <a:solidFill>
                   <a:schemeClr val="accent1"/>
                 </a:solidFill>
               </a14:hiddenFill>
             </a:ext>
             <a:ext uri="{91240B29-F687-4f45-9708-019B960494DF}">
-              <a14:hiddenLine xmlns:a14="http://schemas.microsoft.com/office/drawing/2010/main" xmlns="" w="9525">
+              <a14:hiddenLine xmlns="" xmlns:a14="http://schemas.microsoft.com/office/drawing/2010/main" w="9525">
                 <a:solidFill>
                   <a:schemeClr val="tx1"/>
                 </a:solidFill>
@@ -566,17 +566,17 @@
           </a:ln>
           <a:extLst>
             <a:ext uri="{FAA26D3D-D897-4be2-8F04-BA451C77F1D7}">
-              <ma14:placeholderFlag xmlns:ma14="http://schemas.microsoft.com/office/mac/drawingml/2011/main" xmlns="" val="1"/>
-            </a:ext>
-            <a:ext uri="{909E8E84-426E-40dd-AFC4-6F175D3DCCD1}">
-              <a14:hiddenFill xmlns:a14="http://schemas.microsoft.com/office/drawing/2010/main" xmlns="">
+              <ma14:placeholderFlag xmlns="" xmlns:ma14="http://schemas.microsoft.com/office/mac/drawingml/2011/main" val="1"/>
+            </a:ext>
+            <a:ext uri="{909E8E84-426E-40dd-AFC4-6F175D3DCCD1}">
+              <a14:hiddenFill xmlns="" xmlns:a14="http://schemas.microsoft.com/office/drawing/2010/main">
                 <a:solidFill>
                   <a:schemeClr val="accent1"/>
                 </a:solidFill>
               </a14:hiddenFill>
             </a:ext>
             <a:ext uri="{91240B29-F687-4f45-9708-019B960494DF}">
-              <a14:hiddenLine xmlns:a14="http://schemas.microsoft.com/office/drawing/2010/main" xmlns="" w="9525">
+              <a14:hiddenLine xmlns="" xmlns:a14="http://schemas.microsoft.com/office/drawing/2010/main" w="9525">
                 <a:solidFill>
                   <a:schemeClr val="tx1"/>
                 </a:solidFill>
@@ -798,7 +798,7 @@
           <a:ln/>
           <a:extLst>
             <a:ext uri="{FAA26D3D-D897-4be2-8F04-BA451C77F1D7}">
-              <ma14:placeholderFlag xmlns:ma14="http://schemas.microsoft.com/office/mac/drawingml/2011/main" xmlns="" val="1"/>
+              <ma14:placeholderFlag xmlns="" xmlns:ma14="http://schemas.microsoft.com/office/mac/drawingml/2011/main" val="1"/>
             </a:ext>
           </a:extLst>
         </p:spPr>
@@ -887,7 +887,7 @@
           <a:ln/>
           <a:extLst>
             <a:ext uri="{FAA26D3D-D897-4be2-8F04-BA451C77F1D7}">
-              <ma14:placeholderFlag xmlns:ma14="http://schemas.microsoft.com/office/mac/drawingml/2011/main" xmlns="" val="1"/>
+              <ma14:placeholderFlag xmlns="" xmlns:ma14="http://schemas.microsoft.com/office/mac/drawingml/2011/main" val="1"/>
             </a:ext>
           </a:extLst>
         </p:spPr>
@@ -993,7 +993,7 @@
           </a:ln>
           <a:extLst>
             <a:ext uri="{FAA26D3D-D897-4be2-8F04-BA451C77F1D7}">
-              <ma14:placeholderFlag xmlns:ma14="http://schemas.microsoft.com/office/mac/drawingml/2011/main" xmlns="" val="1"/>
+              <ma14:placeholderFlag xmlns="" xmlns:ma14="http://schemas.microsoft.com/office/mac/drawingml/2011/main" val="1"/>
             </a:ext>
           </a:extLst>
         </p:spPr>
@@ -1029,7 +1029,7 @@
           </a:ln>
           <a:extLst>
             <a:ext uri="{FAA26D3D-D897-4be2-8F04-BA451C77F1D7}">
-              <ma14:placeholderFlag xmlns:ma14="http://schemas.microsoft.com/office/mac/drawingml/2011/main" xmlns="" val="1"/>
+              <ma14:placeholderFlag xmlns="" xmlns:ma14="http://schemas.microsoft.com/office/mac/drawingml/2011/main" val="1"/>
             </a:ext>
           </a:extLst>
         </p:spPr>
@@ -1123,7 +1123,7 @@
           </a:ln>
           <a:extLst>
             <a:ext uri="{FAA26D3D-D897-4be2-8F04-BA451C77F1D7}">
-              <ma14:placeholderFlag xmlns:ma14="http://schemas.microsoft.com/office/mac/drawingml/2011/main" xmlns="" val="1"/>
+              <ma14:placeholderFlag xmlns="" xmlns:ma14="http://schemas.microsoft.com/office/mac/drawingml/2011/main" val="1"/>
             </a:ext>
           </a:extLst>
         </p:spPr>
@@ -1159,7 +1159,7 @@
           </a:ln>
           <a:extLst>
             <a:ext uri="{FAA26D3D-D897-4be2-8F04-BA451C77F1D7}">
-              <ma14:placeholderFlag xmlns:ma14="http://schemas.microsoft.com/office/mac/drawingml/2011/main" xmlns="" val="1"/>
+              <ma14:placeholderFlag xmlns="" xmlns:ma14="http://schemas.microsoft.com/office/mac/drawingml/2011/main" val="1"/>
             </a:ext>
           </a:extLst>
         </p:spPr>
@@ -1253,7 +1253,7 @@
           </a:ln>
           <a:extLst>
             <a:ext uri="{FAA26D3D-D897-4be2-8F04-BA451C77F1D7}">
-              <ma14:placeholderFlag xmlns:ma14="http://schemas.microsoft.com/office/mac/drawingml/2011/main" xmlns="" val="1"/>
+              <ma14:placeholderFlag xmlns="" xmlns:ma14="http://schemas.microsoft.com/office/mac/drawingml/2011/main" val="1"/>
             </a:ext>
           </a:extLst>
         </p:spPr>
@@ -1289,7 +1289,7 @@
           </a:ln>
           <a:extLst>
             <a:ext uri="{FAA26D3D-D897-4be2-8F04-BA451C77F1D7}">
-              <ma14:placeholderFlag xmlns:ma14="http://schemas.microsoft.com/office/mac/drawingml/2011/main" xmlns="" val="1"/>
+              <ma14:placeholderFlag xmlns="" xmlns:ma14="http://schemas.microsoft.com/office/mac/drawingml/2011/main" val="1"/>
             </a:ext>
           </a:extLst>
         </p:spPr>
@@ -1383,7 +1383,7 @@
           </a:ln>
           <a:extLst>
             <a:ext uri="{FAA26D3D-D897-4be2-8F04-BA451C77F1D7}">
-              <ma14:placeholderFlag xmlns:ma14="http://schemas.microsoft.com/office/mac/drawingml/2011/main" xmlns="" val="1"/>
+              <ma14:placeholderFlag xmlns="" xmlns:ma14="http://schemas.microsoft.com/office/mac/drawingml/2011/main" val="1"/>
             </a:ext>
           </a:extLst>
         </p:spPr>
@@ -1419,7 +1419,7 @@
           </a:ln>
           <a:extLst>
             <a:ext uri="{FAA26D3D-D897-4be2-8F04-BA451C77F1D7}">
-              <ma14:placeholderFlag xmlns:ma14="http://schemas.microsoft.com/office/mac/drawingml/2011/main" xmlns="" val="1"/>
+              <ma14:placeholderFlag xmlns="" xmlns:ma14="http://schemas.microsoft.com/office/mac/drawingml/2011/main" val="1"/>
             </a:ext>
           </a:extLst>
         </p:spPr>
@@ -1513,7 +1513,7 @@
           </a:ln>
           <a:extLst>
             <a:ext uri="{FAA26D3D-D897-4be2-8F04-BA451C77F1D7}">
-              <ma14:placeholderFlag xmlns:ma14="http://schemas.microsoft.com/office/mac/drawingml/2011/main" xmlns="" val="1"/>
+              <ma14:placeholderFlag xmlns="" xmlns:ma14="http://schemas.microsoft.com/office/mac/drawingml/2011/main" val="1"/>
             </a:ext>
           </a:extLst>
         </p:spPr>
@@ -1549,7 +1549,7 @@
           </a:ln>
           <a:extLst>
             <a:ext uri="{FAA26D3D-D897-4be2-8F04-BA451C77F1D7}">
-              <ma14:placeholderFlag xmlns:ma14="http://schemas.microsoft.com/office/mac/drawingml/2011/main" xmlns="" val="1"/>
+              <ma14:placeholderFlag xmlns="" xmlns:ma14="http://schemas.microsoft.com/office/mac/drawingml/2011/main" val="1"/>
             </a:ext>
           </a:extLst>
         </p:spPr>
@@ -1643,7 +1643,7 @@
           </a:ln>
           <a:extLst>
             <a:ext uri="{FAA26D3D-D897-4be2-8F04-BA451C77F1D7}">
-              <ma14:placeholderFlag xmlns:ma14="http://schemas.microsoft.com/office/mac/drawingml/2011/main" xmlns="" val="1"/>
+              <ma14:placeholderFlag xmlns="" xmlns:ma14="http://schemas.microsoft.com/office/mac/drawingml/2011/main" val="1"/>
             </a:ext>
           </a:extLst>
         </p:spPr>
@@ -1679,7 +1679,7 @@
           </a:ln>
           <a:extLst>
             <a:ext uri="{FAA26D3D-D897-4be2-8F04-BA451C77F1D7}">
-              <ma14:placeholderFlag xmlns:ma14="http://schemas.microsoft.com/office/mac/drawingml/2011/main" xmlns="" val="1"/>
+              <ma14:placeholderFlag xmlns="" xmlns:ma14="http://schemas.microsoft.com/office/mac/drawingml/2011/main" val="1"/>
             </a:ext>
           </a:extLst>
         </p:spPr>
@@ -1773,7 +1773,7 @@
           </a:ln>
           <a:extLst>
             <a:ext uri="{FAA26D3D-D897-4be2-8F04-BA451C77F1D7}">
-              <ma14:placeholderFlag xmlns:ma14="http://schemas.microsoft.com/office/mac/drawingml/2011/main" xmlns="" val="1"/>
+              <ma14:placeholderFlag xmlns="" xmlns:ma14="http://schemas.microsoft.com/office/mac/drawingml/2011/main" val="1"/>
             </a:ext>
           </a:extLst>
         </p:spPr>
@@ -1809,7 +1809,7 @@
           </a:ln>
           <a:extLst>
             <a:ext uri="{FAA26D3D-D897-4be2-8F04-BA451C77F1D7}">
-              <ma14:placeholderFlag xmlns:ma14="http://schemas.microsoft.com/office/mac/drawingml/2011/main" xmlns="" val="1"/>
+              <ma14:placeholderFlag xmlns="" xmlns:ma14="http://schemas.microsoft.com/office/mac/drawingml/2011/main" val="1"/>
             </a:ext>
           </a:extLst>
         </p:spPr>
@@ -1903,7 +1903,7 @@
           </a:ln>
           <a:extLst>
             <a:ext uri="{FAA26D3D-D897-4be2-8F04-BA451C77F1D7}">
-              <ma14:placeholderFlag xmlns:ma14="http://schemas.microsoft.com/office/mac/drawingml/2011/main" xmlns="" val="1"/>
+              <ma14:placeholderFlag xmlns="" xmlns:ma14="http://schemas.microsoft.com/office/mac/drawingml/2011/main" val="1"/>
             </a:ext>
           </a:extLst>
         </p:spPr>
@@ -1939,7 +1939,7 @@
           </a:ln>
           <a:extLst>
             <a:ext uri="{FAA26D3D-D897-4be2-8F04-BA451C77F1D7}">
-              <ma14:placeholderFlag xmlns:ma14="http://schemas.microsoft.com/office/mac/drawingml/2011/main" xmlns="" val="1"/>
+              <ma14:placeholderFlag xmlns="" xmlns:ma14="http://schemas.microsoft.com/office/mac/drawingml/2011/main" val="1"/>
             </a:ext>
           </a:extLst>
         </p:spPr>
@@ -2033,7 +2033,7 @@
           </a:ln>
           <a:extLst>
             <a:ext uri="{FAA26D3D-D897-4be2-8F04-BA451C77F1D7}">
-              <ma14:placeholderFlag xmlns:ma14="http://schemas.microsoft.com/office/mac/drawingml/2011/main" xmlns="" val="1"/>
+              <ma14:placeholderFlag xmlns="" xmlns:ma14="http://schemas.microsoft.com/office/mac/drawingml/2011/main" val="1"/>
             </a:ext>
           </a:extLst>
         </p:spPr>
@@ -2069,7 +2069,7 @@
           </a:ln>
           <a:extLst>
             <a:ext uri="{FAA26D3D-D897-4be2-8F04-BA451C77F1D7}">
-              <ma14:placeholderFlag xmlns:ma14="http://schemas.microsoft.com/office/mac/drawingml/2011/main" xmlns="" val="1"/>
+              <ma14:placeholderFlag xmlns="" xmlns:ma14="http://schemas.microsoft.com/office/mac/drawingml/2011/main" val="1"/>
             </a:ext>
           </a:extLst>
         </p:spPr>
@@ -2146,7 +2146,7 @@
           <a:ln/>
           <a:extLst>
             <a:ext uri="{FAA26D3D-D897-4be2-8F04-BA451C77F1D7}">
-              <ma14:placeholderFlag xmlns:ma14="http://schemas.microsoft.com/office/mac/drawingml/2011/main" xmlns="" val="1"/>
+              <ma14:placeholderFlag xmlns="" xmlns:ma14="http://schemas.microsoft.com/office/mac/drawingml/2011/main" val="1"/>
             </a:ext>
           </a:extLst>
         </p:spPr>
@@ -2252,7 +2252,7 @@
           </a:ln>
           <a:extLst>
             <a:ext uri="{FAA26D3D-D897-4be2-8F04-BA451C77F1D7}">
-              <ma14:placeholderFlag xmlns:ma14="http://schemas.microsoft.com/office/mac/drawingml/2011/main" xmlns="" val="1"/>
+              <ma14:placeholderFlag xmlns="" xmlns:ma14="http://schemas.microsoft.com/office/mac/drawingml/2011/main" val="1"/>
             </a:ext>
           </a:extLst>
         </p:spPr>
@@ -2288,7 +2288,7 @@
           </a:ln>
           <a:extLst>
             <a:ext uri="{FAA26D3D-D897-4be2-8F04-BA451C77F1D7}">
-              <ma14:placeholderFlag xmlns:ma14="http://schemas.microsoft.com/office/mac/drawingml/2011/main" xmlns="" val="1"/>
+              <ma14:placeholderFlag xmlns="" xmlns:ma14="http://schemas.microsoft.com/office/mac/drawingml/2011/main" val="1"/>
             </a:ext>
           </a:extLst>
         </p:spPr>
@@ -2382,7 +2382,7 @@
           </a:ln>
           <a:extLst>
             <a:ext uri="{FAA26D3D-D897-4be2-8F04-BA451C77F1D7}">
-              <ma14:placeholderFlag xmlns:ma14="http://schemas.microsoft.com/office/mac/drawingml/2011/main" xmlns="" val="1"/>
+              <ma14:placeholderFlag xmlns="" xmlns:ma14="http://schemas.microsoft.com/office/mac/drawingml/2011/main" val="1"/>
             </a:ext>
           </a:extLst>
         </p:spPr>
@@ -2418,7 +2418,7 @@
           </a:ln>
           <a:extLst>
             <a:ext uri="{FAA26D3D-D897-4be2-8F04-BA451C77F1D7}">
-              <ma14:placeholderFlag xmlns:ma14="http://schemas.microsoft.com/office/mac/drawingml/2011/main" xmlns="" val="1"/>
+              <ma14:placeholderFlag xmlns="" xmlns:ma14="http://schemas.microsoft.com/office/mac/drawingml/2011/main" val="1"/>
             </a:ext>
           </a:extLst>
         </p:spPr>
@@ -2512,7 +2512,7 @@
           </a:ln>
           <a:extLst>
             <a:ext uri="{FAA26D3D-D897-4be2-8F04-BA451C77F1D7}">
-              <ma14:placeholderFlag xmlns:ma14="http://schemas.microsoft.com/office/mac/drawingml/2011/main" xmlns="" val="1"/>
+              <ma14:placeholderFlag xmlns="" xmlns:ma14="http://schemas.microsoft.com/office/mac/drawingml/2011/main" val="1"/>
             </a:ext>
           </a:extLst>
         </p:spPr>
@@ -2548,7 +2548,7 @@
           </a:ln>
           <a:extLst>
             <a:ext uri="{FAA26D3D-D897-4be2-8F04-BA451C77F1D7}">
-              <ma14:placeholderFlag xmlns:ma14="http://schemas.microsoft.com/office/mac/drawingml/2011/main" xmlns="" val="1"/>
+              <ma14:placeholderFlag xmlns="" xmlns:ma14="http://schemas.microsoft.com/office/mac/drawingml/2011/main" val="1"/>
             </a:ext>
           </a:extLst>
         </p:spPr>
@@ -2642,7 +2642,7 @@
           </a:ln>
           <a:extLst>
             <a:ext uri="{FAA26D3D-D897-4be2-8F04-BA451C77F1D7}">
-              <ma14:placeholderFlag xmlns:ma14="http://schemas.microsoft.com/office/mac/drawingml/2011/main" xmlns="" val="1"/>
+              <ma14:placeholderFlag xmlns="" xmlns:ma14="http://schemas.microsoft.com/office/mac/drawingml/2011/main" val="1"/>
             </a:ext>
           </a:extLst>
         </p:spPr>
@@ -2678,7 +2678,7 @@
           </a:ln>
           <a:extLst>
             <a:ext uri="{FAA26D3D-D897-4be2-8F04-BA451C77F1D7}">
-              <ma14:placeholderFlag xmlns:ma14="http://schemas.microsoft.com/office/mac/drawingml/2011/main" xmlns="" val="1"/>
+              <ma14:placeholderFlag xmlns="" xmlns:ma14="http://schemas.microsoft.com/office/mac/drawingml/2011/main" val="1"/>
             </a:ext>
           </a:extLst>
         </p:spPr>
@@ -2772,7 +2772,7 @@
           </a:ln>
           <a:extLst>
             <a:ext uri="{FAA26D3D-D897-4be2-8F04-BA451C77F1D7}">
-              <ma14:placeholderFlag xmlns:ma14="http://schemas.microsoft.com/office/mac/drawingml/2011/main" xmlns="" val="1"/>
+              <ma14:placeholderFlag xmlns="" xmlns:ma14="http://schemas.microsoft.com/office/mac/drawingml/2011/main" val="1"/>
             </a:ext>
           </a:extLst>
         </p:spPr>
@@ -2808,7 +2808,7 @@
           </a:ln>
           <a:extLst>
             <a:ext uri="{FAA26D3D-D897-4be2-8F04-BA451C77F1D7}">
-              <ma14:placeholderFlag xmlns:ma14="http://schemas.microsoft.com/office/mac/drawingml/2011/main" xmlns="" val="1"/>
+              <ma14:placeholderFlag xmlns="" xmlns:ma14="http://schemas.microsoft.com/office/mac/drawingml/2011/main" val="1"/>
             </a:ext>
           </a:extLst>
         </p:spPr>
@@ -2902,7 +2902,7 @@
           </a:ln>
           <a:extLst>
             <a:ext uri="{FAA26D3D-D897-4be2-8F04-BA451C77F1D7}">
-              <ma14:placeholderFlag xmlns:ma14="http://schemas.microsoft.com/office/mac/drawingml/2011/main" xmlns="" val="1"/>
+              <ma14:placeholderFlag xmlns="" xmlns:ma14="http://schemas.microsoft.com/office/mac/drawingml/2011/main" val="1"/>
             </a:ext>
           </a:extLst>
         </p:spPr>
@@ -2938,7 +2938,7 @@
           </a:ln>
           <a:extLst>
             <a:ext uri="{FAA26D3D-D897-4be2-8F04-BA451C77F1D7}">
-              <ma14:placeholderFlag xmlns:ma14="http://schemas.microsoft.com/office/mac/drawingml/2011/main" xmlns="" val="1"/>
+              <ma14:placeholderFlag xmlns="" xmlns:ma14="http://schemas.microsoft.com/office/mac/drawingml/2011/main" val="1"/>
             </a:ext>
           </a:extLst>
         </p:spPr>
@@ -3015,7 +3015,7 @@
           <a:ln/>
           <a:extLst>
             <a:ext uri="{FAA26D3D-D897-4be2-8F04-BA451C77F1D7}">
-              <ma14:placeholderFlag xmlns:ma14="http://schemas.microsoft.com/office/mac/drawingml/2011/main" xmlns="" val="1"/>
+              <ma14:placeholderFlag xmlns="" xmlns:ma14="http://schemas.microsoft.com/office/mac/drawingml/2011/main" val="1"/>
             </a:ext>
           </a:extLst>
         </p:spPr>
@@ -3104,7 +3104,7 @@
           <a:ln/>
           <a:extLst>
             <a:ext uri="{FAA26D3D-D897-4be2-8F04-BA451C77F1D7}">
-              <ma14:placeholderFlag xmlns:ma14="http://schemas.microsoft.com/office/mac/drawingml/2011/main" xmlns="" val="1"/>
+              <ma14:placeholderFlag xmlns="" xmlns:ma14="http://schemas.microsoft.com/office/mac/drawingml/2011/main" val="1"/>
             </a:ext>
           </a:extLst>
         </p:spPr>
@@ -3193,7 +3193,7 @@
           <a:ln/>
           <a:extLst>
             <a:ext uri="{FAA26D3D-D897-4be2-8F04-BA451C77F1D7}">
-              <ma14:placeholderFlag xmlns:ma14="http://schemas.microsoft.com/office/mac/drawingml/2011/main" xmlns="" val="1"/>
+              <ma14:placeholderFlag xmlns="" xmlns:ma14="http://schemas.microsoft.com/office/mac/drawingml/2011/main" val="1"/>
             </a:ext>
           </a:extLst>
         </p:spPr>
@@ -3282,7 +3282,7 @@
           <a:ln/>
           <a:extLst>
             <a:ext uri="{FAA26D3D-D897-4be2-8F04-BA451C77F1D7}">
-              <ma14:placeholderFlag xmlns:ma14="http://schemas.microsoft.com/office/mac/drawingml/2011/main" xmlns="" val="1"/>
+              <ma14:placeholderFlag xmlns="" xmlns:ma14="http://schemas.microsoft.com/office/mac/drawingml/2011/main" val="1"/>
             </a:ext>
           </a:extLst>
         </p:spPr>
@@ -3371,7 +3371,7 @@
           <a:ln/>
           <a:extLst>
             <a:ext uri="{FAA26D3D-D897-4be2-8F04-BA451C77F1D7}">
-              <ma14:placeholderFlag xmlns:ma14="http://schemas.microsoft.com/office/mac/drawingml/2011/main" xmlns="" val="1"/>
+              <ma14:placeholderFlag xmlns="" xmlns:ma14="http://schemas.microsoft.com/office/mac/drawingml/2011/main" val="1"/>
             </a:ext>
           </a:extLst>
         </p:spPr>
@@ -3460,7 +3460,7 @@
           <a:ln/>
           <a:extLst>
             <a:ext uri="{FAA26D3D-D897-4be2-8F04-BA451C77F1D7}">
-              <ma14:placeholderFlag xmlns:ma14="http://schemas.microsoft.com/office/mac/drawingml/2011/main" xmlns="" val="1"/>
+              <ma14:placeholderFlag xmlns="" xmlns:ma14="http://schemas.microsoft.com/office/mac/drawingml/2011/main" val="1"/>
             </a:ext>
           </a:extLst>
         </p:spPr>
@@ -3549,7 +3549,7 @@
           <a:ln/>
           <a:extLst>
             <a:ext uri="{FAA26D3D-D897-4be2-8F04-BA451C77F1D7}">
-              <ma14:placeholderFlag xmlns:ma14="http://schemas.microsoft.com/office/mac/drawingml/2011/main" xmlns="" val="1"/>
+              <ma14:placeholderFlag xmlns="" xmlns:ma14="http://schemas.microsoft.com/office/mac/drawingml/2011/main" val="1"/>
             </a:ext>
           </a:extLst>
         </p:spPr>
@@ -3626,12 +3626,12 @@
           <a:effectLst/>
           <a:extLst>
             <a:ext uri="{909E8E84-426E-40dd-AFC4-6F175D3DCCD1}">
-              <a14:hiddenFill xmlns:a14="http://schemas.microsoft.com/office/drawing/2010/main" xmlns="">
+              <a14:hiddenFill xmlns="" xmlns:a14="http://schemas.microsoft.com/office/drawing/2010/main">
                 <a:noFill/>
               </a14:hiddenFill>
             </a:ext>
             <a:ext uri="{AF507438-7753-43e0-B8FC-AC1667EBCBE1}">
-              <a14:hiddenEffects xmlns:a14="http://schemas.microsoft.com/office/drawing/2010/main" xmlns="">
+              <a14:hiddenEffects xmlns="" xmlns:a14="http://schemas.microsoft.com/office/drawing/2010/main">
                 <a:effectLst>
                   <a:outerShdw blurRad="63500" dist="38099" dir="2700000" algn="ctr" rotWithShape="0">
                     <a:schemeClr val="bg2">
@@ -3832,7 +3832,7 @@
             <a:effectLst/>
             <a:extLst>
               <a:ext uri="{91240B29-F687-4f45-9708-019B960494DF}">
-                <a14:hiddenLine xmlns:a14="http://schemas.microsoft.com/office/drawing/2010/main" xmlns="" w="9525">
+                <a14:hiddenLine xmlns="" xmlns:a14="http://schemas.microsoft.com/office/drawing/2010/main" w="9525">
                   <a:solidFill>
                     <a:schemeClr val="tx1"/>
                   </a:solidFill>
@@ -3842,7 +3842,7 @@
                 </a14:hiddenLine>
               </a:ext>
               <a:ext uri="{AF507438-7753-43e0-B8FC-AC1667EBCBE1}">
-                <a14:hiddenEffects xmlns:a14="http://schemas.microsoft.com/office/drawing/2010/main" xmlns="">
+                <a14:hiddenEffects xmlns="" xmlns:a14="http://schemas.microsoft.com/office/drawing/2010/main">
                   <a:effectLst>
                     <a:outerShdw blurRad="63500" dist="38099" dir="2700000" algn="ctr" rotWithShape="0">
                       <a:schemeClr val="bg2">
@@ -3887,7 +3887,7 @@
             <a:effectLst/>
             <a:extLst>
               <a:ext uri="{91240B29-F687-4f45-9708-019B960494DF}">
-                <a14:hiddenLine xmlns:a14="http://schemas.microsoft.com/office/drawing/2010/main" xmlns="" w="9525">
+                <a14:hiddenLine xmlns="" xmlns:a14="http://schemas.microsoft.com/office/drawing/2010/main" w="9525">
                   <a:solidFill>
                     <a:schemeClr val="tx1"/>
                   </a:solidFill>
@@ -3897,7 +3897,7 @@
                 </a14:hiddenLine>
               </a:ext>
               <a:ext uri="{AF507438-7753-43e0-B8FC-AC1667EBCBE1}">
-                <a14:hiddenEffects xmlns:a14="http://schemas.microsoft.com/office/drawing/2010/main" xmlns="">
+                <a14:hiddenEffects xmlns="" xmlns:a14="http://schemas.microsoft.com/office/drawing/2010/main">
                   <a:effectLst>
                     <a:outerShdw blurRad="63500" dist="38099" dir="2700000" algn="ctr" rotWithShape="0">
                       <a:schemeClr val="bg2">
@@ -3942,7 +3942,7 @@
             <a:effectLst/>
             <a:extLst>
               <a:ext uri="{91240B29-F687-4f45-9708-019B960494DF}">
-                <a14:hiddenLine xmlns:a14="http://schemas.microsoft.com/office/drawing/2010/main" xmlns="" w="9525">
+                <a14:hiddenLine xmlns="" xmlns:a14="http://schemas.microsoft.com/office/drawing/2010/main" w="9525">
                   <a:solidFill>
                     <a:schemeClr val="tx1"/>
                   </a:solidFill>
@@ -3952,7 +3952,7 @@
                 </a14:hiddenLine>
               </a:ext>
               <a:ext uri="{AF507438-7753-43e0-B8FC-AC1667EBCBE1}">
-                <a14:hiddenEffects xmlns:a14="http://schemas.microsoft.com/office/drawing/2010/main" xmlns="">
+                <a14:hiddenEffects xmlns="" xmlns:a14="http://schemas.microsoft.com/office/drawing/2010/main">
                   <a:effectLst>
                     <a:outerShdw blurRad="63500" dist="38099" dir="2700000" algn="ctr" rotWithShape="0">
                       <a:schemeClr val="bg2">
@@ -3997,7 +3997,7 @@
             <a:effectLst/>
             <a:extLst>
               <a:ext uri="{91240B29-F687-4f45-9708-019B960494DF}">
-                <a14:hiddenLine xmlns:a14="http://schemas.microsoft.com/office/drawing/2010/main" xmlns="" w="9525">
+                <a14:hiddenLine xmlns="" xmlns:a14="http://schemas.microsoft.com/office/drawing/2010/main" w="9525">
                   <a:solidFill>
                     <a:schemeClr val="tx1"/>
                   </a:solidFill>
@@ -4007,7 +4007,7 @@
                 </a14:hiddenLine>
               </a:ext>
               <a:ext uri="{AF507438-7753-43e0-B8FC-AC1667EBCBE1}">
-                <a14:hiddenEffects xmlns:a14="http://schemas.microsoft.com/office/drawing/2010/main" xmlns="">
+                <a14:hiddenEffects xmlns="" xmlns:a14="http://schemas.microsoft.com/office/drawing/2010/main">
                   <a:effectLst>
                     <a:outerShdw blurRad="63500" dist="38099" dir="2700000" algn="ctr" rotWithShape="0">
                       <a:schemeClr val="bg2">
@@ -4052,7 +4052,7 @@
             <a:effectLst/>
             <a:extLst>
               <a:ext uri="{91240B29-F687-4f45-9708-019B960494DF}">
-                <a14:hiddenLine xmlns:a14="http://schemas.microsoft.com/office/drawing/2010/main" xmlns="" w="9525">
+                <a14:hiddenLine xmlns="" xmlns:a14="http://schemas.microsoft.com/office/drawing/2010/main" w="9525">
                   <a:solidFill>
                     <a:schemeClr val="tx1"/>
                   </a:solidFill>
@@ -4062,7 +4062,7 @@
                 </a14:hiddenLine>
               </a:ext>
               <a:ext uri="{AF507438-7753-43e0-B8FC-AC1667EBCBE1}">
-                <a14:hiddenEffects xmlns:a14="http://schemas.microsoft.com/office/drawing/2010/main" xmlns="">
+                <a14:hiddenEffects xmlns="" xmlns:a14="http://schemas.microsoft.com/office/drawing/2010/main">
                   <a:effectLst>
                     <a:outerShdw blurRad="63500" dist="38099" dir="2700000" algn="ctr" rotWithShape="0">
                       <a:schemeClr val="bg2">
@@ -4107,7 +4107,7 @@
             <a:effectLst/>
             <a:extLst>
               <a:ext uri="{91240B29-F687-4f45-9708-019B960494DF}">
-                <a14:hiddenLine xmlns:a14="http://schemas.microsoft.com/office/drawing/2010/main" xmlns="" w="9525">
+                <a14:hiddenLine xmlns="" xmlns:a14="http://schemas.microsoft.com/office/drawing/2010/main" w="9525">
                   <a:solidFill>
                     <a:schemeClr val="tx1"/>
                   </a:solidFill>
@@ -4117,7 +4117,7 @@
                 </a14:hiddenLine>
               </a:ext>
               <a:ext uri="{AF507438-7753-43e0-B8FC-AC1667EBCBE1}">
-                <a14:hiddenEffects xmlns:a14="http://schemas.microsoft.com/office/drawing/2010/main" xmlns="">
+                <a14:hiddenEffects xmlns="" xmlns:a14="http://schemas.microsoft.com/office/drawing/2010/main">
                   <a:effectLst>
                     <a:outerShdw blurRad="63500" dist="38099" dir="2700000" algn="ctr" rotWithShape="0">
                       <a:schemeClr val="bg2">
@@ -4162,7 +4162,7 @@
             <a:effectLst/>
             <a:extLst>
               <a:ext uri="{91240B29-F687-4f45-9708-019B960494DF}">
-                <a14:hiddenLine xmlns:a14="http://schemas.microsoft.com/office/drawing/2010/main" xmlns="" w="9525">
+                <a14:hiddenLine xmlns="" xmlns:a14="http://schemas.microsoft.com/office/drawing/2010/main" w="9525">
                   <a:solidFill>
                     <a:schemeClr val="tx1"/>
                   </a:solidFill>
@@ -4172,7 +4172,7 @@
                 </a14:hiddenLine>
               </a:ext>
               <a:ext uri="{AF507438-7753-43e0-B8FC-AC1667EBCBE1}">
-                <a14:hiddenEffects xmlns:a14="http://schemas.microsoft.com/office/drawing/2010/main" xmlns="">
+                <a14:hiddenEffects xmlns="" xmlns:a14="http://schemas.microsoft.com/office/drawing/2010/main">
                   <a:effectLst>
                     <a:outerShdw blurRad="63500" dist="38099" dir="2700000" algn="ctr" rotWithShape="0">
                       <a:schemeClr val="bg2">
@@ -4217,7 +4217,7 @@
             <a:effectLst/>
             <a:extLst>
               <a:ext uri="{91240B29-F687-4f45-9708-019B960494DF}">
-                <a14:hiddenLine xmlns:a14="http://schemas.microsoft.com/office/drawing/2010/main" xmlns="" w="9525">
+                <a14:hiddenLine xmlns="" xmlns:a14="http://schemas.microsoft.com/office/drawing/2010/main" w="9525">
                   <a:solidFill>
                     <a:schemeClr val="tx1"/>
                   </a:solidFill>
@@ -4227,7 +4227,7 @@
                 </a14:hiddenLine>
               </a:ext>
               <a:ext uri="{AF507438-7753-43e0-B8FC-AC1667EBCBE1}">
-                <a14:hiddenEffects xmlns:a14="http://schemas.microsoft.com/office/drawing/2010/main" xmlns="">
+                <a14:hiddenEffects xmlns="" xmlns:a14="http://schemas.microsoft.com/office/drawing/2010/main">
                   <a:effectLst>
                     <a:outerShdw blurRad="63500" dist="38099" dir="2700000" algn="ctr" rotWithShape="0">
                       <a:schemeClr val="bg2">
@@ -4272,7 +4272,7 @@
             <a:effectLst/>
             <a:extLst>
               <a:ext uri="{91240B29-F687-4f45-9708-019B960494DF}">
-                <a14:hiddenLine xmlns:a14="http://schemas.microsoft.com/office/drawing/2010/main" xmlns="" w="9525">
+                <a14:hiddenLine xmlns="" xmlns:a14="http://schemas.microsoft.com/office/drawing/2010/main" w="9525">
                   <a:solidFill>
                     <a:schemeClr val="tx1"/>
                   </a:solidFill>
@@ -4282,7 +4282,7 @@
                 </a14:hiddenLine>
               </a:ext>
               <a:ext uri="{AF507438-7753-43e0-B8FC-AC1667EBCBE1}">
-                <a14:hiddenEffects xmlns:a14="http://schemas.microsoft.com/office/drawing/2010/main" xmlns="">
+                <a14:hiddenEffects xmlns="" xmlns:a14="http://schemas.microsoft.com/office/drawing/2010/main">
                   <a:effectLst>
                     <a:outerShdw blurRad="63500" dist="38099" dir="2700000" algn="ctr" rotWithShape="0">
                       <a:schemeClr val="bg2">
@@ -4327,7 +4327,7 @@
             <a:effectLst/>
             <a:extLst>
               <a:ext uri="{91240B29-F687-4f45-9708-019B960494DF}">
-                <a14:hiddenLine xmlns:a14="http://schemas.microsoft.com/office/drawing/2010/main" xmlns="" w="9525">
+                <a14:hiddenLine xmlns="" xmlns:a14="http://schemas.microsoft.com/office/drawing/2010/main" w="9525">
                   <a:solidFill>
                     <a:schemeClr val="tx1"/>
                   </a:solidFill>
@@ -4337,7 +4337,7 @@
                 </a14:hiddenLine>
               </a:ext>
               <a:ext uri="{AF507438-7753-43e0-B8FC-AC1667EBCBE1}">
-                <a14:hiddenEffects xmlns:a14="http://schemas.microsoft.com/office/drawing/2010/main" xmlns="">
+                <a14:hiddenEffects xmlns="" xmlns:a14="http://schemas.microsoft.com/office/drawing/2010/main">
                   <a:effectLst>
                     <a:outerShdw blurRad="63500" dist="38099" dir="2700000" algn="ctr" rotWithShape="0">
                       <a:schemeClr val="bg2">
@@ -4382,7 +4382,7 @@
             <a:effectLst/>
             <a:extLst>
               <a:ext uri="{91240B29-F687-4f45-9708-019B960494DF}">
-                <a14:hiddenLine xmlns:a14="http://schemas.microsoft.com/office/drawing/2010/main" xmlns="" w="9525">
+                <a14:hiddenLine xmlns="" xmlns:a14="http://schemas.microsoft.com/office/drawing/2010/main" w="9525">
                   <a:solidFill>
                     <a:schemeClr val="tx1"/>
                   </a:solidFill>
@@ -4392,7 +4392,7 @@
                 </a14:hiddenLine>
               </a:ext>
               <a:ext uri="{AF507438-7753-43e0-B8FC-AC1667EBCBE1}">
-                <a14:hiddenEffects xmlns:a14="http://schemas.microsoft.com/office/drawing/2010/main" xmlns="">
+                <a14:hiddenEffects xmlns="" xmlns:a14="http://schemas.microsoft.com/office/drawing/2010/main">
                   <a:effectLst>
                     <a:outerShdw blurRad="63500" dist="38099" dir="2700000" algn="ctr" rotWithShape="0">
                       <a:schemeClr val="bg2">
@@ -4437,7 +4437,7 @@
             <a:effectLst/>
             <a:extLst>
               <a:ext uri="{91240B29-F687-4f45-9708-019B960494DF}">
-                <a14:hiddenLine xmlns:a14="http://schemas.microsoft.com/office/drawing/2010/main" xmlns="" w="9525">
+                <a14:hiddenLine xmlns="" xmlns:a14="http://schemas.microsoft.com/office/drawing/2010/main" w="9525">
                   <a:solidFill>
                     <a:schemeClr val="tx1"/>
                   </a:solidFill>
@@ -4447,7 +4447,7 @@
                 </a14:hiddenLine>
               </a:ext>
               <a:ext uri="{AF507438-7753-43e0-B8FC-AC1667EBCBE1}">
-                <a14:hiddenEffects xmlns:a14="http://schemas.microsoft.com/office/drawing/2010/main" xmlns="">
+                <a14:hiddenEffects xmlns="" xmlns:a14="http://schemas.microsoft.com/office/drawing/2010/main">
                   <a:effectLst>
                     <a:outerShdw blurRad="63500" dist="38099" dir="2700000" algn="ctr" rotWithShape="0">
                       <a:schemeClr val="bg2">
@@ -4492,7 +4492,7 @@
             <a:effectLst/>
             <a:extLst>
               <a:ext uri="{91240B29-F687-4f45-9708-019B960494DF}">
-                <a14:hiddenLine xmlns:a14="http://schemas.microsoft.com/office/drawing/2010/main" xmlns="" w="9525">
+                <a14:hiddenLine xmlns="" xmlns:a14="http://schemas.microsoft.com/office/drawing/2010/main" w="9525">
                   <a:solidFill>
                     <a:schemeClr val="tx1"/>
                   </a:solidFill>
@@ -4502,7 +4502,7 @@
                 </a14:hiddenLine>
               </a:ext>
               <a:ext uri="{AF507438-7753-43e0-B8FC-AC1667EBCBE1}">
-                <a14:hiddenEffects xmlns:a14="http://schemas.microsoft.com/office/drawing/2010/main" xmlns="">
+                <a14:hiddenEffects xmlns="" xmlns:a14="http://schemas.microsoft.com/office/drawing/2010/main">
                   <a:effectLst>
                     <a:outerShdw blurRad="63500" dist="38099" dir="2700000" algn="ctr" rotWithShape="0">
                       <a:schemeClr val="bg2">
@@ -4547,7 +4547,7 @@
             <a:effectLst/>
             <a:extLst>
               <a:ext uri="{91240B29-F687-4f45-9708-019B960494DF}">
-                <a14:hiddenLine xmlns:a14="http://schemas.microsoft.com/office/drawing/2010/main" xmlns="" w="9525">
+                <a14:hiddenLine xmlns="" xmlns:a14="http://schemas.microsoft.com/office/drawing/2010/main" w="9525">
                   <a:solidFill>
                     <a:schemeClr val="tx1"/>
                   </a:solidFill>
@@ -4557,7 +4557,7 @@
                 </a14:hiddenLine>
               </a:ext>
               <a:ext uri="{AF507438-7753-43e0-B8FC-AC1667EBCBE1}">
-                <a14:hiddenEffects xmlns:a14="http://schemas.microsoft.com/office/drawing/2010/main" xmlns="">
+                <a14:hiddenEffects xmlns="" xmlns:a14="http://schemas.microsoft.com/office/drawing/2010/main">
                   <a:effectLst>
                     <a:outerShdw blurRad="63500" dist="38099" dir="2700000" algn="ctr" rotWithShape="0">
                       <a:schemeClr val="bg2">
@@ -4602,7 +4602,7 @@
             <a:effectLst/>
             <a:extLst>
               <a:ext uri="{91240B29-F687-4f45-9708-019B960494DF}">
-                <a14:hiddenLine xmlns:a14="http://schemas.microsoft.com/office/drawing/2010/main" xmlns="" w="9525">
+                <a14:hiddenLine xmlns="" xmlns:a14="http://schemas.microsoft.com/office/drawing/2010/main" w="9525">
                   <a:solidFill>
                     <a:schemeClr val="tx1"/>
                   </a:solidFill>
@@ -4612,7 +4612,7 @@
                 </a14:hiddenLine>
               </a:ext>
               <a:ext uri="{AF507438-7753-43e0-B8FC-AC1667EBCBE1}">
-                <a14:hiddenEffects xmlns:a14="http://schemas.microsoft.com/office/drawing/2010/main" xmlns="">
+                <a14:hiddenEffects xmlns="" xmlns:a14="http://schemas.microsoft.com/office/drawing/2010/main">
                   <a:effectLst>
                     <a:outerShdw blurRad="63500" dist="38099" dir="2700000" algn="ctr" rotWithShape="0">
                       <a:schemeClr val="bg2">
@@ -4657,7 +4657,7 @@
             <a:effectLst/>
             <a:extLst>
               <a:ext uri="{91240B29-F687-4f45-9708-019B960494DF}">
-                <a14:hiddenLine xmlns:a14="http://schemas.microsoft.com/office/drawing/2010/main" xmlns="" w="9525">
+                <a14:hiddenLine xmlns="" xmlns:a14="http://schemas.microsoft.com/office/drawing/2010/main" w="9525">
                   <a:solidFill>
                     <a:schemeClr val="tx1"/>
                   </a:solidFill>
@@ -4667,7 +4667,7 @@
                 </a14:hiddenLine>
               </a:ext>
               <a:ext uri="{AF507438-7753-43e0-B8FC-AC1667EBCBE1}">
-                <a14:hiddenEffects xmlns:a14="http://schemas.microsoft.com/office/drawing/2010/main" xmlns="">
+                <a14:hiddenEffects xmlns="" xmlns:a14="http://schemas.microsoft.com/office/drawing/2010/main">
                   <a:effectLst>
                     <a:outerShdw blurRad="63500" dist="38099" dir="2700000" algn="ctr" rotWithShape="0">
                       <a:schemeClr val="bg2">
@@ -4712,7 +4712,7 @@
             <a:effectLst/>
             <a:extLst>
               <a:ext uri="{91240B29-F687-4f45-9708-019B960494DF}">
-                <a14:hiddenLine xmlns:a14="http://schemas.microsoft.com/office/drawing/2010/main" xmlns="" w="9525">
+                <a14:hiddenLine xmlns="" xmlns:a14="http://schemas.microsoft.com/office/drawing/2010/main" w="9525">
                   <a:solidFill>
                     <a:schemeClr val="tx1"/>
                   </a:solidFill>
@@ -4722,7 +4722,7 @@
                 </a14:hiddenLine>
               </a:ext>
               <a:ext uri="{AF507438-7753-43e0-B8FC-AC1667EBCBE1}">
-                <a14:hiddenEffects xmlns:a14="http://schemas.microsoft.com/office/drawing/2010/main" xmlns="">
+                <a14:hiddenEffects xmlns="" xmlns:a14="http://schemas.microsoft.com/office/drawing/2010/main">
                   <a:effectLst>
                     <a:outerShdw blurRad="63500" dist="38099" dir="2700000" algn="ctr" rotWithShape="0">
                       <a:schemeClr val="bg2">
@@ -4767,7 +4767,7 @@
             <a:effectLst/>
             <a:extLst>
               <a:ext uri="{91240B29-F687-4f45-9708-019B960494DF}">
-                <a14:hiddenLine xmlns:a14="http://schemas.microsoft.com/office/drawing/2010/main" xmlns="" w="9525">
+                <a14:hiddenLine xmlns="" xmlns:a14="http://schemas.microsoft.com/office/drawing/2010/main" w="9525">
                   <a:solidFill>
                     <a:schemeClr val="tx1"/>
                   </a:solidFill>
@@ -4777,7 +4777,7 @@
                 </a14:hiddenLine>
               </a:ext>
               <a:ext uri="{AF507438-7753-43e0-B8FC-AC1667EBCBE1}">
-                <a14:hiddenEffects xmlns:a14="http://schemas.microsoft.com/office/drawing/2010/main" xmlns="">
+                <a14:hiddenEffects xmlns="" xmlns:a14="http://schemas.microsoft.com/office/drawing/2010/main">
                   <a:effectLst>
                     <a:outerShdw blurRad="63500" dist="38099" dir="2700000" algn="ctr" rotWithShape="0">
                       <a:schemeClr val="bg2">
@@ -4822,7 +4822,7 @@
             <a:effectLst/>
             <a:extLst>
               <a:ext uri="{91240B29-F687-4f45-9708-019B960494DF}">
-                <a14:hiddenLine xmlns:a14="http://schemas.microsoft.com/office/drawing/2010/main" xmlns="" w="9525">
+                <a14:hiddenLine xmlns="" xmlns:a14="http://schemas.microsoft.com/office/drawing/2010/main" w="9525">
                   <a:solidFill>
                     <a:schemeClr val="tx1"/>
                   </a:solidFill>
@@ -4832,7 +4832,7 @@
                 </a14:hiddenLine>
               </a:ext>
               <a:ext uri="{AF507438-7753-43e0-B8FC-AC1667EBCBE1}">
-                <a14:hiddenEffects xmlns:a14="http://schemas.microsoft.com/office/drawing/2010/main" xmlns="">
+                <a14:hiddenEffects xmlns="" xmlns:a14="http://schemas.microsoft.com/office/drawing/2010/main">
                   <a:effectLst>
                     <a:outerShdw blurRad="63500" dist="38099" dir="2700000" algn="ctr" rotWithShape="0">
                       <a:schemeClr val="bg2">
@@ -4877,7 +4877,7 @@
             <a:effectLst/>
             <a:extLst>
               <a:ext uri="{91240B29-F687-4f45-9708-019B960494DF}">
-                <a14:hiddenLine xmlns:a14="http://schemas.microsoft.com/office/drawing/2010/main" xmlns="" w="9525">
+                <a14:hiddenLine xmlns="" xmlns:a14="http://schemas.microsoft.com/office/drawing/2010/main" w="9525">
                   <a:solidFill>
                     <a:schemeClr val="tx1"/>
                   </a:solidFill>
@@ -4887,7 +4887,7 @@
                 </a14:hiddenLine>
               </a:ext>
               <a:ext uri="{AF507438-7753-43e0-B8FC-AC1667EBCBE1}">
-                <a14:hiddenEffects xmlns:a14="http://schemas.microsoft.com/office/drawing/2010/main" xmlns="">
+                <a14:hiddenEffects xmlns="" xmlns:a14="http://schemas.microsoft.com/office/drawing/2010/main">
                   <a:effectLst>
                     <a:outerShdw blurRad="63500" dist="38099" dir="2700000" algn="ctr" rotWithShape="0">
                       <a:schemeClr val="bg2">
@@ -4932,7 +4932,7 @@
             <a:effectLst/>
             <a:extLst>
               <a:ext uri="{91240B29-F687-4f45-9708-019B960494DF}">
-                <a14:hiddenLine xmlns:a14="http://schemas.microsoft.com/office/drawing/2010/main" xmlns="" w="9525">
+                <a14:hiddenLine xmlns="" xmlns:a14="http://schemas.microsoft.com/office/drawing/2010/main" w="9525">
                   <a:solidFill>
                     <a:schemeClr val="tx1"/>
                   </a:solidFill>
@@ -4942,7 +4942,7 @@
                 </a14:hiddenLine>
               </a:ext>
               <a:ext uri="{AF507438-7753-43e0-B8FC-AC1667EBCBE1}">
-                <a14:hiddenEffects xmlns:a14="http://schemas.microsoft.com/office/drawing/2010/main" xmlns="">
+                <a14:hiddenEffects xmlns="" xmlns:a14="http://schemas.microsoft.com/office/drawing/2010/main">
                   <a:effectLst>
                     <a:outerShdw blurRad="63500" dist="38099" dir="2700000" algn="ctr" rotWithShape="0">
                       <a:schemeClr val="bg2">
@@ -4987,7 +4987,7 @@
             <a:effectLst/>
             <a:extLst>
               <a:ext uri="{91240B29-F687-4f45-9708-019B960494DF}">
-                <a14:hiddenLine xmlns:a14="http://schemas.microsoft.com/office/drawing/2010/main" xmlns="" w="9525">
+                <a14:hiddenLine xmlns="" xmlns:a14="http://schemas.microsoft.com/office/drawing/2010/main" w="9525">
                   <a:solidFill>
                     <a:schemeClr val="tx1"/>
                   </a:solidFill>
@@ -4997,7 +4997,7 @@
                 </a14:hiddenLine>
               </a:ext>
               <a:ext uri="{AF507438-7753-43e0-B8FC-AC1667EBCBE1}">
-                <a14:hiddenEffects xmlns:a14="http://schemas.microsoft.com/office/drawing/2010/main" xmlns="">
+                <a14:hiddenEffects xmlns="" xmlns:a14="http://schemas.microsoft.com/office/drawing/2010/main">
                   <a:effectLst>
                     <a:outerShdw blurRad="63500" dist="38099" dir="2700000" algn="ctr" rotWithShape="0">
                       <a:schemeClr val="bg2">
@@ -5042,7 +5042,7 @@
             <a:effectLst/>
             <a:extLst>
               <a:ext uri="{91240B29-F687-4f45-9708-019B960494DF}">
-                <a14:hiddenLine xmlns:a14="http://schemas.microsoft.com/office/drawing/2010/main" xmlns="" w="9525">
+                <a14:hiddenLine xmlns="" xmlns:a14="http://schemas.microsoft.com/office/drawing/2010/main" w="9525">
                   <a:solidFill>
                     <a:schemeClr val="tx1"/>
                   </a:solidFill>
@@ -5052,7 +5052,7 @@
                 </a14:hiddenLine>
               </a:ext>
               <a:ext uri="{AF507438-7753-43e0-B8FC-AC1667EBCBE1}">
-                <a14:hiddenEffects xmlns:a14="http://schemas.microsoft.com/office/drawing/2010/main" xmlns="">
+                <a14:hiddenEffects xmlns="" xmlns:a14="http://schemas.microsoft.com/office/drawing/2010/main">
                   <a:effectLst>
                     <a:outerShdw blurRad="63500" dist="38099" dir="2700000" algn="ctr" rotWithShape="0">
                       <a:schemeClr val="bg2">
@@ -5097,7 +5097,7 @@
             <a:effectLst/>
             <a:extLst>
               <a:ext uri="{91240B29-F687-4f45-9708-019B960494DF}">
-                <a14:hiddenLine xmlns:a14="http://schemas.microsoft.com/office/drawing/2010/main" xmlns="" w="9525">
+                <a14:hiddenLine xmlns="" xmlns:a14="http://schemas.microsoft.com/office/drawing/2010/main" w="9525">
                   <a:solidFill>
                     <a:schemeClr val="tx1"/>
                   </a:solidFill>
@@ -5107,7 +5107,7 @@
                 </a14:hiddenLine>
               </a:ext>
               <a:ext uri="{AF507438-7753-43e0-B8FC-AC1667EBCBE1}">
-                <a14:hiddenEffects xmlns:a14="http://schemas.microsoft.com/office/drawing/2010/main" xmlns="">
+                <a14:hiddenEffects xmlns="" xmlns:a14="http://schemas.microsoft.com/office/drawing/2010/main">
                   <a:effectLst>
                     <a:outerShdw blurRad="63500" dist="38099" dir="2700000" algn="ctr" rotWithShape="0">
                       <a:schemeClr val="bg2">
@@ -5152,7 +5152,7 @@
             <a:effectLst/>
             <a:extLst>
               <a:ext uri="{91240B29-F687-4f45-9708-019B960494DF}">
-                <a14:hiddenLine xmlns:a14="http://schemas.microsoft.com/office/drawing/2010/main" xmlns="" w="9525">
+                <a14:hiddenLine xmlns="" xmlns:a14="http://schemas.microsoft.com/office/drawing/2010/main" w="9525">
                   <a:solidFill>
                     <a:schemeClr val="tx1"/>
                   </a:solidFill>
@@ -5162,7 +5162,7 @@
                 </a14:hiddenLine>
               </a:ext>
               <a:ext uri="{AF507438-7753-43e0-B8FC-AC1667EBCBE1}">
-                <a14:hiddenEffects xmlns:a14="http://schemas.microsoft.com/office/drawing/2010/main" xmlns="">
+                <a14:hiddenEffects xmlns="" xmlns:a14="http://schemas.microsoft.com/office/drawing/2010/main">
                   <a:effectLst>
                     <a:outerShdw blurRad="63500" dist="38099" dir="2700000" algn="ctr" rotWithShape="0">
                       <a:schemeClr val="bg2">
@@ -5207,7 +5207,7 @@
             <a:effectLst/>
             <a:extLst>
               <a:ext uri="{91240B29-F687-4f45-9708-019B960494DF}">
-                <a14:hiddenLine xmlns:a14="http://schemas.microsoft.com/office/drawing/2010/main" xmlns="" w="9525">
+                <a14:hiddenLine xmlns="" xmlns:a14="http://schemas.microsoft.com/office/drawing/2010/main" w="9525">
                   <a:solidFill>
                     <a:schemeClr val="tx1"/>
                   </a:solidFill>
@@ -5217,7 +5217,7 @@
                 </a14:hiddenLine>
               </a:ext>
               <a:ext uri="{AF507438-7753-43e0-B8FC-AC1667EBCBE1}">
-                <a14:hiddenEffects xmlns:a14="http://schemas.microsoft.com/office/drawing/2010/main" xmlns="">
+                <a14:hiddenEffects xmlns="" xmlns:a14="http://schemas.microsoft.com/office/drawing/2010/main">
                   <a:effectLst>
                     <a:outerShdw blurRad="63500" dist="38099" dir="2700000" algn="ctr" rotWithShape="0">
                       <a:schemeClr val="bg2">
@@ -5262,7 +5262,7 @@
             <a:effectLst/>
             <a:extLst>
               <a:ext uri="{91240B29-F687-4f45-9708-019B960494DF}">
-                <a14:hiddenLine xmlns:a14="http://schemas.microsoft.com/office/drawing/2010/main" xmlns="" w="9525">
+                <a14:hiddenLine xmlns="" xmlns:a14="http://schemas.microsoft.com/office/drawing/2010/main" w="9525">
                   <a:solidFill>
                     <a:schemeClr val="tx1"/>
                   </a:solidFill>
@@ -5272,7 +5272,7 @@
                 </a14:hiddenLine>
               </a:ext>
               <a:ext uri="{AF507438-7753-43e0-B8FC-AC1667EBCBE1}">
-                <a14:hiddenEffects xmlns:a14="http://schemas.microsoft.com/office/drawing/2010/main" xmlns="">
+                <a14:hiddenEffects xmlns="" xmlns:a14="http://schemas.microsoft.com/office/drawing/2010/main">
                   <a:effectLst>
                     <a:outerShdw blurRad="63500" dist="38099" dir="2700000" algn="ctr" rotWithShape="0">
                       <a:schemeClr val="bg2">
@@ -5317,7 +5317,7 @@
             <a:effectLst/>
             <a:extLst>
               <a:ext uri="{91240B29-F687-4f45-9708-019B960494DF}">
-                <a14:hiddenLine xmlns:a14="http://schemas.microsoft.com/office/drawing/2010/main" xmlns="" w="9525">
+                <a14:hiddenLine xmlns="" xmlns:a14="http://schemas.microsoft.com/office/drawing/2010/main" w="9525">
                   <a:solidFill>
                     <a:schemeClr val="tx1"/>
                   </a:solidFill>
@@ -5327,7 +5327,7 @@
                 </a14:hiddenLine>
               </a:ext>
               <a:ext uri="{AF507438-7753-43e0-B8FC-AC1667EBCBE1}">
-                <a14:hiddenEffects xmlns:a14="http://schemas.microsoft.com/office/drawing/2010/main" xmlns="">
+                <a14:hiddenEffects xmlns="" xmlns:a14="http://schemas.microsoft.com/office/drawing/2010/main">
                   <a:effectLst>
                     <a:outerShdw blurRad="63500" dist="38099" dir="2700000" algn="ctr" rotWithShape="0">
                       <a:schemeClr val="bg2">
@@ -5372,7 +5372,7 @@
             <a:effectLst/>
             <a:extLst>
               <a:ext uri="{91240B29-F687-4f45-9708-019B960494DF}">
-                <a14:hiddenLine xmlns:a14="http://schemas.microsoft.com/office/drawing/2010/main" xmlns="" w="9525">
+                <a14:hiddenLine xmlns="" xmlns:a14="http://schemas.microsoft.com/office/drawing/2010/main" w="9525">
                   <a:solidFill>
                     <a:schemeClr val="tx1"/>
                   </a:solidFill>
@@ -5382,7 +5382,7 @@
                 </a14:hiddenLine>
               </a:ext>
               <a:ext uri="{AF507438-7753-43e0-B8FC-AC1667EBCBE1}">
-                <a14:hiddenEffects xmlns:a14="http://schemas.microsoft.com/office/drawing/2010/main" xmlns="">
+                <a14:hiddenEffects xmlns="" xmlns:a14="http://schemas.microsoft.com/office/drawing/2010/main">
                   <a:effectLst>
                     <a:outerShdw blurRad="63500" dist="38099" dir="2700000" algn="ctr" rotWithShape="0">
                       <a:schemeClr val="bg2">
@@ -5427,7 +5427,7 @@
             <a:effectLst/>
             <a:extLst>
               <a:ext uri="{91240B29-F687-4f45-9708-019B960494DF}">
-                <a14:hiddenLine xmlns:a14="http://schemas.microsoft.com/office/drawing/2010/main" xmlns="" w="9525">
+                <a14:hiddenLine xmlns="" xmlns:a14="http://schemas.microsoft.com/office/drawing/2010/main" w="9525">
                   <a:solidFill>
                     <a:schemeClr val="tx1"/>
                   </a:solidFill>
@@ -5437,7 +5437,7 @@
                 </a14:hiddenLine>
               </a:ext>
               <a:ext uri="{AF507438-7753-43e0-B8FC-AC1667EBCBE1}">
-                <a14:hiddenEffects xmlns:a14="http://schemas.microsoft.com/office/drawing/2010/main" xmlns="">
+                <a14:hiddenEffects xmlns="" xmlns:a14="http://schemas.microsoft.com/office/drawing/2010/main">
                   <a:effectLst>
                     <a:outerShdw blurRad="63500" dist="38099" dir="2700000" algn="ctr" rotWithShape="0">
                       <a:schemeClr val="bg2">
@@ -5482,7 +5482,7 @@
             <a:effectLst/>
             <a:extLst>
               <a:ext uri="{91240B29-F687-4f45-9708-019B960494DF}">
-                <a14:hiddenLine xmlns:a14="http://schemas.microsoft.com/office/drawing/2010/main" xmlns="" w="9525">
+                <a14:hiddenLine xmlns="" xmlns:a14="http://schemas.microsoft.com/office/drawing/2010/main" w="9525">
                   <a:solidFill>
                     <a:schemeClr val="tx1"/>
                   </a:solidFill>
@@ -5492,7 +5492,7 @@
                 </a14:hiddenLine>
               </a:ext>
               <a:ext uri="{AF507438-7753-43e0-B8FC-AC1667EBCBE1}">
-                <a14:hiddenEffects xmlns:a14="http://schemas.microsoft.com/office/drawing/2010/main" xmlns="">
+                <a14:hiddenEffects xmlns="" xmlns:a14="http://schemas.microsoft.com/office/drawing/2010/main">
                   <a:effectLst>
                     <a:outerShdw blurRad="63500" dist="38099" dir="2700000" algn="ctr" rotWithShape="0">
                       <a:schemeClr val="bg2">
@@ -5541,12 +5541,12 @@
           <a:effectLst/>
           <a:extLst>
             <a:ext uri="{909E8E84-426E-40dd-AFC4-6F175D3DCCD1}">
-              <a14:hiddenFill xmlns:a14="http://schemas.microsoft.com/office/drawing/2010/main" xmlns="">
+              <a14:hiddenFill xmlns="" xmlns:a14="http://schemas.microsoft.com/office/drawing/2010/main">
                 <a:noFill/>
               </a14:hiddenFill>
             </a:ext>
             <a:ext uri="{AF507438-7753-43e0-B8FC-AC1667EBCBE1}">
-              <a14:hiddenEffects xmlns:a14="http://schemas.microsoft.com/office/drawing/2010/main" xmlns="">
+              <a14:hiddenEffects xmlns="" xmlns:a14="http://schemas.microsoft.com/office/drawing/2010/main">
                 <a:effectLst>
                   <a:outerShdw blurRad="63500" dist="38099" dir="2700000" algn="ctr" rotWithShape="0">
                     <a:schemeClr val="bg2">
@@ -7870,12 +7870,12 @@
           <a:effectLst/>
           <a:extLst>
             <a:ext uri="{909E8E84-426E-40dd-AFC4-6F175D3DCCD1}">
-              <a14:hiddenFill xmlns:a14="http://schemas.microsoft.com/office/drawing/2010/main" xmlns="">
+              <a14:hiddenFill xmlns="" xmlns:a14="http://schemas.microsoft.com/office/drawing/2010/main">
                 <a:noFill/>
               </a14:hiddenFill>
             </a:ext>
             <a:ext uri="{AF507438-7753-43e0-B8FC-AC1667EBCBE1}">
-              <a14:hiddenEffects xmlns:a14="http://schemas.microsoft.com/office/drawing/2010/main" xmlns="">
+              <a14:hiddenEffects xmlns="" xmlns:a14="http://schemas.microsoft.com/office/drawing/2010/main">
                 <a:effectLst>
                   <a:outerShdw blurRad="63500" dist="38099" dir="2700000" algn="ctr" rotWithShape="0">
                     <a:schemeClr val="bg2">
@@ -7920,17 +7920,17 @@
           <a:effectLst/>
           <a:extLst>
             <a:ext uri="{FAA26D3D-D897-4be2-8F04-BA451C77F1D7}">
-              <ma14:placeholderFlag xmlns:ma14="http://schemas.microsoft.com/office/mac/drawingml/2011/main" xmlns="" val="1"/>
-            </a:ext>
-            <a:ext uri="{909E8E84-426E-40dd-AFC4-6F175D3DCCD1}">
-              <a14:hiddenFill xmlns:a14="http://schemas.microsoft.com/office/drawing/2010/main" xmlns="">
+              <ma14:placeholderFlag xmlns="" xmlns:ma14="http://schemas.microsoft.com/office/mac/drawingml/2011/main" val="1"/>
+            </a:ext>
+            <a:ext uri="{909E8E84-426E-40dd-AFC4-6F175D3DCCD1}">
+              <a14:hiddenFill xmlns="" xmlns:a14="http://schemas.microsoft.com/office/drawing/2010/main">
                 <a:solidFill>
                   <a:schemeClr val="accent1"/>
                 </a:solidFill>
               </a14:hiddenFill>
             </a:ext>
             <a:ext uri="{91240B29-F687-4f45-9708-019B960494DF}">
-              <a14:hiddenLine xmlns:a14="http://schemas.microsoft.com/office/drawing/2010/main" xmlns="" w="9525">
+              <a14:hiddenLine xmlns="" xmlns:a14="http://schemas.microsoft.com/office/drawing/2010/main" w="9525">
                 <a:solidFill>
                   <a:schemeClr val="tx1"/>
                 </a:solidFill>
@@ -7940,7 +7940,7 @@
               </a14:hiddenLine>
             </a:ext>
             <a:ext uri="{AF507438-7753-43e0-B8FC-AC1667EBCBE1}">
-              <a14:hiddenEffects xmlns:a14="http://schemas.microsoft.com/office/drawing/2010/main" xmlns="">
+              <a14:hiddenEffects xmlns="" xmlns:a14="http://schemas.microsoft.com/office/drawing/2010/main">
                 <a:effectLst>
                   <a:outerShdw blurRad="63500" dist="38099" dir="2700000" algn="ctr" rotWithShape="0">
                     <a:schemeClr val="bg2">
@@ -7993,17 +7993,17 @@
           <a:effectLst/>
           <a:extLst>
             <a:ext uri="{FAA26D3D-D897-4be2-8F04-BA451C77F1D7}">
-              <ma14:placeholderFlag xmlns:ma14="http://schemas.microsoft.com/office/mac/drawingml/2011/main" xmlns="" val="1"/>
-            </a:ext>
-            <a:ext uri="{909E8E84-426E-40dd-AFC4-6F175D3DCCD1}">
-              <a14:hiddenFill xmlns:a14="http://schemas.microsoft.com/office/drawing/2010/main" xmlns="">
+              <ma14:placeholderFlag xmlns="" xmlns:ma14="http://schemas.microsoft.com/office/mac/drawingml/2011/main" val="1"/>
+            </a:ext>
+            <a:ext uri="{909E8E84-426E-40dd-AFC4-6F175D3DCCD1}">
+              <a14:hiddenFill xmlns="" xmlns:a14="http://schemas.microsoft.com/office/drawing/2010/main">
                 <a:solidFill>
                   <a:schemeClr val="accent1"/>
                 </a:solidFill>
               </a14:hiddenFill>
             </a:ext>
             <a:ext uri="{91240B29-F687-4f45-9708-019B960494DF}">
-              <a14:hiddenLine xmlns:a14="http://schemas.microsoft.com/office/drawing/2010/main" xmlns="" w="9525">
+              <a14:hiddenLine xmlns="" xmlns:a14="http://schemas.microsoft.com/office/drawing/2010/main" w="9525">
                 <a:solidFill>
                   <a:schemeClr val="tx1"/>
                 </a:solidFill>
@@ -8013,7 +8013,7 @@
               </a14:hiddenLine>
             </a:ext>
             <a:ext uri="{AF507438-7753-43e0-B8FC-AC1667EBCBE1}">
-              <a14:hiddenEffects xmlns:a14="http://schemas.microsoft.com/office/drawing/2010/main" xmlns="">
+              <a14:hiddenEffects xmlns="" xmlns:a14="http://schemas.microsoft.com/office/drawing/2010/main">
                 <a:effectLst>
                   <a:outerShdw blurRad="63500" dist="38099" dir="2700000" algn="ctr" rotWithShape="0">
                     <a:schemeClr val="bg2">
@@ -8094,17 +8094,17 @@
           <a:effectLst/>
           <a:extLst>
             <a:ext uri="{FAA26D3D-D897-4be2-8F04-BA451C77F1D7}">
-              <ma14:placeholderFlag xmlns:ma14="http://schemas.microsoft.com/office/mac/drawingml/2011/main" xmlns="" val="1"/>
-            </a:ext>
-            <a:ext uri="{909E8E84-426E-40dd-AFC4-6F175D3DCCD1}">
-              <a14:hiddenFill xmlns:a14="http://schemas.microsoft.com/office/drawing/2010/main" xmlns="">
+              <ma14:placeholderFlag xmlns="" xmlns:ma14="http://schemas.microsoft.com/office/mac/drawingml/2011/main" val="1"/>
+            </a:ext>
+            <a:ext uri="{909E8E84-426E-40dd-AFC4-6F175D3DCCD1}">
+              <a14:hiddenFill xmlns="" xmlns:a14="http://schemas.microsoft.com/office/drawing/2010/main">
                 <a:solidFill>
                   <a:schemeClr val="accent1"/>
                 </a:solidFill>
               </a14:hiddenFill>
             </a:ext>
             <a:ext uri="{91240B29-F687-4f45-9708-019B960494DF}">
-              <a14:hiddenLine xmlns:a14="http://schemas.microsoft.com/office/drawing/2010/main" xmlns="" w="9525">
+              <a14:hiddenLine xmlns="" xmlns:a14="http://schemas.microsoft.com/office/drawing/2010/main" w="9525">
                 <a:solidFill>
                   <a:schemeClr val="tx1"/>
                 </a:solidFill>
@@ -8114,7 +8114,7 @@
               </a14:hiddenLine>
             </a:ext>
             <a:ext uri="{AF507438-7753-43e0-B8FC-AC1667EBCBE1}">
-              <a14:hiddenEffects xmlns:a14="http://schemas.microsoft.com/office/drawing/2010/main" xmlns="">
+              <a14:hiddenEffects xmlns="" xmlns:a14="http://schemas.microsoft.com/office/drawing/2010/main">
                 <a:effectLst>
                   <a:outerShdw blurRad="63500" dist="38099" dir="2700000" algn="ctr" rotWithShape="0">
                     <a:schemeClr val="bg2">
@@ -8167,17 +8167,17 @@
           <a:effectLst/>
           <a:extLst>
             <a:ext uri="{FAA26D3D-D897-4be2-8F04-BA451C77F1D7}">
-              <ma14:placeholderFlag xmlns:ma14="http://schemas.microsoft.com/office/mac/drawingml/2011/main" xmlns="" val="1"/>
-            </a:ext>
-            <a:ext uri="{909E8E84-426E-40dd-AFC4-6F175D3DCCD1}">
-              <a14:hiddenFill xmlns:a14="http://schemas.microsoft.com/office/drawing/2010/main" xmlns="">
+              <ma14:placeholderFlag xmlns="" xmlns:ma14="http://schemas.microsoft.com/office/mac/drawingml/2011/main" val="1"/>
+            </a:ext>
+            <a:ext uri="{909E8E84-426E-40dd-AFC4-6F175D3DCCD1}">
+              <a14:hiddenFill xmlns="" xmlns:a14="http://schemas.microsoft.com/office/drawing/2010/main">
                 <a:solidFill>
                   <a:schemeClr val="accent1"/>
                 </a:solidFill>
               </a14:hiddenFill>
             </a:ext>
             <a:ext uri="{91240B29-F687-4f45-9708-019B960494DF}">
-              <a14:hiddenLine xmlns:a14="http://schemas.microsoft.com/office/drawing/2010/main" xmlns="" w="9525">
+              <a14:hiddenLine xmlns="" xmlns:a14="http://schemas.microsoft.com/office/drawing/2010/main" w="9525">
                 <a:solidFill>
                   <a:schemeClr val="tx1"/>
                 </a:solidFill>
@@ -8187,7 +8187,7 @@
               </a14:hiddenLine>
             </a:ext>
             <a:ext uri="{AF507438-7753-43e0-B8FC-AC1667EBCBE1}">
-              <a14:hiddenEffects xmlns:a14="http://schemas.microsoft.com/office/drawing/2010/main" xmlns="">
+              <a14:hiddenEffects xmlns="" xmlns:a14="http://schemas.microsoft.com/office/drawing/2010/main">
                 <a:effectLst>
                   <a:outerShdw blurRad="63500" dist="38099" dir="2700000" algn="ctr" rotWithShape="0">
                     <a:schemeClr val="bg2">
@@ -8240,17 +8240,17 @@
           <a:effectLst/>
           <a:extLst>
             <a:ext uri="{FAA26D3D-D897-4be2-8F04-BA451C77F1D7}">
-              <ma14:placeholderFlag xmlns:ma14="http://schemas.microsoft.com/office/mac/drawingml/2011/main" xmlns="" val="1"/>
-            </a:ext>
-            <a:ext uri="{909E8E84-426E-40dd-AFC4-6F175D3DCCD1}">
-              <a14:hiddenFill xmlns:a14="http://schemas.microsoft.com/office/drawing/2010/main" xmlns="">
+              <ma14:placeholderFlag xmlns="" xmlns:ma14="http://schemas.microsoft.com/office/mac/drawingml/2011/main" val="1"/>
+            </a:ext>
+            <a:ext uri="{909E8E84-426E-40dd-AFC4-6F175D3DCCD1}">
+              <a14:hiddenFill xmlns="" xmlns:a14="http://schemas.microsoft.com/office/drawing/2010/main">
                 <a:solidFill>
                   <a:schemeClr val="accent1"/>
                 </a:solidFill>
               </a14:hiddenFill>
             </a:ext>
             <a:ext uri="{91240B29-F687-4f45-9708-019B960494DF}">
-              <a14:hiddenLine xmlns:a14="http://schemas.microsoft.com/office/drawing/2010/main" xmlns="" w="9525">
+              <a14:hiddenLine xmlns="" xmlns:a14="http://schemas.microsoft.com/office/drawing/2010/main" w="9525">
                 <a:solidFill>
                   <a:schemeClr val="tx1"/>
                 </a:solidFill>
@@ -8260,7 +8260,7 @@
               </a14:hiddenLine>
             </a:ext>
             <a:ext uri="{AF507438-7753-43e0-B8FC-AC1667EBCBE1}">
-              <a14:hiddenEffects xmlns:a14="http://schemas.microsoft.com/office/drawing/2010/main" xmlns="">
+              <a14:hiddenEffects xmlns="" xmlns:a14="http://schemas.microsoft.com/office/drawing/2010/main">
                 <a:effectLst>
                   <a:outerShdw blurRad="63500" dist="38099" dir="2700000" algn="ctr" rotWithShape="0">
                     <a:schemeClr val="bg2">
@@ -8334,7 +8334,7 @@
             <a:effectLst/>
             <a:extLst>
               <a:ext uri="{91240B29-F687-4f45-9708-019B960494DF}">
-                <a14:hiddenLine xmlns:a14="http://schemas.microsoft.com/office/drawing/2010/main" xmlns="" w="9525">
+                <a14:hiddenLine xmlns="" xmlns:a14="http://schemas.microsoft.com/office/drawing/2010/main" w="9525">
                   <a:solidFill>
                     <a:schemeClr val="tx1"/>
                   </a:solidFill>
@@ -8344,7 +8344,7 @@
                 </a14:hiddenLine>
               </a:ext>
               <a:ext uri="{AF507438-7753-43e0-B8FC-AC1667EBCBE1}">
-                <a14:hiddenEffects xmlns:a14="http://schemas.microsoft.com/office/drawing/2010/main" xmlns="">
+                <a14:hiddenEffects xmlns="" xmlns:a14="http://schemas.microsoft.com/office/drawing/2010/main">
                   <a:effectLst>
                     <a:outerShdw blurRad="63500" dist="38099" dir="2700000" algn="ctr" rotWithShape="0">
                       <a:schemeClr val="bg2">
@@ -8389,7 +8389,7 @@
             <a:effectLst/>
             <a:extLst>
               <a:ext uri="{91240B29-F687-4f45-9708-019B960494DF}">
-                <a14:hiddenLine xmlns:a14="http://schemas.microsoft.com/office/drawing/2010/main" xmlns="" w="9525">
+                <a14:hiddenLine xmlns="" xmlns:a14="http://schemas.microsoft.com/office/drawing/2010/main" w="9525">
                   <a:solidFill>
                     <a:schemeClr val="tx1"/>
                   </a:solidFill>
@@ -8399,7 +8399,7 @@
                 </a14:hiddenLine>
               </a:ext>
               <a:ext uri="{AF507438-7753-43e0-B8FC-AC1667EBCBE1}">
-                <a14:hiddenEffects xmlns:a14="http://schemas.microsoft.com/office/drawing/2010/main" xmlns="">
+                <a14:hiddenEffects xmlns="" xmlns:a14="http://schemas.microsoft.com/office/drawing/2010/main">
                   <a:effectLst>
                     <a:outerShdw blurRad="63500" dist="38099" dir="2700000" algn="ctr" rotWithShape="0">
                       <a:schemeClr val="bg2">
@@ -8444,7 +8444,7 @@
             <a:effectLst/>
             <a:extLst>
               <a:ext uri="{91240B29-F687-4f45-9708-019B960494DF}">
-                <a14:hiddenLine xmlns:a14="http://schemas.microsoft.com/office/drawing/2010/main" xmlns="" w="9525">
+                <a14:hiddenLine xmlns="" xmlns:a14="http://schemas.microsoft.com/office/drawing/2010/main" w="9525">
                   <a:solidFill>
                     <a:schemeClr val="tx1"/>
                   </a:solidFill>
@@ -8454,7 +8454,7 @@
                 </a14:hiddenLine>
               </a:ext>
               <a:ext uri="{AF507438-7753-43e0-B8FC-AC1667EBCBE1}">
-                <a14:hiddenEffects xmlns:a14="http://schemas.microsoft.com/office/drawing/2010/main" xmlns="">
+                <a14:hiddenEffects xmlns="" xmlns:a14="http://schemas.microsoft.com/office/drawing/2010/main">
                   <a:effectLst>
                     <a:outerShdw blurRad="63500" dist="38099" dir="2700000" algn="ctr" rotWithShape="0">
                       <a:schemeClr val="bg2">
@@ -8499,7 +8499,7 @@
             <a:effectLst/>
             <a:extLst>
               <a:ext uri="{91240B29-F687-4f45-9708-019B960494DF}">
-                <a14:hiddenLine xmlns:a14="http://schemas.microsoft.com/office/drawing/2010/main" xmlns="" w="9525">
+                <a14:hiddenLine xmlns="" xmlns:a14="http://schemas.microsoft.com/office/drawing/2010/main" w="9525">
                   <a:solidFill>
                     <a:schemeClr val="tx1"/>
                   </a:solidFill>
@@ -8509,7 +8509,7 @@
                 </a14:hiddenLine>
               </a:ext>
               <a:ext uri="{AF507438-7753-43e0-B8FC-AC1667EBCBE1}">
-                <a14:hiddenEffects xmlns:a14="http://schemas.microsoft.com/office/drawing/2010/main" xmlns="">
+                <a14:hiddenEffects xmlns="" xmlns:a14="http://schemas.microsoft.com/office/drawing/2010/main">
                   <a:effectLst>
                     <a:outerShdw blurRad="63500" dist="38099" dir="2700000" algn="ctr" rotWithShape="0">
                       <a:schemeClr val="bg2">
@@ -8554,7 +8554,7 @@
             <a:effectLst/>
             <a:extLst>
               <a:ext uri="{91240B29-F687-4f45-9708-019B960494DF}">
-                <a14:hiddenLine xmlns:a14="http://schemas.microsoft.com/office/drawing/2010/main" xmlns="" w="9525">
+                <a14:hiddenLine xmlns="" xmlns:a14="http://schemas.microsoft.com/office/drawing/2010/main" w="9525">
                   <a:solidFill>
                     <a:schemeClr val="tx1"/>
                   </a:solidFill>
@@ -8564,7 +8564,7 @@
                 </a14:hiddenLine>
               </a:ext>
               <a:ext uri="{AF507438-7753-43e0-B8FC-AC1667EBCBE1}">
-                <a14:hiddenEffects xmlns:a14="http://schemas.microsoft.com/office/drawing/2010/main" xmlns="">
+                <a14:hiddenEffects xmlns="" xmlns:a14="http://schemas.microsoft.com/office/drawing/2010/main">
                   <a:effectLst>
                     <a:outerShdw blurRad="63500" dist="38099" dir="2700000" algn="ctr" rotWithShape="0">
                       <a:schemeClr val="bg2">
@@ -8609,7 +8609,7 @@
             <a:effectLst/>
             <a:extLst>
               <a:ext uri="{91240B29-F687-4f45-9708-019B960494DF}">
-                <a14:hiddenLine xmlns:a14="http://schemas.microsoft.com/office/drawing/2010/main" xmlns="" w="9525">
+                <a14:hiddenLine xmlns="" xmlns:a14="http://schemas.microsoft.com/office/drawing/2010/main" w="9525">
                   <a:solidFill>
                     <a:schemeClr val="tx1"/>
                   </a:solidFill>
@@ -8619,7 +8619,7 @@
                 </a14:hiddenLine>
               </a:ext>
               <a:ext uri="{AF507438-7753-43e0-B8FC-AC1667EBCBE1}">
-                <a14:hiddenEffects xmlns:a14="http://schemas.microsoft.com/office/drawing/2010/main" xmlns="">
+                <a14:hiddenEffects xmlns="" xmlns:a14="http://schemas.microsoft.com/office/drawing/2010/main">
                   <a:effectLst>
                     <a:outerShdw blurRad="63500" dist="38099" dir="2700000" algn="ctr" rotWithShape="0">
                       <a:schemeClr val="bg2">
@@ -8664,7 +8664,7 @@
             <a:effectLst/>
             <a:extLst>
               <a:ext uri="{91240B29-F687-4f45-9708-019B960494DF}">
-                <a14:hiddenLine xmlns:a14="http://schemas.microsoft.com/office/drawing/2010/main" xmlns="" w="9525">
+                <a14:hiddenLine xmlns="" xmlns:a14="http://schemas.microsoft.com/office/drawing/2010/main" w="9525">
                   <a:solidFill>
                     <a:schemeClr val="tx1"/>
                   </a:solidFill>
@@ -8674,7 +8674,7 @@
                 </a14:hiddenLine>
               </a:ext>
               <a:ext uri="{AF507438-7753-43e0-B8FC-AC1667EBCBE1}">
-                <a14:hiddenEffects xmlns:a14="http://schemas.microsoft.com/office/drawing/2010/main" xmlns="">
+                <a14:hiddenEffects xmlns="" xmlns:a14="http://schemas.microsoft.com/office/drawing/2010/main">
                   <a:effectLst>
                     <a:outerShdw blurRad="63500" dist="38099" dir="2700000" algn="ctr" rotWithShape="0">
                       <a:schemeClr val="bg2">
@@ -8719,7 +8719,7 @@
             <a:effectLst/>
             <a:extLst>
               <a:ext uri="{91240B29-F687-4f45-9708-019B960494DF}">
-                <a14:hiddenLine xmlns:a14="http://schemas.microsoft.com/office/drawing/2010/main" xmlns="" w="9525">
+                <a14:hiddenLine xmlns="" xmlns:a14="http://schemas.microsoft.com/office/drawing/2010/main" w="9525">
                   <a:solidFill>
                     <a:schemeClr val="tx1"/>
                   </a:solidFill>
@@ -8729,7 +8729,7 @@
                 </a14:hiddenLine>
               </a:ext>
               <a:ext uri="{AF507438-7753-43e0-B8FC-AC1667EBCBE1}">
-                <a14:hiddenEffects xmlns:a14="http://schemas.microsoft.com/office/drawing/2010/main" xmlns="">
+                <a14:hiddenEffects xmlns="" xmlns:a14="http://schemas.microsoft.com/office/drawing/2010/main">
                   <a:effectLst>
                     <a:outerShdw blurRad="63500" dist="38099" dir="2700000" algn="ctr" rotWithShape="0">
                       <a:schemeClr val="bg2">
@@ -8774,7 +8774,7 @@
             <a:effectLst/>
             <a:extLst>
               <a:ext uri="{91240B29-F687-4f45-9708-019B960494DF}">
-                <a14:hiddenLine xmlns:a14="http://schemas.microsoft.com/office/drawing/2010/main" xmlns="" w="9525">
+                <a14:hiddenLine xmlns="" xmlns:a14="http://schemas.microsoft.com/office/drawing/2010/main" w="9525">
                   <a:solidFill>
                     <a:schemeClr val="tx1"/>
                   </a:solidFill>
@@ -8784,7 +8784,7 @@
                 </a14:hiddenLine>
               </a:ext>
               <a:ext uri="{AF507438-7753-43e0-B8FC-AC1667EBCBE1}">
-                <a14:hiddenEffects xmlns:a14="http://schemas.microsoft.com/office/drawing/2010/main" xmlns="">
+                <a14:hiddenEffects xmlns="" xmlns:a14="http://schemas.microsoft.com/office/drawing/2010/main">
                   <a:effectLst>
                     <a:outerShdw blurRad="63500" dist="38099" dir="2700000" algn="ctr" rotWithShape="0">
                       <a:schemeClr val="bg2">
@@ -8829,7 +8829,7 @@
             <a:effectLst/>
             <a:extLst>
               <a:ext uri="{91240B29-F687-4f45-9708-019B960494DF}">
-                <a14:hiddenLine xmlns:a14="http://schemas.microsoft.com/office/drawing/2010/main" xmlns="" w="9525">
+                <a14:hiddenLine xmlns="" xmlns:a14="http://schemas.microsoft.com/office/drawing/2010/main" w="9525">
                   <a:solidFill>
                     <a:schemeClr val="tx1"/>
                   </a:solidFill>
@@ -8839,7 +8839,7 @@
                 </a14:hiddenLine>
               </a:ext>
               <a:ext uri="{AF507438-7753-43e0-B8FC-AC1667EBCBE1}">
-                <a14:hiddenEffects xmlns:a14="http://schemas.microsoft.com/office/drawing/2010/main" xmlns="">
+                <a14:hiddenEffects xmlns="" xmlns:a14="http://schemas.microsoft.com/office/drawing/2010/main">
                   <a:effectLst>
                     <a:outerShdw blurRad="63500" dist="38099" dir="2700000" algn="ctr" rotWithShape="0">
                       <a:schemeClr val="bg2">
@@ -8884,7 +8884,7 @@
             <a:effectLst/>
             <a:extLst>
               <a:ext uri="{91240B29-F687-4f45-9708-019B960494DF}">
-                <a14:hiddenLine xmlns:a14="http://schemas.microsoft.com/office/drawing/2010/main" xmlns="" w="9525">
+                <a14:hiddenLine xmlns="" xmlns:a14="http://schemas.microsoft.com/office/drawing/2010/main" w="9525">
                   <a:solidFill>
                     <a:schemeClr val="tx1"/>
                   </a:solidFill>
@@ -8894,7 +8894,7 @@
                 </a14:hiddenLine>
               </a:ext>
               <a:ext uri="{AF507438-7753-43e0-B8FC-AC1667EBCBE1}">
-                <a14:hiddenEffects xmlns:a14="http://schemas.microsoft.com/office/drawing/2010/main" xmlns="">
+                <a14:hiddenEffects xmlns="" xmlns:a14="http://schemas.microsoft.com/office/drawing/2010/main">
                   <a:effectLst>
                     <a:outerShdw blurRad="63500" dist="38099" dir="2700000" algn="ctr" rotWithShape="0">
                       <a:schemeClr val="bg2">
@@ -8939,7 +8939,7 @@
             <a:effectLst/>
             <a:extLst>
               <a:ext uri="{91240B29-F687-4f45-9708-019B960494DF}">
-                <a14:hiddenLine xmlns:a14="http://schemas.microsoft.com/office/drawing/2010/main" xmlns="" w="9525">
+                <a14:hiddenLine xmlns="" xmlns:a14="http://schemas.microsoft.com/office/drawing/2010/main" w="9525">
                   <a:solidFill>
                     <a:schemeClr val="tx1"/>
                   </a:solidFill>
@@ -8949,7 +8949,7 @@
                 </a14:hiddenLine>
               </a:ext>
               <a:ext uri="{AF507438-7753-43e0-B8FC-AC1667EBCBE1}">
-                <a14:hiddenEffects xmlns:a14="http://schemas.microsoft.com/office/drawing/2010/main" xmlns="">
+                <a14:hiddenEffects xmlns="" xmlns:a14="http://schemas.microsoft.com/office/drawing/2010/main">
                   <a:effectLst>
                     <a:outerShdw blurRad="63500" dist="38099" dir="2700000" algn="ctr" rotWithShape="0">
                       <a:schemeClr val="bg2">
@@ -8994,7 +8994,7 @@
             <a:effectLst/>
             <a:extLst>
               <a:ext uri="{91240B29-F687-4f45-9708-019B960494DF}">
-                <a14:hiddenLine xmlns:a14="http://schemas.microsoft.com/office/drawing/2010/main" xmlns="" w="9525">
+                <a14:hiddenLine xmlns="" xmlns:a14="http://schemas.microsoft.com/office/drawing/2010/main" w="9525">
                   <a:solidFill>
                     <a:schemeClr val="tx1"/>
                   </a:solidFill>
@@ -9004,7 +9004,7 @@
                 </a14:hiddenLine>
               </a:ext>
               <a:ext uri="{AF507438-7753-43e0-B8FC-AC1667EBCBE1}">
-                <a14:hiddenEffects xmlns:a14="http://schemas.microsoft.com/office/drawing/2010/main" xmlns="">
+                <a14:hiddenEffects xmlns="" xmlns:a14="http://schemas.microsoft.com/office/drawing/2010/main">
                   <a:effectLst>
                     <a:outerShdw blurRad="63500" dist="38099" dir="2700000" algn="ctr" rotWithShape="0">
                       <a:schemeClr val="bg2">
@@ -9049,7 +9049,7 @@
             <a:effectLst/>
             <a:extLst>
               <a:ext uri="{91240B29-F687-4f45-9708-019B960494DF}">
-                <a14:hiddenLine xmlns:a14="http://schemas.microsoft.com/office/drawing/2010/main" xmlns="" w="9525">
+                <a14:hiddenLine xmlns="" xmlns:a14="http://schemas.microsoft.com/office/drawing/2010/main" w="9525">
                   <a:solidFill>
                     <a:schemeClr val="tx1"/>
                   </a:solidFill>
@@ -9059,7 +9059,7 @@
                 </a14:hiddenLine>
               </a:ext>
               <a:ext uri="{AF507438-7753-43e0-B8FC-AC1667EBCBE1}">
-                <a14:hiddenEffects xmlns:a14="http://schemas.microsoft.com/office/drawing/2010/main" xmlns="">
+                <a14:hiddenEffects xmlns="" xmlns:a14="http://schemas.microsoft.com/office/drawing/2010/main">
                   <a:effectLst>
                     <a:outerShdw blurRad="63500" dist="38099" dir="2700000" algn="ctr" rotWithShape="0">
                       <a:schemeClr val="bg2">
@@ -9104,7 +9104,7 @@
             <a:effectLst/>
             <a:extLst>
               <a:ext uri="{91240B29-F687-4f45-9708-019B960494DF}">
-                <a14:hiddenLine xmlns:a14="http://schemas.microsoft.com/office/drawing/2010/main" xmlns="" w="9525">
+                <a14:hiddenLine xmlns="" xmlns:a14="http://schemas.microsoft.com/office/drawing/2010/main" w="9525">
                   <a:solidFill>
                     <a:schemeClr val="tx1"/>
                   </a:solidFill>
@@ -9114,7 +9114,7 @@
                 </a14:hiddenLine>
               </a:ext>
               <a:ext uri="{AF507438-7753-43e0-B8FC-AC1667EBCBE1}">
-                <a14:hiddenEffects xmlns:a14="http://schemas.microsoft.com/office/drawing/2010/main" xmlns="">
+                <a14:hiddenEffects xmlns="" xmlns:a14="http://schemas.microsoft.com/office/drawing/2010/main">
                   <a:effectLst>
                     <a:outerShdw blurRad="63500" dist="38099" dir="2700000" algn="ctr" rotWithShape="0">
                       <a:schemeClr val="bg2">
@@ -9159,7 +9159,7 @@
             <a:effectLst/>
             <a:extLst>
               <a:ext uri="{91240B29-F687-4f45-9708-019B960494DF}">
-                <a14:hiddenLine xmlns:a14="http://schemas.microsoft.com/office/drawing/2010/main" xmlns="" w="9525">
+                <a14:hiddenLine xmlns="" xmlns:a14="http://schemas.microsoft.com/office/drawing/2010/main" w="9525">
                   <a:solidFill>
                     <a:schemeClr val="tx1"/>
                   </a:solidFill>
@@ -9169,7 +9169,7 @@
                 </a14:hiddenLine>
               </a:ext>
               <a:ext uri="{AF507438-7753-43e0-B8FC-AC1667EBCBE1}">
-                <a14:hiddenEffects xmlns:a14="http://schemas.microsoft.com/office/drawing/2010/main" xmlns="">
+                <a14:hiddenEffects xmlns="" xmlns:a14="http://schemas.microsoft.com/office/drawing/2010/main">
                   <a:effectLst>
                     <a:outerShdw blurRad="63500" dist="38099" dir="2700000" algn="ctr" rotWithShape="0">
                       <a:schemeClr val="bg2">
@@ -9214,7 +9214,7 @@
             <a:effectLst/>
             <a:extLst>
               <a:ext uri="{91240B29-F687-4f45-9708-019B960494DF}">
-                <a14:hiddenLine xmlns:a14="http://schemas.microsoft.com/office/drawing/2010/main" xmlns="" w="9525">
+                <a14:hiddenLine xmlns="" xmlns:a14="http://schemas.microsoft.com/office/drawing/2010/main" w="9525">
                   <a:solidFill>
                     <a:schemeClr val="tx1"/>
                   </a:solidFill>
@@ -9224,7 +9224,7 @@
                 </a14:hiddenLine>
               </a:ext>
               <a:ext uri="{AF507438-7753-43e0-B8FC-AC1667EBCBE1}">
-                <a14:hiddenEffects xmlns:a14="http://schemas.microsoft.com/office/drawing/2010/main" xmlns="">
+                <a14:hiddenEffects xmlns="" xmlns:a14="http://schemas.microsoft.com/office/drawing/2010/main">
                   <a:effectLst>
                     <a:outerShdw blurRad="63500" dist="38099" dir="2700000" algn="ctr" rotWithShape="0">
                       <a:schemeClr val="bg2">
@@ -9269,7 +9269,7 @@
             <a:effectLst/>
             <a:extLst>
               <a:ext uri="{91240B29-F687-4f45-9708-019B960494DF}">
-                <a14:hiddenLine xmlns:a14="http://schemas.microsoft.com/office/drawing/2010/main" xmlns="" w="9525">
+                <a14:hiddenLine xmlns="" xmlns:a14="http://schemas.microsoft.com/office/drawing/2010/main" w="9525">
                   <a:solidFill>
                     <a:schemeClr val="tx1"/>
                   </a:solidFill>
@@ -9279,7 +9279,7 @@
                 </a14:hiddenLine>
               </a:ext>
               <a:ext uri="{AF507438-7753-43e0-B8FC-AC1667EBCBE1}">
-                <a14:hiddenEffects xmlns:a14="http://schemas.microsoft.com/office/drawing/2010/main" xmlns="">
+                <a14:hiddenEffects xmlns="" xmlns:a14="http://schemas.microsoft.com/office/drawing/2010/main">
                   <a:effectLst>
                     <a:outerShdw blurRad="63500" dist="38099" dir="2700000" algn="ctr" rotWithShape="0">
                       <a:schemeClr val="bg2">
@@ -9324,7 +9324,7 @@
             <a:effectLst/>
             <a:extLst>
               <a:ext uri="{91240B29-F687-4f45-9708-019B960494DF}">
-                <a14:hiddenLine xmlns:a14="http://schemas.microsoft.com/office/drawing/2010/main" xmlns="" w="9525">
+                <a14:hiddenLine xmlns="" xmlns:a14="http://schemas.microsoft.com/office/drawing/2010/main" w="9525">
                   <a:solidFill>
                     <a:schemeClr val="tx1"/>
                   </a:solidFill>
@@ -9334,7 +9334,7 @@
                 </a14:hiddenLine>
               </a:ext>
               <a:ext uri="{AF507438-7753-43e0-B8FC-AC1667EBCBE1}">
-                <a14:hiddenEffects xmlns:a14="http://schemas.microsoft.com/office/drawing/2010/main" xmlns="">
+                <a14:hiddenEffects xmlns="" xmlns:a14="http://schemas.microsoft.com/office/drawing/2010/main">
                   <a:effectLst>
                     <a:outerShdw blurRad="63500" dist="38099" dir="2700000" algn="ctr" rotWithShape="0">
                       <a:schemeClr val="bg2">
@@ -9379,7 +9379,7 @@
             <a:effectLst/>
             <a:extLst>
               <a:ext uri="{91240B29-F687-4f45-9708-019B960494DF}">
-                <a14:hiddenLine xmlns:a14="http://schemas.microsoft.com/office/drawing/2010/main" xmlns="" w="9525">
+                <a14:hiddenLine xmlns="" xmlns:a14="http://schemas.microsoft.com/office/drawing/2010/main" w="9525">
                   <a:solidFill>
                     <a:schemeClr val="tx1"/>
                   </a:solidFill>
@@ -9389,7 +9389,7 @@
                 </a14:hiddenLine>
               </a:ext>
               <a:ext uri="{AF507438-7753-43e0-B8FC-AC1667EBCBE1}">
-                <a14:hiddenEffects xmlns:a14="http://schemas.microsoft.com/office/drawing/2010/main" xmlns="">
+                <a14:hiddenEffects xmlns="" xmlns:a14="http://schemas.microsoft.com/office/drawing/2010/main">
                   <a:effectLst>
                     <a:outerShdw blurRad="63500" dist="38099" dir="2700000" algn="ctr" rotWithShape="0">
                       <a:schemeClr val="bg2">
@@ -9434,7 +9434,7 @@
             <a:effectLst/>
             <a:extLst>
               <a:ext uri="{91240B29-F687-4f45-9708-019B960494DF}">
-                <a14:hiddenLine xmlns:a14="http://schemas.microsoft.com/office/drawing/2010/main" xmlns="" w="9525">
+                <a14:hiddenLine xmlns="" xmlns:a14="http://schemas.microsoft.com/office/drawing/2010/main" w="9525">
                   <a:solidFill>
                     <a:schemeClr val="tx1"/>
                   </a:solidFill>
@@ -9444,7 +9444,7 @@
                 </a14:hiddenLine>
               </a:ext>
               <a:ext uri="{AF507438-7753-43e0-B8FC-AC1667EBCBE1}">
-                <a14:hiddenEffects xmlns:a14="http://schemas.microsoft.com/office/drawing/2010/main" xmlns="">
+                <a14:hiddenEffects xmlns="" xmlns:a14="http://schemas.microsoft.com/office/drawing/2010/main">
                   <a:effectLst>
                     <a:outerShdw blurRad="63500" dist="38099" dir="2700000" algn="ctr" rotWithShape="0">
                       <a:schemeClr val="bg2">
@@ -9489,7 +9489,7 @@
             <a:effectLst/>
             <a:extLst>
               <a:ext uri="{91240B29-F687-4f45-9708-019B960494DF}">
-                <a14:hiddenLine xmlns:a14="http://schemas.microsoft.com/office/drawing/2010/main" xmlns="" w="9525">
+                <a14:hiddenLine xmlns="" xmlns:a14="http://schemas.microsoft.com/office/drawing/2010/main" w="9525">
                   <a:solidFill>
                     <a:schemeClr val="tx1"/>
                   </a:solidFill>
@@ -9499,7 +9499,7 @@
                 </a14:hiddenLine>
               </a:ext>
               <a:ext uri="{AF507438-7753-43e0-B8FC-AC1667EBCBE1}">
-                <a14:hiddenEffects xmlns:a14="http://schemas.microsoft.com/office/drawing/2010/main" xmlns="">
+                <a14:hiddenEffects xmlns="" xmlns:a14="http://schemas.microsoft.com/office/drawing/2010/main">
                   <a:effectLst>
                     <a:outerShdw blurRad="63500" dist="38099" dir="2700000" algn="ctr" rotWithShape="0">
                       <a:schemeClr val="bg2">
@@ -9544,7 +9544,7 @@
             <a:effectLst/>
             <a:extLst>
               <a:ext uri="{91240B29-F687-4f45-9708-019B960494DF}">
-                <a14:hiddenLine xmlns:a14="http://schemas.microsoft.com/office/drawing/2010/main" xmlns="" w="9525">
+                <a14:hiddenLine xmlns="" xmlns:a14="http://schemas.microsoft.com/office/drawing/2010/main" w="9525">
                   <a:solidFill>
                     <a:schemeClr val="tx1"/>
                   </a:solidFill>
@@ -9554,7 +9554,7 @@
                 </a14:hiddenLine>
               </a:ext>
               <a:ext uri="{AF507438-7753-43e0-B8FC-AC1667EBCBE1}">
-                <a14:hiddenEffects xmlns:a14="http://schemas.microsoft.com/office/drawing/2010/main" xmlns="">
+                <a14:hiddenEffects xmlns="" xmlns:a14="http://schemas.microsoft.com/office/drawing/2010/main">
                   <a:effectLst>
                     <a:outerShdw blurRad="63500" dist="38099" dir="2700000" algn="ctr" rotWithShape="0">
                       <a:schemeClr val="bg2">
@@ -9599,7 +9599,7 @@
             <a:effectLst/>
             <a:extLst>
               <a:ext uri="{91240B29-F687-4f45-9708-019B960494DF}">
-                <a14:hiddenLine xmlns:a14="http://schemas.microsoft.com/office/drawing/2010/main" xmlns="" w="9525">
+                <a14:hiddenLine xmlns="" xmlns:a14="http://schemas.microsoft.com/office/drawing/2010/main" w="9525">
                   <a:solidFill>
                     <a:schemeClr val="tx1"/>
                   </a:solidFill>
@@ -9609,7 +9609,7 @@
                 </a14:hiddenLine>
               </a:ext>
               <a:ext uri="{AF507438-7753-43e0-B8FC-AC1667EBCBE1}">
-                <a14:hiddenEffects xmlns:a14="http://schemas.microsoft.com/office/drawing/2010/main" xmlns="">
+                <a14:hiddenEffects xmlns="" xmlns:a14="http://schemas.microsoft.com/office/drawing/2010/main">
                   <a:effectLst>
                     <a:outerShdw blurRad="63500" dist="38099" dir="2700000" algn="ctr" rotWithShape="0">
                       <a:schemeClr val="bg2">
@@ -9654,7 +9654,7 @@
             <a:effectLst/>
             <a:extLst>
               <a:ext uri="{91240B29-F687-4f45-9708-019B960494DF}">
-                <a14:hiddenLine xmlns:a14="http://schemas.microsoft.com/office/drawing/2010/main" xmlns="" w="9525">
+                <a14:hiddenLine xmlns="" xmlns:a14="http://schemas.microsoft.com/office/drawing/2010/main" w="9525">
                   <a:solidFill>
                     <a:schemeClr val="tx1"/>
                   </a:solidFill>
@@ -9664,7 +9664,7 @@
                 </a14:hiddenLine>
               </a:ext>
               <a:ext uri="{AF507438-7753-43e0-B8FC-AC1667EBCBE1}">
-                <a14:hiddenEffects xmlns:a14="http://schemas.microsoft.com/office/drawing/2010/main" xmlns="">
+                <a14:hiddenEffects xmlns="" xmlns:a14="http://schemas.microsoft.com/office/drawing/2010/main">
                   <a:effectLst>
                     <a:outerShdw blurRad="63500" dist="38099" dir="2700000" algn="ctr" rotWithShape="0">
                       <a:schemeClr val="bg2">
@@ -9709,7 +9709,7 @@
             <a:effectLst/>
             <a:extLst>
               <a:ext uri="{91240B29-F687-4f45-9708-019B960494DF}">
-                <a14:hiddenLine xmlns:a14="http://schemas.microsoft.com/office/drawing/2010/main" xmlns="" w="9525">
+                <a14:hiddenLine xmlns="" xmlns:a14="http://schemas.microsoft.com/office/drawing/2010/main" w="9525">
                   <a:solidFill>
                     <a:schemeClr val="tx1"/>
                   </a:solidFill>
@@ -9719,7 +9719,7 @@
                 </a14:hiddenLine>
               </a:ext>
               <a:ext uri="{AF507438-7753-43e0-B8FC-AC1667EBCBE1}">
-                <a14:hiddenEffects xmlns:a14="http://schemas.microsoft.com/office/drawing/2010/main" xmlns="">
+                <a14:hiddenEffects xmlns="" xmlns:a14="http://schemas.microsoft.com/office/drawing/2010/main">
                   <a:effectLst>
                     <a:outerShdw blurRad="63500" dist="38099" dir="2700000" algn="ctr" rotWithShape="0">
                       <a:schemeClr val="bg2">
@@ -9764,7 +9764,7 @@
             <a:effectLst/>
             <a:extLst>
               <a:ext uri="{91240B29-F687-4f45-9708-019B960494DF}">
-                <a14:hiddenLine xmlns:a14="http://schemas.microsoft.com/office/drawing/2010/main" xmlns="" w="9525">
+                <a14:hiddenLine xmlns="" xmlns:a14="http://schemas.microsoft.com/office/drawing/2010/main" w="9525">
                   <a:solidFill>
                     <a:schemeClr val="tx1"/>
                   </a:solidFill>
@@ -9774,7 +9774,7 @@
                 </a14:hiddenLine>
               </a:ext>
               <a:ext uri="{AF507438-7753-43e0-B8FC-AC1667EBCBE1}">
-                <a14:hiddenEffects xmlns:a14="http://schemas.microsoft.com/office/drawing/2010/main" xmlns="">
+                <a14:hiddenEffects xmlns="" xmlns:a14="http://schemas.microsoft.com/office/drawing/2010/main">
                   <a:effectLst>
                     <a:outerShdw blurRad="63500" dist="38099" dir="2700000" algn="ctr" rotWithShape="0">
                       <a:schemeClr val="bg2">
@@ -9819,7 +9819,7 @@
             <a:effectLst/>
             <a:extLst>
               <a:ext uri="{91240B29-F687-4f45-9708-019B960494DF}">
-                <a14:hiddenLine xmlns:a14="http://schemas.microsoft.com/office/drawing/2010/main" xmlns="" w="9525">
+                <a14:hiddenLine xmlns="" xmlns:a14="http://schemas.microsoft.com/office/drawing/2010/main" w="9525">
                   <a:solidFill>
                     <a:schemeClr val="tx1"/>
                   </a:solidFill>
@@ -9829,7 +9829,7 @@
                 </a14:hiddenLine>
               </a:ext>
               <a:ext uri="{AF507438-7753-43e0-B8FC-AC1667EBCBE1}">
-                <a14:hiddenEffects xmlns:a14="http://schemas.microsoft.com/office/drawing/2010/main" xmlns="">
+                <a14:hiddenEffects xmlns="" xmlns:a14="http://schemas.microsoft.com/office/drawing/2010/main">
                   <a:effectLst>
                     <a:outerShdw blurRad="63500" dist="38099" dir="2700000" algn="ctr" rotWithShape="0">
                       <a:schemeClr val="bg2">
@@ -9874,7 +9874,7 @@
             <a:effectLst/>
             <a:extLst>
               <a:ext uri="{91240B29-F687-4f45-9708-019B960494DF}">
-                <a14:hiddenLine xmlns:a14="http://schemas.microsoft.com/office/drawing/2010/main" xmlns="" w="9525">
+                <a14:hiddenLine xmlns="" xmlns:a14="http://schemas.microsoft.com/office/drawing/2010/main" w="9525">
                   <a:solidFill>
                     <a:schemeClr val="tx1"/>
                   </a:solidFill>
@@ -9884,7 +9884,7 @@
                 </a14:hiddenLine>
               </a:ext>
               <a:ext uri="{AF507438-7753-43e0-B8FC-AC1667EBCBE1}">
-                <a14:hiddenEffects xmlns:a14="http://schemas.microsoft.com/office/drawing/2010/main" xmlns="">
+                <a14:hiddenEffects xmlns="" xmlns:a14="http://schemas.microsoft.com/office/drawing/2010/main">
                   <a:effectLst>
                     <a:outerShdw blurRad="63500" dist="38099" dir="2700000" algn="ctr" rotWithShape="0">
                       <a:schemeClr val="bg2">
@@ -9929,7 +9929,7 @@
             <a:effectLst/>
             <a:extLst>
               <a:ext uri="{91240B29-F687-4f45-9708-019B960494DF}">
-                <a14:hiddenLine xmlns:a14="http://schemas.microsoft.com/office/drawing/2010/main" xmlns="" w="9525">
+                <a14:hiddenLine xmlns="" xmlns:a14="http://schemas.microsoft.com/office/drawing/2010/main" w="9525">
                   <a:solidFill>
                     <a:schemeClr val="tx1"/>
                   </a:solidFill>
@@ -9939,7 +9939,7 @@
                 </a14:hiddenLine>
               </a:ext>
               <a:ext uri="{AF507438-7753-43e0-B8FC-AC1667EBCBE1}">
-                <a14:hiddenEffects xmlns:a14="http://schemas.microsoft.com/office/drawing/2010/main" xmlns="">
+                <a14:hiddenEffects xmlns="" xmlns:a14="http://schemas.microsoft.com/office/drawing/2010/main">
                   <a:effectLst>
                     <a:outerShdw blurRad="63500" dist="38099" dir="2700000" algn="ctr" rotWithShape="0">
                       <a:schemeClr val="bg2">
@@ -9984,7 +9984,7 @@
             <a:effectLst/>
             <a:extLst>
               <a:ext uri="{91240B29-F687-4f45-9708-019B960494DF}">
-                <a14:hiddenLine xmlns:a14="http://schemas.microsoft.com/office/drawing/2010/main" xmlns="" w="9525">
+                <a14:hiddenLine xmlns="" xmlns:a14="http://schemas.microsoft.com/office/drawing/2010/main" w="9525">
                   <a:solidFill>
                     <a:schemeClr val="tx1"/>
                   </a:solidFill>
@@ -9994,7 +9994,7 @@
                 </a14:hiddenLine>
               </a:ext>
               <a:ext uri="{AF507438-7753-43e0-B8FC-AC1667EBCBE1}">
-                <a14:hiddenEffects xmlns:a14="http://schemas.microsoft.com/office/drawing/2010/main" xmlns="">
+                <a14:hiddenEffects xmlns="" xmlns:a14="http://schemas.microsoft.com/office/drawing/2010/main">
                   <a:effectLst>
                     <a:outerShdw blurRad="63500" dist="38099" dir="2700000" algn="ctr" rotWithShape="0">
                       <a:schemeClr val="bg2">
@@ -10691,14 +10691,14 @@
           </a:ln>
           <a:extLst>
             <a:ext uri="{909E8E84-426E-40dd-AFC4-6F175D3DCCD1}">
-              <a14:hiddenFill xmlns:a14="http://schemas.microsoft.com/office/drawing/2010/main" xmlns="">
+              <a14:hiddenFill xmlns="" xmlns:a14="http://schemas.microsoft.com/office/drawing/2010/main">
                 <a:solidFill>
                   <a:schemeClr val="accent1"/>
                 </a:solidFill>
               </a14:hiddenFill>
             </a:ext>
             <a:ext uri="{91240B29-F687-4f45-9708-019B960494DF}">
-              <a14:hiddenLine xmlns:a14="http://schemas.microsoft.com/office/drawing/2010/main" xmlns="" w="9525">
+              <a14:hiddenLine xmlns="" xmlns:a14="http://schemas.microsoft.com/office/drawing/2010/main" w="9525">
                 <a:solidFill>
                   <a:schemeClr val="tx1"/>
                 </a:solidFill>
@@ -10744,14 +10744,14 @@
           </a:ln>
           <a:extLst>
             <a:ext uri="{909E8E84-426E-40dd-AFC4-6F175D3DCCD1}">
-              <a14:hiddenFill xmlns:a14="http://schemas.microsoft.com/office/drawing/2010/main" xmlns="">
+              <a14:hiddenFill xmlns="" xmlns:a14="http://schemas.microsoft.com/office/drawing/2010/main">
                 <a:solidFill>
                   <a:schemeClr val="accent1"/>
                 </a:solidFill>
               </a14:hiddenFill>
             </a:ext>
             <a:ext uri="{91240B29-F687-4f45-9708-019B960494DF}">
-              <a14:hiddenLine xmlns:a14="http://schemas.microsoft.com/office/drawing/2010/main" xmlns="" w="9525">
+              <a14:hiddenLine xmlns="" xmlns:a14="http://schemas.microsoft.com/office/drawing/2010/main" w="9525">
                 <a:solidFill>
                   <a:schemeClr val="tx1"/>
                 </a:solidFill>
@@ -10797,14 +10797,14 @@
           </a:ln>
           <a:extLst>
             <a:ext uri="{909E8E84-426E-40dd-AFC4-6F175D3DCCD1}">
-              <a14:hiddenFill xmlns:a14="http://schemas.microsoft.com/office/drawing/2010/main" xmlns="">
+              <a14:hiddenFill xmlns="" xmlns:a14="http://schemas.microsoft.com/office/drawing/2010/main">
                 <a:solidFill>
                   <a:schemeClr val="accent1"/>
                 </a:solidFill>
               </a14:hiddenFill>
             </a:ext>
             <a:ext uri="{91240B29-F687-4f45-9708-019B960494DF}">
-              <a14:hiddenLine xmlns:a14="http://schemas.microsoft.com/office/drawing/2010/main" xmlns="" w="9525">
+              <a14:hiddenLine xmlns="" xmlns:a14="http://schemas.microsoft.com/office/drawing/2010/main" w="9525">
                 <a:solidFill>
                   <a:schemeClr val="tx1"/>
                 </a:solidFill>
@@ -10850,14 +10850,14 @@
           </a:ln>
           <a:extLst>
             <a:ext uri="{909E8E84-426E-40dd-AFC4-6F175D3DCCD1}">
-              <a14:hiddenFill xmlns:a14="http://schemas.microsoft.com/office/drawing/2010/main" xmlns="">
+              <a14:hiddenFill xmlns="" xmlns:a14="http://schemas.microsoft.com/office/drawing/2010/main">
                 <a:solidFill>
                   <a:schemeClr val="accent1"/>
                 </a:solidFill>
               </a14:hiddenFill>
             </a:ext>
             <a:ext uri="{91240B29-F687-4f45-9708-019B960494DF}">
-              <a14:hiddenLine xmlns:a14="http://schemas.microsoft.com/office/drawing/2010/main" xmlns="" w="9525">
+              <a14:hiddenLine xmlns="" xmlns:a14="http://schemas.microsoft.com/office/drawing/2010/main" w="9525">
                 <a:solidFill>
                   <a:schemeClr val="tx1"/>
                 </a:solidFill>
@@ -10903,14 +10903,14 @@
           </a:ln>
           <a:extLst>
             <a:ext uri="{909E8E84-426E-40dd-AFC4-6F175D3DCCD1}">
-              <a14:hiddenFill xmlns:a14="http://schemas.microsoft.com/office/drawing/2010/main" xmlns="">
+              <a14:hiddenFill xmlns="" xmlns:a14="http://schemas.microsoft.com/office/drawing/2010/main">
                 <a:solidFill>
                   <a:schemeClr val="accent1"/>
                 </a:solidFill>
               </a14:hiddenFill>
             </a:ext>
             <a:ext uri="{91240B29-F687-4f45-9708-019B960494DF}">
-              <a14:hiddenLine xmlns:a14="http://schemas.microsoft.com/office/drawing/2010/main" xmlns="" w="9525">
+              <a14:hiddenLine xmlns="" xmlns:a14="http://schemas.microsoft.com/office/drawing/2010/main" w="9525">
                 <a:solidFill>
                   <a:schemeClr val="tx1"/>
                 </a:solidFill>
@@ -10956,14 +10956,14 @@
           </a:ln>
           <a:extLst>
             <a:ext uri="{909E8E84-426E-40dd-AFC4-6F175D3DCCD1}">
-              <a14:hiddenFill xmlns:a14="http://schemas.microsoft.com/office/drawing/2010/main" xmlns="">
+              <a14:hiddenFill xmlns="" xmlns:a14="http://schemas.microsoft.com/office/drawing/2010/main">
                 <a:solidFill>
                   <a:schemeClr val="accent1"/>
                 </a:solidFill>
               </a14:hiddenFill>
             </a:ext>
             <a:ext uri="{91240B29-F687-4f45-9708-019B960494DF}">
-              <a14:hiddenLine xmlns:a14="http://schemas.microsoft.com/office/drawing/2010/main" xmlns="" w="9525">
+              <a14:hiddenLine xmlns="" xmlns:a14="http://schemas.microsoft.com/office/drawing/2010/main" w="9525">
                 <a:solidFill>
                   <a:schemeClr val="tx1"/>
                 </a:solidFill>
@@ -11009,14 +11009,14 @@
           </a:ln>
           <a:extLst>
             <a:ext uri="{909E8E84-426E-40dd-AFC4-6F175D3DCCD1}">
-              <a14:hiddenFill xmlns:a14="http://schemas.microsoft.com/office/drawing/2010/main" xmlns="">
+              <a14:hiddenFill xmlns="" xmlns:a14="http://schemas.microsoft.com/office/drawing/2010/main">
                 <a:solidFill>
                   <a:schemeClr val="accent1"/>
                 </a:solidFill>
               </a14:hiddenFill>
             </a:ext>
             <a:ext uri="{91240B29-F687-4f45-9708-019B960494DF}">
-              <a14:hiddenLine xmlns:a14="http://schemas.microsoft.com/office/drawing/2010/main" xmlns="" w="9525">
+              <a14:hiddenLine xmlns="" xmlns:a14="http://schemas.microsoft.com/office/drawing/2010/main" w="9525">
                 <a:solidFill>
                   <a:schemeClr val="tx1"/>
                 </a:solidFill>
@@ -11062,14 +11062,14 @@
           </a:ln>
           <a:extLst>
             <a:ext uri="{909E8E84-426E-40dd-AFC4-6F175D3DCCD1}">
-              <a14:hiddenFill xmlns:a14="http://schemas.microsoft.com/office/drawing/2010/main" xmlns="">
+              <a14:hiddenFill xmlns="" xmlns:a14="http://schemas.microsoft.com/office/drawing/2010/main">
                 <a:solidFill>
                   <a:schemeClr val="accent1"/>
                 </a:solidFill>
               </a14:hiddenFill>
             </a:ext>
             <a:ext uri="{91240B29-F687-4f45-9708-019B960494DF}">
-              <a14:hiddenLine xmlns:a14="http://schemas.microsoft.com/office/drawing/2010/main" xmlns="" w="9525">
+              <a14:hiddenLine xmlns="" xmlns:a14="http://schemas.microsoft.com/office/drawing/2010/main" w="9525">
                 <a:solidFill>
                   <a:schemeClr val="tx1"/>
                 </a:solidFill>
@@ -11115,14 +11115,14 @@
           </a:ln>
           <a:extLst>
             <a:ext uri="{909E8E84-426E-40dd-AFC4-6F175D3DCCD1}">
-              <a14:hiddenFill xmlns:a14="http://schemas.microsoft.com/office/drawing/2010/main" xmlns="">
+              <a14:hiddenFill xmlns="" xmlns:a14="http://schemas.microsoft.com/office/drawing/2010/main">
                 <a:solidFill>
                   <a:schemeClr val="accent1"/>
                 </a:solidFill>
               </a14:hiddenFill>
             </a:ext>
             <a:ext uri="{91240B29-F687-4f45-9708-019B960494DF}">
-              <a14:hiddenLine xmlns:a14="http://schemas.microsoft.com/office/drawing/2010/main" xmlns="" w="9525">
+              <a14:hiddenLine xmlns="" xmlns:a14="http://schemas.microsoft.com/office/drawing/2010/main" w="9525">
                 <a:solidFill>
                   <a:schemeClr val="tx1"/>
                 </a:solidFill>
@@ -11168,14 +11168,14 @@
           </a:ln>
           <a:extLst>
             <a:ext uri="{909E8E84-426E-40dd-AFC4-6F175D3DCCD1}">
-              <a14:hiddenFill xmlns:a14="http://schemas.microsoft.com/office/drawing/2010/main" xmlns="">
+              <a14:hiddenFill xmlns="" xmlns:a14="http://schemas.microsoft.com/office/drawing/2010/main">
                 <a:solidFill>
                   <a:schemeClr val="accent1"/>
                 </a:solidFill>
               </a14:hiddenFill>
             </a:ext>
             <a:ext uri="{91240B29-F687-4f45-9708-019B960494DF}">
-              <a14:hiddenLine xmlns:a14="http://schemas.microsoft.com/office/drawing/2010/main" xmlns="" w="9525">
+              <a14:hiddenLine xmlns="" xmlns:a14="http://schemas.microsoft.com/office/drawing/2010/main" w="9525">
                 <a:solidFill>
                   <a:schemeClr val="tx1"/>
                 </a:solidFill>
@@ -11221,14 +11221,14 @@
           </a:ln>
           <a:extLst>
             <a:ext uri="{909E8E84-426E-40dd-AFC4-6F175D3DCCD1}">
-              <a14:hiddenFill xmlns:a14="http://schemas.microsoft.com/office/drawing/2010/main" xmlns="">
+              <a14:hiddenFill xmlns="" xmlns:a14="http://schemas.microsoft.com/office/drawing/2010/main">
                 <a:solidFill>
                   <a:schemeClr val="accent1"/>
                 </a:solidFill>
               </a14:hiddenFill>
             </a:ext>
             <a:ext uri="{91240B29-F687-4f45-9708-019B960494DF}">
-              <a14:hiddenLine xmlns:a14="http://schemas.microsoft.com/office/drawing/2010/main" xmlns="" w="9525">
+              <a14:hiddenLine xmlns="" xmlns:a14="http://schemas.microsoft.com/office/drawing/2010/main" w="9525">
                 <a:solidFill>
                   <a:schemeClr val="tx1"/>
                 </a:solidFill>
@@ -11281,7 +11281,7 @@
           </a:ln>
           <a:extLst>
             <a:ext uri="{909E8E84-426E-40dd-AFC4-6F175D3DCCD1}">
-              <a14:hiddenFill xmlns:a14="http://schemas.microsoft.com/office/drawing/2010/main" xmlns="">
+              <a14:hiddenFill xmlns="" xmlns:a14="http://schemas.microsoft.com/office/drawing/2010/main">
                 <a:noFill/>
               </a14:hiddenFill>
             </a:ext>
@@ -11317,7 +11317,7 @@
           </a:ln>
           <a:extLst>
             <a:ext uri="{909E8E84-426E-40dd-AFC4-6F175D3DCCD1}">
-              <a14:hiddenFill xmlns:a14="http://schemas.microsoft.com/office/drawing/2010/main" xmlns="">
+              <a14:hiddenFill xmlns="" xmlns:a14="http://schemas.microsoft.com/office/drawing/2010/main">
                 <a:noFill/>
               </a14:hiddenFill>
             </a:ext>
@@ -11353,7 +11353,7 @@
           </a:ln>
           <a:extLst>
             <a:ext uri="{909E8E84-426E-40dd-AFC4-6F175D3DCCD1}">
-              <a14:hiddenFill xmlns:a14="http://schemas.microsoft.com/office/drawing/2010/main" xmlns="">
+              <a14:hiddenFill xmlns="" xmlns:a14="http://schemas.microsoft.com/office/drawing/2010/main">
                 <a:noFill/>
               </a14:hiddenFill>
             </a:ext>
@@ -11389,7 +11389,7 @@
           </a:ln>
           <a:extLst>
             <a:ext uri="{909E8E84-426E-40dd-AFC4-6F175D3DCCD1}">
-              <a14:hiddenFill xmlns:a14="http://schemas.microsoft.com/office/drawing/2010/main" xmlns="">
+              <a14:hiddenFill xmlns="" xmlns:a14="http://schemas.microsoft.com/office/drawing/2010/main">
                 <a:noFill/>
               </a14:hiddenFill>
             </a:ext>
@@ -11425,7 +11425,7 @@
           </a:ln>
           <a:extLst>
             <a:ext uri="{909E8E84-426E-40dd-AFC4-6F175D3DCCD1}">
-              <a14:hiddenFill xmlns:a14="http://schemas.microsoft.com/office/drawing/2010/main" xmlns="">
+              <a14:hiddenFill xmlns="" xmlns:a14="http://schemas.microsoft.com/office/drawing/2010/main">
                 <a:noFill/>
               </a14:hiddenFill>
             </a:ext>
@@ -11461,7 +11461,7 @@
           </a:ln>
           <a:extLst>
             <a:ext uri="{909E8E84-426E-40dd-AFC4-6F175D3DCCD1}">
-              <a14:hiddenFill xmlns:a14="http://schemas.microsoft.com/office/drawing/2010/main" xmlns="">
+              <a14:hiddenFill xmlns="" xmlns:a14="http://schemas.microsoft.com/office/drawing/2010/main">
                 <a:noFill/>
               </a14:hiddenFill>
             </a:ext>
@@ -11497,7 +11497,7 @@
           </a:ln>
           <a:extLst>
             <a:ext uri="{909E8E84-426E-40dd-AFC4-6F175D3DCCD1}">
-              <a14:hiddenFill xmlns:a14="http://schemas.microsoft.com/office/drawing/2010/main" xmlns="">
+              <a14:hiddenFill xmlns="" xmlns:a14="http://schemas.microsoft.com/office/drawing/2010/main">
                 <a:noFill/>
               </a14:hiddenFill>
             </a:ext>
@@ -11533,7 +11533,7 @@
           </a:ln>
           <a:extLst>
             <a:ext uri="{909E8E84-426E-40dd-AFC4-6F175D3DCCD1}">
-              <a14:hiddenFill xmlns:a14="http://schemas.microsoft.com/office/drawing/2010/main" xmlns="">
+              <a14:hiddenFill xmlns="" xmlns:a14="http://schemas.microsoft.com/office/drawing/2010/main">
                 <a:noFill/>
               </a14:hiddenFill>
             </a:ext>
@@ -11569,7 +11569,7 @@
           </a:ln>
           <a:extLst>
             <a:ext uri="{909E8E84-426E-40dd-AFC4-6F175D3DCCD1}">
-              <a14:hiddenFill xmlns:a14="http://schemas.microsoft.com/office/drawing/2010/main" xmlns="">
+              <a14:hiddenFill xmlns="" xmlns:a14="http://schemas.microsoft.com/office/drawing/2010/main">
                 <a:noFill/>
               </a14:hiddenFill>
             </a:ext>
@@ -11605,7 +11605,7 @@
           </a:ln>
           <a:extLst>
             <a:ext uri="{909E8E84-426E-40dd-AFC4-6F175D3DCCD1}">
-              <a14:hiddenFill xmlns:a14="http://schemas.microsoft.com/office/drawing/2010/main" xmlns="">
+              <a14:hiddenFill xmlns="" xmlns:a14="http://schemas.microsoft.com/office/drawing/2010/main">
                 <a:noFill/>
               </a14:hiddenFill>
             </a:ext>
@@ -11634,14 +11634,14 @@
           </a:ln>
           <a:extLst>
             <a:ext uri="{909E8E84-426E-40dd-AFC4-6F175D3DCCD1}">
-              <a14:hiddenFill xmlns:a14="http://schemas.microsoft.com/office/drawing/2010/main" xmlns="">
+              <a14:hiddenFill xmlns="" xmlns:a14="http://schemas.microsoft.com/office/drawing/2010/main">
                 <a:solidFill>
                   <a:schemeClr val="accent1"/>
                 </a:solidFill>
               </a14:hiddenFill>
             </a:ext>
             <a:ext uri="{91240B29-F687-4f45-9708-019B960494DF}">
-              <a14:hiddenLine xmlns:a14="http://schemas.microsoft.com/office/drawing/2010/main" xmlns="" w="9525">
+              <a14:hiddenLine xmlns="" xmlns:a14="http://schemas.microsoft.com/office/drawing/2010/main" w="9525">
                 <a:solidFill>
                   <a:schemeClr val="tx1"/>
                 </a:solidFill>
@@ -11691,14 +11691,14 @@
           </a:ln>
           <a:extLst>
             <a:ext uri="{909E8E84-426E-40dd-AFC4-6F175D3DCCD1}">
-              <a14:hiddenFill xmlns:a14="http://schemas.microsoft.com/office/drawing/2010/main" xmlns="">
+              <a14:hiddenFill xmlns="" xmlns:a14="http://schemas.microsoft.com/office/drawing/2010/main">
                 <a:solidFill>
                   <a:schemeClr val="accent1"/>
                 </a:solidFill>
               </a14:hiddenFill>
             </a:ext>
             <a:ext uri="{91240B29-F687-4f45-9708-019B960494DF}">
-              <a14:hiddenLine xmlns:a14="http://schemas.microsoft.com/office/drawing/2010/main" xmlns="" w="9525">
+              <a14:hiddenLine xmlns="" xmlns:a14="http://schemas.microsoft.com/office/drawing/2010/main" w="9525">
                 <a:solidFill>
                   <a:schemeClr val="tx1"/>
                 </a:solidFill>
@@ -11748,14 +11748,14 @@
           </a:ln>
           <a:extLst>
             <a:ext uri="{909E8E84-426E-40dd-AFC4-6F175D3DCCD1}">
-              <a14:hiddenFill xmlns:a14="http://schemas.microsoft.com/office/drawing/2010/main" xmlns="">
+              <a14:hiddenFill xmlns="" xmlns:a14="http://schemas.microsoft.com/office/drawing/2010/main">
                 <a:solidFill>
                   <a:schemeClr val="accent1"/>
                 </a:solidFill>
               </a14:hiddenFill>
             </a:ext>
             <a:ext uri="{91240B29-F687-4f45-9708-019B960494DF}">
-              <a14:hiddenLine xmlns:a14="http://schemas.microsoft.com/office/drawing/2010/main" xmlns="" w="9525">
+              <a14:hiddenLine xmlns="" xmlns:a14="http://schemas.microsoft.com/office/drawing/2010/main" w="9525">
                 <a:solidFill>
                   <a:schemeClr val="tx1"/>
                 </a:solidFill>
@@ -11805,14 +11805,14 @@
           </a:ln>
           <a:extLst>
             <a:ext uri="{909E8E84-426E-40dd-AFC4-6F175D3DCCD1}">
-              <a14:hiddenFill xmlns:a14="http://schemas.microsoft.com/office/drawing/2010/main" xmlns="">
+              <a14:hiddenFill xmlns="" xmlns:a14="http://schemas.microsoft.com/office/drawing/2010/main">
                 <a:solidFill>
                   <a:schemeClr val="accent1"/>
                 </a:solidFill>
               </a14:hiddenFill>
             </a:ext>
             <a:ext uri="{91240B29-F687-4f45-9708-019B960494DF}">
-              <a14:hiddenLine xmlns:a14="http://schemas.microsoft.com/office/drawing/2010/main" xmlns="" w="9525">
+              <a14:hiddenLine xmlns="" xmlns:a14="http://schemas.microsoft.com/office/drawing/2010/main" w="9525">
                 <a:solidFill>
                   <a:schemeClr val="tx1"/>
                 </a:solidFill>
@@ -11862,14 +11862,14 @@
           </a:ln>
           <a:extLst>
             <a:ext uri="{909E8E84-426E-40dd-AFC4-6F175D3DCCD1}">
-              <a14:hiddenFill xmlns:a14="http://schemas.microsoft.com/office/drawing/2010/main" xmlns="">
+              <a14:hiddenFill xmlns="" xmlns:a14="http://schemas.microsoft.com/office/drawing/2010/main">
                 <a:solidFill>
                   <a:schemeClr val="accent1"/>
                 </a:solidFill>
               </a14:hiddenFill>
             </a:ext>
             <a:ext uri="{91240B29-F687-4f45-9708-019B960494DF}">
-              <a14:hiddenLine xmlns:a14="http://schemas.microsoft.com/office/drawing/2010/main" xmlns="" w="9525">
+              <a14:hiddenLine xmlns="" xmlns:a14="http://schemas.microsoft.com/office/drawing/2010/main" w="9525">
                 <a:solidFill>
                   <a:schemeClr val="tx1"/>
                 </a:solidFill>
@@ -11918,14 +11918,14 @@
           </a:ln>
           <a:extLst>
             <a:ext uri="{909E8E84-426E-40dd-AFC4-6F175D3DCCD1}">
-              <a14:hiddenFill xmlns:a14="http://schemas.microsoft.com/office/drawing/2010/main" xmlns="">
+              <a14:hiddenFill xmlns="" xmlns:a14="http://schemas.microsoft.com/office/drawing/2010/main">
                 <a:solidFill>
                   <a:schemeClr val="accent1"/>
                 </a:solidFill>
               </a14:hiddenFill>
             </a:ext>
             <a:ext uri="{91240B29-F687-4f45-9708-019B960494DF}">
-              <a14:hiddenLine xmlns:a14="http://schemas.microsoft.com/office/drawing/2010/main" xmlns="" w="9525">
+              <a14:hiddenLine xmlns="" xmlns:a14="http://schemas.microsoft.com/office/drawing/2010/main" w="9525">
                 <a:solidFill>
                   <a:schemeClr val="tx1"/>
                 </a:solidFill>
@@ -11980,7 +11980,7 @@
           </a:ln>
           <a:extLst>
             <a:ext uri="{909E8E84-426E-40dd-AFC4-6F175D3DCCD1}">
-              <a14:hiddenFill xmlns:a14="http://schemas.microsoft.com/office/drawing/2010/main" xmlns="">
+              <a14:hiddenFill xmlns="" xmlns:a14="http://schemas.microsoft.com/office/drawing/2010/main">
                 <a:solidFill>
                   <a:schemeClr val="accent1"/>
                 </a:solidFill>
@@ -12115,14 +12115,14 @@
           </a:ln>
           <a:extLst>
             <a:ext uri="{909E8E84-426E-40dd-AFC4-6F175D3DCCD1}">
-              <a14:hiddenFill xmlns:a14="http://schemas.microsoft.com/office/drawing/2010/main" xmlns="">
+              <a14:hiddenFill xmlns="" xmlns:a14="http://schemas.microsoft.com/office/drawing/2010/main">
                 <a:solidFill>
                   <a:schemeClr val="accent1"/>
                 </a:solidFill>
               </a14:hiddenFill>
             </a:ext>
             <a:ext uri="{91240B29-F687-4f45-9708-019B960494DF}">
-              <a14:hiddenLine xmlns:a14="http://schemas.microsoft.com/office/drawing/2010/main" xmlns="" w="9525">
+              <a14:hiddenLine xmlns="" xmlns:a14="http://schemas.microsoft.com/office/drawing/2010/main" w="9525">
                 <a:solidFill>
                   <a:schemeClr val="tx1"/>
                 </a:solidFill>
@@ -12168,14 +12168,14 @@
           </a:ln>
           <a:extLst>
             <a:ext uri="{909E8E84-426E-40dd-AFC4-6F175D3DCCD1}">
-              <a14:hiddenFill xmlns:a14="http://schemas.microsoft.com/office/drawing/2010/main" xmlns="">
+              <a14:hiddenFill xmlns="" xmlns:a14="http://schemas.microsoft.com/office/drawing/2010/main">
                 <a:solidFill>
                   <a:schemeClr val="accent1"/>
                 </a:solidFill>
               </a14:hiddenFill>
             </a:ext>
             <a:ext uri="{91240B29-F687-4f45-9708-019B960494DF}">
-              <a14:hiddenLine xmlns:a14="http://schemas.microsoft.com/office/drawing/2010/main" xmlns="" w="9525">
+              <a14:hiddenLine xmlns="" xmlns:a14="http://schemas.microsoft.com/office/drawing/2010/main" w="9525">
                 <a:solidFill>
                   <a:schemeClr val="tx1"/>
                 </a:solidFill>
@@ -12221,14 +12221,14 @@
           </a:ln>
           <a:extLst>
             <a:ext uri="{909E8E84-426E-40dd-AFC4-6F175D3DCCD1}">
-              <a14:hiddenFill xmlns:a14="http://schemas.microsoft.com/office/drawing/2010/main" xmlns="">
+              <a14:hiddenFill xmlns="" xmlns:a14="http://schemas.microsoft.com/office/drawing/2010/main">
                 <a:solidFill>
                   <a:schemeClr val="accent1"/>
                 </a:solidFill>
               </a14:hiddenFill>
             </a:ext>
             <a:ext uri="{91240B29-F687-4f45-9708-019B960494DF}">
-              <a14:hiddenLine xmlns:a14="http://schemas.microsoft.com/office/drawing/2010/main" xmlns="" w="9525">
+              <a14:hiddenLine xmlns="" xmlns:a14="http://schemas.microsoft.com/office/drawing/2010/main" w="9525">
                 <a:solidFill>
                   <a:schemeClr val="tx1"/>
                 </a:solidFill>
@@ -12274,14 +12274,14 @@
           </a:ln>
           <a:extLst>
             <a:ext uri="{909E8E84-426E-40dd-AFC4-6F175D3DCCD1}">
-              <a14:hiddenFill xmlns:a14="http://schemas.microsoft.com/office/drawing/2010/main" xmlns="">
+              <a14:hiddenFill xmlns="" xmlns:a14="http://schemas.microsoft.com/office/drawing/2010/main">
                 <a:solidFill>
                   <a:schemeClr val="accent1"/>
                 </a:solidFill>
               </a14:hiddenFill>
             </a:ext>
             <a:ext uri="{91240B29-F687-4f45-9708-019B960494DF}">
-              <a14:hiddenLine xmlns:a14="http://schemas.microsoft.com/office/drawing/2010/main" xmlns="" w="9525">
+              <a14:hiddenLine xmlns="" xmlns:a14="http://schemas.microsoft.com/office/drawing/2010/main" w="9525">
                 <a:solidFill>
                   <a:schemeClr val="tx1"/>
                 </a:solidFill>
@@ -12327,14 +12327,14 @@
           </a:ln>
           <a:extLst>
             <a:ext uri="{909E8E84-426E-40dd-AFC4-6F175D3DCCD1}">
-              <a14:hiddenFill xmlns:a14="http://schemas.microsoft.com/office/drawing/2010/main" xmlns="">
+              <a14:hiddenFill xmlns="" xmlns:a14="http://schemas.microsoft.com/office/drawing/2010/main">
                 <a:solidFill>
                   <a:schemeClr val="accent1"/>
                 </a:solidFill>
               </a14:hiddenFill>
             </a:ext>
             <a:ext uri="{91240B29-F687-4f45-9708-019B960494DF}">
-              <a14:hiddenLine xmlns:a14="http://schemas.microsoft.com/office/drawing/2010/main" xmlns="" w="9525">
+              <a14:hiddenLine xmlns="" xmlns:a14="http://schemas.microsoft.com/office/drawing/2010/main" w="9525">
                 <a:solidFill>
                   <a:schemeClr val="tx1"/>
                 </a:solidFill>
@@ -12380,14 +12380,14 @@
           </a:ln>
           <a:extLst>
             <a:ext uri="{909E8E84-426E-40dd-AFC4-6F175D3DCCD1}">
-              <a14:hiddenFill xmlns:a14="http://schemas.microsoft.com/office/drawing/2010/main" xmlns="">
+              <a14:hiddenFill xmlns="" xmlns:a14="http://schemas.microsoft.com/office/drawing/2010/main">
                 <a:solidFill>
                   <a:schemeClr val="accent1"/>
                 </a:solidFill>
               </a14:hiddenFill>
             </a:ext>
             <a:ext uri="{91240B29-F687-4f45-9708-019B960494DF}">
-              <a14:hiddenLine xmlns:a14="http://schemas.microsoft.com/office/drawing/2010/main" xmlns="" w="9525">
+              <a14:hiddenLine xmlns="" xmlns:a14="http://schemas.microsoft.com/office/drawing/2010/main" w="9525">
                 <a:solidFill>
                   <a:schemeClr val="tx1"/>
                 </a:solidFill>
@@ -12433,14 +12433,14 @@
           </a:ln>
           <a:extLst>
             <a:ext uri="{909E8E84-426E-40dd-AFC4-6F175D3DCCD1}">
-              <a14:hiddenFill xmlns:a14="http://schemas.microsoft.com/office/drawing/2010/main" xmlns="">
+              <a14:hiddenFill xmlns="" xmlns:a14="http://schemas.microsoft.com/office/drawing/2010/main">
                 <a:solidFill>
                   <a:schemeClr val="accent1"/>
                 </a:solidFill>
               </a14:hiddenFill>
             </a:ext>
             <a:ext uri="{91240B29-F687-4f45-9708-019B960494DF}">
-              <a14:hiddenLine xmlns:a14="http://schemas.microsoft.com/office/drawing/2010/main" xmlns="" w="9525">
+              <a14:hiddenLine xmlns="" xmlns:a14="http://schemas.microsoft.com/office/drawing/2010/main" w="9525">
                 <a:solidFill>
                   <a:schemeClr val="tx1"/>
                 </a:solidFill>
@@ -12486,14 +12486,14 @@
           </a:ln>
           <a:extLst>
             <a:ext uri="{909E8E84-426E-40dd-AFC4-6F175D3DCCD1}">
-              <a14:hiddenFill xmlns:a14="http://schemas.microsoft.com/office/drawing/2010/main" xmlns="">
+              <a14:hiddenFill xmlns="" xmlns:a14="http://schemas.microsoft.com/office/drawing/2010/main">
                 <a:solidFill>
                   <a:schemeClr val="accent1"/>
                 </a:solidFill>
               </a14:hiddenFill>
             </a:ext>
             <a:ext uri="{91240B29-F687-4f45-9708-019B960494DF}">
-              <a14:hiddenLine xmlns:a14="http://schemas.microsoft.com/office/drawing/2010/main" xmlns="" w="9525">
+              <a14:hiddenLine xmlns="" xmlns:a14="http://schemas.microsoft.com/office/drawing/2010/main" w="9525">
                 <a:solidFill>
                   <a:schemeClr val="tx1"/>
                 </a:solidFill>
@@ -12539,14 +12539,14 @@
           </a:ln>
           <a:extLst>
             <a:ext uri="{909E8E84-426E-40dd-AFC4-6F175D3DCCD1}">
-              <a14:hiddenFill xmlns:a14="http://schemas.microsoft.com/office/drawing/2010/main" xmlns="">
+              <a14:hiddenFill xmlns="" xmlns:a14="http://schemas.microsoft.com/office/drawing/2010/main">
                 <a:solidFill>
                   <a:schemeClr val="accent1"/>
                 </a:solidFill>
               </a14:hiddenFill>
             </a:ext>
             <a:ext uri="{91240B29-F687-4f45-9708-019B960494DF}">
-              <a14:hiddenLine xmlns:a14="http://schemas.microsoft.com/office/drawing/2010/main" xmlns="" w="9525">
+              <a14:hiddenLine xmlns="" xmlns:a14="http://schemas.microsoft.com/office/drawing/2010/main" w="9525">
                 <a:solidFill>
                   <a:schemeClr val="tx1"/>
                 </a:solidFill>
@@ -12592,14 +12592,14 @@
           </a:ln>
           <a:extLst>
             <a:ext uri="{909E8E84-426E-40dd-AFC4-6F175D3DCCD1}">
-              <a14:hiddenFill xmlns:a14="http://schemas.microsoft.com/office/drawing/2010/main" xmlns="">
+              <a14:hiddenFill xmlns="" xmlns:a14="http://schemas.microsoft.com/office/drawing/2010/main">
                 <a:solidFill>
                   <a:schemeClr val="accent1"/>
                 </a:solidFill>
               </a14:hiddenFill>
             </a:ext>
             <a:ext uri="{91240B29-F687-4f45-9708-019B960494DF}">
-              <a14:hiddenLine xmlns:a14="http://schemas.microsoft.com/office/drawing/2010/main" xmlns="" w="9525">
+              <a14:hiddenLine xmlns="" xmlns:a14="http://schemas.microsoft.com/office/drawing/2010/main" w="9525">
                 <a:solidFill>
                   <a:schemeClr val="tx1"/>
                 </a:solidFill>
@@ -12645,14 +12645,14 @@
           </a:ln>
           <a:extLst>
             <a:ext uri="{909E8E84-426E-40dd-AFC4-6F175D3DCCD1}">
-              <a14:hiddenFill xmlns:a14="http://schemas.microsoft.com/office/drawing/2010/main" xmlns="">
+              <a14:hiddenFill xmlns="" xmlns:a14="http://schemas.microsoft.com/office/drawing/2010/main">
                 <a:solidFill>
                   <a:schemeClr val="accent1"/>
                 </a:solidFill>
               </a14:hiddenFill>
             </a:ext>
             <a:ext uri="{91240B29-F687-4f45-9708-019B960494DF}">
-              <a14:hiddenLine xmlns:a14="http://schemas.microsoft.com/office/drawing/2010/main" xmlns="" w="9525">
+              <a14:hiddenLine xmlns="" xmlns:a14="http://schemas.microsoft.com/office/drawing/2010/main" w="9525">
                 <a:solidFill>
                   <a:schemeClr val="tx1"/>
                 </a:solidFill>
@@ -12705,7 +12705,7 @@
           </a:ln>
           <a:extLst>
             <a:ext uri="{909E8E84-426E-40dd-AFC4-6F175D3DCCD1}">
-              <a14:hiddenFill xmlns:a14="http://schemas.microsoft.com/office/drawing/2010/main" xmlns="">
+              <a14:hiddenFill xmlns="" xmlns:a14="http://schemas.microsoft.com/office/drawing/2010/main">
                 <a:noFill/>
               </a14:hiddenFill>
             </a:ext>
@@ -12741,7 +12741,7 @@
           </a:ln>
           <a:extLst>
             <a:ext uri="{909E8E84-426E-40dd-AFC4-6F175D3DCCD1}">
-              <a14:hiddenFill xmlns:a14="http://schemas.microsoft.com/office/drawing/2010/main" xmlns="">
+              <a14:hiddenFill xmlns="" xmlns:a14="http://schemas.microsoft.com/office/drawing/2010/main">
                 <a:noFill/>
               </a14:hiddenFill>
             </a:ext>
@@ -12777,7 +12777,7 @@
           </a:ln>
           <a:extLst>
             <a:ext uri="{909E8E84-426E-40dd-AFC4-6F175D3DCCD1}">
-              <a14:hiddenFill xmlns:a14="http://schemas.microsoft.com/office/drawing/2010/main" xmlns="">
+              <a14:hiddenFill xmlns="" xmlns:a14="http://schemas.microsoft.com/office/drawing/2010/main">
                 <a:noFill/>
               </a14:hiddenFill>
             </a:ext>
@@ -12813,7 +12813,7 @@
           </a:ln>
           <a:extLst>
             <a:ext uri="{909E8E84-426E-40dd-AFC4-6F175D3DCCD1}">
-              <a14:hiddenFill xmlns:a14="http://schemas.microsoft.com/office/drawing/2010/main" xmlns="">
+              <a14:hiddenFill xmlns="" xmlns:a14="http://schemas.microsoft.com/office/drawing/2010/main">
                 <a:noFill/>
               </a14:hiddenFill>
             </a:ext>
@@ -12849,7 +12849,7 @@
           </a:ln>
           <a:extLst>
             <a:ext uri="{909E8E84-426E-40dd-AFC4-6F175D3DCCD1}">
-              <a14:hiddenFill xmlns:a14="http://schemas.microsoft.com/office/drawing/2010/main" xmlns="">
+              <a14:hiddenFill xmlns="" xmlns:a14="http://schemas.microsoft.com/office/drawing/2010/main">
                 <a:noFill/>
               </a14:hiddenFill>
             </a:ext>
@@ -12885,7 +12885,7 @@
           </a:ln>
           <a:extLst>
             <a:ext uri="{909E8E84-426E-40dd-AFC4-6F175D3DCCD1}">
-              <a14:hiddenFill xmlns:a14="http://schemas.microsoft.com/office/drawing/2010/main" xmlns="">
+              <a14:hiddenFill xmlns="" xmlns:a14="http://schemas.microsoft.com/office/drawing/2010/main">
                 <a:noFill/>
               </a14:hiddenFill>
             </a:ext>
@@ -12921,7 +12921,7 @@
           </a:ln>
           <a:extLst>
             <a:ext uri="{909E8E84-426E-40dd-AFC4-6F175D3DCCD1}">
-              <a14:hiddenFill xmlns:a14="http://schemas.microsoft.com/office/drawing/2010/main" xmlns="">
+              <a14:hiddenFill xmlns="" xmlns:a14="http://schemas.microsoft.com/office/drawing/2010/main">
                 <a:noFill/>
               </a14:hiddenFill>
             </a:ext>
@@ -12957,7 +12957,7 @@
           </a:ln>
           <a:extLst>
             <a:ext uri="{909E8E84-426E-40dd-AFC4-6F175D3DCCD1}">
-              <a14:hiddenFill xmlns:a14="http://schemas.microsoft.com/office/drawing/2010/main" xmlns="">
+              <a14:hiddenFill xmlns="" xmlns:a14="http://schemas.microsoft.com/office/drawing/2010/main">
                 <a:noFill/>
               </a14:hiddenFill>
             </a:ext>
@@ -12993,7 +12993,7 @@
           </a:ln>
           <a:extLst>
             <a:ext uri="{909E8E84-426E-40dd-AFC4-6F175D3DCCD1}">
-              <a14:hiddenFill xmlns:a14="http://schemas.microsoft.com/office/drawing/2010/main" xmlns="">
+              <a14:hiddenFill xmlns="" xmlns:a14="http://schemas.microsoft.com/office/drawing/2010/main">
                 <a:noFill/>
               </a14:hiddenFill>
             </a:ext>
@@ -13029,7 +13029,7 @@
           </a:ln>
           <a:extLst>
             <a:ext uri="{909E8E84-426E-40dd-AFC4-6F175D3DCCD1}">
-              <a14:hiddenFill xmlns:a14="http://schemas.microsoft.com/office/drawing/2010/main" xmlns="">
+              <a14:hiddenFill xmlns="" xmlns:a14="http://schemas.microsoft.com/office/drawing/2010/main">
                 <a:noFill/>
               </a14:hiddenFill>
             </a:ext>
@@ -13058,14 +13058,14 @@
           </a:ln>
           <a:extLst>
             <a:ext uri="{909E8E84-426E-40dd-AFC4-6F175D3DCCD1}">
-              <a14:hiddenFill xmlns:a14="http://schemas.microsoft.com/office/drawing/2010/main" xmlns="">
+              <a14:hiddenFill xmlns="" xmlns:a14="http://schemas.microsoft.com/office/drawing/2010/main">
                 <a:solidFill>
                   <a:schemeClr val="accent1"/>
                 </a:solidFill>
               </a14:hiddenFill>
             </a:ext>
             <a:ext uri="{91240B29-F687-4f45-9708-019B960494DF}">
-              <a14:hiddenLine xmlns:a14="http://schemas.microsoft.com/office/drawing/2010/main" xmlns="" w="9525">
+              <a14:hiddenLine xmlns="" xmlns:a14="http://schemas.microsoft.com/office/drawing/2010/main" w="9525">
                 <a:solidFill>
                   <a:schemeClr val="tx1"/>
                 </a:solidFill>
@@ -13115,14 +13115,14 @@
           </a:ln>
           <a:extLst>
             <a:ext uri="{909E8E84-426E-40dd-AFC4-6F175D3DCCD1}">
-              <a14:hiddenFill xmlns:a14="http://schemas.microsoft.com/office/drawing/2010/main" xmlns="">
+              <a14:hiddenFill xmlns="" xmlns:a14="http://schemas.microsoft.com/office/drawing/2010/main">
                 <a:solidFill>
                   <a:schemeClr val="accent1"/>
                 </a:solidFill>
               </a14:hiddenFill>
             </a:ext>
             <a:ext uri="{91240B29-F687-4f45-9708-019B960494DF}">
-              <a14:hiddenLine xmlns:a14="http://schemas.microsoft.com/office/drawing/2010/main" xmlns="" w="9525">
+              <a14:hiddenLine xmlns="" xmlns:a14="http://schemas.microsoft.com/office/drawing/2010/main" w="9525">
                 <a:solidFill>
                   <a:schemeClr val="tx1"/>
                 </a:solidFill>
@@ -13172,14 +13172,14 @@
           </a:ln>
           <a:extLst>
             <a:ext uri="{909E8E84-426E-40dd-AFC4-6F175D3DCCD1}">
-              <a14:hiddenFill xmlns:a14="http://schemas.microsoft.com/office/drawing/2010/main" xmlns="">
+              <a14:hiddenFill xmlns="" xmlns:a14="http://schemas.microsoft.com/office/drawing/2010/main">
                 <a:solidFill>
                   <a:schemeClr val="accent1"/>
                 </a:solidFill>
               </a14:hiddenFill>
             </a:ext>
             <a:ext uri="{91240B29-F687-4f45-9708-019B960494DF}">
-              <a14:hiddenLine xmlns:a14="http://schemas.microsoft.com/office/drawing/2010/main" xmlns="" w="9525">
+              <a14:hiddenLine xmlns="" xmlns:a14="http://schemas.microsoft.com/office/drawing/2010/main" w="9525">
                 <a:solidFill>
                   <a:schemeClr val="tx1"/>
                 </a:solidFill>
@@ -13229,14 +13229,14 @@
           </a:ln>
           <a:extLst>
             <a:ext uri="{909E8E84-426E-40dd-AFC4-6F175D3DCCD1}">
-              <a14:hiddenFill xmlns:a14="http://schemas.microsoft.com/office/drawing/2010/main" xmlns="">
+              <a14:hiddenFill xmlns="" xmlns:a14="http://schemas.microsoft.com/office/drawing/2010/main">
                 <a:solidFill>
                   <a:schemeClr val="accent1"/>
                 </a:solidFill>
               </a14:hiddenFill>
             </a:ext>
             <a:ext uri="{91240B29-F687-4f45-9708-019B960494DF}">
-              <a14:hiddenLine xmlns:a14="http://schemas.microsoft.com/office/drawing/2010/main" xmlns="" w="9525">
+              <a14:hiddenLine xmlns="" xmlns:a14="http://schemas.microsoft.com/office/drawing/2010/main" w="9525">
                 <a:solidFill>
                   <a:schemeClr val="tx1"/>
                 </a:solidFill>
@@ -13286,14 +13286,14 @@
           </a:ln>
           <a:extLst>
             <a:ext uri="{909E8E84-426E-40dd-AFC4-6F175D3DCCD1}">
-              <a14:hiddenFill xmlns:a14="http://schemas.microsoft.com/office/drawing/2010/main" xmlns="">
+              <a14:hiddenFill xmlns="" xmlns:a14="http://schemas.microsoft.com/office/drawing/2010/main">
                 <a:solidFill>
                   <a:schemeClr val="accent1"/>
                 </a:solidFill>
               </a14:hiddenFill>
             </a:ext>
             <a:ext uri="{91240B29-F687-4f45-9708-019B960494DF}">
-              <a14:hiddenLine xmlns:a14="http://schemas.microsoft.com/office/drawing/2010/main" xmlns="" w="9525">
+              <a14:hiddenLine xmlns="" xmlns:a14="http://schemas.microsoft.com/office/drawing/2010/main" w="9525">
                 <a:solidFill>
                   <a:schemeClr val="tx1"/>
                 </a:solidFill>
@@ -13342,14 +13342,14 @@
           </a:ln>
           <a:extLst>
             <a:ext uri="{909E8E84-426E-40dd-AFC4-6F175D3DCCD1}">
-              <a14:hiddenFill xmlns:a14="http://schemas.microsoft.com/office/drawing/2010/main" xmlns="">
+              <a14:hiddenFill xmlns="" xmlns:a14="http://schemas.microsoft.com/office/drawing/2010/main">
                 <a:solidFill>
                   <a:schemeClr val="accent1"/>
                 </a:solidFill>
               </a14:hiddenFill>
             </a:ext>
             <a:ext uri="{91240B29-F687-4f45-9708-019B960494DF}">
-              <a14:hiddenLine xmlns:a14="http://schemas.microsoft.com/office/drawing/2010/main" xmlns="" w="9525">
+              <a14:hiddenLine xmlns="" xmlns:a14="http://schemas.microsoft.com/office/drawing/2010/main" w="9525">
                 <a:solidFill>
                   <a:schemeClr val="tx1"/>
                 </a:solidFill>
@@ -13399,14 +13399,14 @@
           </a:ln>
           <a:extLst>
             <a:ext uri="{909E8E84-426E-40dd-AFC4-6F175D3DCCD1}">
-              <a14:hiddenFill xmlns:a14="http://schemas.microsoft.com/office/drawing/2010/main" xmlns="">
+              <a14:hiddenFill xmlns="" xmlns:a14="http://schemas.microsoft.com/office/drawing/2010/main">
                 <a:solidFill>
                   <a:schemeClr val="accent1"/>
                 </a:solidFill>
               </a14:hiddenFill>
             </a:ext>
             <a:ext uri="{91240B29-F687-4f45-9708-019B960494DF}">
-              <a14:hiddenLine xmlns:a14="http://schemas.microsoft.com/office/drawing/2010/main" xmlns="" w="9525">
+              <a14:hiddenLine xmlns="" xmlns:a14="http://schemas.microsoft.com/office/drawing/2010/main" w="9525">
                 <a:solidFill>
                   <a:schemeClr val="tx1"/>
                 </a:solidFill>
@@ -13456,14 +13456,14 @@
           </a:ln>
           <a:extLst>
             <a:ext uri="{909E8E84-426E-40dd-AFC4-6F175D3DCCD1}">
-              <a14:hiddenFill xmlns:a14="http://schemas.microsoft.com/office/drawing/2010/main" xmlns="">
+              <a14:hiddenFill xmlns="" xmlns:a14="http://schemas.microsoft.com/office/drawing/2010/main">
                 <a:solidFill>
                   <a:schemeClr val="accent1"/>
                 </a:solidFill>
               </a14:hiddenFill>
             </a:ext>
             <a:ext uri="{91240B29-F687-4f45-9708-019B960494DF}">
-              <a14:hiddenLine xmlns:a14="http://schemas.microsoft.com/office/drawing/2010/main" xmlns="" w="9525">
+              <a14:hiddenLine xmlns="" xmlns:a14="http://schemas.microsoft.com/office/drawing/2010/main" w="9525">
                 <a:solidFill>
                   <a:schemeClr val="tx1"/>
                 </a:solidFill>
@@ -13517,7 +13517,7 @@
           </a:ln>
           <a:extLst>
             <a:ext uri="{909E8E84-426E-40dd-AFC4-6F175D3DCCD1}">
-              <a14:hiddenFill xmlns:a14="http://schemas.microsoft.com/office/drawing/2010/main" xmlns="">
+              <a14:hiddenFill xmlns="" xmlns:a14="http://schemas.microsoft.com/office/drawing/2010/main">
                 <a:solidFill>
                   <a:schemeClr val="accent1"/>
                 </a:solidFill>
@@ -13657,14 +13657,14 @@
           </a:ln>
           <a:extLst>
             <a:ext uri="{909E8E84-426E-40dd-AFC4-6F175D3DCCD1}">
-              <a14:hiddenFill xmlns:a14="http://schemas.microsoft.com/office/drawing/2010/main" xmlns="">
+              <a14:hiddenFill xmlns="" xmlns:a14="http://schemas.microsoft.com/office/drawing/2010/main">
                 <a:solidFill>
                   <a:schemeClr val="accent1"/>
                 </a:solidFill>
               </a14:hiddenFill>
             </a:ext>
             <a:ext uri="{91240B29-F687-4f45-9708-019B960494DF}">
-              <a14:hiddenLine xmlns:a14="http://schemas.microsoft.com/office/drawing/2010/main" xmlns="" w="9525">
+              <a14:hiddenLine xmlns="" xmlns:a14="http://schemas.microsoft.com/office/drawing/2010/main" w="9525">
                 <a:solidFill>
                   <a:schemeClr val="tx1"/>
                 </a:solidFill>
@@ -13710,14 +13710,14 @@
           </a:ln>
           <a:extLst>
             <a:ext uri="{909E8E84-426E-40dd-AFC4-6F175D3DCCD1}">
-              <a14:hiddenFill xmlns:a14="http://schemas.microsoft.com/office/drawing/2010/main" xmlns="">
+              <a14:hiddenFill xmlns="" xmlns:a14="http://schemas.microsoft.com/office/drawing/2010/main">
                 <a:solidFill>
                   <a:schemeClr val="accent1"/>
                 </a:solidFill>
               </a14:hiddenFill>
             </a:ext>
             <a:ext uri="{91240B29-F687-4f45-9708-019B960494DF}">
-              <a14:hiddenLine xmlns:a14="http://schemas.microsoft.com/office/drawing/2010/main" xmlns="" w="9525">
+              <a14:hiddenLine xmlns="" xmlns:a14="http://schemas.microsoft.com/office/drawing/2010/main" w="9525">
                 <a:solidFill>
                   <a:schemeClr val="tx1"/>
                 </a:solidFill>
@@ -13763,14 +13763,14 @@
           </a:ln>
           <a:extLst>
             <a:ext uri="{909E8E84-426E-40dd-AFC4-6F175D3DCCD1}">
-              <a14:hiddenFill xmlns:a14="http://schemas.microsoft.com/office/drawing/2010/main" xmlns="">
+              <a14:hiddenFill xmlns="" xmlns:a14="http://schemas.microsoft.com/office/drawing/2010/main">
                 <a:solidFill>
                   <a:schemeClr val="accent1"/>
                 </a:solidFill>
               </a14:hiddenFill>
             </a:ext>
             <a:ext uri="{91240B29-F687-4f45-9708-019B960494DF}">
-              <a14:hiddenLine xmlns:a14="http://schemas.microsoft.com/office/drawing/2010/main" xmlns="" w="9525">
+              <a14:hiddenLine xmlns="" xmlns:a14="http://schemas.microsoft.com/office/drawing/2010/main" w="9525">
                 <a:solidFill>
                   <a:schemeClr val="tx1"/>
                 </a:solidFill>
@@ -13816,14 +13816,14 @@
           </a:ln>
           <a:extLst>
             <a:ext uri="{909E8E84-426E-40dd-AFC4-6F175D3DCCD1}">
-              <a14:hiddenFill xmlns:a14="http://schemas.microsoft.com/office/drawing/2010/main" xmlns="">
+              <a14:hiddenFill xmlns="" xmlns:a14="http://schemas.microsoft.com/office/drawing/2010/main">
                 <a:solidFill>
                   <a:schemeClr val="accent1"/>
                 </a:solidFill>
               </a14:hiddenFill>
             </a:ext>
             <a:ext uri="{91240B29-F687-4f45-9708-019B960494DF}">
-              <a14:hiddenLine xmlns:a14="http://schemas.microsoft.com/office/drawing/2010/main" xmlns="" w="9525">
+              <a14:hiddenLine xmlns="" xmlns:a14="http://schemas.microsoft.com/office/drawing/2010/main" w="9525">
                 <a:solidFill>
                   <a:schemeClr val="tx1"/>
                 </a:solidFill>
@@ -13869,14 +13869,14 @@
           </a:ln>
           <a:extLst>
             <a:ext uri="{909E8E84-426E-40dd-AFC4-6F175D3DCCD1}">
-              <a14:hiddenFill xmlns:a14="http://schemas.microsoft.com/office/drawing/2010/main" xmlns="">
+              <a14:hiddenFill xmlns="" xmlns:a14="http://schemas.microsoft.com/office/drawing/2010/main">
                 <a:solidFill>
                   <a:schemeClr val="accent1"/>
                 </a:solidFill>
               </a14:hiddenFill>
             </a:ext>
             <a:ext uri="{91240B29-F687-4f45-9708-019B960494DF}">
-              <a14:hiddenLine xmlns:a14="http://schemas.microsoft.com/office/drawing/2010/main" xmlns="" w="9525">
+              <a14:hiddenLine xmlns="" xmlns:a14="http://schemas.microsoft.com/office/drawing/2010/main" w="9525">
                 <a:solidFill>
                   <a:schemeClr val="tx1"/>
                 </a:solidFill>
@@ -13922,14 +13922,14 @@
           </a:ln>
           <a:extLst>
             <a:ext uri="{909E8E84-426E-40dd-AFC4-6F175D3DCCD1}">
-              <a14:hiddenFill xmlns:a14="http://schemas.microsoft.com/office/drawing/2010/main" xmlns="">
+              <a14:hiddenFill xmlns="" xmlns:a14="http://schemas.microsoft.com/office/drawing/2010/main">
                 <a:solidFill>
                   <a:schemeClr val="accent1"/>
                 </a:solidFill>
               </a14:hiddenFill>
             </a:ext>
             <a:ext uri="{91240B29-F687-4f45-9708-019B960494DF}">
-              <a14:hiddenLine xmlns:a14="http://schemas.microsoft.com/office/drawing/2010/main" xmlns="" w="9525">
+              <a14:hiddenLine xmlns="" xmlns:a14="http://schemas.microsoft.com/office/drawing/2010/main" w="9525">
                 <a:solidFill>
                   <a:schemeClr val="tx1"/>
                 </a:solidFill>
@@ -13975,14 +13975,14 @@
           </a:ln>
           <a:extLst>
             <a:ext uri="{909E8E84-426E-40dd-AFC4-6F175D3DCCD1}">
-              <a14:hiddenFill xmlns:a14="http://schemas.microsoft.com/office/drawing/2010/main" xmlns="">
+              <a14:hiddenFill xmlns="" xmlns:a14="http://schemas.microsoft.com/office/drawing/2010/main">
                 <a:solidFill>
                   <a:schemeClr val="accent1"/>
                 </a:solidFill>
               </a14:hiddenFill>
             </a:ext>
             <a:ext uri="{91240B29-F687-4f45-9708-019B960494DF}">
-              <a14:hiddenLine xmlns:a14="http://schemas.microsoft.com/office/drawing/2010/main" xmlns="" w="9525">
+              <a14:hiddenLine xmlns="" xmlns:a14="http://schemas.microsoft.com/office/drawing/2010/main" w="9525">
                 <a:solidFill>
                   <a:schemeClr val="tx1"/>
                 </a:solidFill>
@@ -14028,14 +14028,14 @@
           </a:ln>
           <a:extLst>
             <a:ext uri="{909E8E84-426E-40dd-AFC4-6F175D3DCCD1}">
-              <a14:hiddenFill xmlns:a14="http://schemas.microsoft.com/office/drawing/2010/main" xmlns="">
+              <a14:hiddenFill xmlns="" xmlns:a14="http://schemas.microsoft.com/office/drawing/2010/main">
                 <a:solidFill>
                   <a:schemeClr val="accent1"/>
                 </a:solidFill>
               </a14:hiddenFill>
             </a:ext>
             <a:ext uri="{91240B29-F687-4f45-9708-019B960494DF}">
-              <a14:hiddenLine xmlns:a14="http://schemas.microsoft.com/office/drawing/2010/main" xmlns="" w="9525">
+              <a14:hiddenLine xmlns="" xmlns:a14="http://schemas.microsoft.com/office/drawing/2010/main" w="9525">
                 <a:solidFill>
                   <a:schemeClr val="tx1"/>
                 </a:solidFill>
@@ -14081,14 +14081,14 @@
           </a:ln>
           <a:extLst>
             <a:ext uri="{909E8E84-426E-40dd-AFC4-6F175D3DCCD1}">
-              <a14:hiddenFill xmlns:a14="http://schemas.microsoft.com/office/drawing/2010/main" xmlns="">
+              <a14:hiddenFill xmlns="" xmlns:a14="http://schemas.microsoft.com/office/drawing/2010/main">
                 <a:solidFill>
                   <a:schemeClr val="accent1"/>
                 </a:solidFill>
               </a14:hiddenFill>
             </a:ext>
             <a:ext uri="{91240B29-F687-4f45-9708-019B960494DF}">
-              <a14:hiddenLine xmlns:a14="http://schemas.microsoft.com/office/drawing/2010/main" xmlns="" w="9525">
+              <a14:hiddenLine xmlns="" xmlns:a14="http://schemas.microsoft.com/office/drawing/2010/main" w="9525">
                 <a:solidFill>
                   <a:schemeClr val="tx1"/>
                 </a:solidFill>
@@ -14134,14 +14134,14 @@
           </a:ln>
           <a:extLst>
             <a:ext uri="{909E8E84-426E-40dd-AFC4-6F175D3DCCD1}">
-              <a14:hiddenFill xmlns:a14="http://schemas.microsoft.com/office/drawing/2010/main" xmlns="">
+              <a14:hiddenFill xmlns="" xmlns:a14="http://schemas.microsoft.com/office/drawing/2010/main">
                 <a:solidFill>
                   <a:schemeClr val="accent1"/>
                 </a:solidFill>
               </a14:hiddenFill>
             </a:ext>
             <a:ext uri="{91240B29-F687-4f45-9708-019B960494DF}">
-              <a14:hiddenLine xmlns:a14="http://schemas.microsoft.com/office/drawing/2010/main" xmlns="" w="9525">
+              <a14:hiddenLine xmlns="" xmlns:a14="http://schemas.microsoft.com/office/drawing/2010/main" w="9525">
                 <a:solidFill>
                   <a:schemeClr val="tx1"/>
                 </a:solidFill>
@@ -14187,14 +14187,14 @@
           </a:ln>
           <a:extLst>
             <a:ext uri="{909E8E84-426E-40dd-AFC4-6F175D3DCCD1}">
-              <a14:hiddenFill xmlns:a14="http://schemas.microsoft.com/office/drawing/2010/main" xmlns="">
+              <a14:hiddenFill xmlns="" xmlns:a14="http://schemas.microsoft.com/office/drawing/2010/main">
                 <a:solidFill>
                   <a:schemeClr val="accent1"/>
                 </a:solidFill>
               </a14:hiddenFill>
             </a:ext>
             <a:ext uri="{91240B29-F687-4f45-9708-019B960494DF}">
-              <a14:hiddenLine xmlns:a14="http://schemas.microsoft.com/office/drawing/2010/main" xmlns="" w="9525">
+              <a14:hiddenLine xmlns="" xmlns:a14="http://schemas.microsoft.com/office/drawing/2010/main" w="9525">
                 <a:solidFill>
                   <a:schemeClr val="tx1"/>
                 </a:solidFill>
@@ -14247,7 +14247,7 @@
           </a:ln>
           <a:extLst>
             <a:ext uri="{909E8E84-426E-40dd-AFC4-6F175D3DCCD1}">
-              <a14:hiddenFill xmlns:a14="http://schemas.microsoft.com/office/drawing/2010/main" xmlns="">
+              <a14:hiddenFill xmlns="" xmlns:a14="http://schemas.microsoft.com/office/drawing/2010/main">
                 <a:noFill/>
               </a14:hiddenFill>
             </a:ext>
@@ -14283,7 +14283,7 @@
           </a:ln>
           <a:extLst>
             <a:ext uri="{909E8E84-426E-40dd-AFC4-6F175D3DCCD1}">
-              <a14:hiddenFill xmlns:a14="http://schemas.microsoft.com/office/drawing/2010/main" xmlns="">
+              <a14:hiddenFill xmlns="" xmlns:a14="http://schemas.microsoft.com/office/drawing/2010/main">
                 <a:noFill/>
               </a14:hiddenFill>
             </a:ext>
@@ -14319,7 +14319,7 @@
           </a:ln>
           <a:extLst>
             <a:ext uri="{909E8E84-426E-40dd-AFC4-6F175D3DCCD1}">
-              <a14:hiddenFill xmlns:a14="http://schemas.microsoft.com/office/drawing/2010/main" xmlns="">
+              <a14:hiddenFill xmlns="" xmlns:a14="http://schemas.microsoft.com/office/drawing/2010/main">
                 <a:noFill/>
               </a14:hiddenFill>
             </a:ext>
@@ -14355,7 +14355,7 @@
           </a:ln>
           <a:extLst>
             <a:ext uri="{909E8E84-426E-40dd-AFC4-6F175D3DCCD1}">
-              <a14:hiddenFill xmlns:a14="http://schemas.microsoft.com/office/drawing/2010/main" xmlns="">
+              <a14:hiddenFill xmlns="" xmlns:a14="http://schemas.microsoft.com/office/drawing/2010/main">
                 <a:noFill/>
               </a14:hiddenFill>
             </a:ext>
@@ -14391,7 +14391,7 @@
           </a:ln>
           <a:extLst>
             <a:ext uri="{909E8E84-426E-40dd-AFC4-6F175D3DCCD1}">
-              <a14:hiddenFill xmlns:a14="http://schemas.microsoft.com/office/drawing/2010/main" xmlns="">
+              <a14:hiddenFill xmlns="" xmlns:a14="http://schemas.microsoft.com/office/drawing/2010/main">
                 <a:noFill/>
               </a14:hiddenFill>
             </a:ext>
@@ -14427,7 +14427,7 @@
           </a:ln>
           <a:extLst>
             <a:ext uri="{909E8E84-426E-40dd-AFC4-6F175D3DCCD1}">
-              <a14:hiddenFill xmlns:a14="http://schemas.microsoft.com/office/drawing/2010/main" xmlns="">
+              <a14:hiddenFill xmlns="" xmlns:a14="http://schemas.microsoft.com/office/drawing/2010/main">
                 <a:noFill/>
               </a14:hiddenFill>
             </a:ext>
@@ -14463,7 +14463,7 @@
           </a:ln>
           <a:extLst>
             <a:ext uri="{909E8E84-426E-40dd-AFC4-6F175D3DCCD1}">
-              <a14:hiddenFill xmlns:a14="http://schemas.microsoft.com/office/drawing/2010/main" xmlns="">
+              <a14:hiddenFill xmlns="" xmlns:a14="http://schemas.microsoft.com/office/drawing/2010/main">
                 <a:noFill/>
               </a14:hiddenFill>
             </a:ext>
@@ -14499,7 +14499,7 @@
           </a:ln>
           <a:extLst>
             <a:ext uri="{909E8E84-426E-40dd-AFC4-6F175D3DCCD1}">
-              <a14:hiddenFill xmlns:a14="http://schemas.microsoft.com/office/drawing/2010/main" xmlns="">
+              <a14:hiddenFill xmlns="" xmlns:a14="http://schemas.microsoft.com/office/drawing/2010/main">
                 <a:noFill/>
               </a14:hiddenFill>
             </a:ext>
@@ -14535,7 +14535,7 @@
           </a:ln>
           <a:extLst>
             <a:ext uri="{909E8E84-426E-40dd-AFC4-6F175D3DCCD1}">
-              <a14:hiddenFill xmlns:a14="http://schemas.microsoft.com/office/drawing/2010/main" xmlns="">
+              <a14:hiddenFill xmlns="" xmlns:a14="http://schemas.microsoft.com/office/drawing/2010/main">
                 <a:noFill/>
               </a14:hiddenFill>
             </a:ext>
@@ -14571,7 +14571,7 @@
           </a:ln>
           <a:extLst>
             <a:ext uri="{909E8E84-426E-40dd-AFC4-6F175D3DCCD1}">
-              <a14:hiddenFill xmlns:a14="http://schemas.microsoft.com/office/drawing/2010/main" xmlns="">
+              <a14:hiddenFill xmlns="" xmlns:a14="http://schemas.microsoft.com/office/drawing/2010/main">
                 <a:noFill/>
               </a14:hiddenFill>
             </a:ext>
@@ -14605,7 +14605,7 @@
           </a:ln>
           <a:extLst>
             <a:ext uri="{909E8E84-426E-40dd-AFC4-6F175D3DCCD1}">
-              <a14:hiddenFill xmlns:a14="http://schemas.microsoft.com/office/drawing/2010/main" xmlns="">
+              <a14:hiddenFill xmlns="" xmlns:a14="http://schemas.microsoft.com/office/drawing/2010/main">
                 <a:solidFill>
                   <a:schemeClr val="accent1"/>
                 </a:solidFill>
@@ -14745,14 +14745,14 @@
           </a:ln>
           <a:extLst>
             <a:ext uri="{909E8E84-426E-40dd-AFC4-6F175D3DCCD1}">
-              <a14:hiddenFill xmlns:a14="http://schemas.microsoft.com/office/drawing/2010/main" xmlns="">
+              <a14:hiddenFill xmlns="" xmlns:a14="http://schemas.microsoft.com/office/drawing/2010/main">
                 <a:solidFill>
                   <a:schemeClr val="accent1"/>
                 </a:solidFill>
               </a14:hiddenFill>
             </a:ext>
             <a:ext uri="{91240B29-F687-4f45-9708-019B960494DF}">
-              <a14:hiddenLine xmlns:a14="http://schemas.microsoft.com/office/drawing/2010/main" xmlns="" w="9525">
+              <a14:hiddenLine xmlns="" xmlns:a14="http://schemas.microsoft.com/office/drawing/2010/main" w="9525">
                 <a:solidFill>
                   <a:schemeClr val="tx1"/>
                 </a:solidFill>
@@ -14798,14 +14798,14 @@
           </a:ln>
           <a:extLst>
             <a:ext uri="{909E8E84-426E-40dd-AFC4-6F175D3DCCD1}">
-              <a14:hiddenFill xmlns:a14="http://schemas.microsoft.com/office/drawing/2010/main" xmlns="">
+              <a14:hiddenFill xmlns="" xmlns:a14="http://schemas.microsoft.com/office/drawing/2010/main">
                 <a:solidFill>
                   <a:schemeClr val="accent1"/>
                 </a:solidFill>
               </a14:hiddenFill>
             </a:ext>
             <a:ext uri="{91240B29-F687-4f45-9708-019B960494DF}">
-              <a14:hiddenLine xmlns:a14="http://schemas.microsoft.com/office/drawing/2010/main" xmlns="" w="9525">
+              <a14:hiddenLine xmlns="" xmlns:a14="http://schemas.microsoft.com/office/drawing/2010/main" w="9525">
                 <a:solidFill>
                   <a:schemeClr val="tx1"/>
                 </a:solidFill>
@@ -14851,14 +14851,14 @@
           </a:ln>
           <a:extLst>
             <a:ext uri="{909E8E84-426E-40dd-AFC4-6F175D3DCCD1}">
-              <a14:hiddenFill xmlns:a14="http://schemas.microsoft.com/office/drawing/2010/main" xmlns="">
+              <a14:hiddenFill xmlns="" xmlns:a14="http://schemas.microsoft.com/office/drawing/2010/main">
                 <a:solidFill>
                   <a:schemeClr val="accent1"/>
                 </a:solidFill>
               </a14:hiddenFill>
             </a:ext>
             <a:ext uri="{91240B29-F687-4f45-9708-019B960494DF}">
-              <a14:hiddenLine xmlns:a14="http://schemas.microsoft.com/office/drawing/2010/main" xmlns="" w="9525">
+              <a14:hiddenLine xmlns="" xmlns:a14="http://schemas.microsoft.com/office/drawing/2010/main" w="9525">
                 <a:solidFill>
                   <a:schemeClr val="tx1"/>
                 </a:solidFill>
@@ -14904,14 +14904,14 @@
           </a:ln>
           <a:extLst>
             <a:ext uri="{909E8E84-426E-40dd-AFC4-6F175D3DCCD1}">
-              <a14:hiddenFill xmlns:a14="http://schemas.microsoft.com/office/drawing/2010/main" xmlns="">
+              <a14:hiddenFill xmlns="" xmlns:a14="http://schemas.microsoft.com/office/drawing/2010/main">
                 <a:solidFill>
                   <a:schemeClr val="accent1"/>
                 </a:solidFill>
               </a14:hiddenFill>
             </a:ext>
             <a:ext uri="{91240B29-F687-4f45-9708-019B960494DF}">
-              <a14:hiddenLine xmlns:a14="http://schemas.microsoft.com/office/drawing/2010/main" xmlns="" w="9525">
+              <a14:hiddenLine xmlns="" xmlns:a14="http://schemas.microsoft.com/office/drawing/2010/main" w="9525">
                 <a:solidFill>
                   <a:schemeClr val="tx1"/>
                 </a:solidFill>
@@ -14957,14 +14957,14 @@
           </a:ln>
           <a:extLst>
             <a:ext uri="{909E8E84-426E-40dd-AFC4-6F175D3DCCD1}">
-              <a14:hiddenFill xmlns:a14="http://schemas.microsoft.com/office/drawing/2010/main" xmlns="">
+              <a14:hiddenFill xmlns="" xmlns:a14="http://schemas.microsoft.com/office/drawing/2010/main">
                 <a:solidFill>
                   <a:schemeClr val="accent1"/>
                 </a:solidFill>
               </a14:hiddenFill>
             </a:ext>
             <a:ext uri="{91240B29-F687-4f45-9708-019B960494DF}">
-              <a14:hiddenLine xmlns:a14="http://schemas.microsoft.com/office/drawing/2010/main" xmlns="" w="9525">
+              <a14:hiddenLine xmlns="" xmlns:a14="http://schemas.microsoft.com/office/drawing/2010/main" w="9525">
                 <a:solidFill>
                   <a:schemeClr val="tx1"/>
                 </a:solidFill>
@@ -15010,14 +15010,14 @@
           </a:ln>
           <a:extLst>
             <a:ext uri="{909E8E84-426E-40dd-AFC4-6F175D3DCCD1}">
-              <a14:hiddenFill xmlns:a14="http://schemas.microsoft.com/office/drawing/2010/main" xmlns="">
+              <a14:hiddenFill xmlns="" xmlns:a14="http://schemas.microsoft.com/office/drawing/2010/main">
                 <a:solidFill>
                   <a:schemeClr val="accent1"/>
                 </a:solidFill>
               </a14:hiddenFill>
             </a:ext>
             <a:ext uri="{91240B29-F687-4f45-9708-019B960494DF}">
-              <a14:hiddenLine xmlns:a14="http://schemas.microsoft.com/office/drawing/2010/main" xmlns="" w="9525">
+              <a14:hiddenLine xmlns="" xmlns:a14="http://schemas.microsoft.com/office/drawing/2010/main" w="9525">
                 <a:solidFill>
                   <a:schemeClr val="tx1"/>
                 </a:solidFill>
@@ -15063,14 +15063,14 @@
           </a:ln>
           <a:extLst>
             <a:ext uri="{909E8E84-426E-40dd-AFC4-6F175D3DCCD1}">
-              <a14:hiddenFill xmlns:a14="http://schemas.microsoft.com/office/drawing/2010/main" xmlns="">
+              <a14:hiddenFill xmlns="" xmlns:a14="http://schemas.microsoft.com/office/drawing/2010/main">
                 <a:solidFill>
                   <a:schemeClr val="accent1"/>
                 </a:solidFill>
               </a14:hiddenFill>
             </a:ext>
             <a:ext uri="{91240B29-F687-4f45-9708-019B960494DF}">
-              <a14:hiddenLine xmlns:a14="http://schemas.microsoft.com/office/drawing/2010/main" xmlns="" w="9525">
+              <a14:hiddenLine xmlns="" xmlns:a14="http://schemas.microsoft.com/office/drawing/2010/main" w="9525">
                 <a:solidFill>
                   <a:schemeClr val="tx1"/>
                 </a:solidFill>
@@ -15116,14 +15116,14 @@
           </a:ln>
           <a:extLst>
             <a:ext uri="{909E8E84-426E-40dd-AFC4-6F175D3DCCD1}">
-              <a14:hiddenFill xmlns:a14="http://schemas.microsoft.com/office/drawing/2010/main" xmlns="">
+              <a14:hiddenFill xmlns="" xmlns:a14="http://schemas.microsoft.com/office/drawing/2010/main">
                 <a:solidFill>
                   <a:schemeClr val="accent1"/>
                 </a:solidFill>
               </a14:hiddenFill>
             </a:ext>
             <a:ext uri="{91240B29-F687-4f45-9708-019B960494DF}">
-              <a14:hiddenLine xmlns:a14="http://schemas.microsoft.com/office/drawing/2010/main" xmlns="" w="9525">
+              <a14:hiddenLine xmlns="" xmlns:a14="http://schemas.microsoft.com/office/drawing/2010/main" w="9525">
                 <a:solidFill>
                   <a:schemeClr val="tx1"/>
                 </a:solidFill>
@@ -15169,14 +15169,14 @@
           </a:ln>
           <a:extLst>
             <a:ext uri="{909E8E84-426E-40dd-AFC4-6F175D3DCCD1}">
-              <a14:hiddenFill xmlns:a14="http://schemas.microsoft.com/office/drawing/2010/main" xmlns="">
+              <a14:hiddenFill xmlns="" xmlns:a14="http://schemas.microsoft.com/office/drawing/2010/main">
                 <a:solidFill>
                   <a:schemeClr val="accent1"/>
                 </a:solidFill>
               </a14:hiddenFill>
             </a:ext>
             <a:ext uri="{91240B29-F687-4f45-9708-019B960494DF}">
-              <a14:hiddenLine xmlns:a14="http://schemas.microsoft.com/office/drawing/2010/main" xmlns="" w="9525">
+              <a14:hiddenLine xmlns="" xmlns:a14="http://schemas.microsoft.com/office/drawing/2010/main" w="9525">
                 <a:solidFill>
                   <a:schemeClr val="tx1"/>
                 </a:solidFill>
@@ -15222,14 +15222,14 @@
           </a:ln>
           <a:extLst>
             <a:ext uri="{909E8E84-426E-40dd-AFC4-6F175D3DCCD1}">
-              <a14:hiddenFill xmlns:a14="http://schemas.microsoft.com/office/drawing/2010/main" xmlns="">
+              <a14:hiddenFill xmlns="" xmlns:a14="http://schemas.microsoft.com/office/drawing/2010/main">
                 <a:solidFill>
                   <a:schemeClr val="accent1"/>
                 </a:solidFill>
               </a14:hiddenFill>
             </a:ext>
             <a:ext uri="{91240B29-F687-4f45-9708-019B960494DF}">
-              <a14:hiddenLine xmlns:a14="http://schemas.microsoft.com/office/drawing/2010/main" xmlns="" w="9525">
+              <a14:hiddenLine xmlns="" xmlns:a14="http://schemas.microsoft.com/office/drawing/2010/main" w="9525">
                 <a:solidFill>
                   <a:schemeClr val="tx1"/>
                 </a:solidFill>
@@ -15275,14 +15275,14 @@
           </a:ln>
           <a:extLst>
             <a:ext uri="{909E8E84-426E-40dd-AFC4-6F175D3DCCD1}">
-              <a14:hiddenFill xmlns:a14="http://schemas.microsoft.com/office/drawing/2010/main" xmlns="">
+              <a14:hiddenFill xmlns="" xmlns:a14="http://schemas.microsoft.com/office/drawing/2010/main">
                 <a:solidFill>
                   <a:schemeClr val="accent1"/>
                 </a:solidFill>
               </a14:hiddenFill>
             </a:ext>
             <a:ext uri="{91240B29-F687-4f45-9708-019B960494DF}">
-              <a14:hiddenLine xmlns:a14="http://schemas.microsoft.com/office/drawing/2010/main" xmlns="" w="9525">
+              <a14:hiddenLine xmlns="" xmlns:a14="http://schemas.microsoft.com/office/drawing/2010/main" w="9525">
                 <a:solidFill>
                   <a:schemeClr val="tx1"/>
                 </a:solidFill>
@@ -15335,7 +15335,7 @@
           </a:ln>
           <a:extLst>
             <a:ext uri="{909E8E84-426E-40dd-AFC4-6F175D3DCCD1}">
-              <a14:hiddenFill xmlns:a14="http://schemas.microsoft.com/office/drawing/2010/main" xmlns="">
+              <a14:hiddenFill xmlns="" xmlns:a14="http://schemas.microsoft.com/office/drawing/2010/main">
                 <a:noFill/>
               </a14:hiddenFill>
             </a:ext>
@@ -15371,7 +15371,7 @@
           </a:ln>
           <a:extLst>
             <a:ext uri="{909E8E84-426E-40dd-AFC4-6F175D3DCCD1}">
-              <a14:hiddenFill xmlns:a14="http://schemas.microsoft.com/office/drawing/2010/main" xmlns="">
+              <a14:hiddenFill xmlns="" xmlns:a14="http://schemas.microsoft.com/office/drawing/2010/main">
                 <a:noFill/>
               </a14:hiddenFill>
             </a:ext>
@@ -15407,7 +15407,7 @@
           </a:ln>
           <a:extLst>
             <a:ext uri="{909E8E84-426E-40dd-AFC4-6F175D3DCCD1}">
-              <a14:hiddenFill xmlns:a14="http://schemas.microsoft.com/office/drawing/2010/main" xmlns="">
+              <a14:hiddenFill xmlns="" xmlns:a14="http://schemas.microsoft.com/office/drawing/2010/main">
                 <a:noFill/>
               </a14:hiddenFill>
             </a:ext>
@@ -15443,7 +15443,7 @@
           </a:ln>
           <a:extLst>
             <a:ext uri="{909E8E84-426E-40dd-AFC4-6F175D3DCCD1}">
-              <a14:hiddenFill xmlns:a14="http://schemas.microsoft.com/office/drawing/2010/main" xmlns="">
+              <a14:hiddenFill xmlns="" xmlns:a14="http://schemas.microsoft.com/office/drawing/2010/main">
                 <a:noFill/>
               </a14:hiddenFill>
             </a:ext>
@@ -15479,7 +15479,7 @@
           </a:ln>
           <a:extLst>
             <a:ext uri="{909E8E84-426E-40dd-AFC4-6F175D3DCCD1}">
-              <a14:hiddenFill xmlns:a14="http://schemas.microsoft.com/office/drawing/2010/main" xmlns="">
+              <a14:hiddenFill xmlns="" xmlns:a14="http://schemas.microsoft.com/office/drawing/2010/main">
                 <a:noFill/>
               </a14:hiddenFill>
             </a:ext>
@@ -15515,7 +15515,7 @@
           </a:ln>
           <a:extLst>
             <a:ext uri="{909E8E84-426E-40dd-AFC4-6F175D3DCCD1}">
-              <a14:hiddenFill xmlns:a14="http://schemas.microsoft.com/office/drawing/2010/main" xmlns="">
+              <a14:hiddenFill xmlns="" xmlns:a14="http://schemas.microsoft.com/office/drawing/2010/main">
                 <a:noFill/>
               </a14:hiddenFill>
             </a:ext>
@@ -15551,7 +15551,7 @@
           </a:ln>
           <a:extLst>
             <a:ext uri="{909E8E84-426E-40dd-AFC4-6F175D3DCCD1}">
-              <a14:hiddenFill xmlns:a14="http://schemas.microsoft.com/office/drawing/2010/main" xmlns="">
+              <a14:hiddenFill xmlns="" xmlns:a14="http://schemas.microsoft.com/office/drawing/2010/main">
                 <a:noFill/>
               </a14:hiddenFill>
             </a:ext>
@@ -15587,7 +15587,7 @@
           </a:ln>
           <a:extLst>
             <a:ext uri="{909E8E84-426E-40dd-AFC4-6F175D3DCCD1}">
-              <a14:hiddenFill xmlns:a14="http://schemas.microsoft.com/office/drawing/2010/main" xmlns="">
+              <a14:hiddenFill xmlns="" xmlns:a14="http://schemas.microsoft.com/office/drawing/2010/main">
                 <a:noFill/>
               </a14:hiddenFill>
             </a:ext>
@@ -15623,7 +15623,7 @@
           </a:ln>
           <a:extLst>
             <a:ext uri="{909E8E84-426E-40dd-AFC4-6F175D3DCCD1}">
-              <a14:hiddenFill xmlns:a14="http://schemas.microsoft.com/office/drawing/2010/main" xmlns="">
+              <a14:hiddenFill xmlns="" xmlns:a14="http://schemas.microsoft.com/office/drawing/2010/main">
                 <a:noFill/>
               </a14:hiddenFill>
             </a:ext>
@@ -15659,7 +15659,7 @@
           </a:ln>
           <a:extLst>
             <a:ext uri="{909E8E84-426E-40dd-AFC4-6F175D3DCCD1}">
-              <a14:hiddenFill xmlns:a14="http://schemas.microsoft.com/office/drawing/2010/main" xmlns="">
+              <a14:hiddenFill xmlns="" xmlns:a14="http://schemas.microsoft.com/office/drawing/2010/main">
                 <a:noFill/>
               </a14:hiddenFill>
             </a:ext>
@@ -15688,14 +15688,14 @@
           </a:ln>
           <a:extLst>
             <a:ext uri="{909E8E84-426E-40dd-AFC4-6F175D3DCCD1}">
-              <a14:hiddenFill xmlns:a14="http://schemas.microsoft.com/office/drawing/2010/main" xmlns="">
+              <a14:hiddenFill xmlns="" xmlns:a14="http://schemas.microsoft.com/office/drawing/2010/main">
                 <a:solidFill>
                   <a:schemeClr val="accent1"/>
                 </a:solidFill>
               </a14:hiddenFill>
             </a:ext>
             <a:ext uri="{91240B29-F687-4f45-9708-019B960494DF}">
-              <a14:hiddenLine xmlns:a14="http://schemas.microsoft.com/office/drawing/2010/main" xmlns="" w="9525">
+              <a14:hiddenLine xmlns="" xmlns:a14="http://schemas.microsoft.com/office/drawing/2010/main" w="9525">
                 <a:solidFill>
                   <a:schemeClr val="tx1"/>
                 </a:solidFill>
@@ -15746,7 +15746,7 @@
           </a:ln>
           <a:extLst>
             <a:ext uri="{909E8E84-426E-40dd-AFC4-6F175D3DCCD1}">
-              <a14:hiddenFill xmlns:a14="http://schemas.microsoft.com/office/drawing/2010/main" xmlns="">
+              <a14:hiddenFill xmlns="" xmlns:a14="http://schemas.microsoft.com/office/drawing/2010/main">
                 <a:solidFill>
                   <a:schemeClr val="accent1"/>
                 </a:solidFill>
@@ -15886,14 +15886,14 @@
           </a:ln>
           <a:extLst>
             <a:ext uri="{909E8E84-426E-40dd-AFC4-6F175D3DCCD1}">
-              <a14:hiddenFill xmlns:a14="http://schemas.microsoft.com/office/drawing/2010/main" xmlns="">
+              <a14:hiddenFill xmlns="" xmlns:a14="http://schemas.microsoft.com/office/drawing/2010/main">
                 <a:solidFill>
                   <a:schemeClr val="accent1"/>
                 </a:solidFill>
               </a14:hiddenFill>
             </a:ext>
             <a:ext uri="{91240B29-F687-4f45-9708-019B960494DF}">
-              <a14:hiddenLine xmlns:a14="http://schemas.microsoft.com/office/drawing/2010/main" xmlns="" w="9525">
+              <a14:hiddenLine xmlns="" xmlns:a14="http://schemas.microsoft.com/office/drawing/2010/main" w="9525">
                 <a:solidFill>
                   <a:schemeClr val="tx1"/>
                 </a:solidFill>
@@ -15939,14 +15939,14 @@
           </a:ln>
           <a:extLst>
             <a:ext uri="{909E8E84-426E-40dd-AFC4-6F175D3DCCD1}">
-              <a14:hiddenFill xmlns:a14="http://schemas.microsoft.com/office/drawing/2010/main" xmlns="">
+              <a14:hiddenFill xmlns="" xmlns:a14="http://schemas.microsoft.com/office/drawing/2010/main">
                 <a:solidFill>
                   <a:schemeClr val="accent1"/>
                 </a:solidFill>
               </a14:hiddenFill>
             </a:ext>
             <a:ext uri="{91240B29-F687-4f45-9708-019B960494DF}">
-              <a14:hiddenLine xmlns:a14="http://schemas.microsoft.com/office/drawing/2010/main" xmlns="" w="9525">
+              <a14:hiddenLine xmlns="" xmlns:a14="http://schemas.microsoft.com/office/drawing/2010/main" w="9525">
                 <a:solidFill>
                   <a:schemeClr val="tx1"/>
                 </a:solidFill>
@@ -15992,14 +15992,14 @@
           </a:ln>
           <a:extLst>
             <a:ext uri="{909E8E84-426E-40dd-AFC4-6F175D3DCCD1}">
-              <a14:hiddenFill xmlns:a14="http://schemas.microsoft.com/office/drawing/2010/main" xmlns="">
+              <a14:hiddenFill xmlns="" xmlns:a14="http://schemas.microsoft.com/office/drawing/2010/main">
                 <a:solidFill>
                   <a:schemeClr val="accent1"/>
                 </a:solidFill>
               </a14:hiddenFill>
             </a:ext>
             <a:ext uri="{91240B29-F687-4f45-9708-019B960494DF}">
-              <a14:hiddenLine xmlns:a14="http://schemas.microsoft.com/office/drawing/2010/main" xmlns="" w="9525">
+              <a14:hiddenLine xmlns="" xmlns:a14="http://schemas.microsoft.com/office/drawing/2010/main" w="9525">
                 <a:solidFill>
                   <a:schemeClr val="tx1"/>
                 </a:solidFill>
@@ -16045,14 +16045,14 @@
           </a:ln>
           <a:extLst>
             <a:ext uri="{909E8E84-426E-40dd-AFC4-6F175D3DCCD1}">
-              <a14:hiddenFill xmlns:a14="http://schemas.microsoft.com/office/drawing/2010/main" xmlns="">
+              <a14:hiddenFill xmlns="" xmlns:a14="http://schemas.microsoft.com/office/drawing/2010/main">
                 <a:solidFill>
                   <a:schemeClr val="accent1"/>
                 </a:solidFill>
               </a14:hiddenFill>
             </a:ext>
             <a:ext uri="{91240B29-F687-4f45-9708-019B960494DF}">
-              <a14:hiddenLine xmlns:a14="http://schemas.microsoft.com/office/drawing/2010/main" xmlns="" w="9525">
+              <a14:hiddenLine xmlns="" xmlns:a14="http://schemas.microsoft.com/office/drawing/2010/main" w="9525">
                 <a:solidFill>
                   <a:schemeClr val="tx1"/>
                 </a:solidFill>
@@ -16098,14 +16098,14 @@
           </a:ln>
           <a:extLst>
             <a:ext uri="{909E8E84-426E-40dd-AFC4-6F175D3DCCD1}">
-              <a14:hiddenFill xmlns:a14="http://schemas.microsoft.com/office/drawing/2010/main" xmlns="">
+              <a14:hiddenFill xmlns="" xmlns:a14="http://schemas.microsoft.com/office/drawing/2010/main">
                 <a:solidFill>
                   <a:schemeClr val="accent1"/>
                 </a:solidFill>
               </a14:hiddenFill>
             </a:ext>
             <a:ext uri="{91240B29-F687-4f45-9708-019B960494DF}">
-              <a14:hiddenLine xmlns:a14="http://schemas.microsoft.com/office/drawing/2010/main" xmlns="" w="9525">
+              <a14:hiddenLine xmlns="" xmlns:a14="http://schemas.microsoft.com/office/drawing/2010/main" w="9525">
                 <a:solidFill>
                   <a:schemeClr val="tx1"/>
                 </a:solidFill>
@@ -16151,14 +16151,14 @@
           </a:ln>
           <a:extLst>
             <a:ext uri="{909E8E84-426E-40dd-AFC4-6F175D3DCCD1}">
-              <a14:hiddenFill xmlns:a14="http://schemas.microsoft.com/office/drawing/2010/main" xmlns="">
+              <a14:hiddenFill xmlns="" xmlns:a14="http://schemas.microsoft.com/office/drawing/2010/main">
                 <a:solidFill>
                   <a:schemeClr val="accent1"/>
                 </a:solidFill>
               </a14:hiddenFill>
             </a:ext>
             <a:ext uri="{91240B29-F687-4f45-9708-019B960494DF}">
-              <a14:hiddenLine xmlns:a14="http://schemas.microsoft.com/office/drawing/2010/main" xmlns="" w="9525">
+              <a14:hiddenLine xmlns="" xmlns:a14="http://schemas.microsoft.com/office/drawing/2010/main" w="9525">
                 <a:solidFill>
                   <a:schemeClr val="tx1"/>
                 </a:solidFill>
@@ -16204,14 +16204,14 @@
           </a:ln>
           <a:extLst>
             <a:ext uri="{909E8E84-426E-40dd-AFC4-6F175D3DCCD1}">
-              <a14:hiddenFill xmlns:a14="http://schemas.microsoft.com/office/drawing/2010/main" xmlns="">
+              <a14:hiddenFill xmlns="" xmlns:a14="http://schemas.microsoft.com/office/drawing/2010/main">
                 <a:solidFill>
                   <a:schemeClr val="accent1"/>
                 </a:solidFill>
               </a14:hiddenFill>
             </a:ext>
             <a:ext uri="{91240B29-F687-4f45-9708-019B960494DF}">
-              <a14:hiddenLine xmlns:a14="http://schemas.microsoft.com/office/drawing/2010/main" xmlns="" w="9525">
+              <a14:hiddenLine xmlns="" xmlns:a14="http://schemas.microsoft.com/office/drawing/2010/main" w="9525">
                 <a:solidFill>
                   <a:schemeClr val="tx1"/>
                 </a:solidFill>
@@ -16257,14 +16257,14 @@
           </a:ln>
           <a:extLst>
             <a:ext uri="{909E8E84-426E-40dd-AFC4-6F175D3DCCD1}">
-              <a14:hiddenFill xmlns:a14="http://schemas.microsoft.com/office/drawing/2010/main" xmlns="">
+              <a14:hiddenFill xmlns="" xmlns:a14="http://schemas.microsoft.com/office/drawing/2010/main">
                 <a:solidFill>
                   <a:schemeClr val="accent1"/>
                 </a:solidFill>
               </a14:hiddenFill>
             </a:ext>
             <a:ext uri="{91240B29-F687-4f45-9708-019B960494DF}">
-              <a14:hiddenLine xmlns:a14="http://schemas.microsoft.com/office/drawing/2010/main" xmlns="" w="9525">
+              <a14:hiddenLine xmlns="" xmlns:a14="http://schemas.microsoft.com/office/drawing/2010/main" w="9525">
                 <a:solidFill>
                   <a:schemeClr val="tx1"/>
                 </a:solidFill>
@@ -16310,14 +16310,14 @@
           </a:ln>
           <a:extLst>
             <a:ext uri="{909E8E84-426E-40dd-AFC4-6F175D3DCCD1}">
-              <a14:hiddenFill xmlns:a14="http://schemas.microsoft.com/office/drawing/2010/main" xmlns="">
+              <a14:hiddenFill xmlns="" xmlns:a14="http://schemas.microsoft.com/office/drawing/2010/main">
                 <a:solidFill>
                   <a:schemeClr val="accent1"/>
                 </a:solidFill>
               </a14:hiddenFill>
             </a:ext>
             <a:ext uri="{91240B29-F687-4f45-9708-019B960494DF}">
-              <a14:hiddenLine xmlns:a14="http://schemas.microsoft.com/office/drawing/2010/main" xmlns="" w="9525">
+              <a14:hiddenLine xmlns="" xmlns:a14="http://schemas.microsoft.com/office/drawing/2010/main" w="9525">
                 <a:solidFill>
                   <a:schemeClr val="tx1"/>
                 </a:solidFill>
@@ -16363,14 +16363,14 @@
           </a:ln>
           <a:extLst>
             <a:ext uri="{909E8E84-426E-40dd-AFC4-6F175D3DCCD1}">
-              <a14:hiddenFill xmlns:a14="http://schemas.microsoft.com/office/drawing/2010/main" xmlns="">
+              <a14:hiddenFill xmlns="" xmlns:a14="http://schemas.microsoft.com/office/drawing/2010/main">
                 <a:solidFill>
                   <a:schemeClr val="accent1"/>
                 </a:solidFill>
               </a14:hiddenFill>
             </a:ext>
             <a:ext uri="{91240B29-F687-4f45-9708-019B960494DF}">
-              <a14:hiddenLine xmlns:a14="http://schemas.microsoft.com/office/drawing/2010/main" xmlns="" w="9525">
+              <a14:hiddenLine xmlns="" xmlns:a14="http://schemas.microsoft.com/office/drawing/2010/main" w="9525">
                 <a:solidFill>
                   <a:schemeClr val="tx1"/>
                 </a:solidFill>
@@ -16416,14 +16416,14 @@
           </a:ln>
           <a:extLst>
             <a:ext uri="{909E8E84-426E-40dd-AFC4-6F175D3DCCD1}">
-              <a14:hiddenFill xmlns:a14="http://schemas.microsoft.com/office/drawing/2010/main" xmlns="">
+              <a14:hiddenFill xmlns="" xmlns:a14="http://schemas.microsoft.com/office/drawing/2010/main">
                 <a:solidFill>
                   <a:schemeClr val="accent1"/>
                 </a:solidFill>
               </a14:hiddenFill>
             </a:ext>
             <a:ext uri="{91240B29-F687-4f45-9708-019B960494DF}">
-              <a14:hiddenLine xmlns:a14="http://schemas.microsoft.com/office/drawing/2010/main" xmlns="" w="9525">
+              <a14:hiddenLine xmlns="" xmlns:a14="http://schemas.microsoft.com/office/drawing/2010/main" w="9525">
                 <a:solidFill>
                   <a:schemeClr val="tx1"/>
                 </a:solidFill>
@@ -16476,7 +16476,7 @@
           </a:ln>
           <a:extLst>
             <a:ext uri="{909E8E84-426E-40dd-AFC4-6F175D3DCCD1}">
-              <a14:hiddenFill xmlns:a14="http://schemas.microsoft.com/office/drawing/2010/main" xmlns="">
+              <a14:hiddenFill xmlns="" xmlns:a14="http://schemas.microsoft.com/office/drawing/2010/main">
                 <a:noFill/>
               </a14:hiddenFill>
             </a:ext>
@@ -16512,7 +16512,7 @@
           </a:ln>
           <a:extLst>
             <a:ext uri="{909E8E84-426E-40dd-AFC4-6F175D3DCCD1}">
-              <a14:hiddenFill xmlns:a14="http://schemas.microsoft.com/office/drawing/2010/main" xmlns="">
+              <a14:hiddenFill xmlns="" xmlns:a14="http://schemas.microsoft.com/office/drawing/2010/main">
                 <a:noFill/>
               </a14:hiddenFill>
             </a:ext>
@@ -16548,7 +16548,7 @@
           </a:ln>
           <a:extLst>
             <a:ext uri="{909E8E84-426E-40dd-AFC4-6F175D3DCCD1}">
-              <a14:hiddenFill xmlns:a14="http://schemas.microsoft.com/office/drawing/2010/main" xmlns="">
+              <a14:hiddenFill xmlns="" xmlns:a14="http://schemas.microsoft.com/office/drawing/2010/main">
                 <a:noFill/>
               </a14:hiddenFill>
             </a:ext>
@@ -16584,7 +16584,7 @@
           </a:ln>
           <a:extLst>
             <a:ext uri="{909E8E84-426E-40dd-AFC4-6F175D3DCCD1}">
-              <a14:hiddenFill xmlns:a14="http://schemas.microsoft.com/office/drawing/2010/main" xmlns="">
+              <a14:hiddenFill xmlns="" xmlns:a14="http://schemas.microsoft.com/office/drawing/2010/main">
                 <a:noFill/>
               </a14:hiddenFill>
             </a:ext>
@@ -16620,7 +16620,7 @@
           </a:ln>
           <a:extLst>
             <a:ext uri="{909E8E84-426E-40dd-AFC4-6F175D3DCCD1}">
-              <a14:hiddenFill xmlns:a14="http://schemas.microsoft.com/office/drawing/2010/main" xmlns="">
+              <a14:hiddenFill xmlns="" xmlns:a14="http://schemas.microsoft.com/office/drawing/2010/main">
                 <a:noFill/>
               </a14:hiddenFill>
             </a:ext>
@@ -16656,7 +16656,7 @@
           </a:ln>
           <a:extLst>
             <a:ext uri="{909E8E84-426E-40dd-AFC4-6F175D3DCCD1}">
-              <a14:hiddenFill xmlns:a14="http://schemas.microsoft.com/office/drawing/2010/main" xmlns="">
+              <a14:hiddenFill xmlns="" xmlns:a14="http://schemas.microsoft.com/office/drawing/2010/main">
                 <a:noFill/>
               </a14:hiddenFill>
             </a:ext>
@@ -16692,7 +16692,7 @@
           </a:ln>
           <a:extLst>
             <a:ext uri="{909E8E84-426E-40dd-AFC4-6F175D3DCCD1}">
-              <a14:hiddenFill xmlns:a14="http://schemas.microsoft.com/office/drawing/2010/main" xmlns="">
+              <a14:hiddenFill xmlns="" xmlns:a14="http://schemas.microsoft.com/office/drawing/2010/main">
                 <a:noFill/>
               </a14:hiddenFill>
             </a:ext>
@@ -16728,7 +16728,7 @@
           </a:ln>
           <a:extLst>
             <a:ext uri="{909E8E84-426E-40dd-AFC4-6F175D3DCCD1}">
-              <a14:hiddenFill xmlns:a14="http://schemas.microsoft.com/office/drawing/2010/main" xmlns="">
+              <a14:hiddenFill xmlns="" xmlns:a14="http://schemas.microsoft.com/office/drawing/2010/main">
                 <a:noFill/>
               </a14:hiddenFill>
             </a:ext>
@@ -16764,7 +16764,7 @@
           </a:ln>
           <a:extLst>
             <a:ext uri="{909E8E84-426E-40dd-AFC4-6F175D3DCCD1}">
-              <a14:hiddenFill xmlns:a14="http://schemas.microsoft.com/office/drawing/2010/main" xmlns="">
+              <a14:hiddenFill xmlns="" xmlns:a14="http://schemas.microsoft.com/office/drawing/2010/main">
                 <a:noFill/>
               </a14:hiddenFill>
             </a:ext>
@@ -16800,7 +16800,7 @@
           </a:ln>
           <a:extLst>
             <a:ext uri="{909E8E84-426E-40dd-AFC4-6F175D3DCCD1}">
-              <a14:hiddenFill xmlns:a14="http://schemas.microsoft.com/office/drawing/2010/main" xmlns="">
+              <a14:hiddenFill xmlns="" xmlns:a14="http://schemas.microsoft.com/office/drawing/2010/main">
                 <a:noFill/>
               </a14:hiddenFill>
             </a:ext>
@@ -16829,14 +16829,14 @@
           </a:ln>
           <a:extLst>
             <a:ext uri="{909E8E84-426E-40dd-AFC4-6F175D3DCCD1}">
-              <a14:hiddenFill xmlns:a14="http://schemas.microsoft.com/office/drawing/2010/main" xmlns="">
+              <a14:hiddenFill xmlns="" xmlns:a14="http://schemas.microsoft.com/office/drawing/2010/main">
                 <a:solidFill>
                   <a:schemeClr val="accent1"/>
                 </a:solidFill>
               </a14:hiddenFill>
             </a:ext>
             <a:ext uri="{91240B29-F687-4f45-9708-019B960494DF}">
-              <a14:hiddenLine xmlns:a14="http://schemas.microsoft.com/office/drawing/2010/main" xmlns="" w="9525">
+              <a14:hiddenLine xmlns="" xmlns:a14="http://schemas.microsoft.com/office/drawing/2010/main" w="9525">
                 <a:solidFill>
                   <a:schemeClr val="tx1"/>
                 </a:solidFill>
@@ -16882,14 +16882,14 @@
           </a:ln>
           <a:extLst>
             <a:ext uri="{909E8E84-426E-40dd-AFC4-6F175D3DCCD1}">
-              <a14:hiddenFill xmlns:a14="http://schemas.microsoft.com/office/drawing/2010/main" xmlns="">
+              <a14:hiddenFill xmlns="" xmlns:a14="http://schemas.microsoft.com/office/drawing/2010/main">
                 <a:solidFill>
                   <a:schemeClr val="accent1"/>
                 </a:solidFill>
               </a14:hiddenFill>
             </a:ext>
             <a:ext uri="{91240B29-F687-4f45-9708-019B960494DF}">
-              <a14:hiddenLine xmlns:a14="http://schemas.microsoft.com/office/drawing/2010/main" xmlns="" w="9525">
+              <a14:hiddenLine xmlns="" xmlns:a14="http://schemas.microsoft.com/office/drawing/2010/main" w="9525">
                 <a:solidFill>
                   <a:schemeClr val="tx1"/>
                 </a:solidFill>
@@ -16947,7 +16947,7 @@
           </a:ln>
           <a:extLst>
             <a:ext uri="{909E8E84-426E-40dd-AFC4-6F175D3DCCD1}">
-              <a14:hiddenFill xmlns:a14="http://schemas.microsoft.com/office/drawing/2010/main" xmlns="">
+              <a14:hiddenFill xmlns="" xmlns:a14="http://schemas.microsoft.com/office/drawing/2010/main">
                 <a:solidFill>
                   <a:schemeClr val="accent1"/>
                 </a:solidFill>
@@ -17008,14 +17008,14 @@
           </a:ln>
           <a:extLst>
             <a:ext uri="{909E8E84-426E-40dd-AFC4-6F175D3DCCD1}">
-              <a14:hiddenFill xmlns:a14="http://schemas.microsoft.com/office/drawing/2010/main" xmlns="">
+              <a14:hiddenFill xmlns="" xmlns:a14="http://schemas.microsoft.com/office/drawing/2010/main">
                 <a:solidFill>
                   <a:schemeClr val="accent1"/>
                 </a:solidFill>
               </a14:hiddenFill>
             </a:ext>
             <a:ext uri="{91240B29-F687-4f45-9708-019B960494DF}">
-              <a14:hiddenLine xmlns:a14="http://schemas.microsoft.com/office/drawing/2010/main" xmlns="" w="9525">
+              <a14:hiddenLine xmlns="" xmlns:a14="http://schemas.microsoft.com/office/drawing/2010/main" w="9525">
                 <a:solidFill>
                   <a:schemeClr val="tx1"/>
                 </a:solidFill>
@@ -17072,7 +17072,7 @@
           </a:ln>
           <a:extLst>
             <a:ext uri="{909E8E84-426E-40dd-AFC4-6F175D3DCCD1}">
-              <a14:hiddenFill xmlns:a14="http://schemas.microsoft.com/office/drawing/2010/main" xmlns="">
+              <a14:hiddenFill xmlns="" xmlns:a14="http://schemas.microsoft.com/office/drawing/2010/main">
                 <a:noFill/>
               </a14:hiddenFill>
             </a:ext>
@@ -17187,14 +17187,14 @@
           </a:ln>
           <a:extLst>
             <a:ext uri="{909E8E84-426E-40dd-AFC4-6F175D3DCCD1}">
-              <a14:hiddenFill xmlns:a14="http://schemas.microsoft.com/office/drawing/2010/main" xmlns="">
+              <a14:hiddenFill xmlns="" xmlns:a14="http://schemas.microsoft.com/office/drawing/2010/main">
                 <a:solidFill>
                   <a:schemeClr val="accent1"/>
                 </a:solidFill>
               </a14:hiddenFill>
             </a:ext>
             <a:ext uri="{91240B29-F687-4f45-9708-019B960494DF}">
-              <a14:hiddenLine xmlns:a14="http://schemas.microsoft.com/office/drawing/2010/main" xmlns="" w="9525">
+              <a14:hiddenLine xmlns="" xmlns:a14="http://schemas.microsoft.com/office/drawing/2010/main" w="9525">
                 <a:solidFill>
                   <a:schemeClr val="tx1"/>
                 </a:solidFill>
@@ -17240,14 +17240,14 @@
           </a:ln>
           <a:extLst>
             <a:ext uri="{909E8E84-426E-40dd-AFC4-6F175D3DCCD1}">
-              <a14:hiddenFill xmlns:a14="http://schemas.microsoft.com/office/drawing/2010/main" xmlns="">
+              <a14:hiddenFill xmlns="" xmlns:a14="http://schemas.microsoft.com/office/drawing/2010/main">
                 <a:solidFill>
                   <a:schemeClr val="accent1"/>
                 </a:solidFill>
               </a14:hiddenFill>
             </a:ext>
             <a:ext uri="{91240B29-F687-4f45-9708-019B960494DF}">
-              <a14:hiddenLine xmlns:a14="http://schemas.microsoft.com/office/drawing/2010/main" xmlns="" w="9525">
+              <a14:hiddenLine xmlns="" xmlns:a14="http://schemas.microsoft.com/office/drawing/2010/main" w="9525">
                 <a:solidFill>
                   <a:schemeClr val="tx1"/>
                 </a:solidFill>
@@ -17293,14 +17293,14 @@
           </a:ln>
           <a:extLst>
             <a:ext uri="{909E8E84-426E-40dd-AFC4-6F175D3DCCD1}">
-              <a14:hiddenFill xmlns:a14="http://schemas.microsoft.com/office/drawing/2010/main" xmlns="">
+              <a14:hiddenFill xmlns="" xmlns:a14="http://schemas.microsoft.com/office/drawing/2010/main">
                 <a:solidFill>
                   <a:schemeClr val="accent1"/>
                 </a:solidFill>
               </a14:hiddenFill>
             </a:ext>
             <a:ext uri="{91240B29-F687-4f45-9708-019B960494DF}">
-              <a14:hiddenLine xmlns:a14="http://schemas.microsoft.com/office/drawing/2010/main" xmlns="" w="9525">
+              <a14:hiddenLine xmlns="" xmlns:a14="http://schemas.microsoft.com/office/drawing/2010/main" w="9525">
                 <a:solidFill>
                   <a:schemeClr val="tx1"/>
                 </a:solidFill>
@@ -17346,14 +17346,14 @@
           </a:ln>
           <a:extLst>
             <a:ext uri="{909E8E84-426E-40dd-AFC4-6F175D3DCCD1}">
-              <a14:hiddenFill xmlns:a14="http://schemas.microsoft.com/office/drawing/2010/main" xmlns="">
+              <a14:hiddenFill xmlns="" xmlns:a14="http://schemas.microsoft.com/office/drawing/2010/main">
                 <a:solidFill>
                   <a:schemeClr val="accent1"/>
                 </a:solidFill>
               </a14:hiddenFill>
             </a:ext>
             <a:ext uri="{91240B29-F687-4f45-9708-019B960494DF}">
-              <a14:hiddenLine xmlns:a14="http://schemas.microsoft.com/office/drawing/2010/main" xmlns="" w="9525">
+              <a14:hiddenLine xmlns="" xmlns:a14="http://schemas.microsoft.com/office/drawing/2010/main" w="9525">
                 <a:solidFill>
                   <a:schemeClr val="tx1"/>
                 </a:solidFill>
@@ -17399,14 +17399,14 @@
           </a:ln>
           <a:extLst>
             <a:ext uri="{909E8E84-426E-40dd-AFC4-6F175D3DCCD1}">
-              <a14:hiddenFill xmlns:a14="http://schemas.microsoft.com/office/drawing/2010/main" xmlns="">
+              <a14:hiddenFill xmlns="" xmlns:a14="http://schemas.microsoft.com/office/drawing/2010/main">
                 <a:solidFill>
                   <a:schemeClr val="accent1"/>
                 </a:solidFill>
               </a14:hiddenFill>
             </a:ext>
             <a:ext uri="{91240B29-F687-4f45-9708-019B960494DF}">
-              <a14:hiddenLine xmlns:a14="http://schemas.microsoft.com/office/drawing/2010/main" xmlns="" w="9525">
+              <a14:hiddenLine xmlns="" xmlns:a14="http://schemas.microsoft.com/office/drawing/2010/main" w="9525">
                 <a:solidFill>
                   <a:schemeClr val="tx1"/>
                 </a:solidFill>
@@ -17452,14 +17452,14 @@
           </a:ln>
           <a:extLst>
             <a:ext uri="{909E8E84-426E-40dd-AFC4-6F175D3DCCD1}">
-              <a14:hiddenFill xmlns:a14="http://schemas.microsoft.com/office/drawing/2010/main" xmlns="">
+              <a14:hiddenFill xmlns="" xmlns:a14="http://schemas.microsoft.com/office/drawing/2010/main">
                 <a:solidFill>
                   <a:schemeClr val="accent1"/>
                 </a:solidFill>
               </a14:hiddenFill>
             </a:ext>
             <a:ext uri="{91240B29-F687-4f45-9708-019B960494DF}">
-              <a14:hiddenLine xmlns:a14="http://schemas.microsoft.com/office/drawing/2010/main" xmlns="" w="9525">
+              <a14:hiddenLine xmlns="" xmlns:a14="http://schemas.microsoft.com/office/drawing/2010/main" w="9525">
                 <a:solidFill>
                   <a:schemeClr val="tx1"/>
                 </a:solidFill>
@@ -17505,14 +17505,14 @@
           </a:ln>
           <a:extLst>
             <a:ext uri="{909E8E84-426E-40dd-AFC4-6F175D3DCCD1}">
-              <a14:hiddenFill xmlns:a14="http://schemas.microsoft.com/office/drawing/2010/main" xmlns="">
+              <a14:hiddenFill xmlns="" xmlns:a14="http://schemas.microsoft.com/office/drawing/2010/main">
                 <a:solidFill>
                   <a:schemeClr val="accent1"/>
                 </a:solidFill>
               </a14:hiddenFill>
             </a:ext>
             <a:ext uri="{91240B29-F687-4f45-9708-019B960494DF}">
-              <a14:hiddenLine xmlns:a14="http://schemas.microsoft.com/office/drawing/2010/main" xmlns="" w="9525">
+              <a14:hiddenLine xmlns="" xmlns:a14="http://schemas.microsoft.com/office/drawing/2010/main" w="9525">
                 <a:solidFill>
                   <a:schemeClr val="tx1"/>
                 </a:solidFill>
@@ -17558,14 +17558,14 @@
           </a:ln>
           <a:extLst>
             <a:ext uri="{909E8E84-426E-40dd-AFC4-6F175D3DCCD1}">
-              <a14:hiddenFill xmlns:a14="http://schemas.microsoft.com/office/drawing/2010/main" xmlns="">
+              <a14:hiddenFill xmlns="" xmlns:a14="http://schemas.microsoft.com/office/drawing/2010/main">
                 <a:solidFill>
                   <a:schemeClr val="accent1"/>
                 </a:solidFill>
               </a14:hiddenFill>
             </a:ext>
             <a:ext uri="{91240B29-F687-4f45-9708-019B960494DF}">
-              <a14:hiddenLine xmlns:a14="http://schemas.microsoft.com/office/drawing/2010/main" xmlns="" w="9525">
+              <a14:hiddenLine xmlns="" xmlns:a14="http://schemas.microsoft.com/office/drawing/2010/main" w="9525">
                 <a:solidFill>
                   <a:schemeClr val="tx1"/>
                 </a:solidFill>
@@ -17611,14 +17611,14 @@
           </a:ln>
           <a:extLst>
             <a:ext uri="{909E8E84-426E-40dd-AFC4-6F175D3DCCD1}">
-              <a14:hiddenFill xmlns:a14="http://schemas.microsoft.com/office/drawing/2010/main" xmlns="">
+              <a14:hiddenFill xmlns="" xmlns:a14="http://schemas.microsoft.com/office/drawing/2010/main">
                 <a:solidFill>
                   <a:schemeClr val="accent1"/>
                 </a:solidFill>
               </a14:hiddenFill>
             </a:ext>
             <a:ext uri="{91240B29-F687-4f45-9708-019B960494DF}">
-              <a14:hiddenLine xmlns:a14="http://schemas.microsoft.com/office/drawing/2010/main" xmlns="" w="9525">
+              <a14:hiddenLine xmlns="" xmlns:a14="http://schemas.microsoft.com/office/drawing/2010/main" w="9525">
                 <a:solidFill>
                   <a:schemeClr val="tx1"/>
                 </a:solidFill>
@@ -17664,14 +17664,14 @@
           </a:ln>
           <a:extLst>
             <a:ext uri="{909E8E84-426E-40dd-AFC4-6F175D3DCCD1}">
-              <a14:hiddenFill xmlns:a14="http://schemas.microsoft.com/office/drawing/2010/main" xmlns="">
+              <a14:hiddenFill xmlns="" xmlns:a14="http://schemas.microsoft.com/office/drawing/2010/main">
                 <a:solidFill>
                   <a:schemeClr val="accent1"/>
                 </a:solidFill>
               </a14:hiddenFill>
             </a:ext>
             <a:ext uri="{91240B29-F687-4f45-9708-019B960494DF}">
-              <a14:hiddenLine xmlns:a14="http://schemas.microsoft.com/office/drawing/2010/main" xmlns="" w="9525">
+              <a14:hiddenLine xmlns="" xmlns:a14="http://schemas.microsoft.com/office/drawing/2010/main" w="9525">
                 <a:solidFill>
                   <a:schemeClr val="tx1"/>
                 </a:solidFill>
@@ -17717,14 +17717,14 @@
           </a:ln>
           <a:extLst>
             <a:ext uri="{909E8E84-426E-40dd-AFC4-6F175D3DCCD1}">
-              <a14:hiddenFill xmlns:a14="http://schemas.microsoft.com/office/drawing/2010/main" xmlns="">
+              <a14:hiddenFill xmlns="" xmlns:a14="http://schemas.microsoft.com/office/drawing/2010/main">
                 <a:solidFill>
                   <a:schemeClr val="accent1"/>
                 </a:solidFill>
               </a14:hiddenFill>
             </a:ext>
             <a:ext uri="{91240B29-F687-4f45-9708-019B960494DF}">
-              <a14:hiddenLine xmlns:a14="http://schemas.microsoft.com/office/drawing/2010/main" xmlns="" w="9525">
+              <a14:hiddenLine xmlns="" xmlns:a14="http://schemas.microsoft.com/office/drawing/2010/main" w="9525">
                 <a:solidFill>
                   <a:schemeClr val="tx1"/>
                 </a:solidFill>
@@ -17777,7 +17777,7 @@
           </a:ln>
           <a:extLst>
             <a:ext uri="{909E8E84-426E-40dd-AFC4-6F175D3DCCD1}">
-              <a14:hiddenFill xmlns:a14="http://schemas.microsoft.com/office/drawing/2010/main" xmlns="">
+              <a14:hiddenFill xmlns="" xmlns:a14="http://schemas.microsoft.com/office/drawing/2010/main">
                 <a:noFill/>
               </a14:hiddenFill>
             </a:ext>
@@ -17813,7 +17813,7 @@
           </a:ln>
           <a:extLst>
             <a:ext uri="{909E8E84-426E-40dd-AFC4-6F175D3DCCD1}">
-              <a14:hiddenFill xmlns:a14="http://schemas.microsoft.com/office/drawing/2010/main" xmlns="">
+              <a14:hiddenFill xmlns="" xmlns:a14="http://schemas.microsoft.com/office/drawing/2010/main">
                 <a:noFill/>
               </a14:hiddenFill>
             </a:ext>
@@ -17849,7 +17849,7 @@
           </a:ln>
           <a:extLst>
             <a:ext uri="{909E8E84-426E-40dd-AFC4-6F175D3DCCD1}">
-              <a14:hiddenFill xmlns:a14="http://schemas.microsoft.com/office/drawing/2010/main" xmlns="">
+              <a14:hiddenFill xmlns="" xmlns:a14="http://schemas.microsoft.com/office/drawing/2010/main">
                 <a:noFill/>
               </a14:hiddenFill>
             </a:ext>
@@ -17885,7 +17885,7 @@
           </a:ln>
           <a:extLst>
             <a:ext uri="{909E8E84-426E-40dd-AFC4-6F175D3DCCD1}">
-              <a14:hiddenFill xmlns:a14="http://schemas.microsoft.com/office/drawing/2010/main" xmlns="">
+              <a14:hiddenFill xmlns="" xmlns:a14="http://schemas.microsoft.com/office/drawing/2010/main">
                 <a:noFill/>
               </a14:hiddenFill>
             </a:ext>
@@ -17921,7 +17921,7 @@
           </a:ln>
           <a:extLst>
             <a:ext uri="{909E8E84-426E-40dd-AFC4-6F175D3DCCD1}">
-              <a14:hiddenFill xmlns:a14="http://schemas.microsoft.com/office/drawing/2010/main" xmlns="">
+              <a14:hiddenFill xmlns="" xmlns:a14="http://schemas.microsoft.com/office/drawing/2010/main">
                 <a:noFill/>
               </a14:hiddenFill>
             </a:ext>
@@ -17957,7 +17957,7 @@
           </a:ln>
           <a:extLst>
             <a:ext uri="{909E8E84-426E-40dd-AFC4-6F175D3DCCD1}">
-              <a14:hiddenFill xmlns:a14="http://schemas.microsoft.com/office/drawing/2010/main" xmlns="">
+              <a14:hiddenFill xmlns="" xmlns:a14="http://schemas.microsoft.com/office/drawing/2010/main">
                 <a:noFill/>
               </a14:hiddenFill>
             </a:ext>
@@ -17993,7 +17993,7 @@
           </a:ln>
           <a:extLst>
             <a:ext uri="{909E8E84-426E-40dd-AFC4-6F175D3DCCD1}">
-              <a14:hiddenFill xmlns:a14="http://schemas.microsoft.com/office/drawing/2010/main" xmlns="">
+              <a14:hiddenFill xmlns="" xmlns:a14="http://schemas.microsoft.com/office/drawing/2010/main">
                 <a:noFill/>
               </a14:hiddenFill>
             </a:ext>
@@ -18029,7 +18029,7 @@
           </a:ln>
           <a:extLst>
             <a:ext uri="{909E8E84-426E-40dd-AFC4-6F175D3DCCD1}">
-              <a14:hiddenFill xmlns:a14="http://schemas.microsoft.com/office/drawing/2010/main" xmlns="">
+              <a14:hiddenFill xmlns="" xmlns:a14="http://schemas.microsoft.com/office/drawing/2010/main">
                 <a:noFill/>
               </a14:hiddenFill>
             </a:ext>
@@ -18065,7 +18065,7 @@
           </a:ln>
           <a:extLst>
             <a:ext uri="{909E8E84-426E-40dd-AFC4-6F175D3DCCD1}">
-              <a14:hiddenFill xmlns:a14="http://schemas.microsoft.com/office/drawing/2010/main" xmlns="">
+              <a14:hiddenFill xmlns="" xmlns:a14="http://schemas.microsoft.com/office/drawing/2010/main">
                 <a:noFill/>
               </a14:hiddenFill>
             </a:ext>
@@ -18101,7 +18101,7 @@
           </a:ln>
           <a:extLst>
             <a:ext uri="{909E8E84-426E-40dd-AFC4-6F175D3DCCD1}">
-              <a14:hiddenFill xmlns:a14="http://schemas.microsoft.com/office/drawing/2010/main" xmlns="">
+              <a14:hiddenFill xmlns="" xmlns:a14="http://schemas.microsoft.com/office/drawing/2010/main">
                 <a:noFill/>
               </a14:hiddenFill>
             </a:ext>
@@ -18130,14 +18130,14 @@
           </a:ln>
           <a:extLst>
             <a:ext uri="{909E8E84-426E-40dd-AFC4-6F175D3DCCD1}">
-              <a14:hiddenFill xmlns:a14="http://schemas.microsoft.com/office/drawing/2010/main" xmlns="">
+              <a14:hiddenFill xmlns="" xmlns:a14="http://schemas.microsoft.com/office/drawing/2010/main">
                 <a:solidFill>
                   <a:schemeClr val="accent1"/>
                 </a:solidFill>
               </a14:hiddenFill>
             </a:ext>
             <a:ext uri="{91240B29-F687-4f45-9708-019B960494DF}">
-              <a14:hiddenLine xmlns:a14="http://schemas.microsoft.com/office/drawing/2010/main" xmlns="" w="9525">
+              <a14:hiddenLine xmlns="" xmlns:a14="http://schemas.microsoft.com/office/drawing/2010/main" w="9525">
                 <a:solidFill>
                   <a:schemeClr val="tx1"/>
                 </a:solidFill>
@@ -18183,14 +18183,14 @@
           </a:ln>
           <a:extLst>
             <a:ext uri="{909E8E84-426E-40dd-AFC4-6F175D3DCCD1}">
-              <a14:hiddenFill xmlns:a14="http://schemas.microsoft.com/office/drawing/2010/main" xmlns="">
+              <a14:hiddenFill xmlns="" xmlns:a14="http://schemas.microsoft.com/office/drawing/2010/main">
                 <a:solidFill>
                   <a:schemeClr val="accent1"/>
                 </a:solidFill>
               </a14:hiddenFill>
             </a:ext>
             <a:ext uri="{91240B29-F687-4f45-9708-019B960494DF}">
-              <a14:hiddenLine xmlns:a14="http://schemas.microsoft.com/office/drawing/2010/main" xmlns="" w="9525">
+              <a14:hiddenLine xmlns="" xmlns:a14="http://schemas.microsoft.com/office/drawing/2010/main" w="9525">
                 <a:solidFill>
                   <a:schemeClr val="tx1"/>
                 </a:solidFill>
@@ -18243,14 +18243,14 @@
           </a:ln>
           <a:extLst>
             <a:ext uri="{909E8E84-426E-40dd-AFC4-6F175D3DCCD1}">
-              <a14:hiddenFill xmlns:a14="http://schemas.microsoft.com/office/drawing/2010/main" xmlns="">
+              <a14:hiddenFill xmlns="" xmlns:a14="http://schemas.microsoft.com/office/drawing/2010/main">
                 <a:solidFill>
                   <a:schemeClr val="accent1"/>
                 </a:solidFill>
               </a14:hiddenFill>
             </a:ext>
             <a:ext uri="{91240B29-F687-4f45-9708-019B960494DF}">
-              <a14:hiddenLine xmlns:a14="http://schemas.microsoft.com/office/drawing/2010/main" xmlns="" w="9525">
+              <a14:hiddenLine xmlns="" xmlns:a14="http://schemas.microsoft.com/office/drawing/2010/main" w="9525">
                 <a:solidFill>
                   <a:schemeClr val="tx1"/>
                 </a:solidFill>
@@ -18301,7 +18301,7 @@
           </a:ln>
           <a:extLst>
             <a:ext uri="{909E8E84-426E-40dd-AFC4-6F175D3DCCD1}">
-              <a14:hiddenFill xmlns:a14="http://schemas.microsoft.com/office/drawing/2010/main" xmlns="">
+              <a14:hiddenFill xmlns="" xmlns:a14="http://schemas.microsoft.com/office/drawing/2010/main">
                 <a:solidFill>
                   <a:schemeClr val="accent1"/>
                 </a:solidFill>
@@ -18441,14 +18441,14 @@
           </a:ln>
           <a:extLst>
             <a:ext uri="{909E8E84-426E-40dd-AFC4-6F175D3DCCD1}">
-              <a14:hiddenFill xmlns:a14="http://schemas.microsoft.com/office/drawing/2010/main" xmlns="">
+              <a14:hiddenFill xmlns="" xmlns:a14="http://schemas.microsoft.com/office/drawing/2010/main">
                 <a:solidFill>
                   <a:schemeClr val="accent1"/>
                 </a:solidFill>
               </a14:hiddenFill>
             </a:ext>
             <a:ext uri="{91240B29-F687-4f45-9708-019B960494DF}">
-              <a14:hiddenLine xmlns:a14="http://schemas.microsoft.com/office/drawing/2010/main" xmlns="" w="9525">
+              <a14:hiddenLine xmlns="" xmlns:a14="http://schemas.microsoft.com/office/drawing/2010/main" w="9525">
                 <a:solidFill>
                   <a:schemeClr val="tx1"/>
                 </a:solidFill>
@@ -18494,14 +18494,14 @@
           </a:ln>
           <a:extLst>
             <a:ext uri="{909E8E84-426E-40dd-AFC4-6F175D3DCCD1}">
-              <a14:hiddenFill xmlns:a14="http://schemas.microsoft.com/office/drawing/2010/main" xmlns="">
+              <a14:hiddenFill xmlns="" xmlns:a14="http://schemas.microsoft.com/office/drawing/2010/main">
                 <a:solidFill>
                   <a:schemeClr val="accent1"/>
                 </a:solidFill>
               </a14:hiddenFill>
             </a:ext>
             <a:ext uri="{91240B29-F687-4f45-9708-019B960494DF}">
-              <a14:hiddenLine xmlns:a14="http://schemas.microsoft.com/office/drawing/2010/main" xmlns="" w="9525">
+              <a14:hiddenLine xmlns="" xmlns:a14="http://schemas.microsoft.com/office/drawing/2010/main" w="9525">
                 <a:solidFill>
                   <a:schemeClr val="tx1"/>
                 </a:solidFill>
@@ -18547,14 +18547,14 @@
           </a:ln>
           <a:extLst>
             <a:ext uri="{909E8E84-426E-40dd-AFC4-6F175D3DCCD1}">
-              <a14:hiddenFill xmlns:a14="http://schemas.microsoft.com/office/drawing/2010/main" xmlns="">
+              <a14:hiddenFill xmlns="" xmlns:a14="http://schemas.microsoft.com/office/drawing/2010/main">
                 <a:solidFill>
                   <a:schemeClr val="accent1"/>
                 </a:solidFill>
               </a14:hiddenFill>
             </a:ext>
             <a:ext uri="{91240B29-F687-4f45-9708-019B960494DF}">
-              <a14:hiddenLine xmlns:a14="http://schemas.microsoft.com/office/drawing/2010/main" xmlns="" w="9525">
+              <a14:hiddenLine xmlns="" xmlns:a14="http://schemas.microsoft.com/office/drawing/2010/main" w="9525">
                 <a:solidFill>
                   <a:schemeClr val="tx1"/>
                 </a:solidFill>
@@ -18600,14 +18600,14 @@
           </a:ln>
           <a:extLst>
             <a:ext uri="{909E8E84-426E-40dd-AFC4-6F175D3DCCD1}">
-              <a14:hiddenFill xmlns:a14="http://schemas.microsoft.com/office/drawing/2010/main" xmlns="">
+              <a14:hiddenFill xmlns="" xmlns:a14="http://schemas.microsoft.com/office/drawing/2010/main">
                 <a:solidFill>
                   <a:schemeClr val="accent1"/>
                 </a:solidFill>
               </a14:hiddenFill>
             </a:ext>
             <a:ext uri="{91240B29-F687-4f45-9708-019B960494DF}">
-              <a14:hiddenLine xmlns:a14="http://schemas.microsoft.com/office/drawing/2010/main" xmlns="" w="9525">
+              <a14:hiddenLine xmlns="" xmlns:a14="http://schemas.microsoft.com/office/drawing/2010/main" w="9525">
                 <a:solidFill>
                   <a:schemeClr val="tx1"/>
                 </a:solidFill>
@@ -18653,14 +18653,14 @@
           </a:ln>
           <a:extLst>
             <a:ext uri="{909E8E84-426E-40dd-AFC4-6F175D3DCCD1}">
-              <a14:hiddenFill xmlns:a14="http://schemas.microsoft.com/office/drawing/2010/main" xmlns="">
+              <a14:hiddenFill xmlns="" xmlns:a14="http://schemas.microsoft.com/office/drawing/2010/main">
                 <a:solidFill>
                   <a:schemeClr val="accent1"/>
                 </a:solidFill>
               </a14:hiddenFill>
             </a:ext>
             <a:ext uri="{91240B29-F687-4f45-9708-019B960494DF}">
-              <a14:hiddenLine xmlns:a14="http://schemas.microsoft.com/office/drawing/2010/main" xmlns="" w="9525">
+              <a14:hiddenLine xmlns="" xmlns:a14="http://schemas.microsoft.com/office/drawing/2010/main" w="9525">
                 <a:solidFill>
                   <a:schemeClr val="tx1"/>
                 </a:solidFill>
@@ -18706,14 +18706,14 @@
           </a:ln>
           <a:extLst>
             <a:ext uri="{909E8E84-426E-40dd-AFC4-6F175D3DCCD1}">
-              <a14:hiddenFill xmlns:a14="http://schemas.microsoft.com/office/drawing/2010/main" xmlns="">
+              <a14:hiddenFill xmlns="" xmlns:a14="http://schemas.microsoft.com/office/drawing/2010/main">
                 <a:solidFill>
                   <a:schemeClr val="accent1"/>
                 </a:solidFill>
               </a14:hiddenFill>
             </a:ext>
             <a:ext uri="{91240B29-F687-4f45-9708-019B960494DF}">
-              <a14:hiddenLine xmlns:a14="http://schemas.microsoft.com/office/drawing/2010/main" xmlns="" w="9525">
+              <a14:hiddenLine xmlns="" xmlns:a14="http://schemas.microsoft.com/office/drawing/2010/main" w="9525">
                 <a:solidFill>
                   <a:schemeClr val="tx1"/>
                 </a:solidFill>
@@ -18759,14 +18759,14 @@
           </a:ln>
           <a:extLst>
             <a:ext uri="{909E8E84-426E-40dd-AFC4-6F175D3DCCD1}">
-              <a14:hiddenFill xmlns:a14="http://schemas.microsoft.com/office/drawing/2010/main" xmlns="">
+              <a14:hiddenFill xmlns="" xmlns:a14="http://schemas.microsoft.com/office/drawing/2010/main">
                 <a:solidFill>
                   <a:schemeClr val="accent1"/>
                 </a:solidFill>
               </a14:hiddenFill>
             </a:ext>
             <a:ext uri="{91240B29-F687-4f45-9708-019B960494DF}">
-              <a14:hiddenLine xmlns:a14="http://schemas.microsoft.com/office/drawing/2010/main" xmlns="" w="9525">
+              <a14:hiddenLine xmlns="" xmlns:a14="http://schemas.microsoft.com/office/drawing/2010/main" w="9525">
                 <a:solidFill>
                   <a:schemeClr val="tx1"/>
                 </a:solidFill>
@@ -18812,14 +18812,14 @@
           </a:ln>
           <a:extLst>
             <a:ext uri="{909E8E84-426E-40dd-AFC4-6F175D3DCCD1}">
-              <a14:hiddenFill xmlns:a14="http://schemas.microsoft.com/office/drawing/2010/main" xmlns="">
+              <a14:hiddenFill xmlns="" xmlns:a14="http://schemas.microsoft.com/office/drawing/2010/main">
                 <a:solidFill>
                   <a:schemeClr val="accent1"/>
                 </a:solidFill>
               </a14:hiddenFill>
             </a:ext>
             <a:ext uri="{91240B29-F687-4f45-9708-019B960494DF}">
-              <a14:hiddenLine xmlns:a14="http://schemas.microsoft.com/office/drawing/2010/main" xmlns="" w="9525">
+              <a14:hiddenLine xmlns="" xmlns:a14="http://schemas.microsoft.com/office/drawing/2010/main" w="9525">
                 <a:solidFill>
                   <a:schemeClr val="tx1"/>
                 </a:solidFill>
@@ -18865,14 +18865,14 @@
           </a:ln>
           <a:extLst>
             <a:ext uri="{909E8E84-426E-40dd-AFC4-6F175D3DCCD1}">
-              <a14:hiddenFill xmlns:a14="http://schemas.microsoft.com/office/drawing/2010/main" xmlns="">
+              <a14:hiddenFill xmlns="" xmlns:a14="http://schemas.microsoft.com/office/drawing/2010/main">
                 <a:solidFill>
                   <a:schemeClr val="accent1"/>
                 </a:solidFill>
               </a14:hiddenFill>
             </a:ext>
             <a:ext uri="{91240B29-F687-4f45-9708-019B960494DF}">
-              <a14:hiddenLine xmlns:a14="http://schemas.microsoft.com/office/drawing/2010/main" xmlns="" w="9525">
+              <a14:hiddenLine xmlns="" xmlns:a14="http://schemas.microsoft.com/office/drawing/2010/main" w="9525">
                 <a:solidFill>
                   <a:schemeClr val="tx1"/>
                 </a:solidFill>
@@ -18918,14 +18918,14 @@
           </a:ln>
           <a:extLst>
             <a:ext uri="{909E8E84-426E-40dd-AFC4-6F175D3DCCD1}">
-              <a14:hiddenFill xmlns:a14="http://schemas.microsoft.com/office/drawing/2010/main" xmlns="">
+              <a14:hiddenFill xmlns="" xmlns:a14="http://schemas.microsoft.com/office/drawing/2010/main">
                 <a:solidFill>
                   <a:schemeClr val="accent1"/>
                 </a:solidFill>
               </a14:hiddenFill>
             </a:ext>
             <a:ext uri="{91240B29-F687-4f45-9708-019B960494DF}">
-              <a14:hiddenLine xmlns:a14="http://schemas.microsoft.com/office/drawing/2010/main" xmlns="" w="9525">
+              <a14:hiddenLine xmlns="" xmlns:a14="http://schemas.microsoft.com/office/drawing/2010/main" w="9525">
                 <a:solidFill>
                   <a:schemeClr val="tx1"/>
                 </a:solidFill>
@@ -18971,14 +18971,14 @@
           </a:ln>
           <a:extLst>
             <a:ext uri="{909E8E84-426E-40dd-AFC4-6F175D3DCCD1}">
-              <a14:hiddenFill xmlns:a14="http://schemas.microsoft.com/office/drawing/2010/main" xmlns="">
+              <a14:hiddenFill xmlns="" xmlns:a14="http://schemas.microsoft.com/office/drawing/2010/main">
                 <a:solidFill>
                   <a:schemeClr val="accent1"/>
                 </a:solidFill>
               </a14:hiddenFill>
             </a:ext>
             <a:ext uri="{91240B29-F687-4f45-9708-019B960494DF}">
-              <a14:hiddenLine xmlns:a14="http://schemas.microsoft.com/office/drawing/2010/main" xmlns="" w="9525">
+              <a14:hiddenLine xmlns="" xmlns:a14="http://schemas.microsoft.com/office/drawing/2010/main" w="9525">
                 <a:solidFill>
                   <a:schemeClr val="tx1"/>
                 </a:solidFill>
@@ -19031,7 +19031,7 @@
           </a:ln>
           <a:extLst>
             <a:ext uri="{909E8E84-426E-40dd-AFC4-6F175D3DCCD1}">
-              <a14:hiddenFill xmlns:a14="http://schemas.microsoft.com/office/drawing/2010/main" xmlns="">
+              <a14:hiddenFill xmlns="" xmlns:a14="http://schemas.microsoft.com/office/drawing/2010/main">
                 <a:noFill/>
               </a14:hiddenFill>
             </a:ext>
@@ -19067,7 +19067,7 @@
           </a:ln>
           <a:extLst>
             <a:ext uri="{909E8E84-426E-40dd-AFC4-6F175D3DCCD1}">
-              <a14:hiddenFill xmlns:a14="http://schemas.microsoft.com/office/drawing/2010/main" xmlns="">
+              <a14:hiddenFill xmlns="" xmlns:a14="http://schemas.microsoft.com/office/drawing/2010/main">
                 <a:noFill/>
               </a14:hiddenFill>
             </a:ext>
@@ -19103,7 +19103,7 @@
           </a:ln>
           <a:extLst>
             <a:ext uri="{909E8E84-426E-40dd-AFC4-6F175D3DCCD1}">
-              <a14:hiddenFill xmlns:a14="http://schemas.microsoft.com/office/drawing/2010/main" xmlns="">
+              <a14:hiddenFill xmlns="" xmlns:a14="http://schemas.microsoft.com/office/drawing/2010/main">
                 <a:noFill/>
               </a14:hiddenFill>
             </a:ext>
@@ -19139,7 +19139,7 @@
           </a:ln>
           <a:extLst>
             <a:ext uri="{909E8E84-426E-40dd-AFC4-6F175D3DCCD1}">
-              <a14:hiddenFill xmlns:a14="http://schemas.microsoft.com/office/drawing/2010/main" xmlns="">
+              <a14:hiddenFill xmlns="" xmlns:a14="http://schemas.microsoft.com/office/drawing/2010/main">
                 <a:noFill/>
               </a14:hiddenFill>
             </a:ext>
@@ -19175,7 +19175,7 @@
           </a:ln>
           <a:extLst>
             <a:ext uri="{909E8E84-426E-40dd-AFC4-6F175D3DCCD1}">
-              <a14:hiddenFill xmlns:a14="http://schemas.microsoft.com/office/drawing/2010/main" xmlns="">
+              <a14:hiddenFill xmlns="" xmlns:a14="http://schemas.microsoft.com/office/drawing/2010/main">
                 <a:noFill/>
               </a14:hiddenFill>
             </a:ext>
@@ -19211,7 +19211,7 @@
           </a:ln>
           <a:extLst>
             <a:ext uri="{909E8E84-426E-40dd-AFC4-6F175D3DCCD1}">
-              <a14:hiddenFill xmlns:a14="http://schemas.microsoft.com/office/drawing/2010/main" xmlns="">
+              <a14:hiddenFill xmlns="" xmlns:a14="http://schemas.microsoft.com/office/drawing/2010/main">
                 <a:noFill/>
               </a14:hiddenFill>
             </a:ext>
@@ -19247,7 +19247,7 @@
           </a:ln>
           <a:extLst>
             <a:ext uri="{909E8E84-426E-40dd-AFC4-6F175D3DCCD1}">
-              <a14:hiddenFill xmlns:a14="http://schemas.microsoft.com/office/drawing/2010/main" xmlns="">
+              <a14:hiddenFill xmlns="" xmlns:a14="http://schemas.microsoft.com/office/drawing/2010/main">
                 <a:noFill/>
               </a14:hiddenFill>
             </a:ext>
@@ -19283,7 +19283,7 @@
           </a:ln>
           <a:extLst>
             <a:ext uri="{909E8E84-426E-40dd-AFC4-6F175D3DCCD1}">
-              <a14:hiddenFill xmlns:a14="http://schemas.microsoft.com/office/drawing/2010/main" xmlns="">
+              <a14:hiddenFill xmlns="" xmlns:a14="http://schemas.microsoft.com/office/drawing/2010/main">
                 <a:noFill/>
               </a14:hiddenFill>
             </a:ext>
@@ -19319,7 +19319,7 @@
           </a:ln>
           <a:extLst>
             <a:ext uri="{909E8E84-426E-40dd-AFC4-6F175D3DCCD1}">
-              <a14:hiddenFill xmlns:a14="http://schemas.microsoft.com/office/drawing/2010/main" xmlns="">
+              <a14:hiddenFill xmlns="" xmlns:a14="http://schemas.microsoft.com/office/drawing/2010/main">
                 <a:noFill/>
               </a14:hiddenFill>
             </a:ext>
@@ -19355,7 +19355,7 @@
           </a:ln>
           <a:extLst>
             <a:ext uri="{909E8E84-426E-40dd-AFC4-6F175D3DCCD1}">
-              <a14:hiddenFill xmlns:a14="http://schemas.microsoft.com/office/drawing/2010/main" xmlns="">
+              <a14:hiddenFill xmlns="" xmlns:a14="http://schemas.microsoft.com/office/drawing/2010/main">
                 <a:noFill/>
               </a14:hiddenFill>
             </a:ext>
@@ -19384,14 +19384,14 @@
           </a:ln>
           <a:extLst>
             <a:ext uri="{909E8E84-426E-40dd-AFC4-6F175D3DCCD1}">
-              <a14:hiddenFill xmlns:a14="http://schemas.microsoft.com/office/drawing/2010/main" xmlns="">
+              <a14:hiddenFill xmlns="" xmlns:a14="http://schemas.microsoft.com/office/drawing/2010/main">
                 <a:solidFill>
                   <a:schemeClr val="accent1"/>
                 </a:solidFill>
               </a14:hiddenFill>
             </a:ext>
             <a:ext uri="{91240B29-F687-4f45-9708-019B960494DF}">
-              <a14:hiddenLine xmlns:a14="http://schemas.microsoft.com/office/drawing/2010/main" xmlns="" w="9525">
+              <a14:hiddenLine xmlns="" xmlns:a14="http://schemas.microsoft.com/office/drawing/2010/main" w="9525">
                 <a:solidFill>
                   <a:schemeClr val="tx1"/>
                 </a:solidFill>
@@ -19437,14 +19437,14 @@
           </a:ln>
           <a:extLst>
             <a:ext uri="{909E8E84-426E-40dd-AFC4-6F175D3DCCD1}">
-              <a14:hiddenFill xmlns:a14="http://schemas.microsoft.com/office/drawing/2010/main" xmlns="">
+              <a14:hiddenFill xmlns="" xmlns:a14="http://schemas.microsoft.com/office/drawing/2010/main">
                 <a:solidFill>
                   <a:schemeClr val="accent1"/>
                 </a:solidFill>
               </a14:hiddenFill>
             </a:ext>
             <a:ext uri="{91240B29-F687-4f45-9708-019B960494DF}">
-              <a14:hiddenLine xmlns:a14="http://schemas.microsoft.com/office/drawing/2010/main" xmlns="" w="9525">
+              <a14:hiddenLine xmlns="" xmlns:a14="http://schemas.microsoft.com/office/drawing/2010/main" w="9525">
                 <a:solidFill>
                   <a:schemeClr val="tx1"/>
                 </a:solidFill>
@@ -19497,14 +19497,14 @@
           </a:ln>
           <a:extLst>
             <a:ext uri="{909E8E84-426E-40dd-AFC4-6F175D3DCCD1}">
-              <a14:hiddenFill xmlns:a14="http://schemas.microsoft.com/office/drawing/2010/main" xmlns="">
+              <a14:hiddenFill xmlns="" xmlns:a14="http://schemas.microsoft.com/office/drawing/2010/main">
                 <a:solidFill>
                   <a:schemeClr val="accent1"/>
                 </a:solidFill>
               </a14:hiddenFill>
             </a:ext>
             <a:ext uri="{91240B29-F687-4f45-9708-019B960494DF}">
-              <a14:hiddenLine xmlns:a14="http://schemas.microsoft.com/office/drawing/2010/main" xmlns="" w="9525">
+              <a14:hiddenLine xmlns="" xmlns:a14="http://schemas.microsoft.com/office/drawing/2010/main" w="9525">
                 <a:solidFill>
                   <a:schemeClr val="tx1"/>
                 </a:solidFill>
@@ -19550,14 +19550,14 @@
           </a:ln>
           <a:extLst>
             <a:ext uri="{909E8E84-426E-40dd-AFC4-6F175D3DCCD1}">
-              <a14:hiddenFill xmlns:a14="http://schemas.microsoft.com/office/drawing/2010/main" xmlns="">
+              <a14:hiddenFill xmlns="" xmlns:a14="http://schemas.microsoft.com/office/drawing/2010/main">
                 <a:solidFill>
                   <a:schemeClr val="accent1"/>
                 </a:solidFill>
               </a14:hiddenFill>
             </a:ext>
             <a:ext uri="{91240B29-F687-4f45-9708-019B960494DF}">
-              <a14:hiddenLine xmlns:a14="http://schemas.microsoft.com/office/drawing/2010/main" xmlns="" w="9525">
+              <a14:hiddenLine xmlns="" xmlns:a14="http://schemas.microsoft.com/office/drawing/2010/main" w="9525">
                 <a:solidFill>
                   <a:schemeClr val="tx1"/>
                 </a:solidFill>
@@ -19603,14 +19603,14 @@
           </a:ln>
           <a:extLst>
             <a:ext uri="{909E8E84-426E-40dd-AFC4-6F175D3DCCD1}">
-              <a14:hiddenFill xmlns:a14="http://schemas.microsoft.com/office/drawing/2010/main" xmlns="">
+              <a14:hiddenFill xmlns="" xmlns:a14="http://schemas.microsoft.com/office/drawing/2010/main">
                 <a:solidFill>
                   <a:schemeClr val="accent1"/>
                 </a:solidFill>
               </a14:hiddenFill>
             </a:ext>
             <a:ext uri="{91240B29-F687-4f45-9708-019B960494DF}">
-              <a14:hiddenLine xmlns:a14="http://schemas.microsoft.com/office/drawing/2010/main" xmlns="" w="9525">
+              <a14:hiddenLine xmlns="" xmlns:a14="http://schemas.microsoft.com/office/drawing/2010/main" w="9525">
                 <a:solidFill>
                   <a:schemeClr val="tx1"/>
                 </a:solidFill>
@@ -19671,7 +19671,7 @@
           </a:ln>
           <a:extLst>
             <a:ext uri="{909E8E84-426E-40dd-AFC4-6F175D3DCCD1}">
-              <a14:hiddenFill xmlns:a14="http://schemas.microsoft.com/office/drawing/2010/main" xmlns="">
+              <a14:hiddenFill xmlns="" xmlns:a14="http://schemas.microsoft.com/office/drawing/2010/main">
                 <a:solidFill>
                   <a:schemeClr val="accent1"/>
                 </a:solidFill>
@@ -19811,14 +19811,14 @@
           </a:ln>
           <a:extLst>
             <a:ext uri="{909E8E84-426E-40dd-AFC4-6F175D3DCCD1}">
-              <a14:hiddenFill xmlns:a14="http://schemas.microsoft.com/office/drawing/2010/main" xmlns="">
+              <a14:hiddenFill xmlns="" xmlns:a14="http://schemas.microsoft.com/office/drawing/2010/main">
                 <a:solidFill>
                   <a:schemeClr val="accent1"/>
                 </a:solidFill>
               </a14:hiddenFill>
             </a:ext>
             <a:ext uri="{91240B29-F687-4f45-9708-019B960494DF}">
-              <a14:hiddenLine xmlns:a14="http://schemas.microsoft.com/office/drawing/2010/main" xmlns="" w="9525">
+              <a14:hiddenLine xmlns="" xmlns:a14="http://schemas.microsoft.com/office/drawing/2010/main" w="9525">
                 <a:solidFill>
                   <a:schemeClr val="tx1"/>
                 </a:solidFill>
@@ -19864,14 +19864,14 @@
           </a:ln>
           <a:extLst>
             <a:ext uri="{909E8E84-426E-40dd-AFC4-6F175D3DCCD1}">
-              <a14:hiddenFill xmlns:a14="http://schemas.microsoft.com/office/drawing/2010/main" xmlns="">
+              <a14:hiddenFill xmlns="" xmlns:a14="http://schemas.microsoft.com/office/drawing/2010/main">
                 <a:solidFill>
                   <a:schemeClr val="accent1"/>
                 </a:solidFill>
               </a14:hiddenFill>
             </a:ext>
             <a:ext uri="{91240B29-F687-4f45-9708-019B960494DF}">
-              <a14:hiddenLine xmlns:a14="http://schemas.microsoft.com/office/drawing/2010/main" xmlns="" w="9525">
+              <a14:hiddenLine xmlns="" xmlns:a14="http://schemas.microsoft.com/office/drawing/2010/main" w="9525">
                 <a:solidFill>
                   <a:schemeClr val="tx1"/>
                 </a:solidFill>
@@ -19917,14 +19917,14 @@
           </a:ln>
           <a:extLst>
             <a:ext uri="{909E8E84-426E-40dd-AFC4-6F175D3DCCD1}">
-              <a14:hiddenFill xmlns:a14="http://schemas.microsoft.com/office/drawing/2010/main" xmlns="">
+              <a14:hiddenFill xmlns="" xmlns:a14="http://schemas.microsoft.com/office/drawing/2010/main">
                 <a:solidFill>
                   <a:schemeClr val="accent1"/>
                 </a:solidFill>
               </a14:hiddenFill>
             </a:ext>
             <a:ext uri="{91240B29-F687-4f45-9708-019B960494DF}">
-              <a14:hiddenLine xmlns:a14="http://schemas.microsoft.com/office/drawing/2010/main" xmlns="" w="9525">
+              <a14:hiddenLine xmlns="" xmlns:a14="http://schemas.microsoft.com/office/drawing/2010/main" w="9525">
                 <a:solidFill>
                   <a:schemeClr val="tx1"/>
                 </a:solidFill>
@@ -19970,14 +19970,14 @@
           </a:ln>
           <a:extLst>
             <a:ext uri="{909E8E84-426E-40dd-AFC4-6F175D3DCCD1}">
-              <a14:hiddenFill xmlns:a14="http://schemas.microsoft.com/office/drawing/2010/main" xmlns="">
+              <a14:hiddenFill xmlns="" xmlns:a14="http://schemas.microsoft.com/office/drawing/2010/main">
                 <a:solidFill>
                   <a:schemeClr val="accent1"/>
                 </a:solidFill>
               </a14:hiddenFill>
             </a:ext>
             <a:ext uri="{91240B29-F687-4f45-9708-019B960494DF}">
-              <a14:hiddenLine xmlns:a14="http://schemas.microsoft.com/office/drawing/2010/main" xmlns="" w="9525">
+              <a14:hiddenLine xmlns="" xmlns:a14="http://schemas.microsoft.com/office/drawing/2010/main" w="9525">
                 <a:solidFill>
                   <a:schemeClr val="tx1"/>
                 </a:solidFill>
@@ -20023,14 +20023,14 @@
           </a:ln>
           <a:extLst>
             <a:ext uri="{909E8E84-426E-40dd-AFC4-6F175D3DCCD1}">
-              <a14:hiddenFill xmlns:a14="http://schemas.microsoft.com/office/drawing/2010/main" xmlns="">
+              <a14:hiddenFill xmlns="" xmlns:a14="http://schemas.microsoft.com/office/drawing/2010/main">
                 <a:solidFill>
                   <a:schemeClr val="accent1"/>
                 </a:solidFill>
               </a14:hiddenFill>
             </a:ext>
             <a:ext uri="{91240B29-F687-4f45-9708-019B960494DF}">
-              <a14:hiddenLine xmlns:a14="http://schemas.microsoft.com/office/drawing/2010/main" xmlns="" w="9525">
+              <a14:hiddenLine xmlns="" xmlns:a14="http://schemas.microsoft.com/office/drawing/2010/main" w="9525">
                 <a:solidFill>
                   <a:schemeClr val="tx1"/>
                 </a:solidFill>
@@ -20076,14 +20076,14 @@
           </a:ln>
           <a:extLst>
             <a:ext uri="{909E8E84-426E-40dd-AFC4-6F175D3DCCD1}">
-              <a14:hiddenFill xmlns:a14="http://schemas.microsoft.com/office/drawing/2010/main" xmlns="">
+              <a14:hiddenFill xmlns="" xmlns:a14="http://schemas.microsoft.com/office/drawing/2010/main">
                 <a:solidFill>
                   <a:schemeClr val="accent1"/>
                 </a:solidFill>
               </a14:hiddenFill>
             </a:ext>
             <a:ext uri="{91240B29-F687-4f45-9708-019B960494DF}">
-              <a14:hiddenLine xmlns:a14="http://schemas.microsoft.com/office/drawing/2010/main" xmlns="" w="9525">
+              <a14:hiddenLine xmlns="" xmlns:a14="http://schemas.microsoft.com/office/drawing/2010/main" w="9525">
                 <a:solidFill>
                   <a:schemeClr val="tx1"/>
                 </a:solidFill>
@@ -20129,14 +20129,14 @@
           </a:ln>
           <a:extLst>
             <a:ext uri="{909E8E84-426E-40dd-AFC4-6F175D3DCCD1}">
-              <a14:hiddenFill xmlns:a14="http://schemas.microsoft.com/office/drawing/2010/main" xmlns="">
+              <a14:hiddenFill xmlns="" xmlns:a14="http://schemas.microsoft.com/office/drawing/2010/main">
                 <a:solidFill>
                   <a:schemeClr val="accent1"/>
                 </a:solidFill>
               </a14:hiddenFill>
             </a:ext>
             <a:ext uri="{91240B29-F687-4f45-9708-019B960494DF}">
-              <a14:hiddenLine xmlns:a14="http://schemas.microsoft.com/office/drawing/2010/main" xmlns="" w="9525">
+              <a14:hiddenLine xmlns="" xmlns:a14="http://schemas.microsoft.com/office/drawing/2010/main" w="9525">
                 <a:solidFill>
                   <a:schemeClr val="tx1"/>
                 </a:solidFill>
@@ -20182,14 +20182,14 @@
           </a:ln>
           <a:extLst>
             <a:ext uri="{909E8E84-426E-40dd-AFC4-6F175D3DCCD1}">
-              <a14:hiddenFill xmlns:a14="http://schemas.microsoft.com/office/drawing/2010/main" xmlns="">
+              <a14:hiddenFill xmlns="" xmlns:a14="http://schemas.microsoft.com/office/drawing/2010/main">
                 <a:solidFill>
                   <a:schemeClr val="accent1"/>
                 </a:solidFill>
               </a14:hiddenFill>
             </a:ext>
             <a:ext uri="{91240B29-F687-4f45-9708-019B960494DF}">
-              <a14:hiddenLine xmlns:a14="http://schemas.microsoft.com/office/drawing/2010/main" xmlns="" w="9525">
+              <a14:hiddenLine xmlns="" xmlns:a14="http://schemas.microsoft.com/office/drawing/2010/main" w="9525">
                 <a:solidFill>
                   <a:schemeClr val="tx1"/>
                 </a:solidFill>
@@ -20235,14 +20235,14 @@
           </a:ln>
           <a:extLst>
             <a:ext uri="{909E8E84-426E-40dd-AFC4-6F175D3DCCD1}">
-              <a14:hiddenFill xmlns:a14="http://schemas.microsoft.com/office/drawing/2010/main" xmlns="">
+              <a14:hiddenFill xmlns="" xmlns:a14="http://schemas.microsoft.com/office/drawing/2010/main">
                 <a:solidFill>
                   <a:schemeClr val="accent1"/>
                 </a:solidFill>
               </a14:hiddenFill>
             </a:ext>
             <a:ext uri="{91240B29-F687-4f45-9708-019B960494DF}">
-              <a14:hiddenLine xmlns:a14="http://schemas.microsoft.com/office/drawing/2010/main" xmlns="" w="9525">
+              <a14:hiddenLine xmlns="" xmlns:a14="http://schemas.microsoft.com/office/drawing/2010/main" w="9525">
                 <a:solidFill>
                   <a:schemeClr val="tx1"/>
                 </a:solidFill>
@@ -20288,14 +20288,14 @@
           </a:ln>
           <a:extLst>
             <a:ext uri="{909E8E84-426E-40dd-AFC4-6F175D3DCCD1}">
-              <a14:hiddenFill xmlns:a14="http://schemas.microsoft.com/office/drawing/2010/main" xmlns="">
+              <a14:hiddenFill xmlns="" xmlns:a14="http://schemas.microsoft.com/office/drawing/2010/main">
                 <a:solidFill>
                   <a:schemeClr val="accent1"/>
                 </a:solidFill>
               </a14:hiddenFill>
             </a:ext>
             <a:ext uri="{91240B29-F687-4f45-9708-019B960494DF}">
-              <a14:hiddenLine xmlns:a14="http://schemas.microsoft.com/office/drawing/2010/main" xmlns="" w="9525">
+              <a14:hiddenLine xmlns="" xmlns:a14="http://schemas.microsoft.com/office/drawing/2010/main" w="9525">
                 <a:solidFill>
                   <a:schemeClr val="tx1"/>
                 </a:solidFill>
@@ -20341,14 +20341,14 @@
           </a:ln>
           <a:extLst>
             <a:ext uri="{909E8E84-426E-40dd-AFC4-6F175D3DCCD1}">
-              <a14:hiddenFill xmlns:a14="http://schemas.microsoft.com/office/drawing/2010/main" xmlns="">
+              <a14:hiddenFill xmlns="" xmlns:a14="http://schemas.microsoft.com/office/drawing/2010/main">
                 <a:solidFill>
                   <a:schemeClr val="accent1"/>
                 </a:solidFill>
               </a14:hiddenFill>
             </a:ext>
             <a:ext uri="{91240B29-F687-4f45-9708-019B960494DF}">
-              <a14:hiddenLine xmlns:a14="http://schemas.microsoft.com/office/drawing/2010/main" xmlns="" w="9525">
+              <a14:hiddenLine xmlns="" xmlns:a14="http://schemas.microsoft.com/office/drawing/2010/main" w="9525">
                 <a:solidFill>
                   <a:schemeClr val="tx1"/>
                 </a:solidFill>
@@ -20401,7 +20401,7 @@
           </a:ln>
           <a:extLst>
             <a:ext uri="{909E8E84-426E-40dd-AFC4-6F175D3DCCD1}">
-              <a14:hiddenFill xmlns:a14="http://schemas.microsoft.com/office/drawing/2010/main" xmlns="">
+              <a14:hiddenFill xmlns="" xmlns:a14="http://schemas.microsoft.com/office/drawing/2010/main">
                 <a:noFill/>
               </a14:hiddenFill>
             </a:ext>
@@ -20437,7 +20437,7 @@
           </a:ln>
           <a:extLst>
             <a:ext uri="{909E8E84-426E-40dd-AFC4-6F175D3DCCD1}">
-              <a14:hiddenFill xmlns:a14="http://schemas.microsoft.com/office/drawing/2010/main" xmlns="">
+              <a14:hiddenFill xmlns="" xmlns:a14="http://schemas.microsoft.com/office/drawing/2010/main">
                 <a:noFill/>
               </a14:hiddenFill>
             </a:ext>
@@ -20473,7 +20473,7 @@
           </a:ln>
           <a:extLst>
             <a:ext uri="{909E8E84-426E-40dd-AFC4-6F175D3DCCD1}">
-              <a14:hiddenFill xmlns:a14="http://schemas.microsoft.com/office/drawing/2010/main" xmlns="">
+              <a14:hiddenFill xmlns="" xmlns:a14="http://schemas.microsoft.com/office/drawing/2010/main">
                 <a:noFill/>
               </a14:hiddenFill>
             </a:ext>
@@ -20509,7 +20509,7 @@
           </a:ln>
           <a:extLst>
             <a:ext uri="{909E8E84-426E-40dd-AFC4-6F175D3DCCD1}">
-              <a14:hiddenFill xmlns:a14="http://schemas.microsoft.com/office/drawing/2010/main" xmlns="">
+              <a14:hiddenFill xmlns="" xmlns:a14="http://schemas.microsoft.com/office/drawing/2010/main">
                 <a:noFill/>
               </a14:hiddenFill>
             </a:ext>
@@ -20545,7 +20545,7 @@
           </a:ln>
           <a:extLst>
             <a:ext uri="{909E8E84-426E-40dd-AFC4-6F175D3DCCD1}">
-              <a14:hiddenFill xmlns:a14="http://schemas.microsoft.com/office/drawing/2010/main" xmlns="">
+              <a14:hiddenFill xmlns="" xmlns:a14="http://schemas.microsoft.com/office/drawing/2010/main">
                 <a:noFill/>
               </a14:hiddenFill>
             </a:ext>
@@ -20581,7 +20581,7 @@
           </a:ln>
           <a:extLst>
             <a:ext uri="{909E8E84-426E-40dd-AFC4-6F175D3DCCD1}">
-              <a14:hiddenFill xmlns:a14="http://schemas.microsoft.com/office/drawing/2010/main" xmlns="">
+              <a14:hiddenFill xmlns="" xmlns:a14="http://schemas.microsoft.com/office/drawing/2010/main">
                 <a:noFill/>
               </a14:hiddenFill>
             </a:ext>
@@ -20617,7 +20617,7 @@
           </a:ln>
           <a:extLst>
             <a:ext uri="{909E8E84-426E-40dd-AFC4-6F175D3DCCD1}">
-              <a14:hiddenFill xmlns:a14="http://schemas.microsoft.com/office/drawing/2010/main" xmlns="">
+              <a14:hiddenFill xmlns="" xmlns:a14="http://schemas.microsoft.com/office/drawing/2010/main">
                 <a:noFill/>
               </a14:hiddenFill>
             </a:ext>
@@ -20653,7 +20653,7 @@
           </a:ln>
           <a:extLst>
             <a:ext uri="{909E8E84-426E-40dd-AFC4-6F175D3DCCD1}">
-              <a14:hiddenFill xmlns:a14="http://schemas.microsoft.com/office/drawing/2010/main" xmlns="">
+              <a14:hiddenFill xmlns="" xmlns:a14="http://schemas.microsoft.com/office/drawing/2010/main">
                 <a:noFill/>
               </a14:hiddenFill>
             </a:ext>
@@ -20689,7 +20689,7 @@
           </a:ln>
           <a:extLst>
             <a:ext uri="{909E8E84-426E-40dd-AFC4-6F175D3DCCD1}">
-              <a14:hiddenFill xmlns:a14="http://schemas.microsoft.com/office/drawing/2010/main" xmlns="">
+              <a14:hiddenFill xmlns="" xmlns:a14="http://schemas.microsoft.com/office/drawing/2010/main">
                 <a:noFill/>
               </a14:hiddenFill>
             </a:ext>
@@ -20725,7 +20725,7 @@
           </a:ln>
           <a:extLst>
             <a:ext uri="{909E8E84-426E-40dd-AFC4-6F175D3DCCD1}">
-              <a14:hiddenFill xmlns:a14="http://schemas.microsoft.com/office/drawing/2010/main" xmlns="">
+              <a14:hiddenFill xmlns="" xmlns:a14="http://schemas.microsoft.com/office/drawing/2010/main">
                 <a:noFill/>
               </a14:hiddenFill>
             </a:ext>
@@ -20754,14 +20754,14 @@
           </a:ln>
           <a:extLst>
             <a:ext uri="{909E8E84-426E-40dd-AFC4-6F175D3DCCD1}">
-              <a14:hiddenFill xmlns:a14="http://schemas.microsoft.com/office/drawing/2010/main" xmlns="">
+              <a14:hiddenFill xmlns="" xmlns:a14="http://schemas.microsoft.com/office/drawing/2010/main">
                 <a:solidFill>
                   <a:schemeClr val="accent1"/>
                 </a:solidFill>
               </a14:hiddenFill>
             </a:ext>
             <a:ext uri="{91240B29-F687-4f45-9708-019B960494DF}">
-              <a14:hiddenLine xmlns:a14="http://schemas.microsoft.com/office/drawing/2010/main" xmlns="" w="9525">
+              <a14:hiddenLine xmlns="" xmlns:a14="http://schemas.microsoft.com/office/drawing/2010/main" w="9525">
                 <a:solidFill>
                   <a:schemeClr val="tx1"/>
                 </a:solidFill>
@@ -20807,14 +20807,14 @@
           </a:ln>
           <a:extLst>
             <a:ext uri="{909E8E84-426E-40dd-AFC4-6F175D3DCCD1}">
-              <a14:hiddenFill xmlns:a14="http://schemas.microsoft.com/office/drawing/2010/main" xmlns="">
+              <a14:hiddenFill xmlns="" xmlns:a14="http://schemas.microsoft.com/office/drawing/2010/main">
                 <a:solidFill>
                   <a:schemeClr val="accent1"/>
                 </a:solidFill>
               </a14:hiddenFill>
             </a:ext>
             <a:ext uri="{91240B29-F687-4f45-9708-019B960494DF}">
-              <a14:hiddenLine xmlns:a14="http://schemas.microsoft.com/office/drawing/2010/main" xmlns="" w="9525">
+              <a14:hiddenLine xmlns="" xmlns:a14="http://schemas.microsoft.com/office/drawing/2010/main" w="9525">
                 <a:solidFill>
                   <a:schemeClr val="tx1"/>
                 </a:solidFill>
@@ -20867,14 +20867,14 @@
           </a:ln>
           <a:extLst>
             <a:ext uri="{909E8E84-426E-40dd-AFC4-6F175D3DCCD1}">
-              <a14:hiddenFill xmlns:a14="http://schemas.microsoft.com/office/drawing/2010/main" xmlns="">
+              <a14:hiddenFill xmlns="" xmlns:a14="http://schemas.microsoft.com/office/drawing/2010/main">
                 <a:solidFill>
                   <a:schemeClr val="accent1"/>
                 </a:solidFill>
               </a14:hiddenFill>
             </a:ext>
             <a:ext uri="{91240B29-F687-4f45-9708-019B960494DF}">
-              <a14:hiddenLine xmlns:a14="http://schemas.microsoft.com/office/drawing/2010/main" xmlns="" w="9525">
+              <a14:hiddenLine xmlns="" xmlns:a14="http://schemas.microsoft.com/office/drawing/2010/main" w="9525">
                 <a:solidFill>
                   <a:schemeClr val="tx1"/>
                 </a:solidFill>
@@ -20920,14 +20920,14 @@
           </a:ln>
           <a:extLst>
             <a:ext uri="{909E8E84-426E-40dd-AFC4-6F175D3DCCD1}">
-              <a14:hiddenFill xmlns:a14="http://schemas.microsoft.com/office/drawing/2010/main" xmlns="">
+              <a14:hiddenFill xmlns="" xmlns:a14="http://schemas.microsoft.com/office/drawing/2010/main">
                 <a:solidFill>
                   <a:schemeClr val="accent1"/>
                 </a:solidFill>
               </a14:hiddenFill>
             </a:ext>
             <a:ext uri="{91240B29-F687-4f45-9708-019B960494DF}">
-              <a14:hiddenLine xmlns:a14="http://schemas.microsoft.com/office/drawing/2010/main" xmlns="" w="9525">
+              <a14:hiddenLine xmlns="" xmlns:a14="http://schemas.microsoft.com/office/drawing/2010/main" w="9525">
                 <a:solidFill>
                   <a:schemeClr val="tx1"/>
                 </a:solidFill>
@@ -20973,14 +20973,14 @@
           </a:ln>
           <a:extLst>
             <a:ext uri="{909E8E84-426E-40dd-AFC4-6F175D3DCCD1}">
-              <a14:hiddenFill xmlns:a14="http://schemas.microsoft.com/office/drawing/2010/main" xmlns="">
+              <a14:hiddenFill xmlns="" xmlns:a14="http://schemas.microsoft.com/office/drawing/2010/main">
                 <a:solidFill>
                   <a:schemeClr val="accent1"/>
                 </a:solidFill>
               </a14:hiddenFill>
             </a:ext>
             <a:ext uri="{91240B29-F687-4f45-9708-019B960494DF}">
-              <a14:hiddenLine xmlns:a14="http://schemas.microsoft.com/office/drawing/2010/main" xmlns="" w="9525">
+              <a14:hiddenLine xmlns="" xmlns:a14="http://schemas.microsoft.com/office/drawing/2010/main" w="9525">
                 <a:solidFill>
                   <a:schemeClr val="tx1"/>
                 </a:solidFill>
@@ -21036,14 +21036,14 @@
           </a:ln>
           <a:extLst>
             <a:ext uri="{909E8E84-426E-40dd-AFC4-6F175D3DCCD1}">
-              <a14:hiddenFill xmlns:a14="http://schemas.microsoft.com/office/drawing/2010/main" xmlns="">
+              <a14:hiddenFill xmlns="" xmlns:a14="http://schemas.microsoft.com/office/drawing/2010/main">
                 <a:solidFill>
                   <a:schemeClr val="accent1"/>
                 </a:solidFill>
               </a14:hiddenFill>
             </a:ext>
             <a:ext uri="{91240B29-F687-4f45-9708-019B960494DF}">
-              <a14:hiddenLine xmlns:a14="http://schemas.microsoft.com/office/drawing/2010/main" xmlns="" w="9525">
+              <a14:hiddenLine xmlns="" xmlns:a14="http://schemas.microsoft.com/office/drawing/2010/main" w="9525">
                 <a:solidFill>
                   <a:schemeClr val="tx1"/>
                 </a:solidFill>
@@ -21094,7 +21094,7 @@
           </a:ln>
           <a:extLst>
             <a:ext uri="{909E8E84-426E-40dd-AFC4-6F175D3DCCD1}">
-              <a14:hiddenFill xmlns:a14="http://schemas.microsoft.com/office/drawing/2010/main" xmlns="">
+              <a14:hiddenFill xmlns="" xmlns:a14="http://schemas.microsoft.com/office/drawing/2010/main">
                 <a:solidFill>
                   <a:schemeClr val="accent1"/>
                 </a:solidFill>
@@ -21239,7 +21239,7 @@
           </a:ln>
           <a:extLst>
             <a:ext uri="{909E8E84-426E-40dd-AFC4-6F175D3DCCD1}">
-              <a14:hiddenFill xmlns:a14="http://schemas.microsoft.com/office/drawing/2010/main" xmlns="">
+              <a14:hiddenFill xmlns="" xmlns:a14="http://schemas.microsoft.com/office/drawing/2010/main">
                 <a:solidFill>
                   <a:schemeClr val="accent1"/>
                 </a:solidFill>
@@ -21300,14 +21300,14 @@
           </a:ln>
           <a:extLst>
             <a:ext uri="{909E8E84-426E-40dd-AFC4-6F175D3DCCD1}">
-              <a14:hiddenFill xmlns:a14="http://schemas.microsoft.com/office/drawing/2010/main" xmlns="">
+              <a14:hiddenFill xmlns="" xmlns:a14="http://schemas.microsoft.com/office/drawing/2010/main">
                 <a:solidFill>
                   <a:schemeClr val="accent1"/>
                 </a:solidFill>
               </a14:hiddenFill>
             </a:ext>
             <a:ext uri="{91240B29-F687-4f45-9708-019B960494DF}">
-              <a14:hiddenLine xmlns:a14="http://schemas.microsoft.com/office/drawing/2010/main" xmlns="" w="9525">
+              <a14:hiddenLine xmlns="" xmlns:a14="http://schemas.microsoft.com/office/drawing/2010/main" w="9525">
                 <a:solidFill>
                   <a:schemeClr val="tx1"/>
                 </a:solidFill>
@@ -21353,14 +21353,14 @@
           </a:ln>
           <a:extLst>
             <a:ext uri="{909E8E84-426E-40dd-AFC4-6F175D3DCCD1}">
-              <a14:hiddenFill xmlns:a14="http://schemas.microsoft.com/office/drawing/2010/main" xmlns="">
+              <a14:hiddenFill xmlns="" xmlns:a14="http://schemas.microsoft.com/office/drawing/2010/main">
                 <a:solidFill>
                   <a:schemeClr val="accent1"/>
                 </a:solidFill>
               </a14:hiddenFill>
             </a:ext>
             <a:ext uri="{91240B29-F687-4f45-9708-019B960494DF}">
-              <a14:hiddenLine xmlns:a14="http://schemas.microsoft.com/office/drawing/2010/main" xmlns="" w="9525">
+              <a14:hiddenLine xmlns="" xmlns:a14="http://schemas.microsoft.com/office/drawing/2010/main" w="9525">
                 <a:solidFill>
                   <a:schemeClr val="tx1"/>
                 </a:solidFill>
@@ -21406,14 +21406,14 @@
           </a:ln>
           <a:extLst>
             <a:ext uri="{909E8E84-426E-40dd-AFC4-6F175D3DCCD1}">
-              <a14:hiddenFill xmlns:a14="http://schemas.microsoft.com/office/drawing/2010/main" xmlns="">
+              <a14:hiddenFill xmlns="" xmlns:a14="http://schemas.microsoft.com/office/drawing/2010/main">
                 <a:solidFill>
                   <a:schemeClr val="accent1"/>
                 </a:solidFill>
               </a14:hiddenFill>
             </a:ext>
             <a:ext uri="{91240B29-F687-4f45-9708-019B960494DF}">
-              <a14:hiddenLine xmlns:a14="http://schemas.microsoft.com/office/drawing/2010/main" xmlns="" w="9525">
+              <a14:hiddenLine xmlns="" xmlns:a14="http://schemas.microsoft.com/office/drawing/2010/main" w="9525">
                 <a:solidFill>
                   <a:schemeClr val="tx1"/>
                 </a:solidFill>
@@ -21459,14 +21459,14 @@
           </a:ln>
           <a:extLst>
             <a:ext uri="{909E8E84-426E-40dd-AFC4-6F175D3DCCD1}">
-              <a14:hiddenFill xmlns:a14="http://schemas.microsoft.com/office/drawing/2010/main" xmlns="">
+              <a14:hiddenFill xmlns="" xmlns:a14="http://schemas.microsoft.com/office/drawing/2010/main">
                 <a:solidFill>
                   <a:schemeClr val="accent1"/>
                 </a:solidFill>
               </a14:hiddenFill>
             </a:ext>
             <a:ext uri="{91240B29-F687-4f45-9708-019B960494DF}">
-              <a14:hiddenLine xmlns:a14="http://schemas.microsoft.com/office/drawing/2010/main" xmlns="" w="9525">
+              <a14:hiddenLine xmlns="" xmlns:a14="http://schemas.microsoft.com/office/drawing/2010/main" w="9525">
                 <a:solidFill>
                   <a:schemeClr val="tx1"/>
                 </a:solidFill>
@@ -21512,14 +21512,14 @@
           </a:ln>
           <a:extLst>
             <a:ext uri="{909E8E84-426E-40dd-AFC4-6F175D3DCCD1}">
-              <a14:hiddenFill xmlns:a14="http://schemas.microsoft.com/office/drawing/2010/main" xmlns="">
+              <a14:hiddenFill xmlns="" xmlns:a14="http://schemas.microsoft.com/office/drawing/2010/main">
                 <a:solidFill>
                   <a:schemeClr val="accent1"/>
                 </a:solidFill>
               </a14:hiddenFill>
             </a:ext>
             <a:ext uri="{91240B29-F687-4f45-9708-019B960494DF}">
-              <a14:hiddenLine xmlns:a14="http://schemas.microsoft.com/office/drawing/2010/main" xmlns="" w="9525">
+              <a14:hiddenLine xmlns="" xmlns:a14="http://schemas.microsoft.com/office/drawing/2010/main" w="9525">
                 <a:solidFill>
                   <a:schemeClr val="tx1"/>
                 </a:solidFill>
@@ -21565,14 +21565,14 @@
           </a:ln>
           <a:extLst>
             <a:ext uri="{909E8E84-426E-40dd-AFC4-6F175D3DCCD1}">
-              <a14:hiddenFill xmlns:a14="http://schemas.microsoft.com/office/drawing/2010/main" xmlns="">
+              <a14:hiddenFill xmlns="" xmlns:a14="http://schemas.microsoft.com/office/drawing/2010/main">
                 <a:solidFill>
                   <a:schemeClr val="accent1"/>
                 </a:solidFill>
               </a14:hiddenFill>
             </a:ext>
             <a:ext uri="{91240B29-F687-4f45-9708-019B960494DF}">
-              <a14:hiddenLine xmlns:a14="http://schemas.microsoft.com/office/drawing/2010/main" xmlns="" w="9525">
+              <a14:hiddenLine xmlns="" xmlns:a14="http://schemas.microsoft.com/office/drawing/2010/main" w="9525">
                 <a:solidFill>
                   <a:schemeClr val="tx1"/>
                 </a:solidFill>
@@ -21618,14 +21618,14 @@
           </a:ln>
           <a:extLst>
             <a:ext uri="{909E8E84-426E-40dd-AFC4-6F175D3DCCD1}">
-              <a14:hiddenFill xmlns:a14="http://schemas.microsoft.com/office/drawing/2010/main" xmlns="">
+              <a14:hiddenFill xmlns="" xmlns:a14="http://schemas.microsoft.com/office/drawing/2010/main">
                 <a:solidFill>
                   <a:schemeClr val="accent1"/>
                 </a:solidFill>
               </a14:hiddenFill>
             </a:ext>
             <a:ext uri="{91240B29-F687-4f45-9708-019B960494DF}">
-              <a14:hiddenLine xmlns:a14="http://schemas.microsoft.com/office/drawing/2010/main" xmlns="" w="9525">
+              <a14:hiddenLine xmlns="" xmlns:a14="http://schemas.microsoft.com/office/drawing/2010/main" w="9525">
                 <a:solidFill>
                   <a:schemeClr val="tx1"/>
                 </a:solidFill>
@@ -21671,14 +21671,14 @@
           </a:ln>
           <a:extLst>
             <a:ext uri="{909E8E84-426E-40dd-AFC4-6F175D3DCCD1}">
-              <a14:hiddenFill xmlns:a14="http://schemas.microsoft.com/office/drawing/2010/main" xmlns="">
+              <a14:hiddenFill xmlns="" xmlns:a14="http://schemas.microsoft.com/office/drawing/2010/main">
                 <a:solidFill>
                   <a:schemeClr val="accent1"/>
                 </a:solidFill>
               </a14:hiddenFill>
             </a:ext>
             <a:ext uri="{91240B29-F687-4f45-9708-019B960494DF}">
-              <a14:hiddenLine xmlns:a14="http://schemas.microsoft.com/office/drawing/2010/main" xmlns="" w="9525">
+              <a14:hiddenLine xmlns="" xmlns:a14="http://schemas.microsoft.com/office/drawing/2010/main" w="9525">
                 <a:solidFill>
                   <a:schemeClr val="tx1"/>
                 </a:solidFill>
@@ -21724,14 +21724,14 @@
           </a:ln>
           <a:extLst>
             <a:ext uri="{909E8E84-426E-40dd-AFC4-6F175D3DCCD1}">
-              <a14:hiddenFill xmlns:a14="http://schemas.microsoft.com/office/drawing/2010/main" xmlns="">
+              <a14:hiddenFill xmlns="" xmlns:a14="http://schemas.microsoft.com/office/drawing/2010/main">
                 <a:solidFill>
                   <a:schemeClr val="accent1"/>
                 </a:solidFill>
               </a14:hiddenFill>
             </a:ext>
             <a:ext uri="{91240B29-F687-4f45-9708-019B960494DF}">
-              <a14:hiddenLine xmlns:a14="http://schemas.microsoft.com/office/drawing/2010/main" xmlns="" w="9525">
+              <a14:hiddenLine xmlns="" xmlns:a14="http://schemas.microsoft.com/office/drawing/2010/main" w="9525">
                 <a:solidFill>
                   <a:schemeClr val="tx1"/>
                 </a:solidFill>
@@ -21777,14 +21777,14 @@
           </a:ln>
           <a:extLst>
             <a:ext uri="{909E8E84-426E-40dd-AFC4-6F175D3DCCD1}">
-              <a14:hiddenFill xmlns:a14="http://schemas.microsoft.com/office/drawing/2010/main" xmlns="">
+              <a14:hiddenFill xmlns="" xmlns:a14="http://schemas.microsoft.com/office/drawing/2010/main">
                 <a:solidFill>
                   <a:schemeClr val="accent1"/>
                 </a:solidFill>
               </a14:hiddenFill>
             </a:ext>
             <a:ext uri="{91240B29-F687-4f45-9708-019B960494DF}">
-              <a14:hiddenLine xmlns:a14="http://schemas.microsoft.com/office/drawing/2010/main" xmlns="" w="9525">
+              <a14:hiddenLine xmlns="" xmlns:a14="http://schemas.microsoft.com/office/drawing/2010/main" w="9525">
                 <a:solidFill>
                   <a:schemeClr val="tx1"/>
                 </a:solidFill>
@@ -21830,14 +21830,14 @@
           </a:ln>
           <a:extLst>
             <a:ext uri="{909E8E84-426E-40dd-AFC4-6F175D3DCCD1}">
-              <a14:hiddenFill xmlns:a14="http://schemas.microsoft.com/office/drawing/2010/main" xmlns="">
+              <a14:hiddenFill xmlns="" xmlns:a14="http://schemas.microsoft.com/office/drawing/2010/main">
                 <a:solidFill>
                   <a:schemeClr val="accent1"/>
                 </a:solidFill>
               </a14:hiddenFill>
             </a:ext>
             <a:ext uri="{91240B29-F687-4f45-9708-019B960494DF}">
-              <a14:hiddenLine xmlns:a14="http://schemas.microsoft.com/office/drawing/2010/main" xmlns="" w="9525">
+              <a14:hiddenLine xmlns="" xmlns:a14="http://schemas.microsoft.com/office/drawing/2010/main" w="9525">
                 <a:solidFill>
                   <a:schemeClr val="tx1"/>
                 </a:solidFill>
@@ -21890,7 +21890,7 @@
           </a:ln>
           <a:extLst>
             <a:ext uri="{909E8E84-426E-40dd-AFC4-6F175D3DCCD1}">
-              <a14:hiddenFill xmlns:a14="http://schemas.microsoft.com/office/drawing/2010/main" xmlns="">
+              <a14:hiddenFill xmlns="" xmlns:a14="http://schemas.microsoft.com/office/drawing/2010/main">
                 <a:noFill/>
               </a14:hiddenFill>
             </a:ext>
@@ -21926,7 +21926,7 @@
           </a:ln>
           <a:extLst>
             <a:ext uri="{909E8E84-426E-40dd-AFC4-6F175D3DCCD1}">
-              <a14:hiddenFill xmlns:a14="http://schemas.microsoft.com/office/drawing/2010/main" xmlns="">
+              <a14:hiddenFill xmlns="" xmlns:a14="http://schemas.microsoft.com/office/drawing/2010/main">
                 <a:noFill/>
               </a14:hiddenFill>
             </a:ext>
@@ -21962,7 +21962,7 @@
           </a:ln>
           <a:extLst>
             <a:ext uri="{909E8E84-426E-40dd-AFC4-6F175D3DCCD1}">
-              <a14:hiddenFill xmlns:a14="http://schemas.microsoft.com/office/drawing/2010/main" xmlns="">
+              <a14:hiddenFill xmlns="" xmlns:a14="http://schemas.microsoft.com/office/drawing/2010/main">
                 <a:noFill/>
               </a14:hiddenFill>
             </a:ext>
@@ -21998,7 +21998,7 @@
           </a:ln>
           <a:extLst>
             <a:ext uri="{909E8E84-426E-40dd-AFC4-6F175D3DCCD1}">
-              <a14:hiddenFill xmlns:a14="http://schemas.microsoft.com/office/drawing/2010/main" xmlns="">
+              <a14:hiddenFill xmlns="" xmlns:a14="http://schemas.microsoft.com/office/drawing/2010/main">
                 <a:noFill/>
               </a14:hiddenFill>
             </a:ext>
@@ -22034,7 +22034,7 @@
           </a:ln>
           <a:extLst>
             <a:ext uri="{909E8E84-426E-40dd-AFC4-6F175D3DCCD1}">
-              <a14:hiddenFill xmlns:a14="http://schemas.microsoft.com/office/drawing/2010/main" xmlns="">
+              <a14:hiddenFill xmlns="" xmlns:a14="http://schemas.microsoft.com/office/drawing/2010/main">
                 <a:noFill/>
               </a14:hiddenFill>
             </a:ext>
@@ -22070,7 +22070,7 @@
           </a:ln>
           <a:extLst>
             <a:ext uri="{909E8E84-426E-40dd-AFC4-6F175D3DCCD1}">
-              <a14:hiddenFill xmlns:a14="http://schemas.microsoft.com/office/drawing/2010/main" xmlns="">
+              <a14:hiddenFill xmlns="" xmlns:a14="http://schemas.microsoft.com/office/drawing/2010/main">
                 <a:noFill/>
               </a14:hiddenFill>
             </a:ext>
@@ -22106,7 +22106,7 @@
           </a:ln>
           <a:extLst>
             <a:ext uri="{909E8E84-426E-40dd-AFC4-6F175D3DCCD1}">
-              <a14:hiddenFill xmlns:a14="http://schemas.microsoft.com/office/drawing/2010/main" xmlns="">
+              <a14:hiddenFill xmlns="" xmlns:a14="http://schemas.microsoft.com/office/drawing/2010/main">
                 <a:noFill/>
               </a14:hiddenFill>
             </a:ext>
@@ -22142,7 +22142,7 @@
           </a:ln>
           <a:extLst>
             <a:ext uri="{909E8E84-426E-40dd-AFC4-6F175D3DCCD1}">
-              <a14:hiddenFill xmlns:a14="http://schemas.microsoft.com/office/drawing/2010/main" xmlns="">
+              <a14:hiddenFill xmlns="" xmlns:a14="http://schemas.microsoft.com/office/drawing/2010/main">
                 <a:noFill/>
               </a14:hiddenFill>
             </a:ext>
@@ -22178,7 +22178,7 @@
           </a:ln>
           <a:extLst>
             <a:ext uri="{909E8E84-426E-40dd-AFC4-6F175D3DCCD1}">
-              <a14:hiddenFill xmlns:a14="http://schemas.microsoft.com/office/drawing/2010/main" xmlns="">
+              <a14:hiddenFill xmlns="" xmlns:a14="http://schemas.microsoft.com/office/drawing/2010/main">
                 <a:noFill/>
               </a14:hiddenFill>
             </a:ext>
@@ -22214,7 +22214,7 @@
           </a:ln>
           <a:extLst>
             <a:ext uri="{909E8E84-426E-40dd-AFC4-6F175D3DCCD1}">
-              <a14:hiddenFill xmlns:a14="http://schemas.microsoft.com/office/drawing/2010/main" xmlns="">
+              <a14:hiddenFill xmlns="" xmlns:a14="http://schemas.microsoft.com/office/drawing/2010/main">
                 <a:noFill/>
               </a14:hiddenFill>
             </a:ext>
@@ -22243,14 +22243,14 @@
           </a:ln>
           <a:extLst>
             <a:ext uri="{909E8E84-426E-40dd-AFC4-6F175D3DCCD1}">
-              <a14:hiddenFill xmlns:a14="http://schemas.microsoft.com/office/drawing/2010/main" xmlns="">
+              <a14:hiddenFill xmlns="" xmlns:a14="http://schemas.microsoft.com/office/drawing/2010/main">
                 <a:solidFill>
                   <a:schemeClr val="accent1"/>
                 </a:solidFill>
               </a14:hiddenFill>
             </a:ext>
             <a:ext uri="{91240B29-F687-4f45-9708-019B960494DF}">
-              <a14:hiddenLine xmlns:a14="http://schemas.microsoft.com/office/drawing/2010/main" xmlns="" w="9525">
+              <a14:hiddenLine xmlns="" xmlns:a14="http://schemas.microsoft.com/office/drawing/2010/main" w="9525">
                 <a:solidFill>
                   <a:schemeClr val="tx1"/>
                 </a:solidFill>
@@ -22296,14 +22296,14 @@
           </a:ln>
           <a:extLst>
             <a:ext uri="{909E8E84-426E-40dd-AFC4-6F175D3DCCD1}">
-              <a14:hiddenFill xmlns:a14="http://schemas.microsoft.com/office/drawing/2010/main" xmlns="">
+              <a14:hiddenFill xmlns="" xmlns:a14="http://schemas.microsoft.com/office/drawing/2010/main">
                 <a:solidFill>
                   <a:schemeClr val="accent1"/>
                 </a:solidFill>
               </a14:hiddenFill>
             </a:ext>
             <a:ext uri="{91240B29-F687-4f45-9708-019B960494DF}">
-              <a14:hiddenLine xmlns:a14="http://schemas.microsoft.com/office/drawing/2010/main" xmlns="" w="9525">
+              <a14:hiddenLine xmlns="" xmlns:a14="http://schemas.microsoft.com/office/drawing/2010/main" w="9525">
                 <a:solidFill>
                   <a:schemeClr val="tx1"/>
                 </a:solidFill>
@@ -22356,14 +22356,14 @@
           </a:ln>
           <a:extLst>
             <a:ext uri="{909E8E84-426E-40dd-AFC4-6F175D3DCCD1}">
-              <a14:hiddenFill xmlns:a14="http://schemas.microsoft.com/office/drawing/2010/main" xmlns="">
+              <a14:hiddenFill xmlns="" xmlns:a14="http://schemas.microsoft.com/office/drawing/2010/main">
                 <a:solidFill>
                   <a:schemeClr val="accent1"/>
                 </a:solidFill>
               </a14:hiddenFill>
             </a:ext>
             <a:ext uri="{91240B29-F687-4f45-9708-019B960494DF}">
-              <a14:hiddenLine xmlns:a14="http://schemas.microsoft.com/office/drawing/2010/main" xmlns="" w="9525">
+              <a14:hiddenLine xmlns="" xmlns:a14="http://schemas.microsoft.com/office/drawing/2010/main" w="9525">
                 <a:solidFill>
                   <a:schemeClr val="tx1"/>
                 </a:solidFill>
@@ -22409,14 +22409,14 @@
           </a:ln>
           <a:extLst>
             <a:ext uri="{909E8E84-426E-40dd-AFC4-6F175D3DCCD1}">
-              <a14:hiddenFill xmlns:a14="http://schemas.microsoft.com/office/drawing/2010/main" xmlns="">
+              <a14:hiddenFill xmlns="" xmlns:a14="http://schemas.microsoft.com/office/drawing/2010/main">
                 <a:solidFill>
                   <a:schemeClr val="accent1"/>
                 </a:solidFill>
               </a14:hiddenFill>
             </a:ext>
             <a:ext uri="{91240B29-F687-4f45-9708-019B960494DF}">
-              <a14:hiddenLine xmlns:a14="http://schemas.microsoft.com/office/drawing/2010/main" xmlns="" w="9525">
+              <a14:hiddenLine xmlns="" xmlns:a14="http://schemas.microsoft.com/office/drawing/2010/main" w="9525">
                 <a:solidFill>
                   <a:schemeClr val="tx1"/>
                 </a:solidFill>
@@ -22462,14 +22462,14 @@
           </a:ln>
           <a:extLst>
             <a:ext uri="{909E8E84-426E-40dd-AFC4-6F175D3DCCD1}">
-              <a14:hiddenFill xmlns:a14="http://schemas.microsoft.com/office/drawing/2010/main" xmlns="">
+              <a14:hiddenFill xmlns="" xmlns:a14="http://schemas.microsoft.com/office/drawing/2010/main">
                 <a:solidFill>
                   <a:schemeClr val="accent1"/>
                 </a:solidFill>
               </a14:hiddenFill>
             </a:ext>
             <a:ext uri="{91240B29-F687-4f45-9708-019B960494DF}">
-              <a14:hiddenLine xmlns:a14="http://schemas.microsoft.com/office/drawing/2010/main" xmlns="" w="9525">
+              <a14:hiddenLine xmlns="" xmlns:a14="http://schemas.microsoft.com/office/drawing/2010/main" w="9525">
                 <a:solidFill>
                   <a:schemeClr val="tx1"/>
                 </a:solidFill>
@@ -22525,14 +22525,14 @@
           </a:ln>
           <a:extLst>
             <a:ext uri="{909E8E84-426E-40dd-AFC4-6F175D3DCCD1}">
-              <a14:hiddenFill xmlns:a14="http://schemas.microsoft.com/office/drawing/2010/main" xmlns="">
+              <a14:hiddenFill xmlns="" xmlns:a14="http://schemas.microsoft.com/office/drawing/2010/main">
                 <a:solidFill>
                   <a:schemeClr val="accent1"/>
                 </a:solidFill>
               </a14:hiddenFill>
             </a:ext>
             <a:ext uri="{91240B29-F687-4f45-9708-019B960494DF}">
-              <a14:hiddenLine xmlns:a14="http://schemas.microsoft.com/office/drawing/2010/main" xmlns="" w="9525">
+              <a14:hiddenLine xmlns="" xmlns:a14="http://schemas.microsoft.com/office/drawing/2010/main" w="9525">
                 <a:solidFill>
                   <a:schemeClr val="tx1"/>
                 </a:solidFill>
@@ -22578,14 +22578,14 @@
           </a:ln>
           <a:extLst>
             <a:ext uri="{909E8E84-426E-40dd-AFC4-6F175D3DCCD1}">
-              <a14:hiddenFill xmlns:a14="http://schemas.microsoft.com/office/drawing/2010/main" xmlns="">
+              <a14:hiddenFill xmlns="" xmlns:a14="http://schemas.microsoft.com/office/drawing/2010/main">
                 <a:solidFill>
                   <a:schemeClr val="accent1"/>
                 </a:solidFill>
               </a14:hiddenFill>
             </a:ext>
             <a:ext uri="{91240B29-F687-4f45-9708-019B960494DF}">
-              <a14:hiddenLine xmlns:a14="http://schemas.microsoft.com/office/drawing/2010/main" xmlns="" w="9525">
+              <a14:hiddenLine xmlns="" xmlns:a14="http://schemas.microsoft.com/office/drawing/2010/main" w="9525">
                 <a:solidFill>
                   <a:schemeClr val="tx1"/>
                 </a:solidFill>
@@ -22631,14 +22631,14 @@
           </a:ln>
           <a:extLst>
             <a:ext uri="{909E8E84-426E-40dd-AFC4-6F175D3DCCD1}">
-              <a14:hiddenFill xmlns:a14="http://schemas.microsoft.com/office/drawing/2010/main" xmlns="">
+              <a14:hiddenFill xmlns="" xmlns:a14="http://schemas.microsoft.com/office/drawing/2010/main">
                 <a:solidFill>
                   <a:schemeClr val="accent1"/>
                 </a:solidFill>
               </a14:hiddenFill>
             </a:ext>
             <a:ext uri="{91240B29-F687-4f45-9708-019B960494DF}">
-              <a14:hiddenLine xmlns:a14="http://schemas.microsoft.com/office/drawing/2010/main" xmlns="" w="9525">
+              <a14:hiddenLine xmlns="" xmlns:a14="http://schemas.microsoft.com/office/drawing/2010/main" w="9525">
                 <a:solidFill>
                   <a:schemeClr val="tx1"/>
                 </a:solidFill>
@@ -22771,7 +22771,7 @@
           </a:ln>
           <a:extLst>
             <a:ext uri="{909E8E84-426E-40dd-AFC4-6F175D3DCCD1}">
-              <a14:hiddenFill xmlns:a14="http://schemas.microsoft.com/office/drawing/2010/main" xmlns="">
+              <a14:hiddenFill xmlns="" xmlns:a14="http://schemas.microsoft.com/office/drawing/2010/main">
                 <a:solidFill>
                   <a:schemeClr val="accent1"/>
                 </a:solidFill>
@@ -22826,14 +22826,14 @@
           </a:ln>
           <a:extLst>
             <a:ext uri="{909E8E84-426E-40dd-AFC4-6F175D3DCCD1}">
-              <a14:hiddenFill xmlns:a14="http://schemas.microsoft.com/office/drawing/2010/main" xmlns="">
+              <a14:hiddenFill xmlns="" xmlns:a14="http://schemas.microsoft.com/office/drawing/2010/main">
                 <a:solidFill>
                   <a:schemeClr val="accent1"/>
                 </a:solidFill>
               </a14:hiddenFill>
             </a:ext>
             <a:ext uri="{91240B29-F687-4f45-9708-019B960494DF}">
-              <a14:hiddenLine xmlns:a14="http://schemas.microsoft.com/office/drawing/2010/main" xmlns="" w="9525">
+              <a14:hiddenLine xmlns="" xmlns:a14="http://schemas.microsoft.com/office/drawing/2010/main" w="9525">
                 <a:solidFill>
                   <a:schemeClr val="tx1"/>
                 </a:solidFill>
@@ -22879,14 +22879,14 @@
           </a:ln>
           <a:extLst>
             <a:ext uri="{909E8E84-426E-40dd-AFC4-6F175D3DCCD1}">
-              <a14:hiddenFill xmlns:a14="http://schemas.microsoft.com/office/drawing/2010/main" xmlns="">
+              <a14:hiddenFill xmlns="" xmlns:a14="http://schemas.microsoft.com/office/drawing/2010/main">
                 <a:solidFill>
                   <a:schemeClr val="accent1"/>
                 </a:solidFill>
               </a14:hiddenFill>
             </a:ext>
             <a:ext uri="{91240B29-F687-4f45-9708-019B960494DF}">
-              <a14:hiddenLine xmlns:a14="http://schemas.microsoft.com/office/drawing/2010/main" xmlns="" w="9525">
+              <a14:hiddenLine xmlns="" xmlns:a14="http://schemas.microsoft.com/office/drawing/2010/main" w="9525">
                 <a:solidFill>
                   <a:schemeClr val="tx1"/>
                 </a:solidFill>
@@ -22932,14 +22932,14 @@
           </a:ln>
           <a:extLst>
             <a:ext uri="{909E8E84-426E-40dd-AFC4-6F175D3DCCD1}">
-              <a14:hiddenFill xmlns:a14="http://schemas.microsoft.com/office/drawing/2010/main" xmlns="">
+              <a14:hiddenFill xmlns="" xmlns:a14="http://schemas.microsoft.com/office/drawing/2010/main">
                 <a:solidFill>
                   <a:schemeClr val="accent1"/>
                 </a:solidFill>
               </a14:hiddenFill>
             </a:ext>
             <a:ext uri="{91240B29-F687-4f45-9708-019B960494DF}">
-              <a14:hiddenLine xmlns:a14="http://schemas.microsoft.com/office/drawing/2010/main" xmlns="" w="9525">
+              <a14:hiddenLine xmlns="" xmlns:a14="http://schemas.microsoft.com/office/drawing/2010/main" w="9525">
                 <a:solidFill>
                   <a:schemeClr val="tx1"/>
                 </a:solidFill>
@@ -22985,14 +22985,14 @@
           </a:ln>
           <a:extLst>
             <a:ext uri="{909E8E84-426E-40dd-AFC4-6F175D3DCCD1}">
-              <a14:hiddenFill xmlns:a14="http://schemas.microsoft.com/office/drawing/2010/main" xmlns="">
+              <a14:hiddenFill xmlns="" xmlns:a14="http://schemas.microsoft.com/office/drawing/2010/main">
                 <a:solidFill>
                   <a:schemeClr val="accent1"/>
                 </a:solidFill>
               </a14:hiddenFill>
             </a:ext>
             <a:ext uri="{91240B29-F687-4f45-9708-019B960494DF}">
-              <a14:hiddenLine xmlns:a14="http://schemas.microsoft.com/office/drawing/2010/main" xmlns="" w="9525">
+              <a14:hiddenLine xmlns="" xmlns:a14="http://schemas.microsoft.com/office/drawing/2010/main" w="9525">
                 <a:solidFill>
                   <a:schemeClr val="tx1"/>
                 </a:solidFill>
@@ -23038,14 +23038,14 @@
           </a:ln>
           <a:extLst>
             <a:ext uri="{909E8E84-426E-40dd-AFC4-6F175D3DCCD1}">
-              <a14:hiddenFill xmlns:a14="http://schemas.microsoft.com/office/drawing/2010/main" xmlns="">
+              <a14:hiddenFill xmlns="" xmlns:a14="http://schemas.microsoft.com/office/drawing/2010/main">
                 <a:solidFill>
                   <a:schemeClr val="accent1"/>
                 </a:solidFill>
               </a14:hiddenFill>
             </a:ext>
             <a:ext uri="{91240B29-F687-4f45-9708-019B960494DF}">
-              <a14:hiddenLine xmlns:a14="http://schemas.microsoft.com/office/drawing/2010/main" xmlns="" w="9525">
+              <a14:hiddenLine xmlns="" xmlns:a14="http://schemas.microsoft.com/office/drawing/2010/main" w="9525">
                 <a:solidFill>
                   <a:schemeClr val="tx1"/>
                 </a:solidFill>
@@ -23098,7 +23098,7 @@
           </a:ln>
           <a:extLst>
             <a:ext uri="{909E8E84-426E-40dd-AFC4-6F175D3DCCD1}">
-              <a14:hiddenFill xmlns:a14="http://schemas.microsoft.com/office/drawing/2010/main" xmlns="">
+              <a14:hiddenFill xmlns="" xmlns:a14="http://schemas.microsoft.com/office/drawing/2010/main">
                 <a:noFill/>
               </a14:hiddenFill>
             </a:ext>
@@ -23134,7 +23134,7 @@
           </a:ln>
           <a:extLst>
             <a:ext uri="{909E8E84-426E-40dd-AFC4-6F175D3DCCD1}">
-              <a14:hiddenFill xmlns:a14="http://schemas.microsoft.com/office/drawing/2010/main" xmlns="">
+              <a14:hiddenFill xmlns="" xmlns:a14="http://schemas.microsoft.com/office/drawing/2010/main">
                 <a:noFill/>
               </a14:hiddenFill>
             </a:ext>
@@ -23170,7 +23170,7 @@
           </a:ln>
           <a:extLst>
             <a:ext uri="{909E8E84-426E-40dd-AFC4-6F175D3DCCD1}">
-              <a14:hiddenFill xmlns:a14="http://schemas.microsoft.com/office/drawing/2010/main" xmlns="">
+              <a14:hiddenFill xmlns="" xmlns:a14="http://schemas.microsoft.com/office/drawing/2010/main">
                 <a:noFill/>
               </a14:hiddenFill>
             </a:ext>
@@ -23206,7 +23206,7 @@
           </a:ln>
           <a:extLst>
             <a:ext uri="{909E8E84-426E-40dd-AFC4-6F175D3DCCD1}">
-              <a14:hiddenFill xmlns:a14="http://schemas.microsoft.com/office/drawing/2010/main" xmlns="">
+              <a14:hiddenFill xmlns="" xmlns:a14="http://schemas.microsoft.com/office/drawing/2010/main">
                 <a:noFill/>
               </a14:hiddenFill>
             </a:ext>
@@ -23235,14 +23235,14 @@
           </a:ln>
           <a:extLst>
             <a:ext uri="{909E8E84-426E-40dd-AFC4-6F175D3DCCD1}">
-              <a14:hiddenFill xmlns:a14="http://schemas.microsoft.com/office/drawing/2010/main" xmlns="">
+              <a14:hiddenFill xmlns="" xmlns:a14="http://schemas.microsoft.com/office/drawing/2010/main">
                 <a:solidFill>
                   <a:schemeClr val="accent1"/>
                 </a:solidFill>
               </a14:hiddenFill>
             </a:ext>
             <a:ext uri="{91240B29-F687-4f45-9708-019B960494DF}">
-              <a14:hiddenLine xmlns:a14="http://schemas.microsoft.com/office/drawing/2010/main" xmlns="" w="9525">
+              <a14:hiddenLine xmlns="" xmlns:a14="http://schemas.microsoft.com/office/drawing/2010/main" w="9525">
                 <a:solidFill>
                   <a:schemeClr val="tx1"/>
                 </a:solidFill>
@@ -23288,14 +23288,14 @@
           </a:ln>
           <a:extLst>
             <a:ext uri="{909E8E84-426E-40dd-AFC4-6F175D3DCCD1}">
-              <a14:hiddenFill xmlns:a14="http://schemas.microsoft.com/office/drawing/2010/main" xmlns="">
+              <a14:hiddenFill xmlns="" xmlns:a14="http://schemas.microsoft.com/office/drawing/2010/main">
                 <a:solidFill>
                   <a:schemeClr val="accent1"/>
                 </a:solidFill>
               </a14:hiddenFill>
             </a:ext>
             <a:ext uri="{91240B29-F687-4f45-9708-019B960494DF}">
-              <a14:hiddenLine xmlns:a14="http://schemas.microsoft.com/office/drawing/2010/main" xmlns="" w="9525">
+              <a14:hiddenLine xmlns="" xmlns:a14="http://schemas.microsoft.com/office/drawing/2010/main" w="9525">
                 <a:solidFill>
                   <a:schemeClr val="tx1"/>
                 </a:solidFill>
@@ -23348,7 +23348,7 @@
           </a:ln>
           <a:extLst>
             <a:ext uri="{909E8E84-426E-40dd-AFC4-6F175D3DCCD1}">
-              <a14:hiddenFill xmlns:a14="http://schemas.microsoft.com/office/drawing/2010/main" xmlns="">
+              <a14:hiddenFill xmlns="" xmlns:a14="http://schemas.microsoft.com/office/drawing/2010/main">
                 <a:noFill/>
               </a14:hiddenFill>
             </a:ext>
@@ -23384,7 +23384,7 @@
           </a:ln>
           <a:extLst>
             <a:ext uri="{909E8E84-426E-40dd-AFC4-6F175D3DCCD1}">
-              <a14:hiddenFill xmlns:a14="http://schemas.microsoft.com/office/drawing/2010/main" xmlns="">
+              <a14:hiddenFill xmlns="" xmlns:a14="http://schemas.microsoft.com/office/drawing/2010/main">
                 <a:noFill/>
               </a14:hiddenFill>
             </a:ext>
@@ -23497,7 +23497,7 @@
           </a:ln>
           <a:extLst>
             <a:ext uri="{909E8E84-426E-40dd-AFC4-6F175D3DCCD1}">
-              <a14:hiddenFill xmlns:a14="http://schemas.microsoft.com/office/drawing/2010/main" xmlns="">
+              <a14:hiddenFill xmlns="" xmlns:a14="http://schemas.microsoft.com/office/drawing/2010/main">
                 <a:solidFill>
                   <a:schemeClr val="accent1"/>
                 </a:solidFill>
@@ -23589,7 +23589,7 @@
           </a:ln>
           <a:extLst>
             <a:ext uri="{909E8E84-426E-40dd-AFC4-6F175D3DCCD1}">
-              <a14:hiddenFill xmlns:a14="http://schemas.microsoft.com/office/drawing/2010/main" xmlns="">
+              <a14:hiddenFill xmlns="" xmlns:a14="http://schemas.microsoft.com/office/drawing/2010/main">
                 <a:solidFill>
                   <a:schemeClr val="accent1"/>
                 </a:solidFill>
@@ -23840,7 +23840,7 @@
           </a:ln>
           <a:extLst>
             <a:ext uri="{909E8E84-426E-40dd-AFC4-6F175D3DCCD1}">
-              <a14:hiddenFill xmlns:a14="http://schemas.microsoft.com/office/drawing/2010/main" xmlns="">
+              <a14:hiddenFill xmlns="" xmlns:a14="http://schemas.microsoft.com/office/drawing/2010/main">
                 <a:solidFill>
                   <a:schemeClr val="accent1"/>
                 </a:solidFill>
@@ -23895,14 +23895,14 @@
           </a:ln>
           <a:extLst>
             <a:ext uri="{909E8E84-426E-40dd-AFC4-6F175D3DCCD1}">
-              <a14:hiddenFill xmlns:a14="http://schemas.microsoft.com/office/drawing/2010/main" xmlns="">
+              <a14:hiddenFill xmlns="" xmlns:a14="http://schemas.microsoft.com/office/drawing/2010/main">
                 <a:solidFill>
                   <a:schemeClr val="accent1"/>
                 </a:solidFill>
               </a14:hiddenFill>
             </a:ext>
             <a:ext uri="{91240B29-F687-4f45-9708-019B960494DF}">
-              <a14:hiddenLine xmlns:a14="http://schemas.microsoft.com/office/drawing/2010/main" xmlns="" w="9525">
+              <a14:hiddenLine xmlns="" xmlns:a14="http://schemas.microsoft.com/office/drawing/2010/main" w="9525">
                 <a:solidFill>
                   <a:schemeClr val="tx1"/>
                 </a:solidFill>
@@ -23948,14 +23948,14 @@
           </a:ln>
           <a:extLst>
             <a:ext uri="{909E8E84-426E-40dd-AFC4-6F175D3DCCD1}">
-              <a14:hiddenFill xmlns:a14="http://schemas.microsoft.com/office/drawing/2010/main" xmlns="">
+              <a14:hiddenFill xmlns="" xmlns:a14="http://schemas.microsoft.com/office/drawing/2010/main">
                 <a:solidFill>
                   <a:schemeClr val="accent1"/>
                 </a:solidFill>
               </a14:hiddenFill>
             </a:ext>
             <a:ext uri="{91240B29-F687-4f45-9708-019B960494DF}">
-              <a14:hiddenLine xmlns:a14="http://schemas.microsoft.com/office/drawing/2010/main" xmlns="" w="9525">
+              <a14:hiddenLine xmlns="" xmlns:a14="http://schemas.microsoft.com/office/drawing/2010/main" w="9525">
                 <a:solidFill>
                   <a:schemeClr val="tx1"/>
                 </a:solidFill>
@@ -24001,14 +24001,14 @@
           </a:ln>
           <a:extLst>
             <a:ext uri="{909E8E84-426E-40dd-AFC4-6F175D3DCCD1}">
-              <a14:hiddenFill xmlns:a14="http://schemas.microsoft.com/office/drawing/2010/main" xmlns="">
+              <a14:hiddenFill xmlns="" xmlns:a14="http://schemas.microsoft.com/office/drawing/2010/main">
                 <a:solidFill>
                   <a:schemeClr val="accent1"/>
                 </a:solidFill>
               </a14:hiddenFill>
             </a:ext>
             <a:ext uri="{91240B29-F687-4f45-9708-019B960494DF}">
-              <a14:hiddenLine xmlns:a14="http://schemas.microsoft.com/office/drawing/2010/main" xmlns="" w="9525">
+              <a14:hiddenLine xmlns="" xmlns:a14="http://schemas.microsoft.com/office/drawing/2010/main" w="9525">
                 <a:solidFill>
                   <a:schemeClr val="tx1"/>
                 </a:solidFill>
@@ -24054,14 +24054,14 @@
           </a:ln>
           <a:extLst>
             <a:ext uri="{909E8E84-426E-40dd-AFC4-6F175D3DCCD1}">
-              <a14:hiddenFill xmlns:a14="http://schemas.microsoft.com/office/drawing/2010/main" xmlns="">
+              <a14:hiddenFill xmlns="" xmlns:a14="http://schemas.microsoft.com/office/drawing/2010/main">
                 <a:solidFill>
                   <a:schemeClr val="accent1"/>
                 </a:solidFill>
               </a14:hiddenFill>
             </a:ext>
             <a:ext uri="{91240B29-F687-4f45-9708-019B960494DF}">
-              <a14:hiddenLine xmlns:a14="http://schemas.microsoft.com/office/drawing/2010/main" xmlns="" w="9525">
+              <a14:hiddenLine xmlns="" xmlns:a14="http://schemas.microsoft.com/office/drawing/2010/main" w="9525">
                 <a:solidFill>
                   <a:schemeClr val="tx1"/>
                 </a:solidFill>
@@ -24107,14 +24107,14 @@
           </a:ln>
           <a:extLst>
             <a:ext uri="{909E8E84-426E-40dd-AFC4-6F175D3DCCD1}">
-              <a14:hiddenFill xmlns:a14="http://schemas.microsoft.com/office/drawing/2010/main" xmlns="">
+              <a14:hiddenFill xmlns="" xmlns:a14="http://schemas.microsoft.com/office/drawing/2010/main">
                 <a:solidFill>
                   <a:schemeClr val="accent1"/>
                 </a:solidFill>
               </a14:hiddenFill>
             </a:ext>
             <a:ext uri="{91240B29-F687-4f45-9708-019B960494DF}">
-              <a14:hiddenLine xmlns:a14="http://schemas.microsoft.com/office/drawing/2010/main" xmlns="" w="9525">
+              <a14:hiddenLine xmlns="" xmlns:a14="http://schemas.microsoft.com/office/drawing/2010/main" w="9525">
                 <a:solidFill>
                   <a:schemeClr val="tx1"/>
                 </a:solidFill>
@@ -24167,7 +24167,7 @@
           </a:ln>
           <a:extLst>
             <a:ext uri="{909E8E84-426E-40dd-AFC4-6F175D3DCCD1}">
-              <a14:hiddenFill xmlns:a14="http://schemas.microsoft.com/office/drawing/2010/main" xmlns="">
+              <a14:hiddenFill xmlns="" xmlns:a14="http://schemas.microsoft.com/office/drawing/2010/main">
                 <a:noFill/>
               </a14:hiddenFill>
             </a:ext>
@@ -24203,7 +24203,7 @@
           </a:ln>
           <a:extLst>
             <a:ext uri="{909E8E84-426E-40dd-AFC4-6F175D3DCCD1}">
-              <a14:hiddenFill xmlns:a14="http://schemas.microsoft.com/office/drawing/2010/main" xmlns="">
+              <a14:hiddenFill xmlns="" xmlns:a14="http://schemas.microsoft.com/office/drawing/2010/main">
                 <a:noFill/>
               </a14:hiddenFill>
             </a:ext>
@@ -24239,7 +24239,7 @@
           </a:ln>
           <a:extLst>
             <a:ext uri="{909E8E84-426E-40dd-AFC4-6F175D3DCCD1}">
-              <a14:hiddenFill xmlns:a14="http://schemas.microsoft.com/office/drawing/2010/main" xmlns="">
+              <a14:hiddenFill xmlns="" xmlns:a14="http://schemas.microsoft.com/office/drawing/2010/main">
                 <a:noFill/>
               </a14:hiddenFill>
             </a:ext>
@@ -24275,7 +24275,7 @@
           </a:ln>
           <a:extLst>
             <a:ext uri="{909E8E84-426E-40dd-AFC4-6F175D3DCCD1}">
-              <a14:hiddenFill xmlns:a14="http://schemas.microsoft.com/office/drawing/2010/main" xmlns="">
+              <a14:hiddenFill xmlns="" xmlns:a14="http://schemas.microsoft.com/office/drawing/2010/main">
                 <a:noFill/>
               </a14:hiddenFill>
             </a:ext>
@@ -24304,14 +24304,14 @@
           </a:ln>
           <a:extLst>
             <a:ext uri="{909E8E84-426E-40dd-AFC4-6F175D3DCCD1}">
-              <a14:hiddenFill xmlns:a14="http://schemas.microsoft.com/office/drawing/2010/main" xmlns="">
+              <a14:hiddenFill xmlns="" xmlns:a14="http://schemas.microsoft.com/office/drawing/2010/main">
                 <a:solidFill>
                   <a:schemeClr val="accent1"/>
                 </a:solidFill>
               </a14:hiddenFill>
             </a:ext>
             <a:ext uri="{91240B29-F687-4f45-9708-019B960494DF}">
-              <a14:hiddenLine xmlns:a14="http://schemas.microsoft.com/office/drawing/2010/main" xmlns="" w="9525">
+              <a14:hiddenLine xmlns="" xmlns:a14="http://schemas.microsoft.com/office/drawing/2010/main" w="9525">
                 <a:solidFill>
                   <a:schemeClr val="tx1"/>
                 </a:solidFill>
@@ -24357,14 +24357,14 @@
           </a:ln>
           <a:extLst>
             <a:ext uri="{909E8E84-426E-40dd-AFC4-6F175D3DCCD1}">
-              <a14:hiddenFill xmlns:a14="http://schemas.microsoft.com/office/drawing/2010/main" xmlns="">
+              <a14:hiddenFill xmlns="" xmlns:a14="http://schemas.microsoft.com/office/drawing/2010/main">
                 <a:solidFill>
                   <a:schemeClr val="accent1"/>
                 </a:solidFill>
               </a14:hiddenFill>
             </a:ext>
             <a:ext uri="{91240B29-F687-4f45-9708-019B960494DF}">
-              <a14:hiddenLine xmlns:a14="http://schemas.microsoft.com/office/drawing/2010/main" xmlns="" w="9525">
+              <a14:hiddenLine xmlns="" xmlns:a14="http://schemas.microsoft.com/office/drawing/2010/main" w="9525">
                 <a:solidFill>
                   <a:schemeClr val="tx1"/>
                 </a:solidFill>
@@ -24417,7 +24417,7 @@
           </a:ln>
           <a:extLst>
             <a:ext uri="{909E8E84-426E-40dd-AFC4-6F175D3DCCD1}">
-              <a14:hiddenFill xmlns:a14="http://schemas.microsoft.com/office/drawing/2010/main" xmlns="">
+              <a14:hiddenFill xmlns="" xmlns:a14="http://schemas.microsoft.com/office/drawing/2010/main">
                 <a:noFill/>
               </a14:hiddenFill>
             </a:ext>
@@ -24453,7 +24453,7 @@
           </a:ln>
           <a:extLst>
             <a:ext uri="{909E8E84-426E-40dd-AFC4-6F175D3DCCD1}">
-              <a14:hiddenFill xmlns:a14="http://schemas.microsoft.com/office/drawing/2010/main" xmlns="">
+              <a14:hiddenFill xmlns="" xmlns:a14="http://schemas.microsoft.com/office/drawing/2010/main">
                 <a:noFill/>
               </a14:hiddenFill>
             </a:ext>
@@ -24482,14 +24482,14 @@
           </a:ln>
           <a:extLst>
             <a:ext uri="{909E8E84-426E-40dd-AFC4-6F175D3DCCD1}">
-              <a14:hiddenFill xmlns:a14="http://schemas.microsoft.com/office/drawing/2010/main" xmlns="">
+              <a14:hiddenFill xmlns="" xmlns:a14="http://schemas.microsoft.com/office/drawing/2010/main">
                 <a:solidFill>
                   <a:schemeClr val="accent1"/>
                 </a:solidFill>
               </a14:hiddenFill>
             </a:ext>
             <a:ext uri="{91240B29-F687-4f45-9708-019B960494DF}">
-              <a14:hiddenLine xmlns:a14="http://schemas.microsoft.com/office/drawing/2010/main" xmlns="" w="9525">
+              <a14:hiddenLine xmlns="" xmlns:a14="http://schemas.microsoft.com/office/drawing/2010/main" w="9525">
                 <a:solidFill>
                   <a:schemeClr val="tx1"/>
                 </a:solidFill>
@@ -24542,14 +24542,14 @@
           </a:ln>
           <a:extLst>
             <a:ext uri="{909E8E84-426E-40dd-AFC4-6F175D3DCCD1}">
-              <a14:hiddenFill xmlns:a14="http://schemas.microsoft.com/office/drawing/2010/main" xmlns="">
+              <a14:hiddenFill xmlns="" xmlns:a14="http://schemas.microsoft.com/office/drawing/2010/main">
                 <a:solidFill>
                   <a:schemeClr val="accent1"/>
                 </a:solidFill>
               </a14:hiddenFill>
             </a:ext>
             <a:ext uri="{91240B29-F687-4f45-9708-019B960494DF}">
-              <a14:hiddenLine xmlns:a14="http://schemas.microsoft.com/office/drawing/2010/main" xmlns="" w="9525">
+              <a14:hiddenLine xmlns="" xmlns:a14="http://schemas.microsoft.com/office/drawing/2010/main" w="9525">
                 <a:solidFill>
                   <a:schemeClr val="tx1"/>
                 </a:solidFill>
@@ -24600,7 +24600,7 @@
           </a:ln>
           <a:extLst>
             <a:ext uri="{909E8E84-426E-40dd-AFC4-6F175D3DCCD1}">
-              <a14:hiddenFill xmlns:a14="http://schemas.microsoft.com/office/drawing/2010/main" xmlns="">
+              <a14:hiddenFill xmlns="" xmlns:a14="http://schemas.microsoft.com/office/drawing/2010/main">
                 <a:noFill/>
               </a14:hiddenFill>
             </a:ext>
@@ -24720,7 +24720,7 @@
           </a:ln>
           <a:extLst>
             <a:ext uri="{909E8E84-426E-40dd-AFC4-6F175D3DCCD1}">
-              <a14:hiddenFill xmlns:a14="http://schemas.microsoft.com/office/drawing/2010/main" xmlns="">
+              <a14:hiddenFill xmlns="" xmlns:a14="http://schemas.microsoft.com/office/drawing/2010/main">
                 <a:solidFill>
                   <a:schemeClr val="accent1"/>
                 </a:solidFill>
@@ -24775,14 +24775,14 @@
           </a:ln>
           <a:extLst>
             <a:ext uri="{909E8E84-426E-40dd-AFC4-6F175D3DCCD1}">
-              <a14:hiddenFill xmlns:a14="http://schemas.microsoft.com/office/drawing/2010/main" xmlns="">
+              <a14:hiddenFill xmlns="" xmlns:a14="http://schemas.microsoft.com/office/drawing/2010/main">
                 <a:solidFill>
                   <a:schemeClr val="accent1"/>
                 </a:solidFill>
               </a14:hiddenFill>
             </a:ext>
             <a:ext uri="{91240B29-F687-4f45-9708-019B960494DF}">
-              <a14:hiddenLine xmlns:a14="http://schemas.microsoft.com/office/drawing/2010/main" xmlns="" w="9525">
+              <a14:hiddenLine xmlns="" xmlns:a14="http://schemas.microsoft.com/office/drawing/2010/main" w="9525">
                 <a:solidFill>
                   <a:schemeClr val="tx1"/>
                 </a:solidFill>
@@ -24828,14 +24828,14 @@
           </a:ln>
           <a:extLst>
             <a:ext uri="{909E8E84-426E-40dd-AFC4-6F175D3DCCD1}">
-              <a14:hiddenFill xmlns:a14="http://schemas.microsoft.com/office/drawing/2010/main" xmlns="">
+              <a14:hiddenFill xmlns="" xmlns:a14="http://schemas.microsoft.com/office/drawing/2010/main">
                 <a:solidFill>
                   <a:schemeClr val="accent1"/>
                 </a:solidFill>
               </a14:hiddenFill>
             </a:ext>
             <a:ext uri="{91240B29-F687-4f45-9708-019B960494DF}">
-              <a14:hiddenLine xmlns:a14="http://schemas.microsoft.com/office/drawing/2010/main" xmlns="" w="9525">
+              <a14:hiddenLine xmlns="" xmlns:a14="http://schemas.microsoft.com/office/drawing/2010/main" w="9525">
                 <a:solidFill>
                   <a:schemeClr val="tx1"/>
                 </a:solidFill>
@@ -24881,14 +24881,14 @@
           </a:ln>
           <a:extLst>
             <a:ext uri="{909E8E84-426E-40dd-AFC4-6F175D3DCCD1}">
-              <a14:hiddenFill xmlns:a14="http://schemas.microsoft.com/office/drawing/2010/main" xmlns="">
+              <a14:hiddenFill xmlns="" xmlns:a14="http://schemas.microsoft.com/office/drawing/2010/main">
                 <a:solidFill>
                   <a:schemeClr val="accent1"/>
                 </a:solidFill>
               </a14:hiddenFill>
             </a:ext>
             <a:ext uri="{91240B29-F687-4f45-9708-019B960494DF}">
-              <a14:hiddenLine xmlns:a14="http://schemas.microsoft.com/office/drawing/2010/main" xmlns="" w="9525">
+              <a14:hiddenLine xmlns="" xmlns:a14="http://schemas.microsoft.com/office/drawing/2010/main" w="9525">
                 <a:solidFill>
                   <a:schemeClr val="tx1"/>
                 </a:solidFill>
@@ -24934,14 +24934,14 @@
           </a:ln>
           <a:extLst>
             <a:ext uri="{909E8E84-426E-40dd-AFC4-6F175D3DCCD1}">
-              <a14:hiddenFill xmlns:a14="http://schemas.microsoft.com/office/drawing/2010/main" xmlns="">
+              <a14:hiddenFill xmlns="" xmlns:a14="http://schemas.microsoft.com/office/drawing/2010/main">
                 <a:solidFill>
                   <a:schemeClr val="accent1"/>
                 </a:solidFill>
               </a14:hiddenFill>
             </a:ext>
             <a:ext uri="{91240B29-F687-4f45-9708-019B960494DF}">
-              <a14:hiddenLine xmlns:a14="http://schemas.microsoft.com/office/drawing/2010/main" xmlns="" w="9525">
+              <a14:hiddenLine xmlns="" xmlns:a14="http://schemas.microsoft.com/office/drawing/2010/main" w="9525">
                 <a:solidFill>
                   <a:schemeClr val="tx1"/>
                 </a:solidFill>
@@ -24987,14 +24987,14 @@
           </a:ln>
           <a:extLst>
             <a:ext uri="{909E8E84-426E-40dd-AFC4-6F175D3DCCD1}">
-              <a14:hiddenFill xmlns:a14="http://schemas.microsoft.com/office/drawing/2010/main" xmlns="">
+              <a14:hiddenFill xmlns="" xmlns:a14="http://schemas.microsoft.com/office/drawing/2010/main">
                 <a:solidFill>
                   <a:schemeClr val="accent1"/>
                 </a:solidFill>
               </a14:hiddenFill>
             </a:ext>
             <a:ext uri="{91240B29-F687-4f45-9708-019B960494DF}">
-              <a14:hiddenLine xmlns:a14="http://schemas.microsoft.com/office/drawing/2010/main" xmlns="" w="9525">
+              <a14:hiddenLine xmlns="" xmlns:a14="http://schemas.microsoft.com/office/drawing/2010/main" w="9525">
                 <a:solidFill>
                   <a:schemeClr val="tx1"/>
                 </a:solidFill>
@@ -25047,7 +25047,7 @@
           </a:ln>
           <a:extLst>
             <a:ext uri="{909E8E84-426E-40dd-AFC4-6F175D3DCCD1}">
-              <a14:hiddenFill xmlns:a14="http://schemas.microsoft.com/office/drawing/2010/main" xmlns="">
+              <a14:hiddenFill xmlns="" xmlns:a14="http://schemas.microsoft.com/office/drawing/2010/main">
                 <a:noFill/>
               </a14:hiddenFill>
             </a:ext>
@@ -25083,7 +25083,7 @@
           </a:ln>
           <a:extLst>
             <a:ext uri="{909E8E84-426E-40dd-AFC4-6F175D3DCCD1}">
-              <a14:hiddenFill xmlns:a14="http://schemas.microsoft.com/office/drawing/2010/main" xmlns="">
+              <a14:hiddenFill xmlns="" xmlns:a14="http://schemas.microsoft.com/office/drawing/2010/main">
                 <a:noFill/>
               </a14:hiddenFill>
             </a:ext>
@@ -25119,7 +25119,7 @@
           </a:ln>
           <a:extLst>
             <a:ext uri="{909E8E84-426E-40dd-AFC4-6F175D3DCCD1}">
-              <a14:hiddenFill xmlns:a14="http://schemas.microsoft.com/office/drawing/2010/main" xmlns="">
+              <a14:hiddenFill xmlns="" xmlns:a14="http://schemas.microsoft.com/office/drawing/2010/main">
                 <a:noFill/>
               </a14:hiddenFill>
             </a:ext>
@@ -25155,7 +25155,7 @@
           </a:ln>
           <a:extLst>
             <a:ext uri="{909E8E84-426E-40dd-AFC4-6F175D3DCCD1}">
-              <a14:hiddenFill xmlns:a14="http://schemas.microsoft.com/office/drawing/2010/main" xmlns="">
+              <a14:hiddenFill xmlns="" xmlns:a14="http://schemas.microsoft.com/office/drawing/2010/main">
                 <a:noFill/>
               </a14:hiddenFill>
             </a:ext>
@@ -25184,14 +25184,14 @@
           </a:ln>
           <a:extLst>
             <a:ext uri="{909E8E84-426E-40dd-AFC4-6F175D3DCCD1}">
-              <a14:hiddenFill xmlns:a14="http://schemas.microsoft.com/office/drawing/2010/main" xmlns="">
+              <a14:hiddenFill xmlns="" xmlns:a14="http://schemas.microsoft.com/office/drawing/2010/main">
                 <a:solidFill>
                   <a:schemeClr val="accent1"/>
                 </a:solidFill>
               </a14:hiddenFill>
             </a:ext>
             <a:ext uri="{91240B29-F687-4f45-9708-019B960494DF}">
-              <a14:hiddenLine xmlns:a14="http://schemas.microsoft.com/office/drawing/2010/main" xmlns="" w="9525">
+              <a14:hiddenLine xmlns="" xmlns:a14="http://schemas.microsoft.com/office/drawing/2010/main" w="9525">
                 <a:solidFill>
                   <a:schemeClr val="tx1"/>
                 </a:solidFill>
@@ -25237,14 +25237,14 @@
           </a:ln>
           <a:extLst>
             <a:ext uri="{909E8E84-426E-40dd-AFC4-6F175D3DCCD1}">
-              <a14:hiddenFill xmlns:a14="http://schemas.microsoft.com/office/drawing/2010/main" xmlns="">
+              <a14:hiddenFill xmlns="" xmlns:a14="http://schemas.microsoft.com/office/drawing/2010/main">
                 <a:solidFill>
                   <a:schemeClr val="accent1"/>
                 </a:solidFill>
               </a14:hiddenFill>
             </a:ext>
             <a:ext uri="{91240B29-F687-4f45-9708-019B960494DF}">
-              <a14:hiddenLine xmlns:a14="http://schemas.microsoft.com/office/drawing/2010/main" xmlns="" w="9525">
+              <a14:hiddenLine xmlns="" xmlns:a14="http://schemas.microsoft.com/office/drawing/2010/main" w="9525">
                 <a:solidFill>
                   <a:schemeClr val="tx1"/>
                 </a:solidFill>
@@ -25297,7 +25297,7 @@
           </a:ln>
           <a:extLst>
             <a:ext uri="{909E8E84-426E-40dd-AFC4-6F175D3DCCD1}">
-              <a14:hiddenFill xmlns:a14="http://schemas.microsoft.com/office/drawing/2010/main" xmlns="">
+              <a14:hiddenFill xmlns="" xmlns:a14="http://schemas.microsoft.com/office/drawing/2010/main">
                 <a:noFill/>
               </a14:hiddenFill>
             </a:ext>
@@ -25333,7 +25333,7 @@
           </a:ln>
           <a:extLst>
             <a:ext uri="{909E8E84-426E-40dd-AFC4-6F175D3DCCD1}">
-              <a14:hiddenFill xmlns:a14="http://schemas.microsoft.com/office/drawing/2010/main" xmlns="">
+              <a14:hiddenFill xmlns="" xmlns:a14="http://schemas.microsoft.com/office/drawing/2010/main">
                 <a:noFill/>
               </a14:hiddenFill>
             </a:ext>
@@ -25362,14 +25362,14 @@
           </a:ln>
           <a:extLst>
             <a:ext uri="{909E8E84-426E-40dd-AFC4-6F175D3DCCD1}">
-              <a14:hiddenFill xmlns:a14="http://schemas.microsoft.com/office/drawing/2010/main" xmlns="">
+              <a14:hiddenFill xmlns="" xmlns:a14="http://schemas.microsoft.com/office/drawing/2010/main">
                 <a:solidFill>
                   <a:schemeClr val="accent1"/>
                 </a:solidFill>
               </a14:hiddenFill>
             </a:ext>
             <a:ext uri="{91240B29-F687-4f45-9708-019B960494DF}">
-              <a14:hiddenLine xmlns:a14="http://schemas.microsoft.com/office/drawing/2010/main" xmlns="" w="9525">
+              <a14:hiddenLine xmlns="" xmlns:a14="http://schemas.microsoft.com/office/drawing/2010/main" w="9525">
                 <a:solidFill>
                   <a:schemeClr val="tx1"/>
                 </a:solidFill>
@@ -25422,14 +25422,14 @@
           </a:ln>
           <a:extLst>
             <a:ext uri="{909E8E84-426E-40dd-AFC4-6F175D3DCCD1}">
-              <a14:hiddenFill xmlns:a14="http://schemas.microsoft.com/office/drawing/2010/main" xmlns="">
+              <a14:hiddenFill xmlns="" xmlns:a14="http://schemas.microsoft.com/office/drawing/2010/main">
                 <a:solidFill>
                   <a:schemeClr val="accent1"/>
                 </a:solidFill>
               </a14:hiddenFill>
             </a:ext>
             <a:ext uri="{91240B29-F687-4f45-9708-019B960494DF}">
-              <a14:hiddenLine xmlns:a14="http://schemas.microsoft.com/office/drawing/2010/main" xmlns="" w="9525">
+              <a14:hiddenLine xmlns="" xmlns:a14="http://schemas.microsoft.com/office/drawing/2010/main" w="9525">
                 <a:solidFill>
                   <a:schemeClr val="tx1"/>
                 </a:solidFill>
@@ -25559,7 +25559,7 @@
           </a:ln>
           <a:extLst>
             <a:ext uri="{909E8E84-426E-40dd-AFC4-6F175D3DCCD1}">
-              <a14:hiddenFill xmlns:a14="http://schemas.microsoft.com/office/drawing/2010/main" xmlns="">
+              <a14:hiddenFill xmlns="" xmlns:a14="http://schemas.microsoft.com/office/drawing/2010/main">
                 <a:solidFill>
                   <a:schemeClr val="accent1"/>
                 </a:solidFill>
@@ -25614,14 +25614,14 @@
           </a:ln>
           <a:extLst>
             <a:ext uri="{909E8E84-426E-40dd-AFC4-6F175D3DCCD1}">
-              <a14:hiddenFill xmlns:a14="http://schemas.microsoft.com/office/drawing/2010/main" xmlns="">
+              <a14:hiddenFill xmlns="" xmlns:a14="http://schemas.microsoft.com/office/drawing/2010/main">
                 <a:solidFill>
                   <a:schemeClr val="accent1"/>
                 </a:solidFill>
               </a14:hiddenFill>
             </a:ext>
             <a:ext uri="{91240B29-F687-4f45-9708-019B960494DF}">
-              <a14:hiddenLine xmlns:a14="http://schemas.microsoft.com/office/drawing/2010/main" xmlns="" w="9525">
+              <a14:hiddenLine xmlns="" xmlns:a14="http://schemas.microsoft.com/office/drawing/2010/main" w="9525">
                 <a:solidFill>
                   <a:schemeClr val="tx1"/>
                 </a:solidFill>
@@ -25667,14 +25667,14 @@
           </a:ln>
           <a:extLst>
             <a:ext uri="{909E8E84-426E-40dd-AFC4-6F175D3DCCD1}">
-              <a14:hiddenFill xmlns:a14="http://schemas.microsoft.com/office/drawing/2010/main" xmlns="">
+              <a14:hiddenFill xmlns="" xmlns:a14="http://schemas.microsoft.com/office/drawing/2010/main">
                 <a:solidFill>
                   <a:schemeClr val="accent1"/>
                 </a:solidFill>
               </a14:hiddenFill>
             </a:ext>
             <a:ext uri="{91240B29-F687-4f45-9708-019B960494DF}">
-              <a14:hiddenLine xmlns:a14="http://schemas.microsoft.com/office/drawing/2010/main" xmlns="" w="9525">
+              <a14:hiddenLine xmlns="" xmlns:a14="http://schemas.microsoft.com/office/drawing/2010/main" w="9525">
                 <a:solidFill>
                   <a:schemeClr val="tx1"/>
                 </a:solidFill>
@@ -25720,14 +25720,14 @@
           </a:ln>
           <a:extLst>
             <a:ext uri="{909E8E84-426E-40dd-AFC4-6F175D3DCCD1}">
-              <a14:hiddenFill xmlns:a14="http://schemas.microsoft.com/office/drawing/2010/main" xmlns="">
+              <a14:hiddenFill xmlns="" xmlns:a14="http://schemas.microsoft.com/office/drawing/2010/main">
                 <a:solidFill>
                   <a:schemeClr val="accent1"/>
                 </a:solidFill>
               </a14:hiddenFill>
             </a:ext>
             <a:ext uri="{91240B29-F687-4f45-9708-019B960494DF}">
-              <a14:hiddenLine xmlns:a14="http://schemas.microsoft.com/office/drawing/2010/main" xmlns="" w="9525">
+              <a14:hiddenLine xmlns="" xmlns:a14="http://schemas.microsoft.com/office/drawing/2010/main" w="9525">
                 <a:solidFill>
                   <a:schemeClr val="tx1"/>
                 </a:solidFill>
@@ -25773,14 +25773,14 @@
           </a:ln>
           <a:extLst>
             <a:ext uri="{909E8E84-426E-40dd-AFC4-6F175D3DCCD1}">
-              <a14:hiddenFill xmlns:a14="http://schemas.microsoft.com/office/drawing/2010/main" xmlns="">
+              <a14:hiddenFill xmlns="" xmlns:a14="http://schemas.microsoft.com/office/drawing/2010/main">
                 <a:solidFill>
                   <a:schemeClr val="accent1"/>
                 </a:solidFill>
               </a14:hiddenFill>
             </a:ext>
             <a:ext uri="{91240B29-F687-4f45-9708-019B960494DF}">
-              <a14:hiddenLine xmlns:a14="http://schemas.microsoft.com/office/drawing/2010/main" xmlns="" w="9525">
+              <a14:hiddenLine xmlns="" xmlns:a14="http://schemas.microsoft.com/office/drawing/2010/main" w="9525">
                 <a:solidFill>
                   <a:schemeClr val="tx1"/>
                 </a:solidFill>
@@ -25826,14 +25826,14 @@
           </a:ln>
           <a:extLst>
             <a:ext uri="{909E8E84-426E-40dd-AFC4-6F175D3DCCD1}">
-              <a14:hiddenFill xmlns:a14="http://schemas.microsoft.com/office/drawing/2010/main" xmlns="">
+              <a14:hiddenFill xmlns="" xmlns:a14="http://schemas.microsoft.com/office/drawing/2010/main">
                 <a:solidFill>
                   <a:schemeClr val="accent1"/>
                 </a:solidFill>
               </a14:hiddenFill>
             </a:ext>
             <a:ext uri="{91240B29-F687-4f45-9708-019B960494DF}">
-              <a14:hiddenLine xmlns:a14="http://schemas.microsoft.com/office/drawing/2010/main" xmlns="" w="9525">
+              <a14:hiddenLine xmlns="" xmlns:a14="http://schemas.microsoft.com/office/drawing/2010/main" w="9525">
                 <a:solidFill>
                   <a:schemeClr val="tx1"/>
                 </a:solidFill>
@@ -25886,7 +25886,7 @@
           </a:ln>
           <a:extLst>
             <a:ext uri="{909E8E84-426E-40dd-AFC4-6F175D3DCCD1}">
-              <a14:hiddenFill xmlns:a14="http://schemas.microsoft.com/office/drawing/2010/main" xmlns="">
+              <a14:hiddenFill xmlns="" xmlns:a14="http://schemas.microsoft.com/office/drawing/2010/main">
                 <a:noFill/>
               </a14:hiddenFill>
             </a:ext>
@@ -25922,7 +25922,7 @@
           </a:ln>
           <a:extLst>
             <a:ext uri="{909E8E84-426E-40dd-AFC4-6F175D3DCCD1}">
-              <a14:hiddenFill xmlns:a14="http://schemas.microsoft.com/office/drawing/2010/main" xmlns="">
+              <a14:hiddenFill xmlns="" xmlns:a14="http://schemas.microsoft.com/office/drawing/2010/main">
                 <a:noFill/>
               </a14:hiddenFill>
             </a:ext>
@@ -25958,7 +25958,7 @@
           </a:ln>
           <a:extLst>
             <a:ext uri="{909E8E84-426E-40dd-AFC4-6F175D3DCCD1}">
-              <a14:hiddenFill xmlns:a14="http://schemas.microsoft.com/office/drawing/2010/main" xmlns="">
+              <a14:hiddenFill xmlns="" xmlns:a14="http://schemas.microsoft.com/office/drawing/2010/main">
                 <a:noFill/>
               </a14:hiddenFill>
             </a:ext>
@@ -25994,7 +25994,7 @@
           </a:ln>
           <a:extLst>
             <a:ext uri="{909E8E84-426E-40dd-AFC4-6F175D3DCCD1}">
-              <a14:hiddenFill xmlns:a14="http://schemas.microsoft.com/office/drawing/2010/main" xmlns="">
+              <a14:hiddenFill xmlns="" xmlns:a14="http://schemas.microsoft.com/office/drawing/2010/main">
                 <a:noFill/>
               </a14:hiddenFill>
             </a:ext>
@@ -26023,14 +26023,14 @@
           </a:ln>
           <a:extLst>
             <a:ext uri="{909E8E84-426E-40dd-AFC4-6F175D3DCCD1}">
-              <a14:hiddenFill xmlns:a14="http://schemas.microsoft.com/office/drawing/2010/main" xmlns="">
+              <a14:hiddenFill xmlns="" xmlns:a14="http://schemas.microsoft.com/office/drawing/2010/main">
                 <a:solidFill>
                   <a:schemeClr val="accent1"/>
                 </a:solidFill>
               </a14:hiddenFill>
             </a:ext>
             <a:ext uri="{91240B29-F687-4f45-9708-019B960494DF}">
-              <a14:hiddenLine xmlns:a14="http://schemas.microsoft.com/office/drawing/2010/main" xmlns="" w="9525">
+              <a14:hiddenLine xmlns="" xmlns:a14="http://schemas.microsoft.com/office/drawing/2010/main" w="9525">
                 <a:solidFill>
                   <a:schemeClr val="tx1"/>
                 </a:solidFill>
@@ -26076,14 +26076,14 @@
           </a:ln>
           <a:extLst>
             <a:ext uri="{909E8E84-426E-40dd-AFC4-6F175D3DCCD1}">
-              <a14:hiddenFill xmlns:a14="http://schemas.microsoft.com/office/drawing/2010/main" xmlns="">
+              <a14:hiddenFill xmlns="" xmlns:a14="http://schemas.microsoft.com/office/drawing/2010/main">
                 <a:solidFill>
                   <a:schemeClr val="accent1"/>
                 </a:solidFill>
               </a14:hiddenFill>
             </a:ext>
             <a:ext uri="{91240B29-F687-4f45-9708-019B960494DF}">
-              <a14:hiddenLine xmlns:a14="http://schemas.microsoft.com/office/drawing/2010/main" xmlns="" w="9525">
+              <a14:hiddenLine xmlns="" xmlns:a14="http://schemas.microsoft.com/office/drawing/2010/main" w="9525">
                 <a:solidFill>
                   <a:schemeClr val="tx1"/>
                 </a:solidFill>
@@ -26136,7 +26136,7 @@
           </a:ln>
           <a:extLst>
             <a:ext uri="{909E8E84-426E-40dd-AFC4-6F175D3DCCD1}">
-              <a14:hiddenFill xmlns:a14="http://schemas.microsoft.com/office/drawing/2010/main" xmlns="">
+              <a14:hiddenFill xmlns="" xmlns:a14="http://schemas.microsoft.com/office/drawing/2010/main">
                 <a:noFill/>
               </a14:hiddenFill>
             </a:ext>
@@ -26172,7 +26172,7 @@
           </a:ln>
           <a:extLst>
             <a:ext uri="{909E8E84-426E-40dd-AFC4-6F175D3DCCD1}">
-              <a14:hiddenFill xmlns:a14="http://schemas.microsoft.com/office/drawing/2010/main" xmlns="">
+              <a14:hiddenFill xmlns="" xmlns:a14="http://schemas.microsoft.com/office/drawing/2010/main">
                 <a:noFill/>
               </a14:hiddenFill>
             </a:ext>
@@ -26201,14 +26201,14 @@
           </a:ln>
           <a:extLst>
             <a:ext uri="{909E8E84-426E-40dd-AFC4-6F175D3DCCD1}">
-              <a14:hiddenFill xmlns:a14="http://schemas.microsoft.com/office/drawing/2010/main" xmlns="">
+              <a14:hiddenFill xmlns="" xmlns:a14="http://schemas.microsoft.com/office/drawing/2010/main">
                 <a:solidFill>
                   <a:schemeClr val="accent1"/>
                 </a:solidFill>
               </a14:hiddenFill>
             </a:ext>
             <a:ext uri="{91240B29-F687-4f45-9708-019B960494DF}">
-              <a14:hiddenLine xmlns:a14="http://schemas.microsoft.com/office/drawing/2010/main" xmlns="" w="9525">
+              <a14:hiddenLine xmlns="" xmlns:a14="http://schemas.microsoft.com/office/drawing/2010/main" w="9525">
                 <a:solidFill>
                   <a:schemeClr val="tx1"/>
                 </a:solidFill>
@@ -26261,14 +26261,14 @@
           </a:ln>
           <a:extLst>
             <a:ext uri="{909E8E84-426E-40dd-AFC4-6F175D3DCCD1}">
-              <a14:hiddenFill xmlns:a14="http://schemas.microsoft.com/office/drawing/2010/main" xmlns="">
+              <a14:hiddenFill xmlns="" xmlns:a14="http://schemas.microsoft.com/office/drawing/2010/main">
                 <a:solidFill>
                   <a:schemeClr val="accent1"/>
                 </a:solidFill>
               </a14:hiddenFill>
             </a:ext>
             <a:ext uri="{91240B29-F687-4f45-9708-019B960494DF}">
-              <a14:hiddenLine xmlns:a14="http://schemas.microsoft.com/office/drawing/2010/main" xmlns="" w="9525">
+              <a14:hiddenLine xmlns="" xmlns:a14="http://schemas.microsoft.com/office/drawing/2010/main" w="9525">
                 <a:solidFill>
                   <a:schemeClr val="tx1"/>
                 </a:solidFill>
@@ -26314,14 +26314,14 @@
           </a:ln>
           <a:extLst>
             <a:ext uri="{909E8E84-426E-40dd-AFC4-6F175D3DCCD1}">
-              <a14:hiddenFill xmlns:a14="http://schemas.microsoft.com/office/drawing/2010/main" xmlns="">
+              <a14:hiddenFill xmlns="" xmlns:a14="http://schemas.microsoft.com/office/drawing/2010/main">
                 <a:solidFill>
                   <a:schemeClr val="accent1"/>
                 </a:solidFill>
               </a14:hiddenFill>
             </a:ext>
             <a:ext uri="{91240B29-F687-4f45-9708-019B960494DF}">
-              <a14:hiddenLine xmlns:a14="http://schemas.microsoft.com/office/drawing/2010/main" xmlns="" w="9525">
+              <a14:hiddenLine xmlns="" xmlns:a14="http://schemas.microsoft.com/office/drawing/2010/main" w="9525">
                 <a:solidFill>
                   <a:schemeClr val="tx1"/>
                 </a:solidFill>
@@ -26451,7 +26451,7 @@
           </a:ln>
           <a:extLst>
             <a:ext uri="{909E8E84-426E-40dd-AFC4-6F175D3DCCD1}">
-              <a14:hiddenFill xmlns:a14="http://schemas.microsoft.com/office/drawing/2010/main" xmlns="">
+              <a14:hiddenFill xmlns="" xmlns:a14="http://schemas.microsoft.com/office/drawing/2010/main">
                 <a:solidFill>
                   <a:schemeClr val="accent1"/>
                 </a:solidFill>
@@ -26506,14 +26506,14 @@
           </a:ln>
           <a:extLst>
             <a:ext uri="{909E8E84-426E-40dd-AFC4-6F175D3DCCD1}">
-              <a14:hiddenFill xmlns:a14="http://schemas.microsoft.com/office/drawing/2010/main" xmlns="">
+              <a14:hiddenFill xmlns="" xmlns:a14="http://schemas.microsoft.com/office/drawing/2010/main">
                 <a:solidFill>
                   <a:schemeClr val="accent1"/>
                 </a:solidFill>
               </a14:hiddenFill>
             </a:ext>
             <a:ext uri="{91240B29-F687-4f45-9708-019B960494DF}">
-              <a14:hiddenLine xmlns:a14="http://schemas.microsoft.com/office/drawing/2010/main" xmlns="" w="9525">
+              <a14:hiddenLine xmlns="" xmlns:a14="http://schemas.microsoft.com/office/drawing/2010/main" w="9525">
                 <a:solidFill>
                   <a:schemeClr val="tx1"/>
                 </a:solidFill>
@@ -26559,14 +26559,14 @@
           </a:ln>
           <a:extLst>
             <a:ext uri="{909E8E84-426E-40dd-AFC4-6F175D3DCCD1}">
-              <a14:hiddenFill xmlns:a14="http://schemas.microsoft.com/office/drawing/2010/main" xmlns="">
+              <a14:hiddenFill xmlns="" xmlns:a14="http://schemas.microsoft.com/office/drawing/2010/main">
                 <a:solidFill>
                   <a:schemeClr val="accent1"/>
                 </a:solidFill>
               </a14:hiddenFill>
             </a:ext>
             <a:ext uri="{91240B29-F687-4f45-9708-019B960494DF}">
-              <a14:hiddenLine xmlns:a14="http://schemas.microsoft.com/office/drawing/2010/main" xmlns="" w="9525">
+              <a14:hiddenLine xmlns="" xmlns:a14="http://schemas.microsoft.com/office/drawing/2010/main" w="9525">
                 <a:solidFill>
                   <a:schemeClr val="tx1"/>
                 </a:solidFill>
@@ -26612,14 +26612,14 @@
           </a:ln>
           <a:extLst>
             <a:ext uri="{909E8E84-426E-40dd-AFC4-6F175D3DCCD1}">
-              <a14:hiddenFill xmlns:a14="http://schemas.microsoft.com/office/drawing/2010/main" xmlns="">
+              <a14:hiddenFill xmlns="" xmlns:a14="http://schemas.microsoft.com/office/drawing/2010/main">
                 <a:solidFill>
                   <a:schemeClr val="accent1"/>
                 </a:solidFill>
               </a14:hiddenFill>
             </a:ext>
             <a:ext uri="{91240B29-F687-4f45-9708-019B960494DF}">
-              <a14:hiddenLine xmlns:a14="http://schemas.microsoft.com/office/drawing/2010/main" xmlns="" w="9525">
+              <a14:hiddenLine xmlns="" xmlns:a14="http://schemas.microsoft.com/office/drawing/2010/main" w="9525">
                 <a:solidFill>
                   <a:schemeClr val="tx1"/>
                 </a:solidFill>
@@ -26665,14 +26665,14 @@
           </a:ln>
           <a:extLst>
             <a:ext uri="{909E8E84-426E-40dd-AFC4-6F175D3DCCD1}">
-              <a14:hiddenFill xmlns:a14="http://schemas.microsoft.com/office/drawing/2010/main" xmlns="">
+              <a14:hiddenFill xmlns="" xmlns:a14="http://schemas.microsoft.com/office/drawing/2010/main">
                 <a:solidFill>
                   <a:schemeClr val="accent1"/>
                 </a:solidFill>
               </a14:hiddenFill>
             </a:ext>
             <a:ext uri="{91240B29-F687-4f45-9708-019B960494DF}">
-              <a14:hiddenLine xmlns:a14="http://schemas.microsoft.com/office/drawing/2010/main" xmlns="" w="9525">
+              <a14:hiddenLine xmlns="" xmlns:a14="http://schemas.microsoft.com/office/drawing/2010/main" w="9525">
                 <a:solidFill>
                   <a:schemeClr val="tx1"/>
                 </a:solidFill>
@@ -26718,14 +26718,14 @@
           </a:ln>
           <a:extLst>
             <a:ext uri="{909E8E84-426E-40dd-AFC4-6F175D3DCCD1}">
-              <a14:hiddenFill xmlns:a14="http://schemas.microsoft.com/office/drawing/2010/main" xmlns="">
+              <a14:hiddenFill xmlns="" xmlns:a14="http://schemas.microsoft.com/office/drawing/2010/main">
                 <a:solidFill>
                   <a:schemeClr val="accent1"/>
                 </a:solidFill>
               </a14:hiddenFill>
             </a:ext>
             <a:ext uri="{91240B29-F687-4f45-9708-019B960494DF}">
-              <a14:hiddenLine xmlns:a14="http://schemas.microsoft.com/office/drawing/2010/main" xmlns="" w="9525">
+              <a14:hiddenLine xmlns="" xmlns:a14="http://schemas.microsoft.com/office/drawing/2010/main" w="9525">
                 <a:solidFill>
                   <a:schemeClr val="tx1"/>
                 </a:solidFill>
@@ -26778,7 +26778,7 @@
           </a:ln>
           <a:extLst>
             <a:ext uri="{909E8E84-426E-40dd-AFC4-6F175D3DCCD1}">
-              <a14:hiddenFill xmlns:a14="http://schemas.microsoft.com/office/drawing/2010/main" xmlns="">
+              <a14:hiddenFill xmlns="" xmlns:a14="http://schemas.microsoft.com/office/drawing/2010/main">
                 <a:noFill/>
               </a14:hiddenFill>
             </a:ext>
@@ -26814,7 +26814,7 @@
           </a:ln>
           <a:extLst>
             <a:ext uri="{909E8E84-426E-40dd-AFC4-6F175D3DCCD1}">
-              <a14:hiddenFill xmlns:a14="http://schemas.microsoft.com/office/drawing/2010/main" xmlns="">
+              <a14:hiddenFill xmlns="" xmlns:a14="http://schemas.microsoft.com/office/drawing/2010/main">
                 <a:noFill/>
               </a14:hiddenFill>
             </a:ext>
@@ -26850,7 +26850,7 @@
           </a:ln>
           <a:extLst>
             <a:ext uri="{909E8E84-426E-40dd-AFC4-6F175D3DCCD1}">
-              <a14:hiddenFill xmlns:a14="http://schemas.microsoft.com/office/drawing/2010/main" xmlns="">
+              <a14:hiddenFill xmlns="" xmlns:a14="http://schemas.microsoft.com/office/drawing/2010/main">
                 <a:noFill/>
               </a14:hiddenFill>
             </a:ext>
@@ -26886,7 +26886,7 @@
           </a:ln>
           <a:extLst>
             <a:ext uri="{909E8E84-426E-40dd-AFC4-6F175D3DCCD1}">
-              <a14:hiddenFill xmlns:a14="http://schemas.microsoft.com/office/drawing/2010/main" xmlns="">
+              <a14:hiddenFill xmlns="" xmlns:a14="http://schemas.microsoft.com/office/drawing/2010/main">
                 <a:noFill/>
               </a14:hiddenFill>
             </a:ext>
@@ -26915,14 +26915,14 @@
           </a:ln>
           <a:extLst>
             <a:ext uri="{909E8E84-426E-40dd-AFC4-6F175D3DCCD1}">
-              <a14:hiddenFill xmlns:a14="http://schemas.microsoft.com/office/drawing/2010/main" xmlns="">
+              <a14:hiddenFill xmlns="" xmlns:a14="http://schemas.microsoft.com/office/drawing/2010/main">
                 <a:solidFill>
                   <a:schemeClr val="accent1"/>
                 </a:solidFill>
               </a14:hiddenFill>
             </a:ext>
             <a:ext uri="{91240B29-F687-4f45-9708-019B960494DF}">
-              <a14:hiddenLine xmlns:a14="http://schemas.microsoft.com/office/drawing/2010/main" xmlns="" w="9525">
+              <a14:hiddenLine xmlns="" xmlns:a14="http://schemas.microsoft.com/office/drawing/2010/main" w="9525">
                 <a:solidFill>
                   <a:schemeClr val="tx1"/>
                 </a:solidFill>
@@ -26968,14 +26968,14 @@
           </a:ln>
           <a:extLst>
             <a:ext uri="{909E8E84-426E-40dd-AFC4-6F175D3DCCD1}">
-              <a14:hiddenFill xmlns:a14="http://schemas.microsoft.com/office/drawing/2010/main" xmlns="">
+              <a14:hiddenFill xmlns="" xmlns:a14="http://schemas.microsoft.com/office/drawing/2010/main">
                 <a:solidFill>
                   <a:schemeClr val="accent1"/>
                 </a:solidFill>
               </a14:hiddenFill>
             </a:ext>
             <a:ext uri="{91240B29-F687-4f45-9708-019B960494DF}">
-              <a14:hiddenLine xmlns:a14="http://schemas.microsoft.com/office/drawing/2010/main" xmlns="" w="9525">
+              <a14:hiddenLine xmlns="" xmlns:a14="http://schemas.microsoft.com/office/drawing/2010/main" w="9525">
                 <a:solidFill>
                   <a:schemeClr val="tx1"/>
                 </a:solidFill>
@@ -27028,7 +27028,7 @@
           </a:ln>
           <a:extLst>
             <a:ext uri="{909E8E84-426E-40dd-AFC4-6F175D3DCCD1}">
-              <a14:hiddenFill xmlns:a14="http://schemas.microsoft.com/office/drawing/2010/main" xmlns="">
+              <a14:hiddenFill xmlns="" xmlns:a14="http://schemas.microsoft.com/office/drawing/2010/main">
                 <a:noFill/>
               </a14:hiddenFill>
             </a:ext>
@@ -27064,7 +27064,7 @@
           </a:ln>
           <a:extLst>
             <a:ext uri="{909E8E84-426E-40dd-AFC4-6F175D3DCCD1}">
-              <a14:hiddenFill xmlns:a14="http://schemas.microsoft.com/office/drawing/2010/main" xmlns="">
+              <a14:hiddenFill xmlns="" xmlns:a14="http://schemas.microsoft.com/office/drawing/2010/main">
                 <a:noFill/>
               </a14:hiddenFill>
             </a:ext>
@@ -27093,14 +27093,14 @@
           </a:ln>
           <a:extLst>
             <a:ext uri="{909E8E84-426E-40dd-AFC4-6F175D3DCCD1}">
-              <a14:hiddenFill xmlns:a14="http://schemas.microsoft.com/office/drawing/2010/main" xmlns="">
+              <a14:hiddenFill xmlns="" xmlns:a14="http://schemas.microsoft.com/office/drawing/2010/main">
                 <a:solidFill>
                   <a:schemeClr val="accent1"/>
                 </a:solidFill>
               </a14:hiddenFill>
             </a:ext>
             <a:ext uri="{91240B29-F687-4f45-9708-019B960494DF}">
-              <a14:hiddenLine xmlns:a14="http://schemas.microsoft.com/office/drawing/2010/main" xmlns="" w="9525">
+              <a14:hiddenLine xmlns="" xmlns:a14="http://schemas.microsoft.com/office/drawing/2010/main" w="9525">
                 <a:solidFill>
                   <a:schemeClr val="tx1"/>
                 </a:solidFill>
@@ -27153,14 +27153,14 @@
           </a:ln>
           <a:extLst>
             <a:ext uri="{909E8E84-426E-40dd-AFC4-6F175D3DCCD1}">
-              <a14:hiddenFill xmlns:a14="http://schemas.microsoft.com/office/drawing/2010/main" xmlns="">
+              <a14:hiddenFill xmlns="" xmlns:a14="http://schemas.microsoft.com/office/drawing/2010/main">
                 <a:solidFill>
                   <a:schemeClr val="accent1"/>
                 </a:solidFill>
               </a14:hiddenFill>
             </a:ext>
             <a:ext uri="{91240B29-F687-4f45-9708-019B960494DF}">
-              <a14:hiddenLine xmlns:a14="http://schemas.microsoft.com/office/drawing/2010/main" xmlns="" w="9525">
+              <a14:hiddenLine xmlns="" xmlns:a14="http://schemas.microsoft.com/office/drawing/2010/main" w="9525">
                 <a:solidFill>
                   <a:schemeClr val="tx1"/>
                 </a:solidFill>
@@ -27206,14 +27206,14 @@
           </a:ln>
           <a:extLst>
             <a:ext uri="{909E8E84-426E-40dd-AFC4-6F175D3DCCD1}">
-              <a14:hiddenFill xmlns:a14="http://schemas.microsoft.com/office/drawing/2010/main" xmlns="">
+              <a14:hiddenFill xmlns="" xmlns:a14="http://schemas.microsoft.com/office/drawing/2010/main">
                 <a:solidFill>
                   <a:schemeClr val="accent1"/>
                 </a:solidFill>
               </a14:hiddenFill>
             </a:ext>
             <a:ext uri="{91240B29-F687-4f45-9708-019B960494DF}">
-              <a14:hiddenLine xmlns:a14="http://schemas.microsoft.com/office/drawing/2010/main" xmlns="" w="9525">
+              <a14:hiddenLine xmlns="" xmlns:a14="http://schemas.microsoft.com/office/drawing/2010/main" w="9525">
                 <a:solidFill>
                   <a:schemeClr val="tx1"/>
                 </a:solidFill>
@@ -27259,14 +27259,14 @@
           </a:ln>
           <a:extLst>
             <a:ext uri="{909E8E84-426E-40dd-AFC4-6F175D3DCCD1}">
-              <a14:hiddenFill xmlns:a14="http://schemas.microsoft.com/office/drawing/2010/main" xmlns="">
+              <a14:hiddenFill xmlns="" xmlns:a14="http://schemas.microsoft.com/office/drawing/2010/main">
                 <a:solidFill>
                   <a:schemeClr val="accent1"/>
                 </a:solidFill>
               </a14:hiddenFill>
             </a:ext>
             <a:ext uri="{91240B29-F687-4f45-9708-019B960494DF}">
-              <a14:hiddenLine xmlns:a14="http://schemas.microsoft.com/office/drawing/2010/main" xmlns="" w="9525">
+              <a14:hiddenLine xmlns="" xmlns:a14="http://schemas.microsoft.com/office/drawing/2010/main" w="9525">
                 <a:solidFill>
                   <a:schemeClr val="tx1"/>
                 </a:solidFill>
@@ -27312,14 +27312,14 @@
           </a:ln>
           <a:extLst>
             <a:ext uri="{909E8E84-426E-40dd-AFC4-6F175D3DCCD1}">
-              <a14:hiddenFill xmlns:a14="http://schemas.microsoft.com/office/drawing/2010/main" xmlns="">
+              <a14:hiddenFill xmlns="" xmlns:a14="http://schemas.microsoft.com/office/drawing/2010/main">
                 <a:solidFill>
                   <a:schemeClr val="accent1"/>
                 </a:solidFill>
               </a14:hiddenFill>
             </a:ext>
             <a:ext uri="{91240B29-F687-4f45-9708-019B960494DF}">
-              <a14:hiddenLine xmlns:a14="http://schemas.microsoft.com/office/drawing/2010/main" xmlns="" w="9525">
+              <a14:hiddenLine xmlns="" xmlns:a14="http://schemas.microsoft.com/office/drawing/2010/main" w="9525">
                 <a:solidFill>
                   <a:schemeClr val="tx1"/>
                 </a:solidFill>
@@ -27452,7 +27452,7 @@
           </a:ln>
           <a:extLst>
             <a:ext uri="{909E8E84-426E-40dd-AFC4-6F175D3DCCD1}">
-              <a14:hiddenFill xmlns:a14="http://schemas.microsoft.com/office/drawing/2010/main" xmlns="">
+              <a14:hiddenFill xmlns="" xmlns:a14="http://schemas.microsoft.com/office/drawing/2010/main">
                 <a:solidFill>
                   <a:schemeClr val="accent1"/>
                 </a:solidFill>
@@ -27507,14 +27507,14 @@
           </a:ln>
           <a:extLst>
             <a:ext uri="{909E8E84-426E-40dd-AFC4-6F175D3DCCD1}">
-              <a14:hiddenFill xmlns:a14="http://schemas.microsoft.com/office/drawing/2010/main" xmlns="">
+              <a14:hiddenFill xmlns="" xmlns:a14="http://schemas.microsoft.com/office/drawing/2010/main">
                 <a:solidFill>
                   <a:schemeClr val="accent1"/>
                 </a:solidFill>
               </a14:hiddenFill>
             </a:ext>
             <a:ext uri="{91240B29-F687-4f45-9708-019B960494DF}">
-              <a14:hiddenLine xmlns:a14="http://schemas.microsoft.com/office/drawing/2010/main" xmlns="" w="9525">
+              <a14:hiddenLine xmlns="" xmlns:a14="http://schemas.microsoft.com/office/drawing/2010/main" w="9525">
                 <a:solidFill>
                   <a:schemeClr val="tx1"/>
                 </a:solidFill>
@@ -27560,14 +27560,14 @@
           </a:ln>
           <a:extLst>
             <a:ext uri="{909E8E84-426E-40dd-AFC4-6F175D3DCCD1}">
-              <a14:hiddenFill xmlns:a14="http://schemas.microsoft.com/office/drawing/2010/main" xmlns="">
+              <a14:hiddenFill xmlns="" xmlns:a14="http://schemas.microsoft.com/office/drawing/2010/main">
                 <a:solidFill>
                   <a:schemeClr val="accent1"/>
                 </a:solidFill>
               </a14:hiddenFill>
             </a:ext>
             <a:ext uri="{91240B29-F687-4f45-9708-019B960494DF}">
-              <a14:hiddenLine xmlns:a14="http://schemas.microsoft.com/office/drawing/2010/main" xmlns="" w="9525">
+              <a14:hiddenLine xmlns="" xmlns:a14="http://schemas.microsoft.com/office/drawing/2010/main" w="9525">
                 <a:solidFill>
                   <a:schemeClr val="tx1"/>
                 </a:solidFill>
@@ -27613,14 +27613,14 @@
           </a:ln>
           <a:extLst>
             <a:ext uri="{909E8E84-426E-40dd-AFC4-6F175D3DCCD1}">
-              <a14:hiddenFill xmlns:a14="http://schemas.microsoft.com/office/drawing/2010/main" xmlns="">
+              <a14:hiddenFill xmlns="" xmlns:a14="http://schemas.microsoft.com/office/drawing/2010/main">
                 <a:solidFill>
                   <a:schemeClr val="accent1"/>
                 </a:solidFill>
               </a14:hiddenFill>
             </a:ext>
             <a:ext uri="{91240B29-F687-4f45-9708-019B960494DF}">
-              <a14:hiddenLine xmlns:a14="http://schemas.microsoft.com/office/drawing/2010/main" xmlns="" w="9525">
+              <a14:hiddenLine xmlns="" xmlns:a14="http://schemas.microsoft.com/office/drawing/2010/main" w="9525">
                 <a:solidFill>
                   <a:schemeClr val="tx1"/>
                 </a:solidFill>
@@ -27666,14 +27666,14 @@
           </a:ln>
           <a:extLst>
             <a:ext uri="{909E8E84-426E-40dd-AFC4-6F175D3DCCD1}">
-              <a14:hiddenFill xmlns:a14="http://schemas.microsoft.com/office/drawing/2010/main" xmlns="">
+              <a14:hiddenFill xmlns="" xmlns:a14="http://schemas.microsoft.com/office/drawing/2010/main">
                 <a:solidFill>
                   <a:schemeClr val="accent1"/>
                 </a:solidFill>
               </a14:hiddenFill>
             </a:ext>
             <a:ext uri="{91240B29-F687-4f45-9708-019B960494DF}">
-              <a14:hiddenLine xmlns:a14="http://schemas.microsoft.com/office/drawing/2010/main" xmlns="" w="9525">
+              <a14:hiddenLine xmlns="" xmlns:a14="http://schemas.microsoft.com/office/drawing/2010/main" w="9525">
                 <a:solidFill>
                   <a:schemeClr val="tx1"/>
                 </a:solidFill>
@@ -27719,14 +27719,14 @@
           </a:ln>
           <a:extLst>
             <a:ext uri="{909E8E84-426E-40dd-AFC4-6F175D3DCCD1}">
-              <a14:hiddenFill xmlns:a14="http://schemas.microsoft.com/office/drawing/2010/main" xmlns="">
+              <a14:hiddenFill xmlns="" xmlns:a14="http://schemas.microsoft.com/office/drawing/2010/main">
                 <a:solidFill>
                   <a:schemeClr val="accent1"/>
                 </a:solidFill>
               </a14:hiddenFill>
             </a:ext>
             <a:ext uri="{91240B29-F687-4f45-9708-019B960494DF}">
-              <a14:hiddenLine xmlns:a14="http://schemas.microsoft.com/office/drawing/2010/main" xmlns="" w="9525">
+              <a14:hiddenLine xmlns="" xmlns:a14="http://schemas.microsoft.com/office/drawing/2010/main" w="9525">
                 <a:solidFill>
                   <a:schemeClr val="tx1"/>
                 </a:solidFill>
@@ -27779,7 +27779,7 @@
           </a:ln>
           <a:extLst>
             <a:ext uri="{909E8E84-426E-40dd-AFC4-6F175D3DCCD1}">
-              <a14:hiddenFill xmlns:a14="http://schemas.microsoft.com/office/drawing/2010/main" xmlns="">
+              <a14:hiddenFill xmlns="" xmlns:a14="http://schemas.microsoft.com/office/drawing/2010/main">
                 <a:noFill/>
               </a14:hiddenFill>
             </a:ext>
@@ -27815,7 +27815,7 @@
           </a:ln>
           <a:extLst>
             <a:ext uri="{909E8E84-426E-40dd-AFC4-6F175D3DCCD1}">
-              <a14:hiddenFill xmlns:a14="http://schemas.microsoft.com/office/drawing/2010/main" xmlns="">
+              <a14:hiddenFill xmlns="" xmlns:a14="http://schemas.microsoft.com/office/drawing/2010/main">
                 <a:noFill/>
               </a14:hiddenFill>
             </a:ext>
@@ -27851,7 +27851,7 @@
           </a:ln>
           <a:extLst>
             <a:ext uri="{909E8E84-426E-40dd-AFC4-6F175D3DCCD1}">
-              <a14:hiddenFill xmlns:a14="http://schemas.microsoft.com/office/drawing/2010/main" xmlns="">
+              <a14:hiddenFill xmlns="" xmlns:a14="http://schemas.microsoft.com/office/drawing/2010/main">
                 <a:noFill/>
               </a14:hiddenFill>
             </a:ext>
@@ -27887,7 +27887,7 @@
           </a:ln>
           <a:extLst>
             <a:ext uri="{909E8E84-426E-40dd-AFC4-6F175D3DCCD1}">
-              <a14:hiddenFill xmlns:a14="http://schemas.microsoft.com/office/drawing/2010/main" xmlns="">
+              <a14:hiddenFill xmlns="" xmlns:a14="http://schemas.microsoft.com/office/drawing/2010/main">
                 <a:noFill/>
               </a14:hiddenFill>
             </a:ext>
@@ -27916,14 +27916,14 @@
           </a:ln>
           <a:extLst>
             <a:ext uri="{909E8E84-426E-40dd-AFC4-6F175D3DCCD1}">
-              <a14:hiddenFill xmlns:a14="http://schemas.microsoft.com/office/drawing/2010/main" xmlns="">
+              <a14:hiddenFill xmlns="" xmlns:a14="http://schemas.microsoft.com/office/drawing/2010/main">
                 <a:solidFill>
                   <a:schemeClr val="accent1"/>
                 </a:solidFill>
               </a14:hiddenFill>
             </a:ext>
             <a:ext uri="{91240B29-F687-4f45-9708-019B960494DF}">
-              <a14:hiddenLine xmlns:a14="http://schemas.microsoft.com/office/drawing/2010/main" xmlns="" w="9525">
+              <a14:hiddenLine xmlns="" xmlns:a14="http://schemas.microsoft.com/office/drawing/2010/main" w="9525">
                 <a:solidFill>
                   <a:schemeClr val="tx1"/>
                 </a:solidFill>
@@ -27969,14 +27969,14 @@
           </a:ln>
           <a:extLst>
             <a:ext uri="{909E8E84-426E-40dd-AFC4-6F175D3DCCD1}">
-              <a14:hiddenFill xmlns:a14="http://schemas.microsoft.com/office/drawing/2010/main" xmlns="">
+              <a14:hiddenFill xmlns="" xmlns:a14="http://schemas.microsoft.com/office/drawing/2010/main">
                 <a:solidFill>
                   <a:schemeClr val="accent1"/>
                 </a:solidFill>
               </a14:hiddenFill>
             </a:ext>
             <a:ext uri="{91240B29-F687-4f45-9708-019B960494DF}">
-              <a14:hiddenLine xmlns:a14="http://schemas.microsoft.com/office/drawing/2010/main" xmlns="" w="9525">
+              <a14:hiddenLine xmlns="" xmlns:a14="http://schemas.microsoft.com/office/drawing/2010/main" w="9525">
                 <a:solidFill>
                   <a:schemeClr val="tx1"/>
                 </a:solidFill>
@@ -28029,7 +28029,7 @@
           </a:ln>
           <a:extLst>
             <a:ext uri="{909E8E84-426E-40dd-AFC4-6F175D3DCCD1}">
-              <a14:hiddenFill xmlns:a14="http://schemas.microsoft.com/office/drawing/2010/main" xmlns="">
+              <a14:hiddenFill xmlns="" xmlns:a14="http://schemas.microsoft.com/office/drawing/2010/main">
                 <a:noFill/>
               </a14:hiddenFill>
             </a:ext>
@@ -28065,7 +28065,7 @@
           </a:ln>
           <a:extLst>
             <a:ext uri="{909E8E84-426E-40dd-AFC4-6F175D3DCCD1}">
-              <a14:hiddenFill xmlns:a14="http://schemas.microsoft.com/office/drawing/2010/main" xmlns="">
+              <a14:hiddenFill xmlns="" xmlns:a14="http://schemas.microsoft.com/office/drawing/2010/main">
                 <a:noFill/>
               </a14:hiddenFill>
             </a:ext>
@@ -28178,7 +28178,7 @@
           </a:ln>
           <a:extLst>
             <a:ext uri="{909E8E84-426E-40dd-AFC4-6F175D3DCCD1}">
-              <a14:hiddenFill xmlns:a14="http://schemas.microsoft.com/office/drawing/2010/main" xmlns="">
+              <a14:hiddenFill xmlns="" xmlns:a14="http://schemas.microsoft.com/office/drawing/2010/main">
                 <a:solidFill>
                   <a:schemeClr val="accent1"/>
                 </a:solidFill>
@@ -28233,14 +28233,14 @@
           </a:ln>
           <a:extLst>
             <a:ext uri="{909E8E84-426E-40dd-AFC4-6F175D3DCCD1}">
-              <a14:hiddenFill xmlns:a14="http://schemas.microsoft.com/office/drawing/2010/main" xmlns="">
+              <a14:hiddenFill xmlns="" xmlns:a14="http://schemas.microsoft.com/office/drawing/2010/main">
                 <a:solidFill>
                   <a:schemeClr val="accent1"/>
                 </a:solidFill>
               </a14:hiddenFill>
             </a:ext>
             <a:ext uri="{91240B29-F687-4f45-9708-019B960494DF}">
-              <a14:hiddenLine xmlns:a14="http://schemas.microsoft.com/office/drawing/2010/main" xmlns="" w="9525">
+              <a14:hiddenLine xmlns="" xmlns:a14="http://schemas.microsoft.com/office/drawing/2010/main" w="9525">
                 <a:solidFill>
                   <a:schemeClr val="tx1"/>
                 </a:solidFill>
@@ -28286,14 +28286,14 @@
           </a:ln>
           <a:extLst>
             <a:ext uri="{909E8E84-426E-40dd-AFC4-6F175D3DCCD1}">
-              <a14:hiddenFill xmlns:a14="http://schemas.microsoft.com/office/drawing/2010/main" xmlns="">
+              <a14:hiddenFill xmlns="" xmlns:a14="http://schemas.microsoft.com/office/drawing/2010/main">
                 <a:solidFill>
                   <a:schemeClr val="accent1"/>
                 </a:solidFill>
               </a14:hiddenFill>
             </a:ext>
             <a:ext uri="{91240B29-F687-4f45-9708-019B960494DF}">
-              <a14:hiddenLine xmlns:a14="http://schemas.microsoft.com/office/drawing/2010/main" xmlns="" w="9525">
+              <a14:hiddenLine xmlns="" xmlns:a14="http://schemas.microsoft.com/office/drawing/2010/main" w="9525">
                 <a:solidFill>
                   <a:schemeClr val="tx1"/>
                 </a:solidFill>
@@ -28339,14 +28339,14 @@
           </a:ln>
           <a:extLst>
             <a:ext uri="{909E8E84-426E-40dd-AFC4-6F175D3DCCD1}">
-              <a14:hiddenFill xmlns:a14="http://schemas.microsoft.com/office/drawing/2010/main" xmlns="">
+              <a14:hiddenFill xmlns="" xmlns:a14="http://schemas.microsoft.com/office/drawing/2010/main">
                 <a:solidFill>
                   <a:schemeClr val="accent1"/>
                 </a:solidFill>
               </a14:hiddenFill>
             </a:ext>
             <a:ext uri="{91240B29-F687-4f45-9708-019B960494DF}">
-              <a14:hiddenLine xmlns:a14="http://schemas.microsoft.com/office/drawing/2010/main" xmlns="" w="9525">
+              <a14:hiddenLine xmlns="" xmlns:a14="http://schemas.microsoft.com/office/drawing/2010/main" w="9525">
                 <a:solidFill>
                   <a:schemeClr val="tx1"/>
                 </a:solidFill>
@@ -28392,14 +28392,14 @@
           </a:ln>
           <a:extLst>
             <a:ext uri="{909E8E84-426E-40dd-AFC4-6F175D3DCCD1}">
-              <a14:hiddenFill xmlns:a14="http://schemas.microsoft.com/office/drawing/2010/main" xmlns="">
+              <a14:hiddenFill xmlns="" xmlns:a14="http://schemas.microsoft.com/office/drawing/2010/main">
                 <a:solidFill>
                   <a:schemeClr val="accent1"/>
                 </a:solidFill>
               </a14:hiddenFill>
             </a:ext>
             <a:ext uri="{91240B29-F687-4f45-9708-019B960494DF}">
-              <a14:hiddenLine xmlns:a14="http://schemas.microsoft.com/office/drawing/2010/main" xmlns="" w="9525">
+              <a14:hiddenLine xmlns="" xmlns:a14="http://schemas.microsoft.com/office/drawing/2010/main" w="9525">
                 <a:solidFill>
                   <a:schemeClr val="tx1"/>
                 </a:solidFill>
@@ -28445,14 +28445,14 @@
           </a:ln>
           <a:extLst>
             <a:ext uri="{909E8E84-426E-40dd-AFC4-6F175D3DCCD1}">
-              <a14:hiddenFill xmlns:a14="http://schemas.microsoft.com/office/drawing/2010/main" xmlns="">
+              <a14:hiddenFill xmlns="" xmlns:a14="http://schemas.microsoft.com/office/drawing/2010/main">
                 <a:solidFill>
                   <a:schemeClr val="accent1"/>
                 </a:solidFill>
               </a14:hiddenFill>
             </a:ext>
             <a:ext uri="{91240B29-F687-4f45-9708-019B960494DF}">
-              <a14:hiddenLine xmlns:a14="http://schemas.microsoft.com/office/drawing/2010/main" xmlns="" w="9525">
+              <a14:hiddenLine xmlns="" xmlns:a14="http://schemas.microsoft.com/office/drawing/2010/main" w="9525">
                 <a:solidFill>
                   <a:schemeClr val="tx1"/>
                 </a:solidFill>
@@ -28505,7 +28505,7 @@
           </a:ln>
           <a:extLst>
             <a:ext uri="{909E8E84-426E-40dd-AFC4-6F175D3DCCD1}">
-              <a14:hiddenFill xmlns:a14="http://schemas.microsoft.com/office/drawing/2010/main" xmlns="">
+              <a14:hiddenFill xmlns="" xmlns:a14="http://schemas.microsoft.com/office/drawing/2010/main">
                 <a:noFill/>
               </a14:hiddenFill>
             </a:ext>
@@ -28541,7 +28541,7 @@
           </a:ln>
           <a:extLst>
             <a:ext uri="{909E8E84-426E-40dd-AFC4-6F175D3DCCD1}">
-              <a14:hiddenFill xmlns:a14="http://schemas.microsoft.com/office/drawing/2010/main" xmlns="">
+              <a14:hiddenFill xmlns="" xmlns:a14="http://schemas.microsoft.com/office/drawing/2010/main">
                 <a:noFill/>
               </a14:hiddenFill>
             </a:ext>
@@ -28577,7 +28577,7 @@
           </a:ln>
           <a:extLst>
             <a:ext uri="{909E8E84-426E-40dd-AFC4-6F175D3DCCD1}">
-              <a14:hiddenFill xmlns:a14="http://schemas.microsoft.com/office/drawing/2010/main" xmlns="">
+              <a14:hiddenFill xmlns="" xmlns:a14="http://schemas.microsoft.com/office/drawing/2010/main">
                 <a:noFill/>
               </a14:hiddenFill>
             </a:ext>
@@ -28613,7 +28613,7 @@
           </a:ln>
           <a:extLst>
             <a:ext uri="{909E8E84-426E-40dd-AFC4-6F175D3DCCD1}">
-              <a14:hiddenFill xmlns:a14="http://schemas.microsoft.com/office/drawing/2010/main" xmlns="">
+              <a14:hiddenFill xmlns="" xmlns:a14="http://schemas.microsoft.com/office/drawing/2010/main">
                 <a:noFill/>
               </a14:hiddenFill>
             </a:ext>
@@ -28642,14 +28642,14 @@
           </a:ln>
           <a:extLst>
             <a:ext uri="{909E8E84-426E-40dd-AFC4-6F175D3DCCD1}">
-              <a14:hiddenFill xmlns:a14="http://schemas.microsoft.com/office/drawing/2010/main" xmlns="">
+              <a14:hiddenFill xmlns="" xmlns:a14="http://schemas.microsoft.com/office/drawing/2010/main">
                 <a:solidFill>
                   <a:schemeClr val="accent1"/>
                 </a:solidFill>
               </a14:hiddenFill>
             </a:ext>
             <a:ext uri="{91240B29-F687-4f45-9708-019B960494DF}">
-              <a14:hiddenLine xmlns:a14="http://schemas.microsoft.com/office/drawing/2010/main" xmlns="" w="9525">
+              <a14:hiddenLine xmlns="" xmlns:a14="http://schemas.microsoft.com/office/drawing/2010/main" w="9525">
                 <a:solidFill>
                   <a:schemeClr val="tx1"/>
                 </a:solidFill>
@@ -28695,14 +28695,14 @@
           </a:ln>
           <a:extLst>
             <a:ext uri="{909E8E84-426E-40dd-AFC4-6F175D3DCCD1}">
-              <a14:hiddenFill xmlns:a14="http://schemas.microsoft.com/office/drawing/2010/main" xmlns="">
+              <a14:hiddenFill xmlns="" xmlns:a14="http://schemas.microsoft.com/office/drawing/2010/main">
                 <a:solidFill>
                   <a:schemeClr val="accent1"/>
                 </a:solidFill>
               </a14:hiddenFill>
             </a:ext>
             <a:ext uri="{91240B29-F687-4f45-9708-019B960494DF}">
-              <a14:hiddenLine xmlns:a14="http://schemas.microsoft.com/office/drawing/2010/main" xmlns="" w="9525">
+              <a14:hiddenLine xmlns="" xmlns:a14="http://schemas.microsoft.com/office/drawing/2010/main" w="9525">
                 <a:solidFill>
                   <a:schemeClr val="tx1"/>
                 </a:solidFill>
@@ -28755,7 +28755,7 @@
           </a:ln>
           <a:extLst>
             <a:ext uri="{909E8E84-426E-40dd-AFC4-6F175D3DCCD1}">
-              <a14:hiddenFill xmlns:a14="http://schemas.microsoft.com/office/drawing/2010/main" xmlns="">
+              <a14:hiddenFill xmlns="" xmlns:a14="http://schemas.microsoft.com/office/drawing/2010/main">
                 <a:noFill/>
               </a14:hiddenFill>
             </a:ext>
@@ -28791,7 +28791,7 @@
           </a:ln>
           <a:extLst>
             <a:ext uri="{909E8E84-426E-40dd-AFC4-6F175D3DCCD1}">
-              <a14:hiddenFill xmlns:a14="http://schemas.microsoft.com/office/drawing/2010/main" xmlns="">
+              <a14:hiddenFill xmlns="" xmlns:a14="http://schemas.microsoft.com/office/drawing/2010/main">
                 <a:noFill/>
               </a14:hiddenFill>
             </a:ext>
@@ -28820,14 +28820,14 @@
           </a:ln>
           <a:extLst>
             <a:ext uri="{909E8E84-426E-40dd-AFC4-6F175D3DCCD1}">
-              <a14:hiddenFill xmlns:a14="http://schemas.microsoft.com/office/drawing/2010/main" xmlns="">
+              <a14:hiddenFill xmlns="" xmlns:a14="http://schemas.microsoft.com/office/drawing/2010/main">
                 <a:solidFill>
                   <a:schemeClr val="accent1"/>
                 </a:solidFill>
               </a14:hiddenFill>
             </a:ext>
             <a:ext uri="{91240B29-F687-4f45-9708-019B960494DF}">
-              <a14:hiddenLine xmlns:a14="http://schemas.microsoft.com/office/drawing/2010/main" xmlns="" w="9525">
+              <a14:hiddenLine xmlns="" xmlns:a14="http://schemas.microsoft.com/office/drawing/2010/main" w="9525">
                 <a:solidFill>
                   <a:schemeClr val="tx1"/>
                 </a:solidFill>
@@ -28964,7 +28964,7 @@
           </a:ln>
           <a:extLst>
             <a:ext uri="{909E8E84-426E-40dd-AFC4-6F175D3DCCD1}">
-              <a14:hiddenFill xmlns:a14="http://schemas.microsoft.com/office/drawing/2010/main" xmlns="">
+              <a14:hiddenFill xmlns="" xmlns:a14="http://schemas.microsoft.com/office/drawing/2010/main">
                 <a:solidFill>
                   <a:schemeClr val="accent1"/>
                 </a:solidFill>
@@ -29019,14 +29019,14 @@
           </a:ln>
           <a:extLst>
             <a:ext uri="{909E8E84-426E-40dd-AFC4-6F175D3DCCD1}">
-              <a14:hiddenFill xmlns:a14="http://schemas.microsoft.com/office/drawing/2010/main" xmlns="">
+              <a14:hiddenFill xmlns="" xmlns:a14="http://schemas.microsoft.com/office/drawing/2010/main">
                 <a:solidFill>
                   <a:schemeClr val="accent1"/>
                 </a:solidFill>
               </a14:hiddenFill>
             </a:ext>
             <a:ext uri="{91240B29-F687-4f45-9708-019B960494DF}">
-              <a14:hiddenLine xmlns:a14="http://schemas.microsoft.com/office/drawing/2010/main" xmlns="" w="9525">
+              <a14:hiddenLine xmlns="" xmlns:a14="http://schemas.microsoft.com/office/drawing/2010/main" w="9525">
                 <a:solidFill>
                   <a:schemeClr val="tx1"/>
                 </a:solidFill>
@@ -29072,14 +29072,14 @@
           </a:ln>
           <a:extLst>
             <a:ext uri="{909E8E84-426E-40dd-AFC4-6F175D3DCCD1}">
-              <a14:hiddenFill xmlns:a14="http://schemas.microsoft.com/office/drawing/2010/main" xmlns="">
+              <a14:hiddenFill xmlns="" xmlns:a14="http://schemas.microsoft.com/office/drawing/2010/main">
                 <a:solidFill>
                   <a:schemeClr val="accent1"/>
                 </a:solidFill>
               </a14:hiddenFill>
             </a:ext>
             <a:ext uri="{91240B29-F687-4f45-9708-019B960494DF}">
-              <a14:hiddenLine xmlns:a14="http://schemas.microsoft.com/office/drawing/2010/main" xmlns="" w="9525">
+              <a14:hiddenLine xmlns="" xmlns:a14="http://schemas.microsoft.com/office/drawing/2010/main" w="9525">
                 <a:solidFill>
                   <a:schemeClr val="tx1"/>
                 </a:solidFill>
@@ -29125,14 +29125,14 @@
           </a:ln>
           <a:extLst>
             <a:ext uri="{909E8E84-426E-40dd-AFC4-6F175D3DCCD1}">
-              <a14:hiddenFill xmlns:a14="http://schemas.microsoft.com/office/drawing/2010/main" xmlns="">
+              <a14:hiddenFill xmlns="" xmlns:a14="http://schemas.microsoft.com/office/drawing/2010/main">
                 <a:solidFill>
                   <a:schemeClr val="accent1"/>
                 </a:solidFill>
               </a14:hiddenFill>
             </a:ext>
             <a:ext uri="{91240B29-F687-4f45-9708-019B960494DF}">
-              <a14:hiddenLine xmlns:a14="http://schemas.microsoft.com/office/drawing/2010/main" xmlns="" w="9525">
+              <a14:hiddenLine xmlns="" xmlns:a14="http://schemas.microsoft.com/office/drawing/2010/main" w="9525">
                 <a:solidFill>
                   <a:schemeClr val="tx1"/>
                 </a:solidFill>
@@ -29178,14 +29178,14 @@
           </a:ln>
           <a:extLst>
             <a:ext uri="{909E8E84-426E-40dd-AFC4-6F175D3DCCD1}">
-              <a14:hiddenFill xmlns:a14="http://schemas.microsoft.com/office/drawing/2010/main" xmlns="">
+              <a14:hiddenFill xmlns="" xmlns:a14="http://schemas.microsoft.com/office/drawing/2010/main">
                 <a:solidFill>
                   <a:schemeClr val="accent1"/>
                 </a:solidFill>
               </a14:hiddenFill>
             </a:ext>
             <a:ext uri="{91240B29-F687-4f45-9708-019B960494DF}">
-              <a14:hiddenLine xmlns:a14="http://schemas.microsoft.com/office/drawing/2010/main" xmlns="" w="9525">
+              <a14:hiddenLine xmlns="" xmlns:a14="http://schemas.microsoft.com/office/drawing/2010/main" w="9525">
                 <a:solidFill>
                   <a:schemeClr val="tx1"/>
                 </a:solidFill>
@@ -29231,14 +29231,14 @@
           </a:ln>
           <a:extLst>
             <a:ext uri="{909E8E84-426E-40dd-AFC4-6F175D3DCCD1}">
-              <a14:hiddenFill xmlns:a14="http://schemas.microsoft.com/office/drawing/2010/main" xmlns="">
+              <a14:hiddenFill xmlns="" xmlns:a14="http://schemas.microsoft.com/office/drawing/2010/main">
                 <a:solidFill>
                   <a:schemeClr val="accent1"/>
                 </a:solidFill>
               </a14:hiddenFill>
             </a:ext>
             <a:ext uri="{91240B29-F687-4f45-9708-019B960494DF}">
-              <a14:hiddenLine xmlns:a14="http://schemas.microsoft.com/office/drawing/2010/main" xmlns="" w="9525">
+              <a14:hiddenLine xmlns="" xmlns:a14="http://schemas.microsoft.com/office/drawing/2010/main" w="9525">
                 <a:solidFill>
                   <a:schemeClr val="tx1"/>
                 </a:solidFill>
@@ -29291,7 +29291,7 @@
           </a:ln>
           <a:extLst>
             <a:ext uri="{909E8E84-426E-40dd-AFC4-6F175D3DCCD1}">
-              <a14:hiddenFill xmlns:a14="http://schemas.microsoft.com/office/drawing/2010/main" xmlns="">
+              <a14:hiddenFill xmlns="" xmlns:a14="http://schemas.microsoft.com/office/drawing/2010/main">
                 <a:noFill/>
               </a14:hiddenFill>
             </a:ext>
@@ -29327,7 +29327,7 @@
           </a:ln>
           <a:extLst>
             <a:ext uri="{909E8E84-426E-40dd-AFC4-6F175D3DCCD1}">
-              <a14:hiddenFill xmlns:a14="http://schemas.microsoft.com/office/drawing/2010/main" xmlns="">
+              <a14:hiddenFill xmlns="" xmlns:a14="http://schemas.microsoft.com/office/drawing/2010/main">
                 <a:noFill/>
               </a14:hiddenFill>
             </a:ext>
@@ -29363,7 +29363,7 @@
           </a:ln>
           <a:extLst>
             <a:ext uri="{909E8E84-426E-40dd-AFC4-6F175D3DCCD1}">
-              <a14:hiddenFill xmlns:a14="http://schemas.microsoft.com/office/drawing/2010/main" xmlns="">
+              <a14:hiddenFill xmlns="" xmlns:a14="http://schemas.microsoft.com/office/drawing/2010/main">
                 <a:noFill/>
               </a14:hiddenFill>
             </a:ext>
@@ -29399,7 +29399,7 @@
           </a:ln>
           <a:extLst>
             <a:ext uri="{909E8E84-426E-40dd-AFC4-6F175D3DCCD1}">
-              <a14:hiddenFill xmlns:a14="http://schemas.microsoft.com/office/drawing/2010/main" xmlns="">
+              <a14:hiddenFill xmlns="" xmlns:a14="http://schemas.microsoft.com/office/drawing/2010/main">
                 <a:noFill/>
               </a14:hiddenFill>
             </a:ext>
@@ -29428,14 +29428,14 @@
           </a:ln>
           <a:extLst>
             <a:ext uri="{909E8E84-426E-40dd-AFC4-6F175D3DCCD1}">
-              <a14:hiddenFill xmlns:a14="http://schemas.microsoft.com/office/drawing/2010/main" xmlns="">
+              <a14:hiddenFill xmlns="" xmlns:a14="http://schemas.microsoft.com/office/drawing/2010/main">
                 <a:solidFill>
                   <a:schemeClr val="accent1"/>
                 </a:solidFill>
               </a14:hiddenFill>
             </a:ext>
             <a:ext uri="{91240B29-F687-4f45-9708-019B960494DF}">
-              <a14:hiddenLine xmlns:a14="http://schemas.microsoft.com/office/drawing/2010/main" xmlns="" w="9525">
+              <a14:hiddenLine xmlns="" xmlns:a14="http://schemas.microsoft.com/office/drawing/2010/main" w="9525">
                 <a:solidFill>
                   <a:schemeClr val="tx1"/>
                 </a:solidFill>
@@ -29481,14 +29481,14 @@
           </a:ln>
           <a:extLst>
             <a:ext uri="{909E8E84-426E-40dd-AFC4-6F175D3DCCD1}">
-              <a14:hiddenFill xmlns:a14="http://schemas.microsoft.com/office/drawing/2010/main" xmlns="">
+              <a14:hiddenFill xmlns="" xmlns:a14="http://schemas.microsoft.com/office/drawing/2010/main">
                 <a:solidFill>
                   <a:schemeClr val="accent1"/>
                 </a:solidFill>
               </a14:hiddenFill>
             </a:ext>
             <a:ext uri="{91240B29-F687-4f45-9708-019B960494DF}">
-              <a14:hiddenLine xmlns:a14="http://schemas.microsoft.com/office/drawing/2010/main" xmlns="" w="9525">
+              <a14:hiddenLine xmlns="" xmlns:a14="http://schemas.microsoft.com/office/drawing/2010/main" w="9525">
                 <a:solidFill>
                   <a:schemeClr val="tx1"/>
                 </a:solidFill>
@@ -29541,7 +29541,7 @@
           </a:ln>
           <a:extLst>
             <a:ext uri="{909E8E84-426E-40dd-AFC4-6F175D3DCCD1}">
-              <a14:hiddenFill xmlns:a14="http://schemas.microsoft.com/office/drawing/2010/main" xmlns="">
+              <a14:hiddenFill xmlns="" xmlns:a14="http://schemas.microsoft.com/office/drawing/2010/main">
                 <a:noFill/>
               </a14:hiddenFill>
             </a:ext>
@@ -29577,7 +29577,7 @@
           </a:ln>
           <a:extLst>
             <a:ext uri="{909E8E84-426E-40dd-AFC4-6F175D3DCCD1}">
-              <a14:hiddenFill xmlns:a14="http://schemas.microsoft.com/office/drawing/2010/main" xmlns="">
+              <a14:hiddenFill xmlns="" xmlns:a14="http://schemas.microsoft.com/office/drawing/2010/main">
                 <a:noFill/>
               </a14:hiddenFill>
             </a:ext>
@@ -29606,14 +29606,14 @@
           </a:ln>
           <a:extLst>
             <a:ext uri="{909E8E84-426E-40dd-AFC4-6F175D3DCCD1}">
-              <a14:hiddenFill xmlns:a14="http://schemas.microsoft.com/office/drawing/2010/main" xmlns="">
+              <a14:hiddenFill xmlns="" xmlns:a14="http://schemas.microsoft.com/office/drawing/2010/main">
                 <a:solidFill>
                   <a:schemeClr val="accent1"/>
                 </a:solidFill>
               </a14:hiddenFill>
             </a:ext>
             <a:ext uri="{91240B29-F687-4f45-9708-019B960494DF}">
-              <a14:hiddenLine xmlns:a14="http://schemas.microsoft.com/office/drawing/2010/main" xmlns="" w="9525">
+              <a14:hiddenLine xmlns="" xmlns:a14="http://schemas.microsoft.com/office/drawing/2010/main" w="9525">
                 <a:solidFill>
                   <a:schemeClr val="tx1"/>
                 </a:solidFill>
@@ -29666,14 +29666,14 @@
           </a:ln>
           <a:extLst>
             <a:ext uri="{909E8E84-426E-40dd-AFC4-6F175D3DCCD1}">
-              <a14:hiddenFill xmlns:a14="http://schemas.microsoft.com/office/drawing/2010/main" xmlns="">
+              <a14:hiddenFill xmlns="" xmlns:a14="http://schemas.microsoft.com/office/drawing/2010/main">
                 <a:solidFill>
                   <a:schemeClr val="accent1"/>
                 </a:solidFill>
               </a14:hiddenFill>
             </a:ext>
             <a:ext uri="{91240B29-F687-4f45-9708-019B960494DF}">
-              <a14:hiddenLine xmlns:a14="http://schemas.microsoft.com/office/drawing/2010/main" xmlns="" w="9525">
+              <a14:hiddenLine xmlns="" xmlns:a14="http://schemas.microsoft.com/office/drawing/2010/main" w="9525">
                 <a:solidFill>
                   <a:schemeClr val="tx1"/>
                 </a:solidFill>
@@ -29719,14 +29719,14 @@
           </a:ln>
           <a:extLst>
             <a:ext uri="{909E8E84-426E-40dd-AFC4-6F175D3DCCD1}">
-              <a14:hiddenFill xmlns:a14="http://schemas.microsoft.com/office/drawing/2010/main" xmlns="">
+              <a14:hiddenFill xmlns="" xmlns:a14="http://schemas.microsoft.com/office/drawing/2010/main">
                 <a:solidFill>
                   <a:schemeClr val="accent1"/>
                 </a:solidFill>
               </a14:hiddenFill>
             </a:ext>
             <a:ext uri="{91240B29-F687-4f45-9708-019B960494DF}">
-              <a14:hiddenLine xmlns:a14="http://schemas.microsoft.com/office/drawing/2010/main" xmlns="" w="9525">
+              <a14:hiddenLine xmlns="" xmlns:a14="http://schemas.microsoft.com/office/drawing/2010/main" w="9525">
                 <a:solidFill>
                   <a:schemeClr val="tx1"/>
                 </a:solidFill>
@@ -30127,7 +30127,7 @@
           <a:effectLst/>
           <a:extLst>
             <a:ext uri="{AF507438-7753-43e0-B8FC-AC1667EBCBE1}">
-              <a14:hiddenEffects xmlns="" xmlns:a14="http://schemas.microsoft.com/office/drawing/2010/main">
+              <a14:hiddenEffects xmlns:a14="http://schemas.microsoft.com/office/drawing/2010/main" xmlns="">
                 <a:effectLst>
                   <a:outerShdw blurRad="63500" dist="38099" dir="2700000" algn="ctr" rotWithShape="0">
                     <a:schemeClr val="bg2">
@@ -30213,7 +30213,7 @@
           <a:effectLst/>
           <a:extLst>
             <a:ext uri="{AF507438-7753-43e0-B8FC-AC1667EBCBE1}">
-              <a14:hiddenEffects xmlns="" xmlns:a14="http://schemas.microsoft.com/office/drawing/2010/main">
+              <a14:hiddenEffects xmlns:a14="http://schemas.microsoft.com/office/drawing/2010/main" xmlns="">
                 <a:effectLst>
                   <a:outerShdw blurRad="63500" dist="38099" dir="2700000" algn="ctr" rotWithShape="0">
                     <a:schemeClr val="bg2">
@@ -30299,7 +30299,7 @@
           <a:effectLst/>
           <a:extLst>
             <a:ext uri="{AF507438-7753-43e0-B8FC-AC1667EBCBE1}">
-              <a14:hiddenEffects xmlns="" xmlns:a14="http://schemas.microsoft.com/office/drawing/2010/main">
+              <a14:hiddenEffects xmlns:a14="http://schemas.microsoft.com/office/drawing/2010/main" xmlns="">
                 <a:effectLst>
                   <a:outerShdw blurRad="63500" dist="38099" dir="2700000" algn="ctr" rotWithShape="0">
                     <a:schemeClr val="bg2">
@@ -30385,7 +30385,7 @@
           <a:effectLst/>
           <a:extLst>
             <a:ext uri="{AF507438-7753-43e0-B8FC-AC1667EBCBE1}">
-              <a14:hiddenEffects xmlns="" xmlns:a14="http://schemas.microsoft.com/office/drawing/2010/main">
+              <a14:hiddenEffects xmlns:a14="http://schemas.microsoft.com/office/drawing/2010/main" xmlns="">
                 <a:effectLst>
                   <a:outerShdw blurRad="63500" dist="38099" dir="2700000" algn="ctr" rotWithShape="0">
                     <a:schemeClr val="bg2">
@@ -30856,12 +30856,12 @@
         <p:spPr>
           <a:xfrm>
             <a:off x="457200" y="1719263"/>
-            <a:ext cx="8229600" cy="3081337"/>
+            <a:ext cx="8229600" cy="3309937"/>
           </a:xfrm>
         </p:spPr>
         <p:txBody>
           <a:bodyPr>
-            <a:normAutofit fontScale="77500" lnSpcReduction="20000"/>
+            <a:normAutofit fontScale="70000" lnSpcReduction="20000"/>
           </a:bodyPr>
           <a:lstStyle/>
           <a:p>
@@ -30886,7 +30886,21 @@
           <a:p>
             <a:r>
               <a:rPr lang="en-US" dirty="0"/>
-              <a:t>Types for us are tuples where the first component of the tuple tells us what kind of type we are looking</a:t>
+              <a:t>Types for us are tuples where the first component of the tuple tells us what kind of type we are looking at, e.g.</a:t>
+            </a:r>
+          </a:p>
+          <a:p>
+            <a:pPr lvl="1"/>
+            <a:r>
+              <a:rPr lang="en-US" dirty="0"/>
+              <a:t>(‘INTEGER_TYPE’,)</a:t>
+            </a:r>
+          </a:p>
+          <a:p>
+            <a:pPr lvl="1"/>
+            <a:r>
+              <a:rPr lang="en-US" dirty="0"/>
+              <a:t>(‘STRING_TYPE’,)</a:t>
             </a:r>
           </a:p>
           <a:p>
@@ -30919,7 +30933,7 @@
         </p:blipFill>
         <p:spPr>
           <a:xfrm>
-            <a:off x="2743200" y="4800600"/>
+            <a:off x="3886200" y="4876800"/>
             <a:ext cx="2424672" cy="1540135"/>
           </a:xfrm>
           <a:prstGeom prst="rect">
@@ -31198,11 +31212,13 @@
         <p:spPr>
           <a:xfrm>
             <a:off x="457200" y="1719263"/>
-            <a:ext cx="8229600" cy="1023937"/>
-          </a:xfrm>
-        </p:spPr>
-        <p:txBody>
-          <a:bodyPr/>
+            <a:ext cx="8229600" cy="307777"/>
+          </a:xfrm>
+        </p:spPr>
+        <p:txBody>
+          <a:bodyPr>
+            <a:normAutofit fontScale="55000" lnSpcReduction="20000"/>
+          </a:bodyPr>
           <a:lstStyle/>
           <a:p>
             <a:r>
@@ -31234,7 +31250,7 @@
         </p:blipFill>
         <p:spPr>
           <a:xfrm>
-            <a:off x="457200" y="3048000"/>
+            <a:off x="457200" y="2057400"/>
             <a:ext cx="8472222" cy="3476021"/>
           </a:xfrm>
           <a:prstGeom prst="rect">
@@ -31261,7 +31277,7 @@
         </p:nvSpPr>
         <p:spPr>
           <a:xfrm>
-            <a:off x="6324600" y="2587823"/>
+            <a:off x="6096000" y="756841"/>
             <a:ext cx="1537600" cy="307777"/>
           </a:xfrm>
           <a:prstGeom prst="rect">
@@ -31278,6 +31294,87 @@
             <a:r>
               <a:rPr lang="en-US" sz="1400" dirty="0"/>
               <a:t>cuppa4_types.py</a:t>
+            </a:r>
+          </a:p>
+        </p:txBody>
+      </p:sp>
+      <p:pic>
+        <p:nvPicPr>
+          <p:cNvPr id="6" name="Picture 5">
+            <a:extLst>
+              <a:ext uri="{FF2B5EF4-FFF2-40B4-BE49-F238E27FC236}">
+                <a16:creationId xmlns:a16="http://schemas.microsoft.com/office/drawing/2014/main" id="{1031BA4F-15F2-F948-A1E7-76714B698DC9}"/>
+              </a:ext>
+            </a:extLst>
+          </p:cNvPr>
+          <p:cNvPicPr>
+            <a:picLocks noChangeAspect="1"/>
+          </p:cNvPicPr>
+          <p:nvPr/>
+        </p:nvPicPr>
+        <p:blipFill>
+          <a:blip r:embed="rId3"/>
+          <a:stretch>
+            <a:fillRect/>
+          </a:stretch>
+        </p:blipFill>
+        <p:spPr>
+          <a:xfrm>
+            <a:off x="838200" y="5667151"/>
+            <a:ext cx="4415047" cy="1068611"/>
+          </a:xfrm>
+          <a:prstGeom prst="rect">
+            <a:avLst/>
+          </a:prstGeom>
+          <a:ln>
+            <a:solidFill>
+              <a:schemeClr val="tx1"/>
+            </a:solidFill>
+          </a:ln>
+        </p:spPr>
+      </p:pic>
+      <p:sp>
+        <p:nvSpPr>
+          <p:cNvPr id="2" name="TextBox 1">
+            <a:extLst>
+              <a:ext uri="{FF2B5EF4-FFF2-40B4-BE49-F238E27FC236}">
+                <a16:creationId xmlns:a16="http://schemas.microsoft.com/office/drawing/2014/main" id="{AC136C31-5620-BF4B-9CB5-1DA5DBB38931}"/>
+              </a:ext>
+            </a:extLst>
+          </p:cNvPr>
+          <p:cNvSpPr txBox="1"/>
+          <p:nvPr/>
+        </p:nvSpPr>
+        <p:spPr>
+          <a:xfrm>
+            <a:off x="5638800" y="5854700"/>
+            <a:ext cx="3311869" cy="523220"/>
+          </a:xfrm>
+          <a:prstGeom prst="rect">
+            <a:avLst/>
+          </a:prstGeom>
+          <a:noFill/>
+          <a:ln>
+            <a:solidFill>
+              <a:schemeClr val="tx1"/>
+            </a:solidFill>
+          </a:ln>
+        </p:spPr>
+        <p:txBody>
+          <a:bodyPr wrap="none" rtlCol="0">
+            <a:spAutoFit/>
+          </a:bodyPr>
+          <a:lstStyle/>
+          <a:p>
+            <a:r>
+              <a:rPr lang="en-US" sz="1400" dirty="0"/>
+              <a:t>The functions ‘str’ and ‘float’ are Python</a:t>
+            </a:r>
+          </a:p>
+          <a:p>
+            <a:r>
+              <a:rPr lang="en-US" sz="1400" dirty="0"/>
+              <a:t>built-ins.</a:t>
             </a:r>
           </a:p>
         </p:txBody>
@@ -31728,7 +31825,7 @@
           <a:effectLst/>
           <a:extLst>
             <a:ext uri="{AF507438-7753-43e0-B8FC-AC1667EBCBE1}">
-              <a14:hiddenEffects xmlns="" xmlns:a14="http://schemas.microsoft.com/office/drawing/2010/main">
+              <a14:hiddenEffects xmlns:a14="http://schemas.microsoft.com/office/drawing/2010/main" xmlns="">
                 <a:effectLst>
                   <a:outerShdw blurRad="63500" dist="38099" dir="2700000" algn="ctr" rotWithShape="0">
                     <a:schemeClr val="bg2">
@@ -32054,7 +32151,7 @@
           <a:effectLst/>
           <a:extLst>
             <a:ext uri="{AF507438-7753-43e0-B8FC-AC1667EBCBE1}">
-              <a14:hiddenEffects xmlns="" xmlns:a14="http://schemas.microsoft.com/office/drawing/2010/main">
+              <a14:hiddenEffects xmlns:a14="http://schemas.microsoft.com/office/drawing/2010/main" xmlns="">
                 <a:effectLst>
                   <a:outerShdw blurRad="63500" dist="38099" dir="2700000" algn="ctr" rotWithShape="0">
                     <a:schemeClr val="bg2">
@@ -32175,7 +32272,7 @@
           <a:effectLst/>
           <a:extLst>
             <a:ext uri="{AF507438-7753-43e0-B8FC-AC1667EBCBE1}">
-              <a14:hiddenEffects xmlns="" xmlns:a14="http://schemas.microsoft.com/office/drawing/2010/main">
+              <a14:hiddenEffects xmlns:a14="http://schemas.microsoft.com/office/drawing/2010/main" xmlns="">
                 <a:effectLst>
                   <a:outerShdw blurRad="63500" dist="38099" dir="2700000" algn="ctr" rotWithShape="0">
                     <a:schemeClr val="bg2">
@@ -32223,6 +32320,58 @@
               <a:ea typeface="ＭＳ Ｐゴシック" charset="0"/>
               <a:cs typeface="ＭＳ Ｐゴシック" charset="0"/>
             </a:endParaRPr>
+          </a:p>
+        </p:txBody>
+      </p:sp>
+      <p:sp>
+        <p:nvSpPr>
+          <p:cNvPr id="8" name="TextBox 7">
+            <a:extLst>
+              <a:ext uri="{FF2B5EF4-FFF2-40B4-BE49-F238E27FC236}">
+                <a16:creationId xmlns:a16="http://schemas.microsoft.com/office/drawing/2014/main" id="{DB9C87AC-0776-4549-A044-F96ADEE79798}"/>
+              </a:ext>
+            </a:extLst>
+          </p:cNvPr>
+          <p:cNvSpPr txBox="1"/>
+          <p:nvPr/>
+        </p:nvSpPr>
+        <p:spPr>
+          <a:xfrm>
+            <a:off x="4468613" y="5986046"/>
+            <a:ext cx="4112023" cy="338554"/>
+          </a:xfrm>
+          <a:prstGeom prst="rect">
+            <a:avLst/>
+          </a:prstGeom>
+          <a:noFill/>
+          <a:ln>
+            <a:solidFill>
+              <a:schemeClr val="tx1"/>
+            </a:solidFill>
+          </a:ln>
+        </p:spPr>
+        <p:txBody>
+          <a:bodyPr wrap="none" rtlCol="0">
+            <a:spAutoFit/>
+          </a:bodyPr>
+          <a:lstStyle/>
+          <a:p>
+            <a:r>
+              <a:rPr lang="en-US" sz="1600" b="1" dirty="0"/>
+              <a:t>Note</a:t>
+            </a:r>
+            <a:r>
+              <a:rPr lang="en-US" sz="1600" dirty="0"/>
+              <a:t>: we only store type info in the </a:t>
+            </a:r>
+            <a:r>
+              <a:rPr lang="en-US" sz="1600" dirty="0" err="1"/>
+              <a:t>symtab</a:t>
+            </a:r>
+            <a:r>
+              <a:rPr lang="en-US" sz="1600" dirty="0"/>
+              <a:t>.</a:t>
+            </a:r>
           </a:p>
         </p:txBody>
       </p:sp>
@@ -32374,7 +32523,7 @@
             <a:effectLst/>
             <a:extLst>
               <a:ext uri="{AF507438-7753-43e0-B8FC-AC1667EBCBE1}">
-                <a14:hiddenEffects xmlns="" xmlns:a14="http://schemas.microsoft.com/office/drawing/2010/main">
+                <a14:hiddenEffects xmlns:a14="http://schemas.microsoft.com/office/drawing/2010/main" xmlns="">
                   <a:effectLst>
                     <a:outerShdw blurRad="63500" dist="38099" dir="2700000" algn="ctr" rotWithShape="0">
                       <a:schemeClr val="bg2">
@@ -32516,7 +32665,7 @@
             <a:effectLst/>
             <a:extLst>
               <a:ext uri="{AF507438-7753-43e0-B8FC-AC1667EBCBE1}">
-                <a14:hiddenEffects xmlns="" xmlns:a14="http://schemas.microsoft.com/office/drawing/2010/main">
+                <a14:hiddenEffects xmlns:a14="http://schemas.microsoft.com/office/drawing/2010/main" xmlns="">
                   <a:effectLst>
                     <a:outerShdw blurRad="63500" dist="38099" dir="2700000" algn="ctr" rotWithShape="0">
                       <a:schemeClr val="bg2">
@@ -33095,7 +33244,7 @@
         <p:spPr>
           <a:xfrm>
             <a:off x="457200" y="1719263"/>
-            <a:ext cx="8229600" cy="2547937"/>
+            <a:ext cx="8229600" cy="4300537"/>
           </a:xfrm>
         </p:spPr>
         <p:txBody>
@@ -33122,6 +33271,19 @@
               <a:rPr lang="en-US" dirty="0"/>
               <a:t>Well, actually we compute type-value tuples.</a:t>
             </a:r>
+            <a:br>
+              <a:rPr lang="en-US" dirty="0"/>
+            </a:br>
+            <a:br>
+              <a:rPr lang="en-US" dirty="0"/>
+            </a:br>
+            <a:br>
+              <a:rPr lang="en-US" dirty="0"/>
+            </a:br>
+            <a:br>
+              <a:rPr lang="en-US" dirty="0"/>
+            </a:br>
+            <a:endParaRPr lang="en-US" dirty="0"/>
           </a:p>
           <a:p>
             <a:r>
@@ -33160,7 +33322,7 @@
         </p:blipFill>
         <p:spPr>
           <a:xfrm>
-            <a:off x="2590800" y="4724400"/>
+            <a:off x="2514600" y="3581400"/>
             <a:ext cx="3784600" cy="927100"/>
           </a:xfrm>
           <a:prstGeom prst="rect">
@@ -33781,7 +33943,7 @@
           <a:effectLst/>
           <a:extLst>
             <a:ext uri="{AF507438-7753-43e0-B8FC-AC1667EBCBE1}">
-              <a14:hiddenEffects xmlns="" xmlns:a14="http://schemas.microsoft.com/office/drawing/2010/main">
+              <a14:hiddenEffects xmlns:a14="http://schemas.microsoft.com/office/drawing/2010/main" xmlns="">
                 <a:effectLst>
                   <a:outerShdw blurRad="63500" dist="38099" dir="2700000" algn="ctr" rotWithShape="0">
                     <a:schemeClr val="bg2">
@@ -34060,7 +34222,7 @@
           </a:ln>
           <a:extLst>
             <a:ext uri="{909E8E84-426E-40dd-AFC4-6F175D3DCCD1}">
-              <a14:hiddenFill xmlns:a14="http://schemas.microsoft.com/office/drawing/2010/main" xmlns="">
+              <a14:hiddenFill xmlns="" xmlns:a14="http://schemas.microsoft.com/office/drawing/2010/main">
                 <a:solidFill>
                   <a:schemeClr val="accent1"/>
                 </a:solidFill>
@@ -34121,14 +34283,14 @@
           </a:ln>
           <a:extLst>
             <a:ext uri="{909E8E84-426E-40dd-AFC4-6F175D3DCCD1}">
-              <a14:hiddenFill xmlns:a14="http://schemas.microsoft.com/office/drawing/2010/main" xmlns="">
+              <a14:hiddenFill xmlns="" xmlns:a14="http://schemas.microsoft.com/office/drawing/2010/main">
                 <a:solidFill>
                   <a:schemeClr val="accent1"/>
                 </a:solidFill>
               </a14:hiddenFill>
             </a:ext>
             <a:ext uri="{91240B29-F687-4f45-9708-019B960494DF}">
-              <a14:hiddenLine xmlns:a14="http://schemas.microsoft.com/office/drawing/2010/main" xmlns="" w="9525">
+              <a14:hiddenLine xmlns="" xmlns:a14="http://schemas.microsoft.com/office/drawing/2010/main" w="9525">
                 <a:solidFill>
                   <a:schemeClr val="tx1"/>
                 </a:solidFill>
@@ -34174,14 +34336,14 @@
           </a:ln>
           <a:extLst>
             <a:ext uri="{909E8E84-426E-40dd-AFC4-6F175D3DCCD1}">
-              <a14:hiddenFill xmlns:a14="http://schemas.microsoft.com/office/drawing/2010/main" xmlns="">
+              <a14:hiddenFill xmlns="" xmlns:a14="http://schemas.microsoft.com/office/drawing/2010/main">
                 <a:solidFill>
                   <a:schemeClr val="accent1"/>
                 </a:solidFill>
               </a14:hiddenFill>
             </a:ext>
             <a:ext uri="{91240B29-F687-4f45-9708-019B960494DF}">
-              <a14:hiddenLine xmlns:a14="http://schemas.microsoft.com/office/drawing/2010/main" xmlns="" w="9525">
+              <a14:hiddenLine xmlns="" xmlns:a14="http://schemas.microsoft.com/office/drawing/2010/main" w="9525">
                 <a:solidFill>
                   <a:schemeClr val="tx1"/>
                 </a:solidFill>
@@ -34227,14 +34389,14 @@
           </a:ln>
           <a:extLst>
             <a:ext uri="{909E8E84-426E-40dd-AFC4-6F175D3DCCD1}">
-              <a14:hiddenFill xmlns:a14="http://schemas.microsoft.com/office/drawing/2010/main" xmlns="">
+              <a14:hiddenFill xmlns="" xmlns:a14="http://schemas.microsoft.com/office/drawing/2010/main">
                 <a:solidFill>
                   <a:schemeClr val="accent1"/>
                 </a:solidFill>
               </a14:hiddenFill>
             </a:ext>
             <a:ext uri="{91240B29-F687-4f45-9708-019B960494DF}">
-              <a14:hiddenLine xmlns:a14="http://schemas.microsoft.com/office/drawing/2010/main" xmlns="" w="9525">
+              <a14:hiddenLine xmlns="" xmlns:a14="http://schemas.microsoft.com/office/drawing/2010/main" w="9525">
                 <a:solidFill>
                   <a:schemeClr val="tx1"/>
                 </a:solidFill>
@@ -34280,14 +34442,14 @@
           </a:ln>
           <a:extLst>
             <a:ext uri="{909E8E84-426E-40dd-AFC4-6F175D3DCCD1}">
-              <a14:hiddenFill xmlns:a14="http://schemas.microsoft.com/office/drawing/2010/main" xmlns="">
+              <a14:hiddenFill xmlns="" xmlns:a14="http://schemas.microsoft.com/office/drawing/2010/main">
                 <a:solidFill>
                   <a:schemeClr val="accent1"/>
                 </a:solidFill>
               </a14:hiddenFill>
             </a:ext>
             <a:ext uri="{91240B29-F687-4f45-9708-019B960494DF}">
-              <a14:hiddenLine xmlns:a14="http://schemas.microsoft.com/office/drawing/2010/main" xmlns="" w="9525">
+              <a14:hiddenLine xmlns="" xmlns:a14="http://schemas.microsoft.com/office/drawing/2010/main" w="9525">
                 <a:solidFill>
                   <a:schemeClr val="tx1"/>
                 </a:solidFill>
@@ -34333,14 +34495,14 @@
           </a:ln>
           <a:extLst>
             <a:ext uri="{909E8E84-426E-40dd-AFC4-6F175D3DCCD1}">
-              <a14:hiddenFill xmlns:a14="http://schemas.microsoft.com/office/drawing/2010/main" xmlns="">
+              <a14:hiddenFill xmlns="" xmlns:a14="http://schemas.microsoft.com/office/drawing/2010/main">
                 <a:solidFill>
                   <a:schemeClr val="accent1"/>
                 </a:solidFill>
               </a14:hiddenFill>
             </a:ext>
             <a:ext uri="{91240B29-F687-4f45-9708-019B960494DF}">
-              <a14:hiddenLine xmlns:a14="http://schemas.microsoft.com/office/drawing/2010/main" xmlns="" w="9525">
+              <a14:hiddenLine xmlns="" xmlns:a14="http://schemas.microsoft.com/office/drawing/2010/main" w="9525">
                 <a:solidFill>
                   <a:schemeClr val="tx1"/>
                 </a:solidFill>
@@ -34386,14 +34548,14 @@
           </a:ln>
           <a:extLst>
             <a:ext uri="{909E8E84-426E-40dd-AFC4-6F175D3DCCD1}">
-              <a14:hiddenFill xmlns:a14="http://schemas.microsoft.com/office/drawing/2010/main" xmlns="">
+              <a14:hiddenFill xmlns="" xmlns:a14="http://schemas.microsoft.com/office/drawing/2010/main">
                 <a:solidFill>
                   <a:schemeClr val="accent1"/>
                 </a:solidFill>
               </a14:hiddenFill>
             </a:ext>
             <a:ext uri="{91240B29-F687-4f45-9708-019B960494DF}">
-              <a14:hiddenLine xmlns:a14="http://schemas.microsoft.com/office/drawing/2010/main" xmlns="" w="9525">
+              <a14:hiddenLine xmlns="" xmlns:a14="http://schemas.microsoft.com/office/drawing/2010/main" w="9525">
                 <a:solidFill>
                   <a:schemeClr val="tx1"/>
                 </a:solidFill>
@@ -34439,14 +34601,14 @@
           </a:ln>
           <a:extLst>
             <a:ext uri="{909E8E84-426E-40dd-AFC4-6F175D3DCCD1}">
-              <a14:hiddenFill xmlns:a14="http://schemas.microsoft.com/office/drawing/2010/main" xmlns="">
+              <a14:hiddenFill xmlns="" xmlns:a14="http://schemas.microsoft.com/office/drawing/2010/main">
                 <a:solidFill>
                   <a:schemeClr val="accent1"/>
                 </a:solidFill>
               </a14:hiddenFill>
             </a:ext>
             <a:ext uri="{91240B29-F687-4f45-9708-019B960494DF}">
-              <a14:hiddenLine xmlns:a14="http://schemas.microsoft.com/office/drawing/2010/main" xmlns="" w="9525">
+              <a14:hiddenLine xmlns="" xmlns:a14="http://schemas.microsoft.com/office/drawing/2010/main" w="9525">
                 <a:solidFill>
                   <a:schemeClr val="tx1"/>
                 </a:solidFill>
@@ -34492,14 +34654,14 @@
           </a:ln>
           <a:extLst>
             <a:ext uri="{909E8E84-426E-40dd-AFC4-6F175D3DCCD1}">
-              <a14:hiddenFill xmlns:a14="http://schemas.microsoft.com/office/drawing/2010/main" xmlns="">
+              <a14:hiddenFill xmlns="" xmlns:a14="http://schemas.microsoft.com/office/drawing/2010/main">
                 <a:solidFill>
                   <a:schemeClr val="accent1"/>
                 </a:solidFill>
               </a14:hiddenFill>
             </a:ext>
             <a:ext uri="{91240B29-F687-4f45-9708-019B960494DF}">
-              <a14:hiddenLine xmlns:a14="http://schemas.microsoft.com/office/drawing/2010/main" xmlns="" w="9525">
+              <a14:hiddenLine xmlns="" xmlns:a14="http://schemas.microsoft.com/office/drawing/2010/main" w="9525">
                 <a:solidFill>
                   <a:schemeClr val="tx1"/>
                 </a:solidFill>
@@ -34545,14 +34707,14 @@
           </a:ln>
           <a:extLst>
             <a:ext uri="{909E8E84-426E-40dd-AFC4-6F175D3DCCD1}">
-              <a14:hiddenFill xmlns:a14="http://schemas.microsoft.com/office/drawing/2010/main" xmlns="">
+              <a14:hiddenFill xmlns="" xmlns:a14="http://schemas.microsoft.com/office/drawing/2010/main">
                 <a:solidFill>
                   <a:schemeClr val="accent1"/>
                 </a:solidFill>
               </a14:hiddenFill>
             </a:ext>
             <a:ext uri="{91240B29-F687-4f45-9708-019B960494DF}">
-              <a14:hiddenLine xmlns:a14="http://schemas.microsoft.com/office/drawing/2010/main" xmlns="" w="9525">
+              <a14:hiddenLine xmlns="" xmlns:a14="http://schemas.microsoft.com/office/drawing/2010/main" w="9525">
                 <a:solidFill>
                   <a:schemeClr val="tx1"/>
                 </a:solidFill>
@@ -34598,14 +34760,14 @@
           </a:ln>
           <a:extLst>
             <a:ext uri="{909E8E84-426E-40dd-AFC4-6F175D3DCCD1}">
-              <a14:hiddenFill xmlns:a14="http://schemas.microsoft.com/office/drawing/2010/main" xmlns="">
+              <a14:hiddenFill xmlns="" xmlns:a14="http://schemas.microsoft.com/office/drawing/2010/main">
                 <a:solidFill>
                   <a:schemeClr val="accent1"/>
                 </a:solidFill>
               </a14:hiddenFill>
             </a:ext>
             <a:ext uri="{91240B29-F687-4f45-9708-019B960494DF}">
-              <a14:hiddenLine xmlns:a14="http://schemas.microsoft.com/office/drawing/2010/main" xmlns="" w="9525">
+              <a14:hiddenLine xmlns="" xmlns:a14="http://schemas.microsoft.com/office/drawing/2010/main" w="9525">
                 <a:solidFill>
                   <a:schemeClr val="tx1"/>
                 </a:solidFill>
@@ -34651,14 +34813,14 @@
           </a:ln>
           <a:extLst>
             <a:ext uri="{909E8E84-426E-40dd-AFC4-6F175D3DCCD1}">
-              <a14:hiddenFill xmlns:a14="http://schemas.microsoft.com/office/drawing/2010/main" xmlns="">
+              <a14:hiddenFill xmlns="" xmlns:a14="http://schemas.microsoft.com/office/drawing/2010/main">
                 <a:solidFill>
                   <a:schemeClr val="accent1"/>
                 </a:solidFill>
               </a14:hiddenFill>
             </a:ext>
             <a:ext uri="{91240B29-F687-4f45-9708-019B960494DF}">
-              <a14:hiddenLine xmlns:a14="http://schemas.microsoft.com/office/drawing/2010/main" xmlns="" w="9525">
+              <a14:hiddenLine xmlns="" xmlns:a14="http://schemas.microsoft.com/office/drawing/2010/main" w="9525">
                 <a:solidFill>
                   <a:schemeClr val="tx1"/>
                 </a:solidFill>
@@ -34711,7 +34873,7 @@
           </a:ln>
           <a:extLst>
             <a:ext uri="{909E8E84-426E-40dd-AFC4-6F175D3DCCD1}">
-              <a14:hiddenFill xmlns:a14="http://schemas.microsoft.com/office/drawing/2010/main" xmlns="">
+              <a14:hiddenFill xmlns="" xmlns:a14="http://schemas.microsoft.com/office/drawing/2010/main">
                 <a:noFill/>
               </a14:hiddenFill>
             </a:ext>
@@ -34747,7 +34909,7 @@
           </a:ln>
           <a:extLst>
             <a:ext uri="{909E8E84-426E-40dd-AFC4-6F175D3DCCD1}">
-              <a14:hiddenFill xmlns:a14="http://schemas.microsoft.com/office/drawing/2010/main" xmlns="">
+              <a14:hiddenFill xmlns="" xmlns:a14="http://schemas.microsoft.com/office/drawing/2010/main">
                 <a:noFill/>
               </a14:hiddenFill>
             </a:ext>
@@ -34783,7 +34945,7 @@
           </a:ln>
           <a:extLst>
             <a:ext uri="{909E8E84-426E-40dd-AFC4-6F175D3DCCD1}">
-              <a14:hiddenFill xmlns:a14="http://schemas.microsoft.com/office/drawing/2010/main" xmlns="">
+              <a14:hiddenFill xmlns="" xmlns:a14="http://schemas.microsoft.com/office/drawing/2010/main">
                 <a:noFill/>
               </a14:hiddenFill>
             </a:ext>
@@ -34819,7 +34981,7 @@
           </a:ln>
           <a:extLst>
             <a:ext uri="{909E8E84-426E-40dd-AFC4-6F175D3DCCD1}">
-              <a14:hiddenFill xmlns:a14="http://schemas.microsoft.com/office/drawing/2010/main" xmlns="">
+              <a14:hiddenFill xmlns="" xmlns:a14="http://schemas.microsoft.com/office/drawing/2010/main">
                 <a:noFill/>
               </a14:hiddenFill>
             </a:ext>
@@ -34855,7 +35017,7 @@
           </a:ln>
           <a:extLst>
             <a:ext uri="{909E8E84-426E-40dd-AFC4-6F175D3DCCD1}">
-              <a14:hiddenFill xmlns:a14="http://schemas.microsoft.com/office/drawing/2010/main" xmlns="">
+              <a14:hiddenFill xmlns="" xmlns:a14="http://schemas.microsoft.com/office/drawing/2010/main">
                 <a:noFill/>
               </a14:hiddenFill>
             </a:ext>
@@ -34891,7 +35053,7 @@
           </a:ln>
           <a:extLst>
             <a:ext uri="{909E8E84-426E-40dd-AFC4-6F175D3DCCD1}">
-              <a14:hiddenFill xmlns:a14="http://schemas.microsoft.com/office/drawing/2010/main" xmlns="">
+              <a14:hiddenFill xmlns="" xmlns:a14="http://schemas.microsoft.com/office/drawing/2010/main">
                 <a:noFill/>
               </a14:hiddenFill>
             </a:ext>
@@ -34927,7 +35089,7 @@
           </a:ln>
           <a:extLst>
             <a:ext uri="{909E8E84-426E-40dd-AFC4-6F175D3DCCD1}">
-              <a14:hiddenFill xmlns:a14="http://schemas.microsoft.com/office/drawing/2010/main" xmlns="">
+              <a14:hiddenFill xmlns="" xmlns:a14="http://schemas.microsoft.com/office/drawing/2010/main">
                 <a:noFill/>
               </a14:hiddenFill>
             </a:ext>
@@ -34963,7 +35125,7 @@
           </a:ln>
           <a:extLst>
             <a:ext uri="{909E8E84-426E-40dd-AFC4-6F175D3DCCD1}">
-              <a14:hiddenFill xmlns:a14="http://schemas.microsoft.com/office/drawing/2010/main" xmlns="">
+              <a14:hiddenFill xmlns="" xmlns:a14="http://schemas.microsoft.com/office/drawing/2010/main">
                 <a:noFill/>
               </a14:hiddenFill>
             </a:ext>
@@ -34999,7 +35161,7 @@
           </a:ln>
           <a:extLst>
             <a:ext uri="{909E8E84-426E-40dd-AFC4-6F175D3DCCD1}">
-              <a14:hiddenFill xmlns:a14="http://schemas.microsoft.com/office/drawing/2010/main" xmlns="">
+              <a14:hiddenFill xmlns="" xmlns:a14="http://schemas.microsoft.com/office/drawing/2010/main">
                 <a:noFill/>
               </a14:hiddenFill>
             </a:ext>
@@ -35035,7 +35197,7 @@
           </a:ln>
           <a:extLst>
             <a:ext uri="{909E8E84-426E-40dd-AFC4-6F175D3DCCD1}">
-              <a14:hiddenFill xmlns:a14="http://schemas.microsoft.com/office/drawing/2010/main" xmlns="">
+              <a14:hiddenFill xmlns="" xmlns:a14="http://schemas.microsoft.com/office/drawing/2010/main">
                 <a:noFill/>
               </a14:hiddenFill>
             </a:ext>
@@ -35138,14 +35300,14 @@
           </a:ln>
           <a:extLst>
             <a:ext uri="{909E8E84-426E-40dd-AFC4-6F175D3DCCD1}">
-              <a14:hiddenFill xmlns:a14="http://schemas.microsoft.com/office/drawing/2010/main" xmlns="">
+              <a14:hiddenFill xmlns="" xmlns:a14="http://schemas.microsoft.com/office/drawing/2010/main">
                 <a:solidFill>
                   <a:schemeClr val="accent1"/>
                 </a:solidFill>
               </a14:hiddenFill>
             </a:ext>
             <a:ext uri="{91240B29-F687-4f45-9708-019B960494DF}">
-              <a14:hiddenLine xmlns:a14="http://schemas.microsoft.com/office/drawing/2010/main" xmlns="" w="9525">
+              <a14:hiddenLine xmlns="" xmlns:a14="http://schemas.microsoft.com/office/drawing/2010/main" w="9525">
                 <a:solidFill>
                   <a:schemeClr val="tx1"/>
                 </a:solidFill>
@@ -35191,14 +35353,14 @@
           </a:ln>
           <a:extLst>
             <a:ext uri="{909E8E84-426E-40dd-AFC4-6F175D3DCCD1}">
-              <a14:hiddenFill xmlns:a14="http://schemas.microsoft.com/office/drawing/2010/main" xmlns="">
+              <a14:hiddenFill xmlns="" xmlns:a14="http://schemas.microsoft.com/office/drawing/2010/main">
                 <a:solidFill>
                   <a:schemeClr val="accent1"/>
                 </a:solidFill>
               </a14:hiddenFill>
             </a:ext>
             <a:ext uri="{91240B29-F687-4f45-9708-019B960494DF}">
-              <a14:hiddenLine xmlns:a14="http://schemas.microsoft.com/office/drawing/2010/main" xmlns="" w="9525">
+              <a14:hiddenLine xmlns="" xmlns:a14="http://schemas.microsoft.com/office/drawing/2010/main" w="9525">
                 <a:solidFill>
                   <a:schemeClr val="tx1"/>
                 </a:solidFill>
@@ -35244,14 +35406,14 @@
           </a:ln>
           <a:extLst>
             <a:ext uri="{909E8E84-426E-40dd-AFC4-6F175D3DCCD1}">
-              <a14:hiddenFill xmlns:a14="http://schemas.microsoft.com/office/drawing/2010/main" xmlns="">
+              <a14:hiddenFill xmlns="" xmlns:a14="http://schemas.microsoft.com/office/drawing/2010/main">
                 <a:solidFill>
                   <a:schemeClr val="accent1"/>
                 </a:solidFill>
               </a14:hiddenFill>
             </a:ext>
             <a:ext uri="{91240B29-F687-4f45-9708-019B960494DF}">
-              <a14:hiddenLine xmlns:a14="http://schemas.microsoft.com/office/drawing/2010/main" xmlns="" w="9525">
+              <a14:hiddenLine xmlns="" xmlns:a14="http://schemas.microsoft.com/office/drawing/2010/main" w="9525">
                 <a:solidFill>
                   <a:schemeClr val="tx1"/>
                 </a:solidFill>
@@ -35297,14 +35459,14 @@
           </a:ln>
           <a:extLst>
             <a:ext uri="{909E8E84-426E-40dd-AFC4-6F175D3DCCD1}">
-              <a14:hiddenFill xmlns:a14="http://schemas.microsoft.com/office/drawing/2010/main" xmlns="">
+              <a14:hiddenFill xmlns="" xmlns:a14="http://schemas.microsoft.com/office/drawing/2010/main">
                 <a:solidFill>
                   <a:schemeClr val="accent1"/>
                 </a:solidFill>
               </a14:hiddenFill>
             </a:ext>
             <a:ext uri="{91240B29-F687-4f45-9708-019B960494DF}">
-              <a14:hiddenLine xmlns:a14="http://schemas.microsoft.com/office/drawing/2010/main" xmlns="" w="9525">
+              <a14:hiddenLine xmlns="" xmlns:a14="http://schemas.microsoft.com/office/drawing/2010/main" w="9525">
                 <a:solidFill>
                   <a:schemeClr val="tx1"/>
                 </a:solidFill>
@@ -35350,14 +35512,14 @@
           </a:ln>
           <a:extLst>
             <a:ext uri="{909E8E84-426E-40dd-AFC4-6F175D3DCCD1}">
-              <a14:hiddenFill xmlns:a14="http://schemas.microsoft.com/office/drawing/2010/main" xmlns="">
+              <a14:hiddenFill xmlns="" xmlns:a14="http://schemas.microsoft.com/office/drawing/2010/main">
                 <a:solidFill>
                   <a:schemeClr val="accent1"/>
                 </a:solidFill>
               </a14:hiddenFill>
             </a:ext>
             <a:ext uri="{91240B29-F687-4f45-9708-019B960494DF}">
-              <a14:hiddenLine xmlns:a14="http://schemas.microsoft.com/office/drawing/2010/main" xmlns="" w="9525">
+              <a14:hiddenLine xmlns="" xmlns:a14="http://schemas.microsoft.com/office/drawing/2010/main" w="9525">
                 <a:solidFill>
                   <a:schemeClr val="tx1"/>
                 </a:solidFill>
@@ -35403,14 +35565,14 @@
           </a:ln>
           <a:extLst>
             <a:ext uri="{909E8E84-426E-40dd-AFC4-6F175D3DCCD1}">
-              <a14:hiddenFill xmlns:a14="http://schemas.microsoft.com/office/drawing/2010/main" xmlns="">
+              <a14:hiddenFill xmlns="" xmlns:a14="http://schemas.microsoft.com/office/drawing/2010/main">
                 <a:solidFill>
                   <a:schemeClr val="accent1"/>
                 </a:solidFill>
               </a14:hiddenFill>
             </a:ext>
             <a:ext uri="{91240B29-F687-4f45-9708-019B960494DF}">
-              <a14:hiddenLine xmlns:a14="http://schemas.microsoft.com/office/drawing/2010/main" xmlns="" w="9525">
+              <a14:hiddenLine xmlns="" xmlns:a14="http://schemas.microsoft.com/office/drawing/2010/main" w="9525">
                 <a:solidFill>
                   <a:schemeClr val="tx1"/>
                 </a:solidFill>
@@ -35456,14 +35618,14 @@
           </a:ln>
           <a:extLst>
             <a:ext uri="{909E8E84-426E-40dd-AFC4-6F175D3DCCD1}">
-              <a14:hiddenFill xmlns:a14="http://schemas.microsoft.com/office/drawing/2010/main" xmlns="">
+              <a14:hiddenFill xmlns="" xmlns:a14="http://schemas.microsoft.com/office/drawing/2010/main">
                 <a:solidFill>
                   <a:schemeClr val="accent1"/>
                 </a:solidFill>
               </a14:hiddenFill>
             </a:ext>
             <a:ext uri="{91240B29-F687-4f45-9708-019B960494DF}">
-              <a14:hiddenLine xmlns:a14="http://schemas.microsoft.com/office/drawing/2010/main" xmlns="" w="9525">
+              <a14:hiddenLine xmlns="" xmlns:a14="http://schemas.microsoft.com/office/drawing/2010/main" w="9525">
                 <a:solidFill>
                   <a:schemeClr val="tx1"/>
                 </a:solidFill>
@@ -35509,14 +35671,14 @@
           </a:ln>
           <a:extLst>
             <a:ext uri="{909E8E84-426E-40dd-AFC4-6F175D3DCCD1}">
-              <a14:hiddenFill xmlns:a14="http://schemas.microsoft.com/office/drawing/2010/main" xmlns="">
+              <a14:hiddenFill xmlns="" xmlns:a14="http://schemas.microsoft.com/office/drawing/2010/main">
                 <a:solidFill>
                   <a:schemeClr val="accent1"/>
                 </a:solidFill>
               </a14:hiddenFill>
             </a:ext>
             <a:ext uri="{91240B29-F687-4f45-9708-019B960494DF}">
-              <a14:hiddenLine xmlns:a14="http://schemas.microsoft.com/office/drawing/2010/main" xmlns="" w="9525">
+              <a14:hiddenLine xmlns="" xmlns:a14="http://schemas.microsoft.com/office/drawing/2010/main" w="9525">
                 <a:solidFill>
                   <a:schemeClr val="tx1"/>
                 </a:solidFill>
@@ -35562,14 +35724,14 @@
           </a:ln>
           <a:extLst>
             <a:ext uri="{909E8E84-426E-40dd-AFC4-6F175D3DCCD1}">
-              <a14:hiddenFill xmlns:a14="http://schemas.microsoft.com/office/drawing/2010/main" xmlns="">
+              <a14:hiddenFill xmlns="" xmlns:a14="http://schemas.microsoft.com/office/drawing/2010/main">
                 <a:solidFill>
                   <a:schemeClr val="accent1"/>
                 </a:solidFill>
               </a14:hiddenFill>
             </a:ext>
             <a:ext uri="{91240B29-F687-4f45-9708-019B960494DF}">
-              <a14:hiddenLine xmlns:a14="http://schemas.microsoft.com/office/drawing/2010/main" xmlns="" w="9525">
+              <a14:hiddenLine xmlns="" xmlns:a14="http://schemas.microsoft.com/office/drawing/2010/main" w="9525">
                 <a:solidFill>
                   <a:schemeClr val="tx1"/>
                 </a:solidFill>
@@ -35615,14 +35777,14 @@
           </a:ln>
           <a:extLst>
             <a:ext uri="{909E8E84-426E-40dd-AFC4-6F175D3DCCD1}">
-              <a14:hiddenFill xmlns:a14="http://schemas.microsoft.com/office/drawing/2010/main" xmlns="">
+              <a14:hiddenFill xmlns="" xmlns:a14="http://schemas.microsoft.com/office/drawing/2010/main">
                 <a:solidFill>
                   <a:schemeClr val="accent1"/>
                 </a:solidFill>
               </a14:hiddenFill>
             </a:ext>
             <a:ext uri="{91240B29-F687-4f45-9708-019B960494DF}">
-              <a14:hiddenLine xmlns:a14="http://schemas.microsoft.com/office/drawing/2010/main" xmlns="" w="9525">
+              <a14:hiddenLine xmlns="" xmlns:a14="http://schemas.microsoft.com/office/drawing/2010/main" w="9525">
                 <a:solidFill>
                   <a:schemeClr val="tx1"/>
                 </a:solidFill>
@@ -35668,14 +35830,14 @@
           </a:ln>
           <a:extLst>
             <a:ext uri="{909E8E84-426E-40dd-AFC4-6F175D3DCCD1}">
-              <a14:hiddenFill xmlns:a14="http://schemas.microsoft.com/office/drawing/2010/main" xmlns="">
+              <a14:hiddenFill xmlns="" xmlns:a14="http://schemas.microsoft.com/office/drawing/2010/main">
                 <a:solidFill>
                   <a:schemeClr val="accent1"/>
                 </a:solidFill>
               </a14:hiddenFill>
             </a:ext>
             <a:ext uri="{91240B29-F687-4f45-9708-019B960494DF}">
-              <a14:hiddenLine xmlns:a14="http://schemas.microsoft.com/office/drawing/2010/main" xmlns="" w="9525">
+              <a14:hiddenLine xmlns="" xmlns:a14="http://schemas.microsoft.com/office/drawing/2010/main" w="9525">
                 <a:solidFill>
                   <a:schemeClr val="tx1"/>
                 </a:solidFill>
@@ -35728,7 +35890,7 @@
           </a:ln>
           <a:extLst>
             <a:ext uri="{909E8E84-426E-40dd-AFC4-6F175D3DCCD1}">
-              <a14:hiddenFill xmlns:a14="http://schemas.microsoft.com/office/drawing/2010/main" xmlns="">
+              <a14:hiddenFill xmlns="" xmlns:a14="http://schemas.microsoft.com/office/drawing/2010/main">
                 <a:noFill/>
               </a14:hiddenFill>
             </a:ext>
@@ -35764,7 +35926,7 @@
           </a:ln>
           <a:extLst>
             <a:ext uri="{909E8E84-426E-40dd-AFC4-6F175D3DCCD1}">
-              <a14:hiddenFill xmlns:a14="http://schemas.microsoft.com/office/drawing/2010/main" xmlns="">
+              <a14:hiddenFill xmlns="" xmlns:a14="http://schemas.microsoft.com/office/drawing/2010/main">
                 <a:noFill/>
               </a14:hiddenFill>
             </a:ext>
@@ -35800,7 +35962,7 @@
           </a:ln>
           <a:extLst>
             <a:ext uri="{909E8E84-426E-40dd-AFC4-6F175D3DCCD1}">
-              <a14:hiddenFill xmlns:a14="http://schemas.microsoft.com/office/drawing/2010/main" xmlns="">
+              <a14:hiddenFill xmlns="" xmlns:a14="http://schemas.microsoft.com/office/drawing/2010/main">
                 <a:noFill/>
               </a14:hiddenFill>
             </a:ext>
@@ -35836,7 +35998,7 @@
           </a:ln>
           <a:extLst>
             <a:ext uri="{909E8E84-426E-40dd-AFC4-6F175D3DCCD1}">
-              <a14:hiddenFill xmlns:a14="http://schemas.microsoft.com/office/drawing/2010/main" xmlns="">
+              <a14:hiddenFill xmlns="" xmlns:a14="http://schemas.microsoft.com/office/drawing/2010/main">
                 <a:noFill/>
               </a14:hiddenFill>
             </a:ext>
@@ -35872,7 +36034,7 @@
           </a:ln>
           <a:extLst>
             <a:ext uri="{909E8E84-426E-40dd-AFC4-6F175D3DCCD1}">
-              <a14:hiddenFill xmlns:a14="http://schemas.microsoft.com/office/drawing/2010/main" xmlns="">
+              <a14:hiddenFill xmlns="" xmlns:a14="http://schemas.microsoft.com/office/drawing/2010/main">
                 <a:noFill/>
               </a14:hiddenFill>
             </a:ext>
@@ -35908,7 +36070,7 @@
           </a:ln>
           <a:extLst>
             <a:ext uri="{909E8E84-426E-40dd-AFC4-6F175D3DCCD1}">
-              <a14:hiddenFill xmlns:a14="http://schemas.microsoft.com/office/drawing/2010/main" xmlns="">
+              <a14:hiddenFill xmlns="" xmlns:a14="http://schemas.microsoft.com/office/drawing/2010/main">
                 <a:noFill/>
               </a14:hiddenFill>
             </a:ext>
@@ -35944,7 +36106,7 @@
           </a:ln>
           <a:extLst>
             <a:ext uri="{909E8E84-426E-40dd-AFC4-6F175D3DCCD1}">
-              <a14:hiddenFill xmlns:a14="http://schemas.microsoft.com/office/drawing/2010/main" xmlns="">
+              <a14:hiddenFill xmlns="" xmlns:a14="http://schemas.microsoft.com/office/drawing/2010/main">
                 <a:noFill/>
               </a14:hiddenFill>
             </a:ext>
@@ -35980,7 +36142,7 @@
           </a:ln>
           <a:extLst>
             <a:ext uri="{909E8E84-426E-40dd-AFC4-6F175D3DCCD1}">
-              <a14:hiddenFill xmlns:a14="http://schemas.microsoft.com/office/drawing/2010/main" xmlns="">
+              <a14:hiddenFill xmlns="" xmlns:a14="http://schemas.microsoft.com/office/drawing/2010/main">
                 <a:noFill/>
               </a14:hiddenFill>
             </a:ext>
@@ -36016,7 +36178,7 @@
           </a:ln>
           <a:extLst>
             <a:ext uri="{909E8E84-426E-40dd-AFC4-6F175D3DCCD1}">
-              <a14:hiddenFill xmlns:a14="http://schemas.microsoft.com/office/drawing/2010/main" xmlns="">
+              <a14:hiddenFill xmlns="" xmlns:a14="http://schemas.microsoft.com/office/drawing/2010/main">
                 <a:noFill/>
               </a14:hiddenFill>
             </a:ext>
@@ -36052,7 +36214,7 @@
           </a:ln>
           <a:extLst>
             <a:ext uri="{909E8E84-426E-40dd-AFC4-6F175D3DCCD1}">
-              <a14:hiddenFill xmlns:a14="http://schemas.microsoft.com/office/drawing/2010/main" xmlns="">
+              <a14:hiddenFill xmlns="" xmlns:a14="http://schemas.microsoft.com/office/drawing/2010/main">
                 <a:noFill/>
               </a14:hiddenFill>
             </a:ext>
@@ -36081,14 +36243,14 @@
           </a:ln>
           <a:extLst>
             <a:ext uri="{909E8E84-426E-40dd-AFC4-6F175D3DCCD1}">
-              <a14:hiddenFill xmlns:a14="http://schemas.microsoft.com/office/drawing/2010/main" xmlns="">
+              <a14:hiddenFill xmlns="" xmlns:a14="http://schemas.microsoft.com/office/drawing/2010/main">
                 <a:solidFill>
                   <a:schemeClr val="accent1"/>
                 </a:solidFill>
               </a14:hiddenFill>
             </a:ext>
             <a:ext uri="{91240B29-F687-4f45-9708-019B960494DF}">
-              <a14:hiddenLine xmlns:a14="http://schemas.microsoft.com/office/drawing/2010/main" xmlns="" w="9525">
+              <a14:hiddenLine xmlns="" xmlns:a14="http://schemas.microsoft.com/office/drawing/2010/main" w="9525">
                 <a:solidFill>
                   <a:schemeClr val="tx1"/>
                 </a:solidFill>
@@ -36143,7 +36305,7 @@
           </a:ln>
           <a:extLst>
             <a:ext uri="{909E8E84-426E-40dd-AFC4-6F175D3DCCD1}">
-              <a14:hiddenFill xmlns:a14="http://schemas.microsoft.com/office/drawing/2010/main" xmlns="">
+              <a14:hiddenFill xmlns="" xmlns:a14="http://schemas.microsoft.com/office/drawing/2010/main">
                 <a:solidFill>
                   <a:schemeClr val="accent1"/>
                 </a:solidFill>
@@ -36278,14 +36440,14 @@
           </a:ln>
           <a:extLst>
             <a:ext uri="{909E8E84-426E-40dd-AFC4-6F175D3DCCD1}">
-              <a14:hiddenFill xmlns:a14="http://schemas.microsoft.com/office/drawing/2010/main" xmlns="">
+              <a14:hiddenFill xmlns="" xmlns:a14="http://schemas.microsoft.com/office/drawing/2010/main">
                 <a:solidFill>
                   <a:schemeClr val="accent1"/>
                 </a:solidFill>
               </a14:hiddenFill>
             </a:ext>
             <a:ext uri="{91240B29-F687-4f45-9708-019B960494DF}">
-              <a14:hiddenLine xmlns:a14="http://schemas.microsoft.com/office/drawing/2010/main" xmlns="" w="9525">
+              <a14:hiddenLine xmlns="" xmlns:a14="http://schemas.microsoft.com/office/drawing/2010/main" w="9525">
                 <a:solidFill>
                   <a:schemeClr val="tx1"/>
                 </a:solidFill>
@@ -36331,14 +36493,14 @@
           </a:ln>
           <a:extLst>
             <a:ext uri="{909E8E84-426E-40dd-AFC4-6F175D3DCCD1}">
-              <a14:hiddenFill xmlns:a14="http://schemas.microsoft.com/office/drawing/2010/main" xmlns="">
+              <a14:hiddenFill xmlns="" xmlns:a14="http://schemas.microsoft.com/office/drawing/2010/main">
                 <a:solidFill>
                   <a:schemeClr val="accent1"/>
                 </a:solidFill>
               </a14:hiddenFill>
             </a:ext>
             <a:ext uri="{91240B29-F687-4f45-9708-019B960494DF}">
-              <a14:hiddenLine xmlns:a14="http://schemas.microsoft.com/office/drawing/2010/main" xmlns="" w="9525">
+              <a14:hiddenLine xmlns="" xmlns:a14="http://schemas.microsoft.com/office/drawing/2010/main" w="9525">
                 <a:solidFill>
                   <a:schemeClr val="tx1"/>
                 </a:solidFill>
@@ -36384,14 +36546,14 @@
           </a:ln>
           <a:extLst>
             <a:ext uri="{909E8E84-426E-40dd-AFC4-6F175D3DCCD1}">
-              <a14:hiddenFill xmlns:a14="http://schemas.microsoft.com/office/drawing/2010/main" xmlns="">
+              <a14:hiddenFill xmlns="" xmlns:a14="http://schemas.microsoft.com/office/drawing/2010/main">
                 <a:solidFill>
                   <a:schemeClr val="accent1"/>
                 </a:solidFill>
               </a14:hiddenFill>
             </a:ext>
             <a:ext uri="{91240B29-F687-4f45-9708-019B960494DF}">
-              <a14:hiddenLine xmlns:a14="http://schemas.microsoft.com/office/drawing/2010/main" xmlns="" w="9525">
+              <a14:hiddenLine xmlns="" xmlns:a14="http://schemas.microsoft.com/office/drawing/2010/main" w="9525">
                 <a:solidFill>
                   <a:schemeClr val="tx1"/>
                 </a:solidFill>
@@ -36437,14 +36599,14 @@
           </a:ln>
           <a:extLst>
             <a:ext uri="{909E8E84-426E-40dd-AFC4-6F175D3DCCD1}">
-              <a14:hiddenFill xmlns:a14="http://schemas.microsoft.com/office/drawing/2010/main" xmlns="">
+              <a14:hiddenFill xmlns="" xmlns:a14="http://schemas.microsoft.com/office/drawing/2010/main">
                 <a:solidFill>
                   <a:schemeClr val="accent1"/>
                 </a:solidFill>
               </a14:hiddenFill>
             </a:ext>
             <a:ext uri="{91240B29-F687-4f45-9708-019B960494DF}">
-              <a14:hiddenLine xmlns:a14="http://schemas.microsoft.com/office/drawing/2010/main" xmlns="" w="9525">
+              <a14:hiddenLine xmlns="" xmlns:a14="http://schemas.microsoft.com/office/drawing/2010/main" w="9525">
                 <a:solidFill>
                   <a:schemeClr val="tx1"/>
                 </a:solidFill>
@@ -36490,14 +36652,14 @@
           </a:ln>
           <a:extLst>
             <a:ext uri="{909E8E84-426E-40dd-AFC4-6F175D3DCCD1}">
-              <a14:hiddenFill xmlns:a14="http://schemas.microsoft.com/office/drawing/2010/main" xmlns="">
+              <a14:hiddenFill xmlns="" xmlns:a14="http://schemas.microsoft.com/office/drawing/2010/main">
                 <a:solidFill>
                   <a:schemeClr val="accent1"/>
                 </a:solidFill>
               </a14:hiddenFill>
             </a:ext>
             <a:ext uri="{91240B29-F687-4f45-9708-019B960494DF}">
-              <a14:hiddenLine xmlns:a14="http://schemas.microsoft.com/office/drawing/2010/main" xmlns="" w="9525">
+              <a14:hiddenLine xmlns="" xmlns:a14="http://schemas.microsoft.com/office/drawing/2010/main" w="9525">
                 <a:solidFill>
                   <a:schemeClr val="tx1"/>
                 </a:solidFill>
@@ -36543,14 +36705,14 @@
           </a:ln>
           <a:extLst>
             <a:ext uri="{909E8E84-426E-40dd-AFC4-6F175D3DCCD1}">
-              <a14:hiddenFill xmlns:a14="http://schemas.microsoft.com/office/drawing/2010/main" xmlns="">
+              <a14:hiddenFill xmlns="" xmlns:a14="http://schemas.microsoft.com/office/drawing/2010/main">
                 <a:solidFill>
                   <a:schemeClr val="accent1"/>
                 </a:solidFill>
               </a14:hiddenFill>
             </a:ext>
             <a:ext uri="{91240B29-F687-4f45-9708-019B960494DF}">
-              <a14:hiddenLine xmlns:a14="http://schemas.microsoft.com/office/drawing/2010/main" xmlns="" w="9525">
+              <a14:hiddenLine xmlns="" xmlns:a14="http://schemas.microsoft.com/office/drawing/2010/main" w="9525">
                 <a:solidFill>
                   <a:schemeClr val="tx1"/>
                 </a:solidFill>
@@ -36596,14 +36758,14 @@
           </a:ln>
           <a:extLst>
             <a:ext uri="{909E8E84-426E-40dd-AFC4-6F175D3DCCD1}">
-              <a14:hiddenFill xmlns:a14="http://schemas.microsoft.com/office/drawing/2010/main" xmlns="">
+              <a14:hiddenFill xmlns="" xmlns:a14="http://schemas.microsoft.com/office/drawing/2010/main">
                 <a:solidFill>
                   <a:schemeClr val="accent1"/>
                 </a:solidFill>
               </a14:hiddenFill>
             </a:ext>
             <a:ext uri="{91240B29-F687-4f45-9708-019B960494DF}">
-              <a14:hiddenLine xmlns:a14="http://schemas.microsoft.com/office/drawing/2010/main" xmlns="" w="9525">
+              <a14:hiddenLine xmlns="" xmlns:a14="http://schemas.microsoft.com/office/drawing/2010/main" w="9525">
                 <a:solidFill>
                   <a:schemeClr val="tx1"/>
                 </a:solidFill>
@@ -36649,14 +36811,14 @@
           </a:ln>
           <a:extLst>
             <a:ext uri="{909E8E84-426E-40dd-AFC4-6F175D3DCCD1}">
-              <a14:hiddenFill xmlns:a14="http://schemas.microsoft.com/office/drawing/2010/main" xmlns="">
+              <a14:hiddenFill xmlns="" xmlns:a14="http://schemas.microsoft.com/office/drawing/2010/main">
                 <a:solidFill>
                   <a:schemeClr val="accent1"/>
                 </a:solidFill>
               </a14:hiddenFill>
             </a:ext>
             <a:ext uri="{91240B29-F687-4f45-9708-019B960494DF}">
-              <a14:hiddenLine xmlns:a14="http://schemas.microsoft.com/office/drawing/2010/main" xmlns="" w="9525">
+              <a14:hiddenLine xmlns="" xmlns:a14="http://schemas.microsoft.com/office/drawing/2010/main" w="9525">
                 <a:solidFill>
                   <a:schemeClr val="tx1"/>
                 </a:solidFill>
@@ -36702,14 +36864,14 @@
           </a:ln>
           <a:extLst>
             <a:ext uri="{909E8E84-426E-40dd-AFC4-6F175D3DCCD1}">
-              <a14:hiddenFill xmlns:a14="http://schemas.microsoft.com/office/drawing/2010/main" xmlns="">
+              <a14:hiddenFill xmlns="" xmlns:a14="http://schemas.microsoft.com/office/drawing/2010/main">
                 <a:solidFill>
                   <a:schemeClr val="accent1"/>
                 </a:solidFill>
               </a14:hiddenFill>
             </a:ext>
             <a:ext uri="{91240B29-F687-4f45-9708-019B960494DF}">
-              <a14:hiddenLine xmlns:a14="http://schemas.microsoft.com/office/drawing/2010/main" xmlns="" w="9525">
+              <a14:hiddenLine xmlns="" xmlns:a14="http://schemas.microsoft.com/office/drawing/2010/main" w="9525">
                 <a:solidFill>
                   <a:schemeClr val="tx1"/>
                 </a:solidFill>
@@ -36755,14 +36917,14 @@
           </a:ln>
           <a:extLst>
             <a:ext uri="{909E8E84-426E-40dd-AFC4-6F175D3DCCD1}">
-              <a14:hiddenFill xmlns:a14="http://schemas.microsoft.com/office/drawing/2010/main" xmlns="">
+              <a14:hiddenFill xmlns="" xmlns:a14="http://schemas.microsoft.com/office/drawing/2010/main">
                 <a:solidFill>
                   <a:schemeClr val="accent1"/>
                 </a:solidFill>
               </a14:hiddenFill>
             </a:ext>
             <a:ext uri="{91240B29-F687-4f45-9708-019B960494DF}">
-              <a14:hiddenLine xmlns:a14="http://schemas.microsoft.com/office/drawing/2010/main" xmlns="" w="9525">
+              <a14:hiddenLine xmlns="" xmlns:a14="http://schemas.microsoft.com/office/drawing/2010/main" w="9525">
                 <a:solidFill>
                   <a:schemeClr val="tx1"/>
                 </a:solidFill>
@@ -36808,14 +36970,14 @@
           </a:ln>
           <a:extLst>
             <a:ext uri="{909E8E84-426E-40dd-AFC4-6F175D3DCCD1}">
-              <a14:hiddenFill xmlns:a14="http://schemas.microsoft.com/office/drawing/2010/main" xmlns="">
+              <a14:hiddenFill xmlns="" xmlns:a14="http://schemas.microsoft.com/office/drawing/2010/main">
                 <a:solidFill>
                   <a:schemeClr val="accent1"/>
                 </a:solidFill>
               </a14:hiddenFill>
             </a:ext>
             <a:ext uri="{91240B29-F687-4f45-9708-019B960494DF}">
-              <a14:hiddenLine xmlns:a14="http://schemas.microsoft.com/office/drawing/2010/main" xmlns="" w="9525">
+              <a14:hiddenLine xmlns="" xmlns:a14="http://schemas.microsoft.com/office/drawing/2010/main" w="9525">
                 <a:solidFill>
                   <a:schemeClr val="tx1"/>
                 </a:solidFill>
@@ -36868,7 +37030,7 @@
           </a:ln>
           <a:extLst>
             <a:ext uri="{909E8E84-426E-40dd-AFC4-6F175D3DCCD1}">
-              <a14:hiddenFill xmlns:a14="http://schemas.microsoft.com/office/drawing/2010/main" xmlns="">
+              <a14:hiddenFill xmlns="" xmlns:a14="http://schemas.microsoft.com/office/drawing/2010/main">
                 <a:noFill/>
               </a14:hiddenFill>
             </a:ext>
@@ -36904,7 +37066,7 @@
           </a:ln>
           <a:extLst>
             <a:ext uri="{909E8E84-426E-40dd-AFC4-6F175D3DCCD1}">
-              <a14:hiddenFill xmlns:a14="http://schemas.microsoft.com/office/drawing/2010/main" xmlns="">
+              <a14:hiddenFill xmlns="" xmlns:a14="http://schemas.microsoft.com/office/drawing/2010/main">
                 <a:noFill/>
               </a14:hiddenFill>
             </a:ext>
@@ -36940,7 +37102,7 @@
           </a:ln>
           <a:extLst>
             <a:ext uri="{909E8E84-426E-40dd-AFC4-6F175D3DCCD1}">
-              <a14:hiddenFill xmlns:a14="http://schemas.microsoft.com/office/drawing/2010/main" xmlns="">
+              <a14:hiddenFill xmlns="" xmlns:a14="http://schemas.microsoft.com/office/drawing/2010/main">
                 <a:noFill/>
               </a14:hiddenFill>
             </a:ext>
@@ -36976,7 +37138,7 @@
           </a:ln>
           <a:extLst>
             <a:ext uri="{909E8E84-426E-40dd-AFC4-6F175D3DCCD1}">
-              <a14:hiddenFill xmlns:a14="http://schemas.microsoft.com/office/drawing/2010/main" xmlns="">
+              <a14:hiddenFill xmlns="" xmlns:a14="http://schemas.microsoft.com/office/drawing/2010/main">
                 <a:noFill/>
               </a14:hiddenFill>
             </a:ext>
@@ -37012,7 +37174,7 @@
           </a:ln>
           <a:extLst>
             <a:ext uri="{909E8E84-426E-40dd-AFC4-6F175D3DCCD1}">
-              <a14:hiddenFill xmlns:a14="http://schemas.microsoft.com/office/drawing/2010/main" xmlns="">
+              <a14:hiddenFill xmlns="" xmlns:a14="http://schemas.microsoft.com/office/drawing/2010/main">
                 <a:noFill/>
               </a14:hiddenFill>
             </a:ext>
@@ -37048,7 +37210,7 @@
           </a:ln>
           <a:extLst>
             <a:ext uri="{909E8E84-426E-40dd-AFC4-6F175D3DCCD1}">
-              <a14:hiddenFill xmlns:a14="http://schemas.microsoft.com/office/drawing/2010/main" xmlns="">
+              <a14:hiddenFill xmlns="" xmlns:a14="http://schemas.microsoft.com/office/drawing/2010/main">
                 <a:noFill/>
               </a14:hiddenFill>
             </a:ext>
@@ -37084,7 +37246,7 @@
           </a:ln>
           <a:extLst>
             <a:ext uri="{909E8E84-426E-40dd-AFC4-6F175D3DCCD1}">
-              <a14:hiddenFill xmlns:a14="http://schemas.microsoft.com/office/drawing/2010/main" xmlns="">
+              <a14:hiddenFill xmlns="" xmlns:a14="http://schemas.microsoft.com/office/drawing/2010/main">
                 <a:noFill/>
               </a14:hiddenFill>
             </a:ext>
@@ -37120,7 +37282,7 @@
           </a:ln>
           <a:extLst>
             <a:ext uri="{909E8E84-426E-40dd-AFC4-6F175D3DCCD1}">
-              <a14:hiddenFill xmlns:a14="http://schemas.microsoft.com/office/drawing/2010/main" xmlns="">
+              <a14:hiddenFill xmlns="" xmlns:a14="http://schemas.microsoft.com/office/drawing/2010/main">
                 <a:noFill/>
               </a14:hiddenFill>
             </a:ext>
@@ -37156,7 +37318,7 @@
           </a:ln>
           <a:extLst>
             <a:ext uri="{909E8E84-426E-40dd-AFC4-6F175D3DCCD1}">
-              <a14:hiddenFill xmlns:a14="http://schemas.microsoft.com/office/drawing/2010/main" xmlns="">
+              <a14:hiddenFill xmlns="" xmlns:a14="http://schemas.microsoft.com/office/drawing/2010/main">
                 <a:noFill/>
               </a14:hiddenFill>
             </a:ext>
@@ -37192,7 +37354,7 @@
           </a:ln>
           <a:extLst>
             <a:ext uri="{909E8E84-426E-40dd-AFC4-6F175D3DCCD1}">
-              <a14:hiddenFill xmlns:a14="http://schemas.microsoft.com/office/drawing/2010/main" xmlns="">
+              <a14:hiddenFill xmlns="" xmlns:a14="http://schemas.microsoft.com/office/drawing/2010/main">
                 <a:noFill/>
               </a14:hiddenFill>
             </a:ext>
@@ -37221,14 +37383,14 @@
           </a:ln>
           <a:extLst>
             <a:ext uri="{909E8E84-426E-40dd-AFC4-6F175D3DCCD1}">
-              <a14:hiddenFill xmlns:a14="http://schemas.microsoft.com/office/drawing/2010/main" xmlns="">
+              <a14:hiddenFill xmlns="" xmlns:a14="http://schemas.microsoft.com/office/drawing/2010/main">
                 <a:solidFill>
                   <a:schemeClr val="accent1"/>
                 </a:solidFill>
               </a14:hiddenFill>
             </a:ext>
             <a:ext uri="{91240B29-F687-4f45-9708-019B960494DF}">
-              <a14:hiddenLine xmlns:a14="http://schemas.microsoft.com/office/drawing/2010/main" xmlns="" w="9525">
+              <a14:hiddenLine xmlns="" xmlns:a14="http://schemas.microsoft.com/office/drawing/2010/main" w="9525">
                 <a:solidFill>
                   <a:schemeClr val="tx1"/>
                 </a:solidFill>
@@ -37278,14 +37440,14 @@
           </a:ln>
           <a:extLst>
             <a:ext uri="{909E8E84-426E-40dd-AFC4-6F175D3DCCD1}">
-              <a14:hiddenFill xmlns:a14="http://schemas.microsoft.com/office/drawing/2010/main" xmlns="">
+              <a14:hiddenFill xmlns="" xmlns:a14="http://schemas.microsoft.com/office/drawing/2010/main">
                 <a:solidFill>
                   <a:schemeClr val="accent1"/>
                 </a:solidFill>
               </a14:hiddenFill>
             </a:ext>
             <a:ext uri="{91240B29-F687-4f45-9708-019B960494DF}">
-              <a14:hiddenLine xmlns:a14="http://schemas.microsoft.com/office/drawing/2010/main" xmlns="" w="9525">
+              <a14:hiddenLine xmlns="" xmlns:a14="http://schemas.microsoft.com/office/drawing/2010/main" w="9525">
                 <a:solidFill>
                   <a:schemeClr val="tx1"/>
                 </a:solidFill>
@@ -37340,7 +37502,7 @@
           </a:ln>
           <a:extLst>
             <a:ext uri="{909E8E84-426E-40dd-AFC4-6F175D3DCCD1}">
-              <a14:hiddenFill xmlns:a14="http://schemas.microsoft.com/office/drawing/2010/main" xmlns="">
+              <a14:hiddenFill xmlns="" xmlns:a14="http://schemas.microsoft.com/office/drawing/2010/main">
                 <a:solidFill>
                   <a:schemeClr val="accent1"/>
                 </a:solidFill>
@@ -37475,14 +37637,14 @@
           </a:ln>
           <a:extLst>
             <a:ext uri="{909E8E84-426E-40dd-AFC4-6F175D3DCCD1}">
-              <a14:hiddenFill xmlns:a14="http://schemas.microsoft.com/office/drawing/2010/main" xmlns="">
+              <a14:hiddenFill xmlns="" xmlns:a14="http://schemas.microsoft.com/office/drawing/2010/main">
                 <a:solidFill>
                   <a:schemeClr val="accent1"/>
                 </a:solidFill>
               </a14:hiddenFill>
             </a:ext>
             <a:ext uri="{91240B29-F687-4f45-9708-019B960494DF}">
-              <a14:hiddenLine xmlns:a14="http://schemas.microsoft.com/office/drawing/2010/main" xmlns="" w="9525">
+              <a14:hiddenLine xmlns="" xmlns:a14="http://schemas.microsoft.com/office/drawing/2010/main" w="9525">
                 <a:solidFill>
                   <a:schemeClr val="tx1"/>
                 </a:solidFill>
@@ -37528,14 +37690,14 @@
           </a:ln>
           <a:extLst>
             <a:ext uri="{909E8E84-426E-40dd-AFC4-6F175D3DCCD1}">
-              <a14:hiddenFill xmlns:a14="http://schemas.microsoft.com/office/drawing/2010/main" xmlns="">
+              <a14:hiddenFill xmlns="" xmlns:a14="http://schemas.microsoft.com/office/drawing/2010/main">
                 <a:solidFill>
                   <a:schemeClr val="accent1"/>
                 </a:solidFill>
               </a14:hiddenFill>
             </a:ext>
             <a:ext uri="{91240B29-F687-4f45-9708-019B960494DF}">
-              <a14:hiddenLine xmlns:a14="http://schemas.microsoft.com/office/drawing/2010/main" xmlns="" w="9525">
+              <a14:hiddenLine xmlns="" xmlns:a14="http://schemas.microsoft.com/office/drawing/2010/main" w="9525">
                 <a:solidFill>
                   <a:schemeClr val="tx1"/>
                 </a:solidFill>
@@ -37581,14 +37743,14 @@
           </a:ln>
           <a:extLst>
             <a:ext uri="{909E8E84-426E-40dd-AFC4-6F175D3DCCD1}">
-              <a14:hiddenFill xmlns:a14="http://schemas.microsoft.com/office/drawing/2010/main" xmlns="">
+              <a14:hiddenFill xmlns="" xmlns:a14="http://schemas.microsoft.com/office/drawing/2010/main">
                 <a:solidFill>
                   <a:schemeClr val="accent1"/>
                 </a:solidFill>
               </a14:hiddenFill>
             </a:ext>
             <a:ext uri="{91240B29-F687-4f45-9708-019B960494DF}">
-              <a14:hiddenLine xmlns:a14="http://schemas.microsoft.com/office/drawing/2010/main" xmlns="" w="9525">
+              <a14:hiddenLine xmlns="" xmlns:a14="http://schemas.microsoft.com/office/drawing/2010/main" w="9525">
                 <a:solidFill>
                   <a:schemeClr val="tx1"/>
                 </a:solidFill>
@@ -37634,14 +37796,14 @@
           </a:ln>
           <a:extLst>
             <a:ext uri="{909E8E84-426E-40dd-AFC4-6F175D3DCCD1}">
-              <a14:hiddenFill xmlns:a14="http://schemas.microsoft.com/office/drawing/2010/main" xmlns="">
+              <a14:hiddenFill xmlns="" xmlns:a14="http://schemas.microsoft.com/office/drawing/2010/main">
                 <a:solidFill>
                   <a:schemeClr val="accent1"/>
                 </a:solidFill>
               </a14:hiddenFill>
             </a:ext>
             <a:ext uri="{91240B29-F687-4f45-9708-019B960494DF}">
-              <a14:hiddenLine xmlns:a14="http://schemas.microsoft.com/office/drawing/2010/main" xmlns="" w="9525">
+              <a14:hiddenLine xmlns="" xmlns:a14="http://schemas.microsoft.com/office/drawing/2010/main" w="9525">
                 <a:solidFill>
                   <a:schemeClr val="tx1"/>
                 </a:solidFill>
@@ -37687,14 +37849,14 @@
           </a:ln>
           <a:extLst>
             <a:ext uri="{909E8E84-426E-40dd-AFC4-6F175D3DCCD1}">
-              <a14:hiddenFill xmlns:a14="http://schemas.microsoft.com/office/drawing/2010/main" xmlns="">
+              <a14:hiddenFill xmlns="" xmlns:a14="http://schemas.microsoft.com/office/drawing/2010/main">
                 <a:solidFill>
                   <a:schemeClr val="accent1"/>
                 </a:solidFill>
               </a14:hiddenFill>
             </a:ext>
             <a:ext uri="{91240B29-F687-4f45-9708-019B960494DF}">
-              <a14:hiddenLine xmlns:a14="http://schemas.microsoft.com/office/drawing/2010/main" xmlns="" w="9525">
+              <a14:hiddenLine xmlns="" xmlns:a14="http://schemas.microsoft.com/office/drawing/2010/main" w="9525">
                 <a:solidFill>
                   <a:schemeClr val="tx1"/>
                 </a:solidFill>
@@ -37740,14 +37902,14 @@
           </a:ln>
           <a:extLst>
             <a:ext uri="{909E8E84-426E-40dd-AFC4-6F175D3DCCD1}">
-              <a14:hiddenFill xmlns:a14="http://schemas.microsoft.com/office/drawing/2010/main" xmlns="">
+              <a14:hiddenFill xmlns="" xmlns:a14="http://schemas.microsoft.com/office/drawing/2010/main">
                 <a:solidFill>
                   <a:schemeClr val="accent1"/>
                 </a:solidFill>
               </a14:hiddenFill>
             </a:ext>
             <a:ext uri="{91240B29-F687-4f45-9708-019B960494DF}">
-              <a14:hiddenLine xmlns:a14="http://schemas.microsoft.com/office/drawing/2010/main" xmlns="" w="9525">
+              <a14:hiddenLine xmlns="" xmlns:a14="http://schemas.microsoft.com/office/drawing/2010/main" w="9525">
                 <a:solidFill>
                   <a:schemeClr val="tx1"/>
                 </a:solidFill>
@@ -37793,14 +37955,14 @@
           </a:ln>
           <a:extLst>
             <a:ext uri="{909E8E84-426E-40dd-AFC4-6F175D3DCCD1}">
-              <a14:hiddenFill xmlns:a14="http://schemas.microsoft.com/office/drawing/2010/main" xmlns="">
+              <a14:hiddenFill xmlns="" xmlns:a14="http://schemas.microsoft.com/office/drawing/2010/main">
                 <a:solidFill>
                   <a:schemeClr val="accent1"/>
                 </a:solidFill>
               </a14:hiddenFill>
             </a:ext>
             <a:ext uri="{91240B29-F687-4f45-9708-019B960494DF}">
-              <a14:hiddenLine xmlns:a14="http://schemas.microsoft.com/office/drawing/2010/main" xmlns="" w="9525">
+              <a14:hiddenLine xmlns="" xmlns:a14="http://schemas.microsoft.com/office/drawing/2010/main" w="9525">
                 <a:solidFill>
                   <a:schemeClr val="tx1"/>
                 </a:solidFill>
@@ -37846,14 +38008,14 @@
           </a:ln>
           <a:extLst>
             <a:ext uri="{909E8E84-426E-40dd-AFC4-6F175D3DCCD1}">
-              <a14:hiddenFill xmlns:a14="http://schemas.microsoft.com/office/drawing/2010/main" xmlns="">
+              <a14:hiddenFill xmlns="" xmlns:a14="http://schemas.microsoft.com/office/drawing/2010/main">
                 <a:solidFill>
                   <a:schemeClr val="accent1"/>
                 </a:solidFill>
               </a14:hiddenFill>
             </a:ext>
             <a:ext uri="{91240B29-F687-4f45-9708-019B960494DF}">
-              <a14:hiddenLine xmlns:a14="http://schemas.microsoft.com/office/drawing/2010/main" xmlns="" w="9525">
+              <a14:hiddenLine xmlns="" xmlns:a14="http://schemas.microsoft.com/office/drawing/2010/main" w="9525">
                 <a:solidFill>
                   <a:schemeClr val="tx1"/>
                 </a:solidFill>
@@ -37899,14 +38061,14 @@
           </a:ln>
           <a:extLst>
             <a:ext uri="{909E8E84-426E-40dd-AFC4-6F175D3DCCD1}">
-              <a14:hiddenFill xmlns:a14="http://schemas.microsoft.com/office/drawing/2010/main" xmlns="">
+              <a14:hiddenFill xmlns="" xmlns:a14="http://schemas.microsoft.com/office/drawing/2010/main">
                 <a:solidFill>
                   <a:schemeClr val="accent1"/>
                 </a:solidFill>
               </a14:hiddenFill>
             </a:ext>
             <a:ext uri="{91240B29-F687-4f45-9708-019B960494DF}">
-              <a14:hiddenLine xmlns:a14="http://schemas.microsoft.com/office/drawing/2010/main" xmlns="" w="9525">
+              <a14:hiddenLine xmlns="" xmlns:a14="http://schemas.microsoft.com/office/drawing/2010/main" w="9525">
                 <a:solidFill>
                   <a:schemeClr val="tx1"/>
                 </a:solidFill>
@@ -37952,14 +38114,14 @@
           </a:ln>
           <a:extLst>
             <a:ext uri="{909E8E84-426E-40dd-AFC4-6F175D3DCCD1}">
-              <a14:hiddenFill xmlns:a14="http://schemas.microsoft.com/office/drawing/2010/main" xmlns="">
+              <a14:hiddenFill xmlns="" xmlns:a14="http://schemas.microsoft.com/office/drawing/2010/main">
                 <a:solidFill>
                   <a:schemeClr val="accent1"/>
                 </a:solidFill>
               </a14:hiddenFill>
             </a:ext>
             <a:ext uri="{91240B29-F687-4f45-9708-019B960494DF}">
-              <a14:hiddenLine xmlns:a14="http://schemas.microsoft.com/office/drawing/2010/main" xmlns="" w="9525">
+              <a14:hiddenLine xmlns="" xmlns:a14="http://schemas.microsoft.com/office/drawing/2010/main" w="9525">
                 <a:solidFill>
                   <a:schemeClr val="tx1"/>
                 </a:solidFill>
@@ -38005,14 +38167,14 @@
           </a:ln>
           <a:extLst>
             <a:ext uri="{909E8E84-426E-40dd-AFC4-6F175D3DCCD1}">
-              <a14:hiddenFill xmlns:a14="http://schemas.microsoft.com/office/drawing/2010/main" xmlns="">
+              <a14:hiddenFill xmlns="" xmlns:a14="http://schemas.microsoft.com/office/drawing/2010/main">
                 <a:solidFill>
                   <a:schemeClr val="accent1"/>
                 </a:solidFill>
               </a14:hiddenFill>
             </a:ext>
             <a:ext uri="{91240B29-F687-4f45-9708-019B960494DF}">
-              <a14:hiddenLine xmlns:a14="http://schemas.microsoft.com/office/drawing/2010/main" xmlns="" w="9525">
+              <a14:hiddenLine xmlns="" xmlns:a14="http://schemas.microsoft.com/office/drawing/2010/main" w="9525">
                 <a:solidFill>
                   <a:schemeClr val="tx1"/>
                 </a:solidFill>
@@ -38065,7 +38227,7 @@
           </a:ln>
           <a:extLst>
             <a:ext uri="{909E8E84-426E-40dd-AFC4-6F175D3DCCD1}">
-              <a14:hiddenFill xmlns:a14="http://schemas.microsoft.com/office/drawing/2010/main" xmlns="">
+              <a14:hiddenFill xmlns="" xmlns:a14="http://schemas.microsoft.com/office/drawing/2010/main">
                 <a:noFill/>
               </a14:hiddenFill>
             </a:ext>
@@ -38101,7 +38263,7 @@
           </a:ln>
           <a:extLst>
             <a:ext uri="{909E8E84-426E-40dd-AFC4-6F175D3DCCD1}">
-              <a14:hiddenFill xmlns:a14="http://schemas.microsoft.com/office/drawing/2010/main" xmlns="">
+              <a14:hiddenFill xmlns="" xmlns:a14="http://schemas.microsoft.com/office/drawing/2010/main">
                 <a:noFill/>
               </a14:hiddenFill>
             </a:ext>
@@ -38137,7 +38299,7 @@
           </a:ln>
           <a:extLst>
             <a:ext uri="{909E8E84-426E-40dd-AFC4-6F175D3DCCD1}">
-              <a14:hiddenFill xmlns:a14="http://schemas.microsoft.com/office/drawing/2010/main" xmlns="">
+              <a14:hiddenFill xmlns="" xmlns:a14="http://schemas.microsoft.com/office/drawing/2010/main">
                 <a:noFill/>
               </a14:hiddenFill>
             </a:ext>
@@ -38173,7 +38335,7 @@
           </a:ln>
           <a:extLst>
             <a:ext uri="{909E8E84-426E-40dd-AFC4-6F175D3DCCD1}">
-              <a14:hiddenFill xmlns:a14="http://schemas.microsoft.com/office/drawing/2010/main" xmlns="">
+              <a14:hiddenFill xmlns="" xmlns:a14="http://schemas.microsoft.com/office/drawing/2010/main">
                 <a:noFill/>
               </a14:hiddenFill>
             </a:ext>
@@ -38209,7 +38371,7 @@
           </a:ln>
           <a:extLst>
             <a:ext uri="{909E8E84-426E-40dd-AFC4-6F175D3DCCD1}">
-              <a14:hiddenFill xmlns:a14="http://schemas.microsoft.com/office/drawing/2010/main" xmlns="">
+              <a14:hiddenFill xmlns="" xmlns:a14="http://schemas.microsoft.com/office/drawing/2010/main">
                 <a:noFill/>
               </a14:hiddenFill>
             </a:ext>
@@ -38245,7 +38407,7 @@
           </a:ln>
           <a:extLst>
             <a:ext uri="{909E8E84-426E-40dd-AFC4-6F175D3DCCD1}">
-              <a14:hiddenFill xmlns:a14="http://schemas.microsoft.com/office/drawing/2010/main" xmlns="">
+              <a14:hiddenFill xmlns="" xmlns:a14="http://schemas.microsoft.com/office/drawing/2010/main">
                 <a:noFill/>
               </a14:hiddenFill>
             </a:ext>
@@ -38281,7 +38443,7 @@
           </a:ln>
           <a:extLst>
             <a:ext uri="{909E8E84-426E-40dd-AFC4-6F175D3DCCD1}">
-              <a14:hiddenFill xmlns:a14="http://schemas.microsoft.com/office/drawing/2010/main" xmlns="">
+              <a14:hiddenFill xmlns="" xmlns:a14="http://schemas.microsoft.com/office/drawing/2010/main">
                 <a:noFill/>
               </a14:hiddenFill>
             </a:ext>
@@ -38317,7 +38479,7 @@
           </a:ln>
           <a:extLst>
             <a:ext uri="{909E8E84-426E-40dd-AFC4-6F175D3DCCD1}">
-              <a14:hiddenFill xmlns:a14="http://schemas.microsoft.com/office/drawing/2010/main" xmlns="">
+              <a14:hiddenFill xmlns="" xmlns:a14="http://schemas.microsoft.com/office/drawing/2010/main">
                 <a:noFill/>
               </a14:hiddenFill>
             </a:ext>
@@ -38353,7 +38515,7 @@
           </a:ln>
           <a:extLst>
             <a:ext uri="{909E8E84-426E-40dd-AFC4-6F175D3DCCD1}">
-              <a14:hiddenFill xmlns:a14="http://schemas.microsoft.com/office/drawing/2010/main" xmlns="">
+              <a14:hiddenFill xmlns="" xmlns:a14="http://schemas.microsoft.com/office/drawing/2010/main">
                 <a:noFill/>
               </a14:hiddenFill>
             </a:ext>
@@ -38389,7 +38551,7 @@
           </a:ln>
           <a:extLst>
             <a:ext uri="{909E8E84-426E-40dd-AFC4-6F175D3DCCD1}">
-              <a14:hiddenFill xmlns:a14="http://schemas.microsoft.com/office/drawing/2010/main" xmlns="">
+              <a14:hiddenFill xmlns="" xmlns:a14="http://schemas.microsoft.com/office/drawing/2010/main">
                 <a:noFill/>
               </a14:hiddenFill>
             </a:ext>
@@ -38418,14 +38580,14 @@
           </a:ln>
           <a:extLst>
             <a:ext uri="{909E8E84-426E-40dd-AFC4-6F175D3DCCD1}">
-              <a14:hiddenFill xmlns:a14="http://schemas.microsoft.com/office/drawing/2010/main" xmlns="">
+              <a14:hiddenFill xmlns="" xmlns:a14="http://schemas.microsoft.com/office/drawing/2010/main">
                 <a:solidFill>
                   <a:schemeClr val="accent1"/>
                 </a:solidFill>
               </a14:hiddenFill>
             </a:ext>
             <a:ext uri="{91240B29-F687-4f45-9708-019B960494DF}">
-              <a14:hiddenLine xmlns:a14="http://schemas.microsoft.com/office/drawing/2010/main" xmlns="" w="9525">
+              <a14:hiddenLine xmlns="" xmlns:a14="http://schemas.microsoft.com/office/drawing/2010/main" w="9525">
                 <a:solidFill>
                   <a:schemeClr val="tx1"/>
                 </a:solidFill>
@@ -38475,14 +38637,14 @@
           </a:ln>
           <a:extLst>
             <a:ext uri="{909E8E84-426E-40dd-AFC4-6F175D3DCCD1}">
-              <a14:hiddenFill xmlns:a14="http://schemas.microsoft.com/office/drawing/2010/main" xmlns="">
+              <a14:hiddenFill xmlns="" xmlns:a14="http://schemas.microsoft.com/office/drawing/2010/main">
                 <a:solidFill>
                   <a:schemeClr val="accent1"/>
                 </a:solidFill>
               </a14:hiddenFill>
             </a:ext>
             <a:ext uri="{91240B29-F687-4f45-9708-019B960494DF}">
-              <a14:hiddenLine xmlns:a14="http://schemas.microsoft.com/office/drawing/2010/main" xmlns="" w="9525">
+              <a14:hiddenLine xmlns="" xmlns:a14="http://schemas.microsoft.com/office/drawing/2010/main" w="9525">
                 <a:solidFill>
                   <a:schemeClr val="tx1"/>
                 </a:solidFill>
@@ -38532,14 +38694,14 @@
           </a:ln>
           <a:extLst>
             <a:ext uri="{909E8E84-426E-40dd-AFC4-6F175D3DCCD1}">
-              <a14:hiddenFill xmlns:a14="http://schemas.microsoft.com/office/drawing/2010/main" xmlns="">
+              <a14:hiddenFill xmlns="" xmlns:a14="http://schemas.microsoft.com/office/drawing/2010/main">
                 <a:solidFill>
                   <a:schemeClr val="accent1"/>
                 </a:solidFill>
               </a14:hiddenFill>
             </a:ext>
             <a:ext uri="{91240B29-F687-4f45-9708-019B960494DF}">
-              <a14:hiddenLine xmlns:a14="http://schemas.microsoft.com/office/drawing/2010/main" xmlns="" w="9525">
+              <a14:hiddenLine xmlns="" xmlns:a14="http://schemas.microsoft.com/office/drawing/2010/main" w="9525">
                 <a:solidFill>
                   <a:schemeClr val="tx1"/>
                 </a:solidFill>
@@ -38594,7 +38756,7 @@
           </a:ln>
           <a:extLst>
             <a:ext uri="{909E8E84-426E-40dd-AFC4-6F175D3DCCD1}">
-              <a14:hiddenFill xmlns:a14="http://schemas.microsoft.com/office/drawing/2010/main" xmlns="">
+              <a14:hiddenFill xmlns="" xmlns:a14="http://schemas.microsoft.com/office/drawing/2010/main">
                 <a:solidFill>
                   <a:schemeClr val="accent1"/>
                 </a:solidFill>
@@ -38729,14 +38891,14 @@
           </a:ln>
           <a:extLst>
             <a:ext uri="{909E8E84-426E-40dd-AFC4-6F175D3DCCD1}">
-              <a14:hiddenFill xmlns:a14="http://schemas.microsoft.com/office/drawing/2010/main" xmlns="">
+              <a14:hiddenFill xmlns="" xmlns:a14="http://schemas.microsoft.com/office/drawing/2010/main">
                 <a:solidFill>
                   <a:schemeClr val="accent1"/>
                 </a:solidFill>
               </a14:hiddenFill>
             </a:ext>
             <a:ext uri="{91240B29-F687-4f45-9708-019B960494DF}">
-              <a14:hiddenLine xmlns:a14="http://schemas.microsoft.com/office/drawing/2010/main" xmlns="" w="9525">
+              <a14:hiddenLine xmlns="" xmlns:a14="http://schemas.microsoft.com/office/drawing/2010/main" w="9525">
                 <a:solidFill>
                   <a:schemeClr val="tx1"/>
                 </a:solidFill>
@@ -38782,14 +38944,14 @@
           </a:ln>
           <a:extLst>
             <a:ext uri="{909E8E84-426E-40dd-AFC4-6F175D3DCCD1}">
-              <a14:hiddenFill xmlns:a14="http://schemas.microsoft.com/office/drawing/2010/main" xmlns="">
+              <a14:hiddenFill xmlns="" xmlns:a14="http://schemas.microsoft.com/office/drawing/2010/main">
                 <a:solidFill>
                   <a:schemeClr val="accent1"/>
                 </a:solidFill>
               </a14:hiddenFill>
             </a:ext>
             <a:ext uri="{91240B29-F687-4f45-9708-019B960494DF}">
-              <a14:hiddenLine xmlns:a14="http://schemas.microsoft.com/office/drawing/2010/main" xmlns="" w="9525">
+              <a14:hiddenLine xmlns="" xmlns:a14="http://schemas.microsoft.com/office/drawing/2010/main" w="9525">
                 <a:solidFill>
                   <a:schemeClr val="tx1"/>
                 </a:solidFill>
@@ -38835,14 +38997,14 @@
           </a:ln>
           <a:extLst>
             <a:ext uri="{909E8E84-426E-40dd-AFC4-6F175D3DCCD1}">
-              <a14:hiddenFill xmlns:a14="http://schemas.microsoft.com/office/drawing/2010/main" xmlns="">
+              <a14:hiddenFill xmlns="" xmlns:a14="http://schemas.microsoft.com/office/drawing/2010/main">
                 <a:solidFill>
                   <a:schemeClr val="accent1"/>
                 </a:solidFill>
               </a14:hiddenFill>
             </a:ext>
             <a:ext uri="{91240B29-F687-4f45-9708-019B960494DF}">
-              <a14:hiddenLine xmlns:a14="http://schemas.microsoft.com/office/drawing/2010/main" xmlns="" w="9525">
+              <a14:hiddenLine xmlns="" xmlns:a14="http://schemas.microsoft.com/office/drawing/2010/main" w="9525">
                 <a:solidFill>
                   <a:schemeClr val="tx1"/>
                 </a:solidFill>
@@ -38888,14 +39050,14 @@
           </a:ln>
           <a:extLst>
             <a:ext uri="{909E8E84-426E-40dd-AFC4-6F175D3DCCD1}">
-              <a14:hiddenFill xmlns:a14="http://schemas.microsoft.com/office/drawing/2010/main" xmlns="">
+              <a14:hiddenFill xmlns="" xmlns:a14="http://schemas.microsoft.com/office/drawing/2010/main">
                 <a:solidFill>
                   <a:schemeClr val="accent1"/>
                 </a:solidFill>
               </a14:hiddenFill>
             </a:ext>
             <a:ext uri="{91240B29-F687-4f45-9708-019B960494DF}">
-              <a14:hiddenLine xmlns:a14="http://schemas.microsoft.com/office/drawing/2010/main" xmlns="" w="9525">
+              <a14:hiddenLine xmlns="" xmlns:a14="http://schemas.microsoft.com/office/drawing/2010/main" w="9525">
                 <a:solidFill>
                   <a:schemeClr val="tx1"/>
                 </a:solidFill>
@@ -38941,14 +39103,14 @@
           </a:ln>
           <a:extLst>
             <a:ext uri="{909E8E84-426E-40dd-AFC4-6F175D3DCCD1}">
-              <a14:hiddenFill xmlns:a14="http://schemas.microsoft.com/office/drawing/2010/main" xmlns="">
+              <a14:hiddenFill xmlns="" xmlns:a14="http://schemas.microsoft.com/office/drawing/2010/main">
                 <a:solidFill>
                   <a:schemeClr val="accent1"/>
                 </a:solidFill>
               </a14:hiddenFill>
             </a:ext>
             <a:ext uri="{91240B29-F687-4f45-9708-019B960494DF}">
-              <a14:hiddenLine xmlns:a14="http://schemas.microsoft.com/office/drawing/2010/main" xmlns="" w="9525">
+              <a14:hiddenLine xmlns="" xmlns:a14="http://schemas.microsoft.com/office/drawing/2010/main" w="9525">
                 <a:solidFill>
                   <a:schemeClr val="tx1"/>
                 </a:solidFill>
@@ -38994,14 +39156,14 @@
           </a:ln>
           <a:extLst>
             <a:ext uri="{909E8E84-426E-40dd-AFC4-6F175D3DCCD1}">
-              <a14:hiddenFill xmlns:a14="http://schemas.microsoft.com/office/drawing/2010/main" xmlns="">
+              <a14:hiddenFill xmlns="" xmlns:a14="http://schemas.microsoft.com/office/drawing/2010/main">
                 <a:solidFill>
                   <a:schemeClr val="accent1"/>
                 </a:solidFill>
               </a14:hiddenFill>
             </a:ext>
             <a:ext uri="{91240B29-F687-4f45-9708-019B960494DF}">
-              <a14:hiddenLine xmlns:a14="http://schemas.microsoft.com/office/drawing/2010/main" xmlns="" w="9525">
+              <a14:hiddenLine xmlns="" xmlns:a14="http://schemas.microsoft.com/office/drawing/2010/main" w="9525">
                 <a:solidFill>
                   <a:schemeClr val="tx1"/>
                 </a:solidFill>
@@ -39047,14 +39209,14 @@
           </a:ln>
           <a:extLst>
             <a:ext uri="{909E8E84-426E-40dd-AFC4-6F175D3DCCD1}">
-              <a14:hiddenFill xmlns:a14="http://schemas.microsoft.com/office/drawing/2010/main" xmlns="">
+              <a14:hiddenFill xmlns="" xmlns:a14="http://schemas.microsoft.com/office/drawing/2010/main">
                 <a:solidFill>
                   <a:schemeClr val="accent1"/>
                 </a:solidFill>
               </a14:hiddenFill>
             </a:ext>
             <a:ext uri="{91240B29-F687-4f45-9708-019B960494DF}">
-              <a14:hiddenLine xmlns:a14="http://schemas.microsoft.com/office/drawing/2010/main" xmlns="" w="9525">
+              <a14:hiddenLine xmlns="" xmlns:a14="http://schemas.microsoft.com/office/drawing/2010/main" w="9525">
                 <a:solidFill>
                   <a:schemeClr val="tx1"/>
                 </a:solidFill>
@@ -39100,14 +39262,14 @@
           </a:ln>
           <a:extLst>
             <a:ext uri="{909E8E84-426E-40dd-AFC4-6F175D3DCCD1}">
-              <a14:hiddenFill xmlns:a14="http://schemas.microsoft.com/office/drawing/2010/main" xmlns="">
+              <a14:hiddenFill xmlns="" xmlns:a14="http://schemas.microsoft.com/office/drawing/2010/main">
                 <a:solidFill>
                   <a:schemeClr val="accent1"/>
                 </a:solidFill>
               </a14:hiddenFill>
             </a:ext>
             <a:ext uri="{91240B29-F687-4f45-9708-019B960494DF}">
-              <a14:hiddenLine xmlns:a14="http://schemas.microsoft.com/office/drawing/2010/main" xmlns="" w="9525">
+              <a14:hiddenLine xmlns="" xmlns:a14="http://schemas.microsoft.com/office/drawing/2010/main" w="9525">
                 <a:solidFill>
                   <a:schemeClr val="tx1"/>
                 </a:solidFill>
@@ -39153,14 +39315,14 @@
           </a:ln>
           <a:extLst>
             <a:ext uri="{909E8E84-426E-40dd-AFC4-6F175D3DCCD1}">
-              <a14:hiddenFill xmlns:a14="http://schemas.microsoft.com/office/drawing/2010/main" xmlns="">
+              <a14:hiddenFill xmlns="" xmlns:a14="http://schemas.microsoft.com/office/drawing/2010/main">
                 <a:solidFill>
                   <a:schemeClr val="accent1"/>
                 </a:solidFill>
               </a14:hiddenFill>
             </a:ext>
             <a:ext uri="{91240B29-F687-4f45-9708-019B960494DF}">
-              <a14:hiddenLine xmlns:a14="http://schemas.microsoft.com/office/drawing/2010/main" xmlns="" w="9525">
+              <a14:hiddenLine xmlns="" xmlns:a14="http://schemas.microsoft.com/office/drawing/2010/main" w="9525">
                 <a:solidFill>
                   <a:schemeClr val="tx1"/>
                 </a:solidFill>
@@ -39206,14 +39368,14 @@
           </a:ln>
           <a:extLst>
             <a:ext uri="{909E8E84-426E-40dd-AFC4-6F175D3DCCD1}">
-              <a14:hiddenFill xmlns:a14="http://schemas.microsoft.com/office/drawing/2010/main" xmlns="">
+              <a14:hiddenFill xmlns="" xmlns:a14="http://schemas.microsoft.com/office/drawing/2010/main">
                 <a:solidFill>
                   <a:schemeClr val="accent1"/>
                 </a:solidFill>
               </a14:hiddenFill>
             </a:ext>
             <a:ext uri="{91240B29-F687-4f45-9708-019B960494DF}">
-              <a14:hiddenLine xmlns:a14="http://schemas.microsoft.com/office/drawing/2010/main" xmlns="" w="9525">
+              <a14:hiddenLine xmlns="" xmlns:a14="http://schemas.microsoft.com/office/drawing/2010/main" w="9525">
                 <a:solidFill>
                   <a:schemeClr val="tx1"/>
                 </a:solidFill>
@@ -39259,14 +39421,14 @@
           </a:ln>
           <a:extLst>
             <a:ext uri="{909E8E84-426E-40dd-AFC4-6F175D3DCCD1}">
-              <a14:hiddenFill xmlns:a14="http://schemas.microsoft.com/office/drawing/2010/main" xmlns="">
+              <a14:hiddenFill xmlns="" xmlns:a14="http://schemas.microsoft.com/office/drawing/2010/main">
                 <a:solidFill>
                   <a:schemeClr val="accent1"/>
                 </a:solidFill>
               </a14:hiddenFill>
             </a:ext>
             <a:ext uri="{91240B29-F687-4f45-9708-019B960494DF}">
-              <a14:hiddenLine xmlns:a14="http://schemas.microsoft.com/office/drawing/2010/main" xmlns="" w="9525">
+              <a14:hiddenLine xmlns="" xmlns:a14="http://schemas.microsoft.com/office/drawing/2010/main" w="9525">
                 <a:solidFill>
                   <a:schemeClr val="tx1"/>
                 </a:solidFill>
@@ -39319,7 +39481,7 @@
           </a:ln>
           <a:extLst>
             <a:ext uri="{909E8E84-426E-40dd-AFC4-6F175D3DCCD1}">
-              <a14:hiddenFill xmlns:a14="http://schemas.microsoft.com/office/drawing/2010/main" xmlns="">
+              <a14:hiddenFill xmlns="" xmlns:a14="http://schemas.microsoft.com/office/drawing/2010/main">
                 <a:noFill/>
               </a14:hiddenFill>
             </a:ext>
@@ -39355,7 +39517,7 @@
           </a:ln>
           <a:extLst>
             <a:ext uri="{909E8E84-426E-40dd-AFC4-6F175D3DCCD1}">
-              <a14:hiddenFill xmlns:a14="http://schemas.microsoft.com/office/drawing/2010/main" xmlns="">
+              <a14:hiddenFill xmlns="" xmlns:a14="http://schemas.microsoft.com/office/drawing/2010/main">
                 <a:noFill/>
               </a14:hiddenFill>
             </a:ext>
@@ -39391,7 +39553,7 @@
           </a:ln>
           <a:extLst>
             <a:ext uri="{909E8E84-426E-40dd-AFC4-6F175D3DCCD1}">
-              <a14:hiddenFill xmlns:a14="http://schemas.microsoft.com/office/drawing/2010/main" xmlns="">
+              <a14:hiddenFill xmlns="" xmlns:a14="http://schemas.microsoft.com/office/drawing/2010/main">
                 <a:noFill/>
               </a14:hiddenFill>
             </a:ext>
@@ -39427,7 +39589,7 @@
           </a:ln>
           <a:extLst>
             <a:ext uri="{909E8E84-426E-40dd-AFC4-6F175D3DCCD1}">
-              <a14:hiddenFill xmlns:a14="http://schemas.microsoft.com/office/drawing/2010/main" xmlns="">
+              <a14:hiddenFill xmlns="" xmlns:a14="http://schemas.microsoft.com/office/drawing/2010/main">
                 <a:noFill/>
               </a14:hiddenFill>
             </a:ext>
@@ -39463,7 +39625,7 @@
           </a:ln>
           <a:extLst>
             <a:ext uri="{909E8E84-426E-40dd-AFC4-6F175D3DCCD1}">
-              <a14:hiddenFill xmlns:a14="http://schemas.microsoft.com/office/drawing/2010/main" xmlns="">
+              <a14:hiddenFill xmlns="" xmlns:a14="http://schemas.microsoft.com/office/drawing/2010/main">
                 <a:noFill/>
               </a14:hiddenFill>
             </a:ext>
@@ -39499,7 +39661,7 @@
           </a:ln>
           <a:extLst>
             <a:ext uri="{909E8E84-426E-40dd-AFC4-6F175D3DCCD1}">
-              <a14:hiddenFill xmlns:a14="http://schemas.microsoft.com/office/drawing/2010/main" xmlns="">
+              <a14:hiddenFill xmlns="" xmlns:a14="http://schemas.microsoft.com/office/drawing/2010/main">
                 <a:noFill/>
               </a14:hiddenFill>
             </a:ext>
@@ -39535,7 +39697,7 @@
           </a:ln>
           <a:extLst>
             <a:ext uri="{909E8E84-426E-40dd-AFC4-6F175D3DCCD1}">
-              <a14:hiddenFill xmlns:a14="http://schemas.microsoft.com/office/drawing/2010/main" xmlns="">
+              <a14:hiddenFill xmlns="" xmlns:a14="http://schemas.microsoft.com/office/drawing/2010/main">
                 <a:noFill/>
               </a14:hiddenFill>
             </a:ext>
@@ -39571,7 +39733,7 @@
           </a:ln>
           <a:extLst>
             <a:ext uri="{909E8E84-426E-40dd-AFC4-6F175D3DCCD1}">
-              <a14:hiddenFill xmlns:a14="http://schemas.microsoft.com/office/drawing/2010/main" xmlns="">
+              <a14:hiddenFill xmlns="" xmlns:a14="http://schemas.microsoft.com/office/drawing/2010/main">
                 <a:noFill/>
               </a14:hiddenFill>
             </a:ext>
@@ -39607,7 +39769,7 @@
           </a:ln>
           <a:extLst>
             <a:ext uri="{909E8E84-426E-40dd-AFC4-6F175D3DCCD1}">
-              <a14:hiddenFill xmlns:a14="http://schemas.microsoft.com/office/drawing/2010/main" xmlns="">
+              <a14:hiddenFill xmlns="" xmlns:a14="http://schemas.microsoft.com/office/drawing/2010/main">
                 <a:noFill/>
               </a14:hiddenFill>
             </a:ext>
@@ -39643,7 +39805,7 @@
           </a:ln>
           <a:extLst>
             <a:ext uri="{909E8E84-426E-40dd-AFC4-6F175D3DCCD1}">
-              <a14:hiddenFill xmlns:a14="http://schemas.microsoft.com/office/drawing/2010/main" xmlns="">
+              <a14:hiddenFill xmlns="" xmlns:a14="http://schemas.microsoft.com/office/drawing/2010/main">
                 <a:noFill/>
               </a14:hiddenFill>
             </a:ext>
@@ -39672,14 +39834,14 @@
           </a:ln>
           <a:extLst>
             <a:ext uri="{909E8E84-426E-40dd-AFC4-6F175D3DCCD1}">
-              <a14:hiddenFill xmlns:a14="http://schemas.microsoft.com/office/drawing/2010/main" xmlns="">
+              <a14:hiddenFill xmlns="" xmlns:a14="http://schemas.microsoft.com/office/drawing/2010/main">
                 <a:solidFill>
                   <a:schemeClr val="accent1"/>
                 </a:solidFill>
               </a14:hiddenFill>
             </a:ext>
             <a:ext uri="{91240B29-F687-4f45-9708-019B960494DF}">
-              <a14:hiddenLine xmlns:a14="http://schemas.microsoft.com/office/drawing/2010/main" xmlns="" w="9525">
+              <a14:hiddenLine xmlns="" xmlns:a14="http://schemas.microsoft.com/office/drawing/2010/main" w="9525">
                 <a:solidFill>
                   <a:schemeClr val="tx1"/>
                 </a:solidFill>
@@ -39729,14 +39891,14 @@
           </a:ln>
           <a:extLst>
             <a:ext uri="{909E8E84-426E-40dd-AFC4-6F175D3DCCD1}">
-              <a14:hiddenFill xmlns:a14="http://schemas.microsoft.com/office/drawing/2010/main" xmlns="">
+              <a14:hiddenFill xmlns="" xmlns:a14="http://schemas.microsoft.com/office/drawing/2010/main">
                 <a:solidFill>
                   <a:schemeClr val="accent1"/>
                 </a:solidFill>
               </a14:hiddenFill>
             </a:ext>
             <a:ext uri="{91240B29-F687-4f45-9708-019B960494DF}">
-              <a14:hiddenLine xmlns:a14="http://schemas.microsoft.com/office/drawing/2010/main" xmlns="" w="9525">
+              <a14:hiddenLine xmlns="" xmlns:a14="http://schemas.microsoft.com/office/drawing/2010/main" w="9525">
                 <a:solidFill>
                   <a:schemeClr val="tx1"/>
                 </a:solidFill>
@@ -39786,14 +39948,14 @@
           </a:ln>
           <a:extLst>
             <a:ext uri="{909E8E84-426E-40dd-AFC4-6F175D3DCCD1}">
-              <a14:hiddenFill xmlns:a14="http://schemas.microsoft.com/office/drawing/2010/main" xmlns="">
+              <a14:hiddenFill xmlns="" xmlns:a14="http://schemas.microsoft.com/office/drawing/2010/main">
                 <a:solidFill>
                   <a:schemeClr val="accent1"/>
                 </a:solidFill>
               </a14:hiddenFill>
             </a:ext>
             <a:ext uri="{91240B29-F687-4f45-9708-019B960494DF}">
-              <a14:hiddenLine xmlns:a14="http://schemas.microsoft.com/office/drawing/2010/main" xmlns="" w="9525">
+              <a14:hiddenLine xmlns="" xmlns:a14="http://schemas.microsoft.com/office/drawing/2010/main" w="9525">
                 <a:solidFill>
                   <a:schemeClr val="tx1"/>
                 </a:solidFill>
@@ -39843,14 +40005,14 @@
           </a:ln>
           <a:extLst>
             <a:ext uri="{909E8E84-426E-40dd-AFC4-6F175D3DCCD1}">
-              <a14:hiddenFill xmlns:a14="http://schemas.microsoft.com/office/drawing/2010/main" xmlns="">
+              <a14:hiddenFill xmlns="" xmlns:a14="http://schemas.microsoft.com/office/drawing/2010/main">
                 <a:solidFill>
                   <a:schemeClr val="accent1"/>
                 </a:solidFill>
               </a14:hiddenFill>
             </a:ext>
             <a:ext uri="{91240B29-F687-4f45-9708-019B960494DF}">
-              <a14:hiddenLine xmlns:a14="http://schemas.microsoft.com/office/drawing/2010/main" xmlns="" w="9525">
+              <a14:hiddenLine xmlns="" xmlns:a14="http://schemas.microsoft.com/office/drawing/2010/main" w="9525">
                 <a:solidFill>
                   <a:schemeClr val="tx1"/>
                 </a:solidFill>
@@ -39900,14 +40062,14 @@
           </a:ln>
           <a:extLst>
             <a:ext uri="{909E8E84-426E-40dd-AFC4-6F175D3DCCD1}">
-              <a14:hiddenFill xmlns:a14="http://schemas.microsoft.com/office/drawing/2010/main" xmlns="">
+              <a14:hiddenFill xmlns="" xmlns:a14="http://schemas.microsoft.com/office/drawing/2010/main">
                 <a:solidFill>
                   <a:schemeClr val="accent1"/>
                 </a:solidFill>
               </a14:hiddenFill>
             </a:ext>
             <a:ext uri="{91240B29-F687-4f45-9708-019B960494DF}">
-              <a14:hiddenLine xmlns:a14="http://schemas.microsoft.com/office/drawing/2010/main" xmlns="" w="9525">
+              <a14:hiddenLine xmlns="" xmlns:a14="http://schemas.microsoft.com/office/drawing/2010/main" w="9525">
                 <a:solidFill>
                   <a:schemeClr val="tx1"/>
                 </a:solidFill>
@@ -39961,7 +40123,7 @@
           </a:ln>
           <a:extLst>
             <a:ext uri="{909E8E84-426E-40dd-AFC4-6F175D3DCCD1}">
-              <a14:hiddenFill xmlns:a14="http://schemas.microsoft.com/office/drawing/2010/main" xmlns="">
+              <a14:hiddenFill xmlns="" xmlns:a14="http://schemas.microsoft.com/office/drawing/2010/main">
                 <a:solidFill>
                   <a:schemeClr val="accent1"/>
                 </a:solidFill>
@@ -40254,7 +40416,7 @@
         <a:effectLst/>
         <a:extLst>
           <a:ext uri="{AF507438-7753-43e0-B8FC-AC1667EBCBE1}">
-            <a14:hiddenEffects xmlns:a14="http://schemas.microsoft.com/office/drawing/2010/main" xmlns="">
+            <a14:hiddenEffects xmlns="" xmlns:a14="http://schemas.microsoft.com/office/drawing/2010/main">
               <a:effectLst>
                 <a:outerShdw blurRad="63500" dist="38099" dir="2700000" algn="ctr" rotWithShape="0">
                   <a:schemeClr val="bg2">
@@ -40331,7 +40493,7 @@
         <a:effectLst/>
         <a:extLst>
           <a:ext uri="{AF507438-7753-43e0-B8FC-AC1667EBCBE1}">
-            <a14:hiddenEffects xmlns:a14="http://schemas.microsoft.com/office/drawing/2010/main" xmlns="">
+            <a14:hiddenEffects xmlns="" xmlns:a14="http://schemas.microsoft.com/office/drawing/2010/main">
               <a:effectLst>
                 <a:outerShdw blurRad="63500" dist="38099" dir="2700000" algn="ctr" rotWithShape="0">
                   <a:schemeClr val="bg2">
